--- a/relazione/ML-2023-PRJ-Slides-Demo.pptx
+++ b/relazione/ML-2023-PRJ-Slides-Demo.pptx
@@ -6,7 +6,7 @@
     <p:sldMasterId id="2147483661" r:id="rId2"/>
   </p:sldMasterIdLst>
   <p:notesMasterIdLst>
-    <p:notesMasterId r:id="rId19"/>
+    <p:notesMasterId r:id="rId20"/>
   </p:notesMasterIdLst>
   <p:sldIdLst>
     <p:sldId id="256" r:id="rId3"/>
@@ -21,10 +21,11 @@
     <p:sldId id="262" r:id="rId12"/>
     <p:sldId id="263" r:id="rId13"/>
     <p:sldId id="264" r:id="rId14"/>
-    <p:sldId id="265" r:id="rId15"/>
-    <p:sldId id="266" r:id="rId16"/>
-    <p:sldId id="267" r:id="rId17"/>
-    <p:sldId id="268" r:id="rId18"/>
+    <p:sldId id="272" r:id="rId15"/>
+    <p:sldId id="265" r:id="rId16"/>
+    <p:sldId id="266" r:id="rId17"/>
+    <p:sldId id="267" r:id="rId18"/>
+    <p:sldId id="268" r:id="rId19"/>
   </p:sldIdLst>
   <p:sldSz cx="9144000" cy="5143500" type="screen16x9"/>
   <p:notesSz cx="6858000" cy="9144000"/>
@@ -123,6 +124,11 @@
       </a:defRPr>
     </a:lvl9pPr>
   </p:defaultTextStyle>
+  <p:extLst>
+    <p:ext uri="{EFAFB233-063F-42B5-8137-9DF3F51BA10A}">
+      <p15:sldGuideLst xmlns:p15="http://schemas.microsoft.com/office/powerpoint/2012/main"/>
+    </p:ext>
+  </p:extLst>
 </p:presentation>
 </file>
 
@@ -208,7 +214,7 @@
           <a:p>
             <a:fld id="{6A71CC8E-465E-46C0-91CA-2080D1264305}" type="datetimeFigureOut">
               <a:rPr lang="it-IT" smtClean="0"/>
-              <a:t>16/01/2024</a:t>
+              <a:t>17/01/2024</a:t>
             </a:fld>
             <a:endParaRPr lang="it-IT"/>
           </a:p>
@@ -5869,7 +5875,27 @@
                 <a:latin typeface="Arial"/>
                 <a:ea typeface="Arial"/>
               </a:rPr>
-              <a:t>Date xx/yy/xyzz</a:t>
+              <a:t>Date </a:t>
+            </a:r>
+            <a:r>
+              <a:rPr lang="it" sz="1520" spc="-1" dirty="0">
+                <a:solidFill>
+                  <a:srgbClr val="000000"/>
+                </a:solidFill>
+                <a:latin typeface="Arial"/>
+                <a:ea typeface="Arial"/>
+              </a:rPr>
+              <a:t>01</a:t>
+            </a:r>
+            <a:r>
+              <a:rPr lang="it" sz="1520" b="0" strike="noStrike" spc="-1" dirty="0">
+                <a:solidFill>
+                  <a:srgbClr val="000000"/>
+                </a:solidFill>
+                <a:latin typeface="Arial"/>
+                <a:ea typeface="Arial"/>
+              </a:rPr>
+              <a:t>/02/2023</a:t>
             </a:r>
             <a:endParaRPr lang="it-IT" sz="1520" b="0" strike="noStrike" spc="-1" dirty="0">
               <a:latin typeface="Arial"/>
@@ -6048,11 +6074,20 @@
                 </a:solidFill>
                 <a:latin typeface="Arial"/>
               </a:rPr>
-              <a:t> schema: data splitting</a:t>
+              <a:t> schema: data splitting </a:t>
+            </a:r>
+            <a:r>
+              <a:rPr lang="it-IT" sz="2600" b="0" strike="noStrike" spc="-1" dirty="0">
+                <a:solidFill>
+                  <a:srgbClr val="FF0000"/>
+                </a:solidFill>
+                <a:latin typeface="Arial"/>
+              </a:rPr>
+              <a:t>Aggiungere?</a:t>
             </a:r>
             <a:endParaRPr lang="it-IT" sz="2400" b="0" strike="noStrike" spc="-1" dirty="0">
               <a:solidFill>
-                <a:srgbClr val="000000"/>
+                <a:srgbClr val="FF0000"/>
               </a:solidFill>
               <a:latin typeface="Arial"/>
             </a:endParaRPr>
@@ -6098,181 +6133,450 @@
               </a:tabLst>
             </a:pPr>
             <a:r>
-              <a:rPr lang="it" sz="1800" b="0" strike="noStrike" spc="-1">
-                <a:solidFill>
-                  <a:srgbClr val="000000"/>
-                </a:solidFill>
-                <a:latin typeface="Arial"/>
-                <a:ea typeface="Arial"/>
-              </a:rPr>
-              <a:t>Typically the points 1-2 of the section 3.2 o</a:t>
-            </a:r>
-            <a:r>
-              <a:rPr lang="it" sz="1800" b="0" strike="noStrike" spc="-1">
-                <a:solidFill>
-                  <a:srgbClr val="595959"/>
-                </a:solidFill>
-                <a:latin typeface="Arial"/>
-                <a:ea typeface="Arial"/>
-              </a:rPr>
-              <a:t>f </a:t>
-            </a:r>
-            <a:r>
-              <a:rPr lang="it" sz="1800" b="0" strike="noStrike" spc="-1">
-                <a:solidFill>
-                  <a:srgbClr val="000000"/>
-                </a:solidFill>
-                <a:latin typeface="Arial"/>
-                <a:ea typeface="Arial"/>
-              </a:rPr>
-              <a:t>file “ML-23-Report-info-...”</a:t>
-            </a:r>
-            <a:endParaRPr lang="it-IT" sz="1800" b="0" strike="noStrike" spc="-1">
-              <a:solidFill>
-                <a:srgbClr val="000000"/>
-              </a:solidFill>
-              <a:latin typeface="Arial"/>
-            </a:endParaRPr>
-          </a:p>
-          <a:p>
-            <a:pPr marL="457200" indent="-343080">
-              <a:lnSpc>
-                <a:spcPct val="115000"/>
-              </a:lnSpc>
-              <a:spcBef>
-                <a:spcPts val="1199"/>
-              </a:spcBef>
-              <a:buClr>
-                <a:srgbClr val="000000"/>
-              </a:buClr>
-              <a:buFont typeface="Arial"/>
-              <a:buChar char="-"/>
-              <a:tabLst>
-                <a:tab pos="0" algn="l"/>
-              </a:tabLst>
-            </a:pPr>
-            <a:r>
-              <a:rPr lang="it" sz="1800" b="0" strike="noStrike" spc="-1">
-                <a:solidFill>
-                  <a:srgbClr val="000000"/>
-                </a:solidFill>
-                <a:latin typeface="Arial"/>
-                <a:ea typeface="Arial"/>
-              </a:rPr>
-              <a:t>Which schema have you used for model selection and model assessment? </a:t>
-            </a:r>
-            <a:endParaRPr lang="it-IT" sz="1800" b="0" strike="noStrike" spc="-1">
-              <a:solidFill>
-                <a:srgbClr val="000000"/>
-              </a:solidFill>
-              <a:latin typeface="Arial"/>
-            </a:endParaRPr>
-          </a:p>
-          <a:p>
-            <a:pPr marL="914400" lvl="1" indent="-317520">
-              <a:lnSpc>
-                <a:spcPct val="115000"/>
-              </a:lnSpc>
-              <a:buClr>
-                <a:srgbClr val="000000"/>
-              </a:buClr>
-              <a:buFont typeface="Arial"/>
-              <a:buChar char="-"/>
-              <a:tabLst>
-                <a:tab pos="0" algn="l"/>
-              </a:tabLst>
-            </a:pPr>
-            <a:r>
-              <a:rPr lang="it" sz="1400" b="0" strike="noStrike" spc="-1">
-                <a:solidFill>
-                  <a:srgbClr val="000000"/>
-                </a:solidFill>
-                <a:latin typeface="Arial"/>
-                <a:ea typeface="Arial"/>
-              </a:rPr>
-              <a:t>Validation schema can be easily reported in a graphical form, e.g.</a:t>
-            </a:r>
-            <a:endParaRPr lang="it-IT" sz="1400" b="0" strike="noStrike" spc="-1">
-              <a:solidFill>
-                <a:srgbClr val="000000"/>
-              </a:solidFill>
-              <a:latin typeface="Arial"/>
-            </a:endParaRPr>
+              <a:rPr lang="it-IT" sz="1400" b="0" strike="noStrike" spc="-1" dirty="0" err="1">
+                <a:solidFill>
+                  <a:srgbClr val="000000"/>
+                </a:solidFill>
+                <a:latin typeface="Arial"/>
+              </a:rPr>
+              <a:t>We</a:t>
+            </a:r>
+            <a:r>
+              <a:rPr lang="it-IT" sz="1400" b="0" strike="noStrike" spc="-1" dirty="0">
+                <a:solidFill>
+                  <a:srgbClr val="000000"/>
+                </a:solidFill>
+                <a:latin typeface="Arial"/>
+              </a:rPr>
+              <a:t> </a:t>
+            </a:r>
+            <a:r>
+              <a:rPr lang="it-IT" sz="1400" b="0" strike="noStrike" spc="-1" dirty="0" err="1">
+                <a:solidFill>
+                  <a:srgbClr val="000000"/>
+                </a:solidFill>
+                <a:latin typeface="Arial"/>
+              </a:rPr>
+              <a:t>held</a:t>
+            </a:r>
+            <a:r>
+              <a:rPr lang="it-IT" sz="1400" b="0" strike="noStrike" spc="-1" dirty="0">
+                <a:solidFill>
+                  <a:srgbClr val="000000"/>
+                </a:solidFill>
+                <a:latin typeface="Arial"/>
+              </a:rPr>
+              <a:t> out 20% of the data (</a:t>
+            </a:r>
+            <a:r>
+              <a:rPr lang="it-IT" sz="1400" b="0" strike="noStrike" spc="-1" dirty="0" err="1">
+                <a:solidFill>
+                  <a:srgbClr val="000000"/>
+                </a:solidFill>
+                <a:latin typeface="Arial"/>
+              </a:rPr>
+              <a:t>randomly</a:t>
+            </a:r>
+            <a:r>
+              <a:rPr lang="it-IT" sz="1400" b="0" strike="noStrike" spc="-1" dirty="0">
+                <a:solidFill>
+                  <a:srgbClr val="000000"/>
+                </a:solidFill>
+                <a:latin typeface="Arial"/>
+              </a:rPr>
+              <a:t> </a:t>
+            </a:r>
+            <a:r>
+              <a:rPr lang="it-IT" sz="1400" b="0" strike="noStrike" spc="-1" dirty="0" err="1">
+                <a:solidFill>
+                  <a:srgbClr val="000000"/>
+                </a:solidFill>
+                <a:latin typeface="Arial"/>
+              </a:rPr>
+              <a:t>sampled</a:t>
+            </a:r>
+            <a:r>
+              <a:rPr lang="it-IT" sz="1400" b="0" strike="noStrike" spc="-1" dirty="0">
+                <a:solidFill>
+                  <a:srgbClr val="000000"/>
+                </a:solidFill>
+                <a:latin typeface="Arial"/>
+              </a:rPr>
+              <a:t> by fixing the </a:t>
+            </a:r>
+            <a:r>
+              <a:rPr lang="it-IT" sz="1400" b="0" strike="noStrike" spc="-1" dirty="0" err="1">
+                <a:solidFill>
+                  <a:srgbClr val="000000"/>
+                </a:solidFill>
+                <a:latin typeface="Arial"/>
+              </a:rPr>
+              <a:t>seed</a:t>
+            </a:r>
+            <a:r>
+              <a:rPr lang="it-IT" sz="1400" b="0" strike="noStrike" spc="-1" dirty="0">
+                <a:solidFill>
+                  <a:srgbClr val="000000"/>
+                </a:solidFill>
+                <a:latin typeface="Arial"/>
+              </a:rPr>
+              <a:t> for </a:t>
+            </a:r>
+            <a:r>
+              <a:rPr lang="it-IT" sz="1400" b="0" strike="noStrike" spc="-1" dirty="0" err="1">
+                <a:solidFill>
+                  <a:srgbClr val="000000"/>
+                </a:solidFill>
+                <a:latin typeface="Arial"/>
+              </a:rPr>
+              <a:t>reproducibility</a:t>
+            </a:r>
+            <a:r>
+              <a:rPr lang="it-IT" sz="1400" b="0" strike="noStrike" spc="-1" dirty="0">
+                <a:solidFill>
+                  <a:srgbClr val="000000"/>
+                </a:solidFill>
+                <a:latin typeface="Arial"/>
+              </a:rPr>
+              <a:t>) to use </a:t>
+            </a:r>
+            <a:r>
+              <a:rPr lang="it-IT" sz="1400" b="0" strike="noStrike" spc="-1" dirty="0" err="1">
+                <a:solidFill>
+                  <a:srgbClr val="000000"/>
+                </a:solidFill>
+                <a:latin typeface="Arial"/>
+              </a:rPr>
+              <a:t>it</a:t>
+            </a:r>
+            <a:r>
+              <a:rPr lang="it-IT" sz="1400" b="0" strike="noStrike" spc="-1" dirty="0">
+                <a:solidFill>
+                  <a:srgbClr val="000000"/>
+                </a:solidFill>
+                <a:latin typeface="Arial"/>
+              </a:rPr>
+              <a:t> </a:t>
+            </a:r>
+            <a:r>
+              <a:rPr lang="it-IT" sz="1400" b="0" strike="noStrike" spc="-1" dirty="0" err="1">
+                <a:solidFill>
+                  <a:srgbClr val="000000"/>
+                </a:solidFill>
+                <a:latin typeface="Arial"/>
+              </a:rPr>
+              <a:t>as</a:t>
+            </a:r>
+            <a:r>
+              <a:rPr lang="it-IT" sz="1400" b="0" strike="noStrike" spc="-1" dirty="0">
+                <a:solidFill>
+                  <a:srgbClr val="000000"/>
+                </a:solidFill>
+                <a:latin typeface="Arial"/>
+              </a:rPr>
+              <a:t> an </a:t>
+            </a:r>
+            <a:r>
+              <a:rPr lang="it-IT" sz="1400" b="0" strike="noStrike" spc="-1" dirty="0" err="1">
+                <a:solidFill>
+                  <a:srgbClr val="000000"/>
+                </a:solidFill>
+                <a:latin typeface="Arial"/>
+              </a:rPr>
+              <a:t>internal</a:t>
+            </a:r>
+            <a:r>
+              <a:rPr lang="it-IT" sz="1400" b="0" strike="noStrike" spc="-1" dirty="0">
+                <a:solidFill>
+                  <a:srgbClr val="000000"/>
+                </a:solidFill>
+                <a:latin typeface="Arial"/>
+              </a:rPr>
+              <a:t> test set.</a:t>
+            </a:r>
           </a:p>
           <a:p>
             <a:pPr>
               <a:lnSpc>
                 <a:spcPct val="115000"/>
               </a:lnSpc>
-              <a:spcBef>
-                <a:spcPts val="1199"/>
-              </a:spcBef>
               <a:buNone/>
               <a:tabLst>
                 <a:tab pos="0" algn="l"/>
               </a:tabLst>
             </a:pPr>
-            <a:br>
-              <a:rPr sz="1000"/>
-            </a:br>
-            <a:endParaRPr lang="it-IT" sz="1000" b="0" strike="noStrike" spc="-1">
-              <a:solidFill>
-                <a:srgbClr val="000000"/>
-              </a:solidFill>
-              <a:latin typeface="Arial"/>
-            </a:endParaRPr>
-          </a:p>
-          <a:p>
-            <a:pPr marL="914400" lvl="1" indent="-317520">
-              <a:lnSpc>
-                <a:spcPct val="115000"/>
-              </a:lnSpc>
-              <a:spcBef>
-                <a:spcPts val="1199"/>
-              </a:spcBef>
-              <a:buClr>
-                <a:srgbClr val="000000"/>
-              </a:buClr>
-              <a:buFont typeface="Arial"/>
-              <a:buChar char="-"/>
-              <a:tabLst>
-                <a:tab pos="0" algn="l"/>
-              </a:tabLst>
-            </a:pPr>
-            <a:r>
-              <a:rPr lang="it" sz="1400" b="0" strike="noStrike" spc="-1">
-                <a:solidFill>
-                  <a:srgbClr val="000000"/>
-                </a:solidFill>
-                <a:latin typeface="Arial"/>
-                <a:ea typeface="Arial"/>
-              </a:rPr>
-              <a:t>Have you a final retraining? </a:t>
-            </a:r>
-            <a:endParaRPr lang="it-IT" sz="1400" b="0" strike="noStrike" spc="-1">
-              <a:solidFill>
-                <a:srgbClr val="000000"/>
-              </a:solidFill>
-              <a:latin typeface="Arial"/>
-            </a:endParaRPr>
-          </a:p>
-          <a:p>
-            <a:pPr>
-              <a:lnSpc>
-                <a:spcPct val="115000"/>
-              </a:lnSpc>
-              <a:spcBef>
-                <a:spcPts val="1199"/>
-              </a:spcBef>
-              <a:spcAft>
-                <a:spcPts val="1199"/>
-              </a:spcAft>
-              <a:buNone/>
-              <a:tabLst>
-                <a:tab pos="0" algn="l"/>
-              </a:tabLst>
-            </a:pPr>
-            <a:endParaRPr lang="it-IT" sz="1800" b="0" strike="noStrike" spc="-1">
+            <a:r>
+              <a:rPr lang="it-IT" sz="1400" spc="-1" dirty="0">
+                <a:solidFill>
+                  <a:srgbClr val="000000"/>
+                </a:solidFill>
+                <a:latin typeface="Arial"/>
+              </a:rPr>
+              <a:t>On t</a:t>
+            </a:r>
+            <a:r>
+              <a:rPr lang="it-IT" sz="1400" b="0" strike="noStrike" spc="-1" dirty="0">
+                <a:solidFill>
+                  <a:srgbClr val="000000"/>
+                </a:solidFill>
+                <a:latin typeface="Arial"/>
+              </a:rPr>
+              <a:t>he </a:t>
+            </a:r>
+            <a:r>
+              <a:rPr lang="it-IT" sz="1400" b="0" strike="noStrike" spc="-1" dirty="0" err="1">
+                <a:solidFill>
+                  <a:srgbClr val="000000"/>
+                </a:solidFill>
+                <a:latin typeface="Arial"/>
+              </a:rPr>
+              <a:t>remaining</a:t>
+            </a:r>
+            <a:r>
+              <a:rPr lang="it-IT" sz="1400" b="0" strike="noStrike" spc="-1" dirty="0">
+                <a:solidFill>
+                  <a:srgbClr val="000000"/>
+                </a:solidFill>
+                <a:latin typeface="Arial"/>
+              </a:rPr>
+              <a:t> part of the data </a:t>
+            </a:r>
+            <a:r>
+              <a:rPr lang="it-IT" sz="1400" spc="-1" dirty="0" err="1">
+                <a:solidFill>
+                  <a:srgbClr val="000000"/>
+                </a:solidFill>
+                <a:latin typeface="Arial"/>
+              </a:rPr>
+              <a:t>we</a:t>
+            </a:r>
+            <a:r>
+              <a:rPr lang="it-IT" sz="1400" spc="-1" dirty="0">
+                <a:solidFill>
+                  <a:srgbClr val="000000"/>
+                </a:solidFill>
+                <a:latin typeface="Arial"/>
+              </a:rPr>
+              <a:t> do training and </a:t>
+            </a:r>
+            <a:r>
+              <a:rPr lang="it-IT" sz="1400" spc="-1" dirty="0" err="1">
+                <a:solidFill>
+                  <a:srgbClr val="000000"/>
+                </a:solidFill>
+                <a:latin typeface="Arial"/>
+              </a:rPr>
+              <a:t>validation</a:t>
+            </a:r>
+            <a:r>
+              <a:rPr lang="it-IT" sz="1400" spc="-1" dirty="0">
+                <a:solidFill>
+                  <a:srgbClr val="000000"/>
+                </a:solidFill>
+                <a:latin typeface="Arial"/>
+              </a:rPr>
+              <a:t> following a 5-fold Cross </a:t>
+            </a:r>
+            <a:r>
+              <a:rPr lang="it-IT" sz="1400" spc="-1" dirty="0" err="1">
+                <a:solidFill>
+                  <a:srgbClr val="000000"/>
+                </a:solidFill>
+                <a:latin typeface="Arial"/>
+              </a:rPr>
+              <a:t>Validation</a:t>
+            </a:r>
+            <a:r>
+              <a:rPr lang="it-IT" sz="1400" spc="-1" dirty="0">
+                <a:solidFill>
+                  <a:srgbClr val="000000"/>
+                </a:solidFill>
+                <a:latin typeface="Arial"/>
+              </a:rPr>
+              <a:t> schema. </a:t>
+            </a:r>
+            <a:r>
+              <a:rPr lang="it-IT" sz="1400" spc="-1" dirty="0" err="1">
+                <a:solidFill>
+                  <a:srgbClr val="000000"/>
+                </a:solidFill>
+                <a:latin typeface="Arial"/>
+              </a:rPr>
+              <a:t>This</a:t>
+            </a:r>
+            <a:r>
+              <a:rPr lang="it-IT" sz="1400" spc="-1" dirty="0">
+                <a:solidFill>
+                  <a:srgbClr val="000000"/>
+                </a:solidFill>
+                <a:latin typeface="Arial"/>
+              </a:rPr>
+              <a:t> </a:t>
+            </a:r>
+            <a:r>
+              <a:rPr lang="it-IT" sz="1400" spc="-1" dirty="0" err="1">
+                <a:solidFill>
+                  <a:srgbClr val="000000"/>
+                </a:solidFill>
+                <a:latin typeface="Arial"/>
+              </a:rPr>
+              <a:t>is</a:t>
+            </a:r>
+            <a:r>
+              <a:rPr lang="it-IT" sz="1400" spc="-1" dirty="0">
+                <a:solidFill>
+                  <a:srgbClr val="000000"/>
+                </a:solidFill>
+                <a:latin typeface="Arial"/>
+              </a:rPr>
+              <a:t> </a:t>
+            </a:r>
+            <a:r>
+              <a:rPr lang="it-IT" sz="1400" spc="-1" dirty="0" err="1">
+                <a:solidFill>
+                  <a:srgbClr val="000000"/>
+                </a:solidFill>
+                <a:latin typeface="Arial"/>
+              </a:rPr>
+              <a:t>done</a:t>
+            </a:r>
+            <a:r>
+              <a:rPr lang="it-IT" sz="1400" spc="-1" dirty="0">
+                <a:solidFill>
+                  <a:srgbClr val="000000"/>
+                </a:solidFill>
+                <a:latin typeface="Arial"/>
+              </a:rPr>
+              <a:t> by </a:t>
+            </a:r>
+            <a:r>
+              <a:rPr lang="it-IT" sz="1400" spc="-1" dirty="0" err="1">
+                <a:solidFill>
+                  <a:srgbClr val="000000"/>
+                </a:solidFill>
+                <a:latin typeface="Arial"/>
+              </a:rPr>
+              <a:t>Scikit-Learn’s</a:t>
+            </a:r>
+            <a:r>
+              <a:rPr lang="it-IT" sz="1400" spc="-1" dirty="0">
+                <a:solidFill>
+                  <a:srgbClr val="000000"/>
+                </a:solidFill>
+                <a:latin typeface="Arial"/>
+              </a:rPr>
+              <a:t> </a:t>
+            </a:r>
+            <a:r>
+              <a:rPr lang="it-IT" sz="1400" spc="-1" dirty="0" err="1">
+                <a:solidFill>
+                  <a:srgbClr val="000000"/>
+                </a:solidFill>
+                <a:latin typeface="Consolas" panose="020B0609020204030204" pitchFamily="49" charset="0"/>
+                <a:ea typeface="Verdana" panose="020B0604030504040204" pitchFamily="34" charset="0"/>
+              </a:rPr>
+              <a:t>GridSearchCV</a:t>
+            </a:r>
+            <a:r>
+              <a:rPr lang="it-IT" sz="1400" spc="-1" dirty="0">
+                <a:solidFill>
+                  <a:srgbClr val="000000"/>
+                </a:solidFill>
+                <a:latin typeface="Arial"/>
+              </a:rPr>
+              <a:t>, </a:t>
+            </a:r>
+            <a:r>
+              <a:rPr lang="it-IT" sz="1400" spc="-1" dirty="0" err="1">
+                <a:solidFill>
+                  <a:srgbClr val="000000"/>
+                </a:solidFill>
+                <a:latin typeface="Arial"/>
+              </a:rPr>
+              <a:t>when</a:t>
+            </a:r>
+            <a:r>
+              <a:rPr lang="it-IT" sz="1400" spc="-1" dirty="0">
+                <a:solidFill>
+                  <a:srgbClr val="000000"/>
+                </a:solidFill>
+                <a:latin typeface="Arial"/>
+              </a:rPr>
+              <a:t> the </a:t>
+            </a:r>
+            <a:r>
+              <a:rPr lang="it-IT" sz="1400" spc="-1" dirty="0" err="1">
+                <a:solidFill>
+                  <a:srgbClr val="000000"/>
+                </a:solidFill>
+                <a:latin typeface="Arial"/>
+              </a:rPr>
+              <a:t>grid</a:t>
+            </a:r>
+            <a:r>
+              <a:rPr lang="it-IT" sz="1400" spc="-1" dirty="0">
+                <a:solidFill>
+                  <a:srgbClr val="000000"/>
+                </a:solidFill>
+                <a:latin typeface="Arial"/>
+              </a:rPr>
+              <a:t> </a:t>
+            </a:r>
+            <a:r>
+              <a:rPr lang="it-IT" sz="1400" spc="-1" dirty="0" err="1">
+                <a:solidFill>
+                  <a:srgbClr val="000000"/>
+                </a:solidFill>
+                <a:latin typeface="Arial"/>
+              </a:rPr>
+              <a:t>search</a:t>
+            </a:r>
+            <a:r>
+              <a:rPr lang="it-IT" sz="1400" spc="-1" dirty="0">
+                <a:solidFill>
+                  <a:srgbClr val="000000"/>
+                </a:solidFill>
+                <a:latin typeface="Arial"/>
+              </a:rPr>
+              <a:t> </a:t>
+            </a:r>
+            <a:r>
+              <a:rPr lang="it-IT" sz="1400" spc="-1" dirty="0" err="1">
+                <a:solidFill>
+                  <a:srgbClr val="000000"/>
+                </a:solidFill>
+                <a:latin typeface="Arial"/>
+              </a:rPr>
+              <a:t>is</a:t>
+            </a:r>
+            <a:r>
+              <a:rPr lang="it-IT" sz="1400" spc="-1" dirty="0">
+                <a:solidFill>
+                  <a:srgbClr val="000000"/>
+                </a:solidFill>
+                <a:latin typeface="Arial"/>
+              </a:rPr>
+              <a:t> </a:t>
+            </a:r>
+            <a:r>
+              <a:rPr lang="it-IT" sz="1400" spc="-1" dirty="0" err="1">
+                <a:solidFill>
+                  <a:srgbClr val="000000"/>
+                </a:solidFill>
+                <a:latin typeface="Arial"/>
+              </a:rPr>
+              <a:t>performed</a:t>
+            </a:r>
+            <a:r>
+              <a:rPr lang="it-IT" sz="1400" spc="-1" dirty="0">
+                <a:solidFill>
+                  <a:srgbClr val="000000"/>
+                </a:solidFill>
+                <a:latin typeface="Arial"/>
+              </a:rPr>
+              <a:t>. </a:t>
+            </a:r>
+            <a:endParaRPr lang="it-IT" sz="1800" b="0" strike="noStrike" spc="-1" dirty="0">
               <a:solidFill>
                 <a:srgbClr val="000000"/>
               </a:solidFill>
@@ -6364,7 +6668,7 @@
         </p:blipFill>
         <p:spPr>
           <a:xfrm>
-            <a:off x="2432880" y="2333520"/>
+            <a:off x="2359620" y="2387086"/>
             <a:ext cx="4424400" cy="626400"/>
           </a:xfrm>
           <a:prstGeom prst="rect">
@@ -6516,7 +6820,7 @@
               </a:tabLst>
             </a:pPr>
             <a:r>
-              <a:rPr lang="it" sz="1800" b="0" strike="noStrike" spc="-1">
+              <a:rPr lang="it" sz="1800" b="0" strike="noStrike" spc="-1" dirty="0">
                 <a:solidFill>
                   <a:srgbClr val="000000"/>
                 </a:solidFill>
@@ -6526,7 +6830,7 @@
               <a:t>Typically the points 2-3 of the section 3.2 o</a:t>
             </a:r>
             <a:r>
-              <a:rPr lang="it" sz="1800" b="0" strike="noStrike" spc="-1">
+              <a:rPr lang="it" sz="1800" b="0" strike="noStrike" spc="-1" dirty="0">
                 <a:solidFill>
                   <a:srgbClr val="595959"/>
                 </a:solidFill>
@@ -6536,7 +6840,7 @@
               <a:t>f </a:t>
             </a:r>
             <a:r>
-              <a:rPr lang="it" sz="1800" b="0" strike="noStrike" spc="-1">
+              <a:rPr lang="it" sz="1800" b="0" strike="noStrike" spc="-1" dirty="0">
                 <a:solidFill>
                   <a:srgbClr val="000000"/>
                 </a:solidFill>
@@ -6545,7 +6849,7 @@
               </a:rPr>
               <a:t>file “ML-23-Report-info-...”</a:t>
             </a:r>
-            <a:endParaRPr lang="it-IT" sz="1800" b="0" strike="noStrike" spc="-1">
+            <a:endParaRPr lang="it-IT" sz="1800" b="0" strike="noStrike" spc="-1" dirty="0">
               <a:solidFill>
                 <a:srgbClr val="000000"/>
               </a:solidFill>
@@ -6570,7 +6874,7 @@
               </a:tabLst>
             </a:pPr>
             <a:r>
-              <a:rPr lang="it" sz="1800" b="0" strike="noStrike" spc="-1">
+              <a:rPr lang="it" sz="1800" b="0" strike="noStrike" spc="-1" dirty="0">
                 <a:solidFill>
                   <a:srgbClr val="000000"/>
                 </a:solidFill>
@@ -6580,7 +6884,7 @@
               <a:t>Schema and range of explored hyper-parameters (values used for the grid search, possibly table/tables): </a:t>
             </a:r>
             <a:r>
-              <a:rPr lang="it" sz="1600" b="0" strike="noStrike" spc="-1">
+              <a:rPr lang="it" sz="1600" b="0" strike="noStrike" spc="-1" dirty="0">
                 <a:solidFill>
                   <a:srgbClr val="000000"/>
                 </a:solidFill>
@@ -6590,7 +6894,7 @@
               <a:t>see the file “ML-23-Report-info-...” and also the </a:t>
             </a:r>
             <a:r>
-              <a:rPr lang="it" sz="1600" b="0" i="1" strike="noStrike" spc="-1">
+              <a:rPr lang="it" sz="1600" b="0" i="1" strike="noStrike" spc="-1" dirty="0">
                 <a:solidFill>
                   <a:srgbClr val="000000"/>
                 </a:solidFill>
@@ -6600,7 +6904,7 @@
               <a:t>check list</a:t>
             </a:r>
             <a:r>
-              <a:rPr lang="it" sz="1600" b="0" strike="noStrike" spc="-1">
+              <a:rPr lang="it" sz="1600" b="0" strike="noStrike" spc="-1" dirty="0">
                 <a:solidFill>
                   <a:srgbClr val="000000"/>
                 </a:solidFill>
@@ -6609,7 +6913,7 @@
               </a:rPr>
               <a:t> note on the “Model selection”, for the CUP application</a:t>
             </a:r>
-            <a:endParaRPr lang="it-IT" sz="1600" b="0" strike="noStrike" spc="-1">
+            <a:endParaRPr lang="it-IT" sz="1600" b="0" strike="noStrike" spc="-1" dirty="0">
               <a:solidFill>
                 <a:srgbClr val="000000"/>
               </a:solidFill>
@@ -6631,7 +6935,7 @@
               </a:tabLst>
             </a:pPr>
             <a:r>
-              <a:rPr lang="it" sz="1400" b="0" strike="noStrike" spc="-1">
+              <a:rPr lang="it" sz="1400" b="0" strike="noStrike" spc="-1" dirty="0">
                 <a:solidFill>
                   <a:srgbClr val="000000"/>
                 </a:solidFill>
@@ -6640,7 +6944,7 @@
               </a:rPr>
               <a:t>The synthesis of the hyperparameters setting must be reported on the slides, while a complete description can be inserted in a document within the code package (call it “hyperparameters-setting”) and in the Appendix slides (selecting what is more relevant).  </a:t>
             </a:r>
-            <a:endParaRPr lang="it-IT" sz="1400" b="0" strike="noStrike" spc="-1">
+            <a:endParaRPr lang="it-IT" sz="1400" b="0" strike="noStrike" spc="-1" dirty="0">
               <a:solidFill>
                 <a:srgbClr val="000000"/>
               </a:solidFill>
@@ -7151,7 +7455,7 @@
       </p:grpSpPr>
       <p:sp>
         <p:nvSpPr>
-          <p:cNvPr id="111" name="PlaceHolder 1"/>
+          <p:cNvPr id="108" name="PlaceHolder 1"/>
           <p:cNvSpPr>
             <a:spLocks noGrp="1"/>
           </p:cNvSpPr>
@@ -7161,7 +7465,7 @@
         </p:nvSpPr>
         <p:spPr>
           <a:xfrm>
-            <a:off x="311760" y="2700"/>
+            <a:off x="311760" y="0"/>
             <a:ext cx="8520120" cy="572400"/>
           </a:xfrm>
           <a:prstGeom prst="rect">
@@ -7195,7 +7499,27 @@
                 <a:latin typeface="Arial"/>
                 <a:ea typeface="Arial"/>
               </a:rPr>
-              <a:t>Discussion (may be more slides)</a:t>
+              <a:t>CUP</a:t>
+            </a:r>
+            <a:r>
+              <a:rPr lang="it" sz="2400" b="0" strike="noStrike" spc="-1" dirty="0">
+                <a:solidFill>
+                  <a:srgbClr val="000000"/>
+                </a:solidFill>
+                <a:latin typeface="Arial"/>
+                <a:ea typeface="Arial"/>
+              </a:rPr>
+              <a:t> </a:t>
+            </a:r>
+            <a:r>
+              <a:rPr lang="it" sz="2600" b="0" strike="noStrike" spc="-1" dirty="0">
+                <a:solidFill>
+                  <a:srgbClr val="000000"/>
+                </a:solidFill>
+                <a:latin typeface="Arial"/>
+                <a:ea typeface="Arial"/>
+              </a:rPr>
+              <a:t>Results: final model</a:t>
             </a:r>
             <a:endParaRPr lang="it-IT" sz="2400" b="0" strike="noStrike" spc="-1" dirty="0">
               <a:solidFill>
@@ -7208,154 +7532,12 @@
       </p:sp>
       <p:sp>
         <p:nvSpPr>
-          <p:cNvPr id="112" name="PlaceHolder 2"/>
+          <p:cNvPr id="110" name="PlaceHolder 3"/>
           <p:cNvSpPr>
             <a:spLocks noGrp="1"/>
           </p:cNvSpPr>
           <p:nvPr>
-            <p:ph/>
-          </p:nvPr>
-        </p:nvSpPr>
-        <p:spPr>
-          <a:xfrm>
-            <a:off x="311760" y="1152360"/>
-            <a:ext cx="8520120" cy="3416040"/>
-          </a:xfrm>
-          <a:prstGeom prst="rect">
-            <a:avLst/>
-          </a:prstGeom>
-          <a:noFill/>
-          <a:ln w="0">
-            <a:noFill/>
-          </a:ln>
-        </p:spPr>
-        <p:txBody>
-          <a:bodyPr tIns="91440" bIns="91440" anchor="t">
-            <a:normAutofit/>
-          </a:bodyPr>
-          <a:lstStyle/>
-          <a:p>
-            <a:pPr>
-              <a:lnSpc>
-                <a:spcPct val="115000"/>
-              </a:lnSpc>
-              <a:buNone/>
-              <a:tabLst>
-                <a:tab pos="0" algn="l"/>
-              </a:tabLst>
-            </a:pPr>
-            <a:r>
-              <a:rPr lang="it" sz="1800" b="0" strike="noStrike" spc="-1" dirty="0">
-                <a:solidFill>
-                  <a:srgbClr val="000000"/>
-                </a:solidFill>
-                <a:latin typeface="Arial"/>
-                <a:ea typeface="Arial"/>
-              </a:rPr>
-              <a:t>Discuss whether any proposed techniques or novelties  improved or not the results, in terms of any performance (efficacy, efficiency, …) </a:t>
-            </a:r>
-            <a:endParaRPr lang="it-IT" sz="1800" b="0" strike="noStrike" spc="-1" dirty="0">
-              <a:solidFill>
-                <a:srgbClr val="000000"/>
-              </a:solidFill>
-              <a:latin typeface="Arial"/>
-            </a:endParaRPr>
-          </a:p>
-          <a:p>
-            <a:pPr marL="457200" indent="-317520">
-              <a:lnSpc>
-                <a:spcPct val="115000"/>
-              </a:lnSpc>
-              <a:spcBef>
-                <a:spcPts val="1199"/>
-              </a:spcBef>
-              <a:buClr>
-                <a:srgbClr val="000000"/>
-              </a:buClr>
-              <a:buFont typeface="Calibri"/>
-              <a:buChar char="●"/>
-              <a:tabLst>
-                <a:tab pos="0" algn="l"/>
-              </a:tabLst>
-            </a:pPr>
-            <a:r>
-              <a:rPr lang="it" sz="1400" b="0" strike="noStrike" spc="-1" dirty="0">
-                <a:solidFill>
-                  <a:srgbClr val="000000"/>
-                </a:solidFill>
-                <a:latin typeface="Calibri"/>
-                <a:ea typeface="Calibri"/>
-              </a:rPr>
-              <a:t>Don’t forget to empathize the novelties that you introduced in your model (prj A or B) or used advanced techniques (prj B) w.r.t. to the results and/or any significant/critical analyses and any interesting finding/insight</a:t>
-            </a:r>
-            <a:endParaRPr lang="it-IT" sz="1400" b="0" strike="noStrike" spc="-1" dirty="0">
-              <a:solidFill>
-                <a:srgbClr val="000000"/>
-              </a:solidFill>
-              <a:latin typeface="Arial"/>
-            </a:endParaRPr>
-          </a:p>
-          <a:p>
-            <a:pPr marL="457200" indent="-317520">
-              <a:lnSpc>
-                <a:spcPct val="115000"/>
-              </a:lnSpc>
-              <a:buClr>
-                <a:srgbClr val="000000"/>
-              </a:buClr>
-              <a:buFont typeface="Calibri"/>
-              <a:buChar char="●"/>
-              <a:tabLst>
-                <a:tab pos="0" algn="l"/>
-              </a:tabLst>
-            </a:pPr>
-            <a:r>
-              <a:rPr lang="it" sz="1400" b="0" strike="noStrike" spc="-1" dirty="0">
-                <a:solidFill>
-                  <a:srgbClr val="000000"/>
-                </a:solidFill>
-                <a:latin typeface="Calibri"/>
-                <a:ea typeface="Calibri"/>
-              </a:rPr>
-              <a:t>I.e: don’t forget a “Discussion/Analysis” answering “what did you learn?” on the Models/Hyperparameters/Results/Efficacy/Efficiency, selecting/highlighting what is more significant in your opinion (time and space constraints helps!)</a:t>
-            </a:r>
-            <a:endParaRPr lang="it-IT" sz="1400" b="0" strike="noStrike" spc="-1" dirty="0">
-              <a:solidFill>
-                <a:srgbClr val="000000"/>
-              </a:solidFill>
-              <a:latin typeface="Arial"/>
-            </a:endParaRPr>
-          </a:p>
-          <a:p>
-            <a:pPr>
-              <a:lnSpc>
-                <a:spcPct val="115000"/>
-              </a:lnSpc>
-              <a:spcAft>
-                <a:spcPts val="1199"/>
-              </a:spcAft>
-              <a:buNone/>
-              <a:tabLst>
-                <a:tab pos="0" algn="l"/>
-              </a:tabLst>
-            </a:pPr>
-            <a:endParaRPr lang="it-IT" sz="1400" b="0" strike="noStrike" spc="-1" dirty="0">
-              <a:solidFill>
-                <a:srgbClr val="000000"/>
-              </a:solidFill>
-              <a:latin typeface="Arial"/>
-            </a:endParaRPr>
-          </a:p>
-        </p:txBody>
-      </p:sp>
-      <p:sp>
-        <p:nvSpPr>
-          <p:cNvPr id="113" name="PlaceHolder 3"/>
-          <p:cNvSpPr>
-            <a:spLocks noGrp="1"/>
-          </p:cNvSpPr>
-          <p:nvPr>
-            <p:ph type="sldNum" idx="11"/>
+            <p:ph type="sldNum" idx="10"/>
           </p:nvPr>
         </p:nvSpPr>
         <p:spPr>
@@ -7403,7 +7585,7 @@
                 <a:tab pos="0" algn="l"/>
               </a:tabLst>
             </a:pPr>
-            <a:fld id="{EB566EBC-D211-4A49-9CB5-B894905094F3}" type="slidenum">
+            <a:fld id="{70083C99-8290-44C9-AB12-6D72EC62BA1C}" type="slidenum">
               <a:rPr lang="it" sz="1000" b="0" strike="noStrike" spc="-1">
                 <a:solidFill>
                   <a:srgbClr val="595959"/>
@@ -7419,7 +7601,888 @@
           </a:p>
         </p:txBody>
       </p:sp>
+      <p:sp>
+        <p:nvSpPr>
+          <p:cNvPr id="2" name="Rettangolo 1">
+            <a:extLst>
+              <a:ext uri="{FF2B5EF4-FFF2-40B4-BE49-F238E27FC236}">
+                <a16:creationId xmlns:a16="http://schemas.microsoft.com/office/drawing/2014/main" id="{A84D9135-3616-EE45-ECF4-129488406C5F}"/>
+              </a:ext>
+            </a:extLst>
+          </p:cNvPr>
+          <p:cNvSpPr/>
+          <p:nvPr/>
+        </p:nvSpPr>
+        <p:spPr>
+          <a:xfrm>
+            <a:off x="311759" y="1399945"/>
+            <a:ext cx="3836658" cy="2566564"/>
+          </a:xfrm>
+          <a:prstGeom prst="rect">
+            <a:avLst/>
+          </a:prstGeom>
+        </p:spPr>
+        <p:style>
+          <a:lnRef idx="2">
+            <a:schemeClr val="accent3">
+              <a:shade val="15000"/>
+            </a:schemeClr>
+          </a:lnRef>
+          <a:fillRef idx="1">
+            <a:schemeClr val="accent3"/>
+          </a:fillRef>
+          <a:effectRef idx="0">
+            <a:schemeClr val="accent3"/>
+          </a:effectRef>
+          <a:fontRef idx="minor">
+            <a:schemeClr val="lt1"/>
+          </a:fontRef>
+        </p:style>
+        <p:txBody>
+          <a:bodyPr rtlCol="0" anchor="ctr"/>
+          <a:lstStyle/>
+          <a:p>
+            <a:pPr algn="ctr"/>
+            <a:r>
+              <a:rPr lang="it-IT" dirty="0"/>
+              <a:t>Learning curve plot for the </a:t>
+            </a:r>
+            <a:r>
+              <a:rPr lang="it-IT" dirty="0" err="1"/>
+              <a:t>final</a:t>
+            </a:r>
+            <a:r>
+              <a:rPr lang="it-IT" dirty="0"/>
+              <a:t> model</a:t>
+            </a:r>
+          </a:p>
+        </p:txBody>
+      </p:sp>
+      <p:sp>
+        <p:nvSpPr>
+          <p:cNvPr id="4" name="CasellaDiTesto 3">
+            <a:extLst>
+              <a:ext uri="{FF2B5EF4-FFF2-40B4-BE49-F238E27FC236}">
+                <a16:creationId xmlns:a16="http://schemas.microsoft.com/office/drawing/2014/main" id="{A2C03CD9-5D4B-7181-8758-3C5F98479B49}"/>
+              </a:ext>
+            </a:extLst>
+          </p:cNvPr>
+          <p:cNvSpPr txBox="1"/>
+          <p:nvPr/>
+        </p:nvSpPr>
+        <p:spPr>
+          <a:xfrm>
+            <a:off x="311760" y="572400"/>
+            <a:ext cx="8832240" cy="523220"/>
+          </a:xfrm>
+          <a:prstGeom prst="rect">
+            <a:avLst/>
+          </a:prstGeom>
+          <a:noFill/>
+        </p:spPr>
+        <p:txBody>
+          <a:bodyPr wrap="square" rtlCol="0">
+            <a:spAutoFit/>
+          </a:bodyPr>
+          <a:lstStyle/>
+          <a:p>
+            <a:r>
+              <a:rPr lang="it-IT" sz="1400" dirty="0" err="1"/>
+              <a:t>We</a:t>
+            </a:r>
+            <a:r>
+              <a:rPr lang="it-IT" sz="1400" dirty="0"/>
+              <a:t> </a:t>
+            </a:r>
+            <a:r>
+              <a:rPr lang="it-IT" sz="1400" dirty="0" err="1"/>
+              <a:t>chose</a:t>
+            </a:r>
+            <a:r>
+              <a:rPr lang="it-IT" sz="1400" dirty="0"/>
+              <a:t> XYZ </a:t>
+            </a:r>
+            <a:r>
+              <a:rPr lang="it-IT" sz="1400" dirty="0" err="1"/>
+              <a:t>as</a:t>
+            </a:r>
+            <a:r>
+              <a:rPr lang="it-IT" sz="1400" dirty="0"/>
+              <a:t> the </a:t>
+            </a:r>
+            <a:r>
+              <a:rPr lang="it-IT" sz="1400" dirty="0" err="1"/>
+              <a:t>final</a:t>
+            </a:r>
+            <a:r>
+              <a:rPr lang="it-IT" sz="1400" dirty="0"/>
+              <a:t> model, with the </a:t>
+            </a:r>
+            <a:r>
+              <a:rPr lang="it-IT" sz="1400" dirty="0" err="1"/>
+              <a:t>hyperparameters</a:t>
+            </a:r>
+            <a:r>
+              <a:rPr lang="it-IT" sz="1400" dirty="0"/>
+              <a:t> in </a:t>
+            </a:r>
+            <a:r>
+              <a:rPr lang="it-IT" sz="1400" dirty="0" err="1"/>
+              <a:t>Table</a:t>
+            </a:r>
+            <a:r>
+              <a:rPr lang="it-IT" sz="1400" dirty="0"/>
+              <a:t> 4. The </a:t>
+            </a:r>
+            <a:r>
+              <a:rPr lang="it-IT" sz="1400" dirty="0" err="1"/>
+              <a:t>results</a:t>
+            </a:r>
+            <a:r>
+              <a:rPr lang="it-IT" sz="1400" dirty="0"/>
+              <a:t> </a:t>
+            </a:r>
+            <a:r>
+              <a:rPr lang="it-IT" sz="1400" dirty="0" err="1"/>
+              <a:t>achieved</a:t>
+            </a:r>
+            <a:r>
+              <a:rPr lang="it-IT" sz="1400" dirty="0"/>
+              <a:t> by </a:t>
+            </a:r>
+            <a:r>
+              <a:rPr lang="it-IT" sz="1400" dirty="0" err="1"/>
+              <a:t>this</a:t>
+            </a:r>
+            <a:r>
+              <a:rPr lang="it-IT" sz="1400" dirty="0"/>
+              <a:t> model can be </a:t>
+            </a:r>
+            <a:r>
+              <a:rPr lang="it-IT" sz="1400" dirty="0" err="1"/>
+              <a:t>seen</a:t>
+            </a:r>
+            <a:r>
+              <a:rPr lang="it-IT" sz="1400" dirty="0"/>
+              <a:t> in </a:t>
+            </a:r>
+            <a:r>
+              <a:rPr lang="it-IT" sz="1400" dirty="0" err="1"/>
+              <a:t>Table</a:t>
+            </a:r>
+            <a:r>
+              <a:rPr lang="it-IT" sz="1400" dirty="0"/>
+              <a:t> 5. </a:t>
+            </a:r>
+            <a:r>
+              <a:rPr lang="it-IT" sz="1400" dirty="0" err="1"/>
+              <a:t>We</a:t>
+            </a:r>
+            <a:r>
+              <a:rPr lang="it-IT" sz="1400" dirty="0"/>
+              <a:t> </a:t>
+            </a:r>
+            <a:r>
+              <a:rPr lang="it-IT" sz="1400" dirty="0" err="1"/>
+              <a:t>chose</a:t>
+            </a:r>
+            <a:r>
+              <a:rPr lang="it-IT" sz="1400" dirty="0"/>
+              <a:t> </a:t>
+            </a:r>
+            <a:r>
+              <a:rPr lang="it-IT" sz="1400" dirty="0" err="1"/>
+              <a:t>this</a:t>
+            </a:r>
+            <a:r>
+              <a:rPr lang="it-IT" sz="1400" dirty="0"/>
+              <a:t> model </a:t>
+            </a:r>
+            <a:r>
+              <a:rPr lang="it-IT" sz="1400" dirty="0" err="1"/>
+              <a:t>because</a:t>
+            </a:r>
+            <a:r>
+              <a:rPr lang="it-IT" sz="1400" dirty="0"/>
+              <a:t>…</a:t>
+            </a:r>
+          </a:p>
+        </p:txBody>
+      </p:sp>
+      <p:graphicFrame>
+        <p:nvGraphicFramePr>
+          <p:cNvPr id="7" name="Tabella 6">
+            <a:extLst>
+              <a:ext uri="{FF2B5EF4-FFF2-40B4-BE49-F238E27FC236}">
+                <a16:creationId xmlns:a16="http://schemas.microsoft.com/office/drawing/2014/main" id="{777633CE-63A0-BCE9-FC8D-732B7C7A8340}"/>
+              </a:ext>
+            </a:extLst>
+          </p:cNvPr>
+          <p:cNvGraphicFramePr>
+            <a:graphicFrameLocks noGrp="1"/>
+          </p:cNvGraphicFramePr>
+          <p:nvPr>
+            <p:extLst>
+              <p:ext uri="{D42A27DB-BD31-4B8C-83A1-F6EECF244321}">
+                <p14:modId xmlns:p14="http://schemas.microsoft.com/office/powerpoint/2010/main" val="2642985504"/>
+              </p:ext>
+            </p:extLst>
+          </p:nvPr>
+        </p:nvGraphicFramePr>
+        <p:xfrm>
+          <a:off x="4940504" y="1707722"/>
+          <a:ext cx="3532096" cy="3078480"/>
+        </p:xfrm>
+        <a:graphic>
+          <a:graphicData uri="http://schemas.openxmlformats.org/drawingml/2006/table">
+            <a:tbl>
+              <a:tblPr firstRow="1" bandRow="1">
+                <a:tableStyleId>{0E3FDE45-AF77-4B5C-9715-49D594BDF05E}</a:tableStyleId>
+              </a:tblPr>
+              <a:tblGrid>
+                <a:gridCol w="1766048">
+                  <a:extLst>
+                    <a:ext uri="{9D8B030D-6E8A-4147-A177-3AD203B41FA5}">
+                      <a16:colId xmlns:a16="http://schemas.microsoft.com/office/drawing/2014/main" val="3787004382"/>
+                    </a:ext>
+                  </a:extLst>
+                </a:gridCol>
+                <a:gridCol w="1766048">
+                  <a:extLst>
+                    <a:ext uri="{9D8B030D-6E8A-4147-A177-3AD203B41FA5}">
+                      <a16:colId xmlns:a16="http://schemas.microsoft.com/office/drawing/2014/main" val="3118583425"/>
+                    </a:ext>
+                  </a:extLst>
+                </a:gridCol>
+              </a:tblGrid>
+              <a:tr h="319523">
+                <a:tc>
+                  <a:txBody>
+                    <a:bodyPr/>
+                    <a:lstStyle/>
+                    <a:p>
+                      <a:pPr algn="ctr"/>
+                      <a:r>
+                        <a:rPr lang="it-IT" sz="1600" dirty="0" err="1"/>
+                        <a:t>Hyperparameter</a:t>
+                      </a:r>
+                      <a:endParaRPr lang="it-IT" sz="1400" dirty="0"/>
+                    </a:p>
+                  </a:txBody>
+                  <a:tcPr/>
+                </a:tc>
+                <a:tc>
+                  <a:txBody>
+                    <a:bodyPr/>
+                    <a:lstStyle/>
+                    <a:p>
+                      <a:pPr algn="ctr"/>
+                      <a:r>
+                        <a:rPr lang="it-IT" sz="1600" dirty="0"/>
+                        <a:t>Value</a:t>
+                      </a:r>
+                      <a:endParaRPr lang="it-IT" sz="1400" dirty="0"/>
+                    </a:p>
+                  </a:txBody>
+                  <a:tcPr/>
+                </a:tc>
+                <a:extLst>
+                  <a:ext uri="{0D108BD9-81ED-4DB2-BD59-A6C34878D82A}">
+                    <a16:rowId xmlns:a16="http://schemas.microsoft.com/office/drawing/2014/main" val="2786860970"/>
+                  </a:ext>
+                </a:extLst>
+              </a:tr>
+              <a:tr h="290476">
+                <a:tc>
+                  <a:txBody>
+                    <a:bodyPr/>
+                    <a:lstStyle/>
+                    <a:p>
+                      <a:r>
+                        <a:rPr lang="it-IT" sz="1400" dirty="0"/>
+                        <a:t>λ</a:t>
+                      </a:r>
+                    </a:p>
+                  </a:txBody>
+                  <a:tcPr anchor="ctr"/>
+                </a:tc>
+                <a:tc>
+                  <a:txBody>
+                    <a:bodyPr/>
+                    <a:lstStyle/>
+                    <a:p>
+                      <a:endParaRPr lang="it-IT" sz="1400" dirty="0"/>
+                    </a:p>
+                  </a:txBody>
+                  <a:tcPr anchor="ctr"/>
+                </a:tc>
+                <a:extLst>
+                  <a:ext uri="{0D108BD9-81ED-4DB2-BD59-A6C34878D82A}">
+                    <a16:rowId xmlns:a16="http://schemas.microsoft.com/office/drawing/2014/main" val="1204997882"/>
+                  </a:ext>
+                </a:extLst>
+              </a:tr>
+              <a:tr h="290476">
+                <a:tc>
+                  <a:txBody>
+                    <a:bodyPr/>
+                    <a:lstStyle/>
+                    <a:p>
+                      <a:r>
+                        <a:rPr lang="it-IT" sz="1400" dirty="0"/>
+                        <a:t>η</a:t>
+                      </a:r>
+                    </a:p>
+                  </a:txBody>
+                  <a:tcPr anchor="ctr"/>
+                </a:tc>
+                <a:tc>
+                  <a:txBody>
+                    <a:bodyPr/>
+                    <a:lstStyle/>
+                    <a:p>
+                      <a:endParaRPr lang="it-IT" sz="1400"/>
+                    </a:p>
+                  </a:txBody>
+                  <a:tcPr anchor="ctr"/>
+                </a:tc>
+                <a:extLst>
+                  <a:ext uri="{0D108BD9-81ED-4DB2-BD59-A6C34878D82A}">
+                    <a16:rowId xmlns:a16="http://schemas.microsoft.com/office/drawing/2014/main" val="1648143604"/>
+                  </a:ext>
+                </a:extLst>
+              </a:tr>
+              <a:tr h="290476">
+                <a:tc>
+                  <a:txBody>
+                    <a:bodyPr/>
+                    <a:lstStyle/>
+                    <a:p>
+                      <a:r>
+                        <a:rPr lang="it-IT" sz="1400" dirty="0"/>
+                        <a:t>α</a:t>
+                      </a:r>
+                    </a:p>
+                  </a:txBody>
+                  <a:tcPr anchor="ctr"/>
+                </a:tc>
+                <a:tc>
+                  <a:txBody>
+                    <a:bodyPr/>
+                    <a:lstStyle/>
+                    <a:p>
+                      <a:endParaRPr lang="it-IT" sz="1400" dirty="0"/>
+                    </a:p>
+                  </a:txBody>
+                  <a:tcPr anchor="ctr"/>
+                </a:tc>
+                <a:extLst>
+                  <a:ext uri="{0D108BD9-81ED-4DB2-BD59-A6C34878D82A}">
+                    <a16:rowId xmlns:a16="http://schemas.microsoft.com/office/drawing/2014/main" val="1111024146"/>
+                  </a:ext>
+                </a:extLst>
+              </a:tr>
+              <a:tr h="290476">
+                <a:tc>
+                  <a:txBody>
+                    <a:bodyPr/>
+                    <a:lstStyle/>
+                    <a:p>
+                      <a:r>
+                        <a:rPr lang="it-IT" sz="1400" dirty="0"/>
+                        <a:t>Nesterov</a:t>
+                      </a:r>
+                    </a:p>
+                  </a:txBody>
+                  <a:tcPr anchor="ctr"/>
+                </a:tc>
+                <a:tc>
+                  <a:txBody>
+                    <a:bodyPr/>
+                    <a:lstStyle/>
+                    <a:p>
+                      <a:endParaRPr lang="it-IT" sz="1400" dirty="0"/>
+                    </a:p>
+                  </a:txBody>
+                  <a:tcPr anchor="ctr"/>
+                </a:tc>
+                <a:extLst>
+                  <a:ext uri="{0D108BD9-81ED-4DB2-BD59-A6C34878D82A}">
+                    <a16:rowId xmlns:a16="http://schemas.microsoft.com/office/drawing/2014/main" val="2573131355"/>
+                  </a:ext>
+                </a:extLst>
+              </a:tr>
+              <a:tr h="290476">
+                <a:tc>
+                  <a:txBody>
+                    <a:bodyPr/>
+                    <a:lstStyle/>
+                    <a:p>
+                      <a:r>
+                        <a:rPr lang="it-IT" sz="1400" dirty="0" err="1"/>
+                        <a:t>Activation</a:t>
+                      </a:r>
+                      <a:r>
+                        <a:rPr lang="it-IT" sz="1400" dirty="0"/>
+                        <a:t> </a:t>
+                      </a:r>
+                      <a:r>
+                        <a:rPr lang="it-IT" sz="1400" dirty="0" err="1"/>
+                        <a:t>function</a:t>
+                      </a:r>
+                      <a:endParaRPr lang="it-IT" sz="1400" dirty="0"/>
+                    </a:p>
+                  </a:txBody>
+                  <a:tcPr anchor="ctr"/>
+                </a:tc>
+                <a:tc>
+                  <a:txBody>
+                    <a:bodyPr/>
+                    <a:lstStyle/>
+                    <a:p>
+                      <a:endParaRPr lang="it-IT" sz="1400" dirty="0"/>
+                    </a:p>
+                  </a:txBody>
+                  <a:tcPr anchor="ctr"/>
+                </a:tc>
+                <a:extLst>
+                  <a:ext uri="{0D108BD9-81ED-4DB2-BD59-A6C34878D82A}">
+                    <a16:rowId xmlns:a16="http://schemas.microsoft.com/office/drawing/2014/main" val="2799601177"/>
+                  </a:ext>
+                </a:extLst>
+              </a:tr>
+              <a:tr h="290476">
+                <a:tc>
+                  <a:txBody>
+                    <a:bodyPr/>
+                    <a:lstStyle/>
+                    <a:p>
+                      <a:r>
+                        <a:rPr lang="it-IT" sz="1400" dirty="0"/>
+                        <a:t>Architecture</a:t>
+                      </a:r>
+                    </a:p>
+                  </a:txBody>
+                  <a:tcPr anchor="ctr"/>
+                </a:tc>
+                <a:tc>
+                  <a:txBody>
+                    <a:bodyPr/>
+                    <a:lstStyle/>
+                    <a:p>
+                      <a:endParaRPr lang="it-IT" sz="1400" dirty="0"/>
+                    </a:p>
+                  </a:txBody>
+                  <a:tcPr anchor="ctr"/>
+                </a:tc>
+                <a:extLst>
+                  <a:ext uri="{0D108BD9-81ED-4DB2-BD59-A6C34878D82A}">
+                    <a16:rowId xmlns:a16="http://schemas.microsoft.com/office/drawing/2014/main" val="127039440"/>
+                  </a:ext>
+                </a:extLst>
+              </a:tr>
+              <a:tr h="290476">
+                <a:tc>
+                  <a:txBody>
+                    <a:bodyPr/>
+                    <a:lstStyle/>
+                    <a:p>
+                      <a:r>
+                        <a:rPr lang="it-IT" sz="1400" dirty="0"/>
+                        <a:t>Dropout </a:t>
+                      </a:r>
+                      <a:r>
+                        <a:rPr lang="it-IT" sz="1400" dirty="0" err="1"/>
+                        <a:t>hyperp</a:t>
+                      </a:r>
+                      <a:r>
+                        <a:rPr lang="it-IT" sz="1400" dirty="0"/>
+                        <a:t>. </a:t>
+                      </a:r>
+                    </a:p>
+                  </a:txBody>
+                  <a:tcPr anchor="ctr"/>
+                </a:tc>
+                <a:tc>
+                  <a:txBody>
+                    <a:bodyPr/>
+                    <a:lstStyle/>
+                    <a:p>
+                      <a:endParaRPr lang="it-IT" sz="1400" dirty="0"/>
+                    </a:p>
+                  </a:txBody>
+                  <a:tcPr anchor="ctr"/>
+                </a:tc>
+                <a:extLst>
+                  <a:ext uri="{0D108BD9-81ED-4DB2-BD59-A6C34878D82A}">
+                    <a16:rowId xmlns:a16="http://schemas.microsoft.com/office/drawing/2014/main" val="2486866869"/>
+                  </a:ext>
+                </a:extLst>
+              </a:tr>
+              <a:tr h="290476">
+                <a:tc>
+                  <a:txBody>
+                    <a:bodyPr/>
+                    <a:lstStyle/>
+                    <a:p>
+                      <a:r>
+                        <a:rPr lang="it-IT" sz="1400" i="1" dirty="0"/>
+                        <a:t>Other1</a:t>
+                      </a:r>
+                    </a:p>
+                  </a:txBody>
+                  <a:tcPr anchor="ctr"/>
+                </a:tc>
+                <a:tc>
+                  <a:txBody>
+                    <a:bodyPr/>
+                    <a:lstStyle/>
+                    <a:p>
+                      <a:endParaRPr lang="it-IT" sz="1400" dirty="0"/>
+                    </a:p>
+                  </a:txBody>
+                  <a:tcPr anchor="ctr"/>
+                </a:tc>
+                <a:extLst>
+                  <a:ext uri="{0D108BD9-81ED-4DB2-BD59-A6C34878D82A}">
+                    <a16:rowId xmlns:a16="http://schemas.microsoft.com/office/drawing/2014/main" val="3632243018"/>
+                  </a:ext>
+                </a:extLst>
+              </a:tr>
+              <a:tr h="290476">
+                <a:tc>
+                  <a:txBody>
+                    <a:bodyPr/>
+                    <a:lstStyle/>
+                    <a:p>
+                      <a:r>
+                        <a:rPr lang="it-IT" sz="1400" i="1" dirty="0"/>
+                        <a:t>Other2</a:t>
+                      </a:r>
+                    </a:p>
+                  </a:txBody>
+                  <a:tcPr anchor="ctr"/>
+                </a:tc>
+                <a:tc>
+                  <a:txBody>
+                    <a:bodyPr/>
+                    <a:lstStyle/>
+                    <a:p>
+                      <a:endParaRPr lang="it-IT" sz="1400" dirty="0"/>
+                    </a:p>
+                  </a:txBody>
+                  <a:tcPr anchor="ctr"/>
+                </a:tc>
+                <a:extLst>
+                  <a:ext uri="{0D108BD9-81ED-4DB2-BD59-A6C34878D82A}">
+                    <a16:rowId xmlns:a16="http://schemas.microsoft.com/office/drawing/2014/main" val="1940216586"/>
+                  </a:ext>
+                </a:extLst>
+              </a:tr>
+            </a:tbl>
+          </a:graphicData>
+        </a:graphic>
+      </p:graphicFrame>
+      <p:sp>
+        <p:nvSpPr>
+          <p:cNvPr id="8" name="CasellaDiTesto 7">
+            <a:extLst>
+              <a:ext uri="{FF2B5EF4-FFF2-40B4-BE49-F238E27FC236}">
+                <a16:creationId xmlns:a16="http://schemas.microsoft.com/office/drawing/2014/main" id="{F52BA1DF-F72B-638D-1318-03E4102720C5}"/>
+              </a:ext>
+            </a:extLst>
+          </p:cNvPr>
+          <p:cNvSpPr txBox="1"/>
+          <p:nvPr/>
+        </p:nvSpPr>
+        <p:spPr>
+          <a:xfrm>
+            <a:off x="4940501" y="1399945"/>
+            <a:ext cx="3532097" cy="307777"/>
+          </a:xfrm>
+          <a:prstGeom prst="rect">
+            <a:avLst/>
+          </a:prstGeom>
+          <a:noFill/>
+        </p:spPr>
+        <p:txBody>
+          <a:bodyPr wrap="square" rtlCol="0">
+            <a:spAutoFit/>
+          </a:bodyPr>
+          <a:lstStyle/>
+          <a:p>
+            <a:pPr algn="ctr"/>
+            <a:r>
+              <a:rPr lang="it-IT" sz="1400" b="1" dirty="0" err="1"/>
+              <a:t>Table</a:t>
+            </a:r>
+            <a:r>
+              <a:rPr lang="it-IT" sz="1400" b="1" dirty="0"/>
+              <a:t> 4</a:t>
+            </a:r>
+            <a:r>
+              <a:rPr lang="it-IT" sz="1400" dirty="0"/>
+              <a:t>: </a:t>
+            </a:r>
+            <a:r>
+              <a:rPr lang="it-IT" sz="1400" dirty="0" err="1"/>
+              <a:t>Final</a:t>
+            </a:r>
+            <a:r>
+              <a:rPr lang="it-IT" sz="1400" dirty="0"/>
+              <a:t> </a:t>
+            </a:r>
+            <a:r>
+              <a:rPr lang="it-IT" sz="1400" dirty="0" err="1"/>
+              <a:t>model’s</a:t>
+            </a:r>
+            <a:r>
+              <a:rPr lang="it-IT" sz="1400" dirty="0"/>
+              <a:t> </a:t>
+            </a:r>
+            <a:r>
+              <a:rPr lang="it-IT" sz="1400" dirty="0" err="1"/>
+              <a:t>summary</a:t>
+            </a:r>
+            <a:endParaRPr lang="it-IT" sz="1400" dirty="0"/>
+          </a:p>
+        </p:txBody>
+      </p:sp>
+      <p:graphicFrame>
+        <p:nvGraphicFramePr>
+          <p:cNvPr id="11" name="Tabella 10">
+            <a:extLst>
+              <a:ext uri="{FF2B5EF4-FFF2-40B4-BE49-F238E27FC236}">
+                <a16:creationId xmlns:a16="http://schemas.microsoft.com/office/drawing/2014/main" id="{90EE3416-EDB5-199A-8539-2AD3786AEA6B}"/>
+              </a:ext>
+            </a:extLst>
+          </p:cNvPr>
+          <p:cNvGraphicFramePr>
+            <a:graphicFrameLocks noGrp="1"/>
+          </p:cNvGraphicFramePr>
+          <p:nvPr>
+            <p:extLst>
+              <p:ext uri="{D42A27DB-BD31-4B8C-83A1-F6EECF244321}">
+                <p14:modId xmlns:p14="http://schemas.microsoft.com/office/powerpoint/2010/main" val="1871988525"/>
+              </p:ext>
+            </p:extLst>
+          </p:nvPr>
+        </p:nvGraphicFramePr>
+        <p:xfrm>
+          <a:off x="311759" y="4586260"/>
+          <a:ext cx="3836658" cy="304800"/>
+        </p:xfrm>
+        <a:graphic>
+          <a:graphicData uri="http://schemas.openxmlformats.org/drawingml/2006/table">
+            <a:tbl>
+              <a:tblPr bandRow="1">
+                <a:tableStyleId>{0E3FDE45-AF77-4B5C-9715-49D594BDF05E}</a:tableStyleId>
+              </a:tblPr>
+              <a:tblGrid>
+                <a:gridCol w="1278886">
+                  <a:extLst>
+                    <a:ext uri="{9D8B030D-6E8A-4147-A177-3AD203B41FA5}">
+                      <a16:colId xmlns:a16="http://schemas.microsoft.com/office/drawing/2014/main" val="4019716620"/>
+                    </a:ext>
+                  </a:extLst>
+                </a:gridCol>
+                <a:gridCol w="1278886">
+                  <a:extLst>
+                    <a:ext uri="{9D8B030D-6E8A-4147-A177-3AD203B41FA5}">
+                      <a16:colId xmlns:a16="http://schemas.microsoft.com/office/drawing/2014/main" val="1120584406"/>
+                    </a:ext>
+                  </a:extLst>
+                </a:gridCol>
+                <a:gridCol w="1278886">
+                  <a:extLst>
+                    <a:ext uri="{9D8B030D-6E8A-4147-A177-3AD203B41FA5}">
+                      <a16:colId xmlns:a16="http://schemas.microsoft.com/office/drawing/2014/main" val="3881263521"/>
+                    </a:ext>
+                  </a:extLst>
+                </a:gridCol>
+              </a:tblGrid>
+              <a:tr h="294067">
+                <a:tc>
+                  <a:txBody>
+                    <a:bodyPr/>
+                    <a:lstStyle/>
+                    <a:p>
+                      <a:r>
+                        <a:rPr lang="it-IT" sz="1400" dirty="0"/>
+                        <a:t>TR:</a:t>
+                      </a:r>
+                    </a:p>
+                  </a:txBody>
+                  <a:tcPr/>
+                </a:tc>
+                <a:tc>
+                  <a:txBody>
+                    <a:bodyPr/>
+                    <a:lstStyle/>
+                    <a:p>
+                      <a:r>
+                        <a:rPr lang="it-IT" sz="1400" dirty="0"/>
+                        <a:t>VL:</a:t>
+                      </a:r>
+                    </a:p>
+                  </a:txBody>
+                  <a:tcPr/>
+                </a:tc>
+                <a:tc>
+                  <a:txBody>
+                    <a:bodyPr/>
+                    <a:lstStyle/>
+                    <a:p>
+                      <a:r>
+                        <a:rPr lang="it-IT" sz="1400" dirty="0"/>
+                        <a:t>TS:</a:t>
+                      </a:r>
+                    </a:p>
+                  </a:txBody>
+                  <a:tcPr/>
+                </a:tc>
+                <a:extLst>
+                  <a:ext uri="{0D108BD9-81ED-4DB2-BD59-A6C34878D82A}">
+                    <a16:rowId xmlns:a16="http://schemas.microsoft.com/office/drawing/2014/main" val="1134138711"/>
+                  </a:ext>
+                </a:extLst>
+              </a:tr>
+            </a:tbl>
+          </a:graphicData>
+        </a:graphic>
+      </p:graphicFrame>
+      <p:sp>
+        <p:nvSpPr>
+          <p:cNvPr id="13" name="CasellaDiTesto 12">
+            <a:extLst>
+              <a:ext uri="{FF2B5EF4-FFF2-40B4-BE49-F238E27FC236}">
+                <a16:creationId xmlns:a16="http://schemas.microsoft.com/office/drawing/2014/main" id="{464C7860-14BA-5467-A384-1E8512A6D36C}"/>
+              </a:ext>
+            </a:extLst>
+          </p:cNvPr>
+          <p:cNvSpPr txBox="1"/>
+          <p:nvPr/>
+        </p:nvSpPr>
+        <p:spPr>
+          <a:xfrm>
+            <a:off x="311760" y="4275237"/>
+            <a:ext cx="3836657" cy="307777"/>
+          </a:xfrm>
+          <a:prstGeom prst="rect">
+            <a:avLst/>
+          </a:prstGeom>
+          <a:noFill/>
+        </p:spPr>
+        <p:txBody>
+          <a:bodyPr wrap="square" rtlCol="0">
+            <a:spAutoFit/>
+          </a:bodyPr>
+          <a:lstStyle/>
+          <a:p>
+            <a:pPr marL="0" marR="0" indent="0" algn="ctr" rtl="0" eaLnBrk="1" fontAlgn="auto" latinLnBrk="0" hangingPunct="1">
+              <a:spcBef>
+                <a:spcPts val="0"/>
+              </a:spcBef>
+              <a:spcAft>
+                <a:spcPts val="0"/>
+              </a:spcAft>
+            </a:pPr>
+            <a:r>
+              <a:rPr lang="it-IT" sz="1400" b="1" kern="1200" dirty="0" err="1">
+                <a:solidFill>
+                  <a:srgbClr val="000000"/>
+                </a:solidFill>
+                <a:effectLst/>
+                <a:latin typeface="Arial" panose="020B0604020202020204" pitchFamily="34" charset="0"/>
+                <a:ea typeface="DejaVu Sans" panose="020B0603030804020204" pitchFamily="34" charset="0"/>
+                <a:cs typeface="DejaVu Sans" panose="020B0603030804020204" pitchFamily="34" charset="0"/>
+              </a:rPr>
+              <a:t>Table</a:t>
+            </a:r>
+            <a:r>
+              <a:rPr lang="it-IT" sz="1400" b="1" kern="1200" dirty="0">
+                <a:solidFill>
+                  <a:srgbClr val="000000"/>
+                </a:solidFill>
+                <a:effectLst/>
+                <a:latin typeface="Arial" panose="020B0604020202020204" pitchFamily="34" charset="0"/>
+                <a:ea typeface="DejaVu Sans" panose="020B0603030804020204" pitchFamily="34" charset="0"/>
+                <a:cs typeface="DejaVu Sans" panose="020B0603030804020204" pitchFamily="34" charset="0"/>
+              </a:rPr>
+              <a:t> 5</a:t>
+            </a:r>
+            <a:r>
+              <a:rPr lang="it-IT" sz="1400" kern="1200" dirty="0">
+                <a:solidFill>
+                  <a:srgbClr val="000000"/>
+                </a:solidFill>
+                <a:effectLst/>
+                <a:latin typeface="Arial" panose="020B0604020202020204" pitchFamily="34" charset="0"/>
+                <a:ea typeface="DejaVu Sans" panose="020B0603030804020204" pitchFamily="34" charset="0"/>
+                <a:cs typeface="DejaVu Sans" panose="020B0603030804020204" pitchFamily="34" charset="0"/>
+              </a:rPr>
+              <a:t>: </a:t>
+            </a:r>
+            <a:r>
+              <a:rPr lang="it-IT" sz="1400" kern="1200" dirty="0" err="1">
+                <a:solidFill>
+                  <a:srgbClr val="000000"/>
+                </a:solidFill>
+                <a:effectLst/>
+                <a:latin typeface="Arial" panose="020B0604020202020204" pitchFamily="34" charset="0"/>
+                <a:ea typeface="DejaVu Sans" panose="020B0603030804020204" pitchFamily="34" charset="0"/>
+                <a:cs typeface="DejaVu Sans" panose="020B0603030804020204" pitchFamily="34" charset="0"/>
+              </a:rPr>
+              <a:t>Final</a:t>
+            </a:r>
+            <a:r>
+              <a:rPr lang="it-IT" sz="1400" kern="1200" dirty="0">
+                <a:solidFill>
+                  <a:srgbClr val="000000"/>
+                </a:solidFill>
+                <a:effectLst/>
+                <a:latin typeface="Arial" panose="020B0604020202020204" pitchFamily="34" charset="0"/>
+                <a:ea typeface="DejaVu Sans" panose="020B0603030804020204" pitchFamily="34" charset="0"/>
+                <a:cs typeface="DejaVu Sans" panose="020B0603030804020204" pitchFamily="34" charset="0"/>
+              </a:rPr>
+              <a:t> </a:t>
+            </a:r>
+            <a:r>
+              <a:rPr lang="it-IT" sz="1400" kern="1200" dirty="0" err="1">
+                <a:solidFill>
+                  <a:srgbClr val="000000"/>
+                </a:solidFill>
+                <a:effectLst/>
+                <a:latin typeface="Arial" panose="020B0604020202020204" pitchFamily="34" charset="0"/>
+                <a:ea typeface="DejaVu Sans" panose="020B0603030804020204" pitchFamily="34" charset="0"/>
+                <a:cs typeface="DejaVu Sans" panose="020B0603030804020204" pitchFamily="34" charset="0"/>
+              </a:rPr>
+              <a:t>model’s</a:t>
+            </a:r>
+            <a:r>
+              <a:rPr lang="it-IT" sz="1400" kern="1200" dirty="0">
+                <a:solidFill>
+                  <a:srgbClr val="000000"/>
+                </a:solidFill>
+                <a:effectLst/>
+                <a:latin typeface="Arial" panose="020B0604020202020204" pitchFamily="34" charset="0"/>
+                <a:ea typeface="DejaVu Sans" panose="020B0603030804020204" pitchFamily="34" charset="0"/>
+                <a:cs typeface="DejaVu Sans" panose="020B0603030804020204" pitchFamily="34" charset="0"/>
+              </a:rPr>
+              <a:t> MEE on the datasets</a:t>
+            </a:r>
+            <a:endParaRPr lang="it-IT" sz="1100" dirty="0">
+              <a:effectLst/>
+            </a:endParaRPr>
+          </a:p>
+        </p:txBody>
+      </p:sp>
     </p:spTree>
+    <p:extLst>
+      <p:ext uri="{BB962C8B-B14F-4D97-AF65-F5344CB8AC3E}">
+        <p14:creationId xmlns:p14="http://schemas.microsoft.com/office/powerpoint/2010/main" val="479709121"/>
+      </p:ext>
+    </p:extLst>
   </p:cSld>
   <p:clrMapOvr>
     <a:masterClrMapping/>
@@ -7446,7 +8509,7 @@
       </p:grpSpPr>
       <p:sp>
         <p:nvSpPr>
-          <p:cNvPr id="114" name="PlaceHolder 1"/>
+          <p:cNvPr id="111" name="PlaceHolder 1"/>
           <p:cNvSpPr>
             <a:spLocks noGrp="1"/>
           </p:cNvSpPr>
@@ -7490,7 +8553,7 @@
                 <a:latin typeface="Arial"/>
                 <a:ea typeface="Arial"/>
               </a:rPr>
-              <a:t>Conclusions</a:t>
+              <a:t>Discussion (may be more slides)</a:t>
             </a:r>
             <a:endParaRPr lang="it-IT" sz="2400" b="0" strike="noStrike" spc="-1" dirty="0">
               <a:solidFill>
@@ -7503,7 +8566,7 @@
       </p:sp>
       <p:sp>
         <p:nvSpPr>
-          <p:cNvPr id="115" name="PlaceHolder 2"/>
+          <p:cNvPr id="112" name="PlaceHolder 2"/>
           <p:cNvSpPr>
             <a:spLocks noGrp="1"/>
           </p:cNvSpPr>
@@ -7534,25 +8597,22 @@
               <a:lnSpc>
                 <a:spcPct val="115000"/>
               </a:lnSpc>
-              <a:spcBef>
-                <a:spcPts val="1199"/>
-              </a:spcBef>
               <a:buNone/>
               <a:tabLst>
                 <a:tab pos="0" algn="l"/>
               </a:tabLst>
             </a:pPr>
             <a:r>
-              <a:rPr lang="it" sz="1800" b="0" strike="noStrike" spc="-1">
+              <a:rPr lang="it" sz="1800" b="0" strike="noStrike" spc="-1" dirty="0">
                 <a:solidFill>
                   <a:srgbClr val="000000"/>
                 </a:solidFill>
                 <a:latin typeface="Arial"/>
                 <a:ea typeface="Arial"/>
               </a:rPr>
-              <a:t>What you have drawn and what you learned (in short)</a:t>
-            </a:r>
-            <a:endParaRPr lang="it-IT" sz="1800" b="0" strike="noStrike" spc="-1">
+              <a:t>Discuss whether any proposed techniques or novelties  improved or not the results, in terms of any performance (efficacy, efficiency, …) </a:t>
+            </a:r>
+            <a:endParaRPr lang="it-IT" sz="1800" b="0" strike="noStrike" spc="-1" dirty="0">
               <a:solidFill>
                 <a:srgbClr val="000000"/>
               </a:solidFill>
@@ -7560,29 +8620,33 @@
             </a:endParaRPr>
           </a:p>
           <a:p>
-            <a:pPr>
+            <a:pPr marL="457200" indent="-317520">
               <a:lnSpc>
                 <a:spcPct val="115000"/>
               </a:lnSpc>
               <a:spcBef>
                 <a:spcPts val="1199"/>
               </a:spcBef>
-              <a:buNone/>
+              <a:buClr>
+                <a:srgbClr val="000000"/>
+              </a:buClr>
+              <a:buFont typeface="Calibri"/>
+              <a:buChar char="●"/>
               <a:tabLst>
                 <a:tab pos="0" algn="l"/>
               </a:tabLst>
             </a:pPr>
             <a:r>
-              <a:rPr lang="it" sz="1800" b="0" strike="noStrike" spc="-1">
-                <a:solidFill>
-                  <a:srgbClr val="000000"/>
-                </a:solidFill>
-                <a:latin typeface="Arial"/>
-                <a:ea typeface="Arial"/>
-              </a:rPr>
-              <a:t>Blind Test Results: name of the result files and your nickname</a:t>
-            </a:r>
-            <a:endParaRPr lang="it-IT" sz="1800" b="0" strike="noStrike" spc="-1">
+              <a:rPr lang="it" sz="1400" b="0" strike="noStrike" spc="-1" dirty="0">
+                <a:solidFill>
+                  <a:srgbClr val="000000"/>
+                </a:solidFill>
+                <a:latin typeface="Calibri"/>
+                <a:ea typeface="Calibri"/>
+              </a:rPr>
+              <a:t>Don’t forget to empathize the novelties that you introduced in your model (prj A or B) or used advanced techniques (prj B) w.r.t. to the results and/or any significant/critical analyses and any interesting finding/insight</a:t>
+            </a:r>
+            <a:endParaRPr lang="it-IT" sz="1400" b="0" strike="noStrike" spc="-1" dirty="0">
               <a:solidFill>
                 <a:srgbClr val="000000"/>
               </a:solidFill>
@@ -7590,13 +8654,41 @@
             </a:endParaRPr>
           </a:p>
           <a:p>
+            <a:pPr marL="457200" indent="-317520">
+              <a:lnSpc>
+                <a:spcPct val="115000"/>
+              </a:lnSpc>
+              <a:buClr>
+                <a:srgbClr val="000000"/>
+              </a:buClr>
+              <a:buFont typeface="Calibri"/>
+              <a:buChar char="●"/>
+              <a:tabLst>
+                <a:tab pos="0" algn="l"/>
+              </a:tabLst>
+            </a:pPr>
+            <a:r>
+              <a:rPr lang="it" sz="1400" b="0" strike="noStrike" spc="-1" dirty="0">
+                <a:solidFill>
+                  <a:srgbClr val="000000"/>
+                </a:solidFill>
+                <a:latin typeface="Calibri"/>
+                <a:ea typeface="Calibri"/>
+              </a:rPr>
+              <a:t>I.e: don’t forget a “Discussion/Analysis” answering “what did you learn?” on the Models/Hyperparameters/Results/Efficacy/Efficiency, selecting/highlighting what is more significant in your opinion (time and space constraints helps!)</a:t>
+            </a:r>
+            <a:endParaRPr lang="it-IT" sz="1400" b="0" strike="noStrike" spc="-1" dirty="0">
+              <a:solidFill>
+                <a:srgbClr val="000000"/>
+              </a:solidFill>
+              <a:latin typeface="Arial"/>
+            </a:endParaRPr>
+          </a:p>
+          <a:p>
             <a:pPr>
               <a:lnSpc>
                 <a:spcPct val="115000"/>
               </a:lnSpc>
-              <a:spcBef>
-                <a:spcPts val="1199"/>
-              </a:spcBef>
               <a:spcAft>
                 <a:spcPts val="1199"/>
               </a:spcAft>
@@ -7605,7 +8697,7 @@
                 <a:tab pos="0" algn="l"/>
               </a:tabLst>
             </a:pPr>
-            <a:endParaRPr lang="it-IT" sz="1800" b="0" strike="noStrike" spc="-1">
+            <a:endParaRPr lang="it-IT" sz="1400" b="0" strike="noStrike" spc="-1" dirty="0">
               <a:solidFill>
                 <a:srgbClr val="000000"/>
               </a:solidFill>
@@ -7616,12 +8708,12 @@
       </p:sp>
       <p:sp>
         <p:nvSpPr>
-          <p:cNvPr id="116" name="PlaceHolder 3"/>
+          <p:cNvPr id="113" name="PlaceHolder 3"/>
           <p:cNvSpPr>
             <a:spLocks noGrp="1"/>
           </p:cNvSpPr>
           <p:nvPr>
-            <p:ph type="sldNum" idx="12"/>
+            <p:ph type="sldNum" idx="11"/>
           </p:nvPr>
         </p:nvSpPr>
         <p:spPr>
@@ -7669,7 +8761,7 @@
                 <a:tab pos="0" algn="l"/>
               </a:tabLst>
             </a:pPr>
-            <a:fld id="{0290D2CD-F684-4A0F-9162-8897609F2911}" type="slidenum">
+            <a:fld id="{EB566EBC-D211-4A49-9CB5-B894905094F3}" type="slidenum">
               <a:rPr lang="it" sz="1000" b="0" strike="noStrike" spc="-1">
                 <a:solidFill>
                   <a:srgbClr val="595959"/>
@@ -7712,7 +8804,7 @@
       </p:grpSpPr>
       <p:sp>
         <p:nvSpPr>
-          <p:cNvPr id="117" name="PlaceHolder 1"/>
+          <p:cNvPr id="114" name="PlaceHolder 1"/>
           <p:cNvSpPr>
             <a:spLocks noGrp="1"/>
           </p:cNvSpPr>
@@ -7756,19 +8848,9 @@
                 <a:latin typeface="Arial"/>
                 <a:ea typeface="Arial"/>
               </a:rPr>
-              <a:t>Bibliography - 1</a:t>
-            </a:r>
-            <a:r>
-              <a:rPr lang="it" sz="2800" b="0" strike="noStrike" spc="-1" dirty="0">
-                <a:solidFill>
-                  <a:srgbClr val="000000"/>
-                </a:solidFill>
-                <a:latin typeface="Arial"/>
-                <a:ea typeface="Arial"/>
-              </a:rPr>
-              <a:t> </a:t>
-            </a:r>
-            <a:endParaRPr lang="it-IT" sz="2800" b="0" strike="noStrike" spc="-1" dirty="0">
+              <a:t>Conclusions</a:t>
+            </a:r>
+            <a:endParaRPr lang="it-IT" sz="2400" b="0" strike="noStrike" spc="-1" dirty="0">
               <a:solidFill>
                 <a:srgbClr val="000000"/>
               </a:solidFill>
@@ -7779,7 +8861,7 @@
       </p:sp>
       <p:sp>
         <p:nvSpPr>
-          <p:cNvPr id="118" name="PlaceHolder 2"/>
+          <p:cNvPr id="115" name="PlaceHolder 2"/>
           <p:cNvSpPr>
             <a:spLocks noGrp="1"/>
           </p:cNvSpPr>
@@ -7813,68 +8895,22 @@
               <a:spcBef>
                 <a:spcPts val="1199"/>
               </a:spcBef>
-              <a:spcAft>
-                <a:spcPts val="1199"/>
-              </a:spcAft>
+              <a:buNone/>
               <a:tabLst>
                 <a:tab pos="0" algn="l"/>
               </a:tabLst>
             </a:pPr>
             <a:r>
-              <a:rPr lang="it-IT" sz="1600" spc="-1" dirty="0" err="1">
-                <a:solidFill>
-                  <a:srgbClr val="000000"/>
-                </a:solidFill>
-                <a:latin typeface="Arial"/>
-              </a:rPr>
-              <a:t>Main</a:t>
-            </a:r>
-            <a:r>
-              <a:rPr lang="it-IT" sz="1600" spc="-1" dirty="0">
-                <a:solidFill>
-                  <a:srgbClr val="000000"/>
-                </a:solidFill>
-                <a:latin typeface="Arial"/>
-              </a:rPr>
-              <a:t> libraries and software tools </a:t>
-            </a:r>
-            <a:r>
-              <a:rPr lang="it-IT" sz="1600" spc="-1" dirty="0" err="1">
-                <a:solidFill>
-                  <a:srgbClr val="000000"/>
-                </a:solidFill>
-                <a:latin typeface="Arial"/>
-              </a:rPr>
-              <a:t>used</a:t>
-            </a:r>
-            <a:r>
-              <a:rPr lang="it-IT" sz="1600" spc="-1" dirty="0">
-                <a:solidFill>
-                  <a:srgbClr val="000000"/>
-                </a:solidFill>
-                <a:latin typeface="Arial"/>
-              </a:rPr>
-              <a:t> for </a:t>
-            </a:r>
-            <a:r>
-              <a:rPr lang="it-IT" sz="1600" spc="-1" dirty="0" err="1">
-                <a:solidFill>
-                  <a:srgbClr val="000000"/>
-                </a:solidFill>
-                <a:latin typeface="Arial"/>
-              </a:rPr>
-              <a:t>this</a:t>
-            </a:r>
-            <a:r>
-              <a:rPr lang="it-IT" sz="1600" spc="-1" dirty="0">
-                <a:solidFill>
-                  <a:srgbClr val="000000"/>
-                </a:solidFill>
-                <a:latin typeface="Arial"/>
-              </a:rPr>
-              <a:t> project:</a:t>
-            </a:r>
-            <a:endParaRPr lang="it-IT" sz="2000" spc="-1" dirty="0">
+              <a:rPr lang="it" sz="1800" b="0" strike="noStrike" spc="-1">
+                <a:solidFill>
+                  <a:srgbClr val="000000"/>
+                </a:solidFill>
+                <a:latin typeface="Arial"/>
+                <a:ea typeface="Arial"/>
+              </a:rPr>
+              <a:t>What you have drawn and what you learned (in short)</a:t>
+            </a:r>
+            <a:endParaRPr lang="it-IT" sz="1800" b="0" strike="noStrike" spc="-1">
               <a:solidFill>
                 <a:srgbClr val="000000"/>
               </a:solidFill>
@@ -7882,7 +8918,37 @@
             </a:endParaRPr>
           </a:p>
           <a:p>
-            <a:pPr marL="342900" indent="-342900">
+            <a:pPr>
+              <a:lnSpc>
+                <a:spcPct val="115000"/>
+              </a:lnSpc>
+              <a:spcBef>
+                <a:spcPts val="1199"/>
+              </a:spcBef>
+              <a:buNone/>
+              <a:tabLst>
+                <a:tab pos="0" algn="l"/>
+              </a:tabLst>
+            </a:pPr>
+            <a:r>
+              <a:rPr lang="it" sz="1800" b="0" strike="noStrike" spc="-1">
+                <a:solidFill>
+                  <a:srgbClr val="000000"/>
+                </a:solidFill>
+                <a:latin typeface="Arial"/>
+                <a:ea typeface="Arial"/>
+              </a:rPr>
+              <a:t>Blind Test Results: name of the result files and your nickname</a:t>
+            </a:r>
+            <a:endParaRPr lang="it-IT" sz="1800" b="0" strike="noStrike" spc="-1">
+              <a:solidFill>
+                <a:srgbClr val="000000"/>
+              </a:solidFill>
+              <a:latin typeface="Arial"/>
+            </a:endParaRPr>
+          </a:p>
+          <a:p>
+            <a:pPr>
               <a:lnSpc>
                 <a:spcPct val="115000"/>
               </a:lnSpc>
@@ -7892,547 +8958,28 @@
               <a:spcAft>
                 <a:spcPts val="1199"/>
               </a:spcAft>
-              <a:buFont typeface="+mj-lt"/>
-              <a:buAutoNum type="arabicPeriod"/>
+              <a:buNone/>
               <a:tabLst>
                 <a:tab pos="0" algn="l"/>
               </a:tabLst>
             </a:pPr>
-            <a:r>
-              <a:rPr lang="it-IT" sz="1400" spc="-1" dirty="0">
-                <a:solidFill>
-                  <a:srgbClr val="000000"/>
-                </a:solidFill>
-                <a:latin typeface="Arial"/>
-              </a:rPr>
-              <a:t>F. </a:t>
-            </a:r>
-            <a:r>
-              <a:rPr lang="it-IT" sz="1400" spc="-1" dirty="0" err="1">
-                <a:solidFill>
-                  <a:srgbClr val="000000"/>
-                </a:solidFill>
-                <a:latin typeface="Arial"/>
-              </a:rPr>
-              <a:t>Chollet</a:t>
-            </a:r>
-            <a:r>
-              <a:rPr lang="it-IT" sz="1400" spc="-1" dirty="0">
-                <a:solidFill>
-                  <a:srgbClr val="000000"/>
-                </a:solidFill>
-                <a:latin typeface="Arial"/>
-              </a:rPr>
-              <a:t>, </a:t>
-            </a:r>
-            <a:r>
-              <a:rPr lang="it-IT" sz="1400" i="1" spc="-1" dirty="0" err="1">
-                <a:solidFill>
-                  <a:srgbClr val="000000"/>
-                </a:solidFill>
-                <a:latin typeface="Arial"/>
-              </a:rPr>
-              <a:t>Keras</a:t>
-            </a:r>
-            <a:r>
-              <a:rPr lang="it-IT" sz="1400" spc="-1" dirty="0">
-                <a:solidFill>
-                  <a:srgbClr val="000000"/>
-                </a:solidFill>
-                <a:latin typeface="Arial"/>
-              </a:rPr>
-              <a:t>, GitHub, </a:t>
-            </a:r>
-            <a:r>
-              <a:rPr lang="it-IT" sz="1400" spc="-1" dirty="0">
-                <a:solidFill>
-                  <a:srgbClr val="000000"/>
-                </a:solidFill>
-                <a:latin typeface="Arial"/>
-                <a:hlinkClick r:id="rId2"/>
-              </a:rPr>
-              <a:t>GitHub Repository</a:t>
-            </a:r>
-            <a:r>
-              <a:rPr lang="it-IT" sz="1400" spc="-1" dirty="0">
-                <a:solidFill>
-                  <a:srgbClr val="000000"/>
-                </a:solidFill>
-                <a:latin typeface="Arial"/>
-              </a:rPr>
-              <a:t>, (2015) </a:t>
-            </a:r>
-            <a:r>
-              <a:rPr lang="it-IT" sz="1400" spc="-1" dirty="0" err="1">
-                <a:solidFill>
-                  <a:srgbClr val="000000"/>
-                </a:solidFill>
-                <a:latin typeface="Arial"/>
-              </a:rPr>
-              <a:t>version</a:t>
-            </a:r>
-            <a:r>
-              <a:rPr lang="it-IT" sz="1400" spc="-1" dirty="0">
-                <a:solidFill>
-                  <a:srgbClr val="000000"/>
-                </a:solidFill>
-                <a:latin typeface="Arial"/>
-              </a:rPr>
-              <a:t> </a:t>
-            </a:r>
-            <a:r>
-              <a:rPr lang="it-IT" sz="1400" spc="-1" dirty="0">
-                <a:solidFill>
-                  <a:srgbClr val="000000"/>
-                </a:solidFill>
-                <a:latin typeface="Arial"/>
-                <a:hlinkClick r:id="rId3"/>
-              </a:rPr>
-              <a:t>3.0.2</a:t>
-            </a:r>
-            <a:endParaRPr lang="it-IT" sz="1400" spc="-1" dirty="0">
+            <a:endParaRPr lang="it-IT" sz="1800" b="0" strike="noStrike" spc="-1">
               <a:solidFill>
                 <a:srgbClr val="000000"/>
               </a:solidFill>
               <a:latin typeface="Arial"/>
             </a:endParaRPr>
           </a:p>
-          <a:p>
-            <a:pPr marL="342900" indent="-342900">
-              <a:lnSpc>
-                <a:spcPct val="115000"/>
-              </a:lnSpc>
-              <a:spcBef>
-                <a:spcPts val="1199"/>
-              </a:spcBef>
-              <a:spcAft>
-                <a:spcPts val="1199"/>
-              </a:spcAft>
-              <a:buFont typeface="+mj-lt"/>
-              <a:buAutoNum type="arabicPeriod"/>
-              <a:tabLst>
-                <a:tab pos="0" algn="l"/>
-              </a:tabLst>
-            </a:pPr>
-            <a:r>
-              <a:rPr lang="it-IT" sz="1400" spc="-1" dirty="0">
-                <a:solidFill>
-                  <a:srgbClr val="000000"/>
-                </a:solidFill>
-                <a:latin typeface="Arial"/>
-              </a:rPr>
-              <a:t>M. Abadi, A. </a:t>
-            </a:r>
-            <a:r>
-              <a:rPr lang="it-IT" sz="1400" spc="-1" dirty="0" err="1">
-                <a:solidFill>
-                  <a:srgbClr val="000000"/>
-                </a:solidFill>
-                <a:latin typeface="Arial"/>
-              </a:rPr>
-              <a:t>Agarwal</a:t>
-            </a:r>
-            <a:r>
-              <a:rPr lang="it-IT" sz="1400" spc="-1" dirty="0">
-                <a:solidFill>
-                  <a:srgbClr val="000000"/>
-                </a:solidFill>
-                <a:latin typeface="Arial"/>
-              </a:rPr>
-              <a:t> et al., 2015, </a:t>
-            </a:r>
-            <a:r>
-              <a:rPr lang="it-IT" sz="1400" i="1" spc="-1" dirty="0" err="1">
-                <a:solidFill>
-                  <a:srgbClr val="000000"/>
-                </a:solidFill>
-                <a:latin typeface="Arial"/>
-              </a:rPr>
-              <a:t>Ten</a:t>
-            </a:r>
-            <a:r>
-              <a:rPr kumimoji="0" lang="it-IT" altLang="it-IT" sz="1400" b="0" i="1" u="none" strike="noStrike" cap="none" normalizeH="0" baseline="0" dirty="0" err="1">
-                <a:ln>
-                  <a:noFill/>
-                </a:ln>
-                <a:solidFill>
-                  <a:schemeClr val="tx1"/>
-                </a:solidFill>
-                <a:effectLst/>
-                <a:latin typeface="Arial Unicode MS"/>
-              </a:rPr>
-              <a:t>sorFlow</a:t>
-            </a:r>
-            <a:r>
-              <a:rPr kumimoji="0" lang="it-IT" altLang="it-IT" sz="1400" b="0" i="1" u="none" strike="noStrike" cap="none" normalizeH="0" baseline="0" dirty="0">
-                <a:ln>
-                  <a:noFill/>
-                </a:ln>
-                <a:solidFill>
-                  <a:schemeClr val="tx1"/>
-                </a:solidFill>
-                <a:effectLst/>
-                <a:latin typeface="Arial Unicode MS"/>
-              </a:rPr>
-              <a:t>: Large-scale machine learning on </a:t>
-            </a:r>
-            <a:r>
-              <a:rPr kumimoji="0" lang="it-IT" altLang="it-IT" sz="1400" b="0" i="1" u="none" strike="noStrike" cap="none" normalizeH="0" baseline="0" dirty="0" err="1">
-                <a:ln>
-                  <a:noFill/>
-                </a:ln>
-                <a:solidFill>
-                  <a:schemeClr val="tx1"/>
-                </a:solidFill>
-                <a:effectLst/>
-                <a:latin typeface="Arial Unicode MS"/>
-              </a:rPr>
-              <a:t>heterogeneous</a:t>
-            </a:r>
-            <a:r>
-              <a:rPr kumimoji="0" lang="it-IT" altLang="it-IT" sz="1400" b="0" i="1" u="none" strike="noStrike" cap="none" normalizeH="0" baseline="0" dirty="0">
-                <a:ln>
-                  <a:noFill/>
-                </a:ln>
-                <a:solidFill>
-                  <a:schemeClr val="tx1"/>
-                </a:solidFill>
-                <a:effectLst/>
-                <a:latin typeface="Arial Unicode MS"/>
-              </a:rPr>
-              <a:t> systems</a:t>
-            </a:r>
-            <a:r>
-              <a:rPr kumimoji="0" lang="it-IT" altLang="it-IT" sz="1400" b="0" i="0" u="none" strike="noStrike" cap="none" normalizeH="0" baseline="0" dirty="0">
-                <a:ln>
-                  <a:noFill/>
-                </a:ln>
-                <a:solidFill>
-                  <a:schemeClr val="tx1"/>
-                </a:solidFill>
-                <a:effectLst/>
-                <a:latin typeface="Arial Unicode MS"/>
-              </a:rPr>
-              <a:t>. </a:t>
-            </a:r>
-            <a:r>
-              <a:rPr kumimoji="0" lang="it-IT" altLang="it-IT" sz="1400" b="0" i="0" u="none" strike="noStrike" cap="none" normalizeH="0" baseline="0" dirty="0">
-                <a:ln>
-                  <a:noFill/>
-                </a:ln>
-                <a:solidFill>
-                  <a:schemeClr val="tx1"/>
-                </a:solidFill>
-                <a:effectLst/>
-                <a:latin typeface="Arial Unicode MS"/>
-                <a:hlinkClick r:id="rId4"/>
-              </a:rPr>
-              <a:t>www.tensorflow.org</a:t>
-            </a:r>
-            <a:endParaRPr lang="it-IT" sz="1400" spc="-1" dirty="0">
-              <a:solidFill>
-                <a:srgbClr val="000000"/>
-              </a:solidFill>
-              <a:latin typeface="Arial"/>
-            </a:endParaRPr>
-          </a:p>
-          <a:p>
-            <a:pPr marL="342900" indent="-342900">
-              <a:lnSpc>
-                <a:spcPct val="115000"/>
-              </a:lnSpc>
-              <a:spcBef>
-                <a:spcPts val="1199"/>
-              </a:spcBef>
-              <a:spcAft>
-                <a:spcPts val="1199"/>
-              </a:spcAft>
-              <a:buFont typeface="+mj-lt"/>
-              <a:buAutoNum type="arabicPeriod"/>
-              <a:tabLst>
-                <a:tab pos="0" algn="l"/>
-              </a:tabLst>
-            </a:pPr>
-            <a:r>
-              <a:rPr lang="it-IT" sz="1400" spc="-1" dirty="0">
-                <a:solidFill>
-                  <a:srgbClr val="000000"/>
-                </a:solidFill>
-                <a:latin typeface="Arial"/>
-              </a:rPr>
-              <a:t>F. </a:t>
-            </a:r>
-            <a:r>
-              <a:rPr lang="it-IT" sz="1400" spc="-1" dirty="0" err="1">
-                <a:solidFill>
-                  <a:srgbClr val="000000"/>
-                </a:solidFill>
-                <a:latin typeface="Arial"/>
-              </a:rPr>
-              <a:t>Pedergosa</a:t>
-            </a:r>
-            <a:r>
-              <a:rPr lang="it-IT" sz="1400" spc="-1" dirty="0">
-                <a:solidFill>
-                  <a:srgbClr val="000000"/>
-                </a:solidFill>
-                <a:latin typeface="Arial"/>
-              </a:rPr>
-              <a:t>, G. </a:t>
-            </a:r>
-            <a:r>
-              <a:rPr lang="it-IT" sz="1400" spc="-1" dirty="0" err="1">
-                <a:solidFill>
-                  <a:srgbClr val="000000"/>
-                </a:solidFill>
-                <a:latin typeface="Arial"/>
-              </a:rPr>
-              <a:t>Varoquaux</a:t>
-            </a:r>
-            <a:r>
-              <a:rPr lang="it-IT" sz="1400" spc="-1" dirty="0">
-                <a:solidFill>
-                  <a:srgbClr val="000000"/>
-                </a:solidFill>
-                <a:latin typeface="Arial"/>
-              </a:rPr>
-              <a:t> et al, </a:t>
-            </a:r>
-            <a:r>
-              <a:rPr lang="it-IT" sz="1400" i="1" spc="-1" dirty="0" err="1">
-                <a:solidFill>
-                  <a:srgbClr val="000000"/>
-                </a:solidFill>
-                <a:latin typeface="Arial"/>
-              </a:rPr>
-              <a:t>Scikit-learn</a:t>
-            </a:r>
-            <a:r>
-              <a:rPr lang="it-IT" sz="1400" i="1" spc="-1" dirty="0">
-                <a:solidFill>
-                  <a:srgbClr val="000000"/>
-                </a:solidFill>
-                <a:latin typeface="Arial"/>
-              </a:rPr>
-              <a:t>: Machine Learning in Python</a:t>
-            </a:r>
-            <a:r>
-              <a:rPr lang="it-IT" sz="1400" spc="-1" dirty="0">
-                <a:solidFill>
-                  <a:srgbClr val="000000"/>
-                </a:solidFill>
-                <a:latin typeface="Arial"/>
-              </a:rPr>
-              <a:t>, JMLR, 12(</a:t>
-            </a:r>
-            <a:r>
-              <a:rPr lang="it-IT" sz="1400" spc="-1" dirty="0" err="1">
-                <a:solidFill>
-                  <a:srgbClr val="000000"/>
-                </a:solidFill>
-                <a:latin typeface="Arial"/>
-              </a:rPr>
-              <a:t>Oct</a:t>
-            </a:r>
-            <a:r>
-              <a:rPr lang="it-IT" sz="1400" spc="-1" dirty="0">
-                <a:solidFill>
-                  <a:srgbClr val="000000"/>
-                </a:solidFill>
-                <a:latin typeface="Arial"/>
-              </a:rPr>
-              <a:t>), (2011), pp.2825-2830 </a:t>
-            </a:r>
-          </a:p>
-          <a:p>
-            <a:pPr marL="342900" indent="-342900">
-              <a:lnSpc>
-                <a:spcPct val="115000"/>
-              </a:lnSpc>
-              <a:spcBef>
-                <a:spcPts val="1199"/>
-              </a:spcBef>
-              <a:spcAft>
-                <a:spcPts val="1199"/>
-              </a:spcAft>
-              <a:buFont typeface="+mj-lt"/>
-              <a:buAutoNum type="arabicPeriod"/>
-              <a:tabLst>
-                <a:tab pos="0" algn="l"/>
-              </a:tabLst>
-            </a:pPr>
-            <a:r>
-              <a:rPr lang="it-IT" sz="1400" spc="-1" dirty="0">
-                <a:solidFill>
-                  <a:srgbClr val="000000"/>
-                </a:solidFill>
-                <a:latin typeface="Arial"/>
-              </a:rPr>
-              <a:t>A. Garcia </a:t>
-            </a:r>
-            <a:r>
-              <a:rPr lang="it-IT" sz="1400" spc="-1" dirty="0" err="1">
-                <a:solidFill>
-                  <a:srgbClr val="000000"/>
-                </a:solidFill>
-                <a:latin typeface="Arial"/>
-              </a:rPr>
-              <a:t>Badaracco</a:t>
-            </a:r>
-            <a:r>
-              <a:rPr lang="it-IT" sz="1400" spc="-1" dirty="0">
-                <a:solidFill>
-                  <a:srgbClr val="000000"/>
-                </a:solidFill>
-                <a:latin typeface="Arial"/>
-              </a:rPr>
-              <a:t> et al, </a:t>
-            </a:r>
-            <a:r>
-              <a:rPr lang="it-IT" sz="1400" i="1" spc="-1" dirty="0" err="1">
-                <a:solidFill>
-                  <a:srgbClr val="000000"/>
-                </a:solidFill>
-                <a:latin typeface="Arial"/>
-              </a:rPr>
-              <a:t>SciKeras</a:t>
-            </a:r>
-            <a:r>
-              <a:rPr lang="it-IT" sz="1400" i="1" spc="-1" dirty="0">
-                <a:solidFill>
-                  <a:srgbClr val="000000"/>
-                </a:solidFill>
-                <a:latin typeface="Arial"/>
-              </a:rPr>
-              <a:t>: </a:t>
-            </a:r>
-            <a:r>
-              <a:rPr lang="it-IT" sz="1400" i="1" spc="-1" dirty="0" err="1">
-                <a:solidFill>
-                  <a:srgbClr val="000000"/>
-                </a:solidFill>
-                <a:latin typeface="Arial"/>
-              </a:rPr>
-              <a:t>Scikit-Learn</a:t>
-            </a:r>
-            <a:r>
-              <a:rPr lang="it-IT" sz="1400" i="1" spc="-1" dirty="0">
-                <a:solidFill>
-                  <a:srgbClr val="000000"/>
-                </a:solidFill>
-                <a:latin typeface="Arial"/>
-              </a:rPr>
-              <a:t> </a:t>
-            </a:r>
-            <a:r>
-              <a:rPr lang="it-IT" sz="1400" i="1" spc="-1" dirty="0" err="1">
-                <a:solidFill>
-                  <a:srgbClr val="000000"/>
-                </a:solidFill>
-                <a:latin typeface="Arial"/>
-              </a:rPr>
-              <a:t>wrapper</a:t>
-            </a:r>
-            <a:r>
-              <a:rPr lang="it-IT" sz="1400" i="1" spc="-1" dirty="0">
-                <a:solidFill>
-                  <a:srgbClr val="000000"/>
-                </a:solidFill>
-                <a:latin typeface="Arial"/>
-              </a:rPr>
-              <a:t> for </a:t>
-            </a:r>
-            <a:r>
-              <a:rPr lang="it-IT" sz="1400" i="1" spc="-1" dirty="0" err="1">
-                <a:solidFill>
-                  <a:srgbClr val="000000"/>
-                </a:solidFill>
-                <a:latin typeface="Arial"/>
-              </a:rPr>
-              <a:t>Keras</a:t>
-            </a:r>
-            <a:r>
-              <a:rPr lang="it-IT" sz="1400" spc="-1" dirty="0">
-                <a:solidFill>
-                  <a:srgbClr val="000000"/>
-                </a:solidFill>
-                <a:latin typeface="Arial"/>
-              </a:rPr>
-              <a:t>, GitHub, </a:t>
-            </a:r>
-            <a:r>
-              <a:rPr lang="it-IT" sz="1400" spc="-1" dirty="0">
-                <a:solidFill>
-                  <a:srgbClr val="000000"/>
-                </a:solidFill>
-                <a:latin typeface="Arial"/>
-                <a:hlinkClick r:id="rId5"/>
-              </a:rPr>
-              <a:t>GitHub Repository</a:t>
-            </a:r>
-            <a:r>
-              <a:rPr lang="it-IT" sz="1400" spc="-1" dirty="0">
-                <a:solidFill>
-                  <a:srgbClr val="000000"/>
-                </a:solidFill>
-                <a:latin typeface="Arial"/>
-              </a:rPr>
-              <a:t>, (2020) </a:t>
-            </a:r>
-            <a:r>
-              <a:rPr lang="it-IT" sz="1400" spc="-1" dirty="0" err="1">
-                <a:solidFill>
-                  <a:srgbClr val="000000"/>
-                </a:solidFill>
-                <a:latin typeface="Arial"/>
-              </a:rPr>
-              <a:t>version</a:t>
-            </a:r>
-            <a:r>
-              <a:rPr lang="it-IT" sz="1400" spc="-1" dirty="0">
-                <a:solidFill>
-                  <a:srgbClr val="000000"/>
-                </a:solidFill>
-                <a:latin typeface="Arial"/>
-              </a:rPr>
-              <a:t> </a:t>
-            </a:r>
-            <a:r>
-              <a:rPr lang="it-IT" sz="1400" i="1" spc="-1" dirty="0">
-                <a:solidFill>
-                  <a:srgbClr val="000000"/>
-                </a:solidFill>
-                <a:latin typeface="Arial"/>
-              </a:rPr>
-              <a:t> </a:t>
-            </a:r>
-            <a:r>
-              <a:rPr lang="it-IT" sz="1400" spc="-1" dirty="0">
-                <a:solidFill>
-                  <a:srgbClr val="000000"/>
-                </a:solidFill>
-                <a:latin typeface="Arial"/>
-                <a:hlinkClick r:id="rId6"/>
-              </a:rPr>
-              <a:t>0.12.0</a:t>
-            </a:r>
-            <a:endParaRPr lang="it-IT" sz="1400" spc="-1" dirty="0">
-              <a:solidFill>
-                <a:srgbClr val="000000"/>
-              </a:solidFill>
-              <a:latin typeface="Arial"/>
-            </a:endParaRPr>
-          </a:p>
-        </p:txBody>
-      </p:sp>
-      <p:sp>
-        <p:nvSpPr>
-          <p:cNvPr id="119" name="PlaceHolder 3"/>
+        </p:txBody>
+      </p:sp>
+      <p:sp>
+        <p:nvSpPr>
+          <p:cNvPr id="116" name="PlaceHolder 3"/>
           <p:cNvSpPr>
             <a:spLocks noGrp="1"/>
           </p:cNvSpPr>
           <p:nvPr>
-            <p:ph type="sldNum" idx="13"/>
+            <p:ph type="sldNum" idx="12"/>
           </p:nvPr>
         </p:nvSpPr>
         <p:spPr>
@@ -8480,7 +9027,7 @@
                 <a:tab pos="0" algn="l"/>
               </a:tabLst>
             </a:pPr>
-            <a:fld id="{F1974EC4-68EB-45C8-A197-A860EB4D25E8}" type="slidenum">
+            <a:fld id="{0290D2CD-F684-4A0F-9162-8897609F2911}" type="slidenum">
               <a:rPr lang="it" sz="1000" b="0" strike="noStrike" spc="-1">
                 <a:solidFill>
                   <a:srgbClr val="595959"/>
@@ -8523,6 +9070,817 @@
       </p:grpSpPr>
       <p:sp>
         <p:nvSpPr>
+          <p:cNvPr id="117" name="PlaceHolder 1"/>
+          <p:cNvSpPr>
+            <a:spLocks noGrp="1"/>
+          </p:cNvSpPr>
+          <p:nvPr>
+            <p:ph type="title"/>
+          </p:nvPr>
+        </p:nvSpPr>
+        <p:spPr>
+          <a:xfrm>
+            <a:off x="311760" y="2700"/>
+            <a:ext cx="8520120" cy="572400"/>
+          </a:xfrm>
+          <a:prstGeom prst="rect">
+            <a:avLst/>
+          </a:prstGeom>
+          <a:noFill/>
+          <a:ln w="0">
+            <a:noFill/>
+          </a:ln>
+        </p:spPr>
+        <p:txBody>
+          <a:bodyPr tIns="91440" bIns="91440" anchor="t">
+            <a:normAutofit fontScale="91000"/>
+          </a:bodyPr>
+          <a:lstStyle/>
+          <a:p>
+            <a:pPr>
+              <a:lnSpc>
+                <a:spcPct val="100000"/>
+              </a:lnSpc>
+              <a:buNone/>
+              <a:tabLst>
+                <a:tab pos="0" algn="l"/>
+              </a:tabLst>
+            </a:pPr>
+            <a:r>
+              <a:rPr lang="it" sz="2600" b="0" strike="noStrike" spc="-1" dirty="0">
+                <a:solidFill>
+                  <a:srgbClr val="000000"/>
+                </a:solidFill>
+                <a:latin typeface="Arial"/>
+                <a:ea typeface="Arial"/>
+              </a:rPr>
+              <a:t>Bibliography - 1</a:t>
+            </a:r>
+            <a:r>
+              <a:rPr lang="it" sz="2800" b="0" strike="noStrike" spc="-1" dirty="0">
+                <a:solidFill>
+                  <a:srgbClr val="000000"/>
+                </a:solidFill>
+                <a:latin typeface="Arial"/>
+                <a:ea typeface="Arial"/>
+              </a:rPr>
+              <a:t> </a:t>
+            </a:r>
+            <a:endParaRPr lang="it-IT" sz="2800" b="0" strike="noStrike" spc="-1" dirty="0">
+              <a:solidFill>
+                <a:srgbClr val="000000"/>
+              </a:solidFill>
+              <a:latin typeface="Arial"/>
+            </a:endParaRPr>
+          </a:p>
+        </p:txBody>
+      </p:sp>
+      <p:sp>
+        <p:nvSpPr>
+          <p:cNvPr id="118" name="PlaceHolder 2"/>
+          <p:cNvSpPr>
+            <a:spLocks noGrp="1"/>
+          </p:cNvSpPr>
+          <p:nvPr>
+            <p:ph/>
+          </p:nvPr>
+        </p:nvSpPr>
+        <p:spPr>
+          <a:xfrm>
+            <a:off x="311760" y="1152360"/>
+            <a:ext cx="8520120" cy="3416040"/>
+          </a:xfrm>
+          <a:prstGeom prst="rect">
+            <a:avLst/>
+          </a:prstGeom>
+          <a:noFill/>
+          <a:ln w="0">
+            <a:noFill/>
+          </a:ln>
+        </p:spPr>
+        <p:txBody>
+          <a:bodyPr tIns="91440" bIns="91440" anchor="t">
+            <a:normAutofit/>
+          </a:bodyPr>
+          <a:lstStyle/>
+          <a:p>
+            <a:pPr>
+              <a:lnSpc>
+                <a:spcPct val="115000"/>
+              </a:lnSpc>
+              <a:spcBef>
+                <a:spcPts val="1199"/>
+              </a:spcBef>
+              <a:spcAft>
+                <a:spcPts val="1199"/>
+              </a:spcAft>
+              <a:tabLst>
+                <a:tab pos="0" algn="l"/>
+              </a:tabLst>
+            </a:pPr>
+            <a:r>
+              <a:rPr lang="it-IT" sz="1600" spc="-1" dirty="0" err="1">
+                <a:solidFill>
+                  <a:srgbClr val="000000"/>
+                </a:solidFill>
+                <a:latin typeface="Arial"/>
+              </a:rPr>
+              <a:t>Main</a:t>
+            </a:r>
+            <a:r>
+              <a:rPr lang="it-IT" sz="1600" spc="-1" dirty="0">
+                <a:solidFill>
+                  <a:srgbClr val="000000"/>
+                </a:solidFill>
+                <a:latin typeface="Arial"/>
+              </a:rPr>
+              <a:t> libraries and software tools </a:t>
+            </a:r>
+            <a:r>
+              <a:rPr lang="it-IT" sz="1600" spc="-1" dirty="0" err="1">
+                <a:solidFill>
+                  <a:srgbClr val="000000"/>
+                </a:solidFill>
+                <a:latin typeface="Arial"/>
+              </a:rPr>
+              <a:t>used</a:t>
+            </a:r>
+            <a:r>
+              <a:rPr lang="it-IT" sz="1600" spc="-1" dirty="0">
+                <a:solidFill>
+                  <a:srgbClr val="000000"/>
+                </a:solidFill>
+                <a:latin typeface="Arial"/>
+              </a:rPr>
+              <a:t> for </a:t>
+            </a:r>
+            <a:r>
+              <a:rPr lang="it-IT" sz="1600" spc="-1" dirty="0" err="1">
+                <a:solidFill>
+                  <a:srgbClr val="000000"/>
+                </a:solidFill>
+                <a:latin typeface="Arial"/>
+              </a:rPr>
+              <a:t>this</a:t>
+            </a:r>
+            <a:r>
+              <a:rPr lang="it-IT" sz="1600" spc="-1" dirty="0">
+                <a:solidFill>
+                  <a:srgbClr val="000000"/>
+                </a:solidFill>
+                <a:latin typeface="Arial"/>
+              </a:rPr>
+              <a:t> project:</a:t>
+            </a:r>
+            <a:endParaRPr lang="it-IT" sz="2000" spc="-1" dirty="0">
+              <a:solidFill>
+                <a:srgbClr val="000000"/>
+              </a:solidFill>
+              <a:latin typeface="Arial"/>
+            </a:endParaRPr>
+          </a:p>
+          <a:p>
+            <a:pPr marL="342900" indent="-342900">
+              <a:lnSpc>
+                <a:spcPct val="115000"/>
+              </a:lnSpc>
+              <a:spcBef>
+                <a:spcPts val="1199"/>
+              </a:spcBef>
+              <a:spcAft>
+                <a:spcPts val="1199"/>
+              </a:spcAft>
+              <a:buFont typeface="+mj-lt"/>
+              <a:buAutoNum type="arabicPeriod"/>
+              <a:tabLst>
+                <a:tab pos="0" algn="l"/>
+              </a:tabLst>
+            </a:pPr>
+            <a:r>
+              <a:rPr lang="it-IT" sz="1400" spc="-1" dirty="0">
+                <a:solidFill>
+                  <a:srgbClr val="000000"/>
+                </a:solidFill>
+                <a:latin typeface="Arial"/>
+              </a:rPr>
+              <a:t>F. </a:t>
+            </a:r>
+            <a:r>
+              <a:rPr lang="it-IT" sz="1400" spc="-1" dirty="0" err="1">
+                <a:solidFill>
+                  <a:srgbClr val="000000"/>
+                </a:solidFill>
+                <a:latin typeface="Arial"/>
+              </a:rPr>
+              <a:t>Chollet</a:t>
+            </a:r>
+            <a:r>
+              <a:rPr lang="it-IT" sz="1400" spc="-1" dirty="0">
+                <a:solidFill>
+                  <a:srgbClr val="000000"/>
+                </a:solidFill>
+                <a:latin typeface="Arial"/>
+              </a:rPr>
+              <a:t>, </a:t>
+            </a:r>
+            <a:r>
+              <a:rPr lang="it-IT" sz="1400" i="1" spc="-1" dirty="0" err="1">
+                <a:solidFill>
+                  <a:srgbClr val="000000"/>
+                </a:solidFill>
+                <a:latin typeface="Arial"/>
+              </a:rPr>
+              <a:t>Keras</a:t>
+            </a:r>
+            <a:r>
+              <a:rPr lang="it-IT" sz="1400" spc="-1" dirty="0">
+                <a:solidFill>
+                  <a:srgbClr val="000000"/>
+                </a:solidFill>
+                <a:latin typeface="Arial"/>
+              </a:rPr>
+              <a:t>, GitHub, </a:t>
+            </a:r>
+            <a:r>
+              <a:rPr lang="it-IT" sz="1400" spc="-1" dirty="0">
+                <a:solidFill>
+                  <a:srgbClr val="000000"/>
+                </a:solidFill>
+                <a:latin typeface="Arial"/>
+                <a:hlinkClick r:id="rId2"/>
+              </a:rPr>
+              <a:t>GitHub Repository</a:t>
+            </a:r>
+            <a:r>
+              <a:rPr lang="it-IT" sz="1400" spc="-1" dirty="0">
+                <a:solidFill>
+                  <a:srgbClr val="000000"/>
+                </a:solidFill>
+                <a:latin typeface="Arial"/>
+              </a:rPr>
+              <a:t>, (2015) </a:t>
+            </a:r>
+            <a:r>
+              <a:rPr lang="it-IT" sz="1400" spc="-1" dirty="0" err="1">
+                <a:solidFill>
+                  <a:srgbClr val="000000"/>
+                </a:solidFill>
+                <a:latin typeface="Arial"/>
+              </a:rPr>
+              <a:t>version</a:t>
+            </a:r>
+            <a:r>
+              <a:rPr lang="it-IT" sz="1400" spc="-1" dirty="0">
+                <a:solidFill>
+                  <a:srgbClr val="000000"/>
+                </a:solidFill>
+                <a:latin typeface="Arial"/>
+              </a:rPr>
+              <a:t> </a:t>
+            </a:r>
+            <a:r>
+              <a:rPr lang="it-IT" sz="1400" spc="-1" dirty="0">
+                <a:solidFill>
+                  <a:srgbClr val="000000"/>
+                </a:solidFill>
+                <a:latin typeface="Arial"/>
+                <a:hlinkClick r:id="rId3"/>
+              </a:rPr>
+              <a:t>3.0.2</a:t>
+            </a:r>
+            <a:endParaRPr lang="it-IT" sz="1400" spc="-1" dirty="0">
+              <a:solidFill>
+                <a:srgbClr val="000000"/>
+              </a:solidFill>
+              <a:latin typeface="Arial"/>
+            </a:endParaRPr>
+          </a:p>
+          <a:p>
+            <a:pPr marL="342900" indent="-342900">
+              <a:lnSpc>
+                <a:spcPct val="115000"/>
+              </a:lnSpc>
+              <a:spcBef>
+                <a:spcPts val="1199"/>
+              </a:spcBef>
+              <a:spcAft>
+                <a:spcPts val="1199"/>
+              </a:spcAft>
+              <a:buFont typeface="+mj-lt"/>
+              <a:buAutoNum type="arabicPeriod"/>
+              <a:tabLst>
+                <a:tab pos="0" algn="l"/>
+              </a:tabLst>
+            </a:pPr>
+            <a:r>
+              <a:rPr lang="it-IT" sz="1400" spc="-1" dirty="0">
+                <a:solidFill>
+                  <a:srgbClr val="000000"/>
+                </a:solidFill>
+                <a:latin typeface="Arial"/>
+              </a:rPr>
+              <a:t>M. Abadi, A. </a:t>
+            </a:r>
+            <a:r>
+              <a:rPr lang="it-IT" sz="1400" spc="-1" dirty="0" err="1">
+                <a:solidFill>
+                  <a:srgbClr val="000000"/>
+                </a:solidFill>
+                <a:latin typeface="Arial"/>
+              </a:rPr>
+              <a:t>Agarwal</a:t>
+            </a:r>
+            <a:r>
+              <a:rPr lang="it-IT" sz="1400" spc="-1" dirty="0">
+                <a:solidFill>
+                  <a:srgbClr val="000000"/>
+                </a:solidFill>
+                <a:latin typeface="Arial"/>
+              </a:rPr>
+              <a:t> et al., 2015, </a:t>
+            </a:r>
+            <a:r>
+              <a:rPr lang="it-IT" sz="1400" i="1" spc="-1" dirty="0" err="1">
+                <a:solidFill>
+                  <a:srgbClr val="000000"/>
+                </a:solidFill>
+                <a:latin typeface="Arial"/>
+              </a:rPr>
+              <a:t>Ten</a:t>
+            </a:r>
+            <a:r>
+              <a:rPr kumimoji="0" lang="it-IT" altLang="it-IT" sz="1400" b="0" i="1" u="none" strike="noStrike" cap="none" normalizeH="0" baseline="0" dirty="0" err="1">
+                <a:ln>
+                  <a:noFill/>
+                </a:ln>
+                <a:solidFill>
+                  <a:schemeClr val="tx1"/>
+                </a:solidFill>
+                <a:effectLst/>
+                <a:latin typeface="Arial Unicode MS"/>
+              </a:rPr>
+              <a:t>sorFlow</a:t>
+            </a:r>
+            <a:r>
+              <a:rPr kumimoji="0" lang="it-IT" altLang="it-IT" sz="1400" b="0" i="1" u="none" strike="noStrike" cap="none" normalizeH="0" baseline="0" dirty="0">
+                <a:ln>
+                  <a:noFill/>
+                </a:ln>
+                <a:solidFill>
+                  <a:schemeClr val="tx1"/>
+                </a:solidFill>
+                <a:effectLst/>
+                <a:latin typeface="Arial Unicode MS"/>
+              </a:rPr>
+              <a:t>: Large-scale machine learning on </a:t>
+            </a:r>
+            <a:r>
+              <a:rPr kumimoji="0" lang="it-IT" altLang="it-IT" sz="1400" b="0" i="1" u="none" strike="noStrike" cap="none" normalizeH="0" baseline="0" dirty="0" err="1">
+                <a:ln>
+                  <a:noFill/>
+                </a:ln>
+                <a:solidFill>
+                  <a:schemeClr val="tx1"/>
+                </a:solidFill>
+                <a:effectLst/>
+                <a:latin typeface="Arial Unicode MS"/>
+              </a:rPr>
+              <a:t>heterogeneous</a:t>
+            </a:r>
+            <a:r>
+              <a:rPr kumimoji="0" lang="it-IT" altLang="it-IT" sz="1400" b="0" i="1" u="none" strike="noStrike" cap="none" normalizeH="0" baseline="0" dirty="0">
+                <a:ln>
+                  <a:noFill/>
+                </a:ln>
+                <a:solidFill>
+                  <a:schemeClr val="tx1"/>
+                </a:solidFill>
+                <a:effectLst/>
+                <a:latin typeface="Arial Unicode MS"/>
+              </a:rPr>
+              <a:t> systems</a:t>
+            </a:r>
+            <a:r>
+              <a:rPr kumimoji="0" lang="it-IT" altLang="it-IT" sz="1400" b="0" i="0" u="none" strike="noStrike" cap="none" normalizeH="0" baseline="0" dirty="0">
+                <a:ln>
+                  <a:noFill/>
+                </a:ln>
+                <a:solidFill>
+                  <a:schemeClr val="tx1"/>
+                </a:solidFill>
+                <a:effectLst/>
+                <a:latin typeface="Arial Unicode MS"/>
+              </a:rPr>
+              <a:t>. </a:t>
+            </a:r>
+            <a:r>
+              <a:rPr kumimoji="0" lang="it-IT" altLang="it-IT" sz="1400" b="0" i="0" u="none" strike="noStrike" cap="none" normalizeH="0" baseline="0" dirty="0">
+                <a:ln>
+                  <a:noFill/>
+                </a:ln>
+                <a:solidFill>
+                  <a:schemeClr val="tx1"/>
+                </a:solidFill>
+                <a:effectLst/>
+                <a:latin typeface="Arial Unicode MS"/>
+                <a:hlinkClick r:id="rId4"/>
+              </a:rPr>
+              <a:t>www.tensorflow.org</a:t>
+            </a:r>
+            <a:endParaRPr lang="it-IT" sz="1400" spc="-1" dirty="0">
+              <a:solidFill>
+                <a:srgbClr val="000000"/>
+              </a:solidFill>
+              <a:latin typeface="Arial"/>
+            </a:endParaRPr>
+          </a:p>
+          <a:p>
+            <a:pPr marL="342900" indent="-342900">
+              <a:lnSpc>
+                <a:spcPct val="115000"/>
+              </a:lnSpc>
+              <a:spcBef>
+                <a:spcPts val="1199"/>
+              </a:spcBef>
+              <a:spcAft>
+                <a:spcPts val="1199"/>
+              </a:spcAft>
+              <a:buFont typeface="+mj-lt"/>
+              <a:buAutoNum type="arabicPeriod"/>
+              <a:tabLst>
+                <a:tab pos="0" algn="l"/>
+              </a:tabLst>
+            </a:pPr>
+            <a:r>
+              <a:rPr lang="it-IT" sz="1400" spc="-1" dirty="0">
+                <a:solidFill>
+                  <a:srgbClr val="000000"/>
+                </a:solidFill>
+                <a:latin typeface="Arial"/>
+              </a:rPr>
+              <a:t>F. </a:t>
+            </a:r>
+            <a:r>
+              <a:rPr lang="it-IT" sz="1400" spc="-1" dirty="0" err="1">
+                <a:solidFill>
+                  <a:srgbClr val="000000"/>
+                </a:solidFill>
+                <a:latin typeface="Arial"/>
+              </a:rPr>
+              <a:t>Pedergosa</a:t>
+            </a:r>
+            <a:r>
+              <a:rPr lang="it-IT" sz="1400" spc="-1" dirty="0">
+                <a:solidFill>
+                  <a:srgbClr val="000000"/>
+                </a:solidFill>
+                <a:latin typeface="Arial"/>
+              </a:rPr>
+              <a:t>, G. </a:t>
+            </a:r>
+            <a:r>
+              <a:rPr lang="it-IT" sz="1400" spc="-1" dirty="0" err="1">
+                <a:solidFill>
+                  <a:srgbClr val="000000"/>
+                </a:solidFill>
+                <a:latin typeface="Arial"/>
+              </a:rPr>
+              <a:t>Varoquaux</a:t>
+            </a:r>
+            <a:r>
+              <a:rPr lang="it-IT" sz="1400" spc="-1" dirty="0">
+                <a:solidFill>
+                  <a:srgbClr val="000000"/>
+                </a:solidFill>
+                <a:latin typeface="Arial"/>
+              </a:rPr>
+              <a:t> et al, </a:t>
+            </a:r>
+            <a:r>
+              <a:rPr lang="it-IT" sz="1400" i="1" spc="-1" dirty="0" err="1">
+                <a:solidFill>
+                  <a:srgbClr val="000000"/>
+                </a:solidFill>
+                <a:latin typeface="Arial"/>
+              </a:rPr>
+              <a:t>Scikit-learn</a:t>
+            </a:r>
+            <a:r>
+              <a:rPr lang="it-IT" sz="1400" i="1" spc="-1" dirty="0">
+                <a:solidFill>
+                  <a:srgbClr val="000000"/>
+                </a:solidFill>
+                <a:latin typeface="Arial"/>
+              </a:rPr>
+              <a:t>: Machine Learning in Python</a:t>
+            </a:r>
+            <a:r>
+              <a:rPr lang="it-IT" sz="1400" spc="-1" dirty="0">
+                <a:solidFill>
+                  <a:srgbClr val="000000"/>
+                </a:solidFill>
+                <a:latin typeface="Arial"/>
+              </a:rPr>
+              <a:t>, JMLR, 12(</a:t>
+            </a:r>
+            <a:r>
+              <a:rPr lang="it-IT" sz="1400" spc="-1" dirty="0" err="1">
+                <a:solidFill>
+                  <a:srgbClr val="000000"/>
+                </a:solidFill>
+                <a:latin typeface="Arial"/>
+              </a:rPr>
+              <a:t>Oct</a:t>
+            </a:r>
+            <a:r>
+              <a:rPr lang="it-IT" sz="1400" spc="-1" dirty="0">
+                <a:solidFill>
+                  <a:srgbClr val="000000"/>
+                </a:solidFill>
+                <a:latin typeface="Arial"/>
+              </a:rPr>
+              <a:t>), (2011), pp.2825-2830 </a:t>
+            </a:r>
+          </a:p>
+          <a:p>
+            <a:pPr marL="342900" indent="-342900">
+              <a:lnSpc>
+                <a:spcPct val="115000"/>
+              </a:lnSpc>
+              <a:spcBef>
+                <a:spcPts val="1199"/>
+              </a:spcBef>
+              <a:spcAft>
+                <a:spcPts val="1199"/>
+              </a:spcAft>
+              <a:buFont typeface="+mj-lt"/>
+              <a:buAutoNum type="arabicPeriod"/>
+              <a:tabLst>
+                <a:tab pos="0" algn="l"/>
+              </a:tabLst>
+            </a:pPr>
+            <a:r>
+              <a:rPr lang="it-IT" sz="1400" spc="-1" dirty="0">
+                <a:solidFill>
+                  <a:srgbClr val="000000"/>
+                </a:solidFill>
+                <a:latin typeface="Arial"/>
+              </a:rPr>
+              <a:t>A. Garcia </a:t>
+            </a:r>
+            <a:r>
+              <a:rPr lang="it-IT" sz="1400" spc="-1" dirty="0" err="1">
+                <a:solidFill>
+                  <a:srgbClr val="000000"/>
+                </a:solidFill>
+                <a:latin typeface="Arial"/>
+              </a:rPr>
+              <a:t>Badaracco</a:t>
+            </a:r>
+            <a:r>
+              <a:rPr lang="it-IT" sz="1400" spc="-1" dirty="0">
+                <a:solidFill>
+                  <a:srgbClr val="000000"/>
+                </a:solidFill>
+                <a:latin typeface="Arial"/>
+              </a:rPr>
+              <a:t> et al, </a:t>
+            </a:r>
+            <a:r>
+              <a:rPr lang="it-IT" sz="1400" i="1" spc="-1" dirty="0" err="1">
+                <a:solidFill>
+                  <a:srgbClr val="000000"/>
+                </a:solidFill>
+                <a:latin typeface="Arial"/>
+              </a:rPr>
+              <a:t>SciKeras</a:t>
+            </a:r>
+            <a:r>
+              <a:rPr lang="it-IT" sz="1400" i="1" spc="-1" dirty="0">
+                <a:solidFill>
+                  <a:srgbClr val="000000"/>
+                </a:solidFill>
+                <a:latin typeface="Arial"/>
+              </a:rPr>
+              <a:t>: </a:t>
+            </a:r>
+            <a:r>
+              <a:rPr lang="it-IT" sz="1400" i="1" spc="-1" dirty="0" err="1">
+                <a:solidFill>
+                  <a:srgbClr val="000000"/>
+                </a:solidFill>
+                <a:latin typeface="Arial"/>
+              </a:rPr>
+              <a:t>Scikit-Learn</a:t>
+            </a:r>
+            <a:r>
+              <a:rPr lang="it-IT" sz="1400" i="1" spc="-1" dirty="0">
+                <a:solidFill>
+                  <a:srgbClr val="000000"/>
+                </a:solidFill>
+                <a:latin typeface="Arial"/>
+              </a:rPr>
+              <a:t> </a:t>
+            </a:r>
+            <a:r>
+              <a:rPr lang="it-IT" sz="1400" i="1" spc="-1" dirty="0" err="1">
+                <a:solidFill>
+                  <a:srgbClr val="000000"/>
+                </a:solidFill>
+                <a:latin typeface="Arial"/>
+              </a:rPr>
+              <a:t>wrapper</a:t>
+            </a:r>
+            <a:r>
+              <a:rPr lang="it-IT" sz="1400" i="1" spc="-1" dirty="0">
+                <a:solidFill>
+                  <a:srgbClr val="000000"/>
+                </a:solidFill>
+                <a:latin typeface="Arial"/>
+              </a:rPr>
+              <a:t> for </a:t>
+            </a:r>
+            <a:r>
+              <a:rPr lang="it-IT" sz="1400" i="1" spc="-1" dirty="0" err="1">
+                <a:solidFill>
+                  <a:srgbClr val="000000"/>
+                </a:solidFill>
+                <a:latin typeface="Arial"/>
+              </a:rPr>
+              <a:t>Keras</a:t>
+            </a:r>
+            <a:r>
+              <a:rPr lang="it-IT" sz="1400" spc="-1" dirty="0">
+                <a:solidFill>
+                  <a:srgbClr val="000000"/>
+                </a:solidFill>
+                <a:latin typeface="Arial"/>
+              </a:rPr>
+              <a:t>, GitHub, </a:t>
+            </a:r>
+            <a:r>
+              <a:rPr lang="it-IT" sz="1400" spc="-1" dirty="0">
+                <a:solidFill>
+                  <a:srgbClr val="000000"/>
+                </a:solidFill>
+                <a:latin typeface="Arial"/>
+                <a:hlinkClick r:id="rId5"/>
+              </a:rPr>
+              <a:t>GitHub Repository</a:t>
+            </a:r>
+            <a:r>
+              <a:rPr lang="it-IT" sz="1400" spc="-1" dirty="0">
+                <a:solidFill>
+                  <a:srgbClr val="000000"/>
+                </a:solidFill>
+                <a:latin typeface="Arial"/>
+              </a:rPr>
+              <a:t>, (2020) </a:t>
+            </a:r>
+            <a:r>
+              <a:rPr lang="it-IT" sz="1400" spc="-1" dirty="0" err="1">
+                <a:solidFill>
+                  <a:srgbClr val="000000"/>
+                </a:solidFill>
+                <a:latin typeface="Arial"/>
+              </a:rPr>
+              <a:t>version</a:t>
+            </a:r>
+            <a:r>
+              <a:rPr lang="it-IT" sz="1400" spc="-1" dirty="0">
+                <a:solidFill>
+                  <a:srgbClr val="000000"/>
+                </a:solidFill>
+                <a:latin typeface="Arial"/>
+              </a:rPr>
+              <a:t> </a:t>
+            </a:r>
+            <a:r>
+              <a:rPr lang="it-IT" sz="1400" i="1" spc="-1" dirty="0">
+                <a:solidFill>
+                  <a:srgbClr val="000000"/>
+                </a:solidFill>
+                <a:latin typeface="Arial"/>
+              </a:rPr>
+              <a:t> </a:t>
+            </a:r>
+            <a:r>
+              <a:rPr lang="it-IT" sz="1400" spc="-1" dirty="0">
+                <a:solidFill>
+                  <a:srgbClr val="000000"/>
+                </a:solidFill>
+                <a:latin typeface="Arial"/>
+                <a:hlinkClick r:id="rId6"/>
+              </a:rPr>
+              <a:t>0.12.0</a:t>
+            </a:r>
+            <a:endParaRPr lang="it-IT" sz="1400" spc="-1" dirty="0">
+              <a:solidFill>
+                <a:srgbClr val="000000"/>
+              </a:solidFill>
+              <a:latin typeface="Arial"/>
+            </a:endParaRPr>
+          </a:p>
+        </p:txBody>
+      </p:sp>
+      <p:sp>
+        <p:nvSpPr>
+          <p:cNvPr id="119" name="PlaceHolder 3"/>
+          <p:cNvSpPr>
+            <a:spLocks noGrp="1"/>
+          </p:cNvSpPr>
+          <p:nvPr>
+            <p:ph type="sldNum" idx="13"/>
+          </p:nvPr>
+        </p:nvSpPr>
+        <p:spPr>
+          <a:xfrm>
+            <a:off x="8472600" y="4663080"/>
+            <a:ext cx="548280" cy="393120"/>
+          </a:xfrm>
+          <a:prstGeom prst="rect">
+            <a:avLst/>
+          </a:prstGeom>
+          <a:noFill/>
+          <a:ln w="0">
+            <a:noFill/>
+          </a:ln>
+        </p:spPr>
+        <p:txBody>
+          <a:bodyPr tIns="91440" bIns="91440" anchor="ctr">
+            <a:normAutofit/>
+          </a:bodyPr>
+          <a:lstStyle>
+            <a:lvl1pPr algn="r">
+              <a:lnSpc>
+                <a:spcPct val="100000"/>
+              </a:lnSpc>
+              <a:buNone/>
+              <a:tabLst>
+                <a:tab pos="0" algn="l"/>
+              </a:tabLst>
+              <a:defRPr lang="it" sz="1000" b="0" strike="noStrike" spc="-1">
+                <a:solidFill>
+                  <a:srgbClr val="595959"/>
+                </a:solidFill>
+                <a:latin typeface="Arial"/>
+                <a:ea typeface="Arial"/>
+              </a:defRPr>
+            </a:lvl1pPr>
+          </a:lstStyle>
+          <a:p>
+            <a:pPr algn="r">
+              <a:lnSpc>
+                <a:spcPct val="100000"/>
+              </a:lnSpc>
+              <a:buNone/>
+              <a:tabLst>
+                <a:tab pos="0" algn="l"/>
+              </a:tabLst>
+            </a:pPr>
+            <a:fld id="{F1974EC4-68EB-45C8-A197-A860EB4D25E8}" type="slidenum">
+              <a:rPr lang="it" sz="1000" b="0" strike="noStrike" spc="-1">
+                <a:solidFill>
+                  <a:srgbClr val="595959"/>
+                </a:solidFill>
+                <a:latin typeface="Arial"/>
+                <a:ea typeface="Arial"/>
+              </a:rPr>
+              <a:t>16</a:t>
+            </a:fld>
+            <a:endParaRPr lang="it-IT" sz="1000" b="0" strike="noStrike" spc="-1">
+              <a:latin typeface="Times New Roman"/>
+            </a:endParaRPr>
+          </a:p>
+        </p:txBody>
+      </p:sp>
+    </p:spTree>
+  </p:cSld>
+  <p:clrMapOvr>
+    <a:masterClrMapping/>
+  </p:clrMapOvr>
+</p:sld>
+</file>
+
+<file path=ppt/slides/slide17.xml><?xml version="1.0" encoding="utf-8"?>
+<p:sld xmlns:a="http://schemas.openxmlformats.org/drawingml/2006/main" xmlns:r="http://schemas.openxmlformats.org/officeDocument/2006/relationships" xmlns:p="http://schemas.openxmlformats.org/presentationml/2006/main">
+  <p:cSld>
+    <p:spTree>
+      <p:nvGrpSpPr>
+        <p:cNvPr id="1" name=""/>
+        <p:cNvGrpSpPr/>
+        <p:nvPr/>
+      </p:nvGrpSpPr>
+      <p:grpSpPr>
+        <a:xfrm>
+          <a:off x="0" y="0"/>
+          <a:ext cx="0" cy="0"/>
+          <a:chOff x="0" y="0"/>
+          <a:chExt cx="0" cy="0"/>
+        </a:xfrm>
+      </p:grpSpPr>
+      <p:sp>
+        <p:nvSpPr>
           <p:cNvPr id="120" name="PlaceHolder 1"/>
           <p:cNvSpPr>
             <a:spLocks noGrp="1"/>
@@ -8828,7 +10186,7 @@
                 <a:latin typeface="Arial"/>
                 <a:ea typeface="Arial"/>
               </a:rPr>
-              <a:t>16</a:t>
+              <a:t>17</a:t>
             </a:fld>
             <a:endParaRPr lang="it-IT" sz="1000" b="0" strike="noStrike" spc="-1">
               <a:latin typeface="Times New Roman"/>
@@ -9457,7 +10815,9 @@
               <a:t>: </a:t>
             </a:r>
             <a:r>
-              <a:rPr lang="it-IT" sz="1400" dirty="0" err="1"/>
+              <a:rPr lang="it-IT" sz="1400" dirty="0" err="1">
+                <a:latin typeface="Consolas" panose="020B0609020204030204" pitchFamily="49" charset="0"/>
+              </a:rPr>
               <a:t>RandomForestClassifier</a:t>
             </a:r>
             <a:r>
@@ -9473,7 +10833,9 @@
               <a:t> </a:t>
             </a:r>
             <a:r>
-              <a:rPr lang="it-IT" sz="1400" dirty="0" err="1"/>
+              <a:rPr lang="it-IT" sz="1400" dirty="0" err="1">
+                <a:latin typeface="Consolas" panose="020B0609020204030204" pitchFamily="49" charset="0"/>
+              </a:rPr>
               <a:t>RandomForestRegressor</a:t>
             </a:r>
             <a:r>
@@ -9481,7 +10843,9 @@
               <a:t>, in pipeline with a </a:t>
             </a:r>
             <a:r>
-              <a:rPr lang="it-IT" sz="1400" dirty="0" err="1"/>
+              <a:rPr lang="it-IT" sz="1400" dirty="0" err="1">
+                <a:latin typeface="Consolas" panose="020B0609020204030204" pitchFamily="49" charset="0"/>
+              </a:rPr>
               <a:t>RobustScaler</a:t>
             </a:r>
             <a:r>
@@ -9725,11 +11089,11 @@
             </a:r>
             <a:r>
               <a:rPr lang="it-IT" sz="1400" dirty="0" err="1"/>
-              <a:t>squared</a:t>
+              <a:t>squared_root</a:t>
             </a:r>
             <a:r>
               <a:rPr lang="it-IT" sz="1400" dirty="0"/>
-              <a:t> root, log2 </a:t>
+              <a:t>, log2 </a:t>
             </a:r>
           </a:p>
         </p:txBody>
@@ -9969,7 +11333,9 @@
               <a:t> </a:t>
             </a:r>
             <a:r>
-              <a:rPr lang="it-IT" sz="1400" dirty="0" err="1"/>
+              <a:rPr lang="it-IT" sz="1400" dirty="0" err="1">
+                <a:latin typeface="Consolas" panose="020B0609020204030204" pitchFamily="49" charset="0"/>
+              </a:rPr>
               <a:t>MultiOutputRegressor</a:t>
             </a:r>
             <a:r>
@@ -9982,10 +11348,22 @@
             </a:r>
             <a:r>
               <a:rPr lang="it-IT" sz="1400" dirty="0"/>
-              <a:t> to a SVR, in pipeline with a </a:t>
-            </a:r>
-            <a:r>
-              <a:rPr lang="it-IT" sz="1400" dirty="0" err="1"/>
+              <a:t> to a </a:t>
+            </a:r>
+            <a:r>
+              <a:rPr lang="it-IT" sz="1400" dirty="0">
+                <a:latin typeface="Consolas" panose="020B0609020204030204" pitchFamily="49" charset="0"/>
+              </a:rPr>
+              <a:t>SVR</a:t>
+            </a:r>
+            <a:r>
+              <a:rPr lang="it-IT" sz="1400" dirty="0"/>
+              <a:t>, in pipeline with a </a:t>
+            </a:r>
+            <a:r>
+              <a:rPr lang="it-IT" sz="1400" dirty="0" err="1">
+                <a:latin typeface="Consolas" panose="020B0609020204030204" pitchFamily="49" charset="0"/>
+              </a:rPr>
               <a:t>RobustScaler</a:t>
             </a:r>
             <a:r>
@@ -10230,8 +11608,8 @@
           </a:p>
         </p:txBody>
       </p:sp>
-      <mc:AlternateContent xmlns:mc="http://schemas.openxmlformats.org/markup-compatibility/2006">
-        <mc:Choice xmlns:a14="http://schemas.microsoft.com/office/drawing/2010/main" Requires="a14">
+      <mc:AlternateContent xmlns:mc="http://schemas.openxmlformats.org/markup-compatibility/2006" xmlns:a14="http://schemas.microsoft.com/office/drawing/2010/main">
+        <mc:Choice Requires="a14">
           <p:sp>
             <p:nvSpPr>
               <p:cNvPr id="15" name="CasellaDiTesto 14">
@@ -10540,7 +11918,7 @@
             </p:txBody>
           </p:sp>
         </mc:Choice>
-        <mc:Fallback>
+        <mc:Fallback xmlns="">
           <p:sp>
             <p:nvSpPr>
               <p:cNvPr id="15" name="CasellaDiTesto 14">
@@ -10585,8 +11963,8 @@
           </p:sp>
         </mc:Fallback>
       </mc:AlternateContent>
-      <mc:AlternateContent xmlns:mc="http://schemas.openxmlformats.org/markup-compatibility/2006">
-        <mc:Choice xmlns:a14="http://schemas.microsoft.com/office/drawing/2010/main" Requires="a14">
+      <mc:AlternateContent xmlns:mc="http://schemas.openxmlformats.org/markup-compatibility/2006" xmlns:a14="http://schemas.microsoft.com/office/drawing/2010/main">
+        <mc:Choice Requires="a14">
           <p:sp>
             <p:nvSpPr>
               <p:cNvPr id="16" name="CasellaDiTesto 15">
@@ -10816,7 +12194,7 @@
             </p:txBody>
           </p:sp>
         </mc:Choice>
-        <mc:Fallback>
+        <mc:Fallback xmlns="">
           <p:sp>
             <p:nvSpPr>
               <p:cNvPr id="16" name="CasellaDiTesto 15">
@@ -10942,7 +12320,7 @@
                 <a:latin typeface="Arial"/>
                 <a:ea typeface="Arial"/>
               </a:rPr>
-              <a:t>DA FARE</a:t>
+              <a:t>Da finire</a:t>
             </a:r>
             <a:endParaRPr lang="it-IT" sz="2400" b="0" strike="noStrike" spc="-1" dirty="0">
               <a:solidFill>
@@ -11038,8 +12416,8 @@
         </p:nvSpPr>
         <p:spPr>
           <a:xfrm>
-            <a:off x="311940" y="879545"/>
-            <a:ext cx="8434800" cy="523220"/>
+            <a:off x="319038" y="573885"/>
+            <a:ext cx="8824962" cy="738664"/>
           </a:xfrm>
           <a:prstGeom prst="rect">
             <a:avLst/>
@@ -11062,19 +12440,101 @@
             </a:r>
             <a:r>
               <a:rPr lang="it-IT" sz="1400" dirty="0" err="1"/>
+              <a:t>implemented</a:t>
+            </a:r>
+            <a:r>
+              <a:rPr lang="it-IT" sz="1400" dirty="0"/>
+              <a:t> a </a:t>
+            </a:r>
+            <a:r>
+              <a:rPr lang="it-IT" sz="1400" dirty="0" err="1"/>
+              <a:t>multilayer</a:t>
+            </a:r>
+            <a:r>
+              <a:rPr lang="it-IT" sz="1400" dirty="0"/>
+              <a:t> </a:t>
+            </a:r>
+            <a:r>
+              <a:rPr lang="it-IT" sz="1400" dirty="0" err="1"/>
+              <a:t>feedforward</a:t>
+            </a:r>
+            <a:r>
+              <a:rPr lang="it-IT" sz="1400" dirty="0"/>
+              <a:t> </a:t>
+            </a:r>
+            <a:r>
+              <a:rPr lang="it-IT" sz="1400" dirty="0" err="1"/>
+              <a:t>Neural</a:t>
+            </a:r>
+            <a:r>
+              <a:rPr lang="it-IT" sz="1400" dirty="0"/>
+              <a:t> Networks </a:t>
+            </a:r>
+            <a:r>
+              <a:rPr lang="it-IT" sz="1400" dirty="0" err="1"/>
+              <a:t>using</a:t>
+            </a:r>
+            <a:r>
+              <a:rPr lang="it-IT" sz="1400" dirty="0"/>
+              <a:t> </a:t>
+            </a:r>
+            <a:r>
+              <a:rPr lang="it-IT" sz="1400" dirty="0" err="1"/>
+              <a:t>Keras</a:t>
+            </a:r>
+            <a:r>
+              <a:rPr lang="it-IT" sz="1400" dirty="0"/>
+              <a:t>. </a:t>
+            </a:r>
+            <a:r>
+              <a:rPr lang="it-IT" sz="1400" dirty="0" err="1"/>
+              <a:t>We</a:t>
+            </a:r>
+            <a:r>
+              <a:rPr lang="it-IT" sz="1400" dirty="0"/>
+              <a:t> </a:t>
+            </a:r>
+            <a:r>
+              <a:rPr lang="it-IT" sz="1400" dirty="0" err="1"/>
               <a:t>used</a:t>
             </a:r>
             <a:r>
               <a:rPr lang="it-IT" sz="1400" dirty="0"/>
-              <a:t> the Random </a:t>
+              <a:t> the </a:t>
             </a:r>
             <a:r>
               <a:rPr lang="it-IT" sz="1400" dirty="0" err="1"/>
-              <a:t>Forests</a:t>
+              <a:t>SciKeras</a:t>
             </a:r>
             <a:r>
               <a:rPr lang="it-IT" sz="1400" dirty="0"/>
-              <a:t> from </a:t>
+              <a:t> [</a:t>
+            </a:r>
+            <a:r>
+              <a:rPr lang="it-IT" sz="1400" dirty="0">
+                <a:hlinkClick r:id="rId2" action="ppaction://hlinksldjump"/>
+              </a:rPr>
+              <a:t>4</a:t>
+            </a:r>
+            <a:r>
+              <a:rPr lang="it-IT" sz="1400" dirty="0"/>
+              <a:t>] library to </a:t>
+            </a:r>
+            <a:r>
+              <a:rPr lang="it-IT" sz="1400" dirty="0" err="1"/>
+              <a:t>interface</a:t>
+            </a:r>
+            <a:r>
+              <a:rPr lang="it-IT" sz="1400" dirty="0"/>
+              <a:t> </a:t>
+            </a:r>
+            <a:r>
+              <a:rPr lang="it-IT" sz="1400" dirty="0" err="1"/>
+              <a:t>this</a:t>
+            </a:r>
+            <a:r>
+              <a:rPr lang="it-IT" sz="1400" dirty="0"/>
+              <a:t> model with </a:t>
             </a:r>
             <a:r>
               <a:rPr lang="it-IT" sz="1400" dirty="0" err="1"/>
@@ -11082,27 +12542,11 @@
             </a:r>
             <a:r>
               <a:rPr lang="it-IT" sz="1400" dirty="0"/>
-              <a:t>, in </a:t>
+              <a:t>. For the CUP task </a:t>
             </a:r>
             <a:r>
               <a:rPr lang="it-IT" sz="1400" dirty="0" err="1"/>
-              <a:t>particular</a:t>
-            </a:r>
-            <a:r>
-              <a:rPr lang="it-IT" sz="1400" dirty="0"/>
-              <a:t>: </a:t>
-            </a:r>
-            <a:r>
-              <a:rPr lang="it-IT" sz="1400" dirty="0" err="1"/>
-              <a:t>RandomForestClassifier</a:t>
-            </a:r>
-            <a:r>
-              <a:rPr lang="it-IT" sz="1400" dirty="0"/>
-              <a:t> for the Monk task; </a:t>
-            </a:r>
-            <a:r>
-              <a:rPr lang="it-IT" sz="1400" dirty="0" err="1"/>
-              <a:t>Scikit-Learn’s</a:t>
+              <a:t>we</a:t>
             </a:r>
             <a:r>
               <a:rPr lang="it-IT" sz="1400" dirty="0"/>
@@ -11110,19 +12554,29 @@
             </a:r>
             <a:r>
               <a:rPr lang="it-IT" sz="1400" dirty="0" err="1"/>
-              <a:t>RandomForestRegressor</a:t>
+              <a:t>implemented</a:t>
             </a:r>
             <a:r>
               <a:rPr lang="it-IT" sz="1400" dirty="0"/>
-              <a:t>, in pipeline with a </a:t>
+              <a:t> a </a:t>
+            </a:r>
+            <a:r>
+              <a:rPr lang="it-IT" sz="1400" dirty="0" err="1">
+                <a:latin typeface="Consolas" panose="020B0609020204030204" pitchFamily="49" charset="0"/>
+              </a:rPr>
+              <a:t>RobustScaler</a:t>
+            </a:r>
+            <a:r>
+              <a:rPr lang="it-IT" sz="1400" dirty="0"/>
+              <a:t> in pipeline with the </a:t>
             </a:r>
             <a:r>
               <a:rPr lang="it-IT" sz="1400" dirty="0" err="1"/>
-              <a:t>RobustScaler</a:t>
+              <a:t>Neural</a:t>
             </a:r>
             <a:r>
               <a:rPr lang="it-IT" sz="1400" dirty="0"/>
-              <a:t>.</a:t>
+              <a:t> Network. </a:t>
             </a:r>
           </a:p>
         </p:txBody>
@@ -11141,8 +12595,8 @@
         </p:nvSpPr>
         <p:spPr>
           <a:xfrm>
-            <a:off x="311940" y="3431974"/>
-            <a:ext cx="4140741" cy="1231106"/>
+            <a:off x="311940" y="3150636"/>
+            <a:ext cx="4140741" cy="1877437"/>
           </a:xfrm>
           <a:prstGeom prst="rect">
             <a:avLst/>
@@ -11161,15 +12615,11 @@
             </a:pPr>
             <a:r>
               <a:rPr lang="it-IT" sz="1500" i="1" dirty="0"/>
-              <a:t>N° of </a:t>
-            </a:r>
-            <a:r>
-              <a:rPr lang="it-IT" sz="1500" i="1" dirty="0" err="1"/>
-              <a:t>estimators</a:t>
+              <a:t>Learning rate η</a:t>
             </a:r>
             <a:r>
               <a:rPr lang="it-IT" sz="1400" dirty="0"/>
-              <a:t>: 100, 150</a:t>
+              <a:t>: 0.01, 0.001</a:t>
             </a:r>
           </a:p>
           <a:p>
@@ -11182,15 +12632,19 @@
             </a:pPr>
             <a:r>
               <a:rPr lang="it-IT" sz="1500" i="1" dirty="0"/>
-              <a:t>Maximum </a:t>
+              <a:t>Momentum </a:t>
             </a:r>
             <a:r>
               <a:rPr lang="it-IT" sz="1500" i="1" dirty="0" err="1"/>
-              <a:t>depth</a:t>
+              <a:t>parameter</a:t>
+            </a:r>
+            <a:r>
+              <a:rPr lang="it-IT" sz="1500" i="1" dirty="0"/>
+              <a:t> α</a:t>
             </a:r>
             <a:r>
               <a:rPr lang="it-IT" sz="1400" dirty="0"/>
-              <a:t>: 8,10</a:t>
+              <a:t>: 0.7, 0.8, 0.9</a:t>
             </a:r>
           </a:p>
           <a:p>
@@ -11202,13 +12656,75 @@
               <a:buChar char="•"/>
             </a:pPr>
             <a:r>
+              <a:rPr lang="it-IT" sz="1400" i="1" dirty="0" err="1"/>
+              <a:t>Usage</a:t>
+            </a:r>
+            <a:r>
+              <a:rPr lang="it-IT" sz="1400" i="1" dirty="0"/>
+              <a:t> of </a:t>
+            </a:r>
+            <a:r>
+              <a:rPr lang="it-IT" sz="1400" i="1" dirty="0" err="1"/>
+              <a:t>Nesterov’s</a:t>
+            </a:r>
+            <a:r>
+              <a:rPr lang="it-IT" sz="1400" i="1" dirty="0"/>
+              <a:t> </a:t>
+            </a:r>
+            <a:r>
+              <a:rPr lang="it-IT" sz="1400" i="1" dirty="0" err="1"/>
+              <a:t>momentum</a:t>
+            </a:r>
+            <a:r>
+              <a:rPr lang="it-IT" sz="1400" dirty="0"/>
+              <a:t>: True, False </a:t>
+            </a:r>
+          </a:p>
+          <a:p>
+            <a:pPr marL="285750" indent="-285750">
+              <a:lnSpc>
+                <a:spcPct val="150000"/>
+              </a:lnSpc>
+              <a:buFont typeface="Arial" panose="020B0604020202020204" pitchFamily="34" charset="0"/>
+              <a:buChar char="•"/>
+            </a:pPr>
+            <a:r>
+              <a:rPr lang="it-IT" sz="1500" i="1" dirty="0" err="1"/>
+              <a:t>Activation</a:t>
+            </a:r>
+            <a:r>
               <a:rPr lang="it-IT" sz="1500" i="1" dirty="0"/>
-              <a:t>Minimum samples split</a:t>
+              <a:t> </a:t>
+            </a:r>
+            <a:r>
+              <a:rPr lang="it-IT" sz="1500" i="1" dirty="0" err="1"/>
+              <a:t>function</a:t>
+            </a:r>
+            <a:r>
+              <a:rPr lang="it-IT" sz="1500" i="1" dirty="0"/>
+              <a:t> for the </a:t>
+            </a:r>
+            <a:r>
+              <a:rPr lang="it-IT" sz="1500" i="1" dirty="0" err="1"/>
+              <a:t>hidden</a:t>
+            </a:r>
+            <a:r>
+              <a:rPr lang="it-IT" sz="1500" i="1" dirty="0"/>
+              <a:t> </a:t>
+            </a:r>
+            <a:r>
+              <a:rPr lang="it-IT" sz="1500" i="1" dirty="0" err="1"/>
+              <a:t>layers</a:t>
             </a:r>
             <a:r>
               <a:rPr lang="it-IT" sz="1400" dirty="0"/>
-              <a:t>: 2, 8, 10</a:t>
-            </a:r>
+              <a:t>: </a:t>
+            </a:r>
+            <a:r>
+              <a:rPr lang="it-IT" sz="1400" dirty="0" err="1"/>
+              <a:t>ReLU</a:t>
+            </a:r>
+            <a:endParaRPr lang="it-IT" sz="1400" dirty="0"/>
           </a:p>
           <a:p>
             <a:pPr marL="285750" indent="-285750">
@@ -11233,7 +12749,7 @@
         </p:nvSpPr>
         <p:spPr>
           <a:xfrm>
-            <a:off x="311940" y="3093420"/>
+            <a:off x="319038" y="2287011"/>
             <a:ext cx="8267284" cy="338554"/>
           </a:xfrm>
           <a:prstGeom prst="rect">
@@ -11312,8 +12828,8 @@
         </p:nvSpPr>
         <p:spPr>
           <a:xfrm>
-            <a:off x="4452681" y="3431974"/>
-            <a:ext cx="3623984" cy="630942"/>
+            <a:off x="4452680" y="3150636"/>
+            <a:ext cx="4126543" cy="1991379"/>
           </a:xfrm>
           <a:prstGeom prst="rect">
             <a:avLst/>
@@ -11335,17 +12851,163 @@
             </a:pPr>
             <a:r>
               <a:rPr lang="it-IT" sz="1400" i="1" dirty="0"/>
-              <a:t>Minimum samples </a:t>
+              <a:t>Dropout </a:t>
             </a:r>
             <a:r>
               <a:rPr lang="it-IT" sz="1400" i="1" dirty="0" err="1"/>
-              <a:t>leaves</a:t>
+              <a:t>hyperparameter</a:t>
+            </a:r>
+            <a:r>
+              <a:rPr lang="it-IT" sz="1400" i="1" dirty="0"/>
+              <a:t> </a:t>
             </a:r>
             <a:r>
               <a:rPr lang="it-IT" sz="1400" dirty="0"/>
-              <a:t>: 1, 3, 4</a:t>
-            </a:r>
-          </a:p>
+              <a:t>(</a:t>
+            </a:r>
+            <a:r>
+              <a:rPr lang="it-IT" sz="1400" i="1" dirty="0"/>
+              <a:t>input </a:t>
+            </a:r>
+            <a:r>
+              <a:rPr lang="it-IT" sz="1400" i="1" dirty="0" err="1"/>
+              <a:t>layer</a:t>
+            </a:r>
+            <a:r>
+              <a:rPr lang="it-IT" sz="1400" dirty="0"/>
+              <a:t>): 0.1, 0.2, 0.3</a:t>
+            </a:r>
+          </a:p>
+          <a:p>
+            <a:pPr marL="285750" indent="-285750">
+              <a:lnSpc>
+                <a:spcPct val="150000"/>
+              </a:lnSpc>
+              <a:buFont typeface="Arial" panose="020B0604020202020204" pitchFamily="34" charset="0"/>
+              <a:buChar char="•"/>
+            </a:pPr>
+            <a:r>
+              <a:rPr lang="it-IT" sz="1400" i="1" dirty="0"/>
+              <a:t>Dropout </a:t>
+            </a:r>
+            <a:r>
+              <a:rPr lang="it-IT" sz="1400" i="1" dirty="0" err="1"/>
+              <a:t>hyperparameter</a:t>
+            </a:r>
+            <a:r>
+              <a:rPr lang="it-IT" sz="1400" i="1" dirty="0"/>
+              <a:t> </a:t>
+            </a:r>
+            <a:r>
+              <a:rPr lang="it-IT" sz="1400" dirty="0"/>
+              <a:t>(</a:t>
+            </a:r>
+            <a:r>
+              <a:rPr lang="it-IT" sz="1400" i="1" dirty="0" err="1"/>
+              <a:t>hidden</a:t>
+            </a:r>
+            <a:r>
+              <a:rPr lang="it-IT" sz="1400" i="1" dirty="0"/>
+              <a:t> </a:t>
+            </a:r>
+            <a:r>
+              <a:rPr lang="it-IT" sz="1400" i="1" dirty="0" err="1"/>
+              <a:t>layers</a:t>
+            </a:r>
+            <a:r>
+              <a:rPr lang="it-IT" sz="1400" dirty="0"/>
+              <a:t>): </a:t>
+            </a:r>
+            <a:br>
+              <a:rPr lang="it-IT" sz="1400" dirty="0"/>
+            </a:br>
+            <a:r>
+              <a:rPr lang="it-IT" sz="1400" dirty="0"/>
+              <a:t>(0.2, 0.2), (0.3,0.3), (0.3, 0.4)</a:t>
+            </a:r>
+          </a:p>
+          <a:p>
+            <a:pPr marL="285750" indent="-285750">
+              <a:lnSpc>
+                <a:spcPct val="150000"/>
+              </a:lnSpc>
+              <a:buFont typeface="Arial" panose="020B0604020202020204" pitchFamily="34" charset="0"/>
+              <a:buChar char="•"/>
+            </a:pPr>
+            <a:r>
+              <a:rPr lang="it-IT" sz="1400" i="1" dirty="0"/>
+              <a:t>L2 </a:t>
+            </a:r>
+            <a:r>
+              <a:rPr lang="it-IT" sz="1400" i="1" dirty="0" err="1"/>
+              <a:t>regularization</a:t>
+            </a:r>
+            <a:r>
+              <a:rPr lang="it-IT" sz="1400" i="1" dirty="0"/>
+              <a:t> </a:t>
+            </a:r>
+            <a:r>
+              <a:rPr lang="it-IT" sz="1400" i="1" dirty="0" err="1"/>
+              <a:t>hyperparameter</a:t>
+            </a:r>
+            <a:r>
+              <a:rPr lang="it-IT" sz="1400" i="1" dirty="0"/>
+              <a:t> λ</a:t>
+            </a:r>
+            <a:r>
+              <a:rPr lang="it-IT" sz="1400" dirty="0"/>
+              <a:t>: 10</a:t>
+            </a:r>
+            <a:r>
+              <a:rPr lang="it-IT" sz="1400" baseline="30000" dirty="0"/>
+              <a:t>-4</a:t>
+            </a:r>
+            <a:r>
+              <a:rPr lang="it-IT" sz="1400" dirty="0"/>
+              <a:t>, 10</a:t>
+            </a:r>
+            <a:r>
+              <a:rPr lang="it-IT" sz="1400" baseline="30000" dirty="0"/>
+              <a:t>-5</a:t>
+            </a:r>
+          </a:p>
+          <a:p>
+            <a:pPr>
+              <a:lnSpc>
+                <a:spcPct val="150000"/>
+              </a:lnSpc>
+            </a:pPr>
+            <a:endParaRPr lang="it-IT" sz="1400" dirty="0"/>
+          </a:p>
+        </p:txBody>
+      </p:sp>
+      <p:sp>
+        <p:nvSpPr>
+          <p:cNvPr id="2" name="CasellaDiTesto 1">
+            <a:extLst>
+              <a:ext uri="{FF2B5EF4-FFF2-40B4-BE49-F238E27FC236}">
+                <a16:creationId xmlns:a16="http://schemas.microsoft.com/office/drawing/2014/main" id="{360A9BC0-A62F-B75F-9419-9C8914E4A9A0}"/>
+              </a:ext>
+            </a:extLst>
+          </p:cNvPr>
+          <p:cNvSpPr txBox="1"/>
+          <p:nvPr/>
+        </p:nvSpPr>
+        <p:spPr>
+          <a:xfrm>
+            <a:off x="311939" y="2626182"/>
+            <a:ext cx="8267284" cy="523220"/>
+          </a:xfrm>
+          <a:prstGeom prst="rect">
+            <a:avLst/>
+          </a:prstGeom>
+          <a:noFill/>
+        </p:spPr>
+        <p:txBody>
+          <a:bodyPr wrap="square" rtlCol="0">
+            <a:spAutoFit/>
+          </a:bodyPr>
+          <a:lstStyle/>
           <a:p>
             <a:pPr marL="285750" indent="-285750">
               <a:buFont typeface="Arial" panose="020B0604020202020204" pitchFamily="34" charset="0"/>
@@ -11353,19 +13015,228 @@
             </a:pPr>
             <a:r>
               <a:rPr lang="it-IT" sz="1400" i="1" dirty="0"/>
-              <a:t>Maximum features</a:t>
+              <a:t>Architecture </a:t>
             </a:r>
             <a:r>
               <a:rPr lang="it-IT" sz="1400" dirty="0"/>
-              <a:t>: </a:t>
+              <a:t>(</a:t>
+            </a:r>
+            <a:r>
+              <a:rPr lang="it-IT" sz="1400" i="1" dirty="0" err="1"/>
+              <a:t>meaning</a:t>
+            </a:r>
+            <a:r>
+              <a:rPr lang="it-IT" sz="1400" i="1" dirty="0"/>
+              <a:t> of </a:t>
+            </a:r>
+            <a:r>
+              <a:rPr lang="it-IT" sz="1400" dirty="0"/>
+              <a:t>(</a:t>
+            </a:r>
+            <a:r>
+              <a:rPr lang="it-IT" sz="1400" i="1" dirty="0"/>
+              <a:t>x</a:t>
+            </a:r>
+            <a:r>
+              <a:rPr lang="it-IT" sz="1400" i="1" baseline="-25000" dirty="0"/>
+              <a:t>1</a:t>
+            </a:r>
+            <a:r>
+              <a:rPr lang="it-IT" sz="1400" dirty="0"/>
+              <a:t>,</a:t>
+            </a:r>
+            <a:r>
+              <a:rPr lang="it-IT" sz="1400" i="1" dirty="0"/>
+              <a:t>…</a:t>
+            </a:r>
+            <a:r>
+              <a:rPr lang="it-IT" sz="1400" dirty="0"/>
+              <a:t>,</a:t>
+            </a:r>
+            <a:r>
+              <a:rPr lang="it-IT" sz="1400" i="1" dirty="0" err="1"/>
+              <a:t>x</a:t>
+            </a:r>
+            <a:r>
+              <a:rPr lang="it-IT" sz="1400" i="1" baseline="-25000" dirty="0" err="1"/>
+              <a:t>n</a:t>
+            </a:r>
+            <a:r>
+              <a:rPr lang="it-IT" sz="1400" dirty="0"/>
+              <a:t>): </a:t>
+            </a:r>
+            <a:r>
+              <a:rPr lang="it-IT" sz="1400" i="1" dirty="0"/>
+              <a:t>n </a:t>
+            </a:r>
+            <a:r>
+              <a:rPr lang="it-IT" sz="1400" i="1" dirty="0" err="1"/>
+              <a:t>hidden</a:t>
+            </a:r>
+            <a:r>
+              <a:rPr lang="it-IT" sz="1400" i="1" dirty="0"/>
+              <a:t> </a:t>
+            </a:r>
+            <a:r>
+              <a:rPr lang="it-IT" sz="1400" i="1" dirty="0" err="1"/>
+              <a:t>layers</a:t>
+            </a:r>
+            <a:r>
+              <a:rPr lang="it-IT" sz="1400" dirty="0"/>
+              <a:t>. </a:t>
+            </a:r>
+            <a:r>
+              <a:rPr lang="it-IT" sz="1400" i="1" dirty="0"/>
+              <a:t>Layer i </a:t>
+            </a:r>
+            <a:r>
+              <a:rPr lang="it-IT" sz="1400" i="1" dirty="0" err="1"/>
+              <a:t>has</a:t>
+            </a:r>
+            <a:r>
+              <a:rPr lang="it-IT" sz="1400" i="1" dirty="0"/>
+              <a:t> x</a:t>
+            </a:r>
+            <a:r>
+              <a:rPr lang="it-IT" sz="1400" i="1" baseline="-25000" dirty="0"/>
+              <a:t>i</a:t>
+            </a:r>
+            <a:r>
+              <a:rPr lang="it-IT" sz="1400" i="1" dirty="0"/>
+              <a:t> </a:t>
+            </a:r>
+            <a:r>
+              <a:rPr lang="it-IT" sz="1400" i="1" dirty="0" err="1"/>
+              <a:t>units</a:t>
+            </a:r>
+            <a:r>
+              <a:rPr lang="it-IT" sz="1400" dirty="0"/>
+              <a:t>): </a:t>
+            </a:r>
+            <a:br>
+              <a:rPr lang="it-IT" sz="1400" dirty="0"/>
+            </a:br>
+            <a:r>
+              <a:rPr lang="it-IT" sz="1400" dirty="0"/>
+              <a:t>(64, 64), (128,64), (128,128)</a:t>
+            </a:r>
+          </a:p>
+        </p:txBody>
+      </p:sp>
+      <p:sp>
+        <p:nvSpPr>
+          <p:cNvPr id="3" name="CasellaDiTesto 2">
+            <a:extLst>
+              <a:ext uri="{FF2B5EF4-FFF2-40B4-BE49-F238E27FC236}">
+                <a16:creationId xmlns:a16="http://schemas.microsoft.com/office/drawing/2014/main" id="{274C2A88-6191-5D54-C905-398AEFCF8664}"/>
+              </a:ext>
+            </a:extLst>
+          </p:cNvPr>
+          <p:cNvSpPr txBox="1"/>
+          <p:nvPr/>
+        </p:nvSpPr>
+        <p:spPr>
+          <a:xfrm>
+            <a:off x="311938" y="1390370"/>
+            <a:ext cx="8832062" cy="307777"/>
+          </a:xfrm>
+          <a:prstGeom prst="rect">
+            <a:avLst/>
+          </a:prstGeom>
+          <a:noFill/>
+        </p:spPr>
+        <p:txBody>
+          <a:bodyPr wrap="square" rtlCol="0">
+            <a:spAutoFit/>
+          </a:bodyPr>
+          <a:lstStyle/>
+          <a:p>
+            <a:r>
+              <a:rPr lang="it-IT" sz="1400" dirty="0">
+                <a:solidFill>
+                  <a:srgbClr val="FF0000"/>
+                </a:solidFill>
+              </a:rPr>
+              <a:t>Inizializzazione dei pesi </a:t>
+            </a:r>
+            <a:r>
+              <a:rPr lang="it-IT" sz="1400" dirty="0"/>
+              <a:t>(direi si descrive nel dettaglio nella </a:t>
             </a:r>
             <a:r>
               <a:rPr lang="it-IT" sz="1400" dirty="0" err="1"/>
-              <a:t>squared</a:t>
+              <a:t>prox</a:t>
             </a:r>
             <a:r>
               <a:rPr lang="it-IT" sz="1400" dirty="0"/>
-              <a:t> root, log2 </a:t>
+              <a:t> slide). </a:t>
+            </a:r>
+            <a:r>
+              <a:rPr lang="it-IT" sz="1400" dirty="0" err="1"/>
+              <a:t>Cfr</a:t>
+            </a:r>
+            <a:r>
+              <a:rPr lang="it-IT" sz="1400" dirty="0"/>
+              <a:t> checklist di ML-23-Report-info</a:t>
+            </a:r>
+          </a:p>
+        </p:txBody>
+      </p:sp>
+      <p:sp>
+        <p:nvSpPr>
+          <p:cNvPr id="4" name="CasellaDiTesto 3">
+            <a:extLst>
+              <a:ext uri="{FF2B5EF4-FFF2-40B4-BE49-F238E27FC236}">
+                <a16:creationId xmlns:a16="http://schemas.microsoft.com/office/drawing/2014/main" id="{5A392564-5232-114A-B13E-5A063453402A}"/>
+              </a:ext>
+            </a:extLst>
+          </p:cNvPr>
+          <p:cNvSpPr txBox="1"/>
+          <p:nvPr/>
+        </p:nvSpPr>
+        <p:spPr>
+          <a:xfrm>
+            <a:off x="319038" y="1731016"/>
+            <a:ext cx="8832062" cy="307777"/>
+          </a:xfrm>
+          <a:prstGeom prst="rect">
+            <a:avLst/>
+          </a:prstGeom>
+          <a:noFill/>
+        </p:spPr>
+        <p:txBody>
+          <a:bodyPr wrap="square" rtlCol="0">
+            <a:spAutoFit/>
+          </a:bodyPr>
+          <a:lstStyle/>
+          <a:p>
+            <a:r>
+              <a:rPr lang="it-IT" sz="1400" dirty="0">
+                <a:solidFill>
+                  <a:srgbClr val="FF0000"/>
+                </a:solidFill>
+              </a:rPr>
+              <a:t>Criterio di arresto </a:t>
+            </a:r>
+            <a:r>
+              <a:rPr lang="it-IT" sz="1400" dirty="0"/>
+              <a:t>(se necessario si descrive nel dettaglio nella </a:t>
+            </a:r>
+            <a:r>
+              <a:rPr lang="it-IT" sz="1400" dirty="0" err="1"/>
+              <a:t>prox</a:t>
+            </a:r>
+            <a:r>
+              <a:rPr lang="it-IT" sz="1400" dirty="0"/>
+              <a:t> slide). </a:t>
+            </a:r>
+            <a:r>
+              <a:rPr lang="it-IT" sz="1400" dirty="0" err="1"/>
+              <a:t>Cfr</a:t>
+            </a:r>
+            <a:r>
+              <a:rPr lang="it-IT" sz="1400" dirty="0"/>
+              <a:t> checklist di ML-23-Report-info</a:t>
             </a:r>
           </a:p>
         </p:txBody>
@@ -11658,6 +13529,194 @@
               </a:rPr>
               <a:t>)</a:t>
             </a:r>
+          </a:p>
+        </p:txBody>
+      </p:sp>
+      <p:sp>
+        <p:nvSpPr>
+          <p:cNvPr id="2" name="CasellaDiTesto 1">
+            <a:extLst>
+              <a:ext uri="{FF2B5EF4-FFF2-40B4-BE49-F238E27FC236}">
+                <a16:creationId xmlns:a16="http://schemas.microsoft.com/office/drawing/2014/main" id="{D9884534-5F12-27F6-1B5F-8149A5D5CCB6}"/>
+              </a:ext>
+            </a:extLst>
+          </p:cNvPr>
+          <p:cNvSpPr txBox="1"/>
+          <p:nvPr/>
+        </p:nvSpPr>
+        <p:spPr>
+          <a:xfrm>
+            <a:off x="389965" y="2783541"/>
+            <a:ext cx="7732059" cy="738664"/>
+          </a:xfrm>
+          <a:prstGeom prst="rect">
+            <a:avLst/>
+          </a:prstGeom>
+          <a:noFill/>
+        </p:spPr>
+        <p:txBody>
+          <a:bodyPr wrap="square" rtlCol="0">
+            <a:spAutoFit/>
+          </a:bodyPr>
+          <a:lstStyle/>
+          <a:p>
+            <a:r>
+              <a:rPr lang="it-IT" sz="1400" dirty="0">
+                <a:solidFill>
+                  <a:srgbClr val="FF0000"/>
+                </a:solidFill>
+              </a:rPr>
+              <a:t>Abbiamo usato </a:t>
+            </a:r>
+            <a:r>
+              <a:rPr lang="it-IT" sz="1400" dirty="0" err="1">
+                <a:solidFill>
+                  <a:srgbClr val="FF0000"/>
+                </a:solidFill>
+              </a:rPr>
+              <a:t>SciKeras</a:t>
+            </a:r>
+            <a:r>
+              <a:rPr lang="it-IT" sz="1400" dirty="0">
+                <a:solidFill>
+                  <a:srgbClr val="FF0000"/>
+                </a:solidFill>
+              </a:rPr>
+              <a:t> per interfacciare con </a:t>
+            </a:r>
+            <a:r>
+              <a:rPr lang="it-IT" sz="1400" dirty="0" err="1">
+                <a:solidFill>
+                  <a:srgbClr val="FF0000"/>
+                </a:solidFill>
+              </a:rPr>
+              <a:t>Scikit-Learn</a:t>
+            </a:r>
+            <a:r>
+              <a:rPr lang="it-IT" sz="1400" dirty="0">
+                <a:solidFill>
+                  <a:srgbClr val="FF0000"/>
+                </a:solidFill>
+              </a:rPr>
+              <a:t> la NN fatta con </a:t>
+            </a:r>
+            <a:r>
+              <a:rPr lang="it-IT" sz="1400" dirty="0" err="1">
+                <a:solidFill>
+                  <a:srgbClr val="FF0000"/>
+                </a:solidFill>
+              </a:rPr>
+              <a:t>Keras</a:t>
+            </a:r>
+            <a:r>
+              <a:rPr lang="it-IT" sz="1400" dirty="0">
+                <a:solidFill>
+                  <a:srgbClr val="FF0000"/>
+                </a:solidFill>
+              </a:rPr>
+              <a:t>. Questo perché anche per le NN abbiamo usato </a:t>
+            </a:r>
+            <a:r>
+              <a:rPr lang="it-IT" sz="1400" dirty="0" err="1">
+                <a:solidFill>
+                  <a:srgbClr val="FF0000"/>
+                </a:solidFill>
+              </a:rPr>
+              <a:t>Scikit-Learn</a:t>
+            </a:r>
+            <a:r>
+              <a:rPr lang="it-IT" sz="1400" dirty="0">
+                <a:solidFill>
+                  <a:srgbClr val="FF0000"/>
+                </a:solidFill>
+              </a:rPr>
+              <a:t> per la </a:t>
+            </a:r>
+            <a:r>
+              <a:rPr lang="it-IT" sz="1400" dirty="0" err="1">
+                <a:solidFill>
+                  <a:srgbClr val="FF0000"/>
+                </a:solidFill>
+              </a:rPr>
+              <a:t>grid</a:t>
+            </a:r>
+            <a:r>
+              <a:rPr lang="it-IT" sz="1400" dirty="0">
+                <a:solidFill>
+                  <a:srgbClr val="FF0000"/>
+                </a:solidFill>
+              </a:rPr>
+              <a:t> </a:t>
+            </a:r>
+            <a:r>
+              <a:rPr lang="it-IT" sz="1400" dirty="0" err="1">
+                <a:solidFill>
+                  <a:srgbClr val="FF0000"/>
+                </a:solidFill>
+              </a:rPr>
+              <a:t>search</a:t>
+            </a:r>
+            <a:r>
+              <a:rPr lang="it-IT" sz="1400" dirty="0">
+                <a:solidFill>
+                  <a:srgbClr val="FF0000"/>
+                </a:solidFill>
+              </a:rPr>
+              <a:t> e la scelta degli </a:t>
+            </a:r>
+            <a:r>
+              <a:rPr lang="it-IT" sz="1400" dirty="0" err="1">
+                <a:solidFill>
+                  <a:srgbClr val="FF0000"/>
+                </a:solidFill>
+              </a:rPr>
+              <a:t>iperparametri</a:t>
+            </a:r>
+            <a:r>
+              <a:rPr lang="it-IT" sz="1400" dirty="0">
+                <a:solidFill>
+                  <a:srgbClr val="FF0000"/>
+                </a:solidFill>
+              </a:rPr>
+              <a:t> migliori (ottenuti dalla </a:t>
+            </a:r>
+            <a:r>
+              <a:rPr lang="it-IT" sz="1400" dirty="0" err="1">
+                <a:solidFill>
+                  <a:srgbClr val="FF0000"/>
+                </a:solidFill>
+              </a:rPr>
+              <a:t>grid</a:t>
+            </a:r>
+            <a:r>
+              <a:rPr lang="it-IT" sz="1400" dirty="0">
+                <a:solidFill>
+                  <a:srgbClr val="FF0000"/>
+                </a:solidFill>
+              </a:rPr>
+              <a:t> </a:t>
+            </a:r>
+            <a:r>
+              <a:rPr lang="it-IT" sz="1400" dirty="0" err="1">
+                <a:solidFill>
+                  <a:srgbClr val="FF0000"/>
+                </a:solidFill>
+              </a:rPr>
+              <a:t>search</a:t>
+            </a:r>
+            <a:r>
+              <a:rPr lang="it-IT" sz="1400" dirty="0">
+                <a:solidFill>
+                  <a:srgbClr val="FF0000"/>
+                </a:solidFill>
+              </a:rPr>
+              <a:t>)</a:t>
+            </a:r>
+            <a:endParaRPr lang="it-IT" dirty="0">
+              <a:solidFill>
+                <a:srgbClr val="FF0000"/>
+              </a:solidFill>
+            </a:endParaRPr>
           </a:p>
         </p:txBody>
       </p:sp>
@@ -12957,14 +15016,14 @@
           <p:nvPr>
             <p:extLst>
               <p:ext uri="{D42A27DB-BD31-4B8C-83A1-F6EECF244321}">
-                <p14:modId xmlns:p14="http://schemas.microsoft.com/office/powerpoint/2010/main" val="1281352081"/>
+                <p14:modId xmlns:p14="http://schemas.microsoft.com/office/powerpoint/2010/main" val="4041784029"/>
               </p:ext>
             </p:extLst>
           </p:nvPr>
         </p:nvGraphicFramePr>
         <p:xfrm>
-          <a:off x="311761" y="1589943"/>
-          <a:ext cx="8160842" cy="2640690"/>
+          <a:off x="311758" y="1139467"/>
+          <a:ext cx="8160842" cy="3536460"/>
         </p:xfrm>
         <a:graphic>
           <a:graphicData uri="http://schemas.openxmlformats.org/drawingml/2006/table">
@@ -13002,7 +15061,7 @@
                   </a:extLst>
                 </a:gridCol>
               </a:tblGrid>
-              <a:tr h="225137">
+              <a:tr h="481506">
                 <a:tc>
                   <a:txBody>
                     <a:bodyPr/>
@@ -13024,15 +15083,19 @@
                     <a:p>
                       <a:pPr algn="ctr"/>
                       <a:r>
+                        <a:rPr lang="it-IT" sz="1400" i="1" dirty="0"/>
+                        <a:t>Architecture</a:t>
+                      </a:r>
+                      <a:r>
                         <a:rPr lang="it-IT" sz="1600" i="1" dirty="0"/>
-                        <a:t>Architecture </a:t>
+                        <a:t> </a:t>
                       </a:r>
                       <a:r>
                         <a:rPr lang="it-IT" sz="1600" i="0" dirty="0"/>
                         <a:t>/ </a:t>
                       </a:r>
                       <a:r>
-                        <a:rPr lang="it-IT" sz="1600" i="1" dirty="0" err="1"/>
+                        <a:rPr lang="it-IT" sz="1400" i="1" dirty="0" err="1"/>
                         <a:t>optimizer</a:t>
                       </a:r>
                       <a:r>
@@ -13044,7 +15107,7 @@
                         <a:t>/ </a:t>
                       </a:r>
                       <a:r>
-                        <a:rPr lang="it-IT" sz="1600" i="1" dirty="0"/>
+                        <a:rPr lang="it-IT" sz="1400" i="1" dirty="0"/>
                         <a:t>η</a:t>
                       </a:r>
                       <a:r>
@@ -13052,7 +15115,7 @@
                         <a:t> / </a:t>
                       </a:r>
                       <a:r>
-                        <a:rPr lang="it-IT" sz="1600" i="1" dirty="0"/>
+                        <a:rPr lang="it-IT" sz="1400" i="1" dirty="0"/>
                         <a:t>α</a:t>
                       </a:r>
                       <a:r>
@@ -13060,7 +15123,7 @@
                         <a:t> / </a:t>
                       </a:r>
                       <a:r>
-                        <a:rPr lang="it-IT" sz="1600" i="1" dirty="0"/>
+                        <a:rPr lang="it-IT" sz="1400" i="1" dirty="0"/>
                         <a:t>λ</a:t>
                       </a:r>
                       <a:r>
@@ -13068,7 +15131,7 @@
                         <a:t> / </a:t>
                       </a:r>
                       <a:r>
-                        <a:rPr lang="it-IT" sz="1600" i="1" dirty="0" err="1"/>
+                        <a:rPr lang="it-IT" sz="1400" i="1" dirty="0" err="1"/>
                         <a:t>epochs</a:t>
                       </a:r>
                       <a:r>
@@ -13076,10 +15139,26 @@
                         <a:t> / </a:t>
                       </a:r>
                       <a:r>
-                        <a:rPr lang="it-IT" sz="1600" i="1" dirty="0" err="1"/>
+                        <a:rPr lang="it-IT" sz="1400" i="1" dirty="0" err="1"/>
                         <a:t>batch_size</a:t>
                       </a:r>
-                      <a:endParaRPr lang="it-IT" sz="1600" i="1" dirty="0"/>
+                      <a:r>
+                        <a:rPr lang="it-IT" sz="1400" i="1" dirty="0"/>
+                        <a:t> </a:t>
+                      </a:r>
+                      <a:r>
+                        <a:rPr lang="it-IT" sz="1400" i="0" dirty="0">
+                          <a:solidFill>
+                            <a:srgbClr val="FF0000"/>
+                          </a:solidFill>
+                        </a:rPr>
+                        <a:t>/ …</a:t>
+                      </a:r>
+                      <a:endParaRPr lang="it-IT" sz="1600" i="1" dirty="0">
+                        <a:solidFill>
+                          <a:srgbClr val="FF0000"/>
+                        </a:solidFill>
+                      </a:endParaRPr>
                     </a:p>
                   </a:txBody>
                   <a:tcPr anchor="ctr"/>
@@ -13130,7 +15209,7 @@
                   </a:ext>
                 </a:extLst>
               </a:tr>
-              <a:tr h="687190">
+              <a:tr h="985780">
                 <a:tc>
                   <a:txBody>
                     <a:bodyPr/>
@@ -13208,7 +15287,7 @@
                   </a:ext>
                 </a:extLst>
               </a:tr>
-              <a:tr h="687190">
+              <a:tr h="985780">
                 <a:tc>
                   <a:txBody>
                     <a:bodyPr/>
@@ -13287,7 +15366,7 @@
                   </a:ext>
                 </a:extLst>
               </a:tr>
-              <a:tr h="687190">
+              <a:tr h="985780">
                 <a:tc>
                   <a:txBody>
                     <a:bodyPr/>
@@ -13403,7 +15482,7 @@
         </p:nvSpPr>
         <p:spPr>
           <a:xfrm>
-            <a:off x="311760" y="1251387"/>
+            <a:off x="311757" y="800910"/>
             <a:ext cx="8160842" cy="338554"/>
           </a:xfrm>
           <a:prstGeom prst="rect">
@@ -13424,7 +15503,7 @@
             </a:r>
             <a:r>
               <a:rPr lang="it-IT" sz="1600" b="1" dirty="0"/>
-              <a:t> 1</a:t>
+              <a:t> 3</a:t>
             </a:r>
             <a:r>
               <a:rPr lang="it-IT" sz="1600" dirty="0"/>
@@ -13675,7 +15754,7 @@
         <p:spPr>
           <a:xfrm>
             <a:off x="311760" y="921124"/>
-            <a:ext cx="8160840" cy="861774"/>
+            <a:ext cx="8160840" cy="738664"/>
           </a:xfrm>
           <a:prstGeom prst="rect">
             <a:avLst/>
@@ -13689,38 +15768,33 @@
           <a:lstStyle/>
           <a:p>
             <a:r>
-              <a:rPr lang="it-IT" dirty="0"/>
+              <a:rPr lang="it-IT" sz="1400" dirty="0"/>
               <a:t>Per i tre task del </a:t>
             </a:r>
             <a:r>
-              <a:rPr lang="it-IT" dirty="0" err="1"/>
+              <a:rPr lang="it-IT" sz="1400" dirty="0" err="1"/>
               <a:t>monk</a:t>
             </a:r>
             <a:r>
-              <a:rPr lang="it-IT" dirty="0"/>
-              <a:t>, vuole la learning curve (su TR set e TS set) </a:t>
-            </a:r>
-            <a:r>
-              <a:rPr lang="it-IT" sz="1600" dirty="0"/>
-              <a:t>(MSE per epoca, nel caso di </a:t>
-            </a:r>
-            <a:r>
-              <a:rPr lang="it-IT" sz="1600" dirty="0" err="1"/>
+              <a:rPr lang="it-IT" sz="1400" dirty="0"/>
+              <a:t>, vuole la learning curve (su TR set e TS set) (MSE per epoca, nel caso di </a:t>
+            </a:r>
+            <a:r>
+              <a:rPr lang="it-IT" sz="1400" dirty="0" err="1"/>
               <a:t>sgd</a:t>
             </a:r>
             <a:r>
-              <a:rPr lang="it-IT" sz="1600" dirty="0"/>
+              <a:rPr lang="it-IT" sz="1400" dirty="0"/>
               <a:t>/</a:t>
             </a:r>
             <a:r>
-              <a:rPr lang="it-IT" sz="1600" dirty="0" err="1"/>
+              <a:rPr lang="it-IT" sz="1400" dirty="0" err="1"/>
               <a:t>minibatch</a:t>
             </a:r>
             <a:r>
-              <a:rPr lang="it-IT" sz="1600" dirty="0"/>
+              <a:rPr lang="it-IT" sz="1400" dirty="0"/>
               <a:t> vuole che ogni punto corrisponda alla media sull’epoca a cui tale punto si riferisce. Mi sa che le librerie calcolano ciò da sole?)</a:t>
             </a:r>
-            <a:endParaRPr lang="it-IT" dirty="0"/>
           </a:p>
         </p:txBody>
       </p:sp>

--- a/relazione/ML-2023-PRJ-Slides-Demo.pptx
+++ b/relazione/ML-2023-PRJ-Slides-Demo.pptx
@@ -6,7 +6,7 @@
     <p:sldMasterId id="2147483661" r:id="rId2"/>
   </p:sldMasterIdLst>
   <p:notesMasterIdLst>
-    <p:notesMasterId r:id="rId20"/>
+    <p:notesMasterId r:id="rId24"/>
   </p:notesMasterIdLst>
   <p:sldIdLst>
     <p:sldId id="256" r:id="rId3"/>
@@ -18,14 +18,18 @@
     <p:sldId id="260" r:id="rId9"/>
     <p:sldId id="271" r:id="rId10"/>
     <p:sldId id="261" r:id="rId11"/>
-    <p:sldId id="262" r:id="rId12"/>
-    <p:sldId id="263" r:id="rId13"/>
-    <p:sldId id="264" r:id="rId14"/>
-    <p:sldId id="272" r:id="rId15"/>
-    <p:sldId id="265" r:id="rId16"/>
-    <p:sldId id="266" r:id="rId17"/>
-    <p:sldId id="267" r:id="rId18"/>
-    <p:sldId id="268" r:id="rId19"/>
+    <p:sldId id="276" r:id="rId12"/>
+    <p:sldId id="262" r:id="rId13"/>
+    <p:sldId id="263" r:id="rId14"/>
+    <p:sldId id="264" r:id="rId15"/>
+    <p:sldId id="274" r:id="rId16"/>
+    <p:sldId id="272" r:id="rId17"/>
+    <p:sldId id="275" r:id="rId18"/>
+    <p:sldId id="265" r:id="rId19"/>
+    <p:sldId id="266" r:id="rId20"/>
+    <p:sldId id="273" r:id="rId21"/>
+    <p:sldId id="277" r:id="rId22"/>
+    <p:sldId id="268" r:id="rId23"/>
   </p:sldIdLst>
   <p:sldSz cx="9144000" cy="5143500" type="screen16x9"/>
   <p:notesSz cx="6858000" cy="9144000"/>
@@ -6004,7 +6008,7 @@
       </p:grpSpPr>
       <p:sp>
         <p:nvSpPr>
-          <p:cNvPr id="101" name="PlaceHolder 1"/>
+          <p:cNvPr id="97" name="PlaceHolder 1"/>
           <p:cNvSpPr>
             <a:spLocks noGrp="1"/>
           </p:cNvSpPr>
@@ -6027,6 +6031,289 @@
         </p:spPr>
         <p:txBody>
           <a:bodyPr tIns="91440" bIns="91440" anchor="t">
+            <a:normAutofit fontScale="90000"/>
+          </a:bodyPr>
+          <a:lstStyle/>
+          <a:p>
+            <a:pPr>
+              <a:lnSpc>
+                <a:spcPct val="100000"/>
+              </a:lnSpc>
+              <a:buNone/>
+              <a:tabLst>
+                <a:tab pos="0" algn="l"/>
+              </a:tabLst>
+            </a:pPr>
+            <a:r>
+              <a:rPr lang="it" sz="2700" b="0" strike="noStrike" spc="-1" dirty="0">
+                <a:solidFill>
+                  <a:srgbClr val="000000"/>
+                </a:solidFill>
+                <a:latin typeface="Arial"/>
+                <a:ea typeface="Arial"/>
+              </a:rPr>
+              <a:t>Monk Results:</a:t>
+            </a:r>
+            <a:r>
+              <a:rPr lang="it" sz="2700" spc="-1" dirty="0">
+                <a:solidFill>
+                  <a:srgbClr val="000000"/>
+                </a:solidFill>
+                <a:latin typeface="Arial"/>
+                <a:ea typeface="Arial"/>
+              </a:rPr>
+              <a:t> Plots – 2 </a:t>
+            </a:r>
+            <a:r>
+              <a:rPr lang="it" sz="2700" spc="-1" dirty="0">
+                <a:solidFill>
+                  <a:srgbClr val="FF0000"/>
+                </a:solidFill>
+                <a:latin typeface="Arial"/>
+                <a:ea typeface="Arial"/>
+              </a:rPr>
+              <a:t>DA FARE</a:t>
+            </a:r>
+            <a:endParaRPr lang="it-IT" sz="2800" b="0" strike="noStrike" spc="-1" dirty="0">
+              <a:solidFill>
+                <a:srgbClr val="FF0000"/>
+              </a:solidFill>
+              <a:latin typeface="Arial"/>
+            </a:endParaRPr>
+          </a:p>
+        </p:txBody>
+      </p:sp>
+      <p:sp>
+        <p:nvSpPr>
+          <p:cNvPr id="100" name="PlaceHolder 3"/>
+          <p:cNvSpPr>
+            <a:spLocks noGrp="1"/>
+          </p:cNvSpPr>
+          <p:nvPr>
+            <p:ph type="sldNum" idx="7"/>
+          </p:nvPr>
+        </p:nvSpPr>
+        <p:spPr>
+          <a:xfrm>
+            <a:off x="8472600" y="4663080"/>
+            <a:ext cx="548280" cy="393120"/>
+          </a:xfrm>
+          <a:prstGeom prst="rect">
+            <a:avLst/>
+          </a:prstGeom>
+          <a:noFill/>
+          <a:ln w="0">
+            <a:noFill/>
+          </a:ln>
+        </p:spPr>
+        <p:txBody>
+          <a:bodyPr tIns="91440" bIns="91440" anchor="ctr">
+            <a:normAutofit/>
+          </a:bodyPr>
+          <a:lstStyle>
+            <a:lvl1pPr algn="r">
+              <a:lnSpc>
+                <a:spcPct val="100000"/>
+              </a:lnSpc>
+              <a:buNone/>
+              <a:tabLst>
+                <a:tab pos="0" algn="l"/>
+              </a:tabLst>
+              <a:defRPr lang="it" sz="1000" b="0" strike="noStrike" spc="-1">
+                <a:solidFill>
+                  <a:srgbClr val="595959"/>
+                </a:solidFill>
+                <a:latin typeface="Arial"/>
+                <a:ea typeface="Arial"/>
+              </a:defRPr>
+            </a:lvl1pPr>
+          </a:lstStyle>
+          <a:p>
+            <a:pPr algn="r">
+              <a:lnSpc>
+                <a:spcPct val="100000"/>
+              </a:lnSpc>
+              <a:buNone/>
+              <a:tabLst>
+                <a:tab pos="0" algn="l"/>
+              </a:tabLst>
+            </a:pPr>
+            <a:fld id="{75C65507-15BA-480B-A2F8-91DEDD4DCA22}" type="slidenum">
+              <a:rPr lang="it" sz="1000" b="0" strike="noStrike" spc="-1">
+                <a:solidFill>
+                  <a:srgbClr val="595959"/>
+                </a:solidFill>
+                <a:latin typeface="Arial"/>
+                <a:ea typeface="Arial"/>
+              </a:rPr>
+              <a:t>10</a:t>
+            </a:fld>
+            <a:endParaRPr lang="it-IT" sz="1000" b="0" strike="noStrike" spc="-1">
+              <a:latin typeface="Times New Roman"/>
+            </a:endParaRPr>
+          </a:p>
+        </p:txBody>
+      </p:sp>
+      <p:sp>
+        <p:nvSpPr>
+          <p:cNvPr id="4" name="CasellaDiTesto 3">
+            <a:extLst>
+              <a:ext uri="{FF2B5EF4-FFF2-40B4-BE49-F238E27FC236}">
+                <a16:creationId xmlns:a16="http://schemas.microsoft.com/office/drawing/2014/main" id="{CBEB1373-635A-F144-9DC0-DA7A311F4F84}"/>
+              </a:ext>
+            </a:extLst>
+          </p:cNvPr>
+          <p:cNvSpPr txBox="1"/>
+          <p:nvPr/>
+        </p:nvSpPr>
+        <p:spPr>
+          <a:xfrm>
+            <a:off x="311760" y="3109813"/>
+            <a:ext cx="8160840" cy="369332"/>
+          </a:xfrm>
+          <a:prstGeom prst="rect">
+            <a:avLst/>
+          </a:prstGeom>
+          <a:noFill/>
+        </p:spPr>
+        <p:txBody>
+          <a:bodyPr wrap="square" rtlCol="0">
+            <a:spAutoFit/>
+          </a:bodyPr>
+          <a:lstStyle/>
+          <a:p>
+            <a:r>
+              <a:rPr lang="it-IT" dirty="0"/>
+              <a:t>Per modelli che non sono reti neurali, ci sarà qualcosa di analogo?</a:t>
+            </a:r>
+          </a:p>
+        </p:txBody>
+      </p:sp>
+      <p:sp>
+        <p:nvSpPr>
+          <p:cNvPr id="5" name="CasellaDiTesto 4">
+            <a:extLst>
+              <a:ext uri="{FF2B5EF4-FFF2-40B4-BE49-F238E27FC236}">
+                <a16:creationId xmlns:a16="http://schemas.microsoft.com/office/drawing/2014/main" id="{7E886A82-81A5-CFE8-5826-05F45E22A7C8}"/>
+              </a:ext>
+            </a:extLst>
+          </p:cNvPr>
+          <p:cNvSpPr txBox="1"/>
+          <p:nvPr/>
+        </p:nvSpPr>
+        <p:spPr>
+          <a:xfrm>
+            <a:off x="311760" y="3774522"/>
+            <a:ext cx="8160840" cy="369332"/>
+          </a:xfrm>
+          <a:prstGeom prst="rect">
+            <a:avLst/>
+          </a:prstGeom>
+          <a:noFill/>
+        </p:spPr>
+        <p:txBody>
+          <a:bodyPr wrap="square" rtlCol="0">
+            <a:spAutoFit/>
+          </a:bodyPr>
+          <a:lstStyle/>
+          <a:p>
+            <a:r>
+              <a:rPr lang="it-IT" dirty="0"/>
+              <a:t>Ovviamente, si può andare su più slides, senza esagerare</a:t>
+            </a:r>
+          </a:p>
+        </p:txBody>
+      </p:sp>
+      <p:sp>
+        <p:nvSpPr>
+          <p:cNvPr id="6" name="CasellaDiTesto 5">
+            <a:extLst>
+              <a:ext uri="{FF2B5EF4-FFF2-40B4-BE49-F238E27FC236}">
+                <a16:creationId xmlns:a16="http://schemas.microsoft.com/office/drawing/2014/main" id="{580C6A85-8DA2-EEEE-89E8-A327E42290EF}"/>
+              </a:ext>
+            </a:extLst>
+          </p:cNvPr>
+          <p:cNvSpPr txBox="1"/>
+          <p:nvPr/>
+        </p:nvSpPr>
+        <p:spPr>
+          <a:xfrm>
+            <a:off x="423582" y="1694329"/>
+            <a:ext cx="7658100" cy="646331"/>
+          </a:xfrm>
+          <a:prstGeom prst="rect">
+            <a:avLst/>
+          </a:prstGeom>
+          <a:noFill/>
+        </p:spPr>
+        <p:txBody>
+          <a:bodyPr wrap="square" rtlCol="0">
+            <a:spAutoFit/>
+          </a:bodyPr>
+          <a:lstStyle/>
+          <a:p>
+            <a:r>
+              <a:rPr lang="it-IT" dirty="0"/>
+              <a:t>Siccome servono i plots anche per gli altri modelli, e non solo per le reti neurali, un’altra slide sarà senz’altro necessaria</a:t>
+            </a:r>
+          </a:p>
+        </p:txBody>
+      </p:sp>
+    </p:spTree>
+    <p:extLst>
+      <p:ext uri="{BB962C8B-B14F-4D97-AF65-F5344CB8AC3E}">
+        <p14:creationId xmlns:p14="http://schemas.microsoft.com/office/powerpoint/2010/main" val="2130425178"/>
+      </p:ext>
+    </p:extLst>
+  </p:cSld>
+  <p:clrMapOvr>
+    <a:masterClrMapping/>
+  </p:clrMapOvr>
+</p:sld>
+</file>
+
+<file path=ppt/slides/slide11.xml><?xml version="1.0" encoding="utf-8"?>
+<p:sld xmlns:a="http://schemas.openxmlformats.org/drawingml/2006/main" xmlns:r="http://schemas.openxmlformats.org/officeDocument/2006/relationships" xmlns:p="http://schemas.openxmlformats.org/presentationml/2006/main">
+  <p:cSld>
+    <p:spTree>
+      <p:nvGrpSpPr>
+        <p:cNvPr id="1" name=""/>
+        <p:cNvGrpSpPr/>
+        <p:nvPr/>
+      </p:nvGrpSpPr>
+      <p:grpSpPr>
+        <a:xfrm>
+          <a:off x="0" y="0"/>
+          <a:ext cx="0" cy="0"/>
+          <a:chOff x="0" y="0"/>
+          <a:chExt cx="0" cy="0"/>
+        </a:xfrm>
+      </p:grpSpPr>
+      <p:sp>
+        <p:nvSpPr>
+          <p:cNvPr id="101" name="PlaceHolder 1"/>
+          <p:cNvSpPr>
+            <a:spLocks noGrp="1"/>
+          </p:cNvSpPr>
+          <p:nvPr>
+            <p:ph type="title"/>
+          </p:nvPr>
+        </p:nvSpPr>
+        <p:spPr>
+          <a:xfrm>
+            <a:off x="311760" y="2700"/>
+            <a:ext cx="8520120" cy="572400"/>
+          </a:xfrm>
+          <a:prstGeom prst="rect">
+            <a:avLst/>
+          </a:prstGeom>
+          <a:noFill/>
+          <a:ln w="0">
+            <a:noFill/>
+          </a:ln>
+        </p:spPr>
+        <p:txBody>
+          <a:bodyPr tIns="91440" bIns="91440" anchor="t">
             <a:normAutofit fontScale="91000"/>
           </a:bodyPr>
           <a:lstStyle/>
@@ -6648,7 +6935,7 @@
                 <a:latin typeface="Arial"/>
                 <a:ea typeface="Arial"/>
               </a:rPr>
-              <a:t>10</a:t>
+              <a:t>11</a:t>
             </a:fld>
             <a:endParaRPr lang="it-IT" sz="1000" b="0" strike="noStrike" spc="-1">
               <a:latin typeface="Times New Roman"/>
@@ -6687,351 +6974,6 @@
 </p:sld>
 </file>
 
-<file path=ppt/slides/slide11.xml><?xml version="1.0" encoding="utf-8"?>
-<p:sld xmlns:a="http://schemas.openxmlformats.org/drawingml/2006/main" xmlns:r="http://schemas.openxmlformats.org/officeDocument/2006/relationships" xmlns:p="http://schemas.openxmlformats.org/presentationml/2006/main">
-  <p:cSld>
-    <p:spTree>
-      <p:nvGrpSpPr>
-        <p:cNvPr id="1" name=""/>
-        <p:cNvGrpSpPr/>
-        <p:nvPr/>
-      </p:nvGrpSpPr>
-      <p:grpSpPr>
-        <a:xfrm>
-          <a:off x="0" y="0"/>
-          <a:ext cx="0" cy="0"/>
-          <a:chOff x="0" y="0"/>
-          <a:chExt cx="0" cy="0"/>
-        </a:xfrm>
-      </p:grpSpPr>
-      <p:sp>
-        <p:nvSpPr>
-          <p:cNvPr id="105" name="PlaceHolder 1"/>
-          <p:cNvSpPr>
-            <a:spLocks noGrp="1"/>
-          </p:cNvSpPr>
-          <p:nvPr>
-            <p:ph type="title"/>
-          </p:nvPr>
-        </p:nvSpPr>
-        <p:spPr>
-          <a:xfrm>
-            <a:off x="358825" y="2700"/>
-            <a:ext cx="8520120" cy="572400"/>
-          </a:xfrm>
-          <a:prstGeom prst="rect">
-            <a:avLst/>
-          </a:prstGeom>
-          <a:noFill/>
-          <a:ln w="0">
-            <a:noFill/>
-          </a:ln>
-        </p:spPr>
-        <p:txBody>
-          <a:bodyPr tIns="91440" bIns="91440" anchor="t">
-            <a:normAutofit fontScale="91000"/>
-          </a:bodyPr>
-          <a:lstStyle/>
-          <a:p>
-            <a:pPr>
-              <a:lnSpc>
-                <a:spcPct val="100000"/>
-              </a:lnSpc>
-              <a:buNone/>
-              <a:tabLst>
-                <a:tab pos="0" algn="l"/>
-              </a:tabLst>
-            </a:pPr>
-            <a:r>
-              <a:rPr lang="it" sz="2600" b="0" strike="noStrike" spc="-1" dirty="0">
-                <a:solidFill>
-                  <a:srgbClr val="000000"/>
-                </a:solidFill>
-                <a:latin typeface="Arial"/>
-                <a:ea typeface="Arial"/>
-              </a:rPr>
-              <a:t>CUP</a:t>
-            </a:r>
-            <a:r>
-              <a:rPr lang="it" sz="2400" b="0" strike="noStrike" spc="-1" dirty="0">
-                <a:solidFill>
-                  <a:srgbClr val="000000"/>
-                </a:solidFill>
-                <a:latin typeface="Arial"/>
-                <a:ea typeface="Arial"/>
-              </a:rPr>
-              <a:t> </a:t>
-            </a:r>
-            <a:r>
-              <a:rPr lang="it" sz="2600" b="0" strike="noStrike" spc="-1" dirty="0">
-                <a:solidFill>
-                  <a:srgbClr val="000000"/>
-                </a:solidFill>
-                <a:latin typeface="Arial"/>
-                <a:ea typeface="Arial"/>
-              </a:rPr>
-              <a:t>Validation schema: model selection</a:t>
-            </a:r>
-            <a:endParaRPr lang="it-IT" sz="2400" b="0" strike="noStrike" spc="-1" dirty="0">
-              <a:solidFill>
-                <a:srgbClr val="000000"/>
-              </a:solidFill>
-              <a:latin typeface="Arial"/>
-            </a:endParaRPr>
-          </a:p>
-        </p:txBody>
-      </p:sp>
-      <p:sp>
-        <p:nvSpPr>
-          <p:cNvPr id="106" name="PlaceHolder 2"/>
-          <p:cNvSpPr>
-            <a:spLocks noGrp="1"/>
-          </p:cNvSpPr>
-          <p:nvPr>
-            <p:ph/>
-          </p:nvPr>
-        </p:nvSpPr>
-        <p:spPr>
-          <a:xfrm>
-            <a:off x="311760" y="1152360"/>
-            <a:ext cx="8520120" cy="3416040"/>
-          </a:xfrm>
-          <a:prstGeom prst="rect">
-            <a:avLst/>
-          </a:prstGeom>
-          <a:noFill/>
-          <a:ln w="0">
-            <a:noFill/>
-          </a:ln>
-        </p:spPr>
-        <p:txBody>
-          <a:bodyPr tIns="91440" bIns="91440" anchor="t">
-            <a:normAutofit/>
-          </a:bodyPr>
-          <a:lstStyle/>
-          <a:p>
-            <a:pPr>
-              <a:lnSpc>
-                <a:spcPct val="115000"/>
-              </a:lnSpc>
-              <a:buNone/>
-              <a:tabLst>
-                <a:tab pos="0" algn="l"/>
-              </a:tabLst>
-            </a:pPr>
-            <a:r>
-              <a:rPr lang="it" sz="1800" b="0" strike="noStrike" spc="-1" dirty="0">
-                <a:solidFill>
-                  <a:srgbClr val="000000"/>
-                </a:solidFill>
-                <a:latin typeface="Arial"/>
-                <a:ea typeface="Arial"/>
-              </a:rPr>
-              <a:t>Typically the points 2-3 of the section 3.2 o</a:t>
-            </a:r>
-            <a:r>
-              <a:rPr lang="it" sz="1800" b="0" strike="noStrike" spc="-1" dirty="0">
-                <a:solidFill>
-                  <a:srgbClr val="595959"/>
-                </a:solidFill>
-                <a:latin typeface="Arial"/>
-                <a:ea typeface="Arial"/>
-              </a:rPr>
-              <a:t>f </a:t>
-            </a:r>
-            <a:r>
-              <a:rPr lang="it" sz="1800" b="0" strike="noStrike" spc="-1" dirty="0">
-                <a:solidFill>
-                  <a:srgbClr val="000000"/>
-                </a:solidFill>
-                <a:latin typeface="Arial"/>
-                <a:ea typeface="Arial"/>
-              </a:rPr>
-              <a:t>file “ML-23-Report-info-...”</a:t>
-            </a:r>
-            <a:endParaRPr lang="it-IT" sz="1800" b="0" strike="noStrike" spc="-1" dirty="0">
-              <a:solidFill>
-                <a:srgbClr val="000000"/>
-              </a:solidFill>
-              <a:latin typeface="Arial"/>
-            </a:endParaRPr>
-          </a:p>
-          <a:p>
-            <a:pPr marL="457200" indent="-343080">
-              <a:lnSpc>
-                <a:spcPct val="115000"/>
-              </a:lnSpc>
-              <a:spcBef>
-                <a:spcPts val="1199"/>
-              </a:spcBef>
-              <a:buClr>
-                <a:srgbClr val="000000"/>
-              </a:buClr>
-              <a:buFont typeface="Arial"/>
-              <a:buChar char="-"/>
-              <a:tabLst>
-                <a:tab pos="0" algn="l"/>
-              </a:tabLst>
-            </a:pPr>
-            <a:r>
-              <a:rPr lang="it" sz="1800" b="0" strike="noStrike" spc="-1" dirty="0">
-                <a:solidFill>
-                  <a:srgbClr val="000000"/>
-                </a:solidFill>
-                <a:latin typeface="Arial"/>
-                <a:ea typeface="Arial"/>
-              </a:rPr>
-              <a:t>Schema and range of explored hyper-parameters (values used for the grid search, possibly table/tables): </a:t>
-            </a:r>
-            <a:r>
-              <a:rPr lang="it" sz="1600" b="0" strike="noStrike" spc="-1" dirty="0">
-                <a:solidFill>
-                  <a:srgbClr val="000000"/>
-                </a:solidFill>
-                <a:latin typeface="Arial"/>
-                <a:ea typeface="Arial"/>
-              </a:rPr>
-              <a:t>see the file “ML-23-Report-info-...” and also the </a:t>
-            </a:r>
-            <a:r>
-              <a:rPr lang="it" sz="1600" b="0" i="1" strike="noStrike" spc="-1" dirty="0">
-                <a:solidFill>
-                  <a:srgbClr val="000000"/>
-                </a:solidFill>
-                <a:latin typeface="Arial"/>
-                <a:ea typeface="Arial"/>
-              </a:rPr>
-              <a:t>check list</a:t>
-            </a:r>
-            <a:r>
-              <a:rPr lang="it" sz="1600" b="0" strike="noStrike" spc="-1" dirty="0">
-                <a:solidFill>
-                  <a:srgbClr val="000000"/>
-                </a:solidFill>
-                <a:latin typeface="Arial"/>
-                <a:ea typeface="Arial"/>
-              </a:rPr>
-              <a:t> note on the “Model selection”, for the CUP application</a:t>
-            </a:r>
-            <a:endParaRPr lang="it-IT" sz="1600" b="0" strike="noStrike" spc="-1" dirty="0">
-              <a:solidFill>
-                <a:srgbClr val="000000"/>
-              </a:solidFill>
-              <a:latin typeface="Arial"/>
-            </a:endParaRPr>
-          </a:p>
-          <a:p>
-            <a:pPr marL="457200" indent="-317520">
-              <a:lnSpc>
-                <a:spcPct val="115000"/>
-              </a:lnSpc>
-              <a:buClr>
-                <a:srgbClr val="000000"/>
-              </a:buClr>
-              <a:buFont typeface="Arial"/>
-              <a:buChar char="-"/>
-              <a:tabLst>
-                <a:tab pos="0" algn="l"/>
-              </a:tabLst>
-            </a:pPr>
-            <a:r>
-              <a:rPr lang="it" sz="1400" b="0" strike="noStrike" spc="-1" dirty="0">
-                <a:solidFill>
-                  <a:srgbClr val="000000"/>
-                </a:solidFill>
-                <a:latin typeface="Arial"/>
-                <a:ea typeface="Arial"/>
-              </a:rPr>
-              <a:t>The synthesis of the hyperparameters setting must be reported on the slides, while a complete description can be inserted in a document within the code package (call it “hyperparameters-setting”) and in the Appendix slides (selecting what is more relevant).  </a:t>
-            </a:r>
-            <a:endParaRPr lang="it-IT" sz="1400" b="0" strike="noStrike" spc="-1" dirty="0">
-              <a:solidFill>
-                <a:srgbClr val="000000"/>
-              </a:solidFill>
-              <a:latin typeface="Arial"/>
-            </a:endParaRPr>
-          </a:p>
-        </p:txBody>
-      </p:sp>
-      <p:sp>
-        <p:nvSpPr>
-          <p:cNvPr id="107" name="PlaceHolder 3"/>
-          <p:cNvSpPr>
-            <a:spLocks noGrp="1"/>
-          </p:cNvSpPr>
-          <p:nvPr>
-            <p:ph type="sldNum" idx="9"/>
-          </p:nvPr>
-        </p:nvSpPr>
-        <p:spPr>
-          <a:xfrm>
-            <a:off x="8472600" y="4663080"/>
-            <a:ext cx="548280" cy="393120"/>
-          </a:xfrm>
-          <a:prstGeom prst="rect">
-            <a:avLst/>
-          </a:prstGeom>
-          <a:noFill/>
-          <a:ln w="0">
-            <a:noFill/>
-          </a:ln>
-        </p:spPr>
-        <p:txBody>
-          <a:bodyPr tIns="91440" bIns="91440" anchor="ctr">
-            <a:normAutofit/>
-          </a:bodyPr>
-          <a:lstStyle>
-            <a:lvl1pPr algn="r">
-              <a:lnSpc>
-                <a:spcPct val="100000"/>
-              </a:lnSpc>
-              <a:buNone/>
-              <a:tabLst>
-                <a:tab pos="0" algn="l"/>
-              </a:tabLst>
-              <a:defRPr lang="it" sz="1000" b="0" strike="noStrike" spc="-1">
-                <a:solidFill>
-                  <a:srgbClr val="595959"/>
-                </a:solidFill>
-                <a:latin typeface="Arial"/>
-                <a:ea typeface="Arial"/>
-              </a:defRPr>
-            </a:lvl1pPr>
-          </a:lstStyle>
-          <a:p>
-            <a:pPr algn="r">
-              <a:lnSpc>
-                <a:spcPct val="100000"/>
-              </a:lnSpc>
-              <a:buNone/>
-              <a:tabLst>
-                <a:tab pos="0" algn="l"/>
-              </a:tabLst>
-            </a:pPr>
-            <a:fld id="{A33BCEE6-A49C-4B73-BD56-E47521C0CF2F}" type="slidenum">
-              <a:rPr lang="it" sz="1000" b="0" strike="noStrike" spc="-1">
-                <a:solidFill>
-                  <a:srgbClr val="595959"/>
-                </a:solidFill>
-                <a:latin typeface="Arial"/>
-                <a:ea typeface="Arial"/>
-              </a:rPr>
-              <a:t>11</a:t>
-            </a:fld>
-            <a:endParaRPr lang="it-IT" sz="1000" b="0" strike="noStrike" spc="-1">
-              <a:latin typeface="Times New Roman"/>
-            </a:endParaRPr>
-          </a:p>
-        </p:txBody>
-      </p:sp>
-    </p:spTree>
-  </p:cSld>
-  <p:clrMapOvr>
-    <a:masterClrMapping/>
-  </p:clrMapOvr>
-</p:sld>
-</file>
-
 <file path=ppt/slides/slide12.xml><?xml version="1.0" encoding="utf-8"?>
 <p:sld xmlns:a="http://schemas.openxmlformats.org/drawingml/2006/main" xmlns:r="http://schemas.openxmlformats.org/officeDocument/2006/relationships" xmlns:p="http://schemas.openxmlformats.org/presentationml/2006/main">
   <p:cSld>
@@ -7051,7 +6993,7 @@
       </p:grpSpPr>
       <p:sp>
         <p:nvSpPr>
-          <p:cNvPr id="108" name="PlaceHolder 1"/>
+          <p:cNvPr id="105" name="PlaceHolder 1"/>
           <p:cNvSpPr>
             <a:spLocks noGrp="1"/>
           </p:cNvSpPr>
@@ -7061,7 +7003,7 @@
         </p:nvSpPr>
         <p:spPr>
           <a:xfrm>
-            <a:off x="311760" y="0"/>
+            <a:off x="358825" y="2700"/>
             <a:ext cx="8520120" cy="572400"/>
           </a:xfrm>
           <a:prstGeom prst="rect">
@@ -7115,7 +7057,27 @@
                 <a:latin typeface="Arial"/>
                 <a:ea typeface="Arial"/>
               </a:rPr>
-              <a:t>Results (many slides are possible)</a:t>
+              <a:t>Validation schema: model selection [</a:t>
+            </a:r>
+            <a:r>
+              <a:rPr lang="it" sz="2600" b="0" strike="noStrike" spc="-1" dirty="0">
+                <a:solidFill>
+                  <a:srgbClr val="FF0000"/>
+                </a:solidFill>
+                <a:latin typeface="Arial"/>
+                <a:ea typeface="Arial"/>
+              </a:rPr>
+              <a:t>da riempire</a:t>
+            </a:r>
+            <a:r>
+              <a:rPr lang="it" sz="2600" b="0" strike="noStrike" spc="-1" dirty="0">
+                <a:solidFill>
+                  <a:srgbClr val="000000"/>
+                </a:solidFill>
+                <a:latin typeface="Arial"/>
+                <a:ea typeface="Arial"/>
+              </a:rPr>
+              <a:t>]</a:t>
             </a:r>
             <a:endParaRPr lang="it-IT" sz="2400" b="0" strike="noStrike" spc="-1" dirty="0">
               <a:solidFill>
@@ -7128,7 +7090,7 @@
       </p:sp>
       <p:sp>
         <p:nvSpPr>
-          <p:cNvPr id="109" name="PlaceHolder 2"/>
+          <p:cNvPr id="106" name="PlaceHolder 2"/>
           <p:cNvSpPr>
             <a:spLocks noGrp="1"/>
           </p:cNvSpPr>
@@ -7138,8 +7100,8 @@
         </p:nvSpPr>
         <p:spPr>
           <a:xfrm>
-            <a:off x="311760" y="1152360"/>
-            <a:ext cx="8520120" cy="3416040"/>
+            <a:off x="311940" y="863730"/>
+            <a:ext cx="8435372" cy="3416040"/>
           </a:xfrm>
           <a:prstGeom prst="rect">
             <a:avLst/>
@@ -7155,6 +7117,502 @@
           </a:bodyPr>
           <a:lstStyle/>
           <a:p>
+            <a:pPr marL="285750" indent="-285750">
+              <a:lnSpc>
+                <a:spcPct val="115000"/>
+              </a:lnSpc>
+              <a:buFont typeface="Arial" panose="020B0604020202020204" pitchFamily="34" charset="0"/>
+              <a:buChar char="•"/>
+              <a:tabLst>
+                <a:tab pos="0" algn="l"/>
+              </a:tabLst>
+            </a:pPr>
+            <a:r>
+              <a:rPr lang="it-IT" sz="1400" b="0" strike="noStrike" spc="-1" dirty="0" err="1">
+                <a:solidFill>
+                  <a:srgbClr val="000000"/>
+                </a:solidFill>
+                <a:latin typeface="Arial"/>
+              </a:rPr>
+              <a:t>We</a:t>
+            </a:r>
+            <a:r>
+              <a:rPr lang="it-IT" sz="1400" b="0" strike="noStrike" spc="-1" dirty="0">
+                <a:solidFill>
+                  <a:srgbClr val="000000"/>
+                </a:solidFill>
+                <a:latin typeface="Arial"/>
+              </a:rPr>
+              <a:t> </a:t>
+            </a:r>
+            <a:r>
+              <a:rPr lang="it-IT" sz="1400" b="0" strike="noStrike" spc="-1" dirty="0" err="1">
+                <a:solidFill>
+                  <a:srgbClr val="000000"/>
+                </a:solidFill>
+                <a:latin typeface="Arial"/>
+              </a:rPr>
+              <a:t>ran</a:t>
+            </a:r>
+            <a:r>
+              <a:rPr lang="it-IT" sz="1400" b="0" strike="noStrike" spc="-1" dirty="0">
+                <a:solidFill>
+                  <a:srgbClr val="000000"/>
+                </a:solidFill>
+                <a:latin typeface="Arial"/>
+              </a:rPr>
+              <a:t> a full </a:t>
+            </a:r>
+            <a:r>
+              <a:rPr lang="it-IT" sz="1400" b="0" strike="noStrike" spc="-1" dirty="0" err="1">
+                <a:solidFill>
+                  <a:srgbClr val="000000"/>
+                </a:solidFill>
+                <a:latin typeface="Arial"/>
+              </a:rPr>
+              <a:t>grid</a:t>
+            </a:r>
+            <a:r>
+              <a:rPr lang="it-IT" sz="1400" b="0" strike="noStrike" spc="-1" dirty="0">
+                <a:solidFill>
+                  <a:srgbClr val="000000"/>
+                </a:solidFill>
+                <a:latin typeface="Arial"/>
+              </a:rPr>
+              <a:t> </a:t>
+            </a:r>
+            <a:r>
+              <a:rPr lang="it-IT" sz="1400" b="0" strike="noStrike" spc="-1" dirty="0" err="1">
+                <a:solidFill>
+                  <a:srgbClr val="000000"/>
+                </a:solidFill>
+                <a:latin typeface="Arial"/>
+              </a:rPr>
+              <a:t>search</a:t>
+            </a:r>
+            <a:r>
+              <a:rPr lang="it-IT" sz="1400" b="0" strike="noStrike" spc="-1" dirty="0">
+                <a:solidFill>
+                  <a:srgbClr val="000000"/>
+                </a:solidFill>
+                <a:latin typeface="Arial"/>
+              </a:rPr>
+              <a:t> for </a:t>
+            </a:r>
+            <a:r>
+              <a:rPr lang="it-IT" sz="1400" b="0" strike="noStrike" spc="-1" dirty="0" err="1">
+                <a:solidFill>
+                  <a:srgbClr val="000000"/>
+                </a:solidFill>
+                <a:latin typeface="Arial"/>
+              </a:rPr>
+              <a:t>all</a:t>
+            </a:r>
+            <a:r>
+              <a:rPr lang="it-IT" sz="1400" b="0" strike="noStrike" spc="-1" dirty="0">
+                <a:solidFill>
+                  <a:srgbClr val="000000"/>
+                </a:solidFill>
+                <a:latin typeface="Arial"/>
+              </a:rPr>
+              <a:t> the </a:t>
+            </a:r>
+            <a:r>
+              <a:rPr lang="it-IT" sz="1400" b="0" strike="noStrike" spc="-1" dirty="0" err="1">
+                <a:solidFill>
+                  <a:srgbClr val="000000"/>
+                </a:solidFill>
+                <a:latin typeface="Arial"/>
+              </a:rPr>
+              <a:t>three</a:t>
+            </a:r>
+            <a:r>
+              <a:rPr lang="it-IT" sz="1400" b="0" strike="noStrike" spc="-1" dirty="0">
+                <a:solidFill>
+                  <a:srgbClr val="000000"/>
+                </a:solidFill>
+                <a:latin typeface="Arial"/>
+              </a:rPr>
+              <a:t> models </a:t>
+            </a:r>
+            <a:r>
+              <a:rPr lang="it-IT" sz="1400" b="0" strike="noStrike" spc="-1" dirty="0" err="1">
+                <a:solidFill>
+                  <a:srgbClr val="000000"/>
+                </a:solidFill>
+                <a:latin typeface="Arial"/>
+              </a:rPr>
+              <a:t>that</a:t>
+            </a:r>
+            <a:r>
+              <a:rPr lang="it-IT" sz="1400" b="0" strike="noStrike" spc="-1" dirty="0">
+                <a:solidFill>
+                  <a:srgbClr val="000000"/>
+                </a:solidFill>
+                <a:latin typeface="Arial"/>
+              </a:rPr>
+              <a:t> </a:t>
+            </a:r>
+            <a:r>
+              <a:rPr lang="it-IT" sz="1400" b="0" strike="noStrike" spc="-1" dirty="0" err="1">
+                <a:solidFill>
+                  <a:srgbClr val="000000"/>
+                </a:solidFill>
+                <a:latin typeface="Arial"/>
+              </a:rPr>
+              <a:t>we</a:t>
+            </a:r>
+            <a:r>
+              <a:rPr lang="it-IT" sz="1400" b="0" strike="noStrike" spc="-1" dirty="0">
+                <a:solidFill>
+                  <a:srgbClr val="000000"/>
+                </a:solidFill>
+                <a:latin typeface="Arial"/>
+              </a:rPr>
+              <a:t> </a:t>
+            </a:r>
+            <a:r>
+              <a:rPr lang="it-IT" sz="1400" b="0" strike="noStrike" spc="-1" dirty="0" err="1">
+                <a:solidFill>
+                  <a:srgbClr val="000000"/>
+                </a:solidFill>
+                <a:latin typeface="Arial"/>
+              </a:rPr>
+              <a:t>considered</a:t>
+            </a:r>
+            <a:r>
+              <a:rPr lang="it-IT" sz="1400" spc="-1" dirty="0">
+                <a:solidFill>
+                  <a:srgbClr val="000000"/>
+                </a:solidFill>
+                <a:latin typeface="Arial"/>
+              </a:rPr>
+              <a:t>. In </a:t>
+            </a:r>
+            <a:r>
+              <a:rPr lang="it-IT" sz="1400" spc="-1" dirty="0" err="1">
+                <a:solidFill>
+                  <a:srgbClr val="000000"/>
+                </a:solidFill>
+                <a:latin typeface="Arial"/>
+              </a:rPr>
+              <a:t>addition</a:t>
+            </a:r>
+            <a:r>
+              <a:rPr lang="it-IT" sz="1400" spc="-1" dirty="0">
+                <a:solidFill>
+                  <a:srgbClr val="000000"/>
+                </a:solidFill>
+                <a:latin typeface="Arial"/>
+              </a:rPr>
+              <a:t> to </a:t>
+            </a:r>
+            <a:r>
+              <a:rPr lang="it-IT" sz="1400" spc="-1" dirty="0" err="1">
+                <a:solidFill>
+                  <a:srgbClr val="000000"/>
+                </a:solidFill>
+                <a:latin typeface="Arial"/>
+              </a:rPr>
+              <a:t>that</a:t>
+            </a:r>
+            <a:r>
+              <a:rPr lang="it-IT" sz="1400" spc="-1" dirty="0">
+                <a:solidFill>
+                  <a:srgbClr val="000000"/>
+                </a:solidFill>
+                <a:latin typeface="Arial"/>
+              </a:rPr>
+              <a:t>, </a:t>
+            </a:r>
+            <a:r>
+              <a:rPr lang="it-IT" sz="1400" spc="-1" dirty="0" err="1">
+                <a:solidFill>
+                  <a:srgbClr val="000000"/>
+                </a:solidFill>
+                <a:latin typeface="Arial"/>
+              </a:rPr>
+              <a:t>we</a:t>
+            </a:r>
+            <a:r>
+              <a:rPr lang="it-IT" sz="1400" spc="-1" dirty="0">
+                <a:solidFill>
+                  <a:srgbClr val="000000"/>
+                </a:solidFill>
+                <a:latin typeface="Arial"/>
+              </a:rPr>
+              <a:t> </a:t>
+            </a:r>
+            <a:r>
+              <a:rPr lang="it-IT" sz="1400" spc="-1" dirty="0" err="1">
+                <a:solidFill>
+                  <a:srgbClr val="000000"/>
+                </a:solidFill>
+                <a:latin typeface="Arial"/>
+              </a:rPr>
+              <a:t>also</a:t>
+            </a:r>
+            <a:r>
+              <a:rPr lang="it-IT" sz="1400" spc="-1" dirty="0">
+                <a:solidFill>
+                  <a:srgbClr val="000000"/>
+                </a:solidFill>
+                <a:latin typeface="Arial"/>
+              </a:rPr>
+              <a:t> </a:t>
+            </a:r>
+            <a:r>
+              <a:rPr lang="it-IT" sz="1400" spc="-1" dirty="0" err="1">
+                <a:solidFill>
+                  <a:srgbClr val="000000"/>
+                </a:solidFill>
+                <a:latin typeface="Arial"/>
+              </a:rPr>
+              <a:t>optimized</a:t>
+            </a:r>
+            <a:r>
+              <a:rPr lang="it-IT" sz="1400" spc="-1" dirty="0">
+                <a:solidFill>
+                  <a:srgbClr val="000000"/>
+                </a:solidFill>
+                <a:latin typeface="Arial"/>
+              </a:rPr>
+              <a:t> the </a:t>
+            </a:r>
+            <a:r>
+              <a:rPr lang="it-IT" sz="1400" spc="-1" dirty="0" err="1">
+                <a:solidFill>
+                  <a:srgbClr val="000000"/>
+                </a:solidFill>
+                <a:latin typeface="Arial"/>
+              </a:rPr>
+              <a:t>neural</a:t>
+            </a:r>
+            <a:r>
+              <a:rPr lang="it-IT" sz="1400" spc="-1" dirty="0">
+                <a:solidFill>
+                  <a:srgbClr val="000000"/>
+                </a:solidFill>
+                <a:latin typeface="Arial"/>
+              </a:rPr>
+              <a:t> </a:t>
+            </a:r>
+            <a:r>
+              <a:rPr lang="it-IT" sz="1400" spc="-1" dirty="0" err="1">
+                <a:solidFill>
+                  <a:srgbClr val="000000"/>
+                </a:solidFill>
+                <a:latin typeface="Arial"/>
+              </a:rPr>
+              <a:t>network’s</a:t>
+            </a:r>
+            <a:r>
+              <a:rPr lang="it-IT" sz="1400" spc="-1" dirty="0">
+                <a:solidFill>
+                  <a:srgbClr val="000000"/>
+                </a:solidFill>
+                <a:latin typeface="Arial"/>
+              </a:rPr>
+              <a:t> </a:t>
+            </a:r>
+            <a:r>
+              <a:rPr lang="it-IT" sz="1400" spc="-1" dirty="0" err="1">
+                <a:solidFill>
+                  <a:srgbClr val="000000"/>
+                </a:solidFill>
+                <a:latin typeface="Arial"/>
+              </a:rPr>
+              <a:t>hyperparameters</a:t>
+            </a:r>
+            <a:r>
+              <a:rPr lang="it-IT" sz="1400" spc="-1" dirty="0">
+                <a:solidFill>
+                  <a:srgbClr val="000000"/>
+                </a:solidFill>
+                <a:latin typeface="Arial"/>
+              </a:rPr>
+              <a:t> </a:t>
+            </a:r>
+            <a:r>
+              <a:rPr lang="it-IT" sz="1400" spc="-1" dirty="0" err="1">
+                <a:solidFill>
+                  <a:srgbClr val="000000"/>
+                </a:solidFill>
+                <a:latin typeface="Arial"/>
+              </a:rPr>
+              <a:t>using</a:t>
+            </a:r>
+            <a:r>
+              <a:rPr lang="it-IT" sz="1400" spc="-1" dirty="0">
+                <a:solidFill>
+                  <a:srgbClr val="000000"/>
+                </a:solidFill>
+                <a:latin typeface="Arial"/>
+              </a:rPr>
+              <a:t> </a:t>
+            </a:r>
+            <a:r>
+              <a:rPr lang="it-IT" sz="1400" spc="-1" dirty="0" err="1">
+                <a:solidFill>
+                  <a:srgbClr val="000000"/>
+                </a:solidFill>
+                <a:latin typeface="Arial"/>
+              </a:rPr>
+              <a:t>Optuna</a:t>
+            </a:r>
+            <a:r>
+              <a:rPr lang="it-IT" sz="1400" spc="-1" dirty="0">
+                <a:solidFill>
+                  <a:srgbClr val="000000"/>
+                </a:solidFill>
+                <a:latin typeface="Arial"/>
+              </a:rPr>
+              <a:t> [</a:t>
+            </a:r>
+            <a:r>
+              <a:rPr lang="it-IT" sz="1400" spc="-1" dirty="0">
+                <a:solidFill>
+                  <a:srgbClr val="000000"/>
+                </a:solidFill>
+                <a:latin typeface="Arial"/>
+                <a:hlinkClick r:id="rId2" action="ppaction://hlinksldjump"/>
+              </a:rPr>
+              <a:t>5</a:t>
+            </a:r>
+            <a:r>
+              <a:rPr lang="it-IT" sz="1400" spc="-1" dirty="0">
+                <a:solidFill>
+                  <a:srgbClr val="000000"/>
+                </a:solidFill>
+                <a:latin typeface="Arial"/>
+              </a:rPr>
+              <a:t>].</a:t>
+            </a:r>
+          </a:p>
+          <a:p>
+            <a:pPr marL="285750" indent="-285750">
+              <a:lnSpc>
+                <a:spcPct val="115000"/>
+              </a:lnSpc>
+              <a:buFont typeface="Arial" panose="020B0604020202020204" pitchFamily="34" charset="0"/>
+              <a:buChar char="•"/>
+              <a:tabLst>
+                <a:tab pos="0" algn="l"/>
+              </a:tabLst>
+            </a:pPr>
+            <a:r>
+              <a:rPr lang="it-IT" sz="1400" dirty="0">
+                <a:solidFill>
+                  <a:srgbClr val="FF0000"/>
+                </a:solidFill>
+              </a:rPr>
+              <a:t>Se sono stati fatti dei test preliminari, delle esplorazioni, possiamo parlarne in maniera molto sintetica (magari qualche esplorazione un po’ random ha aiutato a restringere il dominio della </a:t>
+            </a:r>
+            <a:r>
+              <a:rPr lang="it-IT" sz="1400" dirty="0" err="1">
+                <a:solidFill>
+                  <a:srgbClr val="FF0000"/>
+                </a:solidFill>
+              </a:rPr>
+              <a:t>grid</a:t>
+            </a:r>
+            <a:r>
+              <a:rPr lang="it-IT" sz="1400" dirty="0">
+                <a:solidFill>
+                  <a:srgbClr val="FF0000"/>
+                </a:solidFill>
+              </a:rPr>
+              <a:t> </a:t>
+            </a:r>
+            <a:r>
+              <a:rPr lang="it-IT" sz="1400" dirty="0" err="1">
+                <a:solidFill>
+                  <a:srgbClr val="FF0000"/>
+                </a:solidFill>
+              </a:rPr>
+              <a:t>search</a:t>
+            </a:r>
+            <a:r>
+              <a:rPr lang="it-IT" sz="1400" dirty="0">
+                <a:solidFill>
+                  <a:srgbClr val="FF0000"/>
+                </a:solidFill>
+              </a:rPr>
+              <a:t>).</a:t>
+            </a:r>
+          </a:p>
+          <a:p>
+            <a:pPr marL="285750" indent="-285750">
+              <a:lnSpc>
+                <a:spcPct val="115000"/>
+              </a:lnSpc>
+              <a:buFont typeface="Arial" panose="020B0604020202020204" pitchFamily="34" charset="0"/>
+              <a:buChar char="•"/>
+              <a:tabLst>
+                <a:tab pos="0" algn="l"/>
+              </a:tabLst>
+            </a:pPr>
+            <a:r>
+              <a:rPr lang="it-IT" sz="1400" dirty="0">
+                <a:solidFill>
+                  <a:srgbClr val="FF0000"/>
+                </a:solidFill>
+              </a:rPr>
+              <a:t>Stando alle istruzioni, dovremmo riportare il range degli </a:t>
+            </a:r>
+            <a:r>
+              <a:rPr lang="it-IT" sz="1400" dirty="0" err="1">
+                <a:solidFill>
+                  <a:srgbClr val="FF0000"/>
+                </a:solidFill>
+              </a:rPr>
+              <a:t>iperparametri</a:t>
+            </a:r>
+            <a:r>
+              <a:rPr lang="it-IT" sz="1400" dirty="0">
+                <a:solidFill>
+                  <a:srgbClr val="FF0000"/>
+                </a:solidFill>
+              </a:rPr>
+              <a:t>. Ma è già scritto all’inizio…</a:t>
+            </a:r>
+          </a:p>
+          <a:p>
+            <a:pPr marL="285750" indent="-285750">
+              <a:lnSpc>
+                <a:spcPct val="115000"/>
+              </a:lnSpc>
+              <a:buFont typeface="Arial" panose="020B0604020202020204" pitchFamily="34" charset="0"/>
+              <a:buChar char="•"/>
+              <a:tabLst>
+                <a:tab pos="0" algn="l"/>
+              </a:tabLst>
+            </a:pPr>
+            <a:r>
+              <a:rPr lang="it-IT" sz="1400" dirty="0"/>
+              <a:t>Alcuni commenti sulla «locazione» degli </a:t>
+            </a:r>
+            <a:r>
+              <a:rPr lang="it-IT" sz="1400" dirty="0" err="1"/>
+              <a:t>iperparametri</a:t>
+            </a:r>
+            <a:r>
+              <a:rPr lang="it-IT" sz="1400" dirty="0"/>
+              <a:t> (ad esempio: intervallo di ricerca, se in quell’intervallo sono disposti in maniera uniforme o tipo 10^(-i), se c’è un perché…).</a:t>
+            </a:r>
+          </a:p>
+          <a:p>
+            <a:pPr>
+              <a:lnSpc>
+                <a:spcPct val="115000"/>
+              </a:lnSpc>
+              <a:tabLst>
+                <a:tab pos="0" algn="l"/>
+              </a:tabLst>
+            </a:pPr>
+            <a:endParaRPr lang="it-IT" sz="1400" dirty="0"/>
+          </a:p>
+          <a:p>
             <a:pPr>
               <a:lnSpc>
                 <a:spcPct val="115000"/>
@@ -7164,207 +7622,23 @@
                 <a:tab pos="0" algn="l"/>
               </a:tabLst>
             </a:pPr>
-            <a:r>
-              <a:rPr lang="it" sz="1800" b="0" strike="noStrike" spc="-1" dirty="0">
-                <a:solidFill>
-                  <a:srgbClr val="000000"/>
-                </a:solidFill>
-                <a:latin typeface="Arial"/>
-                <a:ea typeface="Arial"/>
-              </a:rPr>
-              <a:t>Typically the points 4-9 of the section 3.2 o</a:t>
-            </a:r>
-            <a:r>
-              <a:rPr lang="it" sz="1800" b="0" strike="noStrike" spc="-1" dirty="0">
-                <a:solidFill>
-                  <a:srgbClr val="595959"/>
-                </a:solidFill>
-                <a:latin typeface="Arial"/>
-                <a:ea typeface="Arial"/>
-              </a:rPr>
-              <a:t>f </a:t>
-            </a:r>
-            <a:r>
-              <a:rPr lang="it" sz="1800" b="0" strike="noStrike" spc="-1" dirty="0">
-                <a:solidFill>
-                  <a:srgbClr val="000000"/>
-                </a:solidFill>
-                <a:latin typeface="Arial"/>
-                <a:ea typeface="Arial"/>
-              </a:rPr>
-              <a:t>file “ML-23-Report-info-...”</a:t>
-            </a:r>
-            <a:endParaRPr lang="it-IT" sz="1800" b="0" strike="noStrike" spc="-1" dirty="0">
+            <a:endParaRPr lang="it-IT" sz="1100" b="0" strike="noStrike" spc="-1" dirty="0">
               <a:solidFill>
                 <a:srgbClr val="000000"/>
               </a:solidFill>
               <a:latin typeface="Arial"/>
             </a:endParaRPr>
           </a:p>
-          <a:p>
-            <a:pPr>
-              <a:lnSpc>
-                <a:spcPct val="115000"/>
-              </a:lnSpc>
-              <a:spcBef>
-                <a:spcPts val="1199"/>
-              </a:spcBef>
-              <a:buNone/>
-              <a:tabLst>
-                <a:tab pos="0" algn="l"/>
-              </a:tabLst>
-            </a:pPr>
-            <a:r>
-              <a:rPr lang="it" sz="1800" b="0" strike="noStrike" spc="-1" dirty="0">
-                <a:solidFill>
-                  <a:srgbClr val="000000"/>
-                </a:solidFill>
-                <a:latin typeface="Arial"/>
-                <a:ea typeface="Arial"/>
-              </a:rPr>
-              <a:t>In particular, do not forget:</a:t>
-            </a:r>
-            <a:endParaRPr lang="it-IT" sz="1800" b="0" strike="noStrike" spc="-1" dirty="0">
-              <a:solidFill>
-                <a:srgbClr val="000000"/>
-              </a:solidFill>
-              <a:latin typeface="Arial"/>
-            </a:endParaRPr>
-          </a:p>
-          <a:p>
-            <a:pPr marL="457200" indent="-336600">
-              <a:lnSpc>
-                <a:spcPct val="115000"/>
-              </a:lnSpc>
-              <a:buClr>
-                <a:srgbClr val="000000"/>
-              </a:buClr>
-              <a:buFont typeface="Arial"/>
-              <a:buChar char="-"/>
-              <a:tabLst>
-                <a:tab pos="0" algn="l"/>
-              </a:tabLst>
-            </a:pPr>
-            <a:r>
-              <a:rPr lang="it" sz="1500" b="0" strike="noStrike" spc="-1" dirty="0">
-                <a:solidFill>
-                  <a:srgbClr val="000000"/>
-                </a:solidFill>
-                <a:latin typeface="Arial"/>
-                <a:ea typeface="Arial"/>
-              </a:rPr>
-              <a:t>to describe “your path” to reach your final model, i.e. the relevant choices that you made and the rational of that choices  (selecting the relevant decisions &amp; aspects that deserve to be described  according to your feeling)</a:t>
-            </a:r>
-            <a:endParaRPr lang="it-IT" sz="1500" b="0" strike="noStrike" spc="-1" dirty="0">
-              <a:solidFill>
-                <a:srgbClr val="000000"/>
-              </a:solidFill>
-              <a:latin typeface="Arial"/>
-            </a:endParaRPr>
-          </a:p>
-          <a:p>
-            <a:pPr marL="457200" indent="-336600">
-              <a:lnSpc>
-                <a:spcPct val="115000"/>
-              </a:lnSpc>
-              <a:buClr>
-                <a:srgbClr val="000000"/>
-              </a:buClr>
-              <a:buFont typeface="Arial"/>
-              <a:buChar char="-"/>
-              <a:tabLst>
-                <a:tab pos="0" algn="l"/>
-              </a:tabLst>
-            </a:pPr>
-            <a:r>
-              <a:rPr lang="it" sz="1500" b="0" strike="noStrike" spc="-1" dirty="0">
-                <a:solidFill>
-                  <a:srgbClr val="000000"/>
-                </a:solidFill>
-                <a:latin typeface="Arial"/>
-                <a:ea typeface="Arial"/>
-              </a:rPr>
-              <a:t>to specify how you selected the FINAL model (used on the blind test set). Which is it among the candidates and why? Also write the  hyper-parameters of the final model </a:t>
-            </a:r>
-            <a:endParaRPr lang="it-IT" sz="1500" b="0" strike="noStrike" spc="-1" dirty="0">
-              <a:solidFill>
-                <a:srgbClr val="000000"/>
-              </a:solidFill>
-              <a:latin typeface="Arial"/>
-            </a:endParaRPr>
-          </a:p>
-          <a:p>
-            <a:pPr marL="457200" indent="-324000">
-              <a:lnSpc>
-                <a:spcPct val="115000"/>
-              </a:lnSpc>
-              <a:buClr>
-                <a:srgbClr val="000000"/>
-              </a:buClr>
-              <a:buFont typeface="Arial"/>
-              <a:buChar char="-"/>
-              <a:tabLst>
-                <a:tab pos="0" algn="l"/>
-              </a:tabLst>
-            </a:pPr>
-            <a:r>
-              <a:rPr lang="it" sz="1500" b="0" strike="noStrike" spc="-1" dirty="0">
-                <a:solidFill>
-                  <a:srgbClr val="000000"/>
-                </a:solidFill>
-                <a:latin typeface="Arial"/>
-                <a:ea typeface="Arial"/>
-              </a:rPr>
-              <a:t>to report for the FINAL model used on the blind test set the TABLE with MEE for TR (training), VL (validation) and TS (internal TS)  in the original scale</a:t>
-            </a:r>
-            <a:endParaRPr lang="it-IT" sz="1500" b="0" strike="noStrike" spc="-1" dirty="0">
-              <a:solidFill>
-                <a:srgbClr val="000000"/>
-              </a:solidFill>
-              <a:latin typeface="Arial"/>
-            </a:endParaRPr>
-          </a:p>
-          <a:p>
-            <a:pPr marL="457200" indent="-324000">
-              <a:lnSpc>
-                <a:spcPct val="115000"/>
-              </a:lnSpc>
-              <a:buClr>
-                <a:srgbClr val="000000"/>
-              </a:buClr>
-              <a:buFont typeface="Arial"/>
-              <a:buChar char="-"/>
-              <a:tabLst>
-                <a:tab pos="0" algn="l"/>
-              </a:tabLst>
-            </a:pPr>
-            <a:r>
-              <a:rPr lang="it" sz="1500" b="0" strike="noStrike" spc="-1" dirty="0">
-                <a:solidFill>
-                  <a:srgbClr val="000000"/>
-                </a:solidFill>
-                <a:latin typeface="Arial"/>
-                <a:ea typeface="Arial"/>
-              </a:rPr>
-              <a:t>to report the plot of the learning curve of the final model</a:t>
-            </a:r>
-            <a:endParaRPr lang="it-IT" sz="1500" b="0" strike="noStrike" spc="-1" dirty="0">
-              <a:solidFill>
-                <a:srgbClr val="000000"/>
-              </a:solidFill>
-              <a:latin typeface="Arial"/>
-            </a:endParaRPr>
-          </a:p>
-        </p:txBody>
-      </p:sp>
-      <p:sp>
-        <p:nvSpPr>
-          <p:cNvPr id="110" name="PlaceHolder 3"/>
+        </p:txBody>
+      </p:sp>
+      <p:sp>
+        <p:nvSpPr>
+          <p:cNvPr id="107" name="PlaceHolder 3"/>
           <p:cNvSpPr>
             <a:spLocks noGrp="1"/>
           </p:cNvSpPr>
           <p:nvPr>
-            <p:ph type="sldNum" idx="10"/>
+            <p:ph type="sldNum" idx="9"/>
           </p:nvPr>
         </p:nvSpPr>
         <p:spPr>
@@ -7412,7 +7686,7 @@
                 <a:tab pos="0" algn="l"/>
               </a:tabLst>
             </a:pPr>
-            <a:fld id="{70083C99-8290-44C9-AB12-6D72EC62BA1C}" type="slidenum">
+            <a:fld id="{A33BCEE6-A49C-4B73-BD56-E47521C0CF2F}" type="slidenum">
               <a:rPr lang="it" sz="1000" b="0" strike="noStrike" spc="-1">
                 <a:solidFill>
                   <a:srgbClr val="595959"/>
@@ -7425,6 +7699,50 @@
             <a:endParaRPr lang="it-IT" sz="1000" b="0" strike="noStrike" spc="-1">
               <a:latin typeface="Times New Roman"/>
             </a:endParaRPr>
+          </a:p>
+        </p:txBody>
+      </p:sp>
+      <p:sp>
+        <p:nvSpPr>
+          <p:cNvPr id="2" name="CasellaDiTesto 1">
+            <a:extLst>
+              <a:ext uri="{FF2B5EF4-FFF2-40B4-BE49-F238E27FC236}">
+                <a16:creationId xmlns:a16="http://schemas.microsoft.com/office/drawing/2014/main" id="{75E51306-1A80-930C-6511-944F9264064F}"/>
+              </a:ext>
+            </a:extLst>
+          </p:cNvPr>
+          <p:cNvSpPr txBox="1"/>
+          <p:nvPr/>
+        </p:nvSpPr>
+        <p:spPr>
+          <a:xfrm>
+            <a:off x="311940" y="3234018"/>
+            <a:ext cx="8435372" cy="738664"/>
+          </a:xfrm>
+          <a:prstGeom prst="rect">
+            <a:avLst/>
+          </a:prstGeom>
+          <a:noFill/>
+        </p:spPr>
+        <p:txBody>
+          <a:bodyPr wrap="square" rtlCol="0">
+            <a:spAutoFit/>
+          </a:bodyPr>
+          <a:lstStyle/>
+          <a:p>
+            <a:r>
+              <a:rPr lang="it-IT" sz="1400" dirty="0"/>
+              <a:t>Inoltre, dobbiamo dare una stima del tempo di calcolo. Può essere il tempo richiesto per il training completo del modello, e/o il tempo necessario a eseguire un ciclo di validazione. (La durata di tutta la K-</a:t>
+            </a:r>
+            <a:r>
+              <a:rPr lang="it-IT" sz="1400" dirty="0" err="1"/>
+              <a:t>fold</a:t>
+            </a:r>
+            <a:r>
+              <a:rPr lang="it-IT" sz="1400" dirty="0"/>
+              <a:t> non è specificata). Oltre a ciò, uno «specchietto» con le risorse hardware utilizzate.  </a:t>
+            </a:r>
+            <a:endParaRPr lang="it-IT" dirty="0"/>
           </a:p>
         </p:txBody>
       </p:sp>
@@ -7519,9 +7837,83 @@
                 <a:latin typeface="Arial"/>
                 <a:ea typeface="Arial"/>
               </a:rPr>
-              <a:t>Results: final model</a:t>
+              <a:t>Results: selected grid search results</a:t>
             </a:r>
             <a:endParaRPr lang="it-IT" sz="2400" b="0" strike="noStrike" spc="-1" dirty="0">
+              <a:solidFill>
+                <a:srgbClr val="000000"/>
+              </a:solidFill>
+              <a:latin typeface="Arial"/>
+            </a:endParaRPr>
+          </a:p>
+        </p:txBody>
+      </p:sp>
+      <p:sp>
+        <p:nvSpPr>
+          <p:cNvPr id="109" name="PlaceHolder 2"/>
+          <p:cNvSpPr>
+            <a:spLocks noGrp="1"/>
+          </p:cNvSpPr>
+          <p:nvPr>
+            <p:ph/>
+          </p:nvPr>
+        </p:nvSpPr>
+        <p:spPr>
+          <a:xfrm>
+            <a:off x="311760" y="1152360"/>
+            <a:ext cx="8520120" cy="3416040"/>
+          </a:xfrm>
+          <a:prstGeom prst="rect">
+            <a:avLst/>
+          </a:prstGeom>
+          <a:noFill/>
+          <a:ln w="0">
+            <a:noFill/>
+          </a:ln>
+        </p:spPr>
+        <p:txBody>
+          <a:bodyPr tIns="91440" bIns="91440" anchor="t">
+            <a:normAutofit/>
+          </a:bodyPr>
+          <a:lstStyle/>
+          <a:p>
+            <a:pPr>
+              <a:lnSpc>
+                <a:spcPct val="115000"/>
+              </a:lnSpc>
+              <a:buNone/>
+              <a:tabLst>
+                <a:tab pos="0" algn="l"/>
+              </a:tabLst>
+            </a:pPr>
+            <a:r>
+              <a:rPr lang="it-IT" sz="1500" b="0" u="sng" strike="noStrike" spc="-1" dirty="0">
+                <a:solidFill>
+                  <a:srgbClr val="FF0000"/>
+                </a:solidFill>
+                <a:latin typeface="Arial"/>
+              </a:rPr>
+              <a:t>OSS</a:t>
+            </a:r>
+            <a:r>
+              <a:rPr lang="it-IT" sz="1500" b="0" strike="noStrike" spc="-1" dirty="0">
+                <a:solidFill>
+                  <a:srgbClr val="000000"/>
+                </a:solidFill>
+                <a:latin typeface="Arial"/>
+              </a:rPr>
+              <a:t>: Possiamo/dobbiamo mostrare dei confronti «scelti» tra diverse combinazioni di </a:t>
+            </a:r>
+            <a:r>
+              <a:rPr lang="it-IT" sz="1500" b="0" strike="noStrike" spc="-1" dirty="0" err="1">
+                <a:solidFill>
+                  <a:srgbClr val="000000"/>
+                </a:solidFill>
+                <a:latin typeface="Arial"/>
+              </a:rPr>
+              <a:t>iperparametri</a:t>
+            </a:r>
+            <a:endParaRPr lang="it-IT" sz="1500" b="0" strike="noStrike" spc="-1" dirty="0">
               <a:solidFill>
                 <a:srgbClr val="000000"/>
               </a:solidFill>
@@ -7601,6 +7993,416 @@
           </a:p>
         </p:txBody>
       </p:sp>
+    </p:spTree>
+  </p:cSld>
+  <p:clrMapOvr>
+    <a:masterClrMapping/>
+  </p:clrMapOvr>
+</p:sld>
+</file>
+
+<file path=ppt/slides/slide14.xml><?xml version="1.0" encoding="utf-8"?>
+<p:sld xmlns:a="http://schemas.openxmlformats.org/drawingml/2006/main" xmlns:r="http://schemas.openxmlformats.org/officeDocument/2006/relationships" xmlns:p="http://schemas.openxmlformats.org/presentationml/2006/main">
+  <p:cSld>
+    <p:spTree>
+      <p:nvGrpSpPr>
+        <p:cNvPr id="1" name=""/>
+        <p:cNvGrpSpPr/>
+        <p:nvPr/>
+      </p:nvGrpSpPr>
+      <p:grpSpPr>
+        <a:xfrm>
+          <a:off x="0" y="0"/>
+          <a:ext cx="0" cy="0"/>
+          <a:chOff x="0" y="0"/>
+          <a:chExt cx="0" cy="0"/>
+        </a:xfrm>
+      </p:grpSpPr>
+      <p:sp>
+        <p:nvSpPr>
+          <p:cNvPr id="108" name="PlaceHolder 1"/>
+          <p:cNvSpPr>
+            <a:spLocks noGrp="1"/>
+          </p:cNvSpPr>
+          <p:nvPr>
+            <p:ph type="title"/>
+          </p:nvPr>
+        </p:nvSpPr>
+        <p:spPr>
+          <a:xfrm>
+            <a:off x="311760" y="0"/>
+            <a:ext cx="8520120" cy="572400"/>
+          </a:xfrm>
+          <a:prstGeom prst="rect">
+            <a:avLst/>
+          </a:prstGeom>
+          <a:noFill/>
+          <a:ln w="0">
+            <a:noFill/>
+          </a:ln>
+        </p:spPr>
+        <p:txBody>
+          <a:bodyPr tIns="91440" bIns="91440" anchor="t">
+            <a:normAutofit fontScale="91000"/>
+          </a:bodyPr>
+          <a:lstStyle/>
+          <a:p>
+            <a:pPr>
+              <a:lnSpc>
+                <a:spcPct val="100000"/>
+              </a:lnSpc>
+              <a:buNone/>
+              <a:tabLst>
+                <a:tab pos="0" algn="l"/>
+              </a:tabLst>
+            </a:pPr>
+            <a:r>
+              <a:rPr lang="it" sz="2600" b="0" strike="noStrike" spc="-1" dirty="0">
+                <a:solidFill>
+                  <a:srgbClr val="000000"/>
+                </a:solidFill>
+                <a:latin typeface="Arial"/>
+                <a:ea typeface="Arial"/>
+              </a:rPr>
+              <a:t>CUP</a:t>
+            </a:r>
+            <a:r>
+              <a:rPr lang="it" sz="2400" b="0" strike="noStrike" spc="-1" dirty="0">
+                <a:solidFill>
+                  <a:srgbClr val="000000"/>
+                </a:solidFill>
+                <a:latin typeface="Arial"/>
+                <a:ea typeface="Arial"/>
+              </a:rPr>
+              <a:t> </a:t>
+            </a:r>
+            <a:r>
+              <a:rPr lang="it" sz="2600" b="0" strike="noStrike" spc="-1" dirty="0">
+                <a:solidFill>
+                  <a:srgbClr val="000000"/>
+                </a:solidFill>
+                <a:latin typeface="Arial"/>
+                <a:ea typeface="Arial"/>
+              </a:rPr>
+              <a:t>Results: comparisons between models</a:t>
+            </a:r>
+            <a:endParaRPr lang="it-IT" sz="2400" b="0" strike="noStrike" spc="-1" dirty="0">
+              <a:solidFill>
+                <a:srgbClr val="000000"/>
+              </a:solidFill>
+              <a:latin typeface="Arial"/>
+            </a:endParaRPr>
+          </a:p>
+        </p:txBody>
+      </p:sp>
+      <p:sp>
+        <p:nvSpPr>
+          <p:cNvPr id="109" name="PlaceHolder 2"/>
+          <p:cNvSpPr>
+            <a:spLocks noGrp="1"/>
+          </p:cNvSpPr>
+          <p:nvPr>
+            <p:ph/>
+          </p:nvPr>
+        </p:nvSpPr>
+        <p:spPr>
+          <a:xfrm>
+            <a:off x="311760" y="1152360"/>
+            <a:ext cx="8520120" cy="3416040"/>
+          </a:xfrm>
+          <a:prstGeom prst="rect">
+            <a:avLst/>
+          </a:prstGeom>
+          <a:noFill/>
+          <a:ln w="0">
+            <a:noFill/>
+          </a:ln>
+        </p:spPr>
+        <p:txBody>
+          <a:bodyPr tIns="91440" bIns="91440" anchor="t">
+            <a:normAutofit/>
+          </a:bodyPr>
+          <a:lstStyle/>
+          <a:p>
+            <a:pPr>
+              <a:lnSpc>
+                <a:spcPct val="115000"/>
+              </a:lnSpc>
+              <a:buNone/>
+              <a:tabLst>
+                <a:tab pos="0" algn="l"/>
+              </a:tabLst>
+            </a:pPr>
+            <a:r>
+              <a:rPr lang="it-IT" sz="1500" b="0" u="sng" strike="noStrike" spc="-1" dirty="0">
+                <a:solidFill>
+                  <a:srgbClr val="FF0000"/>
+                </a:solidFill>
+                <a:latin typeface="Arial"/>
+              </a:rPr>
+              <a:t>OSS</a:t>
+            </a:r>
+            <a:r>
+              <a:rPr lang="it-IT" sz="1500" b="0" strike="noStrike" spc="-1" dirty="0">
+                <a:solidFill>
+                  <a:srgbClr val="000000"/>
+                </a:solidFill>
+                <a:latin typeface="Arial"/>
+              </a:rPr>
+              <a:t>: Possiamo/dobbiamo mettere a confronto anche i modelli. Questa forse è una tra le cose più critiche da fare.</a:t>
+            </a:r>
+          </a:p>
+        </p:txBody>
+      </p:sp>
+      <p:sp>
+        <p:nvSpPr>
+          <p:cNvPr id="110" name="PlaceHolder 3"/>
+          <p:cNvSpPr>
+            <a:spLocks noGrp="1"/>
+          </p:cNvSpPr>
+          <p:nvPr>
+            <p:ph type="sldNum" idx="10"/>
+          </p:nvPr>
+        </p:nvSpPr>
+        <p:spPr>
+          <a:xfrm>
+            <a:off x="8472600" y="4663080"/>
+            <a:ext cx="548280" cy="393120"/>
+          </a:xfrm>
+          <a:prstGeom prst="rect">
+            <a:avLst/>
+          </a:prstGeom>
+          <a:noFill/>
+          <a:ln w="0">
+            <a:noFill/>
+          </a:ln>
+        </p:spPr>
+        <p:txBody>
+          <a:bodyPr tIns="91440" bIns="91440" anchor="ctr">
+            <a:normAutofit/>
+          </a:bodyPr>
+          <a:lstStyle>
+            <a:lvl1pPr algn="r">
+              <a:lnSpc>
+                <a:spcPct val="100000"/>
+              </a:lnSpc>
+              <a:buNone/>
+              <a:tabLst>
+                <a:tab pos="0" algn="l"/>
+              </a:tabLst>
+              <a:defRPr lang="it" sz="1000" b="0" strike="noStrike" spc="-1">
+                <a:solidFill>
+                  <a:srgbClr val="595959"/>
+                </a:solidFill>
+                <a:latin typeface="Arial"/>
+                <a:ea typeface="Arial"/>
+              </a:defRPr>
+            </a:lvl1pPr>
+          </a:lstStyle>
+          <a:p>
+            <a:pPr algn="r">
+              <a:lnSpc>
+                <a:spcPct val="100000"/>
+              </a:lnSpc>
+              <a:buNone/>
+              <a:tabLst>
+                <a:tab pos="0" algn="l"/>
+              </a:tabLst>
+            </a:pPr>
+            <a:fld id="{70083C99-8290-44C9-AB12-6D72EC62BA1C}" type="slidenum">
+              <a:rPr lang="it" sz="1000" b="0" strike="noStrike" spc="-1">
+                <a:solidFill>
+                  <a:srgbClr val="595959"/>
+                </a:solidFill>
+                <a:latin typeface="Arial"/>
+                <a:ea typeface="Arial"/>
+              </a:rPr>
+              <a:t>14</a:t>
+            </a:fld>
+            <a:endParaRPr lang="it-IT" sz="1000" b="0" strike="noStrike" spc="-1">
+              <a:latin typeface="Times New Roman"/>
+            </a:endParaRPr>
+          </a:p>
+        </p:txBody>
+      </p:sp>
+    </p:spTree>
+    <p:extLst>
+      <p:ext uri="{BB962C8B-B14F-4D97-AF65-F5344CB8AC3E}">
+        <p14:creationId xmlns:p14="http://schemas.microsoft.com/office/powerpoint/2010/main" val="3854778879"/>
+      </p:ext>
+    </p:extLst>
+  </p:cSld>
+  <p:clrMapOvr>
+    <a:masterClrMapping/>
+  </p:clrMapOvr>
+</p:sld>
+</file>
+
+<file path=ppt/slides/slide15.xml><?xml version="1.0" encoding="utf-8"?>
+<p:sld xmlns:a="http://schemas.openxmlformats.org/drawingml/2006/main" xmlns:r="http://schemas.openxmlformats.org/officeDocument/2006/relationships" xmlns:p="http://schemas.openxmlformats.org/presentationml/2006/main">
+  <p:cSld>
+    <p:spTree>
+      <p:nvGrpSpPr>
+        <p:cNvPr id="1" name=""/>
+        <p:cNvGrpSpPr/>
+        <p:nvPr/>
+      </p:nvGrpSpPr>
+      <p:grpSpPr>
+        <a:xfrm>
+          <a:off x="0" y="0"/>
+          <a:ext cx="0" cy="0"/>
+          <a:chOff x="0" y="0"/>
+          <a:chExt cx="0" cy="0"/>
+        </a:xfrm>
+      </p:grpSpPr>
+      <p:sp>
+        <p:nvSpPr>
+          <p:cNvPr id="108" name="PlaceHolder 1"/>
+          <p:cNvSpPr>
+            <a:spLocks noGrp="1"/>
+          </p:cNvSpPr>
+          <p:nvPr>
+            <p:ph type="title"/>
+          </p:nvPr>
+        </p:nvSpPr>
+        <p:spPr>
+          <a:xfrm>
+            <a:off x="311760" y="0"/>
+            <a:ext cx="8520120" cy="572400"/>
+          </a:xfrm>
+          <a:prstGeom prst="rect">
+            <a:avLst/>
+          </a:prstGeom>
+          <a:noFill/>
+          <a:ln w="0">
+            <a:noFill/>
+          </a:ln>
+        </p:spPr>
+        <p:txBody>
+          <a:bodyPr tIns="91440" bIns="91440" anchor="t">
+            <a:normAutofit fontScale="91000"/>
+          </a:bodyPr>
+          <a:lstStyle/>
+          <a:p>
+            <a:pPr>
+              <a:lnSpc>
+                <a:spcPct val="100000"/>
+              </a:lnSpc>
+              <a:buNone/>
+              <a:tabLst>
+                <a:tab pos="0" algn="l"/>
+              </a:tabLst>
+            </a:pPr>
+            <a:r>
+              <a:rPr lang="it" sz="2600" b="0" strike="noStrike" spc="-1" dirty="0">
+                <a:solidFill>
+                  <a:srgbClr val="000000"/>
+                </a:solidFill>
+                <a:latin typeface="Arial"/>
+                <a:ea typeface="Arial"/>
+              </a:rPr>
+              <a:t>CUP</a:t>
+            </a:r>
+            <a:r>
+              <a:rPr lang="it" sz="2400" b="0" strike="noStrike" spc="-1" dirty="0">
+                <a:solidFill>
+                  <a:srgbClr val="000000"/>
+                </a:solidFill>
+                <a:latin typeface="Arial"/>
+                <a:ea typeface="Arial"/>
+              </a:rPr>
+              <a:t> </a:t>
+            </a:r>
+            <a:r>
+              <a:rPr lang="it" sz="2600" b="0" strike="noStrike" spc="-1" dirty="0">
+                <a:solidFill>
+                  <a:srgbClr val="000000"/>
+                </a:solidFill>
+                <a:latin typeface="Arial"/>
+                <a:ea typeface="Arial"/>
+              </a:rPr>
+              <a:t>Results: final model – 1 </a:t>
+            </a:r>
+            <a:endParaRPr lang="it-IT" sz="2400" b="0" strike="noStrike" spc="-1" dirty="0">
+              <a:solidFill>
+                <a:srgbClr val="000000"/>
+              </a:solidFill>
+              <a:latin typeface="Arial"/>
+            </a:endParaRPr>
+          </a:p>
+        </p:txBody>
+      </p:sp>
+      <p:sp>
+        <p:nvSpPr>
+          <p:cNvPr id="110" name="PlaceHolder 3"/>
+          <p:cNvSpPr>
+            <a:spLocks noGrp="1"/>
+          </p:cNvSpPr>
+          <p:nvPr>
+            <p:ph type="sldNum" idx="10"/>
+          </p:nvPr>
+        </p:nvSpPr>
+        <p:spPr>
+          <a:xfrm>
+            <a:off x="8472600" y="4663080"/>
+            <a:ext cx="548280" cy="393120"/>
+          </a:xfrm>
+          <a:prstGeom prst="rect">
+            <a:avLst/>
+          </a:prstGeom>
+          <a:noFill/>
+          <a:ln w="0">
+            <a:noFill/>
+          </a:ln>
+        </p:spPr>
+        <p:txBody>
+          <a:bodyPr tIns="91440" bIns="91440" anchor="ctr">
+            <a:normAutofit/>
+          </a:bodyPr>
+          <a:lstStyle>
+            <a:lvl1pPr algn="r">
+              <a:lnSpc>
+                <a:spcPct val="100000"/>
+              </a:lnSpc>
+              <a:buNone/>
+              <a:tabLst>
+                <a:tab pos="0" algn="l"/>
+              </a:tabLst>
+              <a:defRPr lang="it" sz="1000" b="0" strike="noStrike" spc="-1">
+                <a:solidFill>
+                  <a:srgbClr val="595959"/>
+                </a:solidFill>
+                <a:latin typeface="Arial"/>
+                <a:ea typeface="Arial"/>
+              </a:defRPr>
+            </a:lvl1pPr>
+          </a:lstStyle>
+          <a:p>
+            <a:pPr algn="r">
+              <a:lnSpc>
+                <a:spcPct val="100000"/>
+              </a:lnSpc>
+              <a:buNone/>
+              <a:tabLst>
+                <a:tab pos="0" algn="l"/>
+              </a:tabLst>
+            </a:pPr>
+            <a:fld id="{70083C99-8290-44C9-AB12-6D72EC62BA1C}" type="slidenum">
+              <a:rPr lang="it" sz="1000" b="0" strike="noStrike" spc="-1">
+                <a:solidFill>
+                  <a:srgbClr val="595959"/>
+                </a:solidFill>
+                <a:latin typeface="Arial"/>
+                <a:ea typeface="Arial"/>
+              </a:rPr>
+              <a:t>15</a:t>
+            </a:fld>
+            <a:endParaRPr lang="it-IT" sz="1000" b="0" strike="noStrike" spc="-1">
+              <a:latin typeface="Times New Roman"/>
+            </a:endParaRPr>
+          </a:p>
+        </p:txBody>
+      </p:sp>
       <p:sp>
         <p:nvSpPr>
           <p:cNvPr id="2" name="Rettangolo 1">
@@ -7615,7 +8417,7 @@
         </p:nvSpPr>
         <p:spPr>
           <a:xfrm>
-            <a:off x="311759" y="1399945"/>
+            <a:off x="311760" y="1748230"/>
             <a:ext cx="3836658" cy="2566564"/>
           </a:xfrm>
           <a:prstGeom prst="rect">
@@ -7672,6 +8474,378 @@
         </p:nvSpPr>
         <p:spPr>
           <a:xfrm>
+            <a:off x="311760" y="920686"/>
+            <a:ext cx="8832240" cy="307777"/>
+          </a:xfrm>
+          <a:prstGeom prst="rect">
+            <a:avLst/>
+          </a:prstGeom>
+          <a:noFill/>
+        </p:spPr>
+        <p:txBody>
+          <a:bodyPr wrap="square" rtlCol="0">
+            <a:spAutoFit/>
+          </a:bodyPr>
+          <a:lstStyle/>
+          <a:p>
+            <a:r>
+              <a:rPr lang="it-IT" sz="1400" dirty="0" err="1"/>
+              <a:t>We</a:t>
+            </a:r>
+            <a:r>
+              <a:rPr lang="it-IT" sz="1400" dirty="0"/>
+              <a:t> </a:t>
+            </a:r>
+            <a:r>
+              <a:rPr lang="it-IT" sz="1400" dirty="0" err="1"/>
+              <a:t>chose</a:t>
+            </a:r>
+            <a:r>
+              <a:rPr lang="it-IT" sz="1400" dirty="0"/>
+              <a:t> XYZ </a:t>
+            </a:r>
+            <a:r>
+              <a:rPr lang="it-IT" sz="1400" dirty="0" err="1"/>
+              <a:t>as</a:t>
+            </a:r>
+            <a:r>
+              <a:rPr lang="it-IT" sz="1400" dirty="0"/>
+              <a:t> the </a:t>
+            </a:r>
+            <a:r>
+              <a:rPr lang="it-IT" sz="1400" dirty="0" err="1"/>
+              <a:t>final</a:t>
+            </a:r>
+            <a:r>
+              <a:rPr lang="it-IT" sz="1400" dirty="0"/>
+              <a:t> model. </a:t>
+            </a:r>
+            <a:r>
+              <a:rPr lang="it-IT" sz="1400" dirty="0" err="1">
+                <a:solidFill>
+                  <a:srgbClr val="FF0000"/>
+                </a:solidFill>
+              </a:rPr>
+              <a:t>We</a:t>
+            </a:r>
+            <a:r>
+              <a:rPr lang="it-IT" sz="1400" dirty="0">
+                <a:solidFill>
+                  <a:srgbClr val="FF0000"/>
+                </a:solidFill>
+              </a:rPr>
+              <a:t> </a:t>
+            </a:r>
+            <a:r>
+              <a:rPr lang="it-IT" sz="1400" dirty="0" err="1">
+                <a:solidFill>
+                  <a:srgbClr val="FF0000"/>
+                </a:solidFill>
+              </a:rPr>
+              <a:t>chose</a:t>
+            </a:r>
+            <a:r>
+              <a:rPr lang="it-IT" sz="1400" dirty="0">
+                <a:solidFill>
+                  <a:srgbClr val="FF0000"/>
+                </a:solidFill>
+              </a:rPr>
+              <a:t> </a:t>
+            </a:r>
+            <a:r>
+              <a:rPr lang="it-IT" sz="1400" dirty="0" err="1">
+                <a:solidFill>
+                  <a:srgbClr val="FF0000"/>
+                </a:solidFill>
+              </a:rPr>
+              <a:t>this</a:t>
+            </a:r>
+            <a:r>
+              <a:rPr lang="it-IT" sz="1400" dirty="0">
+                <a:solidFill>
+                  <a:srgbClr val="FF0000"/>
+                </a:solidFill>
+              </a:rPr>
+              <a:t> model </a:t>
+            </a:r>
+            <a:r>
+              <a:rPr lang="it-IT" sz="1400" dirty="0" err="1">
+                <a:solidFill>
+                  <a:srgbClr val="FF0000"/>
+                </a:solidFill>
+              </a:rPr>
+              <a:t>because</a:t>
+            </a:r>
+            <a:r>
+              <a:rPr lang="it-IT" sz="1400" dirty="0"/>
+              <a:t>… </a:t>
+            </a:r>
+          </a:p>
+        </p:txBody>
+      </p:sp>
+      <p:sp>
+        <p:nvSpPr>
+          <p:cNvPr id="3" name="Rettangolo 2">
+            <a:extLst>
+              <a:ext uri="{FF2B5EF4-FFF2-40B4-BE49-F238E27FC236}">
+                <a16:creationId xmlns:a16="http://schemas.microsoft.com/office/drawing/2014/main" id="{C6A2D120-85CC-4BB3-0D21-B25E88A6BDC8}"/>
+              </a:ext>
+            </a:extLst>
+          </p:cNvPr>
+          <p:cNvSpPr/>
+          <p:nvPr/>
+        </p:nvSpPr>
+        <p:spPr>
+          <a:xfrm>
+            <a:off x="4910082" y="1748230"/>
+            <a:ext cx="3836658" cy="2566564"/>
+          </a:xfrm>
+          <a:prstGeom prst="rect">
+            <a:avLst/>
+          </a:prstGeom>
+        </p:spPr>
+        <p:style>
+          <a:lnRef idx="2">
+            <a:schemeClr val="accent3">
+              <a:shade val="15000"/>
+            </a:schemeClr>
+          </a:lnRef>
+          <a:fillRef idx="1">
+            <a:schemeClr val="accent3"/>
+          </a:fillRef>
+          <a:effectRef idx="0">
+            <a:schemeClr val="accent3"/>
+          </a:effectRef>
+          <a:fontRef idx="minor">
+            <a:schemeClr val="lt1"/>
+          </a:fontRef>
+        </p:style>
+        <p:txBody>
+          <a:bodyPr rtlCol="0" anchor="ctr"/>
+          <a:lstStyle/>
+          <a:p>
+            <a:pPr algn="ctr"/>
+            <a:r>
+              <a:rPr lang="it-IT" dirty="0" err="1"/>
+              <a:t>Other</a:t>
+            </a:r>
+            <a:r>
+              <a:rPr lang="it-IT" dirty="0"/>
+              <a:t> cool plot for the </a:t>
+            </a:r>
+            <a:r>
+              <a:rPr lang="it-IT" dirty="0" err="1"/>
+              <a:t>final</a:t>
+            </a:r>
+            <a:r>
+              <a:rPr lang="it-IT" dirty="0"/>
+              <a:t> model</a:t>
+            </a:r>
+          </a:p>
+        </p:txBody>
+      </p:sp>
+    </p:spTree>
+    <p:extLst>
+      <p:ext uri="{BB962C8B-B14F-4D97-AF65-F5344CB8AC3E}">
+        <p14:creationId xmlns:p14="http://schemas.microsoft.com/office/powerpoint/2010/main" val="479709121"/>
+      </p:ext>
+    </p:extLst>
+  </p:cSld>
+  <p:clrMapOvr>
+    <a:masterClrMapping/>
+  </p:clrMapOvr>
+</p:sld>
+</file>
+
+<file path=ppt/slides/slide16.xml><?xml version="1.0" encoding="utf-8"?>
+<p:sld xmlns:a="http://schemas.openxmlformats.org/drawingml/2006/main" xmlns:r="http://schemas.openxmlformats.org/officeDocument/2006/relationships" xmlns:p="http://schemas.openxmlformats.org/presentationml/2006/main">
+  <p:cSld>
+    <p:spTree>
+      <p:nvGrpSpPr>
+        <p:cNvPr id="1" name=""/>
+        <p:cNvGrpSpPr/>
+        <p:nvPr/>
+      </p:nvGrpSpPr>
+      <p:grpSpPr>
+        <a:xfrm>
+          <a:off x="0" y="0"/>
+          <a:ext cx="0" cy="0"/>
+          <a:chOff x="0" y="0"/>
+          <a:chExt cx="0" cy="0"/>
+        </a:xfrm>
+      </p:grpSpPr>
+      <p:sp>
+        <p:nvSpPr>
+          <p:cNvPr id="108" name="PlaceHolder 1"/>
+          <p:cNvSpPr>
+            <a:spLocks noGrp="1"/>
+          </p:cNvSpPr>
+          <p:nvPr>
+            <p:ph type="title"/>
+          </p:nvPr>
+        </p:nvSpPr>
+        <p:spPr>
+          <a:xfrm>
+            <a:off x="311760" y="0"/>
+            <a:ext cx="8520120" cy="572400"/>
+          </a:xfrm>
+          <a:prstGeom prst="rect">
+            <a:avLst/>
+          </a:prstGeom>
+          <a:noFill/>
+          <a:ln w="0">
+            <a:noFill/>
+          </a:ln>
+        </p:spPr>
+        <p:txBody>
+          <a:bodyPr tIns="91440" bIns="91440" anchor="t">
+            <a:normAutofit fontScale="91000"/>
+          </a:bodyPr>
+          <a:lstStyle/>
+          <a:p>
+            <a:pPr>
+              <a:lnSpc>
+                <a:spcPct val="100000"/>
+              </a:lnSpc>
+              <a:buNone/>
+              <a:tabLst>
+                <a:tab pos="0" algn="l"/>
+              </a:tabLst>
+            </a:pPr>
+            <a:r>
+              <a:rPr lang="it" sz="2600" b="0" strike="noStrike" spc="-1" dirty="0">
+                <a:solidFill>
+                  <a:srgbClr val="000000"/>
+                </a:solidFill>
+                <a:latin typeface="Arial"/>
+                <a:ea typeface="Arial"/>
+              </a:rPr>
+              <a:t>CUP</a:t>
+            </a:r>
+            <a:r>
+              <a:rPr lang="it" sz="2400" b="0" strike="noStrike" spc="-1" dirty="0">
+                <a:solidFill>
+                  <a:srgbClr val="000000"/>
+                </a:solidFill>
+                <a:latin typeface="Arial"/>
+                <a:ea typeface="Arial"/>
+              </a:rPr>
+              <a:t> </a:t>
+            </a:r>
+            <a:r>
+              <a:rPr lang="it" sz="2600" b="0" strike="noStrike" spc="-1" dirty="0">
+                <a:solidFill>
+                  <a:srgbClr val="000000"/>
+                </a:solidFill>
+                <a:latin typeface="Arial"/>
+                <a:ea typeface="Arial"/>
+              </a:rPr>
+              <a:t>Results: final model</a:t>
+            </a:r>
+            <a:r>
+              <a:rPr lang="it" sz="2600" spc="-1" dirty="0">
+                <a:solidFill>
+                  <a:srgbClr val="000000"/>
+                </a:solidFill>
+                <a:latin typeface="Arial"/>
+                <a:ea typeface="Arial"/>
+              </a:rPr>
+              <a:t> – 2</a:t>
+            </a:r>
+            <a:endParaRPr lang="it-IT" sz="2400" b="0" strike="noStrike" spc="-1" dirty="0">
+              <a:solidFill>
+                <a:srgbClr val="000000"/>
+              </a:solidFill>
+              <a:latin typeface="Arial"/>
+            </a:endParaRPr>
+          </a:p>
+        </p:txBody>
+      </p:sp>
+      <p:sp>
+        <p:nvSpPr>
+          <p:cNvPr id="110" name="PlaceHolder 3"/>
+          <p:cNvSpPr>
+            <a:spLocks noGrp="1"/>
+          </p:cNvSpPr>
+          <p:nvPr>
+            <p:ph type="sldNum" idx="10"/>
+          </p:nvPr>
+        </p:nvSpPr>
+        <p:spPr>
+          <a:xfrm>
+            <a:off x="8472600" y="4663080"/>
+            <a:ext cx="548280" cy="393120"/>
+          </a:xfrm>
+          <a:prstGeom prst="rect">
+            <a:avLst/>
+          </a:prstGeom>
+          <a:noFill/>
+          <a:ln w="0">
+            <a:noFill/>
+          </a:ln>
+        </p:spPr>
+        <p:txBody>
+          <a:bodyPr tIns="91440" bIns="91440" anchor="ctr">
+            <a:normAutofit/>
+          </a:bodyPr>
+          <a:lstStyle>
+            <a:lvl1pPr algn="r">
+              <a:lnSpc>
+                <a:spcPct val="100000"/>
+              </a:lnSpc>
+              <a:buNone/>
+              <a:tabLst>
+                <a:tab pos="0" algn="l"/>
+              </a:tabLst>
+              <a:defRPr lang="it" sz="1000" b="0" strike="noStrike" spc="-1">
+                <a:solidFill>
+                  <a:srgbClr val="595959"/>
+                </a:solidFill>
+                <a:latin typeface="Arial"/>
+                <a:ea typeface="Arial"/>
+              </a:defRPr>
+            </a:lvl1pPr>
+          </a:lstStyle>
+          <a:p>
+            <a:pPr algn="r">
+              <a:lnSpc>
+                <a:spcPct val="100000"/>
+              </a:lnSpc>
+              <a:buNone/>
+              <a:tabLst>
+                <a:tab pos="0" algn="l"/>
+              </a:tabLst>
+            </a:pPr>
+            <a:fld id="{70083C99-8290-44C9-AB12-6D72EC62BA1C}" type="slidenum">
+              <a:rPr lang="it" sz="1000" b="0" strike="noStrike" spc="-1">
+                <a:solidFill>
+                  <a:srgbClr val="595959"/>
+                </a:solidFill>
+                <a:latin typeface="Arial"/>
+                <a:ea typeface="Arial"/>
+              </a:rPr>
+              <a:t>16</a:t>
+            </a:fld>
+            <a:endParaRPr lang="it-IT" sz="1000" b="0" strike="noStrike" spc="-1">
+              <a:latin typeface="Times New Roman"/>
+            </a:endParaRPr>
+          </a:p>
+        </p:txBody>
+      </p:sp>
+      <p:sp>
+        <p:nvSpPr>
+          <p:cNvPr id="4" name="CasellaDiTesto 3">
+            <a:extLst>
+              <a:ext uri="{FF2B5EF4-FFF2-40B4-BE49-F238E27FC236}">
+                <a16:creationId xmlns:a16="http://schemas.microsoft.com/office/drawing/2014/main" id="{A2C03CD9-5D4B-7181-8758-3C5F98479B49}"/>
+              </a:ext>
+            </a:extLst>
+          </p:cNvPr>
+          <p:cNvSpPr txBox="1"/>
+          <p:nvPr/>
+        </p:nvSpPr>
+        <p:spPr>
+          <a:xfrm>
             <a:off x="311760" y="572400"/>
             <a:ext cx="8832240" cy="523220"/>
           </a:xfrm>
@@ -7688,7 +8862,23 @@
           <a:p>
             <a:r>
               <a:rPr lang="it-IT" sz="1400" dirty="0" err="1"/>
-              <a:t>We</a:t>
+              <a:t>Table</a:t>
+            </a:r>
+            <a:r>
+              <a:rPr lang="it-IT" sz="1400" dirty="0"/>
+              <a:t> 4 reports a </a:t>
+            </a:r>
+            <a:r>
+              <a:rPr lang="it-IT" sz="1400" dirty="0" err="1"/>
+              <a:t>summary</a:t>
+            </a:r>
+            <a:r>
+              <a:rPr lang="it-IT" sz="1400" dirty="0"/>
+              <a:t> of the </a:t>
+            </a:r>
+            <a:r>
+              <a:rPr lang="it-IT" sz="1400" dirty="0" err="1"/>
+              <a:t>chosen</a:t>
             </a:r>
             <a:r>
               <a:rPr lang="it-IT" sz="1400" dirty="0"/>
@@ -7696,27 +8886,11 @@
             </a:r>
             <a:r>
               <a:rPr lang="it-IT" sz="1400" dirty="0" err="1"/>
-              <a:t>chose</a:t>
+              <a:t>model’s</a:t>
             </a:r>
             <a:r>
               <a:rPr lang="it-IT" sz="1400" dirty="0"/>
-              <a:t> XYZ </a:t>
-            </a:r>
-            <a:r>
-              <a:rPr lang="it-IT" sz="1400" dirty="0" err="1"/>
-              <a:t>as</a:t>
-            </a:r>
-            <a:r>
-              <a:rPr lang="it-IT" sz="1400" dirty="0"/>
-              <a:t> the </a:t>
-            </a:r>
-            <a:r>
-              <a:rPr lang="it-IT" sz="1400" dirty="0" err="1"/>
-              <a:t>final</a:t>
-            </a:r>
-            <a:r>
-              <a:rPr lang="it-IT" sz="1400" dirty="0"/>
-              <a:t> model, with the </a:t>
+              <a:t> </a:t>
             </a:r>
             <a:r>
               <a:rPr lang="it-IT" sz="1400" dirty="0" err="1"/>
@@ -7724,6 +8898,38 @@
             </a:r>
             <a:r>
               <a:rPr lang="it-IT" sz="1400" dirty="0"/>
+              <a:t>. The </a:t>
+            </a:r>
+            <a:r>
+              <a:rPr lang="it-IT" sz="1400" dirty="0" err="1"/>
+              <a:t>results</a:t>
+            </a:r>
+            <a:r>
+              <a:rPr lang="it-IT" sz="1400" dirty="0"/>
+              <a:t> </a:t>
+            </a:r>
+            <a:r>
+              <a:rPr lang="it-IT" sz="1400" dirty="0" err="1"/>
+              <a:t>achieved</a:t>
+            </a:r>
+            <a:r>
+              <a:rPr lang="it-IT" sz="1400" dirty="0"/>
+              <a:t> by </a:t>
+            </a:r>
+            <a:r>
+              <a:rPr lang="it-IT" sz="1400" dirty="0" err="1"/>
+              <a:t>this</a:t>
+            </a:r>
+            <a:r>
+              <a:rPr lang="it-IT" sz="1400" dirty="0"/>
+              <a:t> model can be </a:t>
+            </a:r>
+            <a:r>
+              <a:rPr lang="it-IT" sz="1400" dirty="0" err="1"/>
+              <a:t>seen</a:t>
+            </a:r>
+            <a:r>
+              <a:rPr lang="it-IT" sz="1400" dirty="0"/>
               <a:t> in </a:t>
             </a:r>
             <a:r>
@@ -7732,79 +8938,7 @@
             </a:r>
             <a:r>
               <a:rPr lang="it-IT" sz="1400" dirty="0"/>
-              <a:t> 4. The </a:t>
-            </a:r>
-            <a:r>
-              <a:rPr lang="it-IT" sz="1400" dirty="0" err="1"/>
-              <a:t>results</a:t>
-            </a:r>
-            <a:r>
-              <a:rPr lang="it-IT" sz="1400" dirty="0"/>
-              <a:t> </a:t>
-            </a:r>
-            <a:r>
-              <a:rPr lang="it-IT" sz="1400" dirty="0" err="1"/>
-              <a:t>achieved</a:t>
-            </a:r>
-            <a:r>
-              <a:rPr lang="it-IT" sz="1400" dirty="0"/>
-              <a:t> by </a:t>
-            </a:r>
-            <a:r>
-              <a:rPr lang="it-IT" sz="1400" dirty="0" err="1"/>
-              <a:t>this</a:t>
-            </a:r>
-            <a:r>
-              <a:rPr lang="it-IT" sz="1400" dirty="0"/>
-              <a:t> model can be </a:t>
-            </a:r>
-            <a:r>
-              <a:rPr lang="it-IT" sz="1400" dirty="0" err="1"/>
-              <a:t>seen</a:t>
-            </a:r>
-            <a:r>
-              <a:rPr lang="it-IT" sz="1400" dirty="0"/>
-              <a:t> in </a:t>
-            </a:r>
-            <a:r>
-              <a:rPr lang="it-IT" sz="1400" dirty="0" err="1"/>
-              <a:t>Table</a:t>
-            </a:r>
-            <a:r>
-              <a:rPr lang="it-IT" sz="1400" dirty="0"/>
               <a:t> 5. </a:t>
-            </a:r>
-            <a:r>
-              <a:rPr lang="it-IT" sz="1400" dirty="0" err="1"/>
-              <a:t>We</a:t>
-            </a:r>
-            <a:r>
-              <a:rPr lang="it-IT" sz="1400" dirty="0"/>
-              <a:t> </a:t>
-            </a:r>
-            <a:r>
-              <a:rPr lang="it-IT" sz="1400" dirty="0" err="1"/>
-              <a:t>chose</a:t>
-            </a:r>
-            <a:r>
-              <a:rPr lang="it-IT" sz="1400" dirty="0"/>
-              <a:t> </a:t>
-            </a:r>
-            <a:r>
-              <a:rPr lang="it-IT" sz="1400" dirty="0" err="1"/>
-              <a:t>this</a:t>
-            </a:r>
-            <a:r>
-              <a:rPr lang="it-IT" sz="1400" dirty="0"/>
-              <a:t> model </a:t>
-            </a:r>
-            <a:r>
-              <a:rPr lang="it-IT" sz="1400" dirty="0" err="1"/>
-              <a:t>because</a:t>
-            </a:r>
-            <a:r>
-              <a:rPr lang="it-IT" sz="1400" dirty="0"/>
-              <a:t>…</a:t>
             </a:r>
           </a:p>
         </p:txBody>
@@ -7824,13 +8958,13 @@
           <p:nvPr>
             <p:extLst>
               <p:ext uri="{D42A27DB-BD31-4B8C-83A1-F6EECF244321}">
-                <p14:modId xmlns:p14="http://schemas.microsoft.com/office/powerpoint/2010/main" val="2642985504"/>
+                <p14:modId xmlns:p14="http://schemas.microsoft.com/office/powerpoint/2010/main" val="3706700322"/>
               </p:ext>
             </p:extLst>
           </p:nvPr>
         </p:nvGraphicFramePr>
         <p:xfrm>
-          <a:off x="4940504" y="1707722"/>
+          <a:off x="311763" y="1584600"/>
           <a:ext cx="3532096" cy="3078480"/>
         </p:xfrm>
         <a:graphic>
@@ -8197,7 +9331,7 @@
         </p:nvSpPr>
         <p:spPr>
           <a:xfrm>
-            <a:off x="4940501" y="1399945"/>
+            <a:off x="311760" y="1276823"/>
             <a:ext cx="3532097" cy="307777"/>
           </a:xfrm>
           <a:prstGeom prst="rect">
@@ -8250,7 +9384,7 @@
       </p:sp>
       <p:graphicFrame>
         <p:nvGraphicFramePr>
-          <p:cNvPr id="11" name="Tabella 10">
+          <p:cNvPr id="3" name="Tabella 2">
             <a:extLst>
               <a:ext uri="{FF2B5EF4-FFF2-40B4-BE49-F238E27FC236}">
                 <a16:creationId xmlns:a16="http://schemas.microsoft.com/office/drawing/2014/main" id="{90EE3416-EDB5-199A-8539-2AD3786AEA6B}"/>
@@ -8263,14 +9397,14 @@
           <p:nvPr>
             <p:extLst>
               <p:ext uri="{D42A27DB-BD31-4B8C-83A1-F6EECF244321}">
-                <p14:modId xmlns:p14="http://schemas.microsoft.com/office/powerpoint/2010/main" val="1871988525"/>
+                <p14:modId xmlns:p14="http://schemas.microsoft.com/office/powerpoint/2010/main" val="1291602323"/>
               </p:ext>
             </p:extLst>
           </p:nvPr>
         </p:nvGraphicFramePr>
         <p:xfrm>
-          <a:off x="311759" y="4586260"/>
-          <a:ext cx="3836658" cy="304800"/>
+          <a:off x="4729118" y="1979043"/>
+          <a:ext cx="3836660" cy="609600"/>
         </p:xfrm>
         <a:graphic>
           <a:graphicData uri="http://schemas.openxmlformats.org/drawingml/2006/table">
@@ -8279,21 +9413,28 @@
                 <a:tableStyleId>{0E3FDE45-AF77-4B5C-9715-49D594BDF05E}</a:tableStyleId>
               </a:tblPr>
               <a:tblGrid>
-                <a:gridCol w="1278886">
+                <a:gridCol w="959165">
+                  <a:extLst>
+                    <a:ext uri="{9D8B030D-6E8A-4147-A177-3AD203B41FA5}">
+                      <a16:colId xmlns:a16="http://schemas.microsoft.com/office/drawing/2014/main" val="1649054938"/>
+                    </a:ext>
+                  </a:extLst>
+                </a:gridCol>
+                <a:gridCol w="959165">
                   <a:extLst>
                     <a:ext uri="{9D8B030D-6E8A-4147-A177-3AD203B41FA5}">
                       <a16:colId xmlns:a16="http://schemas.microsoft.com/office/drawing/2014/main" val="4019716620"/>
                     </a:ext>
                   </a:extLst>
                 </a:gridCol>
-                <a:gridCol w="1278886">
+                <a:gridCol w="959165">
                   <a:extLst>
                     <a:ext uri="{9D8B030D-6E8A-4147-A177-3AD203B41FA5}">
                       <a16:colId xmlns:a16="http://schemas.microsoft.com/office/drawing/2014/main" val="1120584406"/>
                     </a:ext>
                   </a:extLst>
                 </a:gridCol>
-                <a:gridCol w="1278886">
+                <a:gridCol w="959165">
                   <a:extLst>
                     <a:ext uri="{9D8B030D-6E8A-4147-A177-3AD203B41FA5}">
                       <a16:colId xmlns:a16="http://schemas.microsoft.com/office/drawing/2014/main" val="3881263521"/>
@@ -8307,10 +9448,134 @@
                     <a:bodyPr/>
                     <a:lstStyle/>
                     <a:p>
+                      <a:pPr algn="ctr"/>
+                      <a:r>
+                        <a:rPr lang="it-IT" sz="1400" b="1" dirty="0"/>
+                        <a:t>Dataset</a:t>
+                      </a:r>
+                    </a:p>
+                  </a:txBody>
+                  <a:tcPr anchor="ctr">
+                    <a:lnR w="12700" cap="flat" cmpd="sng" algn="ctr">
+                      <a:solidFill>
+                        <a:srgbClr val="7B7B7B"/>
+                      </a:solidFill>
+                      <a:prstDash val="dash"/>
+                      <a:round/>
+                      <a:headEnd type="none" w="med" len="med"/>
+                      <a:tailEnd type="none" w="med" len="med"/>
+                    </a:lnR>
+                  </a:tcPr>
+                </a:tc>
+                <a:tc>
+                  <a:txBody>
+                    <a:bodyPr/>
+                    <a:lstStyle/>
+                    <a:p>
+                      <a:pPr algn="ctr"/>
                       <a:r>
                         <a:rPr lang="it-IT" sz="1400" dirty="0"/>
-                        <a:t>TR:</a:t>
+                        <a:t>TR</a:t>
                       </a:r>
+                    </a:p>
+                  </a:txBody>
+                  <a:tcPr anchor="ctr">
+                    <a:lnL w="12700" cap="flat" cmpd="sng" algn="ctr">
+                      <a:solidFill>
+                        <a:srgbClr val="7B7B7B"/>
+                      </a:solidFill>
+                      <a:prstDash val="dash"/>
+                      <a:round/>
+                      <a:headEnd type="none" w="med" len="med"/>
+                      <a:tailEnd type="none" w="med" len="med"/>
+                    </a:lnL>
+                  </a:tcPr>
+                </a:tc>
+                <a:tc>
+                  <a:txBody>
+                    <a:bodyPr/>
+                    <a:lstStyle/>
+                    <a:p>
+                      <a:pPr algn="ctr"/>
+                      <a:r>
+                        <a:rPr lang="it-IT" sz="1400" dirty="0"/>
+                        <a:t>VL</a:t>
+                      </a:r>
+                    </a:p>
+                  </a:txBody>
+                  <a:tcPr anchor="ctr"/>
+                </a:tc>
+                <a:tc>
+                  <a:txBody>
+                    <a:bodyPr/>
+                    <a:lstStyle/>
+                    <a:p>
+                      <a:pPr algn="ctr"/>
+                      <a:r>
+                        <a:rPr lang="it-IT" sz="1400" dirty="0"/>
+                        <a:t>TS</a:t>
+                      </a:r>
+                    </a:p>
+                  </a:txBody>
+                  <a:tcPr anchor="ctr"/>
+                </a:tc>
+                <a:extLst>
+                  <a:ext uri="{0D108BD9-81ED-4DB2-BD59-A6C34878D82A}">
+                    <a16:rowId xmlns:a16="http://schemas.microsoft.com/office/drawing/2014/main" val="1134138711"/>
+                  </a:ext>
+                </a:extLst>
+              </a:tr>
+              <a:tr h="294067">
+                <a:tc>
+                  <a:txBody>
+                    <a:bodyPr/>
+                    <a:lstStyle/>
+                    <a:p>
+                      <a:pPr algn="ctr"/>
+                      <a:r>
+                        <a:rPr lang="it-IT" sz="1400" b="1" dirty="0"/>
+                        <a:t>MEE</a:t>
+                      </a:r>
+                    </a:p>
+                  </a:txBody>
+                  <a:tcPr anchor="ctr">
+                    <a:lnR w="12700" cap="flat" cmpd="sng" algn="ctr">
+                      <a:solidFill>
+                        <a:srgbClr val="7B7B7B"/>
+                      </a:solidFill>
+                      <a:prstDash val="dash"/>
+                      <a:round/>
+                      <a:headEnd type="none" w="med" len="med"/>
+                      <a:tailEnd type="none" w="med" len="med"/>
+                    </a:lnR>
+                  </a:tcPr>
+                </a:tc>
+                <a:tc>
+                  <a:txBody>
+                    <a:bodyPr/>
+                    <a:lstStyle/>
+                    <a:p>
+                      <a:endParaRPr lang="it-IT" sz="1400" dirty="0"/>
+                    </a:p>
+                  </a:txBody>
+                  <a:tcPr>
+                    <a:lnL w="12700" cap="flat" cmpd="sng" algn="ctr">
+                      <a:solidFill>
+                        <a:srgbClr val="7B7B7B"/>
+                      </a:solidFill>
+                      <a:prstDash val="dash"/>
+                      <a:round/>
+                      <a:headEnd type="none" w="med" len="med"/>
+                      <a:tailEnd type="none" w="med" len="med"/>
+                    </a:lnL>
+                  </a:tcPr>
+                </a:tc>
+                <a:tc>
+                  <a:txBody>
+                    <a:bodyPr/>
+                    <a:lstStyle/>
+                    <a:p>
+                      <a:endParaRPr lang="it-IT" sz="1400" dirty="0"/>
                     </a:p>
                   </a:txBody>
                   <a:tcPr/>
@@ -8320,30 +9585,14 @@
                     <a:bodyPr/>
                     <a:lstStyle/>
                     <a:p>
-                      <a:r>
-                        <a:rPr lang="it-IT" sz="1400" dirty="0"/>
-                        <a:t>VL:</a:t>
-                      </a:r>
-                    </a:p>
-                  </a:txBody>
-                  <a:tcPr/>
-                </a:tc>
-                <a:tc>
-                  <a:txBody>
-                    <a:bodyPr/>
-                    <a:lstStyle/>
-                    <a:p>
-                      <a:r>
-                        <a:rPr lang="it-IT" sz="1400" dirty="0"/>
-                        <a:t>TS:</a:t>
-                      </a:r>
+                      <a:endParaRPr lang="it-IT" sz="1400" dirty="0"/>
                     </a:p>
                   </a:txBody>
                   <a:tcPr/>
                 </a:tc>
                 <a:extLst>
                   <a:ext uri="{0D108BD9-81ED-4DB2-BD59-A6C34878D82A}">
-                    <a16:rowId xmlns:a16="http://schemas.microsoft.com/office/drawing/2014/main" val="1134138711"/>
+                    <a16:rowId xmlns:a16="http://schemas.microsoft.com/office/drawing/2014/main" val="3685263719"/>
                   </a:ext>
                 </a:extLst>
               </a:tr>
@@ -8353,7 +9602,7 @@
       </p:graphicFrame>
       <p:sp>
         <p:nvSpPr>
-          <p:cNvPr id="13" name="CasellaDiTesto 12">
+          <p:cNvPr id="5" name="CasellaDiTesto 4">
             <a:extLst>
               <a:ext uri="{FF2B5EF4-FFF2-40B4-BE49-F238E27FC236}">
                 <a16:creationId xmlns:a16="http://schemas.microsoft.com/office/drawing/2014/main" id="{464C7860-14BA-5467-A384-1E8512A6D36C}"/>
@@ -8365,7 +9614,7 @@
         </p:nvSpPr>
         <p:spPr>
           <a:xfrm>
-            <a:off x="311760" y="4275237"/>
+            <a:off x="4729119" y="1668020"/>
             <a:ext cx="3836657" cy="307777"/>
           </a:xfrm>
           <a:prstGeom prst="rect">
@@ -8480,1381 +9729,9 @@
     </p:spTree>
     <p:extLst>
       <p:ext uri="{BB962C8B-B14F-4D97-AF65-F5344CB8AC3E}">
-        <p14:creationId xmlns:p14="http://schemas.microsoft.com/office/powerpoint/2010/main" val="479709121"/>
+        <p14:creationId xmlns:p14="http://schemas.microsoft.com/office/powerpoint/2010/main" val="3844035976"/>
       </p:ext>
     </p:extLst>
-  </p:cSld>
-  <p:clrMapOvr>
-    <a:masterClrMapping/>
-  </p:clrMapOvr>
-</p:sld>
-</file>
-
-<file path=ppt/slides/slide14.xml><?xml version="1.0" encoding="utf-8"?>
-<p:sld xmlns:a="http://schemas.openxmlformats.org/drawingml/2006/main" xmlns:r="http://schemas.openxmlformats.org/officeDocument/2006/relationships" xmlns:p="http://schemas.openxmlformats.org/presentationml/2006/main">
-  <p:cSld>
-    <p:spTree>
-      <p:nvGrpSpPr>
-        <p:cNvPr id="1" name=""/>
-        <p:cNvGrpSpPr/>
-        <p:nvPr/>
-      </p:nvGrpSpPr>
-      <p:grpSpPr>
-        <a:xfrm>
-          <a:off x="0" y="0"/>
-          <a:ext cx="0" cy="0"/>
-          <a:chOff x="0" y="0"/>
-          <a:chExt cx="0" cy="0"/>
-        </a:xfrm>
-      </p:grpSpPr>
-      <p:sp>
-        <p:nvSpPr>
-          <p:cNvPr id="111" name="PlaceHolder 1"/>
-          <p:cNvSpPr>
-            <a:spLocks noGrp="1"/>
-          </p:cNvSpPr>
-          <p:nvPr>
-            <p:ph type="title"/>
-          </p:nvPr>
-        </p:nvSpPr>
-        <p:spPr>
-          <a:xfrm>
-            <a:off x="311760" y="2700"/>
-            <a:ext cx="8520120" cy="572400"/>
-          </a:xfrm>
-          <a:prstGeom prst="rect">
-            <a:avLst/>
-          </a:prstGeom>
-          <a:noFill/>
-          <a:ln w="0">
-            <a:noFill/>
-          </a:ln>
-        </p:spPr>
-        <p:txBody>
-          <a:bodyPr tIns="91440" bIns="91440" anchor="t">
-            <a:normAutofit fontScale="91000"/>
-          </a:bodyPr>
-          <a:lstStyle/>
-          <a:p>
-            <a:pPr>
-              <a:lnSpc>
-                <a:spcPct val="100000"/>
-              </a:lnSpc>
-              <a:buNone/>
-              <a:tabLst>
-                <a:tab pos="0" algn="l"/>
-              </a:tabLst>
-            </a:pPr>
-            <a:r>
-              <a:rPr lang="it" sz="2600" b="0" strike="noStrike" spc="-1" dirty="0">
-                <a:solidFill>
-                  <a:srgbClr val="000000"/>
-                </a:solidFill>
-                <a:latin typeface="Arial"/>
-                <a:ea typeface="Arial"/>
-              </a:rPr>
-              <a:t>Discussion (may be more slides)</a:t>
-            </a:r>
-            <a:endParaRPr lang="it-IT" sz="2400" b="0" strike="noStrike" spc="-1" dirty="0">
-              <a:solidFill>
-                <a:srgbClr val="000000"/>
-              </a:solidFill>
-              <a:latin typeface="Arial"/>
-            </a:endParaRPr>
-          </a:p>
-        </p:txBody>
-      </p:sp>
-      <p:sp>
-        <p:nvSpPr>
-          <p:cNvPr id="112" name="PlaceHolder 2"/>
-          <p:cNvSpPr>
-            <a:spLocks noGrp="1"/>
-          </p:cNvSpPr>
-          <p:nvPr>
-            <p:ph/>
-          </p:nvPr>
-        </p:nvSpPr>
-        <p:spPr>
-          <a:xfrm>
-            <a:off x="311760" y="1152360"/>
-            <a:ext cx="8520120" cy="3416040"/>
-          </a:xfrm>
-          <a:prstGeom prst="rect">
-            <a:avLst/>
-          </a:prstGeom>
-          <a:noFill/>
-          <a:ln w="0">
-            <a:noFill/>
-          </a:ln>
-        </p:spPr>
-        <p:txBody>
-          <a:bodyPr tIns="91440" bIns="91440" anchor="t">
-            <a:normAutofit/>
-          </a:bodyPr>
-          <a:lstStyle/>
-          <a:p>
-            <a:pPr>
-              <a:lnSpc>
-                <a:spcPct val="115000"/>
-              </a:lnSpc>
-              <a:buNone/>
-              <a:tabLst>
-                <a:tab pos="0" algn="l"/>
-              </a:tabLst>
-            </a:pPr>
-            <a:r>
-              <a:rPr lang="it" sz="1800" b="0" strike="noStrike" spc="-1" dirty="0">
-                <a:solidFill>
-                  <a:srgbClr val="000000"/>
-                </a:solidFill>
-                <a:latin typeface="Arial"/>
-                <a:ea typeface="Arial"/>
-              </a:rPr>
-              <a:t>Discuss whether any proposed techniques or novelties  improved or not the results, in terms of any performance (efficacy, efficiency, …) </a:t>
-            </a:r>
-            <a:endParaRPr lang="it-IT" sz="1800" b="0" strike="noStrike" spc="-1" dirty="0">
-              <a:solidFill>
-                <a:srgbClr val="000000"/>
-              </a:solidFill>
-              <a:latin typeface="Arial"/>
-            </a:endParaRPr>
-          </a:p>
-          <a:p>
-            <a:pPr marL="457200" indent="-317520">
-              <a:lnSpc>
-                <a:spcPct val="115000"/>
-              </a:lnSpc>
-              <a:spcBef>
-                <a:spcPts val="1199"/>
-              </a:spcBef>
-              <a:buClr>
-                <a:srgbClr val="000000"/>
-              </a:buClr>
-              <a:buFont typeface="Calibri"/>
-              <a:buChar char="●"/>
-              <a:tabLst>
-                <a:tab pos="0" algn="l"/>
-              </a:tabLst>
-            </a:pPr>
-            <a:r>
-              <a:rPr lang="it" sz="1400" b="0" strike="noStrike" spc="-1" dirty="0">
-                <a:solidFill>
-                  <a:srgbClr val="000000"/>
-                </a:solidFill>
-                <a:latin typeface="Calibri"/>
-                <a:ea typeface="Calibri"/>
-              </a:rPr>
-              <a:t>Don’t forget to empathize the novelties that you introduced in your model (prj A or B) or used advanced techniques (prj B) w.r.t. to the results and/or any significant/critical analyses and any interesting finding/insight</a:t>
-            </a:r>
-            <a:endParaRPr lang="it-IT" sz="1400" b="0" strike="noStrike" spc="-1" dirty="0">
-              <a:solidFill>
-                <a:srgbClr val="000000"/>
-              </a:solidFill>
-              <a:latin typeface="Arial"/>
-            </a:endParaRPr>
-          </a:p>
-          <a:p>
-            <a:pPr marL="457200" indent="-317520">
-              <a:lnSpc>
-                <a:spcPct val="115000"/>
-              </a:lnSpc>
-              <a:buClr>
-                <a:srgbClr val="000000"/>
-              </a:buClr>
-              <a:buFont typeface="Calibri"/>
-              <a:buChar char="●"/>
-              <a:tabLst>
-                <a:tab pos="0" algn="l"/>
-              </a:tabLst>
-            </a:pPr>
-            <a:r>
-              <a:rPr lang="it" sz="1400" b="0" strike="noStrike" spc="-1" dirty="0">
-                <a:solidFill>
-                  <a:srgbClr val="000000"/>
-                </a:solidFill>
-                <a:latin typeface="Calibri"/>
-                <a:ea typeface="Calibri"/>
-              </a:rPr>
-              <a:t>I.e: don’t forget a “Discussion/Analysis” answering “what did you learn?” on the Models/Hyperparameters/Results/Efficacy/Efficiency, selecting/highlighting what is more significant in your opinion (time and space constraints helps!)</a:t>
-            </a:r>
-            <a:endParaRPr lang="it-IT" sz="1400" b="0" strike="noStrike" spc="-1" dirty="0">
-              <a:solidFill>
-                <a:srgbClr val="000000"/>
-              </a:solidFill>
-              <a:latin typeface="Arial"/>
-            </a:endParaRPr>
-          </a:p>
-          <a:p>
-            <a:pPr>
-              <a:lnSpc>
-                <a:spcPct val="115000"/>
-              </a:lnSpc>
-              <a:spcAft>
-                <a:spcPts val="1199"/>
-              </a:spcAft>
-              <a:buNone/>
-              <a:tabLst>
-                <a:tab pos="0" algn="l"/>
-              </a:tabLst>
-            </a:pPr>
-            <a:endParaRPr lang="it-IT" sz="1400" b="0" strike="noStrike" spc="-1" dirty="0">
-              <a:solidFill>
-                <a:srgbClr val="000000"/>
-              </a:solidFill>
-              <a:latin typeface="Arial"/>
-            </a:endParaRPr>
-          </a:p>
-        </p:txBody>
-      </p:sp>
-      <p:sp>
-        <p:nvSpPr>
-          <p:cNvPr id="113" name="PlaceHolder 3"/>
-          <p:cNvSpPr>
-            <a:spLocks noGrp="1"/>
-          </p:cNvSpPr>
-          <p:nvPr>
-            <p:ph type="sldNum" idx="11"/>
-          </p:nvPr>
-        </p:nvSpPr>
-        <p:spPr>
-          <a:xfrm>
-            <a:off x="8472600" y="4663080"/>
-            <a:ext cx="548280" cy="393120"/>
-          </a:xfrm>
-          <a:prstGeom prst="rect">
-            <a:avLst/>
-          </a:prstGeom>
-          <a:noFill/>
-          <a:ln w="0">
-            <a:noFill/>
-          </a:ln>
-        </p:spPr>
-        <p:txBody>
-          <a:bodyPr tIns="91440" bIns="91440" anchor="ctr">
-            <a:normAutofit/>
-          </a:bodyPr>
-          <a:lstStyle>
-            <a:lvl1pPr algn="r">
-              <a:lnSpc>
-                <a:spcPct val="100000"/>
-              </a:lnSpc>
-              <a:buNone/>
-              <a:tabLst>
-                <a:tab pos="0" algn="l"/>
-              </a:tabLst>
-              <a:defRPr lang="it" sz="1000" b="0" strike="noStrike" spc="-1">
-                <a:solidFill>
-                  <a:srgbClr val="595959"/>
-                </a:solidFill>
-                <a:latin typeface="Arial"/>
-                <a:ea typeface="Arial"/>
-              </a:defRPr>
-            </a:lvl1pPr>
-          </a:lstStyle>
-          <a:p>
-            <a:pPr algn="r">
-              <a:lnSpc>
-                <a:spcPct val="100000"/>
-              </a:lnSpc>
-              <a:buNone/>
-              <a:tabLst>
-                <a:tab pos="0" algn="l"/>
-              </a:tabLst>
-            </a:pPr>
-            <a:fld id="{EB566EBC-D211-4A49-9CB5-B894905094F3}" type="slidenum">
-              <a:rPr lang="it" sz="1000" b="0" strike="noStrike" spc="-1">
-                <a:solidFill>
-                  <a:srgbClr val="595959"/>
-                </a:solidFill>
-                <a:latin typeface="Arial"/>
-                <a:ea typeface="Arial"/>
-              </a:rPr>
-              <a:t>14</a:t>
-            </a:fld>
-            <a:endParaRPr lang="it-IT" sz="1000" b="0" strike="noStrike" spc="-1">
-              <a:latin typeface="Times New Roman"/>
-            </a:endParaRPr>
-          </a:p>
-        </p:txBody>
-      </p:sp>
-    </p:spTree>
-  </p:cSld>
-  <p:clrMapOvr>
-    <a:masterClrMapping/>
-  </p:clrMapOvr>
-</p:sld>
-</file>
-
-<file path=ppt/slides/slide15.xml><?xml version="1.0" encoding="utf-8"?>
-<p:sld xmlns:a="http://schemas.openxmlformats.org/drawingml/2006/main" xmlns:r="http://schemas.openxmlformats.org/officeDocument/2006/relationships" xmlns:p="http://schemas.openxmlformats.org/presentationml/2006/main">
-  <p:cSld>
-    <p:spTree>
-      <p:nvGrpSpPr>
-        <p:cNvPr id="1" name=""/>
-        <p:cNvGrpSpPr/>
-        <p:nvPr/>
-      </p:nvGrpSpPr>
-      <p:grpSpPr>
-        <a:xfrm>
-          <a:off x="0" y="0"/>
-          <a:ext cx="0" cy="0"/>
-          <a:chOff x="0" y="0"/>
-          <a:chExt cx="0" cy="0"/>
-        </a:xfrm>
-      </p:grpSpPr>
-      <p:sp>
-        <p:nvSpPr>
-          <p:cNvPr id="114" name="PlaceHolder 1"/>
-          <p:cNvSpPr>
-            <a:spLocks noGrp="1"/>
-          </p:cNvSpPr>
-          <p:nvPr>
-            <p:ph type="title"/>
-          </p:nvPr>
-        </p:nvSpPr>
-        <p:spPr>
-          <a:xfrm>
-            <a:off x="311760" y="2700"/>
-            <a:ext cx="8520120" cy="572400"/>
-          </a:xfrm>
-          <a:prstGeom prst="rect">
-            <a:avLst/>
-          </a:prstGeom>
-          <a:noFill/>
-          <a:ln w="0">
-            <a:noFill/>
-          </a:ln>
-        </p:spPr>
-        <p:txBody>
-          <a:bodyPr tIns="91440" bIns="91440" anchor="t">
-            <a:normAutofit fontScale="91000"/>
-          </a:bodyPr>
-          <a:lstStyle/>
-          <a:p>
-            <a:pPr>
-              <a:lnSpc>
-                <a:spcPct val="100000"/>
-              </a:lnSpc>
-              <a:buNone/>
-              <a:tabLst>
-                <a:tab pos="0" algn="l"/>
-              </a:tabLst>
-            </a:pPr>
-            <a:r>
-              <a:rPr lang="it" sz="2600" b="0" strike="noStrike" spc="-1" dirty="0">
-                <a:solidFill>
-                  <a:srgbClr val="000000"/>
-                </a:solidFill>
-                <a:latin typeface="Arial"/>
-                <a:ea typeface="Arial"/>
-              </a:rPr>
-              <a:t>Conclusions</a:t>
-            </a:r>
-            <a:endParaRPr lang="it-IT" sz="2400" b="0" strike="noStrike" spc="-1" dirty="0">
-              <a:solidFill>
-                <a:srgbClr val="000000"/>
-              </a:solidFill>
-              <a:latin typeface="Arial"/>
-            </a:endParaRPr>
-          </a:p>
-        </p:txBody>
-      </p:sp>
-      <p:sp>
-        <p:nvSpPr>
-          <p:cNvPr id="115" name="PlaceHolder 2"/>
-          <p:cNvSpPr>
-            <a:spLocks noGrp="1"/>
-          </p:cNvSpPr>
-          <p:nvPr>
-            <p:ph/>
-          </p:nvPr>
-        </p:nvSpPr>
-        <p:spPr>
-          <a:xfrm>
-            <a:off x="311760" y="1152360"/>
-            <a:ext cx="8520120" cy="3416040"/>
-          </a:xfrm>
-          <a:prstGeom prst="rect">
-            <a:avLst/>
-          </a:prstGeom>
-          <a:noFill/>
-          <a:ln w="0">
-            <a:noFill/>
-          </a:ln>
-        </p:spPr>
-        <p:txBody>
-          <a:bodyPr tIns="91440" bIns="91440" anchor="t">
-            <a:normAutofit/>
-          </a:bodyPr>
-          <a:lstStyle/>
-          <a:p>
-            <a:pPr>
-              <a:lnSpc>
-                <a:spcPct val="115000"/>
-              </a:lnSpc>
-              <a:spcBef>
-                <a:spcPts val="1199"/>
-              </a:spcBef>
-              <a:buNone/>
-              <a:tabLst>
-                <a:tab pos="0" algn="l"/>
-              </a:tabLst>
-            </a:pPr>
-            <a:r>
-              <a:rPr lang="it" sz="1800" b="0" strike="noStrike" spc="-1">
-                <a:solidFill>
-                  <a:srgbClr val="000000"/>
-                </a:solidFill>
-                <a:latin typeface="Arial"/>
-                <a:ea typeface="Arial"/>
-              </a:rPr>
-              <a:t>What you have drawn and what you learned (in short)</a:t>
-            </a:r>
-            <a:endParaRPr lang="it-IT" sz="1800" b="0" strike="noStrike" spc="-1">
-              <a:solidFill>
-                <a:srgbClr val="000000"/>
-              </a:solidFill>
-              <a:latin typeface="Arial"/>
-            </a:endParaRPr>
-          </a:p>
-          <a:p>
-            <a:pPr>
-              <a:lnSpc>
-                <a:spcPct val="115000"/>
-              </a:lnSpc>
-              <a:spcBef>
-                <a:spcPts val="1199"/>
-              </a:spcBef>
-              <a:buNone/>
-              <a:tabLst>
-                <a:tab pos="0" algn="l"/>
-              </a:tabLst>
-            </a:pPr>
-            <a:r>
-              <a:rPr lang="it" sz="1800" b="0" strike="noStrike" spc="-1">
-                <a:solidFill>
-                  <a:srgbClr val="000000"/>
-                </a:solidFill>
-                <a:latin typeface="Arial"/>
-                <a:ea typeface="Arial"/>
-              </a:rPr>
-              <a:t>Blind Test Results: name of the result files and your nickname</a:t>
-            </a:r>
-            <a:endParaRPr lang="it-IT" sz="1800" b="0" strike="noStrike" spc="-1">
-              <a:solidFill>
-                <a:srgbClr val="000000"/>
-              </a:solidFill>
-              <a:latin typeface="Arial"/>
-            </a:endParaRPr>
-          </a:p>
-          <a:p>
-            <a:pPr>
-              <a:lnSpc>
-                <a:spcPct val="115000"/>
-              </a:lnSpc>
-              <a:spcBef>
-                <a:spcPts val="1199"/>
-              </a:spcBef>
-              <a:spcAft>
-                <a:spcPts val="1199"/>
-              </a:spcAft>
-              <a:buNone/>
-              <a:tabLst>
-                <a:tab pos="0" algn="l"/>
-              </a:tabLst>
-            </a:pPr>
-            <a:endParaRPr lang="it-IT" sz="1800" b="0" strike="noStrike" spc="-1">
-              <a:solidFill>
-                <a:srgbClr val="000000"/>
-              </a:solidFill>
-              <a:latin typeface="Arial"/>
-            </a:endParaRPr>
-          </a:p>
-        </p:txBody>
-      </p:sp>
-      <p:sp>
-        <p:nvSpPr>
-          <p:cNvPr id="116" name="PlaceHolder 3"/>
-          <p:cNvSpPr>
-            <a:spLocks noGrp="1"/>
-          </p:cNvSpPr>
-          <p:nvPr>
-            <p:ph type="sldNum" idx="12"/>
-          </p:nvPr>
-        </p:nvSpPr>
-        <p:spPr>
-          <a:xfrm>
-            <a:off x="8472600" y="4663080"/>
-            <a:ext cx="548280" cy="393120"/>
-          </a:xfrm>
-          <a:prstGeom prst="rect">
-            <a:avLst/>
-          </a:prstGeom>
-          <a:noFill/>
-          <a:ln w="0">
-            <a:noFill/>
-          </a:ln>
-        </p:spPr>
-        <p:txBody>
-          <a:bodyPr tIns="91440" bIns="91440" anchor="ctr">
-            <a:normAutofit/>
-          </a:bodyPr>
-          <a:lstStyle>
-            <a:lvl1pPr algn="r">
-              <a:lnSpc>
-                <a:spcPct val="100000"/>
-              </a:lnSpc>
-              <a:buNone/>
-              <a:tabLst>
-                <a:tab pos="0" algn="l"/>
-              </a:tabLst>
-              <a:defRPr lang="it" sz="1000" b="0" strike="noStrike" spc="-1">
-                <a:solidFill>
-                  <a:srgbClr val="595959"/>
-                </a:solidFill>
-                <a:latin typeface="Arial"/>
-                <a:ea typeface="Arial"/>
-              </a:defRPr>
-            </a:lvl1pPr>
-          </a:lstStyle>
-          <a:p>
-            <a:pPr algn="r">
-              <a:lnSpc>
-                <a:spcPct val="100000"/>
-              </a:lnSpc>
-              <a:buNone/>
-              <a:tabLst>
-                <a:tab pos="0" algn="l"/>
-              </a:tabLst>
-            </a:pPr>
-            <a:fld id="{0290D2CD-F684-4A0F-9162-8897609F2911}" type="slidenum">
-              <a:rPr lang="it" sz="1000" b="0" strike="noStrike" spc="-1">
-                <a:solidFill>
-                  <a:srgbClr val="595959"/>
-                </a:solidFill>
-                <a:latin typeface="Arial"/>
-                <a:ea typeface="Arial"/>
-              </a:rPr>
-              <a:t>15</a:t>
-            </a:fld>
-            <a:endParaRPr lang="it-IT" sz="1000" b="0" strike="noStrike" spc="-1">
-              <a:latin typeface="Times New Roman"/>
-            </a:endParaRPr>
-          </a:p>
-        </p:txBody>
-      </p:sp>
-    </p:spTree>
-  </p:cSld>
-  <p:clrMapOvr>
-    <a:masterClrMapping/>
-  </p:clrMapOvr>
-</p:sld>
-</file>
-
-<file path=ppt/slides/slide16.xml><?xml version="1.0" encoding="utf-8"?>
-<p:sld xmlns:a="http://schemas.openxmlformats.org/drawingml/2006/main" xmlns:r="http://schemas.openxmlformats.org/officeDocument/2006/relationships" xmlns:p="http://schemas.openxmlformats.org/presentationml/2006/main">
-  <p:cSld>
-    <p:spTree>
-      <p:nvGrpSpPr>
-        <p:cNvPr id="1" name=""/>
-        <p:cNvGrpSpPr/>
-        <p:nvPr/>
-      </p:nvGrpSpPr>
-      <p:grpSpPr>
-        <a:xfrm>
-          <a:off x="0" y="0"/>
-          <a:ext cx="0" cy="0"/>
-          <a:chOff x="0" y="0"/>
-          <a:chExt cx="0" cy="0"/>
-        </a:xfrm>
-      </p:grpSpPr>
-      <p:sp>
-        <p:nvSpPr>
-          <p:cNvPr id="117" name="PlaceHolder 1"/>
-          <p:cNvSpPr>
-            <a:spLocks noGrp="1"/>
-          </p:cNvSpPr>
-          <p:nvPr>
-            <p:ph type="title"/>
-          </p:nvPr>
-        </p:nvSpPr>
-        <p:spPr>
-          <a:xfrm>
-            <a:off x="311760" y="2700"/>
-            <a:ext cx="8520120" cy="572400"/>
-          </a:xfrm>
-          <a:prstGeom prst="rect">
-            <a:avLst/>
-          </a:prstGeom>
-          <a:noFill/>
-          <a:ln w="0">
-            <a:noFill/>
-          </a:ln>
-        </p:spPr>
-        <p:txBody>
-          <a:bodyPr tIns="91440" bIns="91440" anchor="t">
-            <a:normAutofit fontScale="91000"/>
-          </a:bodyPr>
-          <a:lstStyle/>
-          <a:p>
-            <a:pPr>
-              <a:lnSpc>
-                <a:spcPct val="100000"/>
-              </a:lnSpc>
-              <a:buNone/>
-              <a:tabLst>
-                <a:tab pos="0" algn="l"/>
-              </a:tabLst>
-            </a:pPr>
-            <a:r>
-              <a:rPr lang="it" sz="2600" b="0" strike="noStrike" spc="-1" dirty="0">
-                <a:solidFill>
-                  <a:srgbClr val="000000"/>
-                </a:solidFill>
-                <a:latin typeface="Arial"/>
-                <a:ea typeface="Arial"/>
-              </a:rPr>
-              <a:t>Bibliography - 1</a:t>
-            </a:r>
-            <a:r>
-              <a:rPr lang="it" sz="2800" b="0" strike="noStrike" spc="-1" dirty="0">
-                <a:solidFill>
-                  <a:srgbClr val="000000"/>
-                </a:solidFill>
-                <a:latin typeface="Arial"/>
-                <a:ea typeface="Arial"/>
-              </a:rPr>
-              <a:t> </a:t>
-            </a:r>
-            <a:endParaRPr lang="it-IT" sz="2800" b="0" strike="noStrike" spc="-1" dirty="0">
-              <a:solidFill>
-                <a:srgbClr val="000000"/>
-              </a:solidFill>
-              <a:latin typeface="Arial"/>
-            </a:endParaRPr>
-          </a:p>
-        </p:txBody>
-      </p:sp>
-      <p:sp>
-        <p:nvSpPr>
-          <p:cNvPr id="118" name="PlaceHolder 2"/>
-          <p:cNvSpPr>
-            <a:spLocks noGrp="1"/>
-          </p:cNvSpPr>
-          <p:nvPr>
-            <p:ph/>
-          </p:nvPr>
-        </p:nvSpPr>
-        <p:spPr>
-          <a:xfrm>
-            <a:off x="311760" y="1152360"/>
-            <a:ext cx="8520120" cy="3416040"/>
-          </a:xfrm>
-          <a:prstGeom prst="rect">
-            <a:avLst/>
-          </a:prstGeom>
-          <a:noFill/>
-          <a:ln w="0">
-            <a:noFill/>
-          </a:ln>
-        </p:spPr>
-        <p:txBody>
-          <a:bodyPr tIns="91440" bIns="91440" anchor="t">
-            <a:normAutofit/>
-          </a:bodyPr>
-          <a:lstStyle/>
-          <a:p>
-            <a:pPr>
-              <a:lnSpc>
-                <a:spcPct val="115000"/>
-              </a:lnSpc>
-              <a:spcBef>
-                <a:spcPts val="1199"/>
-              </a:spcBef>
-              <a:spcAft>
-                <a:spcPts val="1199"/>
-              </a:spcAft>
-              <a:tabLst>
-                <a:tab pos="0" algn="l"/>
-              </a:tabLst>
-            </a:pPr>
-            <a:r>
-              <a:rPr lang="it-IT" sz="1600" spc="-1" dirty="0" err="1">
-                <a:solidFill>
-                  <a:srgbClr val="000000"/>
-                </a:solidFill>
-                <a:latin typeface="Arial"/>
-              </a:rPr>
-              <a:t>Main</a:t>
-            </a:r>
-            <a:r>
-              <a:rPr lang="it-IT" sz="1600" spc="-1" dirty="0">
-                <a:solidFill>
-                  <a:srgbClr val="000000"/>
-                </a:solidFill>
-                <a:latin typeface="Arial"/>
-              </a:rPr>
-              <a:t> libraries and software tools </a:t>
-            </a:r>
-            <a:r>
-              <a:rPr lang="it-IT" sz="1600" spc="-1" dirty="0" err="1">
-                <a:solidFill>
-                  <a:srgbClr val="000000"/>
-                </a:solidFill>
-                <a:latin typeface="Arial"/>
-              </a:rPr>
-              <a:t>used</a:t>
-            </a:r>
-            <a:r>
-              <a:rPr lang="it-IT" sz="1600" spc="-1" dirty="0">
-                <a:solidFill>
-                  <a:srgbClr val="000000"/>
-                </a:solidFill>
-                <a:latin typeface="Arial"/>
-              </a:rPr>
-              <a:t> for </a:t>
-            </a:r>
-            <a:r>
-              <a:rPr lang="it-IT" sz="1600" spc="-1" dirty="0" err="1">
-                <a:solidFill>
-                  <a:srgbClr val="000000"/>
-                </a:solidFill>
-                <a:latin typeface="Arial"/>
-              </a:rPr>
-              <a:t>this</a:t>
-            </a:r>
-            <a:r>
-              <a:rPr lang="it-IT" sz="1600" spc="-1" dirty="0">
-                <a:solidFill>
-                  <a:srgbClr val="000000"/>
-                </a:solidFill>
-                <a:latin typeface="Arial"/>
-              </a:rPr>
-              <a:t> project:</a:t>
-            </a:r>
-            <a:endParaRPr lang="it-IT" sz="2000" spc="-1" dirty="0">
-              <a:solidFill>
-                <a:srgbClr val="000000"/>
-              </a:solidFill>
-              <a:latin typeface="Arial"/>
-            </a:endParaRPr>
-          </a:p>
-          <a:p>
-            <a:pPr marL="342900" indent="-342900">
-              <a:lnSpc>
-                <a:spcPct val="115000"/>
-              </a:lnSpc>
-              <a:spcBef>
-                <a:spcPts val="1199"/>
-              </a:spcBef>
-              <a:spcAft>
-                <a:spcPts val="1199"/>
-              </a:spcAft>
-              <a:buFont typeface="+mj-lt"/>
-              <a:buAutoNum type="arabicPeriod"/>
-              <a:tabLst>
-                <a:tab pos="0" algn="l"/>
-              </a:tabLst>
-            </a:pPr>
-            <a:r>
-              <a:rPr lang="it-IT" sz="1400" spc="-1" dirty="0">
-                <a:solidFill>
-                  <a:srgbClr val="000000"/>
-                </a:solidFill>
-                <a:latin typeface="Arial"/>
-              </a:rPr>
-              <a:t>F. </a:t>
-            </a:r>
-            <a:r>
-              <a:rPr lang="it-IT" sz="1400" spc="-1" dirty="0" err="1">
-                <a:solidFill>
-                  <a:srgbClr val="000000"/>
-                </a:solidFill>
-                <a:latin typeface="Arial"/>
-              </a:rPr>
-              <a:t>Chollet</a:t>
-            </a:r>
-            <a:r>
-              <a:rPr lang="it-IT" sz="1400" spc="-1" dirty="0">
-                <a:solidFill>
-                  <a:srgbClr val="000000"/>
-                </a:solidFill>
-                <a:latin typeface="Arial"/>
-              </a:rPr>
-              <a:t>, </a:t>
-            </a:r>
-            <a:r>
-              <a:rPr lang="it-IT" sz="1400" i="1" spc="-1" dirty="0" err="1">
-                <a:solidFill>
-                  <a:srgbClr val="000000"/>
-                </a:solidFill>
-                <a:latin typeface="Arial"/>
-              </a:rPr>
-              <a:t>Keras</a:t>
-            </a:r>
-            <a:r>
-              <a:rPr lang="it-IT" sz="1400" spc="-1" dirty="0">
-                <a:solidFill>
-                  <a:srgbClr val="000000"/>
-                </a:solidFill>
-                <a:latin typeface="Arial"/>
-              </a:rPr>
-              <a:t>, GitHub, </a:t>
-            </a:r>
-            <a:r>
-              <a:rPr lang="it-IT" sz="1400" spc="-1" dirty="0">
-                <a:solidFill>
-                  <a:srgbClr val="000000"/>
-                </a:solidFill>
-                <a:latin typeface="Arial"/>
-                <a:hlinkClick r:id="rId2"/>
-              </a:rPr>
-              <a:t>GitHub Repository</a:t>
-            </a:r>
-            <a:r>
-              <a:rPr lang="it-IT" sz="1400" spc="-1" dirty="0">
-                <a:solidFill>
-                  <a:srgbClr val="000000"/>
-                </a:solidFill>
-                <a:latin typeface="Arial"/>
-              </a:rPr>
-              <a:t>, (2015) </a:t>
-            </a:r>
-            <a:r>
-              <a:rPr lang="it-IT" sz="1400" spc="-1" dirty="0" err="1">
-                <a:solidFill>
-                  <a:srgbClr val="000000"/>
-                </a:solidFill>
-                <a:latin typeface="Arial"/>
-              </a:rPr>
-              <a:t>version</a:t>
-            </a:r>
-            <a:r>
-              <a:rPr lang="it-IT" sz="1400" spc="-1" dirty="0">
-                <a:solidFill>
-                  <a:srgbClr val="000000"/>
-                </a:solidFill>
-                <a:latin typeface="Arial"/>
-              </a:rPr>
-              <a:t> </a:t>
-            </a:r>
-            <a:r>
-              <a:rPr lang="it-IT" sz="1400" spc="-1" dirty="0">
-                <a:solidFill>
-                  <a:srgbClr val="000000"/>
-                </a:solidFill>
-                <a:latin typeface="Arial"/>
-                <a:hlinkClick r:id="rId3"/>
-              </a:rPr>
-              <a:t>3.0.2</a:t>
-            </a:r>
-            <a:endParaRPr lang="it-IT" sz="1400" spc="-1" dirty="0">
-              <a:solidFill>
-                <a:srgbClr val="000000"/>
-              </a:solidFill>
-              <a:latin typeface="Arial"/>
-            </a:endParaRPr>
-          </a:p>
-          <a:p>
-            <a:pPr marL="342900" indent="-342900">
-              <a:lnSpc>
-                <a:spcPct val="115000"/>
-              </a:lnSpc>
-              <a:spcBef>
-                <a:spcPts val="1199"/>
-              </a:spcBef>
-              <a:spcAft>
-                <a:spcPts val="1199"/>
-              </a:spcAft>
-              <a:buFont typeface="+mj-lt"/>
-              <a:buAutoNum type="arabicPeriod"/>
-              <a:tabLst>
-                <a:tab pos="0" algn="l"/>
-              </a:tabLst>
-            </a:pPr>
-            <a:r>
-              <a:rPr lang="it-IT" sz="1400" spc="-1" dirty="0">
-                <a:solidFill>
-                  <a:srgbClr val="000000"/>
-                </a:solidFill>
-                <a:latin typeface="Arial"/>
-              </a:rPr>
-              <a:t>M. Abadi, A. </a:t>
-            </a:r>
-            <a:r>
-              <a:rPr lang="it-IT" sz="1400" spc="-1" dirty="0" err="1">
-                <a:solidFill>
-                  <a:srgbClr val="000000"/>
-                </a:solidFill>
-                <a:latin typeface="Arial"/>
-              </a:rPr>
-              <a:t>Agarwal</a:t>
-            </a:r>
-            <a:r>
-              <a:rPr lang="it-IT" sz="1400" spc="-1" dirty="0">
-                <a:solidFill>
-                  <a:srgbClr val="000000"/>
-                </a:solidFill>
-                <a:latin typeface="Arial"/>
-              </a:rPr>
-              <a:t> et al., 2015, </a:t>
-            </a:r>
-            <a:r>
-              <a:rPr lang="it-IT" sz="1400" i="1" spc="-1" dirty="0" err="1">
-                <a:solidFill>
-                  <a:srgbClr val="000000"/>
-                </a:solidFill>
-                <a:latin typeface="Arial"/>
-              </a:rPr>
-              <a:t>Ten</a:t>
-            </a:r>
-            <a:r>
-              <a:rPr kumimoji="0" lang="it-IT" altLang="it-IT" sz="1400" b="0" i="1" u="none" strike="noStrike" cap="none" normalizeH="0" baseline="0" dirty="0" err="1">
-                <a:ln>
-                  <a:noFill/>
-                </a:ln>
-                <a:solidFill>
-                  <a:schemeClr val="tx1"/>
-                </a:solidFill>
-                <a:effectLst/>
-                <a:latin typeface="Arial Unicode MS"/>
-              </a:rPr>
-              <a:t>sorFlow</a:t>
-            </a:r>
-            <a:r>
-              <a:rPr kumimoji="0" lang="it-IT" altLang="it-IT" sz="1400" b="0" i="1" u="none" strike="noStrike" cap="none" normalizeH="0" baseline="0" dirty="0">
-                <a:ln>
-                  <a:noFill/>
-                </a:ln>
-                <a:solidFill>
-                  <a:schemeClr val="tx1"/>
-                </a:solidFill>
-                <a:effectLst/>
-                <a:latin typeface="Arial Unicode MS"/>
-              </a:rPr>
-              <a:t>: Large-scale machine learning on </a:t>
-            </a:r>
-            <a:r>
-              <a:rPr kumimoji="0" lang="it-IT" altLang="it-IT" sz="1400" b="0" i="1" u="none" strike="noStrike" cap="none" normalizeH="0" baseline="0" dirty="0" err="1">
-                <a:ln>
-                  <a:noFill/>
-                </a:ln>
-                <a:solidFill>
-                  <a:schemeClr val="tx1"/>
-                </a:solidFill>
-                <a:effectLst/>
-                <a:latin typeface="Arial Unicode MS"/>
-              </a:rPr>
-              <a:t>heterogeneous</a:t>
-            </a:r>
-            <a:r>
-              <a:rPr kumimoji="0" lang="it-IT" altLang="it-IT" sz="1400" b="0" i="1" u="none" strike="noStrike" cap="none" normalizeH="0" baseline="0" dirty="0">
-                <a:ln>
-                  <a:noFill/>
-                </a:ln>
-                <a:solidFill>
-                  <a:schemeClr val="tx1"/>
-                </a:solidFill>
-                <a:effectLst/>
-                <a:latin typeface="Arial Unicode MS"/>
-              </a:rPr>
-              <a:t> systems</a:t>
-            </a:r>
-            <a:r>
-              <a:rPr kumimoji="0" lang="it-IT" altLang="it-IT" sz="1400" b="0" i="0" u="none" strike="noStrike" cap="none" normalizeH="0" baseline="0" dirty="0">
-                <a:ln>
-                  <a:noFill/>
-                </a:ln>
-                <a:solidFill>
-                  <a:schemeClr val="tx1"/>
-                </a:solidFill>
-                <a:effectLst/>
-                <a:latin typeface="Arial Unicode MS"/>
-              </a:rPr>
-              <a:t>. </a:t>
-            </a:r>
-            <a:r>
-              <a:rPr kumimoji="0" lang="it-IT" altLang="it-IT" sz="1400" b="0" i="0" u="none" strike="noStrike" cap="none" normalizeH="0" baseline="0" dirty="0">
-                <a:ln>
-                  <a:noFill/>
-                </a:ln>
-                <a:solidFill>
-                  <a:schemeClr val="tx1"/>
-                </a:solidFill>
-                <a:effectLst/>
-                <a:latin typeface="Arial Unicode MS"/>
-                <a:hlinkClick r:id="rId4"/>
-              </a:rPr>
-              <a:t>www.tensorflow.org</a:t>
-            </a:r>
-            <a:endParaRPr lang="it-IT" sz="1400" spc="-1" dirty="0">
-              <a:solidFill>
-                <a:srgbClr val="000000"/>
-              </a:solidFill>
-              <a:latin typeface="Arial"/>
-            </a:endParaRPr>
-          </a:p>
-          <a:p>
-            <a:pPr marL="342900" indent="-342900">
-              <a:lnSpc>
-                <a:spcPct val="115000"/>
-              </a:lnSpc>
-              <a:spcBef>
-                <a:spcPts val="1199"/>
-              </a:spcBef>
-              <a:spcAft>
-                <a:spcPts val="1199"/>
-              </a:spcAft>
-              <a:buFont typeface="+mj-lt"/>
-              <a:buAutoNum type="arabicPeriod"/>
-              <a:tabLst>
-                <a:tab pos="0" algn="l"/>
-              </a:tabLst>
-            </a:pPr>
-            <a:r>
-              <a:rPr lang="it-IT" sz="1400" spc="-1" dirty="0">
-                <a:solidFill>
-                  <a:srgbClr val="000000"/>
-                </a:solidFill>
-                <a:latin typeface="Arial"/>
-              </a:rPr>
-              <a:t>F. </a:t>
-            </a:r>
-            <a:r>
-              <a:rPr lang="it-IT" sz="1400" spc="-1" dirty="0" err="1">
-                <a:solidFill>
-                  <a:srgbClr val="000000"/>
-                </a:solidFill>
-                <a:latin typeface="Arial"/>
-              </a:rPr>
-              <a:t>Pedergosa</a:t>
-            </a:r>
-            <a:r>
-              <a:rPr lang="it-IT" sz="1400" spc="-1" dirty="0">
-                <a:solidFill>
-                  <a:srgbClr val="000000"/>
-                </a:solidFill>
-                <a:latin typeface="Arial"/>
-              </a:rPr>
-              <a:t>, G. </a:t>
-            </a:r>
-            <a:r>
-              <a:rPr lang="it-IT" sz="1400" spc="-1" dirty="0" err="1">
-                <a:solidFill>
-                  <a:srgbClr val="000000"/>
-                </a:solidFill>
-                <a:latin typeface="Arial"/>
-              </a:rPr>
-              <a:t>Varoquaux</a:t>
-            </a:r>
-            <a:r>
-              <a:rPr lang="it-IT" sz="1400" spc="-1" dirty="0">
-                <a:solidFill>
-                  <a:srgbClr val="000000"/>
-                </a:solidFill>
-                <a:latin typeface="Arial"/>
-              </a:rPr>
-              <a:t> et al, </a:t>
-            </a:r>
-            <a:r>
-              <a:rPr lang="it-IT" sz="1400" i="1" spc="-1" dirty="0" err="1">
-                <a:solidFill>
-                  <a:srgbClr val="000000"/>
-                </a:solidFill>
-                <a:latin typeface="Arial"/>
-              </a:rPr>
-              <a:t>Scikit-learn</a:t>
-            </a:r>
-            <a:r>
-              <a:rPr lang="it-IT" sz="1400" i="1" spc="-1" dirty="0">
-                <a:solidFill>
-                  <a:srgbClr val="000000"/>
-                </a:solidFill>
-                <a:latin typeface="Arial"/>
-              </a:rPr>
-              <a:t>: Machine Learning in Python</a:t>
-            </a:r>
-            <a:r>
-              <a:rPr lang="it-IT" sz="1400" spc="-1" dirty="0">
-                <a:solidFill>
-                  <a:srgbClr val="000000"/>
-                </a:solidFill>
-                <a:latin typeface="Arial"/>
-              </a:rPr>
-              <a:t>, JMLR, 12(</a:t>
-            </a:r>
-            <a:r>
-              <a:rPr lang="it-IT" sz="1400" spc="-1" dirty="0" err="1">
-                <a:solidFill>
-                  <a:srgbClr val="000000"/>
-                </a:solidFill>
-                <a:latin typeface="Arial"/>
-              </a:rPr>
-              <a:t>Oct</a:t>
-            </a:r>
-            <a:r>
-              <a:rPr lang="it-IT" sz="1400" spc="-1" dirty="0">
-                <a:solidFill>
-                  <a:srgbClr val="000000"/>
-                </a:solidFill>
-                <a:latin typeface="Arial"/>
-              </a:rPr>
-              <a:t>), (2011), pp.2825-2830 </a:t>
-            </a:r>
-          </a:p>
-          <a:p>
-            <a:pPr marL="342900" indent="-342900">
-              <a:lnSpc>
-                <a:spcPct val="115000"/>
-              </a:lnSpc>
-              <a:spcBef>
-                <a:spcPts val="1199"/>
-              </a:spcBef>
-              <a:spcAft>
-                <a:spcPts val="1199"/>
-              </a:spcAft>
-              <a:buFont typeface="+mj-lt"/>
-              <a:buAutoNum type="arabicPeriod"/>
-              <a:tabLst>
-                <a:tab pos="0" algn="l"/>
-              </a:tabLst>
-            </a:pPr>
-            <a:r>
-              <a:rPr lang="it-IT" sz="1400" spc="-1" dirty="0">
-                <a:solidFill>
-                  <a:srgbClr val="000000"/>
-                </a:solidFill>
-                <a:latin typeface="Arial"/>
-              </a:rPr>
-              <a:t>A. Garcia </a:t>
-            </a:r>
-            <a:r>
-              <a:rPr lang="it-IT" sz="1400" spc="-1" dirty="0" err="1">
-                <a:solidFill>
-                  <a:srgbClr val="000000"/>
-                </a:solidFill>
-                <a:latin typeface="Arial"/>
-              </a:rPr>
-              <a:t>Badaracco</a:t>
-            </a:r>
-            <a:r>
-              <a:rPr lang="it-IT" sz="1400" spc="-1" dirty="0">
-                <a:solidFill>
-                  <a:srgbClr val="000000"/>
-                </a:solidFill>
-                <a:latin typeface="Arial"/>
-              </a:rPr>
-              <a:t> et al, </a:t>
-            </a:r>
-            <a:r>
-              <a:rPr lang="it-IT" sz="1400" i="1" spc="-1" dirty="0" err="1">
-                <a:solidFill>
-                  <a:srgbClr val="000000"/>
-                </a:solidFill>
-                <a:latin typeface="Arial"/>
-              </a:rPr>
-              <a:t>SciKeras</a:t>
-            </a:r>
-            <a:r>
-              <a:rPr lang="it-IT" sz="1400" i="1" spc="-1" dirty="0">
-                <a:solidFill>
-                  <a:srgbClr val="000000"/>
-                </a:solidFill>
-                <a:latin typeface="Arial"/>
-              </a:rPr>
-              <a:t>: </a:t>
-            </a:r>
-            <a:r>
-              <a:rPr lang="it-IT" sz="1400" i="1" spc="-1" dirty="0" err="1">
-                <a:solidFill>
-                  <a:srgbClr val="000000"/>
-                </a:solidFill>
-                <a:latin typeface="Arial"/>
-              </a:rPr>
-              <a:t>Scikit-Learn</a:t>
-            </a:r>
-            <a:r>
-              <a:rPr lang="it-IT" sz="1400" i="1" spc="-1" dirty="0">
-                <a:solidFill>
-                  <a:srgbClr val="000000"/>
-                </a:solidFill>
-                <a:latin typeface="Arial"/>
-              </a:rPr>
-              <a:t> </a:t>
-            </a:r>
-            <a:r>
-              <a:rPr lang="it-IT" sz="1400" i="1" spc="-1" dirty="0" err="1">
-                <a:solidFill>
-                  <a:srgbClr val="000000"/>
-                </a:solidFill>
-                <a:latin typeface="Arial"/>
-              </a:rPr>
-              <a:t>wrapper</a:t>
-            </a:r>
-            <a:r>
-              <a:rPr lang="it-IT" sz="1400" i="1" spc="-1" dirty="0">
-                <a:solidFill>
-                  <a:srgbClr val="000000"/>
-                </a:solidFill>
-                <a:latin typeface="Arial"/>
-              </a:rPr>
-              <a:t> for </a:t>
-            </a:r>
-            <a:r>
-              <a:rPr lang="it-IT" sz="1400" i="1" spc="-1" dirty="0" err="1">
-                <a:solidFill>
-                  <a:srgbClr val="000000"/>
-                </a:solidFill>
-                <a:latin typeface="Arial"/>
-              </a:rPr>
-              <a:t>Keras</a:t>
-            </a:r>
-            <a:r>
-              <a:rPr lang="it-IT" sz="1400" spc="-1" dirty="0">
-                <a:solidFill>
-                  <a:srgbClr val="000000"/>
-                </a:solidFill>
-                <a:latin typeface="Arial"/>
-              </a:rPr>
-              <a:t>, GitHub, </a:t>
-            </a:r>
-            <a:r>
-              <a:rPr lang="it-IT" sz="1400" spc="-1" dirty="0">
-                <a:solidFill>
-                  <a:srgbClr val="000000"/>
-                </a:solidFill>
-                <a:latin typeface="Arial"/>
-                <a:hlinkClick r:id="rId5"/>
-              </a:rPr>
-              <a:t>GitHub Repository</a:t>
-            </a:r>
-            <a:r>
-              <a:rPr lang="it-IT" sz="1400" spc="-1" dirty="0">
-                <a:solidFill>
-                  <a:srgbClr val="000000"/>
-                </a:solidFill>
-                <a:latin typeface="Arial"/>
-              </a:rPr>
-              <a:t>, (2020) </a:t>
-            </a:r>
-            <a:r>
-              <a:rPr lang="it-IT" sz="1400" spc="-1" dirty="0" err="1">
-                <a:solidFill>
-                  <a:srgbClr val="000000"/>
-                </a:solidFill>
-                <a:latin typeface="Arial"/>
-              </a:rPr>
-              <a:t>version</a:t>
-            </a:r>
-            <a:r>
-              <a:rPr lang="it-IT" sz="1400" spc="-1" dirty="0">
-                <a:solidFill>
-                  <a:srgbClr val="000000"/>
-                </a:solidFill>
-                <a:latin typeface="Arial"/>
-              </a:rPr>
-              <a:t> </a:t>
-            </a:r>
-            <a:r>
-              <a:rPr lang="it-IT" sz="1400" i="1" spc="-1" dirty="0">
-                <a:solidFill>
-                  <a:srgbClr val="000000"/>
-                </a:solidFill>
-                <a:latin typeface="Arial"/>
-              </a:rPr>
-              <a:t> </a:t>
-            </a:r>
-            <a:r>
-              <a:rPr lang="it-IT" sz="1400" spc="-1" dirty="0">
-                <a:solidFill>
-                  <a:srgbClr val="000000"/>
-                </a:solidFill>
-                <a:latin typeface="Arial"/>
-                <a:hlinkClick r:id="rId6"/>
-              </a:rPr>
-              <a:t>0.12.0</a:t>
-            </a:r>
-            <a:endParaRPr lang="it-IT" sz="1400" spc="-1" dirty="0">
-              <a:solidFill>
-                <a:srgbClr val="000000"/>
-              </a:solidFill>
-              <a:latin typeface="Arial"/>
-            </a:endParaRPr>
-          </a:p>
-        </p:txBody>
-      </p:sp>
-      <p:sp>
-        <p:nvSpPr>
-          <p:cNvPr id="119" name="PlaceHolder 3"/>
-          <p:cNvSpPr>
-            <a:spLocks noGrp="1"/>
-          </p:cNvSpPr>
-          <p:nvPr>
-            <p:ph type="sldNum" idx="13"/>
-          </p:nvPr>
-        </p:nvSpPr>
-        <p:spPr>
-          <a:xfrm>
-            <a:off x="8472600" y="4663080"/>
-            <a:ext cx="548280" cy="393120"/>
-          </a:xfrm>
-          <a:prstGeom prst="rect">
-            <a:avLst/>
-          </a:prstGeom>
-          <a:noFill/>
-          <a:ln w="0">
-            <a:noFill/>
-          </a:ln>
-        </p:spPr>
-        <p:txBody>
-          <a:bodyPr tIns="91440" bIns="91440" anchor="ctr">
-            <a:normAutofit/>
-          </a:bodyPr>
-          <a:lstStyle>
-            <a:lvl1pPr algn="r">
-              <a:lnSpc>
-                <a:spcPct val="100000"/>
-              </a:lnSpc>
-              <a:buNone/>
-              <a:tabLst>
-                <a:tab pos="0" algn="l"/>
-              </a:tabLst>
-              <a:defRPr lang="it" sz="1000" b="0" strike="noStrike" spc="-1">
-                <a:solidFill>
-                  <a:srgbClr val="595959"/>
-                </a:solidFill>
-                <a:latin typeface="Arial"/>
-                <a:ea typeface="Arial"/>
-              </a:defRPr>
-            </a:lvl1pPr>
-          </a:lstStyle>
-          <a:p>
-            <a:pPr algn="r">
-              <a:lnSpc>
-                <a:spcPct val="100000"/>
-              </a:lnSpc>
-              <a:buNone/>
-              <a:tabLst>
-                <a:tab pos="0" algn="l"/>
-              </a:tabLst>
-            </a:pPr>
-            <a:fld id="{F1974EC4-68EB-45C8-A197-A860EB4D25E8}" type="slidenum">
-              <a:rPr lang="it" sz="1000" b="0" strike="noStrike" spc="-1">
-                <a:solidFill>
-                  <a:srgbClr val="595959"/>
-                </a:solidFill>
-                <a:latin typeface="Arial"/>
-                <a:ea typeface="Arial"/>
-              </a:rPr>
-              <a:t>16</a:t>
-            </a:fld>
-            <a:endParaRPr lang="it-IT" sz="1000" b="0" strike="noStrike" spc="-1">
-              <a:latin typeface="Times New Roman"/>
-            </a:endParaRPr>
-          </a:p>
-        </p:txBody>
-      </p:sp>
-    </p:spTree>
   </p:cSld>
   <p:clrMapOvr>
     <a:masterClrMapping/>
@@ -9881,7 +9758,7 @@
       </p:grpSpPr>
       <p:sp>
         <p:nvSpPr>
-          <p:cNvPr id="120" name="PlaceHolder 1"/>
+          <p:cNvPr id="111" name="PlaceHolder 1"/>
           <p:cNvSpPr>
             <a:spLocks noGrp="1"/>
           </p:cNvSpPr>
@@ -9891,8 +9768,8 @@
         </p:nvSpPr>
         <p:spPr>
           <a:xfrm>
-            <a:off x="311760" y="444960"/>
-            <a:ext cx="8520120" cy="855000"/>
+            <a:off x="311760" y="2700"/>
+            <a:ext cx="8520120" cy="572400"/>
           </a:xfrm>
           <a:prstGeom prst="rect">
             <a:avLst/>
@@ -9904,7 +9781,7 @@
         </p:spPr>
         <p:txBody>
           <a:bodyPr tIns="91440" bIns="91440" anchor="t">
-            <a:normAutofit fontScale="90000"/>
+            <a:normAutofit fontScale="91000"/>
           </a:bodyPr>
           <a:lstStyle/>
           <a:p>
@@ -9918,22 +9795,290 @@
               </a:tabLst>
             </a:pPr>
             <a:r>
-              <a:rPr lang="it" sz="2700" b="0" strike="noStrike" spc="-1" dirty="0">
+              <a:rPr lang="it" sz="2600" b="0" strike="noStrike" spc="-1" dirty="0">
                 <a:solidFill>
                   <a:srgbClr val="000000"/>
                 </a:solidFill>
                 <a:latin typeface="Arial"/>
                 <a:ea typeface="Arial"/>
               </a:rPr>
-              <a:t>Appendix - not shown in the time slot</a:t>
-            </a:r>
-            <a:endParaRPr lang="it-IT" sz="2700" b="0" strike="noStrike" spc="-1" dirty="0">
+              <a:t>Discussion (may be more slides)</a:t>
+            </a:r>
+            <a:endParaRPr lang="it-IT" sz="2400" b="0" strike="noStrike" spc="-1" dirty="0">
               <a:solidFill>
                 <a:srgbClr val="000000"/>
               </a:solidFill>
               <a:latin typeface="Arial"/>
             </a:endParaRPr>
           </a:p>
+        </p:txBody>
+      </p:sp>
+      <p:sp>
+        <p:nvSpPr>
+          <p:cNvPr id="112" name="PlaceHolder 2"/>
+          <p:cNvSpPr>
+            <a:spLocks noGrp="1"/>
+          </p:cNvSpPr>
+          <p:nvPr>
+            <p:ph/>
+          </p:nvPr>
+        </p:nvSpPr>
+        <p:spPr>
+          <a:xfrm>
+            <a:off x="311760" y="1152360"/>
+            <a:ext cx="8520120" cy="3416040"/>
+          </a:xfrm>
+          <a:prstGeom prst="rect">
+            <a:avLst/>
+          </a:prstGeom>
+          <a:noFill/>
+          <a:ln w="0">
+            <a:noFill/>
+          </a:ln>
+        </p:spPr>
+        <p:txBody>
+          <a:bodyPr tIns="91440" bIns="91440" anchor="t">
+            <a:normAutofit/>
+          </a:bodyPr>
+          <a:lstStyle/>
+          <a:p>
+            <a:pPr>
+              <a:lnSpc>
+                <a:spcPct val="115000"/>
+              </a:lnSpc>
+              <a:buNone/>
+              <a:tabLst>
+                <a:tab pos="0" algn="l"/>
+              </a:tabLst>
+            </a:pPr>
+            <a:r>
+              <a:rPr lang="it" sz="1800" b="0" strike="noStrike" spc="-1" dirty="0">
+                <a:solidFill>
+                  <a:srgbClr val="000000"/>
+                </a:solidFill>
+                <a:latin typeface="Arial"/>
+                <a:ea typeface="Arial"/>
+              </a:rPr>
+              <a:t>Discuss whether any proposed techniques or novelties  improved or not the results, in terms of any performance (efficacy, efficiency, …) </a:t>
+            </a:r>
+            <a:endParaRPr lang="it-IT" sz="1800" b="0" strike="noStrike" spc="-1" dirty="0">
+              <a:solidFill>
+                <a:srgbClr val="000000"/>
+              </a:solidFill>
+              <a:latin typeface="Arial"/>
+            </a:endParaRPr>
+          </a:p>
+          <a:p>
+            <a:pPr marL="457200" indent="-317520">
+              <a:lnSpc>
+                <a:spcPct val="115000"/>
+              </a:lnSpc>
+              <a:spcBef>
+                <a:spcPts val="1199"/>
+              </a:spcBef>
+              <a:buClr>
+                <a:srgbClr val="000000"/>
+              </a:buClr>
+              <a:buFont typeface="Calibri"/>
+              <a:buChar char="●"/>
+              <a:tabLst>
+                <a:tab pos="0" algn="l"/>
+              </a:tabLst>
+            </a:pPr>
+            <a:r>
+              <a:rPr lang="it" sz="1400" b="0" strike="noStrike" spc="-1" dirty="0">
+                <a:solidFill>
+                  <a:srgbClr val="000000"/>
+                </a:solidFill>
+                <a:latin typeface="Calibri"/>
+                <a:ea typeface="Calibri"/>
+              </a:rPr>
+              <a:t>Don’t forget to empathize the novelties that you introduced in your model (prj A or B) or used advanced techniques (prj B) w.r.t. to the results and/or any significant/critical analyses and any interesting finding/insight</a:t>
+            </a:r>
+            <a:endParaRPr lang="it-IT" sz="1400" b="0" strike="noStrike" spc="-1" dirty="0">
+              <a:solidFill>
+                <a:srgbClr val="000000"/>
+              </a:solidFill>
+              <a:latin typeface="Arial"/>
+            </a:endParaRPr>
+          </a:p>
+          <a:p>
+            <a:pPr marL="457200" indent="-317520">
+              <a:lnSpc>
+                <a:spcPct val="115000"/>
+              </a:lnSpc>
+              <a:buClr>
+                <a:srgbClr val="000000"/>
+              </a:buClr>
+              <a:buFont typeface="Calibri"/>
+              <a:buChar char="●"/>
+              <a:tabLst>
+                <a:tab pos="0" algn="l"/>
+              </a:tabLst>
+            </a:pPr>
+            <a:r>
+              <a:rPr lang="it" sz="1400" b="0" strike="noStrike" spc="-1" dirty="0">
+                <a:solidFill>
+                  <a:srgbClr val="000000"/>
+                </a:solidFill>
+                <a:latin typeface="Calibri"/>
+                <a:ea typeface="Calibri"/>
+              </a:rPr>
+              <a:t>I.e: don’t forget a “Discussion/Analysis” answering “what did you learn?” on the Models/Hyperparameters/Results/Efficacy/Efficiency, selecting/highlighting what is more significant in your opinion (time and space constraints helps!)</a:t>
+            </a:r>
+            <a:endParaRPr lang="it-IT" sz="1400" b="0" strike="noStrike" spc="-1" dirty="0">
+              <a:solidFill>
+                <a:srgbClr val="000000"/>
+              </a:solidFill>
+              <a:latin typeface="Arial"/>
+            </a:endParaRPr>
+          </a:p>
+          <a:p>
+            <a:pPr>
+              <a:lnSpc>
+                <a:spcPct val="115000"/>
+              </a:lnSpc>
+              <a:spcAft>
+                <a:spcPts val="1199"/>
+              </a:spcAft>
+              <a:buNone/>
+              <a:tabLst>
+                <a:tab pos="0" algn="l"/>
+              </a:tabLst>
+            </a:pPr>
+            <a:endParaRPr lang="it-IT" sz="1400" b="0" strike="noStrike" spc="-1" dirty="0">
+              <a:solidFill>
+                <a:srgbClr val="000000"/>
+              </a:solidFill>
+              <a:latin typeface="Arial"/>
+            </a:endParaRPr>
+          </a:p>
+        </p:txBody>
+      </p:sp>
+      <p:sp>
+        <p:nvSpPr>
+          <p:cNvPr id="113" name="PlaceHolder 3"/>
+          <p:cNvSpPr>
+            <a:spLocks noGrp="1"/>
+          </p:cNvSpPr>
+          <p:nvPr>
+            <p:ph type="sldNum" idx="11"/>
+          </p:nvPr>
+        </p:nvSpPr>
+        <p:spPr>
+          <a:xfrm>
+            <a:off x="8472600" y="4663080"/>
+            <a:ext cx="548280" cy="393120"/>
+          </a:xfrm>
+          <a:prstGeom prst="rect">
+            <a:avLst/>
+          </a:prstGeom>
+          <a:noFill/>
+          <a:ln w="0">
+            <a:noFill/>
+          </a:ln>
+        </p:spPr>
+        <p:txBody>
+          <a:bodyPr tIns="91440" bIns="91440" anchor="ctr">
+            <a:normAutofit/>
+          </a:bodyPr>
+          <a:lstStyle>
+            <a:lvl1pPr algn="r">
+              <a:lnSpc>
+                <a:spcPct val="100000"/>
+              </a:lnSpc>
+              <a:buNone/>
+              <a:tabLst>
+                <a:tab pos="0" algn="l"/>
+              </a:tabLst>
+              <a:defRPr lang="it" sz="1000" b="0" strike="noStrike" spc="-1">
+                <a:solidFill>
+                  <a:srgbClr val="595959"/>
+                </a:solidFill>
+                <a:latin typeface="Arial"/>
+                <a:ea typeface="Arial"/>
+              </a:defRPr>
+            </a:lvl1pPr>
+          </a:lstStyle>
+          <a:p>
+            <a:pPr algn="r">
+              <a:lnSpc>
+                <a:spcPct val="100000"/>
+              </a:lnSpc>
+              <a:buNone/>
+              <a:tabLst>
+                <a:tab pos="0" algn="l"/>
+              </a:tabLst>
+            </a:pPr>
+            <a:fld id="{EB566EBC-D211-4A49-9CB5-B894905094F3}" type="slidenum">
+              <a:rPr lang="it" sz="1000" b="0" strike="noStrike" spc="-1">
+                <a:solidFill>
+                  <a:srgbClr val="595959"/>
+                </a:solidFill>
+                <a:latin typeface="Arial"/>
+                <a:ea typeface="Arial"/>
+              </a:rPr>
+              <a:t>17</a:t>
+            </a:fld>
+            <a:endParaRPr lang="it-IT" sz="1000" b="0" strike="noStrike" spc="-1">
+              <a:latin typeface="Times New Roman"/>
+            </a:endParaRPr>
+          </a:p>
+        </p:txBody>
+      </p:sp>
+    </p:spTree>
+  </p:cSld>
+  <p:clrMapOvr>
+    <a:masterClrMapping/>
+  </p:clrMapOvr>
+</p:sld>
+</file>
+
+<file path=ppt/slides/slide18.xml><?xml version="1.0" encoding="utf-8"?>
+<p:sld xmlns:a="http://schemas.openxmlformats.org/drawingml/2006/main" xmlns:r="http://schemas.openxmlformats.org/officeDocument/2006/relationships" xmlns:p="http://schemas.openxmlformats.org/presentationml/2006/main">
+  <p:cSld>
+    <p:spTree>
+      <p:nvGrpSpPr>
+        <p:cNvPr id="1" name=""/>
+        <p:cNvGrpSpPr/>
+        <p:nvPr/>
+      </p:nvGrpSpPr>
+      <p:grpSpPr>
+        <a:xfrm>
+          <a:off x="0" y="0"/>
+          <a:ext cx="0" cy="0"/>
+          <a:chOff x="0" y="0"/>
+          <a:chExt cx="0" cy="0"/>
+        </a:xfrm>
+      </p:grpSpPr>
+      <p:sp>
+        <p:nvSpPr>
+          <p:cNvPr id="114" name="PlaceHolder 1"/>
+          <p:cNvSpPr>
+            <a:spLocks noGrp="1"/>
+          </p:cNvSpPr>
+          <p:nvPr>
+            <p:ph type="title"/>
+          </p:nvPr>
+        </p:nvSpPr>
+        <p:spPr>
+          <a:xfrm>
+            <a:off x="311760" y="2700"/>
+            <a:ext cx="8520120" cy="572400"/>
+          </a:xfrm>
+          <a:prstGeom prst="rect">
+            <a:avLst/>
+          </a:prstGeom>
+          <a:noFill/>
+          <a:ln w="0">
+            <a:noFill/>
+          </a:ln>
+        </p:spPr>
+        <p:txBody>
+          <a:bodyPr tIns="91440" bIns="91440" anchor="t">
+            <a:normAutofit fontScale="91000"/>
+          </a:bodyPr>
+          <a:lstStyle/>
           <a:p>
             <a:pPr>
               <a:lnSpc>
@@ -9945,26 +10090,36 @@
               </a:tabLst>
             </a:pPr>
             <a:r>
-              <a:rPr lang="it" sz="2800" b="0" strike="noStrike" spc="-1" dirty="0">
+              <a:rPr lang="it" sz="2600" b="0" strike="noStrike" spc="-1" dirty="0">
                 <a:solidFill>
                   <a:srgbClr val="000000"/>
                 </a:solidFill>
                 <a:latin typeface="Arial"/>
                 <a:ea typeface="Arial"/>
               </a:rPr>
-              <a:t> </a:t>
-            </a:r>
-            <a:r>
-              <a:rPr lang="it" sz="2000" b="0" strike="noStrike" spc="-1" dirty="0">
-                <a:solidFill>
-                  <a:srgbClr val="000000"/>
+              <a:t>Conclusions [</a:t>
+            </a:r>
+            <a:r>
+              <a:rPr lang="it" sz="2600" b="0" strike="noStrike" spc="-1" dirty="0">
+                <a:solidFill>
+                  <a:srgbClr val="FF0000"/>
                 </a:solidFill>
                 <a:latin typeface="Arial"/>
                 <a:ea typeface="Arial"/>
               </a:rPr>
-              <a:t>(may be many slides, but still use a reasonable number) </a:t>
-            </a:r>
-            <a:endParaRPr lang="it-IT" sz="2250" b="0" strike="noStrike" spc="-1" dirty="0">
+              <a:t>fare</a:t>
+            </a:r>
+            <a:r>
+              <a:rPr lang="it" sz="2600" b="0" strike="noStrike" spc="-1" dirty="0">
+                <a:solidFill>
+                  <a:srgbClr val="000000"/>
+                </a:solidFill>
+                <a:latin typeface="Arial"/>
+                <a:ea typeface="Arial"/>
+              </a:rPr>
+              <a:t>]</a:t>
+            </a:r>
+            <a:endParaRPr lang="it-IT" sz="2400" b="0" strike="noStrike" spc="-1" dirty="0">
               <a:solidFill>
                 <a:srgbClr val="000000"/>
               </a:solidFill>
@@ -9975,7 +10130,7 @@
       </p:sp>
       <p:sp>
         <p:nvSpPr>
-          <p:cNvPr id="121" name="PlaceHolder 2"/>
+          <p:cNvPr id="115" name="PlaceHolder 2"/>
           <p:cNvSpPr>
             <a:spLocks noGrp="1"/>
           </p:cNvSpPr>
@@ -9985,8 +10140,8 @@
         </p:nvSpPr>
         <p:spPr>
           <a:xfrm>
-            <a:off x="344160" y="1468800"/>
-            <a:ext cx="8520120" cy="3093480"/>
+            <a:off x="311760" y="1152360"/>
+            <a:ext cx="8520120" cy="3416040"/>
           </a:xfrm>
           <a:prstGeom prst="rect">
             <a:avLst/>
@@ -10001,63 +10156,6 @@
             <a:normAutofit/>
           </a:bodyPr>
           <a:lstStyle/>
-          <a:p>
-            <a:pPr>
-              <a:lnSpc>
-                <a:spcPct val="115000"/>
-              </a:lnSpc>
-              <a:buNone/>
-              <a:tabLst>
-                <a:tab pos="0" algn="l"/>
-              </a:tabLst>
-            </a:pPr>
-            <a:r>
-              <a:rPr lang="it" sz="1800" b="0" strike="noStrike" spc="-1">
-                <a:solidFill>
-                  <a:srgbClr val="595959"/>
-                </a:solidFill>
-                <a:latin typeface="Arial"/>
-                <a:ea typeface="Arial"/>
-              </a:rPr>
-              <a:t>Material that is complementary to your presentation, but not directly presented: </a:t>
-            </a:r>
-            <a:r>
-              <a:rPr lang="it" sz="1100" b="0" strike="noStrike" spc="-1">
-                <a:solidFill>
-                  <a:srgbClr val="000000"/>
-                </a:solidFill>
-                <a:latin typeface="Arial"/>
-                <a:ea typeface="Arial"/>
-              </a:rPr>
-              <a:t>·</a:t>
-            </a:r>
-            <a:r>
-              <a:rPr lang="it" sz="700" b="0" strike="noStrike" spc="-1">
-                <a:solidFill>
-                  <a:srgbClr val="000000"/>
-                </a:solidFill>
-                <a:latin typeface="Times New Roman"/>
-                <a:ea typeface="Times New Roman"/>
-              </a:rPr>
-              <a:t>         </a:t>
-            </a:r>
-            <a:r>
-              <a:rPr lang="it" sz="1100" b="0" strike="noStrike" spc="-1">
-                <a:solidFill>
-                  <a:srgbClr val="000000"/>
-                </a:solidFill>
-                <a:latin typeface="Arial"/>
-                <a:ea typeface="Arial"/>
-              </a:rPr>
-              <a:t>Use appendix for large or other tables or plots (if needed); the slides out of the limit will be not necessarily read and therefore not necessarily evaluated!!! </a:t>
-            </a:r>
-            <a:endParaRPr lang="it-IT" sz="1100" b="0" strike="noStrike" spc="-1">
-              <a:solidFill>
-                <a:srgbClr val="000000"/>
-              </a:solidFill>
-              <a:latin typeface="Arial"/>
-            </a:endParaRPr>
-          </a:p>
           <a:p>
             <a:pPr>
               <a:lnSpc>
@@ -10074,12 +10172,42 @@
             <a:r>
               <a:rPr lang="it" sz="1800" b="0" strike="noStrike" spc="-1">
                 <a:solidFill>
-                  <a:srgbClr val="595959"/>
+                  <a:srgbClr val="000000"/>
                 </a:solidFill>
                 <a:latin typeface="Arial"/>
                 <a:ea typeface="Arial"/>
               </a:rPr>
-              <a:t>Can be used to answer some questions during the oral discussion of the project</a:t>
+              <a:t>What you have drawn and what you learned (in short)</a:t>
+            </a:r>
+            <a:endParaRPr lang="it-IT" sz="1800" b="0" strike="noStrike" spc="-1">
+              <a:solidFill>
+                <a:srgbClr val="000000"/>
+              </a:solidFill>
+              <a:latin typeface="Arial"/>
+            </a:endParaRPr>
+          </a:p>
+          <a:p>
+            <a:pPr>
+              <a:lnSpc>
+                <a:spcPct val="115000"/>
+              </a:lnSpc>
+              <a:spcBef>
+                <a:spcPts val="1199"/>
+              </a:spcBef>
+              <a:buNone/>
+              <a:tabLst>
+                <a:tab pos="0" algn="l"/>
+              </a:tabLst>
+            </a:pPr>
+            <a:r>
+              <a:rPr lang="it" sz="1800" b="0" strike="noStrike" spc="-1">
+                <a:solidFill>
+                  <a:srgbClr val="000000"/>
+                </a:solidFill>
+                <a:latin typeface="Arial"/>
+                <a:ea typeface="Arial"/>
+              </a:rPr>
+              <a:t>Blind Test Results: name of the result files and your nickname</a:t>
             </a:r>
             <a:endParaRPr lang="it-IT" sz="1800" b="0" strike="noStrike" spc="-1">
               <a:solidFill>
@@ -10104,16 +10232,6 @@
                 <a:tab pos="0" algn="l"/>
               </a:tabLst>
             </a:pPr>
-            <a:r>
-              <a:rPr lang="it" sz="1800" b="0" strike="noStrike" spc="-1">
-                <a:solidFill>
-                  <a:srgbClr val="595959"/>
-                </a:solidFill>
-                <a:latin typeface="Arial"/>
-                <a:ea typeface="Arial"/>
-              </a:rPr>
-              <a:t>In the appendix you can use a smaller font (although readable. e.g. ≥11) and even smaller for tables </a:t>
-            </a:r>
             <a:endParaRPr lang="it-IT" sz="1800" b="0" strike="noStrike" spc="-1">
               <a:solidFill>
                 <a:srgbClr val="000000"/>
@@ -10125,12 +10243,12 @@
       </p:sp>
       <p:sp>
         <p:nvSpPr>
-          <p:cNvPr id="122" name="PlaceHolder 3"/>
+          <p:cNvPr id="116" name="PlaceHolder 3"/>
           <p:cNvSpPr>
             <a:spLocks noGrp="1"/>
           </p:cNvSpPr>
           <p:nvPr>
-            <p:ph type="sldNum" idx="14"/>
+            <p:ph type="sldNum" idx="12"/>
           </p:nvPr>
         </p:nvSpPr>
         <p:spPr>
@@ -10178,7 +10296,7 @@
                 <a:tab pos="0" algn="l"/>
               </a:tabLst>
             </a:pPr>
-            <a:fld id="{25B94CD5-D627-49BE-818E-4A00F2BB16DF}" type="slidenum">
+            <a:fld id="{0290D2CD-F684-4A0F-9162-8897609F2911}" type="slidenum">
               <a:rPr lang="it" sz="1000" b="0" strike="noStrike" spc="-1">
                 <a:solidFill>
                   <a:srgbClr val="595959"/>
@@ -10186,7 +10304,7 @@
                 <a:latin typeface="Arial"/>
                 <a:ea typeface="Arial"/>
               </a:rPr>
-              <a:t>17</a:t>
+              <a:t>18</a:t>
             </a:fld>
             <a:endParaRPr lang="it-IT" sz="1000" b="0" strike="noStrike" spc="-1">
               <a:latin typeface="Times New Roman"/>
@@ -10195,6 +10313,790 @@
         </p:txBody>
       </p:sp>
     </p:spTree>
+  </p:cSld>
+  <p:clrMapOvr>
+    <a:masterClrMapping/>
+  </p:clrMapOvr>
+</p:sld>
+</file>
+
+<file path=ppt/slides/slide19.xml><?xml version="1.0" encoding="utf-8"?>
+<p:sld xmlns:a="http://schemas.openxmlformats.org/drawingml/2006/main" xmlns:r="http://schemas.openxmlformats.org/officeDocument/2006/relationships" xmlns:p="http://schemas.openxmlformats.org/presentationml/2006/main">
+  <p:cSld>
+    <p:spTree>
+      <p:nvGrpSpPr>
+        <p:cNvPr id="1" name=""/>
+        <p:cNvGrpSpPr/>
+        <p:nvPr/>
+      </p:nvGrpSpPr>
+      <p:grpSpPr>
+        <a:xfrm>
+          <a:off x="0" y="0"/>
+          <a:ext cx="0" cy="0"/>
+          <a:chOff x="0" y="0"/>
+          <a:chExt cx="0" cy="0"/>
+        </a:xfrm>
+      </p:grpSpPr>
+      <p:sp>
+        <p:nvSpPr>
+          <p:cNvPr id="117" name="PlaceHolder 1"/>
+          <p:cNvSpPr>
+            <a:spLocks noGrp="1"/>
+          </p:cNvSpPr>
+          <p:nvPr>
+            <p:ph type="title"/>
+          </p:nvPr>
+        </p:nvSpPr>
+        <p:spPr>
+          <a:xfrm>
+            <a:off x="311760" y="2700"/>
+            <a:ext cx="8520120" cy="572400"/>
+          </a:xfrm>
+          <a:prstGeom prst="rect">
+            <a:avLst/>
+          </a:prstGeom>
+          <a:noFill/>
+          <a:ln w="0">
+            <a:noFill/>
+          </a:ln>
+        </p:spPr>
+        <p:txBody>
+          <a:bodyPr tIns="91440" bIns="91440" anchor="t">
+            <a:normAutofit fontScale="91000"/>
+          </a:bodyPr>
+          <a:lstStyle/>
+          <a:p>
+            <a:pPr>
+              <a:lnSpc>
+                <a:spcPct val="100000"/>
+              </a:lnSpc>
+              <a:buNone/>
+              <a:tabLst>
+                <a:tab pos="0" algn="l"/>
+              </a:tabLst>
+            </a:pPr>
+            <a:r>
+              <a:rPr lang="it" sz="2600" b="0" strike="noStrike" spc="-1" dirty="0">
+                <a:solidFill>
+                  <a:srgbClr val="000000"/>
+                </a:solidFill>
+                <a:latin typeface="Arial"/>
+                <a:ea typeface="Arial"/>
+              </a:rPr>
+              <a:t>Bibliography – 1</a:t>
+            </a:r>
+            <a:endParaRPr lang="it-IT" sz="2800" b="0" strike="noStrike" spc="-1" dirty="0">
+              <a:solidFill>
+                <a:srgbClr val="000000"/>
+              </a:solidFill>
+              <a:latin typeface="Arial"/>
+            </a:endParaRPr>
+          </a:p>
+        </p:txBody>
+      </p:sp>
+      <p:sp>
+        <p:nvSpPr>
+          <p:cNvPr id="119" name="PlaceHolder 3"/>
+          <p:cNvSpPr>
+            <a:spLocks noGrp="1"/>
+          </p:cNvSpPr>
+          <p:nvPr>
+            <p:ph type="sldNum" idx="13"/>
+          </p:nvPr>
+        </p:nvSpPr>
+        <p:spPr>
+          <a:xfrm>
+            <a:off x="8472600" y="4663080"/>
+            <a:ext cx="548280" cy="393120"/>
+          </a:xfrm>
+          <a:prstGeom prst="rect">
+            <a:avLst/>
+          </a:prstGeom>
+          <a:noFill/>
+          <a:ln w="0">
+            <a:noFill/>
+          </a:ln>
+        </p:spPr>
+        <p:txBody>
+          <a:bodyPr tIns="91440" bIns="91440" anchor="ctr">
+            <a:normAutofit/>
+          </a:bodyPr>
+          <a:lstStyle>
+            <a:lvl1pPr algn="r">
+              <a:lnSpc>
+                <a:spcPct val="100000"/>
+              </a:lnSpc>
+              <a:buNone/>
+              <a:tabLst>
+                <a:tab pos="0" algn="l"/>
+              </a:tabLst>
+              <a:defRPr lang="it" sz="1000" b="0" strike="noStrike" spc="-1">
+                <a:solidFill>
+                  <a:srgbClr val="595959"/>
+                </a:solidFill>
+                <a:latin typeface="Arial"/>
+                <a:ea typeface="Arial"/>
+              </a:defRPr>
+            </a:lvl1pPr>
+          </a:lstStyle>
+          <a:p>
+            <a:pPr algn="r">
+              <a:lnSpc>
+                <a:spcPct val="100000"/>
+              </a:lnSpc>
+              <a:buNone/>
+              <a:tabLst>
+                <a:tab pos="0" algn="l"/>
+              </a:tabLst>
+            </a:pPr>
+            <a:fld id="{F1974EC4-68EB-45C8-A197-A860EB4D25E8}" type="slidenum">
+              <a:rPr lang="it" sz="1000" b="0" strike="noStrike" spc="-1">
+                <a:solidFill>
+                  <a:srgbClr val="595959"/>
+                </a:solidFill>
+                <a:latin typeface="Arial"/>
+                <a:ea typeface="Arial"/>
+              </a:rPr>
+              <a:t>19</a:t>
+            </a:fld>
+            <a:endParaRPr lang="it-IT" sz="1000" b="0" strike="noStrike" spc="-1">
+              <a:latin typeface="Times New Roman"/>
+            </a:endParaRPr>
+          </a:p>
+        </p:txBody>
+      </p:sp>
+      <p:sp>
+        <p:nvSpPr>
+          <p:cNvPr id="5" name="CasellaDiTesto 4">
+            <a:extLst>
+              <a:ext uri="{FF2B5EF4-FFF2-40B4-BE49-F238E27FC236}">
+                <a16:creationId xmlns:a16="http://schemas.microsoft.com/office/drawing/2014/main" id="{654DC5D3-954B-DA47-8F5D-D2825032294C}"/>
+              </a:ext>
+            </a:extLst>
+          </p:cNvPr>
+          <p:cNvSpPr txBox="1"/>
+          <p:nvPr/>
+        </p:nvSpPr>
+        <p:spPr>
+          <a:xfrm>
+            <a:off x="490817" y="1452282"/>
+            <a:ext cx="7738783" cy="2462213"/>
+          </a:xfrm>
+          <a:prstGeom prst="rect">
+            <a:avLst/>
+          </a:prstGeom>
+          <a:noFill/>
+        </p:spPr>
+        <p:txBody>
+          <a:bodyPr wrap="square" rtlCol="0">
+            <a:spAutoFit/>
+          </a:bodyPr>
+          <a:lstStyle/>
+          <a:p>
+            <a:pPr marL="342900" indent="-342900">
+              <a:buFont typeface="+mj-lt"/>
+              <a:buAutoNum type="arabicPeriod"/>
+            </a:pPr>
+            <a:r>
+              <a:rPr lang="it-IT" sz="1400" dirty="0"/>
+              <a:t>F. </a:t>
+            </a:r>
+            <a:r>
+              <a:rPr lang="it-IT" sz="1400" dirty="0" err="1"/>
+              <a:t>Chollet</a:t>
+            </a:r>
+            <a:r>
+              <a:rPr lang="it-IT" sz="1400" dirty="0"/>
+              <a:t>, </a:t>
+            </a:r>
+            <a:r>
+              <a:rPr lang="it-IT" sz="1400" i="1" dirty="0" err="1"/>
+              <a:t>Keras</a:t>
+            </a:r>
+            <a:r>
+              <a:rPr lang="it-IT" sz="1400" dirty="0"/>
+              <a:t>, GitHub,</a:t>
+            </a:r>
+            <a:r>
+              <a:rPr lang="it-IT" sz="1400" spc="-1" dirty="0">
+                <a:solidFill>
+                  <a:srgbClr val="000000"/>
+                </a:solidFill>
+                <a:latin typeface="Arial"/>
+              </a:rPr>
+              <a:t> </a:t>
+            </a:r>
+            <a:r>
+              <a:rPr lang="it-IT" sz="1400" spc="-1" dirty="0">
+                <a:solidFill>
+                  <a:srgbClr val="000000"/>
+                </a:solidFill>
+                <a:latin typeface="Arial"/>
+                <a:hlinkClick r:id="rId2"/>
+              </a:rPr>
+              <a:t>GitHub Repository</a:t>
+            </a:r>
+            <a:r>
+              <a:rPr lang="it-IT" sz="1400" dirty="0"/>
+              <a:t>, (2015) </a:t>
+            </a:r>
+            <a:r>
+              <a:rPr lang="it-IT" sz="1400" dirty="0" err="1"/>
+              <a:t>version</a:t>
+            </a:r>
+            <a:r>
+              <a:rPr lang="it-IT" sz="1400" dirty="0"/>
+              <a:t> </a:t>
+            </a:r>
+            <a:r>
+              <a:rPr lang="it-IT" sz="1400" dirty="0">
+                <a:hlinkClick r:id="rId3"/>
+              </a:rPr>
+              <a:t>3.0.2</a:t>
+            </a:r>
+            <a:endParaRPr lang="it-IT" sz="1400" dirty="0"/>
+          </a:p>
+          <a:p>
+            <a:pPr marL="342900" indent="-342900">
+              <a:buFont typeface="+mj-lt"/>
+              <a:buAutoNum type="arabicPeriod"/>
+            </a:pPr>
+            <a:r>
+              <a:rPr lang="it-IT" sz="1400" spc="-1" dirty="0">
+                <a:solidFill>
+                  <a:srgbClr val="000000"/>
+                </a:solidFill>
+                <a:latin typeface="Arial"/>
+              </a:rPr>
+              <a:t>M. Abadi, A. </a:t>
+            </a:r>
+            <a:r>
+              <a:rPr lang="it-IT" sz="1400" spc="-1" dirty="0" err="1">
+                <a:solidFill>
+                  <a:srgbClr val="000000"/>
+                </a:solidFill>
+                <a:latin typeface="Arial"/>
+              </a:rPr>
+              <a:t>Agarwal</a:t>
+            </a:r>
+            <a:r>
+              <a:rPr lang="it-IT" sz="1400" spc="-1" dirty="0">
+                <a:solidFill>
+                  <a:srgbClr val="000000"/>
+                </a:solidFill>
+                <a:latin typeface="Arial"/>
+              </a:rPr>
+              <a:t> et al., 2015, </a:t>
+            </a:r>
+            <a:r>
+              <a:rPr lang="it-IT" sz="1400" i="1" spc="-1" dirty="0" err="1">
+                <a:solidFill>
+                  <a:srgbClr val="000000"/>
+                </a:solidFill>
+                <a:latin typeface="Arial"/>
+              </a:rPr>
+              <a:t>Ten</a:t>
+            </a:r>
+            <a:r>
+              <a:rPr kumimoji="0" lang="it-IT" altLang="it-IT" sz="1400" b="0" i="1" u="none" strike="noStrike" cap="none" normalizeH="0" baseline="0" dirty="0" err="1">
+                <a:ln>
+                  <a:noFill/>
+                </a:ln>
+                <a:solidFill>
+                  <a:schemeClr val="tx1"/>
+                </a:solidFill>
+                <a:effectLst/>
+                <a:latin typeface="Arial Unicode MS"/>
+              </a:rPr>
+              <a:t>sorFlow</a:t>
+            </a:r>
+            <a:r>
+              <a:rPr kumimoji="0" lang="it-IT" altLang="it-IT" sz="1400" b="0" i="1" u="none" strike="noStrike" cap="none" normalizeH="0" baseline="0" dirty="0">
+                <a:ln>
+                  <a:noFill/>
+                </a:ln>
+                <a:solidFill>
+                  <a:schemeClr val="tx1"/>
+                </a:solidFill>
+                <a:effectLst/>
+                <a:latin typeface="Arial Unicode MS"/>
+              </a:rPr>
+              <a:t>: Large-scale machine learning on </a:t>
+            </a:r>
+            <a:r>
+              <a:rPr kumimoji="0" lang="it-IT" altLang="it-IT" sz="1400" b="0" i="1" u="none" strike="noStrike" cap="none" normalizeH="0" baseline="0" dirty="0" err="1">
+                <a:ln>
+                  <a:noFill/>
+                </a:ln>
+                <a:solidFill>
+                  <a:schemeClr val="tx1"/>
+                </a:solidFill>
+                <a:effectLst/>
+                <a:latin typeface="Arial Unicode MS"/>
+              </a:rPr>
+              <a:t>heterogeneous</a:t>
+            </a:r>
+            <a:r>
+              <a:rPr kumimoji="0" lang="it-IT" altLang="it-IT" sz="1400" b="0" i="1" u="none" strike="noStrike" cap="none" normalizeH="0" baseline="0" dirty="0">
+                <a:ln>
+                  <a:noFill/>
+                </a:ln>
+                <a:solidFill>
+                  <a:schemeClr val="tx1"/>
+                </a:solidFill>
+                <a:effectLst/>
+                <a:latin typeface="Arial Unicode MS"/>
+              </a:rPr>
+              <a:t> systems</a:t>
+            </a:r>
+            <a:r>
+              <a:rPr kumimoji="0" lang="it-IT" altLang="it-IT" sz="1400" b="0" i="0" u="none" strike="noStrike" cap="none" normalizeH="0" baseline="0" dirty="0">
+                <a:ln>
+                  <a:noFill/>
+                </a:ln>
+                <a:solidFill>
+                  <a:schemeClr val="tx1"/>
+                </a:solidFill>
+                <a:effectLst/>
+                <a:latin typeface="Arial Unicode MS"/>
+              </a:rPr>
+              <a:t>. </a:t>
+            </a:r>
+            <a:r>
+              <a:rPr kumimoji="0" lang="it-IT" altLang="it-IT" sz="1400" b="0" i="0" u="none" strike="noStrike" cap="none" normalizeH="0" baseline="0" dirty="0">
+                <a:ln>
+                  <a:noFill/>
+                </a:ln>
+                <a:solidFill>
+                  <a:schemeClr val="tx1"/>
+                </a:solidFill>
+                <a:effectLst/>
+                <a:latin typeface="Arial Unicode MS"/>
+                <a:hlinkClick r:id="rId4"/>
+              </a:rPr>
+              <a:t>www.tensorflow.org</a:t>
+            </a:r>
+            <a:endParaRPr kumimoji="0" lang="it-IT" altLang="it-IT" sz="1400" b="0" i="0" u="none" strike="noStrike" cap="none" spc="-1" normalizeH="0" baseline="0" dirty="0">
+              <a:ln>
+                <a:noFill/>
+              </a:ln>
+              <a:solidFill>
+                <a:srgbClr val="000000"/>
+              </a:solidFill>
+              <a:effectLst/>
+              <a:latin typeface="Arial"/>
+            </a:endParaRPr>
+          </a:p>
+          <a:p>
+            <a:pPr marL="342900" indent="-342900">
+              <a:buFont typeface="+mj-lt"/>
+              <a:buAutoNum type="arabicPeriod"/>
+            </a:pPr>
+            <a:r>
+              <a:rPr lang="it-IT" sz="1400" spc="-1" dirty="0">
+                <a:solidFill>
+                  <a:srgbClr val="000000"/>
+                </a:solidFill>
+                <a:latin typeface="Arial"/>
+              </a:rPr>
+              <a:t>F. </a:t>
+            </a:r>
+            <a:r>
+              <a:rPr lang="it-IT" sz="1400" spc="-1" dirty="0" err="1">
+                <a:solidFill>
+                  <a:srgbClr val="000000"/>
+                </a:solidFill>
+                <a:latin typeface="Arial"/>
+              </a:rPr>
+              <a:t>Pedergosa</a:t>
+            </a:r>
+            <a:r>
+              <a:rPr lang="it-IT" sz="1400" spc="-1" dirty="0">
+                <a:solidFill>
+                  <a:srgbClr val="000000"/>
+                </a:solidFill>
+                <a:latin typeface="Arial"/>
+              </a:rPr>
+              <a:t>, G. </a:t>
+            </a:r>
+            <a:r>
+              <a:rPr lang="it-IT" sz="1400" spc="-1" dirty="0" err="1">
+                <a:solidFill>
+                  <a:srgbClr val="000000"/>
+                </a:solidFill>
+                <a:latin typeface="Arial"/>
+              </a:rPr>
+              <a:t>Varoquaux</a:t>
+            </a:r>
+            <a:r>
+              <a:rPr lang="it-IT" sz="1400" spc="-1" dirty="0">
+                <a:solidFill>
+                  <a:srgbClr val="000000"/>
+                </a:solidFill>
+                <a:latin typeface="Arial"/>
+              </a:rPr>
+              <a:t> et al, </a:t>
+            </a:r>
+            <a:r>
+              <a:rPr lang="it-IT" sz="1400" i="1" spc="-1" dirty="0" err="1">
+                <a:solidFill>
+                  <a:srgbClr val="000000"/>
+                </a:solidFill>
+                <a:latin typeface="Arial"/>
+              </a:rPr>
+              <a:t>Scikit-learn</a:t>
+            </a:r>
+            <a:r>
+              <a:rPr lang="it-IT" sz="1400" i="1" spc="-1" dirty="0">
+                <a:solidFill>
+                  <a:srgbClr val="000000"/>
+                </a:solidFill>
+                <a:latin typeface="Arial"/>
+              </a:rPr>
+              <a:t>: Machine Learning in Python</a:t>
+            </a:r>
+            <a:r>
+              <a:rPr lang="it-IT" sz="1400" spc="-1" dirty="0">
+                <a:solidFill>
+                  <a:srgbClr val="000000"/>
+                </a:solidFill>
+                <a:latin typeface="Arial"/>
+              </a:rPr>
+              <a:t>, JMLR, 12(</a:t>
+            </a:r>
+            <a:r>
+              <a:rPr lang="it-IT" sz="1400" spc="-1" dirty="0" err="1">
+                <a:solidFill>
+                  <a:srgbClr val="000000"/>
+                </a:solidFill>
+                <a:latin typeface="Arial"/>
+              </a:rPr>
+              <a:t>Oct</a:t>
+            </a:r>
+            <a:r>
+              <a:rPr lang="it-IT" sz="1400" spc="-1" dirty="0">
+                <a:solidFill>
+                  <a:srgbClr val="000000"/>
+                </a:solidFill>
+                <a:latin typeface="Arial"/>
+              </a:rPr>
+              <a:t>), (2011), pp.2825-2830 </a:t>
+            </a:r>
+          </a:p>
+          <a:p>
+            <a:pPr marL="342900" indent="-342900">
+              <a:buFont typeface="+mj-lt"/>
+              <a:buAutoNum type="arabicPeriod"/>
+            </a:pPr>
+            <a:r>
+              <a:rPr lang="it-IT" sz="1400" spc="-1" dirty="0">
+                <a:solidFill>
+                  <a:srgbClr val="000000"/>
+                </a:solidFill>
+                <a:latin typeface="Arial"/>
+              </a:rPr>
+              <a:t>A. Garcia </a:t>
+            </a:r>
+            <a:r>
+              <a:rPr lang="it-IT" sz="1400" spc="-1" dirty="0" err="1">
+                <a:solidFill>
+                  <a:srgbClr val="000000"/>
+                </a:solidFill>
+                <a:latin typeface="Arial"/>
+              </a:rPr>
+              <a:t>Badaracco</a:t>
+            </a:r>
+            <a:r>
+              <a:rPr lang="it-IT" sz="1400" spc="-1" dirty="0">
+                <a:solidFill>
+                  <a:srgbClr val="000000"/>
+                </a:solidFill>
+                <a:latin typeface="Arial"/>
+              </a:rPr>
+              <a:t> et al, </a:t>
+            </a:r>
+            <a:r>
+              <a:rPr lang="it-IT" sz="1400" i="1" spc="-1" dirty="0" err="1">
+                <a:solidFill>
+                  <a:srgbClr val="000000"/>
+                </a:solidFill>
+                <a:latin typeface="Arial"/>
+              </a:rPr>
+              <a:t>SciKeras</a:t>
+            </a:r>
+            <a:r>
+              <a:rPr lang="it-IT" sz="1400" i="1" spc="-1" dirty="0">
+                <a:solidFill>
+                  <a:srgbClr val="000000"/>
+                </a:solidFill>
+                <a:latin typeface="Arial"/>
+              </a:rPr>
+              <a:t>: </a:t>
+            </a:r>
+            <a:r>
+              <a:rPr lang="it-IT" sz="1400" i="1" spc="-1" dirty="0" err="1">
+                <a:solidFill>
+                  <a:srgbClr val="000000"/>
+                </a:solidFill>
+                <a:latin typeface="Arial"/>
+              </a:rPr>
+              <a:t>Scikit-Learn</a:t>
+            </a:r>
+            <a:r>
+              <a:rPr lang="it-IT" sz="1400" i="1" spc="-1" dirty="0">
+                <a:solidFill>
+                  <a:srgbClr val="000000"/>
+                </a:solidFill>
+                <a:latin typeface="Arial"/>
+              </a:rPr>
+              <a:t> </a:t>
+            </a:r>
+            <a:r>
+              <a:rPr lang="it-IT" sz="1400" i="1" spc="-1" dirty="0" err="1">
+                <a:solidFill>
+                  <a:srgbClr val="000000"/>
+                </a:solidFill>
+                <a:latin typeface="Arial"/>
+              </a:rPr>
+              <a:t>wrapper</a:t>
+            </a:r>
+            <a:r>
+              <a:rPr lang="it-IT" sz="1400" i="1" spc="-1" dirty="0">
+                <a:solidFill>
+                  <a:srgbClr val="000000"/>
+                </a:solidFill>
+                <a:latin typeface="Arial"/>
+              </a:rPr>
+              <a:t> for </a:t>
+            </a:r>
+            <a:r>
+              <a:rPr lang="it-IT" sz="1400" i="1" spc="-1" dirty="0" err="1">
+                <a:solidFill>
+                  <a:srgbClr val="000000"/>
+                </a:solidFill>
+                <a:latin typeface="Arial"/>
+              </a:rPr>
+              <a:t>Keras</a:t>
+            </a:r>
+            <a:r>
+              <a:rPr lang="it-IT" sz="1400" spc="-1" dirty="0">
+                <a:solidFill>
+                  <a:srgbClr val="000000"/>
+                </a:solidFill>
+                <a:latin typeface="Arial"/>
+              </a:rPr>
+              <a:t>, GitHub, </a:t>
+            </a:r>
+            <a:r>
+              <a:rPr lang="it-IT" sz="1400" spc="-1" dirty="0">
+                <a:solidFill>
+                  <a:srgbClr val="000000"/>
+                </a:solidFill>
+                <a:latin typeface="Arial"/>
+                <a:hlinkClick r:id="rId5"/>
+              </a:rPr>
+              <a:t>GitHub Repository</a:t>
+            </a:r>
+            <a:r>
+              <a:rPr lang="it-IT" sz="1400" spc="-1" dirty="0">
+                <a:solidFill>
+                  <a:srgbClr val="000000"/>
+                </a:solidFill>
+                <a:latin typeface="Arial"/>
+              </a:rPr>
+              <a:t>, (2020) </a:t>
+            </a:r>
+            <a:r>
+              <a:rPr lang="it-IT" sz="1400" spc="-1" dirty="0" err="1">
+                <a:solidFill>
+                  <a:srgbClr val="000000"/>
+                </a:solidFill>
+                <a:latin typeface="Arial"/>
+              </a:rPr>
+              <a:t>version</a:t>
+            </a:r>
+            <a:r>
+              <a:rPr lang="it-IT" sz="1400" spc="-1" dirty="0">
+                <a:solidFill>
+                  <a:srgbClr val="000000"/>
+                </a:solidFill>
+                <a:latin typeface="Arial"/>
+              </a:rPr>
+              <a:t> </a:t>
+            </a:r>
+            <a:r>
+              <a:rPr lang="it-IT" sz="1400" i="1" spc="-1" dirty="0">
+                <a:solidFill>
+                  <a:srgbClr val="000000"/>
+                </a:solidFill>
+                <a:latin typeface="Arial"/>
+              </a:rPr>
+              <a:t> </a:t>
+            </a:r>
+            <a:r>
+              <a:rPr lang="it-IT" sz="1400" spc="-1" dirty="0">
+                <a:solidFill>
+                  <a:srgbClr val="000000"/>
+                </a:solidFill>
+                <a:latin typeface="Arial"/>
+                <a:hlinkClick r:id="rId6"/>
+              </a:rPr>
+              <a:t>0.12.0</a:t>
+            </a:r>
+            <a:endParaRPr lang="it-IT" sz="1400" spc="-1" dirty="0">
+              <a:solidFill>
+                <a:srgbClr val="000000"/>
+              </a:solidFill>
+              <a:latin typeface="Arial"/>
+            </a:endParaRPr>
+          </a:p>
+          <a:p>
+            <a:pPr marL="342900" indent="-342900">
+              <a:buFont typeface="+mj-lt"/>
+              <a:buAutoNum type="arabicPeriod"/>
+            </a:pPr>
+            <a:r>
+              <a:rPr lang="it-IT" sz="1400" dirty="0"/>
+              <a:t>T. </a:t>
+            </a:r>
+            <a:r>
+              <a:rPr lang="it-IT" sz="1400" dirty="0" err="1"/>
+              <a:t>Akiba</a:t>
+            </a:r>
+            <a:r>
+              <a:rPr lang="it-IT" sz="1400" dirty="0"/>
+              <a:t>, S. Sano, T. </a:t>
+            </a:r>
+            <a:r>
+              <a:rPr lang="it-IT" sz="1400" dirty="0" err="1"/>
+              <a:t>Yanase</a:t>
+            </a:r>
+            <a:r>
+              <a:rPr lang="it-IT" sz="1400" dirty="0"/>
+              <a:t>, T. </a:t>
+            </a:r>
+            <a:r>
+              <a:rPr lang="it-IT" sz="1400" dirty="0" err="1"/>
+              <a:t>Ohta</a:t>
+            </a:r>
+            <a:r>
+              <a:rPr lang="it-IT" sz="1400" dirty="0"/>
+              <a:t>, M. </a:t>
+            </a:r>
+            <a:r>
+              <a:rPr lang="it-IT" sz="1400" dirty="0" err="1"/>
+              <a:t>Koyama</a:t>
+            </a:r>
+            <a:r>
+              <a:rPr lang="it-IT" sz="1400" dirty="0"/>
+              <a:t>, </a:t>
+            </a:r>
+            <a:r>
+              <a:rPr lang="it-IT" sz="1400" i="1" dirty="0" err="1"/>
+              <a:t>Optuna</a:t>
+            </a:r>
+            <a:r>
+              <a:rPr lang="it-IT" sz="1400" i="1" dirty="0"/>
+              <a:t>: A Next-generation </a:t>
+            </a:r>
+            <a:r>
+              <a:rPr lang="it-IT" sz="1400" i="1" dirty="0" err="1"/>
+              <a:t>Hyperparameter</a:t>
+            </a:r>
+            <a:r>
+              <a:rPr lang="it-IT" sz="1400" i="1" dirty="0"/>
+              <a:t> </a:t>
+            </a:r>
+            <a:r>
+              <a:rPr lang="it-IT" sz="1400" i="1" dirty="0" err="1"/>
+              <a:t>Optimization</a:t>
+            </a:r>
+            <a:r>
+              <a:rPr lang="it-IT" sz="1400" i="1" dirty="0"/>
+              <a:t> Framework</a:t>
+            </a:r>
+            <a:r>
+              <a:rPr lang="it-IT" sz="1400" dirty="0"/>
+              <a:t>, KDD, (2019), pp.2623-2631</a:t>
+            </a:r>
+          </a:p>
+          <a:p>
+            <a:pPr marL="342900" indent="-342900">
+              <a:buFont typeface="+mj-lt"/>
+              <a:buAutoNum type="arabicPeriod"/>
+            </a:pPr>
+            <a:endParaRPr lang="it-IT" sz="1400" dirty="0"/>
+          </a:p>
+          <a:p>
+            <a:pPr marL="342900" indent="-342900">
+              <a:buFont typeface="+mj-lt"/>
+              <a:buAutoNum type="arabicPeriod"/>
+            </a:pPr>
+            <a:endParaRPr lang="it-IT" sz="1400" dirty="0"/>
+          </a:p>
+        </p:txBody>
+      </p:sp>
+      <p:sp>
+        <p:nvSpPr>
+          <p:cNvPr id="6" name="CasellaDiTesto 5">
+            <a:extLst>
+              <a:ext uri="{FF2B5EF4-FFF2-40B4-BE49-F238E27FC236}">
+                <a16:creationId xmlns:a16="http://schemas.microsoft.com/office/drawing/2014/main" id="{304B3224-8AD6-EBFB-578E-76DA67AAD1D4}"/>
+              </a:ext>
+            </a:extLst>
+          </p:cNvPr>
+          <p:cNvSpPr txBox="1"/>
+          <p:nvPr/>
+        </p:nvSpPr>
+        <p:spPr>
+          <a:xfrm>
+            <a:off x="490817" y="1082950"/>
+            <a:ext cx="7738783" cy="369332"/>
+          </a:xfrm>
+          <a:prstGeom prst="rect">
+            <a:avLst/>
+          </a:prstGeom>
+          <a:noFill/>
+        </p:spPr>
+        <p:txBody>
+          <a:bodyPr wrap="square" rtlCol="0">
+            <a:spAutoFit/>
+          </a:bodyPr>
+          <a:lstStyle/>
+          <a:p>
+            <a:r>
+              <a:rPr lang="it-IT" dirty="0" err="1"/>
+              <a:t>Main</a:t>
+            </a:r>
+            <a:r>
+              <a:rPr lang="it-IT" dirty="0"/>
+              <a:t> libraries and software tools </a:t>
+            </a:r>
+            <a:r>
+              <a:rPr lang="it-IT" dirty="0" err="1"/>
+              <a:t>used</a:t>
+            </a:r>
+            <a:r>
+              <a:rPr lang="it-IT" dirty="0"/>
+              <a:t> for </a:t>
+            </a:r>
+            <a:r>
+              <a:rPr lang="it-IT" dirty="0" err="1"/>
+              <a:t>this</a:t>
+            </a:r>
+            <a:r>
+              <a:rPr lang="it-IT" dirty="0"/>
+              <a:t> project:</a:t>
+            </a:r>
+          </a:p>
+        </p:txBody>
+      </p:sp>
+    </p:spTree>
+    <p:extLst>
+      <p:ext uri="{BB962C8B-B14F-4D97-AF65-F5344CB8AC3E}">
+        <p14:creationId xmlns:p14="http://schemas.microsoft.com/office/powerpoint/2010/main" val="3814474243"/>
+      </p:ext>
+    </p:extLst>
   </p:cSld>
   <p:clrMapOvr>
     <a:masterClrMapping/>
@@ -10590,6 +11492,646 @@
               <a:t>), on the Monk and ML23 CUP tasks.</a:t>
             </a:r>
             <a:endParaRPr lang="it-IT" sz="1400" dirty="0"/>
+          </a:p>
+        </p:txBody>
+      </p:sp>
+    </p:spTree>
+  </p:cSld>
+  <p:clrMapOvr>
+    <a:masterClrMapping/>
+  </p:clrMapOvr>
+</p:sld>
+</file>
+
+<file path=ppt/slides/slide20.xml><?xml version="1.0" encoding="utf-8"?>
+<p:sld xmlns:a="http://schemas.openxmlformats.org/drawingml/2006/main" xmlns:r="http://schemas.openxmlformats.org/officeDocument/2006/relationships" xmlns:p="http://schemas.openxmlformats.org/presentationml/2006/main">
+  <p:cSld>
+    <p:spTree>
+      <p:nvGrpSpPr>
+        <p:cNvPr id="1" name=""/>
+        <p:cNvGrpSpPr/>
+        <p:nvPr/>
+      </p:nvGrpSpPr>
+      <p:grpSpPr>
+        <a:xfrm>
+          <a:off x="0" y="0"/>
+          <a:ext cx="0" cy="0"/>
+          <a:chOff x="0" y="0"/>
+          <a:chExt cx="0" cy="0"/>
+        </a:xfrm>
+      </p:grpSpPr>
+      <p:sp>
+        <p:nvSpPr>
+          <p:cNvPr id="117" name="PlaceHolder 1"/>
+          <p:cNvSpPr>
+            <a:spLocks noGrp="1"/>
+          </p:cNvSpPr>
+          <p:nvPr>
+            <p:ph type="title"/>
+          </p:nvPr>
+        </p:nvSpPr>
+        <p:spPr>
+          <a:xfrm>
+            <a:off x="311760" y="2700"/>
+            <a:ext cx="8520120" cy="572400"/>
+          </a:xfrm>
+          <a:prstGeom prst="rect">
+            <a:avLst/>
+          </a:prstGeom>
+          <a:noFill/>
+          <a:ln w="0">
+            <a:noFill/>
+          </a:ln>
+        </p:spPr>
+        <p:txBody>
+          <a:bodyPr tIns="91440" bIns="91440" anchor="t">
+            <a:normAutofit fontScale="91000"/>
+          </a:bodyPr>
+          <a:lstStyle/>
+          <a:p>
+            <a:pPr>
+              <a:lnSpc>
+                <a:spcPct val="100000"/>
+              </a:lnSpc>
+              <a:buNone/>
+              <a:tabLst>
+                <a:tab pos="0" algn="l"/>
+              </a:tabLst>
+            </a:pPr>
+            <a:r>
+              <a:rPr lang="it" sz="2600" b="0" strike="noStrike" spc="-1" dirty="0">
+                <a:solidFill>
+                  <a:srgbClr val="000000"/>
+                </a:solidFill>
+                <a:latin typeface="Arial"/>
+                <a:ea typeface="Arial"/>
+              </a:rPr>
+              <a:t>Bibliography</a:t>
+            </a:r>
+            <a:r>
+              <a:rPr lang="it" sz="2600" spc="-1" dirty="0">
+                <a:solidFill>
+                  <a:srgbClr val="000000"/>
+                </a:solidFill>
+                <a:latin typeface="Arial"/>
+                <a:ea typeface="Arial"/>
+              </a:rPr>
+              <a:t> – 2 [</a:t>
+            </a:r>
+            <a:r>
+              <a:rPr lang="it" sz="2600" spc="-1" dirty="0">
+                <a:solidFill>
+                  <a:srgbClr val="FF0000"/>
+                </a:solidFill>
+                <a:latin typeface="Arial"/>
+                <a:ea typeface="Arial"/>
+              </a:rPr>
+              <a:t>fare, se necessario</a:t>
+            </a:r>
+            <a:r>
+              <a:rPr lang="it" sz="2600" spc="-1" dirty="0">
+                <a:solidFill>
+                  <a:srgbClr val="000000"/>
+                </a:solidFill>
+                <a:latin typeface="Arial"/>
+                <a:ea typeface="Arial"/>
+              </a:rPr>
+              <a:t>]</a:t>
+            </a:r>
+            <a:r>
+              <a:rPr lang="it" sz="2800" b="0" strike="noStrike" spc="-1" dirty="0">
+                <a:solidFill>
+                  <a:srgbClr val="000000"/>
+                </a:solidFill>
+                <a:latin typeface="Arial"/>
+                <a:ea typeface="Arial"/>
+              </a:rPr>
+              <a:t> </a:t>
+            </a:r>
+            <a:endParaRPr lang="it-IT" sz="2800" b="0" strike="noStrike" spc="-1" dirty="0">
+              <a:solidFill>
+                <a:srgbClr val="000000"/>
+              </a:solidFill>
+              <a:latin typeface="Arial"/>
+            </a:endParaRPr>
+          </a:p>
+        </p:txBody>
+      </p:sp>
+      <p:sp>
+        <p:nvSpPr>
+          <p:cNvPr id="119" name="PlaceHolder 3"/>
+          <p:cNvSpPr>
+            <a:spLocks noGrp="1"/>
+          </p:cNvSpPr>
+          <p:nvPr>
+            <p:ph type="sldNum" idx="13"/>
+          </p:nvPr>
+        </p:nvSpPr>
+        <p:spPr>
+          <a:xfrm>
+            <a:off x="8472600" y="4663080"/>
+            <a:ext cx="548280" cy="393120"/>
+          </a:xfrm>
+          <a:prstGeom prst="rect">
+            <a:avLst/>
+          </a:prstGeom>
+          <a:noFill/>
+          <a:ln w="0">
+            <a:noFill/>
+          </a:ln>
+        </p:spPr>
+        <p:txBody>
+          <a:bodyPr tIns="91440" bIns="91440" anchor="ctr">
+            <a:normAutofit/>
+          </a:bodyPr>
+          <a:lstStyle>
+            <a:lvl1pPr algn="r">
+              <a:lnSpc>
+                <a:spcPct val="100000"/>
+              </a:lnSpc>
+              <a:buNone/>
+              <a:tabLst>
+                <a:tab pos="0" algn="l"/>
+              </a:tabLst>
+              <a:defRPr lang="it" sz="1000" b="0" strike="noStrike" spc="-1">
+                <a:solidFill>
+                  <a:srgbClr val="595959"/>
+                </a:solidFill>
+                <a:latin typeface="Arial"/>
+                <a:ea typeface="Arial"/>
+              </a:defRPr>
+            </a:lvl1pPr>
+          </a:lstStyle>
+          <a:p>
+            <a:pPr algn="r">
+              <a:lnSpc>
+                <a:spcPct val="100000"/>
+              </a:lnSpc>
+              <a:buNone/>
+              <a:tabLst>
+                <a:tab pos="0" algn="l"/>
+              </a:tabLst>
+            </a:pPr>
+            <a:fld id="{F1974EC4-68EB-45C8-A197-A860EB4D25E8}" type="slidenum">
+              <a:rPr lang="it" sz="1000" b="0" strike="noStrike" spc="-1">
+                <a:solidFill>
+                  <a:srgbClr val="595959"/>
+                </a:solidFill>
+                <a:latin typeface="Arial"/>
+                <a:ea typeface="Arial"/>
+              </a:rPr>
+              <a:t>20</a:t>
+            </a:fld>
+            <a:endParaRPr lang="it-IT" sz="1000" b="0" strike="noStrike" spc="-1">
+              <a:latin typeface="Times New Roman"/>
+            </a:endParaRPr>
+          </a:p>
+        </p:txBody>
+      </p:sp>
+      <p:sp>
+        <p:nvSpPr>
+          <p:cNvPr id="5" name="CasellaDiTesto 4">
+            <a:extLst>
+              <a:ext uri="{FF2B5EF4-FFF2-40B4-BE49-F238E27FC236}">
+                <a16:creationId xmlns:a16="http://schemas.microsoft.com/office/drawing/2014/main" id="{654DC5D3-954B-DA47-8F5D-D2825032294C}"/>
+              </a:ext>
+            </a:extLst>
+          </p:cNvPr>
+          <p:cNvSpPr txBox="1"/>
+          <p:nvPr/>
+        </p:nvSpPr>
+        <p:spPr>
+          <a:xfrm>
+            <a:off x="490817" y="1452282"/>
+            <a:ext cx="7738783" cy="954107"/>
+          </a:xfrm>
+          <a:prstGeom prst="rect">
+            <a:avLst/>
+          </a:prstGeom>
+          <a:noFill/>
+        </p:spPr>
+        <p:txBody>
+          <a:bodyPr wrap="square" rtlCol="0">
+            <a:spAutoFit/>
+          </a:bodyPr>
+          <a:lstStyle/>
+          <a:p>
+            <a:pPr marL="342900" indent="-342900">
+              <a:buFont typeface="+mj-lt"/>
+              <a:buAutoNum type="arabicPeriod"/>
+            </a:pPr>
+            <a:r>
+              <a:rPr lang="it-IT" sz="1400" dirty="0"/>
+              <a:t>Articolo 1</a:t>
+            </a:r>
+          </a:p>
+          <a:p>
+            <a:pPr marL="342900" indent="-342900">
+              <a:buFont typeface="+mj-lt"/>
+              <a:buAutoNum type="arabicPeriod"/>
+            </a:pPr>
+            <a:r>
+              <a:rPr lang="it-IT" sz="1400" dirty="0"/>
+              <a:t>Articolo 2</a:t>
+            </a:r>
+          </a:p>
+          <a:p>
+            <a:pPr marL="342900" indent="-342900">
+              <a:buFont typeface="+mj-lt"/>
+              <a:buAutoNum type="arabicPeriod"/>
+            </a:pPr>
+            <a:endParaRPr lang="it-IT" sz="1400" dirty="0"/>
+          </a:p>
+          <a:p>
+            <a:pPr marL="342900" indent="-342900">
+              <a:buFont typeface="+mj-lt"/>
+              <a:buAutoNum type="arabicPeriod"/>
+            </a:pPr>
+            <a:endParaRPr lang="it-IT" sz="1400" dirty="0"/>
+          </a:p>
+        </p:txBody>
+      </p:sp>
+      <p:sp>
+        <p:nvSpPr>
+          <p:cNvPr id="6" name="CasellaDiTesto 5">
+            <a:extLst>
+              <a:ext uri="{FF2B5EF4-FFF2-40B4-BE49-F238E27FC236}">
+                <a16:creationId xmlns:a16="http://schemas.microsoft.com/office/drawing/2014/main" id="{304B3224-8AD6-EBFB-578E-76DA67AAD1D4}"/>
+              </a:ext>
+            </a:extLst>
+          </p:cNvPr>
+          <p:cNvSpPr txBox="1"/>
+          <p:nvPr/>
+        </p:nvSpPr>
+        <p:spPr>
+          <a:xfrm>
+            <a:off x="490817" y="1082950"/>
+            <a:ext cx="7738783" cy="369332"/>
+          </a:xfrm>
+          <a:prstGeom prst="rect">
+            <a:avLst/>
+          </a:prstGeom>
+          <a:noFill/>
+        </p:spPr>
+        <p:txBody>
+          <a:bodyPr wrap="square" rtlCol="0">
+            <a:spAutoFit/>
+          </a:bodyPr>
+          <a:lstStyle/>
+          <a:p>
+            <a:r>
+              <a:rPr lang="it-IT" dirty="0" err="1"/>
+              <a:t>Bibliographical</a:t>
+            </a:r>
+            <a:r>
+              <a:rPr lang="it-IT" dirty="0"/>
+              <a:t> sources:</a:t>
+            </a:r>
+          </a:p>
+        </p:txBody>
+      </p:sp>
+    </p:spTree>
+    <p:extLst>
+      <p:ext uri="{BB962C8B-B14F-4D97-AF65-F5344CB8AC3E}">
+        <p14:creationId xmlns:p14="http://schemas.microsoft.com/office/powerpoint/2010/main" val="290779743"/>
+      </p:ext>
+    </p:extLst>
+  </p:cSld>
+  <p:clrMapOvr>
+    <a:masterClrMapping/>
+  </p:clrMapOvr>
+</p:sld>
+</file>
+
+<file path=ppt/slides/slide21.xml><?xml version="1.0" encoding="utf-8"?>
+<p:sld xmlns:a="http://schemas.openxmlformats.org/drawingml/2006/main" xmlns:r="http://schemas.openxmlformats.org/officeDocument/2006/relationships" xmlns:p="http://schemas.openxmlformats.org/presentationml/2006/main">
+  <p:cSld>
+    <p:spTree>
+      <p:nvGrpSpPr>
+        <p:cNvPr id="1" name=""/>
+        <p:cNvGrpSpPr/>
+        <p:nvPr/>
+      </p:nvGrpSpPr>
+      <p:grpSpPr>
+        <a:xfrm>
+          <a:off x="0" y="0"/>
+          <a:ext cx="0" cy="0"/>
+          <a:chOff x="0" y="0"/>
+          <a:chExt cx="0" cy="0"/>
+        </a:xfrm>
+      </p:grpSpPr>
+      <p:sp>
+        <p:nvSpPr>
+          <p:cNvPr id="120" name="PlaceHolder 1"/>
+          <p:cNvSpPr>
+            <a:spLocks noGrp="1"/>
+          </p:cNvSpPr>
+          <p:nvPr>
+            <p:ph type="title"/>
+          </p:nvPr>
+        </p:nvSpPr>
+        <p:spPr>
+          <a:xfrm>
+            <a:off x="311760" y="444960"/>
+            <a:ext cx="8520120" cy="855000"/>
+          </a:xfrm>
+          <a:prstGeom prst="rect">
+            <a:avLst/>
+          </a:prstGeom>
+          <a:noFill/>
+          <a:ln w="0">
+            <a:noFill/>
+          </a:ln>
+        </p:spPr>
+        <p:txBody>
+          <a:bodyPr tIns="91440" bIns="91440" anchor="t">
+            <a:normAutofit fontScale="90000"/>
+          </a:bodyPr>
+          <a:lstStyle/>
+          <a:p>
+            <a:pPr>
+              <a:lnSpc>
+                <a:spcPct val="100000"/>
+              </a:lnSpc>
+              <a:buNone/>
+              <a:tabLst>
+                <a:tab pos="0" algn="l"/>
+              </a:tabLst>
+            </a:pPr>
+            <a:r>
+              <a:rPr lang="it" sz="2700" b="0" strike="noStrike" spc="-1" dirty="0">
+                <a:solidFill>
+                  <a:srgbClr val="000000"/>
+                </a:solidFill>
+                <a:latin typeface="Arial"/>
+                <a:ea typeface="Arial"/>
+              </a:rPr>
+              <a:t>Appendix - not shown in the time slot</a:t>
+            </a:r>
+            <a:endParaRPr lang="it-IT" sz="2700" b="0" strike="noStrike" spc="-1" dirty="0">
+              <a:solidFill>
+                <a:srgbClr val="000000"/>
+              </a:solidFill>
+              <a:latin typeface="Arial"/>
+            </a:endParaRPr>
+          </a:p>
+          <a:p>
+            <a:pPr>
+              <a:lnSpc>
+                <a:spcPct val="100000"/>
+              </a:lnSpc>
+              <a:buNone/>
+              <a:tabLst>
+                <a:tab pos="0" algn="l"/>
+              </a:tabLst>
+            </a:pPr>
+            <a:r>
+              <a:rPr lang="it" sz="2800" b="0" strike="noStrike" spc="-1" dirty="0">
+                <a:solidFill>
+                  <a:srgbClr val="000000"/>
+                </a:solidFill>
+                <a:latin typeface="Arial"/>
+                <a:ea typeface="Arial"/>
+              </a:rPr>
+              <a:t> </a:t>
+            </a:r>
+            <a:r>
+              <a:rPr lang="it" sz="2000" b="0" strike="noStrike" spc="-1" dirty="0">
+                <a:solidFill>
+                  <a:srgbClr val="000000"/>
+                </a:solidFill>
+                <a:latin typeface="Arial"/>
+                <a:ea typeface="Arial"/>
+              </a:rPr>
+              <a:t>(may be many slides, but still use a reasonable number) </a:t>
+            </a:r>
+            <a:endParaRPr lang="it-IT" sz="2250" b="0" strike="noStrike" spc="-1" dirty="0">
+              <a:solidFill>
+                <a:srgbClr val="000000"/>
+              </a:solidFill>
+              <a:latin typeface="Arial"/>
+            </a:endParaRPr>
+          </a:p>
+        </p:txBody>
+      </p:sp>
+      <p:sp>
+        <p:nvSpPr>
+          <p:cNvPr id="121" name="PlaceHolder 2"/>
+          <p:cNvSpPr>
+            <a:spLocks noGrp="1"/>
+          </p:cNvSpPr>
+          <p:nvPr>
+            <p:ph/>
+          </p:nvPr>
+        </p:nvSpPr>
+        <p:spPr>
+          <a:xfrm>
+            <a:off x="344160" y="1468800"/>
+            <a:ext cx="8520120" cy="3093480"/>
+          </a:xfrm>
+          <a:prstGeom prst="rect">
+            <a:avLst/>
+          </a:prstGeom>
+          <a:noFill/>
+          <a:ln w="0">
+            <a:noFill/>
+          </a:ln>
+        </p:spPr>
+        <p:txBody>
+          <a:bodyPr tIns="91440" bIns="91440" anchor="t">
+            <a:normAutofit/>
+          </a:bodyPr>
+          <a:lstStyle/>
+          <a:p>
+            <a:pPr>
+              <a:lnSpc>
+                <a:spcPct val="115000"/>
+              </a:lnSpc>
+              <a:buNone/>
+              <a:tabLst>
+                <a:tab pos="0" algn="l"/>
+              </a:tabLst>
+            </a:pPr>
+            <a:r>
+              <a:rPr lang="it" sz="1800" b="0" strike="noStrike" spc="-1">
+                <a:solidFill>
+                  <a:srgbClr val="595959"/>
+                </a:solidFill>
+                <a:latin typeface="Arial"/>
+                <a:ea typeface="Arial"/>
+              </a:rPr>
+              <a:t>Material that is complementary to your presentation, but not directly presented: </a:t>
+            </a:r>
+            <a:r>
+              <a:rPr lang="it" sz="1100" b="0" strike="noStrike" spc="-1">
+                <a:solidFill>
+                  <a:srgbClr val="000000"/>
+                </a:solidFill>
+                <a:latin typeface="Arial"/>
+                <a:ea typeface="Arial"/>
+              </a:rPr>
+              <a:t>·</a:t>
+            </a:r>
+            <a:r>
+              <a:rPr lang="it" sz="700" b="0" strike="noStrike" spc="-1">
+                <a:solidFill>
+                  <a:srgbClr val="000000"/>
+                </a:solidFill>
+                <a:latin typeface="Times New Roman"/>
+                <a:ea typeface="Times New Roman"/>
+              </a:rPr>
+              <a:t>         </a:t>
+            </a:r>
+            <a:r>
+              <a:rPr lang="it" sz="1100" b="0" strike="noStrike" spc="-1">
+                <a:solidFill>
+                  <a:srgbClr val="000000"/>
+                </a:solidFill>
+                <a:latin typeface="Arial"/>
+                <a:ea typeface="Arial"/>
+              </a:rPr>
+              <a:t>Use appendix for large or other tables or plots (if needed); the slides out of the limit will be not necessarily read and therefore not necessarily evaluated!!! </a:t>
+            </a:r>
+            <a:endParaRPr lang="it-IT" sz="1100" b="0" strike="noStrike" spc="-1">
+              <a:solidFill>
+                <a:srgbClr val="000000"/>
+              </a:solidFill>
+              <a:latin typeface="Arial"/>
+            </a:endParaRPr>
+          </a:p>
+          <a:p>
+            <a:pPr>
+              <a:lnSpc>
+                <a:spcPct val="115000"/>
+              </a:lnSpc>
+              <a:spcBef>
+                <a:spcPts val="1199"/>
+              </a:spcBef>
+              <a:buNone/>
+              <a:tabLst>
+                <a:tab pos="0" algn="l"/>
+              </a:tabLst>
+            </a:pPr>
+            <a:r>
+              <a:rPr lang="it" sz="1800" b="0" strike="noStrike" spc="-1">
+                <a:solidFill>
+                  <a:srgbClr val="595959"/>
+                </a:solidFill>
+                <a:latin typeface="Arial"/>
+                <a:ea typeface="Arial"/>
+              </a:rPr>
+              <a:t>Can be used to answer some questions during the oral discussion of the project</a:t>
+            </a:r>
+            <a:endParaRPr lang="it-IT" sz="1800" b="0" strike="noStrike" spc="-1">
+              <a:solidFill>
+                <a:srgbClr val="000000"/>
+              </a:solidFill>
+              <a:latin typeface="Arial"/>
+            </a:endParaRPr>
+          </a:p>
+          <a:p>
+            <a:pPr>
+              <a:lnSpc>
+                <a:spcPct val="115000"/>
+              </a:lnSpc>
+              <a:spcBef>
+                <a:spcPts val="1199"/>
+              </a:spcBef>
+              <a:spcAft>
+                <a:spcPts val="1199"/>
+              </a:spcAft>
+              <a:buNone/>
+              <a:tabLst>
+                <a:tab pos="0" algn="l"/>
+              </a:tabLst>
+            </a:pPr>
+            <a:r>
+              <a:rPr lang="it" sz="1800" b="0" strike="noStrike" spc="-1">
+                <a:solidFill>
+                  <a:srgbClr val="595959"/>
+                </a:solidFill>
+                <a:latin typeface="Arial"/>
+                <a:ea typeface="Arial"/>
+              </a:rPr>
+              <a:t>In the appendix you can use a smaller font (although readable. e.g. ≥11) and even smaller for tables </a:t>
+            </a:r>
+            <a:endParaRPr lang="it-IT" sz="1800" b="0" strike="noStrike" spc="-1">
+              <a:solidFill>
+                <a:srgbClr val="000000"/>
+              </a:solidFill>
+              <a:latin typeface="Arial"/>
+            </a:endParaRPr>
+          </a:p>
+        </p:txBody>
+      </p:sp>
+      <p:sp>
+        <p:nvSpPr>
+          <p:cNvPr id="122" name="PlaceHolder 3"/>
+          <p:cNvSpPr>
+            <a:spLocks noGrp="1"/>
+          </p:cNvSpPr>
+          <p:nvPr>
+            <p:ph type="sldNum" idx="14"/>
+          </p:nvPr>
+        </p:nvSpPr>
+        <p:spPr>
+          <a:xfrm>
+            <a:off x="8472600" y="4663080"/>
+            <a:ext cx="548280" cy="393120"/>
+          </a:xfrm>
+          <a:prstGeom prst="rect">
+            <a:avLst/>
+          </a:prstGeom>
+          <a:noFill/>
+          <a:ln w="0">
+            <a:noFill/>
+          </a:ln>
+        </p:spPr>
+        <p:txBody>
+          <a:bodyPr tIns="91440" bIns="91440" anchor="ctr">
+            <a:normAutofit/>
+          </a:bodyPr>
+          <a:lstStyle>
+            <a:lvl1pPr algn="r">
+              <a:lnSpc>
+                <a:spcPct val="100000"/>
+              </a:lnSpc>
+              <a:buNone/>
+              <a:tabLst>
+                <a:tab pos="0" algn="l"/>
+              </a:tabLst>
+              <a:defRPr lang="it" sz="1000" b="0" strike="noStrike" spc="-1">
+                <a:solidFill>
+                  <a:srgbClr val="595959"/>
+                </a:solidFill>
+                <a:latin typeface="Arial"/>
+                <a:ea typeface="Arial"/>
+              </a:defRPr>
+            </a:lvl1pPr>
+          </a:lstStyle>
+          <a:p>
+            <a:pPr algn="r">
+              <a:lnSpc>
+                <a:spcPct val="100000"/>
+              </a:lnSpc>
+              <a:buNone/>
+              <a:tabLst>
+                <a:tab pos="0" algn="l"/>
+              </a:tabLst>
+            </a:pPr>
+            <a:fld id="{25B94CD5-D627-49BE-818E-4A00F2BB16DF}" type="slidenum">
+              <a:rPr lang="it" sz="1000" b="0" strike="noStrike" spc="-1">
+                <a:solidFill>
+                  <a:srgbClr val="595959"/>
+                </a:solidFill>
+                <a:latin typeface="Arial"/>
+                <a:ea typeface="Arial"/>
+              </a:rPr>
+              <a:t>21</a:t>
+            </a:fld>
+            <a:endParaRPr lang="it-IT" sz="1000" b="0" strike="noStrike" spc="-1">
+              <a:latin typeface="Times New Roman"/>
+            </a:endParaRPr>
           </a:p>
         </p:txBody>
       </p:sp>
@@ -13427,7 +14969,7 @@
         <p:spPr>
           <a:xfrm>
             <a:off x="311760" y="1187179"/>
-            <a:ext cx="8160840" cy="1169551"/>
+            <a:ext cx="8160840" cy="307777"/>
           </a:xfrm>
           <a:prstGeom prst="rect">
             <a:avLst/>
@@ -13479,55 +15021,6 @@
                 </a:solidFill>
               </a:rPr>
               <a:t> che si fa. </a:t>
-            </a:r>
-          </a:p>
-          <a:p>
-            <a:endParaRPr lang="it-IT" sz="1400" dirty="0">
-              <a:solidFill>
-                <a:srgbClr val="FF0000"/>
-              </a:solidFill>
-            </a:endParaRPr>
-          </a:p>
-          <a:p>
-            <a:r>
-              <a:rPr lang="it-IT" sz="1400" dirty="0">
-                <a:solidFill>
-                  <a:srgbClr val="FF0000"/>
-                </a:solidFill>
-              </a:rPr>
-              <a:t>Inoltre, se sono stati fatti dei test preliminari, delle esplorazioni, possiamo parlarne in maniera molto sintetica (magari qualche esplorazione un po’ random ha aiutato a restringere il dominio della </a:t>
-            </a:r>
-            <a:r>
-              <a:rPr lang="it-IT" sz="1400" dirty="0" err="1">
-                <a:solidFill>
-                  <a:srgbClr val="FF0000"/>
-                </a:solidFill>
-              </a:rPr>
-              <a:t>grid</a:t>
-            </a:r>
-            <a:r>
-              <a:rPr lang="it-IT" sz="1400" dirty="0">
-                <a:solidFill>
-                  <a:srgbClr val="FF0000"/>
-                </a:solidFill>
-              </a:rPr>
-              <a:t> </a:t>
-            </a:r>
-            <a:r>
-              <a:rPr lang="it-IT" sz="1400" dirty="0" err="1">
-                <a:solidFill>
-                  <a:srgbClr val="FF0000"/>
-                </a:solidFill>
-              </a:rPr>
-              <a:t>search</a:t>
-            </a:r>
-            <a:r>
-              <a:rPr lang="it-IT" sz="1400" dirty="0">
-                <a:solidFill>
-                  <a:srgbClr val="FF0000"/>
-                </a:solidFill>
-              </a:rPr>
-              <a:t>)</a:t>
             </a:r>
           </a:p>
         </p:txBody>
@@ -13546,7 +15039,7 @@
         </p:nvSpPr>
         <p:spPr>
           <a:xfrm>
-            <a:off x="389965" y="2783541"/>
+            <a:off x="311760" y="2092926"/>
             <a:ext cx="7732059" cy="738664"/>
           </a:xfrm>
           <a:prstGeom prst="rect">
@@ -13717,6 +15210,77 @@
                 <a:srgbClr val="FF0000"/>
               </a:solidFill>
             </a:endParaRPr>
+          </a:p>
+        </p:txBody>
+      </p:sp>
+      <p:sp>
+        <p:nvSpPr>
+          <p:cNvPr id="3" name="CasellaDiTesto 2">
+            <a:extLst>
+              <a:ext uri="{FF2B5EF4-FFF2-40B4-BE49-F238E27FC236}">
+                <a16:creationId xmlns:a16="http://schemas.microsoft.com/office/drawing/2014/main" id="{3E7B66B1-C503-A37D-09E3-87ED1CC4BD05}"/>
+              </a:ext>
+            </a:extLst>
+          </p:cNvPr>
+          <p:cNvSpPr txBox="1"/>
+          <p:nvPr/>
+        </p:nvSpPr>
+        <p:spPr>
+          <a:xfrm>
+            <a:off x="311760" y="3413781"/>
+            <a:ext cx="8062465" cy="954107"/>
+          </a:xfrm>
+          <a:prstGeom prst="rect">
+            <a:avLst/>
+          </a:prstGeom>
+          <a:noFill/>
+        </p:spPr>
+        <p:txBody>
+          <a:bodyPr wrap="square" rtlCol="0">
+            <a:spAutoFit/>
+          </a:bodyPr>
+          <a:lstStyle/>
+          <a:p>
+            <a:r>
+              <a:rPr lang="it-IT" sz="1400" dirty="0">
+                <a:solidFill>
+                  <a:srgbClr val="FF0000"/>
+                </a:solidFill>
+              </a:rPr>
+              <a:t>Potrebbe anche essere interessante parlare, sinteticamente, dell’ esplorazione preliminare dei dati che abbiamo condotto in </a:t>
+            </a:r>
+            <a:r>
+              <a:rPr lang="it-IT" sz="1400" dirty="0" err="1">
+                <a:solidFill>
+                  <a:srgbClr val="FF0000"/>
+                </a:solidFill>
+              </a:rPr>
+              <a:t>exploration.ipynb</a:t>
+            </a:r>
+            <a:r>
+              <a:rPr lang="it-IT" sz="1400" dirty="0">
+                <a:solidFill>
+                  <a:srgbClr val="FF0000"/>
+                </a:solidFill>
+              </a:rPr>
+              <a:t>. Cosa ha rivelato? Ha guidato la scelta degli </a:t>
+            </a:r>
+            <a:r>
+              <a:rPr lang="it-IT" sz="1400" dirty="0" err="1">
+                <a:solidFill>
+                  <a:srgbClr val="FF0000"/>
+                </a:solidFill>
+              </a:rPr>
+              <a:t>iperparametri</a:t>
+            </a:r>
+            <a:r>
+              <a:rPr lang="it-IT" sz="1400" dirty="0">
+                <a:solidFill>
+                  <a:srgbClr val="FF0000"/>
+                </a:solidFill>
+              </a:rPr>
+              <a:t>? Ha creato qualche aspettativa? Ci ha fatto formulare qualche ipotesi? Se sì, è stata confermata o smentita?</a:t>
+            </a:r>
           </a:p>
         </p:txBody>
       </p:sp>
@@ -13791,17 +15355,7 @@
                 <a:latin typeface="Arial"/>
                 <a:ea typeface="Arial"/>
               </a:rPr>
-              <a:t>Monk Results – Tables </a:t>
-            </a:r>
-            <a:r>
-              <a:rPr lang="it" sz="2400" spc="-1" dirty="0">
-                <a:solidFill>
-                  <a:srgbClr val="000000"/>
-                </a:solidFill>
-                <a:latin typeface="Arial"/>
-                <a:ea typeface="Arial"/>
-              </a:rPr>
-              <a:t>1/2</a:t>
+              <a:t>Monk Results: Selected grid search results – 1 </a:t>
             </a:r>
             <a:endParaRPr lang="it-IT" sz="2400" b="0" strike="noStrike" spc="-1" dirty="0">
               <a:solidFill>
@@ -14909,7 +16463,7 @@
                 <a:latin typeface="Arial"/>
                 <a:ea typeface="Arial"/>
               </a:rPr>
-              <a:t>Monk Results </a:t>
+              <a:t>Monk Results:</a:t>
             </a:r>
             <a:r>
               <a:rPr lang="it" sz="2400" spc="-1" dirty="0">
@@ -14919,7 +16473,7 @@
                 <a:latin typeface="Arial"/>
                 <a:ea typeface="Arial"/>
               </a:rPr>
-              <a:t>– Tables 2/2</a:t>
+              <a:t> Selected grid search results – 2</a:t>
             </a:r>
             <a:endParaRPr lang="it-IT" sz="2400" b="0" strike="noStrike" spc="-1" dirty="0">
               <a:solidFill>
@@ -15637,7 +17191,7 @@
                 <a:latin typeface="Arial"/>
                 <a:ea typeface="Arial"/>
               </a:rPr>
-              <a:t>Monk Results</a:t>
+              <a:t>Monk Results:</a:t>
             </a:r>
             <a:r>
               <a:rPr lang="it" sz="2700" spc="-1" dirty="0">
@@ -15647,7 +17201,7 @@
                 <a:latin typeface="Arial"/>
                 <a:ea typeface="Arial"/>
               </a:rPr>
-              <a:t> – Plots </a:t>
+              <a:t> Plots – 1 </a:t>
             </a:r>
             <a:r>
               <a:rPr lang="it" sz="2700" spc="-1" dirty="0">
@@ -15845,76 +17399,6 @@
             <a:r>
               <a:rPr lang="it-IT" dirty="0"/>
               <a:t> (su TR set e TS set) ma su un grafico diverso.</a:t>
-            </a:r>
-          </a:p>
-        </p:txBody>
-      </p:sp>
-      <p:sp>
-        <p:nvSpPr>
-          <p:cNvPr id="4" name="CasellaDiTesto 3">
-            <a:extLst>
-              <a:ext uri="{FF2B5EF4-FFF2-40B4-BE49-F238E27FC236}">
-                <a16:creationId xmlns:a16="http://schemas.microsoft.com/office/drawing/2014/main" id="{CBEB1373-635A-F144-9DC0-DA7A311F4F84}"/>
-              </a:ext>
-            </a:extLst>
-          </p:cNvPr>
-          <p:cNvSpPr txBox="1"/>
-          <p:nvPr/>
-        </p:nvSpPr>
-        <p:spPr>
-          <a:xfrm>
-            <a:off x="311760" y="3109813"/>
-            <a:ext cx="8160840" cy="369332"/>
-          </a:xfrm>
-          <a:prstGeom prst="rect">
-            <a:avLst/>
-          </a:prstGeom>
-          <a:noFill/>
-        </p:spPr>
-        <p:txBody>
-          <a:bodyPr wrap="square" rtlCol="0">
-            <a:spAutoFit/>
-          </a:bodyPr>
-          <a:lstStyle/>
-          <a:p>
-            <a:r>
-              <a:rPr lang="it-IT" dirty="0"/>
-              <a:t>Per modelli che non sono reti neurali, ci sarà qualcosa di analogo?</a:t>
-            </a:r>
-          </a:p>
-        </p:txBody>
-      </p:sp>
-      <p:sp>
-        <p:nvSpPr>
-          <p:cNvPr id="5" name="CasellaDiTesto 4">
-            <a:extLst>
-              <a:ext uri="{FF2B5EF4-FFF2-40B4-BE49-F238E27FC236}">
-                <a16:creationId xmlns:a16="http://schemas.microsoft.com/office/drawing/2014/main" id="{7E886A82-81A5-CFE8-5826-05F45E22A7C8}"/>
-              </a:ext>
-            </a:extLst>
-          </p:cNvPr>
-          <p:cNvSpPr txBox="1"/>
-          <p:nvPr/>
-        </p:nvSpPr>
-        <p:spPr>
-          <a:xfrm>
-            <a:off x="311760" y="3774522"/>
-            <a:ext cx="8160840" cy="369332"/>
-          </a:xfrm>
-          <a:prstGeom prst="rect">
-            <a:avLst/>
-          </a:prstGeom>
-          <a:noFill/>
-        </p:spPr>
-        <p:txBody>
-          <a:bodyPr wrap="square" rtlCol="0">
-            <a:spAutoFit/>
-          </a:bodyPr>
-          <a:lstStyle/>
-          <a:p>
-            <a:r>
-              <a:rPr lang="it-IT" dirty="0"/>
-              <a:t>Ovviamente, si può andare su più slides, senza esagerare</a:t>
             </a:r>
           </a:p>
         </p:txBody>

--- a/relazione/ML-2023-PRJ-Slides-Demo.pptx
+++ b/relazione/ML-2023-PRJ-Slides-Demo.pptx
@@ -218,7 +218,7 @@
           <a:p>
             <a:fld id="{6A71CC8E-465E-46C0-91CA-2080D1264305}" type="datetimeFigureOut">
               <a:rPr lang="it-IT" smtClean="0"/>
-              <a:t>17/01/2024</a:t>
+              <a:t>18/01/2024</a:t>
             </a:fld>
             <a:endParaRPr lang="it-IT"/>
           </a:p>
@@ -5678,7 +5678,7 @@
         <p:spPr>
           <a:xfrm>
             <a:off x="311760" y="2676240"/>
-            <a:ext cx="8415720" cy="1477080"/>
+            <a:ext cx="8415720" cy="1374120"/>
           </a:xfrm>
           <a:prstGeom prst="rect">
             <a:avLst/>
@@ -5785,9 +5785,6 @@
               </a:rPr>
               <a:t>,</a:t>
             </a:r>
-            <a:endParaRPr lang="it-IT" sz="1520" b="0" strike="noStrike" spc="-1" dirty="0">
-              <a:latin typeface="Arial"/>
-            </a:endParaRPr>
           </a:p>
           <a:p>
             <a:pPr algn="ctr">
@@ -5800,18 +5797,24 @@
               </a:tabLst>
             </a:pPr>
             <a:r>
-              <a:rPr lang="it" sz="1520" b="0" strike="noStrike" spc="-1" dirty="0">
-                <a:solidFill>
-                  <a:srgbClr val="000000"/>
-                </a:solidFill>
-                <a:latin typeface="Arial"/>
-                <a:ea typeface="Arial"/>
-              </a:rPr>
-              <a:t>Altra</a:t>
-            </a:r>
-            <a:endParaRPr lang="it-IT" sz="1520" b="0" strike="noStrike" spc="-1" dirty="0">
-              <a:latin typeface="Arial"/>
-            </a:endParaRPr>
+              <a:rPr lang="it" sz="1520" spc="-1" dirty="0">
+                <a:solidFill>
+                  <a:srgbClr val="000000"/>
+                </a:solidFill>
+                <a:latin typeface="Arial"/>
+                <a:hlinkClick r:id="rId3"/>
+              </a:rPr>
+              <a:t>p.mollica@studenti.unipi.it</a:t>
+            </a:r>
+            <a:r>
+              <a:rPr lang="it" sz="1520" spc="-1" dirty="0">
+                <a:solidFill>
+                  <a:srgbClr val="000000"/>
+                </a:solidFill>
+                <a:latin typeface="Arial"/>
+              </a:rPr>
+              <a:t>,</a:t>
+            </a:r>
           </a:p>
           <a:p>
             <a:pPr algn="ctr">
@@ -5965,7 +5968,7 @@
           <p:nvPr/>
         </p:nvPicPr>
         <p:blipFill>
-          <a:blip r:embed="rId3"/>
+          <a:blip r:embed="rId4"/>
           <a:stretch/>
         </p:blipFill>
         <p:spPr>
@@ -14968,7 +14971,7 @@
         </p:nvSpPr>
         <p:spPr>
           <a:xfrm>
-            <a:off x="311760" y="1187179"/>
+            <a:off x="311760" y="616670"/>
             <a:ext cx="8160840" cy="307777"/>
           </a:xfrm>
           <a:prstGeom prst="rect">
@@ -15039,7 +15042,7 @@
         </p:nvSpPr>
         <p:spPr>
           <a:xfrm>
-            <a:off x="311760" y="2092926"/>
+            <a:off x="311760" y="1191093"/>
             <a:ext cx="7732059" cy="738664"/>
           </a:xfrm>
           <a:prstGeom prst="rect">
@@ -15227,7 +15230,7 @@
         </p:nvSpPr>
         <p:spPr>
           <a:xfrm>
-            <a:off x="311760" y="3413781"/>
+            <a:off x="311760" y="2140686"/>
             <a:ext cx="8062465" cy="954107"/>
           </a:xfrm>
           <a:prstGeom prst="rect">
@@ -15280,6 +15283,131 @@
                 </a:solidFill>
               </a:rPr>
               <a:t>? Ha creato qualche aspettativa? Ci ha fatto formulare qualche ipotesi? Se sì, è stata confermata o smentita?</a:t>
+            </a:r>
+          </a:p>
+        </p:txBody>
+      </p:sp>
+      <p:sp>
+        <p:nvSpPr>
+          <p:cNvPr id="5" name="CasellaDiTesto 4">
+            <a:extLst>
+              <a:ext uri="{FF2B5EF4-FFF2-40B4-BE49-F238E27FC236}">
+                <a16:creationId xmlns:a16="http://schemas.microsoft.com/office/drawing/2014/main" id="{A8087FD7-7006-3A2A-3B0A-03880C8C49E0}"/>
+              </a:ext>
+            </a:extLst>
+          </p:cNvPr>
+          <p:cNvSpPr txBox="1"/>
+          <p:nvPr/>
+        </p:nvSpPr>
+        <p:spPr>
+          <a:xfrm>
+            <a:off x="605118" y="3496235"/>
+            <a:ext cx="7120217" cy="738664"/>
+          </a:xfrm>
+          <a:prstGeom prst="rect">
+            <a:avLst/>
+          </a:prstGeom>
+          <a:noFill/>
+        </p:spPr>
+        <p:txBody>
+          <a:bodyPr wrap="square" rtlCol="0">
+            <a:spAutoFit/>
+          </a:bodyPr>
+          <a:lstStyle/>
+          <a:p>
+            <a:r>
+              <a:rPr lang="it-IT" sz="1400" dirty="0"/>
+              <a:t>Weight </a:t>
+            </a:r>
+            <a:r>
+              <a:rPr lang="it-IT" sz="1400" dirty="0" err="1"/>
+              <a:t>init</a:t>
+            </a:r>
+            <a:r>
+              <a:rPr lang="it-IT" sz="1400" dirty="0"/>
+              <a:t>. (Be </a:t>
+            </a:r>
+            <a:r>
+              <a:rPr lang="it-IT" sz="1400" dirty="0" err="1"/>
+              <a:t>normal</a:t>
+            </a:r>
+            <a:r>
+              <a:rPr lang="it-IT" sz="1400" dirty="0"/>
+              <a:t>), dropout, </a:t>
+            </a:r>
+            <a:r>
+              <a:rPr lang="it-IT" sz="1400" dirty="0" err="1"/>
+              <a:t>robust</a:t>
+            </a:r>
+            <a:r>
+              <a:rPr lang="it-IT" sz="1400" dirty="0"/>
+              <a:t> </a:t>
+            </a:r>
+            <a:r>
+              <a:rPr lang="it-IT" sz="1400" dirty="0" err="1"/>
+              <a:t>scaler</a:t>
+            </a:r>
+            <a:r>
+              <a:rPr lang="it-IT" sz="1400" dirty="0"/>
+              <a:t>, </a:t>
+            </a:r>
+            <a:r>
+              <a:rPr lang="it-IT" sz="1400" dirty="0" err="1"/>
+              <a:t>usage</a:t>
+            </a:r>
+            <a:r>
+              <a:rPr lang="it-IT" sz="1400" dirty="0"/>
+              <a:t> of a </a:t>
+            </a:r>
+            <a:r>
+              <a:rPr lang="it-IT" sz="1400" dirty="0" err="1"/>
+              <a:t>Bayesian</a:t>
+            </a:r>
+            <a:r>
+              <a:rPr lang="it-IT" sz="1400" dirty="0"/>
+              <a:t> </a:t>
+            </a:r>
+            <a:r>
+              <a:rPr lang="it-IT" sz="1400" dirty="0" err="1"/>
+              <a:t>opt</a:t>
+            </a:r>
+            <a:r>
+              <a:rPr lang="it-IT" sz="1400" dirty="0"/>
+              <a:t>, </a:t>
+            </a:r>
+            <a:r>
+              <a:rPr lang="it-IT" sz="1400" dirty="0" err="1"/>
+              <a:t>something</a:t>
+            </a:r>
+            <a:r>
+              <a:rPr lang="it-IT" sz="1400" dirty="0"/>
+              <a:t> on the dropout? </a:t>
+            </a:r>
+          </a:p>
+          <a:p>
+            <a:r>
+              <a:rPr lang="it-IT" sz="1400" dirty="0" err="1"/>
+              <a:t>Why</a:t>
+            </a:r>
+            <a:r>
+              <a:rPr lang="it-IT" sz="1400" dirty="0"/>
+              <a:t> a pipeline </a:t>
+            </a:r>
+            <a:r>
+              <a:rPr lang="it-IT" sz="1400" dirty="0" err="1"/>
+              <a:t>instead</a:t>
+            </a:r>
+            <a:r>
+              <a:rPr lang="it-IT" sz="1400" dirty="0"/>
+              <a:t> of </a:t>
+            </a:r>
+            <a:r>
+              <a:rPr lang="it-IT" sz="1400" dirty="0" err="1"/>
+              <a:t>sequential</a:t>
+            </a:r>
+            <a:r>
+              <a:rPr lang="it-IT" sz="1400" dirty="0"/>
+              <a:t>?  </a:t>
             </a:r>
           </a:p>
         </p:txBody>

--- a/relazione/ML-2023-PRJ-Slides-Demo.pptx
+++ b/relazione/ML-2023-PRJ-Slides-Demo.pptx
@@ -6,30 +6,31 @@
     <p:sldMasterId id="2147483661" r:id="rId2"/>
   </p:sldMasterIdLst>
   <p:notesMasterIdLst>
-    <p:notesMasterId r:id="rId24"/>
+    <p:notesMasterId r:id="rId25"/>
   </p:notesMasterIdLst>
   <p:sldIdLst>
     <p:sldId id="256" r:id="rId3"/>
     <p:sldId id="257" r:id="rId4"/>
     <p:sldId id="269" r:id="rId5"/>
-    <p:sldId id="258" r:id="rId6"/>
+    <p:sldId id="278" r:id="rId6"/>
     <p:sldId id="270" r:id="rId7"/>
     <p:sldId id="259" r:id="rId8"/>
-    <p:sldId id="260" r:id="rId9"/>
-    <p:sldId id="271" r:id="rId10"/>
-    <p:sldId id="261" r:id="rId11"/>
-    <p:sldId id="276" r:id="rId12"/>
-    <p:sldId id="262" r:id="rId13"/>
-    <p:sldId id="263" r:id="rId14"/>
-    <p:sldId id="264" r:id="rId15"/>
-    <p:sldId id="274" r:id="rId16"/>
-    <p:sldId id="272" r:id="rId17"/>
-    <p:sldId id="275" r:id="rId18"/>
-    <p:sldId id="265" r:id="rId19"/>
-    <p:sldId id="266" r:id="rId20"/>
-    <p:sldId id="273" r:id="rId21"/>
-    <p:sldId id="277" r:id="rId22"/>
-    <p:sldId id="268" r:id="rId23"/>
+    <p:sldId id="279" r:id="rId9"/>
+    <p:sldId id="260" r:id="rId10"/>
+    <p:sldId id="271" r:id="rId11"/>
+    <p:sldId id="261" r:id="rId12"/>
+    <p:sldId id="276" r:id="rId13"/>
+    <p:sldId id="262" r:id="rId14"/>
+    <p:sldId id="263" r:id="rId15"/>
+    <p:sldId id="264" r:id="rId16"/>
+    <p:sldId id="274" r:id="rId17"/>
+    <p:sldId id="272" r:id="rId18"/>
+    <p:sldId id="275" r:id="rId19"/>
+    <p:sldId id="265" r:id="rId20"/>
+    <p:sldId id="266" r:id="rId21"/>
+    <p:sldId id="273" r:id="rId22"/>
+    <p:sldId id="277" r:id="rId23"/>
+    <p:sldId id="268" r:id="rId24"/>
   </p:sldIdLst>
   <p:sldSz cx="9144000" cy="5143500" type="screen16x9"/>
   <p:notesSz cx="6858000" cy="9144000"/>
@@ -6065,7 +6066,7 @@
                 <a:latin typeface="Arial"/>
                 <a:ea typeface="Arial"/>
               </a:rPr>
-              <a:t> Plots – 2 </a:t>
+              <a:t> Plots – 1 </a:t>
             </a:r>
             <a:r>
               <a:rPr lang="it" sz="2700" spc="-1" dirty="0">
@@ -6159,6 +6160,289 @@
       </p:sp>
       <p:sp>
         <p:nvSpPr>
+          <p:cNvPr id="2" name="CasellaDiTesto 1">
+            <a:extLst>
+              <a:ext uri="{FF2B5EF4-FFF2-40B4-BE49-F238E27FC236}">
+                <a16:creationId xmlns:a16="http://schemas.microsoft.com/office/drawing/2014/main" id="{514DA6D7-39AB-9E4A-2149-602BE3613606}"/>
+              </a:ext>
+            </a:extLst>
+          </p:cNvPr>
+          <p:cNvSpPr txBox="1"/>
+          <p:nvPr/>
+        </p:nvSpPr>
+        <p:spPr>
+          <a:xfrm>
+            <a:off x="311760" y="921124"/>
+            <a:ext cx="8160840" cy="738664"/>
+          </a:xfrm>
+          <a:prstGeom prst="rect">
+            <a:avLst/>
+          </a:prstGeom>
+          <a:noFill/>
+        </p:spPr>
+        <p:txBody>
+          <a:bodyPr wrap="square" rtlCol="0">
+            <a:spAutoFit/>
+          </a:bodyPr>
+          <a:lstStyle/>
+          <a:p>
+            <a:r>
+              <a:rPr lang="it-IT" sz="1400" dirty="0"/>
+              <a:t>Per i tre task del </a:t>
+            </a:r>
+            <a:r>
+              <a:rPr lang="it-IT" sz="1400" dirty="0" err="1"/>
+              <a:t>monk</a:t>
+            </a:r>
+            <a:r>
+              <a:rPr lang="it-IT" sz="1400" dirty="0"/>
+              <a:t>, vuole la learning curve (su TR set e TS set) (MSE per epoca, nel caso di </a:t>
+            </a:r>
+            <a:r>
+              <a:rPr lang="it-IT" sz="1400" dirty="0" err="1"/>
+              <a:t>sgd</a:t>
+            </a:r>
+            <a:r>
+              <a:rPr lang="it-IT" sz="1400" dirty="0"/>
+              <a:t>/</a:t>
+            </a:r>
+            <a:r>
+              <a:rPr lang="it-IT" sz="1400" dirty="0" err="1"/>
+              <a:t>minibatch</a:t>
+            </a:r>
+            <a:r>
+              <a:rPr lang="it-IT" sz="1400" dirty="0"/>
+              <a:t> vuole che ogni punto corrisponda alla media sull’epoca a cui tale punto si riferisce. Mi sa che le librerie calcolano ciò da sole?)</a:t>
+            </a:r>
+          </a:p>
+        </p:txBody>
+      </p:sp>
+      <p:sp>
+        <p:nvSpPr>
+          <p:cNvPr id="3" name="CasellaDiTesto 2">
+            <a:extLst>
+              <a:ext uri="{FF2B5EF4-FFF2-40B4-BE49-F238E27FC236}">
+                <a16:creationId xmlns:a16="http://schemas.microsoft.com/office/drawing/2014/main" id="{80658CF0-E730-C2EB-9FE8-FEF7B463973B}"/>
+              </a:ext>
+            </a:extLst>
+          </p:cNvPr>
+          <p:cNvSpPr txBox="1"/>
+          <p:nvPr/>
+        </p:nvSpPr>
+        <p:spPr>
+          <a:xfrm>
+            <a:off x="311760" y="2128922"/>
+            <a:ext cx="8160840" cy="646331"/>
+          </a:xfrm>
+          <a:prstGeom prst="rect">
+            <a:avLst/>
+          </a:prstGeom>
+          <a:noFill/>
+        </p:spPr>
+        <p:txBody>
+          <a:bodyPr wrap="square" rtlCol="0">
+            <a:spAutoFit/>
+          </a:bodyPr>
+          <a:lstStyle/>
+          <a:p>
+            <a:r>
+              <a:rPr lang="it-IT" dirty="0"/>
+              <a:t>Per i tre task del </a:t>
+            </a:r>
+            <a:r>
+              <a:rPr lang="it-IT" dirty="0" err="1"/>
+              <a:t>monk</a:t>
+            </a:r>
+            <a:r>
+              <a:rPr lang="it-IT" dirty="0"/>
+              <a:t>, bisogna anche plottare l’</a:t>
+            </a:r>
+            <a:r>
+              <a:rPr lang="it-IT" dirty="0" err="1"/>
+              <a:t>accuracy</a:t>
+            </a:r>
+            <a:r>
+              <a:rPr lang="it-IT" dirty="0"/>
+              <a:t> (su TR set e TS set) ma su un grafico diverso.</a:t>
+            </a:r>
+          </a:p>
+        </p:txBody>
+      </p:sp>
+    </p:spTree>
+  </p:cSld>
+  <p:clrMapOvr>
+    <a:masterClrMapping/>
+  </p:clrMapOvr>
+</p:sld>
+</file>
+
+<file path=ppt/slides/slide11.xml><?xml version="1.0" encoding="utf-8"?>
+<p:sld xmlns:a="http://schemas.openxmlformats.org/drawingml/2006/main" xmlns:r="http://schemas.openxmlformats.org/officeDocument/2006/relationships" xmlns:p="http://schemas.openxmlformats.org/presentationml/2006/main">
+  <p:cSld>
+    <p:spTree>
+      <p:nvGrpSpPr>
+        <p:cNvPr id="1" name=""/>
+        <p:cNvGrpSpPr/>
+        <p:nvPr/>
+      </p:nvGrpSpPr>
+      <p:grpSpPr>
+        <a:xfrm>
+          <a:off x="0" y="0"/>
+          <a:ext cx="0" cy="0"/>
+          <a:chOff x="0" y="0"/>
+          <a:chExt cx="0" cy="0"/>
+        </a:xfrm>
+      </p:grpSpPr>
+      <p:sp>
+        <p:nvSpPr>
+          <p:cNvPr id="97" name="PlaceHolder 1"/>
+          <p:cNvSpPr>
+            <a:spLocks noGrp="1"/>
+          </p:cNvSpPr>
+          <p:nvPr>
+            <p:ph type="title"/>
+          </p:nvPr>
+        </p:nvSpPr>
+        <p:spPr>
+          <a:xfrm>
+            <a:off x="311760" y="2700"/>
+            <a:ext cx="8520120" cy="572400"/>
+          </a:xfrm>
+          <a:prstGeom prst="rect">
+            <a:avLst/>
+          </a:prstGeom>
+          <a:noFill/>
+          <a:ln w="0">
+            <a:noFill/>
+          </a:ln>
+        </p:spPr>
+        <p:txBody>
+          <a:bodyPr tIns="91440" bIns="91440" anchor="t">
+            <a:normAutofit fontScale="90000"/>
+          </a:bodyPr>
+          <a:lstStyle/>
+          <a:p>
+            <a:pPr>
+              <a:lnSpc>
+                <a:spcPct val="100000"/>
+              </a:lnSpc>
+              <a:buNone/>
+              <a:tabLst>
+                <a:tab pos="0" algn="l"/>
+              </a:tabLst>
+            </a:pPr>
+            <a:r>
+              <a:rPr lang="it" sz="2700" b="0" strike="noStrike" spc="-1" dirty="0">
+                <a:solidFill>
+                  <a:srgbClr val="000000"/>
+                </a:solidFill>
+                <a:latin typeface="Arial"/>
+                <a:ea typeface="Arial"/>
+              </a:rPr>
+              <a:t>Monk Results:</a:t>
+            </a:r>
+            <a:r>
+              <a:rPr lang="it" sz="2700" spc="-1" dirty="0">
+                <a:solidFill>
+                  <a:srgbClr val="000000"/>
+                </a:solidFill>
+                <a:latin typeface="Arial"/>
+                <a:ea typeface="Arial"/>
+              </a:rPr>
+              <a:t> Plots – 2 </a:t>
+            </a:r>
+            <a:r>
+              <a:rPr lang="it" sz="2700" spc="-1" dirty="0">
+                <a:solidFill>
+                  <a:srgbClr val="FF0000"/>
+                </a:solidFill>
+                <a:latin typeface="Arial"/>
+                <a:ea typeface="Arial"/>
+              </a:rPr>
+              <a:t>DA FARE</a:t>
+            </a:r>
+            <a:endParaRPr lang="it-IT" sz="2800" b="0" strike="noStrike" spc="-1" dirty="0">
+              <a:solidFill>
+                <a:srgbClr val="FF0000"/>
+              </a:solidFill>
+              <a:latin typeface="Arial"/>
+            </a:endParaRPr>
+          </a:p>
+        </p:txBody>
+      </p:sp>
+      <p:sp>
+        <p:nvSpPr>
+          <p:cNvPr id="100" name="PlaceHolder 3"/>
+          <p:cNvSpPr>
+            <a:spLocks noGrp="1"/>
+          </p:cNvSpPr>
+          <p:nvPr>
+            <p:ph type="sldNum" idx="7"/>
+          </p:nvPr>
+        </p:nvSpPr>
+        <p:spPr>
+          <a:xfrm>
+            <a:off x="8472600" y="4663080"/>
+            <a:ext cx="548280" cy="393120"/>
+          </a:xfrm>
+          <a:prstGeom prst="rect">
+            <a:avLst/>
+          </a:prstGeom>
+          <a:noFill/>
+          <a:ln w="0">
+            <a:noFill/>
+          </a:ln>
+        </p:spPr>
+        <p:txBody>
+          <a:bodyPr tIns="91440" bIns="91440" anchor="ctr">
+            <a:normAutofit/>
+          </a:bodyPr>
+          <a:lstStyle>
+            <a:lvl1pPr algn="r">
+              <a:lnSpc>
+                <a:spcPct val="100000"/>
+              </a:lnSpc>
+              <a:buNone/>
+              <a:tabLst>
+                <a:tab pos="0" algn="l"/>
+              </a:tabLst>
+              <a:defRPr lang="it" sz="1000" b="0" strike="noStrike" spc="-1">
+                <a:solidFill>
+                  <a:srgbClr val="595959"/>
+                </a:solidFill>
+                <a:latin typeface="Arial"/>
+                <a:ea typeface="Arial"/>
+              </a:defRPr>
+            </a:lvl1pPr>
+          </a:lstStyle>
+          <a:p>
+            <a:pPr algn="r">
+              <a:lnSpc>
+                <a:spcPct val="100000"/>
+              </a:lnSpc>
+              <a:buNone/>
+              <a:tabLst>
+                <a:tab pos="0" algn="l"/>
+              </a:tabLst>
+            </a:pPr>
+            <a:fld id="{75C65507-15BA-480B-A2F8-91DEDD4DCA22}" type="slidenum">
+              <a:rPr lang="it" sz="1000" b="0" strike="noStrike" spc="-1">
+                <a:solidFill>
+                  <a:srgbClr val="595959"/>
+                </a:solidFill>
+                <a:latin typeface="Arial"/>
+                <a:ea typeface="Arial"/>
+              </a:rPr>
+              <a:t>11</a:t>
+            </a:fld>
+            <a:endParaRPr lang="it-IT" sz="1000" b="0" strike="noStrike" spc="-1">
+              <a:latin typeface="Times New Roman"/>
+            </a:endParaRPr>
+          </a:p>
+        </p:txBody>
+      </p:sp>
+      <p:sp>
+        <p:nvSpPr>
           <p:cNvPr id="4" name="CasellaDiTesto 3">
             <a:extLst>
               <a:ext uri="{FF2B5EF4-FFF2-40B4-BE49-F238E27FC236}">
@@ -6275,7 +6559,7 @@
 </p:sld>
 </file>
 
-<file path=ppt/slides/slide11.xml><?xml version="1.0" encoding="utf-8"?>
+<file path=ppt/slides/slide12.xml><?xml version="1.0" encoding="utf-8"?>
 <p:sld xmlns:a="http://schemas.openxmlformats.org/drawingml/2006/main" xmlns:r="http://schemas.openxmlformats.org/officeDocument/2006/relationships" xmlns:p="http://schemas.openxmlformats.org/presentationml/2006/main">
   <p:cSld>
     <p:spTree>
@@ -6938,7 +7222,7 @@
                 <a:latin typeface="Arial"/>
                 <a:ea typeface="Arial"/>
               </a:rPr>
-              <a:t>11</a:t>
+              <a:t>12</a:t>
             </a:fld>
             <a:endParaRPr lang="it-IT" sz="1000" b="0" strike="noStrike" spc="-1">
               <a:latin typeface="Times New Roman"/>
@@ -6977,7 +7261,7 @@
 </p:sld>
 </file>
 
-<file path=ppt/slides/slide12.xml><?xml version="1.0" encoding="utf-8"?>
+<file path=ppt/slides/slide13.xml><?xml version="1.0" encoding="utf-8"?>
 <p:sld xmlns:a="http://schemas.openxmlformats.org/drawingml/2006/main" xmlns:r="http://schemas.openxmlformats.org/officeDocument/2006/relationships" xmlns:p="http://schemas.openxmlformats.org/presentationml/2006/main">
   <p:cSld>
     <p:spTree>
@@ -7697,7 +7981,7 @@
                 <a:latin typeface="Arial"/>
                 <a:ea typeface="Arial"/>
               </a:rPr>
-              <a:t>12</a:t>
+              <a:t>13</a:t>
             </a:fld>
             <a:endParaRPr lang="it-IT" sz="1000" b="0" strike="noStrike" spc="-1">
               <a:latin typeface="Times New Roman"/>
@@ -7746,253 +8030,6 @@
               <a:t> non è specificata). Oltre a ciò, uno «specchietto» con le risorse hardware utilizzate.  </a:t>
             </a:r>
             <a:endParaRPr lang="it-IT" dirty="0"/>
-          </a:p>
-        </p:txBody>
-      </p:sp>
-    </p:spTree>
-  </p:cSld>
-  <p:clrMapOvr>
-    <a:masterClrMapping/>
-  </p:clrMapOvr>
-</p:sld>
-</file>
-
-<file path=ppt/slides/slide13.xml><?xml version="1.0" encoding="utf-8"?>
-<p:sld xmlns:a="http://schemas.openxmlformats.org/drawingml/2006/main" xmlns:r="http://schemas.openxmlformats.org/officeDocument/2006/relationships" xmlns:p="http://schemas.openxmlformats.org/presentationml/2006/main">
-  <p:cSld>
-    <p:spTree>
-      <p:nvGrpSpPr>
-        <p:cNvPr id="1" name=""/>
-        <p:cNvGrpSpPr/>
-        <p:nvPr/>
-      </p:nvGrpSpPr>
-      <p:grpSpPr>
-        <a:xfrm>
-          <a:off x="0" y="0"/>
-          <a:ext cx="0" cy="0"/>
-          <a:chOff x="0" y="0"/>
-          <a:chExt cx="0" cy="0"/>
-        </a:xfrm>
-      </p:grpSpPr>
-      <p:sp>
-        <p:nvSpPr>
-          <p:cNvPr id="108" name="PlaceHolder 1"/>
-          <p:cNvSpPr>
-            <a:spLocks noGrp="1"/>
-          </p:cNvSpPr>
-          <p:nvPr>
-            <p:ph type="title"/>
-          </p:nvPr>
-        </p:nvSpPr>
-        <p:spPr>
-          <a:xfrm>
-            <a:off x="311760" y="0"/>
-            <a:ext cx="8520120" cy="572400"/>
-          </a:xfrm>
-          <a:prstGeom prst="rect">
-            <a:avLst/>
-          </a:prstGeom>
-          <a:noFill/>
-          <a:ln w="0">
-            <a:noFill/>
-          </a:ln>
-        </p:spPr>
-        <p:txBody>
-          <a:bodyPr tIns="91440" bIns="91440" anchor="t">
-            <a:normAutofit fontScale="91000"/>
-          </a:bodyPr>
-          <a:lstStyle/>
-          <a:p>
-            <a:pPr>
-              <a:lnSpc>
-                <a:spcPct val="100000"/>
-              </a:lnSpc>
-              <a:buNone/>
-              <a:tabLst>
-                <a:tab pos="0" algn="l"/>
-              </a:tabLst>
-            </a:pPr>
-            <a:r>
-              <a:rPr lang="it" sz="2600" b="0" strike="noStrike" spc="-1" dirty="0">
-                <a:solidFill>
-                  <a:srgbClr val="000000"/>
-                </a:solidFill>
-                <a:latin typeface="Arial"/>
-                <a:ea typeface="Arial"/>
-              </a:rPr>
-              <a:t>CUP</a:t>
-            </a:r>
-            <a:r>
-              <a:rPr lang="it" sz="2400" b="0" strike="noStrike" spc="-1" dirty="0">
-                <a:solidFill>
-                  <a:srgbClr val="000000"/>
-                </a:solidFill>
-                <a:latin typeface="Arial"/>
-                <a:ea typeface="Arial"/>
-              </a:rPr>
-              <a:t> </a:t>
-            </a:r>
-            <a:r>
-              <a:rPr lang="it" sz="2600" b="0" strike="noStrike" spc="-1" dirty="0">
-                <a:solidFill>
-                  <a:srgbClr val="000000"/>
-                </a:solidFill>
-                <a:latin typeface="Arial"/>
-                <a:ea typeface="Arial"/>
-              </a:rPr>
-              <a:t>Results: selected grid search results</a:t>
-            </a:r>
-            <a:endParaRPr lang="it-IT" sz="2400" b="0" strike="noStrike" spc="-1" dirty="0">
-              <a:solidFill>
-                <a:srgbClr val="000000"/>
-              </a:solidFill>
-              <a:latin typeface="Arial"/>
-            </a:endParaRPr>
-          </a:p>
-        </p:txBody>
-      </p:sp>
-      <p:sp>
-        <p:nvSpPr>
-          <p:cNvPr id="109" name="PlaceHolder 2"/>
-          <p:cNvSpPr>
-            <a:spLocks noGrp="1"/>
-          </p:cNvSpPr>
-          <p:nvPr>
-            <p:ph/>
-          </p:nvPr>
-        </p:nvSpPr>
-        <p:spPr>
-          <a:xfrm>
-            <a:off x="311760" y="1152360"/>
-            <a:ext cx="8520120" cy="3416040"/>
-          </a:xfrm>
-          <a:prstGeom prst="rect">
-            <a:avLst/>
-          </a:prstGeom>
-          <a:noFill/>
-          <a:ln w="0">
-            <a:noFill/>
-          </a:ln>
-        </p:spPr>
-        <p:txBody>
-          <a:bodyPr tIns="91440" bIns="91440" anchor="t">
-            <a:normAutofit/>
-          </a:bodyPr>
-          <a:lstStyle/>
-          <a:p>
-            <a:pPr>
-              <a:lnSpc>
-                <a:spcPct val="115000"/>
-              </a:lnSpc>
-              <a:buNone/>
-              <a:tabLst>
-                <a:tab pos="0" algn="l"/>
-              </a:tabLst>
-            </a:pPr>
-            <a:r>
-              <a:rPr lang="it-IT" sz="1500" b="0" u="sng" strike="noStrike" spc="-1" dirty="0">
-                <a:solidFill>
-                  <a:srgbClr val="FF0000"/>
-                </a:solidFill>
-                <a:latin typeface="Arial"/>
-              </a:rPr>
-              <a:t>OSS</a:t>
-            </a:r>
-            <a:r>
-              <a:rPr lang="it-IT" sz="1500" b="0" strike="noStrike" spc="-1" dirty="0">
-                <a:solidFill>
-                  <a:srgbClr val="000000"/>
-                </a:solidFill>
-                <a:latin typeface="Arial"/>
-              </a:rPr>
-              <a:t>: Possiamo/dobbiamo mostrare dei confronti «scelti» tra diverse combinazioni di </a:t>
-            </a:r>
-            <a:r>
-              <a:rPr lang="it-IT" sz="1500" b="0" strike="noStrike" spc="-1" dirty="0" err="1">
-                <a:solidFill>
-                  <a:srgbClr val="000000"/>
-                </a:solidFill>
-                <a:latin typeface="Arial"/>
-              </a:rPr>
-              <a:t>iperparametri</a:t>
-            </a:r>
-            <a:endParaRPr lang="it-IT" sz="1500" b="0" strike="noStrike" spc="-1" dirty="0">
-              <a:solidFill>
-                <a:srgbClr val="000000"/>
-              </a:solidFill>
-              <a:latin typeface="Arial"/>
-            </a:endParaRPr>
-          </a:p>
-        </p:txBody>
-      </p:sp>
-      <p:sp>
-        <p:nvSpPr>
-          <p:cNvPr id="110" name="PlaceHolder 3"/>
-          <p:cNvSpPr>
-            <a:spLocks noGrp="1"/>
-          </p:cNvSpPr>
-          <p:nvPr>
-            <p:ph type="sldNum" idx="10"/>
-          </p:nvPr>
-        </p:nvSpPr>
-        <p:spPr>
-          <a:xfrm>
-            <a:off x="8472600" y="4663080"/>
-            <a:ext cx="548280" cy="393120"/>
-          </a:xfrm>
-          <a:prstGeom prst="rect">
-            <a:avLst/>
-          </a:prstGeom>
-          <a:noFill/>
-          <a:ln w="0">
-            <a:noFill/>
-          </a:ln>
-        </p:spPr>
-        <p:txBody>
-          <a:bodyPr tIns="91440" bIns="91440" anchor="ctr">
-            <a:normAutofit/>
-          </a:bodyPr>
-          <a:lstStyle>
-            <a:lvl1pPr algn="r">
-              <a:lnSpc>
-                <a:spcPct val="100000"/>
-              </a:lnSpc>
-              <a:buNone/>
-              <a:tabLst>
-                <a:tab pos="0" algn="l"/>
-              </a:tabLst>
-              <a:defRPr lang="it" sz="1000" b="0" strike="noStrike" spc="-1">
-                <a:solidFill>
-                  <a:srgbClr val="595959"/>
-                </a:solidFill>
-                <a:latin typeface="Arial"/>
-                <a:ea typeface="Arial"/>
-              </a:defRPr>
-            </a:lvl1pPr>
-          </a:lstStyle>
-          <a:p>
-            <a:pPr algn="r">
-              <a:lnSpc>
-                <a:spcPct val="100000"/>
-              </a:lnSpc>
-              <a:buNone/>
-              <a:tabLst>
-                <a:tab pos="0" algn="l"/>
-              </a:tabLst>
-            </a:pPr>
-            <a:fld id="{70083C99-8290-44C9-AB12-6D72EC62BA1C}" type="slidenum">
-              <a:rPr lang="it" sz="1000" b="0" strike="noStrike" spc="-1">
-                <a:solidFill>
-                  <a:srgbClr val="595959"/>
-                </a:solidFill>
-                <a:latin typeface="Arial"/>
-                <a:ea typeface="Arial"/>
-              </a:rPr>
-              <a:t>13</a:t>
-            </a:fld>
-            <a:endParaRPr lang="it-IT" sz="1000" b="0" strike="noStrike" spc="-1">
-              <a:latin typeface="Times New Roman"/>
-            </a:endParaRPr>
           </a:p>
         </p:txBody>
       </p:sp>
@@ -8087,7 +8124,7 @@
                 <a:latin typeface="Arial"/>
                 <a:ea typeface="Arial"/>
               </a:rPr>
-              <a:t>Results: comparisons between models</a:t>
+              <a:t>Results: selected grid search results</a:t>
             </a:r>
             <a:endParaRPr lang="it-IT" sz="2400" b="0" strike="noStrike" spc="-1" dirty="0">
               <a:solidFill>
@@ -8152,8 +8189,23 @@
                 </a:solidFill>
                 <a:latin typeface="Arial"/>
               </a:rPr>
-              <a:t>: Possiamo/dobbiamo mettere a confronto anche i modelli. Questa forse è una tra le cose più critiche da fare.</a:t>
-            </a:r>
+              <a:t>: Possiamo/dobbiamo mostrare dei confronti «scelti» tra diverse combinazioni di </a:t>
+            </a:r>
+            <a:r>
+              <a:rPr lang="it-IT" sz="1500" b="0" strike="noStrike" spc="-1" dirty="0" err="1">
+                <a:solidFill>
+                  <a:srgbClr val="000000"/>
+                </a:solidFill>
+                <a:latin typeface="Arial"/>
+              </a:rPr>
+              <a:t>iperparametri</a:t>
+            </a:r>
+            <a:endParaRPr lang="it-IT" sz="1500" b="0" strike="noStrike" spc="-1" dirty="0">
+              <a:solidFill>
+                <a:srgbClr val="000000"/>
+              </a:solidFill>
+              <a:latin typeface="Arial"/>
+            </a:endParaRPr>
           </a:p>
         </p:txBody>
       </p:sp>
@@ -8229,11 +8281,6 @@
         </p:txBody>
       </p:sp>
     </p:spTree>
-    <p:extLst>
-      <p:ext uri="{BB962C8B-B14F-4D97-AF65-F5344CB8AC3E}">
-        <p14:creationId xmlns:p14="http://schemas.microsoft.com/office/powerpoint/2010/main" val="3854778879"/>
-      </p:ext>
-    </p:extLst>
   </p:cSld>
   <p:clrMapOvr>
     <a:masterClrMapping/>
@@ -8324,7 +8371,7 @@
                 <a:latin typeface="Arial"/>
                 <a:ea typeface="Arial"/>
               </a:rPr>
-              <a:t>Results: final model – 1 </a:t>
+              <a:t>Results: comparisons between models</a:t>
             </a:r>
             <a:endParaRPr lang="it-IT" sz="2400" b="0" strike="noStrike" spc="-1" dirty="0">
               <a:solidFill>
@@ -8332,6 +8379,65 @@
               </a:solidFill>
               <a:latin typeface="Arial"/>
             </a:endParaRPr>
+          </a:p>
+        </p:txBody>
+      </p:sp>
+      <p:sp>
+        <p:nvSpPr>
+          <p:cNvPr id="109" name="PlaceHolder 2"/>
+          <p:cNvSpPr>
+            <a:spLocks noGrp="1"/>
+          </p:cNvSpPr>
+          <p:nvPr>
+            <p:ph/>
+          </p:nvPr>
+        </p:nvSpPr>
+        <p:spPr>
+          <a:xfrm>
+            <a:off x="311760" y="1152360"/>
+            <a:ext cx="8520120" cy="3416040"/>
+          </a:xfrm>
+          <a:prstGeom prst="rect">
+            <a:avLst/>
+          </a:prstGeom>
+          <a:noFill/>
+          <a:ln w="0">
+            <a:noFill/>
+          </a:ln>
+        </p:spPr>
+        <p:txBody>
+          <a:bodyPr tIns="91440" bIns="91440" anchor="t">
+            <a:normAutofit/>
+          </a:bodyPr>
+          <a:lstStyle/>
+          <a:p>
+            <a:pPr>
+              <a:lnSpc>
+                <a:spcPct val="115000"/>
+              </a:lnSpc>
+              <a:buNone/>
+              <a:tabLst>
+                <a:tab pos="0" algn="l"/>
+              </a:tabLst>
+            </a:pPr>
+            <a:r>
+              <a:rPr lang="it-IT" sz="1500" b="0" u="sng" strike="noStrike" spc="-1" dirty="0">
+                <a:solidFill>
+                  <a:srgbClr val="FF0000"/>
+                </a:solidFill>
+                <a:latin typeface="Arial"/>
+              </a:rPr>
+              <a:t>OSS</a:t>
+            </a:r>
+            <a:r>
+              <a:rPr lang="it-IT" sz="1500" b="0" strike="noStrike" spc="-1" dirty="0">
+                <a:solidFill>
+                  <a:srgbClr val="000000"/>
+                </a:solidFill>
+                <a:latin typeface="Arial"/>
+              </a:rPr>
+              <a:t>: Possiamo/dobbiamo mettere a confronto anche i modelli. Questa forse è una tra le cose più critiche da fare.</a:t>
+            </a:r>
           </a:p>
         </p:txBody>
       </p:sp>
@@ -8406,251 +8512,10 @@
           </a:p>
         </p:txBody>
       </p:sp>
-      <p:sp>
-        <p:nvSpPr>
-          <p:cNvPr id="2" name="Rettangolo 1">
-            <a:extLst>
-              <a:ext uri="{FF2B5EF4-FFF2-40B4-BE49-F238E27FC236}">
-                <a16:creationId xmlns:a16="http://schemas.microsoft.com/office/drawing/2014/main" id="{A84D9135-3616-EE45-ECF4-129488406C5F}"/>
-              </a:ext>
-            </a:extLst>
-          </p:cNvPr>
-          <p:cNvSpPr/>
-          <p:nvPr/>
-        </p:nvSpPr>
-        <p:spPr>
-          <a:xfrm>
-            <a:off x="311760" y="1748230"/>
-            <a:ext cx="3836658" cy="2566564"/>
-          </a:xfrm>
-          <a:prstGeom prst="rect">
-            <a:avLst/>
-          </a:prstGeom>
-        </p:spPr>
-        <p:style>
-          <a:lnRef idx="2">
-            <a:schemeClr val="accent3">
-              <a:shade val="15000"/>
-            </a:schemeClr>
-          </a:lnRef>
-          <a:fillRef idx="1">
-            <a:schemeClr val="accent3"/>
-          </a:fillRef>
-          <a:effectRef idx="0">
-            <a:schemeClr val="accent3"/>
-          </a:effectRef>
-          <a:fontRef idx="minor">
-            <a:schemeClr val="lt1"/>
-          </a:fontRef>
-        </p:style>
-        <p:txBody>
-          <a:bodyPr rtlCol="0" anchor="ctr"/>
-          <a:lstStyle/>
-          <a:p>
-            <a:pPr algn="ctr"/>
-            <a:r>
-              <a:rPr lang="it-IT" dirty="0"/>
-              <a:t>Learning curve plot for the </a:t>
-            </a:r>
-            <a:r>
-              <a:rPr lang="it-IT" dirty="0" err="1"/>
-              <a:t>final</a:t>
-            </a:r>
-            <a:r>
-              <a:rPr lang="it-IT" dirty="0"/>
-              <a:t> model</a:t>
-            </a:r>
-          </a:p>
-        </p:txBody>
-      </p:sp>
-      <p:sp>
-        <p:nvSpPr>
-          <p:cNvPr id="4" name="CasellaDiTesto 3">
-            <a:extLst>
-              <a:ext uri="{FF2B5EF4-FFF2-40B4-BE49-F238E27FC236}">
-                <a16:creationId xmlns:a16="http://schemas.microsoft.com/office/drawing/2014/main" id="{A2C03CD9-5D4B-7181-8758-3C5F98479B49}"/>
-              </a:ext>
-            </a:extLst>
-          </p:cNvPr>
-          <p:cNvSpPr txBox="1"/>
-          <p:nvPr/>
-        </p:nvSpPr>
-        <p:spPr>
-          <a:xfrm>
-            <a:off x="311760" y="920686"/>
-            <a:ext cx="8832240" cy="307777"/>
-          </a:xfrm>
-          <a:prstGeom prst="rect">
-            <a:avLst/>
-          </a:prstGeom>
-          <a:noFill/>
-        </p:spPr>
-        <p:txBody>
-          <a:bodyPr wrap="square" rtlCol="0">
-            <a:spAutoFit/>
-          </a:bodyPr>
-          <a:lstStyle/>
-          <a:p>
-            <a:r>
-              <a:rPr lang="it-IT" sz="1400" dirty="0" err="1"/>
-              <a:t>We</a:t>
-            </a:r>
-            <a:r>
-              <a:rPr lang="it-IT" sz="1400" dirty="0"/>
-              <a:t> </a:t>
-            </a:r>
-            <a:r>
-              <a:rPr lang="it-IT" sz="1400" dirty="0" err="1"/>
-              <a:t>chose</a:t>
-            </a:r>
-            <a:r>
-              <a:rPr lang="it-IT" sz="1400" dirty="0"/>
-              <a:t> XYZ </a:t>
-            </a:r>
-            <a:r>
-              <a:rPr lang="it-IT" sz="1400" dirty="0" err="1"/>
-              <a:t>as</a:t>
-            </a:r>
-            <a:r>
-              <a:rPr lang="it-IT" sz="1400" dirty="0"/>
-              <a:t> the </a:t>
-            </a:r>
-            <a:r>
-              <a:rPr lang="it-IT" sz="1400" dirty="0" err="1"/>
-              <a:t>final</a:t>
-            </a:r>
-            <a:r>
-              <a:rPr lang="it-IT" sz="1400" dirty="0"/>
-              <a:t> model. </a:t>
-            </a:r>
-            <a:r>
-              <a:rPr lang="it-IT" sz="1400" dirty="0" err="1">
-                <a:solidFill>
-                  <a:srgbClr val="FF0000"/>
-                </a:solidFill>
-              </a:rPr>
-              <a:t>We</a:t>
-            </a:r>
-            <a:r>
-              <a:rPr lang="it-IT" sz="1400" dirty="0">
-                <a:solidFill>
-                  <a:srgbClr val="FF0000"/>
-                </a:solidFill>
-              </a:rPr>
-              <a:t> </a:t>
-            </a:r>
-            <a:r>
-              <a:rPr lang="it-IT" sz="1400" dirty="0" err="1">
-                <a:solidFill>
-                  <a:srgbClr val="FF0000"/>
-                </a:solidFill>
-              </a:rPr>
-              <a:t>chose</a:t>
-            </a:r>
-            <a:r>
-              <a:rPr lang="it-IT" sz="1400" dirty="0">
-                <a:solidFill>
-                  <a:srgbClr val="FF0000"/>
-                </a:solidFill>
-              </a:rPr>
-              <a:t> </a:t>
-            </a:r>
-            <a:r>
-              <a:rPr lang="it-IT" sz="1400" dirty="0" err="1">
-                <a:solidFill>
-                  <a:srgbClr val="FF0000"/>
-                </a:solidFill>
-              </a:rPr>
-              <a:t>this</a:t>
-            </a:r>
-            <a:r>
-              <a:rPr lang="it-IT" sz="1400" dirty="0">
-                <a:solidFill>
-                  <a:srgbClr val="FF0000"/>
-                </a:solidFill>
-              </a:rPr>
-              <a:t> model </a:t>
-            </a:r>
-            <a:r>
-              <a:rPr lang="it-IT" sz="1400" dirty="0" err="1">
-                <a:solidFill>
-                  <a:srgbClr val="FF0000"/>
-                </a:solidFill>
-              </a:rPr>
-              <a:t>because</a:t>
-            </a:r>
-            <a:r>
-              <a:rPr lang="it-IT" sz="1400" dirty="0"/>
-              <a:t>… </a:t>
-            </a:r>
-          </a:p>
-        </p:txBody>
-      </p:sp>
-      <p:sp>
-        <p:nvSpPr>
-          <p:cNvPr id="3" name="Rettangolo 2">
-            <a:extLst>
-              <a:ext uri="{FF2B5EF4-FFF2-40B4-BE49-F238E27FC236}">
-                <a16:creationId xmlns:a16="http://schemas.microsoft.com/office/drawing/2014/main" id="{C6A2D120-85CC-4BB3-0D21-B25E88A6BDC8}"/>
-              </a:ext>
-            </a:extLst>
-          </p:cNvPr>
-          <p:cNvSpPr/>
-          <p:nvPr/>
-        </p:nvSpPr>
-        <p:spPr>
-          <a:xfrm>
-            <a:off x="4910082" y="1748230"/>
-            <a:ext cx="3836658" cy="2566564"/>
-          </a:xfrm>
-          <a:prstGeom prst="rect">
-            <a:avLst/>
-          </a:prstGeom>
-        </p:spPr>
-        <p:style>
-          <a:lnRef idx="2">
-            <a:schemeClr val="accent3">
-              <a:shade val="15000"/>
-            </a:schemeClr>
-          </a:lnRef>
-          <a:fillRef idx="1">
-            <a:schemeClr val="accent3"/>
-          </a:fillRef>
-          <a:effectRef idx="0">
-            <a:schemeClr val="accent3"/>
-          </a:effectRef>
-          <a:fontRef idx="minor">
-            <a:schemeClr val="lt1"/>
-          </a:fontRef>
-        </p:style>
-        <p:txBody>
-          <a:bodyPr rtlCol="0" anchor="ctr"/>
-          <a:lstStyle/>
-          <a:p>
-            <a:pPr algn="ctr"/>
-            <a:r>
-              <a:rPr lang="it-IT" dirty="0" err="1"/>
-              <a:t>Other</a:t>
-            </a:r>
-            <a:r>
-              <a:rPr lang="it-IT" dirty="0"/>
-              <a:t> cool plot for the </a:t>
-            </a:r>
-            <a:r>
-              <a:rPr lang="it-IT" dirty="0" err="1"/>
-              <a:t>final</a:t>
-            </a:r>
-            <a:r>
-              <a:rPr lang="it-IT" dirty="0"/>
-              <a:t> model</a:t>
-            </a:r>
-          </a:p>
-        </p:txBody>
-      </p:sp>
     </p:spTree>
     <p:extLst>
       <p:ext uri="{BB962C8B-B14F-4D97-AF65-F5344CB8AC3E}">
-        <p14:creationId xmlns:p14="http://schemas.microsoft.com/office/powerpoint/2010/main" val="479709121"/>
+        <p14:creationId xmlns:p14="http://schemas.microsoft.com/office/powerpoint/2010/main" val="3854778879"/>
       </p:ext>
     </p:extLst>
   </p:cSld>
@@ -8743,17 +8608,7 @@
                 <a:latin typeface="Arial"/>
                 <a:ea typeface="Arial"/>
               </a:rPr>
-              <a:t>Results: final model</a:t>
-            </a:r>
-            <a:r>
-              <a:rPr lang="it" sz="2600" spc="-1" dirty="0">
-                <a:solidFill>
-                  <a:srgbClr val="000000"/>
-                </a:solidFill>
-                <a:latin typeface="Arial"/>
-                <a:ea typeface="Arial"/>
-              </a:rPr>
-              <a:t> – 2</a:t>
+              <a:t>Results: final model – 1 </a:t>
             </a:r>
             <a:endParaRPr lang="it-IT" sz="2400" b="0" strike="noStrike" spc="-1" dirty="0">
               <a:solidFill>
@@ -8828,6 +8683,435 @@
                 <a:ea typeface="Arial"/>
               </a:rPr>
               <a:t>16</a:t>
+            </a:fld>
+            <a:endParaRPr lang="it-IT" sz="1000" b="0" strike="noStrike" spc="-1">
+              <a:latin typeface="Times New Roman"/>
+            </a:endParaRPr>
+          </a:p>
+        </p:txBody>
+      </p:sp>
+      <p:sp>
+        <p:nvSpPr>
+          <p:cNvPr id="2" name="Rettangolo 1">
+            <a:extLst>
+              <a:ext uri="{FF2B5EF4-FFF2-40B4-BE49-F238E27FC236}">
+                <a16:creationId xmlns:a16="http://schemas.microsoft.com/office/drawing/2014/main" id="{A84D9135-3616-EE45-ECF4-129488406C5F}"/>
+              </a:ext>
+            </a:extLst>
+          </p:cNvPr>
+          <p:cNvSpPr/>
+          <p:nvPr/>
+        </p:nvSpPr>
+        <p:spPr>
+          <a:xfrm>
+            <a:off x="311760" y="1748230"/>
+            <a:ext cx="3836658" cy="2566564"/>
+          </a:xfrm>
+          <a:prstGeom prst="rect">
+            <a:avLst/>
+          </a:prstGeom>
+        </p:spPr>
+        <p:style>
+          <a:lnRef idx="2">
+            <a:schemeClr val="accent3">
+              <a:shade val="15000"/>
+            </a:schemeClr>
+          </a:lnRef>
+          <a:fillRef idx="1">
+            <a:schemeClr val="accent3"/>
+          </a:fillRef>
+          <a:effectRef idx="0">
+            <a:schemeClr val="accent3"/>
+          </a:effectRef>
+          <a:fontRef idx="minor">
+            <a:schemeClr val="lt1"/>
+          </a:fontRef>
+        </p:style>
+        <p:txBody>
+          <a:bodyPr rtlCol="0" anchor="ctr"/>
+          <a:lstStyle/>
+          <a:p>
+            <a:pPr algn="ctr"/>
+            <a:r>
+              <a:rPr lang="it-IT" dirty="0"/>
+              <a:t>Learning curve plot for the </a:t>
+            </a:r>
+            <a:r>
+              <a:rPr lang="it-IT" dirty="0" err="1"/>
+              <a:t>final</a:t>
+            </a:r>
+            <a:r>
+              <a:rPr lang="it-IT" dirty="0"/>
+              <a:t> model</a:t>
+            </a:r>
+          </a:p>
+        </p:txBody>
+      </p:sp>
+      <p:sp>
+        <p:nvSpPr>
+          <p:cNvPr id="4" name="CasellaDiTesto 3">
+            <a:extLst>
+              <a:ext uri="{FF2B5EF4-FFF2-40B4-BE49-F238E27FC236}">
+                <a16:creationId xmlns:a16="http://schemas.microsoft.com/office/drawing/2014/main" id="{A2C03CD9-5D4B-7181-8758-3C5F98479B49}"/>
+              </a:ext>
+            </a:extLst>
+          </p:cNvPr>
+          <p:cNvSpPr txBox="1"/>
+          <p:nvPr/>
+        </p:nvSpPr>
+        <p:spPr>
+          <a:xfrm>
+            <a:off x="311760" y="920686"/>
+            <a:ext cx="8832240" cy="307777"/>
+          </a:xfrm>
+          <a:prstGeom prst="rect">
+            <a:avLst/>
+          </a:prstGeom>
+          <a:noFill/>
+        </p:spPr>
+        <p:txBody>
+          <a:bodyPr wrap="square" rtlCol="0">
+            <a:spAutoFit/>
+          </a:bodyPr>
+          <a:lstStyle/>
+          <a:p>
+            <a:r>
+              <a:rPr lang="it-IT" sz="1400" dirty="0" err="1"/>
+              <a:t>We</a:t>
+            </a:r>
+            <a:r>
+              <a:rPr lang="it-IT" sz="1400" dirty="0"/>
+              <a:t> </a:t>
+            </a:r>
+            <a:r>
+              <a:rPr lang="it-IT" sz="1400" dirty="0" err="1"/>
+              <a:t>chose</a:t>
+            </a:r>
+            <a:r>
+              <a:rPr lang="it-IT" sz="1400" dirty="0"/>
+              <a:t> XYZ </a:t>
+            </a:r>
+            <a:r>
+              <a:rPr lang="it-IT" sz="1400" dirty="0" err="1"/>
+              <a:t>as</a:t>
+            </a:r>
+            <a:r>
+              <a:rPr lang="it-IT" sz="1400" dirty="0"/>
+              <a:t> the </a:t>
+            </a:r>
+            <a:r>
+              <a:rPr lang="it-IT" sz="1400" dirty="0" err="1"/>
+              <a:t>final</a:t>
+            </a:r>
+            <a:r>
+              <a:rPr lang="it-IT" sz="1400" dirty="0"/>
+              <a:t> model. </a:t>
+            </a:r>
+            <a:r>
+              <a:rPr lang="it-IT" sz="1400" dirty="0" err="1">
+                <a:solidFill>
+                  <a:srgbClr val="FF0000"/>
+                </a:solidFill>
+              </a:rPr>
+              <a:t>We</a:t>
+            </a:r>
+            <a:r>
+              <a:rPr lang="it-IT" sz="1400" dirty="0">
+                <a:solidFill>
+                  <a:srgbClr val="FF0000"/>
+                </a:solidFill>
+              </a:rPr>
+              <a:t> </a:t>
+            </a:r>
+            <a:r>
+              <a:rPr lang="it-IT" sz="1400" dirty="0" err="1">
+                <a:solidFill>
+                  <a:srgbClr val="FF0000"/>
+                </a:solidFill>
+              </a:rPr>
+              <a:t>chose</a:t>
+            </a:r>
+            <a:r>
+              <a:rPr lang="it-IT" sz="1400" dirty="0">
+                <a:solidFill>
+                  <a:srgbClr val="FF0000"/>
+                </a:solidFill>
+              </a:rPr>
+              <a:t> </a:t>
+            </a:r>
+            <a:r>
+              <a:rPr lang="it-IT" sz="1400" dirty="0" err="1">
+                <a:solidFill>
+                  <a:srgbClr val="FF0000"/>
+                </a:solidFill>
+              </a:rPr>
+              <a:t>this</a:t>
+            </a:r>
+            <a:r>
+              <a:rPr lang="it-IT" sz="1400" dirty="0">
+                <a:solidFill>
+                  <a:srgbClr val="FF0000"/>
+                </a:solidFill>
+              </a:rPr>
+              <a:t> model </a:t>
+            </a:r>
+            <a:r>
+              <a:rPr lang="it-IT" sz="1400" dirty="0" err="1">
+                <a:solidFill>
+                  <a:srgbClr val="FF0000"/>
+                </a:solidFill>
+              </a:rPr>
+              <a:t>because</a:t>
+            </a:r>
+            <a:r>
+              <a:rPr lang="it-IT" sz="1400" dirty="0"/>
+              <a:t>… </a:t>
+            </a:r>
+          </a:p>
+        </p:txBody>
+      </p:sp>
+      <p:sp>
+        <p:nvSpPr>
+          <p:cNvPr id="3" name="Rettangolo 2">
+            <a:extLst>
+              <a:ext uri="{FF2B5EF4-FFF2-40B4-BE49-F238E27FC236}">
+                <a16:creationId xmlns:a16="http://schemas.microsoft.com/office/drawing/2014/main" id="{C6A2D120-85CC-4BB3-0D21-B25E88A6BDC8}"/>
+              </a:ext>
+            </a:extLst>
+          </p:cNvPr>
+          <p:cNvSpPr/>
+          <p:nvPr/>
+        </p:nvSpPr>
+        <p:spPr>
+          <a:xfrm>
+            <a:off x="4910082" y="1748230"/>
+            <a:ext cx="3836658" cy="2566564"/>
+          </a:xfrm>
+          <a:prstGeom prst="rect">
+            <a:avLst/>
+          </a:prstGeom>
+        </p:spPr>
+        <p:style>
+          <a:lnRef idx="2">
+            <a:schemeClr val="accent3">
+              <a:shade val="15000"/>
+            </a:schemeClr>
+          </a:lnRef>
+          <a:fillRef idx="1">
+            <a:schemeClr val="accent3"/>
+          </a:fillRef>
+          <a:effectRef idx="0">
+            <a:schemeClr val="accent3"/>
+          </a:effectRef>
+          <a:fontRef idx="minor">
+            <a:schemeClr val="lt1"/>
+          </a:fontRef>
+        </p:style>
+        <p:txBody>
+          <a:bodyPr rtlCol="0" anchor="ctr"/>
+          <a:lstStyle/>
+          <a:p>
+            <a:pPr algn="ctr"/>
+            <a:r>
+              <a:rPr lang="it-IT" dirty="0" err="1"/>
+              <a:t>Other</a:t>
+            </a:r>
+            <a:r>
+              <a:rPr lang="it-IT" dirty="0"/>
+              <a:t> cool plot for the </a:t>
+            </a:r>
+            <a:r>
+              <a:rPr lang="it-IT" dirty="0" err="1"/>
+              <a:t>final</a:t>
+            </a:r>
+            <a:r>
+              <a:rPr lang="it-IT" dirty="0"/>
+              <a:t> model</a:t>
+            </a:r>
+          </a:p>
+        </p:txBody>
+      </p:sp>
+    </p:spTree>
+    <p:extLst>
+      <p:ext uri="{BB962C8B-B14F-4D97-AF65-F5344CB8AC3E}">
+        <p14:creationId xmlns:p14="http://schemas.microsoft.com/office/powerpoint/2010/main" val="479709121"/>
+      </p:ext>
+    </p:extLst>
+  </p:cSld>
+  <p:clrMapOvr>
+    <a:masterClrMapping/>
+  </p:clrMapOvr>
+</p:sld>
+</file>
+
+<file path=ppt/slides/slide17.xml><?xml version="1.0" encoding="utf-8"?>
+<p:sld xmlns:a="http://schemas.openxmlformats.org/drawingml/2006/main" xmlns:r="http://schemas.openxmlformats.org/officeDocument/2006/relationships" xmlns:p="http://schemas.openxmlformats.org/presentationml/2006/main">
+  <p:cSld>
+    <p:spTree>
+      <p:nvGrpSpPr>
+        <p:cNvPr id="1" name=""/>
+        <p:cNvGrpSpPr/>
+        <p:nvPr/>
+      </p:nvGrpSpPr>
+      <p:grpSpPr>
+        <a:xfrm>
+          <a:off x="0" y="0"/>
+          <a:ext cx="0" cy="0"/>
+          <a:chOff x="0" y="0"/>
+          <a:chExt cx="0" cy="0"/>
+        </a:xfrm>
+      </p:grpSpPr>
+      <p:sp>
+        <p:nvSpPr>
+          <p:cNvPr id="108" name="PlaceHolder 1"/>
+          <p:cNvSpPr>
+            <a:spLocks noGrp="1"/>
+          </p:cNvSpPr>
+          <p:nvPr>
+            <p:ph type="title"/>
+          </p:nvPr>
+        </p:nvSpPr>
+        <p:spPr>
+          <a:xfrm>
+            <a:off x="311760" y="0"/>
+            <a:ext cx="8520120" cy="572400"/>
+          </a:xfrm>
+          <a:prstGeom prst="rect">
+            <a:avLst/>
+          </a:prstGeom>
+          <a:noFill/>
+          <a:ln w="0">
+            <a:noFill/>
+          </a:ln>
+        </p:spPr>
+        <p:txBody>
+          <a:bodyPr tIns="91440" bIns="91440" anchor="t">
+            <a:normAutofit fontScale="91000"/>
+          </a:bodyPr>
+          <a:lstStyle/>
+          <a:p>
+            <a:pPr>
+              <a:lnSpc>
+                <a:spcPct val="100000"/>
+              </a:lnSpc>
+              <a:buNone/>
+              <a:tabLst>
+                <a:tab pos="0" algn="l"/>
+              </a:tabLst>
+            </a:pPr>
+            <a:r>
+              <a:rPr lang="it" sz="2600" b="0" strike="noStrike" spc="-1" dirty="0">
+                <a:solidFill>
+                  <a:srgbClr val="000000"/>
+                </a:solidFill>
+                <a:latin typeface="Arial"/>
+                <a:ea typeface="Arial"/>
+              </a:rPr>
+              <a:t>CUP</a:t>
+            </a:r>
+            <a:r>
+              <a:rPr lang="it" sz="2400" b="0" strike="noStrike" spc="-1" dirty="0">
+                <a:solidFill>
+                  <a:srgbClr val="000000"/>
+                </a:solidFill>
+                <a:latin typeface="Arial"/>
+                <a:ea typeface="Arial"/>
+              </a:rPr>
+              <a:t> </a:t>
+            </a:r>
+            <a:r>
+              <a:rPr lang="it" sz="2600" b="0" strike="noStrike" spc="-1" dirty="0">
+                <a:solidFill>
+                  <a:srgbClr val="000000"/>
+                </a:solidFill>
+                <a:latin typeface="Arial"/>
+                <a:ea typeface="Arial"/>
+              </a:rPr>
+              <a:t>Results: final model</a:t>
+            </a:r>
+            <a:r>
+              <a:rPr lang="it" sz="2600" spc="-1" dirty="0">
+                <a:solidFill>
+                  <a:srgbClr val="000000"/>
+                </a:solidFill>
+                <a:latin typeface="Arial"/>
+                <a:ea typeface="Arial"/>
+              </a:rPr>
+              <a:t> – 2</a:t>
+            </a:r>
+            <a:endParaRPr lang="it-IT" sz="2400" b="0" strike="noStrike" spc="-1" dirty="0">
+              <a:solidFill>
+                <a:srgbClr val="000000"/>
+              </a:solidFill>
+              <a:latin typeface="Arial"/>
+            </a:endParaRPr>
+          </a:p>
+        </p:txBody>
+      </p:sp>
+      <p:sp>
+        <p:nvSpPr>
+          <p:cNvPr id="110" name="PlaceHolder 3"/>
+          <p:cNvSpPr>
+            <a:spLocks noGrp="1"/>
+          </p:cNvSpPr>
+          <p:nvPr>
+            <p:ph type="sldNum" idx="10"/>
+          </p:nvPr>
+        </p:nvSpPr>
+        <p:spPr>
+          <a:xfrm>
+            <a:off x="8472600" y="4663080"/>
+            <a:ext cx="548280" cy="393120"/>
+          </a:xfrm>
+          <a:prstGeom prst="rect">
+            <a:avLst/>
+          </a:prstGeom>
+          <a:noFill/>
+          <a:ln w="0">
+            <a:noFill/>
+          </a:ln>
+        </p:spPr>
+        <p:txBody>
+          <a:bodyPr tIns="91440" bIns="91440" anchor="ctr">
+            <a:normAutofit/>
+          </a:bodyPr>
+          <a:lstStyle>
+            <a:lvl1pPr algn="r">
+              <a:lnSpc>
+                <a:spcPct val="100000"/>
+              </a:lnSpc>
+              <a:buNone/>
+              <a:tabLst>
+                <a:tab pos="0" algn="l"/>
+              </a:tabLst>
+              <a:defRPr lang="it" sz="1000" b="0" strike="noStrike" spc="-1">
+                <a:solidFill>
+                  <a:srgbClr val="595959"/>
+                </a:solidFill>
+                <a:latin typeface="Arial"/>
+                <a:ea typeface="Arial"/>
+              </a:defRPr>
+            </a:lvl1pPr>
+          </a:lstStyle>
+          <a:p>
+            <a:pPr algn="r">
+              <a:lnSpc>
+                <a:spcPct val="100000"/>
+              </a:lnSpc>
+              <a:buNone/>
+              <a:tabLst>
+                <a:tab pos="0" algn="l"/>
+              </a:tabLst>
+            </a:pPr>
+            <a:fld id="{70083C99-8290-44C9-AB12-6D72EC62BA1C}" type="slidenum">
+              <a:rPr lang="it" sz="1000" b="0" strike="noStrike" spc="-1">
+                <a:solidFill>
+                  <a:srgbClr val="595959"/>
+                </a:solidFill>
+                <a:latin typeface="Arial"/>
+                <a:ea typeface="Arial"/>
+              </a:rPr>
+              <a:t>17</a:t>
             </a:fld>
             <a:endParaRPr lang="it-IT" sz="1000" b="0" strike="noStrike" spc="-1">
               <a:latin typeface="Times New Roman"/>
@@ -9742,7 +10026,7 @@
 </p:sld>
 </file>
 
-<file path=ppt/slides/slide17.xml><?xml version="1.0" encoding="utf-8"?>
+<file path=ppt/slides/slide18.xml><?xml version="1.0" encoding="utf-8"?>
 <p:sld xmlns:a="http://schemas.openxmlformats.org/drawingml/2006/main" xmlns:r="http://schemas.openxmlformats.org/officeDocument/2006/relationships" xmlns:p="http://schemas.openxmlformats.org/presentationml/2006/main">
   <p:cSld>
     <p:spTree>
@@ -10021,7 +10305,7 @@
                 <a:latin typeface="Arial"/>
                 <a:ea typeface="Arial"/>
               </a:rPr>
-              <a:t>17</a:t>
+              <a:t>18</a:t>
             </a:fld>
             <a:endParaRPr lang="it-IT" sz="1000" b="0" strike="noStrike" spc="-1">
               <a:latin typeface="Times New Roman"/>
@@ -10037,7 +10321,7 @@
 </p:sld>
 </file>
 
-<file path=ppt/slides/slide18.xml><?xml version="1.0" encoding="utf-8"?>
+<file path=ppt/slides/slide19.xml><?xml version="1.0" encoding="utf-8"?>
 <p:sld xmlns:a="http://schemas.openxmlformats.org/drawingml/2006/main" xmlns:r="http://schemas.openxmlformats.org/officeDocument/2006/relationships" xmlns:p="http://schemas.openxmlformats.org/presentationml/2006/main">
   <p:cSld>
     <p:spTree>
@@ -10307,159 +10591,6 @@
                 <a:latin typeface="Arial"/>
                 <a:ea typeface="Arial"/>
               </a:rPr>
-              <a:t>18</a:t>
-            </a:fld>
-            <a:endParaRPr lang="it-IT" sz="1000" b="0" strike="noStrike" spc="-1">
-              <a:latin typeface="Times New Roman"/>
-            </a:endParaRPr>
-          </a:p>
-        </p:txBody>
-      </p:sp>
-    </p:spTree>
-  </p:cSld>
-  <p:clrMapOvr>
-    <a:masterClrMapping/>
-  </p:clrMapOvr>
-</p:sld>
-</file>
-
-<file path=ppt/slides/slide19.xml><?xml version="1.0" encoding="utf-8"?>
-<p:sld xmlns:a="http://schemas.openxmlformats.org/drawingml/2006/main" xmlns:r="http://schemas.openxmlformats.org/officeDocument/2006/relationships" xmlns:p="http://schemas.openxmlformats.org/presentationml/2006/main">
-  <p:cSld>
-    <p:spTree>
-      <p:nvGrpSpPr>
-        <p:cNvPr id="1" name=""/>
-        <p:cNvGrpSpPr/>
-        <p:nvPr/>
-      </p:nvGrpSpPr>
-      <p:grpSpPr>
-        <a:xfrm>
-          <a:off x="0" y="0"/>
-          <a:ext cx="0" cy="0"/>
-          <a:chOff x="0" y="0"/>
-          <a:chExt cx="0" cy="0"/>
-        </a:xfrm>
-      </p:grpSpPr>
-      <p:sp>
-        <p:nvSpPr>
-          <p:cNvPr id="117" name="PlaceHolder 1"/>
-          <p:cNvSpPr>
-            <a:spLocks noGrp="1"/>
-          </p:cNvSpPr>
-          <p:nvPr>
-            <p:ph type="title"/>
-          </p:nvPr>
-        </p:nvSpPr>
-        <p:spPr>
-          <a:xfrm>
-            <a:off x="311760" y="2700"/>
-            <a:ext cx="8520120" cy="572400"/>
-          </a:xfrm>
-          <a:prstGeom prst="rect">
-            <a:avLst/>
-          </a:prstGeom>
-          <a:noFill/>
-          <a:ln w="0">
-            <a:noFill/>
-          </a:ln>
-        </p:spPr>
-        <p:txBody>
-          <a:bodyPr tIns="91440" bIns="91440" anchor="t">
-            <a:normAutofit fontScale="91000"/>
-          </a:bodyPr>
-          <a:lstStyle/>
-          <a:p>
-            <a:pPr>
-              <a:lnSpc>
-                <a:spcPct val="100000"/>
-              </a:lnSpc>
-              <a:buNone/>
-              <a:tabLst>
-                <a:tab pos="0" algn="l"/>
-              </a:tabLst>
-            </a:pPr>
-            <a:r>
-              <a:rPr lang="it" sz="2600" b="0" strike="noStrike" spc="-1" dirty="0">
-                <a:solidFill>
-                  <a:srgbClr val="000000"/>
-                </a:solidFill>
-                <a:latin typeface="Arial"/>
-                <a:ea typeface="Arial"/>
-              </a:rPr>
-              <a:t>Bibliography – 1</a:t>
-            </a:r>
-            <a:endParaRPr lang="it-IT" sz="2800" b="0" strike="noStrike" spc="-1" dirty="0">
-              <a:solidFill>
-                <a:srgbClr val="000000"/>
-              </a:solidFill>
-              <a:latin typeface="Arial"/>
-            </a:endParaRPr>
-          </a:p>
-        </p:txBody>
-      </p:sp>
-      <p:sp>
-        <p:nvSpPr>
-          <p:cNvPr id="119" name="PlaceHolder 3"/>
-          <p:cNvSpPr>
-            <a:spLocks noGrp="1"/>
-          </p:cNvSpPr>
-          <p:nvPr>
-            <p:ph type="sldNum" idx="13"/>
-          </p:nvPr>
-        </p:nvSpPr>
-        <p:spPr>
-          <a:xfrm>
-            <a:off x="8472600" y="4663080"/>
-            <a:ext cx="548280" cy="393120"/>
-          </a:xfrm>
-          <a:prstGeom prst="rect">
-            <a:avLst/>
-          </a:prstGeom>
-          <a:noFill/>
-          <a:ln w="0">
-            <a:noFill/>
-          </a:ln>
-        </p:spPr>
-        <p:txBody>
-          <a:bodyPr tIns="91440" bIns="91440" anchor="ctr">
-            <a:normAutofit/>
-          </a:bodyPr>
-          <a:lstStyle>
-            <a:lvl1pPr algn="r">
-              <a:lnSpc>
-                <a:spcPct val="100000"/>
-              </a:lnSpc>
-              <a:buNone/>
-              <a:tabLst>
-                <a:tab pos="0" algn="l"/>
-              </a:tabLst>
-              <a:defRPr lang="it" sz="1000" b="0" strike="noStrike" spc="-1">
-                <a:solidFill>
-                  <a:srgbClr val="595959"/>
-                </a:solidFill>
-                <a:latin typeface="Arial"/>
-                <a:ea typeface="Arial"/>
-              </a:defRPr>
-            </a:lvl1pPr>
-          </a:lstStyle>
-          <a:p>
-            <a:pPr algn="r">
-              <a:lnSpc>
-                <a:spcPct val="100000"/>
-              </a:lnSpc>
-              <a:buNone/>
-              <a:tabLst>
-                <a:tab pos="0" algn="l"/>
-              </a:tabLst>
-            </a:pPr>
-            <a:fld id="{F1974EC4-68EB-45C8-A197-A860EB4D25E8}" type="slidenum">
-              <a:rPr lang="it" sz="1000" b="0" strike="noStrike" spc="-1">
-                <a:solidFill>
-                  <a:srgbClr val="595959"/>
-                </a:solidFill>
-                <a:latin typeface="Arial"/>
-                <a:ea typeface="Arial"/>
-              </a:rPr>
               <a:t>19</a:t>
             </a:fld>
             <a:endParaRPr lang="it-IT" sz="1000" b="0" strike="noStrike" spc="-1">
@@ -10468,638 +10599,7 @@
           </a:p>
         </p:txBody>
       </p:sp>
-      <p:sp>
-        <p:nvSpPr>
-          <p:cNvPr id="5" name="CasellaDiTesto 4">
-            <a:extLst>
-              <a:ext uri="{FF2B5EF4-FFF2-40B4-BE49-F238E27FC236}">
-                <a16:creationId xmlns:a16="http://schemas.microsoft.com/office/drawing/2014/main" id="{654DC5D3-954B-DA47-8F5D-D2825032294C}"/>
-              </a:ext>
-            </a:extLst>
-          </p:cNvPr>
-          <p:cNvSpPr txBox="1"/>
-          <p:nvPr/>
-        </p:nvSpPr>
-        <p:spPr>
-          <a:xfrm>
-            <a:off x="490817" y="1452282"/>
-            <a:ext cx="7738783" cy="2462213"/>
-          </a:xfrm>
-          <a:prstGeom prst="rect">
-            <a:avLst/>
-          </a:prstGeom>
-          <a:noFill/>
-        </p:spPr>
-        <p:txBody>
-          <a:bodyPr wrap="square" rtlCol="0">
-            <a:spAutoFit/>
-          </a:bodyPr>
-          <a:lstStyle/>
-          <a:p>
-            <a:pPr marL="342900" indent="-342900">
-              <a:buFont typeface="+mj-lt"/>
-              <a:buAutoNum type="arabicPeriod"/>
-            </a:pPr>
-            <a:r>
-              <a:rPr lang="it-IT" sz="1400" dirty="0"/>
-              <a:t>F. </a:t>
-            </a:r>
-            <a:r>
-              <a:rPr lang="it-IT" sz="1400" dirty="0" err="1"/>
-              <a:t>Chollet</a:t>
-            </a:r>
-            <a:r>
-              <a:rPr lang="it-IT" sz="1400" dirty="0"/>
-              <a:t>, </a:t>
-            </a:r>
-            <a:r>
-              <a:rPr lang="it-IT" sz="1400" i="1" dirty="0" err="1"/>
-              <a:t>Keras</a:t>
-            </a:r>
-            <a:r>
-              <a:rPr lang="it-IT" sz="1400" dirty="0"/>
-              <a:t>, GitHub,</a:t>
-            </a:r>
-            <a:r>
-              <a:rPr lang="it-IT" sz="1400" spc="-1" dirty="0">
-                <a:solidFill>
-                  <a:srgbClr val="000000"/>
-                </a:solidFill>
-                <a:latin typeface="Arial"/>
-              </a:rPr>
-              <a:t> </a:t>
-            </a:r>
-            <a:r>
-              <a:rPr lang="it-IT" sz="1400" spc="-1" dirty="0">
-                <a:solidFill>
-                  <a:srgbClr val="000000"/>
-                </a:solidFill>
-                <a:latin typeface="Arial"/>
-                <a:hlinkClick r:id="rId2"/>
-              </a:rPr>
-              <a:t>GitHub Repository</a:t>
-            </a:r>
-            <a:r>
-              <a:rPr lang="it-IT" sz="1400" dirty="0"/>
-              <a:t>, (2015) </a:t>
-            </a:r>
-            <a:r>
-              <a:rPr lang="it-IT" sz="1400" dirty="0" err="1"/>
-              <a:t>version</a:t>
-            </a:r>
-            <a:r>
-              <a:rPr lang="it-IT" sz="1400" dirty="0"/>
-              <a:t> </a:t>
-            </a:r>
-            <a:r>
-              <a:rPr lang="it-IT" sz="1400" dirty="0">
-                <a:hlinkClick r:id="rId3"/>
-              </a:rPr>
-              <a:t>3.0.2</a:t>
-            </a:r>
-            <a:endParaRPr lang="it-IT" sz="1400" dirty="0"/>
-          </a:p>
-          <a:p>
-            <a:pPr marL="342900" indent="-342900">
-              <a:buFont typeface="+mj-lt"/>
-              <a:buAutoNum type="arabicPeriod"/>
-            </a:pPr>
-            <a:r>
-              <a:rPr lang="it-IT" sz="1400" spc="-1" dirty="0">
-                <a:solidFill>
-                  <a:srgbClr val="000000"/>
-                </a:solidFill>
-                <a:latin typeface="Arial"/>
-              </a:rPr>
-              <a:t>M. Abadi, A. </a:t>
-            </a:r>
-            <a:r>
-              <a:rPr lang="it-IT" sz="1400" spc="-1" dirty="0" err="1">
-                <a:solidFill>
-                  <a:srgbClr val="000000"/>
-                </a:solidFill>
-                <a:latin typeface="Arial"/>
-              </a:rPr>
-              <a:t>Agarwal</a:t>
-            </a:r>
-            <a:r>
-              <a:rPr lang="it-IT" sz="1400" spc="-1" dirty="0">
-                <a:solidFill>
-                  <a:srgbClr val="000000"/>
-                </a:solidFill>
-                <a:latin typeface="Arial"/>
-              </a:rPr>
-              <a:t> et al., 2015, </a:t>
-            </a:r>
-            <a:r>
-              <a:rPr lang="it-IT" sz="1400" i="1" spc="-1" dirty="0" err="1">
-                <a:solidFill>
-                  <a:srgbClr val="000000"/>
-                </a:solidFill>
-                <a:latin typeface="Arial"/>
-              </a:rPr>
-              <a:t>Ten</a:t>
-            </a:r>
-            <a:r>
-              <a:rPr kumimoji="0" lang="it-IT" altLang="it-IT" sz="1400" b="0" i="1" u="none" strike="noStrike" cap="none" normalizeH="0" baseline="0" dirty="0" err="1">
-                <a:ln>
-                  <a:noFill/>
-                </a:ln>
-                <a:solidFill>
-                  <a:schemeClr val="tx1"/>
-                </a:solidFill>
-                <a:effectLst/>
-                <a:latin typeface="Arial Unicode MS"/>
-              </a:rPr>
-              <a:t>sorFlow</a:t>
-            </a:r>
-            <a:r>
-              <a:rPr kumimoji="0" lang="it-IT" altLang="it-IT" sz="1400" b="0" i="1" u="none" strike="noStrike" cap="none" normalizeH="0" baseline="0" dirty="0">
-                <a:ln>
-                  <a:noFill/>
-                </a:ln>
-                <a:solidFill>
-                  <a:schemeClr val="tx1"/>
-                </a:solidFill>
-                <a:effectLst/>
-                <a:latin typeface="Arial Unicode MS"/>
-              </a:rPr>
-              <a:t>: Large-scale machine learning on </a:t>
-            </a:r>
-            <a:r>
-              <a:rPr kumimoji="0" lang="it-IT" altLang="it-IT" sz="1400" b="0" i="1" u="none" strike="noStrike" cap="none" normalizeH="0" baseline="0" dirty="0" err="1">
-                <a:ln>
-                  <a:noFill/>
-                </a:ln>
-                <a:solidFill>
-                  <a:schemeClr val="tx1"/>
-                </a:solidFill>
-                <a:effectLst/>
-                <a:latin typeface="Arial Unicode MS"/>
-              </a:rPr>
-              <a:t>heterogeneous</a:t>
-            </a:r>
-            <a:r>
-              <a:rPr kumimoji="0" lang="it-IT" altLang="it-IT" sz="1400" b="0" i="1" u="none" strike="noStrike" cap="none" normalizeH="0" baseline="0" dirty="0">
-                <a:ln>
-                  <a:noFill/>
-                </a:ln>
-                <a:solidFill>
-                  <a:schemeClr val="tx1"/>
-                </a:solidFill>
-                <a:effectLst/>
-                <a:latin typeface="Arial Unicode MS"/>
-              </a:rPr>
-              <a:t> systems</a:t>
-            </a:r>
-            <a:r>
-              <a:rPr kumimoji="0" lang="it-IT" altLang="it-IT" sz="1400" b="0" i="0" u="none" strike="noStrike" cap="none" normalizeH="0" baseline="0" dirty="0">
-                <a:ln>
-                  <a:noFill/>
-                </a:ln>
-                <a:solidFill>
-                  <a:schemeClr val="tx1"/>
-                </a:solidFill>
-                <a:effectLst/>
-                <a:latin typeface="Arial Unicode MS"/>
-              </a:rPr>
-              <a:t>. </a:t>
-            </a:r>
-            <a:r>
-              <a:rPr kumimoji="0" lang="it-IT" altLang="it-IT" sz="1400" b="0" i="0" u="none" strike="noStrike" cap="none" normalizeH="0" baseline="0" dirty="0">
-                <a:ln>
-                  <a:noFill/>
-                </a:ln>
-                <a:solidFill>
-                  <a:schemeClr val="tx1"/>
-                </a:solidFill>
-                <a:effectLst/>
-                <a:latin typeface="Arial Unicode MS"/>
-                <a:hlinkClick r:id="rId4"/>
-              </a:rPr>
-              <a:t>www.tensorflow.org</a:t>
-            </a:r>
-            <a:endParaRPr kumimoji="0" lang="it-IT" altLang="it-IT" sz="1400" b="0" i="0" u="none" strike="noStrike" cap="none" spc="-1" normalizeH="0" baseline="0" dirty="0">
-              <a:ln>
-                <a:noFill/>
-              </a:ln>
-              <a:solidFill>
-                <a:srgbClr val="000000"/>
-              </a:solidFill>
-              <a:effectLst/>
-              <a:latin typeface="Arial"/>
-            </a:endParaRPr>
-          </a:p>
-          <a:p>
-            <a:pPr marL="342900" indent="-342900">
-              <a:buFont typeface="+mj-lt"/>
-              <a:buAutoNum type="arabicPeriod"/>
-            </a:pPr>
-            <a:r>
-              <a:rPr lang="it-IT" sz="1400" spc="-1" dirty="0">
-                <a:solidFill>
-                  <a:srgbClr val="000000"/>
-                </a:solidFill>
-                <a:latin typeface="Arial"/>
-              </a:rPr>
-              <a:t>F. </a:t>
-            </a:r>
-            <a:r>
-              <a:rPr lang="it-IT" sz="1400" spc="-1" dirty="0" err="1">
-                <a:solidFill>
-                  <a:srgbClr val="000000"/>
-                </a:solidFill>
-                <a:latin typeface="Arial"/>
-              </a:rPr>
-              <a:t>Pedergosa</a:t>
-            </a:r>
-            <a:r>
-              <a:rPr lang="it-IT" sz="1400" spc="-1" dirty="0">
-                <a:solidFill>
-                  <a:srgbClr val="000000"/>
-                </a:solidFill>
-                <a:latin typeface="Arial"/>
-              </a:rPr>
-              <a:t>, G. </a:t>
-            </a:r>
-            <a:r>
-              <a:rPr lang="it-IT" sz="1400" spc="-1" dirty="0" err="1">
-                <a:solidFill>
-                  <a:srgbClr val="000000"/>
-                </a:solidFill>
-                <a:latin typeface="Arial"/>
-              </a:rPr>
-              <a:t>Varoquaux</a:t>
-            </a:r>
-            <a:r>
-              <a:rPr lang="it-IT" sz="1400" spc="-1" dirty="0">
-                <a:solidFill>
-                  <a:srgbClr val="000000"/>
-                </a:solidFill>
-                <a:latin typeface="Arial"/>
-              </a:rPr>
-              <a:t> et al, </a:t>
-            </a:r>
-            <a:r>
-              <a:rPr lang="it-IT" sz="1400" i="1" spc="-1" dirty="0" err="1">
-                <a:solidFill>
-                  <a:srgbClr val="000000"/>
-                </a:solidFill>
-                <a:latin typeface="Arial"/>
-              </a:rPr>
-              <a:t>Scikit-learn</a:t>
-            </a:r>
-            <a:r>
-              <a:rPr lang="it-IT" sz="1400" i="1" spc="-1" dirty="0">
-                <a:solidFill>
-                  <a:srgbClr val="000000"/>
-                </a:solidFill>
-                <a:latin typeface="Arial"/>
-              </a:rPr>
-              <a:t>: Machine Learning in Python</a:t>
-            </a:r>
-            <a:r>
-              <a:rPr lang="it-IT" sz="1400" spc="-1" dirty="0">
-                <a:solidFill>
-                  <a:srgbClr val="000000"/>
-                </a:solidFill>
-                <a:latin typeface="Arial"/>
-              </a:rPr>
-              <a:t>, JMLR, 12(</a:t>
-            </a:r>
-            <a:r>
-              <a:rPr lang="it-IT" sz="1400" spc="-1" dirty="0" err="1">
-                <a:solidFill>
-                  <a:srgbClr val="000000"/>
-                </a:solidFill>
-                <a:latin typeface="Arial"/>
-              </a:rPr>
-              <a:t>Oct</a:t>
-            </a:r>
-            <a:r>
-              <a:rPr lang="it-IT" sz="1400" spc="-1" dirty="0">
-                <a:solidFill>
-                  <a:srgbClr val="000000"/>
-                </a:solidFill>
-                <a:latin typeface="Arial"/>
-              </a:rPr>
-              <a:t>), (2011), pp.2825-2830 </a:t>
-            </a:r>
-          </a:p>
-          <a:p>
-            <a:pPr marL="342900" indent="-342900">
-              <a:buFont typeface="+mj-lt"/>
-              <a:buAutoNum type="arabicPeriod"/>
-            </a:pPr>
-            <a:r>
-              <a:rPr lang="it-IT" sz="1400" spc="-1" dirty="0">
-                <a:solidFill>
-                  <a:srgbClr val="000000"/>
-                </a:solidFill>
-                <a:latin typeface="Arial"/>
-              </a:rPr>
-              <a:t>A. Garcia </a:t>
-            </a:r>
-            <a:r>
-              <a:rPr lang="it-IT" sz="1400" spc="-1" dirty="0" err="1">
-                <a:solidFill>
-                  <a:srgbClr val="000000"/>
-                </a:solidFill>
-                <a:latin typeface="Arial"/>
-              </a:rPr>
-              <a:t>Badaracco</a:t>
-            </a:r>
-            <a:r>
-              <a:rPr lang="it-IT" sz="1400" spc="-1" dirty="0">
-                <a:solidFill>
-                  <a:srgbClr val="000000"/>
-                </a:solidFill>
-                <a:latin typeface="Arial"/>
-              </a:rPr>
-              <a:t> et al, </a:t>
-            </a:r>
-            <a:r>
-              <a:rPr lang="it-IT" sz="1400" i="1" spc="-1" dirty="0" err="1">
-                <a:solidFill>
-                  <a:srgbClr val="000000"/>
-                </a:solidFill>
-                <a:latin typeface="Arial"/>
-              </a:rPr>
-              <a:t>SciKeras</a:t>
-            </a:r>
-            <a:r>
-              <a:rPr lang="it-IT" sz="1400" i="1" spc="-1" dirty="0">
-                <a:solidFill>
-                  <a:srgbClr val="000000"/>
-                </a:solidFill>
-                <a:latin typeface="Arial"/>
-              </a:rPr>
-              <a:t>: </a:t>
-            </a:r>
-            <a:r>
-              <a:rPr lang="it-IT" sz="1400" i="1" spc="-1" dirty="0" err="1">
-                <a:solidFill>
-                  <a:srgbClr val="000000"/>
-                </a:solidFill>
-                <a:latin typeface="Arial"/>
-              </a:rPr>
-              <a:t>Scikit-Learn</a:t>
-            </a:r>
-            <a:r>
-              <a:rPr lang="it-IT" sz="1400" i="1" spc="-1" dirty="0">
-                <a:solidFill>
-                  <a:srgbClr val="000000"/>
-                </a:solidFill>
-                <a:latin typeface="Arial"/>
-              </a:rPr>
-              <a:t> </a:t>
-            </a:r>
-            <a:r>
-              <a:rPr lang="it-IT" sz="1400" i="1" spc="-1" dirty="0" err="1">
-                <a:solidFill>
-                  <a:srgbClr val="000000"/>
-                </a:solidFill>
-                <a:latin typeface="Arial"/>
-              </a:rPr>
-              <a:t>wrapper</a:t>
-            </a:r>
-            <a:r>
-              <a:rPr lang="it-IT" sz="1400" i="1" spc="-1" dirty="0">
-                <a:solidFill>
-                  <a:srgbClr val="000000"/>
-                </a:solidFill>
-                <a:latin typeface="Arial"/>
-              </a:rPr>
-              <a:t> for </a:t>
-            </a:r>
-            <a:r>
-              <a:rPr lang="it-IT" sz="1400" i="1" spc="-1" dirty="0" err="1">
-                <a:solidFill>
-                  <a:srgbClr val="000000"/>
-                </a:solidFill>
-                <a:latin typeface="Arial"/>
-              </a:rPr>
-              <a:t>Keras</a:t>
-            </a:r>
-            <a:r>
-              <a:rPr lang="it-IT" sz="1400" spc="-1" dirty="0">
-                <a:solidFill>
-                  <a:srgbClr val="000000"/>
-                </a:solidFill>
-                <a:latin typeface="Arial"/>
-              </a:rPr>
-              <a:t>, GitHub, </a:t>
-            </a:r>
-            <a:r>
-              <a:rPr lang="it-IT" sz="1400" spc="-1" dirty="0">
-                <a:solidFill>
-                  <a:srgbClr val="000000"/>
-                </a:solidFill>
-                <a:latin typeface="Arial"/>
-                <a:hlinkClick r:id="rId5"/>
-              </a:rPr>
-              <a:t>GitHub Repository</a:t>
-            </a:r>
-            <a:r>
-              <a:rPr lang="it-IT" sz="1400" spc="-1" dirty="0">
-                <a:solidFill>
-                  <a:srgbClr val="000000"/>
-                </a:solidFill>
-                <a:latin typeface="Arial"/>
-              </a:rPr>
-              <a:t>, (2020) </a:t>
-            </a:r>
-            <a:r>
-              <a:rPr lang="it-IT" sz="1400" spc="-1" dirty="0" err="1">
-                <a:solidFill>
-                  <a:srgbClr val="000000"/>
-                </a:solidFill>
-                <a:latin typeface="Arial"/>
-              </a:rPr>
-              <a:t>version</a:t>
-            </a:r>
-            <a:r>
-              <a:rPr lang="it-IT" sz="1400" spc="-1" dirty="0">
-                <a:solidFill>
-                  <a:srgbClr val="000000"/>
-                </a:solidFill>
-                <a:latin typeface="Arial"/>
-              </a:rPr>
-              <a:t> </a:t>
-            </a:r>
-            <a:r>
-              <a:rPr lang="it-IT" sz="1400" i="1" spc="-1" dirty="0">
-                <a:solidFill>
-                  <a:srgbClr val="000000"/>
-                </a:solidFill>
-                <a:latin typeface="Arial"/>
-              </a:rPr>
-              <a:t> </a:t>
-            </a:r>
-            <a:r>
-              <a:rPr lang="it-IT" sz="1400" spc="-1" dirty="0">
-                <a:solidFill>
-                  <a:srgbClr val="000000"/>
-                </a:solidFill>
-                <a:latin typeface="Arial"/>
-                <a:hlinkClick r:id="rId6"/>
-              </a:rPr>
-              <a:t>0.12.0</a:t>
-            </a:r>
-            <a:endParaRPr lang="it-IT" sz="1400" spc="-1" dirty="0">
-              <a:solidFill>
-                <a:srgbClr val="000000"/>
-              </a:solidFill>
-              <a:latin typeface="Arial"/>
-            </a:endParaRPr>
-          </a:p>
-          <a:p>
-            <a:pPr marL="342900" indent="-342900">
-              <a:buFont typeface="+mj-lt"/>
-              <a:buAutoNum type="arabicPeriod"/>
-            </a:pPr>
-            <a:r>
-              <a:rPr lang="it-IT" sz="1400" dirty="0"/>
-              <a:t>T. </a:t>
-            </a:r>
-            <a:r>
-              <a:rPr lang="it-IT" sz="1400" dirty="0" err="1"/>
-              <a:t>Akiba</a:t>
-            </a:r>
-            <a:r>
-              <a:rPr lang="it-IT" sz="1400" dirty="0"/>
-              <a:t>, S. Sano, T. </a:t>
-            </a:r>
-            <a:r>
-              <a:rPr lang="it-IT" sz="1400" dirty="0" err="1"/>
-              <a:t>Yanase</a:t>
-            </a:r>
-            <a:r>
-              <a:rPr lang="it-IT" sz="1400" dirty="0"/>
-              <a:t>, T. </a:t>
-            </a:r>
-            <a:r>
-              <a:rPr lang="it-IT" sz="1400" dirty="0" err="1"/>
-              <a:t>Ohta</a:t>
-            </a:r>
-            <a:r>
-              <a:rPr lang="it-IT" sz="1400" dirty="0"/>
-              <a:t>, M. </a:t>
-            </a:r>
-            <a:r>
-              <a:rPr lang="it-IT" sz="1400" dirty="0" err="1"/>
-              <a:t>Koyama</a:t>
-            </a:r>
-            <a:r>
-              <a:rPr lang="it-IT" sz="1400" dirty="0"/>
-              <a:t>, </a:t>
-            </a:r>
-            <a:r>
-              <a:rPr lang="it-IT" sz="1400" i="1" dirty="0" err="1"/>
-              <a:t>Optuna</a:t>
-            </a:r>
-            <a:r>
-              <a:rPr lang="it-IT" sz="1400" i="1" dirty="0"/>
-              <a:t>: A Next-generation </a:t>
-            </a:r>
-            <a:r>
-              <a:rPr lang="it-IT" sz="1400" i="1" dirty="0" err="1"/>
-              <a:t>Hyperparameter</a:t>
-            </a:r>
-            <a:r>
-              <a:rPr lang="it-IT" sz="1400" i="1" dirty="0"/>
-              <a:t> </a:t>
-            </a:r>
-            <a:r>
-              <a:rPr lang="it-IT" sz="1400" i="1" dirty="0" err="1"/>
-              <a:t>Optimization</a:t>
-            </a:r>
-            <a:r>
-              <a:rPr lang="it-IT" sz="1400" i="1" dirty="0"/>
-              <a:t> Framework</a:t>
-            </a:r>
-            <a:r>
-              <a:rPr lang="it-IT" sz="1400" dirty="0"/>
-              <a:t>, KDD, (2019), pp.2623-2631</a:t>
-            </a:r>
-          </a:p>
-          <a:p>
-            <a:pPr marL="342900" indent="-342900">
-              <a:buFont typeface="+mj-lt"/>
-              <a:buAutoNum type="arabicPeriod"/>
-            </a:pPr>
-            <a:endParaRPr lang="it-IT" sz="1400" dirty="0"/>
-          </a:p>
-          <a:p>
-            <a:pPr marL="342900" indent="-342900">
-              <a:buFont typeface="+mj-lt"/>
-              <a:buAutoNum type="arabicPeriod"/>
-            </a:pPr>
-            <a:endParaRPr lang="it-IT" sz="1400" dirty="0"/>
-          </a:p>
-        </p:txBody>
-      </p:sp>
-      <p:sp>
-        <p:nvSpPr>
-          <p:cNvPr id="6" name="CasellaDiTesto 5">
-            <a:extLst>
-              <a:ext uri="{FF2B5EF4-FFF2-40B4-BE49-F238E27FC236}">
-                <a16:creationId xmlns:a16="http://schemas.microsoft.com/office/drawing/2014/main" id="{304B3224-8AD6-EBFB-578E-76DA67AAD1D4}"/>
-              </a:ext>
-            </a:extLst>
-          </p:cNvPr>
-          <p:cNvSpPr txBox="1"/>
-          <p:nvPr/>
-        </p:nvSpPr>
-        <p:spPr>
-          <a:xfrm>
-            <a:off x="490817" y="1082950"/>
-            <a:ext cx="7738783" cy="369332"/>
-          </a:xfrm>
-          <a:prstGeom prst="rect">
-            <a:avLst/>
-          </a:prstGeom>
-          <a:noFill/>
-        </p:spPr>
-        <p:txBody>
-          <a:bodyPr wrap="square" rtlCol="0">
-            <a:spAutoFit/>
-          </a:bodyPr>
-          <a:lstStyle/>
-          <a:p>
-            <a:r>
-              <a:rPr lang="it-IT" dirty="0" err="1"/>
-              <a:t>Main</a:t>
-            </a:r>
-            <a:r>
-              <a:rPr lang="it-IT" dirty="0"/>
-              <a:t> libraries and software tools </a:t>
-            </a:r>
-            <a:r>
-              <a:rPr lang="it-IT" dirty="0" err="1"/>
-              <a:t>used</a:t>
-            </a:r>
-            <a:r>
-              <a:rPr lang="it-IT" dirty="0"/>
-              <a:t> for </a:t>
-            </a:r>
-            <a:r>
-              <a:rPr lang="it-IT" dirty="0" err="1"/>
-              <a:t>this</a:t>
-            </a:r>
-            <a:r>
-              <a:rPr lang="it-IT" dirty="0"/>
-              <a:t> project:</a:t>
-            </a:r>
-          </a:p>
-        </p:txBody>
-      </p:sp>
     </p:spTree>
-    <p:extLst>
-      <p:ext uri="{BB962C8B-B14F-4D97-AF65-F5344CB8AC3E}">
-        <p14:creationId xmlns:p14="http://schemas.microsoft.com/office/powerpoint/2010/main" val="3814474243"/>
-      </p:ext>
-    </p:extLst>
   </p:cSld>
   <p:clrMapOvr>
     <a:masterClrMapping/>
@@ -11287,7 +10787,7 @@
         </p:nvSpPr>
         <p:spPr>
           <a:xfrm>
-            <a:off x="311759" y="2094520"/>
+            <a:off x="311753" y="2576316"/>
             <a:ext cx="8520119" cy="523220"/>
           </a:xfrm>
           <a:prstGeom prst="rect">
@@ -11398,7 +10898,359 @@
         </p:nvSpPr>
         <p:spPr>
           <a:xfrm>
-            <a:off x="311759" y="1374453"/>
+            <a:off x="311752" y="821670"/>
+            <a:ext cx="8520119" cy="475655"/>
+          </a:xfrm>
+          <a:prstGeom prst="rect">
+            <a:avLst/>
+          </a:prstGeom>
+          <a:noFill/>
+        </p:spPr>
+        <p:txBody>
+          <a:bodyPr wrap="square" rtlCol="0">
+            <a:spAutoFit/>
+          </a:bodyPr>
+          <a:lstStyle/>
+          <a:p>
+            <a:r>
+              <a:rPr lang="it-IT" sz="1400" dirty="0" err="1"/>
+              <a:t>Our</a:t>
+            </a:r>
+            <a:r>
+              <a:rPr lang="it-IT" sz="1400" dirty="0"/>
+              <a:t> </a:t>
+            </a:r>
+            <a:r>
+              <a:rPr lang="it-IT" sz="1400" dirty="0" err="1"/>
+              <a:t>aim</a:t>
+            </a:r>
+            <a:r>
+              <a:rPr lang="it-IT" sz="1400" dirty="0"/>
+              <a:t> for </a:t>
+            </a:r>
+            <a:r>
+              <a:rPr lang="it-IT" sz="1400" dirty="0" err="1"/>
+              <a:t>this</a:t>
+            </a:r>
+            <a:r>
+              <a:rPr lang="it-IT" sz="1400" dirty="0"/>
+              <a:t> project </a:t>
+            </a:r>
+            <a:r>
+              <a:rPr lang="it-IT" sz="1400" dirty="0" err="1"/>
+              <a:t>was</a:t>
+            </a:r>
+            <a:r>
+              <a:rPr lang="it-IT" sz="1400" dirty="0"/>
+              <a:t> to test </a:t>
+            </a:r>
+            <a:r>
+              <a:rPr lang="it-IT" sz="1400" dirty="0" err="1"/>
+              <a:t>various</a:t>
+            </a:r>
+            <a:r>
+              <a:rPr lang="it-IT" sz="1400" dirty="0"/>
+              <a:t> models, </a:t>
+            </a:r>
+            <a:r>
+              <a:rPr lang="it-IT" sz="1400" dirty="0" err="1"/>
+              <a:t>built</a:t>
+            </a:r>
+            <a:r>
+              <a:rPr lang="it-IT" sz="1400" dirty="0"/>
+              <a:t> with the help of some libraries (</a:t>
+            </a:r>
+            <a:r>
+              <a:rPr lang="it" sz="1400" spc="-1" dirty="0">
+                <a:solidFill>
+                  <a:srgbClr val="000000"/>
+                </a:solidFill>
+                <a:latin typeface="+mn-lt"/>
+                <a:ea typeface="Tahoma" panose="020B0604030504040204" pitchFamily="34" charset="0"/>
+                <a:cs typeface="Tahoma" panose="020B0604030504040204" pitchFamily="34" charset="0"/>
+              </a:rPr>
+              <a:t>see </a:t>
+            </a:r>
+            <a:r>
+              <a:rPr lang="it" sz="1400" spc="-1" dirty="0">
+                <a:solidFill>
+                  <a:srgbClr val="000000"/>
+                </a:solidFill>
+                <a:latin typeface="+mn-lt"/>
+                <a:ea typeface="Tahoma" panose="020B0604030504040204" pitchFamily="34" charset="0"/>
+                <a:cs typeface="Tahoma" panose="020B0604030504040204" pitchFamily="34" charset="0"/>
+                <a:hlinkClick r:id="rId2" action="ppaction://hlinksldjump"/>
+              </a:rPr>
+              <a:t>bibliography</a:t>
+            </a:r>
+            <a:r>
+              <a:rPr lang="it" sz="1400" spc="-1" dirty="0">
+                <a:solidFill>
+                  <a:srgbClr val="000000"/>
+                </a:solidFill>
+                <a:latin typeface="+mn-lt"/>
+                <a:ea typeface="Tahoma" panose="020B0604030504040204" pitchFamily="34" charset="0"/>
+                <a:cs typeface="Tahoma" panose="020B0604030504040204" pitchFamily="34" charset="0"/>
+              </a:rPr>
+              <a:t>), on the Monk and ML23 CUP tasks.</a:t>
+            </a:r>
+          </a:p>
+        </p:txBody>
+      </p:sp>
+      <p:sp>
+        <p:nvSpPr>
+          <p:cNvPr id="3" name="CasellaDiTesto 2">
+            <a:extLst>
+              <a:ext uri="{FF2B5EF4-FFF2-40B4-BE49-F238E27FC236}">
+                <a16:creationId xmlns:a16="http://schemas.microsoft.com/office/drawing/2014/main" id="{21F77B32-FB82-2079-F53B-1131754C4D18}"/>
+              </a:ext>
+            </a:extLst>
+          </p:cNvPr>
+          <p:cNvSpPr txBox="1"/>
+          <p:nvPr/>
+        </p:nvSpPr>
+        <p:spPr>
+          <a:xfrm>
+            <a:off x="311756" y="3348807"/>
+            <a:ext cx="8520119" cy="1384995"/>
+          </a:xfrm>
+          <a:prstGeom prst="rect">
+            <a:avLst/>
+          </a:prstGeom>
+          <a:noFill/>
+        </p:spPr>
+        <p:txBody>
+          <a:bodyPr wrap="square" rtlCol="0">
+            <a:spAutoFit/>
+          </a:bodyPr>
+          <a:lstStyle/>
+          <a:p>
+            <a:r>
+              <a:rPr lang="it-IT" sz="1400" dirty="0"/>
+              <a:t>Basic </a:t>
+            </a:r>
+            <a:r>
+              <a:rPr lang="it-IT" sz="1400" dirty="0" err="1"/>
+              <a:t>structure</a:t>
+            </a:r>
+            <a:r>
+              <a:rPr lang="it-IT" sz="1400" dirty="0"/>
+              <a:t> of the code: </a:t>
+            </a:r>
+          </a:p>
+          <a:p>
+            <a:pPr marL="285750" indent="-285750">
+              <a:buFont typeface="Arial" panose="020B0604020202020204" pitchFamily="34" charset="0"/>
+              <a:buChar char="•"/>
+            </a:pPr>
+            <a:r>
+              <a:rPr lang="it-IT" sz="1400" dirty="0">
+                <a:hlinkClick r:id="rId3"/>
+              </a:rPr>
+              <a:t>GitHub repo</a:t>
+            </a:r>
+            <a:r>
+              <a:rPr lang="it-IT" sz="1400" dirty="0"/>
+              <a:t> in </a:t>
+            </a:r>
+            <a:r>
+              <a:rPr lang="it-IT" sz="1400" dirty="0" err="1"/>
+              <a:t>which</a:t>
+            </a:r>
+            <a:r>
+              <a:rPr lang="it-IT" sz="1400" dirty="0"/>
+              <a:t> </a:t>
+            </a:r>
+            <a:r>
+              <a:rPr lang="it-IT" sz="1400" dirty="0" err="1"/>
+              <a:t>we</a:t>
+            </a:r>
+            <a:r>
+              <a:rPr lang="it-IT" sz="1400" dirty="0"/>
+              <a:t> </a:t>
+            </a:r>
+            <a:r>
+              <a:rPr lang="it-IT" sz="1400" dirty="0" err="1"/>
+              <a:t>stored</a:t>
+            </a:r>
+            <a:r>
+              <a:rPr lang="it-IT" sz="1400" dirty="0"/>
+              <a:t> the datasets, images, notebooks and </a:t>
+            </a:r>
+            <a:r>
+              <a:rPr lang="it-IT" sz="1400" dirty="0" err="1"/>
+              <a:t>saved</a:t>
+            </a:r>
+            <a:r>
+              <a:rPr lang="it-IT" sz="1400" dirty="0"/>
+              <a:t> models. </a:t>
+            </a:r>
+          </a:p>
+          <a:p>
+            <a:pPr marL="285750" indent="-285750">
+              <a:buFont typeface="Arial" panose="020B0604020202020204" pitchFamily="34" charset="0"/>
+              <a:buChar char="•"/>
+            </a:pPr>
+            <a:r>
+              <a:rPr lang="it-IT" sz="1400" dirty="0"/>
+              <a:t>A notebook for </a:t>
+            </a:r>
+            <a:r>
+              <a:rPr lang="it-IT" sz="1400" dirty="0" err="1"/>
+              <a:t>each</a:t>
+            </a:r>
+            <a:r>
+              <a:rPr lang="it-IT" sz="1400" dirty="0"/>
+              <a:t> of the </a:t>
+            </a:r>
+            <a:r>
+              <a:rPr lang="it-IT" sz="1400" dirty="0" err="1"/>
+              <a:t>three</a:t>
+            </a:r>
+            <a:r>
+              <a:rPr lang="it-IT" sz="1400" dirty="0"/>
+              <a:t> classes of models, for </a:t>
+            </a:r>
+            <a:r>
+              <a:rPr lang="it-IT" sz="1400" dirty="0" err="1"/>
+              <a:t>each</a:t>
+            </a:r>
+            <a:r>
+              <a:rPr lang="it-IT" sz="1400" dirty="0"/>
+              <a:t> of the </a:t>
+            </a:r>
+            <a:r>
+              <a:rPr lang="it-IT" sz="1400" dirty="0" err="1"/>
+              <a:t>two</a:t>
+            </a:r>
+            <a:r>
+              <a:rPr lang="it-IT" sz="1400" dirty="0"/>
+              <a:t> tasks.</a:t>
+            </a:r>
+          </a:p>
+          <a:p>
+            <a:pPr marL="285750" indent="-285750">
+              <a:buFont typeface="Arial" panose="020B0604020202020204" pitchFamily="34" charset="0"/>
+              <a:buChar char="•"/>
+            </a:pPr>
+            <a:r>
+              <a:rPr lang="it-IT" sz="1400" dirty="0"/>
+              <a:t>In </a:t>
+            </a:r>
+            <a:r>
+              <a:rPr lang="it-IT" sz="1400" dirty="0" err="1"/>
+              <a:t>each</a:t>
+            </a:r>
+            <a:r>
+              <a:rPr lang="it-IT" sz="1400" dirty="0"/>
+              <a:t> notebook: import and </a:t>
+            </a:r>
+            <a:r>
+              <a:rPr lang="it-IT" sz="1400" dirty="0" err="1"/>
+              <a:t>process</a:t>
+            </a:r>
+            <a:r>
+              <a:rPr lang="it-IT" sz="1400" dirty="0"/>
+              <a:t> the data, create the model (</a:t>
+            </a:r>
+            <a:r>
+              <a:rPr lang="it-IT" sz="1400" dirty="0" err="1"/>
+              <a:t>often</a:t>
+            </a:r>
+            <a:r>
+              <a:rPr lang="it-IT" sz="1400" dirty="0"/>
+              <a:t> by </a:t>
+            </a:r>
+            <a:r>
+              <a:rPr lang="it-IT" sz="1400" dirty="0" err="1"/>
+              <a:t>calling</a:t>
+            </a:r>
+            <a:r>
+              <a:rPr lang="it-IT" sz="1400" dirty="0"/>
+              <a:t> a </a:t>
+            </a:r>
+            <a:r>
+              <a:rPr lang="it-IT" sz="1400" dirty="0" err="1"/>
+              <a:t>function</a:t>
+            </a:r>
+            <a:r>
+              <a:rPr lang="it-IT" sz="1400" dirty="0"/>
+              <a:t> </a:t>
+            </a:r>
+            <a:r>
+              <a:rPr lang="it-IT" sz="1400" dirty="0" err="1"/>
+              <a:t>provided</a:t>
+            </a:r>
+            <a:r>
+              <a:rPr lang="it-IT" sz="1400" dirty="0"/>
+              <a:t> by the library), set up the </a:t>
+            </a:r>
+            <a:r>
+              <a:rPr lang="it-IT" sz="1400" dirty="0" err="1"/>
+              <a:t>grid</a:t>
+            </a:r>
+            <a:r>
+              <a:rPr lang="it-IT" sz="1400" dirty="0"/>
+              <a:t> </a:t>
+            </a:r>
+            <a:r>
+              <a:rPr lang="it-IT" sz="1400" dirty="0" err="1"/>
+              <a:t>search</a:t>
+            </a:r>
+            <a:r>
+              <a:rPr lang="it-IT" sz="1400" dirty="0"/>
+              <a:t> and training </a:t>
+            </a:r>
+            <a:r>
+              <a:rPr lang="it-IT" sz="1400" dirty="0" err="1"/>
+              <a:t>process</a:t>
+            </a:r>
+            <a:r>
+              <a:rPr lang="it-IT" sz="1400" dirty="0"/>
+              <a:t>, </a:t>
+            </a:r>
+            <a:r>
+              <a:rPr lang="it-IT" sz="1400" dirty="0" err="1"/>
+              <a:t>select</a:t>
+            </a:r>
+            <a:r>
+              <a:rPr lang="it-IT" sz="1400" dirty="0"/>
+              <a:t> best </a:t>
+            </a:r>
+            <a:r>
+              <a:rPr lang="it-IT" sz="1400" dirty="0" err="1"/>
+              <a:t>hyperparameters</a:t>
+            </a:r>
+            <a:r>
+              <a:rPr lang="it-IT" sz="1400" dirty="0"/>
+              <a:t> and plot the learning curve, </a:t>
+            </a:r>
+            <a:r>
+              <a:rPr lang="it-IT" sz="1400" dirty="0" err="1"/>
+              <a:t>save</a:t>
+            </a:r>
+            <a:r>
+              <a:rPr lang="it-IT" sz="1400" dirty="0"/>
+              <a:t> the model</a:t>
+            </a:r>
+          </a:p>
+        </p:txBody>
+      </p:sp>
+      <p:sp>
+        <p:nvSpPr>
+          <p:cNvPr id="6" name="CasellaDiTesto 5">
+            <a:extLst>
+              <a:ext uri="{FF2B5EF4-FFF2-40B4-BE49-F238E27FC236}">
+                <a16:creationId xmlns:a16="http://schemas.microsoft.com/office/drawing/2014/main" id="{D28C2F6E-07DF-B0D2-6063-35A5B0991D94}"/>
+              </a:ext>
+            </a:extLst>
+          </p:cNvPr>
+          <p:cNvSpPr txBox="1"/>
+          <p:nvPr/>
+        </p:nvSpPr>
+        <p:spPr>
+          <a:xfrm>
+            <a:off x="311756" y="1297325"/>
             <a:ext cx="8520119" cy="523220"/>
           </a:xfrm>
           <a:prstGeom prst="rect">
@@ -11413,8 +11265,20 @@
           <a:lstStyle/>
           <a:p>
             <a:r>
+              <a:rPr lang="it-IT" sz="1400" dirty="0"/>
+              <a:t>In </a:t>
+            </a:r>
+            <a:r>
               <a:rPr lang="it-IT" sz="1400" dirty="0" err="1"/>
-              <a:t>Our</a:t>
+              <a:t>particular</a:t>
+            </a:r>
+            <a:r>
+              <a:rPr lang="it-IT" sz="1400" dirty="0"/>
+              <a:t>, </a:t>
+            </a:r>
+            <a:r>
+              <a:rPr lang="it-IT" sz="1400" dirty="0" err="1"/>
+              <a:t>we</a:t>
             </a:r>
             <a:r>
               <a:rPr lang="it-IT" sz="1400" dirty="0"/>
@@ -11422,19 +11286,226 @@
             </a:r>
             <a:r>
               <a:rPr lang="it-IT" sz="1400" dirty="0" err="1"/>
-              <a:t>aim</a:t>
-            </a:r>
-            <a:r>
-              <a:rPr lang="it-IT" sz="1400" dirty="0"/>
-              <a:t> for </a:t>
+              <a:t>were</a:t>
+            </a:r>
+            <a:r>
+              <a:rPr lang="it-IT" sz="1400" dirty="0"/>
+              <a:t> </a:t>
             </a:r>
             <a:r>
               <a:rPr lang="it-IT" sz="1400" dirty="0" err="1"/>
-              <a:t>this</a:t>
-            </a:r>
-            <a:r>
-              <a:rPr lang="it-IT" sz="1400" dirty="0"/>
-              <a:t> project </a:t>
+              <a:t>interested</a:t>
+            </a:r>
+            <a:r>
+              <a:rPr lang="it-IT" sz="1400" dirty="0"/>
+              <a:t> in seeing </a:t>
+            </a:r>
+            <a:r>
+              <a:rPr lang="it-IT" sz="1400" dirty="0" err="1"/>
+              <a:t>how</a:t>
+            </a:r>
+            <a:r>
+              <a:rPr lang="it-IT" sz="1400" dirty="0"/>
+              <a:t> </a:t>
+            </a:r>
+            <a:r>
+              <a:rPr lang="it-IT" sz="1400" dirty="0" err="1"/>
+              <a:t>many</a:t>
+            </a:r>
+            <a:r>
+              <a:rPr lang="it-IT" sz="1400" dirty="0"/>
+              <a:t> </a:t>
+            </a:r>
+            <a:r>
+              <a:rPr lang="it-IT" sz="1400" dirty="0" err="1"/>
+              <a:t>combinations</a:t>
+            </a:r>
+            <a:r>
+              <a:rPr lang="it-IT" sz="1400" dirty="0"/>
+              <a:t> of </a:t>
+            </a:r>
+            <a:r>
+              <a:rPr lang="it-IT" sz="1400" dirty="0" err="1"/>
+              <a:t>both</a:t>
+            </a:r>
+            <a:r>
+              <a:rPr lang="it-IT" sz="1400" dirty="0"/>
+              <a:t> standard and </a:t>
+            </a:r>
+            <a:r>
+              <a:rPr lang="it-IT" sz="1400" dirty="0" err="1"/>
+              <a:t>nonstandard</a:t>
+            </a:r>
+            <a:r>
+              <a:rPr lang="it-IT" sz="1400" dirty="0"/>
+              <a:t> techniques </a:t>
+            </a:r>
+            <a:r>
+              <a:rPr lang="it-IT" sz="1400" dirty="0" err="1"/>
+              <a:t>would</a:t>
+            </a:r>
+            <a:r>
+              <a:rPr lang="it-IT" sz="1400" dirty="0"/>
+              <a:t> </a:t>
+            </a:r>
+            <a:r>
+              <a:rPr lang="it-IT" sz="1400" dirty="0" err="1"/>
+              <a:t>perform</a:t>
+            </a:r>
+            <a:r>
+              <a:rPr lang="it-IT" sz="1400" dirty="0"/>
+              <a:t> in the tasks </a:t>
+            </a:r>
+            <a:r>
+              <a:rPr lang="it-IT" sz="1400" dirty="0" err="1"/>
+              <a:t>at</a:t>
+            </a:r>
+            <a:r>
+              <a:rPr lang="it-IT" sz="1400" dirty="0"/>
+              <a:t> hand (</a:t>
+            </a:r>
+            <a:r>
+              <a:rPr lang="it-IT" sz="1400" dirty="0" err="1"/>
+              <a:t>expecially</a:t>
+            </a:r>
+            <a:r>
+              <a:rPr lang="it-IT" sz="1400" dirty="0"/>
+              <a:t> in the ML23 CUP). </a:t>
+            </a:r>
+          </a:p>
+        </p:txBody>
+      </p:sp>
+      <p:sp>
+        <p:nvSpPr>
+          <p:cNvPr id="7" name="CasellaDiTesto 6">
+            <a:extLst>
+              <a:ext uri="{FF2B5EF4-FFF2-40B4-BE49-F238E27FC236}">
+                <a16:creationId xmlns:a16="http://schemas.microsoft.com/office/drawing/2014/main" id="{3B8196D9-C4A4-66B2-3D6E-2443E7024140}"/>
+              </a:ext>
+            </a:extLst>
+          </p:cNvPr>
+          <p:cNvSpPr txBox="1"/>
+          <p:nvPr/>
+        </p:nvSpPr>
+        <p:spPr>
+          <a:xfrm>
+            <a:off x="311754" y="1837652"/>
+            <a:ext cx="8520119" cy="738664"/>
+          </a:xfrm>
+          <a:prstGeom prst="rect">
+            <a:avLst/>
+          </a:prstGeom>
+          <a:noFill/>
+        </p:spPr>
+        <p:txBody>
+          <a:bodyPr wrap="square" rtlCol="0">
+            <a:spAutoFit/>
+          </a:bodyPr>
+          <a:lstStyle/>
+          <a:p>
+            <a:r>
+              <a:rPr lang="it-IT" sz="1400" dirty="0" err="1"/>
+              <a:t>Ultimately</a:t>
+            </a:r>
+            <a:r>
+              <a:rPr lang="it-IT" sz="1400" dirty="0"/>
+              <a:t>, </a:t>
+            </a:r>
+            <a:r>
+              <a:rPr lang="it-IT" sz="1400" dirty="0" err="1"/>
+              <a:t>we</a:t>
+            </a:r>
+            <a:r>
+              <a:rPr lang="it-IT" sz="1400" dirty="0"/>
+              <a:t> </a:t>
+            </a:r>
+            <a:r>
+              <a:rPr lang="it-IT" sz="1400" dirty="0" err="1"/>
+              <a:t>aimed</a:t>
+            </a:r>
+            <a:r>
+              <a:rPr lang="it-IT" sz="1400" dirty="0"/>
+              <a:t> </a:t>
+            </a:r>
+            <a:r>
+              <a:rPr lang="it-IT" sz="1400" dirty="0" err="1"/>
+              <a:t>at</a:t>
+            </a:r>
+            <a:r>
+              <a:rPr lang="it-IT" sz="1400" dirty="0"/>
+              <a:t> </a:t>
+            </a:r>
+            <a:r>
+              <a:rPr lang="it-IT" sz="1400" dirty="0" err="1"/>
+              <a:t>achieving</a:t>
+            </a:r>
+            <a:r>
+              <a:rPr lang="it-IT" sz="1400" dirty="0"/>
+              <a:t> the best </a:t>
+            </a:r>
+            <a:r>
+              <a:rPr lang="it-IT" sz="1400" dirty="0" err="1"/>
+              <a:t>possible</a:t>
+            </a:r>
+            <a:r>
+              <a:rPr lang="it-IT" sz="1400" dirty="0"/>
+              <a:t> </a:t>
+            </a:r>
+            <a:r>
+              <a:rPr lang="it-IT" sz="1400" dirty="0" err="1"/>
+              <a:t>result</a:t>
+            </a:r>
+            <a:r>
+              <a:rPr lang="it-IT" sz="1400" dirty="0"/>
+              <a:t> for the blind </a:t>
+            </a:r>
+            <a:r>
+              <a:rPr lang="it-IT" sz="1400" dirty="0" err="1"/>
+              <a:t>competition</a:t>
+            </a:r>
+            <a:r>
+              <a:rPr lang="it-IT" sz="1400" dirty="0"/>
+              <a:t>. A </a:t>
+            </a:r>
+            <a:r>
+              <a:rPr lang="it-IT" sz="1400" dirty="0" err="1"/>
+              <a:t>broad</a:t>
+            </a:r>
+            <a:r>
+              <a:rPr lang="it-IT" sz="1400" dirty="0"/>
+              <a:t> </a:t>
+            </a:r>
+            <a:r>
+              <a:rPr lang="it-IT" sz="1400" dirty="0" err="1"/>
+              <a:t>exploration</a:t>
+            </a:r>
+            <a:r>
+              <a:rPr lang="it-IT" sz="1400" dirty="0"/>
+              <a:t> of the performance of </a:t>
+            </a:r>
+            <a:r>
+              <a:rPr lang="it-IT" sz="1400" dirty="0" err="1"/>
+              <a:t>various</a:t>
+            </a:r>
+            <a:r>
+              <a:rPr lang="it-IT" sz="1400" dirty="0"/>
+              <a:t> models &amp; </a:t>
+            </a:r>
+            <a:r>
+              <a:rPr lang="it-IT" sz="1400" dirty="0" err="1"/>
+              <a:t>hyperparameters</a:t>
+            </a:r>
+            <a:r>
+              <a:rPr lang="it-IT" sz="1400" dirty="0"/>
+              <a:t>’ </a:t>
+            </a:r>
+            <a:r>
+              <a:rPr lang="it-IT" sz="1400" dirty="0" err="1"/>
+              <a:t>configurations</a:t>
+            </a:r>
+            <a:r>
+              <a:rPr lang="it-IT" sz="1400" dirty="0"/>
+              <a:t> </a:t>
             </a:r>
             <a:r>
               <a:rPr lang="it-IT" sz="1400" dirty="0" err="1"/>
@@ -11442,59 +11513,108 @@
             </a:r>
             <a:r>
               <a:rPr lang="it-IT" sz="1400" dirty="0"/>
-              <a:t> to test </a:t>
+              <a:t> </a:t>
             </a:r>
             <a:r>
               <a:rPr lang="it-IT" sz="1400" dirty="0" err="1"/>
-              <a:t>various</a:t>
-            </a:r>
-            <a:r>
-              <a:rPr lang="it-IT" sz="1400" dirty="0"/>
-              <a:t> models, </a:t>
+              <a:t>necessary</a:t>
+            </a:r>
+            <a:r>
+              <a:rPr lang="it-IT" sz="1400" dirty="0"/>
+              <a:t> for </a:t>
             </a:r>
             <a:r>
               <a:rPr lang="it-IT" sz="1400" dirty="0" err="1"/>
-              <a:t>built</a:t>
-            </a:r>
-            <a:r>
-              <a:rPr lang="it-IT" sz="1400" dirty="0"/>
-              <a:t> with the help of some libraries (</a:t>
-            </a:r>
-            <a:r>
-              <a:rPr lang="it" sz="1400" spc="-1" dirty="0">
-                <a:solidFill>
-                  <a:srgbClr val="000000"/>
-                </a:solidFill>
-                <a:latin typeface="+mn-lt"/>
-                <a:ea typeface="Tahoma" panose="020B0604030504040204" pitchFamily="34" charset="0"/>
-                <a:cs typeface="Tahoma" panose="020B0604030504040204" pitchFamily="34" charset="0"/>
-              </a:rPr>
-              <a:t>see </a:t>
-            </a:r>
-            <a:r>
-              <a:rPr lang="it" sz="1400" spc="-1" dirty="0">
-                <a:solidFill>
-                  <a:srgbClr val="000000"/>
-                </a:solidFill>
-                <a:latin typeface="+mn-lt"/>
-                <a:ea typeface="Tahoma" panose="020B0604030504040204" pitchFamily="34" charset="0"/>
-                <a:cs typeface="Tahoma" panose="020B0604030504040204" pitchFamily="34" charset="0"/>
-                <a:hlinkClick r:id="rId2" action="ppaction://hlinksldjump"/>
-              </a:rPr>
-              <a:t>bibliography</a:t>
-            </a:r>
-            <a:r>
-              <a:rPr lang="it" sz="1400" spc="-1" dirty="0">
-                <a:solidFill>
-                  <a:srgbClr val="000000"/>
-                </a:solidFill>
-                <a:latin typeface="+mn-lt"/>
-                <a:ea typeface="Tahoma" panose="020B0604030504040204" pitchFamily="34" charset="0"/>
-                <a:cs typeface="Tahoma" panose="020B0604030504040204" pitchFamily="34" charset="0"/>
-              </a:rPr>
-              <a:t>), on the Monk and ML23 CUP tasks.</a:t>
-            </a:r>
-            <a:endParaRPr lang="it-IT" sz="1400" dirty="0"/>
+              <a:t>such</a:t>
+            </a:r>
+            <a:r>
+              <a:rPr lang="it-IT" sz="1400" dirty="0"/>
+              <a:t> a goal, </a:t>
+            </a:r>
+            <a:r>
+              <a:rPr lang="it-IT" sz="1400" dirty="0">
+                <a:solidFill>
+                  <a:srgbClr val="FF0000"/>
+                </a:solidFill>
+              </a:rPr>
+              <a:t>and </a:t>
+            </a:r>
+            <a:r>
+              <a:rPr lang="it-IT" sz="1400" dirty="0" err="1">
+                <a:solidFill>
+                  <a:srgbClr val="FF0000"/>
+                </a:solidFill>
+              </a:rPr>
+              <a:t>also</a:t>
+            </a:r>
+            <a:r>
+              <a:rPr lang="it-IT" sz="1400" dirty="0">
+                <a:solidFill>
+                  <a:srgbClr val="FF0000"/>
+                </a:solidFill>
+              </a:rPr>
+              <a:t> </a:t>
+            </a:r>
+            <a:r>
+              <a:rPr lang="it-IT" sz="1400" dirty="0" err="1">
+                <a:solidFill>
+                  <a:srgbClr val="FF0000"/>
+                </a:solidFill>
+              </a:rPr>
+              <a:t>taught</a:t>
+            </a:r>
+            <a:r>
+              <a:rPr lang="it-IT" sz="1400" dirty="0">
+                <a:solidFill>
+                  <a:srgbClr val="FF0000"/>
+                </a:solidFill>
+              </a:rPr>
+              <a:t> </a:t>
+            </a:r>
+            <a:r>
+              <a:rPr lang="it-IT" sz="1400" dirty="0" err="1">
+                <a:solidFill>
+                  <a:srgbClr val="FF0000"/>
+                </a:solidFill>
+              </a:rPr>
+              <a:t>us</a:t>
+            </a:r>
+            <a:r>
+              <a:rPr lang="it-IT" sz="1400" dirty="0">
+                <a:solidFill>
+                  <a:srgbClr val="FF0000"/>
+                </a:solidFill>
+              </a:rPr>
+              <a:t> </a:t>
+            </a:r>
+            <a:r>
+              <a:rPr lang="it-IT" sz="1400" dirty="0" err="1">
+                <a:solidFill>
+                  <a:srgbClr val="FF0000"/>
+                </a:solidFill>
+              </a:rPr>
+              <a:t>many</a:t>
+            </a:r>
+            <a:r>
+              <a:rPr lang="it-IT" sz="1400" dirty="0">
+                <a:solidFill>
+                  <a:srgbClr val="FF0000"/>
+                </a:solidFill>
+              </a:rPr>
+              <a:t> </a:t>
+            </a:r>
+            <a:r>
+              <a:rPr lang="it-IT" sz="1400" dirty="0" err="1">
+                <a:solidFill>
+                  <a:srgbClr val="FF0000"/>
+                </a:solidFill>
+              </a:rPr>
+              <a:t>things</a:t>
+            </a:r>
+            <a:r>
+              <a:rPr lang="it-IT" sz="1400" dirty="0"/>
+              <a:t>.</a:t>
+            </a:r>
           </a:p>
         </p:txBody>
       </p:sp>
@@ -11569,47 +11689,7 @@
                 <a:latin typeface="Arial"/>
                 <a:ea typeface="Arial"/>
               </a:rPr>
-              <a:t>Bibliography</a:t>
-            </a:r>
-            <a:r>
-              <a:rPr lang="it" sz="2600" spc="-1" dirty="0">
-                <a:solidFill>
-                  <a:srgbClr val="000000"/>
-                </a:solidFill>
-                <a:latin typeface="Arial"/>
-                <a:ea typeface="Arial"/>
-              </a:rPr>
-              <a:t> – 2 [</a:t>
-            </a:r>
-            <a:r>
-              <a:rPr lang="it" sz="2600" spc="-1" dirty="0">
-                <a:solidFill>
-                  <a:srgbClr val="FF0000"/>
-                </a:solidFill>
-                <a:latin typeface="Arial"/>
-                <a:ea typeface="Arial"/>
-              </a:rPr>
-              <a:t>fare, se necessario</a:t>
-            </a:r>
-            <a:r>
-              <a:rPr lang="it" sz="2600" spc="-1" dirty="0">
-                <a:solidFill>
-                  <a:srgbClr val="000000"/>
-                </a:solidFill>
-                <a:latin typeface="Arial"/>
-                <a:ea typeface="Arial"/>
-              </a:rPr>
-              <a:t>]</a:t>
-            </a:r>
-            <a:r>
-              <a:rPr lang="it" sz="2800" b="0" strike="noStrike" spc="-1" dirty="0">
-                <a:solidFill>
-                  <a:srgbClr val="000000"/>
-                </a:solidFill>
-                <a:latin typeface="Arial"/>
-                <a:ea typeface="Arial"/>
-              </a:rPr>
-              <a:t> </a:t>
+              <a:t>Bibliography – 1</a:t>
             </a:r>
             <a:endParaRPr lang="it-IT" sz="2800" b="0" strike="noStrike" spc="-1" dirty="0">
               <a:solidFill>
@@ -11705,8 +11785,8 @@
         </p:nvSpPr>
         <p:spPr>
           <a:xfrm>
-            <a:off x="490817" y="1452282"/>
-            <a:ext cx="7738783" cy="954107"/>
+            <a:off x="702427" y="944432"/>
+            <a:ext cx="7738783" cy="2031325"/>
           </a:xfrm>
           <a:prstGeom prst="rect">
             <a:avLst/>
@@ -11725,8 +11805,62 @@
             </a:pPr>
             <a:r>
               <a:rPr lang="it-IT" sz="1400" dirty="0"/>
-              <a:t>Articolo 1</a:t>
-            </a:r>
+              <a:t>F. </a:t>
+            </a:r>
+            <a:r>
+              <a:rPr lang="it-IT" sz="1400" dirty="0" err="1"/>
+              <a:t>Chollet</a:t>
+            </a:r>
+            <a:r>
+              <a:rPr lang="it-IT" sz="1400" dirty="0"/>
+              <a:t>, </a:t>
+            </a:r>
+            <a:r>
+              <a:rPr lang="it-IT" sz="1400" i="1" dirty="0" err="1"/>
+              <a:t>Keras</a:t>
+            </a:r>
+            <a:r>
+              <a:rPr lang="it-IT" sz="1400" dirty="0"/>
+              <a:t>, GitHub,</a:t>
+            </a:r>
+            <a:r>
+              <a:rPr lang="it-IT" sz="1400" spc="-1" dirty="0">
+                <a:solidFill>
+                  <a:srgbClr val="000000"/>
+                </a:solidFill>
+                <a:latin typeface="Arial"/>
+              </a:rPr>
+              <a:t> </a:t>
+            </a:r>
+            <a:r>
+              <a:rPr lang="it-IT" sz="1400" spc="-1" dirty="0">
+                <a:solidFill>
+                  <a:srgbClr val="000000"/>
+                </a:solidFill>
+                <a:latin typeface="Arial"/>
+                <a:hlinkClick r:id="rId2"/>
+              </a:rPr>
+              <a:t>GitHub Repository</a:t>
+            </a:r>
+            <a:r>
+              <a:rPr lang="it-IT" sz="1400" dirty="0"/>
+              <a:t>, (2015) </a:t>
+            </a:r>
+            <a:r>
+              <a:rPr lang="it-IT" sz="1400" dirty="0" err="1"/>
+              <a:t>version</a:t>
+            </a:r>
+            <a:r>
+              <a:rPr lang="it-IT" sz="1400" dirty="0"/>
+              <a:t> </a:t>
+            </a:r>
+            <a:r>
+              <a:rPr lang="it-IT" sz="1400" dirty="0">
+                <a:hlinkClick r:id="rId3"/>
+              </a:rPr>
+              <a:t>3.0.2</a:t>
+            </a:r>
+            <a:endParaRPr lang="it-IT" sz="1400" dirty="0"/>
           </a:p>
           <a:p>
             <a:pPr marL="342900" indent="-342900">
@@ -11734,21 +11868,986 @@
               <a:buAutoNum type="arabicPeriod"/>
             </a:pPr>
             <a:r>
-              <a:rPr lang="it-IT" sz="1400" dirty="0"/>
-              <a:t>Articolo 2</a:t>
-            </a:r>
+              <a:rPr lang="it-IT" sz="1400" spc="-1" dirty="0">
+                <a:solidFill>
+                  <a:srgbClr val="000000"/>
+                </a:solidFill>
+                <a:latin typeface="Arial"/>
+              </a:rPr>
+              <a:t>M. Abadi, A. </a:t>
+            </a:r>
+            <a:r>
+              <a:rPr lang="it-IT" sz="1400" spc="-1" dirty="0" err="1">
+                <a:solidFill>
+                  <a:srgbClr val="000000"/>
+                </a:solidFill>
+                <a:latin typeface="Arial"/>
+              </a:rPr>
+              <a:t>Agarwal</a:t>
+            </a:r>
+            <a:r>
+              <a:rPr lang="it-IT" sz="1400" spc="-1" dirty="0">
+                <a:solidFill>
+                  <a:srgbClr val="000000"/>
+                </a:solidFill>
+                <a:latin typeface="Arial"/>
+              </a:rPr>
+              <a:t> et al., 2015, </a:t>
+            </a:r>
+            <a:r>
+              <a:rPr lang="it-IT" sz="1400" i="1" spc="-1" dirty="0" err="1">
+                <a:solidFill>
+                  <a:srgbClr val="000000"/>
+                </a:solidFill>
+                <a:latin typeface="Arial"/>
+              </a:rPr>
+              <a:t>Ten</a:t>
+            </a:r>
+            <a:r>
+              <a:rPr kumimoji="0" lang="it-IT" altLang="it-IT" sz="1400" b="0" i="1" u="none" strike="noStrike" cap="none" normalizeH="0" baseline="0" dirty="0" err="1">
+                <a:ln>
+                  <a:noFill/>
+                </a:ln>
+                <a:solidFill>
+                  <a:schemeClr val="tx1"/>
+                </a:solidFill>
+                <a:effectLst/>
+                <a:latin typeface="Arial Unicode MS"/>
+              </a:rPr>
+              <a:t>sorFlow</a:t>
+            </a:r>
+            <a:r>
+              <a:rPr kumimoji="0" lang="it-IT" altLang="it-IT" sz="1400" b="0" i="1" u="none" strike="noStrike" cap="none" normalizeH="0" baseline="0" dirty="0">
+                <a:ln>
+                  <a:noFill/>
+                </a:ln>
+                <a:solidFill>
+                  <a:schemeClr val="tx1"/>
+                </a:solidFill>
+                <a:effectLst/>
+                <a:latin typeface="Arial Unicode MS"/>
+              </a:rPr>
+              <a:t>: Large-scale machine learning on </a:t>
+            </a:r>
+            <a:r>
+              <a:rPr kumimoji="0" lang="it-IT" altLang="it-IT" sz="1400" b="0" i="1" u="none" strike="noStrike" cap="none" normalizeH="0" baseline="0" dirty="0" err="1">
+                <a:ln>
+                  <a:noFill/>
+                </a:ln>
+                <a:solidFill>
+                  <a:schemeClr val="tx1"/>
+                </a:solidFill>
+                <a:effectLst/>
+                <a:latin typeface="Arial Unicode MS"/>
+              </a:rPr>
+              <a:t>heterogeneous</a:t>
+            </a:r>
+            <a:r>
+              <a:rPr kumimoji="0" lang="it-IT" altLang="it-IT" sz="1400" b="0" i="1" u="none" strike="noStrike" cap="none" normalizeH="0" baseline="0" dirty="0">
+                <a:ln>
+                  <a:noFill/>
+                </a:ln>
+                <a:solidFill>
+                  <a:schemeClr val="tx1"/>
+                </a:solidFill>
+                <a:effectLst/>
+                <a:latin typeface="Arial Unicode MS"/>
+              </a:rPr>
+              <a:t> systems</a:t>
+            </a:r>
+            <a:r>
+              <a:rPr kumimoji="0" lang="it-IT" altLang="it-IT" sz="1400" b="0" i="0" u="none" strike="noStrike" cap="none" normalizeH="0" baseline="0" dirty="0">
+                <a:ln>
+                  <a:noFill/>
+                </a:ln>
+                <a:solidFill>
+                  <a:schemeClr val="tx1"/>
+                </a:solidFill>
+                <a:effectLst/>
+                <a:latin typeface="Arial Unicode MS"/>
+              </a:rPr>
+              <a:t>. </a:t>
+            </a:r>
+            <a:r>
+              <a:rPr kumimoji="0" lang="it-IT" altLang="it-IT" sz="1400" b="0" i="0" u="none" strike="noStrike" cap="none" normalizeH="0" baseline="0" dirty="0">
+                <a:ln>
+                  <a:noFill/>
+                </a:ln>
+                <a:solidFill>
+                  <a:schemeClr val="tx1"/>
+                </a:solidFill>
+                <a:effectLst/>
+                <a:latin typeface="Arial Unicode MS"/>
+                <a:hlinkClick r:id="rId4"/>
+              </a:rPr>
+              <a:t>www.tensorflow.org</a:t>
+            </a:r>
+            <a:endParaRPr kumimoji="0" lang="it-IT" altLang="it-IT" sz="1400" b="0" i="0" u="none" strike="noStrike" cap="none" spc="-1" normalizeH="0" baseline="0" dirty="0">
+              <a:ln>
+                <a:noFill/>
+              </a:ln>
+              <a:solidFill>
+                <a:srgbClr val="000000"/>
+              </a:solidFill>
+              <a:effectLst/>
+              <a:latin typeface="Arial"/>
+            </a:endParaRPr>
           </a:p>
           <a:p>
             <a:pPr marL="342900" indent="-342900">
               <a:buFont typeface="+mj-lt"/>
               <a:buAutoNum type="arabicPeriod"/>
             </a:pPr>
-            <a:endParaRPr lang="it-IT" sz="1400" dirty="0"/>
+            <a:r>
+              <a:rPr lang="it-IT" sz="1400" spc="-1" dirty="0">
+                <a:solidFill>
+                  <a:srgbClr val="000000"/>
+                </a:solidFill>
+                <a:latin typeface="Arial"/>
+              </a:rPr>
+              <a:t>F. </a:t>
+            </a:r>
+            <a:r>
+              <a:rPr lang="it-IT" sz="1400" spc="-1" dirty="0" err="1">
+                <a:solidFill>
+                  <a:srgbClr val="000000"/>
+                </a:solidFill>
+                <a:latin typeface="Arial"/>
+              </a:rPr>
+              <a:t>Pedergosa</a:t>
+            </a:r>
+            <a:r>
+              <a:rPr lang="it-IT" sz="1400" spc="-1" dirty="0">
+                <a:solidFill>
+                  <a:srgbClr val="000000"/>
+                </a:solidFill>
+                <a:latin typeface="Arial"/>
+              </a:rPr>
+              <a:t>, G. </a:t>
+            </a:r>
+            <a:r>
+              <a:rPr lang="it-IT" sz="1400" spc="-1" dirty="0" err="1">
+                <a:solidFill>
+                  <a:srgbClr val="000000"/>
+                </a:solidFill>
+                <a:latin typeface="Arial"/>
+              </a:rPr>
+              <a:t>Varoquaux</a:t>
+            </a:r>
+            <a:r>
+              <a:rPr lang="it-IT" sz="1400" spc="-1" dirty="0">
+                <a:solidFill>
+                  <a:srgbClr val="000000"/>
+                </a:solidFill>
+                <a:latin typeface="Arial"/>
+              </a:rPr>
+              <a:t> et al, </a:t>
+            </a:r>
+            <a:r>
+              <a:rPr lang="it-IT" sz="1400" i="1" spc="-1" dirty="0" err="1">
+                <a:solidFill>
+                  <a:srgbClr val="000000"/>
+                </a:solidFill>
+                <a:latin typeface="Arial"/>
+              </a:rPr>
+              <a:t>Scikit-learn</a:t>
+            </a:r>
+            <a:r>
+              <a:rPr lang="it-IT" sz="1400" i="1" spc="-1" dirty="0">
+                <a:solidFill>
+                  <a:srgbClr val="000000"/>
+                </a:solidFill>
+                <a:latin typeface="Arial"/>
+              </a:rPr>
+              <a:t>: Machine Learning in Python</a:t>
+            </a:r>
+            <a:r>
+              <a:rPr lang="it-IT" sz="1400" spc="-1" dirty="0">
+                <a:solidFill>
+                  <a:srgbClr val="000000"/>
+                </a:solidFill>
+                <a:latin typeface="Arial"/>
+              </a:rPr>
+              <a:t>, JMLR, 12(</a:t>
+            </a:r>
+            <a:r>
+              <a:rPr lang="it-IT" sz="1400" spc="-1" dirty="0" err="1">
+                <a:solidFill>
+                  <a:srgbClr val="000000"/>
+                </a:solidFill>
+                <a:latin typeface="Arial"/>
+              </a:rPr>
+              <a:t>Oct</a:t>
+            </a:r>
+            <a:r>
+              <a:rPr lang="it-IT" sz="1400" spc="-1" dirty="0">
+                <a:solidFill>
+                  <a:srgbClr val="000000"/>
+                </a:solidFill>
+                <a:latin typeface="Arial"/>
+              </a:rPr>
+              <a:t>), (2011), pp.2825-2830 </a:t>
+            </a:r>
           </a:p>
           <a:p>
             <a:pPr marL="342900" indent="-342900">
               <a:buFont typeface="+mj-lt"/>
               <a:buAutoNum type="arabicPeriod"/>
+            </a:pPr>
+            <a:r>
+              <a:rPr lang="it-IT" sz="1400" spc="-1" dirty="0">
+                <a:solidFill>
+                  <a:srgbClr val="000000"/>
+                </a:solidFill>
+                <a:latin typeface="Arial"/>
+              </a:rPr>
+              <a:t>A. Garcia </a:t>
+            </a:r>
+            <a:r>
+              <a:rPr lang="it-IT" sz="1400" spc="-1" dirty="0" err="1">
+                <a:solidFill>
+                  <a:srgbClr val="000000"/>
+                </a:solidFill>
+                <a:latin typeface="Arial"/>
+              </a:rPr>
+              <a:t>Badaracco</a:t>
+            </a:r>
+            <a:r>
+              <a:rPr lang="it-IT" sz="1400" spc="-1" dirty="0">
+                <a:solidFill>
+                  <a:srgbClr val="000000"/>
+                </a:solidFill>
+                <a:latin typeface="Arial"/>
+              </a:rPr>
+              <a:t> et al, </a:t>
+            </a:r>
+            <a:r>
+              <a:rPr lang="it-IT" sz="1400" i="1" spc="-1" dirty="0" err="1">
+                <a:solidFill>
+                  <a:srgbClr val="000000"/>
+                </a:solidFill>
+                <a:latin typeface="Arial"/>
+              </a:rPr>
+              <a:t>SciKeras</a:t>
+            </a:r>
+            <a:r>
+              <a:rPr lang="it-IT" sz="1400" i="1" spc="-1" dirty="0">
+                <a:solidFill>
+                  <a:srgbClr val="000000"/>
+                </a:solidFill>
+                <a:latin typeface="Arial"/>
+              </a:rPr>
+              <a:t>: </a:t>
+            </a:r>
+            <a:r>
+              <a:rPr lang="it-IT" sz="1400" i="1" spc="-1" dirty="0" err="1">
+                <a:solidFill>
+                  <a:srgbClr val="000000"/>
+                </a:solidFill>
+                <a:latin typeface="Arial"/>
+              </a:rPr>
+              <a:t>Scikit-Learn</a:t>
+            </a:r>
+            <a:r>
+              <a:rPr lang="it-IT" sz="1400" i="1" spc="-1" dirty="0">
+                <a:solidFill>
+                  <a:srgbClr val="000000"/>
+                </a:solidFill>
+                <a:latin typeface="Arial"/>
+              </a:rPr>
+              <a:t> </a:t>
+            </a:r>
+            <a:r>
+              <a:rPr lang="it-IT" sz="1400" i="1" spc="-1" dirty="0" err="1">
+                <a:solidFill>
+                  <a:srgbClr val="000000"/>
+                </a:solidFill>
+                <a:latin typeface="Arial"/>
+              </a:rPr>
+              <a:t>wrapper</a:t>
+            </a:r>
+            <a:r>
+              <a:rPr lang="it-IT" sz="1400" i="1" spc="-1" dirty="0">
+                <a:solidFill>
+                  <a:srgbClr val="000000"/>
+                </a:solidFill>
+                <a:latin typeface="Arial"/>
+              </a:rPr>
+              <a:t> for </a:t>
+            </a:r>
+            <a:r>
+              <a:rPr lang="it-IT" sz="1400" i="1" spc="-1" dirty="0" err="1">
+                <a:solidFill>
+                  <a:srgbClr val="000000"/>
+                </a:solidFill>
+                <a:latin typeface="Arial"/>
+              </a:rPr>
+              <a:t>Keras</a:t>
+            </a:r>
+            <a:r>
+              <a:rPr lang="it-IT" sz="1400" spc="-1" dirty="0">
+                <a:solidFill>
+                  <a:srgbClr val="000000"/>
+                </a:solidFill>
+                <a:latin typeface="Arial"/>
+              </a:rPr>
+              <a:t>, GitHub, </a:t>
+            </a:r>
+            <a:r>
+              <a:rPr lang="it-IT" sz="1400" spc="-1" dirty="0">
+                <a:solidFill>
+                  <a:srgbClr val="000000"/>
+                </a:solidFill>
+                <a:latin typeface="Arial"/>
+                <a:hlinkClick r:id="rId5"/>
+              </a:rPr>
+              <a:t>GitHub Repository</a:t>
+            </a:r>
+            <a:r>
+              <a:rPr lang="it-IT" sz="1400" spc="-1" dirty="0">
+                <a:solidFill>
+                  <a:srgbClr val="000000"/>
+                </a:solidFill>
+                <a:latin typeface="Arial"/>
+              </a:rPr>
+              <a:t>, (2020) </a:t>
+            </a:r>
+            <a:r>
+              <a:rPr lang="it-IT" sz="1400" spc="-1" dirty="0" err="1">
+                <a:solidFill>
+                  <a:srgbClr val="000000"/>
+                </a:solidFill>
+                <a:latin typeface="Arial"/>
+              </a:rPr>
+              <a:t>version</a:t>
+            </a:r>
+            <a:r>
+              <a:rPr lang="it-IT" sz="1400" spc="-1" dirty="0">
+                <a:solidFill>
+                  <a:srgbClr val="000000"/>
+                </a:solidFill>
+                <a:latin typeface="Arial"/>
+              </a:rPr>
+              <a:t> </a:t>
+            </a:r>
+            <a:r>
+              <a:rPr lang="it-IT" sz="1400" i="1" spc="-1" dirty="0">
+                <a:solidFill>
+                  <a:srgbClr val="000000"/>
+                </a:solidFill>
+                <a:latin typeface="Arial"/>
+              </a:rPr>
+              <a:t> </a:t>
+            </a:r>
+            <a:r>
+              <a:rPr lang="it-IT" sz="1400" spc="-1" dirty="0">
+                <a:solidFill>
+                  <a:srgbClr val="000000"/>
+                </a:solidFill>
+                <a:latin typeface="Arial"/>
+                <a:hlinkClick r:id="rId6"/>
+              </a:rPr>
+              <a:t>0.12.0</a:t>
+            </a:r>
+            <a:endParaRPr lang="it-IT" sz="1400" spc="-1" dirty="0">
+              <a:solidFill>
+                <a:srgbClr val="000000"/>
+              </a:solidFill>
+              <a:latin typeface="Arial"/>
+            </a:endParaRPr>
+          </a:p>
+          <a:p>
+            <a:pPr marL="342900" indent="-342900">
+              <a:buFont typeface="+mj-lt"/>
+              <a:buAutoNum type="arabicPeriod"/>
+            </a:pPr>
+            <a:r>
+              <a:rPr lang="it-IT" sz="1400" dirty="0"/>
+              <a:t>T. </a:t>
+            </a:r>
+            <a:r>
+              <a:rPr lang="it-IT" sz="1400" dirty="0" err="1"/>
+              <a:t>Akiba</a:t>
+            </a:r>
+            <a:r>
+              <a:rPr lang="it-IT" sz="1400" dirty="0"/>
+              <a:t>, S. Sano, T. </a:t>
+            </a:r>
+            <a:r>
+              <a:rPr lang="it-IT" sz="1400" dirty="0" err="1"/>
+              <a:t>Yanase</a:t>
+            </a:r>
+            <a:r>
+              <a:rPr lang="it-IT" sz="1400" dirty="0"/>
+              <a:t>, T. </a:t>
+            </a:r>
+            <a:r>
+              <a:rPr lang="it-IT" sz="1400" dirty="0" err="1"/>
+              <a:t>Ohta</a:t>
+            </a:r>
+            <a:r>
+              <a:rPr lang="it-IT" sz="1400" dirty="0"/>
+              <a:t>, M. </a:t>
+            </a:r>
+            <a:r>
+              <a:rPr lang="it-IT" sz="1400" dirty="0" err="1"/>
+              <a:t>Koyama</a:t>
+            </a:r>
+            <a:r>
+              <a:rPr lang="it-IT" sz="1400" dirty="0"/>
+              <a:t>, </a:t>
+            </a:r>
+            <a:r>
+              <a:rPr lang="it-IT" sz="1400" i="1" dirty="0" err="1"/>
+              <a:t>Optuna</a:t>
+            </a:r>
+            <a:r>
+              <a:rPr lang="it-IT" sz="1400" i="1" dirty="0"/>
+              <a:t>: A Next-generation </a:t>
+            </a:r>
+            <a:r>
+              <a:rPr lang="it-IT" sz="1400" i="1" dirty="0" err="1"/>
+              <a:t>Hyperparameter</a:t>
+            </a:r>
+            <a:r>
+              <a:rPr lang="it-IT" sz="1400" i="1" dirty="0"/>
+              <a:t> </a:t>
+            </a:r>
+            <a:r>
+              <a:rPr lang="it-IT" sz="1400" i="1" dirty="0" err="1"/>
+              <a:t>Optimization</a:t>
+            </a:r>
+            <a:r>
+              <a:rPr lang="it-IT" sz="1400" i="1" dirty="0"/>
+              <a:t> Framework</a:t>
+            </a:r>
+            <a:r>
+              <a:rPr lang="it-IT" sz="1400" dirty="0"/>
+              <a:t>, KDD, (2019), pp.2623-2631</a:t>
+            </a:r>
+          </a:p>
+        </p:txBody>
+      </p:sp>
+      <p:sp>
+        <p:nvSpPr>
+          <p:cNvPr id="6" name="CasellaDiTesto 5">
+            <a:extLst>
+              <a:ext uri="{FF2B5EF4-FFF2-40B4-BE49-F238E27FC236}">
+                <a16:creationId xmlns:a16="http://schemas.microsoft.com/office/drawing/2014/main" id="{304B3224-8AD6-EBFB-578E-76DA67AAD1D4}"/>
+              </a:ext>
+            </a:extLst>
+          </p:cNvPr>
+          <p:cNvSpPr txBox="1"/>
+          <p:nvPr/>
+        </p:nvSpPr>
+        <p:spPr>
+          <a:xfrm>
+            <a:off x="702427" y="575100"/>
+            <a:ext cx="7738783" cy="369332"/>
+          </a:xfrm>
+          <a:prstGeom prst="rect">
+            <a:avLst/>
+          </a:prstGeom>
+          <a:noFill/>
+        </p:spPr>
+        <p:txBody>
+          <a:bodyPr wrap="square" rtlCol="0">
+            <a:spAutoFit/>
+          </a:bodyPr>
+          <a:lstStyle/>
+          <a:p>
+            <a:r>
+              <a:rPr lang="it-IT" dirty="0" err="1"/>
+              <a:t>Main</a:t>
+            </a:r>
+            <a:r>
+              <a:rPr lang="it-IT" dirty="0"/>
+              <a:t> libraries and software tools </a:t>
+            </a:r>
+            <a:r>
+              <a:rPr lang="it-IT" dirty="0" err="1"/>
+              <a:t>used</a:t>
+            </a:r>
+            <a:r>
+              <a:rPr lang="it-IT" dirty="0"/>
+              <a:t> for </a:t>
+            </a:r>
+            <a:r>
+              <a:rPr lang="it-IT" dirty="0" err="1"/>
+              <a:t>this</a:t>
+            </a:r>
+            <a:r>
+              <a:rPr lang="it-IT" dirty="0"/>
+              <a:t> project:</a:t>
+            </a:r>
+          </a:p>
+        </p:txBody>
+      </p:sp>
+      <p:sp>
+        <p:nvSpPr>
+          <p:cNvPr id="2" name="CasellaDiTesto 1">
+            <a:extLst>
+              <a:ext uri="{FF2B5EF4-FFF2-40B4-BE49-F238E27FC236}">
+                <a16:creationId xmlns:a16="http://schemas.microsoft.com/office/drawing/2014/main" id="{F04819BF-A96F-A9B0-EADB-B6E080EAD083}"/>
+              </a:ext>
+            </a:extLst>
+          </p:cNvPr>
+          <p:cNvSpPr txBox="1"/>
+          <p:nvPr/>
+        </p:nvSpPr>
+        <p:spPr>
+          <a:xfrm>
+            <a:off x="702426" y="3244638"/>
+            <a:ext cx="7738783" cy="369332"/>
+          </a:xfrm>
+          <a:prstGeom prst="rect">
+            <a:avLst/>
+          </a:prstGeom>
+          <a:noFill/>
+        </p:spPr>
+        <p:txBody>
+          <a:bodyPr wrap="square" rtlCol="0">
+            <a:spAutoFit/>
+          </a:bodyPr>
+          <a:lstStyle/>
+          <a:p>
+            <a:r>
+              <a:rPr lang="it-IT" dirty="0" err="1"/>
+              <a:t>Documentation</a:t>
+            </a:r>
+            <a:r>
+              <a:rPr lang="it-IT" dirty="0"/>
+              <a:t> of </a:t>
+            </a:r>
+            <a:r>
+              <a:rPr lang="it-IT" dirty="0" err="1"/>
+              <a:t>main</a:t>
+            </a:r>
+            <a:r>
+              <a:rPr lang="it-IT" dirty="0"/>
+              <a:t> libraries and software tools </a:t>
+            </a:r>
+            <a:r>
+              <a:rPr lang="it-IT" dirty="0" err="1"/>
+              <a:t>used</a:t>
+            </a:r>
+            <a:r>
+              <a:rPr lang="it-IT" dirty="0"/>
+              <a:t> for </a:t>
+            </a:r>
+            <a:r>
+              <a:rPr lang="it-IT" dirty="0" err="1"/>
+              <a:t>this</a:t>
+            </a:r>
+            <a:r>
+              <a:rPr lang="it-IT" dirty="0"/>
+              <a:t> project:</a:t>
+            </a:r>
+          </a:p>
+        </p:txBody>
+      </p:sp>
+      <p:sp>
+        <p:nvSpPr>
+          <p:cNvPr id="3" name="CasellaDiTesto 2">
+            <a:extLst>
+              <a:ext uri="{FF2B5EF4-FFF2-40B4-BE49-F238E27FC236}">
+                <a16:creationId xmlns:a16="http://schemas.microsoft.com/office/drawing/2014/main" id="{C6FDCFC4-2D63-71BA-90AE-2B88AEF84FF3}"/>
+              </a:ext>
+            </a:extLst>
+          </p:cNvPr>
+          <p:cNvSpPr txBox="1"/>
+          <p:nvPr/>
+        </p:nvSpPr>
+        <p:spPr>
+          <a:xfrm>
+            <a:off x="702425" y="3613970"/>
+            <a:ext cx="7738783" cy="738664"/>
+          </a:xfrm>
+          <a:prstGeom prst="rect">
+            <a:avLst/>
+          </a:prstGeom>
+          <a:noFill/>
+        </p:spPr>
+        <p:txBody>
+          <a:bodyPr wrap="square" numCol="2" rtlCol="0">
+            <a:spAutoFit/>
+          </a:bodyPr>
+          <a:lstStyle/>
+          <a:p>
+            <a:pPr marL="342900" indent="-342900">
+              <a:buFont typeface="+mj-lt"/>
+              <a:buAutoNum type="arabicPeriod" startAt="6"/>
+            </a:pPr>
+            <a:r>
+              <a:rPr lang="it-IT" sz="1400" dirty="0" err="1"/>
+              <a:t>Keras</a:t>
+            </a:r>
+            <a:r>
+              <a:rPr lang="it-IT" sz="1400" dirty="0"/>
+              <a:t> 3 </a:t>
+            </a:r>
+            <a:r>
+              <a:rPr lang="it-IT" sz="1400" dirty="0" err="1">
+                <a:hlinkClick r:id="rId7"/>
+              </a:rPr>
+              <a:t>documentation</a:t>
+            </a:r>
+            <a:endParaRPr lang="it-IT" sz="1400" dirty="0"/>
+          </a:p>
+          <a:p>
+            <a:pPr marL="342900" indent="-342900">
+              <a:buFont typeface="+mj-lt"/>
+              <a:buAutoNum type="arabicPeriod" startAt="6"/>
+            </a:pPr>
+            <a:r>
+              <a:rPr lang="it-IT" sz="1400" dirty="0" err="1"/>
+              <a:t>Scikit-learn</a:t>
+            </a:r>
+            <a:r>
+              <a:rPr lang="it-IT" sz="1400" dirty="0"/>
+              <a:t> </a:t>
+            </a:r>
+            <a:r>
+              <a:rPr lang="it-IT" sz="1400" dirty="0">
+                <a:hlinkClick r:id="rId8"/>
+              </a:rPr>
+              <a:t>API </a:t>
+            </a:r>
+            <a:r>
+              <a:rPr lang="it-IT" sz="1400" dirty="0" err="1">
+                <a:hlinkClick r:id="rId8"/>
+              </a:rPr>
+              <a:t>reference</a:t>
+            </a:r>
+            <a:endParaRPr lang="it-IT" sz="1400" dirty="0"/>
+          </a:p>
+          <a:p>
+            <a:pPr marL="342900" indent="-342900">
+              <a:buFont typeface="+mj-lt"/>
+              <a:buAutoNum type="arabicPeriod" startAt="6"/>
+            </a:pPr>
+            <a:r>
+              <a:rPr lang="it-IT" sz="1400" dirty="0" err="1"/>
+              <a:t>SciKeras</a:t>
+            </a:r>
+            <a:r>
+              <a:rPr lang="it-IT" sz="1400" dirty="0"/>
+              <a:t> 0.12 </a:t>
+            </a:r>
+            <a:r>
+              <a:rPr lang="it-IT" sz="1400" dirty="0" err="1">
+                <a:hlinkClick r:id="rId9"/>
+              </a:rPr>
+              <a:t>documentation</a:t>
+            </a:r>
+            <a:endParaRPr lang="it-IT" sz="1400" dirty="0"/>
+          </a:p>
+          <a:p>
+            <a:pPr marL="342900" indent="-342900">
+              <a:buFont typeface="+mj-lt"/>
+              <a:buAutoNum type="arabicPeriod" startAt="6"/>
+            </a:pPr>
+            <a:endParaRPr lang="it-IT" sz="1400" dirty="0"/>
+          </a:p>
+          <a:p>
+            <a:pPr marL="342900" indent="-342900">
+              <a:buFont typeface="+mj-lt"/>
+              <a:buAutoNum type="arabicPeriod" startAt="6"/>
+            </a:pPr>
+            <a:endParaRPr lang="it-IT" sz="1400" dirty="0"/>
+          </a:p>
+        </p:txBody>
+      </p:sp>
+    </p:spTree>
+    <p:extLst>
+      <p:ext uri="{BB962C8B-B14F-4D97-AF65-F5344CB8AC3E}">
+        <p14:creationId xmlns:p14="http://schemas.microsoft.com/office/powerpoint/2010/main" val="3814474243"/>
+      </p:ext>
+    </p:extLst>
+  </p:cSld>
+  <p:clrMapOvr>
+    <a:masterClrMapping/>
+  </p:clrMapOvr>
+</p:sld>
+</file>
+
+<file path=ppt/slides/slide21.xml><?xml version="1.0" encoding="utf-8"?>
+<p:sld xmlns:a="http://schemas.openxmlformats.org/drawingml/2006/main" xmlns:r="http://schemas.openxmlformats.org/officeDocument/2006/relationships" xmlns:p="http://schemas.openxmlformats.org/presentationml/2006/main">
+  <p:cSld>
+    <p:spTree>
+      <p:nvGrpSpPr>
+        <p:cNvPr id="1" name=""/>
+        <p:cNvGrpSpPr/>
+        <p:nvPr/>
+      </p:nvGrpSpPr>
+      <p:grpSpPr>
+        <a:xfrm>
+          <a:off x="0" y="0"/>
+          <a:ext cx="0" cy="0"/>
+          <a:chOff x="0" y="0"/>
+          <a:chExt cx="0" cy="0"/>
+        </a:xfrm>
+      </p:grpSpPr>
+      <p:sp>
+        <p:nvSpPr>
+          <p:cNvPr id="117" name="PlaceHolder 1"/>
+          <p:cNvSpPr>
+            <a:spLocks noGrp="1"/>
+          </p:cNvSpPr>
+          <p:nvPr>
+            <p:ph type="title"/>
+          </p:nvPr>
+        </p:nvSpPr>
+        <p:spPr>
+          <a:xfrm>
+            <a:off x="311760" y="2700"/>
+            <a:ext cx="8520120" cy="572400"/>
+          </a:xfrm>
+          <a:prstGeom prst="rect">
+            <a:avLst/>
+          </a:prstGeom>
+          <a:noFill/>
+          <a:ln w="0">
+            <a:noFill/>
+          </a:ln>
+        </p:spPr>
+        <p:txBody>
+          <a:bodyPr tIns="91440" bIns="91440" anchor="t">
+            <a:normAutofit fontScale="91000"/>
+          </a:bodyPr>
+          <a:lstStyle/>
+          <a:p>
+            <a:pPr>
+              <a:lnSpc>
+                <a:spcPct val="100000"/>
+              </a:lnSpc>
+              <a:buNone/>
+              <a:tabLst>
+                <a:tab pos="0" algn="l"/>
+              </a:tabLst>
+            </a:pPr>
+            <a:r>
+              <a:rPr lang="it" sz="2600" b="0" strike="noStrike" spc="-1" dirty="0">
+                <a:solidFill>
+                  <a:srgbClr val="000000"/>
+                </a:solidFill>
+                <a:latin typeface="Arial"/>
+                <a:ea typeface="Arial"/>
+              </a:rPr>
+              <a:t>Bibliography</a:t>
+            </a:r>
+            <a:r>
+              <a:rPr lang="it" sz="2600" spc="-1" dirty="0">
+                <a:solidFill>
+                  <a:srgbClr val="000000"/>
+                </a:solidFill>
+                <a:latin typeface="Arial"/>
+                <a:ea typeface="Arial"/>
+              </a:rPr>
+              <a:t> – 2 </a:t>
+            </a:r>
+            <a:endParaRPr lang="it-IT" sz="2800" b="0" strike="noStrike" spc="-1" dirty="0">
+              <a:solidFill>
+                <a:srgbClr val="000000"/>
+              </a:solidFill>
+              <a:latin typeface="Arial"/>
+            </a:endParaRPr>
+          </a:p>
+        </p:txBody>
+      </p:sp>
+      <p:sp>
+        <p:nvSpPr>
+          <p:cNvPr id="119" name="PlaceHolder 3"/>
+          <p:cNvSpPr>
+            <a:spLocks noGrp="1"/>
+          </p:cNvSpPr>
+          <p:nvPr>
+            <p:ph type="sldNum" idx="13"/>
+          </p:nvPr>
+        </p:nvSpPr>
+        <p:spPr>
+          <a:xfrm>
+            <a:off x="8472600" y="4663080"/>
+            <a:ext cx="548280" cy="393120"/>
+          </a:xfrm>
+          <a:prstGeom prst="rect">
+            <a:avLst/>
+          </a:prstGeom>
+          <a:noFill/>
+          <a:ln w="0">
+            <a:noFill/>
+          </a:ln>
+        </p:spPr>
+        <p:txBody>
+          <a:bodyPr tIns="91440" bIns="91440" anchor="ctr">
+            <a:normAutofit/>
+          </a:bodyPr>
+          <a:lstStyle>
+            <a:lvl1pPr algn="r">
+              <a:lnSpc>
+                <a:spcPct val="100000"/>
+              </a:lnSpc>
+              <a:buNone/>
+              <a:tabLst>
+                <a:tab pos="0" algn="l"/>
+              </a:tabLst>
+              <a:defRPr lang="it" sz="1000" b="0" strike="noStrike" spc="-1">
+                <a:solidFill>
+                  <a:srgbClr val="595959"/>
+                </a:solidFill>
+                <a:latin typeface="Arial"/>
+                <a:ea typeface="Arial"/>
+              </a:defRPr>
+            </a:lvl1pPr>
+          </a:lstStyle>
+          <a:p>
+            <a:pPr algn="r">
+              <a:lnSpc>
+                <a:spcPct val="100000"/>
+              </a:lnSpc>
+              <a:buNone/>
+              <a:tabLst>
+                <a:tab pos="0" algn="l"/>
+              </a:tabLst>
+            </a:pPr>
+            <a:fld id="{F1974EC4-68EB-45C8-A197-A860EB4D25E8}" type="slidenum">
+              <a:rPr lang="it" sz="1000" b="0" strike="noStrike" spc="-1">
+                <a:solidFill>
+                  <a:srgbClr val="595959"/>
+                </a:solidFill>
+                <a:latin typeface="Arial"/>
+                <a:ea typeface="Arial"/>
+              </a:rPr>
+              <a:t>21</a:t>
+            </a:fld>
+            <a:endParaRPr lang="it-IT" sz="1000" b="0" strike="noStrike" spc="-1">
+              <a:latin typeface="Times New Roman"/>
+            </a:endParaRPr>
+          </a:p>
+        </p:txBody>
+      </p:sp>
+      <p:sp>
+        <p:nvSpPr>
+          <p:cNvPr id="5" name="CasellaDiTesto 4">
+            <a:extLst>
+              <a:ext uri="{FF2B5EF4-FFF2-40B4-BE49-F238E27FC236}">
+                <a16:creationId xmlns:a16="http://schemas.microsoft.com/office/drawing/2014/main" id="{654DC5D3-954B-DA47-8F5D-D2825032294C}"/>
+              </a:ext>
+            </a:extLst>
+          </p:cNvPr>
+          <p:cNvSpPr txBox="1"/>
+          <p:nvPr/>
+        </p:nvSpPr>
+        <p:spPr>
+          <a:xfrm>
+            <a:off x="490817" y="1452282"/>
+            <a:ext cx="7738783" cy="1384995"/>
+          </a:xfrm>
+          <a:prstGeom prst="rect">
+            <a:avLst/>
+          </a:prstGeom>
+          <a:noFill/>
+        </p:spPr>
+        <p:txBody>
+          <a:bodyPr wrap="square" rtlCol="0">
+            <a:spAutoFit/>
+          </a:bodyPr>
+          <a:lstStyle/>
+          <a:p>
+            <a:pPr marL="342900" indent="-342900">
+              <a:buFont typeface="+mj-lt"/>
+              <a:buAutoNum type="arabicPeriod" startAt="9"/>
+            </a:pPr>
+            <a:r>
+              <a:rPr lang="it-IT" sz="1400" dirty="0"/>
+              <a:t>K. He, X. Zhang, S. </a:t>
+            </a:r>
+            <a:r>
+              <a:rPr lang="it-IT" sz="1400" dirty="0" err="1"/>
+              <a:t>Ren</a:t>
+            </a:r>
+            <a:r>
+              <a:rPr lang="it-IT" sz="1400" dirty="0"/>
+              <a:t>, J. Sun, </a:t>
+            </a:r>
+            <a:r>
+              <a:rPr lang="it-IT" sz="1400" i="1" dirty="0" err="1"/>
+              <a:t>Delving</a:t>
+            </a:r>
+            <a:r>
+              <a:rPr lang="it-IT" sz="1400" i="1" dirty="0"/>
+              <a:t> Deep </a:t>
+            </a:r>
+            <a:r>
+              <a:rPr lang="it-IT" sz="1400" i="1" dirty="0" err="1"/>
+              <a:t>into</a:t>
+            </a:r>
+            <a:r>
+              <a:rPr lang="it-IT" sz="1400" i="1" dirty="0"/>
+              <a:t> </a:t>
+            </a:r>
+            <a:r>
+              <a:rPr lang="it-IT" sz="1400" i="1" dirty="0" err="1"/>
+              <a:t>Rectifiers</a:t>
+            </a:r>
+            <a:r>
+              <a:rPr lang="it-IT" sz="1400" i="1" dirty="0"/>
+              <a:t>: </a:t>
+            </a:r>
+            <a:r>
+              <a:rPr lang="it-IT" sz="1400" i="1" dirty="0" err="1"/>
+              <a:t>Surpassing</a:t>
+            </a:r>
+            <a:r>
+              <a:rPr lang="it-IT" sz="1400" i="1" dirty="0"/>
+              <a:t> Human-Level Performance on </a:t>
+            </a:r>
+            <a:r>
+              <a:rPr lang="it-IT" sz="1400" i="1" dirty="0" err="1"/>
+              <a:t>ImageNet</a:t>
+            </a:r>
+            <a:r>
+              <a:rPr lang="it-IT" sz="1400" i="1" dirty="0"/>
+              <a:t> </a:t>
+            </a:r>
+            <a:r>
+              <a:rPr lang="it-IT" sz="1400" i="1" dirty="0" err="1"/>
+              <a:t>Classification</a:t>
+            </a:r>
+            <a:r>
+              <a:rPr lang="it-IT" sz="1400" dirty="0"/>
+              <a:t>, </a:t>
+            </a:r>
+            <a:r>
+              <a:rPr lang="it-IT" sz="1400" i="1" dirty="0"/>
+              <a:t>2015 IEEE International Conference on Computer Vision (ICCV)</a:t>
+            </a:r>
+            <a:r>
+              <a:rPr lang="it-IT" sz="1400" dirty="0"/>
+              <a:t>, Santiago, Chile, 2015, pp. 1026-1034,</a:t>
+            </a:r>
+          </a:p>
+          <a:p>
+            <a:pPr marL="342900" indent="-342900">
+              <a:buFont typeface="+mj-lt"/>
+              <a:buAutoNum type="arabicPeriod" startAt="9"/>
+            </a:pPr>
+            <a:r>
+              <a:rPr lang="it-IT" sz="1400" dirty="0"/>
+              <a:t>Articolo 2</a:t>
+            </a:r>
+          </a:p>
+          <a:p>
+            <a:pPr marL="342900" indent="-342900">
+              <a:buFont typeface="+mj-lt"/>
+              <a:buAutoNum type="arabicPeriod" startAt="9"/>
+            </a:pPr>
+            <a:endParaRPr lang="it-IT" sz="1400" dirty="0"/>
+          </a:p>
+          <a:p>
+            <a:pPr marL="342900" indent="-342900">
+              <a:buFont typeface="+mj-lt"/>
+              <a:buAutoNum type="arabicPeriod" startAt="9"/>
             </a:pPr>
             <a:endParaRPr lang="it-IT" sz="1400" dirty="0"/>
           </a:p>
@@ -11806,7 +12905,7 @@
 </p:sld>
 </file>
 
-<file path=ppt/slides/slide21.xml><?xml version="1.0" encoding="utf-8"?>
+<file path=ppt/slides/slide22.xml><?xml version="1.0" encoding="utf-8"?>
 <p:sld xmlns:a="http://schemas.openxmlformats.org/drawingml/2006/main" xmlns:r="http://schemas.openxmlformats.org/officeDocument/2006/relationships" xmlns:p="http://schemas.openxmlformats.org/presentationml/2006/main">
   <p:cSld>
     <p:spTree>
@@ -12130,7 +13229,7 @@
                 <a:latin typeface="Arial"/>
                 <a:ea typeface="Arial"/>
               </a:rPr>
-              <a:t>21</a:t>
+              <a:t>22</a:t>
             </a:fld>
             <a:endParaRPr lang="it-IT" sz="1000" b="0" strike="noStrike" spc="-1">
               <a:latin typeface="Times New Roman"/>
@@ -12815,7 +13914,7 @@
         </p:nvSpPr>
         <p:spPr>
           <a:xfrm>
-            <a:off x="311940" y="809730"/>
+            <a:off x="311940" y="695628"/>
             <a:ext cx="8434800" cy="523220"/>
           </a:xfrm>
           <a:prstGeom prst="rect">
@@ -12915,170 +14014,6 @@
               <a:rPr lang="it-IT" sz="1400" dirty="0"/>
               <a:t>.</a:t>
             </a:r>
-          </a:p>
-        </p:txBody>
-      </p:sp>
-      <p:sp>
-        <p:nvSpPr>
-          <p:cNvPr id="12" name="CasellaDiTesto 11">
-            <a:extLst>
-              <a:ext uri="{FF2B5EF4-FFF2-40B4-BE49-F238E27FC236}">
-                <a16:creationId xmlns:a16="http://schemas.microsoft.com/office/drawing/2014/main" id="{FA06A212-1846-A771-13D1-17BD867908F2}"/>
-              </a:ext>
-            </a:extLst>
-          </p:cNvPr>
-          <p:cNvSpPr txBox="1"/>
-          <p:nvPr/>
-        </p:nvSpPr>
-        <p:spPr>
-          <a:xfrm>
-            <a:off x="311940" y="2571750"/>
-            <a:ext cx="4140741" cy="1446550"/>
-          </a:xfrm>
-          <a:prstGeom prst="rect">
-            <a:avLst/>
-          </a:prstGeom>
-          <a:noFill/>
-        </p:spPr>
-        <p:txBody>
-          <a:bodyPr wrap="square" numCol="1" rtlCol="0">
-            <a:spAutoFit/>
-          </a:bodyPr>
-          <a:lstStyle/>
-          <a:p>
-            <a:pPr marL="285750" indent="-285750">
-              <a:buFont typeface="Arial" panose="020B0604020202020204" pitchFamily="34" charset="0"/>
-              <a:buChar char="•"/>
-            </a:pPr>
-            <a:r>
-              <a:rPr lang="it-IT" sz="1500" i="1" dirty="0"/>
-              <a:t>Kernel</a:t>
-            </a:r>
-            <a:r>
-              <a:rPr lang="it-IT" sz="1400" dirty="0"/>
-              <a:t>: RBF, </a:t>
-            </a:r>
-            <a:r>
-              <a:rPr lang="it-IT" sz="1400" dirty="0" err="1"/>
-              <a:t>polynomial</a:t>
-            </a:r>
-            <a:r>
-              <a:rPr lang="it-IT" sz="1400" dirty="0"/>
-              <a:t>, </a:t>
-            </a:r>
-            <a:r>
-              <a:rPr lang="it-IT" sz="1400" dirty="0" err="1"/>
-              <a:t>sigmoid</a:t>
-            </a:r>
-            <a:r>
-              <a:rPr lang="it-IT" sz="1400" dirty="0"/>
-              <a:t> (</a:t>
-            </a:r>
-            <a:r>
-              <a:rPr lang="it-IT" sz="1400" dirty="0" err="1"/>
-              <a:t>aka</a:t>
-            </a:r>
-            <a:r>
-              <a:rPr lang="it-IT" sz="1400" dirty="0"/>
-              <a:t> </a:t>
-            </a:r>
-            <a:r>
-              <a:rPr lang="it-IT" sz="1400" dirty="0" err="1"/>
-              <a:t>two-layer</a:t>
-            </a:r>
-            <a:r>
-              <a:rPr lang="it-IT" sz="1400" dirty="0"/>
-              <a:t> </a:t>
-            </a:r>
-            <a:r>
-              <a:rPr lang="it-IT" sz="1400" dirty="0" err="1"/>
-              <a:t>perceptron</a:t>
-            </a:r>
-            <a:r>
-              <a:rPr lang="it-IT" sz="1400" dirty="0"/>
-              <a:t>), linear (</a:t>
-            </a:r>
-            <a:r>
-              <a:rPr lang="it-IT" sz="1400" dirty="0" err="1"/>
-              <a:t>only</a:t>
-            </a:r>
-            <a:r>
-              <a:rPr lang="it-IT" sz="1400" dirty="0"/>
-              <a:t> for </a:t>
-            </a:r>
-            <a:r>
-              <a:rPr lang="it-IT" sz="1400" dirty="0" err="1"/>
-              <a:t>regression</a:t>
-            </a:r>
-            <a:r>
-              <a:rPr lang="it-IT" sz="1400" dirty="0"/>
-              <a:t>)</a:t>
-            </a:r>
-          </a:p>
-          <a:p>
-            <a:pPr marL="285750" indent="-285750">
-              <a:lnSpc>
-                <a:spcPct val="150000"/>
-              </a:lnSpc>
-              <a:buFont typeface="Arial" panose="020B0604020202020204" pitchFamily="34" charset="0"/>
-              <a:buChar char="•"/>
-            </a:pPr>
-            <a:r>
-              <a:rPr lang="it-IT" sz="1500" i="1" dirty="0"/>
-              <a:t>C </a:t>
-            </a:r>
-            <a:r>
-              <a:rPr lang="it-IT" sz="1500" i="1" dirty="0" err="1"/>
-              <a:t>regularization</a:t>
-            </a:r>
-            <a:r>
-              <a:rPr lang="it-IT" sz="1500" i="1" dirty="0"/>
-              <a:t> </a:t>
-            </a:r>
-            <a:r>
-              <a:rPr lang="it-IT" sz="1500" i="1" dirty="0" err="1"/>
-              <a:t>hyperp</a:t>
-            </a:r>
-            <a:r>
-              <a:rPr lang="it-IT" sz="1500" i="1" dirty="0"/>
-              <a:t>.</a:t>
-            </a:r>
-            <a:r>
-              <a:rPr lang="it-IT" sz="1400" dirty="0"/>
-              <a:t>: 0.1, 1, 10, 100</a:t>
-            </a:r>
-          </a:p>
-          <a:p>
-            <a:pPr marL="285750" indent="-285750">
-              <a:lnSpc>
-                <a:spcPct val="150000"/>
-              </a:lnSpc>
-              <a:buFont typeface="Arial" panose="020B0604020202020204" pitchFamily="34" charset="0"/>
-              <a:buChar char="•"/>
-            </a:pPr>
-            <a:r>
-              <a:rPr lang="it-IT" sz="1500" i="1" dirty="0"/>
-              <a:t>Epsilon-tube </a:t>
-            </a:r>
-            <a:r>
-              <a:rPr lang="it-IT" sz="1500" i="1" dirty="0" err="1"/>
-              <a:t>hyperp</a:t>
-            </a:r>
-            <a:r>
-              <a:rPr lang="it-IT" sz="1500" i="1" dirty="0"/>
-              <a:t>. ε</a:t>
-            </a:r>
-            <a:r>
-              <a:rPr lang="it-IT" sz="1400" dirty="0"/>
-              <a:t>: 0.01, 0.1, 1</a:t>
-            </a:r>
-          </a:p>
-          <a:p>
-            <a:pPr marL="285750" indent="-285750">
-              <a:buFont typeface="Arial" panose="020B0604020202020204" pitchFamily="34" charset="0"/>
-              <a:buChar char="•"/>
-            </a:pPr>
-            <a:endParaRPr lang="it-IT" sz="1400" i="1" dirty="0"/>
           </a:p>
         </p:txBody>
       </p:sp>
@@ -13096,8 +14031,8 @@
         </p:nvSpPr>
         <p:spPr>
           <a:xfrm>
-            <a:off x="311940" y="2233196"/>
-            <a:ext cx="7764725" cy="338554"/>
+            <a:off x="383261" y="1474131"/>
+            <a:ext cx="8363479" cy="338554"/>
           </a:xfrm>
           <a:prstGeom prst="rect">
             <a:avLst/>
@@ -13148,643 +14083,1866 @@
             </a:r>
             <a:r>
               <a:rPr lang="it-IT" sz="1400" dirty="0"/>
-              <a:t>:</a:t>
+              <a:t> (</a:t>
+            </a:r>
+            <a:r>
+              <a:rPr lang="it-IT" sz="1400" dirty="0" err="1"/>
+              <a:t>both</a:t>
+            </a:r>
+            <a:r>
+              <a:rPr lang="it-IT" sz="1400" dirty="0"/>
+              <a:t> Monk and ML23 CUP):</a:t>
             </a:r>
           </a:p>
         </p:txBody>
       </p:sp>
-      <mc:AlternateContent xmlns:mc="http://schemas.openxmlformats.org/markup-compatibility/2006" xmlns:a14="http://schemas.microsoft.com/office/drawing/2010/main">
-        <mc:Choice Requires="a14">
-          <p:sp>
-            <p:nvSpPr>
-              <p:cNvPr id="15" name="CasellaDiTesto 14">
+      <mc:AlternateContent xmlns:mc="http://schemas.openxmlformats.org/markup-compatibility/2006">
+        <mc:Choice xmlns:a14="http://schemas.microsoft.com/office/drawing/2010/main" Requires="a14">
+          <p:graphicFrame>
+            <p:nvGraphicFramePr>
+              <p:cNvPr id="3" name="Tabella 2">
                 <a:extLst>
                   <a:ext uri="{FF2B5EF4-FFF2-40B4-BE49-F238E27FC236}">
-                    <a16:creationId xmlns:a16="http://schemas.microsoft.com/office/drawing/2014/main" id="{9912127B-9353-6624-BDD1-04F619D84C30}"/>
+                    <a16:creationId xmlns:a16="http://schemas.microsoft.com/office/drawing/2014/main" id="{BCEA6984-73AE-08DA-C604-3BF4C841EE49}"/>
                   </a:ext>
                 </a:extLst>
               </p:cNvPr>
-              <p:cNvSpPr txBox="1"/>
-              <p:nvPr/>
-            </p:nvSpPr>
-            <p:spPr>
-              <a:xfrm>
-                <a:off x="4452681" y="2571750"/>
-                <a:ext cx="3623984" cy="1606274"/>
-              </a:xfrm>
-              <a:prstGeom prst="rect">
-                <a:avLst/>
-              </a:prstGeom>
-              <a:noFill/>
-            </p:spPr>
-            <p:txBody>
-              <a:bodyPr wrap="square" rtlCol="0">
-                <a:spAutoFit/>
-              </a:bodyPr>
-              <a:lstStyle/>
-              <a:p>
-                <a:pPr marL="285750" indent="-285750">
-                  <a:lnSpc>
-                    <a:spcPct val="150000"/>
-                  </a:lnSpc>
-                  <a:buFont typeface="Arial" panose="020B0604020202020204" pitchFamily="34" charset="0"/>
-                  <a:buChar char="•"/>
-                </a:pPr>
-                <a:r>
-                  <a:rPr lang="it-IT" sz="1400" i="1" dirty="0"/>
-                  <a:t>Degree p</a:t>
-                </a:r>
-                <a:r>
-                  <a:rPr lang="it-IT" sz="1400" dirty="0"/>
-                  <a:t> (</a:t>
-                </a:r>
-                <a:r>
-                  <a:rPr lang="it-IT" sz="1400" i="1" dirty="0"/>
-                  <a:t>for </a:t>
-                </a:r>
-                <a:r>
-                  <a:rPr lang="it-IT" sz="1400" i="1" dirty="0" err="1"/>
-                  <a:t>polynomial</a:t>
-                </a:r>
-                <a:r>
-                  <a:rPr lang="it-IT" sz="1400" i="1" dirty="0"/>
-                  <a:t> kernel</a:t>
-                </a:r>
-                <a:r>
-                  <a:rPr lang="it-IT" sz="1400" dirty="0"/>
-                  <a:t>): 2, 3, 4</a:t>
-                </a:r>
-              </a:p>
-              <a:p>
-                <a:pPr marL="285750" indent="-285750">
-                  <a:buFont typeface="Arial" panose="020B0604020202020204" pitchFamily="34" charset="0"/>
-                  <a:buChar char="•"/>
-                </a:pPr>
-                <a14:m>
-                  <m:oMath xmlns:m="http://schemas.openxmlformats.org/officeDocument/2006/math">
-                    <m:sSub>
-                      <m:sSubPr>
-                        <m:ctrlPr>
-                          <a:rPr lang="it-IT" sz="1400" i="1" smtClean="0">
-                            <a:latin typeface="Cambria Math" panose="02040503050406030204" pitchFamily="18" charset="0"/>
-                          </a:rPr>
-                        </m:ctrlPr>
-                      </m:sSubPr>
-                      <m:e>
-                        <m:r>
-                          <a:rPr lang="it-IT" sz="1400" i="1">
-                            <a:latin typeface="Cambria Math" panose="02040503050406030204" pitchFamily="18" charset="0"/>
-                          </a:rPr>
-                          <m:t>𝛽</m:t>
-                        </m:r>
-                      </m:e>
-                      <m:sub>
-                        <m:r>
-                          <a:rPr lang="it-IT" sz="1400" b="0" i="1" smtClean="0">
-                            <a:latin typeface="Cambria Math" panose="02040503050406030204" pitchFamily="18" charset="0"/>
-                          </a:rPr>
-                          <m:t>1</m:t>
-                        </m:r>
-                      </m:sub>
-                    </m:sSub>
-                  </m:oMath>
-                </a14:m>
-                <a:r>
-                  <a:rPr lang="it-IT" sz="1400" i="1" dirty="0"/>
-                  <a:t> </a:t>
-                </a:r>
-                <a:r>
-                  <a:rPr lang="it-IT" sz="1400" i="1" dirty="0" err="1"/>
-                  <a:t>coefficient</a:t>
-                </a:r>
-                <a:r>
-                  <a:rPr lang="it-IT" sz="1400" i="1" dirty="0"/>
-                  <a:t> </a:t>
-                </a:r>
-                <a:r>
-                  <a:rPr lang="it-IT" sz="1400" dirty="0"/>
-                  <a:t>(</a:t>
-                </a:r>
-                <a:r>
-                  <a:rPr lang="it-IT" sz="1400" i="1" dirty="0"/>
-                  <a:t>for </a:t>
-                </a:r>
-                <a:r>
-                  <a:rPr lang="it-IT" sz="1400" i="1" dirty="0" err="1"/>
-                  <a:t>two-layer</a:t>
-                </a:r>
-                <a:r>
-                  <a:rPr lang="it-IT" sz="1400" i="1" dirty="0"/>
-                  <a:t> </a:t>
-                </a:r>
-                <a:r>
-                  <a:rPr lang="it-IT" sz="1400" i="1" dirty="0" err="1"/>
-                  <a:t>perceptron</a:t>
-                </a:r>
-                <a:r>
-                  <a:rPr lang="it-IT" sz="1400" i="1" dirty="0"/>
-                  <a:t> kernel</a:t>
-                </a:r>
-                <a:r>
-                  <a:rPr lang="it-IT" sz="1400" dirty="0"/>
-                  <a:t>): 0, 1, 2</a:t>
-                </a:r>
-              </a:p>
-              <a:p>
-                <a:pPr marL="285750" indent="-285750">
-                  <a:buFont typeface="Arial" panose="020B0604020202020204" pitchFamily="34" charset="0"/>
-                  <a:buChar char="•"/>
-                </a:pPr>
-                <a:r>
-                  <a:rPr lang="it-IT" sz="1400" i="1" dirty="0" err="1"/>
-                  <a:t>Translation</a:t>
-                </a:r>
-                <a:r>
-                  <a:rPr lang="it-IT" sz="1400" i="1" dirty="0"/>
-                  <a:t> </a:t>
-                </a:r>
-                <a:r>
-                  <a:rPr lang="it-IT" sz="1400" i="1" dirty="0" err="1"/>
-                  <a:t>term</a:t>
-                </a:r>
-                <a:r>
-                  <a:rPr lang="it-IT" sz="1400" i="1" dirty="0"/>
-                  <a:t> k0</a:t>
-                </a:r>
-                <a:r>
-                  <a:rPr lang="it-IT" sz="1400" dirty="0"/>
-                  <a:t> (</a:t>
-                </a:r>
-                <a:r>
-                  <a:rPr lang="it-IT" sz="1400" i="1" dirty="0"/>
-                  <a:t>for </a:t>
-                </a:r>
-                <a:r>
-                  <a:rPr lang="it-IT" sz="1400" i="1" dirty="0" err="1"/>
-                  <a:t>poly</a:t>
-                </a:r>
-                <a:r>
-                  <a:rPr lang="it-IT" sz="1400" i="1" dirty="0"/>
-                  <a:t>. Kernel: </a:t>
-                </a:r>
-                <a14:m>
-                  <m:oMath xmlns:m="http://schemas.openxmlformats.org/officeDocument/2006/math">
-                    <m:sSup>
-                      <m:sSupPr>
-                        <m:ctrlPr>
-                          <a:rPr lang="it-IT" sz="1400" i="1" smtClean="0">
-                            <a:latin typeface="Cambria Math" panose="02040503050406030204" pitchFamily="18" charset="0"/>
-                          </a:rPr>
-                        </m:ctrlPr>
-                      </m:sSupPr>
-                      <m:e>
-                        <m:d>
-                          <m:dPr>
-                            <m:ctrlPr>
-                              <a:rPr lang="it-IT" sz="1400" i="1" smtClean="0">
-                                <a:latin typeface="Cambria Math" panose="02040503050406030204" pitchFamily="18" charset="0"/>
-                              </a:rPr>
-                            </m:ctrlPr>
-                          </m:dPr>
-                          <m:e>
-                            <m:r>
-                              <a:rPr lang="it-IT" sz="1400" i="1" smtClean="0">
-                                <a:latin typeface="Cambria Math" panose="02040503050406030204" pitchFamily="18" charset="0"/>
-                                <a:ea typeface="Cambria Math" panose="02040503050406030204" pitchFamily="18" charset="0"/>
-                              </a:rPr>
-                              <m:t>𝛾</m:t>
-                            </m:r>
-                            <m:d>
-                              <m:dPr>
-                                <m:begChr m:val="⟨"/>
-                                <m:endChr m:val=""/>
-                                <m:ctrlPr>
-                                  <a:rPr lang="it-IT" sz="1400" i="1" smtClean="0">
-                                    <a:latin typeface="Cambria Math" panose="02040503050406030204" pitchFamily="18" charset="0"/>
-                                    <a:ea typeface="Cambria Math" panose="02040503050406030204" pitchFamily="18" charset="0"/>
-                                  </a:rPr>
-                                </m:ctrlPr>
-                              </m:dPr>
-                              <m:e>
-                                <m:r>
-                                  <a:rPr lang="it-IT" sz="1400" b="0" i="1" smtClean="0">
-                                    <a:latin typeface="Cambria Math" panose="02040503050406030204" pitchFamily="18" charset="0"/>
-                                    <a:ea typeface="Cambria Math" panose="02040503050406030204" pitchFamily="18" charset="0"/>
-                                  </a:rPr>
-                                  <m:t>𝑥</m:t>
-                                </m:r>
-                              </m:e>
-                            </m:d>
-                            <m:r>
-                              <a:rPr lang="it-IT" sz="1400" b="0" i="1" smtClean="0">
-                                <a:latin typeface="Cambria Math" panose="02040503050406030204" pitchFamily="18" charset="0"/>
-                                <a:ea typeface="Cambria Math" panose="02040503050406030204" pitchFamily="18" charset="0"/>
-                              </a:rPr>
-                              <m:t>,</m:t>
-                            </m:r>
-                            <m:d>
-                              <m:dPr>
-                                <m:begChr m:val=""/>
-                                <m:endChr m:val="⟩"/>
-                                <m:ctrlPr>
-                                  <a:rPr lang="it-IT" sz="1400" b="0" i="1" smtClean="0">
-                                    <a:latin typeface="Cambria Math" panose="02040503050406030204" pitchFamily="18" charset="0"/>
-                                    <a:ea typeface="Cambria Math" panose="02040503050406030204" pitchFamily="18" charset="0"/>
-                                  </a:rPr>
-                                </m:ctrlPr>
-                              </m:dPr>
-                              <m:e>
-                                <m:r>
-                                  <a:rPr lang="it-IT" sz="1400" b="0" i="1" smtClean="0">
-                                    <a:latin typeface="Cambria Math" panose="02040503050406030204" pitchFamily="18" charset="0"/>
-                                    <a:ea typeface="Cambria Math" panose="02040503050406030204" pitchFamily="18" charset="0"/>
-                                  </a:rPr>
-                                  <m:t>𝑥</m:t>
-                                </m:r>
-                              </m:e>
-                            </m:d>
-                            <m:r>
-                              <a:rPr lang="it-IT" sz="1400" b="0" i="1" smtClean="0">
-                                <a:latin typeface="Cambria Math" panose="02040503050406030204" pitchFamily="18" charset="0"/>
-                                <a:ea typeface="Cambria Math" panose="02040503050406030204" pitchFamily="18" charset="0"/>
-                              </a:rPr>
-                              <m:t>+</m:t>
-                            </m:r>
-                            <m:sSub>
-                              <m:sSubPr>
-                                <m:ctrlPr>
-                                  <a:rPr lang="it-IT" sz="1400" b="0" i="1" smtClean="0">
-                                    <a:latin typeface="Cambria Math" panose="02040503050406030204" pitchFamily="18" charset="0"/>
-                                    <a:ea typeface="Cambria Math" panose="02040503050406030204" pitchFamily="18" charset="0"/>
-                                  </a:rPr>
-                                </m:ctrlPr>
-                              </m:sSubPr>
-                              <m:e>
-                                <m:r>
-                                  <a:rPr lang="it-IT" sz="1400" b="0" i="1" smtClean="0">
-                                    <a:latin typeface="Cambria Math" panose="02040503050406030204" pitchFamily="18" charset="0"/>
-                                    <a:ea typeface="Cambria Math" panose="02040503050406030204" pitchFamily="18" charset="0"/>
-                                  </a:rPr>
-                                  <m:t>𝑘</m:t>
-                                </m:r>
-                              </m:e>
-                              <m:sub>
-                                <m:r>
-                                  <a:rPr lang="it-IT" sz="1400" b="0" i="1" smtClean="0">
-                                    <a:latin typeface="Cambria Math" panose="02040503050406030204" pitchFamily="18" charset="0"/>
-                                    <a:ea typeface="Cambria Math" panose="02040503050406030204" pitchFamily="18" charset="0"/>
-                                  </a:rPr>
-                                  <m:t>0</m:t>
-                                </m:r>
-                              </m:sub>
-                            </m:sSub>
-                          </m:e>
-                        </m:d>
-                      </m:e>
-                      <m:sup>
-                        <m:r>
-                          <a:rPr lang="it-IT" sz="1400" b="0" i="1" smtClean="0">
-                            <a:latin typeface="Cambria Math" panose="02040503050406030204" pitchFamily="18" charset="0"/>
-                          </a:rPr>
-                          <m:t>𝑝</m:t>
-                        </m:r>
-                      </m:sup>
-                    </m:sSup>
-                  </m:oMath>
-                </a14:m>
-                <a:r>
-                  <a:rPr lang="it-IT" sz="1400" dirty="0"/>
-                  <a:t>): 0, 1, 2</a:t>
-                </a:r>
-              </a:p>
-              <a:p>
-                <a:endParaRPr lang="it-IT" dirty="0"/>
-              </a:p>
-            </p:txBody>
-          </p:sp>
+              <p:cNvGraphicFramePr>
+                <a:graphicFrameLocks noGrp="1"/>
+              </p:cNvGraphicFramePr>
+              <p:nvPr>
+                <p:extLst>
+                  <p:ext uri="{D42A27DB-BD31-4B8C-83A1-F6EECF244321}">
+                    <p14:modId xmlns:p14="http://schemas.microsoft.com/office/powerpoint/2010/main" val="1673573649"/>
+                  </p:ext>
+                </p:extLst>
+              </p:nvPr>
+            </p:nvGraphicFramePr>
+            <p:xfrm>
+              <a:off x="383260" y="1812685"/>
+              <a:ext cx="8363480" cy="2880360"/>
+            </p:xfrm>
+            <a:graphic>
+              <a:graphicData uri="http://schemas.openxmlformats.org/drawingml/2006/table">
+                <a:tbl>
+                  <a:tblPr firstRow="1" bandRow="1">
+                    <a:tableStyleId>{0E3FDE45-AF77-4B5C-9715-49D594BDF05E}</a:tableStyleId>
+                  </a:tblPr>
+                  <a:tblGrid>
+                    <a:gridCol w="1833467">
+                      <a:extLst>
+                        <a:ext uri="{9D8B030D-6E8A-4147-A177-3AD203B41FA5}">
+                          <a16:colId xmlns:a16="http://schemas.microsoft.com/office/drawing/2014/main" val="1646026988"/>
+                        </a:ext>
+                      </a:extLst>
+                    </a:gridCol>
+                    <a:gridCol w="2348273">
+                      <a:extLst>
+                        <a:ext uri="{9D8B030D-6E8A-4147-A177-3AD203B41FA5}">
+                          <a16:colId xmlns:a16="http://schemas.microsoft.com/office/drawing/2014/main" val="2209079661"/>
+                        </a:ext>
+                      </a:extLst>
+                    </a:gridCol>
+                    <a:gridCol w="2985727">
+                      <a:extLst>
+                        <a:ext uri="{9D8B030D-6E8A-4147-A177-3AD203B41FA5}">
+                          <a16:colId xmlns:a16="http://schemas.microsoft.com/office/drawing/2014/main" val="476101989"/>
+                        </a:ext>
+                      </a:extLst>
+                    </a:gridCol>
+                    <a:gridCol w="1196013">
+                      <a:extLst>
+                        <a:ext uri="{9D8B030D-6E8A-4147-A177-3AD203B41FA5}">
+                          <a16:colId xmlns:a16="http://schemas.microsoft.com/office/drawing/2014/main" val="1098860902"/>
+                        </a:ext>
+                      </a:extLst>
+                    </a:gridCol>
+                  </a:tblGrid>
+                  <a:tr h="370840">
+                    <a:tc>
+                      <a:txBody>
+                        <a:bodyPr/>
+                        <a:lstStyle/>
+                        <a:p>
+                          <a:pPr algn="ctr"/>
+                          <a:r>
+                            <a:rPr lang="it-IT" sz="1600" i="0" dirty="0" err="1"/>
+                            <a:t>Hyperparameter</a:t>
+                          </a:r>
+                          <a:endParaRPr lang="it-IT" sz="1600" i="0" dirty="0"/>
+                        </a:p>
+                      </a:txBody>
+                      <a:tcPr anchor="ctr"/>
+                    </a:tc>
+                    <a:tc>
+                      <a:txBody>
+                        <a:bodyPr/>
+                        <a:lstStyle/>
+                        <a:p>
+                          <a:pPr algn="ctr"/>
+                          <a:r>
+                            <a:rPr lang="it-IT" sz="1600" i="0" dirty="0" err="1"/>
+                            <a:t>Values</a:t>
+                          </a:r>
+                          <a:endParaRPr lang="it-IT" sz="1600" i="0" dirty="0"/>
+                        </a:p>
+                      </a:txBody>
+                      <a:tcPr anchor="ctr">
+                        <a:lnR w="12700" cap="flat" cmpd="sng" algn="ctr">
+                          <a:solidFill>
+                            <a:srgbClr val="616161"/>
+                          </a:solidFill>
+                          <a:prstDash val="solid"/>
+                          <a:round/>
+                          <a:headEnd type="none" w="med" len="med"/>
+                          <a:tailEnd type="none" w="med" len="med"/>
+                        </a:lnR>
+                      </a:tcPr>
+                    </a:tc>
+                    <a:tc>
+                      <a:txBody>
+                        <a:bodyPr/>
+                        <a:lstStyle/>
+                        <a:p>
+                          <a:pPr algn="ctr"/>
+                          <a:r>
+                            <a:rPr lang="it-IT" sz="1600" i="0" dirty="0" err="1"/>
+                            <a:t>Hyperparameter</a:t>
+                          </a:r>
+                          <a:endParaRPr lang="it-IT" sz="1600" i="0" dirty="0"/>
+                        </a:p>
+                      </a:txBody>
+                      <a:tcPr anchor="ctr">
+                        <a:lnL w="12700" cap="flat" cmpd="sng" algn="ctr">
+                          <a:solidFill>
+                            <a:srgbClr val="616161"/>
+                          </a:solidFill>
+                          <a:prstDash val="solid"/>
+                          <a:round/>
+                          <a:headEnd type="none" w="med" len="med"/>
+                          <a:tailEnd type="none" w="med" len="med"/>
+                        </a:lnL>
+                      </a:tcPr>
+                    </a:tc>
+                    <a:tc>
+                      <a:txBody>
+                        <a:bodyPr/>
+                        <a:lstStyle/>
+                        <a:p>
+                          <a:pPr algn="ctr"/>
+                          <a:r>
+                            <a:rPr lang="it-IT" sz="1600" i="0" dirty="0" err="1"/>
+                            <a:t>Values</a:t>
+                          </a:r>
+                          <a:endParaRPr lang="it-IT" sz="1600" i="0" dirty="0"/>
+                        </a:p>
+                      </a:txBody>
+                      <a:tcPr anchor="ctr"/>
+                    </a:tc>
+                    <a:extLst>
+                      <a:ext uri="{0D108BD9-81ED-4DB2-BD59-A6C34878D82A}">
+                        <a16:rowId xmlns:a16="http://schemas.microsoft.com/office/drawing/2014/main" val="2234428286"/>
+                      </a:ext>
+                    </a:extLst>
+                  </a:tr>
+                  <a:tr h="370840">
+                    <a:tc>
+                      <a:txBody>
+                        <a:bodyPr/>
+                        <a:lstStyle/>
+                        <a:p>
+                          <a:r>
+                            <a:rPr lang="it-IT" sz="1400" i="1" dirty="0"/>
+                            <a:t>Kernel</a:t>
+                          </a:r>
+                        </a:p>
+                      </a:txBody>
+                      <a:tcPr anchor="ctr"/>
+                    </a:tc>
+                    <a:tc>
+                      <a:txBody>
+                        <a:bodyPr/>
+                        <a:lstStyle/>
+                        <a:p>
+                          <a:pPr marL="0" marR="0" lvl="0" indent="0" algn="l" defTabSz="914400" rtl="0" eaLnBrk="1" fontAlgn="auto" latinLnBrk="0" hangingPunct="1">
+                            <a:lnSpc>
+                              <a:spcPct val="100000"/>
+                            </a:lnSpc>
+                            <a:spcBef>
+                              <a:spcPts val="0"/>
+                            </a:spcBef>
+                            <a:spcAft>
+                              <a:spcPts val="0"/>
+                            </a:spcAft>
+                            <a:buClrTx/>
+                            <a:buSzTx/>
+                            <a:buFontTx/>
+                            <a:buNone/>
+                            <a:tabLst/>
+                            <a:defRPr/>
+                          </a:pPr>
+                          <a:r>
+                            <a:rPr lang="it-IT" sz="1400" dirty="0"/>
+                            <a:t>RBF, </a:t>
+                          </a:r>
+                          <a:r>
+                            <a:rPr lang="it-IT" sz="1400" dirty="0" err="1"/>
+                            <a:t>polynomial</a:t>
+                          </a:r>
+                          <a:r>
+                            <a:rPr lang="it-IT" sz="1400" dirty="0"/>
+                            <a:t>, </a:t>
+                          </a:r>
+                          <a:r>
+                            <a:rPr lang="it-IT" sz="1400" dirty="0" err="1"/>
+                            <a:t>sigmoid</a:t>
+                          </a:r>
+                          <a:r>
+                            <a:rPr lang="it-IT" sz="1400" dirty="0"/>
+                            <a:t> (</a:t>
+                          </a:r>
+                          <a:r>
+                            <a:rPr lang="it-IT" sz="1400" dirty="0" err="1"/>
+                            <a:t>aka</a:t>
+                          </a:r>
+                          <a:r>
+                            <a:rPr lang="it-IT" sz="1400" dirty="0"/>
+                            <a:t> </a:t>
+                          </a:r>
+                          <a:r>
+                            <a:rPr lang="it-IT" sz="1400" dirty="0" err="1"/>
+                            <a:t>two-layer</a:t>
+                          </a:r>
+                          <a:r>
+                            <a:rPr lang="it-IT" sz="1400" dirty="0"/>
+                            <a:t> </a:t>
+                          </a:r>
+                          <a:r>
+                            <a:rPr lang="it-IT" sz="1400" dirty="0" err="1"/>
+                            <a:t>perceptron</a:t>
+                          </a:r>
+                          <a:r>
+                            <a:rPr lang="it-IT" sz="1400" dirty="0"/>
+                            <a:t>), linear (</a:t>
+                          </a:r>
+                          <a:r>
+                            <a:rPr lang="it-IT" sz="1400" dirty="0" err="1"/>
+                            <a:t>only</a:t>
+                          </a:r>
+                          <a:r>
+                            <a:rPr lang="it-IT" sz="1400" dirty="0"/>
+                            <a:t> for </a:t>
+                          </a:r>
+                          <a:r>
+                            <a:rPr lang="it-IT" sz="1400" dirty="0" err="1"/>
+                            <a:t>regression</a:t>
+                          </a:r>
+                          <a:r>
+                            <a:rPr lang="it-IT" sz="1400" dirty="0"/>
+                            <a:t>)</a:t>
+                          </a:r>
+                        </a:p>
+                      </a:txBody>
+                      <a:tcPr anchor="ctr">
+                        <a:lnR w="12700" cap="flat" cmpd="sng" algn="ctr">
+                          <a:solidFill>
+                            <a:srgbClr val="616161"/>
+                          </a:solidFill>
+                          <a:prstDash val="solid"/>
+                          <a:round/>
+                          <a:headEnd type="none" w="med" len="med"/>
+                          <a:tailEnd type="none" w="med" len="med"/>
+                        </a:lnR>
+                      </a:tcPr>
+                    </a:tc>
+                    <a:tc>
+                      <a:txBody>
+                        <a:bodyPr/>
+                        <a:lstStyle/>
+                        <a:p>
+                          <a14:m>
+                            <m:oMath xmlns:m="http://schemas.openxmlformats.org/officeDocument/2006/math">
+                              <m:sSub>
+                                <m:sSubPr>
+                                  <m:ctrlPr>
+                                    <a:rPr lang="it-IT" sz="1400" i="1" smtClean="0">
+                                      <a:latin typeface="Cambria Math" panose="02040503050406030204" pitchFamily="18" charset="0"/>
+                                    </a:rPr>
+                                  </m:ctrlPr>
+                                </m:sSubPr>
+                                <m:e>
+                                  <m:r>
+                                    <a:rPr lang="it-IT" sz="1400" i="1">
+                                      <a:latin typeface="Cambria Math" panose="02040503050406030204" pitchFamily="18" charset="0"/>
+                                    </a:rPr>
+                                    <m:t>𝛽</m:t>
+                                  </m:r>
+                                </m:e>
+                                <m:sub>
+                                  <m:r>
+                                    <a:rPr lang="it-IT" sz="1400" b="0" i="1" smtClean="0">
+                                      <a:latin typeface="Cambria Math" panose="02040503050406030204" pitchFamily="18" charset="0"/>
+                                    </a:rPr>
+                                    <m:t>1</m:t>
+                                  </m:r>
+                                </m:sub>
+                              </m:sSub>
+                            </m:oMath>
+                          </a14:m>
+                          <a:r>
+                            <a:rPr lang="it-IT" sz="1400" i="1" dirty="0"/>
+                            <a:t> </a:t>
+                          </a:r>
+                          <a:r>
+                            <a:rPr lang="it-IT" sz="1400" i="1" dirty="0" err="1"/>
+                            <a:t>coefficient</a:t>
+                          </a:r>
+                          <a:r>
+                            <a:rPr lang="it-IT" sz="1400" i="1" dirty="0"/>
+                            <a:t> </a:t>
+                          </a:r>
+                          <a:r>
+                            <a:rPr lang="it-IT" sz="1400" dirty="0"/>
+                            <a:t>(</a:t>
+                          </a:r>
+                          <a:r>
+                            <a:rPr lang="it-IT" sz="1400" i="0" dirty="0"/>
+                            <a:t>for </a:t>
+                          </a:r>
+                          <a:r>
+                            <a:rPr lang="it-IT" sz="1400" i="0" dirty="0" err="1"/>
+                            <a:t>two-layer</a:t>
+                          </a:r>
+                          <a:r>
+                            <a:rPr lang="it-IT" sz="1400" i="0" dirty="0"/>
+                            <a:t> </a:t>
+                          </a:r>
+                          <a:r>
+                            <a:rPr lang="it-IT" sz="1400" i="0" dirty="0" err="1"/>
+                            <a:t>perceptron</a:t>
+                          </a:r>
+                          <a:r>
+                            <a:rPr lang="it-IT" sz="1400" i="0" dirty="0"/>
+                            <a:t> kernel</a:t>
+                          </a:r>
+                          <a:r>
+                            <a:rPr lang="it-IT" sz="1400" dirty="0"/>
+                            <a:t>)</a:t>
+                          </a:r>
+                          <a:endParaRPr lang="it-IT" sz="1400" i="1" dirty="0"/>
+                        </a:p>
+                      </a:txBody>
+                      <a:tcPr anchor="ctr">
+                        <a:lnL w="12700" cap="flat" cmpd="sng" algn="ctr">
+                          <a:solidFill>
+                            <a:srgbClr val="616161"/>
+                          </a:solidFill>
+                          <a:prstDash val="solid"/>
+                          <a:round/>
+                          <a:headEnd type="none" w="med" len="med"/>
+                          <a:tailEnd type="none" w="med" len="med"/>
+                        </a:lnL>
+                      </a:tcPr>
+                    </a:tc>
+                    <a:tc>
+                      <a:txBody>
+                        <a:bodyPr/>
+                        <a:lstStyle/>
+                        <a:p>
+                          <a:r>
+                            <a:rPr lang="it-IT" sz="1400" dirty="0"/>
+                            <a:t>0, 1, 2</a:t>
+                          </a:r>
+                        </a:p>
+                      </a:txBody>
+                      <a:tcPr anchor="ctr"/>
+                    </a:tc>
+                    <a:extLst>
+                      <a:ext uri="{0D108BD9-81ED-4DB2-BD59-A6C34878D82A}">
+                        <a16:rowId xmlns:a16="http://schemas.microsoft.com/office/drawing/2014/main" val="1464338391"/>
+                      </a:ext>
+                    </a:extLst>
+                  </a:tr>
+                  <a:tr h="370840">
+                    <a:tc>
+                      <a:txBody>
+                        <a:bodyPr/>
+                        <a:lstStyle/>
+                        <a:p>
+                          <a:r>
+                            <a:rPr lang="it-IT" sz="1400" i="1" dirty="0"/>
+                            <a:t>C </a:t>
+                          </a:r>
+                          <a:r>
+                            <a:rPr lang="it-IT" sz="1400" i="1" dirty="0" err="1"/>
+                            <a:t>regularization</a:t>
+                          </a:r>
+                          <a:r>
+                            <a:rPr lang="it-IT" sz="1400" i="1" dirty="0"/>
+                            <a:t> </a:t>
+                          </a:r>
+                          <a:r>
+                            <a:rPr lang="it-IT" sz="1400" i="1" dirty="0" err="1"/>
+                            <a:t>hyperparameter</a:t>
+                          </a:r>
+                          <a:endParaRPr lang="it-IT" sz="1400" i="1" dirty="0"/>
+                        </a:p>
+                      </a:txBody>
+                      <a:tcPr anchor="ctr"/>
+                    </a:tc>
+                    <a:tc>
+                      <a:txBody>
+                        <a:bodyPr/>
+                        <a:lstStyle/>
+                        <a:p>
+                          <a:r>
+                            <a:rPr lang="it-IT" sz="1400" dirty="0"/>
+                            <a:t>0.1, 1, 10, 100</a:t>
+                          </a:r>
+                        </a:p>
+                      </a:txBody>
+                      <a:tcPr anchor="ctr">
+                        <a:lnR w="12700" cap="flat" cmpd="sng" algn="ctr">
+                          <a:solidFill>
+                            <a:srgbClr val="616161"/>
+                          </a:solidFill>
+                          <a:prstDash val="solid"/>
+                          <a:round/>
+                          <a:headEnd type="none" w="med" len="med"/>
+                          <a:tailEnd type="none" w="med" len="med"/>
+                        </a:lnR>
+                      </a:tcPr>
+                    </a:tc>
+                    <a:tc>
+                      <a:txBody>
+                        <a:bodyPr/>
+                        <a:lstStyle/>
+                        <a:p>
+                          <a:r>
+                            <a:rPr lang="it-IT" sz="1400" i="1" dirty="0"/>
+                            <a:t>Translation </a:t>
+                          </a:r>
+                          <a:r>
+                            <a:rPr lang="it-IT" sz="1400" i="1" dirty="0" err="1"/>
+                            <a:t>term</a:t>
+                          </a:r>
+                          <a:r>
+                            <a:rPr lang="it-IT" sz="1400" i="1" dirty="0"/>
+                            <a:t> k0</a:t>
+                          </a:r>
+                          <a:r>
+                            <a:rPr lang="it-IT" sz="1400" dirty="0"/>
+                            <a:t> (</a:t>
+                          </a:r>
+                          <a:r>
+                            <a:rPr lang="it-IT" sz="1400" i="0" dirty="0"/>
+                            <a:t>for </a:t>
+                          </a:r>
+                          <a:r>
+                            <a:rPr lang="it-IT" sz="1400" i="0" dirty="0" err="1"/>
+                            <a:t>poly</a:t>
+                          </a:r>
+                          <a:r>
+                            <a:rPr lang="it-IT" sz="1400" i="0" dirty="0"/>
+                            <a:t>. kernel: </a:t>
+                          </a:r>
+                          <a14:m>
+                            <m:oMath xmlns:m="http://schemas.openxmlformats.org/officeDocument/2006/math">
+                              <m:sSup>
+                                <m:sSupPr>
+                                  <m:ctrlPr>
+                                    <a:rPr lang="it-IT" sz="1400" i="1" smtClean="0">
+                                      <a:latin typeface="Cambria Math" panose="02040503050406030204" pitchFamily="18" charset="0"/>
+                                    </a:rPr>
+                                  </m:ctrlPr>
+                                </m:sSupPr>
+                                <m:e>
+                                  <m:d>
+                                    <m:dPr>
+                                      <m:ctrlPr>
+                                        <a:rPr lang="it-IT" sz="1400" i="1" smtClean="0">
+                                          <a:latin typeface="Cambria Math" panose="02040503050406030204" pitchFamily="18" charset="0"/>
+                                        </a:rPr>
+                                      </m:ctrlPr>
+                                    </m:dPr>
+                                    <m:e>
+                                      <m:r>
+                                        <a:rPr lang="it-IT" sz="1400" i="1" smtClean="0">
+                                          <a:latin typeface="Cambria Math" panose="02040503050406030204" pitchFamily="18" charset="0"/>
+                                          <a:ea typeface="Cambria Math" panose="02040503050406030204" pitchFamily="18" charset="0"/>
+                                        </a:rPr>
+                                        <m:t>𝛾</m:t>
+                                      </m:r>
+                                      <m:r>
+                                        <a:rPr lang="it-IT" sz="1400" i="0" smtClean="0">
+                                          <a:latin typeface="Cambria Math" panose="02040503050406030204" pitchFamily="18" charset="0"/>
+                                        </a:rPr>
+                                        <m:t>⋅</m:t>
+                                      </m:r>
+                                      <m:d>
+                                        <m:dPr>
+                                          <m:begChr m:val="⟨"/>
+                                          <m:endChr m:val=""/>
+                                          <m:ctrlPr>
+                                            <a:rPr lang="it-IT" sz="1400" i="1" smtClean="0">
+                                              <a:latin typeface="Cambria Math" panose="02040503050406030204" pitchFamily="18" charset="0"/>
+                                              <a:ea typeface="Cambria Math" panose="02040503050406030204" pitchFamily="18" charset="0"/>
+                                            </a:rPr>
+                                          </m:ctrlPr>
+                                        </m:dPr>
+                                        <m:e>
+                                          <m:r>
+                                            <a:rPr lang="it-IT" sz="1400" b="0" i="1" smtClean="0">
+                                              <a:latin typeface="Cambria Math" panose="02040503050406030204" pitchFamily="18" charset="0"/>
+                                              <a:ea typeface="Cambria Math" panose="02040503050406030204" pitchFamily="18" charset="0"/>
+                                            </a:rPr>
+                                            <m:t>𝑥</m:t>
+                                          </m:r>
+                                        </m:e>
+                                      </m:d>
+                                      <m:r>
+                                        <a:rPr lang="it-IT" sz="1400" b="0" i="1" smtClean="0">
+                                          <a:latin typeface="Cambria Math" panose="02040503050406030204" pitchFamily="18" charset="0"/>
+                                          <a:ea typeface="Cambria Math" panose="02040503050406030204" pitchFamily="18" charset="0"/>
+                                        </a:rPr>
+                                        <m:t>,</m:t>
+                                      </m:r>
+                                      <m:d>
+                                        <m:dPr>
+                                          <m:begChr m:val=""/>
+                                          <m:endChr m:val="⟩"/>
+                                          <m:ctrlPr>
+                                            <a:rPr lang="it-IT" sz="1400" b="0" i="1" smtClean="0">
+                                              <a:latin typeface="Cambria Math" panose="02040503050406030204" pitchFamily="18" charset="0"/>
+                                              <a:ea typeface="Cambria Math" panose="02040503050406030204" pitchFamily="18" charset="0"/>
+                                            </a:rPr>
+                                          </m:ctrlPr>
+                                        </m:dPr>
+                                        <m:e>
+                                          <m:r>
+                                            <a:rPr lang="it-IT" sz="1400" b="0" i="1" smtClean="0">
+                                              <a:latin typeface="Cambria Math" panose="02040503050406030204" pitchFamily="18" charset="0"/>
+                                              <a:ea typeface="Cambria Math" panose="02040503050406030204" pitchFamily="18" charset="0"/>
+                                            </a:rPr>
+                                            <m:t>𝑥</m:t>
+                                          </m:r>
+                                        </m:e>
+                                      </m:d>
+                                      <m:r>
+                                        <a:rPr lang="it-IT" sz="1400" b="0" i="1" smtClean="0">
+                                          <a:latin typeface="Cambria Math" panose="02040503050406030204" pitchFamily="18" charset="0"/>
+                                          <a:ea typeface="Cambria Math" panose="02040503050406030204" pitchFamily="18" charset="0"/>
+                                        </a:rPr>
+                                        <m:t>+</m:t>
+                                      </m:r>
+                                      <m:sSub>
+                                        <m:sSubPr>
+                                          <m:ctrlPr>
+                                            <a:rPr lang="it-IT" sz="1400" b="0" i="1" smtClean="0">
+                                              <a:latin typeface="Cambria Math" panose="02040503050406030204" pitchFamily="18" charset="0"/>
+                                              <a:ea typeface="Cambria Math" panose="02040503050406030204" pitchFamily="18" charset="0"/>
+                                            </a:rPr>
+                                          </m:ctrlPr>
+                                        </m:sSubPr>
+                                        <m:e>
+                                          <m:r>
+                                            <a:rPr lang="it-IT" sz="1400" b="0" i="1" smtClean="0">
+                                              <a:latin typeface="Cambria Math" panose="02040503050406030204" pitchFamily="18" charset="0"/>
+                                              <a:ea typeface="Cambria Math" panose="02040503050406030204" pitchFamily="18" charset="0"/>
+                                            </a:rPr>
+                                            <m:t>𝑘</m:t>
+                                          </m:r>
+                                        </m:e>
+                                        <m:sub>
+                                          <m:r>
+                                            <a:rPr lang="it-IT" sz="1400" b="0" i="1" smtClean="0">
+                                              <a:latin typeface="Cambria Math" panose="02040503050406030204" pitchFamily="18" charset="0"/>
+                                              <a:ea typeface="Cambria Math" panose="02040503050406030204" pitchFamily="18" charset="0"/>
+                                            </a:rPr>
+                                            <m:t>0</m:t>
+                                          </m:r>
+                                        </m:sub>
+                                      </m:sSub>
+                                    </m:e>
+                                  </m:d>
+                                </m:e>
+                                <m:sup>
+                                  <m:r>
+                                    <a:rPr lang="it-IT" sz="1400" b="0" i="1" smtClean="0">
+                                      <a:latin typeface="Cambria Math" panose="02040503050406030204" pitchFamily="18" charset="0"/>
+                                    </a:rPr>
+                                    <m:t>𝑝</m:t>
+                                  </m:r>
+                                </m:sup>
+                              </m:sSup>
+                            </m:oMath>
+                          </a14:m>
+                          <a:r>
+                            <a:rPr lang="it-IT" sz="1400" dirty="0"/>
+                            <a:t>)</a:t>
+                          </a:r>
+                          <a:endParaRPr lang="it-IT" sz="1400" i="1" dirty="0"/>
+                        </a:p>
+                      </a:txBody>
+                      <a:tcPr anchor="ctr">
+                        <a:lnL w="12700" cap="flat" cmpd="sng" algn="ctr">
+                          <a:solidFill>
+                            <a:srgbClr val="616161"/>
+                          </a:solidFill>
+                          <a:prstDash val="solid"/>
+                          <a:round/>
+                          <a:headEnd type="none" w="med" len="med"/>
+                          <a:tailEnd type="none" w="med" len="med"/>
+                        </a:lnL>
+                      </a:tcPr>
+                    </a:tc>
+                    <a:tc>
+                      <a:txBody>
+                        <a:bodyPr/>
+                        <a:lstStyle/>
+                        <a:p>
+                          <a:r>
+                            <a:rPr lang="it-IT" sz="1400" dirty="0"/>
+                            <a:t>0, 1, 2</a:t>
+                          </a:r>
+                        </a:p>
+                      </a:txBody>
+                      <a:tcPr anchor="ctr"/>
+                    </a:tc>
+                    <a:extLst>
+                      <a:ext uri="{0D108BD9-81ED-4DB2-BD59-A6C34878D82A}">
+                        <a16:rowId xmlns:a16="http://schemas.microsoft.com/office/drawing/2014/main" val="3624525526"/>
+                      </a:ext>
+                    </a:extLst>
+                  </a:tr>
+                  <a:tr h="370840">
+                    <a:tc>
+                      <a:txBody>
+                        <a:bodyPr/>
+                        <a:lstStyle/>
+                        <a:p>
+                          <a:r>
+                            <a:rPr lang="it-IT" sz="1400" i="1" dirty="0"/>
+                            <a:t>ε </a:t>
+                          </a:r>
+                          <a:r>
+                            <a:rPr lang="it-IT" sz="1400" i="0" dirty="0"/>
+                            <a:t>(</a:t>
+                          </a:r>
+                          <a:r>
+                            <a:rPr lang="it-IT" sz="1400" i="0" dirty="0" err="1"/>
+                            <a:t>regression</a:t>
+                          </a:r>
+                          <a:r>
+                            <a:rPr lang="it-IT" sz="1400" i="0" dirty="0"/>
+                            <a:t> </a:t>
+                          </a:r>
+                          <a:r>
+                            <a:rPr lang="it-IT" sz="1400" i="0" dirty="0" err="1"/>
+                            <a:t>only</a:t>
+                          </a:r>
+                          <a:r>
+                            <a:rPr lang="it-IT" sz="1400" i="0" dirty="0"/>
+                            <a:t>)</a:t>
+                          </a:r>
+                          <a:endParaRPr lang="it-IT" sz="1400" i="1" dirty="0"/>
+                        </a:p>
+                      </a:txBody>
+                      <a:tcPr anchor="ctr">
+                        <a:lnB w="12700" cap="flat" cmpd="sng" algn="ctr">
+                          <a:solidFill>
+                            <a:srgbClr val="616161"/>
+                          </a:solidFill>
+                          <a:prstDash val="solid"/>
+                          <a:round/>
+                          <a:headEnd type="none" w="med" len="med"/>
+                          <a:tailEnd type="none" w="med" len="med"/>
+                        </a:lnB>
+                      </a:tcPr>
+                    </a:tc>
+                    <a:tc>
+                      <a:txBody>
+                        <a:bodyPr/>
+                        <a:lstStyle/>
+                        <a:p>
+                          <a:r>
+                            <a:rPr lang="it-IT" sz="1400" dirty="0"/>
+                            <a:t>0.01, 0.1, 1</a:t>
+                          </a:r>
+                        </a:p>
+                      </a:txBody>
+                      <a:tcPr anchor="ctr">
+                        <a:lnR w="12700" cap="flat" cmpd="sng" algn="ctr">
+                          <a:solidFill>
+                            <a:srgbClr val="616161"/>
+                          </a:solidFill>
+                          <a:prstDash val="solid"/>
+                          <a:round/>
+                          <a:headEnd type="none" w="med" len="med"/>
+                          <a:tailEnd type="none" w="med" len="med"/>
+                        </a:lnR>
+                        <a:lnB w="12700" cap="flat" cmpd="sng" algn="ctr">
+                          <a:solidFill>
+                            <a:srgbClr val="616161"/>
+                          </a:solidFill>
+                          <a:prstDash val="solid"/>
+                          <a:round/>
+                          <a:headEnd type="none" w="med" len="med"/>
+                          <a:tailEnd type="none" w="med" len="med"/>
+                        </a:lnB>
+                      </a:tcPr>
+                    </a:tc>
+                    <a:tc>
+                      <a:txBody>
+                        <a:bodyPr/>
+                        <a:lstStyle/>
+                        <a:p>
+                          <a:pPr marL="0" marR="0" lvl="0" indent="0" algn="l" defTabSz="914400" rtl="0" eaLnBrk="1" fontAlgn="auto" latinLnBrk="0" hangingPunct="1">
+                            <a:lnSpc>
+                              <a:spcPct val="100000"/>
+                            </a:lnSpc>
+                            <a:spcBef>
+                              <a:spcPts val="0"/>
+                            </a:spcBef>
+                            <a:spcAft>
+                              <a:spcPts val="0"/>
+                            </a:spcAft>
+                            <a:buClrTx/>
+                            <a:buSzTx/>
+                            <a:buFontTx/>
+                            <a:buNone/>
+                            <a:tabLst/>
+                            <a:defRPr/>
+                          </a:pPr>
+                          <a:r>
+                            <a:rPr lang="it-IT" sz="1400" i="1" dirty="0"/>
+                            <a:t>Degree p </a:t>
+                          </a:r>
+                          <a:r>
+                            <a:rPr lang="it-IT" sz="1400" i="0" dirty="0"/>
+                            <a:t>(for </a:t>
+                          </a:r>
+                          <a:r>
+                            <a:rPr lang="it-IT" sz="1400" i="0" dirty="0" err="1"/>
+                            <a:t>polynomial</a:t>
+                          </a:r>
+                          <a:r>
+                            <a:rPr lang="it-IT" sz="1400" i="0" dirty="0"/>
+                            <a:t> kernel)</a:t>
+                          </a:r>
+                          <a:endParaRPr lang="it-IT" sz="1400" i="1" dirty="0"/>
+                        </a:p>
+                      </a:txBody>
+                      <a:tcPr anchor="ctr">
+                        <a:lnL w="12700" cap="flat" cmpd="sng" algn="ctr">
+                          <a:solidFill>
+                            <a:srgbClr val="616161"/>
+                          </a:solidFill>
+                          <a:prstDash val="solid"/>
+                          <a:round/>
+                          <a:headEnd type="none" w="med" len="med"/>
+                          <a:tailEnd type="none" w="med" len="med"/>
+                        </a:lnL>
+                        <a:lnB w="12700" cap="flat" cmpd="sng" algn="ctr">
+                          <a:solidFill>
+                            <a:srgbClr val="616161"/>
+                          </a:solidFill>
+                          <a:prstDash val="solid"/>
+                          <a:round/>
+                          <a:headEnd type="none" w="med" len="med"/>
+                          <a:tailEnd type="none" w="med" len="med"/>
+                        </a:lnB>
+                      </a:tcPr>
+                    </a:tc>
+                    <a:tc>
+                      <a:txBody>
+                        <a:bodyPr/>
+                        <a:lstStyle/>
+                        <a:p>
+                          <a:r>
+                            <a:rPr lang="it-IT" sz="1400" dirty="0"/>
+                            <a:t>2, 3, 4</a:t>
+                          </a:r>
+                        </a:p>
+                      </a:txBody>
+                      <a:tcPr anchor="ctr">
+                        <a:lnB w="12700" cap="flat" cmpd="sng" algn="ctr">
+                          <a:solidFill>
+                            <a:srgbClr val="616161"/>
+                          </a:solidFill>
+                          <a:prstDash val="solid"/>
+                          <a:round/>
+                          <a:headEnd type="none" w="med" len="med"/>
+                          <a:tailEnd type="none" w="med" len="med"/>
+                        </a:lnB>
+                      </a:tcPr>
+                    </a:tc>
+                    <a:extLst>
+                      <a:ext uri="{0D108BD9-81ED-4DB2-BD59-A6C34878D82A}">
+                        <a16:rowId xmlns:a16="http://schemas.microsoft.com/office/drawing/2014/main" val="1355240013"/>
+                      </a:ext>
+                    </a:extLst>
+                  </a:tr>
+                  <a:tr h="370840">
+                    <a:tc gridSpan="2">
+                      <a:txBody>
+                        <a:bodyPr/>
+                        <a:lstStyle/>
+                        <a:p>
+                          <a:pPr algn="ctr"/>
+                          <a:r>
+                            <a:rPr lang="it-IT" sz="1600" b="1" i="0" dirty="0" err="1"/>
+                            <a:t>Hyperparameter</a:t>
+                          </a:r>
+                          <a:endParaRPr lang="it-IT" sz="1600" b="1" i="0" dirty="0"/>
+                        </a:p>
+                      </a:txBody>
+                      <a:tcPr anchor="ctr">
+                        <a:lnT w="12700" cap="flat" cmpd="sng" algn="ctr">
+                          <a:solidFill>
+                            <a:srgbClr val="616161"/>
+                          </a:solidFill>
+                          <a:prstDash val="solid"/>
+                          <a:round/>
+                          <a:headEnd type="none" w="med" len="med"/>
+                          <a:tailEnd type="none" w="med" len="med"/>
+                        </a:lnT>
+                      </a:tcPr>
+                    </a:tc>
+                    <a:tc hMerge="1">
+                      <a:txBody>
+                        <a:bodyPr/>
+                        <a:lstStyle/>
+                        <a:p>
+                          <a:endParaRPr lang="it-IT" sz="1400" dirty="0"/>
+                        </a:p>
+                      </a:txBody>
+                      <a:tcPr anchor="ctr">
+                        <a:lnR w="12700" cap="flat" cmpd="sng" algn="ctr">
+                          <a:solidFill>
+                            <a:srgbClr val="3D3D3D"/>
+                          </a:solidFill>
+                          <a:prstDash val="solid"/>
+                          <a:round/>
+                          <a:headEnd type="none" w="med" len="med"/>
+                          <a:tailEnd type="none" w="med" len="med"/>
+                        </a:lnR>
+                      </a:tcPr>
+                    </a:tc>
+                    <a:tc gridSpan="2">
+                      <a:txBody>
+                        <a:bodyPr/>
+                        <a:lstStyle/>
+                        <a:p>
+                          <a:pPr algn="ctr"/>
+                          <a:r>
+                            <a:rPr lang="it-IT" sz="1600" b="1" i="0" dirty="0" err="1"/>
+                            <a:t>Values</a:t>
+                          </a:r>
+                          <a:endParaRPr lang="it-IT" sz="1600" b="1" i="0" dirty="0"/>
+                        </a:p>
+                      </a:txBody>
+                      <a:tcPr anchor="ctr">
+                        <a:lnT w="12700" cap="flat" cmpd="sng" algn="ctr">
+                          <a:solidFill>
+                            <a:srgbClr val="616161"/>
+                          </a:solidFill>
+                          <a:prstDash val="solid"/>
+                          <a:round/>
+                          <a:headEnd type="none" w="med" len="med"/>
+                          <a:tailEnd type="none" w="med" len="med"/>
+                        </a:lnT>
+                      </a:tcPr>
+                    </a:tc>
+                    <a:tc hMerge="1">
+                      <a:txBody>
+                        <a:bodyPr/>
+                        <a:lstStyle/>
+                        <a:p>
+                          <a:endParaRPr lang="it-IT" sz="1400" dirty="0"/>
+                        </a:p>
+                      </a:txBody>
+                      <a:tcPr anchor="ctr"/>
+                    </a:tc>
+                    <a:extLst>
+                      <a:ext uri="{0D108BD9-81ED-4DB2-BD59-A6C34878D82A}">
+                        <a16:rowId xmlns:a16="http://schemas.microsoft.com/office/drawing/2014/main" val="4240038678"/>
+                      </a:ext>
+                    </a:extLst>
+                  </a:tr>
+                  <a:tr h="145886">
+                    <a:tc gridSpan="2">
+                      <a:txBody>
+                        <a:bodyPr/>
+                        <a:lstStyle/>
+                        <a:p>
+                          <a:r>
+                            <a:rPr lang="it-IT" sz="1400" i="1" dirty="0"/>
+                            <a:t>Kernel’s </a:t>
+                          </a:r>
+                          <a:r>
+                            <a:rPr lang="it-IT" sz="1400" i="1" dirty="0" err="1"/>
+                            <a:t>parameter</a:t>
+                          </a:r>
+                          <a:r>
+                            <a:rPr lang="it-IT" sz="1400" i="1" dirty="0"/>
+                            <a:t> γ </a:t>
+                          </a:r>
+                          <a:r>
+                            <a:rPr lang="it-IT" sz="1400" dirty="0"/>
+                            <a:t>(</a:t>
+                          </a:r>
+                          <a14:m>
+                            <m:oMath xmlns:m="http://schemas.openxmlformats.org/officeDocument/2006/math">
+                              <m:r>
+                                <a:rPr lang="it-IT" sz="1400" i="1">
+                                  <a:latin typeface="Cambria Math" panose="02040503050406030204" pitchFamily="18" charset="0"/>
+                                </a:rPr>
+                                <m:t>1</m:t>
+                              </m:r>
+                              <m:r>
+                                <m:rPr>
+                                  <m:lit/>
+                                </m:rPr>
+                                <a:rPr lang="it-IT" sz="1400" i="1">
+                                  <a:latin typeface="Cambria Math" panose="02040503050406030204" pitchFamily="18" charset="0"/>
+                                </a:rPr>
+                                <m:t>/</m:t>
+                              </m:r>
+                              <m:d>
+                                <m:dPr>
+                                  <m:ctrlPr>
+                                    <a:rPr lang="it-IT" sz="1400" i="1">
+                                      <a:latin typeface="Cambria Math" panose="02040503050406030204" pitchFamily="18" charset="0"/>
+                                    </a:rPr>
+                                  </m:ctrlPr>
+                                </m:dPr>
+                                <m:e>
+                                  <m:r>
+                                    <a:rPr lang="it-IT" sz="1400" i="1">
+                                      <a:latin typeface="Cambria Math" panose="02040503050406030204" pitchFamily="18" charset="0"/>
+                                    </a:rPr>
+                                    <m:t>2</m:t>
+                                  </m:r>
+                                  <m:sSup>
+                                    <m:sSupPr>
+                                      <m:ctrlPr>
+                                        <a:rPr lang="it-IT" sz="1400" i="1">
+                                          <a:latin typeface="Cambria Math" panose="02040503050406030204" pitchFamily="18" charset="0"/>
+                                        </a:rPr>
+                                      </m:ctrlPr>
+                                    </m:sSupPr>
+                                    <m:e>
+                                      <m:r>
+                                        <a:rPr lang="it-IT" sz="1400" i="1">
+                                          <a:latin typeface="Cambria Math" panose="02040503050406030204" pitchFamily="18" charset="0"/>
+                                        </a:rPr>
+                                        <m:t>𝜎</m:t>
+                                      </m:r>
+                                    </m:e>
+                                    <m:sup>
+                                      <m:r>
+                                        <a:rPr lang="it-IT" sz="1400" i="1">
+                                          <a:latin typeface="Cambria Math" panose="02040503050406030204" pitchFamily="18" charset="0"/>
+                                        </a:rPr>
+                                        <m:t>2</m:t>
+                                      </m:r>
+                                    </m:sup>
+                                  </m:sSup>
+                                </m:e>
+                              </m:d>
+                            </m:oMath>
+                          </a14:m>
+                          <a:r>
+                            <a:rPr lang="it-IT" sz="1400" i="0" dirty="0"/>
+                            <a:t> for RBF, </a:t>
+                          </a:r>
+                          <a14:m>
+                            <m:oMath xmlns:m="http://schemas.openxmlformats.org/officeDocument/2006/math">
+                              <m:r>
+                                <m:rPr>
+                                  <m:sty m:val="p"/>
+                                </m:rPr>
+                                <a:rPr lang="it-IT" sz="1400" i="0">
+                                  <a:latin typeface="Cambria Math" panose="02040503050406030204" pitchFamily="18" charset="0"/>
+                                </a:rPr>
+                                <m:t>γ</m:t>
+                              </m:r>
+                              <m:r>
+                                <a:rPr lang="it-IT" sz="1400" i="0">
+                                  <a:latin typeface="Cambria Math" panose="02040503050406030204" pitchFamily="18" charset="0"/>
+                                </a:rPr>
+                                <m:t>⋅⟨</m:t>
+                              </m:r>
+                              <m:r>
+                                <a:rPr lang="it-IT" sz="1400" i="1">
+                                  <a:latin typeface="Cambria Math" panose="02040503050406030204" pitchFamily="18" charset="0"/>
+                                </a:rPr>
+                                <m:t>𝑥</m:t>
+                              </m:r>
+                              <m:r>
+                                <a:rPr lang="it-IT" sz="1400" i="1">
+                                  <a:latin typeface="Cambria Math" panose="02040503050406030204" pitchFamily="18" charset="0"/>
+                                </a:rPr>
+                                <m:t>,</m:t>
+                              </m:r>
+                              <m:r>
+                                <a:rPr lang="it-IT" sz="1400" i="1">
+                                  <a:latin typeface="Cambria Math" panose="02040503050406030204" pitchFamily="18" charset="0"/>
+                                </a:rPr>
+                                <m:t>𝑥</m:t>
+                              </m:r>
+                              <m:r>
+                                <a:rPr lang="it-IT" sz="1400" i="0">
+                                  <a:latin typeface="Cambria Math" panose="02040503050406030204" pitchFamily="18" charset="0"/>
+                                </a:rPr>
+                                <m:t>⟩</m:t>
+                              </m:r>
+                            </m:oMath>
+                          </a14:m>
+                          <a:r>
+                            <a:rPr lang="it-IT" sz="1400" i="0" dirty="0"/>
+                            <a:t> for </a:t>
+                          </a:r>
+                          <a:r>
+                            <a:rPr lang="it-IT" sz="1400" i="0" dirty="0" err="1"/>
+                            <a:t>poly</a:t>
+                          </a:r>
+                          <a:r>
+                            <a:rPr lang="it-IT" sz="1400" i="0" dirty="0"/>
+                            <a:t> kernel, </a:t>
+                          </a:r>
+                          <a14:m>
+                            <m:oMath xmlns:m="http://schemas.openxmlformats.org/officeDocument/2006/math">
+                              <m:sSub>
+                                <m:sSubPr>
+                                  <m:ctrlPr>
+                                    <a:rPr lang="it-IT" sz="1400" i="1">
+                                      <a:latin typeface="Cambria Math" panose="02040503050406030204" pitchFamily="18" charset="0"/>
+                                    </a:rPr>
+                                  </m:ctrlPr>
+                                </m:sSubPr>
+                                <m:e>
+                                  <m:r>
+                                    <a:rPr lang="it-IT" sz="1400" i="1">
+                                      <a:latin typeface="Cambria Math" panose="02040503050406030204" pitchFamily="18" charset="0"/>
+                                    </a:rPr>
+                                    <m:t>𝛽</m:t>
+                                  </m:r>
+                                </m:e>
+                                <m:sub>
+                                  <m:r>
+                                    <a:rPr lang="it-IT" sz="1400" i="1">
+                                      <a:latin typeface="Cambria Math" panose="02040503050406030204" pitchFamily="18" charset="0"/>
+                                    </a:rPr>
+                                    <m:t>0</m:t>
+                                  </m:r>
+                                </m:sub>
+                              </m:sSub>
+                            </m:oMath>
+                          </a14:m>
+                          <a:r>
+                            <a:rPr lang="it-IT" sz="1400" i="0" dirty="0"/>
+                            <a:t> for </a:t>
+                          </a:r>
+                          <a:r>
+                            <a:rPr lang="it-IT" sz="1400" i="0" dirty="0" err="1"/>
+                            <a:t>sigmoid</a:t>
+                          </a:r>
+                          <a:r>
+                            <a:rPr lang="it-IT" sz="1400" dirty="0"/>
+                            <a:t>)</a:t>
+                          </a:r>
+                        </a:p>
+                      </a:txBody>
+                      <a:tcPr anchor="ctr"/>
+                    </a:tc>
+                    <a:tc hMerge="1">
+                      <a:txBody>
+                        <a:bodyPr/>
+                        <a:lstStyle/>
+                        <a:p>
+                          <a:endParaRPr lang="it-IT" sz="1400" dirty="0"/>
+                        </a:p>
+                      </a:txBody>
+                      <a:tcPr anchor="ctr">
+                        <a:lnR w="12700" cap="flat" cmpd="sng" algn="ctr">
+                          <a:solidFill>
+                            <a:srgbClr val="3D3D3D"/>
+                          </a:solidFill>
+                          <a:prstDash val="solid"/>
+                          <a:round/>
+                          <a:headEnd type="none" w="med" len="med"/>
+                          <a:tailEnd type="none" w="med" len="med"/>
+                        </a:lnR>
+                      </a:tcPr>
+                    </a:tc>
+                    <a:tc gridSpan="2">
+                      <a:txBody>
+                        <a:bodyPr/>
+                        <a:lstStyle/>
+                        <a:p>
+                          <a:r>
+                            <a:rPr lang="it-IT" sz="1400" i="0" dirty="0"/>
+                            <a:t>0.1, 0.01, 0.001</a:t>
+                          </a:r>
+                        </a:p>
+                      </a:txBody>
+                      <a:tcPr anchor="ctr"/>
+                    </a:tc>
+                    <a:tc hMerge="1">
+                      <a:txBody>
+                        <a:bodyPr/>
+                        <a:lstStyle/>
+                        <a:p>
+                          <a:endParaRPr lang="it-IT" sz="1400" dirty="0"/>
+                        </a:p>
+                      </a:txBody>
+                      <a:tcPr anchor="ctr"/>
+                    </a:tc>
+                    <a:extLst>
+                      <a:ext uri="{0D108BD9-81ED-4DB2-BD59-A6C34878D82A}">
+                        <a16:rowId xmlns:a16="http://schemas.microsoft.com/office/drawing/2014/main" val="314864248"/>
+                      </a:ext>
+                    </a:extLst>
+                  </a:tr>
+                </a:tbl>
+              </a:graphicData>
+            </a:graphic>
+          </p:graphicFrame>
         </mc:Choice>
-        <mc:Fallback xmlns="">
-          <p:sp>
-            <p:nvSpPr>
-              <p:cNvPr id="15" name="CasellaDiTesto 14">
+        <mc:Fallback>
+          <p:graphicFrame>
+            <p:nvGraphicFramePr>
+              <p:cNvPr id="3" name="Tabella 2">
                 <a:extLst>
                   <a:ext uri="{FF2B5EF4-FFF2-40B4-BE49-F238E27FC236}">
-                    <a16:creationId xmlns:a16="http://schemas.microsoft.com/office/drawing/2014/main" id="{9912127B-9353-6624-BDD1-04F619D84C30}"/>
+                    <a16:creationId xmlns:a16="http://schemas.microsoft.com/office/drawing/2014/main" id="{BCEA6984-73AE-08DA-C604-3BF4C841EE49}"/>
                   </a:ext>
                 </a:extLst>
               </p:cNvPr>
-              <p:cNvSpPr txBox="1">
-                <a:spLocks noRot="1" noChangeAspect="1" noMove="1" noResize="1" noEditPoints="1" noAdjustHandles="1" noChangeArrowheads="1" noChangeShapeType="1" noTextEdit="1"/>
-              </p:cNvSpPr>
-              <p:nvPr/>
-            </p:nvSpPr>
-            <p:spPr>
-              <a:xfrm>
-                <a:off x="4452681" y="2571750"/>
-                <a:ext cx="3623984" cy="1606274"/>
-              </a:xfrm>
-              <a:prstGeom prst="rect">
-                <a:avLst/>
-              </a:prstGeom>
-              <a:blipFill>
-                <a:blip r:embed="rId2"/>
-                <a:stretch>
-                  <a:fillRect l="-168" b="-10266"/>
-                </a:stretch>
-              </a:blipFill>
-            </p:spPr>
-            <p:txBody>
-              <a:bodyPr/>
-              <a:lstStyle/>
-              <a:p>
-                <a:r>
-                  <a:rPr lang="it-IT">
-                    <a:noFill/>
-                  </a:rPr>
-                  <a:t> </a:t>
-                </a:r>
-              </a:p>
-            </p:txBody>
-          </p:sp>
-        </mc:Fallback>
-      </mc:AlternateContent>
-      <mc:AlternateContent xmlns:mc="http://schemas.openxmlformats.org/markup-compatibility/2006" xmlns:a14="http://schemas.microsoft.com/office/drawing/2010/main">
-        <mc:Choice Requires="a14">
-          <p:sp>
-            <p:nvSpPr>
-              <p:cNvPr id="16" name="CasellaDiTesto 15">
-                <a:extLst>
-                  <a:ext uri="{FF2B5EF4-FFF2-40B4-BE49-F238E27FC236}">
-                    <a16:creationId xmlns:a16="http://schemas.microsoft.com/office/drawing/2014/main" id="{7C8633E0-F083-A286-F104-11FC5202D3D4}"/>
-                  </a:ext>
-                </a:extLst>
-              </p:cNvPr>
-              <p:cNvSpPr txBox="1"/>
-              <p:nvPr/>
-            </p:nvSpPr>
-            <p:spPr>
-              <a:xfrm>
-                <a:off x="311940" y="3849023"/>
-                <a:ext cx="7764725" cy="553998"/>
-              </a:xfrm>
-              <a:prstGeom prst="rect">
-                <a:avLst/>
-              </a:prstGeom>
-              <a:noFill/>
-            </p:spPr>
-            <p:txBody>
-              <a:bodyPr wrap="square" rtlCol="0">
-                <a:spAutoFit/>
-              </a:bodyPr>
-              <a:lstStyle/>
-              <a:p>
-                <a:pPr marL="285750" indent="-285750">
-                  <a:buFont typeface="Arial" panose="020B0604020202020204" pitchFamily="34" charset="0"/>
-                  <a:buChar char="•"/>
-                </a:pPr>
-                <a:r>
-                  <a:rPr lang="it-IT" sz="1500" i="1" dirty="0" err="1"/>
-                  <a:t>Kernel’s</a:t>
-                </a:r>
-                <a:r>
-                  <a:rPr lang="it-IT" sz="1500" i="1" dirty="0"/>
-                  <a:t> </a:t>
-                </a:r>
-                <a:r>
-                  <a:rPr lang="it-IT" sz="1500" i="1" dirty="0" err="1"/>
-                  <a:t>parameter</a:t>
-                </a:r>
-                <a:r>
-                  <a:rPr lang="it-IT" sz="1500" i="1" dirty="0"/>
-                  <a:t> γ</a:t>
-                </a:r>
-                <a:r>
-                  <a:rPr lang="it-IT" sz="1600" i="1" dirty="0"/>
-                  <a:t> </a:t>
-                </a:r>
-                <a:r>
-                  <a:rPr lang="it-IT" sz="1500" dirty="0"/>
-                  <a:t>(</a:t>
-                </a:r>
-                <a14:m>
-                  <m:oMath xmlns:m="http://schemas.openxmlformats.org/officeDocument/2006/math">
-                    <m:r>
-                      <a:rPr lang="it-IT" sz="1500" i="1">
-                        <a:latin typeface="Cambria Math" panose="02040503050406030204" pitchFamily="18" charset="0"/>
-                      </a:rPr>
-                      <m:t>1</m:t>
-                    </m:r>
-                    <m:r>
-                      <m:rPr>
-                        <m:lit/>
-                      </m:rPr>
-                      <a:rPr lang="it-IT" sz="1500" i="1">
-                        <a:latin typeface="Cambria Math" panose="02040503050406030204" pitchFamily="18" charset="0"/>
-                      </a:rPr>
-                      <m:t>/</m:t>
-                    </m:r>
-                    <m:d>
-                      <m:dPr>
-                        <m:ctrlPr>
-                          <a:rPr lang="it-IT" sz="1500" i="1">
-                            <a:latin typeface="Cambria Math" panose="02040503050406030204" pitchFamily="18" charset="0"/>
-                          </a:rPr>
-                        </m:ctrlPr>
-                      </m:dPr>
-                      <m:e>
-                        <m:r>
-                          <a:rPr lang="it-IT" sz="1500" i="1">
-                            <a:latin typeface="Cambria Math" panose="02040503050406030204" pitchFamily="18" charset="0"/>
-                          </a:rPr>
-                          <m:t>2</m:t>
-                        </m:r>
-                        <m:sSup>
-                          <m:sSupPr>
-                            <m:ctrlPr>
-                              <a:rPr lang="it-IT" sz="1500" i="1">
-                                <a:latin typeface="Cambria Math" panose="02040503050406030204" pitchFamily="18" charset="0"/>
-                              </a:rPr>
-                            </m:ctrlPr>
-                          </m:sSupPr>
-                          <m:e>
-                            <m:r>
-                              <a:rPr lang="it-IT" sz="1500" i="1">
-                                <a:latin typeface="Cambria Math" panose="02040503050406030204" pitchFamily="18" charset="0"/>
-                              </a:rPr>
-                              <m:t>𝜎</m:t>
-                            </m:r>
-                          </m:e>
-                          <m:sup>
-                            <m:r>
-                              <a:rPr lang="it-IT" sz="1500" i="1">
-                                <a:latin typeface="Cambria Math" panose="02040503050406030204" pitchFamily="18" charset="0"/>
-                              </a:rPr>
-                              <m:t>2</m:t>
-                            </m:r>
-                          </m:sup>
-                        </m:sSup>
-                      </m:e>
-                    </m:d>
-                  </m:oMath>
-                </a14:m>
-                <a:r>
-                  <a:rPr lang="it-IT" sz="1500" i="1" dirty="0"/>
-                  <a:t> for RBF, </a:t>
-                </a:r>
-                <a14:m>
-                  <m:oMath xmlns:m="http://schemas.openxmlformats.org/officeDocument/2006/math">
-                    <m:r>
-                      <a:rPr lang="it-IT" sz="1500" i="1">
-                        <a:latin typeface="Cambria Math" panose="02040503050406030204" pitchFamily="18" charset="0"/>
-                      </a:rPr>
-                      <m:t>𝛾</m:t>
-                    </m:r>
-                    <m:r>
-                      <a:rPr lang="it-IT" sz="1500" i="1">
-                        <a:latin typeface="Cambria Math" panose="02040503050406030204" pitchFamily="18" charset="0"/>
-                      </a:rPr>
-                      <m:t>⋅⟨</m:t>
-                    </m:r>
-                    <m:r>
-                      <a:rPr lang="it-IT" sz="1500" i="1">
-                        <a:latin typeface="Cambria Math" panose="02040503050406030204" pitchFamily="18" charset="0"/>
-                      </a:rPr>
-                      <m:t>𝑥</m:t>
-                    </m:r>
-                    <m:r>
-                      <a:rPr lang="it-IT" sz="1500" i="1">
-                        <a:latin typeface="Cambria Math" panose="02040503050406030204" pitchFamily="18" charset="0"/>
-                      </a:rPr>
-                      <m:t>,</m:t>
-                    </m:r>
-                    <m:r>
-                      <a:rPr lang="it-IT" sz="1500" i="1">
-                        <a:latin typeface="Cambria Math" panose="02040503050406030204" pitchFamily="18" charset="0"/>
-                      </a:rPr>
-                      <m:t>𝑥</m:t>
-                    </m:r>
-                    <m:r>
-                      <a:rPr lang="it-IT" sz="1500" i="1">
-                        <a:latin typeface="Cambria Math" panose="02040503050406030204" pitchFamily="18" charset="0"/>
-                      </a:rPr>
-                      <m:t>⟩</m:t>
-                    </m:r>
-                  </m:oMath>
-                </a14:m>
-                <a:r>
-                  <a:rPr lang="it-IT" sz="1500" i="1" dirty="0"/>
-                  <a:t> for </a:t>
-                </a:r>
-                <a:r>
-                  <a:rPr lang="it-IT" sz="1500" i="1" dirty="0" err="1"/>
-                  <a:t>poly</a:t>
-                </a:r>
-                <a:r>
-                  <a:rPr lang="it-IT" sz="1500" i="1" dirty="0"/>
-                  <a:t> kernel, </a:t>
-                </a:r>
-                <a14:m>
-                  <m:oMath xmlns:m="http://schemas.openxmlformats.org/officeDocument/2006/math">
-                    <m:sSub>
-                      <m:sSubPr>
-                        <m:ctrlPr>
-                          <a:rPr lang="it-IT" sz="1500" i="1">
-                            <a:latin typeface="Cambria Math" panose="02040503050406030204" pitchFamily="18" charset="0"/>
-                          </a:rPr>
-                        </m:ctrlPr>
-                      </m:sSubPr>
-                      <m:e>
-                        <m:r>
-                          <a:rPr lang="it-IT" sz="1500" i="1">
-                            <a:latin typeface="Cambria Math" panose="02040503050406030204" pitchFamily="18" charset="0"/>
-                          </a:rPr>
-                          <m:t>𝛽</m:t>
-                        </m:r>
-                      </m:e>
-                      <m:sub>
-                        <m:r>
-                          <a:rPr lang="it-IT" sz="1500" i="1">
-                            <a:latin typeface="Cambria Math" panose="02040503050406030204" pitchFamily="18" charset="0"/>
-                          </a:rPr>
-                          <m:t>0</m:t>
-                        </m:r>
-                      </m:sub>
-                    </m:sSub>
-                  </m:oMath>
-                </a14:m>
-                <a:r>
-                  <a:rPr lang="it-IT" sz="1500" i="1" dirty="0"/>
-                  <a:t> for </a:t>
-                </a:r>
-                <a:r>
-                  <a:rPr lang="it-IT" sz="1500" i="1" dirty="0" err="1"/>
-                  <a:t>sigmoid</a:t>
-                </a:r>
-                <a:r>
-                  <a:rPr lang="it-IT" sz="1500" dirty="0"/>
-                  <a:t>):</a:t>
-                </a:r>
-                <a:r>
-                  <a:rPr lang="it-IT" sz="1400" i="1" dirty="0"/>
-                  <a:t> </a:t>
-                </a:r>
-                <a:br>
-                  <a:rPr lang="it-IT" sz="1400" i="1" dirty="0"/>
-                </a:br>
-                <a:r>
-                  <a:rPr lang="it-IT" sz="1400" dirty="0"/>
-                  <a:t>0.1, 0.01, 0.001</a:t>
-                </a:r>
-              </a:p>
-            </p:txBody>
-          </p:sp>
-        </mc:Choice>
-        <mc:Fallback xmlns="">
-          <p:sp>
-            <p:nvSpPr>
-              <p:cNvPr id="16" name="CasellaDiTesto 15">
-                <a:extLst>
-                  <a:ext uri="{FF2B5EF4-FFF2-40B4-BE49-F238E27FC236}">
-                    <a16:creationId xmlns:a16="http://schemas.microsoft.com/office/drawing/2014/main" id="{7C8633E0-F083-A286-F104-11FC5202D3D4}"/>
-                  </a:ext>
-                </a:extLst>
-              </p:cNvPr>
-              <p:cNvSpPr txBox="1">
-                <a:spLocks noRot="1" noChangeAspect="1" noMove="1" noResize="1" noEditPoints="1" noAdjustHandles="1" noChangeArrowheads="1" noChangeShapeType="1" noTextEdit="1"/>
-              </p:cNvSpPr>
-              <p:nvPr/>
-            </p:nvSpPr>
-            <p:spPr>
-              <a:xfrm>
-                <a:off x="311940" y="3849023"/>
-                <a:ext cx="7764725" cy="553998"/>
-              </a:xfrm>
-              <a:prstGeom prst="rect">
-                <a:avLst/>
-              </a:prstGeom>
-              <a:blipFill>
-                <a:blip r:embed="rId3"/>
-                <a:stretch>
-                  <a:fillRect l="-235" b="-10989"/>
-                </a:stretch>
-              </a:blipFill>
-            </p:spPr>
-            <p:txBody>
-              <a:bodyPr/>
-              <a:lstStyle/>
-              <a:p>
-                <a:r>
-                  <a:rPr lang="it-IT">
-                    <a:noFill/>
-                  </a:rPr>
-                  <a:t> </a:t>
-                </a:r>
-              </a:p>
-            </p:txBody>
-          </p:sp>
+              <p:cNvGraphicFramePr>
+                <a:graphicFrameLocks noGrp="1"/>
+              </p:cNvGraphicFramePr>
+              <p:nvPr>
+                <p:extLst>
+                  <p:ext uri="{D42A27DB-BD31-4B8C-83A1-F6EECF244321}">
+                    <p14:modId xmlns:p14="http://schemas.microsoft.com/office/powerpoint/2010/main" val="1673573649"/>
+                  </p:ext>
+                </p:extLst>
+              </p:nvPr>
+            </p:nvGraphicFramePr>
+            <p:xfrm>
+              <a:off x="383260" y="1812685"/>
+              <a:ext cx="8363480" cy="2880360"/>
+            </p:xfrm>
+            <a:graphic>
+              <a:graphicData uri="http://schemas.openxmlformats.org/drawingml/2006/table">
+                <a:tbl>
+                  <a:tblPr firstRow="1" bandRow="1">
+                    <a:tableStyleId>{0E3FDE45-AF77-4B5C-9715-49D594BDF05E}</a:tableStyleId>
+                  </a:tblPr>
+                  <a:tblGrid>
+                    <a:gridCol w="1833467">
+                      <a:extLst>
+                        <a:ext uri="{9D8B030D-6E8A-4147-A177-3AD203B41FA5}">
+                          <a16:colId xmlns:a16="http://schemas.microsoft.com/office/drawing/2014/main" val="1646026988"/>
+                        </a:ext>
+                      </a:extLst>
+                    </a:gridCol>
+                    <a:gridCol w="2348273">
+                      <a:extLst>
+                        <a:ext uri="{9D8B030D-6E8A-4147-A177-3AD203B41FA5}">
+                          <a16:colId xmlns:a16="http://schemas.microsoft.com/office/drawing/2014/main" val="2209079661"/>
+                        </a:ext>
+                      </a:extLst>
+                    </a:gridCol>
+                    <a:gridCol w="2985727">
+                      <a:extLst>
+                        <a:ext uri="{9D8B030D-6E8A-4147-A177-3AD203B41FA5}">
+                          <a16:colId xmlns:a16="http://schemas.microsoft.com/office/drawing/2014/main" val="476101989"/>
+                        </a:ext>
+                      </a:extLst>
+                    </a:gridCol>
+                    <a:gridCol w="1196013">
+                      <a:extLst>
+                        <a:ext uri="{9D8B030D-6E8A-4147-A177-3AD203B41FA5}">
+                          <a16:colId xmlns:a16="http://schemas.microsoft.com/office/drawing/2014/main" val="1098860902"/>
+                        </a:ext>
+                      </a:extLst>
+                    </a:gridCol>
+                  </a:tblGrid>
+                  <a:tr h="370840">
+                    <a:tc>
+                      <a:txBody>
+                        <a:bodyPr/>
+                        <a:lstStyle/>
+                        <a:p>
+                          <a:pPr algn="ctr"/>
+                          <a:r>
+                            <a:rPr lang="it-IT" sz="1600" i="0" dirty="0" err="1"/>
+                            <a:t>Hyperparameter</a:t>
+                          </a:r>
+                          <a:endParaRPr lang="it-IT" sz="1600" i="0" dirty="0"/>
+                        </a:p>
+                      </a:txBody>
+                      <a:tcPr anchor="ctr"/>
+                    </a:tc>
+                    <a:tc>
+                      <a:txBody>
+                        <a:bodyPr/>
+                        <a:lstStyle/>
+                        <a:p>
+                          <a:pPr algn="ctr"/>
+                          <a:r>
+                            <a:rPr lang="it-IT" sz="1600" i="0" dirty="0" err="1"/>
+                            <a:t>Values</a:t>
+                          </a:r>
+                          <a:endParaRPr lang="it-IT" sz="1600" i="0" dirty="0"/>
+                        </a:p>
+                      </a:txBody>
+                      <a:tcPr anchor="ctr">
+                        <a:lnR w="12700" cap="flat" cmpd="sng" algn="ctr">
+                          <a:solidFill>
+                            <a:srgbClr val="616161"/>
+                          </a:solidFill>
+                          <a:prstDash val="solid"/>
+                          <a:round/>
+                          <a:headEnd type="none" w="med" len="med"/>
+                          <a:tailEnd type="none" w="med" len="med"/>
+                        </a:lnR>
+                      </a:tcPr>
+                    </a:tc>
+                    <a:tc>
+                      <a:txBody>
+                        <a:bodyPr/>
+                        <a:lstStyle/>
+                        <a:p>
+                          <a:pPr algn="ctr"/>
+                          <a:r>
+                            <a:rPr lang="it-IT" sz="1600" i="0" dirty="0" err="1"/>
+                            <a:t>Hyperparameter</a:t>
+                          </a:r>
+                          <a:endParaRPr lang="it-IT" sz="1600" i="0" dirty="0"/>
+                        </a:p>
+                      </a:txBody>
+                      <a:tcPr anchor="ctr">
+                        <a:lnL w="12700" cap="flat" cmpd="sng" algn="ctr">
+                          <a:solidFill>
+                            <a:srgbClr val="616161"/>
+                          </a:solidFill>
+                          <a:prstDash val="solid"/>
+                          <a:round/>
+                          <a:headEnd type="none" w="med" len="med"/>
+                          <a:tailEnd type="none" w="med" len="med"/>
+                        </a:lnL>
+                      </a:tcPr>
+                    </a:tc>
+                    <a:tc>
+                      <a:txBody>
+                        <a:bodyPr/>
+                        <a:lstStyle/>
+                        <a:p>
+                          <a:pPr algn="ctr"/>
+                          <a:r>
+                            <a:rPr lang="it-IT" sz="1600" i="0" dirty="0" err="1"/>
+                            <a:t>Values</a:t>
+                          </a:r>
+                          <a:endParaRPr lang="it-IT" sz="1600" i="0" dirty="0"/>
+                        </a:p>
+                      </a:txBody>
+                      <a:tcPr anchor="ctr"/>
+                    </a:tc>
+                    <a:extLst>
+                      <a:ext uri="{0D108BD9-81ED-4DB2-BD59-A6C34878D82A}">
+                        <a16:rowId xmlns:a16="http://schemas.microsoft.com/office/drawing/2014/main" val="2234428286"/>
+                      </a:ext>
+                    </a:extLst>
+                  </a:tr>
+                  <a:tr h="731520">
+                    <a:tc>
+                      <a:txBody>
+                        <a:bodyPr/>
+                        <a:lstStyle/>
+                        <a:p>
+                          <a:r>
+                            <a:rPr lang="it-IT" sz="1400" i="1" dirty="0"/>
+                            <a:t>Kernel</a:t>
+                          </a:r>
+                        </a:p>
+                      </a:txBody>
+                      <a:tcPr anchor="ctr"/>
+                    </a:tc>
+                    <a:tc>
+                      <a:txBody>
+                        <a:bodyPr/>
+                        <a:lstStyle/>
+                        <a:p>
+                          <a:pPr marL="0" marR="0" lvl="0" indent="0" algn="l" defTabSz="914400" rtl="0" eaLnBrk="1" fontAlgn="auto" latinLnBrk="0" hangingPunct="1">
+                            <a:lnSpc>
+                              <a:spcPct val="100000"/>
+                            </a:lnSpc>
+                            <a:spcBef>
+                              <a:spcPts val="0"/>
+                            </a:spcBef>
+                            <a:spcAft>
+                              <a:spcPts val="0"/>
+                            </a:spcAft>
+                            <a:buClrTx/>
+                            <a:buSzTx/>
+                            <a:buFontTx/>
+                            <a:buNone/>
+                            <a:tabLst/>
+                            <a:defRPr/>
+                          </a:pPr>
+                          <a:r>
+                            <a:rPr lang="it-IT" sz="1400" dirty="0"/>
+                            <a:t>RBF, </a:t>
+                          </a:r>
+                          <a:r>
+                            <a:rPr lang="it-IT" sz="1400" dirty="0" err="1"/>
+                            <a:t>polynomial</a:t>
+                          </a:r>
+                          <a:r>
+                            <a:rPr lang="it-IT" sz="1400" dirty="0"/>
+                            <a:t>, </a:t>
+                          </a:r>
+                          <a:r>
+                            <a:rPr lang="it-IT" sz="1400" dirty="0" err="1"/>
+                            <a:t>sigmoid</a:t>
+                          </a:r>
+                          <a:r>
+                            <a:rPr lang="it-IT" sz="1400" dirty="0"/>
+                            <a:t> (</a:t>
+                          </a:r>
+                          <a:r>
+                            <a:rPr lang="it-IT" sz="1400" dirty="0" err="1"/>
+                            <a:t>aka</a:t>
+                          </a:r>
+                          <a:r>
+                            <a:rPr lang="it-IT" sz="1400" dirty="0"/>
+                            <a:t> </a:t>
+                          </a:r>
+                          <a:r>
+                            <a:rPr lang="it-IT" sz="1400" dirty="0" err="1"/>
+                            <a:t>two-layer</a:t>
+                          </a:r>
+                          <a:r>
+                            <a:rPr lang="it-IT" sz="1400" dirty="0"/>
+                            <a:t> </a:t>
+                          </a:r>
+                          <a:r>
+                            <a:rPr lang="it-IT" sz="1400" dirty="0" err="1"/>
+                            <a:t>perceptron</a:t>
+                          </a:r>
+                          <a:r>
+                            <a:rPr lang="it-IT" sz="1400" dirty="0"/>
+                            <a:t>), linear (</a:t>
+                          </a:r>
+                          <a:r>
+                            <a:rPr lang="it-IT" sz="1400" dirty="0" err="1"/>
+                            <a:t>only</a:t>
+                          </a:r>
+                          <a:r>
+                            <a:rPr lang="it-IT" sz="1400" dirty="0"/>
+                            <a:t> for </a:t>
+                          </a:r>
+                          <a:r>
+                            <a:rPr lang="it-IT" sz="1400" dirty="0" err="1"/>
+                            <a:t>regression</a:t>
+                          </a:r>
+                          <a:r>
+                            <a:rPr lang="it-IT" sz="1400" dirty="0"/>
+                            <a:t>)</a:t>
+                          </a:r>
+                        </a:p>
+                      </a:txBody>
+                      <a:tcPr anchor="ctr">
+                        <a:lnR w="12700" cap="flat" cmpd="sng" algn="ctr">
+                          <a:solidFill>
+                            <a:srgbClr val="616161"/>
+                          </a:solidFill>
+                          <a:prstDash val="solid"/>
+                          <a:round/>
+                          <a:headEnd type="none" w="med" len="med"/>
+                          <a:tailEnd type="none" w="med" len="med"/>
+                        </a:lnR>
+                      </a:tcPr>
+                    </a:tc>
+                    <a:tc>
+                      <a:txBody>
+                        <a:bodyPr/>
+                        <a:lstStyle/>
+                        <a:p>
+                          <a:endParaRPr lang="it-IT"/>
+                        </a:p>
+                      </a:txBody>
+                      <a:tcPr anchor="ctr">
+                        <a:lnL w="12700" cap="flat" cmpd="sng" algn="ctr">
+                          <a:solidFill>
+                            <a:srgbClr val="616161"/>
+                          </a:solidFill>
+                          <a:prstDash val="solid"/>
+                          <a:round/>
+                          <a:headEnd type="none" w="med" len="med"/>
+                          <a:tailEnd type="none" w="med" len="med"/>
+                        </a:lnL>
+                        <a:blipFill>
+                          <a:blip r:embed="rId2"/>
+                          <a:stretch>
+                            <a:fillRect l="-140204" t="-51667" r="-40204" b="-251667"/>
+                          </a:stretch>
+                        </a:blipFill>
+                      </a:tcPr>
+                    </a:tc>
+                    <a:tc>
+                      <a:txBody>
+                        <a:bodyPr/>
+                        <a:lstStyle/>
+                        <a:p>
+                          <a:r>
+                            <a:rPr lang="it-IT" sz="1400" dirty="0"/>
+                            <a:t>0, 1, 2</a:t>
+                          </a:r>
+                        </a:p>
+                      </a:txBody>
+                      <a:tcPr anchor="ctr"/>
+                    </a:tc>
+                    <a:extLst>
+                      <a:ext uri="{0D108BD9-81ED-4DB2-BD59-A6C34878D82A}">
+                        <a16:rowId xmlns:a16="http://schemas.microsoft.com/office/drawing/2014/main" val="1464338391"/>
+                      </a:ext>
+                    </a:extLst>
+                  </a:tr>
+                  <a:tr h="518160">
+                    <a:tc>
+                      <a:txBody>
+                        <a:bodyPr/>
+                        <a:lstStyle/>
+                        <a:p>
+                          <a:r>
+                            <a:rPr lang="it-IT" sz="1400" i="1" dirty="0"/>
+                            <a:t>C </a:t>
+                          </a:r>
+                          <a:r>
+                            <a:rPr lang="it-IT" sz="1400" i="1" dirty="0" err="1"/>
+                            <a:t>regularization</a:t>
+                          </a:r>
+                          <a:r>
+                            <a:rPr lang="it-IT" sz="1400" i="1" dirty="0"/>
+                            <a:t> </a:t>
+                          </a:r>
+                          <a:r>
+                            <a:rPr lang="it-IT" sz="1400" i="1" dirty="0" err="1"/>
+                            <a:t>hyperparameter</a:t>
+                          </a:r>
+                          <a:endParaRPr lang="it-IT" sz="1400" i="1" dirty="0"/>
+                        </a:p>
+                      </a:txBody>
+                      <a:tcPr anchor="ctr"/>
+                    </a:tc>
+                    <a:tc>
+                      <a:txBody>
+                        <a:bodyPr/>
+                        <a:lstStyle/>
+                        <a:p>
+                          <a:r>
+                            <a:rPr lang="it-IT" sz="1400" dirty="0"/>
+                            <a:t>0.1, 1, 10, 100</a:t>
+                          </a:r>
+                        </a:p>
+                      </a:txBody>
+                      <a:tcPr anchor="ctr">
+                        <a:lnR w="12700" cap="flat" cmpd="sng" algn="ctr">
+                          <a:solidFill>
+                            <a:srgbClr val="616161"/>
+                          </a:solidFill>
+                          <a:prstDash val="solid"/>
+                          <a:round/>
+                          <a:headEnd type="none" w="med" len="med"/>
+                          <a:tailEnd type="none" w="med" len="med"/>
+                        </a:lnR>
+                      </a:tcPr>
+                    </a:tc>
+                    <a:tc>
+                      <a:txBody>
+                        <a:bodyPr/>
+                        <a:lstStyle/>
+                        <a:p>
+                          <a:endParaRPr lang="it-IT"/>
+                        </a:p>
+                      </a:txBody>
+                      <a:tcPr anchor="ctr">
+                        <a:lnL w="12700" cap="flat" cmpd="sng" algn="ctr">
+                          <a:solidFill>
+                            <a:srgbClr val="616161"/>
+                          </a:solidFill>
+                          <a:prstDash val="solid"/>
+                          <a:round/>
+                          <a:headEnd type="none" w="med" len="med"/>
+                          <a:tailEnd type="none" w="med" len="med"/>
+                        </a:lnL>
+                        <a:blipFill>
+                          <a:blip r:embed="rId2"/>
+                          <a:stretch>
+                            <a:fillRect l="-140204" t="-214118" r="-40204" b="-255294"/>
+                          </a:stretch>
+                        </a:blipFill>
+                      </a:tcPr>
+                    </a:tc>
+                    <a:tc>
+                      <a:txBody>
+                        <a:bodyPr/>
+                        <a:lstStyle/>
+                        <a:p>
+                          <a:r>
+                            <a:rPr lang="it-IT" sz="1400" dirty="0"/>
+                            <a:t>0, 1, 2</a:t>
+                          </a:r>
+                        </a:p>
+                      </a:txBody>
+                      <a:tcPr anchor="ctr"/>
+                    </a:tc>
+                    <a:extLst>
+                      <a:ext uri="{0D108BD9-81ED-4DB2-BD59-A6C34878D82A}">
+                        <a16:rowId xmlns:a16="http://schemas.microsoft.com/office/drawing/2014/main" val="3624525526"/>
+                      </a:ext>
+                    </a:extLst>
+                  </a:tr>
+                  <a:tr h="370840">
+                    <a:tc>
+                      <a:txBody>
+                        <a:bodyPr/>
+                        <a:lstStyle/>
+                        <a:p>
+                          <a:r>
+                            <a:rPr lang="it-IT" sz="1400" i="1" dirty="0"/>
+                            <a:t>ε </a:t>
+                          </a:r>
+                          <a:r>
+                            <a:rPr lang="it-IT" sz="1400" i="0" dirty="0"/>
+                            <a:t>(</a:t>
+                          </a:r>
+                          <a:r>
+                            <a:rPr lang="it-IT" sz="1400" i="0" dirty="0" err="1"/>
+                            <a:t>regression</a:t>
+                          </a:r>
+                          <a:r>
+                            <a:rPr lang="it-IT" sz="1400" i="0" dirty="0"/>
+                            <a:t> </a:t>
+                          </a:r>
+                          <a:r>
+                            <a:rPr lang="it-IT" sz="1400" i="0" dirty="0" err="1"/>
+                            <a:t>only</a:t>
+                          </a:r>
+                          <a:r>
+                            <a:rPr lang="it-IT" sz="1400" i="0" dirty="0"/>
+                            <a:t>)</a:t>
+                          </a:r>
+                          <a:endParaRPr lang="it-IT" sz="1400" i="1" dirty="0"/>
+                        </a:p>
+                      </a:txBody>
+                      <a:tcPr anchor="ctr">
+                        <a:lnB w="12700" cap="flat" cmpd="sng" algn="ctr">
+                          <a:solidFill>
+                            <a:srgbClr val="616161"/>
+                          </a:solidFill>
+                          <a:prstDash val="solid"/>
+                          <a:round/>
+                          <a:headEnd type="none" w="med" len="med"/>
+                          <a:tailEnd type="none" w="med" len="med"/>
+                        </a:lnB>
+                      </a:tcPr>
+                    </a:tc>
+                    <a:tc>
+                      <a:txBody>
+                        <a:bodyPr/>
+                        <a:lstStyle/>
+                        <a:p>
+                          <a:r>
+                            <a:rPr lang="it-IT" sz="1400" dirty="0"/>
+                            <a:t>0.01, 0.1, 1</a:t>
+                          </a:r>
+                        </a:p>
+                      </a:txBody>
+                      <a:tcPr anchor="ctr">
+                        <a:lnR w="12700" cap="flat" cmpd="sng" algn="ctr">
+                          <a:solidFill>
+                            <a:srgbClr val="616161"/>
+                          </a:solidFill>
+                          <a:prstDash val="solid"/>
+                          <a:round/>
+                          <a:headEnd type="none" w="med" len="med"/>
+                          <a:tailEnd type="none" w="med" len="med"/>
+                        </a:lnR>
+                        <a:lnB w="12700" cap="flat" cmpd="sng" algn="ctr">
+                          <a:solidFill>
+                            <a:srgbClr val="616161"/>
+                          </a:solidFill>
+                          <a:prstDash val="solid"/>
+                          <a:round/>
+                          <a:headEnd type="none" w="med" len="med"/>
+                          <a:tailEnd type="none" w="med" len="med"/>
+                        </a:lnB>
+                      </a:tcPr>
+                    </a:tc>
+                    <a:tc>
+                      <a:txBody>
+                        <a:bodyPr/>
+                        <a:lstStyle/>
+                        <a:p>
+                          <a:pPr marL="0" marR="0" lvl="0" indent="0" algn="l" defTabSz="914400" rtl="0" eaLnBrk="1" fontAlgn="auto" latinLnBrk="0" hangingPunct="1">
+                            <a:lnSpc>
+                              <a:spcPct val="100000"/>
+                            </a:lnSpc>
+                            <a:spcBef>
+                              <a:spcPts val="0"/>
+                            </a:spcBef>
+                            <a:spcAft>
+                              <a:spcPts val="0"/>
+                            </a:spcAft>
+                            <a:buClrTx/>
+                            <a:buSzTx/>
+                            <a:buFontTx/>
+                            <a:buNone/>
+                            <a:tabLst/>
+                            <a:defRPr/>
+                          </a:pPr>
+                          <a:r>
+                            <a:rPr lang="it-IT" sz="1400" i="1" dirty="0"/>
+                            <a:t>Degree p </a:t>
+                          </a:r>
+                          <a:r>
+                            <a:rPr lang="it-IT" sz="1400" i="0" dirty="0"/>
+                            <a:t>(for </a:t>
+                          </a:r>
+                          <a:r>
+                            <a:rPr lang="it-IT" sz="1400" i="0" dirty="0" err="1"/>
+                            <a:t>polynomial</a:t>
+                          </a:r>
+                          <a:r>
+                            <a:rPr lang="it-IT" sz="1400" i="0" dirty="0"/>
+                            <a:t> kernel)</a:t>
+                          </a:r>
+                          <a:endParaRPr lang="it-IT" sz="1400" i="1" dirty="0"/>
+                        </a:p>
+                      </a:txBody>
+                      <a:tcPr anchor="ctr">
+                        <a:lnL w="12700" cap="flat" cmpd="sng" algn="ctr">
+                          <a:solidFill>
+                            <a:srgbClr val="616161"/>
+                          </a:solidFill>
+                          <a:prstDash val="solid"/>
+                          <a:round/>
+                          <a:headEnd type="none" w="med" len="med"/>
+                          <a:tailEnd type="none" w="med" len="med"/>
+                        </a:lnL>
+                        <a:lnB w="12700" cap="flat" cmpd="sng" algn="ctr">
+                          <a:solidFill>
+                            <a:srgbClr val="616161"/>
+                          </a:solidFill>
+                          <a:prstDash val="solid"/>
+                          <a:round/>
+                          <a:headEnd type="none" w="med" len="med"/>
+                          <a:tailEnd type="none" w="med" len="med"/>
+                        </a:lnB>
+                      </a:tcPr>
+                    </a:tc>
+                    <a:tc>
+                      <a:txBody>
+                        <a:bodyPr/>
+                        <a:lstStyle/>
+                        <a:p>
+                          <a:r>
+                            <a:rPr lang="it-IT" sz="1400" dirty="0"/>
+                            <a:t>2, 3, 4</a:t>
+                          </a:r>
+                        </a:p>
+                      </a:txBody>
+                      <a:tcPr anchor="ctr">
+                        <a:lnB w="12700" cap="flat" cmpd="sng" algn="ctr">
+                          <a:solidFill>
+                            <a:srgbClr val="616161"/>
+                          </a:solidFill>
+                          <a:prstDash val="solid"/>
+                          <a:round/>
+                          <a:headEnd type="none" w="med" len="med"/>
+                          <a:tailEnd type="none" w="med" len="med"/>
+                        </a:lnB>
+                      </a:tcPr>
+                    </a:tc>
+                    <a:extLst>
+                      <a:ext uri="{0D108BD9-81ED-4DB2-BD59-A6C34878D82A}">
+                        <a16:rowId xmlns:a16="http://schemas.microsoft.com/office/drawing/2014/main" val="1355240013"/>
+                      </a:ext>
+                    </a:extLst>
+                  </a:tr>
+                  <a:tr h="370840">
+                    <a:tc gridSpan="2">
+                      <a:txBody>
+                        <a:bodyPr/>
+                        <a:lstStyle/>
+                        <a:p>
+                          <a:pPr algn="ctr"/>
+                          <a:r>
+                            <a:rPr lang="it-IT" sz="1600" b="1" i="0" dirty="0" err="1"/>
+                            <a:t>Hyperparameter</a:t>
+                          </a:r>
+                          <a:endParaRPr lang="it-IT" sz="1600" b="1" i="0" dirty="0"/>
+                        </a:p>
+                      </a:txBody>
+                      <a:tcPr anchor="ctr">
+                        <a:lnT w="12700" cap="flat" cmpd="sng" algn="ctr">
+                          <a:solidFill>
+                            <a:srgbClr val="616161"/>
+                          </a:solidFill>
+                          <a:prstDash val="solid"/>
+                          <a:round/>
+                          <a:headEnd type="none" w="med" len="med"/>
+                          <a:tailEnd type="none" w="med" len="med"/>
+                        </a:lnT>
+                      </a:tcPr>
+                    </a:tc>
+                    <a:tc hMerge="1">
+                      <a:txBody>
+                        <a:bodyPr/>
+                        <a:lstStyle/>
+                        <a:p>
+                          <a:endParaRPr lang="it-IT" sz="1400" dirty="0"/>
+                        </a:p>
+                      </a:txBody>
+                      <a:tcPr anchor="ctr">
+                        <a:lnR w="12700" cap="flat" cmpd="sng" algn="ctr">
+                          <a:solidFill>
+                            <a:srgbClr val="3D3D3D"/>
+                          </a:solidFill>
+                          <a:prstDash val="solid"/>
+                          <a:round/>
+                          <a:headEnd type="none" w="med" len="med"/>
+                          <a:tailEnd type="none" w="med" len="med"/>
+                        </a:lnR>
+                      </a:tcPr>
+                    </a:tc>
+                    <a:tc gridSpan="2">
+                      <a:txBody>
+                        <a:bodyPr/>
+                        <a:lstStyle/>
+                        <a:p>
+                          <a:pPr algn="ctr"/>
+                          <a:r>
+                            <a:rPr lang="it-IT" sz="1600" b="1" i="0" dirty="0" err="1"/>
+                            <a:t>Values</a:t>
+                          </a:r>
+                          <a:endParaRPr lang="it-IT" sz="1600" b="1" i="0" dirty="0"/>
+                        </a:p>
+                      </a:txBody>
+                      <a:tcPr anchor="ctr">
+                        <a:lnT w="12700" cap="flat" cmpd="sng" algn="ctr">
+                          <a:solidFill>
+                            <a:srgbClr val="616161"/>
+                          </a:solidFill>
+                          <a:prstDash val="solid"/>
+                          <a:round/>
+                          <a:headEnd type="none" w="med" len="med"/>
+                          <a:tailEnd type="none" w="med" len="med"/>
+                        </a:lnT>
+                      </a:tcPr>
+                    </a:tc>
+                    <a:tc hMerge="1">
+                      <a:txBody>
+                        <a:bodyPr/>
+                        <a:lstStyle/>
+                        <a:p>
+                          <a:endParaRPr lang="it-IT" sz="1400" dirty="0"/>
+                        </a:p>
+                      </a:txBody>
+                      <a:tcPr anchor="ctr"/>
+                    </a:tc>
+                    <a:extLst>
+                      <a:ext uri="{0D108BD9-81ED-4DB2-BD59-A6C34878D82A}">
+                        <a16:rowId xmlns:a16="http://schemas.microsoft.com/office/drawing/2014/main" val="4240038678"/>
+                      </a:ext>
+                    </a:extLst>
+                  </a:tr>
+                  <a:tr h="518160">
+                    <a:tc gridSpan="2">
+                      <a:txBody>
+                        <a:bodyPr/>
+                        <a:lstStyle/>
+                        <a:p>
+                          <a:endParaRPr lang="it-IT"/>
+                        </a:p>
+                      </a:txBody>
+                      <a:tcPr anchor="ctr">
+                        <a:blipFill>
+                          <a:blip r:embed="rId2"/>
+                          <a:stretch>
+                            <a:fillRect t="-457647" r="-100000" b="-11765"/>
+                          </a:stretch>
+                        </a:blipFill>
+                      </a:tcPr>
+                    </a:tc>
+                    <a:tc hMerge="1">
+                      <a:txBody>
+                        <a:bodyPr/>
+                        <a:lstStyle/>
+                        <a:p>
+                          <a:endParaRPr lang="it-IT" sz="1400" dirty="0"/>
+                        </a:p>
+                      </a:txBody>
+                      <a:tcPr anchor="ctr">
+                        <a:lnR w="12700" cap="flat" cmpd="sng" algn="ctr">
+                          <a:solidFill>
+                            <a:srgbClr val="3D3D3D"/>
+                          </a:solidFill>
+                          <a:prstDash val="solid"/>
+                          <a:round/>
+                          <a:headEnd type="none" w="med" len="med"/>
+                          <a:tailEnd type="none" w="med" len="med"/>
+                        </a:lnR>
+                      </a:tcPr>
+                    </a:tc>
+                    <a:tc gridSpan="2">
+                      <a:txBody>
+                        <a:bodyPr/>
+                        <a:lstStyle/>
+                        <a:p>
+                          <a:r>
+                            <a:rPr lang="it-IT" sz="1400" i="0" dirty="0"/>
+                            <a:t>0.1, 0.01, 0.001</a:t>
+                          </a:r>
+                        </a:p>
+                      </a:txBody>
+                      <a:tcPr anchor="ctr"/>
+                    </a:tc>
+                    <a:tc hMerge="1">
+                      <a:txBody>
+                        <a:bodyPr/>
+                        <a:lstStyle/>
+                        <a:p>
+                          <a:endParaRPr lang="it-IT" sz="1400" dirty="0"/>
+                        </a:p>
+                      </a:txBody>
+                      <a:tcPr anchor="ctr"/>
+                    </a:tc>
+                    <a:extLst>
+                      <a:ext uri="{0D108BD9-81ED-4DB2-BD59-A6C34878D82A}">
+                        <a16:rowId xmlns:a16="http://schemas.microsoft.com/office/drawing/2014/main" val="314864248"/>
+                      </a:ext>
+                    </a:extLst>
+                  </a:tr>
+                </a:tbl>
+              </a:graphicData>
+            </a:graphic>
+          </p:graphicFrame>
         </mc:Fallback>
       </mc:AlternateContent>
     </p:spTree>
+    <p:extLst>
+      <p:ext uri="{BB962C8B-B14F-4D97-AF65-F5344CB8AC3E}">
+        <p14:creationId xmlns:p14="http://schemas.microsoft.com/office/powerpoint/2010/main" val="1298886967"/>
+      </p:ext>
+    </p:extLst>
   </p:cSld>
   <p:clrMapOvr>
     <a:masterClrMapping/>
@@ -14874,7 +17032,7 @@
                 <a:ea typeface="Arial"/>
                 <a:cs typeface="Arial" panose="020B0604020202020204" pitchFamily="34" charset="0"/>
               </a:rPr>
-              <a:t>s novelties (may be more slides)</a:t>
+              <a:t>s details &amp; novelties</a:t>
             </a:r>
             <a:endParaRPr lang="it-IT" sz="2400" b="0" strike="noStrike" spc="-1" dirty="0">
               <a:solidFill>
@@ -14957,6 +17115,913 @@
           </a:p>
         </p:txBody>
       </p:sp>
+      <mc:AlternateContent xmlns:mc="http://schemas.openxmlformats.org/markup-compatibility/2006">
+        <mc:Choice xmlns:a14="http://schemas.microsoft.com/office/drawing/2010/main" Requires="a14">
+          <p:sp>
+            <p:nvSpPr>
+              <p:cNvPr id="6" name="CasellaDiTesto 5">
+                <a:extLst>
+                  <a:ext uri="{FF2B5EF4-FFF2-40B4-BE49-F238E27FC236}">
+                    <a16:creationId xmlns:a16="http://schemas.microsoft.com/office/drawing/2014/main" id="{53081EA4-AB5C-4973-40B9-5507A2C7E5EC}"/>
+                  </a:ext>
+                </a:extLst>
+              </p:cNvPr>
+              <p:cNvSpPr txBox="1"/>
+              <p:nvPr/>
+            </p:nvSpPr>
+            <p:spPr>
+              <a:xfrm>
+                <a:off x="311760" y="706582"/>
+                <a:ext cx="8520120" cy="1430456"/>
+              </a:xfrm>
+              <a:prstGeom prst="rect">
+                <a:avLst/>
+              </a:prstGeom>
+              <a:noFill/>
+            </p:spPr>
+            <p:txBody>
+              <a:bodyPr wrap="square" rtlCol="0">
+                <a:spAutoFit/>
+              </a:bodyPr>
+              <a:lstStyle/>
+              <a:p>
+                <a:r>
+                  <a:rPr lang="it-IT" sz="1400" dirty="0"/>
+                  <a:t>Weight </a:t>
+                </a:r>
+                <a:r>
+                  <a:rPr lang="it-IT" sz="1400" dirty="0" err="1"/>
+                  <a:t>initialization</a:t>
+                </a:r>
+                <a:r>
+                  <a:rPr lang="it-IT" sz="1400" dirty="0"/>
+                  <a:t> for the </a:t>
+                </a:r>
+                <a:r>
+                  <a:rPr lang="it-IT" sz="1400" dirty="0" err="1"/>
+                  <a:t>Neural</a:t>
+                </a:r>
+                <a:r>
+                  <a:rPr lang="it-IT" sz="1400" dirty="0"/>
+                  <a:t> Networks: </a:t>
+                </a:r>
+                <a:r>
+                  <a:rPr lang="it-IT" sz="1400" dirty="0" err="1">
+                    <a:latin typeface="Consolas" panose="020B0609020204030204" pitchFamily="49" charset="0"/>
+                  </a:rPr>
+                  <a:t>HeNormal</a:t>
+                </a:r>
+                <a:r>
+                  <a:rPr lang="it-IT" sz="1400" dirty="0">
+                    <a:latin typeface="Consolas" panose="020B0609020204030204" pitchFamily="49" charset="0"/>
+                  </a:rPr>
+                  <a:t>()</a:t>
+                </a:r>
+                <a:r>
+                  <a:rPr lang="it-IT" sz="1400" dirty="0"/>
+                  <a:t> from </a:t>
+                </a:r>
+                <a:r>
+                  <a:rPr lang="it-IT" sz="1400" dirty="0" err="1">
+                    <a:latin typeface="Consolas" panose="020B0609020204030204" pitchFamily="49" charset="0"/>
+                  </a:rPr>
+                  <a:t>keras.initializers</a:t>
+                </a:r>
+                <a:r>
+                  <a:rPr lang="it-IT" sz="1400" dirty="0">
+                    <a:latin typeface="+mj-lt"/>
+                  </a:rPr>
+                  <a:t> [</a:t>
+                </a:r>
+                <a:r>
+                  <a:rPr lang="it-IT" sz="1400" dirty="0">
+                    <a:latin typeface="+mj-lt"/>
+                    <a:hlinkClick r:id="rId2" action="ppaction://hlinksldjump"/>
+                  </a:rPr>
+                  <a:t>6</a:t>
+                </a:r>
+                <a:r>
+                  <a:rPr lang="it-IT" sz="1400" dirty="0">
+                    <a:latin typeface="+mj-lt"/>
+                  </a:rPr>
+                  <a:t>][</a:t>
+                </a:r>
+                <a:r>
+                  <a:rPr lang="it-IT" sz="1400" dirty="0">
+                    <a:latin typeface="+mj-lt"/>
+                    <a:hlinkClick r:id="rId3" action="ppaction://hlinksldjump"/>
+                  </a:rPr>
+                  <a:t>9</a:t>
+                </a:r>
+                <a:r>
+                  <a:rPr lang="it-IT" sz="1400" dirty="0">
+                    <a:latin typeface="Arial" panose="020B0604020202020204" pitchFamily="34" charset="0"/>
+                    <a:cs typeface="Arial" panose="020B0604020202020204" pitchFamily="34" charset="0"/>
+                  </a:rPr>
+                  <a:t>]. Weights </a:t>
+                </a:r>
+                <a:r>
+                  <a:rPr lang="it-IT" sz="1400" dirty="0" err="1">
+                    <a:latin typeface="Arial" panose="020B0604020202020204" pitchFamily="34" charset="0"/>
+                    <a:cs typeface="Arial" panose="020B0604020202020204" pitchFamily="34" charset="0"/>
+                  </a:rPr>
+                  <a:t>sampled</a:t>
+                </a:r>
+                <a:r>
+                  <a:rPr lang="it-IT" sz="1400" dirty="0">
+                    <a:latin typeface="Arial" panose="020B0604020202020204" pitchFamily="34" charset="0"/>
+                    <a:cs typeface="Arial" panose="020B0604020202020204" pitchFamily="34" charset="0"/>
+                  </a:rPr>
+                  <a:t> from a</a:t>
+                </a:r>
+                <a:r>
+                  <a:rPr lang="it-IT" sz="1400" dirty="0">
+                    <a:latin typeface="+mj-lt"/>
+                  </a:rPr>
+                  <a:t> </a:t>
+                </a:r>
+                <a14:m>
+                  <m:oMath xmlns:m="http://schemas.openxmlformats.org/officeDocument/2006/math">
+                    <m:r>
+                      <a:rPr lang="it-IT" sz="1400" b="0" i="1" smtClean="0">
+                        <a:latin typeface="Cambria Math" panose="02040503050406030204" pitchFamily="18" charset="0"/>
+                      </a:rPr>
+                      <m:t>𝑁</m:t>
+                    </m:r>
+                    <m:r>
+                      <a:rPr lang="it-IT" sz="1400" b="0" i="1" smtClean="0">
+                        <a:latin typeface="Cambria Math" panose="02040503050406030204" pitchFamily="18" charset="0"/>
+                      </a:rPr>
+                      <m:t>(0,</m:t>
+                    </m:r>
+                    <m:sSup>
+                      <m:sSupPr>
+                        <m:ctrlPr>
+                          <a:rPr lang="it-IT" sz="1400" b="0" i="1" smtClean="0">
+                            <a:latin typeface="Cambria Math" panose="02040503050406030204" pitchFamily="18" charset="0"/>
+                          </a:rPr>
+                        </m:ctrlPr>
+                      </m:sSupPr>
+                      <m:e>
+                        <m:r>
+                          <a:rPr lang="it-IT" sz="1400" b="0" i="1" smtClean="0">
+                            <a:latin typeface="Cambria Math" panose="02040503050406030204" pitchFamily="18" charset="0"/>
+                            <a:ea typeface="Cambria Math" panose="02040503050406030204" pitchFamily="18" charset="0"/>
+                          </a:rPr>
+                          <m:t>𝜎</m:t>
+                        </m:r>
+                      </m:e>
+                      <m:sup>
+                        <m:r>
+                          <a:rPr lang="it-IT" sz="1400" b="0" i="1" smtClean="0">
+                            <a:latin typeface="Cambria Math" panose="02040503050406030204" pitchFamily="18" charset="0"/>
+                          </a:rPr>
+                          <m:t>2</m:t>
+                        </m:r>
+                      </m:sup>
+                    </m:sSup>
+                    <m:r>
+                      <a:rPr lang="it-IT" sz="1400" b="0" i="1" smtClean="0">
+                        <a:latin typeface="Cambria Math" panose="02040503050406030204" pitchFamily="18" charset="0"/>
+                      </a:rPr>
+                      <m:t>)</m:t>
+                    </m:r>
+                  </m:oMath>
+                </a14:m>
+                <a:r>
+                  <a:rPr lang="it-IT" sz="1400" dirty="0">
+                    <a:latin typeface="+mj-lt"/>
+                  </a:rPr>
+                  <a:t> </a:t>
+                </a:r>
+                <a:r>
+                  <a:rPr lang="it-IT" sz="1400" dirty="0">
+                    <a:cs typeface="Arial" panose="020B0604020202020204" pitchFamily="34" charset="0"/>
+                  </a:rPr>
+                  <a:t>distribution</a:t>
+                </a:r>
+                <a:r>
+                  <a:rPr lang="it-IT" sz="1400" dirty="0">
+                    <a:latin typeface="Arial" panose="020B0604020202020204" pitchFamily="34" charset="0"/>
+                    <a:cs typeface="Arial" panose="020B0604020202020204" pitchFamily="34" charset="0"/>
+                  </a:rPr>
+                  <a:t>, with </a:t>
+                </a:r>
+                <a14:m>
+                  <m:oMath xmlns:m="http://schemas.openxmlformats.org/officeDocument/2006/math">
+                    <m:r>
+                      <a:rPr lang="it-IT" sz="1400" i="1" smtClean="0">
+                        <a:latin typeface="Cambria Math" panose="02040503050406030204" pitchFamily="18" charset="0"/>
+                        <a:ea typeface="Cambria Math" panose="02040503050406030204" pitchFamily="18" charset="0"/>
+                      </a:rPr>
+                      <m:t>𝜎</m:t>
+                    </m:r>
+                    <m:r>
+                      <a:rPr lang="it-IT" sz="1400" b="0" i="1" smtClean="0">
+                        <a:latin typeface="Cambria Math" panose="02040503050406030204" pitchFamily="18" charset="0"/>
+                        <a:ea typeface="Cambria Math" panose="02040503050406030204" pitchFamily="18" charset="0"/>
+                      </a:rPr>
+                      <m:t>=</m:t>
+                    </m:r>
+                    <m:rad>
+                      <m:radPr>
+                        <m:degHide m:val="on"/>
+                        <m:ctrlPr>
+                          <a:rPr lang="it-IT" sz="1400" b="0" i="1" smtClean="0">
+                            <a:latin typeface="Cambria Math" panose="02040503050406030204" pitchFamily="18" charset="0"/>
+                            <a:ea typeface="Cambria Math" panose="02040503050406030204" pitchFamily="18" charset="0"/>
+                          </a:rPr>
+                        </m:ctrlPr>
+                      </m:radPr>
+                      <m:deg/>
+                      <m:e>
+                        <m:f>
+                          <m:fPr>
+                            <m:type m:val="lin"/>
+                            <m:ctrlPr>
+                              <a:rPr lang="it-IT" sz="1400" b="0" i="1" smtClean="0">
+                                <a:latin typeface="Cambria Math" panose="02040503050406030204" pitchFamily="18" charset="0"/>
+                                <a:ea typeface="Cambria Math" panose="02040503050406030204" pitchFamily="18" charset="0"/>
+                              </a:rPr>
+                            </m:ctrlPr>
+                          </m:fPr>
+                          <m:num>
+                            <m:r>
+                              <a:rPr lang="it-IT" sz="1400" b="0" i="1" smtClean="0">
+                                <a:latin typeface="Cambria Math" panose="02040503050406030204" pitchFamily="18" charset="0"/>
+                                <a:ea typeface="Cambria Math" panose="02040503050406030204" pitchFamily="18" charset="0"/>
+                              </a:rPr>
+                              <m:t>2</m:t>
+                            </m:r>
+                          </m:num>
+                          <m:den>
+                            <m:r>
+                              <m:rPr>
+                                <m:nor/>
+                              </m:rPr>
+                              <a:rPr lang="it-IT" sz="1400" b="0" i="0" smtClean="0">
+                                <a:latin typeface="Cambria Math" panose="02040503050406030204" pitchFamily="18" charset="0"/>
+                                <a:ea typeface="Cambria Math" panose="02040503050406030204" pitchFamily="18" charset="0"/>
+                              </a:rPr>
+                              <m:t>fan</m:t>
+                            </m:r>
+                            <m:r>
+                              <m:rPr>
+                                <m:nor/>
+                              </m:rPr>
+                              <a:rPr lang="it-IT" sz="1400" b="0" i="0" smtClean="0">
+                                <a:latin typeface="Cambria Math" panose="02040503050406030204" pitchFamily="18" charset="0"/>
+                                <a:ea typeface="Cambria Math" panose="02040503050406030204" pitchFamily="18" charset="0"/>
+                              </a:rPr>
+                              <m:t>_</m:t>
+                            </m:r>
+                            <m:r>
+                              <m:rPr>
+                                <m:nor/>
+                              </m:rPr>
+                              <a:rPr lang="it-IT" sz="1400" b="0" i="0" smtClean="0">
+                                <a:latin typeface="Cambria Math" panose="02040503050406030204" pitchFamily="18" charset="0"/>
+                                <a:ea typeface="Cambria Math" panose="02040503050406030204" pitchFamily="18" charset="0"/>
+                              </a:rPr>
+                              <m:t>in</m:t>
+                            </m:r>
+                          </m:den>
+                        </m:f>
+                      </m:e>
+                    </m:rad>
+                  </m:oMath>
+                </a14:m>
+                <a:r>
+                  <a:rPr lang="it-IT" sz="1400" dirty="0">
+                    <a:latin typeface="+mj-lt"/>
+                  </a:rPr>
+                  <a:t>, </a:t>
+                </a:r>
+                <a:r>
+                  <a:rPr lang="it-IT" sz="1400" dirty="0" err="1">
+                    <a:latin typeface="+mj-lt"/>
+                  </a:rPr>
+                  <a:t>where</a:t>
+                </a:r>
+                <a:r>
+                  <a:rPr lang="it-IT" sz="1400" dirty="0">
+                    <a:latin typeface="+mj-lt"/>
+                  </a:rPr>
+                  <a:t> </a:t>
+                </a:r>
+                <a:r>
+                  <a:rPr lang="it-IT" sz="1400" dirty="0" err="1">
+                    <a:latin typeface="Cambria Math" panose="02040503050406030204" pitchFamily="18" charset="0"/>
+                    <a:ea typeface="Cambria Math" panose="02040503050406030204" pitchFamily="18" charset="0"/>
+                  </a:rPr>
+                  <a:t>fan_in</a:t>
+                </a:r>
+                <a:r>
+                  <a:rPr lang="it-IT" sz="1400" dirty="0">
+                    <a:latin typeface="+mj-lt"/>
+                  </a:rPr>
+                  <a:t> </a:t>
+                </a:r>
+                <a:r>
+                  <a:rPr lang="it-IT" sz="1400" dirty="0" err="1">
+                    <a:latin typeface="Arial" panose="020B0604020202020204" pitchFamily="34" charset="0"/>
+                    <a:cs typeface="Arial" panose="020B0604020202020204" pitchFamily="34" charset="0"/>
+                  </a:rPr>
+                  <a:t>is</a:t>
+                </a:r>
+                <a:r>
+                  <a:rPr lang="it-IT" sz="1400" dirty="0">
+                    <a:latin typeface="Arial" panose="020B0604020202020204" pitchFamily="34" charset="0"/>
+                    <a:cs typeface="Arial" panose="020B0604020202020204" pitchFamily="34" charset="0"/>
+                  </a:rPr>
+                  <a:t> the </a:t>
+                </a:r>
+                <a:r>
+                  <a:rPr lang="it-IT" sz="1400" dirty="0" err="1">
+                    <a:latin typeface="Arial" panose="020B0604020202020204" pitchFamily="34" charset="0"/>
+                    <a:cs typeface="Arial" panose="020B0604020202020204" pitchFamily="34" charset="0"/>
+                  </a:rPr>
+                  <a:t>number</a:t>
+                </a:r>
+                <a:r>
+                  <a:rPr lang="it-IT" sz="1400" dirty="0">
+                    <a:latin typeface="Arial" panose="020B0604020202020204" pitchFamily="34" charset="0"/>
+                    <a:cs typeface="Arial" panose="020B0604020202020204" pitchFamily="34" charset="0"/>
+                  </a:rPr>
+                  <a:t> of incoming connections for </a:t>
+                </a:r>
+                <a:r>
+                  <a:rPr lang="it-IT" sz="1400" dirty="0" err="1">
+                    <a:latin typeface="Arial" panose="020B0604020202020204" pitchFamily="34" charset="0"/>
+                    <a:cs typeface="Arial" panose="020B0604020202020204" pitchFamily="34" charset="0"/>
+                  </a:rPr>
+                  <a:t>each</a:t>
+                </a:r>
+                <a:r>
+                  <a:rPr lang="it-IT" sz="1400" dirty="0">
+                    <a:latin typeface="Arial" panose="020B0604020202020204" pitchFamily="34" charset="0"/>
+                    <a:cs typeface="Arial" panose="020B0604020202020204" pitchFamily="34" charset="0"/>
+                  </a:rPr>
+                  <a:t> weight. </a:t>
+                </a:r>
+              </a:p>
+              <a:p>
+                <a:r>
+                  <a:rPr lang="it-IT" sz="1400" dirty="0">
+                    <a:solidFill>
+                      <a:srgbClr val="FF0000"/>
+                    </a:solidFill>
+                    <a:latin typeface="Arial" panose="020B0604020202020204" pitchFamily="34" charset="0"/>
+                    <a:cs typeface="Arial" panose="020B0604020202020204" pitchFamily="34" charset="0"/>
+                  </a:rPr>
+                  <a:t>The </a:t>
+                </a:r>
+                <a:r>
+                  <a:rPr lang="it-IT" sz="1400" dirty="0" err="1">
+                    <a:solidFill>
+                      <a:srgbClr val="FF0000"/>
+                    </a:solidFill>
+                    <a:latin typeface="Arial" panose="020B0604020202020204" pitchFamily="34" charset="0"/>
+                    <a:cs typeface="Arial" panose="020B0604020202020204" pitchFamily="34" charset="0"/>
+                  </a:rPr>
+                  <a:t>main</a:t>
+                </a:r>
+                <a:r>
+                  <a:rPr lang="it-IT" sz="1400" dirty="0">
+                    <a:solidFill>
+                      <a:srgbClr val="FF0000"/>
+                    </a:solidFill>
+                    <a:latin typeface="Arial" panose="020B0604020202020204" pitchFamily="34" charset="0"/>
+                    <a:cs typeface="Arial" panose="020B0604020202020204" pitchFamily="34" charset="0"/>
+                  </a:rPr>
+                  <a:t> idea </a:t>
+                </a:r>
+                <a:r>
+                  <a:rPr lang="it-IT" sz="1400" dirty="0" err="1">
+                    <a:solidFill>
+                      <a:srgbClr val="FF0000"/>
+                    </a:solidFill>
+                    <a:latin typeface="Arial" panose="020B0604020202020204" pitchFamily="34" charset="0"/>
+                    <a:cs typeface="Arial" panose="020B0604020202020204" pitchFamily="34" charset="0"/>
+                  </a:rPr>
+                  <a:t>is</a:t>
+                </a:r>
+                <a:r>
+                  <a:rPr lang="it-IT" sz="1400" dirty="0">
+                    <a:solidFill>
+                      <a:srgbClr val="FF0000"/>
+                    </a:solidFill>
+                    <a:latin typeface="Arial" panose="020B0604020202020204" pitchFamily="34" charset="0"/>
+                    <a:cs typeface="Arial" panose="020B0604020202020204" pitchFamily="34" charset="0"/>
+                  </a:rPr>
+                  <a:t> to </a:t>
+                </a:r>
+                <a:r>
+                  <a:rPr lang="it-IT" sz="1400" dirty="0" err="1">
+                    <a:solidFill>
+                      <a:srgbClr val="FF0000"/>
+                    </a:solidFill>
+                    <a:latin typeface="Arial" panose="020B0604020202020204" pitchFamily="34" charset="0"/>
+                    <a:cs typeface="Arial" panose="020B0604020202020204" pitchFamily="34" charset="0"/>
+                  </a:rPr>
+                  <a:t>preserve</a:t>
+                </a:r>
+                <a:r>
+                  <a:rPr lang="it-IT" sz="1400" dirty="0">
+                    <a:solidFill>
+                      <a:srgbClr val="FF0000"/>
+                    </a:solidFill>
+                    <a:latin typeface="Arial" panose="020B0604020202020204" pitchFamily="34" charset="0"/>
+                    <a:cs typeface="Arial" panose="020B0604020202020204" pitchFamily="34" charset="0"/>
+                  </a:rPr>
+                  <a:t> the </a:t>
+                </a:r>
+                <a:r>
+                  <a:rPr lang="it-IT" sz="1400" dirty="0" err="1">
+                    <a:solidFill>
+                      <a:srgbClr val="FF0000"/>
+                    </a:solidFill>
+                    <a:latin typeface="Arial" panose="020B0604020202020204" pitchFamily="34" charset="0"/>
+                    <a:cs typeface="Arial" panose="020B0604020202020204" pitchFamily="34" charset="0"/>
+                  </a:rPr>
+                  <a:t>variance</a:t>
+                </a:r>
+                <a:r>
+                  <a:rPr lang="it-IT" sz="1400" dirty="0">
+                    <a:solidFill>
+                      <a:srgbClr val="FF0000"/>
+                    </a:solidFill>
+                    <a:latin typeface="Arial" panose="020B0604020202020204" pitchFamily="34" charset="0"/>
+                    <a:cs typeface="Arial" panose="020B0604020202020204" pitchFamily="34" charset="0"/>
+                  </a:rPr>
+                  <a:t> </a:t>
+                </a:r>
+                <a:r>
+                  <a:rPr lang="it-IT" sz="1400" dirty="0" err="1">
+                    <a:solidFill>
+                      <a:srgbClr val="FF0000"/>
+                    </a:solidFill>
+                    <a:latin typeface="Arial" panose="020B0604020202020204" pitchFamily="34" charset="0"/>
+                    <a:cs typeface="Arial" panose="020B0604020202020204" pitchFamily="34" charset="0"/>
+                  </a:rPr>
+                  <a:t>across</a:t>
+                </a:r>
+                <a:r>
+                  <a:rPr lang="it-IT" sz="1400" dirty="0">
+                    <a:solidFill>
+                      <a:srgbClr val="FF0000"/>
+                    </a:solidFill>
+                    <a:latin typeface="Arial" panose="020B0604020202020204" pitchFamily="34" charset="0"/>
+                    <a:cs typeface="Arial" panose="020B0604020202020204" pitchFamily="34" charset="0"/>
+                  </a:rPr>
+                  <a:t> the </a:t>
+                </a:r>
+                <a:r>
+                  <a:rPr lang="it-IT" sz="1400" dirty="0" err="1">
+                    <a:solidFill>
+                      <a:srgbClr val="FF0000"/>
+                    </a:solidFill>
+                    <a:latin typeface="Arial" panose="020B0604020202020204" pitchFamily="34" charset="0"/>
+                    <a:cs typeface="Arial" panose="020B0604020202020204" pitchFamily="34" charset="0"/>
+                  </a:rPr>
+                  <a:t>layers</a:t>
+                </a:r>
+                <a:r>
+                  <a:rPr lang="it-IT" sz="1400" dirty="0">
+                    <a:solidFill>
+                      <a:srgbClr val="FF0000"/>
+                    </a:solidFill>
+                    <a:latin typeface="Arial" panose="020B0604020202020204" pitchFamily="34" charset="0"/>
+                    <a:cs typeface="Arial" panose="020B0604020202020204" pitchFamily="34" charset="0"/>
+                  </a:rPr>
+                  <a:t>, and </a:t>
+                </a:r>
+                <a:r>
+                  <a:rPr lang="it-IT" sz="1400" dirty="0" err="1">
+                    <a:solidFill>
+                      <a:srgbClr val="FF0000"/>
+                    </a:solidFill>
+                    <a:latin typeface="Arial" panose="020B0604020202020204" pitchFamily="34" charset="0"/>
+                    <a:cs typeface="Arial" panose="020B0604020202020204" pitchFamily="34" charset="0"/>
+                  </a:rPr>
+                  <a:t>this</a:t>
+                </a:r>
+                <a:r>
+                  <a:rPr lang="it-IT" sz="1400" dirty="0">
+                    <a:solidFill>
+                      <a:srgbClr val="FF0000"/>
+                    </a:solidFill>
+                    <a:latin typeface="Arial" panose="020B0604020202020204" pitchFamily="34" charset="0"/>
+                    <a:cs typeface="Arial" panose="020B0604020202020204" pitchFamily="34" charset="0"/>
+                  </a:rPr>
+                  <a:t> leads to the </a:t>
+                </a:r>
+                <a:r>
+                  <a:rPr lang="it-IT" sz="1400" dirty="0" err="1">
+                    <a:solidFill>
+                      <a:srgbClr val="FF0000"/>
+                    </a:solidFill>
+                    <a:latin typeface="Arial" panose="020B0604020202020204" pitchFamily="34" charset="0"/>
+                    <a:cs typeface="Arial" panose="020B0604020202020204" pitchFamily="34" charset="0"/>
+                  </a:rPr>
+                  <a:t>wights</a:t>
+                </a:r>
+                <a:r>
+                  <a:rPr lang="it-IT" sz="1400" dirty="0">
+                    <a:solidFill>
+                      <a:srgbClr val="FF0000"/>
+                    </a:solidFill>
+                    <a:latin typeface="Arial" panose="020B0604020202020204" pitchFamily="34" charset="0"/>
+                    <a:cs typeface="Arial" panose="020B0604020202020204" pitchFamily="34" charset="0"/>
+                  </a:rPr>
+                  <a:t> </a:t>
+                </a:r>
+                <a:r>
+                  <a:rPr lang="it-IT" sz="1400" dirty="0" err="1">
+                    <a:solidFill>
+                      <a:srgbClr val="FF0000"/>
+                    </a:solidFill>
+                    <a:latin typeface="Arial" panose="020B0604020202020204" pitchFamily="34" charset="0"/>
+                    <a:cs typeface="Arial" panose="020B0604020202020204" pitchFamily="34" charset="0"/>
+                  </a:rPr>
+                  <a:t>having</a:t>
+                </a:r>
+                <a:r>
+                  <a:rPr lang="it-IT" sz="1400" dirty="0">
+                    <a:solidFill>
+                      <a:srgbClr val="FF0000"/>
+                    </a:solidFill>
+                    <a:latin typeface="Arial" panose="020B0604020202020204" pitchFamily="34" charset="0"/>
+                    <a:cs typeface="Arial" panose="020B0604020202020204" pitchFamily="34" charset="0"/>
+                  </a:rPr>
+                  <a:t> </a:t>
+                </a:r>
+                <a:r>
+                  <a:rPr lang="it-IT" sz="1400" dirty="0" err="1">
+                    <a:solidFill>
+                      <a:srgbClr val="FF0000"/>
+                    </a:solidFill>
+                    <a:latin typeface="Arial" panose="020B0604020202020204" pitchFamily="34" charset="0"/>
+                    <a:cs typeface="Arial" panose="020B0604020202020204" pitchFamily="34" charset="0"/>
+                  </a:rPr>
+                  <a:t>that</a:t>
+                </a:r>
+                <a:r>
+                  <a:rPr lang="it-IT" sz="1400" dirty="0">
+                    <a:solidFill>
+                      <a:srgbClr val="FF0000"/>
+                    </a:solidFill>
+                    <a:latin typeface="Arial" panose="020B0604020202020204" pitchFamily="34" charset="0"/>
+                    <a:cs typeface="Arial" panose="020B0604020202020204" pitchFamily="34" charset="0"/>
+                  </a:rPr>
+                  <a:t> </a:t>
+                </a:r>
+                <a:r>
+                  <a:rPr lang="it-IT" sz="1400" dirty="0" err="1">
+                    <a:solidFill>
+                      <a:srgbClr val="FF0000"/>
+                    </a:solidFill>
+                    <a:latin typeface="Arial" panose="020B0604020202020204" pitchFamily="34" charset="0"/>
+                    <a:cs typeface="Arial" panose="020B0604020202020204" pitchFamily="34" charset="0"/>
+                  </a:rPr>
+                  <a:t>distribution</a:t>
+                </a:r>
+                <a:r>
+                  <a:rPr lang="it-IT" sz="1400" dirty="0">
+                    <a:solidFill>
+                      <a:srgbClr val="FF0000"/>
+                    </a:solidFill>
+                    <a:latin typeface="Arial" panose="020B0604020202020204" pitchFamily="34" charset="0"/>
+                    <a:cs typeface="Arial" panose="020B0604020202020204" pitchFamily="34" charset="0"/>
+                  </a:rPr>
+                  <a:t>.</a:t>
+                </a:r>
+              </a:p>
+              <a:p>
+                <a:r>
+                  <a:rPr lang="it-IT" sz="1400" dirty="0" err="1">
+                    <a:latin typeface="Arial" panose="020B0604020202020204" pitchFamily="34" charset="0"/>
+                    <a:cs typeface="Arial" panose="020B0604020202020204" pitchFamily="34" charset="0"/>
+                  </a:rPr>
+                  <a:t>This</a:t>
+                </a:r>
+                <a:r>
+                  <a:rPr lang="it-IT" sz="1400" dirty="0">
+                    <a:latin typeface="Arial" panose="020B0604020202020204" pitchFamily="34" charset="0"/>
+                    <a:cs typeface="Arial" panose="020B0604020202020204" pitchFamily="34" charset="0"/>
+                  </a:rPr>
+                  <a:t> strategy </a:t>
+                </a:r>
+                <a:r>
+                  <a:rPr lang="it-IT" sz="1400" dirty="0" err="1">
+                    <a:latin typeface="Arial" panose="020B0604020202020204" pitchFamily="34" charset="0"/>
+                    <a:cs typeface="Arial" panose="020B0604020202020204" pitchFamily="34" charset="0"/>
+                  </a:rPr>
+                  <a:t>is</a:t>
+                </a:r>
+                <a:r>
+                  <a:rPr lang="it-IT" sz="1400" dirty="0">
+                    <a:latin typeface="Arial" panose="020B0604020202020204" pitchFamily="34" charset="0"/>
+                    <a:cs typeface="Arial" panose="020B0604020202020204" pitchFamily="34" charset="0"/>
+                  </a:rPr>
+                  <a:t> </a:t>
+                </a:r>
+                <a:r>
+                  <a:rPr lang="it-IT" sz="1400" dirty="0" err="1">
+                    <a:latin typeface="Arial" panose="020B0604020202020204" pitchFamily="34" charset="0"/>
+                    <a:cs typeface="Arial" panose="020B0604020202020204" pitchFamily="34" charset="0"/>
+                  </a:rPr>
+                  <a:t>tailored</a:t>
+                </a:r>
+                <a:r>
+                  <a:rPr lang="it-IT" sz="1400" dirty="0">
+                    <a:latin typeface="Arial" panose="020B0604020202020204" pitchFamily="34" charset="0"/>
+                    <a:cs typeface="Arial" panose="020B0604020202020204" pitchFamily="34" charset="0"/>
+                  </a:rPr>
+                  <a:t> for </a:t>
+                </a:r>
+                <a:r>
+                  <a:rPr lang="it-IT" sz="1400" dirty="0" err="1">
+                    <a:latin typeface="Arial" panose="020B0604020202020204" pitchFamily="34" charset="0"/>
+                    <a:cs typeface="Arial" panose="020B0604020202020204" pitchFamily="34" charset="0"/>
+                  </a:rPr>
+                  <a:t>layers</a:t>
+                </a:r>
+                <a:r>
+                  <a:rPr lang="it-IT" sz="1400" dirty="0">
+                    <a:latin typeface="Arial" panose="020B0604020202020204" pitchFamily="34" charset="0"/>
+                    <a:cs typeface="Arial" panose="020B0604020202020204" pitchFamily="34" charset="0"/>
+                  </a:rPr>
+                  <a:t> </a:t>
+                </a:r>
+                <a:r>
+                  <a:rPr lang="it-IT" sz="1400" dirty="0" err="1">
+                    <a:latin typeface="Arial" panose="020B0604020202020204" pitchFamily="34" charset="0"/>
+                    <a:cs typeface="Arial" panose="020B0604020202020204" pitchFamily="34" charset="0"/>
+                  </a:rPr>
+                  <a:t>that</a:t>
+                </a:r>
+                <a:r>
+                  <a:rPr lang="it-IT" sz="1400" dirty="0">
+                    <a:latin typeface="Arial" panose="020B0604020202020204" pitchFamily="34" charset="0"/>
+                    <a:cs typeface="Arial" panose="020B0604020202020204" pitchFamily="34" charset="0"/>
+                  </a:rPr>
+                  <a:t> use the </a:t>
+                </a:r>
+                <a:r>
+                  <a:rPr lang="it-IT" sz="1400" dirty="0" err="1">
+                    <a:latin typeface="Consolas" panose="020B0609020204030204" pitchFamily="49" charset="0"/>
+                    <a:cs typeface="Arial" panose="020B0604020202020204" pitchFamily="34" charset="0"/>
+                  </a:rPr>
+                  <a:t>ReLU</a:t>
+                </a:r>
+                <a:r>
+                  <a:rPr lang="it-IT" sz="1400" dirty="0">
+                    <a:latin typeface="Arial" panose="020B0604020202020204" pitchFamily="34" charset="0"/>
+                    <a:cs typeface="Arial" panose="020B0604020202020204" pitchFamily="34" charset="0"/>
+                  </a:rPr>
+                  <a:t> </a:t>
+                </a:r>
+                <a:r>
+                  <a:rPr lang="it-IT" sz="1400" dirty="0" err="1">
+                    <a:latin typeface="Arial" panose="020B0604020202020204" pitchFamily="34" charset="0"/>
+                    <a:cs typeface="Arial" panose="020B0604020202020204" pitchFamily="34" charset="0"/>
+                  </a:rPr>
+                  <a:t>activation</a:t>
+                </a:r>
+                <a:r>
+                  <a:rPr lang="it-IT" sz="1400" dirty="0">
+                    <a:latin typeface="Arial" panose="020B0604020202020204" pitchFamily="34" charset="0"/>
+                    <a:cs typeface="Arial" panose="020B0604020202020204" pitchFamily="34" charset="0"/>
+                  </a:rPr>
+                  <a:t> </a:t>
+                </a:r>
+                <a:r>
+                  <a:rPr lang="it-IT" sz="1400" dirty="0" err="1">
+                    <a:latin typeface="Arial" panose="020B0604020202020204" pitchFamily="34" charset="0"/>
+                    <a:cs typeface="Arial" panose="020B0604020202020204" pitchFamily="34" charset="0"/>
+                  </a:rPr>
+                  <a:t>function</a:t>
+                </a:r>
+                <a:endParaRPr lang="it-IT" sz="1400" dirty="0">
+                  <a:latin typeface="Arial" panose="020B0604020202020204" pitchFamily="34" charset="0"/>
+                  <a:cs typeface="Arial" panose="020B0604020202020204" pitchFamily="34" charset="0"/>
+                </a:endParaRPr>
+              </a:p>
+            </p:txBody>
+          </p:sp>
+        </mc:Choice>
+        <mc:Fallback>
+          <p:sp>
+            <p:nvSpPr>
+              <p:cNvPr id="6" name="CasellaDiTesto 5">
+                <a:extLst>
+                  <a:ext uri="{FF2B5EF4-FFF2-40B4-BE49-F238E27FC236}">
+                    <a16:creationId xmlns:a16="http://schemas.microsoft.com/office/drawing/2014/main" id="{53081EA4-AB5C-4973-40B9-5507A2C7E5EC}"/>
+                  </a:ext>
+                </a:extLst>
+              </p:cNvPr>
+              <p:cNvSpPr txBox="1">
+                <a:spLocks noRot="1" noChangeAspect="1" noMove="1" noResize="1" noEditPoints="1" noAdjustHandles="1" noChangeArrowheads="1" noChangeShapeType="1" noTextEdit="1"/>
+              </p:cNvSpPr>
+              <p:nvPr/>
+            </p:nvSpPr>
+            <p:spPr>
+              <a:xfrm>
+                <a:off x="311760" y="706582"/>
+                <a:ext cx="8520120" cy="1430456"/>
+              </a:xfrm>
+              <a:prstGeom prst="rect">
+                <a:avLst/>
+              </a:prstGeom>
+              <a:blipFill>
+                <a:blip r:embed="rId4"/>
+                <a:stretch>
+                  <a:fillRect l="-215" t="-2128" b="-2979"/>
+                </a:stretch>
+              </a:blipFill>
+            </p:spPr>
+            <p:txBody>
+              <a:bodyPr/>
+              <a:lstStyle/>
+              <a:p>
+                <a:r>
+                  <a:rPr lang="it-IT">
+                    <a:noFill/>
+                  </a:rPr>
+                  <a:t> </a:t>
+                </a:r>
+              </a:p>
+            </p:txBody>
+          </p:sp>
+        </mc:Fallback>
+      </mc:AlternateContent>
+    </p:spTree>
+  </p:cSld>
+  <p:clrMapOvr>
+    <a:masterClrMapping/>
+  </p:clrMapOvr>
+</p:sld>
+</file>
+
+<file path=ppt/slides/slide7.xml><?xml version="1.0" encoding="utf-8"?>
+<p:sld xmlns:a="http://schemas.openxmlformats.org/drawingml/2006/main" xmlns:r="http://schemas.openxmlformats.org/officeDocument/2006/relationships" xmlns:p="http://schemas.openxmlformats.org/presentationml/2006/main">
+  <p:cSld>
+    <p:spTree>
+      <p:nvGrpSpPr>
+        <p:cNvPr id="1" name=""/>
+        <p:cNvGrpSpPr/>
+        <p:nvPr/>
+      </p:nvGrpSpPr>
+      <p:grpSpPr>
+        <a:xfrm>
+          <a:off x="0" y="0"/>
+          <a:ext cx="0" cy="0"/>
+          <a:chOff x="0" y="0"/>
+          <a:chExt cx="0" cy="0"/>
+        </a:xfrm>
+      </p:grpSpPr>
+      <p:sp>
+        <p:nvSpPr>
+          <p:cNvPr id="90" name="PlaceHolder 1"/>
+          <p:cNvSpPr>
+            <a:spLocks noGrp="1"/>
+          </p:cNvSpPr>
+          <p:nvPr>
+            <p:ph type="title"/>
+          </p:nvPr>
+        </p:nvSpPr>
+        <p:spPr>
+          <a:xfrm>
+            <a:off x="311760" y="0"/>
+            <a:ext cx="8520120" cy="572400"/>
+          </a:xfrm>
+          <a:prstGeom prst="rect">
+            <a:avLst/>
+          </a:prstGeom>
+          <a:noFill/>
+          <a:ln w="0">
+            <a:noFill/>
+          </a:ln>
+        </p:spPr>
+        <p:txBody>
+          <a:bodyPr tIns="91440" bIns="91440" anchor="t">
+            <a:normAutofit fontScale="91000"/>
+          </a:bodyPr>
+          <a:lstStyle/>
+          <a:p>
+            <a:pPr>
+              <a:lnSpc>
+                <a:spcPct val="100000"/>
+              </a:lnSpc>
+              <a:buNone/>
+              <a:tabLst>
+                <a:tab pos="0" algn="l"/>
+              </a:tabLst>
+            </a:pPr>
+            <a:r>
+              <a:rPr lang="it" sz="2400" b="0" strike="noStrike" spc="-1" dirty="0">
+                <a:solidFill>
+                  <a:srgbClr val="000000"/>
+                </a:solidFill>
+                <a:latin typeface="Arial" panose="020B0604020202020204" pitchFamily="34" charset="0"/>
+                <a:ea typeface="Arial"/>
+                <a:cs typeface="Arial" panose="020B0604020202020204" pitchFamily="34" charset="0"/>
+              </a:rPr>
+              <a:t>Model</a:t>
+            </a:r>
+            <a:r>
+              <a:rPr lang="it" sz="2400" spc="-1" dirty="0">
+                <a:solidFill>
+                  <a:srgbClr val="000000"/>
+                </a:solidFill>
+                <a:latin typeface="Arial" panose="020B0604020202020204" pitchFamily="34" charset="0"/>
+                <a:ea typeface="Arial"/>
+                <a:cs typeface="Arial" panose="020B0604020202020204" pitchFamily="34" charset="0"/>
+              </a:rPr>
+              <a:t>s novelties (may be more slides)</a:t>
+            </a:r>
+            <a:endParaRPr lang="it-IT" sz="2400" b="0" strike="noStrike" spc="-1" dirty="0">
+              <a:solidFill>
+                <a:srgbClr val="000000"/>
+              </a:solidFill>
+              <a:latin typeface="Arial" panose="020B0604020202020204" pitchFamily="34" charset="0"/>
+              <a:cs typeface="Arial" panose="020B0604020202020204" pitchFamily="34" charset="0"/>
+            </a:endParaRPr>
+          </a:p>
+        </p:txBody>
+      </p:sp>
+      <p:sp>
+        <p:nvSpPr>
+          <p:cNvPr id="92" name="PlaceHolder 3"/>
+          <p:cNvSpPr>
+            <a:spLocks noGrp="1"/>
+          </p:cNvSpPr>
+          <p:nvPr>
+            <p:ph type="sldNum" idx="5"/>
+          </p:nvPr>
+        </p:nvSpPr>
+        <p:spPr>
+          <a:xfrm>
+            <a:off x="8472600" y="4663080"/>
+            <a:ext cx="548280" cy="393120"/>
+          </a:xfrm>
+          <a:prstGeom prst="rect">
+            <a:avLst/>
+          </a:prstGeom>
+          <a:noFill/>
+          <a:ln w="0">
+            <a:noFill/>
+          </a:ln>
+        </p:spPr>
+        <p:txBody>
+          <a:bodyPr tIns="91440" bIns="91440" anchor="ctr">
+            <a:normAutofit/>
+          </a:bodyPr>
+          <a:lstStyle>
+            <a:lvl1pPr algn="r">
+              <a:lnSpc>
+                <a:spcPct val="100000"/>
+              </a:lnSpc>
+              <a:buNone/>
+              <a:tabLst>
+                <a:tab pos="0" algn="l"/>
+              </a:tabLst>
+              <a:defRPr lang="it" sz="1000" b="0" strike="noStrike" spc="-1">
+                <a:solidFill>
+                  <a:srgbClr val="595959"/>
+                </a:solidFill>
+                <a:latin typeface="Arial"/>
+                <a:ea typeface="Arial"/>
+              </a:defRPr>
+            </a:lvl1pPr>
+          </a:lstStyle>
+          <a:p>
+            <a:pPr algn="r">
+              <a:lnSpc>
+                <a:spcPct val="100000"/>
+              </a:lnSpc>
+              <a:buNone/>
+              <a:tabLst>
+                <a:tab pos="0" algn="l"/>
+              </a:tabLst>
+            </a:pPr>
+            <a:fld id="{AFAC1FED-F89A-48EA-A7D9-D975C9644720}" type="slidenum">
+              <a:rPr lang="it" sz="1000" b="0" strike="noStrike" spc="-1">
+                <a:solidFill>
+                  <a:srgbClr val="595959"/>
+                </a:solidFill>
+                <a:latin typeface="Arial"/>
+                <a:ea typeface="Arial"/>
+              </a:rPr>
+              <a:t>7</a:t>
+            </a:fld>
+            <a:endParaRPr lang="it-IT" sz="1000" b="0" strike="noStrike" spc="-1">
+              <a:latin typeface="Times New Roman"/>
+            </a:endParaRPr>
+          </a:p>
+        </p:txBody>
+      </p:sp>
       <p:sp>
         <p:nvSpPr>
           <p:cNvPr id="4" name="CasellaDiTesto 3">
@@ -15413,6 +18478,11 @@
         </p:txBody>
       </p:sp>
     </p:spTree>
+    <p:extLst>
+      <p:ext uri="{BB962C8B-B14F-4D97-AF65-F5344CB8AC3E}">
+        <p14:creationId xmlns:p14="http://schemas.microsoft.com/office/powerpoint/2010/main" val="2650700301"/>
+      </p:ext>
+    </p:extLst>
   </p:cSld>
   <p:clrMapOvr>
     <a:masterClrMapping/>
@@ -15420,7 +18490,7 @@
 </p:sld>
 </file>
 
-<file path=ppt/slides/slide7.xml><?xml version="1.0" encoding="utf-8"?>
+<file path=ppt/slides/slide8.xml><?xml version="1.0" encoding="utf-8"?>
 <p:sld xmlns:a="http://schemas.openxmlformats.org/drawingml/2006/main" xmlns:r="http://schemas.openxmlformats.org/officeDocument/2006/relationships" xmlns:p="http://schemas.openxmlformats.org/presentationml/2006/main">
   <p:cSld>
     <p:spTree>
@@ -15557,7 +18627,7 @@
                 <a:latin typeface="Arial"/>
                 <a:ea typeface="Arial"/>
               </a:rPr>
-              <a:t>7</a:t>
+              <a:t>8</a:t>
             </a:fld>
             <a:endParaRPr lang="it-IT" sz="1000" b="0" strike="noStrike" spc="-1">
               <a:latin typeface="Times New Roman"/>
@@ -15580,7 +18650,7 @@
           <p:nvPr>
             <p:extLst>
               <p:ext uri="{D42A27DB-BD31-4B8C-83A1-F6EECF244321}">
-                <p14:modId xmlns:p14="http://schemas.microsoft.com/office/powerpoint/2010/main" val="4114939151"/>
+                <p14:modId xmlns:p14="http://schemas.microsoft.com/office/powerpoint/2010/main" val="956108811"/>
               </p:ext>
             </p:extLst>
           </p:nvPr>
@@ -15753,22 +18823,24 @@
                     <a:lstStyle/>
                     <a:p>
                       <a:r>
-                        <a:rPr lang="it-IT" sz="1400" i="1" dirty="0"/>
-                        <a:t>Best </a:t>
+                        <a:rPr lang="it-IT" sz="1400" i="0" dirty="0">
+                          <a:latin typeface="Consolas" panose="020B0609020204030204" pitchFamily="49" charset="0"/>
+                        </a:rPr>
+                        <a:t>Poly</a:t>
                       </a:r>
                       <a:r>
-                        <a:rPr lang="it-IT" sz="1400" i="1" dirty="0" err="1"/>
-                        <a:t>hyperparameters</a:t>
-                      </a:r>
-                      <a:r>
-                        <a:rPr lang="it-IT" sz="1400" i="1" dirty="0"/>
+                        <a:rPr lang="it-IT" sz="1400" i="0" dirty="0">
+                          <a:latin typeface="+mj-lt"/>
+                        </a:rPr>
                         <a:t> </a:t>
                       </a:r>
                       <a:r>
-                        <a:rPr lang="it-IT" sz="1400" i="1" dirty="0" err="1"/>
-                        <a:t>values</a:t>
+                        <a:rPr lang="it-IT" sz="1400" i="0" dirty="0">
+                          <a:latin typeface="Arial" panose="020B0604020202020204" pitchFamily="34" charset="0"/>
+                          <a:cs typeface="Arial" panose="020B0604020202020204" pitchFamily="34" charset="0"/>
+                        </a:rPr>
+                        <a:t>/ 1 / 1 / 2 / </a:t>
                       </a:r>
-                      <a:endParaRPr lang="it-IT" sz="1400" i="1" dirty="0"/>
                     </a:p>
                   </a:txBody>
                   <a:tcPr anchor="ctr"/>
@@ -16528,7 +19600,7 @@
 </p:sld>
 </file>
 
-<file path=ppt/slides/slide8.xml><?xml version="1.0" encoding="utf-8"?>
+<file path=ppt/slides/slide9.xml><?xml version="1.0" encoding="utf-8"?>
 <p:sld xmlns:a="http://schemas.openxmlformats.org/drawingml/2006/main" xmlns:r="http://schemas.openxmlformats.org/officeDocument/2006/relationships" xmlns:p="http://schemas.openxmlformats.org/presentationml/2006/main">
   <p:cSld>
     <p:spTree>
@@ -16675,7 +19747,7 @@
                 <a:latin typeface="Arial"/>
                 <a:ea typeface="Arial"/>
               </a:rPr>
-              <a:t>8</a:t>
+              <a:t>9</a:t>
             </a:fld>
             <a:endParaRPr lang="it-IT" sz="1000" b="0" strike="noStrike" spc="-1">
               <a:latin typeface="Times New Roman"/>
@@ -17249,289 +20321,6 @@
         <p14:creationId xmlns:p14="http://schemas.microsoft.com/office/powerpoint/2010/main" val="2836654962"/>
       </p:ext>
     </p:extLst>
-  </p:cSld>
-  <p:clrMapOvr>
-    <a:masterClrMapping/>
-  </p:clrMapOvr>
-</p:sld>
-</file>
-
-<file path=ppt/slides/slide9.xml><?xml version="1.0" encoding="utf-8"?>
-<p:sld xmlns:a="http://schemas.openxmlformats.org/drawingml/2006/main" xmlns:r="http://schemas.openxmlformats.org/officeDocument/2006/relationships" xmlns:p="http://schemas.openxmlformats.org/presentationml/2006/main">
-  <p:cSld>
-    <p:spTree>
-      <p:nvGrpSpPr>
-        <p:cNvPr id="1" name=""/>
-        <p:cNvGrpSpPr/>
-        <p:nvPr/>
-      </p:nvGrpSpPr>
-      <p:grpSpPr>
-        <a:xfrm>
-          <a:off x="0" y="0"/>
-          <a:ext cx="0" cy="0"/>
-          <a:chOff x="0" y="0"/>
-          <a:chExt cx="0" cy="0"/>
-        </a:xfrm>
-      </p:grpSpPr>
-      <p:sp>
-        <p:nvSpPr>
-          <p:cNvPr id="97" name="PlaceHolder 1"/>
-          <p:cNvSpPr>
-            <a:spLocks noGrp="1"/>
-          </p:cNvSpPr>
-          <p:nvPr>
-            <p:ph type="title"/>
-          </p:nvPr>
-        </p:nvSpPr>
-        <p:spPr>
-          <a:xfrm>
-            <a:off x="311760" y="2700"/>
-            <a:ext cx="8520120" cy="572400"/>
-          </a:xfrm>
-          <a:prstGeom prst="rect">
-            <a:avLst/>
-          </a:prstGeom>
-          <a:noFill/>
-          <a:ln w="0">
-            <a:noFill/>
-          </a:ln>
-        </p:spPr>
-        <p:txBody>
-          <a:bodyPr tIns="91440" bIns="91440" anchor="t">
-            <a:normAutofit fontScale="90000"/>
-          </a:bodyPr>
-          <a:lstStyle/>
-          <a:p>
-            <a:pPr>
-              <a:lnSpc>
-                <a:spcPct val="100000"/>
-              </a:lnSpc>
-              <a:buNone/>
-              <a:tabLst>
-                <a:tab pos="0" algn="l"/>
-              </a:tabLst>
-            </a:pPr>
-            <a:r>
-              <a:rPr lang="it" sz="2700" b="0" strike="noStrike" spc="-1" dirty="0">
-                <a:solidFill>
-                  <a:srgbClr val="000000"/>
-                </a:solidFill>
-                <a:latin typeface="Arial"/>
-                <a:ea typeface="Arial"/>
-              </a:rPr>
-              <a:t>Monk Results:</a:t>
-            </a:r>
-            <a:r>
-              <a:rPr lang="it" sz="2700" spc="-1" dirty="0">
-                <a:solidFill>
-                  <a:srgbClr val="000000"/>
-                </a:solidFill>
-                <a:latin typeface="Arial"/>
-                <a:ea typeface="Arial"/>
-              </a:rPr>
-              <a:t> Plots – 1 </a:t>
-            </a:r>
-            <a:r>
-              <a:rPr lang="it" sz="2700" spc="-1" dirty="0">
-                <a:solidFill>
-                  <a:srgbClr val="FF0000"/>
-                </a:solidFill>
-                <a:latin typeface="Arial"/>
-                <a:ea typeface="Arial"/>
-              </a:rPr>
-              <a:t>DA FARE</a:t>
-            </a:r>
-            <a:endParaRPr lang="it-IT" sz="2800" b="0" strike="noStrike" spc="-1" dirty="0">
-              <a:solidFill>
-                <a:srgbClr val="FF0000"/>
-              </a:solidFill>
-              <a:latin typeface="Arial"/>
-            </a:endParaRPr>
-          </a:p>
-        </p:txBody>
-      </p:sp>
-      <p:sp>
-        <p:nvSpPr>
-          <p:cNvPr id="100" name="PlaceHolder 3"/>
-          <p:cNvSpPr>
-            <a:spLocks noGrp="1"/>
-          </p:cNvSpPr>
-          <p:nvPr>
-            <p:ph type="sldNum" idx="7"/>
-          </p:nvPr>
-        </p:nvSpPr>
-        <p:spPr>
-          <a:xfrm>
-            <a:off x="8472600" y="4663080"/>
-            <a:ext cx="548280" cy="393120"/>
-          </a:xfrm>
-          <a:prstGeom prst="rect">
-            <a:avLst/>
-          </a:prstGeom>
-          <a:noFill/>
-          <a:ln w="0">
-            <a:noFill/>
-          </a:ln>
-        </p:spPr>
-        <p:txBody>
-          <a:bodyPr tIns="91440" bIns="91440" anchor="ctr">
-            <a:normAutofit/>
-          </a:bodyPr>
-          <a:lstStyle>
-            <a:lvl1pPr algn="r">
-              <a:lnSpc>
-                <a:spcPct val="100000"/>
-              </a:lnSpc>
-              <a:buNone/>
-              <a:tabLst>
-                <a:tab pos="0" algn="l"/>
-              </a:tabLst>
-              <a:defRPr lang="it" sz="1000" b="0" strike="noStrike" spc="-1">
-                <a:solidFill>
-                  <a:srgbClr val="595959"/>
-                </a:solidFill>
-                <a:latin typeface="Arial"/>
-                <a:ea typeface="Arial"/>
-              </a:defRPr>
-            </a:lvl1pPr>
-          </a:lstStyle>
-          <a:p>
-            <a:pPr algn="r">
-              <a:lnSpc>
-                <a:spcPct val="100000"/>
-              </a:lnSpc>
-              <a:buNone/>
-              <a:tabLst>
-                <a:tab pos="0" algn="l"/>
-              </a:tabLst>
-            </a:pPr>
-            <a:fld id="{75C65507-15BA-480B-A2F8-91DEDD4DCA22}" type="slidenum">
-              <a:rPr lang="it" sz="1000" b="0" strike="noStrike" spc="-1">
-                <a:solidFill>
-                  <a:srgbClr val="595959"/>
-                </a:solidFill>
-                <a:latin typeface="Arial"/>
-                <a:ea typeface="Arial"/>
-              </a:rPr>
-              <a:t>9</a:t>
-            </a:fld>
-            <a:endParaRPr lang="it-IT" sz="1000" b="0" strike="noStrike" spc="-1">
-              <a:latin typeface="Times New Roman"/>
-            </a:endParaRPr>
-          </a:p>
-        </p:txBody>
-      </p:sp>
-      <p:sp>
-        <p:nvSpPr>
-          <p:cNvPr id="2" name="CasellaDiTesto 1">
-            <a:extLst>
-              <a:ext uri="{FF2B5EF4-FFF2-40B4-BE49-F238E27FC236}">
-                <a16:creationId xmlns:a16="http://schemas.microsoft.com/office/drawing/2014/main" id="{514DA6D7-39AB-9E4A-2149-602BE3613606}"/>
-              </a:ext>
-            </a:extLst>
-          </p:cNvPr>
-          <p:cNvSpPr txBox="1"/>
-          <p:nvPr/>
-        </p:nvSpPr>
-        <p:spPr>
-          <a:xfrm>
-            <a:off x="311760" y="921124"/>
-            <a:ext cx="8160840" cy="738664"/>
-          </a:xfrm>
-          <a:prstGeom prst="rect">
-            <a:avLst/>
-          </a:prstGeom>
-          <a:noFill/>
-        </p:spPr>
-        <p:txBody>
-          <a:bodyPr wrap="square" rtlCol="0">
-            <a:spAutoFit/>
-          </a:bodyPr>
-          <a:lstStyle/>
-          <a:p>
-            <a:r>
-              <a:rPr lang="it-IT" sz="1400" dirty="0"/>
-              <a:t>Per i tre task del </a:t>
-            </a:r>
-            <a:r>
-              <a:rPr lang="it-IT" sz="1400" dirty="0" err="1"/>
-              <a:t>monk</a:t>
-            </a:r>
-            <a:r>
-              <a:rPr lang="it-IT" sz="1400" dirty="0"/>
-              <a:t>, vuole la learning curve (su TR set e TS set) (MSE per epoca, nel caso di </a:t>
-            </a:r>
-            <a:r>
-              <a:rPr lang="it-IT" sz="1400" dirty="0" err="1"/>
-              <a:t>sgd</a:t>
-            </a:r>
-            <a:r>
-              <a:rPr lang="it-IT" sz="1400" dirty="0"/>
-              <a:t>/</a:t>
-            </a:r>
-            <a:r>
-              <a:rPr lang="it-IT" sz="1400" dirty="0" err="1"/>
-              <a:t>minibatch</a:t>
-            </a:r>
-            <a:r>
-              <a:rPr lang="it-IT" sz="1400" dirty="0"/>
-              <a:t> vuole che ogni punto corrisponda alla media sull’epoca a cui tale punto si riferisce. Mi sa che le librerie calcolano ciò da sole?)</a:t>
-            </a:r>
-          </a:p>
-        </p:txBody>
-      </p:sp>
-      <p:sp>
-        <p:nvSpPr>
-          <p:cNvPr id="3" name="CasellaDiTesto 2">
-            <a:extLst>
-              <a:ext uri="{FF2B5EF4-FFF2-40B4-BE49-F238E27FC236}">
-                <a16:creationId xmlns:a16="http://schemas.microsoft.com/office/drawing/2014/main" id="{80658CF0-E730-C2EB-9FE8-FEF7B463973B}"/>
-              </a:ext>
-            </a:extLst>
-          </p:cNvPr>
-          <p:cNvSpPr txBox="1"/>
-          <p:nvPr/>
-        </p:nvSpPr>
-        <p:spPr>
-          <a:xfrm>
-            <a:off x="311760" y="2128922"/>
-            <a:ext cx="8160840" cy="646331"/>
-          </a:xfrm>
-          <a:prstGeom prst="rect">
-            <a:avLst/>
-          </a:prstGeom>
-          <a:noFill/>
-        </p:spPr>
-        <p:txBody>
-          <a:bodyPr wrap="square" rtlCol="0">
-            <a:spAutoFit/>
-          </a:bodyPr>
-          <a:lstStyle/>
-          <a:p>
-            <a:r>
-              <a:rPr lang="it-IT" dirty="0"/>
-              <a:t>Per i tre task del </a:t>
-            </a:r>
-            <a:r>
-              <a:rPr lang="it-IT" dirty="0" err="1"/>
-              <a:t>monk</a:t>
-            </a:r>
-            <a:r>
-              <a:rPr lang="it-IT" dirty="0"/>
-              <a:t>, bisogna anche plottare l’</a:t>
-            </a:r>
-            <a:r>
-              <a:rPr lang="it-IT" dirty="0" err="1"/>
-              <a:t>accuracy</a:t>
-            </a:r>
-            <a:r>
-              <a:rPr lang="it-IT" dirty="0"/>
-              <a:t> (su TR set e TS set) ma su un grafico diverso.</a:t>
-            </a:r>
-          </a:p>
-        </p:txBody>
-      </p:sp>
-    </p:spTree>
   </p:cSld>
   <p:clrMapOvr>
     <a:masterClrMapping/>

--- a/relazione/ML-2023-PRJ-Slides-Demo.pptx
+++ b/relazione/ML-2023-PRJ-Slides-Demo.pptx
@@ -6,7 +6,7 @@
     <p:sldMasterId id="2147483661" r:id="rId2"/>
   </p:sldMasterIdLst>
   <p:notesMasterIdLst>
-    <p:notesMasterId r:id="rId32"/>
+    <p:notesMasterId r:id="rId33"/>
   </p:notesMasterIdLst>
   <p:sldIdLst>
     <p:sldId id="256" r:id="rId3"/>
@@ -20,24 +20,25 @@
     <p:sldId id="261" r:id="rId11"/>
     <p:sldId id="276" r:id="rId12"/>
     <p:sldId id="262" r:id="rId13"/>
-    <p:sldId id="263" r:id="rId14"/>
-    <p:sldId id="269" r:id="rId15"/>
-    <p:sldId id="278" r:id="rId16"/>
-    <p:sldId id="270" r:id="rId17"/>
-    <p:sldId id="264" r:id="rId18"/>
-    <p:sldId id="274" r:id="rId19"/>
-    <p:sldId id="272" r:id="rId20"/>
-    <p:sldId id="275" r:id="rId21"/>
-    <p:sldId id="265" r:id="rId22"/>
-    <p:sldId id="266" r:id="rId23"/>
-    <p:sldId id="273" r:id="rId24"/>
-    <p:sldId id="277" r:id="rId25"/>
-    <p:sldId id="268" r:id="rId26"/>
-    <p:sldId id="282" r:id="rId27"/>
-    <p:sldId id="283" r:id="rId28"/>
-    <p:sldId id="281" r:id="rId29"/>
-    <p:sldId id="284" r:id="rId30"/>
-    <p:sldId id="286" r:id="rId31"/>
+    <p:sldId id="287" r:id="rId14"/>
+    <p:sldId id="263" r:id="rId15"/>
+    <p:sldId id="269" r:id="rId16"/>
+    <p:sldId id="278" r:id="rId17"/>
+    <p:sldId id="270" r:id="rId18"/>
+    <p:sldId id="264" r:id="rId19"/>
+    <p:sldId id="274" r:id="rId20"/>
+    <p:sldId id="272" r:id="rId21"/>
+    <p:sldId id="275" r:id="rId22"/>
+    <p:sldId id="265" r:id="rId23"/>
+    <p:sldId id="266" r:id="rId24"/>
+    <p:sldId id="273" r:id="rId25"/>
+    <p:sldId id="277" r:id="rId26"/>
+    <p:sldId id="268" r:id="rId27"/>
+    <p:sldId id="282" r:id="rId28"/>
+    <p:sldId id="283" r:id="rId29"/>
+    <p:sldId id="281" r:id="rId30"/>
+    <p:sldId id="284" r:id="rId31"/>
+    <p:sldId id="286" r:id="rId32"/>
   </p:sldIdLst>
   <p:sldSz cx="9144000" cy="5143500" type="screen16x9"/>
   <p:notesSz cx="6858000" cy="9144000"/>
@@ -226,7 +227,7 @@
           <a:p>
             <a:fld id="{6A71CC8E-465E-46C0-91CA-2080D1264305}" type="datetimeFigureOut">
               <a:rPr lang="it-IT" smtClean="0"/>
-              <a:t>20/01/2024</a:t>
+              <a:t>22/01/2024</a:t>
             </a:fld>
             <a:endParaRPr lang="it-IT"/>
           </a:p>
@@ -6968,6 +6969,53 @@
           </a:ln>
         </p:spPr>
       </p:pic>
+      <p:sp>
+        <p:nvSpPr>
+          <p:cNvPr id="2" name="CasellaDiTesto 1">
+            <a:extLst>
+              <a:ext uri="{FF2B5EF4-FFF2-40B4-BE49-F238E27FC236}">
+                <a16:creationId xmlns:a16="http://schemas.microsoft.com/office/drawing/2014/main" id="{06257285-26F0-6D40-8997-2577FA7B9D15}"/>
+              </a:ext>
+            </a:extLst>
+          </p:cNvPr>
+          <p:cNvSpPr txBox="1"/>
+          <p:nvPr/>
+        </p:nvSpPr>
+        <p:spPr>
+          <a:xfrm>
+            <a:off x="311760" y="3433257"/>
+            <a:ext cx="8520120" cy="307777"/>
+          </a:xfrm>
+          <a:prstGeom prst="rect">
+            <a:avLst/>
+          </a:prstGeom>
+          <a:noFill/>
+        </p:spPr>
+        <p:txBody>
+          <a:bodyPr wrap="square" rtlCol="0">
+            <a:spAutoFit/>
+          </a:bodyPr>
+          <a:lstStyle/>
+          <a:p>
+            <a:r>
+              <a:rPr lang="it-IT" sz="1400" dirty="0" err="1">
+                <a:solidFill>
+                  <a:srgbClr val="FF0000"/>
+                </a:solidFill>
+              </a:rPr>
+              <a:t>Retrainings</a:t>
+            </a:r>
+            <a:r>
+              <a:rPr lang="it-IT" sz="1400" dirty="0">
+                <a:solidFill>
+                  <a:srgbClr val="FF0000"/>
+                </a:solidFill>
+              </a:rPr>
+              <a:t>?</a:t>
+            </a:r>
+          </a:p>
+        </p:txBody>
+      </p:sp>
     </p:spTree>
   </p:cSld>
   <p:clrMapOvr>
@@ -7087,112 +7135,6 @@
               </a:solidFill>
               <a:latin typeface="Arial"/>
             </a:endParaRPr>
-          </a:p>
-        </p:txBody>
-      </p:sp>
-      <p:sp>
-        <p:nvSpPr>
-          <p:cNvPr id="106" name="PlaceHolder 2"/>
-          <p:cNvSpPr>
-            <a:spLocks noGrp="1"/>
-          </p:cNvSpPr>
-          <p:nvPr>
-            <p:ph/>
-          </p:nvPr>
-        </p:nvSpPr>
-        <p:spPr>
-          <a:xfrm>
-            <a:off x="311368" y="1907714"/>
-            <a:ext cx="8435372" cy="1193670"/>
-          </a:xfrm>
-          <a:prstGeom prst="rect">
-            <a:avLst/>
-          </a:prstGeom>
-          <a:noFill/>
-          <a:ln w="0">
-            <a:noFill/>
-          </a:ln>
-        </p:spPr>
-        <p:txBody>
-          <a:bodyPr tIns="91440" bIns="91440" anchor="t">
-            <a:normAutofit/>
-          </a:bodyPr>
-          <a:lstStyle/>
-          <a:p>
-            <a:pPr marL="285750" indent="-285750">
-              <a:lnSpc>
-                <a:spcPct val="115000"/>
-              </a:lnSpc>
-              <a:buFont typeface="Arial" panose="020B0604020202020204" pitchFamily="34" charset="0"/>
-              <a:buChar char="•"/>
-              <a:tabLst>
-                <a:tab pos="0" algn="l"/>
-              </a:tabLst>
-            </a:pPr>
-            <a:r>
-              <a:rPr lang="it-IT" sz="1400" dirty="0">
-                <a:solidFill>
-                  <a:srgbClr val="FF0000"/>
-                </a:solidFill>
-              </a:rPr>
-              <a:t>Se sono stati fatti dei test preliminari, delle esplorazioni, possiamo parlarne in maniera molto sintetica (magari qualche esplorazione un po’ random ha aiutato a restringere il dominio della </a:t>
-            </a:r>
-            <a:r>
-              <a:rPr lang="it-IT" sz="1400" dirty="0" err="1">
-                <a:solidFill>
-                  <a:srgbClr val="FF0000"/>
-                </a:solidFill>
-              </a:rPr>
-              <a:t>grid</a:t>
-            </a:r>
-            <a:r>
-              <a:rPr lang="it-IT" sz="1400" dirty="0">
-                <a:solidFill>
-                  <a:srgbClr val="FF0000"/>
-                </a:solidFill>
-              </a:rPr>
-              <a:t> </a:t>
-            </a:r>
-            <a:r>
-              <a:rPr lang="it-IT" sz="1400" dirty="0" err="1">
-                <a:solidFill>
-                  <a:srgbClr val="FF0000"/>
-                </a:solidFill>
-              </a:rPr>
-              <a:t>search</a:t>
-            </a:r>
-            <a:r>
-              <a:rPr lang="it-IT" sz="1400" dirty="0">
-                <a:solidFill>
-                  <a:srgbClr val="FF0000"/>
-                </a:solidFill>
-              </a:rPr>
-              <a:t>).</a:t>
-            </a:r>
-          </a:p>
-          <a:p>
-            <a:pPr marL="285750" indent="-285750">
-              <a:lnSpc>
-                <a:spcPct val="115000"/>
-              </a:lnSpc>
-              <a:buFont typeface="Arial" panose="020B0604020202020204" pitchFamily="34" charset="0"/>
-              <a:buChar char="•"/>
-              <a:tabLst>
-                <a:tab pos="0" algn="l"/>
-              </a:tabLst>
-            </a:pPr>
-            <a:r>
-              <a:rPr lang="it-IT" sz="1400" dirty="0"/>
-              <a:t>Alcuni commenti sulla «locazione» degli </a:t>
-            </a:r>
-            <a:r>
-              <a:rPr lang="it-IT" sz="1400" dirty="0" err="1"/>
-              <a:t>iperparametri</a:t>
-            </a:r>
-            <a:r>
-              <a:rPr lang="it-IT" sz="1400" dirty="0"/>
-              <a:t> (ad esempio: intervallo di ricerca, se in quell’intervallo sono disposti in maniera uniforme o tipo 10^(-i), se c’è un perché…).</a:t>
-            </a:r>
           </a:p>
         </p:txBody>
       </p:sp>
@@ -7269,6 +7211,560 @@
       </p:sp>
       <p:sp>
         <p:nvSpPr>
+          <p:cNvPr id="7" name="CasellaDiTesto 6">
+            <a:extLst>
+              <a:ext uri="{FF2B5EF4-FFF2-40B4-BE49-F238E27FC236}">
+                <a16:creationId xmlns:a16="http://schemas.microsoft.com/office/drawing/2014/main" id="{BFA89A81-409B-0BEB-0241-08DF33268AD8}"/>
+              </a:ext>
+            </a:extLst>
+          </p:cNvPr>
+          <p:cNvSpPr txBox="1"/>
+          <p:nvPr/>
+        </p:nvSpPr>
+        <p:spPr>
+          <a:xfrm>
+            <a:off x="311368" y="873875"/>
+            <a:ext cx="8520120" cy="738664"/>
+          </a:xfrm>
+          <a:prstGeom prst="rect">
+            <a:avLst/>
+          </a:prstGeom>
+          <a:noFill/>
+        </p:spPr>
+        <p:txBody>
+          <a:bodyPr wrap="square" rtlCol="0">
+            <a:spAutoFit/>
+          </a:bodyPr>
+          <a:lstStyle/>
+          <a:p>
+            <a:r>
+              <a:rPr lang="it-IT" sz="1400" dirty="0" err="1"/>
+              <a:t>We</a:t>
+            </a:r>
+            <a:r>
+              <a:rPr lang="it-IT" sz="1400" dirty="0"/>
+              <a:t> </a:t>
+            </a:r>
+            <a:r>
+              <a:rPr lang="it-IT" sz="1400" dirty="0" err="1"/>
+              <a:t>ran</a:t>
+            </a:r>
+            <a:r>
+              <a:rPr lang="it-IT" sz="1400" dirty="0"/>
+              <a:t> a full </a:t>
+            </a:r>
+            <a:r>
+              <a:rPr lang="it-IT" sz="1400" dirty="0" err="1"/>
+              <a:t>grid</a:t>
+            </a:r>
+            <a:r>
+              <a:rPr lang="it-IT" sz="1400" dirty="0"/>
+              <a:t> </a:t>
+            </a:r>
+            <a:r>
+              <a:rPr lang="it-IT" sz="1400" dirty="0" err="1"/>
+              <a:t>search</a:t>
+            </a:r>
+            <a:r>
+              <a:rPr lang="it-IT" sz="1400" dirty="0"/>
+              <a:t> for </a:t>
+            </a:r>
+            <a:r>
+              <a:rPr lang="it-IT" sz="1400" dirty="0" err="1"/>
+              <a:t>all</a:t>
+            </a:r>
+            <a:r>
+              <a:rPr lang="it-IT" sz="1400" dirty="0"/>
+              <a:t> the </a:t>
+            </a:r>
+            <a:r>
+              <a:rPr lang="it-IT" sz="1400" dirty="0" err="1"/>
+              <a:t>three</a:t>
+            </a:r>
+            <a:r>
+              <a:rPr lang="it-IT" sz="1400" dirty="0"/>
+              <a:t> models </a:t>
+            </a:r>
+            <a:r>
+              <a:rPr lang="it-IT" sz="1400" dirty="0" err="1"/>
+              <a:t>that</a:t>
+            </a:r>
+            <a:r>
+              <a:rPr lang="it-IT" sz="1400" dirty="0"/>
+              <a:t> </a:t>
+            </a:r>
+            <a:r>
+              <a:rPr lang="it-IT" sz="1400" dirty="0" err="1"/>
+              <a:t>we</a:t>
+            </a:r>
+            <a:r>
+              <a:rPr lang="it-IT" sz="1400" dirty="0"/>
+              <a:t> </a:t>
+            </a:r>
+            <a:r>
+              <a:rPr lang="it-IT" sz="1400" dirty="0" err="1"/>
+              <a:t>considered</a:t>
+            </a:r>
+            <a:r>
+              <a:rPr lang="it-IT" sz="1400" dirty="0"/>
+              <a:t>. </a:t>
+            </a:r>
+          </a:p>
+          <a:p>
+            <a:r>
+              <a:rPr lang="it-IT" sz="1400" dirty="0"/>
+              <a:t>In </a:t>
+            </a:r>
+            <a:r>
+              <a:rPr lang="it-IT" sz="1400" dirty="0" err="1"/>
+              <a:t>addition</a:t>
+            </a:r>
+            <a:r>
+              <a:rPr lang="it-IT" sz="1400" dirty="0"/>
+              <a:t> to </a:t>
+            </a:r>
+            <a:r>
+              <a:rPr lang="it-IT" sz="1400" dirty="0" err="1"/>
+              <a:t>that</a:t>
+            </a:r>
+            <a:r>
+              <a:rPr lang="it-IT" sz="1400" dirty="0"/>
+              <a:t>, </a:t>
+            </a:r>
+            <a:r>
+              <a:rPr lang="it-IT" sz="1400" dirty="0" err="1"/>
+              <a:t>we</a:t>
+            </a:r>
+            <a:r>
+              <a:rPr lang="it-IT" sz="1400" dirty="0"/>
+              <a:t> </a:t>
+            </a:r>
+            <a:r>
+              <a:rPr lang="it-IT" sz="1400" dirty="0" err="1"/>
+              <a:t>used</a:t>
+            </a:r>
+            <a:r>
+              <a:rPr lang="it-IT" sz="1400" dirty="0"/>
+              <a:t> </a:t>
+            </a:r>
+            <a:r>
+              <a:rPr lang="it-IT" sz="1400" dirty="0" err="1"/>
+              <a:t>Optuna</a:t>
+            </a:r>
+            <a:r>
+              <a:rPr lang="it-IT" sz="1400" dirty="0"/>
+              <a:t> (a </a:t>
+            </a:r>
+            <a:r>
+              <a:rPr lang="it-IT" sz="1400" dirty="0" err="1"/>
+              <a:t>hyperparameter</a:t>
+            </a:r>
+            <a:r>
+              <a:rPr lang="it-IT" sz="1400" dirty="0"/>
+              <a:t> </a:t>
+            </a:r>
+            <a:r>
+              <a:rPr lang="it-IT" sz="1400" dirty="0" err="1"/>
+              <a:t>optimization</a:t>
+            </a:r>
+            <a:r>
+              <a:rPr lang="it-IT" sz="1400" dirty="0"/>
+              <a:t> software. See [</a:t>
+            </a:r>
+            <a:r>
+              <a:rPr lang="it-IT" sz="1400" dirty="0">
+                <a:hlinkClick r:id="rId2" action="ppaction://hlinksldjump"/>
+              </a:rPr>
+              <a:t>4</a:t>
+            </a:r>
+            <a:r>
+              <a:rPr lang="it-IT" sz="1400" dirty="0"/>
+              <a:t>] and </a:t>
+            </a:r>
+            <a:r>
+              <a:rPr lang="it-IT" sz="1400" dirty="0" err="1">
+                <a:hlinkClick r:id="rId3" action="ppaction://hlinksldjump"/>
+              </a:rPr>
+              <a:t>Appendix</a:t>
+            </a:r>
+            <a:r>
+              <a:rPr lang="it-IT" sz="1400" dirty="0"/>
+              <a:t>) for the </a:t>
+            </a:r>
+            <a:r>
+              <a:rPr lang="it-IT" sz="1400" dirty="0" err="1"/>
+              <a:t>exploration</a:t>
+            </a:r>
+            <a:r>
+              <a:rPr lang="it-IT" sz="1400" dirty="0"/>
+              <a:t> of the </a:t>
+            </a:r>
+            <a:r>
+              <a:rPr lang="it-IT" sz="1400" dirty="0" err="1"/>
+              <a:t>Neural</a:t>
+            </a:r>
+            <a:r>
+              <a:rPr lang="it-IT" sz="1400" dirty="0"/>
+              <a:t> </a:t>
+            </a:r>
+            <a:r>
+              <a:rPr lang="it-IT" sz="1400" dirty="0" err="1"/>
+              <a:t>Network’s</a:t>
+            </a:r>
+            <a:r>
+              <a:rPr lang="it-IT" sz="1400" dirty="0"/>
+              <a:t> </a:t>
+            </a:r>
+            <a:r>
+              <a:rPr lang="it-IT" sz="1400" dirty="0" err="1"/>
+              <a:t>space</a:t>
+            </a:r>
+            <a:r>
+              <a:rPr lang="it-IT" sz="1400" dirty="0"/>
+              <a:t> of </a:t>
+            </a:r>
+            <a:r>
+              <a:rPr lang="it-IT" sz="1400" dirty="0" err="1"/>
+              <a:t>hyperparameters</a:t>
+            </a:r>
+            <a:r>
+              <a:rPr lang="it-IT" sz="1400" dirty="0"/>
+              <a:t>.</a:t>
+            </a:r>
+            <a:endParaRPr lang="it-IT" sz="1400" dirty="0">
+              <a:solidFill>
+                <a:srgbClr val="FF0000"/>
+              </a:solidFill>
+            </a:endParaRPr>
+          </a:p>
+        </p:txBody>
+      </p:sp>
+    </p:spTree>
+    <p:extLst>
+      <p:ext uri="{BB962C8B-B14F-4D97-AF65-F5344CB8AC3E}">
+        <p14:creationId xmlns:p14="http://schemas.microsoft.com/office/powerpoint/2010/main" val="1020626091"/>
+      </p:ext>
+    </p:extLst>
+  </p:cSld>
+  <p:clrMapOvr>
+    <a:masterClrMapping/>
+  </p:clrMapOvr>
+</p:sld>
+</file>
+
+<file path=ppt/slides/slide13.xml><?xml version="1.0" encoding="utf-8"?>
+<p:sld xmlns:a="http://schemas.openxmlformats.org/drawingml/2006/main" xmlns:r="http://schemas.openxmlformats.org/officeDocument/2006/relationships" xmlns:p="http://schemas.openxmlformats.org/presentationml/2006/main">
+  <p:cSld>
+    <p:spTree>
+      <p:nvGrpSpPr>
+        <p:cNvPr id="1" name=""/>
+        <p:cNvGrpSpPr/>
+        <p:nvPr/>
+      </p:nvGrpSpPr>
+      <p:grpSpPr>
+        <a:xfrm>
+          <a:off x="0" y="0"/>
+          <a:ext cx="0" cy="0"/>
+          <a:chOff x="0" y="0"/>
+          <a:chExt cx="0" cy="0"/>
+        </a:xfrm>
+      </p:grpSpPr>
+      <p:sp>
+        <p:nvSpPr>
+          <p:cNvPr id="105" name="PlaceHolder 1"/>
+          <p:cNvSpPr>
+            <a:spLocks noGrp="1"/>
+          </p:cNvSpPr>
+          <p:nvPr>
+            <p:ph type="title"/>
+          </p:nvPr>
+        </p:nvSpPr>
+        <p:spPr>
+          <a:xfrm>
+            <a:off x="358825" y="2700"/>
+            <a:ext cx="8520120" cy="576000"/>
+          </a:xfrm>
+          <a:prstGeom prst="rect">
+            <a:avLst/>
+          </a:prstGeom>
+          <a:noFill/>
+          <a:ln w="0">
+            <a:noFill/>
+          </a:ln>
+        </p:spPr>
+        <p:txBody>
+          <a:bodyPr tIns="91440" bIns="91440" anchor="t">
+            <a:normAutofit fontScale="91000"/>
+          </a:bodyPr>
+          <a:lstStyle/>
+          <a:p>
+            <a:pPr>
+              <a:lnSpc>
+                <a:spcPct val="100000"/>
+              </a:lnSpc>
+              <a:buNone/>
+              <a:tabLst>
+                <a:tab pos="0" algn="l"/>
+              </a:tabLst>
+            </a:pPr>
+            <a:r>
+              <a:rPr lang="it" sz="2600" b="0" strike="noStrike" spc="-1" dirty="0">
+                <a:solidFill>
+                  <a:srgbClr val="000000"/>
+                </a:solidFill>
+                <a:latin typeface="Arial"/>
+                <a:ea typeface="Arial"/>
+              </a:rPr>
+              <a:t>CUP</a:t>
+            </a:r>
+            <a:r>
+              <a:rPr lang="it" sz="2400" b="0" strike="noStrike" spc="-1" dirty="0">
+                <a:solidFill>
+                  <a:srgbClr val="000000"/>
+                </a:solidFill>
+                <a:latin typeface="Arial"/>
+                <a:ea typeface="Arial"/>
+              </a:rPr>
+              <a:t> </a:t>
+            </a:r>
+            <a:r>
+              <a:rPr lang="it" sz="2600" b="0" strike="noStrike" spc="-1" dirty="0">
+                <a:solidFill>
+                  <a:srgbClr val="000000"/>
+                </a:solidFill>
+                <a:latin typeface="Arial"/>
+                <a:ea typeface="Arial"/>
+              </a:rPr>
+              <a:t>Validation schema: model selection [</a:t>
+            </a:r>
+            <a:r>
+              <a:rPr lang="it" sz="2600" b="0" strike="noStrike" spc="-1" dirty="0">
+                <a:solidFill>
+                  <a:srgbClr val="FF0000"/>
+                </a:solidFill>
+                <a:latin typeface="Arial"/>
+                <a:ea typeface="Arial"/>
+              </a:rPr>
+              <a:t>copia</a:t>
+            </a:r>
+            <a:r>
+              <a:rPr lang="it" sz="2600" b="0" strike="noStrike" spc="-1" dirty="0">
+                <a:solidFill>
+                  <a:srgbClr val="000000"/>
+                </a:solidFill>
+                <a:latin typeface="Arial"/>
+                <a:ea typeface="Arial"/>
+              </a:rPr>
+              <a:t> </a:t>
+            </a:r>
+            <a:r>
+              <a:rPr lang="it" sz="2600" b="0" strike="noStrike" spc="-1" dirty="0">
+                <a:solidFill>
+                  <a:srgbClr val="FF0000"/>
+                </a:solidFill>
+                <a:latin typeface="Arial"/>
+                <a:ea typeface="Arial"/>
+              </a:rPr>
+              <a:t>da riempire</a:t>
+            </a:r>
+            <a:r>
+              <a:rPr lang="it" sz="2600" b="0" strike="noStrike" spc="-1" dirty="0">
+                <a:solidFill>
+                  <a:srgbClr val="000000"/>
+                </a:solidFill>
+                <a:latin typeface="Arial"/>
+                <a:ea typeface="Arial"/>
+              </a:rPr>
+              <a:t>]</a:t>
+            </a:r>
+            <a:endParaRPr lang="it-IT" sz="2400" b="0" strike="noStrike" spc="-1" dirty="0">
+              <a:solidFill>
+                <a:srgbClr val="000000"/>
+              </a:solidFill>
+              <a:latin typeface="Arial"/>
+            </a:endParaRPr>
+          </a:p>
+        </p:txBody>
+      </p:sp>
+      <p:sp>
+        <p:nvSpPr>
+          <p:cNvPr id="106" name="PlaceHolder 2"/>
+          <p:cNvSpPr>
+            <a:spLocks noGrp="1"/>
+          </p:cNvSpPr>
+          <p:nvPr>
+            <p:ph/>
+          </p:nvPr>
+        </p:nvSpPr>
+        <p:spPr>
+          <a:xfrm>
+            <a:off x="311368" y="2728046"/>
+            <a:ext cx="8435372" cy="1027720"/>
+          </a:xfrm>
+          <a:prstGeom prst="rect">
+            <a:avLst/>
+          </a:prstGeom>
+          <a:noFill/>
+          <a:ln w="0">
+            <a:noFill/>
+          </a:ln>
+        </p:spPr>
+        <p:txBody>
+          <a:bodyPr tIns="91440" bIns="91440" anchor="t">
+            <a:normAutofit fontScale="92500" lnSpcReduction="10000"/>
+          </a:bodyPr>
+          <a:lstStyle/>
+          <a:p>
+            <a:pPr marL="285750" indent="-285750">
+              <a:lnSpc>
+                <a:spcPct val="115000"/>
+              </a:lnSpc>
+              <a:buFont typeface="Arial" panose="020B0604020202020204" pitchFamily="34" charset="0"/>
+              <a:buChar char="•"/>
+              <a:tabLst>
+                <a:tab pos="0" algn="l"/>
+              </a:tabLst>
+            </a:pPr>
+            <a:r>
+              <a:rPr lang="it-IT" sz="1400" dirty="0">
+                <a:solidFill>
+                  <a:srgbClr val="FF0000"/>
+                </a:solidFill>
+              </a:rPr>
+              <a:t>Se sono stati fatti dei test preliminari, delle esplorazioni, possiamo parlarne in maniera molto sintetica (magari qualche esplorazione un po’ random ha aiutato a restringere il dominio della </a:t>
+            </a:r>
+            <a:r>
+              <a:rPr lang="it-IT" sz="1400" dirty="0" err="1">
+                <a:solidFill>
+                  <a:srgbClr val="FF0000"/>
+                </a:solidFill>
+              </a:rPr>
+              <a:t>grid</a:t>
+            </a:r>
+            <a:r>
+              <a:rPr lang="it-IT" sz="1400" dirty="0">
+                <a:solidFill>
+                  <a:srgbClr val="FF0000"/>
+                </a:solidFill>
+              </a:rPr>
+              <a:t> </a:t>
+            </a:r>
+            <a:r>
+              <a:rPr lang="it-IT" sz="1400" dirty="0" err="1">
+                <a:solidFill>
+                  <a:srgbClr val="FF0000"/>
+                </a:solidFill>
+              </a:rPr>
+              <a:t>search</a:t>
+            </a:r>
+            <a:r>
+              <a:rPr lang="it-IT" sz="1400" dirty="0">
+                <a:solidFill>
+                  <a:srgbClr val="FF0000"/>
+                </a:solidFill>
+              </a:rPr>
+              <a:t>).</a:t>
+            </a:r>
+          </a:p>
+          <a:p>
+            <a:pPr marL="285750" indent="-285750">
+              <a:lnSpc>
+                <a:spcPct val="115000"/>
+              </a:lnSpc>
+              <a:buFont typeface="Arial" panose="020B0604020202020204" pitchFamily="34" charset="0"/>
+              <a:buChar char="•"/>
+              <a:tabLst>
+                <a:tab pos="0" algn="l"/>
+              </a:tabLst>
+            </a:pPr>
+            <a:r>
+              <a:rPr lang="it-IT" sz="1400" dirty="0"/>
+              <a:t>Alcuni commenti sulla «locazione» degli </a:t>
+            </a:r>
+            <a:r>
+              <a:rPr lang="it-IT" sz="1400" dirty="0" err="1"/>
+              <a:t>iperparametri</a:t>
+            </a:r>
+            <a:r>
+              <a:rPr lang="it-IT" sz="1400" dirty="0"/>
+              <a:t> (ad esempio: intervallo di ricerca, se in quell’intervallo sono disposti in maniera uniforme o tipo 10^(-i), se c’è un perché…).</a:t>
+            </a:r>
+          </a:p>
+        </p:txBody>
+      </p:sp>
+      <p:sp>
+        <p:nvSpPr>
+          <p:cNvPr id="107" name="PlaceHolder 3"/>
+          <p:cNvSpPr>
+            <a:spLocks noGrp="1"/>
+          </p:cNvSpPr>
+          <p:nvPr>
+            <p:ph type="sldNum" idx="9"/>
+          </p:nvPr>
+        </p:nvSpPr>
+        <p:spPr>
+          <a:xfrm>
+            <a:off x="8472600" y="4663080"/>
+            <a:ext cx="548280" cy="393120"/>
+          </a:xfrm>
+          <a:prstGeom prst="rect">
+            <a:avLst/>
+          </a:prstGeom>
+          <a:noFill/>
+          <a:ln w="0">
+            <a:noFill/>
+          </a:ln>
+        </p:spPr>
+        <p:txBody>
+          <a:bodyPr tIns="91440" bIns="91440" anchor="ctr">
+            <a:normAutofit/>
+          </a:bodyPr>
+          <a:lstStyle>
+            <a:lvl1pPr algn="r">
+              <a:lnSpc>
+                <a:spcPct val="100000"/>
+              </a:lnSpc>
+              <a:buNone/>
+              <a:tabLst>
+                <a:tab pos="0" algn="l"/>
+              </a:tabLst>
+              <a:defRPr lang="it" sz="1000" b="0" strike="noStrike" spc="-1">
+                <a:solidFill>
+                  <a:srgbClr val="595959"/>
+                </a:solidFill>
+                <a:latin typeface="Arial"/>
+                <a:ea typeface="Arial"/>
+              </a:defRPr>
+            </a:lvl1pPr>
+          </a:lstStyle>
+          <a:p>
+            <a:pPr algn="r">
+              <a:lnSpc>
+                <a:spcPct val="100000"/>
+              </a:lnSpc>
+              <a:buNone/>
+              <a:tabLst>
+                <a:tab pos="0" algn="l"/>
+              </a:tabLst>
+            </a:pPr>
+            <a:fld id="{A33BCEE6-A49C-4B73-BD56-E47521C0CF2F}" type="slidenum">
+              <a:rPr lang="it" sz="1000" b="0" strike="noStrike" spc="-1">
+                <a:solidFill>
+                  <a:srgbClr val="595959"/>
+                </a:solidFill>
+                <a:latin typeface="Arial"/>
+                <a:ea typeface="Arial"/>
+              </a:rPr>
+              <a:t>13</a:t>
+            </a:fld>
+            <a:endParaRPr lang="it-IT" sz="1000" b="0" strike="noStrike" spc="-1">
+              <a:latin typeface="Times New Roman"/>
+            </a:endParaRPr>
+          </a:p>
+        </p:txBody>
+      </p:sp>
+      <p:sp>
+        <p:nvSpPr>
           <p:cNvPr id="2" name="CasellaDiTesto 1">
             <a:extLst>
               <a:ext uri="{FF2B5EF4-FFF2-40B4-BE49-F238E27FC236}">
@@ -7281,7 +7777,7 @@
         </p:nvSpPr>
         <p:spPr>
           <a:xfrm>
-            <a:off x="311368" y="3603812"/>
+            <a:off x="311368" y="4007224"/>
             <a:ext cx="8435372" cy="738664"/>
           </a:xfrm>
           <a:prstGeom prst="rect">
@@ -7311,236 +7807,6 @@
           </a:p>
         </p:txBody>
       </p:sp>
-      <p:sp>
-        <p:nvSpPr>
-          <p:cNvPr id="7" name="CasellaDiTesto 6">
-            <a:extLst>
-              <a:ext uri="{FF2B5EF4-FFF2-40B4-BE49-F238E27FC236}">
-                <a16:creationId xmlns:a16="http://schemas.microsoft.com/office/drawing/2014/main" id="{BFA89A81-409B-0BEB-0241-08DF33268AD8}"/>
-              </a:ext>
-            </a:extLst>
-          </p:cNvPr>
-          <p:cNvSpPr txBox="1"/>
-          <p:nvPr/>
-        </p:nvSpPr>
-        <p:spPr>
-          <a:xfrm>
-            <a:off x="311368" y="917836"/>
-            <a:ext cx="8520120" cy="738664"/>
-          </a:xfrm>
-          <a:prstGeom prst="rect">
-            <a:avLst/>
-          </a:prstGeom>
-          <a:noFill/>
-        </p:spPr>
-        <p:txBody>
-          <a:bodyPr wrap="square" rtlCol="0">
-            <a:spAutoFit/>
-          </a:bodyPr>
-          <a:lstStyle/>
-          <a:p>
-            <a:r>
-              <a:rPr lang="it-IT" sz="1400" dirty="0" err="1"/>
-              <a:t>We</a:t>
-            </a:r>
-            <a:r>
-              <a:rPr lang="it-IT" sz="1400" dirty="0"/>
-              <a:t> </a:t>
-            </a:r>
-            <a:r>
-              <a:rPr lang="it-IT" sz="1400" dirty="0" err="1"/>
-              <a:t>ran</a:t>
-            </a:r>
-            <a:r>
-              <a:rPr lang="it-IT" sz="1400" dirty="0"/>
-              <a:t> a full </a:t>
-            </a:r>
-            <a:r>
-              <a:rPr lang="it-IT" sz="1400" dirty="0" err="1"/>
-              <a:t>grid</a:t>
-            </a:r>
-            <a:r>
-              <a:rPr lang="it-IT" sz="1400" dirty="0"/>
-              <a:t> </a:t>
-            </a:r>
-            <a:r>
-              <a:rPr lang="it-IT" sz="1400" dirty="0" err="1"/>
-              <a:t>search</a:t>
-            </a:r>
-            <a:r>
-              <a:rPr lang="it-IT" sz="1400" dirty="0"/>
-              <a:t> for </a:t>
-            </a:r>
-            <a:r>
-              <a:rPr lang="it-IT" sz="1400" dirty="0" err="1"/>
-              <a:t>all</a:t>
-            </a:r>
-            <a:r>
-              <a:rPr lang="it-IT" sz="1400" dirty="0"/>
-              <a:t> the </a:t>
-            </a:r>
-            <a:r>
-              <a:rPr lang="it-IT" sz="1400" dirty="0" err="1"/>
-              <a:t>three</a:t>
-            </a:r>
-            <a:r>
-              <a:rPr lang="it-IT" sz="1400" dirty="0"/>
-              <a:t> models </a:t>
-            </a:r>
-            <a:r>
-              <a:rPr lang="it-IT" sz="1400" dirty="0" err="1"/>
-              <a:t>that</a:t>
-            </a:r>
-            <a:r>
-              <a:rPr lang="it-IT" sz="1400" dirty="0"/>
-              <a:t> </a:t>
-            </a:r>
-            <a:r>
-              <a:rPr lang="it-IT" sz="1400" dirty="0" err="1"/>
-              <a:t>we</a:t>
-            </a:r>
-            <a:r>
-              <a:rPr lang="it-IT" sz="1400" dirty="0"/>
-              <a:t> </a:t>
-            </a:r>
-            <a:r>
-              <a:rPr lang="it-IT" sz="1400" dirty="0" err="1"/>
-              <a:t>considered</a:t>
-            </a:r>
-            <a:r>
-              <a:rPr lang="it-IT" sz="1400" dirty="0"/>
-              <a:t>. </a:t>
-            </a:r>
-          </a:p>
-          <a:p>
-            <a:r>
-              <a:rPr lang="it-IT" sz="1400" dirty="0"/>
-              <a:t>In </a:t>
-            </a:r>
-            <a:r>
-              <a:rPr lang="it-IT" sz="1400" dirty="0" err="1"/>
-              <a:t>addition</a:t>
-            </a:r>
-            <a:r>
-              <a:rPr lang="it-IT" sz="1400" dirty="0"/>
-              <a:t> to </a:t>
-            </a:r>
-            <a:r>
-              <a:rPr lang="it-IT" sz="1400" dirty="0" err="1"/>
-              <a:t>that</a:t>
-            </a:r>
-            <a:r>
-              <a:rPr lang="it-IT" sz="1400" dirty="0"/>
-              <a:t>, </a:t>
-            </a:r>
-            <a:r>
-              <a:rPr lang="it-IT" sz="1400" dirty="0" err="1"/>
-              <a:t>we</a:t>
-            </a:r>
-            <a:r>
-              <a:rPr lang="it-IT" sz="1400" dirty="0"/>
-              <a:t> </a:t>
-            </a:r>
-            <a:r>
-              <a:rPr lang="it-IT" sz="1400" dirty="0" err="1"/>
-              <a:t>used</a:t>
-            </a:r>
-            <a:r>
-              <a:rPr lang="it-IT" sz="1400" dirty="0"/>
-              <a:t> </a:t>
-            </a:r>
-            <a:r>
-              <a:rPr lang="it-IT" sz="1400" dirty="0" err="1"/>
-              <a:t>Optuna</a:t>
-            </a:r>
-            <a:r>
-              <a:rPr lang="it-IT" sz="1400" dirty="0"/>
-              <a:t> (a </a:t>
-            </a:r>
-            <a:r>
-              <a:rPr lang="it-IT" sz="1400" dirty="0" err="1"/>
-              <a:t>hyperparameter</a:t>
-            </a:r>
-            <a:r>
-              <a:rPr lang="it-IT" sz="1400" dirty="0"/>
-              <a:t> </a:t>
-            </a:r>
-            <a:r>
-              <a:rPr lang="it-IT" sz="1400" dirty="0" err="1"/>
-              <a:t>optimization</a:t>
-            </a:r>
-            <a:r>
-              <a:rPr lang="it-IT" sz="1400" dirty="0"/>
-              <a:t> software. See [</a:t>
-            </a:r>
-            <a:r>
-              <a:rPr lang="it-IT" sz="1400" dirty="0">
-                <a:hlinkClick r:id="rId2" action="ppaction://hlinksldjump"/>
-              </a:rPr>
-              <a:t>5</a:t>
-            </a:r>
-            <a:r>
-              <a:rPr lang="it-IT" sz="1400" dirty="0"/>
-              <a:t>] and </a:t>
-            </a:r>
-            <a:r>
-              <a:rPr lang="it-IT" sz="1400" dirty="0" err="1">
-                <a:hlinkClick r:id="rId3" action="ppaction://hlinksldjump"/>
-              </a:rPr>
-              <a:t>Appendix</a:t>
-            </a:r>
-            <a:r>
-              <a:rPr lang="it-IT" sz="1400" dirty="0"/>
-              <a:t>) for the </a:t>
-            </a:r>
-            <a:r>
-              <a:rPr lang="it-IT" sz="1400" dirty="0" err="1"/>
-              <a:t>exploration</a:t>
-            </a:r>
-            <a:r>
-              <a:rPr lang="it-IT" sz="1400" dirty="0"/>
-              <a:t> of the </a:t>
-            </a:r>
-            <a:r>
-              <a:rPr lang="it-IT" sz="1400" dirty="0" err="1"/>
-              <a:t>Neural</a:t>
-            </a:r>
-            <a:r>
-              <a:rPr lang="it-IT" sz="1400" dirty="0"/>
-              <a:t> </a:t>
-            </a:r>
-            <a:r>
-              <a:rPr lang="it-IT" sz="1400" dirty="0" err="1"/>
-              <a:t>Network’s</a:t>
-            </a:r>
-            <a:r>
-              <a:rPr lang="it-IT" sz="1400" dirty="0"/>
-              <a:t> </a:t>
-            </a:r>
-            <a:r>
-              <a:rPr lang="it-IT" sz="1400" dirty="0" err="1"/>
-              <a:t>space</a:t>
-            </a:r>
-            <a:r>
-              <a:rPr lang="it-IT" sz="1400" dirty="0"/>
-              <a:t> of </a:t>
-            </a:r>
-            <a:r>
-              <a:rPr lang="it-IT" sz="1400" dirty="0" err="1"/>
-              <a:t>hyperparameters</a:t>
-            </a:r>
-            <a:r>
-              <a:rPr lang="it-IT" sz="1400" dirty="0"/>
-              <a:t>.</a:t>
-            </a:r>
-            <a:endParaRPr lang="it-IT" sz="1400" dirty="0">
-              <a:solidFill>
-                <a:srgbClr val="FF0000"/>
-              </a:solidFill>
-            </a:endParaRPr>
-          </a:p>
-        </p:txBody>
-      </p:sp>
     </p:spTree>
   </p:cSld>
   <p:clrMapOvr>
@@ -7549,7 +7815,7 @@
 </p:sld>
 </file>
 
-<file path=ppt/slides/slide13.xml><?xml version="1.0" encoding="utf-8"?>
+<file path=ppt/slides/slide14.xml><?xml version="1.0" encoding="utf-8"?>
 <p:sld xmlns:a="http://schemas.openxmlformats.org/drawingml/2006/main" xmlns:r="http://schemas.openxmlformats.org/officeDocument/2006/relationships" xmlns:p="http://schemas.openxmlformats.org/presentationml/2006/main">
   <p:cSld>
     <p:spTree>
@@ -7696,7 +7962,7 @@
                 <a:latin typeface="Arial"/>
                 <a:ea typeface="Arial"/>
               </a:rPr>
-              <a:t>13</a:t>
+              <a:t>14</a:t>
             </a:fld>
             <a:endParaRPr lang="it-IT" sz="1000" b="0" strike="noStrike" spc="-1">
               <a:latin typeface="Times New Roman"/>
@@ -8409,7 +8675,7 @@
 </p:sld>
 </file>
 
-<file path=ppt/slides/slide14.xml><?xml version="1.0" encoding="utf-8"?>
+<file path=ppt/slides/slide15.xml><?xml version="1.0" encoding="utf-8"?>
 <p:sld xmlns:a="http://schemas.openxmlformats.org/drawingml/2006/main" xmlns:r="http://schemas.openxmlformats.org/officeDocument/2006/relationships" xmlns:p="http://schemas.openxmlformats.org/presentationml/2006/main">
   <p:cSld>
     <p:spTree>
@@ -8556,7 +8822,7 @@
                 <a:latin typeface="Arial"/>
                 <a:ea typeface="Arial"/>
               </a:rPr>
-              <a:t>14</a:t>
+              <a:t>15</a:t>
             </a:fld>
             <a:endParaRPr lang="it-IT" sz="1000" b="0" strike="noStrike" spc="-1">
               <a:latin typeface="Times New Roman"/>
@@ -8640,8 +8906,8 @@
           </a:p>
         </p:txBody>
       </p:sp>
-      <mc:AlternateContent xmlns:mc="http://schemas.openxmlformats.org/markup-compatibility/2006">
-        <mc:Choice xmlns:a14="http://schemas.microsoft.com/office/drawing/2010/main" Requires="a14">
+      <mc:AlternateContent xmlns:mc="http://schemas.openxmlformats.org/markup-compatibility/2006" xmlns:a14="http://schemas.microsoft.com/office/drawing/2010/main">
+        <mc:Choice Requires="a14">
           <p:graphicFrame>
             <p:nvGraphicFramePr>
               <p:cNvPr id="3" name="Tabella 2">
@@ -9736,7 +10002,7 @@
             </a:graphic>
           </p:graphicFrame>
         </mc:Choice>
-        <mc:Fallback>
+        <mc:Fallback xmlns="">
           <p:graphicFrame>
             <p:nvGraphicFramePr>
               <p:cNvPr id="3" name="Tabella 2">
@@ -10452,7 +10718,7 @@
 </p:sld>
 </file>
 
-<file path=ppt/slides/slide15.xml><?xml version="1.0" encoding="utf-8"?>
+<file path=ppt/slides/slide16.xml><?xml version="1.0" encoding="utf-8"?>
 <p:sld xmlns:a="http://schemas.openxmlformats.org/drawingml/2006/main" xmlns:r="http://schemas.openxmlformats.org/officeDocument/2006/relationships" xmlns:p="http://schemas.openxmlformats.org/presentationml/2006/main">
   <p:cSld>
     <p:spTree>
@@ -10599,7 +10865,7 @@
                 <a:latin typeface="Arial"/>
                 <a:ea typeface="Arial"/>
               </a:rPr>
-              <a:t>15</a:t>
+              <a:t>16</a:t>
             </a:fld>
             <a:endParaRPr lang="it-IT" sz="1000" b="0" strike="noStrike" spc="-1">
               <a:latin typeface="Times New Roman"/>
@@ -12138,7 +12404,7 @@
 </p:sld>
 </file>
 
-<file path=ppt/slides/slide16.xml><?xml version="1.0" encoding="utf-8"?>
+<file path=ppt/slides/slide17.xml><?xml version="1.0" encoding="utf-8"?>
 <p:sld xmlns:a="http://schemas.openxmlformats.org/drawingml/2006/main" xmlns:r="http://schemas.openxmlformats.org/officeDocument/2006/relationships" xmlns:p="http://schemas.openxmlformats.org/presentationml/2006/main">
   <p:cSld>
     <p:spTree>
@@ -12369,7 +12635,7 @@
                 <a:latin typeface="Arial"/>
                 <a:ea typeface="Arial"/>
               </a:rPr>
-              <a:t>16</a:t>
+              <a:t>17</a:t>
             </a:fld>
             <a:endParaRPr lang="it-IT" sz="1000" b="0" strike="noStrike" spc="-1">
               <a:latin typeface="Times New Roman"/>
@@ -12385,7 +12651,7 @@
 </p:sld>
 </file>
 
-<file path=ppt/slides/slide17.xml><?xml version="1.0" encoding="utf-8"?>
+<file path=ppt/slides/slide18.xml><?xml version="1.0" encoding="utf-8"?>
 <p:sld xmlns:a="http://schemas.openxmlformats.org/drawingml/2006/main" xmlns:r="http://schemas.openxmlformats.org/officeDocument/2006/relationships" xmlns:p="http://schemas.openxmlformats.org/presentationml/2006/main">
   <p:cSld>
     <p:spTree>
@@ -12601,7 +12867,7 @@
                 <a:latin typeface="Arial"/>
                 <a:ea typeface="Arial"/>
               </a:rPr>
-              <a:t>17</a:t>
+              <a:t>18</a:t>
             </a:fld>
             <a:endParaRPr lang="it-IT" sz="1000" b="0" strike="noStrike" spc="-1">
               <a:latin typeface="Times New Roman"/>
@@ -12622,7 +12888,7 @@
 </p:sld>
 </file>
 
-<file path=ppt/slides/slide18.xml><?xml version="1.0" encoding="utf-8"?>
+<file path=ppt/slides/slide19.xml><?xml version="1.0" encoding="utf-8"?>
 <p:sld xmlns:a="http://schemas.openxmlformats.org/drawingml/2006/main" xmlns:r="http://schemas.openxmlformats.org/officeDocument/2006/relationships" xmlns:p="http://schemas.openxmlformats.org/presentationml/2006/main">
   <p:cSld>
     <p:spTree>
@@ -12779,7 +13045,7 @@
                 <a:latin typeface="Arial"/>
                 <a:ea typeface="Arial"/>
               </a:rPr>
-              <a:t>18</a:t>
+              <a:t>19</a:t>
             </a:fld>
             <a:endParaRPr lang="it-IT" sz="1000" b="0" strike="noStrike" spc="-1">
               <a:latin typeface="Times New Roman"/>
@@ -13041,7 +13307,588 @@
 </p:sld>
 </file>
 
-<file path=ppt/slides/slide19.xml><?xml version="1.0" encoding="utf-8"?>
+<file path=ppt/slides/slide2.xml><?xml version="1.0" encoding="utf-8"?>
+<p:sld xmlns:a="http://schemas.openxmlformats.org/drawingml/2006/main" xmlns:r="http://schemas.openxmlformats.org/officeDocument/2006/relationships" xmlns:p="http://schemas.openxmlformats.org/presentationml/2006/main">
+  <p:cSld>
+    <p:spTree>
+      <p:nvGrpSpPr>
+        <p:cNvPr id="1" name=""/>
+        <p:cNvGrpSpPr/>
+        <p:nvPr/>
+      </p:nvGrpSpPr>
+      <p:grpSpPr>
+        <a:xfrm>
+          <a:off x="0" y="0"/>
+          <a:ext cx="0" cy="0"/>
+          <a:chOff x="0" y="0"/>
+          <a:chExt cx="0" cy="0"/>
+        </a:xfrm>
+      </p:grpSpPr>
+      <p:sp>
+        <p:nvSpPr>
+          <p:cNvPr id="83" name="PlaceHolder 3"/>
+          <p:cNvSpPr>
+            <a:spLocks noGrp="1"/>
+          </p:cNvSpPr>
+          <p:nvPr>
+            <p:ph type="sldNum" idx="3"/>
+          </p:nvPr>
+        </p:nvSpPr>
+        <p:spPr>
+          <a:xfrm>
+            <a:off x="8472600" y="4663080"/>
+            <a:ext cx="548280" cy="393120"/>
+          </a:xfrm>
+          <a:prstGeom prst="rect">
+            <a:avLst/>
+          </a:prstGeom>
+          <a:noFill/>
+          <a:ln w="0">
+            <a:noFill/>
+          </a:ln>
+        </p:spPr>
+        <p:txBody>
+          <a:bodyPr tIns="91440" bIns="91440" anchor="ctr">
+            <a:normAutofit/>
+          </a:bodyPr>
+          <a:lstStyle>
+            <a:lvl1pPr algn="r">
+              <a:lnSpc>
+                <a:spcPct val="100000"/>
+              </a:lnSpc>
+              <a:buNone/>
+              <a:tabLst>
+                <a:tab pos="0" algn="l"/>
+              </a:tabLst>
+              <a:defRPr lang="it" sz="1000" b="0" strike="noStrike" spc="-1">
+                <a:solidFill>
+                  <a:srgbClr val="595959"/>
+                </a:solidFill>
+                <a:latin typeface="Arial"/>
+                <a:ea typeface="Arial"/>
+              </a:defRPr>
+            </a:lvl1pPr>
+          </a:lstStyle>
+          <a:p>
+            <a:pPr algn="r">
+              <a:lnSpc>
+                <a:spcPct val="100000"/>
+              </a:lnSpc>
+              <a:buNone/>
+              <a:tabLst>
+                <a:tab pos="0" algn="l"/>
+              </a:tabLst>
+            </a:pPr>
+            <a:fld id="{CDE5831E-EF50-4AF8-82C3-EBDE88F03D8C}" type="slidenum">
+              <a:rPr lang="it" sz="1000" b="0" strike="noStrike" spc="-1">
+                <a:solidFill>
+                  <a:srgbClr val="595959"/>
+                </a:solidFill>
+                <a:latin typeface="Arial"/>
+                <a:ea typeface="Arial"/>
+              </a:rPr>
+              <a:t>2</a:t>
+            </a:fld>
+            <a:endParaRPr lang="it-IT" sz="1000" b="0" strike="noStrike" spc="-1" dirty="0">
+              <a:latin typeface="Times New Roman"/>
+            </a:endParaRPr>
+          </a:p>
+        </p:txBody>
+      </p:sp>
+      <p:sp>
+        <p:nvSpPr>
+          <p:cNvPr id="4" name="PlaceHolder 1">
+            <a:extLst>
+              <a:ext uri="{FF2B5EF4-FFF2-40B4-BE49-F238E27FC236}">
+                <a16:creationId xmlns:a16="http://schemas.microsoft.com/office/drawing/2014/main" id="{80C918E8-6CF7-0E0B-D3EF-88419C82AA81}"/>
+              </a:ext>
+            </a:extLst>
+          </p:cNvPr>
+          <p:cNvSpPr txBox="1">
+            <a:spLocks/>
+          </p:cNvSpPr>
+          <p:nvPr/>
+        </p:nvSpPr>
+        <p:spPr>
+          <a:xfrm>
+            <a:off x="311760" y="0"/>
+            <a:ext cx="8520120" cy="576000"/>
+          </a:xfrm>
+          <a:prstGeom prst="rect">
+            <a:avLst/>
+          </a:prstGeom>
+          <a:noFill/>
+          <a:ln w="0">
+            <a:noFill/>
+          </a:ln>
+        </p:spPr>
+        <p:txBody>
+          <a:bodyPr lIns="0" tIns="91440" rIns="0" bIns="91440" anchor="t">
+            <a:normAutofit fontScale="97500"/>
+          </a:bodyPr>
+          <a:lstStyle>
+            <a:lvl1pPr algn="l" defTabSz="914400" rtl="0" eaLnBrk="1" latinLnBrk="0" hangingPunct="1">
+              <a:lnSpc>
+                <a:spcPct val="90000"/>
+              </a:lnSpc>
+              <a:spcBef>
+                <a:spcPct val="0"/>
+              </a:spcBef>
+              <a:buNone/>
+              <a:defRPr sz="4400" kern="1200">
+                <a:solidFill>
+                  <a:schemeClr val="tx1"/>
+                </a:solidFill>
+                <a:latin typeface="+mj-lt"/>
+                <a:ea typeface="+mj-ea"/>
+                <a:cs typeface="+mj-cs"/>
+              </a:defRPr>
+            </a:lvl1pPr>
+          </a:lstStyle>
+          <a:p>
+            <a:pPr>
+              <a:lnSpc>
+                <a:spcPct val="100000"/>
+              </a:lnSpc>
+              <a:tabLst>
+                <a:tab pos="0" algn="l"/>
+              </a:tabLst>
+            </a:pPr>
+            <a:r>
+              <a:rPr lang="it" sz="2500" spc="-1" dirty="0">
+                <a:solidFill>
+                  <a:srgbClr val="000000"/>
+                </a:solidFill>
+                <a:latin typeface="Arial"/>
+                <a:ea typeface="Arial"/>
+              </a:rPr>
+              <a:t>Objectives</a:t>
+            </a:r>
+            <a:endParaRPr lang="it-IT" sz="2400" spc="-1" dirty="0">
+              <a:solidFill>
+                <a:srgbClr val="000000"/>
+              </a:solidFill>
+              <a:latin typeface="Arial"/>
+            </a:endParaRPr>
+          </a:p>
+        </p:txBody>
+      </p:sp>
+      <p:sp>
+        <p:nvSpPr>
+          <p:cNvPr id="8" name="CasellaDiTesto 7">
+            <a:extLst>
+              <a:ext uri="{FF2B5EF4-FFF2-40B4-BE49-F238E27FC236}">
+                <a16:creationId xmlns:a16="http://schemas.microsoft.com/office/drawing/2014/main" id="{FB22EB19-DDEA-4A7A-811B-6D3A1B5AF3ED}"/>
+              </a:ext>
+            </a:extLst>
+          </p:cNvPr>
+          <p:cNvSpPr txBox="1"/>
+          <p:nvPr/>
+        </p:nvSpPr>
+        <p:spPr>
+          <a:xfrm>
+            <a:off x="311760" y="3795622"/>
+            <a:ext cx="8520119" cy="523220"/>
+          </a:xfrm>
+          <a:prstGeom prst="rect">
+            <a:avLst/>
+          </a:prstGeom>
+          <a:noFill/>
+        </p:spPr>
+        <p:txBody>
+          <a:bodyPr wrap="square" rtlCol="0">
+            <a:spAutoFit/>
+          </a:bodyPr>
+          <a:lstStyle/>
+          <a:p>
+            <a:r>
+              <a:rPr lang="it-IT" sz="1400" dirty="0" err="1"/>
+              <a:t>We</a:t>
+            </a:r>
+            <a:r>
+              <a:rPr lang="it-IT" sz="1400" dirty="0"/>
+              <a:t> </a:t>
+            </a:r>
+            <a:r>
+              <a:rPr lang="it-IT" sz="1400" dirty="0" err="1"/>
+              <a:t>implemented</a:t>
+            </a:r>
+            <a:r>
+              <a:rPr lang="it-IT" sz="1400" dirty="0"/>
+              <a:t> </a:t>
+            </a:r>
+            <a:r>
+              <a:rPr lang="it-IT" sz="1400" dirty="0" err="1"/>
+              <a:t>three</a:t>
+            </a:r>
+            <a:r>
+              <a:rPr lang="it-IT" sz="1400" dirty="0"/>
+              <a:t> classes of models: SVR, </a:t>
+            </a:r>
+            <a:r>
+              <a:rPr lang="it-IT" sz="1400" dirty="0" err="1"/>
+              <a:t>Neural</a:t>
+            </a:r>
+            <a:r>
+              <a:rPr lang="it-IT" sz="1400" dirty="0"/>
+              <a:t> Network, Random </a:t>
+            </a:r>
+            <a:r>
+              <a:rPr lang="it-IT" sz="1400" dirty="0" err="1"/>
+              <a:t>Forest</a:t>
+            </a:r>
+            <a:r>
+              <a:rPr lang="it-IT" sz="1400" dirty="0"/>
+              <a:t>. The </a:t>
+            </a:r>
+            <a:r>
+              <a:rPr lang="it-IT" sz="1400" dirty="0" err="1"/>
+              <a:t>latter</a:t>
+            </a:r>
+            <a:r>
+              <a:rPr lang="it-IT" sz="1400" dirty="0"/>
+              <a:t> </a:t>
+            </a:r>
+            <a:r>
+              <a:rPr lang="it-IT" sz="1400" dirty="0" err="1"/>
+              <a:t>was</a:t>
+            </a:r>
+            <a:r>
+              <a:rPr lang="it-IT" sz="1400" dirty="0"/>
+              <a:t> </a:t>
+            </a:r>
+            <a:r>
+              <a:rPr lang="it-IT" sz="1400" dirty="0" err="1"/>
+              <a:t>not</a:t>
+            </a:r>
+            <a:r>
+              <a:rPr lang="it-IT" sz="1400" dirty="0"/>
+              <a:t> part of the </a:t>
+            </a:r>
+            <a:r>
+              <a:rPr lang="it-IT" sz="1400" dirty="0" err="1"/>
+              <a:t>program</a:t>
+            </a:r>
+            <a:r>
+              <a:rPr lang="it-IT" sz="1400" dirty="0"/>
+              <a:t> for the ML </a:t>
+            </a:r>
+            <a:r>
+              <a:rPr lang="it-IT" sz="1400" dirty="0" err="1"/>
+              <a:t>exam</a:t>
+            </a:r>
+            <a:r>
+              <a:rPr lang="it-IT" sz="1400" dirty="0"/>
+              <a:t>.</a:t>
+            </a:r>
+          </a:p>
+        </p:txBody>
+      </p:sp>
+      <p:sp>
+        <p:nvSpPr>
+          <p:cNvPr id="5" name="CasellaDiTesto 4">
+            <a:extLst>
+              <a:ext uri="{FF2B5EF4-FFF2-40B4-BE49-F238E27FC236}">
+                <a16:creationId xmlns:a16="http://schemas.microsoft.com/office/drawing/2014/main" id="{624CC786-9C95-956C-19E6-8F32E13A6A18}"/>
+              </a:ext>
+            </a:extLst>
+          </p:cNvPr>
+          <p:cNvSpPr txBox="1"/>
+          <p:nvPr/>
+        </p:nvSpPr>
+        <p:spPr>
+          <a:xfrm>
+            <a:off x="311758" y="1108862"/>
+            <a:ext cx="8520119" cy="475655"/>
+          </a:xfrm>
+          <a:prstGeom prst="rect">
+            <a:avLst/>
+          </a:prstGeom>
+          <a:noFill/>
+        </p:spPr>
+        <p:txBody>
+          <a:bodyPr wrap="square" rtlCol="0">
+            <a:spAutoFit/>
+          </a:bodyPr>
+          <a:lstStyle/>
+          <a:p>
+            <a:r>
+              <a:rPr lang="it-IT" sz="1400" dirty="0" err="1"/>
+              <a:t>Our</a:t>
+            </a:r>
+            <a:r>
+              <a:rPr lang="it-IT" sz="1400" dirty="0"/>
+              <a:t> </a:t>
+            </a:r>
+            <a:r>
+              <a:rPr lang="it-IT" sz="1400" dirty="0" err="1"/>
+              <a:t>aim</a:t>
+            </a:r>
+            <a:r>
+              <a:rPr lang="it-IT" sz="1400" dirty="0"/>
+              <a:t> for </a:t>
+            </a:r>
+            <a:r>
+              <a:rPr lang="it-IT" sz="1400" dirty="0" err="1"/>
+              <a:t>this</a:t>
+            </a:r>
+            <a:r>
+              <a:rPr lang="it-IT" sz="1400" dirty="0"/>
+              <a:t> project </a:t>
+            </a:r>
+            <a:r>
+              <a:rPr lang="it-IT" sz="1400" dirty="0" err="1"/>
+              <a:t>was</a:t>
+            </a:r>
+            <a:r>
+              <a:rPr lang="it-IT" sz="1400" dirty="0"/>
+              <a:t> to test </a:t>
+            </a:r>
+            <a:r>
+              <a:rPr lang="it-IT" sz="1400" dirty="0" err="1"/>
+              <a:t>various</a:t>
+            </a:r>
+            <a:r>
+              <a:rPr lang="it-IT" sz="1400" dirty="0"/>
+              <a:t> models, </a:t>
+            </a:r>
+            <a:r>
+              <a:rPr lang="it-IT" sz="1400" dirty="0" err="1"/>
+              <a:t>built</a:t>
+            </a:r>
+            <a:r>
+              <a:rPr lang="it-IT" sz="1400" dirty="0"/>
+              <a:t> with the help of some libraries (</a:t>
+            </a:r>
+            <a:r>
+              <a:rPr lang="it" sz="1400" spc="-1" dirty="0">
+                <a:solidFill>
+                  <a:srgbClr val="000000"/>
+                </a:solidFill>
+                <a:latin typeface="+mn-lt"/>
+                <a:ea typeface="Tahoma" panose="020B0604030504040204" pitchFamily="34" charset="0"/>
+                <a:cs typeface="Tahoma" panose="020B0604030504040204" pitchFamily="34" charset="0"/>
+              </a:rPr>
+              <a:t>see </a:t>
+            </a:r>
+            <a:r>
+              <a:rPr lang="it" sz="1400" spc="-1" dirty="0">
+                <a:solidFill>
+                  <a:srgbClr val="000000"/>
+                </a:solidFill>
+                <a:latin typeface="+mn-lt"/>
+                <a:ea typeface="Tahoma" panose="020B0604030504040204" pitchFamily="34" charset="0"/>
+                <a:cs typeface="Tahoma" panose="020B0604030504040204" pitchFamily="34" charset="0"/>
+                <a:hlinkClick r:id="rId2" action="ppaction://hlinksldjump"/>
+              </a:rPr>
+              <a:t>bibliography</a:t>
+            </a:r>
+            <a:r>
+              <a:rPr lang="it" sz="1400" spc="-1" dirty="0">
+                <a:solidFill>
+                  <a:srgbClr val="000000"/>
+                </a:solidFill>
+                <a:latin typeface="+mn-lt"/>
+                <a:ea typeface="Tahoma" panose="020B0604030504040204" pitchFamily="34" charset="0"/>
+                <a:cs typeface="Tahoma" panose="020B0604030504040204" pitchFamily="34" charset="0"/>
+              </a:rPr>
+              <a:t>), on the Monk and ML23 CUP tasks.</a:t>
+            </a:r>
+          </a:p>
+        </p:txBody>
+      </p:sp>
+      <p:sp>
+        <p:nvSpPr>
+          <p:cNvPr id="6" name="CasellaDiTesto 5">
+            <a:extLst>
+              <a:ext uri="{FF2B5EF4-FFF2-40B4-BE49-F238E27FC236}">
+                <a16:creationId xmlns:a16="http://schemas.microsoft.com/office/drawing/2014/main" id="{D28C2F6E-07DF-B0D2-6063-35A5B0991D94}"/>
+              </a:ext>
+            </a:extLst>
+          </p:cNvPr>
+          <p:cNvSpPr txBox="1"/>
+          <p:nvPr/>
+        </p:nvSpPr>
+        <p:spPr>
+          <a:xfrm>
+            <a:off x="311759" y="1828538"/>
+            <a:ext cx="8520119" cy="523220"/>
+          </a:xfrm>
+          <a:prstGeom prst="rect">
+            <a:avLst/>
+          </a:prstGeom>
+          <a:noFill/>
+        </p:spPr>
+        <p:txBody>
+          <a:bodyPr wrap="square" rtlCol="0">
+            <a:spAutoFit/>
+          </a:bodyPr>
+          <a:lstStyle/>
+          <a:p>
+            <a:r>
+              <a:rPr lang="it-IT" sz="1400" dirty="0"/>
+              <a:t>In </a:t>
+            </a:r>
+            <a:r>
+              <a:rPr lang="it-IT" sz="1400" dirty="0" err="1"/>
+              <a:t>particular</a:t>
+            </a:r>
+            <a:r>
+              <a:rPr lang="it-IT" sz="1400" dirty="0"/>
+              <a:t>, </a:t>
+            </a:r>
+            <a:r>
+              <a:rPr lang="it-IT" sz="1400" dirty="0" err="1"/>
+              <a:t>we</a:t>
+            </a:r>
+            <a:r>
+              <a:rPr lang="it-IT" sz="1400" dirty="0"/>
+              <a:t> </a:t>
+            </a:r>
+            <a:r>
+              <a:rPr lang="it-IT" sz="1400" dirty="0" err="1"/>
+              <a:t>were</a:t>
+            </a:r>
+            <a:r>
+              <a:rPr lang="it-IT" sz="1400" dirty="0"/>
+              <a:t> </a:t>
+            </a:r>
+            <a:r>
+              <a:rPr lang="it-IT" sz="1400" dirty="0" err="1"/>
+              <a:t>interested</a:t>
+            </a:r>
+            <a:r>
+              <a:rPr lang="it-IT" sz="1400" dirty="0"/>
+              <a:t> in seeing </a:t>
+            </a:r>
+            <a:r>
+              <a:rPr lang="it-IT" sz="1400" dirty="0" err="1"/>
+              <a:t>how</a:t>
+            </a:r>
+            <a:r>
+              <a:rPr lang="it-IT" sz="1400" dirty="0"/>
+              <a:t> </a:t>
+            </a:r>
+            <a:r>
+              <a:rPr lang="it-IT" sz="1400" dirty="0" err="1"/>
+              <a:t>various</a:t>
+            </a:r>
+            <a:r>
+              <a:rPr lang="it-IT" sz="1400" dirty="0"/>
+              <a:t> </a:t>
+            </a:r>
+            <a:r>
+              <a:rPr lang="it-IT" sz="1400" dirty="0" err="1"/>
+              <a:t>combinations</a:t>
+            </a:r>
+            <a:r>
+              <a:rPr lang="it-IT" sz="1400" dirty="0"/>
+              <a:t> of </a:t>
+            </a:r>
+            <a:r>
+              <a:rPr lang="it-IT" sz="1400" dirty="0" err="1"/>
+              <a:t>both</a:t>
+            </a:r>
+            <a:r>
+              <a:rPr lang="it-IT" sz="1400" dirty="0"/>
+              <a:t> standard and </a:t>
+            </a:r>
+            <a:r>
+              <a:rPr lang="it-IT" sz="1400" dirty="0" err="1"/>
+              <a:t>nonstandard</a:t>
+            </a:r>
+            <a:r>
+              <a:rPr lang="it-IT" sz="1400" dirty="0"/>
+              <a:t> techniques </a:t>
+            </a:r>
+            <a:r>
+              <a:rPr lang="it-IT" sz="1400" dirty="0" err="1"/>
+              <a:t>would</a:t>
+            </a:r>
+            <a:r>
+              <a:rPr lang="it-IT" sz="1400" dirty="0"/>
+              <a:t> </a:t>
+            </a:r>
+            <a:r>
+              <a:rPr lang="it-IT" sz="1400" dirty="0" err="1"/>
+              <a:t>perform</a:t>
+            </a:r>
+            <a:r>
+              <a:rPr lang="it-IT" sz="1400" dirty="0"/>
+              <a:t> in the tasks </a:t>
+            </a:r>
+            <a:r>
+              <a:rPr lang="it-IT" sz="1400" dirty="0" err="1"/>
+              <a:t>at</a:t>
+            </a:r>
+            <a:r>
+              <a:rPr lang="it-IT" sz="1400" dirty="0"/>
+              <a:t> hand (</a:t>
+            </a:r>
+            <a:r>
+              <a:rPr lang="it-IT" sz="1400" dirty="0" err="1"/>
+              <a:t>expecially</a:t>
+            </a:r>
+            <a:r>
+              <a:rPr lang="it-IT" sz="1400" dirty="0"/>
+              <a:t> in the ML23 CUP). </a:t>
+            </a:r>
+          </a:p>
+        </p:txBody>
+      </p:sp>
+      <p:sp>
+        <p:nvSpPr>
+          <p:cNvPr id="7" name="CasellaDiTesto 6">
+            <a:extLst>
+              <a:ext uri="{FF2B5EF4-FFF2-40B4-BE49-F238E27FC236}">
+                <a16:creationId xmlns:a16="http://schemas.microsoft.com/office/drawing/2014/main" id="{3B8196D9-C4A4-66B2-3D6E-2443E7024140}"/>
+              </a:ext>
+            </a:extLst>
+          </p:cNvPr>
+          <p:cNvSpPr txBox="1"/>
+          <p:nvPr/>
+        </p:nvSpPr>
+        <p:spPr>
+          <a:xfrm>
+            <a:off x="311758" y="2596636"/>
+            <a:ext cx="8520119" cy="954107"/>
+          </a:xfrm>
+          <a:prstGeom prst="rect">
+            <a:avLst/>
+          </a:prstGeom>
+          <a:noFill/>
+        </p:spPr>
+        <p:txBody>
+          <a:bodyPr wrap="square" rtlCol="0">
+            <a:spAutoFit/>
+          </a:bodyPr>
+          <a:lstStyle/>
+          <a:p>
+            <a:r>
+              <a:rPr lang="en-US" sz="1400" dirty="0"/>
+              <a:t>Ultimately, we aimed at achieving the best possible result for the blind competition, while also learning more about the impact that our choices have on such results. Therefore, a broad exploration of the performance of various models and </a:t>
+            </a:r>
+            <a:r>
+              <a:rPr lang="en-US" sz="1400" dirty="0" err="1"/>
+              <a:t>hyperparamenters</a:t>
+            </a:r>
+            <a:r>
+              <a:rPr lang="en-US" sz="1400" dirty="0"/>
+              <a:t>' configurations was performed, as this is necessary to achieve such goals.</a:t>
+            </a:r>
+            <a:endParaRPr lang="it-IT" sz="1400" dirty="0"/>
+          </a:p>
+        </p:txBody>
+      </p:sp>
+    </p:spTree>
+  </p:cSld>
+  <p:clrMapOvr>
+    <a:masterClrMapping/>
+  </p:clrMapOvr>
+</p:sld>
+</file>
+
+<file path=ppt/slides/slide20.xml><?xml version="1.0" encoding="utf-8"?>
 <p:sld xmlns:a="http://schemas.openxmlformats.org/drawingml/2006/main" xmlns:r="http://schemas.openxmlformats.org/officeDocument/2006/relationships" xmlns:p="http://schemas.openxmlformats.org/presentationml/2006/main">
   <p:cSld>
     <p:spTree>
@@ -13208,7 +14055,7 @@
                 <a:latin typeface="Arial"/>
                 <a:ea typeface="Arial"/>
               </a:rPr>
-              <a:t>19</a:t>
+              <a:t>20</a:t>
             </a:fld>
             <a:endParaRPr lang="it-IT" sz="1000" b="0" strike="noStrike" spc="-1">
               <a:latin typeface="Times New Roman"/>
@@ -14123,588 +14970,7 @@
 </p:sld>
 </file>
 
-<file path=ppt/slides/slide2.xml><?xml version="1.0" encoding="utf-8"?>
-<p:sld xmlns:a="http://schemas.openxmlformats.org/drawingml/2006/main" xmlns:r="http://schemas.openxmlformats.org/officeDocument/2006/relationships" xmlns:p="http://schemas.openxmlformats.org/presentationml/2006/main">
-  <p:cSld>
-    <p:spTree>
-      <p:nvGrpSpPr>
-        <p:cNvPr id="1" name=""/>
-        <p:cNvGrpSpPr/>
-        <p:nvPr/>
-      </p:nvGrpSpPr>
-      <p:grpSpPr>
-        <a:xfrm>
-          <a:off x="0" y="0"/>
-          <a:ext cx="0" cy="0"/>
-          <a:chOff x="0" y="0"/>
-          <a:chExt cx="0" cy="0"/>
-        </a:xfrm>
-      </p:grpSpPr>
-      <p:sp>
-        <p:nvSpPr>
-          <p:cNvPr id="83" name="PlaceHolder 3"/>
-          <p:cNvSpPr>
-            <a:spLocks noGrp="1"/>
-          </p:cNvSpPr>
-          <p:nvPr>
-            <p:ph type="sldNum" idx="3"/>
-          </p:nvPr>
-        </p:nvSpPr>
-        <p:spPr>
-          <a:xfrm>
-            <a:off x="8472600" y="4663080"/>
-            <a:ext cx="548280" cy="393120"/>
-          </a:xfrm>
-          <a:prstGeom prst="rect">
-            <a:avLst/>
-          </a:prstGeom>
-          <a:noFill/>
-          <a:ln w="0">
-            <a:noFill/>
-          </a:ln>
-        </p:spPr>
-        <p:txBody>
-          <a:bodyPr tIns="91440" bIns="91440" anchor="ctr">
-            <a:normAutofit/>
-          </a:bodyPr>
-          <a:lstStyle>
-            <a:lvl1pPr algn="r">
-              <a:lnSpc>
-                <a:spcPct val="100000"/>
-              </a:lnSpc>
-              <a:buNone/>
-              <a:tabLst>
-                <a:tab pos="0" algn="l"/>
-              </a:tabLst>
-              <a:defRPr lang="it" sz="1000" b="0" strike="noStrike" spc="-1">
-                <a:solidFill>
-                  <a:srgbClr val="595959"/>
-                </a:solidFill>
-                <a:latin typeface="Arial"/>
-                <a:ea typeface="Arial"/>
-              </a:defRPr>
-            </a:lvl1pPr>
-          </a:lstStyle>
-          <a:p>
-            <a:pPr algn="r">
-              <a:lnSpc>
-                <a:spcPct val="100000"/>
-              </a:lnSpc>
-              <a:buNone/>
-              <a:tabLst>
-                <a:tab pos="0" algn="l"/>
-              </a:tabLst>
-            </a:pPr>
-            <a:fld id="{CDE5831E-EF50-4AF8-82C3-EBDE88F03D8C}" type="slidenum">
-              <a:rPr lang="it" sz="1000" b="0" strike="noStrike" spc="-1">
-                <a:solidFill>
-                  <a:srgbClr val="595959"/>
-                </a:solidFill>
-                <a:latin typeface="Arial"/>
-                <a:ea typeface="Arial"/>
-              </a:rPr>
-              <a:t>2</a:t>
-            </a:fld>
-            <a:endParaRPr lang="it-IT" sz="1000" b="0" strike="noStrike" spc="-1" dirty="0">
-              <a:latin typeface="Times New Roman"/>
-            </a:endParaRPr>
-          </a:p>
-        </p:txBody>
-      </p:sp>
-      <p:sp>
-        <p:nvSpPr>
-          <p:cNvPr id="4" name="PlaceHolder 1">
-            <a:extLst>
-              <a:ext uri="{FF2B5EF4-FFF2-40B4-BE49-F238E27FC236}">
-                <a16:creationId xmlns:a16="http://schemas.microsoft.com/office/drawing/2014/main" id="{80C918E8-6CF7-0E0B-D3EF-88419C82AA81}"/>
-              </a:ext>
-            </a:extLst>
-          </p:cNvPr>
-          <p:cNvSpPr txBox="1">
-            <a:spLocks/>
-          </p:cNvSpPr>
-          <p:nvPr/>
-        </p:nvSpPr>
-        <p:spPr>
-          <a:xfrm>
-            <a:off x="311760" y="0"/>
-            <a:ext cx="8520120" cy="576000"/>
-          </a:xfrm>
-          <a:prstGeom prst="rect">
-            <a:avLst/>
-          </a:prstGeom>
-          <a:noFill/>
-          <a:ln w="0">
-            <a:noFill/>
-          </a:ln>
-        </p:spPr>
-        <p:txBody>
-          <a:bodyPr lIns="0" tIns="91440" rIns="0" bIns="91440" anchor="t">
-            <a:normAutofit fontScale="97500"/>
-          </a:bodyPr>
-          <a:lstStyle>
-            <a:lvl1pPr algn="l" defTabSz="914400" rtl="0" eaLnBrk="1" latinLnBrk="0" hangingPunct="1">
-              <a:lnSpc>
-                <a:spcPct val="90000"/>
-              </a:lnSpc>
-              <a:spcBef>
-                <a:spcPct val="0"/>
-              </a:spcBef>
-              <a:buNone/>
-              <a:defRPr sz="4400" kern="1200">
-                <a:solidFill>
-                  <a:schemeClr val="tx1"/>
-                </a:solidFill>
-                <a:latin typeface="+mj-lt"/>
-                <a:ea typeface="+mj-ea"/>
-                <a:cs typeface="+mj-cs"/>
-              </a:defRPr>
-            </a:lvl1pPr>
-          </a:lstStyle>
-          <a:p>
-            <a:pPr>
-              <a:lnSpc>
-                <a:spcPct val="100000"/>
-              </a:lnSpc>
-              <a:tabLst>
-                <a:tab pos="0" algn="l"/>
-              </a:tabLst>
-            </a:pPr>
-            <a:r>
-              <a:rPr lang="it" sz="2500" spc="-1" dirty="0">
-                <a:solidFill>
-                  <a:srgbClr val="000000"/>
-                </a:solidFill>
-                <a:latin typeface="Arial"/>
-                <a:ea typeface="Arial"/>
-              </a:rPr>
-              <a:t>Objectives</a:t>
-            </a:r>
-            <a:endParaRPr lang="it-IT" sz="2400" spc="-1" dirty="0">
-              <a:solidFill>
-                <a:srgbClr val="000000"/>
-              </a:solidFill>
-              <a:latin typeface="Arial"/>
-            </a:endParaRPr>
-          </a:p>
-        </p:txBody>
-      </p:sp>
-      <p:sp>
-        <p:nvSpPr>
-          <p:cNvPr id="8" name="CasellaDiTesto 7">
-            <a:extLst>
-              <a:ext uri="{FF2B5EF4-FFF2-40B4-BE49-F238E27FC236}">
-                <a16:creationId xmlns:a16="http://schemas.microsoft.com/office/drawing/2014/main" id="{FB22EB19-DDEA-4A7A-811B-6D3A1B5AF3ED}"/>
-              </a:ext>
-            </a:extLst>
-          </p:cNvPr>
-          <p:cNvSpPr txBox="1"/>
-          <p:nvPr/>
-        </p:nvSpPr>
-        <p:spPr>
-          <a:xfrm>
-            <a:off x="311760" y="3795622"/>
-            <a:ext cx="8520119" cy="523220"/>
-          </a:xfrm>
-          <a:prstGeom prst="rect">
-            <a:avLst/>
-          </a:prstGeom>
-          <a:noFill/>
-        </p:spPr>
-        <p:txBody>
-          <a:bodyPr wrap="square" rtlCol="0">
-            <a:spAutoFit/>
-          </a:bodyPr>
-          <a:lstStyle/>
-          <a:p>
-            <a:r>
-              <a:rPr lang="it-IT" sz="1400" dirty="0" err="1"/>
-              <a:t>We</a:t>
-            </a:r>
-            <a:r>
-              <a:rPr lang="it-IT" sz="1400" dirty="0"/>
-              <a:t> </a:t>
-            </a:r>
-            <a:r>
-              <a:rPr lang="it-IT" sz="1400" dirty="0" err="1"/>
-              <a:t>implemented</a:t>
-            </a:r>
-            <a:r>
-              <a:rPr lang="it-IT" sz="1400" dirty="0"/>
-              <a:t> </a:t>
-            </a:r>
-            <a:r>
-              <a:rPr lang="it-IT" sz="1400" dirty="0" err="1"/>
-              <a:t>three</a:t>
-            </a:r>
-            <a:r>
-              <a:rPr lang="it-IT" sz="1400" dirty="0"/>
-              <a:t> classes of models: SVR, </a:t>
-            </a:r>
-            <a:r>
-              <a:rPr lang="it-IT" sz="1400" dirty="0" err="1"/>
-              <a:t>Neural</a:t>
-            </a:r>
-            <a:r>
-              <a:rPr lang="it-IT" sz="1400" dirty="0"/>
-              <a:t> Network, Random </a:t>
-            </a:r>
-            <a:r>
-              <a:rPr lang="it-IT" sz="1400" dirty="0" err="1"/>
-              <a:t>Forest</a:t>
-            </a:r>
-            <a:r>
-              <a:rPr lang="it-IT" sz="1400" dirty="0"/>
-              <a:t>. The </a:t>
-            </a:r>
-            <a:r>
-              <a:rPr lang="it-IT" sz="1400" dirty="0" err="1"/>
-              <a:t>latter</a:t>
-            </a:r>
-            <a:r>
-              <a:rPr lang="it-IT" sz="1400" dirty="0"/>
-              <a:t> </a:t>
-            </a:r>
-            <a:r>
-              <a:rPr lang="it-IT" sz="1400" dirty="0" err="1"/>
-              <a:t>was</a:t>
-            </a:r>
-            <a:r>
-              <a:rPr lang="it-IT" sz="1400" dirty="0"/>
-              <a:t> </a:t>
-            </a:r>
-            <a:r>
-              <a:rPr lang="it-IT" sz="1400" dirty="0" err="1"/>
-              <a:t>not</a:t>
-            </a:r>
-            <a:r>
-              <a:rPr lang="it-IT" sz="1400" dirty="0"/>
-              <a:t> part of the </a:t>
-            </a:r>
-            <a:r>
-              <a:rPr lang="it-IT" sz="1400" dirty="0" err="1"/>
-              <a:t>program</a:t>
-            </a:r>
-            <a:r>
-              <a:rPr lang="it-IT" sz="1400" dirty="0"/>
-              <a:t> for the ML </a:t>
-            </a:r>
-            <a:r>
-              <a:rPr lang="it-IT" sz="1400" dirty="0" err="1"/>
-              <a:t>exam</a:t>
-            </a:r>
-            <a:r>
-              <a:rPr lang="it-IT" sz="1400" dirty="0"/>
-              <a:t>.</a:t>
-            </a:r>
-          </a:p>
-        </p:txBody>
-      </p:sp>
-      <p:sp>
-        <p:nvSpPr>
-          <p:cNvPr id="5" name="CasellaDiTesto 4">
-            <a:extLst>
-              <a:ext uri="{FF2B5EF4-FFF2-40B4-BE49-F238E27FC236}">
-                <a16:creationId xmlns:a16="http://schemas.microsoft.com/office/drawing/2014/main" id="{624CC786-9C95-956C-19E6-8F32E13A6A18}"/>
-              </a:ext>
-            </a:extLst>
-          </p:cNvPr>
-          <p:cNvSpPr txBox="1"/>
-          <p:nvPr/>
-        </p:nvSpPr>
-        <p:spPr>
-          <a:xfrm>
-            <a:off x="311758" y="1108862"/>
-            <a:ext cx="8520119" cy="475655"/>
-          </a:xfrm>
-          <a:prstGeom prst="rect">
-            <a:avLst/>
-          </a:prstGeom>
-          <a:noFill/>
-        </p:spPr>
-        <p:txBody>
-          <a:bodyPr wrap="square" rtlCol="0">
-            <a:spAutoFit/>
-          </a:bodyPr>
-          <a:lstStyle/>
-          <a:p>
-            <a:r>
-              <a:rPr lang="it-IT" sz="1400" dirty="0" err="1"/>
-              <a:t>Our</a:t>
-            </a:r>
-            <a:r>
-              <a:rPr lang="it-IT" sz="1400" dirty="0"/>
-              <a:t> </a:t>
-            </a:r>
-            <a:r>
-              <a:rPr lang="it-IT" sz="1400" dirty="0" err="1"/>
-              <a:t>aim</a:t>
-            </a:r>
-            <a:r>
-              <a:rPr lang="it-IT" sz="1400" dirty="0"/>
-              <a:t> for </a:t>
-            </a:r>
-            <a:r>
-              <a:rPr lang="it-IT" sz="1400" dirty="0" err="1"/>
-              <a:t>this</a:t>
-            </a:r>
-            <a:r>
-              <a:rPr lang="it-IT" sz="1400" dirty="0"/>
-              <a:t> project </a:t>
-            </a:r>
-            <a:r>
-              <a:rPr lang="it-IT" sz="1400" dirty="0" err="1"/>
-              <a:t>was</a:t>
-            </a:r>
-            <a:r>
-              <a:rPr lang="it-IT" sz="1400" dirty="0"/>
-              <a:t> to test </a:t>
-            </a:r>
-            <a:r>
-              <a:rPr lang="it-IT" sz="1400" dirty="0" err="1"/>
-              <a:t>various</a:t>
-            </a:r>
-            <a:r>
-              <a:rPr lang="it-IT" sz="1400" dirty="0"/>
-              <a:t> models, </a:t>
-            </a:r>
-            <a:r>
-              <a:rPr lang="it-IT" sz="1400" dirty="0" err="1"/>
-              <a:t>built</a:t>
-            </a:r>
-            <a:r>
-              <a:rPr lang="it-IT" sz="1400" dirty="0"/>
-              <a:t> with the help of some libraries (</a:t>
-            </a:r>
-            <a:r>
-              <a:rPr lang="it" sz="1400" spc="-1" dirty="0">
-                <a:solidFill>
-                  <a:srgbClr val="000000"/>
-                </a:solidFill>
-                <a:latin typeface="+mn-lt"/>
-                <a:ea typeface="Tahoma" panose="020B0604030504040204" pitchFamily="34" charset="0"/>
-                <a:cs typeface="Tahoma" panose="020B0604030504040204" pitchFamily="34" charset="0"/>
-              </a:rPr>
-              <a:t>see </a:t>
-            </a:r>
-            <a:r>
-              <a:rPr lang="it" sz="1400" spc="-1" dirty="0">
-                <a:solidFill>
-                  <a:srgbClr val="000000"/>
-                </a:solidFill>
-                <a:latin typeface="+mn-lt"/>
-                <a:ea typeface="Tahoma" panose="020B0604030504040204" pitchFamily="34" charset="0"/>
-                <a:cs typeface="Tahoma" panose="020B0604030504040204" pitchFamily="34" charset="0"/>
-                <a:hlinkClick r:id="rId2" action="ppaction://hlinksldjump"/>
-              </a:rPr>
-              <a:t>bibliography</a:t>
-            </a:r>
-            <a:r>
-              <a:rPr lang="it" sz="1400" spc="-1" dirty="0">
-                <a:solidFill>
-                  <a:srgbClr val="000000"/>
-                </a:solidFill>
-                <a:latin typeface="+mn-lt"/>
-                <a:ea typeface="Tahoma" panose="020B0604030504040204" pitchFamily="34" charset="0"/>
-                <a:cs typeface="Tahoma" panose="020B0604030504040204" pitchFamily="34" charset="0"/>
-              </a:rPr>
-              <a:t>), on the Monk and ML23 CUP tasks.</a:t>
-            </a:r>
-          </a:p>
-        </p:txBody>
-      </p:sp>
-      <p:sp>
-        <p:nvSpPr>
-          <p:cNvPr id="6" name="CasellaDiTesto 5">
-            <a:extLst>
-              <a:ext uri="{FF2B5EF4-FFF2-40B4-BE49-F238E27FC236}">
-                <a16:creationId xmlns:a16="http://schemas.microsoft.com/office/drawing/2014/main" id="{D28C2F6E-07DF-B0D2-6063-35A5B0991D94}"/>
-              </a:ext>
-            </a:extLst>
-          </p:cNvPr>
-          <p:cNvSpPr txBox="1"/>
-          <p:nvPr/>
-        </p:nvSpPr>
-        <p:spPr>
-          <a:xfrm>
-            <a:off x="311759" y="1828538"/>
-            <a:ext cx="8520119" cy="523220"/>
-          </a:xfrm>
-          <a:prstGeom prst="rect">
-            <a:avLst/>
-          </a:prstGeom>
-          <a:noFill/>
-        </p:spPr>
-        <p:txBody>
-          <a:bodyPr wrap="square" rtlCol="0">
-            <a:spAutoFit/>
-          </a:bodyPr>
-          <a:lstStyle/>
-          <a:p>
-            <a:r>
-              <a:rPr lang="it-IT" sz="1400" dirty="0"/>
-              <a:t>In </a:t>
-            </a:r>
-            <a:r>
-              <a:rPr lang="it-IT" sz="1400" dirty="0" err="1"/>
-              <a:t>particular</a:t>
-            </a:r>
-            <a:r>
-              <a:rPr lang="it-IT" sz="1400" dirty="0"/>
-              <a:t>, </a:t>
-            </a:r>
-            <a:r>
-              <a:rPr lang="it-IT" sz="1400" dirty="0" err="1"/>
-              <a:t>we</a:t>
-            </a:r>
-            <a:r>
-              <a:rPr lang="it-IT" sz="1400" dirty="0"/>
-              <a:t> </a:t>
-            </a:r>
-            <a:r>
-              <a:rPr lang="it-IT" sz="1400" dirty="0" err="1"/>
-              <a:t>were</a:t>
-            </a:r>
-            <a:r>
-              <a:rPr lang="it-IT" sz="1400" dirty="0"/>
-              <a:t> </a:t>
-            </a:r>
-            <a:r>
-              <a:rPr lang="it-IT" sz="1400" dirty="0" err="1"/>
-              <a:t>interested</a:t>
-            </a:r>
-            <a:r>
-              <a:rPr lang="it-IT" sz="1400" dirty="0"/>
-              <a:t> in seeing </a:t>
-            </a:r>
-            <a:r>
-              <a:rPr lang="it-IT" sz="1400" dirty="0" err="1"/>
-              <a:t>how</a:t>
-            </a:r>
-            <a:r>
-              <a:rPr lang="it-IT" sz="1400" dirty="0"/>
-              <a:t> </a:t>
-            </a:r>
-            <a:r>
-              <a:rPr lang="it-IT" sz="1400" dirty="0" err="1"/>
-              <a:t>various</a:t>
-            </a:r>
-            <a:r>
-              <a:rPr lang="it-IT" sz="1400" dirty="0"/>
-              <a:t> </a:t>
-            </a:r>
-            <a:r>
-              <a:rPr lang="it-IT" sz="1400" dirty="0" err="1"/>
-              <a:t>combinations</a:t>
-            </a:r>
-            <a:r>
-              <a:rPr lang="it-IT" sz="1400" dirty="0"/>
-              <a:t> of </a:t>
-            </a:r>
-            <a:r>
-              <a:rPr lang="it-IT" sz="1400" dirty="0" err="1"/>
-              <a:t>both</a:t>
-            </a:r>
-            <a:r>
-              <a:rPr lang="it-IT" sz="1400" dirty="0"/>
-              <a:t> standard and </a:t>
-            </a:r>
-            <a:r>
-              <a:rPr lang="it-IT" sz="1400" dirty="0" err="1"/>
-              <a:t>nonstandard</a:t>
-            </a:r>
-            <a:r>
-              <a:rPr lang="it-IT" sz="1400" dirty="0"/>
-              <a:t> techniques </a:t>
-            </a:r>
-            <a:r>
-              <a:rPr lang="it-IT" sz="1400" dirty="0" err="1"/>
-              <a:t>would</a:t>
-            </a:r>
-            <a:r>
-              <a:rPr lang="it-IT" sz="1400" dirty="0"/>
-              <a:t> </a:t>
-            </a:r>
-            <a:r>
-              <a:rPr lang="it-IT" sz="1400" dirty="0" err="1"/>
-              <a:t>perform</a:t>
-            </a:r>
-            <a:r>
-              <a:rPr lang="it-IT" sz="1400" dirty="0"/>
-              <a:t> in the tasks </a:t>
-            </a:r>
-            <a:r>
-              <a:rPr lang="it-IT" sz="1400" dirty="0" err="1"/>
-              <a:t>at</a:t>
-            </a:r>
-            <a:r>
-              <a:rPr lang="it-IT" sz="1400" dirty="0"/>
-              <a:t> hand (</a:t>
-            </a:r>
-            <a:r>
-              <a:rPr lang="it-IT" sz="1400" dirty="0" err="1"/>
-              <a:t>expecially</a:t>
-            </a:r>
-            <a:r>
-              <a:rPr lang="it-IT" sz="1400" dirty="0"/>
-              <a:t> in the ML23 CUP). </a:t>
-            </a:r>
-          </a:p>
-        </p:txBody>
-      </p:sp>
-      <p:sp>
-        <p:nvSpPr>
-          <p:cNvPr id="7" name="CasellaDiTesto 6">
-            <a:extLst>
-              <a:ext uri="{FF2B5EF4-FFF2-40B4-BE49-F238E27FC236}">
-                <a16:creationId xmlns:a16="http://schemas.microsoft.com/office/drawing/2014/main" id="{3B8196D9-C4A4-66B2-3D6E-2443E7024140}"/>
-              </a:ext>
-            </a:extLst>
-          </p:cNvPr>
-          <p:cNvSpPr txBox="1"/>
-          <p:nvPr/>
-        </p:nvSpPr>
-        <p:spPr>
-          <a:xfrm>
-            <a:off x="311758" y="2596636"/>
-            <a:ext cx="8520119" cy="954107"/>
-          </a:xfrm>
-          <a:prstGeom prst="rect">
-            <a:avLst/>
-          </a:prstGeom>
-          <a:noFill/>
-        </p:spPr>
-        <p:txBody>
-          <a:bodyPr wrap="square" rtlCol="0">
-            <a:spAutoFit/>
-          </a:bodyPr>
-          <a:lstStyle/>
-          <a:p>
-            <a:r>
-              <a:rPr lang="en-US" sz="1400" dirty="0"/>
-              <a:t>Ultimately, we aimed at achieving the best possible result for the blind competition, while also learning more about the impact that our choices have on such results. Therefore, a broad exploration of the performance of various models and </a:t>
-            </a:r>
-            <a:r>
-              <a:rPr lang="en-US" sz="1400" dirty="0" err="1"/>
-              <a:t>hyperparamenters</a:t>
-            </a:r>
-            <a:r>
-              <a:rPr lang="en-US" sz="1400" dirty="0"/>
-              <a:t>' configurations was performed, as this is necessary to achieve such goals.</a:t>
-            </a:r>
-            <a:endParaRPr lang="it-IT" sz="1400" dirty="0"/>
-          </a:p>
-        </p:txBody>
-      </p:sp>
-    </p:spTree>
-  </p:cSld>
-  <p:clrMapOvr>
-    <a:masterClrMapping/>
-  </p:clrMapOvr>
-</p:sld>
-</file>
-
-<file path=ppt/slides/slide20.xml><?xml version="1.0" encoding="utf-8"?>
+<file path=ppt/slides/slide21.xml><?xml version="1.0" encoding="utf-8"?>
 <p:sld xmlns:a="http://schemas.openxmlformats.org/drawingml/2006/main" xmlns:r="http://schemas.openxmlformats.org/officeDocument/2006/relationships" xmlns:p="http://schemas.openxmlformats.org/presentationml/2006/main">
   <p:cSld>
     <p:spTree>
@@ -14983,7 +15249,7 @@
                 <a:latin typeface="Arial"/>
                 <a:ea typeface="Arial"/>
               </a:rPr>
-              <a:t>20</a:t>
+              <a:t>21</a:t>
             </a:fld>
             <a:endParaRPr lang="it-IT" sz="1000" b="0" strike="noStrike" spc="-1">
               <a:latin typeface="Times New Roman"/>
@@ -14999,7 +15265,7 @@
 </p:sld>
 </file>
 
-<file path=ppt/slides/slide21.xml><?xml version="1.0" encoding="utf-8"?>
+<file path=ppt/slides/slide22.xml><?xml version="1.0" encoding="utf-8"?>
 <p:sld xmlns:a="http://schemas.openxmlformats.org/drawingml/2006/main" xmlns:r="http://schemas.openxmlformats.org/officeDocument/2006/relationships" xmlns:p="http://schemas.openxmlformats.org/presentationml/2006/main">
   <p:cSld>
     <p:spTree>
@@ -15062,7 +15328,7 @@
                 <a:latin typeface="Arial"/>
                 <a:ea typeface="Arial"/>
               </a:rPr>
-              <a:t>Conclusions [</a:t>
+              <a:t>Conclusions &amp; Acknowledgments [</a:t>
             </a:r>
             <a:r>
               <a:rPr lang="it" sz="2600" b="0" strike="noStrike" spc="-1" dirty="0">
@@ -15269,7 +15535,7 @@
                 <a:latin typeface="Arial"/>
                 <a:ea typeface="Arial"/>
               </a:rPr>
-              <a:t>21</a:t>
+              <a:t>22</a:t>
             </a:fld>
             <a:endParaRPr lang="it-IT" sz="1000" b="0" strike="noStrike" spc="-1">
               <a:latin typeface="Times New Roman"/>
@@ -15285,7 +15551,7 @@
 </p:sld>
 </file>
 
-<file path=ppt/slides/slide22.xml><?xml version="1.0" encoding="utf-8"?>
+<file path=ppt/slides/slide23.xml><?xml version="1.0" encoding="utf-8"?>
 <p:sld xmlns:a="http://schemas.openxmlformats.org/drawingml/2006/main" xmlns:r="http://schemas.openxmlformats.org/officeDocument/2006/relationships" xmlns:p="http://schemas.openxmlformats.org/presentationml/2006/main">
   <p:cSld>
     <p:spTree>
@@ -15422,7 +15688,7 @@
                 <a:latin typeface="Arial"/>
                 <a:ea typeface="Arial"/>
               </a:rPr>
-              <a:t>22</a:t>
+              <a:t>23</a:t>
             </a:fld>
             <a:endParaRPr lang="it-IT" sz="1000" b="0" strike="noStrike" spc="-1">
               <a:latin typeface="Times New Roman"/>
@@ -15445,7 +15711,7 @@
         <p:spPr>
           <a:xfrm>
             <a:off x="702427" y="944432"/>
-            <a:ext cx="7738783" cy="2031325"/>
+            <a:ext cx="7738783" cy="1600438"/>
           </a:xfrm>
           <a:prstGeom prst="rect">
             <a:avLst/>
@@ -15747,173 +16013,6 @@
               </a:rPr>
               <a:t>), (2011), pp.2825-2830 </a:t>
             </a:r>
-          </a:p>
-          <a:p>
-            <a:pPr marL="342900" indent="-342900">
-              <a:buFont typeface="+mj-lt"/>
-              <a:buAutoNum type="arabicPeriod"/>
-            </a:pPr>
-            <a:r>
-              <a:rPr lang="it-IT" sz="1400" spc="-1" dirty="0">
-                <a:solidFill>
-                  <a:srgbClr val="000000"/>
-                </a:solidFill>
-                <a:latin typeface="Arial"/>
-              </a:rPr>
-              <a:t>A. Garcia </a:t>
-            </a:r>
-            <a:r>
-              <a:rPr lang="it-IT" sz="1400" spc="-1" dirty="0" err="1">
-                <a:solidFill>
-                  <a:srgbClr val="000000"/>
-                </a:solidFill>
-                <a:latin typeface="Arial"/>
-              </a:rPr>
-              <a:t>Badaracco</a:t>
-            </a:r>
-            <a:r>
-              <a:rPr lang="it-IT" sz="1400" spc="-1" dirty="0">
-                <a:solidFill>
-                  <a:srgbClr val="000000"/>
-                </a:solidFill>
-                <a:latin typeface="Arial"/>
-              </a:rPr>
-              <a:t> et al, </a:t>
-            </a:r>
-            <a:r>
-              <a:rPr lang="it-IT" sz="1400" i="1" spc="-1" dirty="0" err="1">
-                <a:solidFill>
-                  <a:srgbClr val="FF0000"/>
-                </a:solidFill>
-                <a:latin typeface="Arial"/>
-              </a:rPr>
-              <a:t>SciKeras</a:t>
-            </a:r>
-            <a:r>
-              <a:rPr lang="it-IT" sz="1400" i="1" spc="-1" dirty="0">
-                <a:solidFill>
-                  <a:srgbClr val="000000"/>
-                </a:solidFill>
-                <a:latin typeface="Arial"/>
-              </a:rPr>
-              <a:t>: </a:t>
-            </a:r>
-            <a:r>
-              <a:rPr lang="it-IT" sz="1400" i="1" spc="-1" dirty="0" err="1">
-                <a:solidFill>
-                  <a:srgbClr val="000000"/>
-                </a:solidFill>
-                <a:latin typeface="Arial"/>
-              </a:rPr>
-              <a:t>Scikit-Learn</a:t>
-            </a:r>
-            <a:r>
-              <a:rPr lang="it-IT" sz="1400" i="1" spc="-1" dirty="0">
-                <a:solidFill>
-                  <a:srgbClr val="000000"/>
-                </a:solidFill>
-                <a:latin typeface="Arial"/>
-              </a:rPr>
-              <a:t> </a:t>
-            </a:r>
-            <a:r>
-              <a:rPr lang="it-IT" sz="1400" i="1" spc="-1" dirty="0" err="1">
-                <a:solidFill>
-                  <a:srgbClr val="000000"/>
-                </a:solidFill>
-                <a:latin typeface="Arial"/>
-              </a:rPr>
-              <a:t>wrapper</a:t>
-            </a:r>
-            <a:r>
-              <a:rPr lang="it-IT" sz="1400" i="1" spc="-1" dirty="0">
-                <a:solidFill>
-                  <a:srgbClr val="000000"/>
-                </a:solidFill>
-                <a:latin typeface="Arial"/>
-              </a:rPr>
-              <a:t> for </a:t>
-            </a:r>
-            <a:r>
-              <a:rPr lang="it-IT" sz="1400" i="1" spc="-1" dirty="0" err="1">
-                <a:solidFill>
-                  <a:srgbClr val="000000"/>
-                </a:solidFill>
-                <a:latin typeface="Arial"/>
-              </a:rPr>
-              <a:t>Keras</a:t>
-            </a:r>
-            <a:r>
-              <a:rPr lang="it-IT" sz="1400" spc="-1" dirty="0">
-                <a:solidFill>
-                  <a:srgbClr val="000000"/>
-                </a:solidFill>
-                <a:latin typeface="Arial"/>
-              </a:rPr>
-              <a:t>, GitHub, </a:t>
-            </a:r>
-            <a:r>
-              <a:rPr lang="it-IT" sz="1400" spc="-1" dirty="0">
-                <a:solidFill>
-                  <a:srgbClr val="000000"/>
-                </a:solidFill>
-                <a:latin typeface="Arial"/>
-                <a:hlinkClick r:id="rId5"/>
-              </a:rPr>
-              <a:t>GitHub Repository</a:t>
-            </a:r>
-            <a:r>
-              <a:rPr lang="it-IT" sz="1400" spc="-1" dirty="0">
-                <a:solidFill>
-                  <a:srgbClr val="000000"/>
-                </a:solidFill>
-                <a:latin typeface="Arial"/>
-              </a:rPr>
-              <a:t>, (2020) </a:t>
-            </a:r>
-            <a:r>
-              <a:rPr lang="it-IT" sz="1400" spc="-1" dirty="0" err="1">
-                <a:solidFill>
-                  <a:srgbClr val="000000"/>
-                </a:solidFill>
-                <a:latin typeface="Arial"/>
-              </a:rPr>
-              <a:t>version</a:t>
-            </a:r>
-            <a:r>
-              <a:rPr lang="it-IT" sz="1400" spc="-1" dirty="0">
-                <a:solidFill>
-                  <a:srgbClr val="000000"/>
-                </a:solidFill>
-                <a:latin typeface="Arial"/>
-              </a:rPr>
-              <a:t> </a:t>
-            </a:r>
-            <a:r>
-              <a:rPr lang="it-IT" sz="1400" i="1" spc="-1" dirty="0">
-                <a:solidFill>
-                  <a:srgbClr val="000000"/>
-                </a:solidFill>
-                <a:latin typeface="Arial"/>
-              </a:rPr>
-              <a:t> </a:t>
-            </a:r>
-            <a:r>
-              <a:rPr lang="it-IT" sz="1400" spc="-1" dirty="0">
-                <a:solidFill>
-                  <a:srgbClr val="000000"/>
-                </a:solidFill>
-                <a:latin typeface="Arial"/>
-                <a:hlinkClick r:id="rId6"/>
-              </a:rPr>
-              <a:t>0.12.0</a:t>
-            </a:r>
-            <a:endParaRPr lang="it-IT" sz="1400" spc="-1" dirty="0">
-              <a:solidFill>
-                <a:srgbClr val="000000"/>
-              </a:solidFill>
-              <a:latin typeface="Arial"/>
-            </a:endParaRPr>
           </a:p>
           <a:p>
             <a:pPr marL="342900" indent="-342900">
@@ -16135,7 +16234,7 @@
           <a:p>
             <a:pPr marL="342900" indent="-342900">
               <a:buFont typeface="+mj-lt"/>
-              <a:buAutoNum type="arabicPeriod" startAt="6"/>
+              <a:buAutoNum type="arabicPeriod" startAt="5"/>
             </a:pPr>
             <a:r>
               <a:rPr lang="it-IT" sz="1400" dirty="0" err="1"/>
@@ -16147,7 +16246,7 @@
             </a:r>
             <a:r>
               <a:rPr lang="it-IT" sz="1400" dirty="0" err="1">
-                <a:hlinkClick r:id="rId7"/>
+                <a:hlinkClick r:id="rId5"/>
               </a:rPr>
               <a:t>documentation</a:t>
             </a:r>
@@ -16156,7 +16255,7 @@
           <a:p>
             <a:pPr marL="342900" indent="-342900">
               <a:buFont typeface="+mj-lt"/>
-              <a:buAutoNum type="arabicPeriod" startAt="6"/>
+              <a:buAutoNum type="arabicPeriod" startAt="5"/>
             </a:pPr>
             <a:r>
               <a:rPr lang="it-IT" sz="1400" dirty="0" err="1"/>
@@ -16168,13 +16267,13 @@
             </a:r>
             <a:r>
               <a:rPr lang="it-IT" sz="1400" dirty="0">
-                <a:hlinkClick r:id="rId8"/>
+                <a:hlinkClick r:id="rId6"/>
               </a:rPr>
               <a:t>API </a:t>
             </a:r>
             <a:r>
               <a:rPr lang="it-IT" sz="1400" dirty="0" err="1">
-                <a:hlinkClick r:id="rId8"/>
+                <a:hlinkClick r:id="rId6"/>
               </a:rPr>
               <a:t>reference</a:t>
             </a:r>
@@ -16183,7 +16282,7 @@
           <a:p>
             <a:pPr marL="342900" indent="-342900">
               <a:buFont typeface="+mj-lt"/>
-              <a:buAutoNum type="arabicPeriod" startAt="6"/>
+              <a:buAutoNum type="arabicPeriod" startAt="5"/>
             </a:pPr>
             <a:r>
               <a:rPr lang="it-IT" sz="1400" dirty="0" err="1"/>
@@ -16195,7 +16294,7 @@
             </a:r>
             <a:r>
               <a:rPr lang="it-IT" sz="1400" dirty="0" err="1">
-                <a:hlinkClick r:id="rId9"/>
+                <a:hlinkClick r:id="rId7"/>
               </a:rPr>
               <a:t>documentation</a:t>
             </a:r>
@@ -16204,14 +16303,14 @@
           <a:p>
             <a:pPr marL="342900" indent="-342900">
               <a:buFont typeface="+mj-lt"/>
-              <a:buAutoNum type="arabicPeriod" startAt="6"/>
+              <a:buAutoNum type="arabicPeriod" startAt="5"/>
             </a:pPr>
             <a:endParaRPr lang="it-IT" sz="1400" dirty="0"/>
           </a:p>
           <a:p>
             <a:pPr marL="342900" indent="-342900">
               <a:buFont typeface="+mj-lt"/>
-              <a:buAutoNum type="arabicPeriod" startAt="6"/>
+              <a:buAutoNum type="arabicPeriod" startAt="5"/>
             </a:pPr>
             <a:endParaRPr lang="it-IT" sz="1400" dirty="0"/>
           </a:p>
@@ -16230,7 +16329,7 @@
 </p:sld>
 </file>
 
-<file path=ppt/slides/slide23.xml><?xml version="1.0" encoding="utf-8"?>
+<file path=ppt/slides/slide24.xml><?xml version="1.0" encoding="utf-8"?>
 <p:sld xmlns:a="http://schemas.openxmlformats.org/drawingml/2006/main" xmlns:r="http://schemas.openxmlformats.org/officeDocument/2006/relationships" xmlns:p="http://schemas.openxmlformats.org/presentationml/2006/main">
   <p:cSld>
     <p:spTree>
@@ -16377,7 +16476,7 @@
                 <a:latin typeface="Arial"/>
                 <a:ea typeface="Arial"/>
               </a:rPr>
-              <a:t>23</a:t>
+              <a:t>24</a:t>
             </a:fld>
             <a:endParaRPr lang="it-IT" sz="1000" b="0" strike="noStrike" spc="-1">
               <a:latin typeface="Times New Roman"/>
@@ -16415,7 +16514,7 @@
           <a:p>
             <a:pPr marL="342900" indent="-342900">
               <a:buFont typeface="+mj-lt"/>
-              <a:buAutoNum type="arabicPeriod" startAt="9"/>
+              <a:buAutoNum type="arabicPeriod" startAt="8"/>
             </a:pPr>
             <a:r>
               <a:rPr lang="it-IT" sz="1400" dirty="0"/>
@@ -16489,24 +16588,28 @@
           <a:p>
             <a:pPr marL="342900" indent="-342900">
               <a:buFont typeface="+mj-lt"/>
-              <a:buAutoNum type="arabicPeriod" startAt="9"/>
+              <a:buAutoNum type="arabicPeriod" startAt="8"/>
             </a:pPr>
             <a:r>
-              <a:rPr lang="it-IT" sz="1400" dirty="0"/>
+              <a:rPr lang="it-IT" sz="1400" dirty="0">
+                <a:solidFill>
+                  <a:srgbClr val="FF0000"/>
+                </a:solidFill>
+              </a:rPr>
               <a:t>Articolo 2</a:t>
             </a:r>
           </a:p>
           <a:p>
             <a:pPr marL="342900" indent="-342900">
               <a:buFont typeface="+mj-lt"/>
-              <a:buAutoNum type="arabicPeriod" startAt="9"/>
+              <a:buAutoNum type="arabicPeriod" startAt="8"/>
             </a:pPr>
             <a:endParaRPr lang="it-IT" sz="1400" dirty="0"/>
           </a:p>
           <a:p>
             <a:pPr marL="342900" indent="-342900">
               <a:buFont typeface="+mj-lt"/>
-              <a:buAutoNum type="arabicPeriod" startAt="9"/>
+              <a:buAutoNum type="arabicPeriod" startAt="8"/>
             </a:pPr>
             <a:endParaRPr lang="it-IT" sz="1400" dirty="0"/>
           </a:p>
@@ -16564,7 +16667,7 @@
 </p:sld>
 </file>
 
-<file path=ppt/slides/slide24.xml><?xml version="1.0" encoding="utf-8"?>
+<file path=ppt/slides/slide25.xml><?xml version="1.0" encoding="utf-8"?>
 <p:sld xmlns:a="http://schemas.openxmlformats.org/drawingml/2006/main" xmlns:r="http://schemas.openxmlformats.org/officeDocument/2006/relationships" xmlns:p="http://schemas.openxmlformats.org/presentationml/2006/main">
   <p:cSld>
     <p:spTree>
@@ -16732,7 +16835,7 @@
                 <a:latin typeface="Arial"/>
                 <a:ea typeface="Arial"/>
               </a:rPr>
-              <a:t>24</a:t>
+              <a:t>25</a:t>
             </a:fld>
             <a:endParaRPr lang="it-IT" sz="1000" b="0" strike="noStrike" spc="-1">
               <a:latin typeface="Times New Roman"/>
@@ -16740,8 +16843,8 @@
           </a:p>
         </p:txBody>
       </p:sp>
-      <mc:AlternateContent xmlns:mc="http://schemas.openxmlformats.org/markup-compatibility/2006">
-        <mc:Choice xmlns:a14="http://schemas.microsoft.com/office/drawing/2010/main" Requires="a14">
+      <mc:AlternateContent xmlns:mc="http://schemas.openxmlformats.org/markup-compatibility/2006" xmlns:a14="http://schemas.microsoft.com/office/drawing/2010/main">
+        <mc:Choice Requires="a14">
           <p:graphicFrame>
             <p:nvGraphicFramePr>
               <p:cNvPr id="5" name="Tabella 4">
@@ -17845,7 +17948,7 @@
             </a:graphic>
           </p:graphicFrame>
         </mc:Choice>
-        <mc:Fallback>
+        <mc:Fallback xmlns="">
           <p:graphicFrame>
             <p:nvGraphicFramePr>
               <p:cNvPr id="5" name="Tabella 4">
@@ -18661,7 +18764,7 @@
 </p:sld>
 </file>
 
-<file path=ppt/slides/slide25.xml><?xml version="1.0" encoding="utf-8"?>
+<file path=ppt/slides/slide26.xml><?xml version="1.0" encoding="utf-8"?>
 <p:sld xmlns:a="http://schemas.openxmlformats.org/drawingml/2006/main" xmlns:r="http://schemas.openxmlformats.org/officeDocument/2006/relationships" xmlns:p="http://schemas.openxmlformats.org/presentationml/2006/main">
   <p:cSld>
     <p:spTree>
@@ -18827,7 +18930,7 @@
                 <a:latin typeface="Arial"/>
                 <a:ea typeface="Arial"/>
               </a:rPr>
-              <a:t>25</a:t>
+              <a:t>26</a:t>
             </a:fld>
             <a:endParaRPr lang="it-IT" sz="1000" b="0" strike="noStrike" spc="-1">
               <a:latin typeface="Times New Roman"/>
@@ -19730,7 +19833,7 @@
 </p:sld>
 </file>
 
-<file path=ppt/slides/slide26.xml><?xml version="1.0" encoding="utf-8"?>
+<file path=ppt/slides/slide27.xml><?xml version="1.0" encoding="utf-8"?>
 <p:sld xmlns:a="http://schemas.openxmlformats.org/drawingml/2006/main" xmlns:r="http://schemas.openxmlformats.org/officeDocument/2006/relationships" xmlns:p="http://schemas.openxmlformats.org/presentationml/2006/main">
   <p:cSld>
     <p:spTree>
@@ -19896,7 +19999,7 @@
                 <a:latin typeface="Arial"/>
                 <a:ea typeface="Arial"/>
               </a:rPr>
-              <a:t>26</a:t>
+              <a:t>27</a:t>
             </a:fld>
             <a:endParaRPr lang="it-IT" sz="1000" b="0" strike="noStrike" spc="-1">
               <a:latin typeface="Times New Roman"/>
@@ -20917,7 +21020,7 @@
 </p:sld>
 </file>
 
-<file path=ppt/slides/slide27.xml><?xml version="1.0" encoding="utf-8"?>
+<file path=ppt/slides/slide28.xml><?xml version="1.0" encoding="utf-8"?>
 <p:sld xmlns:a="http://schemas.openxmlformats.org/drawingml/2006/main" xmlns:r="http://schemas.openxmlformats.org/officeDocument/2006/relationships" xmlns:p="http://schemas.openxmlformats.org/presentationml/2006/main">
   <p:cSld>
     <p:spTree>
@@ -20999,7 +21102,7 @@
                 <a:latin typeface="Arial"/>
                 <a:ea typeface="Arial"/>
               </a:rPr>
-              <a:t>Further details on model novelties</a:t>
+              <a:t>Further specifications on model details &amp; contributions</a:t>
             </a:r>
             <a:endParaRPr lang="it-IT" sz="2400" b="0" strike="noStrike" spc="-1" dirty="0">
               <a:solidFill>
@@ -21073,7 +21176,7 @@
                 <a:latin typeface="Arial"/>
                 <a:ea typeface="Arial"/>
               </a:rPr>
-              <a:t>27</a:t>
+              <a:t>28</a:t>
             </a:fld>
             <a:endParaRPr lang="it-IT" sz="1000" b="0" strike="noStrike" spc="-1">
               <a:latin typeface="Times New Roman"/>
@@ -21081,8 +21184,8 @@
           </a:p>
         </p:txBody>
       </p:sp>
-      <mc:AlternateContent xmlns:mc="http://schemas.openxmlformats.org/markup-compatibility/2006">
-        <mc:Choice xmlns:a14="http://schemas.microsoft.com/office/drawing/2010/main" Requires="a14">
+      <mc:AlternateContent xmlns:mc="http://schemas.openxmlformats.org/markup-compatibility/2006" xmlns:a14="http://schemas.microsoft.com/office/drawing/2010/main">
+        <mc:Choice Requires="a14">
           <p:sp>
             <p:nvSpPr>
               <p:cNvPr id="3" name="CasellaDiTesto 2">
@@ -21636,7 +21739,7 @@
             </p:txBody>
           </p:sp>
         </mc:Choice>
-        <mc:Fallback>
+        <mc:Fallback xmlns="">
           <p:sp>
             <p:nvSpPr>
               <p:cNvPr id="3" name="CasellaDiTesto 2">
@@ -21994,7 +22097,7 @@
 </p:sld>
 </file>
 
-<file path=ppt/slides/slide28.xml><?xml version="1.0" encoding="utf-8"?>
+<file path=ppt/slides/slide29.xml><?xml version="1.0" encoding="utf-8"?>
 <p:sld xmlns:a="http://schemas.openxmlformats.org/drawingml/2006/main" xmlns:r="http://schemas.openxmlformats.org/officeDocument/2006/relationships" xmlns:p="http://schemas.openxmlformats.org/presentationml/2006/main">
   <p:cSld>
     <p:spTree>
@@ -22076,7 +22179,7 @@
                 <a:latin typeface="Arial"/>
                 <a:ea typeface="Arial"/>
               </a:rPr>
-              <a:t>Further details on model novelties</a:t>
+              <a:t>Further specifications on model details &amp; contributions</a:t>
             </a:r>
             <a:endParaRPr lang="it-IT" sz="2400" b="0" strike="noStrike" spc="-1" dirty="0">
               <a:solidFill>
@@ -22150,7 +22253,7 @@
                 <a:latin typeface="Arial"/>
                 <a:ea typeface="Arial"/>
               </a:rPr>
-              <a:t>28</a:t>
+              <a:t>29</a:t>
             </a:fld>
             <a:endParaRPr lang="it-IT" sz="1000" b="0" strike="noStrike" spc="-1">
               <a:latin typeface="Times New Roman"/>
@@ -22158,8 +22261,8 @@
           </a:p>
         </p:txBody>
       </p:sp>
-      <mc:AlternateContent xmlns:mc="http://schemas.openxmlformats.org/markup-compatibility/2006">
-        <mc:Choice xmlns:a14="http://schemas.microsoft.com/office/drawing/2010/main" Requires="a14">
+      <mc:AlternateContent xmlns:mc="http://schemas.openxmlformats.org/markup-compatibility/2006" xmlns:a14="http://schemas.microsoft.com/office/drawing/2010/main">
+        <mc:Choice Requires="a14">
           <p:sp>
             <p:nvSpPr>
               <p:cNvPr id="5" name="CasellaDiTesto 4">
@@ -22175,7 +22278,7 @@
             <p:spPr>
               <a:xfrm>
                 <a:off x="311759" y="3134950"/>
-                <a:ext cx="8520120" cy="1202252"/>
+                <a:ext cx="8520120" cy="1417696"/>
               </a:xfrm>
               <a:prstGeom prst="rect">
                 <a:avLst/>
@@ -22478,92 +22581,157 @@
               </a:p>
               <a:p>
                 <a:r>
-                  <a:rPr lang="it-IT" sz="1400" dirty="0" err="1">
-                    <a:solidFill>
-                      <a:srgbClr val="FF0000"/>
-                    </a:solidFill>
-                  </a:rPr>
+                  <a:rPr lang="it-IT" sz="1400" dirty="0" err="1"/>
                   <a:t>We</a:t>
                 </a:r>
                 <a:r>
-                  <a:rPr lang="it-IT" sz="1400" dirty="0">
-                    <a:solidFill>
-                      <a:srgbClr val="FF0000"/>
-                    </a:solidFill>
-                  </a:rPr>
+                  <a:rPr lang="it-IT" sz="1400" dirty="0"/>
                   <a:t> </a:t>
                 </a:r>
                 <a:r>
-                  <a:rPr lang="it-IT" sz="1400" dirty="0" err="1">
-                    <a:solidFill>
-                      <a:srgbClr val="FF0000"/>
-                    </a:solidFill>
-                  </a:rPr>
+                  <a:rPr lang="it-IT" sz="1400" dirty="0" err="1"/>
                   <a:t>chose</a:t>
                 </a:r>
                 <a:r>
-                  <a:rPr lang="it-IT" sz="1400" dirty="0">
-                    <a:solidFill>
-                      <a:srgbClr val="FF0000"/>
-                    </a:solidFill>
-                  </a:rPr>
+                  <a:rPr lang="it-IT" sz="1400" dirty="0"/>
                   <a:t> the </a:t>
                 </a:r>
                 <a:r>
-                  <a:rPr lang="it-IT" sz="1400" dirty="0" err="1">
-                    <a:solidFill>
-                      <a:srgbClr val="FF0000"/>
-                    </a:solidFill>
-                  </a:rPr>
+                  <a:rPr lang="it-IT" sz="1400" dirty="0" err="1"/>
                   <a:t>value</a:t>
                 </a:r>
                 <a:r>
-                  <a:rPr lang="it-IT" sz="1400" dirty="0">
-                    <a:solidFill>
-                      <a:srgbClr val="FF0000"/>
-                    </a:solidFill>
-                  </a:rPr>
+                  <a:rPr lang="it-IT" sz="1400" dirty="0"/>
                   <a:t> </a:t>
                 </a:r>
                 <a:r>
                   <a:rPr lang="it-IT" sz="1400" dirty="0">
-                    <a:solidFill>
-                      <a:srgbClr val="FF0000"/>
-                    </a:solidFill>
                     <a:latin typeface="Cambria Math" panose="02040503050406030204" pitchFamily="18" charset="0"/>
                     <a:ea typeface="Cambria Math" panose="02040503050406030204" pitchFamily="18" charset="0"/>
                   </a:rPr>
                   <a:t>n</a:t>
                 </a:r>
                 <a:r>
-                  <a:rPr lang="it-IT" sz="1400" dirty="0">
-                    <a:solidFill>
-                      <a:srgbClr val="FF0000"/>
-                    </a:solidFill>
-                  </a:rPr>
+                  <a:rPr lang="it-IT" sz="1400" dirty="0"/>
                   <a:t>=3 </a:t>
                 </a:r>
                 <a:r>
-                  <a:rPr lang="it-IT" sz="1400" dirty="0" err="1">
-                    <a:solidFill>
-                      <a:srgbClr val="FF0000"/>
-                    </a:solidFill>
-                  </a:rPr>
+                  <a:rPr lang="it-IT" sz="1400" dirty="0" err="1"/>
                   <a:t>because</a:t>
                 </a:r>
                 <a:r>
-                  <a:rPr lang="it-IT" sz="1400" dirty="0">
-                    <a:solidFill>
-                      <a:srgbClr val="FF0000"/>
-                    </a:solidFill>
-                  </a:rPr>
-                  <a:t>…</a:t>
+                  <a:rPr lang="it-IT" sz="1400" dirty="0"/>
+                  <a:t> </a:t>
+                </a:r>
+                <a:r>
+                  <a:rPr lang="it-IT" sz="1400" dirty="0" err="1"/>
+                  <a:t>it</a:t>
+                </a:r>
+                <a:r>
+                  <a:rPr lang="it-IT" sz="1400" dirty="0"/>
+                  <a:t> </a:t>
+                </a:r>
+                <a:r>
+                  <a:rPr lang="it-IT" sz="1400" dirty="0" err="1"/>
+                  <a:t>yielded</a:t>
+                </a:r>
+                <a:r>
+                  <a:rPr lang="it-IT" sz="1400" dirty="0"/>
+                  <a:t> </a:t>
+                </a:r>
+                <a:r>
+                  <a:rPr lang="it-IT" sz="1400" dirty="0" err="1"/>
+                  <a:t>better</a:t>
+                </a:r>
+                <a:r>
+                  <a:rPr lang="it-IT" sz="1400" dirty="0"/>
+                  <a:t> </a:t>
+                </a:r>
+                <a:r>
+                  <a:rPr lang="it-IT" sz="1400" dirty="0" err="1"/>
+                  <a:t>result</a:t>
+                </a:r>
+                <a:r>
+                  <a:rPr lang="it-IT" sz="1400" dirty="0"/>
+                  <a:t> in </a:t>
+                </a:r>
+                <a:r>
+                  <a:rPr lang="it-IT" sz="1400" dirty="0" err="1"/>
+                  <a:t>explorative</a:t>
+                </a:r>
+                <a:r>
+                  <a:rPr lang="it-IT" sz="1400" dirty="0"/>
+                  <a:t> trials. Due to time </a:t>
+                </a:r>
+                <a:r>
+                  <a:rPr lang="it-IT" sz="1400" dirty="0" err="1"/>
+                  <a:t>constraints</a:t>
+                </a:r>
+                <a:r>
+                  <a:rPr lang="it-IT" sz="1400" dirty="0"/>
+                  <a:t>, </a:t>
+                </a:r>
+                <a:r>
+                  <a:rPr lang="it-IT" sz="1400" dirty="0" err="1"/>
+                  <a:t>we</a:t>
+                </a:r>
+                <a:r>
+                  <a:rPr lang="it-IT" sz="1400" dirty="0"/>
+                  <a:t> </a:t>
+                </a:r>
+                <a:r>
+                  <a:rPr lang="it-IT" sz="1400" dirty="0" err="1"/>
+                  <a:t>opted</a:t>
+                </a:r>
+                <a:r>
+                  <a:rPr lang="it-IT" sz="1400" dirty="0"/>
+                  <a:t> </a:t>
+                </a:r>
+                <a:r>
+                  <a:rPr lang="it-IT" sz="1400" dirty="0" err="1"/>
+                  <a:t>not</a:t>
+                </a:r>
+                <a:r>
+                  <a:rPr lang="it-IT" sz="1400" dirty="0"/>
+                  <a:t> to do a </a:t>
+                </a:r>
+                <a:r>
+                  <a:rPr lang="it-IT" sz="1400" dirty="0" err="1"/>
+                  <a:t>grid</a:t>
+                </a:r>
+                <a:r>
+                  <a:rPr lang="it-IT" sz="1400" dirty="0"/>
+                  <a:t> </a:t>
+                </a:r>
+                <a:r>
+                  <a:rPr lang="it-IT" sz="1400" dirty="0" err="1"/>
+                  <a:t>search</a:t>
+                </a:r>
+                <a:r>
+                  <a:rPr lang="it-IT" sz="1400" dirty="0"/>
+                  <a:t> on </a:t>
+                </a:r>
+                <a:r>
+                  <a:rPr lang="it-IT" sz="1400" dirty="0" err="1"/>
+                  <a:t>this</a:t>
+                </a:r>
+                <a:r>
+                  <a:rPr lang="it-IT" sz="1400" dirty="0"/>
+                  <a:t> </a:t>
+                </a:r>
+                <a:r>
+                  <a:rPr lang="it-IT" sz="1400" dirty="0" err="1"/>
+                  <a:t>value</a:t>
+                </a:r>
+                <a:r>
+                  <a:rPr lang="it-IT" sz="1400" dirty="0"/>
+                  <a:t>. </a:t>
                 </a:r>
               </a:p>
             </p:txBody>
           </p:sp>
         </mc:Choice>
-        <mc:Fallback>
+        <mc:Fallback xmlns="">
           <p:sp>
             <p:nvSpPr>
               <p:cNvPr id="5" name="CasellaDiTesto 4">
@@ -22581,7 +22749,7 @@
             <p:spPr>
               <a:xfrm>
                 <a:off x="311759" y="3134950"/>
-                <a:ext cx="8520120" cy="1202252"/>
+                <a:ext cx="8520120" cy="1417696"/>
               </a:xfrm>
               <a:prstGeom prst="rect">
                 <a:avLst/>
@@ -22589,7 +22757,7 @@
               <a:blipFill>
                 <a:blip r:embed="rId2"/>
                 <a:stretch>
-                  <a:fillRect l="-215" t="-508" b="-5076"/>
+                  <a:fillRect l="-215" t="-429" b="-3863"/>
                 </a:stretch>
               </a:blipFill>
             </p:spPr>
@@ -22608,8 +22776,8 @@
           </p:sp>
         </mc:Fallback>
       </mc:AlternateContent>
-      <mc:AlternateContent xmlns:mc="http://schemas.openxmlformats.org/markup-compatibility/2006">
-        <mc:Choice xmlns:a14="http://schemas.microsoft.com/office/drawing/2010/main" Requires="a14">
+      <mc:AlternateContent xmlns:mc="http://schemas.openxmlformats.org/markup-compatibility/2006" xmlns:a14="http://schemas.microsoft.com/office/drawing/2010/main">
+        <mc:Choice Requires="a14">
           <p:sp>
             <p:nvSpPr>
               <p:cNvPr id="3" name="CasellaDiTesto 2">
@@ -23345,7 +23513,7 @@
             </p:txBody>
           </p:sp>
         </mc:Choice>
-        <mc:Fallback>
+        <mc:Fallback xmlns="">
           <p:sp>
             <p:nvSpPr>
               <p:cNvPr id="3" name="CasellaDiTesto 2">
@@ -23394,957 +23562,6 @@
     <p:extLst>
       <p:ext uri="{BB962C8B-B14F-4D97-AF65-F5344CB8AC3E}">
         <p14:creationId xmlns:p14="http://schemas.microsoft.com/office/powerpoint/2010/main" val="1317546089"/>
-      </p:ext>
-    </p:extLst>
-  </p:cSld>
-  <p:clrMapOvr>
-    <a:masterClrMapping/>
-  </p:clrMapOvr>
-</p:sld>
-</file>
-
-<file path=ppt/slides/slide29.xml><?xml version="1.0" encoding="utf-8"?>
-<p:sld xmlns:a="http://schemas.openxmlformats.org/drawingml/2006/main" xmlns:r="http://schemas.openxmlformats.org/officeDocument/2006/relationships" xmlns:p="http://schemas.openxmlformats.org/presentationml/2006/main">
-  <p:cSld>
-    <p:spTree>
-      <p:nvGrpSpPr>
-        <p:cNvPr id="1" name=""/>
-        <p:cNvGrpSpPr/>
-        <p:nvPr/>
-      </p:nvGrpSpPr>
-      <p:grpSpPr>
-        <a:xfrm>
-          <a:off x="0" y="0"/>
-          <a:ext cx="0" cy="0"/>
-          <a:chOff x="0" y="0"/>
-          <a:chExt cx="0" cy="0"/>
-        </a:xfrm>
-      </p:grpSpPr>
-      <p:sp>
-        <p:nvSpPr>
-          <p:cNvPr id="120" name="PlaceHolder 1"/>
-          <p:cNvSpPr>
-            <a:spLocks noGrp="1"/>
-          </p:cNvSpPr>
-          <p:nvPr>
-            <p:ph type="title"/>
-          </p:nvPr>
-        </p:nvSpPr>
-        <p:spPr>
-          <a:xfrm>
-            <a:off x="311760" y="0"/>
-            <a:ext cx="8520120" cy="792000"/>
-          </a:xfrm>
-          <a:prstGeom prst="rect">
-            <a:avLst/>
-          </a:prstGeom>
-          <a:noFill/>
-          <a:ln w="0">
-            <a:noFill/>
-          </a:ln>
-        </p:spPr>
-        <p:txBody>
-          <a:bodyPr tIns="91440" bIns="91440" anchor="t">
-            <a:normAutofit fontScale="90000"/>
-          </a:bodyPr>
-          <a:lstStyle/>
-          <a:p>
-            <a:pPr>
-              <a:lnSpc>
-                <a:spcPct val="100000"/>
-              </a:lnSpc>
-              <a:buNone/>
-              <a:tabLst>
-                <a:tab pos="0" algn="l"/>
-              </a:tabLst>
-            </a:pPr>
-            <a:r>
-              <a:rPr lang="it" sz="2400" b="0" strike="noStrike" spc="-1" dirty="0">
-                <a:solidFill>
-                  <a:srgbClr val="000000"/>
-                </a:solidFill>
-                <a:latin typeface="Arial"/>
-                <a:ea typeface="Arial"/>
-              </a:rPr>
-              <a:t>Appendix – 6</a:t>
-            </a:r>
-            <a:br>
-              <a:rPr lang="it" sz="2400" b="0" strike="noStrike" spc="-1" dirty="0">
-                <a:solidFill>
-                  <a:srgbClr val="000000"/>
-                </a:solidFill>
-                <a:latin typeface="Arial"/>
-                <a:ea typeface="Arial"/>
-              </a:rPr>
-            </a:br>
-            <a:r>
-              <a:rPr lang="it" sz="2000" spc="-1" dirty="0">
-                <a:solidFill>
-                  <a:srgbClr val="3F3F3F"/>
-                </a:solidFill>
-                <a:latin typeface="Arial"/>
-                <a:ea typeface="Arial"/>
-              </a:rPr>
-              <a:t>Further details on model novelties</a:t>
-            </a:r>
-            <a:endParaRPr lang="it-IT" sz="2400" b="0" strike="noStrike" spc="-1" dirty="0">
-              <a:solidFill>
-                <a:srgbClr val="3F3F3F"/>
-              </a:solidFill>
-              <a:latin typeface="Arial"/>
-            </a:endParaRPr>
-          </a:p>
-        </p:txBody>
-      </p:sp>
-      <p:sp>
-        <p:nvSpPr>
-          <p:cNvPr id="122" name="PlaceHolder 3"/>
-          <p:cNvSpPr>
-            <a:spLocks noGrp="1"/>
-          </p:cNvSpPr>
-          <p:nvPr>
-            <p:ph type="sldNum" idx="14"/>
-          </p:nvPr>
-        </p:nvSpPr>
-        <p:spPr>
-          <a:xfrm>
-            <a:off x="8472600" y="4663080"/>
-            <a:ext cx="548280" cy="393120"/>
-          </a:xfrm>
-          <a:prstGeom prst="rect">
-            <a:avLst/>
-          </a:prstGeom>
-          <a:noFill/>
-          <a:ln w="0">
-            <a:noFill/>
-          </a:ln>
-        </p:spPr>
-        <p:txBody>
-          <a:bodyPr tIns="91440" bIns="91440" anchor="ctr">
-            <a:normAutofit/>
-          </a:bodyPr>
-          <a:lstStyle>
-            <a:lvl1pPr algn="r">
-              <a:lnSpc>
-                <a:spcPct val="100000"/>
-              </a:lnSpc>
-              <a:buNone/>
-              <a:tabLst>
-                <a:tab pos="0" algn="l"/>
-              </a:tabLst>
-              <a:defRPr lang="it" sz="1000" b="0" strike="noStrike" spc="-1">
-                <a:solidFill>
-                  <a:srgbClr val="595959"/>
-                </a:solidFill>
-                <a:latin typeface="Arial"/>
-                <a:ea typeface="Arial"/>
-              </a:defRPr>
-            </a:lvl1pPr>
-          </a:lstStyle>
-          <a:p>
-            <a:pPr algn="r">
-              <a:lnSpc>
-                <a:spcPct val="100000"/>
-              </a:lnSpc>
-              <a:buNone/>
-              <a:tabLst>
-                <a:tab pos="0" algn="l"/>
-              </a:tabLst>
-            </a:pPr>
-            <a:fld id="{25B94CD5-D627-49BE-818E-4A00F2BB16DF}" type="slidenum">
-              <a:rPr lang="it" sz="1000" b="0" strike="noStrike" spc="-1">
-                <a:solidFill>
-                  <a:srgbClr val="595959"/>
-                </a:solidFill>
-                <a:latin typeface="Arial"/>
-                <a:ea typeface="Arial"/>
-              </a:rPr>
-              <a:t>29</a:t>
-            </a:fld>
-            <a:endParaRPr lang="it-IT" sz="1000" b="0" strike="noStrike" spc="-1">
-              <a:latin typeface="Times New Roman"/>
-            </a:endParaRPr>
-          </a:p>
-        </p:txBody>
-      </p:sp>
-      <p:sp>
-        <p:nvSpPr>
-          <p:cNvPr id="5" name="CasellaDiTesto 4">
-            <a:extLst>
-              <a:ext uri="{FF2B5EF4-FFF2-40B4-BE49-F238E27FC236}">
-                <a16:creationId xmlns:a16="http://schemas.microsoft.com/office/drawing/2014/main" id="{A77CEF4F-ABAC-4F22-36BA-C76BB6E4367F}"/>
-              </a:ext>
-            </a:extLst>
-          </p:cNvPr>
-          <p:cNvSpPr txBox="1"/>
-          <p:nvPr/>
-        </p:nvSpPr>
-        <p:spPr>
-          <a:xfrm>
-            <a:off x="311760" y="887506"/>
-            <a:ext cx="8520120" cy="3539430"/>
-          </a:xfrm>
-          <a:prstGeom prst="rect">
-            <a:avLst/>
-          </a:prstGeom>
-          <a:noFill/>
-        </p:spPr>
-        <p:txBody>
-          <a:bodyPr wrap="square" rtlCol="0">
-            <a:spAutoFit/>
-          </a:bodyPr>
-          <a:lstStyle/>
-          <a:p>
-            <a:r>
-              <a:rPr lang="it-IT" sz="1400" b="1" dirty="0" err="1"/>
-              <a:t>Optuna</a:t>
-            </a:r>
-            <a:r>
-              <a:rPr lang="it-IT" sz="1400" dirty="0"/>
-              <a:t>:</a:t>
-            </a:r>
-            <a:br>
-              <a:rPr lang="it-IT" sz="1400" dirty="0"/>
-            </a:br>
-            <a:r>
-              <a:rPr lang="it-IT" sz="1400" dirty="0" err="1"/>
-              <a:t>Optuna</a:t>
-            </a:r>
-            <a:r>
-              <a:rPr lang="it-IT" sz="1400" dirty="0"/>
-              <a:t> </a:t>
-            </a:r>
-            <a:r>
-              <a:rPr lang="it-IT" sz="1400" dirty="0" err="1"/>
-              <a:t>is</a:t>
-            </a:r>
-            <a:r>
-              <a:rPr lang="it-IT" sz="1400" dirty="0"/>
-              <a:t> an </a:t>
-            </a:r>
-            <a:r>
-              <a:rPr lang="it-IT" sz="1400" dirty="0" err="1"/>
-              <a:t>hyperparameter</a:t>
-            </a:r>
-            <a:r>
-              <a:rPr lang="it-IT" sz="1400" dirty="0"/>
-              <a:t> </a:t>
-            </a:r>
-            <a:r>
-              <a:rPr lang="it-IT" sz="1400" dirty="0" err="1"/>
-              <a:t>optimization</a:t>
-            </a:r>
-            <a:r>
-              <a:rPr lang="it-IT" sz="1400" dirty="0"/>
-              <a:t> software </a:t>
-            </a:r>
-            <a:r>
-              <a:rPr lang="it-IT" sz="1400" dirty="0" err="1"/>
-              <a:t>that</a:t>
-            </a:r>
-            <a:r>
-              <a:rPr lang="it-IT" sz="1400" dirty="0"/>
-              <a:t> follows the </a:t>
-            </a:r>
-            <a:r>
-              <a:rPr lang="it-IT" sz="1400" dirty="0" err="1"/>
-              <a:t>define</a:t>
-            </a:r>
-            <a:r>
-              <a:rPr lang="it-IT" sz="1400" dirty="0"/>
-              <a:t>-by-</a:t>
-            </a:r>
-            <a:r>
-              <a:rPr lang="it-IT" sz="1400" dirty="0" err="1"/>
-              <a:t>run</a:t>
-            </a:r>
-            <a:r>
-              <a:rPr lang="it-IT" sz="1400" dirty="0"/>
-              <a:t> </a:t>
-            </a:r>
-            <a:r>
-              <a:rPr lang="it-IT" sz="1400" dirty="0" err="1"/>
-              <a:t>principle</a:t>
-            </a:r>
-            <a:r>
-              <a:rPr lang="it-IT" sz="1400" dirty="0"/>
-              <a:t> (i.e., </a:t>
-            </a:r>
-            <a:r>
-              <a:rPr lang="it-IT" sz="1400" dirty="0" err="1"/>
-              <a:t>allows</a:t>
-            </a:r>
-            <a:r>
-              <a:rPr lang="it-IT" sz="1400" dirty="0"/>
-              <a:t> the user to </a:t>
-            </a:r>
-            <a:r>
-              <a:rPr lang="it-IT" sz="1400" dirty="0" err="1"/>
-              <a:t>dynamically</a:t>
-            </a:r>
-            <a:r>
-              <a:rPr lang="it-IT" sz="1400" dirty="0"/>
-              <a:t> </a:t>
-            </a:r>
-            <a:r>
-              <a:rPr lang="it-IT" sz="1400" dirty="0" err="1"/>
-              <a:t>construct</a:t>
-            </a:r>
-            <a:r>
-              <a:rPr lang="it-IT" sz="1400" dirty="0"/>
-              <a:t> the </a:t>
-            </a:r>
-            <a:r>
-              <a:rPr lang="it-IT" sz="1400" dirty="0" err="1"/>
-              <a:t>search</a:t>
-            </a:r>
-            <a:r>
-              <a:rPr lang="it-IT" sz="1400" dirty="0"/>
-              <a:t> </a:t>
-            </a:r>
-            <a:r>
-              <a:rPr lang="it-IT" sz="1400" dirty="0" err="1"/>
-              <a:t>space</a:t>
-            </a:r>
-            <a:r>
-              <a:rPr lang="it-IT" sz="1400" dirty="0"/>
-              <a:t>). Key </a:t>
-            </a:r>
-            <a:r>
-              <a:rPr lang="it-IT" sz="1400" dirty="0" err="1"/>
-              <a:t>characteristics</a:t>
-            </a:r>
-            <a:r>
-              <a:rPr lang="it-IT" sz="1400" dirty="0"/>
-              <a:t>:</a:t>
-            </a:r>
-          </a:p>
-          <a:p>
-            <a:pPr marL="285750" indent="-285750">
-              <a:buFont typeface="Arial" panose="020B0604020202020204" pitchFamily="34" charset="0"/>
-              <a:buChar char="•"/>
-            </a:pPr>
-            <a:r>
-              <a:rPr lang="it-IT" sz="1400" dirty="0"/>
-              <a:t>The </a:t>
-            </a:r>
-            <a:r>
-              <a:rPr lang="it-IT" sz="1400" dirty="0" err="1"/>
-              <a:t>hyperparameter</a:t>
-            </a:r>
-            <a:r>
-              <a:rPr lang="it-IT" sz="1400" dirty="0"/>
-              <a:t> </a:t>
-            </a:r>
-            <a:r>
-              <a:rPr lang="it-IT" sz="1400" dirty="0" err="1"/>
-              <a:t>optimization</a:t>
-            </a:r>
-            <a:r>
-              <a:rPr lang="it-IT" sz="1400" dirty="0"/>
-              <a:t> </a:t>
-            </a:r>
-            <a:r>
-              <a:rPr lang="it-IT" sz="1400" dirty="0" err="1"/>
-              <a:t>is</a:t>
-            </a:r>
-            <a:r>
-              <a:rPr lang="it-IT" sz="1400" dirty="0"/>
-              <a:t> </a:t>
-            </a:r>
-            <a:r>
-              <a:rPr lang="it-IT" sz="1400" dirty="0" err="1"/>
-              <a:t>formulated</a:t>
-            </a:r>
-            <a:r>
-              <a:rPr lang="it-IT" sz="1400" dirty="0"/>
-              <a:t> </a:t>
-            </a:r>
-            <a:r>
-              <a:rPr lang="it-IT" sz="1400" dirty="0" err="1"/>
-              <a:t>as</a:t>
-            </a:r>
-            <a:r>
-              <a:rPr lang="it-IT" sz="1400" dirty="0"/>
-              <a:t> a </a:t>
-            </a:r>
-            <a:r>
-              <a:rPr lang="it-IT" sz="1400" dirty="0" err="1"/>
-              <a:t>process</a:t>
-            </a:r>
-            <a:r>
-              <a:rPr lang="it-IT" sz="1400" dirty="0"/>
-              <a:t> of </a:t>
-            </a:r>
-            <a:r>
-              <a:rPr lang="it-IT" sz="1400" dirty="0" err="1"/>
-              <a:t>maximizing</a:t>
-            </a:r>
-            <a:r>
-              <a:rPr lang="it-IT" sz="1400" dirty="0"/>
-              <a:t> an </a:t>
-            </a:r>
-            <a:r>
-              <a:rPr lang="it-IT" sz="1400" dirty="0" err="1"/>
-              <a:t>objective</a:t>
-            </a:r>
-            <a:r>
-              <a:rPr lang="it-IT" sz="1400" dirty="0"/>
-              <a:t> </a:t>
-            </a:r>
-            <a:r>
-              <a:rPr lang="it-IT" sz="1400" dirty="0" err="1"/>
-              <a:t>function</a:t>
-            </a:r>
-            <a:r>
-              <a:rPr lang="it-IT" sz="1400" dirty="0"/>
-              <a:t> </a:t>
-            </a:r>
-            <a:r>
-              <a:rPr lang="it-IT" sz="1400" dirty="0" err="1"/>
-              <a:t>that</a:t>
-            </a:r>
-            <a:r>
-              <a:rPr lang="it-IT" sz="1400" dirty="0"/>
-              <a:t> takes a set of </a:t>
-            </a:r>
-            <a:r>
-              <a:rPr lang="it-IT" sz="1400" dirty="0" err="1"/>
-              <a:t>hyperparameters</a:t>
-            </a:r>
-            <a:r>
-              <a:rPr lang="it-IT" sz="1400" dirty="0"/>
-              <a:t> </a:t>
-            </a:r>
-            <a:r>
-              <a:rPr lang="it-IT" sz="1400" dirty="0" err="1"/>
-              <a:t>as</a:t>
-            </a:r>
-            <a:r>
-              <a:rPr lang="it-IT" sz="1400" dirty="0"/>
-              <a:t> input.</a:t>
-            </a:r>
-          </a:p>
-          <a:p>
-            <a:pPr marL="285750" indent="-285750">
-              <a:buFont typeface="Arial" panose="020B0604020202020204" pitchFamily="34" charset="0"/>
-              <a:buChar char="•"/>
-            </a:pPr>
-            <a:r>
-              <a:rPr lang="it-IT" sz="1400" dirty="0"/>
-              <a:t>The </a:t>
-            </a:r>
-            <a:r>
-              <a:rPr lang="it-IT" sz="1400" dirty="0" err="1"/>
-              <a:t>objective</a:t>
-            </a:r>
-            <a:r>
-              <a:rPr lang="it-IT" sz="1400" dirty="0"/>
-              <a:t> </a:t>
-            </a:r>
-            <a:r>
-              <a:rPr lang="it-IT" sz="1400" dirty="0" err="1"/>
-              <a:t>function</a:t>
-            </a:r>
-            <a:r>
-              <a:rPr lang="it-IT" sz="1400" dirty="0"/>
-              <a:t> </a:t>
-            </a:r>
-            <a:r>
-              <a:rPr lang="it-IT" sz="1400" dirty="0" err="1"/>
-              <a:t>is</a:t>
-            </a:r>
-            <a:r>
-              <a:rPr lang="it-IT" sz="1400" dirty="0"/>
-              <a:t> </a:t>
-            </a:r>
-            <a:r>
-              <a:rPr lang="it-IT" sz="1400" dirty="0" err="1"/>
-              <a:t>built</a:t>
-            </a:r>
-            <a:r>
-              <a:rPr lang="it-IT" sz="1400" dirty="0"/>
-              <a:t> </a:t>
-            </a:r>
-            <a:r>
-              <a:rPr lang="it-IT" sz="1400" dirty="0" err="1"/>
-              <a:t>gradually</a:t>
-            </a:r>
-            <a:r>
-              <a:rPr lang="it-IT" sz="1400" dirty="0"/>
-              <a:t>: the </a:t>
-            </a:r>
-            <a:r>
-              <a:rPr lang="it-IT" sz="1400" dirty="0" err="1"/>
-              <a:t>search</a:t>
-            </a:r>
-            <a:r>
-              <a:rPr lang="it-IT" sz="1400" dirty="0"/>
-              <a:t> </a:t>
-            </a:r>
-            <a:r>
-              <a:rPr lang="it-IT" sz="1400" dirty="0" err="1"/>
-              <a:t>space</a:t>
-            </a:r>
-            <a:r>
-              <a:rPr lang="it-IT" sz="1400" dirty="0"/>
-              <a:t> </a:t>
-            </a:r>
-            <a:r>
-              <a:rPr lang="it-IT" sz="1400" dirty="0" err="1"/>
-              <a:t>is</a:t>
-            </a:r>
-            <a:r>
-              <a:rPr lang="it-IT" sz="1400" dirty="0"/>
-              <a:t> </a:t>
-            </a:r>
-            <a:r>
-              <a:rPr lang="it-IT" sz="1400" dirty="0" err="1"/>
-              <a:t>constructed</a:t>
-            </a:r>
-            <a:r>
-              <a:rPr lang="it-IT" sz="1400" dirty="0"/>
-              <a:t> </a:t>
-            </a:r>
-            <a:r>
-              <a:rPr lang="it-IT" sz="1400" dirty="0" err="1"/>
-              <a:t>dynamically</a:t>
-            </a:r>
-            <a:r>
-              <a:rPr lang="it-IT" sz="1400" dirty="0"/>
-              <a:t> </a:t>
-            </a:r>
-            <a:r>
-              <a:rPr lang="it-IT" sz="1400" dirty="0" err="1"/>
-              <a:t>at</a:t>
-            </a:r>
-            <a:r>
-              <a:rPr lang="it-IT" sz="1400" dirty="0"/>
-              <a:t> </a:t>
-            </a:r>
-            <a:r>
-              <a:rPr lang="it-IT" sz="1400" dirty="0" err="1"/>
-              <a:t>runtime</a:t>
-            </a:r>
-            <a:r>
-              <a:rPr lang="it-IT" sz="1400" dirty="0"/>
-              <a:t>. </a:t>
-            </a:r>
-          </a:p>
-          <a:p>
-            <a:pPr marL="285750" indent="-285750">
-              <a:buFont typeface="Arial" panose="020B0604020202020204" pitchFamily="34" charset="0"/>
-              <a:buChar char="•"/>
-            </a:pPr>
-            <a:r>
-              <a:rPr lang="it-IT" sz="1400" dirty="0"/>
-              <a:t>A </a:t>
-            </a:r>
-            <a:r>
-              <a:rPr lang="it-IT" sz="1400" dirty="0">
-                <a:latin typeface="Consolas" panose="020B0609020204030204" pitchFamily="49" charset="0"/>
-              </a:rPr>
-              <a:t>trial</a:t>
-            </a:r>
-            <a:r>
-              <a:rPr lang="it-IT" sz="1400" dirty="0"/>
-              <a:t> </a:t>
-            </a:r>
-            <a:r>
-              <a:rPr lang="it-IT" sz="1400" dirty="0" err="1"/>
-              <a:t>object</a:t>
-            </a:r>
-            <a:r>
-              <a:rPr lang="it-IT" sz="1400" dirty="0"/>
-              <a:t> </a:t>
-            </a:r>
-            <a:r>
-              <a:rPr lang="it-IT" sz="1400" dirty="0" err="1"/>
-              <a:t>represents</a:t>
-            </a:r>
-            <a:r>
-              <a:rPr lang="it-IT" sz="1400" dirty="0"/>
-              <a:t> an </a:t>
-            </a:r>
-            <a:r>
-              <a:rPr lang="it-IT" sz="1400" dirty="0" err="1"/>
-              <a:t>evaluation</a:t>
-            </a:r>
-            <a:r>
-              <a:rPr lang="it-IT" sz="1400" dirty="0"/>
-              <a:t> of the </a:t>
-            </a:r>
-            <a:r>
-              <a:rPr lang="it-IT" sz="1400" dirty="0" err="1"/>
-              <a:t>objective</a:t>
-            </a:r>
-            <a:r>
-              <a:rPr lang="it-IT" sz="1400" dirty="0"/>
-              <a:t> </a:t>
-            </a:r>
-            <a:r>
-              <a:rPr lang="it-IT" sz="1400" dirty="0" err="1"/>
-              <a:t>function</a:t>
-            </a:r>
-            <a:r>
-              <a:rPr lang="it-IT" sz="1400" dirty="0"/>
-              <a:t>. </a:t>
-            </a:r>
-            <a:r>
-              <a:rPr lang="en-US" sz="1400" dirty="0"/>
-              <a:t>Hyperparameters are dynamically generated by calling </a:t>
-            </a:r>
-            <a:r>
-              <a:rPr lang="en-US" sz="1400" dirty="0">
-                <a:latin typeface="Consolas" panose="020B0609020204030204" pitchFamily="49" charset="0"/>
-              </a:rPr>
-              <a:t>suggest</a:t>
-            </a:r>
-            <a:r>
-              <a:rPr lang="en-US" sz="1400" dirty="0"/>
-              <a:t> methods inside the objective function, with the desired range specified as arguments.</a:t>
-            </a:r>
-          </a:p>
-          <a:p>
-            <a:pPr marL="285750" indent="-285750">
-              <a:buFont typeface="Arial" panose="020B0604020202020204" pitchFamily="34" charset="0"/>
-              <a:buChar char="•"/>
-            </a:pPr>
-            <a:r>
-              <a:rPr lang="it-IT" sz="1400" dirty="0" err="1"/>
-              <a:t>Upon</a:t>
-            </a:r>
-            <a:r>
-              <a:rPr lang="it-IT" sz="1400" dirty="0"/>
-              <a:t> the </a:t>
-            </a:r>
-            <a:r>
-              <a:rPr lang="it-IT" sz="1400" dirty="0" err="1"/>
-              <a:t>invocation</a:t>
-            </a:r>
-            <a:r>
-              <a:rPr lang="it-IT" sz="1400" dirty="0"/>
-              <a:t> of a </a:t>
-            </a:r>
-            <a:r>
-              <a:rPr lang="it-IT" sz="1400" dirty="0" err="1">
-                <a:latin typeface="Consolas" panose="020B0609020204030204" pitchFamily="49" charset="0"/>
-              </a:rPr>
-              <a:t>suggest</a:t>
-            </a:r>
-            <a:r>
-              <a:rPr lang="it-IT" sz="1400" dirty="0"/>
-              <a:t> </a:t>
-            </a:r>
-            <a:r>
-              <a:rPr lang="it-IT" sz="1400" dirty="0" err="1"/>
-              <a:t>method</a:t>
-            </a:r>
-            <a:r>
-              <a:rPr lang="it-IT" sz="1400" dirty="0"/>
-              <a:t>, an </a:t>
-            </a:r>
-            <a:r>
-              <a:rPr lang="it-IT" sz="1400" dirty="0" err="1"/>
-              <a:t>hyperparameter</a:t>
-            </a:r>
-            <a:r>
-              <a:rPr lang="it-IT" sz="1400" dirty="0"/>
-              <a:t> </a:t>
-            </a:r>
-            <a:r>
-              <a:rPr lang="it-IT" sz="1400" dirty="0" err="1"/>
-              <a:t>is</a:t>
-            </a:r>
-            <a:r>
-              <a:rPr lang="it-IT" sz="1400" dirty="0"/>
-              <a:t> </a:t>
-            </a:r>
-            <a:r>
-              <a:rPr lang="it-IT" sz="1400" dirty="0" err="1"/>
-              <a:t>statistically</a:t>
-            </a:r>
-            <a:r>
-              <a:rPr lang="it-IT" sz="1400" dirty="0"/>
-              <a:t> </a:t>
-            </a:r>
-            <a:r>
-              <a:rPr lang="it-IT" sz="1400" dirty="0" err="1"/>
-              <a:t>sampled</a:t>
-            </a:r>
-            <a:r>
-              <a:rPr lang="it-IT" sz="1400" dirty="0"/>
-              <a:t> </a:t>
-            </a:r>
-            <a:r>
-              <a:rPr lang="it-IT" sz="1400" dirty="0" err="1"/>
-              <a:t>based</a:t>
-            </a:r>
-            <a:r>
-              <a:rPr lang="it-IT" sz="1400" dirty="0"/>
-              <a:t> on the history of </a:t>
-            </a:r>
-            <a:r>
-              <a:rPr lang="it-IT" sz="1400" dirty="0" err="1"/>
-              <a:t>previously</a:t>
-            </a:r>
-            <a:r>
-              <a:rPr lang="it-IT" sz="1400" dirty="0"/>
-              <a:t> </a:t>
-            </a:r>
-            <a:r>
-              <a:rPr lang="it-IT" sz="1400" dirty="0" err="1"/>
-              <a:t>evaluated</a:t>
-            </a:r>
-            <a:r>
-              <a:rPr lang="it-IT" sz="1400" dirty="0"/>
-              <a:t> </a:t>
-            </a:r>
-            <a:r>
-              <a:rPr lang="it-IT" sz="1400" dirty="0">
-                <a:latin typeface="Consolas" panose="020B0609020204030204" pitchFamily="49" charset="0"/>
-              </a:rPr>
-              <a:t>trial</a:t>
-            </a:r>
-            <a:r>
-              <a:rPr lang="it-IT" sz="1400" dirty="0"/>
-              <a:t>s.</a:t>
-            </a:r>
-          </a:p>
-          <a:p>
-            <a:pPr marL="285750" indent="-285750">
-              <a:buFont typeface="Arial" panose="020B0604020202020204" pitchFamily="34" charset="0"/>
-              <a:buChar char="•"/>
-            </a:pPr>
-            <a:r>
-              <a:rPr lang="it-IT" sz="1400" dirty="0" err="1"/>
-              <a:t>Optuna</a:t>
-            </a:r>
-            <a:r>
-              <a:rPr lang="it-IT" sz="1400" dirty="0"/>
-              <a:t> </a:t>
-            </a:r>
-            <a:r>
-              <a:rPr lang="it-IT" sz="1400" dirty="0" err="1"/>
-              <a:t>embeds</a:t>
-            </a:r>
-            <a:r>
-              <a:rPr lang="it-IT" sz="1400" dirty="0"/>
-              <a:t> </a:t>
-            </a:r>
-            <a:r>
-              <a:rPr lang="it-IT" sz="1400" dirty="0" err="1"/>
-              <a:t>pruning</a:t>
-            </a:r>
-            <a:r>
-              <a:rPr lang="it-IT" sz="1400" dirty="0"/>
-              <a:t> </a:t>
-            </a:r>
-            <a:r>
-              <a:rPr lang="it-IT" sz="1400" dirty="0" err="1"/>
-              <a:t>mechanisms</a:t>
-            </a:r>
-            <a:r>
-              <a:rPr lang="it-IT" sz="1400" dirty="0"/>
-              <a:t>, </a:t>
-            </a:r>
-            <a:r>
-              <a:rPr lang="it-IT" sz="1400" dirty="0" err="1"/>
-              <a:t>that</a:t>
-            </a:r>
-            <a:r>
-              <a:rPr lang="it-IT" sz="1400" dirty="0"/>
-              <a:t> terminate </a:t>
-            </a:r>
-            <a:r>
-              <a:rPr lang="it-IT" sz="1400" dirty="0" err="1"/>
-              <a:t>unpromising</a:t>
-            </a:r>
-            <a:r>
-              <a:rPr lang="it-IT" sz="1400" dirty="0"/>
-              <a:t> trials.</a:t>
-            </a:r>
-          </a:p>
-          <a:p>
-            <a:pPr marL="285750" indent="-285750">
-              <a:buFont typeface="Arial" panose="020B0604020202020204" pitchFamily="34" charset="0"/>
-              <a:buChar char="•"/>
-            </a:pPr>
-            <a:r>
-              <a:rPr lang="it-IT" sz="1400" dirty="0" err="1"/>
-              <a:t>Optuna</a:t>
-            </a:r>
-            <a:r>
-              <a:rPr lang="it-IT" sz="1400" dirty="0"/>
-              <a:t> </a:t>
-            </a:r>
-            <a:r>
-              <a:rPr lang="it-IT" sz="1400" dirty="0" err="1"/>
-              <a:t>has</a:t>
-            </a:r>
-            <a:r>
-              <a:rPr lang="it-IT" sz="1400" dirty="0"/>
-              <a:t> </a:t>
-            </a:r>
-            <a:r>
-              <a:rPr lang="it-IT" sz="1400" dirty="0" err="1"/>
-              <a:t>efficient</a:t>
-            </a:r>
-            <a:r>
-              <a:rPr lang="it-IT" sz="1400" dirty="0"/>
-              <a:t> strategies for </a:t>
-            </a:r>
-            <a:r>
-              <a:rPr lang="it-IT" sz="1400" dirty="0" err="1"/>
-              <a:t>both</a:t>
-            </a:r>
-            <a:r>
-              <a:rPr lang="it-IT" sz="1400" dirty="0"/>
-              <a:t> </a:t>
-            </a:r>
-            <a:r>
-              <a:rPr lang="it-IT" sz="1400" dirty="0" err="1"/>
-              <a:t>searching</a:t>
-            </a:r>
-            <a:r>
-              <a:rPr lang="it-IT" sz="1400" dirty="0"/>
-              <a:t> (i.e. </a:t>
-            </a:r>
-            <a:r>
-              <a:rPr lang="it-IT" sz="1400" dirty="0" err="1"/>
-              <a:t>determining</a:t>
-            </a:r>
-            <a:r>
-              <a:rPr lang="it-IT" sz="1400" dirty="0"/>
-              <a:t> the sets of </a:t>
-            </a:r>
-            <a:r>
-              <a:rPr lang="it-IT" sz="1400" dirty="0" err="1"/>
-              <a:t>parameters</a:t>
-            </a:r>
-            <a:r>
-              <a:rPr lang="it-IT" sz="1400" dirty="0"/>
-              <a:t> to investigate </a:t>
-            </a:r>
-            <a:r>
-              <a:rPr lang="it-IT" sz="1400" dirty="0" err="1"/>
-              <a:t>next</a:t>
-            </a:r>
-            <a:r>
-              <a:rPr lang="it-IT" sz="1400" dirty="0"/>
-              <a:t>) and performance </a:t>
-            </a:r>
-            <a:r>
-              <a:rPr lang="it-IT" sz="1400" dirty="0" err="1"/>
-              <a:t>estimation</a:t>
-            </a:r>
-            <a:endParaRPr lang="it-IT" sz="1400" dirty="0"/>
-          </a:p>
-          <a:p>
-            <a:pPr marL="285750" indent="-285750">
-              <a:buFont typeface="Arial" panose="020B0604020202020204" pitchFamily="34" charset="0"/>
-              <a:buChar char="•"/>
-            </a:pPr>
-            <a:r>
-              <a:rPr lang="it-IT" sz="1400" dirty="0" err="1"/>
-              <a:t>Optuna</a:t>
-            </a:r>
-            <a:r>
-              <a:rPr lang="it-IT" sz="1400" dirty="0"/>
-              <a:t> </a:t>
-            </a:r>
-            <a:r>
-              <a:rPr lang="it-IT" sz="1400" dirty="0" err="1"/>
-              <a:t>has</a:t>
-            </a:r>
-            <a:r>
-              <a:rPr lang="it-IT" sz="1400" dirty="0"/>
-              <a:t> the </a:t>
-            </a:r>
-            <a:r>
-              <a:rPr lang="it-IT" sz="1400" dirty="0" err="1"/>
-              <a:t>ability</a:t>
-            </a:r>
-            <a:r>
-              <a:rPr lang="it-IT" sz="1400" dirty="0"/>
-              <a:t> to </a:t>
-            </a:r>
-            <a:r>
-              <a:rPr lang="it-IT" sz="1400" dirty="0" err="1"/>
-              <a:t>identify</a:t>
-            </a:r>
-            <a:r>
-              <a:rPr lang="it-IT" sz="1400" dirty="0"/>
-              <a:t> </a:t>
-            </a:r>
-            <a:r>
-              <a:rPr lang="it-IT" sz="1400" dirty="0" err="1"/>
-              <a:t>evaluations</a:t>
-            </a:r>
-            <a:r>
-              <a:rPr lang="it-IT" sz="1400" dirty="0"/>
-              <a:t> of the </a:t>
-            </a:r>
-            <a:r>
-              <a:rPr lang="it-IT" sz="1400" dirty="0" err="1"/>
-              <a:t>objective</a:t>
-            </a:r>
-            <a:r>
-              <a:rPr lang="it-IT" sz="1400" dirty="0"/>
-              <a:t> </a:t>
-            </a:r>
-            <a:r>
-              <a:rPr lang="it-IT" sz="1400" dirty="0" err="1"/>
-              <a:t>function</a:t>
-            </a:r>
-            <a:r>
-              <a:rPr lang="it-IT" sz="1400" dirty="0"/>
-              <a:t> </a:t>
-            </a:r>
-            <a:r>
-              <a:rPr lang="it-IT" sz="1400" dirty="0" err="1"/>
-              <a:t>that</a:t>
-            </a:r>
-            <a:r>
-              <a:rPr lang="it-IT" sz="1400" dirty="0"/>
-              <a:t> are informative </a:t>
-            </a:r>
-            <a:r>
-              <a:rPr lang="it-IT" sz="1400" dirty="0" err="1"/>
-              <a:t>about</a:t>
-            </a:r>
-            <a:r>
-              <a:rPr lang="it-IT" sz="1400" dirty="0"/>
-              <a:t> the </a:t>
-            </a:r>
-            <a:r>
-              <a:rPr lang="it-IT" sz="1400" dirty="0" err="1"/>
-              <a:t>concurrence</a:t>
-            </a:r>
-            <a:r>
-              <a:rPr lang="it-IT" sz="1400" dirty="0"/>
-              <a:t> relations </a:t>
-            </a:r>
-            <a:r>
-              <a:rPr lang="it-IT" sz="1400" dirty="0" err="1"/>
-              <a:t>between</a:t>
-            </a:r>
-            <a:r>
-              <a:rPr lang="it-IT" sz="1400" dirty="0"/>
-              <a:t> </a:t>
-            </a:r>
-            <a:r>
-              <a:rPr lang="it-IT" sz="1400" dirty="0" err="1"/>
-              <a:t>hyperparameters</a:t>
-            </a:r>
-            <a:endParaRPr lang="it-IT" sz="1400" dirty="0"/>
-          </a:p>
-        </p:txBody>
-      </p:sp>
-    </p:spTree>
-    <p:extLst>
-      <p:ext uri="{BB962C8B-B14F-4D97-AF65-F5344CB8AC3E}">
-        <p14:creationId xmlns:p14="http://schemas.microsoft.com/office/powerpoint/2010/main" val="3033337947"/>
       </p:ext>
     </p:extLst>
   </p:cSld>
@@ -24545,7 +23762,7 @@
         <p:spPr>
           <a:xfrm>
             <a:off x="311761" y="693013"/>
-            <a:ext cx="8520119" cy="1384995"/>
+            <a:ext cx="8520119" cy="1600438"/>
           </a:xfrm>
           <a:prstGeom prst="rect">
             <a:avLst/>
@@ -24767,389 +23984,26 @@
               <a:t> the model</a:t>
             </a:r>
           </a:p>
-        </p:txBody>
-      </p:sp>
-      <p:sp>
-        <p:nvSpPr>
-          <p:cNvPr id="2" name="CasellaDiTesto 1">
-            <a:extLst>
-              <a:ext uri="{FF2B5EF4-FFF2-40B4-BE49-F238E27FC236}">
-                <a16:creationId xmlns:a16="http://schemas.microsoft.com/office/drawing/2014/main" id="{B251AB5E-028C-4751-79BA-2BAF6E8174EA}"/>
-              </a:ext>
-            </a:extLst>
-          </p:cNvPr>
-          <p:cNvSpPr txBox="1"/>
-          <p:nvPr/>
-        </p:nvSpPr>
-        <p:spPr>
-          <a:xfrm>
-            <a:off x="311760" y="2310140"/>
-            <a:ext cx="8520120" cy="523220"/>
-          </a:xfrm>
-          <a:prstGeom prst="rect">
-            <a:avLst/>
-          </a:prstGeom>
-          <a:noFill/>
-        </p:spPr>
-        <p:txBody>
-          <a:bodyPr wrap="square" rtlCol="0">
-            <a:spAutoFit/>
-          </a:bodyPr>
-          <a:lstStyle/>
           <a:p>
-            <a:r>
-              <a:rPr lang="it-IT" sz="1400" dirty="0" err="1"/>
-              <a:t>We</a:t>
-            </a:r>
-            <a:r>
-              <a:rPr lang="it-IT" sz="1400" dirty="0"/>
-              <a:t> </a:t>
-            </a:r>
-            <a:r>
-              <a:rPr lang="it-IT" sz="1400" dirty="0" err="1"/>
-              <a:t>used</a:t>
-            </a:r>
-            <a:r>
-              <a:rPr lang="it-IT" sz="1400" dirty="0"/>
-              <a:t> the </a:t>
-            </a:r>
-            <a:r>
-              <a:rPr lang="it-IT" sz="1400" b="1" dirty="0"/>
-              <a:t>Random </a:t>
-            </a:r>
-            <a:r>
-              <a:rPr lang="it-IT" sz="1400" b="1" dirty="0" err="1"/>
-              <a:t>Forests</a:t>
-            </a:r>
-            <a:r>
-              <a:rPr lang="it-IT" sz="1400" dirty="0"/>
-              <a:t> from </a:t>
-            </a:r>
-            <a:r>
-              <a:rPr lang="it-IT" sz="1400" dirty="0" err="1"/>
-              <a:t>Scikit-Learn</a:t>
-            </a:r>
-            <a:r>
-              <a:rPr lang="it-IT" sz="1400" dirty="0"/>
-              <a:t>, in </a:t>
-            </a:r>
-            <a:r>
-              <a:rPr lang="it-IT" sz="1400" dirty="0" err="1"/>
-              <a:t>particular</a:t>
-            </a:r>
-            <a:r>
-              <a:rPr lang="it-IT" sz="1400" dirty="0"/>
-              <a:t>: </a:t>
-            </a:r>
-            <a:r>
-              <a:rPr lang="it-IT" sz="1400" dirty="0" err="1">
-                <a:latin typeface="Consolas" panose="020B0609020204030204" pitchFamily="49" charset="0"/>
-              </a:rPr>
-              <a:t>RandomForestClassifier</a:t>
-            </a:r>
-            <a:r>
-              <a:rPr lang="it-IT" sz="1400" dirty="0"/>
-              <a:t> for the Monk task; </a:t>
-            </a:r>
-            <a:r>
-              <a:rPr lang="it-IT" sz="1400" dirty="0" err="1"/>
-              <a:t>Scikit-Learn’s</a:t>
-            </a:r>
-            <a:r>
-              <a:rPr lang="it-IT" sz="1400" dirty="0"/>
-              <a:t> </a:t>
-            </a:r>
-            <a:r>
-              <a:rPr lang="it-IT" sz="1400" dirty="0" err="1">
-                <a:latin typeface="Consolas" panose="020B0609020204030204" pitchFamily="49" charset="0"/>
-              </a:rPr>
-              <a:t>RandomForestRegressor</a:t>
-            </a:r>
-            <a:r>
-              <a:rPr lang="it-IT" sz="1400" dirty="0"/>
-              <a:t>, in pipeline with a </a:t>
-            </a:r>
-            <a:r>
-              <a:rPr lang="it-IT" sz="1400" dirty="0" err="1">
-                <a:latin typeface="Consolas" panose="020B0609020204030204" pitchFamily="49" charset="0"/>
-              </a:rPr>
-              <a:t>RobustScaler</a:t>
-            </a:r>
-            <a:r>
-              <a:rPr lang="it-IT" sz="1400" dirty="0"/>
-              <a:t>.</a:t>
-            </a:r>
-          </a:p>
-        </p:txBody>
-      </p:sp>
-      <p:sp>
-        <p:nvSpPr>
-          <p:cNvPr id="9" name="CasellaDiTesto 8">
-            <a:extLst>
-              <a:ext uri="{FF2B5EF4-FFF2-40B4-BE49-F238E27FC236}">
-                <a16:creationId xmlns:a16="http://schemas.microsoft.com/office/drawing/2014/main" id="{C84A39E5-AE7A-203B-D191-5613A64E4624}"/>
-              </a:ext>
-            </a:extLst>
-          </p:cNvPr>
-          <p:cNvSpPr txBox="1"/>
-          <p:nvPr/>
-        </p:nvSpPr>
-        <p:spPr>
-          <a:xfrm>
-            <a:off x="311760" y="2833849"/>
-            <a:ext cx="8520120" cy="523220"/>
-          </a:xfrm>
-          <a:prstGeom prst="rect">
-            <a:avLst/>
-          </a:prstGeom>
-          <a:noFill/>
-        </p:spPr>
-        <p:txBody>
-          <a:bodyPr wrap="square" rtlCol="0">
-            <a:spAutoFit/>
-          </a:bodyPr>
-          <a:lstStyle/>
-          <a:p>
-            <a:r>
-              <a:rPr lang="it-IT" sz="1400" dirty="0" err="1"/>
-              <a:t>Also</a:t>
-            </a:r>
-            <a:r>
-              <a:rPr lang="it-IT" sz="1400" dirty="0"/>
-              <a:t> for the </a:t>
-            </a:r>
-            <a:r>
-              <a:rPr lang="it-IT" sz="1400" b="1" dirty="0" err="1"/>
-              <a:t>SVM</a:t>
-            </a:r>
-            <a:r>
-              <a:rPr lang="it-IT" sz="1400" dirty="0" err="1"/>
-              <a:t>s</a:t>
-            </a:r>
-            <a:r>
-              <a:rPr lang="it-IT" sz="1400" dirty="0"/>
-              <a:t> </a:t>
-            </a:r>
-            <a:r>
-              <a:rPr lang="it-IT" sz="1400" dirty="0" err="1"/>
-              <a:t>we</a:t>
-            </a:r>
-            <a:r>
-              <a:rPr lang="it-IT" sz="1400" dirty="0"/>
-              <a:t> </a:t>
-            </a:r>
-            <a:r>
-              <a:rPr lang="it-IT" sz="1400" dirty="0" err="1"/>
-              <a:t>exploited</a:t>
-            </a:r>
-            <a:r>
-              <a:rPr lang="it-IT" sz="1400" dirty="0"/>
-              <a:t> </a:t>
-            </a:r>
-            <a:r>
-              <a:rPr lang="it-IT" sz="1400" dirty="0" err="1"/>
-              <a:t>Scikit-Learn</a:t>
-            </a:r>
-            <a:r>
-              <a:rPr lang="it-IT" sz="1400" dirty="0"/>
-              <a:t>. In </a:t>
-            </a:r>
-            <a:r>
-              <a:rPr lang="it-IT" sz="1400" dirty="0" err="1"/>
-              <a:t>particular</a:t>
-            </a:r>
-            <a:r>
-              <a:rPr lang="it-IT" sz="1400" dirty="0"/>
-              <a:t>: SVC for the Monk task; </a:t>
-            </a:r>
-            <a:r>
-              <a:rPr lang="it-IT" sz="1400" dirty="0" err="1"/>
-              <a:t>Scikit-Learn’s</a:t>
-            </a:r>
-            <a:r>
-              <a:rPr lang="it-IT" sz="1400" dirty="0"/>
-              <a:t> </a:t>
-            </a:r>
-            <a:r>
-              <a:rPr lang="it-IT" sz="1400" dirty="0" err="1">
-                <a:latin typeface="Consolas" panose="020B0609020204030204" pitchFamily="49" charset="0"/>
-              </a:rPr>
-              <a:t>MultiOutputRegressor</a:t>
-            </a:r>
-            <a:r>
-              <a:rPr lang="it-IT" sz="1400" dirty="0"/>
-              <a:t> </a:t>
-            </a:r>
-            <a:r>
-              <a:rPr lang="it-IT" sz="1400" dirty="0" err="1"/>
-              <a:t>applied</a:t>
-            </a:r>
-            <a:r>
-              <a:rPr lang="it-IT" sz="1400" dirty="0"/>
-              <a:t> to a </a:t>
-            </a:r>
-            <a:r>
-              <a:rPr lang="it-IT" sz="1400" dirty="0">
-                <a:latin typeface="Consolas" panose="020B0609020204030204" pitchFamily="49" charset="0"/>
-              </a:rPr>
-              <a:t>SVR</a:t>
-            </a:r>
-            <a:r>
-              <a:rPr lang="it-IT" sz="1400" dirty="0"/>
-              <a:t>, in pipeline with a </a:t>
-            </a:r>
-            <a:r>
-              <a:rPr lang="it-IT" sz="1400" dirty="0" err="1">
-                <a:latin typeface="Consolas" panose="020B0609020204030204" pitchFamily="49" charset="0"/>
-              </a:rPr>
-              <a:t>RobustScaler</a:t>
-            </a:r>
-            <a:r>
-              <a:rPr lang="it-IT" sz="1400" dirty="0"/>
-              <a:t>.</a:t>
-            </a:r>
-          </a:p>
-        </p:txBody>
-      </p:sp>
-      <p:sp>
-        <p:nvSpPr>
-          <p:cNvPr id="10" name="CasellaDiTesto 9">
-            <a:extLst>
-              <a:ext uri="{FF2B5EF4-FFF2-40B4-BE49-F238E27FC236}">
-                <a16:creationId xmlns:a16="http://schemas.microsoft.com/office/drawing/2014/main" id="{6741B4B7-E882-E74D-F760-60AAB85D531B}"/>
-              </a:ext>
-            </a:extLst>
-          </p:cNvPr>
-          <p:cNvSpPr txBox="1"/>
-          <p:nvPr/>
-        </p:nvSpPr>
-        <p:spPr>
-          <a:xfrm>
-            <a:off x="311760" y="3357069"/>
-            <a:ext cx="8520120" cy="738664"/>
-          </a:xfrm>
-          <a:prstGeom prst="rect">
-            <a:avLst/>
-          </a:prstGeom>
-          <a:noFill/>
-        </p:spPr>
-        <p:txBody>
-          <a:bodyPr wrap="square" rtlCol="0">
-            <a:spAutoFit/>
-          </a:bodyPr>
-          <a:lstStyle/>
-          <a:p>
-            <a:r>
-              <a:rPr lang="it-IT" sz="1400" dirty="0" err="1"/>
-              <a:t>We</a:t>
-            </a:r>
-            <a:r>
-              <a:rPr lang="it-IT" sz="1400" dirty="0"/>
-              <a:t> </a:t>
-            </a:r>
-            <a:r>
-              <a:rPr lang="it-IT" sz="1400" dirty="0" err="1"/>
-              <a:t>implemented</a:t>
-            </a:r>
-            <a:r>
-              <a:rPr lang="it-IT" sz="1400" dirty="0"/>
-              <a:t> a </a:t>
-            </a:r>
-            <a:r>
-              <a:rPr lang="it-IT" sz="1400" dirty="0" err="1"/>
-              <a:t>multilayer</a:t>
-            </a:r>
-            <a:r>
-              <a:rPr lang="it-IT" sz="1400" dirty="0"/>
-              <a:t> </a:t>
-            </a:r>
-            <a:r>
-              <a:rPr lang="it-IT" sz="1400" dirty="0" err="1"/>
-              <a:t>feedforward</a:t>
-            </a:r>
-            <a:r>
-              <a:rPr lang="it-IT" sz="1400" dirty="0"/>
-              <a:t> </a:t>
-            </a:r>
-            <a:r>
-              <a:rPr lang="it-IT" sz="1400" b="1" dirty="0" err="1"/>
-              <a:t>Neural</a:t>
-            </a:r>
-            <a:r>
-              <a:rPr lang="it-IT" sz="1400" b="1" dirty="0"/>
-              <a:t> Networks</a:t>
-            </a:r>
-            <a:r>
-              <a:rPr lang="it-IT" sz="1400" dirty="0"/>
-              <a:t> </a:t>
-            </a:r>
-            <a:r>
-              <a:rPr lang="it-IT" sz="1400" dirty="0" err="1"/>
-              <a:t>using</a:t>
-            </a:r>
-            <a:r>
-              <a:rPr lang="it-IT" sz="1400" dirty="0"/>
-              <a:t> </a:t>
-            </a:r>
-            <a:r>
-              <a:rPr lang="it-IT" sz="1400" dirty="0" err="1"/>
-              <a:t>Keras</a:t>
-            </a:r>
-            <a:r>
-              <a:rPr lang="it-IT" sz="1400" dirty="0"/>
-              <a:t>.</a:t>
-            </a:r>
-            <a:r>
-              <a:rPr lang="it-IT" sz="1400" dirty="0">
-                <a:solidFill>
-                  <a:srgbClr val="FF0000"/>
-                </a:solidFill>
-              </a:rPr>
-              <a:t> </a:t>
-            </a:r>
-            <a:r>
-              <a:rPr lang="it-IT" sz="1400" dirty="0"/>
-              <a:t>For the ML23 CUP task </a:t>
-            </a:r>
-            <a:r>
-              <a:rPr lang="it-IT" sz="1400" dirty="0" err="1"/>
-              <a:t>we</a:t>
-            </a:r>
-            <a:r>
-              <a:rPr lang="it-IT" sz="1400" dirty="0"/>
-              <a:t> </a:t>
-            </a:r>
-            <a:r>
-              <a:rPr lang="it-IT" sz="1400" dirty="0" err="1"/>
-              <a:t>implemented</a:t>
-            </a:r>
-            <a:r>
-              <a:rPr lang="it-IT" sz="1400" dirty="0"/>
-              <a:t> a </a:t>
-            </a:r>
-            <a:r>
-              <a:rPr lang="it-IT" sz="1400" dirty="0" err="1">
-                <a:latin typeface="Consolas" panose="020B0609020204030204" pitchFamily="49" charset="0"/>
-              </a:rPr>
-              <a:t>RobustScaler</a:t>
-            </a:r>
-            <a:r>
-              <a:rPr lang="it-IT" sz="1400" dirty="0"/>
-              <a:t> in pipeline with a </a:t>
-            </a:r>
-            <a:r>
-              <a:rPr lang="it-IT" sz="1400" dirty="0" err="1"/>
-              <a:t>Neural</a:t>
-            </a:r>
-            <a:r>
-              <a:rPr lang="it-IT" sz="1400" dirty="0"/>
-              <a:t> Network.</a:t>
-            </a:r>
-          </a:p>
-          <a:p>
-            <a:r>
-              <a:rPr lang="en-US" sz="1400" dirty="0"/>
-              <a:t>The Neural Network class in our code is designed for seamless integration with Scikit-Learn.</a:t>
+            <a:pPr marL="285750" indent="-285750">
+              <a:buFont typeface="Arial" panose="020B0604020202020204" pitchFamily="34" charset="0"/>
+              <a:buChar char="•"/>
+            </a:pPr>
+            <a:r>
+              <a:rPr lang="it-IT" sz="1400" dirty="0"/>
+              <a:t>Extra notebooks for data </a:t>
+            </a:r>
+            <a:r>
+              <a:rPr lang="it-IT" sz="1400" dirty="0" err="1"/>
+              <a:t>exploration</a:t>
+            </a:r>
+            <a:r>
+              <a:rPr lang="it-IT" sz="1400" dirty="0"/>
+              <a:t> and models </a:t>
+            </a:r>
+            <a:r>
+              <a:rPr lang="it-IT" sz="1400" dirty="0" err="1"/>
+              <a:t>comparison</a:t>
             </a:r>
             <a:endParaRPr lang="it-IT" sz="1400" dirty="0"/>
           </a:p>
@@ -25169,8 +24023,8 @@
         </p:nvSpPr>
         <p:spPr>
           <a:xfrm>
-            <a:off x="311760" y="4356847"/>
-            <a:ext cx="8045587" cy="523220"/>
+            <a:off x="311760" y="3996932"/>
+            <a:ext cx="8520120" cy="523220"/>
           </a:xfrm>
           <a:prstGeom prst="rect">
             <a:avLst/>
@@ -25318,10 +24172,1190 @@
           </a:p>
         </p:txBody>
       </p:sp>
+      <p:sp>
+        <p:nvSpPr>
+          <p:cNvPr id="5" name="CasellaDiTesto 4">
+            <a:extLst>
+              <a:ext uri="{FF2B5EF4-FFF2-40B4-BE49-F238E27FC236}">
+                <a16:creationId xmlns:a16="http://schemas.microsoft.com/office/drawing/2014/main" id="{A25770F8-1FA1-1D5E-D768-E47CF7ED482A}"/>
+              </a:ext>
+            </a:extLst>
+          </p:cNvPr>
+          <p:cNvSpPr txBox="1"/>
+          <p:nvPr/>
+        </p:nvSpPr>
+        <p:spPr>
+          <a:xfrm>
+            <a:off x="311760" y="2802701"/>
+            <a:ext cx="8520120" cy="738664"/>
+          </a:xfrm>
+          <a:prstGeom prst="rect">
+            <a:avLst/>
+          </a:prstGeom>
+          <a:noFill/>
+        </p:spPr>
+        <p:txBody>
+          <a:bodyPr wrap="square" rtlCol="0">
+            <a:spAutoFit/>
+          </a:bodyPr>
+          <a:lstStyle/>
+          <a:p>
+            <a:r>
+              <a:rPr lang="it-IT" sz="1400" dirty="0" err="1"/>
+              <a:t>We</a:t>
+            </a:r>
+            <a:r>
+              <a:rPr lang="it-IT" sz="1400" dirty="0"/>
+              <a:t> </a:t>
+            </a:r>
+            <a:r>
+              <a:rPr lang="it-IT" sz="1400" dirty="0" err="1"/>
+              <a:t>used</a:t>
+            </a:r>
+            <a:r>
+              <a:rPr lang="it-IT" sz="1400" dirty="0"/>
+              <a:t> the </a:t>
+            </a:r>
+            <a:r>
+              <a:rPr lang="it-IT" sz="1400" b="1" dirty="0"/>
+              <a:t>Random </a:t>
+            </a:r>
+            <a:r>
+              <a:rPr lang="it-IT" sz="1400" b="1" dirty="0" err="1"/>
+              <a:t>Forests</a:t>
+            </a:r>
+            <a:r>
+              <a:rPr lang="it-IT" sz="1400" dirty="0"/>
+              <a:t> and </a:t>
+            </a:r>
+            <a:r>
+              <a:rPr lang="it-IT" sz="1400" b="1" dirty="0" err="1"/>
+              <a:t>SVM</a:t>
+            </a:r>
+            <a:r>
+              <a:rPr lang="it-IT" sz="1400" dirty="0" err="1"/>
+              <a:t>s</a:t>
+            </a:r>
+            <a:r>
+              <a:rPr lang="it-IT" sz="1400" dirty="0"/>
+              <a:t> from </a:t>
+            </a:r>
+            <a:r>
+              <a:rPr lang="it-IT" sz="1400" dirty="0" err="1"/>
+              <a:t>Scikit-Learn</a:t>
+            </a:r>
+            <a:r>
+              <a:rPr lang="it-IT" sz="1400" dirty="0"/>
+              <a:t>, and </a:t>
+            </a:r>
+            <a:r>
+              <a:rPr lang="it-IT" sz="1400" dirty="0" err="1"/>
+              <a:t>implemented</a:t>
+            </a:r>
+            <a:r>
+              <a:rPr lang="it-IT" sz="1400" dirty="0"/>
+              <a:t> a </a:t>
+            </a:r>
+            <a:r>
+              <a:rPr lang="it-IT" sz="1400" dirty="0" err="1"/>
+              <a:t>multilayer</a:t>
+            </a:r>
+            <a:r>
+              <a:rPr lang="it-IT" sz="1400" dirty="0"/>
+              <a:t> </a:t>
+            </a:r>
+            <a:r>
+              <a:rPr lang="it-IT" sz="1400" dirty="0" err="1"/>
+              <a:t>feedforward</a:t>
+            </a:r>
+            <a:r>
+              <a:rPr lang="it-IT" sz="1400" dirty="0"/>
+              <a:t> </a:t>
+            </a:r>
+            <a:r>
+              <a:rPr lang="it-IT" sz="1400" b="1" dirty="0" err="1"/>
+              <a:t>Neural</a:t>
+            </a:r>
+            <a:r>
+              <a:rPr lang="it-IT" sz="1400" b="1" dirty="0"/>
+              <a:t> Network</a:t>
+            </a:r>
+            <a:r>
+              <a:rPr lang="it-IT" sz="1400" dirty="0"/>
+              <a:t> </a:t>
+            </a:r>
+            <a:r>
+              <a:rPr lang="it-IT" sz="1400" dirty="0" err="1"/>
+              <a:t>using</a:t>
+            </a:r>
+            <a:r>
+              <a:rPr lang="it-IT" sz="1400" dirty="0"/>
+              <a:t> </a:t>
+            </a:r>
+            <a:r>
+              <a:rPr lang="it-IT" sz="1400" dirty="0" err="1"/>
+              <a:t>Keras</a:t>
+            </a:r>
+            <a:r>
+              <a:rPr lang="it-IT" sz="1400" dirty="0"/>
+              <a:t>. The </a:t>
+            </a:r>
+            <a:r>
+              <a:rPr lang="it-IT" sz="1400" dirty="0" err="1">
+                <a:latin typeface="Consolas" panose="020B0609020204030204" pitchFamily="49" charset="0"/>
+              </a:rPr>
+              <a:t>NeuralNetwork</a:t>
+            </a:r>
+            <a:r>
+              <a:rPr lang="it-IT" sz="1400" dirty="0"/>
+              <a:t> classes in </a:t>
+            </a:r>
+            <a:r>
+              <a:rPr lang="it-IT" sz="1400" dirty="0" err="1"/>
+              <a:t>our</a:t>
+            </a:r>
+            <a:r>
+              <a:rPr lang="it-IT" sz="1400" dirty="0"/>
+              <a:t> code </a:t>
+            </a:r>
+            <a:r>
+              <a:rPr lang="it-IT" sz="1400" dirty="0" err="1"/>
+              <a:t>is</a:t>
+            </a:r>
+            <a:r>
+              <a:rPr lang="it-IT" sz="1400" dirty="0"/>
+              <a:t> </a:t>
+            </a:r>
+            <a:r>
+              <a:rPr lang="it-IT" sz="1400" dirty="0" err="1"/>
+              <a:t>designed</a:t>
+            </a:r>
+            <a:r>
+              <a:rPr lang="it-IT" sz="1400" dirty="0"/>
+              <a:t> to be </a:t>
+            </a:r>
+            <a:r>
+              <a:rPr lang="it-IT" sz="1400" dirty="0" err="1"/>
+              <a:t>seamless</a:t>
+            </a:r>
+            <a:r>
+              <a:rPr lang="it-IT" sz="1400" dirty="0"/>
+              <a:t> </a:t>
+            </a:r>
+            <a:r>
+              <a:rPr lang="it-IT" sz="1400" dirty="0" err="1"/>
+              <a:t>integrated</a:t>
+            </a:r>
+            <a:r>
+              <a:rPr lang="it-IT" sz="1400" dirty="0"/>
+              <a:t> with </a:t>
+            </a:r>
+            <a:r>
+              <a:rPr lang="it-IT" sz="1400" dirty="0" err="1"/>
+              <a:t>Scikit-Learn</a:t>
+            </a:r>
+            <a:r>
+              <a:rPr lang="it-IT" sz="1400" dirty="0"/>
+              <a:t> </a:t>
+            </a:r>
+            <a:r>
+              <a:rPr lang="it-IT" sz="1400" dirty="0" err="1"/>
+              <a:t>while</a:t>
+            </a:r>
+            <a:r>
+              <a:rPr lang="it-IT" sz="1400" dirty="0"/>
+              <a:t> </a:t>
+            </a:r>
+            <a:r>
+              <a:rPr lang="it-IT" sz="1400" dirty="0" err="1"/>
+              <a:t>also</a:t>
+            </a:r>
+            <a:r>
+              <a:rPr lang="it-IT" sz="1400" dirty="0"/>
+              <a:t> be </a:t>
+            </a:r>
+            <a:r>
+              <a:rPr lang="it-IT" sz="1400" dirty="0" err="1"/>
+              <a:t>usable</a:t>
+            </a:r>
+            <a:r>
+              <a:rPr lang="it-IT" sz="1400" dirty="0"/>
+              <a:t> </a:t>
+            </a:r>
+            <a:r>
+              <a:rPr lang="it-IT" sz="1400" dirty="0" err="1"/>
+              <a:t>without</a:t>
+            </a:r>
+            <a:r>
+              <a:rPr lang="it-IT" sz="1400" dirty="0"/>
+              <a:t> </a:t>
+            </a:r>
+            <a:r>
+              <a:rPr lang="it-IT" sz="1400" dirty="0" err="1"/>
+              <a:t>it</a:t>
+            </a:r>
+            <a:r>
+              <a:rPr lang="it-IT" sz="1400" dirty="0"/>
+              <a:t>. </a:t>
+            </a:r>
+          </a:p>
+        </p:txBody>
+      </p:sp>
     </p:spTree>
     <p:extLst>
       <p:ext uri="{BB962C8B-B14F-4D97-AF65-F5344CB8AC3E}">
         <p14:creationId xmlns:p14="http://schemas.microsoft.com/office/powerpoint/2010/main" val="2850000877"/>
+      </p:ext>
+    </p:extLst>
+  </p:cSld>
+  <p:clrMapOvr>
+    <a:masterClrMapping/>
+  </p:clrMapOvr>
+</p:sld>
+</file>
+
+<file path=ppt/slides/slide30.xml><?xml version="1.0" encoding="utf-8"?>
+<p:sld xmlns:a="http://schemas.openxmlformats.org/drawingml/2006/main" xmlns:r="http://schemas.openxmlformats.org/officeDocument/2006/relationships" xmlns:p="http://schemas.openxmlformats.org/presentationml/2006/main">
+  <p:cSld>
+    <p:spTree>
+      <p:nvGrpSpPr>
+        <p:cNvPr id="1" name=""/>
+        <p:cNvGrpSpPr/>
+        <p:nvPr/>
+      </p:nvGrpSpPr>
+      <p:grpSpPr>
+        <a:xfrm>
+          <a:off x="0" y="0"/>
+          <a:ext cx="0" cy="0"/>
+          <a:chOff x="0" y="0"/>
+          <a:chExt cx="0" cy="0"/>
+        </a:xfrm>
+      </p:grpSpPr>
+      <p:sp>
+        <p:nvSpPr>
+          <p:cNvPr id="120" name="PlaceHolder 1"/>
+          <p:cNvSpPr>
+            <a:spLocks noGrp="1"/>
+          </p:cNvSpPr>
+          <p:nvPr>
+            <p:ph type="title"/>
+          </p:nvPr>
+        </p:nvSpPr>
+        <p:spPr>
+          <a:xfrm>
+            <a:off x="311760" y="0"/>
+            <a:ext cx="8520120" cy="792000"/>
+          </a:xfrm>
+          <a:prstGeom prst="rect">
+            <a:avLst/>
+          </a:prstGeom>
+          <a:noFill/>
+          <a:ln w="0">
+            <a:noFill/>
+          </a:ln>
+        </p:spPr>
+        <p:txBody>
+          <a:bodyPr tIns="91440" bIns="91440" anchor="t">
+            <a:normAutofit fontScale="90000"/>
+          </a:bodyPr>
+          <a:lstStyle/>
+          <a:p>
+            <a:pPr>
+              <a:lnSpc>
+                <a:spcPct val="100000"/>
+              </a:lnSpc>
+              <a:buNone/>
+              <a:tabLst>
+                <a:tab pos="0" algn="l"/>
+              </a:tabLst>
+            </a:pPr>
+            <a:r>
+              <a:rPr lang="it" sz="2400" b="0" strike="noStrike" spc="-1" dirty="0">
+                <a:solidFill>
+                  <a:srgbClr val="000000"/>
+                </a:solidFill>
+                <a:latin typeface="Arial"/>
+                <a:ea typeface="Arial"/>
+              </a:rPr>
+              <a:t>Appendix – 6</a:t>
+            </a:r>
+            <a:br>
+              <a:rPr lang="it" sz="2400" b="0" strike="noStrike" spc="-1" dirty="0">
+                <a:solidFill>
+                  <a:srgbClr val="000000"/>
+                </a:solidFill>
+                <a:latin typeface="Arial"/>
+                <a:ea typeface="Arial"/>
+              </a:rPr>
+            </a:br>
+            <a:r>
+              <a:rPr lang="it" sz="2000" spc="-1" dirty="0">
+                <a:solidFill>
+                  <a:srgbClr val="3F3F3F"/>
+                </a:solidFill>
+                <a:latin typeface="Arial"/>
+                <a:ea typeface="Arial"/>
+              </a:rPr>
+              <a:t>Further specifications on model detils &amp; contributions</a:t>
+            </a:r>
+            <a:endParaRPr lang="it-IT" sz="2400" b="0" strike="noStrike" spc="-1" dirty="0">
+              <a:solidFill>
+                <a:srgbClr val="3F3F3F"/>
+              </a:solidFill>
+              <a:latin typeface="Arial"/>
+            </a:endParaRPr>
+          </a:p>
+        </p:txBody>
+      </p:sp>
+      <p:sp>
+        <p:nvSpPr>
+          <p:cNvPr id="122" name="PlaceHolder 3"/>
+          <p:cNvSpPr>
+            <a:spLocks noGrp="1"/>
+          </p:cNvSpPr>
+          <p:nvPr>
+            <p:ph type="sldNum" idx="14"/>
+          </p:nvPr>
+        </p:nvSpPr>
+        <p:spPr>
+          <a:xfrm>
+            <a:off x="8472600" y="4663080"/>
+            <a:ext cx="548280" cy="393120"/>
+          </a:xfrm>
+          <a:prstGeom prst="rect">
+            <a:avLst/>
+          </a:prstGeom>
+          <a:noFill/>
+          <a:ln w="0">
+            <a:noFill/>
+          </a:ln>
+        </p:spPr>
+        <p:txBody>
+          <a:bodyPr tIns="91440" bIns="91440" anchor="ctr">
+            <a:normAutofit/>
+          </a:bodyPr>
+          <a:lstStyle>
+            <a:lvl1pPr algn="r">
+              <a:lnSpc>
+                <a:spcPct val="100000"/>
+              </a:lnSpc>
+              <a:buNone/>
+              <a:tabLst>
+                <a:tab pos="0" algn="l"/>
+              </a:tabLst>
+              <a:defRPr lang="it" sz="1000" b="0" strike="noStrike" spc="-1">
+                <a:solidFill>
+                  <a:srgbClr val="595959"/>
+                </a:solidFill>
+                <a:latin typeface="Arial"/>
+                <a:ea typeface="Arial"/>
+              </a:defRPr>
+            </a:lvl1pPr>
+          </a:lstStyle>
+          <a:p>
+            <a:pPr algn="r">
+              <a:lnSpc>
+                <a:spcPct val="100000"/>
+              </a:lnSpc>
+              <a:buNone/>
+              <a:tabLst>
+                <a:tab pos="0" algn="l"/>
+              </a:tabLst>
+            </a:pPr>
+            <a:fld id="{25B94CD5-D627-49BE-818E-4A00F2BB16DF}" type="slidenum">
+              <a:rPr lang="it" sz="1000" b="0" strike="noStrike" spc="-1">
+                <a:solidFill>
+                  <a:srgbClr val="595959"/>
+                </a:solidFill>
+                <a:latin typeface="Arial"/>
+                <a:ea typeface="Arial"/>
+              </a:rPr>
+              <a:t>30</a:t>
+            </a:fld>
+            <a:endParaRPr lang="it-IT" sz="1000" b="0" strike="noStrike" spc="-1">
+              <a:latin typeface="Times New Roman"/>
+            </a:endParaRPr>
+          </a:p>
+        </p:txBody>
+      </p:sp>
+      <p:sp>
+        <p:nvSpPr>
+          <p:cNvPr id="5" name="CasellaDiTesto 4">
+            <a:extLst>
+              <a:ext uri="{FF2B5EF4-FFF2-40B4-BE49-F238E27FC236}">
+                <a16:creationId xmlns:a16="http://schemas.microsoft.com/office/drawing/2014/main" id="{A77CEF4F-ABAC-4F22-36BA-C76BB6E4367F}"/>
+              </a:ext>
+            </a:extLst>
+          </p:cNvPr>
+          <p:cNvSpPr txBox="1"/>
+          <p:nvPr/>
+        </p:nvSpPr>
+        <p:spPr>
+          <a:xfrm>
+            <a:off x="311760" y="887506"/>
+            <a:ext cx="8520120" cy="3539430"/>
+          </a:xfrm>
+          <a:prstGeom prst="rect">
+            <a:avLst/>
+          </a:prstGeom>
+          <a:noFill/>
+        </p:spPr>
+        <p:txBody>
+          <a:bodyPr wrap="square" rtlCol="0">
+            <a:spAutoFit/>
+          </a:bodyPr>
+          <a:lstStyle/>
+          <a:p>
+            <a:r>
+              <a:rPr lang="it-IT" sz="1400" b="1" dirty="0" err="1"/>
+              <a:t>Optuna</a:t>
+            </a:r>
+            <a:r>
+              <a:rPr lang="it-IT" sz="1400" dirty="0"/>
+              <a:t>:</a:t>
+            </a:r>
+            <a:br>
+              <a:rPr lang="it-IT" sz="1400" dirty="0"/>
+            </a:br>
+            <a:r>
+              <a:rPr lang="it-IT" sz="1400" dirty="0" err="1"/>
+              <a:t>Optuna</a:t>
+            </a:r>
+            <a:r>
+              <a:rPr lang="it-IT" sz="1400" dirty="0"/>
+              <a:t> </a:t>
+            </a:r>
+            <a:r>
+              <a:rPr lang="it-IT" sz="1400" dirty="0" err="1"/>
+              <a:t>is</a:t>
+            </a:r>
+            <a:r>
+              <a:rPr lang="it-IT" sz="1400" dirty="0"/>
+              <a:t> an </a:t>
+            </a:r>
+            <a:r>
+              <a:rPr lang="it-IT" sz="1400" dirty="0" err="1"/>
+              <a:t>hyperparameter</a:t>
+            </a:r>
+            <a:r>
+              <a:rPr lang="it-IT" sz="1400" dirty="0"/>
+              <a:t> </a:t>
+            </a:r>
+            <a:r>
+              <a:rPr lang="it-IT" sz="1400" dirty="0" err="1"/>
+              <a:t>optimization</a:t>
+            </a:r>
+            <a:r>
+              <a:rPr lang="it-IT" sz="1400" dirty="0"/>
+              <a:t> software </a:t>
+            </a:r>
+            <a:r>
+              <a:rPr lang="it-IT" sz="1400" dirty="0" err="1"/>
+              <a:t>that</a:t>
+            </a:r>
+            <a:r>
+              <a:rPr lang="it-IT" sz="1400" dirty="0"/>
+              <a:t> follows the </a:t>
+            </a:r>
+            <a:r>
+              <a:rPr lang="it-IT" sz="1400" dirty="0" err="1"/>
+              <a:t>define</a:t>
+            </a:r>
+            <a:r>
+              <a:rPr lang="it-IT" sz="1400" dirty="0"/>
+              <a:t>-by-</a:t>
+            </a:r>
+            <a:r>
+              <a:rPr lang="it-IT" sz="1400" dirty="0" err="1"/>
+              <a:t>run</a:t>
+            </a:r>
+            <a:r>
+              <a:rPr lang="it-IT" sz="1400" dirty="0"/>
+              <a:t> </a:t>
+            </a:r>
+            <a:r>
+              <a:rPr lang="it-IT" sz="1400" dirty="0" err="1"/>
+              <a:t>principle</a:t>
+            </a:r>
+            <a:r>
+              <a:rPr lang="it-IT" sz="1400" dirty="0"/>
+              <a:t> (i.e., </a:t>
+            </a:r>
+            <a:r>
+              <a:rPr lang="it-IT" sz="1400" dirty="0" err="1"/>
+              <a:t>allows</a:t>
+            </a:r>
+            <a:r>
+              <a:rPr lang="it-IT" sz="1400" dirty="0"/>
+              <a:t> the user to </a:t>
+            </a:r>
+            <a:r>
+              <a:rPr lang="it-IT" sz="1400" dirty="0" err="1"/>
+              <a:t>dynamically</a:t>
+            </a:r>
+            <a:r>
+              <a:rPr lang="it-IT" sz="1400" dirty="0"/>
+              <a:t> </a:t>
+            </a:r>
+            <a:r>
+              <a:rPr lang="it-IT" sz="1400" dirty="0" err="1"/>
+              <a:t>construct</a:t>
+            </a:r>
+            <a:r>
+              <a:rPr lang="it-IT" sz="1400" dirty="0"/>
+              <a:t> the </a:t>
+            </a:r>
+            <a:r>
+              <a:rPr lang="it-IT" sz="1400" dirty="0" err="1"/>
+              <a:t>search</a:t>
+            </a:r>
+            <a:r>
+              <a:rPr lang="it-IT" sz="1400" dirty="0"/>
+              <a:t> </a:t>
+            </a:r>
+            <a:r>
+              <a:rPr lang="it-IT" sz="1400" dirty="0" err="1"/>
+              <a:t>space</a:t>
+            </a:r>
+            <a:r>
+              <a:rPr lang="it-IT" sz="1400" dirty="0"/>
+              <a:t>). Key </a:t>
+            </a:r>
+            <a:r>
+              <a:rPr lang="it-IT" sz="1400" dirty="0" err="1"/>
+              <a:t>characteristics</a:t>
+            </a:r>
+            <a:r>
+              <a:rPr lang="it-IT" sz="1400" dirty="0"/>
+              <a:t>:</a:t>
+            </a:r>
+          </a:p>
+          <a:p>
+            <a:pPr marL="285750" indent="-285750">
+              <a:buFont typeface="Arial" panose="020B0604020202020204" pitchFamily="34" charset="0"/>
+              <a:buChar char="•"/>
+            </a:pPr>
+            <a:r>
+              <a:rPr lang="it-IT" sz="1400" dirty="0"/>
+              <a:t>The </a:t>
+            </a:r>
+            <a:r>
+              <a:rPr lang="it-IT" sz="1400" dirty="0" err="1"/>
+              <a:t>hyperparameter</a:t>
+            </a:r>
+            <a:r>
+              <a:rPr lang="it-IT" sz="1400" dirty="0"/>
+              <a:t> </a:t>
+            </a:r>
+            <a:r>
+              <a:rPr lang="it-IT" sz="1400" dirty="0" err="1"/>
+              <a:t>optimization</a:t>
+            </a:r>
+            <a:r>
+              <a:rPr lang="it-IT" sz="1400" dirty="0"/>
+              <a:t> </a:t>
+            </a:r>
+            <a:r>
+              <a:rPr lang="it-IT" sz="1400" dirty="0" err="1"/>
+              <a:t>is</a:t>
+            </a:r>
+            <a:r>
+              <a:rPr lang="it-IT" sz="1400" dirty="0"/>
+              <a:t> </a:t>
+            </a:r>
+            <a:r>
+              <a:rPr lang="it-IT" sz="1400" dirty="0" err="1"/>
+              <a:t>formulated</a:t>
+            </a:r>
+            <a:r>
+              <a:rPr lang="it-IT" sz="1400" dirty="0"/>
+              <a:t> </a:t>
+            </a:r>
+            <a:r>
+              <a:rPr lang="it-IT" sz="1400" dirty="0" err="1"/>
+              <a:t>as</a:t>
+            </a:r>
+            <a:r>
+              <a:rPr lang="it-IT" sz="1400" dirty="0"/>
+              <a:t> a </a:t>
+            </a:r>
+            <a:r>
+              <a:rPr lang="it-IT" sz="1400" dirty="0" err="1"/>
+              <a:t>process</a:t>
+            </a:r>
+            <a:r>
+              <a:rPr lang="it-IT" sz="1400" dirty="0"/>
+              <a:t> of </a:t>
+            </a:r>
+            <a:r>
+              <a:rPr lang="it-IT" sz="1400" dirty="0" err="1"/>
+              <a:t>maximizing</a:t>
+            </a:r>
+            <a:r>
+              <a:rPr lang="it-IT" sz="1400" dirty="0"/>
+              <a:t> an </a:t>
+            </a:r>
+            <a:r>
+              <a:rPr lang="it-IT" sz="1400" dirty="0" err="1"/>
+              <a:t>objective</a:t>
+            </a:r>
+            <a:r>
+              <a:rPr lang="it-IT" sz="1400" dirty="0"/>
+              <a:t> </a:t>
+            </a:r>
+            <a:r>
+              <a:rPr lang="it-IT" sz="1400" dirty="0" err="1"/>
+              <a:t>function</a:t>
+            </a:r>
+            <a:r>
+              <a:rPr lang="it-IT" sz="1400" dirty="0"/>
+              <a:t> </a:t>
+            </a:r>
+            <a:r>
+              <a:rPr lang="it-IT" sz="1400" dirty="0" err="1"/>
+              <a:t>that</a:t>
+            </a:r>
+            <a:r>
+              <a:rPr lang="it-IT" sz="1400" dirty="0"/>
+              <a:t> takes a set of </a:t>
+            </a:r>
+            <a:r>
+              <a:rPr lang="it-IT" sz="1400" dirty="0" err="1"/>
+              <a:t>hyperparameters</a:t>
+            </a:r>
+            <a:r>
+              <a:rPr lang="it-IT" sz="1400" dirty="0"/>
+              <a:t> </a:t>
+            </a:r>
+            <a:r>
+              <a:rPr lang="it-IT" sz="1400" dirty="0" err="1"/>
+              <a:t>as</a:t>
+            </a:r>
+            <a:r>
+              <a:rPr lang="it-IT" sz="1400" dirty="0"/>
+              <a:t> input.</a:t>
+            </a:r>
+          </a:p>
+          <a:p>
+            <a:pPr marL="285750" indent="-285750">
+              <a:buFont typeface="Arial" panose="020B0604020202020204" pitchFamily="34" charset="0"/>
+              <a:buChar char="•"/>
+            </a:pPr>
+            <a:r>
+              <a:rPr lang="it-IT" sz="1400" dirty="0"/>
+              <a:t>The </a:t>
+            </a:r>
+            <a:r>
+              <a:rPr lang="it-IT" sz="1400" dirty="0" err="1"/>
+              <a:t>objective</a:t>
+            </a:r>
+            <a:r>
+              <a:rPr lang="it-IT" sz="1400" dirty="0"/>
+              <a:t> </a:t>
+            </a:r>
+            <a:r>
+              <a:rPr lang="it-IT" sz="1400" dirty="0" err="1"/>
+              <a:t>function</a:t>
+            </a:r>
+            <a:r>
+              <a:rPr lang="it-IT" sz="1400" dirty="0"/>
+              <a:t> </a:t>
+            </a:r>
+            <a:r>
+              <a:rPr lang="it-IT" sz="1400" dirty="0" err="1"/>
+              <a:t>is</a:t>
+            </a:r>
+            <a:r>
+              <a:rPr lang="it-IT" sz="1400" dirty="0"/>
+              <a:t> </a:t>
+            </a:r>
+            <a:r>
+              <a:rPr lang="it-IT" sz="1400" dirty="0" err="1"/>
+              <a:t>built</a:t>
+            </a:r>
+            <a:r>
+              <a:rPr lang="it-IT" sz="1400" dirty="0"/>
+              <a:t> </a:t>
+            </a:r>
+            <a:r>
+              <a:rPr lang="it-IT" sz="1400" dirty="0" err="1"/>
+              <a:t>gradually</a:t>
+            </a:r>
+            <a:r>
+              <a:rPr lang="it-IT" sz="1400" dirty="0"/>
+              <a:t>: the </a:t>
+            </a:r>
+            <a:r>
+              <a:rPr lang="it-IT" sz="1400" dirty="0" err="1"/>
+              <a:t>search</a:t>
+            </a:r>
+            <a:r>
+              <a:rPr lang="it-IT" sz="1400" dirty="0"/>
+              <a:t> </a:t>
+            </a:r>
+            <a:r>
+              <a:rPr lang="it-IT" sz="1400" dirty="0" err="1"/>
+              <a:t>space</a:t>
+            </a:r>
+            <a:r>
+              <a:rPr lang="it-IT" sz="1400" dirty="0"/>
+              <a:t> </a:t>
+            </a:r>
+            <a:r>
+              <a:rPr lang="it-IT" sz="1400" dirty="0" err="1"/>
+              <a:t>is</a:t>
+            </a:r>
+            <a:r>
+              <a:rPr lang="it-IT" sz="1400" dirty="0"/>
+              <a:t> </a:t>
+            </a:r>
+            <a:r>
+              <a:rPr lang="it-IT" sz="1400" dirty="0" err="1"/>
+              <a:t>constructed</a:t>
+            </a:r>
+            <a:r>
+              <a:rPr lang="it-IT" sz="1400" dirty="0"/>
+              <a:t> </a:t>
+            </a:r>
+            <a:r>
+              <a:rPr lang="it-IT" sz="1400" dirty="0" err="1"/>
+              <a:t>dynamically</a:t>
+            </a:r>
+            <a:r>
+              <a:rPr lang="it-IT" sz="1400" dirty="0"/>
+              <a:t> </a:t>
+            </a:r>
+            <a:r>
+              <a:rPr lang="it-IT" sz="1400" dirty="0" err="1"/>
+              <a:t>at</a:t>
+            </a:r>
+            <a:r>
+              <a:rPr lang="it-IT" sz="1400" dirty="0"/>
+              <a:t> </a:t>
+            </a:r>
+            <a:r>
+              <a:rPr lang="it-IT" sz="1400" dirty="0" err="1"/>
+              <a:t>runtime</a:t>
+            </a:r>
+            <a:r>
+              <a:rPr lang="it-IT" sz="1400" dirty="0"/>
+              <a:t>. </a:t>
+            </a:r>
+          </a:p>
+          <a:p>
+            <a:pPr marL="285750" indent="-285750">
+              <a:buFont typeface="Arial" panose="020B0604020202020204" pitchFamily="34" charset="0"/>
+              <a:buChar char="•"/>
+            </a:pPr>
+            <a:r>
+              <a:rPr lang="it-IT" sz="1400" dirty="0"/>
+              <a:t>A </a:t>
+            </a:r>
+            <a:r>
+              <a:rPr lang="it-IT" sz="1400" dirty="0">
+                <a:latin typeface="Consolas" panose="020B0609020204030204" pitchFamily="49" charset="0"/>
+              </a:rPr>
+              <a:t>trial</a:t>
+            </a:r>
+            <a:r>
+              <a:rPr lang="it-IT" sz="1400" dirty="0"/>
+              <a:t> </a:t>
+            </a:r>
+            <a:r>
+              <a:rPr lang="it-IT" sz="1400" dirty="0" err="1"/>
+              <a:t>object</a:t>
+            </a:r>
+            <a:r>
+              <a:rPr lang="it-IT" sz="1400" dirty="0"/>
+              <a:t> </a:t>
+            </a:r>
+            <a:r>
+              <a:rPr lang="it-IT" sz="1400" dirty="0" err="1"/>
+              <a:t>represents</a:t>
+            </a:r>
+            <a:r>
+              <a:rPr lang="it-IT" sz="1400" dirty="0"/>
+              <a:t> an </a:t>
+            </a:r>
+            <a:r>
+              <a:rPr lang="it-IT" sz="1400" dirty="0" err="1"/>
+              <a:t>evaluation</a:t>
+            </a:r>
+            <a:r>
+              <a:rPr lang="it-IT" sz="1400" dirty="0"/>
+              <a:t> of the </a:t>
+            </a:r>
+            <a:r>
+              <a:rPr lang="it-IT" sz="1400" dirty="0" err="1"/>
+              <a:t>objective</a:t>
+            </a:r>
+            <a:r>
+              <a:rPr lang="it-IT" sz="1400" dirty="0"/>
+              <a:t> </a:t>
+            </a:r>
+            <a:r>
+              <a:rPr lang="it-IT" sz="1400" dirty="0" err="1"/>
+              <a:t>function</a:t>
+            </a:r>
+            <a:r>
+              <a:rPr lang="it-IT" sz="1400" dirty="0"/>
+              <a:t>. </a:t>
+            </a:r>
+            <a:r>
+              <a:rPr lang="en-US" sz="1400" dirty="0"/>
+              <a:t>Hyperparameters are dynamically generated by calling </a:t>
+            </a:r>
+            <a:r>
+              <a:rPr lang="en-US" sz="1400" dirty="0">
+                <a:latin typeface="Consolas" panose="020B0609020204030204" pitchFamily="49" charset="0"/>
+              </a:rPr>
+              <a:t>suggest</a:t>
+            </a:r>
+            <a:r>
+              <a:rPr lang="en-US" sz="1400" dirty="0"/>
+              <a:t> methods inside the objective function, with the desired range specified as arguments.</a:t>
+            </a:r>
+          </a:p>
+          <a:p>
+            <a:pPr marL="285750" indent="-285750">
+              <a:buFont typeface="Arial" panose="020B0604020202020204" pitchFamily="34" charset="0"/>
+              <a:buChar char="•"/>
+            </a:pPr>
+            <a:r>
+              <a:rPr lang="it-IT" sz="1400" dirty="0" err="1"/>
+              <a:t>Upon</a:t>
+            </a:r>
+            <a:r>
+              <a:rPr lang="it-IT" sz="1400" dirty="0"/>
+              <a:t> the </a:t>
+            </a:r>
+            <a:r>
+              <a:rPr lang="it-IT" sz="1400" dirty="0" err="1"/>
+              <a:t>invocation</a:t>
+            </a:r>
+            <a:r>
+              <a:rPr lang="it-IT" sz="1400" dirty="0"/>
+              <a:t> of a </a:t>
+            </a:r>
+            <a:r>
+              <a:rPr lang="it-IT" sz="1400" dirty="0" err="1">
+                <a:latin typeface="Consolas" panose="020B0609020204030204" pitchFamily="49" charset="0"/>
+              </a:rPr>
+              <a:t>suggest</a:t>
+            </a:r>
+            <a:r>
+              <a:rPr lang="it-IT" sz="1400" dirty="0"/>
+              <a:t> </a:t>
+            </a:r>
+            <a:r>
+              <a:rPr lang="it-IT" sz="1400" dirty="0" err="1"/>
+              <a:t>method</a:t>
+            </a:r>
+            <a:r>
+              <a:rPr lang="it-IT" sz="1400" dirty="0"/>
+              <a:t>, an </a:t>
+            </a:r>
+            <a:r>
+              <a:rPr lang="it-IT" sz="1400" dirty="0" err="1"/>
+              <a:t>hyperparameter</a:t>
+            </a:r>
+            <a:r>
+              <a:rPr lang="it-IT" sz="1400" dirty="0"/>
+              <a:t> </a:t>
+            </a:r>
+            <a:r>
+              <a:rPr lang="it-IT" sz="1400" dirty="0" err="1"/>
+              <a:t>is</a:t>
+            </a:r>
+            <a:r>
+              <a:rPr lang="it-IT" sz="1400" dirty="0"/>
+              <a:t> </a:t>
+            </a:r>
+            <a:r>
+              <a:rPr lang="it-IT" sz="1400" dirty="0" err="1"/>
+              <a:t>statistically</a:t>
+            </a:r>
+            <a:r>
+              <a:rPr lang="it-IT" sz="1400" dirty="0"/>
+              <a:t> </a:t>
+            </a:r>
+            <a:r>
+              <a:rPr lang="it-IT" sz="1400" dirty="0" err="1"/>
+              <a:t>sampled</a:t>
+            </a:r>
+            <a:r>
+              <a:rPr lang="it-IT" sz="1400" dirty="0"/>
+              <a:t> </a:t>
+            </a:r>
+            <a:r>
+              <a:rPr lang="it-IT" sz="1400" dirty="0" err="1"/>
+              <a:t>based</a:t>
+            </a:r>
+            <a:r>
+              <a:rPr lang="it-IT" sz="1400" dirty="0"/>
+              <a:t> on the history of </a:t>
+            </a:r>
+            <a:r>
+              <a:rPr lang="it-IT" sz="1400" dirty="0" err="1"/>
+              <a:t>previously</a:t>
+            </a:r>
+            <a:r>
+              <a:rPr lang="it-IT" sz="1400" dirty="0"/>
+              <a:t> </a:t>
+            </a:r>
+            <a:r>
+              <a:rPr lang="it-IT" sz="1400" dirty="0" err="1"/>
+              <a:t>evaluated</a:t>
+            </a:r>
+            <a:r>
+              <a:rPr lang="it-IT" sz="1400" dirty="0"/>
+              <a:t> </a:t>
+            </a:r>
+            <a:r>
+              <a:rPr lang="it-IT" sz="1400" dirty="0">
+                <a:latin typeface="Consolas" panose="020B0609020204030204" pitchFamily="49" charset="0"/>
+              </a:rPr>
+              <a:t>trial</a:t>
+            </a:r>
+            <a:r>
+              <a:rPr lang="it-IT" sz="1400" dirty="0"/>
+              <a:t>s.</a:t>
+            </a:r>
+          </a:p>
+          <a:p>
+            <a:pPr marL="285750" indent="-285750">
+              <a:buFont typeface="Arial" panose="020B0604020202020204" pitchFamily="34" charset="0"/>
+              <a:buChar char="•"/>
+            </a:pPr>
+            <a:r>
+              <a:rPr lang="it-IT" sz="1400" dirty="0" err="1"/>
+              <a:t>Optuna</a:t>
+            </a:r>
+            <a:r>
+              <a:rPr lang="it-IT" sz="1400" dirty="0"/>
+              <a:t> </a:t>
+            </a:r>
+            <a:r>
+              <a:rPr lang="it-IT" sz="1400" dirty="0" err="1"/>
+              <a:t>embeds</a:t>
+            </a:r>
+            <a:r>
+              <a:rPr lang="it-IT" sz="1400" dirty="0"/>
+              <a:t> </a:t>
+            </a:r>
+            <a:r>
+              <a:rPr lang="it-IT" sz="1400" dirty="0" err="1"/>
+              <a:t>pruning</a:t>
+            </a:r>
+            <a:r>
+              <a:rPr lang="it-IT" sz="1400" dirty="0"/>
+              <a:t> </a:t>
+            </a:r>
+            <a:r>
+              <a:rPr lang="it-IT" sz="1400" dirty="0" err="1"/>
+              <a:t>mechanisms</a:t>
+            </a:r>
+            <a:r>
+              <a:rPr lang="it-IT" sz="1400" dirty="0"/>
+              <a:t>, </a:t>
+            </a:r>
+            <a:r>
+              <a:rPr lang="it-IT" sz="1400" dirty="0" err="1"/>
+              <a:t>that</a:t>
+            </a:r>
+            <a:r>
+              <a:rPr lang="it-IT" sz="1400" dirty="0"/>
+              <a:t> terminate </a:t>
+            </a:r>
+            <a:r>
+              <a:rPr lang="it-IT" sz="1400" dirty="0" err="1"/>
+              <a:t>unpromising</a:t>
+            </a:r>
+            <a:r>
+              <a:rPr lang="it-IT" sz="1400" dirty="0"/>
+              <a:t> trials.</a:t>
+            </a:r>
+          </a:p>
+          <a:p>
+            <a:pPr marL="285750" indent="-285750">
+              <a:buFont typeface="Arial" panose="020B0604020202020204" pitchFamily="34" charset="0"/>
+              <a:buChar char="•"/>
+            </a:pPr>
+            <a:r>
+              <a:rPr lang="it-IT" sz="1400" dirty="0" err="1"/>
+              <a:t>Optuna</a:t>
+            </a:r>
+            <a:r>
+              <a:rPr lang="it-IT" sz="1400" dirty="0"/>
+              <a:t> </a:t>
+            </a:r>
+            <a:r>
+              <a:rPr lang="it-IT" sz="1400" dirty="0" err="1"/>
+              <a:t>has</a:t>
+            </a:r>
+            <a:r>
+              <a:rPr lang="it-IT" sz="1400" dirty="0"/>
+              <a:t> </a:t>
+            </a:r>
+            <a:r>
+              <a:rPr lang="it-IT" sz="1400" dirty="0" err="1"/>
+              <a:t>efficient</a:t>
+            </a:r>
+            <a:r>
+              <a:rPr lang="it-IT" sz="1400" dirty="0"/>
+              <a:t> strategies for </a:t>
+            </a:r>
+            <a:r>
+              <a:rPr lang="it-IT" sz="1400" dirty="0" err="1"/>
+              <a:t>both</a:t>
+            </a:r>
+            <a:r>
+              <a:rPr lang="it-IT" sz="1400" dirty="0"/>
+              <a:t> </a:t>
+            </a:r>
+            <a:r>
+              <a:rPr lang="it-IT" sz="1400" dirty="0" err="1"/>
+              <a:t>searching</a:t>
+            </a:r>
+            <a:r>
+              <a:rPr lang="it-IT" sz="1400" dirty="0"/>
+              <a:t> (i.e. </a:t>
+            </a:r>
+            <a:r>
+              <a:rPr lang="it-IT" sz="1400" dirty="0" err="1"/>
+              <a:t>determining</a:t>
+            </a:r>
+            <a:r>
+              <a:rPr lang="it-IT" sz="1400" dirty="0"/>
+              <a:t> the sets of </a:t>
+            </a:r>
+            <a:r>
+              <a:rPr lang="it-IT" sz="1400" dirty="0" err="1"/>
+              <a:t>parameters</a:t>
+            </a:r>
+            <a:r>
+              <a:rPr lang="it-IT" sz="1400" dirty="0"/>
+              <a:t> to investigate </a:t>
+            </a:r>
+            <a:r>
+              <a:rPr lang="it-IT" sz="1400" dirty="0" err="1"/>
+              <a:t>next</a:t>
+            </a:r>
+            <a:r>
+              <a:rPr lang="it-IT" sz="1400" dirty="0"/>
+              <a:t>) and performance </a:t>
+            </a:r>
+            <a:r>
+              <a:rPr lang="it-IT" sz="1400" dirty="0" err="1"/>
+              <a:t>estimation</a:t>
+            </a:r>
+            <a:endParaRPr lang="it-IT" sz="1400" dirty="0"/>
+          </a:p>
+          <a:p>
+            <a:pPr marL="285750" indent="-285750">
+              <a:buFont typeface="Arial" panose="020B0604020202020204" pitchFamily="34" charset="0"/>
+              <a:buChar char="•"/>
+            </a:pPr>
+            <a:r>
+              <a:rPr lang="it-IT" sz="1400" dirty="0" err="1"/>
+              <a:t>Optuna</a:t>
+            </a:r>
+            <a:r>
+              <a:rPr lang="it-IT" sz="1400" dirty="0"/>
+              <a:t> </a:t>
+            </a:r>
+            <a:r>
+              <a:rPr lang="it-IT" sz="1400" dirty="0" err="1"/>
+              <a:t>has</a:t>
+            </a:r>
+            <a:r>
+              <a:rPr lang="it-IT" sz="1400" dirty="0"/>
+              <a:t> the </a:t>
+            </a:r>
+            <a:r>
+              <a:rPr lang="it-IT" sz="1400" dirty="0" err="1"/>
+              <a:t>ability</a:t>
+            </a:r>
+            <a:r>
+              <a:rPr lang="it-IT" sz="1400" dirty="0"/>
+              <a:t> to </a:t>
+            </a:r>
+            <a:r>
+              <a:rPr lang="it-IT" sz="1400" dirty="0" err="1"/>
+              <a:t>identify</a:t>
+            </a:r>
+            <a:r>
+              <a:rPr lang="it-IT" sz="1400" dirty="0"/>
+              <a:t> </a:t>
+            </a:r>
+            <a:r>
+              <a:rPr lang="it-IT" sz="1400" dirty="0" err="1"/>
+              <a:t>evaluations</a:t>
+            </a:r>
+            <a:r>
+              <a:rPr lang="it-IT" sz="1400" dirty="0"/>
+              <a:t> of the </a:t>
+            </a:r>
+            <a:r>
+              <a:rPr lang="it-IT" sz="1400" dirty="0" err="1"/>
+              <a:t>objective</a:t>
+            </a:r>
+            <a:r>
+              <a:rPr lang="it-IT" sz="1400" dirty="0"/>
+              <a:t> </a:t>
+            </a:r>
+            <a:r>
+              <a:rPr lang="it-IT" sz="1400" dirty="0" err="1"/>
+              <a:t>function</a:t>
+            </a:r>
+            <a:r>
+              <a:rPr lang="it-IT" sz="1400" dirty="0"/>
+              <a:t> </a:t>
+            </a:r>
+            <a:r>
+              <a:rPr lang="it-IT" sz="1400" dirty="0" err="1"/>
+              <a:t>that</a:t>
+            </a:r>
+            <a:r>
+              <a:rPr lang="it-IT" sz="1400" dirty="0"/>
+              <a:t> are informative </a:t>
+            </a:r>
+            <a:r>
+              <a:rPr lang="it-IT" sz="1400" dirty="0" err="1"/>
+              <a:t>about</a:t>
+            </a:r>
+            <a:r>
+              <a:rPr lang="it-IT" sz="1400" dirty="0"/>
+              <a:t> the </a:t>
+            </a:r>
+            <a:r>
+              <a:rPr lang="it-IT" sz="1400" dirty="0" err="1"/>
+              <a:t>concurrence</a:t>
+            </a:r>
+            <a:r>
+              <a:rPr lang="it-IT" sz="1400" dirty="0"/>
+              <a:t> relations </a:t>
+            </a:r>
+            <a:r>
+              <a:rPr lang="it-IT" sz="1400" dirty="0" err="1"/>
+              <a:t>between</a:t>
+            </a:r>
+            <a:r>
+              <a:rPr lang="it-IT" sz="1400" dirty="0"/>
+              <a:t> </a:t>
+            </a:r>
+            <a:r>
+              <a:rPr lang="it-IT" sz="1400" dirty="0" err="1"/>
+              <a:t>hyperparameters</a:t>
+            </a:r>
+            <a:endParaRPr lang="it-IT" sz="1400" dirty="0"/>
+          </a:p>
+        </p:txBody>
+      </p:sp>
+    </p:spTree>
+    <p:extLst>
+      <p:ext uri="{BB962C8B-B14F-4D97-AF65-F5344CB8AC3E}">
+        <p14:creationId xmlns:p14="http://schemas.microsoft.com/office/powerpoint/2010/main" val="3033337947"/>
       </p:ext>
     </p:extLst>
   </p:cSld>
@@ -25406,7 +25440,7 @@
                 <a:ea typeface="Arial"/>
                 <a:cs typeface="Arial" panose="020B0604020202020204" pitchFamily="34" charset="0"/>
               </a:rPr>
-              <a:t>s details &amp; novelties – 1</a:t>
+              <a:t>s details &amp; contributions – 1</a:t>
             </a:r>
             <a:endParaRPr lang="it-IT" sz="2400" b="0" strike="noStrike" spc="-1" dirty="0">
               <a:solidFill>
@@ -25503,7 +25537,7 @@
         </p:nvSpPr>
         <p:spPr>
           <a:xfrm>
-            <a:off x="311760" y="881377"/>
+            <a:off x="311760" y="1620966"/>
             <a:ext cx="8520120" cy="1384995"/>
           </a:xfrm>
           <a:prstGeom prst="rect">
@@ -25773,7 +25807,7 @@
         </p:nvSpPr>
         <p:spPr>
           <a:xfrm>
-            <a:off x="311760" y="2571750"/>
+            <a:off x="311760" y="3269989"/>
             <a:ext cx="8520120" cy="1384995"/>
           </a:xfrm>
           <a:prstGeom prst="rect">
@@ -26041,80 +26075,126 @@
               <a:rPr lang="it-IT" sz="1400" dirty="0">
                 <a:latin typeface="Consolas" panose="020B0609020204030204" pitchFamily="49" charset="0"/>
               </a:rPr>
-              <a:t>(3)</a:t>
-            </a:r>
-            <a:r>
-              <a:rPr lang="it-IT" sz="1400" dirty="0"/>
-              <a:t>. </a:t>
+              <a:t>()</a:t>
+            </a:r>
+            <a:r>
+              <a:rPr lang="it-IT" sz="1400" dirty="0"/>
+              <a:t>.  </a:t>
+            </a:r>
+          </a:p>
+        </p:txBody>
+      </p:sp>
+      <p:sp>
+        <p:nvSpPr>
+          <p:cNvPr id="2" name="CasellaDiTesto 1">
+            <a:extLst>
+              <a:ext uri="{FF2B5EF4-FFF2-40B4-BE49-F238E27FC236}">
+                <a16:creationId xmlns:a16="http://schemas.microsoft.com/office/drawing/2014/main" id="{BF7FA9D0-D9D9-3286-95B8-9BAB6A10BD5D}"/>
+              </a:ext>
+            </a:extLst>
+          </p:cNvPr>
+          <p:cNvSpPr txBox="1"/>
+          <p:nvPr/>
+        </p:nvSpPr>
+        <p:spPr>
+          <a:xfrm>
+            <a:off x="311760" y="833718"/>
+            <a:ext cx="8520119" cy="523220"/>
+          </a:xfrm>
+          <a:prstGeom prst="rect">
+            <a:avLst/>
+          </a:prstGeom>
+          <a:noFill/>
+        </p:spPr>
+        <p:txBody>
+          <a:bodyPr wrap="square" rtlCol="0">
+            <a:spAutoFit/>
+          </a:bodyPr>
+          <a:lstStyle/>
+          <a:p>
+            <a:r>
+              <a:rPr lang="it-IT" sz="1400" dirty="0"/>
+              <a:t>Monk tasks models: </a:t>
+            </a:r>
+            <a:r>
+              <a:rPr lang="it-IT" sz="1400" dirty="0" err="1"/>
+              <a:t>Scikit-Learn’s</a:t>
+            </a:r>
+            <a:r>
+              <a:rPr lang="it-IT" sz="1400" dirty="0"/>
+              <a:t> </a:t>
+            </a:r>
+            <a:r>
+              <a:rPr lang="it-IT" sz="1400" dirty="0">
+                <a:latin typeface="Consolas" panose="020B0609020204030204" pitchFamily="49" charset="0"/>
+              </a:rPr>
+              <a:t>SVC</a:t>
+            </a:r>
+            <a:r>
+              <a:rPr lang="it-IT" sz="1400" dirty="0"/>
+              <a:t>, </a:t>
+            </a:r>
+            <a:r>
+              <a:rPr lang="it-IT" sz="1400" dirty="0" err="1"/>
+              <a:t>Scikit-Learn’s</a:t>
+            </a:r>
+            <a:r>
+              <a:rPr lang="it-IT" sz="1400" dirty="0"/>
+              <a:t> </a:t>
             </a:r>
             <a:r>
               <a:rPr lang="it-IT" sz="1400" dirty="0" err="1">
-                <a:solidFill>
-                  <a:srgbClr val="FF0000"/>
-                </a:solidFill>
-              </a:rPr>
-              <a:t>We</a:t>
-            </a:r>
-            <a:r>
-              <a:rPr lang="it-IT" sz="1400" dirty="0">
-                <a:solidFill>
-                  <a:srgbClr val="FF0000"/>
-                </a:solidFill>
-              </a:rPr>
+                <a:latin typeface="Consolas" panose="020B0609020204030204" pitchFamily="49" charset="0"/>
+              </a:rPr>
+              <a:t>RandomForestClassifier</a:t>
+            </a:r>
+            <a:r>
+              <a:rPr lang="it-IT" sz="1400" dirty="0"/>
+              <a:t>, a custom </a:t>
+            </a:r>
+            <a:r>
+              <a:rPr lang="it-IT" sz="1400" dirty="0" err="1"/>
+              <a:t>python</a:t>
+            </a:r>
+            <a:r>
+              <a:rPr lang="it-IT" sz="1400" dirty="0"/>
+              <a:t> class </a:t>
+            </a:r>
+            <a:r>
+              <a:rPr lang="it-IT" sz="1400" dirty="0" err="1"/>
+              <a:t>implementing</a:t>
+            </a:r>
+            <a:r>
+              <a:rPr lang="it-IT" sz="1400" dirty="0"/>
+              <a:t> a </a:t>
+            </a:r>
+            <a:r>
+              <a:rPr lang="it-IT" sz="1400" dirty="0" err="1">
+                <a:latin typeface="Consolas" panose="020B0609020204030204" pitchFamily="49" charset="0"/>
+              </a:rPr>
+              <a:t>Sequential</a:t>
+            </a:r>
+            <a:r>
+              <a:rPr lang="it-IT" sz="1400" dirty="0"/>
               <a:t> </a:t>
             </a:r>
             <a:r>
-              <a:rPr lang="it-IT" sz="1400" dirty="0" err="1">
-                <a:solidFill>
-                  <a:srgbClr val="FF0000"/>
-                </a:solidFill>
-              </a:rPr>
-              <a:t>chose</a:t>
-            </a:r>
-            <a:r>
-              <a:rPr lang="it-IT" sz="1400" dirty="0">
-                <a:solidFill>
-                  <a:srgbClr val="FF0000"/>
-                </a:solidFill>
-              </a:rPr>
-              <a:t> the </a:t>
-            </a:r>
-            <a:r>
-              <a:rPr lang="it-IT" sz="1400" dirty="0" err="1">
-                <a:solidFill>
-                  <a:srgbClr val="FF0000"/>
-                </a:solidFill>
-              </a:rPr>
-              <a:t>value</a:t>
-            </a:r>
-            <a:r>
-              <a:rPr lang="it-IT" sz="1400" dirty="0">
-                <a:solidFill>
-                  <a:srgbClr val="FF0000"/>
-                </a:solidFill>
-              </a:rPr>
-              <a:t> 3 </a:t>
-            </a:r>
-            <a:r>
-              <a:rPr lang="it-IT" sz="1400" dirty="0" err="1">
-                <a:solidFill>
-                  <a:srgbClr val="FF0000"/>
-                </a:solidFill>
-              </a:rPr>
-              <a:t>because</a:t>
-            </a:r>
-            <a:r>
-              <a:rPr lang="it-IT" sz="1400" dirty="0">
-                <a:solidFill>
-                  <a:srgbClr val="FF0000"/>
-                </a:solidFill>
-              </a:rPr>
-              <a:t>…</a:t>
-            </a:r>
-            <a:r>
-              <a:rPr lang="it-IT" sz="1400" dirty="0"/>
-              <a:t>  </a:t>
-            </a:r>
+              <a:rPr lang="it-IT" sz="1400" dirty="0" err="1"/>
+              <a:t>Neural</a:t>
+            </a:r>
+            <a:r>
+              <a:rPr lang="it-IT" sz="1400" dirty="0"/>
+              <a:t> Network with </a:t>
+            </a:r>
+            <a:r>
+              <a:rPr lang="it-IT" sz="1400" dirty="0" err="1"/>
+              <a:t>Keras</a:t>
+            </a:r>
+            <a:r>
+              <a:rPr lang="it-IT" sz="1400" dirty="0"/>
+              <a:t>.</a:t>
+            </a:r>
+            <a:endParaRPr lang="it-IT" dirty="0"/>
           </a:p>
         </p:txBody>
       </p:sp>
@@ -26201,7 +26281,7 @@
                 <a:ea typeface="Arial"/>
                 <a:cs typeface="Arial" panose="020B0604020202020204" pitchFamily="34" charset="0"/>
               </a:rPr>
-              <a:t>s details &amp; novelties – 2 </a:t>
+              <a:t>s details &amp; contributions – 2 </a:t>
             </a:r>
             <a:endParaRPr lang="it-IT" sz="2400" b="0" strike="noStrike" spc="-1" dirty="0">
               <a:solidFill>
@@ -26313,305 +26393,266 @@
           <a:lstStyle/>
           <a:p>
             <a:r>
-              <a:rPr lang="it-IT" sz="1400" dirty="0"/>
-              <a:t>Stop </a:t>
-            </a:r>
-            <a:r>
-              <a:rPr lang="it-IT" sz="1400" dirty="0" err="1"/>
-              <a:t>conditions</a:t>
-            </a:r>
-            <a:r>
-              <a:rPr lang="it-IT" sz="1400" dirty="0"/>
-              <a:t> for the </a:t>
-            </a:r>
-            <a:r>
-              <a:rPr lang="it-IT" sz="1400" dirty="0" err="1"/>
-              <a:t>Neural</a:t>
-            </a:r>
-            <a:r>
-              <a:rPr lang="it-IT" sz="1400" dirty="0"/>
-              <a:t> Networks: </a:t>
-            </a:r>
-            <a:r>
-              <a:rPr lang="it-IT" sz="1400" dirty="0" err="1"/>
-              <a:t>we</a:t>
-            </a:r>
-            <a:r>
-              <a:rPr lang="it-IT" sz="1400" dirty="0"/>
-              <a:t> </a:t>
-            </a:r>
-            <a:r>
-              <a:rPr lang="it-IT" sz="1400" dirty="0" err="1"/>
-              <a:t>decided</a:t>
-            </a:r>
-            <a:r>
-              <a:rPr lang="it-IT" sz="1400" dirty="0"/>
-              <a:t> to </a:t>
-            </a:r>
-            <a:r>
-              <a:rPr lang="it-IT" sz="1400" dirty="0" err="1"/>
-              <a:t>keep</a:t>
-            </a:r>
-            <a:r>
-              <a:rPr lang="it-IT" sz="1400" dirty="0"/>
-              <a:t> the </a:t>
-            </a:r>
-            <a:r>
-              <a:rPr lang="it-IT" sz="1400" dirty="0" err="1"/>
-              <a:t>number</a:t>
-            </a:r>
-            <a:r>
-              <a:rPr lang="it-IT" sz="1400" dirty="0"/>
-              <a:t> of </a:t>
-            </a:r>
-            <a:r>
-              <a:rPr lang="it-IT" sz="1400" dirty="0" err="1"/>
-              <a:t>epoch</a:t>
-            </a:r>
-            <a:r>
-              <a:rPr lang="it-IT" sz="1400" dirty="0"/>
-              <a:t> </a:t>
-            </a:r>
-            <a:r>
-              <a:rPr lang="it-IT" sz="1400" dirty="0" err="1"/>
-              <a:t>fixed</a:t>
-            </a:r>
-            <a:r>
-              <a:rPr lang="it-IT" sz="1400" dirty="0"/>
-              <a:t>, </a:t>
-            </a:r>
-            <a:r>
-              <a:rPr lang="it-IT" sz="1400" dirty="0" err="1"/>
-              <a:t>but</a:t>
-            </a:r>
-            <a:r>
-              <a:rPr lang="it-IT" sz="1400" dirty="0"/>
-              <a:t> interrupt the training </a:t>
-            </a:r>
-            <a:r>
-              <a:rPr lang="it-IT" sz="1400" dirty="0" err="1"/>
-              <a:t>when</a:t>
-            </a:r>
-            <a:r>
-              <a:rPr lang="it-IT" sz="1400" dirty="0"/>
-              <a:t> the </a:t>
-            </a:r>
-            <a:r>
-              <a:rPr lang="it-IT" sz="1400" dirty="0" err="1"/>
-              <a:t>loss</a:t>
-            </a:r>
-            <a:r>
-              <a:rPr lang="it-IT" sz="1400" dirty="0"/>
-              <a:t> </a:t>
-            </a:r>
-            <a:r>
-              <a:rPr lang="it-IT" sz="1400" dirty="0" err="1"/>
-              <a:t>stops</a:t>
-            </a:r>
-            <a:r>
-              <a:rPr lang="it-IT" sz="1400" dirty="0"/>
-              <a:t> </a:t>
-            </a:r>
-            <a:r>
-              <a:rPr lang="it-IT" sz="1400" dirty="0" err="1"/>
-              <a:t>improving</a:t>
-            </a:r>
-            <a:r>
-              <a:rPr lang="it-IT" sz="1400" dirty="0"/>
-              <a:t>, </a:t>
-            </a:r>
-            <a:r>
-              <a:rPr lang="it-IT" sz="1400" dirty="0" err="1"/>
-              <a:t>barring</a:t>
-            </a:r>
-            <a:r>
-              <a:rPr lang="it-IT" sz="1400" dirty="0"/>
-              <a:t> some </a:t>
-            </a:r>
-            <a:r>
-              <a:rPr lang="it-IT" sz="1400" dirty="0" err="1"/>
-              <a:t>patience</a:t>
-            </a:r>
-            <a:r>
-              <a:rPr lang="it-IT" sz="1400" dirty="0"/>
-              <a:t>. </a:t>
-            </a:r>
-            <a:r>
-              <a:rPr lang="it-IT" sz="1400" dirty="0" err="1"/>
-              <a:t>Precisely</a:t>
-            </a:r>
-            <a:r>
-              <a:rPr lang="it-IT" sz="1400" dirty="0"/>
-              <a:t>, </a:t>
-            </a:r>
-            <a:r>
-              <a:rPr lang="it-IT" sz="1400" dirty="0" err="1"/>
-              <a:t>early</a:t>
-            </a:r>
-            <a:r>
-              <a:rPr lang="it-IT" sz="1400" dirty="0"/>
-              <a:t> </a:t>
-            </a:r>
-            <a:r>
-              <a:rPr lang="it-IT" sz="1400" dirty="0" err="1"/>
-              <a:t>stopping</a:t>
-            </a:r>
-            <a:r>
-              <a:rPr lang="it-IT" sz="1400" dirty="0"/>
-              <a:t> </a:t>
-            </a:r>
-            <a:r>
-              <a:rPr lang="it-IT" sz="1400" dirty="0" err="1"/>
-              <a:t>has</a:t>
-            </a:r>
-            <a:r>
-              <a:rPr lang="it-IT" sz="1400" dirty="0"/>
-              <a:t> </a:t>
-            </a:r>
-            <a:r>
-              <a:rPr lang="it-IT" sz="1400" dirty="0" err="1"/>
-              <a:t>been</a:t>
-            </a:r>
-            <a:r>
-              <a:rPr lang="it-IT" sz="1400" dirty="0"/>
-              <a:t> </a:t>
-            </a:r>
-            <a:r>
-              <a:rPr lang="it-IT" sz="1400" dirty="0" err="1"/>
-              <a:t>implemented</a:t>
-            </a:r>
-            <a:r>
-              <a:rPr lang="it-IT" sz="1400" dirty="0"/>
-              <a:t> by </a:t>
-            </a:r>
-            <a:r>
-              <a:rPr lang="it-IT" sz="1400" dirty="0" err="1"/>
-              <a:t>using</a:t>
-            </a:r>
-            <a:r>
-              <a:rPr lang="it-IT" sz="1400" dirty="0"/>
-              <a:t> </a:t>
-            </a:r>
-            <a:r>
-              <a:rPr lang="it-IT" sz="1400" dirty="0" err="1">
-                <a:latin typeface="Consolas" panose="020B0609020204030204" pitchFamily="49" charset="0"/>
-              </a:rPr>
-              <a:t>EarlyStopping</a:t>
-            </a:r>
-            <a:r>
-              <a:rPr lang="it-IT" sz="1400" dirty="0">
-                <a:latin typeface="Consolas" panose="020B0609020204030204" pitchFamily="49" charset="0"/>
-              </a:rPr>
-              <a:t>()</a:t>
-            </a:r>
-            <a:r>
-              <a:rPr lang="it-IT" sz="1400" dirty="0"/>
-              <a:t> from </a:t>
-            </a:r>
-            <a:r>
-              <a:rPr lang="it-IT" sz="1400" dirty="0" err="1">
-                <a:latin typeface="Consolas" panose="020B0609020204030204" pitchFamily="49" charset="0"/>
-              </a:rPr>
-              <a:t>keras.callbacks</a:t>
-            </a:r>
-            <a:r>
-              <a:rPr lang="it-IT" sz="1400" dirty="0"/>
-              <a:t>. </a:t>
-            </a:r>
-            <a:r>
-              <a:rPr lang="it-IT" sz="1400" dirty="0" err="1"/>
-              <a:t>Patience</a:t>
-            </a:r>
-            <a:r>
-              <a:rPr lang="it-IT" sz="1400" dirty="0"/>
-              <a:t> </a:t>
-            </a:r>
-            <a:r>
-              <a:rPr lang="it-IT" sz="1400" dirty="0" err="1"/>
-              <a:t>is</a:t>
-            </a:r>
-            <a:r>
-              <a:rPr lang="it-IT" sz="1400" dirty="0"/>
-              <a:t> a </a:t>
-            </a:r>
-            <a:r>
-              <a:rPr lang="it-IT" sz="1400" dirty="0" err="1"/>
-              <a:t>hyperparameter</a:t>
-            </a:r>
-            <a:r>
-              <a:rPr lang="it-IT" sz="1400" dirty="0"/>
-              <a:t> in the full </a:t>
-            </a:r>
-            <a:r>
-              <a:rPr lang="it-IT" sz="1400" dirty="0" err="1"/>
-              <a:t>grid</a:t>
-            </a:r>
-            <a:r>
-              <a:rPr lang="it-IT" sz="1400" dirty="0"/>
-              <a:t> </a:t>
-            </a:r>
-            <a:r>
-              <a:rPr lang="it-IT" sz="1400" dirty="0" err="1"/>
-              <a:t>search</a:t>
-            </a:r>
-            <a:r>
-              <a:rPr lang="it-IT" sz="1400" dirty="0"/>
-              <a:t>.</a:t>
-            </a:r>
-            <a:r>
               <a:rPr lang="it-IT" sz="1400" dirty="0">
                 <a:solidFill>
                   <a:srgbClr val="FF0000"/>
                 </a:solidFill>
               </a:rPr>
-              <a:t> </a:t>
-            </a:r>
-          </a:p>
-        </p:txBody>
-      </p:sp>
-      <p:sp>
-        <p:nvSpPr>
-          <p:cNvPr id="5" name="CasellaDiTesto 4">
-            <a:extLst>
-              <a:ext uri="{FF2B5EF4-FFF2-40B4-BE49-F238E27FC236}">
-                <a16:creationId xmlns:a16="http://schemas.microsoft.com/office/drawing/2014/main" id="{AED68439-6643-E67C-81C7-93D88FFA34BF}"/>
-              </a:ext>
-            </a:extLst>
-          </p:cNvPr>
-          <p:cNvSpPr txBox="1"/>
-          <p:nvPr/>
-        </p:nvSpPr>
-        <p:spPr>
-          <a:xfrm>
-            <a:off x="311760" y="3455893"/>
-            <a:ext cx="7274859" cy="307777"/>
-          </a:xfrm>
-          <a:prstGeom prst="rect">
-            <a:avLst/>
-          </a:prstGeom>
-          <a:noFill/>
-        </p:spPr>
-        <p:txBody>
-          <a:bodyPr wrap="square" rtlCol="0">
-            <a:spAutoFit/>
-          </a:bodyPr>
-          <a:lstStyle/>
-          <a:p>
+              <a:t>Stop </a:t>
+            </a:r>
+            <a:r>
+              <a:rPr lang="it-IT" sz="1400" dirty="0" err="1">
+                <a:solidFill>
+                  <a:srgbClr val="FF0000"/>
+                </a:solidFill>
+              </a:rPr>
+              <a:t>conditions</a:t>
+            </a:r>
             <a:r>
               <a:rPr lang="it-IT" sz="1400" dirty="0">
                 <a:solidFill>
                   <a:srgbClr val="FF0000"/>
                 </a:solidFill>
               </a:rPr>
-              <a:t>Training </a:t>
+              <a:t> </a:t>
+            </a:r>
+            <a:r>
+              <a:rPr lang="it-IT" sz="1400" dirty="0"/>
+              <a:t>for the </a:t>
+            </a:r>
+            <a:r>
+              <a:rPr lang="it-IT" sz="1400" dirty="0" err="1"/>
+              <a:t>Neural</a:t>
+            </a:r>
+            <a:r>
+              <a:rPr lang="it-IT" sz="1400" dirty="0"/>
+              <a:t> Networks: </a:t>
+            </a:r>
+            <a:r>
+              <a:rPr lang="it-IT" sz="1400" dirty="0" err="1"/>
+              <a:t>we</a:t>
+            </a:r>
+            <a:r>
+              <a:rPr lang="it-IT" sz="1400" dirty="0"/>
+              <a:t> </a:t>
+            </a:r>
+            <a:r>
+              <a:rPr lang="it-IT" sz="1400" dirty="0" err="1"/>
+              <a:t>decided</a:t>
+            </a:r>
+            <a:r>
+              <a:rPr lang="it-IT" sz="1400" dirty="0"/>
+              <a:t> to </a:t>
+            </a:r>
+            <a:r>
+              <a:rPr lang="it-IT" sz="1400" dirty="0" err="1"/>
+              <a:t>keep</a:t>
+            </a:r>
+            <a:r>
+              <a:rPr lang="it-IT" sz="1400" dirty="0"/>
+              <a:t> the </a:t>
+            </a:r>
+            <a:r>
+              <a:rPr lang="it-IT" sz="1400" dirty="0" err="1"/>
+              <a:t>number</a:t>
+            </a:r>
+            <a:r>
+              <a:rPr lang="it-IT" sz="1400" dirty="0"/>
+              <a:t> of </a:t>
+            </a:r>
+            <a:r>
+              <a:rPr lang="it-IT" sz="1400" dirty="0" err="1"/>
+              <a:t>epoch</a:t>
+            </a:r>
+            <a:r>
+              <a:rPr lang="it-IT" sz="1400" dirty="0"/>
+              <a:t> </a:t>
+            </a:r>
+            <a:r>
+              <a:rPr lang="it-IT" sz="1400" dirty="0" err="1"/>
+              <a:t>fixed</a:t>
+            </a:r>
+            <a:r>
+              <a:rPr lang="it-IT" sz="1400" dirty="0"/>
+              <a:t>, </a:t>
+            </a:r>
+            <a:r>
+              <a:rPr lang="it-IT" sz="1400" dirty="0" err="1"/>
+              <a:t>but</a:t>
+            </a:r>
+            <a:r>
+              <a:rPr lang="it-IT" sz="1400" dirty="0"/>
+              <a:t> interrupt the training </a:t>
+            </a:r>
+            <a:r>
+              <a:rPr lang="it-IT" sz="1400" dirty="0" err="1"/>
+              <a:t>when</a:t>
+            </a:r>
+            <a:r>
+              <a:rPr lang="it-IT" sz="1400" dirty="0"/>
+              <a:t> the </a:t>
+            </a:r>
+            <a:r>
+              <a:rPr lang="it-IT" sz="1400" dirty="0" err="1"/>
+              <a:t>loss</a:t>
+            </a:r>
+            <a:r>
+              <a:rPr lang="it-IT" sz="1400" dirty="0"/>
+              <a:t> </a:t>
+            </a:r>
+            <a:r>
+              <a:rPr lang="it-IT" sz="1400" dirty="0" err="1"/>
+              <a:t>stops</a:t>
+            </a:r>
+            <a:r>
+              <a:rPr lang="it-IT" sz="1400" dirty="0"/>
+              <a:t> </a:t>
+            </a:r>
+            <a:r>
+              <a:rPr lang="it-IT" sz="1400" dirty="0" err="1"/>
+              <a:t>improving</a:t>
+            </a:r>
+            <a:r>
+              <a:rPr lang="it-IT" sz="1400" dirty="0"/>
+              <a:t>, </a:t>
+            </a:r>
+            <a:r>
+              <a:rPr lang="it-IT" sz="1400" dirty="0" err="1"/>
+              <a:t>barring</a:t>
+            </a:r>
+            <a:r>
+              <a:rPr lang="it-IT" sz="1400" dirty="0"/>
+              <a:t> some </a:t>
+            </a:r>
+            <a:r>
+              <a:rPr lang="it-IT" sz="1400" dirty="0" err="1"/>
+              <a:t>patience</a:t>
+            </a:r>
+            <a:r>
+              <a:rPr lang="it-IT" sz="1400" dirty="0"/>
+              <a:t>. </a:t>
+            </a:r>
+            <a:r>
+              <a:rPr lang="it-IT" sz="1400" dirty="0" err="1"/>
+              <a:t>Precisely</a:t>
+            </a:r>
+            <a:r>
+              <a:rPr lang="it-IT" sz="1400" dirty="0"/>
+              <a:t>, </a:t>
+            </a:r>
+            <a:r>
+              <a:rPr lang="it-IT" sz="1400" dirty="0" err="1"/>
+              <a:t>early</a:t>
+            </a:r>
+            <a:r>
+              <a:rPr lang="it-IT" sz="1400" dirty="0"/>
+              <a:t> </a:t>
+            </a:r>
+            <a:r>
+              <a:rPr lang="it-IT" sz="1400" dirty="0" err="1"/>
+              <a:t>stopping</a:t>
+            </a:r>
+            <a:r>
+              <a:rPr lang="it-IT" sz="1400" dirty="0"/>
+              <a:t> </a:t>
+            </a:r>
+            <a:r>
+              <a:rPr lang="it-IT" sz="1400" dirty="0" err="1"/>
+              <a:t>has</a:t>
+            </a:r>
+            <a:r>
+              <a:rPr lang="it-IT" sz="1400" dirty="0"/>
+              <a:t> </a:t>
+            </a:r>
+            <a:r>
+              <a:rPr lang="it-IT" sz="1400" dirty="0" err="1"/>
+              <a:t>been</a:t>
+            </a:r>
+            <a:r>
+              <a:rPr lang="it-IT" sz="1400" dirty="0"/>
+              <a:t> </a:t>
+            </a:r>
+            <a:r>
+              <a:rPr lang="it-IT" sz="1400" dirty="0" err="1"/>
+              <a:t>implemented</a:t>
+            </a:r>
+            <a:r>
+              <a:rPr lang="it-IT" sz="1400" dirty="0"/>
+              <a:t> by </a:t>
+            </a:r>
+            <a:r>
+              <a:rPr lang="it-IT" sz="1400" dirty="0" err="1"/>
+              <a:t>using</a:t>
+            </a:r>
+            <a:r>
+              <a:rPr lang="it-IT" sz="1400" dirty="0"/>
+              <a:t> </a:t>
             </a:r>
             <a:r>
               <a:rPr lang="it-IT" sz="1400" dirty="0" err="1">
-                <a:solidFill>
-                  <a:srgbClr val="FF0000"/>
-                </a:solidFill>
-              </a:rPr>
-              <a:t>algorithm</a:t>
+                <a:latin typeface="Consolas" panose="020B0609020204030204" pitchFamily="49" charset="0"/>
+              </a:rPr>
+              <a:t>EarlyStopping</a:t>
+            </a:r>
+            <a:r>
+              <a:rPr lang="it-IT" sz="1400" dirty="0">
+                <a:latin typeface="Consolas" panose="020B0609020204030204" pitchFamily="49" charset="0"/>
+              </a:rPr>
+              <a:t>()</a:t>
+            </a:r>
+            <a:r>
+              <a:rPr lang="it-IT" sz="1400" dirty="0"/>
+              <a:t> from </a:t>
+            </a:r>
+            <a:r>
+              <a:rPr lang="it-IT" sz="1400" dirty="0" err="1">
+                <a:latin typeface="Consolas" panose="020B0609020204030204" pitchFamily="49" charset="0"/>
+              </a:rPr>
+              <a:t>keras.callbacks</a:t>
+            </a:r>
+            <a:r>
+              <a:rPr lang="it-IT" sz="1400" dirty="0"/>
+              <a:t>. </a:t>
+            </a:r>
+            <a:r>
+              <a:rPr lang="it-IT" sz="1400" dirty="0" err="1"/>
+              <a:t>Patience</a:t>
+            </a:r>
+            <a:r>
+              <a:rPr lang="it-IT" sz="1400" dirty="0"/>
+              <a:t> </a:t>
+            </a:r>
+            <a:r>
+              <a:rPr lang="it-IT" sz="1400" dirty="0" err="1"/>
+              <a:t>is</a:t>
+            </a:r>
+            <a:r>
+              <a:rPr lang="it-IT" sz="1400" dirty="0"/>
+              <a:t> a </a:t>
+            </a:r>
+            <a:r>
+              <a:rPr lang="it-IT" sz="1400" dirty="0" err="1"/>
+              <a:t>hyperparameter</a:t>
+            </a:r>
+            <a:r>
+              <a:rPr lang="it-IT" sz="1400" dirty="0"/>
+              <a:t> in the full </a:t>
+            </a:r>
+            <a:r>
+              <a:rPr lang="it-IT" sz="1400" dirty="0" err="1"/>
+              <a:t>grid</a:t>
+            </a:r>
+            <a:r>
+              <a:rPr lang="it-IT" sz="1400" dirty="0"/>
+              <a:t> </a:t>
+            </a:r>
+            <a:r>
+              <a:rPr lang="it-IT" sz="1400" dirty="0" err="1"/>
+              <a:t>search</a:t>
+            </a:r>
+            <a:r>
+              <a:rPr lang="it-IT" sz="1400" dirty="0"/>
+              <a:t>.</a:t>
             </a:r>
             <a:r>
               <a:rPr lang="it-IT" sz="1400" dirty="0">
@@ -26619,71 +26660,7 @@
                   <a:srgbClr val="FF0000"/>
                 </a:solidFill>
               </a:rPr>
-              <a:t>, </a:t>
-            </a:r>
-            <a:r>
-              <a:rPr lang="it-IT" sz="1400" dirty="0" err="1">
-                <a:solidFill>
-                  <a:srgbClr val="FF0000"/>
-                </a:solidFill>
-              </a:rPr>
-              <a:t>number</a:t>
-            </a:r>
-            <a:r>
-              <a:rPr lang="it-IT" sz="1400" dirty="0">
-                <a:solidFill>
-                  <a:srgbClr val="FF0000"/>
-                </a:solidFill>
-              </a:rPr>
-              <a:t> of </a:t>
-            </a:r>
-            <a:r>
-              <a:rPr lang="it-IT" sz="1400" dirty="0" err="1">
-                <a:solidFill>
-                  <a:srgbClr val="FF0000"/>
-                </a:solidFill>
-              </a:rPr>
-              <a:t>layers</a:t>
-            </a:r>
-            <a:r>
-              <a:rPr lang="it-IT" sz="1400" dirty="0">
-                <a:solidFill>
-                  <a:srgbClr val="FF0000"/>
-                </a:solidFill>
-              </a:rPr>
-              <a:t>. </a:t>
-            </a:r>
-            <a:r>
-              <a:rPr lang="it-IT" sz="1400" dirty="0" err="1">
-                <a:solidFill>
-                  <a:srgbClr val="FF0000"/>
-                </a:solidFill>
-              </a:rPr>
-              <a:t>These</a:t>
-            </a:r>
-            <a:r>
-              <a:rPr lang="it-IT" sz="1400" dirty="0">
-                <a:solidFill>
-                  <a:srgbClr val="FF0000"/>
-                </a:solidFill>
-              </a:rPr>
-              <a:t> are </a:t>
-            </a:r>
-            <a:r>
-              <a:rPr lang="it-IT" sz="1400" dirty="0" err="1">
-                <a:solidFill>
-                  <a:srgbClr val="FF0000"/>
-                </a:solidFill>
-              </a:rPr>
-              <a:t>assumptions</a:t>
-            </a:r>
-            <a:r>
-              <a:rPr lang="it-IT" sz="1400" dirty="0">
-                <a:solidFill>
-                  <a:srgbClr val="FF0000"/>
-                </a:solidFill>
-              </a:rPr>
-              <a:t>.</a:t>
+              <a:t> </a:t>
             </a:r>
           </a:p>
         </p:txBody>
@@ -26769,7 +26746,7 @@
                 <a:latin typeface="+mj-lt"/>
                 <a:hlinkClick r:id="rId2" action="ppaction://hlinksldjump"/>
               </a:rPr>
-              <a:t>6</a:t>
+              <a:t>5</a:t>
             </a:r>
             <a:r>
               <a:rPr lang="it-IT" sz="1400" dirty="0">
@@ -26782,7 +26759,7 @@
                 <a:latin typeface="+mj-lt"/>
                 <a:hlinkClick r:id="rId3" action="ppaction://hlinksldjump"/>
               </a:rPr>
-              <a:t>9</a:t>
+              <a:t>8</a:t>
             </a:r>
             <a:r>
               <a:rPr lang="it-IT" sz="1400" dirty="0">
@@ -26945,6 +26922,343 @@
               </a:rPr>
               <a:t> network.</a:t>
             </a:r>
+          </a:p>
+        </p:txBody>
+      </p:sp>
+      <p:sp>
+        <p:nvSpPr>
+          <p:cNvPr id="3" name="CasellaDiTesto 2">
+            <a:extLst>
+              <a:ext uri="{FF2B5EF4-FFF2-40B4-BE49-F238E27FC236}">
+                <a16:creationId xmlns:a16="http://schemas.microsoft.com/office/drawing/2014/main" id="{224B3B82-2D69-821D-CFB2-403AA73B5260}"/>
+              </a:ext>
+            </a:extLst>
+          </p:cNvPr>
+          <p:cNvSpPr txBox="1"/>
+          <p:nvPr/>
+        </p:nvSpPr>
+        <p:spPr>
+          <a:xfrm>
+            <a:off x="311761" y="3022959"/>
+            <a:ext cx="8520119" cy="1384995"/>
+          </a:xfrm>
+          <a:prstGeom prst="rect">
+            <a:avLst/>
+          </a:prstGeom>
+          <a:noFill/>
+        </p:spPr>
+        <p:txBody>
+          <a:bodyPr wrap="square" rtlCol="0">
+            <a:spAutoFit/>
+          </a:bodyPr>
+          <a:lstStyle/>
+          <a:p>
+            <a:r>
+              <a:rPr lang="it-IT" sz="1400" dirty="0"/>
+              <a:t>Preliminary trials and </a:t>
+            </a:r>
+            <a:r>
+              <a:rPr lang="it-IT" sz="1400" dirty="0" err="1"/>
+              <a:t>constraints</a:t>
+            </a:r>
+            <a:r>
+              <a:rPr lang="it-IT" sz="1400" dirty="0"/>
+              <a:t> in </a:t>
+            </a:r>
+            <a:r>
+              <a:rPr lang="it-IT" sz="1400" dirty="0" err="1"/>
+              <a:t>terms</a:t>
+            </a:r>
+            <a:r>
+              <a:rPr lang="it-IT" sz="1400" dirty="0"/>
+              <a:t> of time and </a:t>
+            </a:r>
+            <a:r>
+              <a:rPr lang="it-IT" sz="1400" dirty="0" err="1"/>
+              <a:t>computational</a:t>
+            </a:r>
+            <a:r>
+              <a:rPr lang="it-IT" sz="1400" dirty="0"/>
+              <a:t> </a:t>
+            </a:r>
+            <a:r>
+              <a:rPr lang="it-IT" sz="1400" dirty="0" err="1"/>
+              <a:t>resources</a:t>
+            </a:r>
+            <a:r>
+              <a:rPr lang="it-IT" sz="1400" dirty="0"/>
+              <a:t> led </a:t>
+            </a:r>
+            <a:r>
+              <a:rPr lang="it-IT" sz="1400" dirty="0" err="1"/>
+              <a:t>us</a:t>
+            </a:r>
+            <a:r>
+              <a:rPr lang="it-IT" sz="1400" dirty="0"/>
+              <a:t> to make </a:t>
+            </a:r>
+            <a:r>
+              <a:rPr lang="it-IT" sz="1400" dirty="0" err="1"/>
+              <a:t>choices</a:t>
+            </a:r>
+            <a:r>
+              <a:rPr lang="it-IT" sz="1400" dirty="0"/>
+              <a:t> in </a:t>
+            </a:r>
+            <a:r>
+              <a:rPr lang="it-IT" sz="1400" dirty="0" err="1"/>
+              <a:t>model’s</a:t>
+            </a:r>
+            <a:r>
+              <a:rPr lang="it-IT" sz="1400" dirty="0"/>
+              <a:t> features. </a:t>
+            </a:r>
+            <a:r>
+              <a:rPr lang="it-IT" sz="1400" dirty="0" err="1"/>
+              <a:t>Notably</a:t>
+            </a:r>
+            <a:r>
+              <a:rPr lang="it-IT" sz="1400" dirty="0"/>
+              <a:t>, for ML23 CUP </a:t>
+            </a:r>
+            <a:r>
+              <a:rPr lang="it-IT" sz="1400" dirty="0" err="1"/>
+              <a:t>Neural</a:t>
+            </a:r>
+            <a:r>
+              <a:rPr lang="it-IT" sz="1400" dirty="0"/>
+              <a:t> Networks:</a:t>
+            </a:r>
+          </a:p>
+          <a:p>
+            <a:pPr marL="285750" indent="-285750">
+              <a:buFont typeface="Arial" panose="020B0604020202020204" pitchFamily="34" charset="0"/>
+              <a:buChar char="•"/>
+            </a:pPr>
+            <a:r>
+              <a:rPr lang="it-IT" sz="1400" dirty="0"/>
+              <a:t>N° </a:t>
+            </a:r>
+            <a:r>
+              <a:rPr lang="it-IT" sz="1400" dirty="0" err="1"/>
+              <a:t>layers</a:t>
+            </a:r>
+            <a:r>
+              <a:rPr lang="it-IT" sz="1400" dirty="0"/>
+              <a:t>: </a:t>
+            </a:r>
+            <a:r>
+              <a:rPr lang="it-IT" sz="1400" dirty="0" err="1"/>
+              <a:t>we</a:t>
+            </a:r>
+            <a:r>
+              <a:rPr lang="it-IT" sz="1400" dirty="0"/>
+              <a:t> </a:t>
+            </a:r>
+            <a:r>
+              <a:rPr lang="it-IT" sz="1400" dirty="0" err="1"/>
+              <a:t>opted</a:t>
+            </a:r>
+            <a:r>
+              <a:rPr lang="it-IT" sz="1400" dirty="0"/>
+              <a:t> for a 2 </a:t>
+            </a:r>
+            <a:r>
+              <a:rPr lang="it-IT" sz="1400" dirty="0" err="1"/>
+              <a:t>layer</a:t>
+            </a:r>
+            <a:r>
+              <a:rPr lang="it-IT" sz="1400" dirty="0"/>
+              <a:t> </a:t>
+            </a:r>
+            <a:r>
+              <a:rPr lang="it-IT" sz="1400" dirty="0" err="1"/>
+              <a:t>architecture</a:t>
+            </a:r>
+            <a:r>
+              <a:rPr lang="it-IT" sz="1400" dirty="0"/>
+              <a:t> to make the </a:t>
+            </a:r>
+            <a:r>
+              <a:rPr lang="it-IT" sz="1400" dirty="0" err="1"/>
+              <a:t>grid</a:t>
+            </a:r>
+            <a:r>
+              <a:rPr lang="it-IT" sz="1400" dirty="0"/>
+              <a:t> </a:t>
+            </a:r>
+            <a:r>
+              <a:rPr lang="it-IT" sz="1400" dirty="0" err="1"/>
+              <a:t>search</a:t>
+            </a:r>
+            <a:r>
+              <a:rPr lang="it-IT" sz="1400" dirty="0"/>
+              <a:t> </a:t>
+            </a:r>
+            <a:r>
+              <a:rPr lang="it-IT" sz="1400" dirty="0" err="1"/>
+              <a:t>feasible</a:t>
+            </a:r>
+            <a:endParaRPr lang="it-IT" sz="1400" dirty="0"/>
+          </a:p>
+          <a:p>
+            <a:pPr marL="285750" indent="-285750">
+              <a:buFont typeface="Arial" panose="020B0604020202020204" pitchFamily="34" charset="0"/>
+              <a:buChar char="•"/>
+            </a:pPr>
+            <a:r>
+              <a:rPr lang="it-IT" sz="1400" dirty="0" err="1"/>
+              <a:t>Activation</a:t>
+            </a:r>
+            <a:r>
+              <a:rPr lang="it-IT" sz="1400" dirty="0"/>
+              <a:t> </a:t>
+            </a:r>
+            <a:r>
+              <a:rPr lang="it-IT" sz="1400" dirty="0" err="1"/>
+              <a:t>function</a:t>
+            </a:r>
+            <a:r>
+              <a:rPr lang="it-IT" sz="1400" dirty="0"/>
+              <a:t>: </a:t>
+            </a:r>
+            <a:r>
+              <a:rPr lang="it-IT" sz="1400" dirty="0" err="1"/>
+              <a:t>we</a:t>
+            </a:r>
+            <a:r>
+              <a:rPr lang="it-IT" sz="1400" dirty="0"/>
+              <a:t> </a:t>
+            </a:r>
+            <a:r>
+              <a:rPr lang="it-IT" sz="1400" dirty="0" err="1"/>
+              <a:t>only</a:t>
+            </a:r>
+            <a:r>
+              <a:rPr lang="it-IT" sz="1400" dirty="0"/>
+              <a:t> </a:t>
+            </a:r>
+            <a:r>
+              <a:rPr lang="it-IT" sz="1400" dirty="0" err="1"/>
+              <a:t>used</a:t>
+            </a:r>
+            <a:r>
+              <a:rPr lang="it-IT" sz="1400" dirty="0"/>
+              <a:t> </a:t>
+            </a:r>
+            <a:r>
+              <a:rPr lang="it-IT" sz="1400" dirty="0" err="1"/>
+              <a:t>ReLU</a:t>
+            </a:r>
+            <a:r>
+              <a:rPr lang="it-IT" sz="1400" dirty="0"/>
+              <a:t> </a:t>
+            </a:r>
+            <a:r>
+              <a:rPr lang="it-IT" sz="1400" dirty="0" err="1"/>
+              <a:t>as</a:t>
+            </a:r>
+            <a:r>
+              <a:rPr lang="it-IT" sz="1400" dirty="0"/>
+              <a:t> </a:t>
+            </a:r>
+            <a:r>
+              <a:rPr lang="it-IT" sz="1400" dirty="0" err="1"/>
+              <a:t>is</a:t>
+            </a:r>
+            <a:r>
+              <a:rPr lang="it-IT" sz="1400" dirty="0"/>
+              <a:t> the </a:t>
+            </a:r>
+            <a:r>
+              <a:rPr lang="it-IT" sz="1400" dirty="0" err="1"/>
+              <a:t>most</a:t>
+            </a:r>
+            <a:r>
+              <a:rPr lang="it-IT" sz="1400" dirty="0"/>
+              <a:t> </a:t>
+            </a:r>
+            <a:r>
+              <a:rPr lang="it-IT" sz="1400" dirty="0" err="1"/>
+              <a:t>used</a:t>
+            </a:r>
+            <a:r>
+              <a:rPr lang="it-IT" sz="1400" dirty="0"/>
+              <a:t> in state-of-the-art NN</a:t>
+            </a:r>
+          </a:p>
+          <a:p>
+            <a:pPr marL="285750" indent="-285750">
+              <a:buFont typeface="Arial" panose="020B0604020202020204" pitchFamily="34" charset="0"/>
+              <a:buChar char="•"/>
+            </a:pPr>
+            <a:r>
+              <a:rPr lang="it-IT" sz="1400" dirty="0"/>
+              <a:t>Learning </a:t>
+            </a:r>
+            <a:r>
+              <a:rPr lang="it-IT" sz="1400" dirty="0" err="1"/>
+              <a:t>algorithm</a:t>
+            </a:r>
+            <a:r>
+              <a:rPr lang="it-IT" sz="1400" dirty="0"/>
+              <a:t>: </a:t>
+            </a:r>
+            <a:r>
+              <a:rPr lang="it-IT" sz="1400" dirty="0" err="1"/>
+              <a:t>we</a:t>
+            </a:r>
+            <a:r>
+              <a:rPr lang="it-IT" sz="1400" dirty="0"/>
+              <a:t> </a:t>
+            </a:r>
+            <a:r>
+              <a:rPr lang="it-IT" sz="1400" dirty="0" err="1"/>
+              <a:t>focused</a:t>
+            </a:r>
+            <a:r>
+              <a:rPr lang="it-IT" sz="1400" dirty="0"/>
+              <a:t> </a:t>
+            </a:r>
+            <a:r>
+              <a:rPr lang="it-IT" sz="1400" dirty="0" err="1"/>
+              <a:t>our</a:t>
+            </a:r>
+            <a:r>
+              <a:rPr lang="it-IT" sz="1400" dirty="0"/>
+              <a:t> </a:t>
+            </a:r>
+            <a:r>
+              <a:rPr lang="it-IT" sz="1400" dirty="0" err="1"/>
+              <a:t>effort</a:t>
+            </a:r>
+            <a:r>
+              <a:rPr lang="it-IT" sz="1400" dirty="0"/>
+              <a:t> on SGD, </a:t>
+            </a:r>
+            <a:r>
+              <a:rPr lang="it-IT" sz="1400" dirty="0" err="1"/>
+              <a:t>but</a:t>
+            </a:r>
+            <a:r>
+              <a:rPr lang="it-IT" sz="1400" dirty="0"/>
+              <a:t> </a:t>
+            </a:r>
+            <a:r>
+              <a:rPr lang="it-IT" sz="1400" dirty="0" err="1"/>
+              <a:t>varied</a:t>
+            </a:r>
+            <a:r>
+              <a:rPr lang="it-IT" sz="1400" dirty="0"/>
+              <a:t> the batch size</a:t>
+            </a:r>
+          </a:p>
+          <a:p>
+            <a:pPr marL="285750" indent="-285750">
+              <a:buFont typeface="Arial" panose="020B0604020202020204" pitchFamily="34" charset="0"/>
+              <a:buChar char="•"/>
+            </a:pPr>
+            <a:endParaRPr lang="it-IT" sz="1400" dirty="0"/>
           </a:p>
         </p:txBody>
       </p:sp>
@@ -27036,7 +27350,7 @@
                 <a:ea typeface="Arial"/>
                 <a:cs typeface="Arial" panose="020B0604020202020204" pitchFamily="34" charset="0"/>
               </a:rPr>
-              <a:t>s details &amp; novelties – 2 </a:t>
+              <a:t>s details &amp; contributions – 2 </a:t>
             </a:r>
             <a:endParaRPr lang="it-IT" sz="2400" b="0" strike="noStrike" spc="-1" dirty="0">
               <a:solidFill>
@@ -27317,6 +27631,100 @@
           </a:p>
         </p:txBody>
       </p:sp>
+      <p:sp>
+        <p:nvSpPr>
+          <p:cNvPr id="2" name="CasellaDiTesto 1">
+            <a:extLst>
+              <a:ext uri="{FF2B5EF4-FFF2-40B4-BE49-F238E27FC236}">
+                <a16:creationId xmlns:a16="http://schemas.microsoft.com/office/drawing/2014/main" id="{C13608F5-BEBE-663A-187F-F0AA1B96F5B9}"/>
+              </a:ext>
+            </a:extLst>
+          </p:cNvPr>
+          <p:cNvSpPr txBox="1"/>
+          <p:nvPr/>
+        </p:nvSpPr>
+        <p:spPr>
+          <a:xfrm>
+            <a:off x="540587" y="3301253"/>
+            <a:ext cx="7877272" cy="307777"/>
+          </a:xfrm>
+          <a:prstGeom prst="rect">
+            <a:avLst/>
+          </a:prstGeom>
+          <a:noFill/>
+        </p:spPr>
+        <p:txBody>
+          <a:bodyPr wrap="square" rtlCol="0">
+            <a:spAutoFit/>
+          </a:bodyPr>
+          <a:lstStyle/>
+          <a:p>
+            <a:r>
+              <a:rPr lang="it-IT" sz="1400" dirty="0"/>
+              <a:t>For </a:t>
+            </a:r>
+            <a:r>
+              <a:rPr lang="it-IT" sz="1400" dirty="0" err="1">
+                <a:solidFill>
+                  <a:srgbClr val="FF0000"/>
+                </a:solidFill>
+              </a:rPr>
+              <a:t>further</a:t>
+            </a:r>
+            <a:r>
+              <a:rPr lang="it-IT" sz="1400" dirty="0">
+                <a:solidFill>
+                  <a:srgbClr val="FF0000"/>
+                </a:solidFill>
+              </a:rPr>
+              <a:t> </a:t>
+            </a:r>
+            <a:r>
+              <a:rPr lang="it-IT" sz="1400" dirty="0" err="1">
+                <a:solidFill>
+                  <a:srgbClr val="FF0000"/>
+                </a:solidFill>
+              </a:rPr>
+              <a:t>details</a:t>
+            </a:r>
+            <a:r>
+              <a:rPr lang="it-IT" sz="1400" dirty="0">
+                <a:solidFill>
+                  <a:srgbClr val="FF0000"/>
+                </a:solidFill>
+              </a:rPr>
+              <a:t> </a:t>
+            </a:r>
+            <a:r>
+              <a:rPr lang="it-IT" sz="1400" dirty="0"/>
+              <a:t>on design </a:t>
+            </a:r>
+            <a:r>
+              <a:rPr lang="it-IT" sz="1400" dirty="0" err="1"/>
+              <a:t>choices</a:t>
+            </a:r>
+            <a:r>
+              <a:rPr lang="it-IT" sz="1400" dirty="0"/>
+              <a:t>, </a:t>
+            </a:r>
+            <a:r>
+              <a:rPr lang="it-IT" sz="1400" dirty="0" err="1"/>
+              <a:t>see</a:t>
+            </a:r>
+            <a:r>
+              <a:rPr lang="it-IT" sz="1400" dirty="0"/>
+              <a:t> the </a:t>
+            </a:r>
+            <a:r>
+              <a:rPr lang="it-IT" sz="1400" dirty="0" err="1">
+                <a:hlinkClick r:id="rId2" action="ppaction://hlinksldjump"/>
+              </a:rPr>
+              <a:t>Appendix</a:t>
+            </a:r>
+            <a:endParaRPr lang="it-IT" sz="1400" dirty="0"/>
+          </a:p>
+        </p:txBody>
+      </p:sp>
     </p:spTree>
     <p:extLst>
       <p:ext uri="{BB962C8B-B14F-4D97-AF65-F5344CB8AC3E}">
@@ -27490,14 +27898,14 @@
           <p:nvPr>
             <p:extLst>
               <p:ext uri="{D42A27DB-BD31-4B8C-83A1-F6EECF244321}">
-                <p14:modId xmlns:p14="http://schemas.microsoft.com/office/powerpoint/2010/main" val="956108811"/>
+                <p14:modId xmlns:p14="http://schemas.microsoft.com/office/powerpoint/2010/main" val="1089700621"/>
               </p:ext>
             </p:extLst>
           </p:nvPr>
         </p:nvGraphicFramePr>
         <p:xfrm>
-          <a:off x="311757" y="1039885"/>
-          <a:ext cx="8160842" cy="1615440"/>
+          <a:off x="311757" y="917256"/>
+          <a:ext cx="8160842" cy="1249680"/>
         </p:xfrm>
         <a:graphic>
           <a:graphicData uri="http://schemas.openxmlformats.org/drawingml/2006/table">
@@ -27679,7 +28087,56 @@
                           <a:latin typeface="Arial" panose="020B0604020202020204" pitchFamily="34" charset="0"/>
                           <a:cs typeface="Arial" panose="020B0604020202020204" pitchFamily="34" charset="0"/>
                         </a:rPr>
-                        <a:t>/ 1 / 1 / 2 / </a:t>
+                        <a:t>/ </a:t>
+                      </a:r>
+                      <a:r>
+                        <a:rPr lang="it-IT" sz="1400" i="1" dirty="0">
+                          <a:latin typeface="Arial" panose="020B0604020202020204" pitchFamily="34" charset="0"/>
+                          <a:cs typeface="Arial" panose="020B0604020202020204" pitchFamily="34" charset="0"/>
+                        </a:rPr>
+                        <a:t>1</a:t>
+                      </a:r>
+                      <a:r>
+                        <a:rPr lang="it-IT" sz="1400" i="0" dirty="0">
+                          <a:latin typeface="Arial" panose="020B0604020202020204" pitchFamily="34" charset="0"/>
+                          <a:cs typeface="Arial" panose="020B0604020202020204" pitchFamily="34" charset="0"/>
+                        </a:rPr>
+                        <a:t> / </a:t>
+                      </a:r>
+                      <a:r>
+                        <a:rPr lang="it-IT" sz="1400" i="1" dirty="0">
+                          <a:latin typeface="Arial" panose="020B0604020202020204" pitchFamily="34" charset="0"/>
+                          <a:cs typeface="Arial" panose="020B0604020202020204" pitchFamily="34" charset="0"/>
+                        </a:rPr>
+                        <a:t>1 </a:t>
+                      </a:r>
+                      <a:r>
+                        <a:rPr lang="it-IT" sz="1400" i="0" dirty="0">
+                          <a:latin typeface="Arial" panose="020B0604020202020204" pitchFamily="34" charset="0"/>
+                          <a:cs typeface="Arial" panose="020B0604020202020204" pitchFamily="34" charset="0"/>
+                        </a:rPr>
+                        <a:t>/ </a:t>
+                      </a:r>
+                      <a:r>
+                        <a:rPr lang="it-IT" sz="1400" i="1" dirty="0">
+                          <a:latin typeface="Arial" panose="020B0604020202020204" pitchFamily="34" charset="0"/>
+                          <a:cs typeface="Arial" panose="020B0604020202020204" pitchFamily="34" charset="0"/>
+                        </a:rPr>
+                        <a:t>2</a:t>
+                      </a:r>
+                      <a:r>
+                        <a:rPr lang="it-IT" sz="1400" i="0" dirty="0">
+                          <a:latin typeface="Arial" panose="020B0604020202020204" pitchFamily="34" charset="0"/>
+                          <a:cs typeface="Arial" panose="020B0604020202020204" pitchFamily="34" charset="0"/>
+                        </a:rPr>
+                        <a:t> / </a:t>
+                      </a:r>
+                      <a:r>
+                        <a:rPr lang="it-IT" sz="1400" i="1" dirty="0">
+                          <a:latin typeface="Arial" panose="020B0604020202020204" pitchFamily="34" charset="0"/>
+                          <a:cs typeface="Arial" panose="020B0604020202020204" pitchFamily="34" charset="0"/>
+                        </a:rPr>
+                        <a:t>0.5</a:t>
                       </a:r>
                     </a:p>
                   </a:txBody>
@@ -27690,6 +28147,7 @@
                     <a:bodyPr/>
                     <a:lstStyle/>
                     <a:p>
+                      <a:pPr algn="ctr"/>
                       <a:endParaRPr lang="it-IT" sz="1100" i="1" dirty="0"/>
                     </a:p>
                   </a:txBody>
@@ -27700,9 +28158,18 @@
                     <a:bodyPr/>
                     <a:lstStyle/>
                     <a:p>
-                      <a:r>
-                        <a:rPr lang="it-IT" sz="1100" i="1" dirty="0"/>
-                        <a:t>Media su diverse inizializzazioni</a:t>
+                      <a:pPr algn="ctr"/>
+                      <a:r>
+                        <a:rPr lang="it-IT" sz="1400" i="1" dirty="0"/>
+                        <a:t>80.43% </a:t>
+                      </a:r>
+                      <a:r>
+                        <a:rPr lang="it-IT" sz="1400" i="0" dirty="0"/>
+                        <a:t>/</a:t>
+                      </a:r>
+                      <a:r>
+                        <a:rPr lang="it-IT" sz="1400" i="1" dirty="0"/>
+                        <a:t> 100%</a:t>
                       </a:r>
                     </a:p>
                   </a:txBody>
@@ -27734,7 +28201,44 @@
                     <a:bodyPr/>
                     <a:lstStyle/>
                     <a:p>
-                      <a:endParaRPr lang="it-IT" sz="1400" dirty="0"/>
+                      <a:r>
+                        <a:rPr lang="it-IT" sz="1400" dirty="0">
+                          <a:latin typeface="Consolas" panose="020B0609020204030204" pitchFamily="49" charset="0"/>
+                        </a:rPr>
+                        <a:t>Poly</a:t>
+                      </a:r>
+                      <a:r>
+                        <a:rPr lang="it-IT" sz="1400" dirty="0"/>
+                        <a:t> / </a:t>
+                      </a:r>
+                      <a:r>
+                        <a:rPr lang="it-IT" sz="1400" i="1" dirty="0"/>
+                        <a:t>10</a:t>
+                      </a:r>
+                      <a:r>
+                        <a:rPr lang="it-IT" sz="1400" dirty="0"/>
+                        <a:t> / </a:t>
+                      </a:r>
+                      <a:r>
+                        <a:rPr lang="it-IT" sz="1400" i="1" dirty="0"/>
+                        <a:t>1 </a:t>
+                      </a:r>
+                      <a:r>
+                        <a:rPr lang="it-IT" sz="1400" dirty="0"/>
+                        <a:t>/ </a:t>
+                      </a:r>
+                      <a:r>
+                        <a:rPr lang="it-IT" sz="1400" i="1" dirty="0"/>
+                        <a:t>2 </a:t>
+                      </a:r>
+                      <a:r>
+                        <a:rPr lang="it-IT" sz="1400" dirty="0"/>
+                        <a:t>/ </a:t>
+                      </a:r>
+                      <a:r>
+                        <a:rPr lang="it-IT" sz="1400" i="1" dirty="0"/>
+                        <a:t>0.0</a:t>
+                      </a:r>
                     </a:p>
                   </a:txBody>
                   <a:tcPr anchor="ctr"/>
@@ -27744,7 +28248,7 @@
                     <a:bodyPr/>
                     <a:lstStyle/>
                     <a:p>
-                      <a:pPr marL="0" marR="0" lvl="0" indent="0" algn="l" defTabSz="914400" rtl="0" eaLnBrk="1" fontAlgn="auto" latinLnBrk="0" hangingPunct="1">
+                      <a:pPr marL="0" marR="0" lvl="0" indent="0" algn="ctr" defTabSz="914400" rtl="0" eaLnBrk="1" fontAlgn="auto" latinLnBrk="0" hangingPunct="1">
                         <a:lnSpc>
                           <a:spcPct val="100000"/>
                         </a:lnSpc>
@@ -27771,9 +28275,18 @@
                     <a:bodyPr/>
                     <a:lstStyle/>
                     <a:p>
-                      <a:r>
-                        <a:rPr lang="it-IT" sz="1100" i="1" dirty="0"/>
-                        <a:t>Media su diverse inizializzazioni</a:t>
+                      <a:pPr algn="ctr"/>
+                      <a:r>
+                        <a:rPr lang="it-IT" sz="1400" i="1" dirty="0"/>
+                        <a:t>72.31% </a:t>
+                      </a:r>
+                      <a:r>
+                        <a:rPr lang="it-IT" sz="1400" i="0" dirty="0"/>
+                        <a:t>/ </a:t>
+                      </a:r>
+                      <a:r>
+                        <a:rPr lang="it-IT" sz="1400" i="1" dirty="0"/>
+                        <a:t>100%</a:t>
                       </a:r>
                     </a:p>
                   </a:txBody>
@@ -27805,7 +28318,45 @@
                     <a:bodyPr/>
                     <a:lstStyle/>
                     <a:p>
-                      <a:endParaRPr lang="it-IT" sz="1400" dirty="0"/>
+                      <a:r>
+                        <a:rPr lang="it-IT" sz="1400" dirty="0">
+                          <a:latin typeface="Consolas" panose="020B0609020204030204" pitchFamily="49" charset="0"/>
+                        </a:rPr>
+                        <a:t>RBF</a:t>
+                      </a:r>
+                      <a:r>
+                        <a:rPr lang="it-IT" sz="1400" dirty="0"/>
+                        <a:t> / </a:t>
+                      </a:r>
+                      <a:r>
+                        <a:rPr lang="it-IT" sz="1400" i="1" dirty="0"/>
+                        <a:t>1</a:t>
+                      </a:r>
+                      <a:r>
+                        <a:rPr lang="it-IT" sz="1400" dirty="0"/>
+                        <a:t> / </a:t>
+                      </a:r>
+                      <a:r>
+                        <a:rPr lang="it-IT" sz="1400" i="1" dirty="0"/>
+                        <a:t>0.1</a:t>
+                      </a:r>
+                      <a:r>
+                        <a:rPr lang="it-IT" sz="1400" dirty="0"/>
+                        <a:t> / </a:t>
+                      </a:r>
+                      <a:r>
+                        <a:rPr lang="it-IT" sz="1400" i="1" dirty="0" err="1"/>
+                        <a:t>n.d.</a:t>
+                      </a:r>
+                      <a:r>
+                        <a:rPr lang="it-IT" sz="1400" dirty="0"/>
+                        <a:t> / </a:t>
+                      </a:r>
+                      <a:r>
+                        <a:rPr lang="it-IT" sz="1400" i="1" dirty="0" err="1"/>
+                        <a:t>n.d.</a:t>
+                      </a:r>
+                      <a:endParaRPr lang="it-IT" sz="1400" i="1" dirty="0"/>
                     </a:p>
                   </a:txBody>
                   <a:tcPr anchor="ctr"/>
@@ -27815,7 +28366,7 @@
                     <a:bodyPr/>
                     <a:lstStyle/>
                     <a:p>
-                      <a:pPr marL="0" marR="0" lvl="0" indent="0" algn="l" defTabSz="914400" rtl="0" eaLnBrk="1" fontAlgn="auto" latinLnBrk="0" hangingPunct="1">
+                      <a:pPr marL="0" marR="0" lvl="0" indent="0" algn="ctr" defTabSz="914400" rtl="0" eaLnBrk="1" fontAlgn="auto" latinLnBrk="0" hangingPunct="1">
                         <a:lnSpc>
                           <a:spcPct val="100000"/>
                         </a:lnSpc>
@@ -27842,7 +28393,7 @@
                     <a:bodyPr/>
                     <a:lstStyle/>
                     <a:p>
-                      <a:pPr marL="0" marR="0" lvl="0" indent="0" algn="l" defTabSz="914400" rtl="0" eaLnBrk="1" fontAlgn="auto" latinLnBrk="0" hangingPunct="1">
+                      <a:pPr marL="0" marR="0" lvl="0" indent="0" algn="ctr" defTabSz="914400" rtl="0" eaLnBrk="1" fontAlgn="auto" latinLnBrk="0" hangingPunct="1">
                         <a:lnSpc>
                           <a:spcPct val="100000"/>
                         </a:lnSpc>
@@ -27860,8 +28411,16 @@
                         <a:defRPr/>
                       </a:pPr>
                       <a:r>
-                        <a:rPr lang="it-IT" sz="1100" i="1" dirty="0"/>
-                        <a:t>Media su diverse inizializzazioni</a:t>
+                        <a:rPr lang="it-IT" sz="1400" i="1" dirty="0"/>
+                        <a:t>93.40% </a:t>
+                      </a:r>
+                      <a:r>
+                        <a:rPr lang="it-IT" sz="1400" i="0" dirty="0"/>
+                        <a:t>/</a:t>
+                      </a:r>
+                      <a:r>
+                        <a:rPr lang="it-IT" sz="1400" i="1" dirty="0"/>
+                        <a:t> 97.22%</a:t>
                       </a:r>
                     </a:p>
                   </a:txBody>
@@ -27893,7 +28452,7 @@
         </p:nvSpPr>
         <p:spPr>
           <a:xfrm>
-            <a:off x="311756" y="701329"/>
+            <a:off x="311756" y="578700"/>
             <a:ext cx="8160842" cy="338554"/>
           </a:xfrm>
           <a:prstGeom prst="rect">
@@ -27922,15 +28481,7 @@
             </a:r>
             <a:r>
               <a:rPr lang="it-IT" sz="1400" dirty="0" err="1"/>
-              <a:t>Average</a:t>
-            </a:r>
-            <a:r>
-              <a:rPr lang="it-IT" sz="1400" dirty="0"/>
-              <a:t> </a:t>
-            </a:r>
-            <a:r>
-              <a:rPr lang="it-IT" sz="1400" dirty="0" err="1"/>
-              <a:t>prediction</a:t>
+              <a:t>Prediction</a:t>
             </a:r>
             <a:r>
               <a:rPr lang="it-IT" sz="1400" dirty="0"/>
@@ -27979,14 +28530,14 @@
           <p:nvPr>
             <p:extLst>
               <p:ext uri="{D42A27DB-BD31-4B8C-83A1-F6EECF244321}">
-                <p14:modId xmlns:p14="http://schemas.microsoft.com/office/powerpoint/2010/main" val="155122786"/>
+                <p14:modId xmlns:p14="http://schemas.microsoft.com/office/powerpoint/2010/main" val="2200219163"/>
               </p:ext>
             </p:extLst>
           </p:nvPr>
         </p:nvGraphicFramePr>
         <p:xfrm>
-          <a:off x="311757" y="3295895"/>
-          <a:ext cx="8160842" cy="1615440"/>
+          <a:off x="311756" y="3040531"/>
+          <a:ext cx="8160842" cy="1645920"/>
         </p:xfrm>
         <a:graphic>
           <a:graphicData uri="http://schemas.openxmlformats.org/drawingml/2006/table">
@@ -28046,16 +28597,200 @@
                     <a:p>
                       <a:pPr algn="ctr"/>
                       <a:r>
-                        <a:rPr lang="it-IT" sz="1600" dirty="0" err="1">
+                        <a:rPr lang="it-IT" sz="1400" i="1" dirty="0">
                           <a:solidFill>
-                            <a:srgbClr val="FF0000"/>
+                            <a:schemeClr val="tx1"/>
                           </a:solidFill>
                         </a:rPr>
-                        <a:t>Hyperparameters</a:t>
-                      </a:r>
-                      <a:endParaRPr lang="it-IT" sz="1600" i="1" dirty="0">
+                        <a:t># </a:t>
+                      </a:r>
+                      <a:r>
+                        <a:rPr lang="it-IT" sz="1400" i="1" dirty="0" err="1">
+                          <a:solidFill>
+                            <a:schemeClr val="tx1"/>
+                          </a:solidFill>
+                        </a:rPr>
+                        <a:t>trees</a:t>
+                      </a:r>
+                      <a:r>
+                        <a:rPr lang="it-IT" sz="1400" i="1" dirty="0">
+                          <a:solidFill>
+                            <a:schemeClr val="tx1"/>
+                          </a:solidFill>
+                        </a:rPr>
+                        <a:t> </a:t>
+                      </a:r>
+                      <a:r>
+                        <a:rPr lang="it-IT" sz="1400" i="0" dirty="0">
+                          <a:solidFill>
+                            <a:schemeClr val="tx1"/>
+                          </a:solidFill>
+                        </a:rPr>
+                        <a:t>/</a:t>
+                      </a:r>
+                      <a:r>
+                        <a:rPr lang="it-IT" sz="1400" i="1" dirty="0">
+                          <a:solidFill>
+                            <a:schemeClr val="tx1"/>
+                          </a:solidFill>
+                        </a:rPr>
+                        <a:t> </a:t>
+                      </a:r>
+                      <a:r>
+                        <a:rPr lang="it-IT" sz="1400" i="1" dirty="0" err="1">
+                          <a:solidFill>
+                            <a:schemeClr val="tx1"/>
+                          </a:solidFill>
+                        </a:rPr>
+                        <a:t>maxDepth</a:t>
+                      </a:r>
+                      <a:r>
+                        <a:rPr lang="it-IT" sz="1400" i="1" dirty="0">
+                          <a:solidFill>
+                            <a:schemeClr val="tx1"/>
+                          </a:solidFill>
+                        </a:rPr>
+                        <a:t> </a:t>
+                      </a:r>
+                      <a:r>
+                        <a:rPr lang="it-IT" sz="1400" i="0" dirty="0">
+                          <a:solidFill>
+                            <a:schemeClr val="tx1"/>
+                          </a:solidFill>
+                        </a:rPr>
+                        <a:t>/</a:t>
+                      </a:r>
+                      <a:r>
+                        <a:rPr lang="it-IT" sz="1400" i="1" dirty="0">
+                          <a:solidFill>
+                            <a:schemeClr val="tx1"/>
+                          </a:solidFill>
+                        </a:rPr>
+                        <a:t> </a:t>
+                      </a:r>
+                      <a:r>
+                        <a:rPr lang="it-IT" sz="1400" i="1" dirty="0" err="1">
+                          <a:solidFill>
+                            <a:schemeClr val="tx1"/>
+                          </a:solidFill>
+                        </a:rPr>
+                        <a:t>min_samples_split</a:t>
+                      </a:r>
+                      <a:r>
+                        <a:rPr lang="it-IT" sz="1400" i="1" dirty="0">
+                          <a:solidFill>
+                            <a:schemeClr val="tx1"/>
+                          </a:solidFill>
+                        </a:rPr>
+                        <a:t> </a:t>
+                      </a:r>
+                      <a:r>
+                        <a:rPr lang="it-IT" sz="1400" i="0" dirty="0">
+                          <a:solidFill>
+                            <a:schemeClr val="tx1"/>
+                          </a:solidFill>
+                        </a:rPr>
+                        <a:t>/</a:t>
+                      </a:r>
+                      <a:r>
+                        <a:rPr lang="it-IT" sz="1400" i="1" dirty="0">
+                          <a:solidFill>
+                            <a:schemeClr val="tx1"/>
+                          </a:solidFill>
+                        </a:rPr>
+                        <a:t> </a:t>
+                      </a:r>
+                      <a:r>
+                        <a:rPr lang="it-IT" sz="1400" i="1" dirty="0" err="1">
+                          <a:solidFill>
+                            <a:schemeClr val="tx1"/>
+                          </a:solidFill>
+                        </a:rPr>
+                        <a:t>min_samples_leaf</a:t>
+                      </a:r>
+                      <a:r>
+                        <a:rPr lang="it-IT" sz="1400" i="1" dirty="0">
+                          <a:solidFill>
+                            <a:schemeClr val="tx1"/>
+                          </a:solidFill>
+                        </a:rPr>
+                        <a:t> </a:t>
+                      </a:r>
+                      <a:r>
+                        <a:rPr lang="it-IT" sz="1400" i="0" dirty="0">
+                          <a:solidFill>
+                            <a:schemeClr val="tx1"/>
+                          </a:solidFill>
+                        </a:rPr>
+                        <a:t>/</a:t>
+                      </a:r>
+                      <a:r>
+                        <a:rPr lang="it-IT" sz="1400" i="1" dirty="0">
+                          <a:solidFill>
+                            <a:schemeClr val="tx1"/>
+                          </a:solidFill>
+                        </a:rPr>
+                        <a:t> </a:t>
+                      </a:r>
+                      <a:r>
+                        <a:rPr lang="it-IT" sz="1400" i="1" dirty="0" err="1">
+                          <a:solidFill>
+                            <a:schemeClr val="tx1"/>
+                          </a:solidFill>
+                        </a:rPr>
+                        <a:t>maxFeatures</a:t>
+                      </a:r>
+                      <a:r>
+                        <a:rPr lang="it-IT" sz="1400" i="1" dirty="0">
+                          <a:solidFill>
+                            <a:schemeClr val="tx1"/>
+                          </a:solidFill>
+                        </a:rPr>
+                        <a:t> </a:t>
+                      </a:r>
+                      <a:r>
+                        <a:rPr lang="it-IT" sz="1400" i="0" dirty="0">
+                          <a:solidFill>
+                            <a:schemeClr val="tx1"/>
+                          </a:solidFill>
+                        </a:rPr>
+                        <a:t>/</a:t>
+                      </a:r>
+                      <a:r>
+                        <a:rPr lang="it-IT" sz="1400" i="1" dirty="0">
+                          <a:solidFill>
+                            <a:schemeClr val="tx1"/>
+                          </a:solidFill>
+                        </a:rPr>
+                        <a:t> bootstrap </a:t>
+                      </a:r>
+                      <a:r>
+                        <a:rPr lang="it-IT" sz="1400" i="0" dirty="0">
+                          <a:solidFill>
+                            <a:schemeClr val="tx1"/>
+                          </a:solidFill>
+                        </a:rPr>
+                        <a:t>/</a:t>
+                      </a:r>
+                      <a:r>
+                        <a:rPr lang="it-IT" sz="1400" i="1" dirty="0">
+                          <a:solidFill>
+                            <a:schemeClr val="tx1"/>
+                          </a:solidFill>
+                        </a:rPr>
+                        <a:t> </a:t>
+                      </a:r>
+                      <a:r>
+                        <a:rPr lang="it-IT" sz="1400" i="1" dirty="0" err="1">
+                          <a:solidFill>
+                            <a:schemeClr val="tx1"/>
+                          </a:solidFill>
+                        </a:rPr>
+                        <a:t>criterion</a:t>
+                      </a:r>
+                      <a:endParaRPr lang="it-IT" sz="1400" i="1" dirty="0">
                         <a:solidFill>
-                          <a:srgbClr val="FF0000"/>
+                          <a:schemeClr val="tx1"/>
                         </a:solidFill>
                       </a:endParaRPr>
                     </a:p>
@@ -28130,21 +28865,65 @@
                     <a:p>
                       <a:r>
                         <a:rPr lang="it-IT" sz="1400" i="1" dirty="0"/>
-                        <a:t>Best </a:t>
-                      </a:r>
-                      <a:r>
-                        <a:rPr lang="it-IT" sz="1400" i="1" dirty="0" err="1"/>
-                        <a:t>hyperparameters</a:t>
+                        <a:t>20 </a:t>
+                      </a:r>
+                      <a:r>
+                        <a:rPr lang="it-IT" sz="1400" i="0" dirty="0"/>
+                        <a:t>/</a:t>
+                      </a:r>
+                      <a:r>
+                        <a:rPr lang="it-IT" sz="1400" i="1" dirty="0"/>
+                        <a:t> None </a:t>
+                      </a:r>
+                      <a:r>
+                        <a:rPr lang="it-IT" sz="1400" i="0" dirty="0"/>
+                        <a:t>/</a:t>
+                      </a:r>
+                      <a:r>
+                        <a:rPr lang="it-IT" sz="1400" i="1" dirty="0"/>
+                        <a:t> 4 </a:t>
+                      </a:r>
+                      <a:r>
+                        <a:rPr lang="it-IT" sz="1400" i="0" dirty="0"/>
+                        <a:t>/</a:t>
+                      </a:r>
+                      <a:r>
+                        <a:rPr lang="it-IT" sz="1400" i="1" dirty="0"/>
+                        <a:t> 1 </a:t>
+                      </a:r>
+                      <a:r>
+                        <a:rPr lang="it-IT" sz="1400" i="0" dirty="0"/>
+                        <a:t>/</a:t>
+                      </a:r>
+                      <a:r>
+                        <a:rPr lang="it-IT" sz="1400" i="1" dirty="0"/>
+                        <a:t> None </a:t>
+                      </a:r>
+                      <a:r>
+                        <a:rPr lang="it-IT" sz="1400" i="0" dirty="0"/>
+                        <a:t>/</a:t>
+                      </a:r>
+                      <a:r>
+                        <a:rPr lang="it-IT" sz="1400" i="1" dirty="0"/>
+                        <a:t> True </a:t>
+                      </a:r>
+                      <a:r>
+                        <a:rPr lang="it-IT" sz="1400" i="0" dirty="0"/>
+                        <a:t>/</a:t>
                       </a:r>
                       <a:r>
                         <a:rPr lang="it-IT" sz="1400" i="1" dirty="0"/>
                         <a:t> </a:t>
                       </a:r>
                       <a:r>
-                        <a:rPr lang="it-IT" sz="1400" i="1" dirty="0" err="1"/>
-                        <a:t>values</a:t>
-                      </a:r>
-                      <a:endParaRPr lang="it-IT" sz="1400" i="1" dirty="0"/>
+                        <a:rPr lang="it-IT" sz="1400" i="0" dirty="0" err="1">
+                          <a:latin typeface="Consolas" panose="020B0609020204030204" pitchFamily="49" charset="0"/>
+                        </a:rPr>
+                        <a:t>gini</a:t>
+                      </a:r>
+                      <a:endParaRPr lang="it-IT" sz="1400" i="0" dirty="0">
+                        <a:latin typeface="Consolas" panose="020B0609020204030204" pitchFamily="49" charset="0"/>
+                      </a:endParaRPr>
                     </a:p>
                   </a:txBody>
                   <a:tcPr anchor="ctr"/>
@@ -28154,6 +28933,7 @@
                     <a:bodyPr/>
                     <a:lstStyle/>
                     <a:p>
+                      <a:pPr algn="ctr"/>
                       <a:endParaRPr lang="it-IT" sz="1100" i="1" dirty="0"/>
                     </a:p>
                   </a:txBody>
@@ -28164,9 +28944,18 @@
                     <a:bodyPr/>
                     <a:lstStyle/>
                     <a:p>
-                      <a:r>
-                        <a:rPr lang="it-IT" sz="1100" i="1" dirty="0"/>
-                        <a:t>Media su diverse inizializzazioni</a:t>
+                      <a:pPr algn="ctr"/>
+                      <a:r>
+                        <a:rPr lang="it-IT" sz="1400" i="1" dirty="0"/>
+                        <a:t>78.03% </a:t>
+                      </a:r>
+                      <a:r>
+                        <a:rPr lang="it-IT" sz="1400" i="0" dirty="0"/>
+                        <a:t>/</a:t>
+                      </a:r>
+                      <a:r>
+                        <a:rPr lang="it-IT" sz="1400" i="1" dirty="0"/>
+                        <a:t> 95.37%</a:t>
                       </a:r>
                     </a:p>
                   </a:txBody>
@@ -28198,7 +28987,63 @@
                     <a:bodyPr/>
                     <a:lstStyle/>
                     <a:p>
-                      <a:endParaRPr lang="it-IT" sz="1400" dirty="0"/>
+                      <a:r>
+                        <a:rPr lang="it-IT" sz="1400" i="1" dirty="0"/>
+                        <a:t>100</a:t>
+                      </a:r>
+                      <a:r>
+                        <a:rPr lang="it-IT" sz="1400" dirty="0"/>
+                        <a:t> / </a:t>
+                      </a:r>
+                      <a:r>
+                        <a:rPr lang="it-IT" sz="1400" i="1" dirty="0"/>
+                        <a:t>None</a:t>
+                      </a:r>
+                      <a:r>
+                        <a:rPr lang="it-IT" sz="1400" dirty="0"/>
+                        <a:t> / </a:t>
+                      </a:r>
+                      <a:r>
+                        <a:rPr lang="it-IT" sz="1400" i="1" dirty="0"/>
+                        <a:t>2</a:t>
+                      </a:r>
+                      <a:r>
+                        <a:rPr lang="it-IT" sz="1400" dirty="0"/>
+                        <a:t> / </a:t>
+                      </a:r>
+                      <a:r>
+                        <a:rPr lang="it-IT" sz="1400" i="1" dirty="0"/>
+                        <a:t>1</a:t>
+                      </a:r>
+                      <a:r>
+                        <a:rPr lang="it-IT" sz="1400" dirty="0"/>
+                        <a:t> / </a:t>
+                      </a:r>
+                      <a:r>
+                        <a:rPr lang="it-IT" sz="1400" i="1" dirty="0"/>
+                        <a:t>None</a:t>
+                      </a:r>
+                      <a:r>
+                        <a:rPr lang="it-IT" sz="1400" dirty="0"/>
+                        <a:t> / </a:t>
+                      </a:r>
+                      <a:r>
+                        <a:rPr lang="it-IT" sz="1400" i="1" dirty="0"/>
+                        <a:t>False</a:t>
+                      </a:r>
+                      <a:r>
+                        <a:rPr lang="it-IT" sz="1400" dirty="0"/>
+                        <a:t> / </a:t>
+                      </a:r>
+                      <a:r>
+                        <a:rPr lang="it-IT" sz="1400" i="0" dirty="0" err="1">
+                          <a:latin typeface="Consolas" panose="020B0609020204030204" pitchFamily="49" charset="0"/>
+                        </a:rPr>
+                        <a:t>gini</a:t>
+                      </a:r>
+                      <a:endParaRPr lang="it-IT" sz="1400" i="0" dirty="0">
+                        <a:latin typeface="Consolas" panose="020B0609020204030204" pitchFamily="49" charset="0"/>
+                      </a:endParaRPr>
                     </a:p>
                   </a:txBody>
                   <a:tcPr anchor="ctr"/>
@@ -28208,7 +29053,7 @@
                     <a:bodyPr/>
                     <a:lstStyle/>
                     <a:p>
-                      <a:pPr marL="0" marR="0" lvl="0" indent="0" algn="l" defTabSz="914400" rtl="0" eaLnBrk="1" fontAlgn="auto" latinLnBrk="0" hangingPunct="1">
+                      <a:pPr marL="0" marR="0" lvl="0" indent="0" algn="ctr" defTabSz="914400" rtl="0" eaLnBrk="1" fontAlgn="auto" latinLnBrk="0" hangingPunct="1">
                         <a:lnSpc>
                           <a:spcPct val="100000"/>
                         </a:lnSpc>
@@ -28235,9 +29080,18 @@
                     <a:bodyPr/>
                     <a:lstStyle/>
                     <a:p>
-                      <a:r>
-                        <a:rPr lang="it-IT" sz="1100" i="1" dirty="0"/>
-                        <a:t>Media su diverse inizializzazioni</a:t>
+                      <a:pPr algn="ctr"/>
+                      <a:r>
+                        <a:rPr lang="it-IT" sz="1400" i="1" dirty="0"/>
+                        <a:t>65.17% </a:t>
+                      </a:r>
+                      <a:r>
+                        <a:rPr lang="it-IT" sz="1400" i="0" dirty="0"/>
+                        <a:t>/</a:t>
+                      </a:r>
+                      <a:r>
+                        <a:rPr lang="it-IT" sz="1400" i="1" dirty="0"/>
+                        <a:t> 81.94%</a:t>
                       </a:r>
                     </a:p>
                   </a:txBody>
@@ -28269,7 +29123,65 @@
                     <a:bodyPr/>
                     <a:lstStyle/>
                     <a:p>
-                      <a:endParaRPr lang="it-IT" sz="1400" dirty="0"/>
+                      <a:r>
+                        <a:rPr lang="it-IT" sz="1400" i="1" dirty="0"/>
+                        <a:t>50</a:t>
+                      </a:r>
+                      <a:r>
+                        <a:rPr lang="it-IT" sz="1400" dirty="0"/>
+                        <a:t> / </a:t>
+                      </a:r>
+                      <a:r>
+                        <a:rPr lang="it-IT" sz="1400" i="1" dirty="0"/>
+                        <a:t>None</a:t>
+                      </a:r>
+                      <a:r>
+                        <a:rPr lang="it-IT" sz="1400" dirty="0"/>
+                        <a:t> / </a:t>
+                      </a:r>
+                      <a:r>
+                        <a:rPr lang="it-IT" sz="1400" i="1" dirty="0"/>
+                        <a:t>6</a:t>
+                      </a:r>
+                      <a:r>
+                        <a:rPr lang="it-IT" sz="1400" dirty="0"/>
+                        <a:t> / </a:t>
+                      </a:r>
+                      <a:r>
+                        <a:rPr lang="it-IT" sz="1400" i="1" dirty="0"/>
+                        <a:t>1</a:t>
+                      </a:r>
+                      <a:r>
+                        <a:rPr lang="it-IT" sz="1400" dirty="0"/>
+                        <a:t> / </a:t>
+                      </a:r>
+                      <a:r>
+                        <a:rPr lang="it-IT" sz="1400" dirty="0" err="1">
+                          <a:latin typeface="Consolas" panose="020B0609020204030204" pitchFamily="49" charset="0"/>
+                        </a:rPr>
+                        <a:t>sqrt</a:t>
+                      </a:r>
+                      <a:r>
+                        <a:rPr lang="it-IT" sz="1400" dirty="0"/>
+                        <a:t> /</a:t>
+                      </a:r>
+                      <a:r>
+                        <a:rPr lang="it-IT" sz="1400" i="1" dirty="0"/>
+                        <a:t>True</a:t>
+                      </a:r>
+                      <a:r>
+                        <a:rPr lang="it-IT" sz="1400" dirty="0"/>
+                        <a:t> / </a:t>
+                      </a:r>
+                      <a:r>
+                        <a:rPr lang="it-IT" sz="1400" dirty="0" err="1">
+                          <a:latin typeface="Consolas" panose="020B0609020204030204" pitchFamily="49" charset="0"/>
+                        </a:rPr>
+                        <a:t>gini</a:t>
+                      </a:r>
+                      <a:endParaRPr lang="it-IT" sz="1400" dirty="0">
+                        <a:latin typeface="Consolas" panose="020B0609020204030204" pitchFamily="49" charset="0"/>
+                      </a:endParaRPr>
                     </a:p>
                   </a:txBody>
                   <a:tcPr anchor="ctr"/>
@@ -28279,7 +29191,7 @@
                     <a:bodyPr/>
                     <a:lstStyle/>
                     <a:p>
-                      <a:pPr marL="0" marR="0" lvl="0" indent="0" algn="l" defTabSz="914400" rtl="0" eaLnBrk="1" fontAlgn="auto" latinLnBrk="0" hangingPunct="1">
+                      <a:pPr marL="0" marR="0" lvl="0" indent="0" algn="ctr" defTabSz="914400" rtl="0" eaLnBrk="1" fontAlgn="auto" latinLnBrk="0" hangingPunct="1">
                         <a:lnSpc>
                           <a:spcPct val="100000"/>
                         </a:lnSpc>
@@ -28306,7 +29218,7 @@
                     <a:bodyPr/>
                     <a:lstStyle/>
                     <a:p>
-                      <a:pPr marL="0" marR="0" lvl="0" indent="0" algn="l" defTabSz="914400" rtl="0" eaLnBrk="1" fontAlgn="auto" latinLnBrk="0" hangingPunct="1">
+                      <a:pPr marL="0" marR="0" lvl="0" indent="0" algn="ctr" defTabSz="914400" rtl="0" eaLnBrk="1" fontAlgn="auto" latinLnBrk="0" hangingPunct="1">
                         <a:lnSpc>
                           <a:spcPct val="100000"/>
                         </a:lnSpc>
@@ -28324,8 +29236,16 @@
                         <a:defRPr/>
                       </a:pPr>
                       <a:r>
-                        <a:rPr lang="it-IT" sz="1100" i="1" dirty="0"/>
-                        <a:t>Media su diverse inizializzazioni</a:t>
+                        <a:rPr lang="it-IT" sz="1400" i="1" dirty="0"/>
+                        <a:t>93.40% </a:t>
+                      </a:r>
+                      <a:r>
+                        <a:rPr lang="it-IT" sz="1400" i="0" dirty="0"/>
+                        <a:t>/</a:t>
+                      </a:r>
+                      <a:r>
+                        <a:rPr lang="it-IT" sz="1400" i="1" dirty="0"/>
+                        <a:t> 96.99%</a:t>
                       </a:r>
                     </a:p>
                   </a:txBody>
@@ -28357,7 +29277,7 @@
         </p:nvSpPr>
         <p:spPr>
           <a:xfrm>
-            <a:off x="311756" y="2957339"/>
+            <a:off x="311755" y="2701975"/>
             <a:ext cx="8160842" cy="338554"/>
           </a:xfrm>
           <a:prstGeom prst="rect">
@@ -28422,11 +29342,11 @@
             </a:r>
             <a:r>
               <a:rPr lang="it-IT" sz="1400" dirty="0"/>
-              <a:t> task, with a random </a:t>
-            </a:r>
-            <a:r>
-              <a:rPr lang="it-IT" sz="1400" dirty="0" err="1"/>
-              <a:t>forest</a:t>
+              <a:t> task, with a Random </a:t>
+            </a:r>
+            <a:r>
+              <a:rPr lang="it-IT" sz="1400" dirty="0" err="1"/>
+              <a:t>Forest</a:t>
             </a:r>
             <a:endParaRPr lang="it-IT" sz="1600" dirty="0"/>
           </a:p>
@@ -28610,7 +29530,7 @@
           <p:nvPr>
             <p:extLst>
               <p:ext uri="{D42A27DB-BD31-4B8C-83A1-F6EECF244321}">
-                <p14:modId xmlns:p14="http://schemas.microsoft.com/office/powerpoint/2010/main" val="4041784029"/>
+                <p14:modId xmlns:p14="http://schemas.microsoft.com/office/powerpoint/2010/main" val="3501875153"/>
               </p:ext>
             </p:extLst>
           </p:nvPr>
@@ -28689,8 +29609,24 @@
                         <a:t>/ </a:t>
                       </a:r>
                       <a:r>
+                        <a:rPr lang="it-IT" sz="1400" i="1" dirty="0"/>
+                        <a:t>learning </a:t>
+                      </a:r>
+                      <a:r>
                         <a:rPr lang="it-IT" sz="1400" i="1" dirty="0" err="1"/>
-                        <a:t>optimizer</a:t>
+                        <a:t>alg</a:t>
+                      </a:r>
+                      <a:r>
+                        <a:rPr lang="it-IT" sz="1400" i="1" dirty="0"/>
+                        <a:t> </a:t>
+                      </a:r>
+                      <a:r>
+                        <a:rPr lang="it-IT" sz="1400" i="0" dirty="0"/>
+                        <a:t>/</a:t>
+                      </a:r>
+                      <a:r>
+                        <a:rPr lang="it-IT" sz="1400" i="1" dirty="0"/>
+                        <a:t> act. f</a:t>
                       </a:r>
                       <a:r>
                         <a:rPr lang="it-IT" sz="1600" i="1" dirty="0"/>
@@ -28867,9 +29803,18 @@
                     <a:bodyPr/>
                     <a:lstStyle/>
                     <a:p>
-                      <a:r>
-                        <a:rPr lang="it-IT" sz="1100" i="1" dirty="0"/>
-                        <a:t>Media su diverse inizializzazioni</a:t>
+                      <a:pPr algn="ctr"/>
+                      <a:r>
+                        <a:rPr lang="it-IT" sz="1400" i="1" dirty="0"/>
+                        <a:t>100% </a:t>
+                      </a:r>
+                      <a:r>
+                        <a:rPr lang="it-IT" sz="1400" i="0" dirty="0"/>
+                        <a:t>/</a:t>
+                      </a:r>
+                      <a:r>
+                        <a:rPr lang="it-IT" sz="1400" i="1" dirty="0"/>
+                        <a:t> 100 % </a:t>
                       </a:r>
                     </a:p>
                   </a:txBody>
@@ -28946,6 +29891,7 @@
                     <a:bodyPr/>
                     <a:lstStyle/>
                     <a:p>
+                      <a:pPr algn="ctr"/>
                       <a:r>
                         <a:rPr lang="it-IT" sz="1100" i="1" dirty="0"/>
                         <a:t>Media su diverse inizializzazioni</a:t>
@@ -29025,7 +29971,7 @@
                     <a:bodyPr/>
                     <a:lstStyle/>
                     <a:p>
-                      <a:pPr marL="0" marR="0" lvl="0" indent="0" algn="l" defTabSz="914400" rtl="0" eaLnBrk="1" fontAlgn="auto" latinLnBrk="0" hangingPunct="1">
+                      <a:pPr marL="0" marR="0" lvl="0" indent="0" algn="ctr" defTabSz="914400" rtl="0" eaLnBrk="1" fontAlgn="auto" latinLnBrk="0" hangingPunct="1">
                         <a:lnSpc>
                           <a:spcPct val="100000"/>
                         </a:lnSpc>

--- a/relazione/ML-2023-PRJ-Slides-Demo.pptx
+++ b/relazione/ML-2023-PRJ-Slides-Demo.pptx
@@ -6,7 +6,7 @@
     <p:sldMasterId id="2147483661" r:id="rId2"/>
   </p:sldMasterIdLst>
   <p:notesMasterIdLst>
-    <p:notesMasterId r:id="rId33"/>
+    <p:notesMasterId r:id="rId35"/>
   </p:notesMasterIdLst>
   <p:sldIdLst>
     <p:sldId id="256" r:id="rId3"/>
@@ -15,9 +15,9 @@
     <p:sldId id="259" r:id="rId6"/>
     <p:sldId id="279" r:id="rId7"/>
     <p:sldId id="285" r:id="rId8"/>
-    <p:sldId id="260" r:id="rId9"/>
-    <p:sldId id="271" r:id="rId10"/>
-    <p:sldId id="261" r:id="rId11"/>
+    <p:sldId id="261" r:id="rId9"/>
+    <p:sldId id="289" r:id="rId10"/>
+    <p:sldId id="290" r:id="rId11"/>
     <p:sldId id="276" r:id="rId12"/>
     <p:sldId id="262" r:id="rId13"/>
     <p:sldId id="287" r:id="rId14"/>
@@ -36,9 +36,11 @@
     <p:sldId id="268" r:id="rId27"/>
     <p:sldId id="282" r:id="rId28"/>
     <p:sldId id="283" r:id="rId29"/>
-    <p:sldId id="281" r:id="rId30"/>
-    <p:sldId id="284" r:id="rId31"/>
-    <p:sldId id="286" r:id="rId32"/>
+    <p:sldId id="288" r:id="rId30"/>
+    <p:sldId id="291" r:id="rId31"/>
+    <p:sldId id="281" r:id="rId32"/>
+    <p:sldId id="284" r:id="rId33"/>
+    <p:sldId id="286" r:id="rId34"/>
   </p:sldIdLst>
   <p:sldSz cx="9144000" cy="5143500" type="screen16x9"/>
   <p:notesSz cx="6858000" cy="9144000"/>
@@ -227,7 +229,7 @@
           <a:p>
             <a:fld id="{6A71CC8E-465E-46C0-91CA-2080D1264305}" type="datetimeFigureOut">
               <a:rPr lang="it-IT" smtClean="0"/>
-              <a:t>22/01/2024</a:t>
+              <a:t>23/01/2024</a:t>
             </a:fld>
             <a:endParaRPr lang="it-IT"/>
           </a:p>
@@ -492,6 +494,90 @@
     </a:lvl9pPr>
   </p:notesStyle>
 </p:notesMaster>
+</file>
+
+<file path=ppt/notesSlides/notesSlide1.xml><?xml version="1.0" encoding="utf-8"?>
+<p:notes xmlns:a="http://schemas.openxmlformats.org/drawingml/2006/main" xmlns:r="http://schemas.openxmlformats.org/officeDocument/2006/relationships" xmlns:p="http://schemas.openxmlformats.org/presentationml/2006/main">
+  <p:cSld>
+    <p:spTree>
+      <p:nvGrpSpPr>
+        <p:cNvPr id="1" name=""/>
+        <p:cNvGrpSpPr/>
+        <p:nvPr/>
+      </p:nvGrpSpPr>
+      <p:grpSpPr>
+        <a:xfrm>
+          <a:off x="0" y="0"/>
+          <a:ext cx="0" cy="0"/>
+          <a:chOff x="0" y="0"/>
+          <a:chExt cx="0" cy="0"/>
+        </a:xfrm>
+      </p:grpSpPr>
+      <p:sp>
+        <p:nvSpPr>
+          <p:cNvPr id="2" name="Segnaposto immagine diapositiva 1"/>
+          <p:cNvSpPr>
+            <a:spLocks noGrp="1" noRot="1" noChangeAspect="1"/>
+          </p:cNvSpPr>
+          <p:nvPr>
+            <p:ph type="sldImg"/>
+          </p:nvPr>
+        </p:nvSpPr>
+        <p:spPr/>
+      </p:sp>
+      <p:sp>
+        <p:nvSpPr>
+          <p:cNvPr id="3" name="Segnaposto note 2"/>
+          <p:cNvSpPr>
+            <a:spLocks noGrp="1"/>
+          </p:cNvSpPr>
+          <p:nvPr>
+            <p:ph type="body" idx="1"/>
+          </p:nvPr>
+        </p:nvSpPr>
+        <p:spPr/>
+        <p:txBody>
+          <a:bodyPr/>
+          <a:lstStyle/>
+          <a:p>
+            <a:endParaRPr lang="it-IT" dirty="0"/>
+          </a:p>
+        </p:txBody>
+      </p:sp>
+      <p:sp>
+        <p:nvSpPr>
+          <p:cNvPr id="4" name="Segnaposto numero diapositiva 3"/>
+          <p:cNvSpPr>
+            <a:spLocks noGrp="1"/>
+          </p:cNvSpPr>
+          <p:nvPr>
+            <p:ph type="sldNum" sz="quarter" idx="5"/>
+          </p:nvPr>
+        </p:nvSpPr>
+        <p:spPr/>
+        <p:txBody>
+          <a:bodyPr/>
+          <a:lstStyle/>
+          <a:p>
+            <a:fld id="{2158D799-F8DD-4F85-B15C-49884F02FB51}" type="slidenum">
+              <a:rPr lang="it-IT" smtClean="0"/>
+              <a:t>4</a:t>
+            </a:fld>
+            <a:endParaRPr lang="it-IT"/>
+          </a:p>
+        </p:txBody>
+      </p:sp>
+    </p:spTree>
+    <p:extLst>
+      <p:ext uri="{BB962C8B-B14F-4D97-AF65-F5344CB8AC3E}">
+        <p14:creationId xmlns:p14="http://schemas.microsoft.com/office/powerpoint/2010/main" val="2905243524"/>
+      </p:ext>
+    </p:extLst>
+  </p:cSld>
+  <p:clrMapOvr>
+    <a:masterClrMapping/>
+  </p:clrMapOvr>
+</p:notes>
 </file>
 
 <file path=ppt/slideLayouts/slideLayout1.xml><?xml version="1.0" encoding="utf-8"?>
@@ -8613,7 +8699,7 @@
             </a:r>
             <a:r>
               <a:rPr lang="it-IT" sz="1400" b="1" dirty="0"/>
-              <a:t> 4</a:t>
+              <a:t> 2</a:t>
             </a:r>
             <a:r>
               <a:rPr lang="it-IT" sz="1400" dirty="0"/>
@@ -8865,7 +8951,7 @@
             </a:r>
             <a:r>
               <a:rPr lang="it-IT" sz="1400" b="1" dirty="0"/>
-              <a:t> 5</a:t>
+              <a:t> 3</a:t>
             </a:r>
             <a:r>
               <a:rPr lang="it-IT" sz="1400" dirty="0"/>
@@ -12342,7 +12428,7 @@
             </a:r>
             <a:r>
               <a:rPr lang="it-IT" sz="1400" b="1" dirty="0"/>
-              <a:t> 6</a:t>
+              <a:t> 4</a:t>
             </a:r>
             <a:r>
               <a:rPr lang="it-IT" sz="1400" dirty="0"/>
@@ -14583,7 +14669,7 @@
             </a:r>
             <a:r>
               <a:rPr lang="it-IT" sz="1400" b="1" dirty="0"/>
-              <a:t> 4</a:t>
+              <a:t> 5</a:t>
             </a:r>
             <a:r>
               <a:rPr lang="it-IT" sz="1400" dirty="0"/>
@@ -14889,7 +14975,7 @@
                 <a:ea typeface="DejaVu Sans" panose="020B0603030804020204" pitchFamily="34" charset="0"/>
                 <a:cs typeface="DejaVu Sans" panose="020B0603030804020204" pitchFamily="34" charset="0"/>
               </a:rPr>
-              <a:t> 5</a:t>
+              <a:t> 6</a:t>
             </a:r>
             <a:r>
               <a:rPr lang="it-IT" sz="1400" kern="1200" dirty="0">
@@ -16758,7 +16844,7 @@
                 <a:latin typeface="Arial"/>
                 <a:ea typeface="Arial"/>
               </a:rPr>
-              <a:t>Full grid searches for the Monk tasks: SVM</a:t>
+              <a:t>Full grid search for the Monk tasks: SVM</a:t>
             </a:r>
             <a:br>
               <a:rPr lang="it-IT" sz="1050" dirty="0"/>
@@ -18856,7 +18942,7 @@
                 <a:latin typeface="Arial"/>
                 <a:ea typeface="Arial"/>
               </a:rPr>
-              <a:t>Full grid searches for the Monk tasks: Random Forests</a:t>
+              <a:t>Full grid search for the Monk tasks: Random Forests</a:t>
             </a:r>
             <a:endParaRPr lang="it-IT" sz="2400" b="0" strike="noStrike" spc="-1" dirty="0">
               <a:solidFill>
@@ -19045,14 +19131,14 @@
           <p:nvPr>
             <p:extLst>
               <p:ext uri="{D42A27DB-BD31-4B8C-83A1-F6EECF244321}">
-                <p14:modId xmlns:p14="http://schemas.microsoft.com/office/powerpoint/2010/main" val="863235801"/>
+                <p14:modId xmlns:p14="http://schemas.microsoft.com/office/powerpoint/2010/main" val="398871062"/>
               </p:ext>
             </p:extLst>
           </p:nvPr>
         </p:nvGraphicFramePr>
         <p:xfrm>
           <a:off x="311940" y="1530722"/>
-          <a:ext cx="8520120" cy="2814320"/>
+          <a:ext cx="8520120" cy="2667000"/>
         </p:xfrm>
         <a:graphic>
           <a:graphicData uri="http://schemas.openxmlformats.org/drawingml/2006/table">
@@ -19061,28 +19147,28 @@
                 <a:tableStyleId>{0E3FDE45-AF77-4B5C-9715-49D594BDF05E}</a:tableStyleId>
               </a:tblPr>
               <a:tblGrid>
-                <a:gridCol w="3258254">
+                <a:gridCol w="2639689">
                   <a:extLst>
                     <a:ext uri="{9D8B030D-6E8A-4147-A177-3AD203B41FA5}">
                       <a16:colId xmlns:a16="http://schemas.microsoft.com/office/drawing/2014/main" val="1646026988"/>
                     </a:ext>
                   </a:extLst>
                 </a:gridCol>
-                <a:gridCol w="1586753">
+                <a:gridCol w="1243853">
                   <a:extLst>
                     <a:ext uri="{9D8B030D-6E8A-4147-A177-3AD203B41FA5}">
                       <a16:colId xmlns:a16="http://schemas.microsoft.com/office/drawing/2014/main" val="2209079661"/>
                     </a:ext>
                   </a:extLst>
                 </a:gridCol>
-                <a:gridCol w="2299447">
+                <a:gridCol w="3012142">
                   <a:extLst>
                     <a:ext uri="{9D8B030D-6E8A-4147-A177-3AD203B41FA5}">
                       <a16:colId xmlns:a16="http://schemas.microsoft.com/office/drawing/2014/main" val="476101989"/>
                     </a:ext>
                   </a:extLst>
                 </a:gridCol>
-                <a:gridCol w="1375666">
+                <a:gridCol w="1624436">
                   <a:extLst>
                     <a:ext uri="{9D8B030D-6E8A-4147-A177-3AD203B41FA5}">
                       <a16:colId xmlns:a16="http://schemas.microsoft.com/office/drawing/2014/main" val="1098860902"/>
@@ -19303,7 +19389,19 @@
                       <a:pPr algn="ctr"/>
                       <a:r>
                         <a:rPr lang="it-IT" sz="1400" dirty="0"/>
-                        <a:t>None, 10, 20, 30</a:t>
+                        <a:t>None, 10, 20 (</a:t>
+                      </a:r>
+                      <a:r>
+                        <a:rPr lang="it-IT" sz="1400" i="1" dirty="0" err="1"/>
+                        <a:t>not</a:t>
+                      </a:r>
+                      <a:r>
+                        <a:rPr lang="it-IT" sz="1400" i="1" dirty="0"/>
+                        <a:t> for Monk3</a:t>
+                      </a:r>
+                      <a:r>
+                        <a:rPr lang="it-IT" sz="1400" dirty="0"/>
+                        <a:t>), 30</a:t>
                       </a:r>
                     </a:p>
                   </a:txBody>
@@ -19605,14 +19703,24 @@
                     <a:p>
                       <a:pPr algn="ctr"/>
                       <a:r>
+                        <a:rPr lang="it-IT" sz="1400" dirty="0" err="1">
+                          <a:latin typeface="Consolas" panose="020B0609020204030204" pitchFamily="49" charset="0"/>
+                        </a:rPr>
+                        <a:t>gini</a:t>
+                      </a:r>
+                      <a:r>
                         <a:rPr lang="it-IT" sz="1400" dirty="0"/>
-                        <a:t>Gini, </a:t>
-                      </a:r>
-                      <a:r>
-                        <a:rPr lang="it-IT" sz="1400" dirty="0" err="1"/>
-                        <a:t>Entropy</a:t>
-                      </a:r>
-                      <a:endParaRPr lang="it-IT" sz="1400" dirty="0"/>
+                        <a:t>, </a:t>
+                      </a:r>
+                      <a:r>
+                        <a:rPr lang="it-IT" sz="1400" dirty="0" err="1">
+                          <a:latin typeface="Consolas" panose="020B0609020204030204" pitchFamily="49" charset="0"/>
+                        </a:rPr>
+                        <a:t>entropy</a:t>
+                      </a:r>
+                      <a:endParaRPr lang="it-IT" sz="1400" dirty="0">
+                        <a:latin typeface="Consolas" panose="020B0609020204030204" pitchFamily="49" charset="0"/>
+                      </a:endParaRPr>
                     </a:p>
                   </a:txBody>
                   <a:tcPr anchor="ctr">
@@ -19789,12 +19897,30 @@
                     <a:lstStyle/>
                     <a:p>
                       <a:r>
-                        <a:rPr lang="it-IT" sz="1400" i="0" dirty="0" err="1"/>
-                        <a:t>Squared_root</a:t>
+                        <a:rPr lang="it-IT" sz="1400" i="0" dirty="0" err="1">
+                          <a:latin typeface="Consolas" panose="020B0609020204030204" pitchFamily="49" charset="0"/>
+                        </a:rPr>
+                        <a:t>Sqrt</a:t>
+                      </a:r>
+                      <a:r>
+                        <a:rPr lang="it-IT" sz="1400" i="0" dirty="0">
+                          <a:latin typeface="Consolas" panose="020B0609020204030204" pitchFamily="49" charset="0"/>
+                        </a:rPr>
+                        <a:t>()</a:t>
                       </a:r>
                       <a:r>
                         <a:rPr lang="it-IT" sz="1400" i="0" dirty="0"/>
-                        <a:t>, log2</a:t>
+                        <a:t>, </a:t>
+                      </a:r>
+                      <a:r>
+                        <a:rPr lang="it-IT" sz="1400" i="0" dirty="0">
+                          <a:latin typeface="Consolas" panose="020B0609020204030204" pitchFamily="49" charset="0"/>
+                        </a:rPr>
+                        <a:t>log_2()</a:t>
+                      </a:r>
+                      <a:r>
+                        <a:rPr lang="it-IT" sz="1400" i="0" dirty="0"/>
+                        <a:t>, None</a:t>
                       </a:r>
                     </a:p>
                   </a:txBody>
@@ -19925,7 +20051,7 @@
                 <a:latin typeface="Arial"/>
                 <a:ea typeface="Arial"/>
               </a:rPr>
-              <a:t>Full grid searches for the Monk tasks: Neural Networks</a:t>
+              <a:t>Full grid search for the Monk tasks: Neural Networks</a:t>
             </a:r>
             <a:endParaRPr lang="it-IT" sz="2400" b="0" strike="noStrike" spc="-1" dirty="0">
               <a:solidFill>
@@ -20022,13 +20148,13 @@
           <p:nvPr>
             <p:extLst>
               <p:ext uri="{D42A27DB-BD31-4B8C-83A1-F6EECF244321}">
-                <p14:modId xmlns:p14="http://schemas.microsoft.com/office/powerpoint/2010/main" val="273556295"/>
+                <p14:modId xmlns:p14="http://schemas.microsoft.com/office/powerpoint/2010/main" val="2834457837"/>
               </p:ext>
             </p:extLst>
           </p:nvPr>
         </p:nvGraphicFramePr>
         <p:xfrm>
-          <a:off x="311760" y="1208619"/>
+          <a:off x="311760" y="1362507"/>
           <a:ext cx="8428828" cy="3037840"/>
         </p:xfrm>
         <a:graphic>
@@ -20531,12 +20657,8 @@
                         <a:defRPr/>
                       </a:pPr>
                       <a:r>
-                        <a:rPr lang="it-IT" sz="1400" i="1" dirty="0" err="1"/>
-                        <a:t>Optimization</a:t>
-                      </a:r>
-                      <a:r>
                         <a:rPr lang="it-IT" sz="1400" i="1" dirty="0"/>
-                        <a:t> </a:t>
+                        <a:t>Learning </a:t>
                       </a:r>
                       <a:r>
                         <a:rPr lang="it-IT" sz="1400" i="1" dirty="0" err="1"/>
@@ -21007,6 +21129,98 @@
           </a:graphicData>
         </a:graphic>
       </p:graphicFrame>
+      <p:sp>
+        <p:nvSpPr>
+          <p:cNvPr id="2" name="CasellaDiTesto 1">
+            <a:extLst>
+              <a:ext uri="{FF2B5EF4-FFF2-40B4-BE49-F238E27FC236}">
+                <a16:creationId xmlns:a16="http://schemas.microsoft.com/office/drawing/2014/main" id="{6E6A41FC-3820-14C2-0C78-21C23799F429}"/>
+              </a:ext>
+            </a:extLst>
+          </p:cNvPr>
+          <p:cNvSpPr txBox="1"/>
+          <p:nvPr/>
+        </p:nvSpPr>
+        <p:spPr>
+          <a:xfrm>
+            <a:off x="311760" y="1054730"/>
+            <a:ext cx="8428828" cy="307777"/>
+          </a:xfrm>
+          <a:prstGeom prst="rect">
+            <a:avLst/>
+          </a:prstGeom>
+          <a:noFill/>
+        </p:spPr>
+        <p:txBody>
+          <a:bodyPr wrap="square" rtlCol="0">
+            <a:spAutoFit/>
+          </a:bodyPr>
+          <a:lstStyle/>
+          <a:p>
+            <a:pPr algn="ctr"/>
+            <a:r>
+              <a:rPr lang="it-IT" sz="1400" b="1" dirty="0" err="1"/>
+              <a:t>Table</a:t>
+            </a:r>
+            <a:r>
+              <a:rPr lang="it-IT" sz="1400" b="1" dirty="0"/>
+              <a:t> </a:t>
+            </a:r>
+            <a:r>
+              <a:rPr lang="it-IT" sz="1400" b="1" dirty="0">
+                <a:solidFill>
+                  <a:srgbClr val="FF0000"/>
+                </a:solidFill>
+              </a:rPr>
+              <a:t>n+1</a:t>
+            </a:r>
+            <a:r>
+              <a:rPr lang="it-IT" sz="1400" dirty="0"/>
+              <a:t>: </a:t>
+            </a:r>
+            <a:r>
+              <a:rPr lang="it-IT" sz="1400" dirty="0" err="1"/>
+              <a:t>Hyperparameter’s</a:t>
+            </a:r>
+            <a:r>
+              <a:rPr lang="it-IT" sz="1400" dirty="0"/>
+              <a:t> </a:t>
+            </a:r>
+            <a:r>
+              <a:rPr lang="it-IT" sz="1400" dirty="0" err="1"/>
+              <a:t>values</a:t>
+            </a:r>
+            <a:r>
+              <a:rPr lang="it-IT" sz="1400" dirty="0"/>
+              <a:t> for the </a:t>
+            </a:r>
+            <a:r>
+              <a:rPr lang="it-IT" sz="1400" dirty="0" err="1"/>
+              <a:t>Neural</a:t>
+            </a:r>
+            <a:r>
+              <a:rPr lang="it-IT" sz="1400" dirty="0"/>
+              <a:t> Networks </a:t>
+            </a:r>
+            <a:r>
+              <a:rPr lang="it-IT" sz="1400" dirty="0" err="1"/>
+              <a:t>used</a:t>
+            </a:r>
+            <a:r>
+              <a:rPr lang="it-IT" sz="1400" dirty="0"/>
+              <a:t> for the </a:t>
+            </a:r>
+            <a:r>
+              <a:rPr lang="it-IT" sz="1400" dirty="0" err="1"/>
+              <a:t>three</a:t>
+            </a:r>
+            <a:r>
+              <a:rPr lang="it-IT" sz="1400" dirty="0"/>
+              <a:t> Monk tasks</a:t>
+            </a:r>
+          </a:p>
+        </p:txBody>
+      </p:sp>
     </p:spTree>
     <p:extLst>
       <p:ext uri="{BB962C8B-B14F-4D97-AF65-F5344CB8AC3E}">
@@ -21102,7 +21316,17 @@
                 <a:latin typeface="Arial"/>
                 <a:ea typeface="Arial"/>
               </a:rPr>
-              <a:t>Further specifications on model details &amp; contributions</a:t>
+              <a:t>Further comparisons on M</a:t>
+            </a:r>
+            <a:r>
+              <a:rPr lang="it" sz="2000" b="0" strike="noStrike" spc="-1" dirty="0">
+                <a:solidFill>
+                  <a:srgbClr val="3F3F3F"/>
+                </a:solidFill>
+                <a:latin typeface="Arial"/>
+                <a:ea typeface="Arial"/>
+              </a:rPr>
+              <a:t>onk tasks: grid search results for RF and SVM </a:t>
             </a:r>
             <a:endParaRPr lang="it-IT" sz="2400" b="0" strike="noStrike" spc="-1" dirty="0">
               <a:solidFill>
@@ -21177,6 +21401,3183 @@
                 <a:ea typeface="Arial"/>
               </a:rPr>
               <a:t>28</a:t>
+            </a:fld>
+            <a:endParaRPr lang="it-IT" sz="1000" b="0" strike="noStrike" spc="-1">
+              <a:latin typeface="Times New Roman"/>
+            </a:endParaRPr>
+          </a:p>
+        </p:txBody>
+      </p:sp>
+      <p:graphicFrame>
+        <p:nvGraphicFramePr>
+          <p:cNvPr id="4" name="Tabella 3">
+            <a:extLst>
+              <a:ext uri="{FF2B5EF4-FFF2-40B4-BE49-F238E27FC236}">
+                <a16:creationId xmlns:a16="http://schemas.microsoft.com/office/drawing/2014/main" id="{3675E250-FFA3-31FA-EC49-7C7764955A7F}"/>
+              </a:ext>
+            </a:extLst>
+          </p:cNvPr>
+          <p:cNvGraphicFramePr>
+            <a:graphicFrameLocks noGrp="1"/>
+          </p:cNvGraphicFramePr>
+          <p:nvPr>
+            <p:extLst>
+              <p:ext uri="{D42A27DB-BD31-4B8C-83A1-F6EECF244321}">
+                <p14:modId xmlns:p14="http://schemas.microsoft.com/office/powerpoint/2010/main" val="2280530603"/>
+              </p:ext>
+            </p:extLst>
+          </p:nvPr>
+        </p:nvGraphicFramePr>
+        <p:xfrm>
+          <a:off x="311758" y="1374456"/>
+          <a:ext cx="8160843" cy="1249680"/>
+        </p:xfrm>
+        <a:graphic>
+          <a:graphicData uri="http://schemas.openxmlformats.org/drawingml/2006/table">
+            <a:tbl>
+              <a:tblPr firstRow="1" bandRow="1">
+                <a:tableStyleId>{0E3FDE45-AF77-4B5C-9715-49D594BDF05E}</a:tableStyleId>
+              </a:tblPr>
+              <a:tblGrid>
+                <a:gridCol w="871583">
+                  <a:extLst>
+                    <a:ext uri="{9D8B030D-6E8A-4147-A177-3AD203B41FA5}">
+                      <a16:colId xmlns:a16="http://schemas.microsoft.com/office/drawing/2014/main" val="935040320"/>
+                    </a:ext>
+                  </a:extLst>
+                </a:gridCol>
+                <a:gridCol w="3657600">
+                  <a:extLst>
+                    <a:ext uri="{9D8B030D-6E8A-4147-A177-3AD203B41FA5}">
+                      <a16:colId xmlns:a16="http://schemas.microsoft.com/office/drawing/2014/main" val="1166905258"/>
+                    </a:ext>
+                  </a:extLst>
+                </a:gridCol>
+                <a:gridCol w="1815830">
+                  <a:extLst>
+                    <a:ext uri="{9D8B030D-6E8A-4147-A177-3AD203B41FA5}">
+                      <a16:colId xmlns:a16="http://schemas.microsoft.com/office/drawing/2014/main" val="34889993"/>
+                    </a:ext>
+                  </a:extLst>
+                </a:gridCol>
+                <a:gridCol w="1815830">
+                  <a:extLst>
+                    <a:ext uri="{9D8B030D-6E8A-4147-A177-3AD203B41FA5}">
+                      <a16:colId xmlns:a16="http://schemas.microsoft.com/office/drawing/2014/main" val="3409676061"/>
+                    </a:ext>
+                  </a:extLst>
+                </a:gridCol>
+              </a:tblGrid>
+              <a:tr h="225137">
+                <a:tc>
+                  <a:txBody>
+                    <a:bodyPr/>
+                    <a:lstStyle/>
+                    <a:p>
+                      <a:pPr algn="ctr"/>
+                      <a:r>
+                        <a:rPr lang="it-IT" sz="1600" dirty="0"/>
+                        <a:t>Task</a:t>
+                      </a:r>
+                    </a:p>
+                  </a:txBody>
+                  <a:tcPr anchor="ctr"/>
+                </a:tc>
+                <a:tc>
+                  <a:txBody>
+                    <a:bodyPr/>
+                    <a:lstStyle/>
+                    <a:p>
+                      <a:pPr algn="ctr"/>
+                      <a:r>
+                        <a:rPr lang="it-IT" sz="1600" i="1" dirty="0"/>
+                        <a:t>Kernel</a:t>
+                      </a:r>
+                      <a:r>
+                        <a:rPr lang="it-IT" sz="1600" dirty="0"/>
+                        <a:t> / </a:t>
+                      </a:r>
+                      <a:r>
+                        <a:rPr lang="it-IT" sz="1600" i="1" dirty="0"/>
+                        <a:t>C </a:t>
+                      </a:r>
+                      <a:r>
+                        <a:rPr lang="it-IT" sz="1600" dirty="0"/>
+                        <a:t>/ </a:t>
+                      </a:r>
+                      <a:r>
+                        <a:rPr lang="it-IT" sz="1600" i="1" dirty="0"/>
+                        <a:t>γ </a:t>
+                      </a:r>
+                      <a:r>
+                        <a:rPr lang="it-IT" sz="1600" i="0" dirty="0"/>
+                        <a:t>/ </a:t>
+                      </a:r>
+                      <a:r>
+                        <a:rPr lang="it-IT" sz="1600" i="1" dirty="0"/>
+                        <a:t>p</a:t>
+                      </a:r>
+                      <a:r>
+                        <a:rPr lang="it-IT" sz="1600" i="0" dirty="0"/>
+                        <a:t> / </a:t>
+                      </a:r>
+                      <a:r>
+                        <a:rPr lang="it-IT" sz="1600" i="1" dirty="0"/>
+                        <a:t>k0</a:t>
+                      </a:r>
+                    </a:p>
+                  </a:txBody>
+                  <a:tcPr anchor="ctr"/>
+                </a:tc>
+                <a:tc>
+                  <a:txBody>
+                    <a:bodyPr/>
+                    <a:lstStyle/>
+                    <a:p>
+                      <a:pPr algn="ctr"/>
+                      <a:r>
+                        <a:rPr lang="it-IT" sz="1400" dirty="0" err="1"/>
+                        <a:t>Accuracy</a:t>
+                      </a:r>
+                      <a:r>
+                        <a:rPr lang="it-IT" sz="1400" dirty="0"/>
+                        <a:t> (TR/VL)</a:t>
+                      </a:r>
+                    </a:p>
+                  </a:txBody>
+                  <a:tcPr anchor="ctr"/>
+                </a:tc>
+                <a:tc>
+                  <a:txBody>
+                    <a:bodyPr/>
+                    <a:lstStyle/>
+                    <a:p>
+                      <a:pPr algn="ctr"/>
+                      <a:r>
+                        <a:rPr lang="it-IT" sz="1400" dirty="0" err="1"/>
+                        <a:t>Accuracy</a:t>
+                      </a:r>
+                      <a:r>
+                        <a:rPr lang="it-IT" sz="1400" dirty="0"/>
+                        <a:t> (TS)</a:t>
+                      </a:r>
+                    </a:p>
+                  </a:txBody>
+                  <a:tcPr anchor="ctr"/>
+                </a:tc>
+                <a:extLst>
+                  <a:ext uri="{0D108BD9-81ED-4DB2-BD59-A6C34878D82A}">
+                    <a16:rowId xmlns:a16="http://schemas.microsoft.com/office/drawing/2014/main" val="3654603585"/>
+                  </a:ext>
+                </a:extLst>
+              </a:tr>
+              <a:tr h="286538">
+                <a:tc>
+                  <a:txBody>
+                    <a:bodyPr/>
+                    <a:lstStyle/>
+                    <a:p>
+                      <a:pPr algn="ctr"/>
+                      <a:r>
+                        <a:rPr lang="it-IT" sz="1400" dirty="0"/>
+                        <a:t>Monk 1</a:t>
+                      </a:r>
+                    </a:p>
+                  </a:txBody>
+                  <a:tcPr anchor="ctr"/>
+                </a:tc>
+                <a:tc>
+                  <a:txBody>
+                    <a:bodyPr/>
+                    <a:lstStyle/>
+                    <a:p>
+                      <a:r>
+                        <a:rPr lang="it-IT" sz="1400" i="0" dirty="0">
+                          <a:latin typeface="Consolas" panose="020B0609020204030204" pitchFamily="49" charset="0"/>
+                        </a:rPr>
+                        <a:t>Poly</a:t>
+                      </a:r>
+                      <a:r>
+                        <a:rPr lang="it-IT" sz="1400" i="0" dirty="0">
+                          <a:latin typeface="+mj-lt"/>
+                        </a:rPr>
+                        <a:t> </a:t>
+                      </a:r>
+                      <a:r>
+                        <a:rPr lang="it-IT" sz="1400" i="0" dirty="0">
+                          <a:latin typeface="Arial" panose="020B0604020202020204" pitchFamily="34" charset="0"/>
+                          <a:cs typeface="Arial" panose="020B0604020202020204" pitchFamily="34" charset="0"/>
+                        </a:rPr>
+                        <a:t>/ </a:t>
+                      </a:r>
+                      <a:r>
+                        <a:rPr lang="it-IT" sz="1400" i="1" dirty="0">
+                          <a:latin typeface="Arial" panose="020B0604020202020204" pitchFamily="34" charset="0"/>
+                          <a:cs typeface="Arial" panose="020B0604020202020204" pitchFamily="34" charset="0"/>
+                        </a:rPr>
+                        <a:t>1</a:t>
+                      </a:r>
+                      <a:r>
+                        <a:rPr lang="it-IT" sz="1400" i="0" dirty="0">
+                          <a:latin typeface="Arial" panose="020B0604020202020204" pitchFamily="34" charset="0"/>
+                          <a:cs typeface="Arial" panose="020B0604020202020204" pitchFamily="34" charset="0"/>
+                        </a:rPr>
+                        <a:t> / </a:t>
+                      </a:r>
+                      <a:r>
+                        <a:rPr lang="it-IT" sz="1400" i="1" dirty="0">
+                          <a:latin typeface="Arial" panose="020B0604020202020204" pitchFamily="34" charset="0"/>
+                          <a:cs typeface="Arial" panose="020B0604020202020204" pitchFamily="34" charset="0"/>
+                        </a:rPr>
+                        <a:t>1 </a:t>
+                      </a:r>
+                      <a:r>
+                        <a:rPr lang="it-IT" sz="1400" i="0" dirty="0">
+                          <a:latin typeface="Arial" panose="020B0604020202020204" pitchFamily="34" charset="0"/>
+                          <a:cs typeface="Arial" panose="020B0604020202020204" pitchFamily="34" charset="0"/>
+                        </a:rPr>
+                        <a:t>/ </a:t>
+                      </a:r>
+                      <a:r>
+                        <a:rPr lang="it-IT" sz="1400" i="1" dirty="0">
+                          <a:latin typeface="Arial" panose="020B0604020202020204" pitchFamily="34" charset="0"/>
+                          <a:cs typeface="Arial" panose="020B0604020202020204" pitchFamily="34" charset="0"/>
+                        </a:rPr>
+                        <a:t>2</a:t>
+                      </a:r>
+                      <a:r>
+                        <a:rPr lang="it-IT" sz="1400" i="0" dirty="0">
+                          <a:latin typeface="Arial" panose="020B0604020202020204" pitchFamily="34" charset="0"/>
+                          <a:cs typeface="Arial" panose="020B0604020202020204" pitchFamily="34" charset="0"/>
+                        </a:rPr>
+                        <a:t> / </a:t>
+                      </a:r>
+                      <a:r>
+                        <a:rPr lang="it-IT" sz="1400" i="1" dirty="0">
+                          <a:latin typeface="Arial" panose="020B0604020202020204" pitchFamily="34" charset="0"/>
+                          <a:cs typeface="Arial" panose="020B0604020202020204" pitchFamily="34" charset="0"/>
+                        </a:rPr>
+                        <a:t>0.5</a:t>
+                      </a:r>
+                    </a:p>
+                  </a:txBody>
+                  <a:tcPr anchor="ctr"/>
+                </a:tc>
+                <a:tc>
+                  <a:txBody>
+                    <a:bodyPr/>
+                    <a:lstStyle/>
+                    <a:p>
+                      <a:pPr algn="ctr"/>
+                      <a:r>
+                        <a:rPr lang="it-IT" sz="1400" i="1" dirty="0">
+                          <a:solidFill>
+                            <a:schemeClr val="tx1"/>
+                          </a:solidFill>
+                        </a:rPr>
+                        <a:t>100% </a:t>
+                      </a:r>
+                      <a:r>
+                        <a:rPr lang="it-IT" sz="1400" i="0" dirty="0">
+                          <a:solidFill>
+                            <a:schemeClr val="tx1"/>
+                          </a:solidFill>
+                        </a:rPr>
+                        <a:t>/</a:t>
+                      </a:r>
+                      <a:r>
+                        <a:rPr lang="it-IT" sz="1400" i="1" dirty="0">
+                          <a:solidFill>
+                            <a:schemeClr val="tx1"/>
+                          </a:solidFill>
+                        </a:rPr>
+                        <a:t> 80,43%</a:t>
+                      </a:r>
+                    </a:p>
+                  </a:txBody>
+                  <a:tcPr anchor="ctr"/>
+                </a:tc>
+                <a:tc>
+                  <a:txBody>
+                    <a:bodyPr/>
+                    <a:lstStyle/>
+                    <a:p>
+                      <a:pPr algn="ctr"/>
+                      <a:r>
+                        <a:rPr lang="it-IT" sz="1400" i="1" dirty="0">
+                          <a:solidFill>
+                            <a:schemeClr val="tx1"/>
+                          </a:solidFill>
+                        </a:rPr>
+                        <a:t>100%</a:t>
+                      </a:r>
+                    </a:p>
+                  </a:txBody>
+                  <a:tcPr anchor="ctr"/>
+                </a:tc>
+                <a:extLst>
+                  <a:ext uri="{0D108BD9-81ED-4DB2-BD59-A6C34878D82A}">
+                    <a16:rowId xmlns:a16="http://schemas.microsoft.com/office/drawing/2014/main" val="1051854847"/>
+                  </a:ext>
+                </a:extLst>
+              </a:tr>
+              <a:tr h="286538">
+                <a:tc>
+                  <a:txBody>
+                    <a:bodyPr/>
+                    <a:lstStyle/>
+                    <a:p>
+                      <a:pPr algn="ctr"/>
+                      <a:r>
+                        <a:rPr lang="it-IT" sz="1400" dirty="0"/>
+                        <a:t>Monk 2</a:t>
+                      </a:r>
+                    </a:p>
+                  </a:txBody>
+                  <a:tcPr anchor="ctr"/>
+                </a:tc>
+                <a:tc>
+                  <a:txBody>
+                    <a:bodyPr/>
+                    <a:lstStyle/>
+                    <a:p>
+                      <a:r>
+                        <a:rPr lang="it-IT" sz="1400" dirty="0">
+                          <a:latin typeface="Consolas" panose="020B0609020204030204" pitchFamily="49" charset="0"/>
+                        </a:rPr>
+                        <a:t>Poly</a:t>
+                      </a:r>
+                      <a:r>
+                        <a:rPr lang="it-IT" sz="1400" dirty="0"/>
+                        <a:t> / </a:t>
+                      </a:r>
+                      <a:r>
+                        <a:rPr lang="it-IT" sz="1400" i="1" dirty="0"/>
+                        <a:t>10</a:t>
+                      </a:r>
+                      <a:r>
+                        <a:rPr lang="it-IT" sz="1400" dirty="0"/>
+                        <a:t> / </a:t>
+                      </a:r>
+                      <a:r>
+                        <a:rPr lang="it-IT" sz="1400" i="1" dirty="0"/>
+                        <a:t>1 </a:t>
+                      </a:r>
+                      <a:r>
+                        <a:rPr lang="it-IT" sz="1400" dirty="0"/>
+                        <a:t>/ </a:t>
+                      </a:r>
+                      <a:r>
+                        <a:rPr lang="it-IT" sz="1400" i="1" dirty="0"/>
+                        <a:t>2 </a:t>
+                      </a:r>
+                      <a:r>
+                        <a:rPr lang="it-IT" sz="1400" dirty="0"/>
+                        <a:t>/ </a:t>
+                      </a:r>
+                      <a:r>
+                        <a:rPr lang="it-IT" sz="1400" i="1" dirty="0"/>
+                        <a:t>0.0</a:t>
+                      </a:r>
+                    </a:p>
+                  </a:txBody>
+                  <a:tcPr anchor="ctr"/>
+                </a:tc>
+                <a:tc>
+                  <a:txBody>
+                    <a:bodyPr/>
+                    <a:lstStyle/>
+                    <a:p>
+                      <a:pPr algn="ctr"/>
+                      <a:r>
+                        <a:rPr lang="it-IT" sz="1400" i="1" dirty="0">
+                          <a:solidFill>
+                            <a:schemeClr val="tx1"/>
+                          </a:solidFill>
+                        </a:rPr>
+                        <a:t>71.71% </a:t>
+                      </a:r>
+                      <a:r>
+                        <a:rPr lang="it-IT" sz="1400" i="0" dirty="0">
+                          <a:solidFill>
+                            <a:schemeClr val="tx1"/>
+                          </a:solidFill>
+                        </a:rPr>
+                        <a:t>/ </a:t>
+                      </a:r>
+                      <a:r>
+                        <a:rPr lang="it-IT" sz="1400" i="1" dirty="0">
+                          <a:solidFill>
+                            <a:schemeClr val="tx1"/>
+                          </a:solidFill>
+                        </a:rPr>
+                        <a:t>100%</a:t>
+                      </a:r>
+                    </a:p>
+                  </a:txBody>
+                  <a:tcPr anchor="ctr"/>
+                </a:tc>
+                <a:tc>
+                  <a:txBody>
+                    <a:bodyPr/>
+                    <a:lstStyle/>
+                    <a:p>
+                      <a:pPr algn="ctr"/>
+                      <a:r>
+                        <a:rPr lang="it-IT" sz="1400" i="1" dirty="0">
+                          <a:solidFill>
+                            <a:schemeClr val="tx1"/>
+                          </a:solidFill>
+                        </a:rPr>
+                        <a:t>100%</a:t>
+                      </a:r>
+                    </a:p>
+                  </a:txBody>
+                  <a:tcPr anchor="ctr"/>
+                </a:tc>
+                <a:extLst>
+                  <a:ext uri="{0D108BD9-81ED-4DB2-BD59-A6C34878D82A}">
+                    <a16:rowId xmlns:a16="http://schemas.microsoft.com/office/drawing/2014/main" val="883051443"/>
+                  </a:ext>
+                </a:extLst>
+              </a:tr>
+              <a:tr h="286538">
+                <a:tc>
+                  <a:txBody>
+                    <a:bodyPr/>
+                    <a:lstStyle/>
+                    <a:p>
+                      <a:pPr algn="ctr"/>
+                      <a:r>
+                        <a:rPr lang="it-IT" sz="1400" dirty="0"/>
+                        <a:t>Monk 3</a:t>
+                      </a:r>
+                    </a:p>
+                  </a:txBody>
+                  <a:tcPr anchor="ctr"/>
+                </a:tc>
+                <a:tc>
+                  <a:txBody>
+                    <a:bodyPr/>
+                    <a:lstStyle/>
+                    <a:p>
+                      <a:r>
+                        <a:rPr lang="it-IT" sz="1400" dirty="0">
+                          <a:latin typeface="Consolas" panose="020B0609020204030204" pitchFamily="49" charset="0"/>
+                        </a:rPr>
+                        <a:t>RBF</a:t>
+                      </a:r>
+                      <a:r>
+                        <a:rPr lang="it-IT" sz="1400" dirty="0"/>
+                        <a:t> / </a:t>
+                      </a:r>
+                      <a:r>
+                        <a:rPr lang="it-IT" sz="1400" i="1" dirty="0"/>
+                        <a:t>1</a:t>
+                      </a:r>
+                      <a:r>
+                        <a:rPr lang="it-IT" sz="1400" dirty="0"/>
+                        <a:t> / </a:t>
+                      </a:r>
+                      <a:r>
+                        <a:rPr lang="it-IT" sz="1400" i="1" dirty="0"/>
+                        <a:t>0.1</a:t>
+                      </a:r>
+                      <a:r>
+                        <a:rPr lang="it-IT" sz="1400" dirty="0"/>
+                        <a:t> / </a:t>
+                      </a:r>
+                      <a:r>
+                        <a:rPr lang="it-IT" sz="1400" i="1" dirty="0" err="1"/>
+                        <a:t>n.d.</a:t>
+                      </a:r>
+                      <a:r>
+                        <a:rPr lang="it-IT" sz="1400" dirty="0"/>
+                        <a:t> / </a:t>
+                      </a:r>
+                      <a:r>
+                        <a:rPr lang="it-IT" sz="1400" i="1" dirty="0" err="1"/>
+                        <a:t>n.d.</a:t>
+                      </a:r>
+                      <a:endParaRPr lang="it-IT" sz="1400" i="1" dirty="0"/>
+                    </a:p>
+                  </a:txBody>
+                  <a:tcPr anchor="ctr"/>
+                </a:tc>
+                <a:tc>
+                  <a:txBody>
+                    <a:bodyPr/>
+                    <a:lstStyle/>
+                    <a:p>
+                      <a:pPr marL="0" marR="0" lvl="0" indent="0" algn="ctr" defTabSz="914400" rtl="0" eaLnBrk="1" fontAlgn="auto" latinLnBrk="0" hangingPunct="1">
+                        <a:lnSpc>
+                          <a:spcPct val="100000"/>
+                        </a:lnSpc>
+                        <a:spcBef>
+                          <a:spcPts val="0"/>
+                        </a:spcBef>
+                        <a:spcAft>
+                          <a:spcPts val="0"/>
+                        </a:spcAft>
+                        <a:buClrTx/>
+                        <a:buSzTx/>
+                        <a:buFontTx/>
+                        <a:buNone/>
+                        <a:tabLst/>
+                        <a:defRPr/>
+                      </a:pPr>
+                      <a:r>
+                        <a:rPr lang="it-IT" sz="1400" i="1" dirty="0">
+                          <a:solidFill>
+                            <a:srgbClr val="FF0000"/>
+                          </a:solidFill>
+                        </a:rPr>
+                        <a:t>93.40% </a:t>
+                      </a:r>
+                      <a:r>
+                        <a:rPr lang="it-IT" sz="1400" i="0" dirty="0">
+                          <a:solidFill>
+                            <a:srgbClr val="FF0000"/>
+                          </a:solidFill>
+                        </a:rPr>
+                        <a:t>/</a:t>
+                      </a:r>
+                      <a:r>
+                        <a:rPr lang="it-IT" sz="1400" i="1" dirty="0">
+                          <a:solidFill>
+                            <a:srgbClr val="FF0000"/>
+                          </a:solidFill>
+                        </a:rPr>
+                        <a:t> 97.22%</a:t>
+                      </a:r>
+                    </a:p>
+                  </a:txBody>
+                  <a:tcPr anchor="ctr"/>
+                </a:tc>
+                <a:tc>
+                  <a:txBody>
+                    <a:bodyPr/>
+                    <a:lstStyle/>
+                    <a:p>
+                      <a:pPr marL="0" marR="0" lvl="0" indent="0" algn="ctr" defTabSz="914400" rtl="0" eaLnBrk="1" fontAlgn="auto" latinLnBrk="0" hangingPunct="1">
+                        <a:lnSpc>
+                          <a:spcPct val="100000"/>
+                        </a:lnSpc>
+                        <a:spcBef>
+                          <a:spcPts val="0"/>
+                        </a:spcBef>
+                        <a:spcAft>
+                          <a:spcPts val="0"/>
+                        </a:spcAft>
+                        <a:buClrTx/>
+                        <a:buSzTx/>
+                        <a:buFontTx/>
+                        <a:buNone/>
+                        <a:tabLst/>
+                        <a:defRPr/>
+                      </a:pPr>
+                      <a:endParaRPr lang="it-IT" sz="1400" i="1" dirty="0">
+                        <a:solidFill>
+                          <a:srgbClr val="FF0000"/>
+                        </a:solidFill>
+                      </a:endParaRPr>
+                    </a:p>
+                  </a:txBody>
+                  <a:tcPr anchor="ctr"/>
+                </a:tc>
+                <a:extLst>
+                  <a:ext uri="{0D108BD9-81ED-4DB2-BD59-A6C34878D82A}">
+                    <a16:rowId xmlns:a16="http://schemas.microsoft.com/office/drawing/2014/main" val="3800155377"/>
+                  </a:ext>
+                </a:extLst>
+              </a:tr>
+            </a:tbl>
+          </a:graphicData>
+        </a:graphic>
+      </p:graphicFrame>
+      <p:sp>
+        <p:nvSpPr>
+          <p:cNvPr id="2" name="CasellaDiTesto 1">
+            <a:extLst>
+              <a:ext uri="{FF2B5EF4-FFF2-40B4-BE49-F238E27FC236}">
+                <a16:creationId xmlns:a16="http://schemas.microsoft.com/office/drawing/2014/main" id="{BE230A9E-6BC2-8724-6E64-FC538A331645}"/>
+              </a:ext>
+            </a:extLst>
+          </p:cNvPr>
+          <p:cNvSpPr txBox="1">
+            <a:spLocks/>
+          </p:cNvSpPr>
+          <p:nvPr/>
+        </p:nvSpPr>
+        <p:spPr>
+          <a:xfrm>
+            <a:off x="311757" y="1035900"/>
+            <a:ext cx="8160842" cy="338554"/>
+          </a:xfrm>
+          <a:prstGeom prst="rect">
+            <a:avLst/>
+          </a:prstGeom>
+          <a:noFill/>
+        </p:spPr>
+        <p:txBody>
+          <a:bodyPr wrap="square" rtlCol="0">
+            <a:spAutoFit/>
+          </a:bodyPr>
+          <a:lstStyle/>
+          <a:p>
+            <a:pPr algn="ctr"/>
+            <a:r>
+              <a:rPr lang="it-IT" sz="1600" b="1" dirty="0" err="1"/>
+              <a:t>Table</a:t>
+            </a:r>
+            <a:r>
+              <a:rPr lang="it-IT" sz="1600" b="1" dirty="0"/>
+              <a:t> </a:t>
+            </a:r>
+            <a:r>
+              <a:rPr lang="it-IT" sz="1600" b="1" dirty="0">
+                <a:solidFill>
+                  <a:srgbClr val="FF0000"/>
+                </a:solidFill>
+              </a:rPr>
+              <a:t>n+3</a:t>
+            </a:r>
+            <a:r>
+              <a:rPr lang="it-IT" sz="1600" dirty="0"/>
+              <a:t>: </a:t>
+            </a:r>
+            <a:r>
+              <a:rPr lang="it-IT" sz="1400" dirty="0" err="1"/>
+              <a:t>Prediction</a:t>
+            </a:r>
+            <a:r>
+              <a:rPr lang="it-IT" sz="1400" dirty="0"/>
+              <a:t> </a:t>
+            </a:r>
+            <a:r>
+              <a:rPr lang="it-IT" sz="1400" dirty="0" err="1"/>
+              <a:t>results</a:t>
+            </a:r>
+            <a:r>
+              <a:rPr lang="it-IT" sz="1400" dirty="0"/>
+              <a:t> </a:t>
+            </a:r>
+            <a:r>
+              <a:rPr lang="it-IT" sz="1400" dirty="0" err="1"/>
+              <a:t>obtained</a:t>
+            </a:r>
+            <a:r>
+              <a:rPr lang="it-IT" sz="1400" dirty="0"/>
+              <a:t> for the </a:t>
+            </a:r>
+            <a:r>
+              <a:rPr lang="it-IT" sz="1400" dirty="0" err="1"/>
+              <a:t>Monk’s</a:t>
+            </a:r>
+            <a:r>
+              <a:rPr lang="it-IT" sz="1400" dirty="0"/>
+              <a:t> task, with a SVM</a:t>
+            </a:r>
+            <a:endParaRPr lang="it-IT" sz="1600" dirty="0"/>
+          </a:p>
+        </p:txBody>
+      </p:sp>
+      <p:graphicFrame>
+        <p:nvGraphicFramePr>
+          <p:cNvPr id="8" name="Tabella 7">
+            <a:extLst>
+              <a:ext uri="{FF2B5EF4-FFF2-40B4-BE49-F238E27FC236}">
+                <a16:creationId xmlns:a16="http://schemas.microsoft.com/office/drawing/2014/main" id="{84DE0662-B539-4FAA-8D29-2412C11DB7EB}"/>
+              </a:ext>
+            </a:extLst>
+          </p:cNvPr>
+          <p:cNvGraphicFramePr>
+            <a:graphicFrameLocks noGrp="1"/>
+          </p:cNvGraphicFramePr>
+          <p:nvPr>
+            <p:extLst>
+              <p:ext uri="{D42A27DB-BD31-4B8C-83A1-F6EECF244321}">
+                <p14:modId xmlns:p14="http://schemas.microsoft.com/office/powerpoint/2010/main" val="1849409378"/>
+              </p:ext>
+            </p:extLst>
+          </p:nvPr>
+        </p:nvGraphicFramePr>
+        <p:xfrm>
+          <a:off x="311758" y="3230520"/>
+          <a:ext cx="8160844" cy="1645920"/>
+        </p:xfrm>
+        <a:graphic>
+          <a:graphicData uri="http://schemas.openxmlformats.org/drawingml/2006/table">
+            <a:tbl>
+              <a:tblPr firstRow="1" bandRow="1">
+                <a:tableStyleId>{0E3FDE45-AF77-4B5C-9715-49D594BDF05E}</a:tableStyleId>
+              </a:tblPr>
+              <a:tblGrid>
+                <a:gridCol w="911924">
+                  <a:extLst>
+                    <a:ext uri="{9D8B030D-6E8A-4147-A177-3AD203B41FA5}">
+                      <a16:colId xmlns:a16="http://schemas.microsoft.com/office/drawing/2014/main" val="935040320"/>
+                    </a:ext>
+                  </a:extLst>
+                </a:gridCol>
+                <a:gridCol w="4061012">
+                  <a:extLst>
+                    <a:ext uri="{9D8B030D-6E8A-4147-A177-3AD203B41FA5}">
+                      <a16:colId xmlns:a16="http://schemas.microsoft.com/office/drawing/2014/main" val="1166905258"/>
+                    </a:ext>
+                  </a:extLst>
+                </a:gridCol>
+                <a:gridCol w="1593954">
+                  <a:extLst>
+                    <a:ext uri="{9D8B030D-6E8A-4147-A177-3AD203B41FA5}">
+                      <a16:colId xmlns:a16="http://schemas.microsoft.com/office/drawing/2014/main" val="34889993"/>
+                    </a:ext>
+                  </a:extLst>
+                </a:gridCol>
+                <a:gridCol w="1593954">
+                  <a:extLst>
+                    <a:ext uri="{9D8B030D-6E8A-4147-A177-3AD203B41FA5}">
+                      <a16:colId xmlns:a16="http://schemas.microsoft.com/office/drawing/2014/main" val="3320172478"/>
+                    </a:ext>
+                  </a:extLst>
+                </a:gridCol>
+              </a:tblGrid>
+              <a:tr h="225137">
+                <a:tc>
+                  <a:txBody>
+                    <a:bodyPr/>
+                    <a:lstStyle/>
+                    <a:p>
+                      <a:pPr algn="ctr"/>
+                      <a:r>
+                        <a:rPr lang="it-IT" sz="1600" dirty="0"/>
+                        <a:t>Task</a:t>
+                      </a:r>
+                    </a:p>
+                  </a:txBody>
+                  <a:tcPr anchor="ctr"/>
+                </a:tc>
+                <a:tc>
+                  <a:txBody>
+                    <a:bodyPr/>
+                    <a:lstStyle/>
+                    <a:p>
+                      <a:pPr algn="ctr"/>
+                      <a:r>
+                        <a:rPr lang="it-IT" sz="1400" i="1" dirty="0">
+                          <a:solidFill>
+                            <a:schemeClr val="tx1"/>
+                          </a:solidFill>
+                        </a:rPr>
+                        <a:t># </a:t>
+                      </a:r>
+                      <a:r>
+                        <a:rPr lang="it-IT" sz="1400" i="1" dirty="0" err="1">
+                          <a:solidFill>
+                            <a:schemeClr val="tx1"/>
+                          </a:solidFill>
+                        </a:rPr>
+                        <a:t>trees</a:t>
+                      </a:r>
+                      <a:r>
+                        <a:rPr lang="it-IT" sz="1400" i="1" dirty="0">
+                          <a:solidFill>
+                            <a:schemeClr val="tx1"/>
+                          </a:solidFill>
+                        </a:rPr>
+                        <a:t> </a:t>
+                      </a:r>
+                      <a:r>
+                        <a:rPr lang="it-IT" sz="1400" i="0" dirty="0">
+                          <a:solidFill>
+                            <a:schemeClr val="tx1"/>
+                          </a:solidFill>
+                        </a:rPr>
+                        <a:t>/</a:t>
+                      </a:r>
+                      <a:r>
+                        <a:rPr lang="it-IT" sz="1400" i="1" dirty="0">
+                          <a:solidFill>
+                            <a:schemeClr val="tx1"/>
+                          </a:solidFill>
+                        </a:rPr>
+                        <a:t> </a:t>
+                      </a:r>
+                      <a:r>
+                        <a:rPr lang="it-IT" sz="1400" i="1" dirty="0" err="1">
+                          <a:solidFill>
+                            <a:schemeClr val="tx1"/>
+                          </a:solidFill>
+                        </a:rPr>
+                        <a:t>maxDepth</a:t>
+                      </a:r>
+                      <a:r>
+                        <a:rPr lang="it-IT" sz="1400" i="1" dirty="0">
+                          <a:solidFill>
+                            <a:schemeClr val="tx1"/>
+                          </a:solidFill>
+                        </a:rPr>
+                        <a:t> </a:t>
+                      </a:r>
+                      <a:r>
+                        <a:rPr lang="it-IT" sz="1400" i="0" dirty="0">
+                          <a:solidFill>
+                            <a:schemeClr val="tx1"/>
+                          </a:solidFill>
+                        </a:rPr>
+                        <a:t>/</a:t>
+                      </a:r>
+                      <a:r>
+                        <a:rPr lang="it-IT" sz="1400" i="1" dirty="0">
+                          <a:solidFill>
+                            <a:schemeClr val="tx1"/>
+                          </a:solidFill>
+                        </a:rPr>
+                        <a:t> </a:t>
+                      </a:r>
+                      <a:r>
+                        <a:rPr lang="it-IT" sz="1400" i="1" dirty="0" err="1">
+                          <a:solidFill>
+                            <a:schemeClr val="tx1"/>
+                          </a:solidFill>
+                        </a:rPr>
+                        <a:t>min_samples_split</a:t>
+                      </a:r>
+                      <a:r>
+                        <a:rPr lang="it-IT" sz="1400" i="1" dirty="0">
+                          <a:solidFill>
+                            <a:schemeClr val="tx1"/>
+                          </a:solidFill>
+                        </a:rPr>
+                        <a:t> </a:t>
+                      </a:r>
+                      <a:r>
+                        <a:rPr lang="it-IT" sz="1400" i="0" dirty="0">
+                          <a:solidFill>
+                            <a:schemeClr val="tx1"/>
+                          </a:solidFill>
+                        </a:rPr>
+                        <a:t>/</a:t>
+                      </a:r>
+                      <a:r>
+                        <a:rPr lang="it-IT" sz="1400" i="1" dirty="0">
+                          <a:solidFill>
+                            <a:schemeClr val="tx1"/>
+                          </a:solidFill>
+                        </a:rPr>
+                        <a:t> </a:t>
+                      </a:r>
+                      <a:r>
+                        <a:rPr lang="it-IT" sz="1400" i="1" dirty="0" err="1">
+                          <a:solidFill>
+                            <a:schemeClr val="tx1"/>
+                          </a:solidFill>
+                        </a:rPr>
+                        <a:t>min_samples_leaf</a:t>
+                      </a:r>
+                      <a:r>
+                        <a:rPr lang="it-IT" sz="1400" i="1" dirty="0">
+                          <a:solidFill>
+                            <a:schemeClr val="tx1"/>
+                          </a:solidFill>
+                        </a:rPr>
+                        <a:t> </a:t>
+                      </a:r>
+                      <a:r>
+                        <a:rPr lang="it-IT" sz="1400" i="0" dirty="0">
+                          <a:solidFill>
+                            <a:schemeClr val="tx1"/>
+                          </a:solidFill>
+                        </a:rPr>
+                        <a:t>/</a:t>
+                      </a:r>
+                      <a:r>
+                        <a:rPr lang="it-IT" sz="1400" i="1" dirty="0">
+                          <a:solidFill>
+                            <a:schemeClr val="tx1"/>
+                          </a:solidFill>
+                        </a:rPr>
+                        <a:t> </a:t>
+                      </a:r>
+                      <a:r>
+                        <a:rPr lang="it-IT" sz="1400" i="1" dirty="0" err="1">
+                          <a:solidFill>
+                            <a:schemeClr val="tx1"/>
+                          </a:solidFill>
+                        </a:rPr>
+                        <a:t>maxFeatures</a:t>
+                      </a:r>
+                      <a:r>
+                        <a:rPr lang="it-IT" sz="1400" i="1" dirty="0">
+                          <a:solidFill>
+                            <a:schemeClr val="tx1"/>
+                          </a:solidFill>
+                        </a:rPr>
+                        <a:t> </a:t>
+                      </a:r>
+                      <a:r>
+                        <a:rPr lang="it-IT" sz="1400" i="0" dirty="0">
+                          <a:solidFill>
+                            <a:schemeClr val="tx1"/>
+                          </a:solidFill>
+                        </a:rPr>
+                        <a:t>/</a:t>
+                      </a:r>
+                      <a:r>
+                        <a:rPr lang="it-IT" sz="1400" i="1" dirty="0">
+                          <a:solidFill>
+                            <a:schemeClr val="tx1"/>
+                          </a:solidFill>
+                        </a:rPr>
+                        <a:t> bootstrap </a:t>
+                      </a:r>
+                      <a:r>
+                        <a:rPr lang="it-IT" sz="1400" i="0" dirty="0">
+                          <a:solidFill>
+                            <a:schemeClr val="tx1"/>
+                          </a:solidFill>
+                        </a:rPr>
+                        <a:t>/</a:t>
+                      </a:r>
+                      <a:r>
+                        <a:rPr lang="it-IT" sz="1400" i="1" dirty="0">
+                          <a:solidFill>
+                            <a:schemeClr val="tx1"/>
+                          </a:solidFill>
+                        </a:rPr>
+                        <a:t> </a:t>
+                      </a:r>
+                      <a:r>
+                        <a:rPr lang="it-IT" sz="1400" i="1" dirty="0" err="1">
+                          <a:solidFill>
+                            <a:schemeClr val="tx1"/>
+                          </a:solidFill>
+                        </a:rPr>
+                        <a:t>criterion</a:t>
+                      </a:r>
+                      <a:endParaRPr lang="it-IT" sz="1400" i="1" dirty="0">
+                        <a:solidFill>
+                          <a:schemeClr val="tx1"/>
+                        </a:solidFill>
+                      </a:endParaRPr>
+                    </a:p>
+                  </a:txBody>
+                  <a:tcPr anchor="ctr"/>
+                </a:tc>
+                <a:tc>
+                  <a:txBody>
+                    <a:bodyPr/>
+                    <a:lstStyle/>
+                    <a:p>
+                      <a:pPr algn="ctr"/>
+                      <a:r>
+                        <a:rPr lang="it-IT" sz="1400" dirty="0" err="1"/>
+                        <a:t>Accuracy</a:t>
+                      </a:r>
+                      <a:r>
+                        <a:rPr lang="it-IT" sz="1600" dirty="0"/>
+                        <a:t> </a:t>
+                      </a:r>
+                      <a:r>
+                        <a:rPr lang="it-IT" sz="1400" dirty="0"/>
+                        <a:t>(TR/VL)</a:t>
+                      </a:r>
+                    </a:p>
+                  </a:txBody>
+                  <a:tcPr anchor="ctr"/>
+                </a:tc>
+                <a:tc>
+                  <a:txBody>
+                    <a:bodyPr/>
+                    <a:lstStyle/>
+                    <a:p>
+                      <a:pPr algn="ctr"/>
+                      <a:r>
+                        <a:rPr lang="it-IT" sz="1400" dirty="0" err="1"/>
+                        <a:t>Accuracy</a:t>
+                      </a:r>
+                      <a:r>
+                        <a:rPr lang="it-IT" sz="1400" dirty="0"/>
+                        <a:t> (TS)</a:t>
+                      </a:r>
+                    </a:p>
+                  </a:txBody>
+                  <a:tcPr anchor="ctr"/>
+                </a:tc>
+                <a:extLst>
+                  <a:ext uri="{0D108BD9-81ED-4DB2-BD59-A6C34878D82A}">
+                    <a16:rowId xmlns:a16="http://schemas.microsoft.com/office/drawing/2014/main" val="3654603585"/>
+                  </a:ext>
+                </a:extLst>
+              </a:tr>
+              <a:tr h="286538">
+                <a:tc>
+                  <a:txBody>
+                    <a:bodyPr/>
+                    <a:lstStyle/>
+                    <a:p>
+                      <a:pPr algn="ctr"/>
+                      <a:r>
+                        <a:rPr lang="it-IT" sz="1400" dirty="0"/>
+                        <a:t>Monk 1</a:t>
+                      </a:r>
+                    </a:p>
+                  </a:txBody>
+                  <a:tcPr anchor="ctr"/>
+                </a:tc>
+                <a:tc>
+                  <a:txBody>
+                    <a:bodyPr/>
+                    <a:lstStyle/>
+                    <a:p>
+                      <a:r>
+                        <a:rPr lang="it-IT" sz="1400" i="1" dirty="0"/>
+                        <a:t>20 </a:t>
+                      </a:r>
+                      <a:r>
+                        <a:rPr lang="it-IT" sz="1400" i="0" dirty="0"/>
+                        <a:t>/</a:t>
+                      </a:r>
+                      <a:r>
+                        <a:rPr lang="it-IT" sz="1400" i="1" dirty="0"/>
+                        <a:t> None </a:t>
+                      </a:r>
+                      <a:r>
+                        <a:rPr lang="it-IT" sz="1400" i="0" dirty="0"/>
+                        <a:t>/</a:t>
+                      </a:r>
+                      <a:r>
+                        <a:rPr lang="it-IT" sz="1400" i="1" dirty="0"/>
+                        <a:t> 4 </a:t>
+                      </a:r>
+                      <a:r>
+                        <a:rPr lang="it-IT" sz="1400" i="0" dirty="0"/>
+                        <a:t>/</a:t>
+                      </a:r>
+                      <a:r>
+                        <a:rPr lang="it-IT" sz="1400" i="1" dirty="0"/>
+                        <a:t> 1 </a:t>
+                      </a:r>
+                      <a:r>
+                        <a:rPr lang="it-IT" sz="1400" i="0" dirty="0"/>
+                        <a:t>/</a:t>
+                      </a:r>
+                      <a:r>
+                        <a:rPr lang="it-IT" sz="1400" i="1" dirty="0"/>
+                        <a:t> None </a:t>
+                      </a:r>
+                      <a:r>
+                        <a:rPr lang="it-IT" sz="1400" i="0" dirty="0"/>
+                        <a:t>/</a:t>
+                      </a:r>
+                      <a:r>
+                        <a:rPr lang="it-IT" sz="1400" i="1" dirty="0"/>
+                        <a:t> True </a:t>
+                      </a:r>
+                      <a:r>
+                        <a:rPr lang="it-IT" sz="1400" i="0" dirty="0"/>
+                        <a:t>/</a:t>
+                      </a:r>
+                      <a:r>
+                        <a:rPr lang="it-IT" sz="1400" i="1" dirty="0"/>
+                        <a:t> </a:t>
+                      </a:r>
+                      <a:r>
+                        <a:rPr lang="it-IT" sz="1400" i="0" dirty="0" err="1">
+                          <a:latin typeface="Consolas" panose="020B0609020204030204" pitchFamily="49" charset="0"/>
+                        </a:rPr>
+                        <a:t>gini</a:t>
+                      </a:r>
+                      <a:endParaRPr lang="it-IT" sz="1400" i="0" dirty="0">
+                        <a:latin typeface="Consolas" panose="020B0609020204030204" pitchFamily="49" charset="0"/>
+                      </a:endParaRPr>
+                    </a:p>
+                  </a:txBody>
+                  <a:tcPr anchor="ctr"/>
+                </a:tc>
+                <a:tc>
+                  <a:txBody>
+                    <a:bodyPr/>
+                    <a:lstStyle/>
+                    <a:p>
+                      <a:pPr algn="ctr"/>
+                      <a:r>
+                        <a:rPr lang="it-IT" sz="1400" i="1" dirty="0"/>
+                        <a:t>100% </a:t>
+                      </a:r>
+                      <a:r>
+                        <a:rPr lang="it-IT" sz="1400" i="0" dirty="0"/>
+                        <a:t>/</a:t>
+                      </a:r>
+                      <a:r>
+                        <a:rPr lang="it-IT" sz="1400" i="1" dirty="0"/>
+                        <a:t> 78,03%</a:t>
+                      </a:r>
+                    </a:p>
+                  </a:txBody>
+                  <a:tcPr anchor="ctr"/>
+                </a:tc>
+                <a:tc>
+                  <a:txBody>
+                    <a:bodyPr/>
+                    <a:lstStyle/>
+                    <a:p>
+                      <a:pPr algn="ctr"/>
+                      <a:r>
+                        <a:rPr lang="it-IT" sz="1400" i="1" dirty="0"/>
+                        <a:t>95.37%</a:t>
+                      </a:r>
+                    </a:p>
+                  </a:txBody>
+                  <a:tcPr anchor="ctr"/>
+                </a:tc>
+                <a:extLst>
+                  <a:ext uri="{0D108BD9-81ED-4DB2-BD59-A6C34878D82A}">
+                    <a16:rowId xmlns:a16="http://schemas.microsoft.com/office/drawing/2014/main" val="1051854847"/>
+                  </a:ext>
+                </a:extLst>
+              </a:tr>
+              <a:tr h="286538">
+                <a:tc>
+                  <a:txBody>
+                    <a:bodyPr/>
+                    <a:lstStyle/>
+                    <a:p>
+                      <a:pPr algn="ctr"/>
+                      <a:r>
+                        <a:rPr lang="it-IT" sz="1400" dirty="0"/>
+                        <a:t>Monk 2</a:t>
+                      </a:r>
+                    </a:p>
+                  </a:txBody>
+                  <a:tcPr anchor="ctr"/>
+                </a:tc>
+                <a:tc>
+                  <a:txBody>
+                    <a:bodyPr/>
+                    <a:lstStyle/>
+                    <a:p>
+                      <a:r>
+                        <a:rPr lang="it-IT" sz="1400" i="1" dirty="0"/>
+                        <a:t>100</a:t>
+                      </a:r>
+                      <a:r>
+                        <a:rPr lang="it-IT" sz="1400" dirty="0"/>
+                        <a:t> / </a:t>
+                      </a:r>
+                      <a:r>
+                        <a:rPr lang="it-IT" sz="1400" i="1" dirty="0"/>
+                        <a:t>None</a:t>
+                      </a:r>
+                      <a:r>
+                        <a:rPr lang="it-IT" sz="1400" dirty="0"/>
+                        <a:t> / </a:t>
+                      </a:r>
+                      <a:r>
+                        <a:rPr lang="it-IT" sz="1400" i="1" dirty="0"/>
+                        <a:t>2</a:t>
+                      </a:r>
+                      <a:r>
+                        <a:rPr lang="it-IT" sz="1400" dirty="0"/>
+                        <a:t> / </a:t>
+                      </a:r>
+                      <a:r>
+                        <a:rPr lang="it-IT" sz="1400" i="1" dirty="0"/>
+                        <a:t>1</a:t>
+                      </a:r>
+                      <a:r>
+                        <a:rPr lang="it-IT" sz="1400" dirty="0"/>
+                        <a:t> / </a:t>
+                      </a:r>
+                      <a:r>
+                        <a:rPr lang="it-IT" sz="1400" i="1" dirty="0"/>
+                        <a:t>None</a:t>
+                      </a:r>
+                      <a:r>
+                        <a:rPr lang="it-IT" sz="1400" dirty="0"/>
+                        <a:t> / </a:t>
+                      </a:r>
+                      <a:r>
+                        <a:rPr lang="it-IT" sz="1400" i="1" dirty="0"/>
+                        <a:t>False</a:t>
+                      </a:r>
+                      <a:r>
+                        <a:rPr lang="it-IT" sz="1400" dirty="0"/>
+                        <a:t> / </a:t>
+                      </a:r>
+                      <a:r>
+                        <a:rPr lang="it-IT" sz="1400" i="0" dirty="0" err="1">
+                          <a:latin typeface="Consolas" panose="020B0609020204030204" pitchFamily="49" charset="0"/>
+                        </a:rPr>
+                        <a:t>gini</a:t>
+                      </a:r>
+                      <a:endParaRPr lang="it-IT" sz="1400" i="0" dirty="0">
+                        <a:latin typeface="Consolas" panose="020B0609020204030204" pitchFamily="49" charset="0"/>
+                      </a:endParaRPr>
+                    </a:p>
+                  </a:txBody>
+                  <a:tcPr anchor="ctr"/>
+                </a:tc>
+                <a:tc>
+                  <a:txBody>
+                    <a:bodyPr/>
+                    <a:lstStyle/>
+                    <a:p>
+                      <a:pPr algn="ctr"/>
+                      <a:r>
+                        <a:rPr lang="it-IT" sz="1400" i="1" dirty="0">
+                          <a:solidFill>
+                            <a:schemeClr val="tx1"/>
+                          </a:solidFill>
+                        </a:rPr>
+                        <a:t>100% </a:t>
+                      </a:r>
+                      <a:r>
+                        <a:rPr lang="it-IT" sz="1400" i="0" dirty="0">
+                          <a:solidFill>
+                            <a:schemeClr val="tx1"/>
+                          </a:solidFill>
+                        </a:rPr>
+                        <a:t>/</a:t>
+                      </a:r>
+                      <a:r>
+                        <a:rPr lang="it-IT" sz="1400" i="1" dirty="0">
+                          <a:solidFill>
+                            <a:schemeClr val="tx1"/>
+                          </a:solidFill>
+                        </a:rPr>
+                        <a:t> 65,17%</a:t>
+                      </a:r>
+                    </a:p>
+                  </a:txBody>
+                  <a:tcPr anchor="ctr"/>
+                </a:tc>
+                <a:tc>
+                  <a:txBody>
+                    <a:bodyPr/>
+                    <a:lstStyle/>
+                    <a:p>
+                      <a:pPr algn="ctr"/>
+                      <a:r>
+                        <a:rPr lang="it-IT" sz="1400" i="1" dirty="0">
+                          <a:solidFill>
+                            <a:schemeClr val="tx1"/>
+                          </a:solidFill>
+                        </a:rPr>
+                        <a:t>81,94%</a:t>
+                      </a:r>
+                    </a:p>
+                  </a:txBody>
+                  <a:tcPr anchor="ctr"/>
+                </a:tc>
+                <a:extLst>
+                  <a:ext uri="{0D108BD9-81ED-4DB2-BD59-A6C34878D82A}">
+                    <a16:rowId xmlns:a16="http://schemas.microsoft.com/office/drawing/2014/main" val="883051443"/>
+                  </a:ext>
+                </a:extLst>
+              </a:tr>
+              <a:tr h="286538">
+                <a:tc>
+                  <a:txBody>
+                    <a:bodyPr/>
+                    <a:lstStyle/>
+                    <a:p>
+                      <a:pPr algn="ctr"/>
+                      <a:r>
+                        <a:rPr lang="it-IT" sz="1400" dirty="0"/>
+                        <a:t>Monk 3</a:t>
+                      </a:r>
+                    </a:p>
+                  </a:txBody>
+                  <a:tcPr anchor="ctr"/>
+                </a:tc>
+                <a:tc>
+                  <a:txBody>
+                    <a:bodyPr/>
+                    <a:lstStyle/>
+                    <a:p>
+                      <a:r>
+                        <a:rPr lang="it-IT" sz="1400" i="1" dirty="0"/>
+                        <a:t>50</a:t>
+                      </a:r>
+                      <a:r>
+                        <a:rPr lang="it-IT" sz="1400" dirty="0"/>
+                        <a:t> / </a:t>
+                      </a:r>
+                      <a:r>
+                        <a:rPr lang="it-IT" sz="1400" i="1" dirty="0"/>
+                        <a:t>None</a:t>
+                      </a:r>
+                      <a:r>
+                        <a:rPr lang="it-IT" sz="1400" dirty="0"/>
+                        <a:t> / </a:t>
+                      </a:r>
+                      <a:r>
+                        <a:rPr lang="it-IT" sz="1400" i="1" dirty="0"/>
+                        <a:t>6</a:t>
+                      </a:r>
+                      <a:r>
+                        <a:rPr lang="it-IT" sz="1400" dirty="0"/>
+                        <a:t> / </a:t>
+                      </a:r>
+                      <a:r>
+                        <a:rPr lang="it-IT" sz="1400" i="1" dirty="0"/>
+                        <a:t>1</a:t>
+                      </a:r>
+                      <a:r>
+                        <a:rPr lang="it-IT" sz="1400" dirty="0"/>
+                        <a:t> / </a:t>
+                      </a:r>
+                      <a:r>
+                        <a:rPr lang="it-IT" sz="1400" dirty="0" err="1">
+                          <a:latin typeface="Consolas" panose="020B0609020204030204" pitchFamily="49" charset="0"/>
+                        </a:rPr>
+                        <a:t>sqrt</a:t>
+                      </a:r>
+                      <a:r>
+                        <a:rPr lang="it-IT" sz="1400" dirty="0">
+                          <a:latin typeface="Consolas" panose="020B0609020204030204" pitchFamily="49" charset="0"/>
+                        </a:rPr>
+                        <a:t>()</a:t>
+                      </a:r>
+                      <a:r>
+                        <a:rPr lang="it-IT" sz="1400" dirty="0"/>
+                        <a:t> /</a:t>
+                      </a:r>
+                      <a:r>
+                        <a:rPr lang="it-IT" sz="1400" i="1" dirty="0"/>
+                        <a:t>True</a:t>
+                      </a:r>
+                      <a:r>
+                        <a:rPr lang="it-IT" sz="1400" dirty="0"/>
+                        <a:t> / </a:t>
+                      </a:r>
+                      <a:r>
+                        <a:rPr lang="it-IT" sz="1400" dirty="0" err="1">
+                          <a:latin typeface="Consolas" panose="020B0609020204030204" pitchFamily="49" charset="0"/>
+                        </a:rPr>
+                        <a:t>gini</a:t>
+                      </a:r>
+                      <a:endParaRPr lang="it-IT" sz="1400" dirty="0">
+                        <a:latin typeface="Consolas" panose="020B0609020204030204" pitchFamily="49" charset="0"/>
+                      </a:endParaRPr>
+                    </a:p>
+                  </a:txBody>
+                  <a:tcPr anchor="ctr"/>
+                </a:tc>
+                <a:tc>
+                  <a:txBody>
+                    <a:bodyPr/>
+                    <a:lstStyle/>
+                    <a:p>
+                      <a:pPr marL="0" marR="0" lvl="0" indent="0" algn="ctr" defTabSz="914400" rtl="0" eaLnBrk="1" fontAlgn="auto" latinLnBrk="0" hangingPunct="1">
+                        <a:lnSpc>
+                          <a:spcPct val="100000"/>
+                        </a:lnSpc>
+                        <a:spcBef>
+                          <a:spcPts val="0"/>
+                        </a:spcBef>
+                        <a:spcAft>
+                          <a:spcPts val="0"/>
+                        </a:spcAft>
+                        <a:buClrTx/>
+                        <a:buSzTx/>
+                        <a:buFontTx/>
+                        <a:buNone/>
+                        <a:tabLst/>
+                        <a:defRPr/>
+                      </a:pPr>
+                      <a:r>
+                        <a:rPr lang="it-IT" sz="1400" i="1" dirty="0">
+                          <a:solidFill>
+                            <a:srgbClr val="FF0000"/>
+                          </a:solidFill>
+                        </a:rPr>
+                        <a:t>93.40% </a:t>
+                      </a:r>
+                      <a:r>
+                        <a:rPr lang="it-IT" sz="1400" i="0" dirty="0">
+                          <a:solidFill>
+                            <a:srgbClr val="FF0000"/>
+                          </a:solidFill>
+                        </a:rPr>
+                        <a:t>/</a:t>
+                      </a:r>
+                      <a:r>
+                        <a:rPr lang="it-IT" sz="1400" i="1" dirty="0">
+                          <a:solidFill>
+                            <a:srgbClr val="FF0000"/>
+                          </a:solidFill>
+                        </a:rPr>
+                        <a:t> 96.99%</a:t>
+                      </a:r>
+                    </a:p>
+                  </a:txBody>
+                  <a:tcPr anchor="ctr"/>
+                </a:tc>
+                <a:tc>
+                  <a:txBody>
+                    <a:bodyPr/>
+                    <a:lstStyle/>
+                    <a:p>
+                      <a:pPr marL="0" marR="0" lvl="0" indent="0" algn="ctr" defTabSz="914400" rtl="0" eaLnBrk="1" fontAlgn="auto" latinLnBrk="0" hangingPunct="1">
+                        <a:lnSpc>
+                          <a:spcPct val="100000"/>
+                        </a:lnSpc>
+                        <a:spcBef>
+                          <a:spcPts val="0"/>
+                        </a:spcBef>
+                        <a:spcAft>
+                          <a:spcPts val="0"/>
+                        </a:spcAft>
+                        <a:buClrTx/>
+                        <a:buSzTx/>
+                        <a:buFontTx/>
+                        <a:buNone/>
+                        <a:tabLst/>
+                        <a:defRPr/>
+                      </a:pPr>
+                      <a:endParaRPr lang="it-IT" sz="1400" i="1" dirty="0">
+                        <a:solidFill>
+                          <a:srgbClr val="FF0000"/>
+                        </a:solidFill>
+                      </a:endParaRPr>
+                    </a:p>
+                  </a:txBody>
+                  <a:tcPr anchor="ctr"/>
+                </a:tc>
+                <a:extLst>
+                  <a:ext uri="{0D108BD9-81ED-4DB2-BD59-A6C34878D82A}">
+                    <a16:rowId xmlns:a16="http://schemas.microsoft.com/office/drawing/2014/main" val="3800155377"/>
+                  </a:ext>
+                </a:extLst>
+              </a:tr>
+            </a:tbl>
+          </a:graphicData>
+        </a:graphic>
+      </p:graphicFrame>
+      <p:sp>
+        <p:nvSpPr>
+          <p:cNvPr id="9" name="CasellaDiTesto 8">
+            <a:extLst>
+              <a:ext uri="{FF2B5EF4-FFF2-40B4-BE49-F238E27FC236}">
+                <a16:creationId xmlns:a16="http://schemas.microsoft.com/office/drawing/2014/main" id="{289BD0DD-F384-4DFC-09C8-CA90B7F477E0}"/>
+              </a:ext>
+            </a:extLst>
+          </p:cNvPr>
+          <p:cNvSpPr txBox="1">
+            <a:spLocks/>
+          </p:cNvSpPr>
+          <p:nvPr/>
+        </p:nvSpPr>
+        <p:spPr>
+          <a:xfrm>
+            <a:off x="311757" y="2891964"/>
+            <a:ext cx="8160842" cy="338554"/>
+          </a:xfrm>
+          <a:prstGeom prst="rect">
+            <a:avLst/>
+          </a:prstGeom>
+          <a:noFill/>
+        </p:spPr>
+        <p:txBody>
+          <a:bodyPr wrap="square" rtlCol="0">
+            <a:spAutoFit/>
+          </a:bodyPr>
+          <a:lstStyle/>
+          <a:p>
+            <a:pPr algn="ctr"/>
+            <a:r>
+              <a:rPr lang="it-IT" sz="1600" b="1" dirty="0" err="1"/>
+              <a:t>Table</a:t>
+            </a:r>
+            <a:r>
+              <a:rPr lang="it-IT" sz="1600" b="1" dirty="0"/>
+              <a:t> </a:t>
+            </a:r>
+            <a:r>
+              <a:rPr lang="it-IT" sz="1600" b="1" dirty="0">
+                <a:solidFill>
+                  <a:srgbClr val="FF0000"/>
+                </a:solidFill>
+              </a:rPr>
+              <a:t>n+4</a:t>
+            </a:r>
+            <a:r>
+              <a:rPr lang="it-IT" sz="1600" dirty="0"/>
+              <a:t>: </a:t>
+            </a:r>
+            <a:r>
+              <a:rPr lang="it-IT" sz="1400" dirty="0" err="1"/>
+              <a:t>Average</a:t>
+            </a:r>
+            <a:r>
+              <a:rPr lang="it-IT" sz="1400" dirty="0"/>
+              <a:t> </a:t>
+            </a:r>
+            <a:r>
+              <a:rPr lang="it-IT" sz="1400" dirty="0" err="1"/>
+              <a:t>prediction</a:t>
+            </a:r>
+            <a:r>
+              <a:rPr lang="it-IT" sz="1400" dirty="0"/>
+              <a:t> </a:t>
+            </a:r>
+            <a:r>
+              <a:rPr lang="it-IT" sz="1400" dirty="0" err="1"/>
+              <a:t>results</a:t>
+            </a:r>
+            <a:r>
+              <a:rPr lang="it-IT" sz="1400" dirty="0"/>
+              <a:t> </a:t>
+            </a:r>
+            <a:r>
+              <a:rPr lang="it-IT" sz="1400" dirty="0" err="1"/>
+              <a:t>obtained</a:t>
+            </a:r>
+            <a:r>
+              <a:rPr lang="it-IT" sz="1400" dirty="0"/>
+              <a:t> for the </a:t>
+            </a:r>
+            <a:r>
+              <a:rPr lang="it-IT" sz="1400" dirty="0" err="1"/>
+              <a:t>Monk’s</a:t>
+            </a:r>
+            <a:r>
+              <a:rPr lang="it-IT" sz="1400" dirty="0"/>
+              <a:t> task, with a Random </a:t>
+            </a:r>
+            <a:r>
+              <a:rPr lang="it-IT" sz="1400" dirty="0" err="1"/>
+              <a:t>Forest</a:t>
+            </a:r>
+            <a:endParaRPr lang="it-IT" sz="1600" dirty="0"/>
+          </a:p>
+        </p:txBody>
+      </p:sp>
+    </p:spTree>
+    <p:extLst>
+      <p:ext uri="{BB962C8B-B14F-4D97-AF65-F5344CB8AC3E}">
+        <p14:creationId xmlns:p14="http://schemas.microsoft.com/office/powerpoint/2010/main" val="321743462"/>
+      </p:ext>
+    </p:extLst>
+  </p:cSld>
+  <p:clrMapOvr>
+    <a:masterClrMapping/>
+  </p:clrMapOvr>
+</p:sld>
+</file>
+
+<file path=ppt/slides/slide29.xml><?xml version="1.0" encoding="utf-8"?>
+<p:sld xmlns:a="http://schemas.openxmlformats.org/drawingml/2006/main" xmlns:r="http://schemas.openxmlformats.org/officeDocument/2006/relationships" xmlns:p="http://schemas.openxmlformats.org/presentationml/2006/main">
+  <p:cSld>
+    <p:spTree>
+      <p:nvGrpSpPr>
+        <p:cNvPr id="1" name=""/>
+        <p:cNvGrpSpPr/>
+        <p:nvPr/>
+      </p:nvGrpSpPr>
+      <p:grpSpPr>
+        <a:xfrm>
+          <a:off x="0" y="0"/>
+          <a:ext cx="0" cy="0"/>
+          <a:chOff x="0" y="0"/>
+          <a:chExt cx="0" cy="0"/>
+        </a:xfrm>
+      </p:grpSpPr>
+      <p:sp>
+        <p:nvSpPr>
+          <p:cNvPr id="120" name="PlaceHolder 1"/>
+          <p:cNvSpPr>
+            <a:spLocks noGrp="1"/>
+          </p:cNvSpPr>
+          <p:nvPr>
+            <p:ph type="title"/>
+          </p:nvPr>
+        </p:nvSpPr>
+        <p:spPr>
+          <a:xfrm>
+            <a:off x="311760" y="0"/>
+            <a:ext cx="8520120" cy="792000"/>
+          </a:xfrm>
+          <a:prstGeom prst="rect">
+            <a:avLst/>
+          </a:prstGeom>
+          <a:noFill/>
+          <a:ln w="0">
+            <a:noFill/>
+          </a:ln>
+        </p:spPr>
+        <p:txBody>
+          <a:bodyPr tIns="91440" bIns="91440" anchor="t">
+            <a:normAutofit fontScale="90000"/>
+          </a:bodyPr>
+          <a:lstStyle/>
+          <a:p>
+            <a:pPr>
+              <a:lnSpc>
+                <a:spcPct val="100000"/>
+              </a:lnSpc>
+              <a:buNone/>
+              <a:tabLst>
+                <a:tab pos="0" algn="l"/>
+              </a:tabLst>
+            </a:pPr>
+            <a:r>
+              <a:rPr lang="it" sz="2400" b="0" strike="noStrike" spc="-1" dirty="0">
+                <a:solidFill>
+                  <a:srgbClr val="000000"/>
+                </a:solidFill>
+                <a:latin typeface="Arial"/>
+                <a:ea typeface="Arial"/>
+              </a:rPr>
+              <a:t>Appendix – 5 </a:t>
+            </a:r>
+            <a:r>
+              <a:rPr lang="it" sz="2400" b="0" strike="noStrike" spc="-1" dirty="0">
+                <a:solidFill>
+                  <a:srgbClr val="FF0000"/>
+                </a:solidFill>
+                <a:latin typeface="Arial"/>
+                <a:ea typeface="Arial"/>
+              </a:rPr>
+              <a:t>DA FINIRE </a:t>
+            </a:r>
+            <a:br>
+              <a:rPr lang="it" sz="2400" b="0" strike="noStrike" spc="-1" dirty="0">
+                <a:solidFill>
+                  <a:srgbClr val="000000"/>
+                </a:solidFill>
+                <a:latin typeface="Arial"/>
+                <a:ea typeface="Arial"/>
+              </a:rPr>
+            </a:br>
+            <a:r>
+              <a:rPr lang="it" sz="2000" spc="-1" dirty="0">
+                <a:solidFill>
+                  <a:srgbClr val="3F3F3F"/>
+                </a:solidFill>
+                <a:latin typeface="Arial"/>
+                <a:ea typeface="Arial"/>
+              </a:rPr>
+              <a:t>In-depth analysis of Random Forest’s performance on M</a:t>
+            </a:r>
+            <a:r>
+              <a:rPr lang="it" sz="2000" b="0" strike="noStrike" spc="-1" dirty="0">
+                <a:solidFill>
+                  <a:srgbClr val="3F3F3F"/>
+                </a:solidFill>
+                <a:latin typeface="Arial"/>
+                <a:ea typeface="Arial"/>
+              </a:rPr>
+              <a:t>onk 1 task</a:t>
+            </a:r>
+            <a:endParaRPr lang="it-IT" sz="2400" b="0" strike="noStrike" spc="-1" dirty="0">
+              <a:solidFill>
+                <a:srgbClr val="FF0000"/>
+              </a:solidFill>
+              <a:latin typeface="Arial"/>
+            </a:endParaRPr>
+          </a:p>
+        </p:txBody>
+      </p:sp>
+      <p:sp>
+        <p:nvSpPr>
+          <p:cNvPr id="122" name="PlaceHolder 3"/>
+          <p:cNvSpPr>
+            <a:spLocks noGrp="1"/>
+          </p:cNvSpPr>
+          <p:nvPr>
+            <p:ph type="sldNum" idx="14"/>
+          </p:nvPr>
+        </p:nvSpPr>
+        <p:spPr>
+          <a:xfrm>
+            <a:off x="8472600" y="4663080"/>
+            <a:ext cx="548280" cy="393120"/>
+          </a:xfrm>
+          <a:prstGeom prst="rect">
+            <a:avLst/>
+          </a:prstGeom>
+          <a:noFill/>
+          <a:ln w="0">
+            <a:noFill/>
+          </a:ln>
+        </p:spPr>
+        <p:txBody>
+          <a:bodyPr tIns="91440" bIns="91440" anchor="ctr">
+            <a:normAutofit/>
+          </a:bodyPr>
+          <a:lstStyle>
+            <a:lvl1pPr algn="r">
+              <a:lnSpc>
+                <a:spcPct val="100000"/>
+              </a:lnSpc>
+              <a:buNone/>
+              <a:tabLst>
+                <a:tab pos="0" algn="l"/>
+              </a:tabLst>
+              <a:defRPr lang="it" sz="1000" b="0" strike="noStrike" spc="-1">
+                <a:solidFill>
+                  <a:srgbClr val="595959"/>
+                </a:solidFill>
+                <a:latin typeface="Arial"/>
+                <a:ea typeface="Arial"/>
+              </a:defRPr>
+            </a:lvl1pPr>
+          </a:lstStyle>
+          <a:p>
+            <a:pPr algn="r">
+              <a:lnSpc>
+                <a:spcPct val="100000"/>
+              </a:lnSpc>
+              <a:buNone/>
+              <a:tabLst>
+                <a:tab pos="0" algn="l"/>
+              </a:tabLst>
+            </a:pPr>
+            <a:fld id="{25B94CD5-D627-49BE-818E-4A00F2BB16DF}" type="slidenum">
+              <a:rPr lang="it" sz="1000" b="0" strike="noStrike" spc="-1">
+                <a:solidFill>
+                  <a:srgbClr val="595959"/>
+                </a:solidFill>
+                <a:latin typeface="Arial"/>
+                <a:ea typeface="Arial"/>
+              </a:rPr>
+              <a:t>29</a:t>
+            </a:fld>
+            <a:endParaRPr lang="it-IT" sz="1000" b="0" strike="noStrike" spc="-1">
+              <a:latin typeface="Times New Roman"/>
+            </a:endParaRPr>
+          </a:p>
+        </p:txBody>
+      </p:sp>
+      <p:pic>
+        <p:nvPicPr>
+          <p:cNvPr id="7" name="Immagine 6" descr="Immagine che contiene testo, schermata, diagramma, linea&#10;&#10;Descrizione generata automaticamente">
+            <a:extLst>
+              <a:ext uri="{FF2B5EF4-FFF2-40B4-BE49-F238E27FC236}">
+                <a16:creationId xmlns:a16="http://schemas.microsoft.com/office/drawing/2014/main" id="{7B8AC1D5-D205-E00E-30C5-A6528E259FF4}"/>
+              </a:ext>
+            </a:extLst>
+          </p:cNvPr>
+          <p:cNvPicPr>
+            <a:picLocks noChangeAspect="1"/>
+          </p:cNvPicPr>
+          <p:nvPr/>
+        </p:nvPicPr>
+        <p:blipFill rotWithShape="1">
+          <a:blip r:embed="rId2">
+            <a:extLst>
+              <a:ext uri="{28A0092B-C50C-407E-A947-70E740481C1C}">
+                <a14:useLocalDpi xmlns:a14="http://schemas.microsoft.com/office/drawing/2010/main" val="0"/>
+              </a:ext>
+            </a:extLst>
+          </a:blip>
+          <a:srcRect t="5102"/>
+          <a:stretch/>
+        </p:blipFill>
+        <p:spPr>
+          <a:xfrm>
+            <a:off x="2227394" y="1439101"/>
+            <a:ext cx="3242158" cy="2265298"/>
+          </a:xfrm>
+          <a:prstGeom prst="rect">
+            <a:avLst/>
+          </a:prstGeom>
+          <a:ln>
+            <a:noFill/>
+          </a:ln>
+        </p:spPr>
+      </p:pic>
+      <p:pic>
+        <p:nvPicPr>
+          <p:cNvPr id="11" name="Immagine 10" descr="Immagine che contiene testo, schermata, Carattere, numero&#10;&#10;Descrizione generata automaticamente">
+            <a:extLst>
+              <a:ext uri="{FF2B5EF4-FFF2-40B4-BE49-F238E27FC236}">
+                <a16:creationId xmlns:a16="http://schemas.microsoft.com/office/drawing/2014/main" id="{A364A12D-5752-6A96-DF99-AA3BE9884FE3}"/>
+              </a:ext>
+            </a:extLst>
+          </p:cNvPr>
+          <p:cNvPicPr>
+            <a:picLocks noChangeAspect="1"/>
+          </p:cNvPicPr>
+          <p:nvPr/>
+        </p:nvPicPr>
+        <p:blipFill>
+          <a:blip r:embed="rId3">
+            <a:extLst>
+              <a:ext uri="{28A0092B-C50C-407E-A947-70E740481C1C}">
+                <a14:useLocalDpi xmlns:a14="http://schemas.microsoft.com/office/drawing/2010/main" val="0"/>
+              </a:ext>
+            </a:extLst>
+          </a:blip>
+          <a:stretch>
+            <a:fillRect/>
+          </a:stretch>
+        </p:blipFill>
+        <p:spPr>
+          <a:xfrm>
+            <a:off x="311760" y="1439101"/>
+            <a:ext cx="1915634" cy="1825751"/>
+          </a:xfrm>
+          <a:prstGeom prst="rect">
+            <a:avLst/>
+          </a:prstGeom>
+          <a:ln>
+            <a:noFill/>
+          </a:ln>
+        </p:spPr>
+      </p:pic>
+      <p:pic>
+        <p:nvPicPr>
+          <p:cNvPr id="15" name="Immagine 14" descr="Immagine che contiene testo, schermata, linea, Diagramma&#10;&#10;Descrizione generata automaticamente">
+            <a:extLst>
+              <a:ext uri="{FF2B5EF4-FFF2-40B4-BE49-F238E27FC236}">
+                <a16:creationId xmlns:a16="http://schemas.microsoft.com/office/drawing/2014/main" id="{D71E0DAD-A66A-F13D-F735-F98964D9E0F9}"/>
+              </a:ext>
+            </a:extLst>
+          </p:cNvPr>
+          <p:cNvPicPr>
+            <a:picLocks noChangeAspect="1"/>
+          </p:cNvPicPr>
+          <p:nvPr/>
+        </p:nvPicPr>
+        <p:blipFill>
+          <a:blip r:embed="rId4">
+            <a:extLst>
+              <a:ext uri="{28A0092B-C50C-407E-A947-70E740481C1C}">
+                <a14:useLocalDpi xmlns:a14="http://schemas.microsoft.com/office/drawing/2010/main" val="0"/>
+              </a:ext>
+            </a:extLst>
+          </a:blip>
+          <a:stretch>
+            <a:fillRect/>
+          </a:stretch>
+        </p:blipFill>
+        <p:spPr>
+          <a:xfrm>
+            <a:off x="5469552" y="1439101"/>
+            <a:ext cx="3242158" cy="2265298"/>
+          </a:xfrm>
+          <a:prstGeom prst="rect">
+            <a:avLst/>
+          </a:prstGeom>
+          <a:ln>
+            <a:noFill/>
+          </a:ln>
+        </p:spPr>
+      </p:pic>
+      <p:sp>
+        <p:nvSpPr>
+          <p:cNvPr id="16" name="CasellaDiTesto 15">
+            <a:extLst>
+              <a:ext uri="{FF2B5EF4-FFF2-40B4-BE49-F238E27FC236}">
+                <a16:creationId xmlns:a16="http://schemas.microsoft.com/office/drawing/2014/main" id="{34EA9030-D49A-946A-EE82-303EA4064980}"/>
+              </a:ext>
+            </a:extLst>
+          </p:cNvPr>
+          <p:cNvSpPr txBox="1"/>
+          <p:nvPr/>
+        </p:nvSpPr>
+        <p:spPr>
+          <a:xfrm>
+            <a:off x="308534" y="1131324"/>
+            <a:ext cx="8403175" cy="307777"/>
+          </a:xfrm>
+          <a:prstGeom prst="rect">
+            <a:avLst/>
+          </a:prstGeom>
+          <a:noFill/>
+        </p:spPr>
+        <p:txBody>
+          <a:bodyPr wrap="square" rtlCol="0">
+            <a:spAutoFit/>
+          </a:bodyPr>
+          <a:lstStyle/>
+          <a:p>
+            <a:r>
+              <a:rPr lang="it-IT" sz="1400" b="1" dirty="0"/>
+              <a:t>Figure</a:t>
+            </a:r>
+            <a:r>
+              <a:rPr lang="it-IT" sz="1400" b="1" dirty="0">
+                <a:solidFill>
+                  <a:srgbClr val="FF0000"/>
+                </a:solidFill>
+              </a:rPr>
+              <a:t> k</a:t>
+            </a:r>
+            <a:r>
+              <a:rPr lang="it-IT" sz="1400" dirty="0"/>
+              <a:t>: </a:t>
+            </a:r>
+            <a:r>
+              <a:rPr lang="it-IT" sz="1400" dirty="0" err="1"/>
+              <a:t>Confusion</a:t>
+            </a:r>
+            <a:r>
+              <a:rPr lang="it-IT" sz="1400" dirty="0"/>
+              <a:t> </a:t>
+            </a:r>
+            <a:r>
+              <a:rPr lang="it-IT" sz="1400" dirty="0" err="1"/>
+              <a:t>matrix</a:t>
+            </a:r>
+            <a:r>
+              <a:rPr lang="it-IT" sz="1400" dirty="0"/>
+              <a:t>, learning curve and ROC curve for the Random </a:t>
+            </a:r>
+            <a:r>
+              <a:rPr lang="it-IT" sz="1400" dirty="0" err="1"/>
+              <a:t>Forest</a:t>
+            </a:r>
+            <a:r>
+              <a:rPr lang="it-IT" sz="1400" dirty="0"/>
+              <a:t>, Monk 1 task</a:t>
+            </a:r>
+          </a:p>
+        </p:txBody>
+      </p:sp>
+      <p:sp>
+        <p:nvSpPr>
+          <p:cNvPr id="17" name="CasellaDiTesto 16">
+            <a:extLst>
+              <a:ext uri="{FF2B5EF4-FFF2-40B4-BE49-F238E27FC236}">
+                <a16:creationId xmlns:a16="http://schemas.microsoft.com/office/drawing/2014/main" id="{331140F4-4D7F-79F3-B32B-4E794EAB9ADE}"/>
+              </a:ext>
+            </a:extLst>
+          </p:cNvPr>
+          <p:cNvSpPr txBox="1"/>
+          <p:nvPr/>
+        </p:nvSpPr>
+        <p:spPr>
+          <a:xfrm>
+            <a:off x="308534" y="4061012"/>
+            <a:ext cx="8164066" cy="523220"/>
+          </a:xfrm>
+          <a:prstGeom prst="rect">
+            <a:avLst/>
+          </a:prstGeom>
+          <a:noFill/>
+        </p:spPr>
+        <p:txBody>
+          <a:bodyPr wrap="square" rtlCol="0">
+            <a:spAutoFit/>
+          </a:bodyPr>
+          <a:lstStyle/>
+          <a:p>
+            <a:r>
+              <a:rPr lang="it-IT" sz="1400" dirty="0" err="1">
+                <a:solidFill>
+                  <a:srgbClr val="FF0000"/>
+                </a:solidFill>
+              </a:rPr>
+              <a:t>Interestingly</a:t>
+            </a:r>
+            <a:r>
+              <a:rPr lang="it-IT" sz="1400" dirty="0">
+                <a:solidFill>
+                  <a:srgbClr val="FF0000"/>
+                </a:solidFill>
+              </a:rPr>
+              <a:t>, </a:t>
+            </a:r>
+            <a:r>
+              <a:rPr lang="it-IT" sz="1400" dirty="0" err="1">
+                <a:solidFill>
+                  <a:srgbClr val="FF0000"/>
+                </a:solidFill>
+              </a:rPr>
+              <a:t>all</a:t>
+            </a:r>
+            <a:r>
+              <a:rPr lang="it-IT" sz="1400" dirty="0">
+                <a:solidFill>
+                  <a:srgbClr val="FF0000"/>
+                </a:solidFill>
+              </a:rPr>
+              <a:t> models </a:t>
+            </a:r>
+            <a:r>
+              <a:rPr lang="it-IT" sz="1400" dirty="0" err="1">
+                <a:solidFill>
+                  <a:srgbClr val="FF0000"/>
+                </a:solidFill>
+              </a:rPr>
+              <a:t>but</a:t>
+            </a:r>
+            <a:r>
+              <a:rPr lang="it-IT" sz="1400" dirty="0">
+                <a:solidFill>
+                  <a:srgbClr val="FF0000"/>
+                </a:solidFill>
+              </a:rPr>
+              <a:t> the Random </a:t>
+            </a:r>
+            <a:r>
+              <a:rPr lang="it-IT" sz="1400" dirty="0" err="1">
+                <a:solidFill>
+                  <a:srgbClr val="FF0000"/>
+                </a:solidFill>
+              </a:rPr>
+              <a:t>Forests</a:t>
+            </a:r>
+            <a:r>
+              <a:rPr lang="it-IT" sz="1400" dirty="0">
+                <a:solidFill>
+                  <a:srgbClr val="FF0000"/>
+                </a:solidFill>
+              </a:rPr>
+              <a:t> are </a:t>
+            </a:r>
+            <a:r>
+              <a:rPr lang="it-IT" sz="1400" dirty="0" err="1">
+                <a:solidFill>
+                  <a:srgbClr val="FF0000"/>
+                </a:solidFill>
+              </a:rPr>
+              <a:t>performant</a:t>
+            </a:r>
+            <a:r>
+              <a:rPr lang="it-IT" sz="1400" dirty="0">
+                <a:solidFill>
+                  <a:srgbClr val="FF0000"/>
+                </a:solidFill>
+              </a:rPr>
+              <a:t> in the Monk 1 task.</a:t>
+            </a:r>
+          </a:p>
+          <a:p>
+            <a:r>
+              <a:rPr lang="it-IT" sz="1400" dirty="0" err="1">
+                <a:solidFill>
+                  <a:srgbClr val="FF0000"/>
+                </a:solidFill>
+              </a:rPr>
+              <a:t>We</a:t>
+            </a:r>
+            <a:r>
+              <a:rPr lang="it-IT" sz="1400" dirty="0">
+                <a:solidFill>
+                  <a:srgbClr val="FF0000"/>
+                </a:solidFill>
+              </a:rPr>
+              <a:t> </a:t>
+            </a:r>
+            <a:r>
+              <a:rPr lang="it-IT" sz="1400" dirty="0" err="1">
+                <a:solidFill>
+                  <a:srgbClr val="FF0000"/>
+                </a:solidFill>
+              </a:rPr>
+              <a:t>ran</a:t>
+            </a:r>
+            <a:r>
+              <a:rPr lang="it-IT" sz="1400" dirty="0">
+                <a:solidFill>
+                  <a:srgbClr val="FF0000"/>
+                </a:solidFill>
+              </a:rPr>
+              <a:t> </a:t>
+            </a:r>
+            <a:r>
+              <a:rPr lang="it-IT" sz="1400" dirty="0" err="1">
+                <a:solidFill>
+                  <a:srgbClr val="FF0000"/>
+                </a:solidFill>
+              </a:rPr>
+              <a:t>similar</a:t>
+            </a:r>
+            <a:r>
+              <a:rPr lang="it-IT" sz="1400" dirty="0">
+                <a:solidFill>
+                  <a:srgbClr val="FF0000"/>
+                </a:solidFill>
+              </a:rPr>
+              <a:t> </a:t>
+            </a:r>
+            <a:r>
+              <a:rPr lang="it-IT" sz="1400" dirty="0" err="1">
+                <a:solidFill>
+                  <a:srgbClr val="FF0000"/>
+                </a:solidFill>
+              </a:rPr>
+              <a:t>comparisons</a:t>
+            </a:r>
+            <a:r>
+              <a:rPr lang="it-IT" sz="1400" dirty="0">
+                <a:solidFill>
+                  <a:srgbClr val="FF0000"/>
+                </a:solidFill>
+              </a:rPr>
+              <a:t> in </a:t>
+            </a:r>
+            <a:r>
+              <a:rPr lang="it-IT" sz="1400" dirty="0" err="1">
+                <a:solidFill>
+                  <a:srgbClr val="FF0000"/>
+                </a:solidFill>
+              </a:rPr>
+              <a:t>our</a:t>
+            </a:r>
+            <a:r>
+              <a:rPr lang="it-IT" sz="1400" dirty="0">
+                <a:solidFill>
+                  <a:srgbClr val="FF0000"/>
+                </a:solidFill>
+              </a:rPr>
+              <a:t> </a:t>
+            </a:r>
+            <a:r>
+              <a:rPr lang="it-IT" sz="1400" dirty="0" err="1">
+                <a:solidFill>
+                  <a:srgbClr val="FF0000"/>
+                </a:solidFill>
+                <a:latin typeface="Consolas" panose="020B0609020204030204" pitchFamily="49" charset="0"/>
+              </a:rPr>
+              <a:t>comparison</a:t>
+            </a:r>
+            <a:r>
+              <a:rPr lang="it-IT" sz="1400" dirty="0">
+                <a:solidFill>
+                  <a:srgbClr val="FF0000"/>
+                </a:solidFill>
+              </a:rPr>
+              <a:t> notebooks for the </a:t>
+            </a:r>
+            <a:r>
+              <a:rPr lang="it-IT" sz="1400" dirty="0" err="1">
+                <a:solidFill>
+                  <a:srgbClr val="FF0000"/>
+                </a:solidFill>
+              </a:rPr>
+              <a:t>other</a:t>
+            </a:r>
+            <a:r>
+              <a:rPr lang="it-IT" sz="1400" dirty="0">
+                <a:solidFill>
+                  <a:srgbClr val="FF0000"/>
+                </a:solidFill>
+              </a:rPr>
+              <a:t> Monk tasks.</a:t>
+            </a:r>
+          </a:p>
+        </p:txBody>
+      </p:sp>
+    </p:spTree>
+    <p:extLst>
+      <p:ext uri="{BB962C8B-B14F-4D97-AF65-F5344CB8AC3E}">
+        <p14:creationId xmlns:p14="http://schemas.microsoft.com/office/powerpoint/2010/main" val="331143378"/>
+      </p:ext>
+    </p:extLst>
+  </p:cSld>
+  <p:clrMapOvr>
+    <a:masterClrMapping/>
+  </p:clrMapOvr>
+</p:sld>
+</file>
+
+<file path=ppt/slides/slide3.xml><?xml version="1.0" encoding="utf-8"?>
+<p:sld xmlns:a="http://schemas.openxmlformats.org/drawingml/2006/main" xmlns:r="http://schemas.openxmlformats.org/officeDocument/2006/relationships" xmlns:p="http://schemas.openxmlformats.org/presentationml/2006/main">
+  <p:cSld>
+    <p:spTree>
+      <p:nvGrpSpPr>
+        <p:cNvPr id="1" name=""/>
+        <p:cNvGrpSpPr/>
+        <p:nvPr/>
+      </p:nvGrpSpPr>
+      <p:grpSpPr>
+        <a:xfrm>
+          <a:off x="0" y="0"/>
+          <a:ext cx="0" cy="0"/>
+          <a:chOff x="0" y="0"/>
+          <a:chExt cx="0" cy="0"/>
+        </a:xfrm>
+      </p:grpSpPr>
+      <p:sp>
+        <p:nvSpPr>
+          <p:cNvPr id="83" name="PlaceHolder 3"/>
+          <p:cNvSpPr>
+            <a:spLocks noGrp="1"/>
+          </p:cNvSpPr>
+          <p:nvPr>
+            <p:ph type="sldNum" idx="3"/>
+          </p:nvPr>
+        </p:nvSpPr>
+        <p:spPr>
+          <a:xfrm>
+            <a:off x="8472600" y="4663080"/>
+            <a:ext cx="548280" cy="393120"/>
+          </a:xfrm>
+          <a:prstGeom prst="rect">
+            <a:avLst/>
+          </a:prstGeom>
+          <a:noFill/>
+          <a:ln w="0">
+            <a:noFill/>
+          </a:ln>
+        </p:spPr>
+        <p:txBody>
+          <a:bodyPr tIns="91440" bIns="91440" anchor="ctr">
+            <a:normAutofit/>
+          </a:bodyPr>
+          <a:lstStyle>
+            <a:lvl1pPr algn="r">
+              <a:lnSpc>
+                <a:spcPct val="100000"/>
+              </a:lnSpc>
+              <a:buNone/>
+              <a:tabLst>
+                <a:tab pos="0" algn="l"/>
+              </a:tabLst>
+              <a:defRPr lang="it" sz="1000" b="0" strike="noStrike" spc="-1">
+                <a:solidFill>
+                  <a:srgbClr val="595959"/>
+                </a:solidFill>
+                <a:latin typeface="Arial"/>
+                <a:ea typeface="Arial"/>
+              </a:defRPr>
+            </a:lvl1pPr>
+          </a:lstStyle>
+          <a:p>
+            <a:pPr algn="r">
+              <a:lnSpc>
+                <a:spcPct val="100000"/>
+              </a:lnSpc>
+              <a:buNone/>
+              <a:tabLst>
+                <a:tab pos="0" algn="l"/>
+              </a:tabLst>
+            </a:pPr>
+            <a:fld id="{CDE5831E-EF50-4AF8-82C3-EBDE88F03D8C}" type="slidenum">
+              <a:rPr lang="it" sz="1000" b="0" strike="noStrike" spc="-1">
+                <a:solidFill>
+                  <a:srgbClr val="595959"/>
+                </a:solidFill>
+                <a:latin typeface="Arial"/>
+                <a:ea typeface="Arial"/>
+              </a:rPr>
+              <a:t>3</a:t>
+            </a:fld>
+            <a:endParaRPr lang="it-IT" sz="1000" b="0" strike="noStrike" spc="-1" dirty="0">
+              <a:latin typeface="Times New Roman"/>
+            </a:endParaRPr>
+          </a:p>
+        </p:txBody>
+      </p:sp>
+      <p:sp>
+        <p:nvSpPr>
+          <p:cNvPr id="4" name="PlaceHolder 1">
+            <a:extLst>
+              <a:ext uri="{FF2B5EF4-FFF2-40B4-BE49-F238E27FC236}">
+                <a16:creationId xmlns:a16="http://schemas.microsoft.com/office/drawing/2014/main" id="{80C918E8-6CF7-0E0B-D3EF-88419C82AA81}"/>
+              </a:ext>
+            </a:extLst>
+          </p:cNvPr>
+          <p:cNvSpPr txBox="1">
+            <a:spLocks/>
+          </p:cNvSpPr>
+          <p:nvPr/>
+        </p:nvSpPr>
+        <p:spPr>
+          <a:xfrm>
+            <a:off x="311760" y="0"/>
+            <a:ext cx="8520120" cy="576000"/>
+          </a:xfrm>
+          <a:prstGeom prst="rect">
+            <a:avLst/>
+          </a:prstGeom>
+          <a:noFill/>
+          <a:ln w="0">
+            <a:noFill/>
+          </a:ln>
+        </p:spPr>
+        <p:txBody>
+          <a:bodyPr lIns="0" tIns="91440" rIns="0" bIns="91440" anchor="t">
+            <a:normAutofit fontScale="97500"/>
+          </a:bodyPr>
+          <a:lstStyle>
+            <a:lvl1pPr algn="l" defTabSz="914400" rtl="0" eaLnBrk="1" latinLnBrk="0" hangingPunct="1">
+              <a:lnSpc>
+                <a:spcPct val="90000"/>
+              </a:lnSpc>
+              <a:spcBef>
+                <a:spcPct val="0"/>
+              </a:spcBef>
+              <a:buNone/>
+              <a:defRPr sz="4400" kern="1200">
+                <a:solidFill>
+                  <a:schemeClr val="tx1"/>
+                </a:solidFill>
+                <a:latin typeface="+mj-lt"/>
+                <a:ea typeface="+mj-ea"/>
+                <a:cs typeface="+mj-cs"/>
+              </a:defRPr>
+            </a:lvl1pPr>
+          </a:lstStyle>
+          <a:p>
+            <a:pPr>
+              <a:lnSpc>
+                <a:spcPct val="100000"/>
+              </a:lnSpc>
+              <a:tabLst>
+                <a:tab pos="0" algn="l"/>
+              </a:tabLst>
+            </a:pPr>
+            <a:r>
+              <a:rPr lang="it" sz="2500" spc="-1" dirty="0">
+                <a:solidFill>
+                  <a:srgbClr val="000000"/>
+                </a:solidFill>
+                <a:latin typeface="Arial"/>
+                <a:ea typeface="Arial"/>
+              </a:rPr>
+              <a:t>Code structure, models overview </a:t>
+            </a:r>
+            <a:r>
+              <a:rPr lang="it" sz="2500" spc="-1" dirty="0">
+                <a:solidFill>
+                  <a:srgbClr val="FF0000"/>
+                </a:solidFill>
+                <a:latin typeface="Arial"/>
+                <a:ea typeface="Arial"/>
+              </a:rPr>
+              <a:t>da rivedere</a:t>
+            </a:r>
+            <a:endParaRPr lang="it-IT" sz="2400" spc="-1" dirty="0">
+              <a:solidFill>
+                <a:srgbClr val="FF0000"/>
+              </a:solidFill>
+              <a:latin typeface="Arial"/>
+            </a:endParaRPr>
+          </a:p>
+        </p:txBody>
+      </p:sp>
+      <p:sp>
+        <p:nvSpPr>
+          <p:cNvPr id="3" name="CasellaDiTesto 2">
+            <a:extLst>
+              <a:ext uri="{FF2B5EF4-FFF2-40B4-BE49-F238E27FC236}">
+                <a16:creationId xmlns:a16="http://schemas.microsoft.com/office/drawing/2014/main" id="{21F77B32-FB82-2079-F53B-1131754C4D18}"/>
+              </a:ext>
+            </a:extLst>
+          </p:cNvPr>
+          <p:cNvSpPr txBox="1"/>
+          <p:nvPr/>
+        </p:nvSpPr>
+        <p:spPr>
+          <a:xfrm>
+            <a:off x="311761" y="693013"/>
+            <a:ext cx="8520119" cy="1600438"/>
+          </a:xfrm>
+          <a:prstGeom prst="rect">
+            <a:avLst/>
+          </a:prstGeom>
+          <a:noFill/>
+        </p:spPr>
+        <p:txBody>
+          <a:bodyPr wrap="square" rtlCol="0">
+            <a:spAutoFit/>
+          </a:bodyPr>
+          <a:lstStyle/>
+          <a:p>
+            <a:r>
+              <a:rPr lang="it-IT" sz="1400" dirty="0"/>
+              <a:t>Basic </a:t>
+            </a:r>
+            <a:r>
+              <a:rPr lang="it-IT" sz="1400" dirty="0" err="1"/>
+              <a:t>structure</a:t>
+            </a:r>
+            <a:r>
+              <a:rPr lang="it-IT" sz="1400" dirty="0"/>
+              <a:t> of the code: </a:t>
+            </a:r>
+          </a:p>
+          <a:p>
+            <a:pPr marL="285750" indent="-285750">
+              <a:buFont typeface="Arial" panose="020B0604020202020204" pitchFamily="34" charset="0"/>
+              <a:buChar char="•"/>
+            </a:pPr>
+            <a:r>
+              <a:rPr lang="it-IT" sz="1400" dirty="0">
+                <a:hlinkClick r:id="rId2"/>
+              </a:rPr>
+              <a:t>GitHub repo</a:t>
+            </a:r>
+            <a:r>
+              <a:rPr lang="it-IT" sz="1400" dirty="0"/>
+              <a:t> in </a:t>
+            </a:r>
+            <a:r>
+              <a:rPr lang="it-IT" sz="1400" dirty="0" err="1"/>
+              <a:t>which</a:t>
+            </a:r>
+            <a:r>
+              <a:rPr lang="it-IT" sz="1400" dirty="0"/>
+              <a:t> </a:t>
+            </a:r>
+            <a:r>
+              <a:rPr lang="it-IT" sz="1400" dirty="0" err="1"/>
+              <a:t>we</a:t>
+            </a:r>
+            <a:r>
+              <a:rPr lang="it-IT" sz="1400" dirty="0"/>
+              <a:t> </a:t>
+            </a:r>
+            <a:r>
+              <a:rPr lang="it-IT" sz="1400" dirty="0" err="1"/>
+              <a:t>stored</a:t>
+            </a:r>
+            <a:r>
+              <a:rPr lang="it-IT" sz="1400" dirty="0"/>
+              <a:t> the datasets, images, notebooks and </a:t>
+            </a:r>
+            <a:r>
+              <a:rPr lang="it-IT" sz="1400" dirty="0" err="1"/>
+              <a:t>saved</a:t>
+            </a:r>
+            <a:r>
+              <a:rPr lang="it-IT" sz="1400" dirty="0"/>
+              <a:t> models. </a:t>
+            </a:r>
+          </a:p>
+          <a:p>
+            <a:pPr marL="285750" indent="-285750">
+              <a:buFont typeface="Arial" panose="020B0604020202020204" pitchFamily="34" charset="0"/>
+              <a:buChar char="•"/>
+            </a:pPr>
+            <a:r>
+              <a:rPr lang="it-IT" sz="1400" dirty="0"/>
+              <a:t>A notebook for </a:t>
+            </a:r>
+            <a:r>
+              <a:rPr lang="it-IT" sz="1400" dirty="0" err="1"/>
+              <a:t>each</a:t>
+            </a:r>
+            <a:r>
+              <a:rPr lang="it-IT" sz="1400" dirty="0"/>
+              <a:t> of the </a:t>
+            </a:r>
+            <a:r>
+              <a:rPr lang="it-IT" sz="1400" dirty="0" err="1"/>
+              <a:t>three</a:t>
+            </a:r>
+            <a:r>
+              <a:rPr lang="it-IT" sz="1400" dirty="0"/>
+              <a:t> classes of models, for </a:t>
+            </a:r>
+            <a:r>
+              <a:rPr lang="it-IT" sz="1400" dirty="0" err="1"/>
+              <a:t>each</a:t>
+            </a:r>
+            <a:r>
+              <a:rPr lang="it-IT" sz="1400" dirty="0"/>
+              <a:t> of the </a:t>
+            </a:r>
+            <a:r>
+              <a:rPr lang="it-IT" sz="1400" dirty="0" err="1"/>
+              <a:t>two</a:t>
+            </a:r>
+            <a:r>
+              <a:rPr lang="it-IT" sz="1400" dirty="0"/>
+              <a:t> tasks.</a:t>
+            </a:r>
+          </a:p>
+          <a:p>
+            <a:pPr marL="285750" indent="-285750">
+              <a:buFont typeface="Arial" panose="020B0604020202020204" pitchFamily="34" charset="0"/>
+              <a:buChar char="•"/>
+            </a:pPr>
+            <a:r>
+              <a:rPr lang="it-IT" sz="1400" dirty="0"/>
+              <a:t>In </a:t>
+            </a:r>
+            <a:r>
+              <a:rPr lang="it-IT" sz="1400" dirty="0" err="1"/>
+              <a:t>each</a:t>
+            </a:r>
+            <a:r>
+              <a:rPr lang="it-IT" sz="1400" dirty="0"/>
+              <a:t> notebook: import and </a:t>
+            </a:r>
+            <a:r>
+              <a:rPr lang="it-IT" sz="1400" dirty="0" err="1"/>
+              <a:t>process</a:t>
+            </a:r>
+            <a:r>
+              <a:rPr lang="it-IT" sz="1400" dirty="0"/>
+              <a:t> the data, create the model (</a:t>
+            </a:r>
+            <a:r>
+              <a:rPr lang="it-IT" sz="1400" dirty="0" err="1"/>
+              <a:t>often</a:t>
+            </a:r>
+            <a:r>
+              <a:rPr lang="it-IT" sz="1400" dirty="0"/>
+              <a:t> by </a:t>
+            </a:r>
+            <a:r>
+              <a:rPr lang="it-IT" sz="1400" dirty="0" err="1"/>
+              <a:t>calling</a:t>
+            </a:r>
+            <a:r>
+              <a:rPr lang="it-IT" sz="1400" dirty="0"/>
+              <a:t> a </a:t>
+            </a:r>
+            <a:r>
+              <a:rPr lang="it-IT" sz="1400" dirty="0" err="1"/>
+              <a:t>function</a:t>
+            </a:r>
+            <a:r>
+              <a:rPr lang="it-IT" sz="1400" dirty="0"/>
+              <a:t> </a:t>
+            </a:r>
+            <a:r>
+              <a:rPr lang="it-IT" sz="1400" dirty="0" err="1"/>
+              <a:t>provided</a:t>
+            </a:r>
+            <a:r>
+              <a:rPr lang="it-IT" sz="1400" dirty="0"/>
+              <a:t> by the library), set up the </a:t>
+            </a:r>
+            <a:r>
+              <a:rPr lang="it-IT" sz="1400" dirty="0" err="1"/>
+              <a:t>grid</a:t>
+            </a:r>
+            <a:r>
+              <a:rPr lang="it-IT" sz="1400" dirty="0"/>
+              <a:t> </a:t>
+            </a:r>
+            <a:r>
+              <a:rPr lang="it-IT" sz="1400" dirty="0" err="1"/>
+              <a:t>search</a:t>
+            </a:r>
+            <a:r>
+              <a:rPr lang="it-IT" sz="1400" dirty="0"/>
+              <a:t> and training </a:t>
+            </a:r>
+            <a:r>
+              <a:rPr lang="it-IT" sz="1400" dirty="0" err="1"/>
+              <a:t>process</a:t>
+            </a:r>
+            <a:r>
+              <a:rPr lang="it-IT" sz="1400" dirty="0"/>
+              <a:t>, </a:t>
+            </a:r>
+            <a:r>
+              <a:rPr lang="it-IT" sz="1400" dirty="0" err="1"/>
+              <a:t>select</a:t>
+            </a:r>
+            <a:r>
+              <a:rPr lang="it-IT" sz="1400" dirty="0"/>
+              <a:t> best </a:t>
+            </a:r>
+            <a:r>
+              <a:rPr lang="it-IT" sz="1400" dirty="0" err="1"/>
+              <a:t>hyperparameters</a:t>
+            </a:r>
+            <a:r>
+              <a:rPr lang="it-IT" sz="1400" dirty="0"/>
+              <a:t> and plot the learning curve, </a:t>
+            </a:r>
+            <a:r>
+              <a:rPr lang="it-IT" sz="1400" dirty="0" err="1"/>
+              <a:t>save</a:t>
+            </a:r>
+            <a:r>
+              <a:rPr lang="it-IT" sz="1400" dirty="0"/>
+              <a:t> the model</a:t>
+            </a:r>
+          </a:p>
+          <a:p>
+            <a:pPr marL="285750" indent="-285750">
+              <a:buFont typeface="Arial" panose="020B0604020202020204" pitchFamily="34" charset="0"/>
+              <a:buChar char="•"/>
+            </a:pPr>
+            <a:r>
+              <a:rPr lang="it-IT" sz="1400" dirty="0"/>
+              <a:t>Extra notebooks for data </a:t>
+            </a:r>
+            <a:r>
+              <a:rPr lang="it-IT" sz="1400" dirty="0" err="1"/>
+              <a:t>exploration</a:t>
+            </a:r>
+            <a:r>
+              <a:rPr lang="it-IT" sz="1400" dirty="0"/>
+              <a:t> and models </a:t>
+            </a:r>
+            <a:r>
+              <a:rPr lang="it-IT" sz="1400" dirty="0" err="1"/>
+              <a:t>comparison</a:t>
+            </a:r>
+            <a:endParaRPr lang="it-IT" sz="1400" dirty="0"/>
+          </a:p>
+        </p:txBody>
+      </p:sp>
+      <p:sp>
+        <p:nvSpPr>
+          <p:cNvPr id="11" name="CasellaDiTesto 10">
+            <a:extLst>
+              <a:ext uri="{FF2B5EF4-FFF2-40B4-BE49-F238E27FC236}">
+                <a16:creationId xmlns:a16="http://schemas.microsoft.com/office/drawing/2014/main" id="{003EBDB9-88F0-E455-63E2-1D1CE308D764}"/>
+              </a:ext>
+            </a:extLst>
+          </p:cNvPr>
+          <p:cNvSpPr txBox="1"/>
+          <p:nvPr/>
+        </p:nvSpPr>
+        <p:spPr>
+          <a:xfrm>
+            <a:off x="311760" y="3996932"/>
+            <a:ext cx="8520120" cy="523220"/>
+          </a:xfrm>
+          <a:prstGeom prst="rect">
+            <a:avLst/>
+          </a:prstGeom>
+          <a:noFill/>
+        </p:spPr>
+        <p:txBody>
+          <a:bodyPr wrap="square" rtlCol="0">
+            <a:spAutoFit/>
+          </a:bodyPr>
+          <a:lstStyle/>
+          <a:p>
+            <a:r>
+              <a:rPr lang="it-IT" sz="1400" dirty="0"/>
+              <a:t>For </a:t>
+            </a:r>
+            <a:r>
+              <a:rPr lang="it-IT" sz="1400" dirty="0" err="1"/>
+              <a:t>all</a:t>
+            </a:r>
+            <a:r>
+              <a:rPr lang="it-IT" sz="1400" dirty="0"/>
+              <a:t> </a:t>
+            </a:r>
+            <a:r>
+              <a:rPr lang="it-IT" sz="1400" dirty="0" err="1"/>
+              <a:t>these</a:t>
+            </a:r>
+            <a:r>
+              <a:rPr lang="it-IT" sz="1400" dirty="0"/>
+              <a:t> models </a:t>
+            </a:r>
+            <a:r>
+              <a:rPr lang="it-IT" sz="1400" dirty="0" err="1"/>
+              <a:t>we</a:t>
+            </a:r>
+            <a:r>
+              <a:rPr lang="it-IT" sz="1400" dirty="0"/>
+              <a:t> </a:t>
+            </a:r>
+            <a:r>
+              <a:rPr lang="it-IT" sz="1400" dirty="0" err="1"/>
+              <a:t>tried</a:t>
+            </a:r>
+            <a:r>
+              <a:rPr lang="it-IT" sz="1400" dirty="0"/>
+              <a:t> out </a:t>
+            </a:r>
+            <a:r>
+              <a:rPr lang="it-IT" sz="1400" dirty="0" err="1"/>
+              <a:t>many</a:t>
+            </a:r>
+            <a:r>
+              <a:rPr lang="it-IT" sz="1400" dirty="0"/>
+              <a:t> </a:t>
+            </a:r>
+            <a:r>
+              <a:rPr lang="it-IT" sz="1400" dirty="0" err="1"/>
+              <a:t>configurations</a:t>
+            </a:r>
+            <a:r>
+              <a:rPr lang="it-IT" sz="1400" dirty="0"/>
+              <a:t> of </a:t>
+            </a:r>
+            <a:r>
+              <a:rPr lang="it-IT" sz="1400" dirty="0" err="1"/>
+              <a:t>hyperparameters</a:t>
+            </a:r>
+            <a:r>
+              <a:rPr lang="it-IT" sz="1400" dirty="0"/>
+              <a:t>. </a:t>
+            </a:r>
+            <a:r>
+              <a:rPr lang="it-IT" sz="1400" dirty="0">
+                <a:solidFill>
+                  <a:srgbClr val="FF0000"/>
+                </a:solidFill>
+              </a:rPr>
+              <a:t>Precise </a:t>
+            </a:r>
+            <a:r>
+              <a:rPr lang="it-IT" sz="1400" dirty="0" err="1">
+                <a:solidFill>
+                  <a:srgbClr val="FF0000"/>
+                </a:solidFill>
+              </a:rPr>
+              <a:t>details</a:t>
+            </a:r>
+            <a:r>
+              <a:rPr lang="it-IT" sz="1400" dirty="0">
+                <a:solidFill>
+                  <a:srgbClr val="FF0000"/>
+                </a:solidFill>
+              </a:rPr>
+              <a:t> </a:t>
+            </a:r>
+            <a:r>
+              <a:rPr lang="it-IT" sz="1400" dirty="0" err="1">
+                <a:solidFill>
+                  <a:srgbClr val="FF0000"/>
+                </a:solidFill>
+              </a:rPr>
+              <a:t>will</a:t>
+            </a:r>
+            <a:r>
+              <a:rPr lang="it-IT" sz="1400" dirty="0">
+                <a:solidFill>
+                  <a:srgbClr val="FF0000"/>
+                </a:solidFill>
+              </a:rPr>
+              <a:t> be </a:t>
+            </a:r>
+            <a:r>
+              <a:rPr lang="it-IT" sz="1400" dirty="0" err="1">
+                <a:solidFill>
+                  <a:srgbClr val="FF0000"/>
+                </a:solidFill>
+              </a:rPr>
+              <a:t>given</a:t>
+            </a:r>
+            <a:r>
+              <a:rPr lang="it-IT" sz="1400" dirty="0">
+                <a:solidFill>
+                  <a:srgbClr val="FF0000"/>
+                </a:solidFill>
+              </a:rPr>
+              <a:t> </a:t>
+            </a:r>
+            <a:r>
+              <a:rPr lang="it-IT" sz="1400" dirty="0" err="1">
+                <a:solidFill>
+                  <a:srgbClr val="FF0000"/>
+                </a:solidFill>
+              </a:rPr>
+              <a:t>later</a:t>
+            </a:r>
+            <a:r>
+              <a:rPr lang="it-IT" sz="1400" dirty="0">
+                <a:solidFill>
+                  <a:srgbClr val="FF0000"/>
+                </a:solidFill>
+              </a:rPr>
+              <a:t>. </a:t>
+            </a:r>
+          </a:p>
+        </p:txBody>
+      </p:sp>
+      <p:sp>
+        <p:nvSpPr>
+          <p:cNvPr id="5" name="CasellaDiTesto 4">
+            <a:extLst>
+              <a:ext uri="{FF2B5EF4-FFF2-40B4-BE49-F238E27FC236}">
+                <a16:creationId xmlns:a16="http://schemas.microsoft.com/office/drawing/2014/main" id="{A25770F8-1FA1-1D5E-D768-E47CF7ED482A}"/>
+              </a:ext>
+            </a:extLst>
+          </p:cNvPr>
+          <p:cNvSpPr txBox="1"/>
+          <p:nvPr/>
+        </p:nvSpPr>
+        <p:spPr>
+          <a:xfrm>
+            <a:off x="311760" y="2802701"/>
+            <a:ext cx="8520120" cy="738664"/>
+          </a:xfrm>
+          <a:prstGeom prst="rect">
+            <a:avLst/>
+          </a:prstGeom>
+          <a:noFill/>
+        </p:spPr>
+        <p:txBody>
+          <a:bodyPr wrap="square" rtlCol="0">
+            <a:spAutoFit/>
+          </a:bodyPr>
+          <a:lstStyle/>
+          <a:p>
+            <a:r>
+              <a:rPr lang="it-IT" sz="1400" dirty="0" err="1"/>
+              <a:t>We</a:t>
+            </a:r>
+            <a:r>
+              <a:rPr lang="it-IT" sz="1400" dirty="0"/>
+              <a:t> </a:t>
+            </a:r>
+            <a:r>
+              <a:rPr lang="it-IT" sz="1400" dirty="0" err="1"/>
+              <a:t>used</a:t>
+            </a:r>
+            <a:r>
+              <a:rPr lang="it-IT" sz="1400" dirty="0"/>
+              <a:t> the </a:t>
+            </a:r>
+            <a:r>
+              <a:rPr lang="it-IT" sz="1400" b="1" dirty="0"/>
+              <a:t>Random </a:t>
+            </a:r>
+            <a:r>
+              <a:rPr lang="it-IT" sz="1400" b="1" dirty="0" err="1"/>
+              <a:t>Forests</a:t>
+            </a:r>
+            <a:r>
+              <a:rPr lang="it-IT" sz="1400" dirty="0"/>
+              <a:t> and </a:t>
+            </a:r>
+            <a:r>
+              <a:rPr lang="it-IT" sz="1400" b="1" dirty="0" err="1"/>
+              <a:t>SVM</a:t>
+            </a:r>
+            <a:r>
+              <a:rPr lang="it-IT" sz="1400" dirty="0" err="1"/>
+              <a:t>s</a:t>
+            </a:r>
+            <a:r>
+              <a:rPr lang="it-IT" sz="1400" dirty="0"/>
+              <a:t> from </a:t>
+            </a:r>
+            <a:r>
+              <a:rPr lang="it-IT" sz="1400" dirty="0" err="1"/>
+              <a:t>Scikit-Learn</a:t>
+            </a:r>
+            <a:r>
+              <a:rPr lang="it-IT" sz="1400" dirty="0"/>
+              <a:t>, and </a:t>
+            </a:r>
+            <a:r>
+              <a:rPr lang="it-IT" sz="1400" dirty="0" err="1"/>
+              <a:t>implemented</a:t>
+            </a:r>
+            <a:r>
+              <a:rPr lang="it-IT" sz="1400" dirty="0"/>
+              <a:t> a </a:t>
+            </a:r>
+            <a:r>
+              <a:rPr lang="it-IT" sz="1400" dirty="0" err="1"/>
+              <a:t>multilayer</a:t>
+            </a:r>
+            <a:r>
+              <a:rPr lang="it-IT" sz="1400" dirty="0"/>
+              <a:t> </a:t>
+            </a:r>
+            <a:r>
+              <a:rPr lang="it-IT" sz="1400" dirty="0" err="1"/>
+              <a:t>feedforward</a:t>
+            </a:r>
+            <a:r>
+              <a:rPr lang="it-IT" sz="1400" dirty="0"/>
+              <a:t> </a:t>
+            </a:r>
+            <a:r>
+              <a:rPr lang="it-IT" sz="1400" b="1" dirty="0" err="1"/>
+              <a:t>Neural</a:t>
+            </a:r>
+            <a:r>
+              <a:rPr lang="it-IT" sz="1400" b="1" dirty="0"/>
+              <a:t> Network</a:t>
+            </a:r>
+            <a:r>
+              <a:rPr lang="it-IT" sz="1400" dirty="0"/>
+              <a:t> </a:t>
+            </a:r>
+            <a:r>
+              <a:rPr lang="it-IT" sz="1400" dirty="0" err="1"/>
+              <a:t>using</a:t>
+            </a:r>
+            <a:r>
+              <a:rPr lang="it-IT" sz="1400" dirty="0"/>
+              <a:t> </a:t>
+            </a:r>
+            <a:r>
+              <a:rPr lang="it-IT" sz="1400" dirty="0" err="1"/>
+              <a:t>Keras</a:t>
+            </a:r>
+            <a:r>
+              <a:rPr lang="it-IT" sz="1400" dirty="0"/>
+              <a:t>. The </a:t>
+            </a:r>
+            <a:r>
+              <a:rPr lang="it-IT" sz="1400" dirty="0" err="1">
+                <a:latin typeface="Consolas" panose="020B0609020204030204" pitchFamily="49" charset="0"/>
+              </a:rPr>
+              <a:t>NeuralNetwork</a:t>
+            </a:r>
+            <a:r>
+              <a:rPr lang="it-IT" sz="1400" dirty="0"/>
+              <a:t> classes in </a:t>
+            </a:r>
+            <a:r>
+              <a:rPr lang="it-IT" sz="1400" dirty="0" err="1"/>
+              <a:t>our</a:t>
+            </a:r>
+            <a:r>
+              <a:rPr lang="it-IT" sz="1400" dirty="0"/>
+              <a:t> code </a:t>
+            </a:r>
+            <a:r>
+              <a:rPr lang="it-IT" sz="1400" dirty="0" err="1"/>
+              <a:t>is</a:t>
+            </a:r>
+            <a:r>
+              <a:rPr lang="it-IT" sz="1400" dirty="0"/>
+              <a:t> </a:t>
+            </a:r>
+            <a:r>
+              <a:rPr lang="it-IT" sz="1400" dirty="0" err="1"/>
+              <a:t>designed</a:t>
+            </a:r>
+            <a:r>
+              <a:rPr lang="it-IT" sz="1400" dirty="0"/>
+              <a:t> to be </a:t>
+            </a:r>
+            <a:r>
+              <a:rPr lang="it-IT" sz="1400" dirty="0" err="1"/>
+              <a:t>seamless</a:t>
+            </a:r>
+            <a:r>
+              <a:rPr lang="it-IT" sz="1400" dirty="0"/>
+              <a:t> </a:t>
+            </a:r>
+            <a:r>
+              <a:rPr lang="it-IT" sz="1400" dirty="0" err="1"/>
+              <a:t>integrated</a:t>
+            </a:r>
+            <a:r>
+              <a:rPr lang="it-IT" sz="1400" dirty="0"/>
+              <a:t> with </a:t>
+            </a:r>
+            <a:r>
+              <a:rPr lang="it-IT" sz="1400" dirty="0" err="1"/>
+              <a:t>Scikit-Learn</a:t>
+            </a:r>
+            <a:r>
+              <a:rPr lang="it-IT" sz="1400" dirty="0"/>
+              <a:t> </a:t>
+            </a:r>
+            <a:r>
+              <a:rPr lang="it-IT" sz="1400" dirty="0" err="1"/>
+              <a:t>while</a:t>
+            </a:r>
+            <a:r>
+              <a:rPr lang="it-IT" sz="1400" dirty="0"/>
+              <a:t> </a:t>
+            </a:r>
+            <a:r>
+              <a:rPr lang="it-IT" sz="1400" dirty="0" err="1"/>
+              <a:t>also</a:t>
+            </a:r>
+            <a:r>
+              <a:rPr lang="it-IT" sz="1400" dirty="0"/>
+              <a:t> be </a:t>
+            </a:r>
+            <a:r>
+              <a:rPr lang="it-IT" sz="1400" dirty="0" err="1"/>
+              <a:t>usable</a:t>
+            </a:r>
+            <a:r>
+              <a:rPr lang="it-IT" sz="1400" dirty="0"/>
+              <a:t> </a:t>
+            </a:r>
+            <a:r>
+              <a:rPr lang="it-IT" sz="1400" dirty="0" err="1"/>
+              <a:t>without</a:t>
+            </a:r>
+            <a:r>
+              <a:rPr lang="it-IT" sz="1400" dirty="0"/>
+              <a:t> </a:t>
+            </a:r>
+            <a:r>
+              <a:rPr lang="it-IT" sz="1400" dirty="0" err="1"/>
+              <a:t>it</a:t>
+            </a:r>
+            <a:r>
+              <a:rPr lang="it-IT" sz="1400" dirty="0"/>
+              <a:t>. </a:t>
+            </a:r>
+          </a:p>
+        </p:txBody>
+      </p:sp>
+    </p:spTree>
+    <p:extLst>
+      <p:ext uri="{BB962C8B-B14F-4D97-AF65-F5344CB8AC3E}">
+        <p14:creationId xmlns:p14="http://schemas.microsoft.com/office/powerpoint/2010/main" val="2850000877"/>
+      </p:ext>
+    </p:extLst>
+  </p:cSld>
+  <p:clrMapOvr>
+    <a:masterClrMapping/>
+  </p:clrMapOvr>
+</p:sld>
+</file>
+
+<file path=ppt/slides/slide30.xml><?xml version="1.0" encoding="utf-8"?>
+<p:sld xmlns:a="http://schemas.openxmlformats.org/drawingml/2006/main" xmlns:r="http://schemas.openxmlformats.org/officeDocument/2006/relationships" xmlns:p="http://schemas.openxmlformats.org/presentationml/2006/main">
+  <p:cSld>
+    <p:spTree>
+      <p:nvGrpSpPr>
+        <p:cNvPr id="1" name=""/>
+        <p:cNvGrpSpPr/>
+        <p:nvPr/>
+      </p:nvGrpSpPr>
+      <p:grpSpPr>
+        <a:xfrm>
+          <a:off x="0" y="0"/>
+          <a:ext cx="0" cy="0"/>
+          <a:chOff x="0" y="0"/>
+          <a:chExt cx="0" cy="0"/>
+        </a:xfrm>
+      </p:grpSpPr>
+      <p:sp>
+        <p:nvSpPr>
+          <p:cNvPr id="120" name="PlaceHolder 1"/>
+          <p:cNvSpPr>
+            <a:spLocks noGrp="1"/>
+          </p:cNvSpPr>
+          <p:nvPr>
+            <p:ph type="title"/>
+          </p:nvPr>
+        </p:nvSpPr>
+        <p:spPr>
+          <a:xfrm>
+            <a:off x="311760" y="0"/>
+            <a:ext cx="8520120" cy="792000"/>
+          </a:xfrm>
+          <a:prstGeom prst="rect">
+            <a:avLst/>
+          </a:prstGeom>
+          <a:noFill/>
+          <a:ln w="0">
+            <a:noFill/>
+          </a:ln>
+        </p:spPr>
+        <p:txBody>
+          <a:bodyPr tIns="91440" bIns="91440" anchor="t">
+            <a:normAutofit fontScale="90000"/>
+          </a:bodyPr>
+          <a:lstStyle/>
+          <a:p>
+            <a:pPr>
+              <a:lnSpc>
+                <a:spcPct val="100000"/>
+              </a:lnSpc>
+              <a:buNone/>
+              <a:tabLst>
+                <a:tab pos="0" algn="l"/>
+              </a:tabLst>
+            </a:pPr>
+            <a:r>
+              <a:rPr lang="it" sz="2400" b="0" strike="noStrike" spc="-1" dirty="0">
+                <a:solidFill>
+                  <a:srgbClr val="000000"/>
+                </a:solidFill>
+                <a:latin typeface="Arial"/>
+                <a:ea typeface="Arial"/>
+              </a:rPr>
+              <a:t>Appendix – 5</a:t>
+            </a:r>
+            <a:br>
+              <a:rPr lang="it" sz="2400" b="0" strike="noStrike" spc="-1" dirty="0">
+                <a:solidFill>
+                  <a:srgbClr val="000000"/>
+                </a:solidFill>
+                <a:latin typeface="Arial"/>
+                <a:ea typeface="Arial"/>
+              </a:rPr>
+            </a:br>
+            <a:r>
+              <a:rPr lang="it" sz="2000" spc="-1" dirty="0">
+                <a:solidFill>
+                  <a:srgbClr val="3F3F3F"/>
+                </a:solidFill>
+                <a:latin typeface="Arial"/>
+                <a:ea typeface="Arial"/>
+              </a:rPr>
+              <a:t>Further specifications on model details &amp; contributions</a:t>
+            </a:r>
+            <a:endParaRPr lang="it-IT" sz="2400" b="0" strike="noStrike" spc="-1" dirty="0">
+              <a:solidFill>
+                <a:srgbClr val="3F3F3F"/>
+              </a:solidFill>
+              <a:latin typeface="Arial"/>
+            </a:endParaRPr>
+          </a:p>
+        </p:txBody>
+      </p:sp>
+      <p:sp>
+        <p:nvSpPr>
+          <p:cNvPr id="122" name="PlaceHolder 3"/>
+          <p:cNvSpPr>
+            <a:spLocks noGrp="1"/>
+          </p:cNvSpPr>
+          <p:nvPr>
+            <p:ph type="sldNum" idx="14"/>
+          </p:nvPr>
+        </p:nvSpPr>
+        <p:spPr>
+          <a:xfrm>
+            <a:off x="8472600" y="4663080"/>
+            <a:ext cx="548280" cy="393120"/>
+          </a:xfrm>
+          <a:prstGeom prst="rect">
+            <a:avLst/>
+          </a:prstGeom>
+          <a:noFill/>
+          <a:ln w="0">
+            <a:noFill/>
+          </a:ln>
+        </p:spPr>
+        <p:txBody>
+          <a:bodyPr tIns="91440" bIns="91440" anchor="ctr">
+            <a:normAutofit/>
+          </a:bodyPr>
+          <a:lstStyle>
+            <a:lvl1pPr algn="r">
+              <a:lnSpc>
+                <a:spcPct val="100000"/>
+              </a:lnSpc>
+              <a:buNone/>
+              <a:tabLst>
+                <a:tab pos="0" algn="l"/>
+              </a:tabLst>
+              <a:defRPr lang="it" sz="1000" b="0" strike="noStrike" spc="-1">
+                <a:solidFill>
+                  <a:srgbClr val="595959"/>
+                </a:solidFill>
+                <a:latin typeface="Arial"/>
+                <a:ea typeface="Arial"/>
+              </a:defRPr>
+            </a:lvl1pPr>
+          </a:lstStyle>
+          <a:p>
+            <a:pPr algn="r">
+              <a:lnSpc>
+                <a:spcPct val="100000"/>
+              </a:lnSpc>
+              <a:buNone/>
+              <a:tabLst>
+                <a:tab pos="0" algn="l"/>
+              </a:tabLst>
+            </a:pPr>
+            <a:fld id="{25B94CD5-D627-49BE-818E-4A00F2BB16DF}" type="slidenum">
+              <a:rPr lang="it" sz="1000" b="0" strike="noStrike" spc="-1">
+                <a:solidFill>
+                  <a:srgbClr val="595959"/>
+                </a:solidFill>
+                <a:latin typeface="Arial"/>
+                <a:ea typeface="Arial"/>
+              </a:rPr>
+              <a:t>30</a:t>
             </a:fld>
             <a:endParaRPr lang="it-IT" sz="1000" b="0" strike="noStrike" spc="-1">
               <a:latin typeface="Times New Roman"/>
@@ -22097,7 +25498,7 @@
 </p:sld>
 </file>
 
-<file path=ppt/slides/slide29.xml><?xml version="1.0" encoding="utf-8"?>
+<file path=ppt/slides/slide31.xml><?xml version="1.0" encoding="utf-8"?>
 <p:sld xmlns:a="http://schemas.openxmlformats.org/drawingml/2006/main" xmlns:r="http://schemas.openxmlformats.org/officeDocument/2006/relationships" xmlns:p="http://schemas.openxmlformats.org/presentationml/2006/main">
   <p:cSld>
     <p:spTree>
@@ -22160,7 +25561,7 @@
                 <a:latin typeface="Arial"/>
                 <a:ea typeface="Arial"/>
               </a:rPr>
-              <a:t>Appendix – 5</a:t>
+              <a:t>Appendix – 6</a:t>
             </a:r>
             <a:br>
               <a:rPr lang="it" sz="2400" b="0" strike="noStrike" spc="-1" dirty="0">
@@ -22253,7 +25654,7 @@
                 <a:latin typeface="Arial"/>
                 <a:ea typeface="Arial"/>
               </a:rPr>
-              <a:t>29</a:t>
+              <a:t>31</a:t>
             </a:fld>
             <a:endParaRPr lang="it-IT" sz="1000" b="0" strike="noStrike" spc="-1">
               <a:latin typeface="Times New Roman"/>
@@ -23571,850 +26972,7 @@
 </p:sld>
 </file>
 
-<file path=ppt/slides/slide3.xml><?xml version="1.0" encoding="utf-8"?>
-<p:sld xmlns:a="http://schemas.openxmlformats.org/drawingml/2006/main" xmlns:r="http://schemas.openxmlformats.org/officeDocument/2006/relationships" xmlns:p="http://schemas.openxmlformats.org/presentationml/2006/main">
-  <p:cSld>
-    <p:spTree>
-      <p:nvGrpSpPr>
-        <p:cNvPr id="1" name=""/>
-        <p:cNvGrpSpPr/>
-        <p:nvPr/>
-      </p:nvGrpSpPr>
-      <p:grpSpPr>
-        <a:xfrm>
-          <a:off x="0" y="0"/>
-          <a:ext cx="0" cy="0"/>
-          <a:chOff x="0" y="0"/>
-          <a:chExt cx="0" cy="0"/>
-        </a:xfrm>
-      </p:grpSpPr>
-      <p:sp>
-        <p:nvSpPr>
-          <p:cNvPr id="83" name="PlaceHolder 3"/>
-          <p:cNvSpPr>
-            <a:spLocks noGrp="1"/>
-          </p:cNvSpPr>
-          <p:nvPr>
-            <p:ph type="sldNum" idx="3"/>
-          </p:nvPr>
-        </p:nvSpPr>
-        <p:spPr>
-          <a:xfrm>
-            <a:off x="8472600" y="4663080"/>
-            <a:ext cx="548280" cy="393120"/>
-          </a:xfrm>
-          <a:prstGeom prst="rect">
-            <a:avLst/>
-          </a:prstGeom>
-          <a:noFill/>
-          <a:ln w="0">
-            <a:noFill/>
-          </a:ln>
-        </p:spPr>
-        <p:txBody>
-          <a:bodyPr tIns="91440" bIns="91440" anchor="ctr">
-            <a:normAutofit/>
-          </a:bodyPr>
-          <a:lstStyle>
-            <a:lvl1pPr algn="r">
-              <a:lnSpc>
-                <a:spcPct val="100000"/>
-              </a:lnSpc>
-              <a:buNone/>
-              <a:tabLst>
-                <a:tab pos="0" algn="l"/>
-              </a:tabLst>
-              <a:defRPr lang="it" sz="1000" b="0" strike="noStrike" spc="-1">
-                <a:solidFill>
-                  <a:srgbClr val="595959"/>
-                </a:solidFill>
-                <a:latin typeface="Arial"/>
-                <a:ea typeface="Arial"/>
-              </a:defRPr>
-            </a:lvl1pPr>
-          </a:lstStyle>
-          <a:p>
-            <a:pPr algn="r">
-              <a:lnSpc>
-                <a:spcPct val="100000"/>
-              </a:lnSpc>
-              <a:buNone/>
-              <a:tabLst>
-                <a:tab pos="0" algn="l"/>
-              </a:tabLst>
-            </a:pPr>
-            <a:fld id="{CDE5831E-EF50-4AF8-82C3-EBDE88F03D8C}" type="slidenum">
-              <a:rPr lang="it" sz="1000" b="0" strike="noStrike" spc="-1">
-                <a:solidFill>
-                  <a:srgbClr val="595959"/>
-                </a:solidFill>
-                <a:latin typeface="Arial"/>
-                <a:ea typeface="Arial"/>
-              </a:rPr>
-              <a:t>3</a:t>
-            </a:fld>
-            <a:endParaRPr lang="it-IT" sz="1000" b="0" strike="noStrike" spc="-1" dirty="0">
-              <a:latin typeface="Times New Roman"/>
-            </a:endParaRPr>
-          </a:p>
-        </p:txBody>
-      </p:sp>
-      <p:sp>
-        <p:nvSpPr>
-          <p:cNvPr id="4" name="PlaceHolder 1">
-            <a:extLst>
-              <a:ext uri="{FF2B5EF4-FFF2-40B4-BE49-F238E27FC236}">
-                <a16:creationId xmlns:a16="http://schemas.microsoft.com/office/drawing/2014/main" id="{80C918E8-6CF7-0E0B-D3EF-88419C82AA81}"/>
-              </a:ext>
-            </a:extLst>
-          </p:cNvPr>
-          <p:cNvSpPr txBox="1">
-            <a:spLocks/>
-          </p:cNvSpPr>
-          <p:nvPr/>
-        </p:nvSpPr>
-        <p:spPr>
-          <a:xfrm>
-            <a:off x="311760" y="0"/>
-            <a:ext cx="8520120" cy="576000"/>
-          </a:xfrm>
-          <a:prstGeom prst="rect">
-            <a:avLst/>
-          </a:prstGeom>
-          <a:noFill/>
-          <a:ln w="0">
-            <a:noFill/>
-          </a:ln>
-        </p:spPr>
-        <p:txBody>
-          <a:bodyPr lIns="0" tIns="91440" rIns="0" bIns="91440" anchor="t">
-            <a:normAutofit fontScale="97500"/>
-          </a:bodyPr>
-          <a:lstStyle>
-            <a:lvl1pPr algn="l" defTabSz="914400" rtl="0" eaLnBrk="1" latinLnBrk="0" hangingPunct="1">
-              <a:lnSpc>
-                <a:spcPct val="90000"/>
-              </a:lnSpc>
-              <a:spcBef>
-                <a:spcPct val="0"/>
-              </a:spcBef>
-              <a:buNone/>
-              <a:defRPr sz="4400" kern="1200">
-                <a:solidFill>
-                  <a:schemeClr val="tx1"/>
-                </a:solidFill>
-                <a:latin typeface="+mj-lt"/>
-                <a:ea typeface="+mj-ea"/>
-                <a:cs typeface="+mj-cs"/>
-              </a:defRPr>
-            </a:lvl1pPr>
-          </a:lstStyle>
-          <a:p>
-            <a:pPr>
-              <a:lnSpc>
-                <a:spcPct val="100000"/>
-              </a:lnSpc>
-              <a:tabLst>
-                <a:tab pos="0" algn="l"/>
-              </a:tabLst>
-            </a:pPr>
-            <a:r>
-              <a:rPr lang="it" sz="2500" spc="-1" dirty="0">
-                <a:solidFill>
-                  <a:srgbClr val="000000"/>
-                </a:solidFill>
-                <a:latin typeface="Arial"/>
-                <a:ea typeface="Arial"/>
-              </a:rPr>
-              <a:t>Code structure, models overview </a:t>
-            </a:r>
-            <a:r>
-              <a:rPr lang="it" sz="2500" spc="-1" dirty="0">
-                <a:solidFill>
-                  <a:srgbClr val="FF0000"/>
-                </a:solidFill>
-                <a:latin typeface="Arial"/>
-                <a:ea typeface="Arial"/>
-              </a:rPr>
-              <a:t>da rivedere</a:t>
-            </a:r>
-            <a:endParaRPr lang="it-IT" sz="2400" spc="-1" dirty="0">
-              <a:solidFill>
-                <a:srgbClr val="FF0000"/>
-              </a:solidFill>
-              <a:latin typeface="Arial"/>
-            </a:endParaRPr>
-          </a:p>
-        </p:txBody>
-      </p:sp>
-      <p:sp>
-        <p:nvSpPr>
-          <p:cNvPr id="3" name="CasellaDiTesto 2">
-            <a:extLst>
-              <a:ext uri="{FF2B5EF4-FFF2-40B4-BE49-F238E27FC236}">
-                <a16:creationId xmlns:a16="http://schemas.microsoft.com/office/drawing/2014/main" id="{21F77B32-FB82-2079-F53B-1131754C4D18}"/>
-              </a:ext>
-            </a:extLst>
-          </p:cNvPr>
-          <p:cNvSpPr txBox="1"/>
-          <p:nvPr/>
-        </p:nvSpPr>
-        <p:spPr>
-          <a:xfrm>
-            <a:off x="311761" y="693013"/>
-            <a:ext cx="8520119" cy="1600438"/>
-          </a:xfrm>
-          <a:prstGeom prst="rect">
-            <a:avLst/>
-          </a:prstGeom>
-          <a:noFill/>
-        </p:spPr>
-        <p:txBody>
-          <a:bodyPr wrap="square" rtlCol="0">
-            <a:spAutoFit/>
-          </a:bodyPr>
-          <a:lstStyle/>
-          <a:p>
-            <a:r>
-              <a:rPr lang="it-IT" sz="1400" dirty="0"/>
-              <a:t>Basic </a:t>
-            </a:r>
-            <a:r>
-              <a:rPr lang="it-IT" sz="1400" dirty="0" err="1"/>
-              <a:t>structure</a:t>
-            </a:r>
-            <a:r>
-              <a:rPr lang="it-IT" sz="1400" dirty="0"/>
-              <a:t> of the code: </a:t>
-            </a:r>
-          </a:p>
-          <a:p>
-            <a:pPr marL="285750" indent="-285750">
-              <a:buFont typeface="Arial" panose="020B0604020202020204" pitchFamily="34" charset="0"/>
-              <a:buChar char="•"/>
-            </a:pPr>
-            <a:r>
-              <a:rPr lang="it-IT" sz="1400" dirty="0">
-                <a:hlinkClick r:id="rId2"/>
-              </a:rPr>
-              <a:t>GitHub repo</a:t>
-            </a:r>
-            <a:r>
-              <a:rPr lang="it-IT" sz="1400" dirty="0"/>
-              <a:t> in </a:t>
-            </a:r>
-            <a:r>
-              <a:rPr lang="it-IT" sz="1400" dirty="0" err="1"/>
-              <a:t>which</a:t>
-            </a:r>
-            <a:r>
-              <a:rPr lang="it-IT" sz="1400" dirty="0"/>
-              <a:t> </a:t>
-            </a:r>
-            <a:r>
-              <a:rPr lang="it-IT" sz="1400" dirty="0" err="1"/>
-              <a:t>we</a:t>
-            </a:r>
-            <a:r>
-              <a:rPr lang="it-IT" sz="1400" dirty="0"/>
-              <a:t> </a:t>
-            </a:r>
-            <a:r>
-              <a:rPr lang="it-IT" sz="1400" dirty="0" err="1"/>
-              <a:t>stored</a:t>
-            </a:r>
-            <a:r>
-              <a:rPr lang="it-IT" sz="1400" dirty="0"/>
-              <a:t> the datasets, images, notebooks and </a:t>
-            </a:r>
-            <a:r>
-              <a:rPr lang="it-IT" sz="1400" dirty="0" err="1"/>
-              <a:t>saved</a:t>
-            </a:r>
-            <a:r>
-              <a:rPr lang="it-IT" sz="1400" dirty="0"/>
-              <a:t> models. </a:t>
-            </a:r>
-          </a:p>
-          <a:p>
-            <a:pPr marL="285750" indent="-285750">
-              <a:buFont typeface="Arial" panose="020B0604020202020204" pitchFamily="34" charset="0"/>
-              <a:buChar char="•"/>
-            </a:pPr>
-            <a:r>
-              <a:rPr lang="it-IT" sz="1400" dirty="0"/>
-              <a:t>A notebook for </a:t>
-            </a:r>
-            <a:r>
-              <a:rPr lang="it-IT" sz="1400" dirty="0" err="1"/>
-              <a:t>each</a:t>
-            </a:r>
-            <a:r>
-              <a:rPr lang="it-IT" sz="1400" dirty="0"/>
-              <a:t> of the </a:t>
-            </a:r>
-            <a:r>
-              <a:rPr lang="it-IT" sz="1400" dirty="0" err="1"/>
-              <a:t>three</a:t>
-            </a:r>
-            <a:r>
-              <a:rPr lang="it-IT" sz="1400" dirty="0"/>
-              <a:t> classes of models, for </a:t>
-            </a:r>
-            <a:r>
-              <a:rPr lang="it-IT" sz="1400" dirty="0" err="1"/>
-              <a:t>each</a:t>
-            </a:r>
-            <a:r>
-              <a:rPr lang="it-IT" sz="1400" dirty="0"/>
-              <a:t> of the </a:t>
-            </a:r>
-            <a:r>
-              <a:rPr lang="it-IT" sz="1400" dirty="0" err="1"/>
-              <a:t>two</a:t>
-            </a:r>
-            <a:r>
-              <a:rPr lang="it-IT" sz="1400" dirty="0"/>
-              <a:t> tasks.</a:t>
-            </a:r>
-          </a:p>
-          <a:p>
-            <a:pPr marL="285750" indent="-285750">
-              <a:buFont typeface="Arial" panose="020B0604020202020204" pitchFamily="34" charset="0"/>
-              <a:buChar char="•"/>
-            </a:pPr>
-            <a:r>
-              <a:rPr lang="it-IT" sz="1400" dirty="0"/>
-              <a:t>In </a:t>
-            </a:r>
-            <a:r>
-              <a:rPr lang="it-IT" sz="1400" dirty="0" err="1"/>
-              <a:t>each</a:t>
-            </a:r>
-            <a:r>
-              <a:rPr lang="it-IT" sz="1400" dirty="0"/>
-              <a:t> notebook: import and </a:t>
-            </a:r>
-            <a:r>
-              <a:rPr lang="it-IT" sz="1400" dirty="0" err="1"/>
-              <a:t>process</a:t>
-            </a:r>
-            <a:r>
-              <a:rPr lang="it-IT" sz="1400" dirty="0"/>
-              <a:t> the data, create the model (</a:t>
-            </a:r>
-            <a:r>
-              <a:rPr lang="it-IT" sz="1400" dirty="0" err="1"/>
-              <a:t>often</a:t>
-            </a:r>
-            <a:r>
-              <a:rPr lang="it-IT" sz="1400" dirty="0"/>
-              <a:t> by </a:t>
-            </a:r>
-            <a:r>
-              <a:rPr lang="it-IT" sz="1400" dirty="0" err="1"/>
-              <a:t>calling</a:t>
-            </a:r>
-            <a:r>
-              <a:rPr lang="it-IT" sz="1400" dirty="0"/>
-              <a:t> a </a:t>
-            </a:r>
-            <a:r>
-              <a:rPr lang="it-IT" sz="1400" dirty="0" err="1"/>
-              <a:t>function</a:t>
-            </a:r>
-            <a:r>
-              <a:rPr lang="it-IT" sz="1400" dirty="0"/>
-              <a:t> </a:t>
-            </a:r>
-            <a:r>
-              <a:rPr lang="it-IT" sz="1400" dirty="0" err="1"/>
-              <a:t>provided</a:t>
-            </a:r>
-            <a:r>
-              <a:rPr lang="it-IT" sz="1400" dirty="0"/>
-              <a:t> by the library), set up the </a:t>
-            </a:r>
-            <a:r>
-              <a:rPr lang="it-IT" sz="1400" dirty="0" err="1"/>
-              <a:t>grid</a:t>
-            </a:r>
-            <a:r>
-              <a:rPr lang="it-IT" sz="1400" dirty="0"/>
-              <a:t> </a:t>
-            </a:r>
-            <a:r>
-              <a:rPr lang="it-IT" sz="1400" dirty="0" err="1"/>
-              <a:t>search</a:t>
-            </a:r>
-            <a:r>
-              <a:rPr lang="it-IT" sz="1400" dirty="0"/>
-              <a:t> and training </a:t>
-            </a:r>
-            <a:r>
-              <a:rPr lang="it-IT" sz="1400" dirty="0" err="1"/>
-              <a:t>process</a:t>
-            </a:r>
-            <a:r>
-              <a:rPr lang="it-IT" sz="1400" dirty="0"/>
-              <a:t>, </a:t>
-            </a:r>
-            <a:r>
-              <a:rPr lang="it-IT" sz="1400" dirty="0" err="1"/>
-              <a:t>select</a:t>
-            </a:r>
-            <a:r>
-              <a:rPr lang="it-IT" sz="1400" dirty="0"/>
-              <a:t> best </a:t>
-            </a:r>
-            <a:r>
-              <a:rPr lang="it-IT" sz="1400" dirty="0" err="1"/>
-              <a:t>hyperparameters</a:t>
-            </a:r>
-            <a:r>
-              <a:rPr lang="it-IT" sz="1400" dirty="0"/>
-              <a:t> and plot the learning curve, </a:t>
-            </a:r>
-            <a:r>
-              <a:rPr lang="it-IT" sz="1400" dirty="0" err="1"/>
-              <a:t>save</a:t>
-            </a:r>
-            <a:r>
-              <a:rPr lang="it-IT" sz="1400" dirty="0"/>
-              <a:t> the model</a:t>
-            </a:r>
-          </a:p>
-          <a:p>
-            <a:pPr marL="285750" indent="-285750">
-              <a:buFont typeface="Arial" panose="020B0604020202020204" pitchFamily="34" charset="0"/>
-              <a:buChar char="•"/>
-            </a:pPr>
-            <a:r>
-              <a:rPr lang="it-IT" sz="1400" dirty="0"/>
-              <a:t>Extra notebooks for data </a:t>
-            </a:r>
-            <a:r>
-              <a:rPr lang="it-IT" sz="1400" dirty="0" err="1"/>
-              <a:t>exploration</a:t>
-            </a:r>
-            <a:r>
-              <a:rPr lang="it-IT" sz="1400" dirty="0"/>
-              <a:t> and models </a:t>
-            </a:r>
-            <a:r>
-              <a:rPr lang="it-IT" sz="1400" dirty="0" err="1"/>
-              <a:t>comparison</a:t>
-            </a:r>
-            <a:endParaRPr lang="it-IT" sz="1400" dirty="0"/>
-          </a:p>
-        </p:txBody>
-      </p:sp>
-      <p:sp>
-        <p:nvSpPr>
-          <p:cNvPr id="11" name="CasellaDiTesto 10">
-            <a:extLst>
-              <a:ext uri="{FF2B5EF4-FFF2-40B4-BE49-F238E27FC236}">
-                <a16:creationId xmlns:a16="http://schemas.microsoft.com/office/drawing/2014/main" id="{003EBDB9-88F0-E455-63E2-1D1CE308D764}"/>
-              </a:ext>
-            </a:extLst>
-          </p:cNvPr>
-          <p:cNvSpPr txBox="1"/>
-          <p:nvPr/>
-        </p:nvSpPr>
-        <p:spPr>
-          <a:xfrm>
-            <a:off x="311760" y="3996932"/>
-            <a:ext cx="8520120" cy="523220"/>
-          </a:xfrm>
-          <a:prstGeom prst="rect">
-            <a:avLst/>
-          </a:prstGeom>
-          <a:noFill/>
-        </p:spPr>
-        <p:txBody>
-          <a:bodyPr wrap="square" rtlCol="0">
-            <a:spAutoFit/>
-          </a:bodyPr>
-          <a:lstStyle/>
-          <a:p>
-            <a:r>
-              <a:rPr lang="it-IT" sz="1400" dirty="0"/>
-              <a:t>For </a:t>
-            </a:r>
-            <a:r>
-              <a:rPr lang="it-IT" sz="1400" dirty="0" err="1"/>
-              <a:t>all</a:t>
-            </a:r>
-            <a:r>
-              <a:rPr lang="it-IT" sz="1400" dirty="0"/>
-              <a:t> </a:t>
-            </a:r>
-            <a:r>
-              <a:rPr lang="it-IT" sz="1400" dirty="0" err="1"/>
-              <a:t>these</a:t>
-            </a:r>
-            <a:r>
-              <a:rPr lang="it-IT" sz="1400" dirty="0"/>
-              <a:t> models </a:t>
-            </a:r>
-            <a:r>
-              <a:rPr lang="it-IT" sz="1400" dirty="0" err="1"/>
-              <a:t>we</a:t>
-            </a:r>
-            <a:r>
-              <a:rPr lang="it-IT" sz="1400" dirty="0"/>
-              <a:t> </a:t>
-            </a:r>
-            <a:r>
-              <a:rPr lang="it-IT" sz="1400" dirty="0" err="1"/>
-              <a:t>tried</a:t>
-            </a:r>
-            <a:r>
-              <a:rPr lang="it-IT" sz="1400" dirty="0"/>
-              <a:t> out </a:t>
-            </a:r>
-            <a:r>
-              <a:rPr lang="it-IT" sz="1400" dirty="0" err="1"/>
-              <a:t>many</a:t>
-            </a:r>
-            <a:r>
-              <a:rPr lang="it-IT" sz="1400" dirty="0"/>
-              <a:t> </a:t>
-            </a:r>
-            <a:r>
-              <a:rPr lang="it-IT" sz="1400" dirty="0" err="1"/>
-              <a:t>configurations</a:t>
-            </a:r>
-            <a:r>
-              <a:rPr lang="it-IT" sz="1400" dirty="0"/>
-              <a:t> of </a:t>
-            </a:r>
-            <a:r>
-              <a:rPr lang="it-IT" sz="1400" dirty="0" err="1"/>
-              <a:t>hyperparameters</a:t>
-            </a:r>
-            <a:r>
-              <a:rPr lang="it-IT" sz="1400" dirty="0"/>
-              <a:t>. </a:t>
-            </a:r>
-            <a:r>
-              <a:rPr lang="it-IT" sz="1400" dirty="0">
-                <a:solidFill>
-                  <a:srgbClr val="FF0000"/>
-                </a:solidFill>
-              </a:rPr>
-              <a:t>Precise </a:t>
-            </a:r>
-            <a:r>
-              <a:rPr lang="it-IT" sz="1400" dirty="0" err="1">
-                <a:solidFill>
-                  <a:srgbClr val="FF0000"/>
-                </a:solidFill>
-              </a:rPr>
-              <a:t>details</a:t>
-            </a:r>
-            <a:r>
-              <a:rPr lang="it-IT" sz="1400" dirty="0">
-                <a:solidFill>
-                  <a:srgbClr val="FF0000"/>
-                </a:solidFill>
-              </a:rPr>
-              <a:t> </a:t>
-            </a:r>
-            <a:r>
-              <a:rPr lang="it-IT" sz="1400" dirty="0" err="1">
-                <a:solidFill>
-                  <a:srgbClr val="FF0000"/>
-                </a:solidFill>
-              </a:rPr>
-              <a:t>will</a:t>
-            </a:r>
-            <a:r>
-              <a:rPr lang="it-IT" sz="1400" dirty="0">
-                <a:solidFill>
-                  <a:srgbClr val="FF0000"/>
-                </a:solidFill>
-              </a:rPr>
-              <a:t> be </a:t>
-            </a:r>
-            <a:r>
-              <a:rPr lang="it-IT" sz="1400" dirty="0" err="1">
-                <a:solidFill>
-                  <a:srgbClr val="FF0000"/>
-                </a:solidFill>
-              </a:rPr>
-              <a:t>given</a:t>
-            </a:r>
-            <a:r>
-              <a:rPr lang="it-IT" sz="1400" dirty="0">
-                <a:solidFill>
-                  <a:srgbClr val="FF0000"/>
-                </a:solidFill>
-              </a:rPr>
-              <a:t> </a:t>
-            </a:r>
-            <a:r>
-              <a:rPr lang="it-IT" sz="1400" dirty="0" err="1">
-                <a:solidFill>
-                  <a:srgbClr val="FF0000"/>
-                </a:solidFill>
-              </a:rPr>
-              <a:t>later</a:t>
-            </a:r>
-            <a:r>
-              <a:rPr lang="it-IT" sz="1400" dirty="0">
-                <a:solidFill>
-                  <a:srgbClr val="FF0000"/>
-                </a:solidFill>
-              </a:rPr>
-              <a:t>. </a:t>
-            </a:r>
-          </a:p>
-        </p:txBody>
-      </p:sp>
-      <p:sp>
-        <p:nvSpPr>
-          <p:cNvPr id="5" name="CasellaDiTesto 4">
-            <a:extLst>
-              <a:ext uri="{FF2B5EF4-FFF2-40B4-BE49-F238E27FC236}">
-                <a16:creationId xmlns:a16="http://schemas.microsoft.com/office/drawing/2014/main" id="{A25770F8-1FA1-1D5E-D768-E47CF7ED482A}"/>
-              </a:ext>
-            </a:extLst>
-          </p:cNvPr>
-          <p:cNvSpPr txBox="1"/>
-          <p:nvPr/>
-        </p:nvSpPr>
-        <p:spPr>
-          <a:xfrm>
-            <a:off x="311760" y="2802701"/>
-            <a:ext cx="8520120" cy="738664"/>
-          </a:xfrm>
-          <a:prstGeom prst="rect">
-            <a:avLst/>
-          </a:prstGeom>
-          <a:noFill/>
-        </p:spPr>
-        <p:txBody>
-          <a:bodyPr wrap="square" rtlCol="0">
-            <a:spAutoFit/>
-          </a:bodyPr>
-          <a:lstStyle/>
-          <a:p>
-            <a:r>
-              <a:rPr lang="it-IT" sz="1400" dirty="0" err="1"/>
-              <a:t>We</a:t>
-            </a:r>
-            <a:r>
-              <a:rPr lang="it-IT" sz="1400" dirty="0"/>
-              <a:t> </a:t>
-            </a:r>
-            <a:r>
-              <a:rPr lang="it-IT" sz="1400" dirty="0" err="1"/>
-              <a:t>used</a:t>
-            </a:r>
-            <a:r>
-              <a:rPr lang="it-IT" sz="1400" dirty="0"/>
-              <a:t> the </a:t>
-            </a:r>
-            <a:r>
-              <a:rPr lang="it-IT" sz="1400" b="1" dirty="0"/>
-              <a:t>Random </a:t>
-            </a:r>
-            <a:r>
-              <a:rPr lang="it-IT" sz="1400" b="1" dirty="0" err="1"/>
-              <a:t>Forests</a:t>
-            </a:r>
-            <a:r>
-              <a:rPr lang="it-IT" sz="1400" dirty="0"/>
-              <a:t> and </a:t>
-            </a:r>
-            <a:r>
-              <a:rPr lang="it-IT" sz="1400" b="1" dirty="0" err="1"/>
-              <a:t>SVM</a:t>
-            </a:r>
-            <a:r>
-              <a:rPr lang="it-IT" sz="1400" dirty="0" err="1"/>
-              <a:t>s</a:t>
-            </a:r>
-            <a:r>
-              <a:rPr lang="it-IT" sz="1400" dirty="0"/>
-              <a:t> from </a:t>
-            </a:r>
-            <a:r>
-              <a:rPr lang="it-IT" sz="1400" dirty="0" err="1"/>
-              <a:t>Scikit-Learn</a:t>
-            </a:r>
-            <a:r>
-              <a:rPr lang="it-IT" sz="1400" dirty="0"/>
-              <a:t>, and </a:t>
-            </a:r>
-            <a:r>
-              <a:rPr lang="it-IT" sz="1400" dirty="0" err="1"/>
-              <a:t>implemented</a:t>
-            </a:r>
-            <a:r>
-              <a:rPr lang="it-IT" sz="1400" dirty="0"/>
-              <a:t> a </a:t>
-            </a:r>
-            <a:r>
-              <a:rPr lang="it-IT" sz="1400" dirty="0" err="1"/>
-              <a:t>multilayer</a:t>
-            </a:r>
-            <a:r>
-              <a:rPr lang="it-IT" sz="1400" dirty="0"/>
-              <a:t> </a:t>
-            </a:r>
-            <a:r>
-              <a:rPr lang="it-IT" sz="1400" dirty="0" err="1"/>
-              <a:t>feedforward</a:t>
-            </a:r>
-            <a:r>
-              <a:rPr lang="it-IT" sz="1400" dirty="0"/>
-              <a:t> </a:t>
-            </a:r>
-            <a:r>
-              <a:rPr lang="it-IT" sz="1400" b="1" dirty="0" err="1"/>
-              <a:t>Neural</a:t>
-            </a:r>
-            <a:r>
-              <a:rPr lang="it-IT" sz="1400" b="1" dirty="0"/>
-              <a:t> Network</a:t>
-            </a:r>
-            <a:r>
-              <a:rPr lang="it-IT" sz="1400" dirty="0"/>
-              <a:t> </a:t>
-            </a:r>
-            <a:r>
-              <a:rPr lang="it-IT" sz="1400" dirty="0" err="1"/>
-              <a:t>using</a:t>
-            </a:r>
-            <a:r>
-              <a:rPr lang="it-IT" sz="1400" dirty="0"/>
-              <a:t> </a:t>
-            </a:r>
-            <a:r>
-              <a:rPr lang="it-IT" sz="1400" dirty="0" err="1"/>
-              <a:t>Keras</a:t>
-            </a:r>
-            <a:r>
-              <a:rPr lang="it-IT" sz="1400" dirty="0"/>
-              <a:t>. The </a:t>
-            </a:r>
-            <a:r>
-              <a:rPr lang="it-IT" sz="1400" dirty="0" err="1">
-                <a:latin typeface="Consolas" panose="020B0609020204030204" pitchFamily="49" charset="0"/>
-              </a:rPr>
-              <a:t>NeuralNetwork</a:t>
-            </a:r>
-            <a:r>
-              <a:rPr lang="it-IT" sz="1400" dirty="0"/>
-              <a:t> classes in </a:t>
-            </a:r>
-            <a:r>
-              <a:rPr lang="it-IT" sz="1400" dirty="0" err="1"/>
-              <a:t>our</a:t>
-            </a:r>
-            <a:r>
-              <a:rPr lang="it-IT" sz="1400" dirty="0"/>
-              <a:t> code </a:t>
-            </a:r>
-            <a:r>
-              <a:rPr lang="it-IT" sz="1400" dirty="0" err="1"/>
-              <a:t>is</a:t>
-            </a:r>
-            <a:r>
-              <a:rPr lang="it-IT" sz="1400" dirty="0"/>
-              <a:t> </a:t>
-            </a:r>
-            <a:r>
-              <a:rPr lang="it-IT" sz="1400" dirty="0" err="1"/>
-              <a:t>designed</a:t>
-            </a:r>
-            <a:r>
-              <a:rPr lang="it-IT" sz="1400" dirty="0"/>
-              <a:t> to be </a:t>
-            </a:r>
-            <a:r>
-              <a:rPr lang="it-IT" sz="1400" dirty="0" err="1"/>
-              <a:t>seamless</a:t>
-            </a:r>
-            <a:r>
-              <a:rPr lang="it-IT" sz="1400" dirty="0"/>
-              <a:t> </a:t>
-            </a:r>
-            <a:r>
-              <a:rPr lang="it-IT" sz="1400" dirty="0" err="1"/>
-              <a:t>integrated</a:t>
-            </a:r>
-            <a:r>
-              <a:rPr lang="it-IT" sz="1400" dirty="0"/>
-              <a:t> with </a:t>
-            </a:r>
-            <a:r>
-              <a:rPr lang="it-IT" sz="1400" dirty="0" err="1"/>
-              <a:t>Scikit-Learn</a:t>
-            </a:r>
-            <a:r>
-              <a:rPr lang="it-IT" sz="1400" dirty="0"/>
-              <a:t> </a:t>
-            </a:r>
-            <a:r>
-              <a:rPr lang="it-IT" sz="1400" dirty="0" err="1"/>
-              <a:t>while</a:t>
-            </a:r>
-            <a:r>
-              <a:rPr lang="it-IT" sz="1400" dirty="0"/>
-              <a:t> </a:t>
-            </a:r>
-            <a:r>
-              <a:rPr lang="it-IT" sz="1400" dirty="0" err="1"/>
-              <a:t>also</a:t>
-            </a:r>
-            <a:r>
-              <a:rPr lang="it-IT" sz="1400" dirty="0"/>
-              <a:t> be </a:t>
-            </a:r>
-            <a:r>
-              <a:rPr lang="it-IT" sz="1400" dirty="0" err="1"/>
-              <a:t>usable</a:t>
-            </a:r>
-            <a:r>
-              <a:rPr lang="it-IT" sz="1400" dirty="0"/>
-              <a:t> </a:t>
-            </a:r>
-            <a:r>
-              <a:rPr lang="it-IT" sz="1400" dirty="0" err="1"/>
-              <a:t>without</a:t>
-            </a:r>
-            <a:r>
-              <a:rPr lang="it-IT" sz="1400" dirty="0"/>
-              <a:t> </a:t>
-            </a:r>
-            <a:r>
-              <a:rPr lang="it-IT" sz="1400" dirty="0" err="1"/>
-              <a:t>it</a:t>
-            </a:r>
-            <a:r>
-              <a:rPr lang="it-IT" sz="1400" dirty="0"/>
-              <a:t>. </a:t>
-            </a:r>
-          </a:p>
-        </p:txBody>
-      </p:sp>
-    </p:spTree>
-    <p:extLst>
-      <p:ext uri="{BB962C8B-B14F-4D97-AF65-F5344CB8AC3E}">
-        <p14:creationId xmlns:p14="http://schemas.microsoft.com/office/powerpoint/2010/main" val="2850000877"/>
-      </p:ext>
-    </p:extLst>
-  </p:cSld>
-  <p:clrMapOvr>
-    <a:masterClrMapping/>
-  </p:clrMapOvr>
-</p:sld>
-</file>
-
-<file path=ppt/slides/slide30.xml><?xml version="1.0" encoding="utf-8"?>
+<file path=ppt/slides/slide32.xml><?xml version="1.0" encoding="utf-8"?>
 <p:sld xmlns:a="http://schemas.openxmlformats.org/drawingml/2006/main" xmlns:r="http://schemas.openxmlformats.org/officeDocument/2006/relationships" xmlns:p="http://schemas.openxmlformats.org/presentationml/2006/main">
   <p:cSld>
     <p:spTree>
@@ -24477,7 +27035,7 @@
                 <a:latin typeface="Arial"/>
                 <a:ea typeface="Arial"/>
               </a:rPr>
-              <a:t>Appendix – 6</a:t>
+              <a:t>Appendix – 7</a:t>
             </a:r>
             <a:br>
               <a:rPr lang="it" sz="2400" b="0" strike="noStrike" spc="-1" dirty="0">
@@ -24570,7 +27128,7 @@
                 <a:latin typeface="Arial"/>
                 <a:ea typeface="Arial"/>
               </a:rPr>
-              <a:t>30</a:t>
+              <a:t>32</a:t>
             </a:fld>
             <a:endParaRPr lang="it-IT" sz="1000" b="0" strike="noStrike" spc="-1">
               <a:latin typeface="Times New Roman"/>
@@ -27757,7 +30315,7 @@
       </p:grpSpPr>
       <p:sp>
         <p:nvSpPr>
-          <p:cNvPr id="93" name="PlaceHolder 1"/>
+          <p:cNvPr id="97" name="PlaceHolder 1"/>
           <p:cNvSpPr>
             <a:spLocks noGrp="1"/>
           </p:cNvSpPr>
@@ -27780,7 +30338,7 @@
         </p:spPr>
         <p:txBody>
           <a:bodyPr tIns="91440" bIns="91440" anchor="t">
-            <a:normAutofit/>
+            <a:normAutofit fontScale="90000"/>
           </a:bodyPr>
           <a:lstStyle/>
           <a:p>
@@ -27794,18 +30352,18 @@
               </a:tabLst>
             </a:pPr>
             <a:r>
-              <a:rPr lang="it" sz="2400" b="0" strike="noStrike" spc="-1" dirty="0">
+              <a:rPr lang="it" sz="2700" b="0" strike="noStrike" spc="-1" dirty="0">
                 <a:solidFill>
                   <a:srgbClr val="000000"/>
                 </a:solidFill>
                 <a:latin typeface="Arial"/>
                 <a:ea typeface="Arial"/>
               </a:rPr>
-              <a:t>Monk Results: Selected grid search results – 1 </a:t>
-            </a:r>
-            <a:endParaRPr lang="it-IT" sz="2400" b="0" strike="noStrike" spc="-1" dirty="0">
+              <a:t>Monk 1 Results</a:t>
+            </a:r>
+            <a:endParaRPr lang="it-IT" sz="2800" b="0" strike="noStrike" spc="-1" dirty="0">
               <a:solidFill>
-                <a:srgbClr val="000000"/>
+                <a:srgbClr val="FF0000"/>
               </a:solidFill>
               <a:latin typeface="Arial"/>
             </a:endParaRPr>
@@ -27814,12 +30372,12 @@
       </p:sp>
       <p:sp>
         <p:nvSpPr>
-          <p:cNvPr id="96" name="PlaceHolder 3"/>
+          <p:cNvPr id="100" name="PlaceHolder 3"/>
           <p:cNvSpPr>
             <a:spLocks noGrp="1"/>
           </p:cNvSpPr>
           <p:nvPr>
-            <p:ph type="sldNum" idx="6"/>
+            <p:ph type="sldNum" idx="7"/>
           </p:nvPr>
         </p:nvSpPr>
         <p:spPr>
@@ -27867,7 +30425,7 @@
                 <a:tab pos="0" algn="l"/>
               </a:tabLst>
             </a:pPr>
-            <a:fld id="{C06FC27A-D984-4D7D-8FA5-F1FA6C63CC6C}" type="slidenum">
+            <a:fld id="{75C65507-15BA-480B-A2F8-91DEDD4DCA22}" type="slidenum">
               <a:rPr lang="it" sz="1000" b="0" strike="noStrike" spc="-1">
                 <a:solidFill>
                   <a:srgbClr val="595959"/>
@@ -27885,10 +30443,10 @@
       </p:sp>
       <p:graphicFrame>
         <p:nvGraphicFramePr>
-          <p:cNvPr id="4" name="Tabella 3">
+          <p:cNvPr id="6" name="Tabella 5">
             <a:extLst>
               <a:ext uri="{FF2B5EF4-FFF2-40B4-BE49-F238E27FC236}">
-                <a16:creationId xmlns:a16="http://schemas.microsoft.com/office/drawing/2014/main" id="{3675E250-FFA3-31FA-EC49-7C7764955A7F}"/>
+                <a16:creationId xmlns:a16="http://schemas.microsoft.com/office/drawing/2014/main" id="{AB586C46-936D-A9D0-D2B0-B40FE90EDB75}"/>
               </a:ext>
             </a:extLst>
           </p:cNvPr>
@@ -27898,14 +30456,14 @@
           <p:nvPr>
             <p:extLst>
               <p:ext uri="{D42A27DB-BD31-4B8C-83A1-F6EECF244321}">
-                <p14:modId xmlns:p14="http://schemas.microsoft.com/office/powerpoint/2010/main" val="1089700621"/>
+                <p14:modId xmlns:p14="http://schemas.microsoft.com/office/powerpoint/2010/main" val="409618651"/>
               </p:ext>
             </p:extLst>
           </p:nvPr>
         </p:nvGraphicFramePr>
         <p:xfrm>
-          <a:off x="311757" y="917256"/>
-          <a:ext cx="8160842" cy="1249680"/>
+          <a:off x="311758" y="853397"/>
+          <a:ext cx="8520116" cy="883920"/>
         </p:xfrm>
         <a:graphic>
           <a:graphicData uri="http://schemas.openxmlformats.org/drawingml/2006/table">
@@ -27914,36 +30472,43 @@
                 <a:tableStyleId>{0E3FDE45-AF77-4B5C-9715-49D594BDF05E}</a:tableStyleId>
               </a:tblPr>
               <a:tblGrid>
-                <a:gridCol w="972435">
+                <a:gridCol w="770730">
                   <a:extLst>
                     <a:ext uri="{9D8B030D-6E8A-4147-A177-3AD203B41FA5}">
                       <a16:colId xmlns:a16="http://schemas.microsoft.com/office/drawing/2014/main" val="935040320"/>
                     </a:ext>
                   </a:extLst>
                 </a:gridCol>
-                <a:gridCol w="3496235">
+                <a:gridCol w="3946712">
                   <a:extLst>
                     <a:ext uri="{9D8B030D-6E8A-4147-A177-3AD203B41FA5}">
                       <a16:colId xmlns:a16="http://schemas.microsoft.com/office/drawing/2014/main" val="1166905258"/>
                     </a:ext>
                   </a:extLst>
                 </a:gridCol>
-                <a:gridCol w="1846086">
+                <a:gridCol w="1267558">
                   <a:extLst>
                     <a:ext uri="{9D8B030D-6E8A-4147-A177-3AD203B41FA5}">
                       <a16:colId xmlns:a16="http://schemas.microsoft.com/office/drawing/2014/main" val="50107376"/>
                     </a:ext>
                   </a:extLst>
                 </a:gridCol>
-                <a:gridCol w="1846086">
+                <a:gridCol w="1267558">
                   <a:extLst>
                     <a:ext uri="{9D8B030D-6E8A-4147-A177-3AD203B41FA5}">
                       <a16:colId xmlns:a16="http://schemas.microsoft.com/office/drawing/2014/main" val="34889993"/>
                     </a:ext>
                   </a:extLst>
                 </a:gridCol>
+                <a:gridCol w="1267558">
+                  <a:extLst>
+                    <a:ext uri="{9D8B030D-6E8A-4147-A177-3AD203B41FA5}">
+                      <a16:colId xmlns:a16="http://schemas.microsoft.com/office/drawing/2014/main" val="2221366948"/>
+                    </a:ext>
+                  </a:extLst>
+                </a:gridCol>
               </a:tblGrid>
-              <a:tr h="225137">
+              <a:tr h="570475">
                 <a:tc>
                   <a:txBody>
                     <a:bodyPr/>
@@ -27951,9 +30516,10 @@
                     <a:p>
                       <a:pPr algn="ctr"/>
                       <a:r>
-                        <a:rPr lang="it-IT" sz="1600" dirty="0"/>
+                        <a:rPr lang="it-IT" sz="1400" dirty="0"/>
                         <a:t>Task</a:t>
                       </a:r>
+                      <a:endParaRPr lang="it-IT" sz="1600" dirty="0"/>
                     </a:p>
                   </a:txBody>
                   <a:tcPr anchor="ctr"/>
@@ -27965,644 +30531,92 @@
                     <a:p>
                       <a:pPr algn="ctr"/>
                       <a:r>
+                        <a:rPr lang="it-IT" sz="1400" i="1" dirty="0"/>
+                        <a:t>Architecture</a:t>
+                      </a:r>
+                      <a:r>
                         <a:rPr lang="it-IT" sz="1600" i="1" dirty="0"/>
-                        <a:t>Kernel</a:t>
-                      </a:r>
-                      <a:r>
-                        <a:rPr lang="it-IT" sz="1600" dirty="0"/>
-                        <a:t> / </a:t>
-                      </a:r>
-                      <a:r>
-                        <a:rPr lang="it-IT" sz="1600" i="1" dirty="0"/>
-                        <a:t>C </a:t>
-                      </a:r>
-                      <a:r>
-                        <a:rPr lang="it-IT" sz="1600" dirty="0"/>
-                        <a:t>/ </a:t>
-                      </a:r>
-                      <a:r>
-                        <a:rPr lang="it-IT" sz="1600" i="1" dirty="0"/>
-                        <a:t>γ </a:t>
+                        <a:t> </a:t>
                       </a:r>
                       <a:r>
                         <a:rPr lang="it-IT" sz="1600" i="0" dirty="0"/>
                         <a:t>/ </a:t>
                       </a:r>
                       <a:r>
+                        <a:rPr lang="it-IT" sz="1400" i="1" dirty="0"/>
+                        <a:t>learning </a:t>
+                      </a:r>
+                      <a:r>
+                        <a:rPr lang="it-IT" sz="1400" i="1" dirty="0" err="1"/>
+                        <a:t>alg</a:t>
+                      </a:r>
+                      <a:r>
+                        <a:rPr lang="it-IT" sz="1400" i="1" dirty="0"/>
+                        <a:t> </a:t>
+                      </a:r>
+                      <a:r>
+                        <a:rPr lang="it-IT" sz="1400" i="0" dirty="0"/>
+                        <a:t>/</a:t>
+                      </a:r>
+                      <a:r>
+                        <a:rPr lang="it-IT" sz="1400" i="1" dirty="0"/>
+                        <a:t> act. f</a:t>
+                      </a:r>
+                      <a:r>
                         <a:rPr lang="it-IT" sz="1600" i="1" dirty="0"/>
-                        <a:t>p</a:t>
+                        <a:t> </a:t>
+                      </a:r>
+                      <a:r>
+                        <a:rPr lang="it-IT" sz="1600" i="0" dirty="0"/>
+                        <a:t>/ </a:t>
+                      </a:r>
+                      <a:r>
+                        <a:rPr lang="it-IT" sz="1400" i="1" dirty="0"/>
+                        <a:t>η</a:t>
                       </a:r>
                       <a:r>
                         <a:rPr lang="it-IT" sz="1600" i="0" dirty="0"/>
                         <a:t> / </a:t>
                       </a:r>
                       <a:r>
-                        <a:rPr lang="it-IT" sz="1600" i="1" dirty="0"/>
-                        <a:t>k0</a:t>
-                      </a:r>
-                    </a:p>
-                  </a:txBody>
-                  <a:tcPr anchor="ctr"/>
-                </a:tc>
-                <a:tc>
-                  <a:txBody>
-                    <a:bodyPr/>
-                    <a:lstStyle/>
-                    <a:p>
-                      <a:pPr algn="ctr"/>
-                      <a:r>
-                        <a:rPr lang="it-IT" sz="1600" dirty="0"/>
-                        <a:t>MSE </a:t>
-                      </a:r>
-                      <a:r>
-                        <a:rPr lang="it-IT" sz="1400" dirty="0"/>
-                        <a:t>(TR/TS)</a:t>
-                      </a:r>
-                    </a:p>
-                  </a:txBody>
-                  <a:tcPr anchor="ctr"/>
-                </a:tc>
-                <a:tc>
-                  <a:txBody>
-                    <a:bodyPr/>
-                    <a:lstStyle/>
-                    <a:p>
-                      <a:pPr algn="ctr"/>
-                      <a:r>
-                        <a:rPr lang="it-IT" sz="1600" dirty="0" err="1"/>
-                        <a:t>Accuracy</a:t>
-                      </a:r>
-                      <a:r>
-                        <a:rPr lang="it-IT" sz="1600" dirty="0"/>
+                        <a:rPr lang="it-IT" sz="1400" i="1" dirty="0"/>
+                        <a:t>α</a:t>
+                      </a:r>
+                      <a:r>
+                        <a:rPr lang="it-IT" sz="1600" i="0" dirty="0"/>
+                        <a:t> / </a:t>
+                      </a:r>
+                      <a:r>
+                        <a:rPr lang="it-IT" sz="1400" i="1" dirty="0"/>
+                        <a:t>λ</a:t>
+                      </a:r>
+                      <a:r>
+                        <a:rPr lang="it-IT" sz="1600" i="0" dirty="0"/>
+                        <a:t> / </a:t>
+                      </a:r>
+                      <a:r>
+                        <a:rPr lang="it-IT" sz="1400" i="1" dirty="0" err="1"/>
+                        <a:t>epochs</a:t>
+                      </a:r>
+                      <a:r>
+                        <a:rPr lang="it-IT" sz="1600" i="0" dirty="0"/>
+                        <a:t> / </a:t>
+                      </a:r>
+                      <a:r>
+                        <a:rPr lang="it-IT" sz="1400" i="1" dirty="0" err="1"/>
+                        <a:t>batch_size</a:t>
+                      </a:r>
+                      <a:r>
+                        <a:rPr lang="it-IT" sz="1400" i="1" dirty="0"/>
                         <a:t> </a:t>
                       </a:r>
                       <a:r>
-                        <a:rPr lang="it-IT" sz="1400" dirty="0"/>
-                        <a:t>(TR/TS)</a:t>
-                      </a:r>
-                    </a:p>
-                  </a:txBody>
-                  <a:tcPr anchor="ctr"/>
-                </a:tc>
-                <a:extLst>
-                  <a:ext uri="{0D108BD9-81ED-4DB2-BD59-A6C34878D82A}">
-                    <a16:rowId xmlns:a16="http://schemas.microsoft.com/office/drawing/2014/main" val="3654603585"/>
-                  </a:ext>
-                </a:extLst>
-              </a:tr>
-              <a:tr h="286538">
-                <a:tc>
-                  <a:txBody>
-                    <a:bodyPr/>
-                    <a:lstStyle/>
-                    <a:p>
-                      <a:pPr algn="ctr"/>
-                      <a:r>
-                        <a:rPr lang="it-IT" sz="1400" dirty="0"/>
-                        <a:t>Monk 1</a:t>
-                      </a:r>
-                    </a:p>
-                  </a:txBody>
-                  <a:tcPr anchor="ctr"/>
-                </a:tc>
-                <a:tc>
-                  <a:txBody>
-                    <a:bodyPr/>
-                    <a:lstStyle/>
-                    <a:p>
-                      <a:r>
                         <a:rPr lang="it-IT" sz="1400" i="0" dirty="0">
-                          <a:latin typeface="Consolas" panose="020B0609020204030204" pitchFamily="49" charset="0"/>
-                        </a:rPr>
-                        <a:t>Poly</a:t>
-                      </a:r>
-                      <a:r>
-                        <a:rPr lang="it-IT" sz="1400" i="0" dirty="0">
-                          <a:latin typeface="+mj-lt"/>
-                        </a:rPr>
-                        <a:t> </a:t>
-                      </a:r>
-                      <a:r>
-                        <a:rPr lang="it-IT" sz="1400" i="0" dirty="0">
-                          <a:latin typeface="Arial" panose="020B0604020202020204" pitchFamily="34" charset="0"/>
-                          <a:cs typeface="Arial" panose="020B0604020202020204" pitchFamily="34" charset="0"/>
-                        </a:rPr>
-                        <a:t>/ </a:t>
-                      </a:r>
-                      <a:r>
-                        <a:rPr lang="it-IT" sz="1400" i="1" dirty="0">
-                          <a:latin typeface="Arial" panose="020B0604020202020204" pitchFamily="34" charset="0"/>
-                          <a:cs typeface="Arial" panose="020B0604020202020204" pitchFamily="34" charset="0"/>
-                        </a:rPr>
-                        <a:t>1</a:t>
-                      </a:r>
-                      <a:r>
-                        <a:rPr lang="it-IT" sz="1400" i="0" dirty="0">
-                          <a:latin typeface="Arial" panose="020B0604020202020204" pitchFamily="34" charset="0"/>
-                          <a:cs typeface="Arial" panose="020B0604020202020204" pitchFamily="34" charset="0"/>
-                        </a:rPr>
-                        <a:t> / </a:t>
-                      </a:r>
-                      <a:r>
-                        <a:rPr lang="it-IT" sz="1400" i="1" dirty="0">
-                          <a:latin typeface="Arial" panose="020B0604020202020204" pitchFamily="34" charset="0"/>
-                          <a:cs typeface="Arial" panose="020B0604020202020204" pitchFamily="34" charset="0"/>
-                        </a:rPr>
-                        <a:t>1 </a:t>
-                      </a:r>
-                      <a:r>
-                        <a:rPr lang="it-IT" sz="1400" i="0" dirty="0">
-                          <a:latin typeface="Arial" panose="020B0604020202020204" pitchFamily="34" charset="0"/>
-                          <a:cs typeface="Arial" panose="020B0604020202020204" pitchFamily="34" charset="0"/>
-                        </a:rPr>
-                        <a:t>/ </a:t>
-                      </a:r>
-                      <a:r>
-                        <a:rPr lang="it-IT" sz="1400" i="1" dirty="0">
-                          <a:latin typeface="Arial" panose="020B0604020202020204" pitchFamily="34" charset="0"/>
-                          <a:cs typeface="Arial" panose="020B0604020202020204" pitchFamily="34" charset="0"/>
-                        </a:rPr>
-                        <a:t>2</a:t>
-                      </a:r>
-                      <a:r>
-                        <a:rPr lang="it-IT" sz="1400" i="0" dirty="0">
-                          <a:latin typeface="Arial" panose="020B0604020202020204" pitchFamily="34" charset="0"/>
-                          <a:cs typeface="Arial" panose="020B0604020202020204" pitchFamily="34" charset="0"/>
-                        </a:rPr>
-                        <a:t> / </a:t>
-                      </a:r>
-                      <a:r>
-                        <a:rPr lang="it-IT" sz="1400" i="1" dirty="0">
-                          <a:latin typeface="Arial" panose="020B0604020202020204" pitchFamily="34" charset="0"/>
-                          <a:cs typeface="Arial" panose="020B0604020202020204" pitchFamily="34" charset="0"/>
-                        </a:rPr>
-                        <a:t>0.5</a:t>
-                      </a:r>
-                    </a:p>
-                  </a:txBody>
-                  <a:tcPr anchor="ctr"/>
-                </a:tc>
-                <a:tc>
-                  <a:txBody>
-                    <a:bodyPr/>
-                    <a:lstStyle/>
-                    <a:p>
-                      <a:pPr algn="ctr"/>
-                      <a:endParaRPr lang="it-IT" sz="1100" i="1" dirty="0"/>
-                    </a:p>
-                  </a:txBody>
-                  <a:tcPr anchor="ctr"/>
-                </a:tc>
-                <a:tc>
-                  <a:txBody>
-                    <a:bodyPr/>
-                    <a:lstStyle/>
-                    <a:p>
-                      <a:pPr algn="ctr"/>
-                      <a:r>
-                        <a:rPr lang="it-IT" sz="1400" i="1" dirty="0"/>
-                        <a:t>80.43% </a:t>
-                      </a:r>
-                      <a:r>
-                        <a:rPr lang="it-IT" sz="1400" i="0" dirty="0"/>
-                        <a:t>/</a:t>
-                      </a:r>
-                      <a:r>
-                        <a:rPr lang="it-IT" sz="1400" i="1" dirty="0"/>
-                        <a:t> 100%</a:t>
-                      </a:r>
-                    </a:p>
-                  </a:txBody>
-                  <a:tcPr anchor="ctr"/>
-                </a:tc>
-                <a:extLst>
-                  <a:ext uri="{0D108BD9-81ED-4DB2-BD59-A6C34878D82A}">
-                    <a16:rowId xmlns:a16="http://schemas.microsoft.com/office/drawing/2014/main" val="1051854847"/>
-                  </a:ext>
-                </a:extLst>
-              </a:tr>
-              <a:tr h="286538">
-                <a:tc>
-                  <a:txBody>
-                    <a:bodyPr/>
-                    <a:lstStyle/>
-                    <a:p>
-                      <a:pPr algn="ctr"/>
-                      <a:r>
-                        <a:rPr lang="it-IT" sz="1400" dirty="0"/>
-                        <a:t>Monk 2</a:t>
-                      </a:r>
-                    </a:p>
-                  </a:txBody>
-                  <a:tcPr anchor="ctr"/>
-                </a:tc>
-                <a:tc>
-                  <a:txBody>
-                    <a:bodyPr/>
-                    <a:lstStyle/>
-                    <a:p>
-                      <a:r>
-                        <a:rPr lang="it-IT" sz="1400" dirty="0">
-                          <a:latin typeface="Consolas" panose="020B0609020204030204" pitchFamily="49" charset="0"/>
-                        </a:rPr>
-                        <a:t>Poly</a:t>
-                      </a:r>
-                      <a:r>
-                        <a:rPr lang="it-IT" sz="1400" dirty="0"/>
-                        <a:t> / </a:t>
-                      </a:r>
-                      <a:r>
-                        <a:rPr lang="it-IT" sz="1400" i="1" dirty="0"/>
-                        <a:t>10</a:t>
-                      </a:r>
-                      <a:r>
-                        <a:rPr lang="it-IT" sz="1400" dirty="0"/>
-                        <a:t> / </a:t>
-                      </a:r>
-                      <a:r>
-                        <a:rPr lang="it-IT" sz="1400" i="1" dirty="0"/>
-                        <a:t>1 </a:t>
-                      </a:r>
-                      <a:r>
-                        <a:rPr lang="it-IT" sz="1400" dirty="0"/>
-                        <a:t>/ </a:t>
-                      </a:r>
-                      <a:r>
-                        <a:rPr lang="it-IT" sz="1400" i="1" dirty="0"/>
-                        <a:t>2 </a:t>
-                      </a:r>
-                      <a:r>
-                        <a:rPr lang="it-IT" sz="1400" dirty="0"/>
-                        <a:t>/ </a:t>
-                      </a:r>
-                      <a:r>
-                        <a:rPr lang="it-IT" sz="1400" i="1" dirty="0"/>
-                        <a:t>0.0</a:t>
-                      </a:r>
-                    </a:p>
-                  </a:txBody>
-                  <a:tcPr anchor="ctr"/>
-                </a:tc>
-                <a:tc>
-                  <a:txBody>
-                    <a:bodyPr/>
-                    <a:lstStyle/>
-                    <a:p>
-                      <a:pPr marL="0" marR="0" lvl="0" indent="0" algn="ctr" defTabSz="914400" rtl="0" eaLnBrk="1" fontAlgn="auto" latinLnBrk="0" hangingPunct="1">
-                        <a:lnSpc>
-                          <a:spcPct val="100000"/>
-                        </a:lnSpc>
-                        <a:spcBef>
-                          <a:spcPts val="0"/>
-                        </a:spcBef>
-                        <a:spcAft>
-                          <a:spcPts val="0"/>
-                        </a:spcAft>
-                        <a:buClrTx/>
-                        <a:buSzTx/>
-                        <a:buFontTx/>
-                        <a:buNone/>
-                        <a:tabLst/>
-                        <a:defRPr/>
-                      </a:pPr>
-                      <a:endParaRPr lang="it-IT" sz="1400" dirty="0"/>
-                    </a:p>
-                  </a:txBody>
-                  <a:tcPr anchor="ctr"/>
-                </a:tc>
-                <a:tc>
-                  <a:txBody>
-                    <a:bodyPr/>
-                    <a:lstStyle/>
-                    <a:p>
-                      <a:pPr algn="ctr"/>
-                      <a:r>
-                        <a:rPr lang="it-IT" sz="1400" i="1" dirty="0"/>
-                        <a:t>72.31% </a:t>
-                      </a:r>
-                      <a:r>
-                        <a:rPr lang="it-IT" sz="1400" i="0" dirty="0"/>
-                        <a:t>/ </a:t>
-                      </a:r>
-                      <a:r>
-                        <a:rPr lang="it-IT" sz="1400" i="1" dirty="0"/>
-                        <a:t>100%</a:t>
-                      </a:r>
-                    </a:p>
-                  </a:txBody>
-                  <a:tcPr anchor="ctr"/>
-                </a:tc>
-                <a:extLst>
-                  <a:ext uri="{0D108BD9-81ED-4DB2-BD59-A6C34878D82A}">
-                    <a16:rowId xmlns:a16="http://schemas.microsoft.com/office/drawing/2014/main" val="883051443"/>
-                  </a:ext>
-                </a:extLst>
-              </a:tr>
-              <a:tr h="286538">
-                <a:tc>
-                  <a:txBody>
-                    <a:bodyPr/>
-                    <a:lstStyle/>
-                    <a:p>
-                      <a:pPr algn="ctr"/>
-                      <a:r>
-                        <a:rPr lang="it-IT" sz="1400" dirty="0"/>
-                        <a:t>Monk 3</a:t>
-                      </a:r>
-                    </a:p>
-                  </a:txBody>
-                  <a:tcPr anchor="ctr"/>
-                </a:tc>
-                <a:tc>
-                  <a:txBody>
-                    <a:bodyPr/>
-                    <a:lstStyle/>
-                    <a:p>
-                      <a:r>
-                        <a:rPr lang="it-IT" sz="1400" dirty="0">
-                          <a:latin typeface="Consolas" panose="020B0609020204030204" pitchFamily="49" charset="0"/>
-                        </a:rPr>
-                        <a:t>RBF</a:t>
-                      </a:r>
-                      <a:r>
-                        <a:rPr lang="it-IT" sz="1400" dirty="0"/>
-                        <a:t> / </a:t>
-                      </a:r>
-                      <a:r>
-                        <a:rPr lang="it-IT" sz="1400" i="1" dirty="0"/>
-                        <a:t>1</a:t>
-                      </a:r>
-                      <a:r>
-                        <a:rPr lang="it-IT" sz="1400" dirty="0"/>
-                        <a:t> / </a:t>
-                      </a:r>
-                      <a:r>
-                        <a:rPr lang="it-IT" sz="1400" i="1" dirty="0"/>
-                        <a:t>0.1</a:t>
-                      </a:r>
-                      <a:r>
-                        <a:rPr lang="it-IT" sz="1400" dirty="0"/>
-                        <a:t> / </a:t>
-                      </a:r>
-                      <a:r>
-                        <a:rPr lang="it-IT" sz="1400" i="1" dirty="0" err="1"/>
-                        <a:t>n.d.</a:t>
-                      </a:r>
-                      <a:r>
-                        <a:rPr lang="it-IT" sz="1400" dirty="0"/>
-                        <a:t> / </a:t>
-                      </a:r>
-                      <a:r>
-                        <a:rPr lang="it-IT" sz="1400" i="1" dirty="0" err="1"/>
-                        <a:t>n.d.</a:t>
-                      </a:r>
-                      <a:endParaRPr lang="it-IT" sz="1400" i="1" dirty="0"/>
-                    </a:p>
-                  </a:txBody>
-                  <a:tcPr anchor="ctr"/>
-                </a:tc>
-                <a:tc>
-                  <a:txBody>
-                    <a:bodyPr/>
-                    <a:lstStyle/>
-                    <a:p>
-                      <a:pPr marL="0" marR="0" lvl="0" indent="0" algn="ctr" defTabSz="914400" rtl="0" eaLnBrk="1" fontAlgn="auto" latinLnBrk="0" hangingPunct="1">
-                        <a:lnSpc>
-                          <a:spcPct val="100000"/>
-                        </a:lnSpc>
-                        <a:spcBef>
-                          <a:spcPts val="0"/>
-                        </a:spcBef>
-                        <a:spcAft>
-                          <a:spcPts val="0"/>
-                        </a:spcAft>
-                        <a:buClrTx/>
-                        <a:buSzTx/>
-                        <a:buFontTx/>
-                        <a:buNone/>
-                        <a:tabLst/>
-                        <a:defRPr/>
-                      </a:pPr>
-                      <a:endParaRPr lang="it-IT" sz="1400" dirty="0"/>
-                    </a:p>
-                  </a:txBody>
-                  <a:tcPr anchor="ctr"/>
-                </a:tc>
-                <a:tc>
-                  <a:txBody>
-                    <a:bodyPr/>
-                    <a:lstStyle/>
-                    <a:p>
-                      <a:pPr marL="0" marR="0" lvl="0" indent="0" algn="ctr" defTabSz="914400" rtl="0" eaLnBrk="1" fontAlgn="auto" latinLnBrk="0" hangingPunct="1">
-                        <a:lnSpc>
-                          <a:spcPct val="100000"/>
-                        </a:lnSpc>
-                        <a:spcBef>
-                          <a:spcPts val="0"/>
-                        </a:spcBef>
-                        <a:spcAft>
-                          <a:spcPts val="0"/>
-                        </a:spcAft>
-                        <a:buClrTx/>
-                        <a:buSzTx/>
-                        <a:buFontTx/>
-                        <a:buNone/>
-                        <a:tabLst/>
-                        <a:defRPr/>
-                      </a:pPr>
-                      <a:r>
-                        <a:rPr lang="it-IT" sz="1400" i="1" dirty="0"/>
-                        <a:t>93.40% </a:t>
-                      </a:r>
-                      <a:r>
-                        <a:rPr lang="it-IT" sz="1400" i="0" dirty="0"/>
-                        <a:t>/</a:t>
-                      </a:r>
-                      <a:r>
-                        <a:rPr lang="it-IT" sz="1400" i="1" dirty="0"/>
-                        <a:t> 97.22%</a:t>
-                      </a:r>
-                    </a:p>
-                  </a:txBody>
-                  <a:tcPr anchor="ctr"/>
-                </a:tc>
-                <a:extLst>
-                  <a:ext uri="{0D108BD9-81ED-4DB2-BD59-A6C34878D82A}">
-                    <a16:rowId xmlns:a16="http://schemas.microsoft.com/office/drawing/2014/main" val="3800155377"/>
-                  </a:ext>
-                </a:extLst>
-              </a:tr>
-            </a:tbl>
-          </a:graphicData>
-        </a:graphic>
-      </p:graphicFrame>
-      <p:sp>
-        <p:nvSpPr>
-          <p:cNvPr id="5" name="CasellaDiTesto 4">
-            <a:extLst>
-              <a:ext uri="{FF2B5EF4-FFF2-40B4-BE49-F238E27FC236}">
-                <a16:creationId xmlns:a16="http://schemas.microsoft.com/office/drawing/2014/main" id="{BE230A9E-6BC2-8724-6E64-FC538A331645}"/>
-              </a:ext>
-            </a:extLst>
-          </p:cNvPr>
-          <p:cNvSpPr txBox="1">
-            <a:spLocks/>
-          </p:cNvSpPr>
-          <p:nvPr/>
-        </p:nvSpPr>
-        <p:spPr>
-          <a:xfrm>
-            <a:off x="311756" y="578700"/>
-            <a:ext cx="8160842" cy="338554"/>
-          </a:xfrm>
-          <a:prstGeom prst="rect">
-            <a:avLst/>
-          </a:prstGeom>
-          <a:noFill/>
-        </p:spPr>
-        <p:txBody>
-          <a:bodyPr wrap="square" rtlCol="0">
-            <a:spAutoFit/>
-          </a:bodyPr>
-          <a:lstStyle/>
-          <a:p>
-            <a:pPr algn="ctr"/>
-            <a:r>
-              <a:rPr lang="it-IT" sz="1600" b="1" dirty="0" err="1"/>
-              <a:t>Table</a:t>
-            </a:r>
-            <a:r>
-              <a:rPr lang="it-IT" sz="1600" b="1" dirty="0"/>
-              <a:t> 1</a:t>
-            </a:r>
-            <a:r>
-              <a:rPr lang="it-IT" sz="1600" dirty="0"/>
-              <a:t>: </a:t>
-            </a:r>
-            <a:r>
-              <a:rPr lang="it-IT" sz="1400" dirty="0" err="1"/>
-              <a:t>Prediction</a:t>
-            </a:r>
-            <a:r>
-              <a:rPr lang="it-IT" sz="1400" dirty="0"/>
-              <a:t> </a:t>
-            </a:r>
-            <a:r>
-              <a:rPr lang="it-IT" sz="1400" dirty="0" err="1"/>
-              <a:t>results</a:t>
-            </a:r>
-            <a:r>
-              <a:rPr lang="it-IT" sz="1400" dirty="0"/>
-              <a:t> </a:t>
-            </a:r>
-            <a:r>
-              <a:rPr lang="it-IT" sz="1400" dirty="0" err="1"/>
-              <a:t>obtained</a:t>
-            </a:r>
-            <a:r>
-              <a:rPr lang="it-IT" sz="1400" dirty="0"/>
-              <a:t> for the </a:t>
-            </a:r>
-            <a:r>
-              <a:rPr lang="it-IT" sz="1400" dirty="0" err="1"/>
-              <a:t>Monk’s</a:t>
-            </a:r>
-            <a:r>
-              <a:rPr lang="it-IT" sz="1400" dirty="0"/>
-              <a:t> task, with a SVM</a:t>
-            </a:r>
-            <a:endParaRPr lang="it-IT" sz="1600" dirty="0"/>
-          </a:p>
-        </p:txBody>
-      </p:sp>
-      <p:graphicFrame>
-        <p:nvGraphicFramePr>
-          <p:cNvPr id="8" name="Tabella 7">
-            <a:extLst>
-              <a:ext uri="{FF2B5EF4-FFF2-40B4-BE49-F238E27FC236}">
-                <a16:creationId xmlns:a16="http://schemas.microsoft.com/office/drawing/2014/main" id="{84DE0662-B539-4FAA-8D29-2412C11DB7EB}"/>
-              </a:ext>
-            </a:extLst>
-          </p:cNvPr>
-          <p:cNvGraphicFramePr>
-            <a:graphicFrameLocks noGrp="1"/>
-          </p:cNvGraphicFramePr>
-          <p:nvPr>
-            <p:extLst>
-              <p:ext uri="{D42A27DB-BD31-4B8C-83A1-F6EECF244321}">
-                <p14:modId xmlns:p14="http://schemas.microsoft.com/office/powerpoint/2010/main" val="2200219163"/>
-              </p:ext>
-            </p:extLst>
-          </p:nvPr>
-        </p:nvGraphicFramePr>
-        <p:xfrm>
-          <a:off x="311756" y="3040531"/>
-          <a:ext cx="8160842" cy="1645920"/>
-        </p:xfrm>
-        <a:graphic>
-          <a:graphicData uri="http://schemas.openxmlformats.org/drawingml/2006/table">
-            <a:tbl>
-              <a:tblPr firstRow="1" bandRow="1">
-                <a:tableStyleId>{0E3FDE45-AF77-4B5C-9715-49D594BDF05E}</a:tableStyleId>
-              </a:tblPr>
-              <a:tblGrid>
-                <a:gridCol w="972435">
-                  <a:extLst>
-                    <a:ext uri="{9D8B030D-6E8A-4147-A177-3AD203B41FA5}">
-                      <a16:colId xmlns:a16="http://schemas.microsoft.com/office/drawing/2014/main" val="935040320"/>
-                    </a:ext>
-                  </a:extLst>
-                </a:gridCol>
-                <a:gridCol w="3496235">
-                  <a:extLst>
-                    <a:ext uri="{9D8B030D-6E8A-4147-A177-3AD203B41FA5}">
-                      <a16:colId xmlns:a16="http://schemas.microsoft.com/office/drawing/2014/main" val="1166905258"/>
-                    </a:ext>
-                  </a:extLst>
-                </a:gridCol>
-                <a:gridCol w="1846086">
-                  <a:extLst>
-                    <a:ext uri="{9D8B030D-6E8A-4147-A177-3AD203B41FA5}">
-                      <a16:colId xmlns:a16="http://schemas.microsoft.com/office/drawing/2014/main" val="50107376"/>
-                    </a:ext>
-                  </a:extLst>
-                </a:gridCol>
-                <a:gridCol w="1846086">
-                  <a:extLst>
-                    <a:ext uri="{9D8B030D-6E8A-4147-A177-3AD203B41FA5}">
-                      <a16:colId xmlns:a16="http://schemas.microsoft.com/office/drawing/2014/main" val="34889993"/>
-                    </a:ext>
-                  </a:extLst>
-                </a:gridCol>
-              </a:tblGrid>
-              <a:tr h="225137">
-                <a:tc>
-                  <a:txBody>
-                    <a:bodyPr/>
-                    <a:lstStyle/>
-                    <a:p>
-                      <a:pPr algn="ctr"/>
-                      <a:r>
-                        <a:rPr lang="it-IT" sz="1600" dirty="0"/>
-                        <a:t>Task</a:t>
-                      </a:r>
-                    </a:p>
-                  </a:txBody>
-                  <a:tcPr anchor="ctr"/>
-                </a:tc>
-                <a:tc>
-                  <a:txBody>
-                    <a:bodyPr/>
-                    <a:lstStyle/>
-                    <a:p>
-                      <a:pPr algn="ctr"/>
-                      <a:r>
-                        <a:rPr lang="it-IT" sz="1400" i="1" dirty="0">
                           <a:solidFill>
                             <a:schemeClr val="tx1"/>
                           </a:solidFill>
                         </a:rPr>
-                        <a:t># </a:t>
+                        <a:t>/ </a:t>
                       </a:r>
                       <a:r>
                         <a:rPr lang="it-IT" sz="1400" i="1" dirty="0" err="1">
@@ -28610,185 +30624,9 @@
                             <a:schemeClr val="tx1"/>
                           </a:solidFill>
                         </a:rPr>
-                        <a:t>trees</a:t>
-                      </a:r>
-                      <a:r>
-                        <a:rPr lang="it-IT" sz="1400" i="1" dirty="0">
-                          <a:solidFill>
-                            <a:schemeClr val="tx1"/>
-                          </a:solidFill>
-                        </a:rPr>
-                        <a:t> </a:t>
-                      </a:r>
-                      <a:r>
-                        <a:rPr lang="it-IT" sz="1400" i="0" dirty="0">
-                          <a:solidFill>
-                            <a:schemeClr val="tx1"/>
-                          </a:solidFill>
-                        </a:rPr>
-                        <a:t>/</a:t>
-                      </a:r>
-                      <a:r>
-                        <a:rPr lang="it-IT" sz="1400" i="1" dirty="0">
-                          <a:solidFill>
-                            <a:schemeClr val="tx1"/>
-                          </a:solidFill>
-                        </a:rPr>
-                        <a:t> </a:t>
-                      </a:r>
-                      <a:r>
-                        <a:rPr lang="it-IT" sz="1400" i="1" dirty="0" err="1">
-                          <a:solidFill>
-                            <a:schemeClr val="tx1"/>
-                          </a:solidFill>
-                        </a:rPr>
-                        <a:t>maxDepth</a:t>
-                      </a:r>
-                      <a:r>
-                        <a:rPr lang="it-IT" sz="1400" i="1" dirty="0">
-                          <a:solidFill>
-                            <a:schemeClr val="tx1"/>
-                          </a:solidFill>
-                        </a:rPr>
-                        <a:t> </a:t>
-                      </a:r>
-                      <a:r>
-                        <a:rPr lang="it-IT" sz="1400" i="0" dirty="0">
-                          <a:solidFill>
-                            <a:schemeClr val="tx1"/>
-                          </a:solidFill>
-                        </a:rPr>
-                        <a:t>/</a:t>
-                      </a:r>
-                      <a:r>
-                        <a:rPr lang="it-IT" sz="1400" i="1" dirty="0">
-                          <a:solidFill>
-                            <a:schemeClr val="tx1"/>
-                          </a:solidFill>
-                        </a:rPr>
-                        <a:t> </a:t>
-                      </a:r>
-                      <a:r>
-                        <a:rPr lang="it-IT" sz="1400" i="1" dirty="0" err="1">
-                          <a:solidFill>
-                            <a:schemeClr val="tx1"/>
-                          </a:solidFill>
-                        </a:rPr>
-                        <a:t>min_samples_split</a:t>
-                      </a:r>
-                      <a:r>
-                        <a:rPr lang="it-IT" sz="1400" i="1" dirty="0">
-                          <a:solidFill>
-                            <a:schemeClr val="tx1"/>
-                          </a:solidFill>
-                        </a:rPr>
-                        <a:t> </a:t>
-                      </a:r>
-                      <a:r>
-                        <a:rPr lang="it-IT" sz="1400" i="0" dirty="0">
-                          <a:solidFill>
-                            <a:schemeClr val="tx1"/>
-                          </a:solidFill>
-                        </a:rPr>
-                        <a:t>/</a:t>
-                      </a:r>
-                      <a:r>
-                        <a:rPr lang="it-IT" sz="1400" i="1" dirty="0">
-                          <a:solidFill>
-                            <a:schemeClr val="tx1"/>
-                          </a:solidFill>
-                        </a:rPr>
-                        <a:t> </a:t>
-                      </a:r>
-                      <a:r>
-                        <a:rPr lang="it-IT" sz="1400" i="1" dirty="0" err="1">
-                          <a:solidFill>
-                            <a:schemeClr val="tx1"/>
-                          </a:solidFill>
-                        </a:rPr>
-                        <a:t>min_samples_leaf</a:t>
-                      </a:r>
-                      <a:r>
-                        <a:rPr lang="it-IT" sz="1400" i="1" dirty="0">
-                          <a:solidFill>
-                            <a:schemeClr val="tx1"/>
-                          </a:solidFill>
-                        </a:rPr>
-                        <a:t> </a:t>
-                      </a:r>
-                      <a:r>
-                        <a:rPr lang="it-IT" sz="1400" i="0" dirty="0">
-                          <a:solidFill>
-                            <a:schemeClr val="tx1"/>
-                          </a:solidFill>
-                        </a:rPr>
-                        <a:t>/</a:t>
-                      </a:r>
-                      <a:r>
-                        <a:rPr lang="it-IT" sz="1400" i="1" dirty="0">
-                          <a:solidFill>
-                            <a:schemeClr val="tx1"/>
-                          </a:solidFill>
-                        </a:rPr>
-                        <a:t> </a:t>
-                      </a:r>
-                      <a:r>
-                        <a:rPr lang="it-IT" sz="1400" i="1" dirty="0" err="1">
-                          <a:solidFill>
-                            <a:schemeClr val="tx1"/>
-                          </a:solidFill>
-                        </a:rPr>
-                        <a:t>maxFeatures</a:t>
-                      </a:r>
-                      <a:r>
-                        <a:rPr lang="it-IT" sz="1400" i="1" dirty="0">
-                          <a:solidFill>
-                            <a:schemeClr val="tx1"/>
-                          </a:solidFill>
-                        </a:rPr>
-                        <a:t> </a:t>
-                      </a:r>
-                      <a:r>
-                        <a:rPr lang="it-IT" sz="1400" i="0" dirty="0">
-                          <a:solidFill>
-                            <a:schemeClr val="tx1"/>
-                          </a:solidFill>
-                        </a:rPr>
-                        <a:t>/</a:t>
-                      </a:r>
-                      <a:r>
-                        <a:rPr lang="it-IT" sz="1400" i="1" dirty="0">
-                          <a:solidFill>
-                            <a:schemeClr val="tx1"/>
-                          </a:solidFill>
-                        </a:rPr>
-                        <a:t> bootstrap </a:t>
-                      </a:r>
-                      <a:r>
-                        <a:rPr lang="it-IT" sz="1400" i="0" dirty="0">
-                          <a:solidFill>
-                            <a:schemeClr val="tx1"/>
-                          </a:solidFill>
-                        </a:rPr>
-                        <a:t>/</a:t>
-                      </a:r>
-                      <a:r>
-                        <a:rPr lang="it-IT" sz="1400" i="1" dirty="0">
-                          <a:solidFill>
-                            <a:schemeClr val="tx1"/>
-                          </a:solidFill>
-                        </a:rPr>
-                        <a:t> </a:t>
-                      </a:r>
-                      <a:r>
-                        <a:rPr lang="it-IT" sz="1400" i="1" dirty="0" err="1">
-                          <a:solidFill>
-                            <a:schemeClr val="tx1"/>
-                          </a:solidFill>
-                        </a:rPr>
-                        <a:t>criterion</a:t>
-                      </a:r>
-                      <a:endParaRPr lang="it-IT" sz="1400" i="1" dirty="0">
+                        <a:t>patience</a:t>
+                      </a:r>
+                      <a:endParaRPr lang="it-IT" sz="1600" i="1" dirty="0">
                         <a:solidFill>
                           <a:schemeClr val="tx1"/>
                         </a:solidFill>
@@ -28804,12 +30642,16 @@
                     <a:p>
                       <a:pPr algn="ctr"/>
                       <a:r>
+                        <a:rPr lang="it-IT" sz="1400" dirty="0"/>
+                        <a:t>MSE</a:t>
+                      </a:r>
+                      <a:r>
                         <a:rPr lang="it-IT" sz="1600" dirty="0"/>
-                        <a:t>MSE </a:t>
+                        <a:t> </a:t>
                       </a:r>
                       <a:r>
                         <a:rPr lang="it-IT" sz="1400" dirty="0"/>
-                        <a:t>(TR/TS)</a:t>
+                        <a:t>(TR/VL)</a:t>
                       </a:r>
                     </a:p>
                   </a:txBody>
@@ -28822,7 +30664,7 @@
                     <a:p>
                       <a:pPr algn="ctr"/>
                       <a:r>
-                        <a:rPr lang="it-IT" sz="1600" dirty="0" err="1"/>
+                        <a:rPr lang="it-IT" sz="1400" dirty="0" err="1"/>
                         <a:t>Accuracy</a:t>
                       </a:r>
                       <a:r>
@@ -28831,7 +30673,25 @@
                       </a:r>
                       <a:r>
                         <a:rPr lang="it-IT" sz="1400" dirty="0"/>
-                        <a:t>(TR/TS)</a:t>
+                        <a:t>(TR/VL)</a:t>
+                      </a:r>
+                    </a:p>
+                  </a:txBody>
+                  <a:tcPr anchor="ctr"/>
+                </a:tc>
+                <a:tc>
+                  <a:txBody>
+                    <a:bodyPr/>
+                    <a:lstStyle/>
+                    <a:p>
+                      <a:pPr algn="ctr"/>
+                      <a:r>
+                        <a:rPr lang="it-IT" sz="1400" dirty="0" err="1"/>
+                        <a:t>Accuracy</a:t>
+                      </a:r>
+                      <a:r>
+                        <a:rPr lang="it-IT" sz="1400" dirty="0"/>
+                        <a:t> (TS)</a:t>
                       </a:r>
                     </a:p>
                   </a:txBody>
@@ -28843,7 +30703,7 @@
                   </a:ext>
                 </a:extLst>
               </a:tr>
-              <a:tr h="286538">
+              <a:tr h="300250">
                 <a:tc>
                   <a:txBody>
                     <a:bodyPr/>
@@ -28864,8 +30724,20 @@
                     <a:lstStyle/>
                     <a:p>
                       <a:r>
+                        <a:rPr lang="it-IT" sz="1400" i="0" dirty="0"/>
+                        <a:t>(</a:t>
+                      </a:r>
+                      <a:r>
                         <a:rPr lang="it-IT" sz="1400" i="1" dirty="0"/>
-                        <a:t>20 </a:t>
+                        <a:t>8,8</a:t>
+                      </a:r>
+                      <a:r>
+                        <a:rPr lang="it-IT" sz="1400" i="0" dirty="0"/>
+                        <a:t>)</a:t>
+                      </a:r>
+                      <a:r>
+                        <a:rPr lang="it-IT" sz="1400" i="1" dirty="0"/>
+                        <a:t> </a:t>
                       </a:r>
                       <a:r>
                         <a:rPr lang="it-IT" sz="1400" i="0" dirty="0"/>
@@ -28873,7 +30745,7 @@
                       </a:r>
                       <a:r>
                         <a:rPr lang="it-IT" sz="1400" i="1" dirty="0"/>
-                        <a:t> None </a:t>
+                        <a:t> SGD </a:t>
                       </a:r>
                       <a:r>
                         <a:rPr lang="it-IT" sz="1400" i="0" dirty="0"/>
@@ -28881,7 +30753,15 @@
                       </a:r>
                       <a:r>
                         <a:rPr lang="it-IT" sz="1400" i="1" dirty="0"/>
-                        <a:t> 4 </a:t>
+                        <a:t> </a:t>
+                      </a:r>
+                      <a:r>
+                        <a:rPr lang="it-IT" sz="1400" i="1" dirty="0" err="1"/>
+                        <a:t>ReLU</a:t>
+                      </a:r>
+                      <a:r>
+                        <a:rPr lang="it-IT" sz="1400" i="1" dirty="0"/>
+                        <a:t> </a:t>
                       </a:r>
                       <a:r>
                         <a:rPr lang="it-IT" sz="1400" i="0" dirty="0"/>
@@ -28889,7 +30769,7 @@
                       </a:r>
                       <a:r>
                         <a:rPr lang="it-IT" sz="1400" i="1" dirty="0"/>
-                        <a:t> 1 </a:t>
+                        <a:t> 0.1 </a:t>
                       </a:r>
                       <a:r>
                         <a:rPr lang="it-IT" sz="1400" i="0" dirty="0"/>
@@ -28897,7 +30777,7 @@
                       </a:r>
                       <a:r>
                         <a:rPr lang="it-IT" sz="1400" i="1" dirty="0"/>
-                        <a:t> None </a:t>
+                        <a:t> 0.6 </a:t>
                       </a:r>
                       <a:r>
                         <a:rPr lang="it-IT" sz="1400" i="0" dirty="0"/>
@@ -28905,7 +30785,7 @@
                       </a:r>
                       <a:r>
                         <a:rPr lang="it-IT" sz="1400" i="1" dirty="0"/>
-                        <a:t> True </a:t>
+                        <a:t> 0.01 </a:t>
                       </a:r>
                       <a:r>
                         <a:rPr lang="it-IT" sz="1400" i="0" dirty="0"/>
@@ -28913,17 +30793,24 @@
                       </a:r>
                       <a:r>
                         <a:rPr lang="it-IT" sz="1400" i="1" dirty="0"/>
-                        <a:t> </a:t>
-                      </a:r>
-                      <a:r>
-                        <a:rPr lang="it-IT" sz="1400" i="0" dirty="0" err="1">
-                          <a:latin typeface="Consolas" panose="020B0609020204030204" pitchFamily="49" charset="0"/>
-                        </a:rPr>
-                        <a:t>gini</a:t>
-                      </a:r>
-                      <a:endParaRPr lang="it-IT" sz="1400" i="0" dirty="0">
-                        <a:latin typeface="Consolas" panose="020B0609020204030204" pitchFamily="49" charset="0"/>
-                      </a:endParaRPr>
+                        <a:t> 200 </a:t>
+                      </a:r>
+                      <a:r>
+                        <a:rPr lang="it-IT" sz="1400" i="0" dirty="0"/>
+                        <a:t>/</a:t>
+                      </a:r>
+                      <a:r>
+                        <a:rPr lang="it-IT" sz="1400" i="1" dirty="0"/>
+                        <a:t> 8 </a:t>
+                      </a:r>
+                      <a:r>
+                        <a:rPr lang="it-IT" sz="1400" i="0" dirty="0"/>
+                        <a:t>/ </a:t>
+                      </a:r>
+                      <a:r>
+                        <a:rPr lang="it-IT" sz="1400" i="1" dirty="0"/>
+                        <a:t>6</a:t>
+                      </a:r>
                     </a:p>
                   </a:txBody>
                   <a:tcPr anchor="ctr"/>
@@ -28934,7 +30821,18 @@
                     <a:lstStyle/>
                     <a:p>
                       <a:pPr algn="ctr"/>
-                      <a:endParaRPr lang="it-IT" sz="1100" i="1" dirty="0"/>
+                      <a:r>
+                        <a:rPr lang="it-IT" sz="1400" i="1" dirty="0"/>
+                        <a:t>0.066 </a:t>
+                      </a:r>
+                      <a:r>
+                        <a:rPr lang="it-IT" sz="1400" i="0" dirty="0"/>
+                        <a:t>/</a:t>
+                      </a:r>
+                      <a:r>
+                        <a:rPr lang="it-IT" sz="1400" i="1" dirty="0"/>
+                        <a:t>  0.068</a:t>
+                      </a:r>
                     </a:p>
                   </a:txBody>
                   <a:tcPr anchor="ctr"/>
@@ -28947,7 +30845,7 @@
                       <a:pPr algn="ctr"/>
                       <a:r>
                         <a:rPr lang="it-IT" sz="1400" i="1" dirty="0"/>
-                        <a:t>78.03% </a:t>
+                        <a:t>100% </a:t>
                       </a:r>
                       <a:r>
                         <a:rPr lang="it-IT" sz="1400" i="0" dirty="0"/>
@@ -28955,7 +30853,21 @@
                       </a:r>
                       <a:r>
                         <a:rPr lang="it-IT" sz="1400" i="1" dirty="0"/>
-                        <a:t> 95.37%</a:t>
+                        <a:t> 100% </a:t>
+                      </a:r>
+                    </a:p>
+                  </a:txBody>
+                  <a:tcPr anchor="ctr"/>
+                </a:tc>
+                <a:tc>
+                  <a:txBody>
+                    <a:bodyPr/>
+                    <a:lstStyle/>
+                    <a:p>
+                      <a:pPr algn="ctr"/>
+                      <a:r>
+                        <a:rPr lang="it-IT" sz="1400" i="1" dirty="0"/>
+                        <a:t>100%</a:t>
                       </a:r>
                     </a:p>
                   </a:txBody>
@@ -28967,306 +30879,16 @@
                   </a:ext>
                 </a:extLst>
               </a:tr>
-              <a:tr h="286538">
-                <a:tc>
-                  <a:txBody>
-                    <a:bodyPr/>
-                    <a:lstStyle/>
-                    <a:p>
-                      <a:pPr algn="ctr"/>
-                      <a:r>
-                        <a:rPr lang="it-IT" sz="1400" dirty="0"/>
-                        <a:t>Monk 2</a:t>
-                      </a:r>
-                    </a:p>
-                  </a:txBody>
-                  <a:tcPr anchor="ctr"/>
-                </a:tc>
-                <a:tc>
-                  <a:txBody>
-                    <a:bodyPr/>
-                    <a:lstStyle/>
-                    <a:p>
-                      <a:r>
-                        <a:rPr lang="it-IT" sz="1400" i="1" dirty="0"/>
-                        <a:t>100</a:t>
-                      </a:r>
-                      <a:r>
-                        <a:rPr lang="it-IT" sz="1400" dirty="0"/>
-                        <a:t> / </a:t>
-                      </a:r>
-                      <a:r>
-                        <a:rPr lang="it-IT" sz="1400" i="1" dirty="0"/>
-                        <a:t>None</a:t>
-                      </a:r>
-                      <a:r>
-                        <a:rPr lang="it-IT" sz="1400" dirty="0"/>
-                        <a:t> / </a:t>
-                      </a:r>
-                      <a:r>
-                        <a:rPr lang="it-IT" sz="1400" i="1" dirty="0"/>
-                        <a:t>2</a:t>
-                      </a:r>
-                      <a:r>
-                        <a:rPr lang="it-IT" sz="1400" dirty="0"/>
-                        <a:t> / </a:t>
-                      </a:r>
-                      <a:r>
-                        <a:rPr lang="it-IT" sz="1400" i="1" dirty="0"/>
-                        <a:t>1</a:t>
-                      </a:r>
-                      <a:r>
-                        <a:rPr lang="it-IT" sz="1400" dirty="0"/>
-                        <a:t> / </a:t>
-                      </a:r>
-                      <a:r>
-                        <a:rPr lang="it-IT" sz="1400" i="1" dirty="0"/>
-                        <a:t>None</a:t>
-                      </a:r>
-                      <a:r>
-                        <a:rPr lang="it-IT" sz="1400" dirty="0"/>
-                        <a:t> / </a:t>
-                      </a:r>
-                      <a:r>
-                        <a:rPr lang="it-IT" sz="1400" i="1" dirty="0"/>
-                        <a:t>False</a:t>
-                      </a:r>
-                      <a:r>
-                        <a:rPr lang="it-IT" sz="1400" dirty="0"/>
-                        <a:t> / </a:t>
-                      </a:r>
-                      <a:r>
-                        <a:rPr lang="it-IT" sz="1400" i="0" dirty="0" err="1">
-                          <a:latin typeface="Consolas" panose="020B0609020204030204" pitchFamily="49" charset="0"/>
-                        </a:rPr>
-                        <a:t>gini</a:t>
-                      </a:r>
-                      <a:endParaRPr lang="it-IT" sz="1400" i="0" dirty="0">
-                        <a:latin typeface="Consolas" panose="020B0609020204030204" pitchFamily="49" charset="0"/>
-                      </a:endParaRPr>
-                    </a:p>
-                  </a:txBody>
-                  <a:tcPr anchor="ctr"/>
-                </a:tc>
-                <a:tc>
-                  <a:txBody>
-                    <a:bodyPr/>
-                    <a:lstStyle/>
-                    <a:p>
-                      <a:pPr marL="0" marR="0" lvl="0" indent="0" algn="ctr" defTabSz="914400" rtl="0" eaLnBrk="1" fontAlgn="auto" latinLnBrk="0" hangingPunct="1">
-                        <a:lnSpc>
-                          <a:spcPct val="100000"/>
-                        </a:lnSpc>
-                        <a:spcBef>
-                          <a:spcPts val="0"/>
-                        </a:spcBef>
-                        <a:spcAft>
-                          <a:spcPts val="0"/>
-                        </a:spcAft>
-                        <a:buClrTx/>
-                        <a:buSzTx/>
-                        <a:buFontTx/>
-                        <a:buNone/>
-                        <a:tabLst/>
-                        <a:defRPr/>
-                      </a:pPr>
-                      <a:endParaRPr lang="it-IT" sz="1400" dirty="0"/>
-                    </a:p>
-                  </a:txBody>
-                  <a:tcPr anchor="ctr"/>
-                </a:tc>
-                <a:tc>
-                  <a:txBody>
-                    <a:bodyPr/>
-                    <a:lstStyle/>
-                    <a:p>
-                      <a:pPr algn="ctr"/>
-                      <a:r>
-                        <a:rPr lang="it-IT" sz="1400" i="1" dirty="0"/>
-                        <a:t>65.17% </a:t>
-                      </a:r>
-                      <a:r>
-                        <a:rPr lang="it-IT" sz="1400" i="0" dirty="0"/>
-                        <a:t>/</a:t>
-                      </a:r>
-                      <a:r>
-                        <a:rPr lang="it-IT" sz="1400" i="1" dirty="0"/>
-                        <a:t> 81.94%</a:t>
-                      </a:r>
-                    </a:p>
-                  </a:txBody>
-                  <a:tcPr anchor="ctr"/>
-                </a:tc>
-                <a:extLst>
-                  <a:ext uri="{0D108BD9-81ED-4DB2-BD59-A6C34878D82A}">
-                    <a16:rowId xmlns:a16="http://schemas.microsoft.com/office/drawing/2014/main" val="883051443"/>
-                  </a:ext>
-                </a:extLst>
-              </a:tr>
-              <a:tr h="286538">
-                <a:tc>
-                  <a:txBody>
-                    <a:bodyPr/>
-                    <a:lstStyle/>
-                    <a:p>
-                      <a:pPr algn="ctr"/>
-                      <a:r>
-                        <a:rPr lang="it-IT" sz="1400" dirty="0"/>
-                        <a:t>Monk 3</a:t>
-                      </a:r>
-                    </a:p>
-                  </a:txBody>
-                  <a:tcPr anchor="ctr"/>
-                </a:tc>
-                <a:tc>
-                  <a:txBody>
-                    <a:bodyPr/>
-                    <a:lstStyle/>
-                    <a:p>
-                      <a:r>
-                        <a:rPr lang="it-IT" sz="1400" i="1" dirty="0"/>
-                        <a:t>50</a:t>
-                      </a:r>
-                      <a:r>
-                        <a:rPr lang="it-IT" sz="1400" dirty="0"/>
-                        <a:t> / </a:t>
-                      </a:r>
-                      <a:r>
-                        <a:rPr lang="it-IT" sz="1400" i="1" dirty="0"/>
-                        <a:t>None</a:t>
-                      </a:r>
-                      <a:r>
-                        <a:rPr lang="it-IT" sz="1400" dirty="0"/>
-                        <a:t> / </a:t>
-                      </a:r>
-                      <a:r>
-                        <a:rPr lang="it-IT" sz="1400" i="1" dirty="0"/>
-                        <a:t>6</a:t>
-                      </a:r>
-                      <a:r>
-                        <a:rPr lang="it-IT" sz="1400" dirty="0"/>
-                        <a:t> / </a:t>
-                      </a:r>
-                      <a:r>
-                        <a:rPr lang="it-IT" sz="1400" i="1" dirty="0"/>
-                        <a:t>1</a:t>
-                      </a:r>
-                      <a:r>
-                        <a:rPr lang="it-IT" sz="1400" dirty="0"/>
-                        <a:t> / </a:t>
-                      </a:r>
-                      <a:r>
-                        <a:rPr lang="it-IT" sz="1400" dirty="0" err="1">
-                          <a:latin typeface="Consolas" panose="020B0609020204030204" pitchFamily="49" charset="0"/>
-                        </a:rPr>
-                        <a:t>sqrt</a:t>
-                      </a:r>
-                      <a:r>
-                        <a:rPr lang="it-IT" sz="1400" dirty="0"/>
-                        <a:t> /</a:t>
-                      </a:r>
-                      <a:r>
-                        <a:rPr lang="it-IT" sz="1400" i="1" dirty="0"/>
-                        <a:t>True</a:t>
-                      </a:r>
-                      <a:r>
-                        <a:rPr lang="it-IT" sz="1400" dirty="0"/>
-                        <a:t> / </a:t>
-                      </a:r>
-                      <a:r>
-                        <a:rPr lang="it-IT" sz="1400" dirty="0" err="1">
-                          <a:latin typeface="Consolas" panose="020B0609020204030204" pitchFamily="49" charset="0"/>
-                        </a:rPr>
-                        <a:t>gini</a:t>
-                      </a:r>
-                      <a:endParaRPr lang="it-IT" sz="1400" dirty="0">
-                        <a:latin typeface="Consolas" panose="020B0609020204030204" pitchFamily="49" charset="0"/>
-                      </a:endParaRPr>
-                    </a:p>
-                  </a:txBody>
-                  <a:tcPr anchor="ctr"/>
-                </a:tc>
-                <a:tc>
-                  <a:txBody>
-                    <a:bodyPr/>
-                    <a:lstStyle/>
-                    <a:p>
-                      <a:pPr marL="0" marR="0" lvl="0" indent="0" algn="ctr" defTabSz="914400" rtl="0" eaLnBrk="1" fontAlgn="auto" latinLnBrk="0" hangingPunct="1">
-                        <a:lnSpc>
-                          <a:spcPct val="100000"/>
-                        </a:lnSpc>
-                        <a:spcBef>
-                          <a:spcPts val="0"/>
-                        </a:spcBef>
-                        <a:spcAft>
-                          <a:spcPts val="0"/>
-                        </a:spcAft>
-                        <a:buClrTx/>
-                        <a:buSzTx/>
-                        <a:buFontTx/>
-                        <a:buNone/>
-                        <a:tabLst/>
-                        <a:defRPr/>
-                      </a:pPr>
-                      <a:endParaRPr lang="it-IT" sz="1400" dirty="0"/>
-                    </a:p>
-                  </a:txBody>
-                  <a:tcPr anchor="ctr"/>
-                </a:tc>
-                <a:tc>
-                  <a:txBody>
-                    <a:bodyPr/>
-                    <a:lstStyle/>
-                    <a:p>
-                      <a:pPr marL="0" marR="0" lvl="0" indent="0" algn="ctr" defTabSz="914400" rtl="0" eaLnBrk="1" fontAlgn="auto" latinLnBrk="0" hangingPunct="1">
-                        <a:lnSpc>
-                          <a:spcPct val="100000"/>
-                        </a:lnSpc>
-                        <a:spcBef>
-                          <a:spcPts val="0"/>
-                        </a:spcBef>
-                        <a:spcAft>
-                          <a:spcPts val="0"/>
-                        </a:spcAft>
-                        <a:buClrTx/>
-                        <a:buSzTx/>
-                        <a:buFontTx/>
-                        <a:buNone/>
-                        <a:tabLst/>
-                        <a:defRPr/>
-                      </a:pPr>
-                      <a:r>
-                        <a:rPr lang="it-IT" sz="1400" i="1" dirty="0"/>
-                        <a:t>93.40% </a:t>
-                      </a:r>
-                      <a:r>
-                        <a:rPr lang="it-IT" sz="1400" i="0" dirty="0"/>
-                        <a:t>/</a:t>
-                      </a:r>
-                      <a:r>
-                        <a:rPr lang="it-IT" sz="1400" i="1" dirty="0"/>
-                        <a:t> 96.99%</a:t>
-                      </a:r>
-                    </a:p>
-                  </a:txBody>
-                  <a:tcPr anchor="ctr"/>
-                </a:tc>
-                <a:extLst>
-                  <a:ext uri="{0D108BD9-81ED-4DB2-BD59-A6C34878D82A}">
-                    <a16:rowId xmlns:a16="http://schemas.microsoft.com/office/drawing/2014/main" val="3800155377"/>
-                  </a:ext>
-                </a:extLst>
-              </a:tr>
             </a:tbl>
           </a:graphicData>
         </a:graphic>
       </p:graphicFrame>
       <p:sp>
         <p:nvSpPr>
-          <p:cNvPr id="9" name="CasellaDiTesto 8">
+          <p:cNvPr id="7" name="CasellaDiTesto 6">
             <a:extLst>
               <a:ext uri="{FF2B5EF4-FFF2-40B4-BE49-F238E27FC236}">
-                <a16:creationId xmlns:a16="http://schemas.microsoft.com/office/drawing/2014/main" id="{289BD0DD-F384-4DFC-09C8-CA90B7F477E0}"/>
+                <a16:creationId xmlns:a16="http://schemas.microsoft.com/office/drawing/2014/main" id="{2ABFE1FE-5461-7581-CC8F-0B544FA8D725}"/>
               </a:ext>
             </a:extLst>
           </p:cNvPr>
@@ -29277,8 +30899,8 @@
         </p:nvSpPr>
         <p:spPr>
           <a:xfrm>
-            <a:off x="311755" y="2701975"/>
-            <a:ext cx="8160842" cy="338554"/>
+            <a:off x="311757" y="514839"/>
+            <a:ext cx="8520119" cy="338554"/>
           </a:xfrm>
           <a:prstGeom prst="rect">
             <a:avLst/>
@@ -29293,12 +30915,12 @@
           <a:p>
             <a:pPr algn="ctr"/>
             <a:r>
-              <a:rPr lang="it-IT" sz="1600" b="1" dirty="0" err="1"/>
+              <a:rPr lang="it-IT" sz="1400" b="1" dirty="0" err="1"/>
               <a:t>Table</a:t>
             </a:r>
             <a:r>
-              <a:rPr lang="it-IT" sz="1600" b="1" dirty="0"/>
-              <a:t> 2</a:t>
+              <a:rPr lang="it-IT" sz="1400" b="1" dirty="0"/>
+              <a:t> 1</a:t>
             </a:r>
             <a:r>
               <a:rPr lang="it-IT" sz="1600" dirty="0"/>
@@ -29342,16 +30964,123 @@
             </a:r>
             <a:r>
               <a:rPr lang="it-IT" sz="1400" dirty="0"/>
-              <a:t> task, with a Random </a:t>
-            </a:r>
-            <a:r>
-              <a:rPr lang="it-IT" sz="1400" dirty="0" err="1"/>
-              <a:t>Forest</a:t>
+              <a:t> task, with a </a:t>
+            </a:r>
+            <a:r>
+              <a:rPr lang="it-IT" sz="1400" dirty="0" err="1"/>
+              <a:t>Neural</a:t>
+            </a:r>
+            <a:r>
+              <a:rPr lang="it-IT" sz="1400" dirty="0"/>
+              <a:t> Network</a:t>
             </a:r>
             <a:endParaRPr lang="it-IT" sz="1600" dirty="0"/>
           </a:p>
         </p:txBody>
       </p:sp>
+      <p:sp>
+        <p:nvSpPr>
+          <p:cNvPr id="10" name="CasellaDiTesto 9">
+            <a:extLst>
+              <a:ext uri="{FF2B5EF4-FFF2-40B4-BE49-F238E27FC236}">
+                <a16:creationId xmlns:a16="http://schemas.microsoft.com/office/drawing/2014/main" id="{1EA453C9-EB37-83F2-D7AC-5A24A96A908E}"/>
+              </a:ext>
+            </a:extLst>
+          </p:cNvPr>
+          <p:cNvSpPr txBox="1"/>
+          <p:nvPr/>
+        </p:nvSpPr>
+        <p:spPr>
+          <a:xfrm>
+            <a:off x="6918947" y="2173461"/>
+            <a:ext cx="1912929" cy="954107"/>
+          </a:xfrm>
+          <a:prstGeom prst="rect">
+            <a:avLst/>
+          </a:prstGeom>
+          <a:noFill/>
+        </p:spPr>
+        <p:txBody>
+          <a:bodyPr wrap="square" rtlCol="0">
+            <a:spAutoFit/>
+          </a:bodyPr>
+          <a:lstStyle/>
+          <a:p>
+            <a:r>
+              <a:rPr lang="it-IT" sz="1400" b="1" dirty="0">
+                <a:solidFill>
+                  <a:srgbClr val="FF0000"/>
+                </a:solidFill>
+              </a:rPr>
+              <a:t>Figure 1</a:t>
+            </a:r>
+            <a:r>
+              <a:rPr lang="it-IT" sz="1400" dirty="0"/>
+              <a:t>: </a:t>
+            </a:r>
+            <a:br>
+              <a:rPr lang="it-IT" sz="1400" dirty="0"/>
+            </a:br>
+            <a:r>
+              <a:rPr lang="it-IT" sz="1400" dirty="0"/>
+              <a:t>MSE and </a:t>
+            </a:r>
+            <a:r>
+              <a:rPr lang="it-IT" sz="1400" dirty="0" err="1"/>
+              <a:t>accuracy</a:t>
+            </a:r>
+            <a:r>
+              <a:rPr lang="it-IT" sz="1400" dirty="0"/>
+              <a:t>  plots for the model in </a:t>
+            </a:r>
+            <a:r>
+              <a:rPr lang="it-IT" sz="1400" dirty="0" err="1"/>
+              <a:t>Table</a:t>
+            </a:r>
+            <a:r>
+              <a:rPr lang="it-IT" sz="1400" dirty="0"/>
+              <a:t> 1, Monk1 task </a:t>
+            </a:r>
+            <a:endParaRPr lang="it-IT" dirty="0"/>
+          </a:p>
+        </p:txBody>
+      </p:sp>
+      <p:pic>
+        <p:nvPicPr>
+          <p:cNvPr id="12" name="Immagine 11" descr="Immagine che contiene testo, Diagramma, diagramma, linea&#10;&#10;Descrizione generata automaticamente">
+            <a:extLst>
+              <a:ext uri="{FF2B5EF4-FFF2-40B4-BE49-F238E27FC236}">
+                <a16:creationId xmlns:a16="http://schemas.microsoft.com/office/drawing/2014/main" id="{F15100DF-191E-2842-04EB-BADF6A272AB4}"/>
+              </a:ext>
+            </a:extLst>
+          </p:cNvPr>
+          <p:cNvPicPr>
+            <a:picLocks noChangeAspect="1"/>
+          </p:cNvPicPr>
+          <p:nvPr/>
+        </p:nvPicPr>
+        <p:blipFill>
+          <a:blip r:embed="rId2">
+            <a:extLst>
+              <a:ext uri="{28A0092B-C50C-407E-A947-70E740481C1C}">
+                <a14:useLocalDpi xmlns:a14="http://schemas.microsoft.com/office/drawing/2010/main" val="0"/>
+              </a:ext>
+            </a:extLst>
+          </a:blip>
+          <a:stretch>
+            <a:fillRect/>
+          </a:stretch>
+        </p:blipFill>
+        <p:spPr>
+          <a:xfrm>
+            <a:off x="311757" y="2054586"/>
+            <a:ext cx="6607190" cy="2703195"/>
+          </a:xfrm>
+          <a:prstGeom prst="rect">
+            <a:avLst/>
+          </a:prstGeom>
+        </p:spPr>
+      </p:pic>
     </p:spTree>
   </p:cSld>
   <p:clrMapOvr>
@@ -29379,7 +31108,7 @@
       </p:grpSpPr>
       <p:sp>
         <p:nvSpPr>
-          <p:cNvPr id="93" name="PlaceHolder 1"/>
+          <p:cNvPr id="97" name="PlaceHolder 1"/>
           <p:cNvSpPr>
             <a:spLocks noGrp="1"/>
           </p:cNvSpPr>
@@ -29402,7 +31131,7 @@
         </p:spPr>
         <p:txBody>
           <a:bodyPr tIns="91440" bIns="91440" anchor="t">
-            <a:normAutofit/>
+            <a:normAutofit fontScale="90000"/>
           </a:bodyPr>
           <a:lstStyle/>
           <a:p>
@@ -29416,28 +31145,18 @@
               </a:tabLst>
             </a:pPr>
             <a:r>
-              <a:rPr lang="it" sz="2400" b="0" strike="noStrike" spc="-1" dirty="0">
+              <a:rPr lang="it" sz="2700" b="0" strike="noStrike" spc="-1" dirty="0">
                 <a:solidFill>
                   <a:srgbClr val="000000"/>
                 </a:solidFill>
                 <a:latin typeface="Arial"/>
                 <a:ea typeface="Arial"/>
               </a:rPr>
-              <a:t>Monk Results:</a:t>
-            </a:r>
-            <a:r>
-              <a:rPr lang="it" sz="2400" spc="-1" dirty="0">
-                <a:solidFill>
-                  <a:srgbClr val="000000"/>
-                </a:solidFill>
-                <a:latin typeface="Arial"/>
-                <a:ea typeface="Arial"/>
-              </a:rPr>
-              <a:t> Selected grid search results – 2</a:t>
-            </a:r>
-            <a:endParaRPr lang="it-IT" sz="2400" b="0" strike="noStrike" spc="-1" dirty="0">
+              <a:t>Monk 2 Results</a:t>
+            </a:r>
+            <a:endParaRPr lang="it-IT" sz="2800" b="0" strike="noStrike" spc="-1" dirty="0">
               <a:solidFill>
-                <a:srgbClr val="000000"/>
+                <a:srgbClr val="FF0000"/>
               </a:solidFill>
               <a:latin typeface="Arial"/>
             </a:endParaRPr>
@@ -29446,12 +31165,12 @@
       </p:sp>
       <p:sp>
         <p:nvSpPr>
-          <p:cNvPr id="96" name="PlaceHolder 3"/>
+          <p:cNvPr id="100" name="PlaceHolder 3"/>
           <p:cNvSpPr>
             <a:spLocks noGrp="1"/>
           </p:cNvSpPr>
           <p:nvPr>
-            <p:ph type="sldNum" idx="6"/>
+            <p:ph type="sldNum" idx="7"/>
           </p:nvPr>
         </p:nvSpPr>
         <p:spPr>
@@ -29499,7 +31218,7 @@
                 <a:tab pos="0" algn="l"/>
               </a:tabLst>
             </a:pPr>
-            <a:fld id="{C06FC27A-D984-4D7D-8FA5-F1FA6C63CC6C}" type="slidenum">
+            <a:fld id="{75C65507-15BA-480B-A2F8-91DEDD4DCA22}" type="slidenum">
               <a:rPr lang="it" sz="1000" b="0" strike="noStrike" spc="-1">
                 <a:solidFill>
                   <a:srgbClr val="595959"/>
@@ -29515,503 +31234,12 @@
           </a:p>
         </p:txBody>
       </p:sp>
-      <p:graphicFrame>
-        <p:nvGraphicFramePr>
-          <p:cNvPr id="4" name="Tabella 3">
+      <p:sp>
+        <p:nvSpPr>
+          <p:cNvPr id="7" name="CasellaDiTesto 6">
             <a:extLst>
               <a:ext uri="{FF2B5EF4-FFF2-40B4-BE49-F238E27FC236}">
-                <a16:creationId xmlns:a16="http://schemas.microsoft.com/office/drawing/2014/main" id="{3675E250-FFA3-31FA-EC49-7C7764955A7F}"/>
-              </a:ext>
-            </a:extLst>
-          </p:cNvPr>
-          <p:cNvGraphicFramePr>
-            <a:graphicFrameLocks noGrp="1"/>
-          </p:cNvGraphicFramePr>
-          <p:nvPr>
-            <p:extLst>
-              <p:ext uri="{D42A27DB-BD31-4B8C-83A1-F6EECF244321}">
-                <p14:modId xmlns:p14="http://schemas.microsoft.com/office/powerpoint/2010/main" val="3501875153"/>
-              </p:ext>
-            </p:extLst>
-          </p:nvPr>
-        </p:nvGraphicFramePr>
-        <p:xfrm>
-          <a:off x="311758" y="1139467"/>
-          <a:ext cx="8160842" cy="3536460"/>
-        </p:xfrm>
-        <a:graphic>
-          <a:graphicData uri="http://schemas.openxmlformats.org/drawingml/2006/table">
-            <a:tbl>
-              <a:tblPr firstRow="1" bandRow="1">
-                <a:tableStyleId>{0E3FDE45-AF77-4B5C-9715-49D594BDF05E}</a:tableStyleId>
-              </a:tblPr>
-              <a:tblGrid>
-                <a:gridCol w="972435">
-                  <a:extLst>
-                    <a:ext uri="{9D8B030D-6E8A-4147-A177-3AD203B41FA5}">
-                      <a16:colId xmlns:a16="http://schemas.microsoft.com/office/drawing/2014/main" val="935040320"/>
-                    </a:ext>
-                  </a:extLst>
-                </a:gridCol>
-                <a:gridCol w="3496235">
-                  <a:extLst>
-                    <a:ext uri="{9D8B030D-6E8A-4147-A177-3AD203B41FA5}">
-                      <a16:colId xmlns:a16="http://schemas.microsoft.com/office/drawing/2014/main" val="1166905258"/>
-                    </a:ext>
-                  </a:extLst>
-                </a:gridCol>
-                <a:gridCol w="1846086">
-                  <a:extLst>
-                    <a:ext uri="{9D8B030D-6E8A-4147-A177-3AD203B41FA5}">
-                      <a16:colId xmlns:a16="http://schemas.microsoft.com/office/drawing/2014/main" val="50107376"/>
-                    </a:ext>
-                  </a:extLst>
-                </a:gridCol>
-                <a:gridCol w="1846086">
-                  <a:extLst>
-                    <a:ext uri="{9D8B030D-6E8A-4147-A177-3AD203B41FA5}">
-                      <a16:colId xmlns:a16="http://schemas.microsoft.com/office/drawing/2014/main" val="34889993"/>
-                    </a:ext>
-                  </a:extLst>
-                </a:gridCol>
-              </a:tblGrid>
-              <a:tr h="481506">
-                <a:tc>
-                  <a:txBody>
-                    <a:bodyPr/>
-                    <a:lstStyle/>
-                    <a:p>
-                      <a:pPr algn="ctr"/>
-                      <a:r>
-                        <a:rPr lang="it-IT" sz="1600" dirty="0"/>
-                        <a:t>Task</a:t>
-                      </a:r>
-                    </a:p>
-                  </a:txBody>
-                  <a:tcPr anchor="ctr"/>
-                </a:tc>
-                <a:tc>
-                  <a:txBody>
-                    <a:bodyPr/>
-                    <a:lstStyle/>
-                    <a:p>
-                      <a:pPr algn="ctr"/>
-                      <a:r>
-                        <a:rPr lang="it-IT" sz="1400" i="1" dirty="0"/>
-                        <a:t>Architecture</a:t>
-                      </a:r>
-                      <a:r>
-                        <a:rPr lang="it-IT" sz="1600" i="1" dirty="0"/>
-                        <a:t> </a:t>
-                      </a:r>
-                      <a:r>
-                        <a:rPr lang="it-IT" sz="1600" i="0" dirty="0"/>
-                        <a:t>/ </a:t>
-                      </a:r>
-                      <a:r>
-                        <a:rPr lang="it-IT" sz="1400" i="1" dirty="0"/>
-                        <a:t>learning </a:t>
-                      </a:r>
-                      <a:r>
-                        <a:rPr lang="it-IT" sz="1400" i="1" dirty="0" err="1"/>
-                        <a:t>alg</a:t>
-                      </a:r>
-                      <a:r>
-                        <a:rPr lang="it-IT" sz="1400" i="1" dirty="0"/>
-                        <a:t> </a:t>
-                      </a:r>
-                      <a:r>
-                        <a:rPr lang="it-IT" sz="1400" i="0" dirty="0"/>
-                        <a:t>/</a:t>
-                      </a:r>
-                      <a:r>
-                        <a:rPr lang="it-IT" sz="1400" i="1" dirty="0"/>
-                        <a:t> act. f</a:t>
-                      </a:r>
-                      <a:r>
-                        <a:rPr lang="it-IT" sz="1600" i="1" dirty="0"/>
-                        <a:t> </a:t>
-                      </a:r>
-                      <a:r>
-                        <a:rPr lang="it-IT" sz="1600" i="0" dirty="0"/>
-                        <a:t>/ </a:t>
-                      </a:r>
-                      <a:r>
-                        <a:rPr lang="it-IT" sz="1400" i="1" dirty="0"/>
-                        <a:t>η</a:t>
-                      </a:r>
-                      <a:r>
-                        <a:rPr lang="it-IT" sz="1600" i="0" dirty="0"/>
-                        <a:t> / </a:t>
-                      </a:r>
-                      <a:r>
-                        <a:rPr lang="it-IT" sz="1400" i="1" dirty="0"/>
-                        <a:t>α</a:t>
-                      </a:r>
-                      <a:r>
-                        <a:rPr lang="it-IT" sz="1600" i="0" dirty="0"/>
-                        <a:t> / </a:t>
-                      </a:r>
-                      <a:r>
-                        <a:rPr lang="it-IT" sz="1400" i="1" dirty="0"/>
-                        <a:t>λ</a:t>
-                      </a:r>
-                      <a:r>
-                        <a:rPr lang="it-IT" sz="1600" i="0" dirty="0"/>
-                        <a:t> / </a:t>
-                      </a:r>
-                      <a:r>
-                        <a:rPr lang="it-IT" sz="1400" i="1" dirty="0" err="1"/>
-                        <a:t>epochs</a:t>
-                      </a:r>
-                      <a:r>
-                        <a:rPr lang="it-IT" sz="1600" i="0" dirty="0"/>
-                        <a:t> / </a:t>
-                      </a:r>
-                      <a:r>
-                        <a:rPr lang="it-IT" sz="1400" i="1" dirty="0" err="1"/>
-                        <a:t>batch_size</a:t>
-                      </a:r>
-                      <a:r>
-                        <a:rPr lang="it-IT" sz="1400" i="1" dirty="0"/>
-                        <a:t> </a:t>
-                      </a:r>
-                      <a:r>
-                        <a:rPr lang="it-IT" sz="1400" i="0" dirty="0">
-                          <a:solidFill>
-                            <a:srgbClr val="FF0000"/>
-                          </a:solidFill>
-                        </a:rPr>
-                        <a:t>/ …</a:t>
-                      </a:r>
-                      <a:endParaRPr lang="it-IT" sz="1600" i="1" dirty="0">
-                        <a:solidFill>
-                          <a:srgbClr val="FF0000"/>
-                        </a:solidFill>
-                      </a:endParaRPr>
-                    </a:p>
-                  </a:txBody>
-                  <a:tcPr anchor="ctr"/>
-                </a:tc>
-                <a:tc>
-                  <a:txBody>
-                    <a:bodyPr/>
-                    <a:lstStyle/>
-                    <a:p>
-                      <a:pPr algn="ctr"/>
-                      <a:r>
-                        <a:rPr lang="it-IT" sz="1600" dirty="0"/>
-                        <a:t>MSE </a:t>
-                      </a:r>
-                      <a:r>
-                        <a:rPr lang="it-IT" sz="1400" dirty="0"/>
-                        <a:t>(TR/TS)</a:t>
-                      </a:r>
-                    </a:p>
-                  </a:txBody>
-                  <a:tcPr anchor="ctr"/>
-                </a:tc>
-                <a:tc>
-                  <a:txBody>
-                    <a:bodyPr/>
-                    <a:lstStyle/>
-                    <a:p>
-                      <a:pPr algn="ctr"/>
-                      <a:r>
-                        <a:rPr lang="it-IT" sz="1600" dirty="0" err="1"/>
-                        <a:t>Accuracy</a:t>
-                      </a:r>
-                      <a:r>
-                        <a:rPr lang="it-IT" sz="1600" dirty="0"/>
-                        <a:t> </a:t>
-                      </a:r>
-                      <a:r>
-                        <a:rPr lang="it-IT" sz="1400" dirty="0"/>
-                        <a:t>(TR/TS)</a:t>
-                      </a:r>
-                    </a:p>
-                  </a:txBody>
-                  <a:tcPr anchor="ctr"/>
-                </a:tc>
-                <a:extLst>
-                  <a:ext uri="{0D108BD9-81ED-4DB2-BD59-A6C34878D82A}">
-                    <a16:rowId xmlns:a16="http://schemas.microsoft.com/office/drawing/2014/main" val="3654603585"/>
-                  </a:ext>
-                </a:extLst>
-              </a:tr>
-              <a:tr h="985780">
-                <a:tc>
-                  <a:txBody>
-                    <a:bodyPr/>
-                    <a:lstStyle/>
-                    <a:p>
-                      <a:pPr algn="ctr"/>
-                      <a:r>
-                        <a:rPr lang="it-IT" sz="1400" dirty="0"/>
-                        <a:t>Monk 1</a:t>
-                      </a:r>
-                    </a:p>
-                  </a:txBody>
-                  <a:tcPr anchor="ctr"/>
-                </a:tc>
-                <a:tc>
-                  <a:txBody>
-                    <a:bodyPr/>
-                    <a:lstStyle/>
-                    <a:p>
-                      <a:r>
-                        <a:rPr lang="it-IT" sz="1400" i="1" dirty="0"/>
-                        <a:t>Best </a:t>
-                      </a:r>
-                      <a:r>
-                        <a:rPr lang="it-IT" sz="1400" i="1" dirty="0" err="1"/>
-                        <a:t>hyperparameters</a:t>
-                      </a:r>
-                      <a:r>
-                        <a:rPr lang="it-IT" sz="1400" i="1" dirty="0"/>
-                        <a:t> </a:t>
-                      </a:r>
-                      <a:r>
-                        <a:rPr lang="it-IT" sz="1400" i="1" dirty="0" err="1"/>
-                        <a:t>values</a:t>
-                      </a:r>
-                      <a:endParaRPr lang="it-IT" sz="1400" i="1" dirty="0"/>
-                    </a:p>
-                  </a:txBody>
-                  <a:tcPr anchor="ctr"/>
-                </a:tc>
-                <a:tc>
-                  <a:txBody>
-                    <a:bodyPr/>
-                    <a:lstStyle/>
-                    <a:p>
-                      <a:r>
-                        <a:rPr lang="it-IT" sz="1100" i="1" dirty="0"/>
-                        <a:t>Escludendo penalty </a:t>
-                      </a:r>
-                      <a:r>
-                        <a:rPr lang="it-IT" sz="1100" i="1" dirty="0" err="1"/>
-                        <a:t>terms</a:t>
-                      </a:r>
-                      <a:endParaRPr lang="it-IT" sz="1100" i="1" dirty="0"/>
-                    </a:p>
-                  </a:txBody>
-                  <a:tcPr anchor="ctr"/>
-                </a:tc>
-                <a:tc>
-                  <a:txBody>
-                    <a:bodyPr/>
-                    <a:lstStyle/>
-                    <a:p>
-                      <a:pPr algn="ctr"/>
-                      <a:r>
-                        <a:rPr lang="it-IT" sz="1400" i="1" dirty="0"/>
-                        <a:t>100% </a:t>
-                      </a:r>
-                      <a:r>
-                        <a:rPr lang="it-IT" sz="1400" i="0" dirty="0"/>
-                        <a:t>/</a:t>
-                      </a:r>
-                      <a:r>
-                        <a:rPr lang="it-IT" sz="1400" i="1" dirty="0"/>
-                        <a:t> 100 % </a:t>
-                      </a:r>
-                    </a:p>
-                  </a:txBody>
-                  <a:tcPr anchor="ctr"/>
-                </a:tc>
-                <a:extLst>
-                  <a:ext uri="{0D108BD9-81ED-4DB2-BD59-A6C34878D82A}">
-                    <a16:rowId xmlns:a16="http://schemas.microsoft.com/office/drawing/2014/main" val="1051854847"/>
-                  </a:ext>
-                </a:extLst>
-              </a:tr>
-              <a:tr h="985780">
-                <a:tc>
-                  <a:txBody>
-                    <a:bodyPr/>
-                    <a:lstStyle/>
-                    <a:p>
-                      <a:pPr algn="ctr"/>
-                      <a:r>
-                        <a:rPr lang="it-IT" sz="1400" dirty="0"/>
-                        <a:t>Monk 2</a:t>
-                      </a:r>
-                    </a:p>
-                  </a:txBody>
-                  <a:tcPr anchor="ctr"/>
-                </a:tc>
-                <a:tc>
-                  <a:txBody>
-                    <a:bodyPr/>
-                    <a:lstStyle/>
-                    <a:p>
-                      <a:endParaRPr lang="it-IT" sz="1400" dirty="0"/>
-                    </a:p>
-                  </a:txBody>
-                  <a:tcPr anchor="ctr"/>
-                </a:tc>
-                <a:tc>
-                  <a:txBody>
-                    <a:bodyPr/>
-                    <a:lstStyle/>
-                    <a:p>
-                      <a:pPr marL="0" marR="0" lvl="0" indent="0" algn="l" defTabSz="914400" rtl="0" eaLnBrk="1" fontAlgn="auto" latinLnBrk="0" hangingPunct="1">
-                        <a:lnSpc>
-                          <a:spcPct val="100000"/>
-                        </a:lnSpc>
-                        <a:spcBef>
-                          <a:spcPts val="0"/>
-                        </a:spcBef>
-                        <a:spcAft>
-                          <a:spcPts val="0"/>
-                        </a:spcAft>
-                        <a:buClrTx/>
-                        <a:buSzTx/>
-                        <a:buFontTx/>
-                        <a:buNone/>
-                        <a:tabLst/>
-                        <a:defRPr/>
-                      </a:pPr>
-                      <a:r>
-                        <a:rPr lang="it-IT" sz="1100" i="1" dirty="0"/>
-                        <a:t>Escludendo penalty </a:t>
-                      </a:r>
-                      <a:r>
-                        <a:rPr lang="it-IT" sz="1100" i="1" dirty="0" err="1"/>
-                        <a:t>terms</a:t>
-                      </a:r>
-                      <a:endParaRPr lang="it-IT" sz="1400" dirty="0"/>
-                    </a:p>
-                  </a:txBody>
-                  <a:tcPr anchor="ctr"/>
-                </a:tc>
-                <a:tc>
-                  <a:txBody>
-                    <a:bodyPr/>
-                    <a:lstStyle/>
-                    <a:p>
-                      <a:pPr algn="ctr"/>
-                      <a:r>
-                        <a:rPr lang="it-IT" sz="1100" i="1" dirty="0"/>
-                        <a:t>Media su diverse inizializzazioni</a:t>
-                      </a:r>
-                    </a:p>
-                  </a:txBody>
-                  <a:tcPr anchor="ctr"/>
-                </a:tc>
-                <a:extLst>
-                  <a:ext uri="{0D108BD9-81ED-4DB2-BD59-A6C34878D82A}">
-                    <a16:rowId xmlns:a16="http://schemas.microsoft.com/office/drawing/2014/main" val="883051443"/>
-                  </a:ext>
-                </a:extLst>
-              </a:tr>
-              <a:tr h="985780">
-                <a:tc>
-                  <a:txBody>
-                    <a:bodyPr/>
-                    <a:lstStyle/>
-                    <a:p>
-                      <a:pPr algn="ctr"/>
-                      <a:r>
-                        <a:rPr lang="it-IT" sz="1400" dirty="0"/>
-                        <a:t>Monk 3</a:t>
-                      </a:r>
-                    </a:p>
-                  </a:txBody>
-                  <a:tcPr anchor="ctr"/>
-                </a:tc>
-                <a:tc>
-                  <a:txBody>
-                    <a:bodyPr/>
-                    <a:lstStyle/>
-                    <a:p>
-                      <a:endParaRPr lang="it-IT" sz="1400" dirty="0"/>
-                    </a:p>
-                  </a:txBody>
-                  <a:tcPr anchor="ctr"/>
-                </a:tc>
-                <a:tc>
-                  <a:txBody>
-                    <a:bodyPr/>
-                    <a:lstStyle/>
-                    <a:p>
-                      <a:pPr marL="0" marR="0" lvl="0" indent="0" algn="l" defTabSz="914400" rtl="0" eaLnBrk="1" fontAlgn="auto" latinLnBrk="0" hangingPunct="1">
-                        <a:lnSpc>
-                          <a:spcPct val="100000"/>
-                        </a:lnSpc>
-                        <a:spcBef>
-                          <a:spcPts val="0"/>
-                        </a:spcBef>
-                        <a:spcAft>
-                          <a:spcPts val="0"/>
-                        </a:spcAft>
-                        <a:buClrTx/>
-                        <a:buSzTx/>
-                        <a:buFontTx/>
-                        <a:buNone/>
-                        <a:tabLst/>
-                        <a:defRPr/>
-                      </a:pPr>
-                      <a:r>
-                        <a:rPr lang="it-IT" sz="1100" i="1" dirty="0"/>
-                        <a:t>Escludendo penalty </a:t>
-                      </a:r>
-                      <a:r>
-                        <a:rPr lang="it-IT" sz="1100" i="1" dirty="0" err="1"/>
-                        <a:t>terms</a:t>
-                      </a:r>
-                      <a:endParaRPr lang="it-IT" sz="1400" dirty="0"/>
-                    </a:p>
-                  </a:txBody>
-                  <a:tcPr anchor="ctr"/>
-                </a:tc>
-                <a:tc>
-                  <a:txBody>
-                    <a:bodyPr/>
-                    <a:lstStyle/>
-                    <a:p>
-                      <a:pPr marL="0" marR="0" lvl="0" indent="0" algn="ctr" defTabSz="914400" rtl="0" eaLnBrk="1" fontAlgn="auto" latinLnBrk="0" hangingPunct="1">
-                        <a:lnSpc>
-                          <a:spcPct val="100000"/>
-                        </a:lnSpc>
-                        <a:spcBef>
-                          <a:spcPts val="0"/>
-                        </a:spcBef>
-                        <a:spcAft>
-                          <a:spcPts val="0"/>
-                        </a:spcAft>
-                        <a:buClrTx/>
-                        <a:buSzTx/>
-                        <a:buFontTx/>
-                        <a:buNone/>
-                        <a:tabLst/>
-                        <a:defRPr/>
-                      </a:pPr>
-                      <a:r>
-                        <a:rPr lang="it-IT" sz="1100" i="1" dirty="0"/>
-                        <a:t>Media su diverse inizializzazioni</a:t>
-                      </a:r>
-                    </a:p>
-                  </a:txBody>
-                  <a:tcPr anchor="ctr"/>
-                </a:tc>
-                <a:extLst>
-                  <a:ext uri="{0D108BD9-81ED-4DB2-BD59-A6C34878D82A}">
-                    <a16:rowId xmlns:a16="http://schemas.microsoft.com/office/drawing/2014/main" val="3800155377"/>
-                  </a:ext>
-                </a:extLst>
-              </a:tr>
-            </a:tbl>
-          </a:graphicData>
-        </a:graphic>
-      </p:graphicFrame>
-      <p:sp>
-        <p:nvSpPr>
-          <p:cNvPr id="5" name="CasellaDiTesto 4">
-            <a:extLst>
-              <a:ext uri="{FF2B5EF4-FFF2-40B4-BE49-F238E27FC236}">
-                <a16:creationId xmlns:a16="http://schemas.microsoft.com/office/drawing/2014/main" id="{BE230A9E-6BC2-8724-6E64-FC538A331645}"/>
+                <a16:creationId xmlns:a16="http://schemas.microsoft.com/office/drawing/2014/main" id="{2ABFE1FE-5461-7581-CC8F-0B544FA8D725}"/>
               </a:ext>
             </a:extLst>
           </p:cNvPr>
@@ -30022,8 +31250,8 @@
         </p:nvSpPr>
         <p:spPr>
           <a:xfrm>
-            <a:off x="311757" y="800910"/>
-            <a:ext cx="8160842" cy="338554"/>
+            <a:off x="311757" y="514839"/>
+            <a:ext cx="8520119" cy="338554"/>
           </a:xfrm>
           <a:prstGeom prst="rect">
             <a:avLst/>
@@ -30038,12 +31266,12 @@
           <a:p>
             <a:pPr algn="ctr"/>
             <a:r>
-              <a:rPr lang="it-IT" sz="1600" b="1" dirty="0" err="1"/>
+              <a:rPr lang="it-IT" sz="1400" b="1" dirty="0" err="1"/>
               <a:t>Table</a:t>
             </a:r>
             <a:r>
-              <a:rPr lang="it-IT" sz="1600" b="1" dirty="0"/>
-              <a:t> 3</a:t>
+              <a:rPr lang="it-IT" sz="1400" b="1" dirty="0"/>
+              <a:t> 2</a:t>
             </a:r>
             <a:r>
               <a:rPr lang="it-IT" sz="1600" dirty="0"/>
@@ -30101,10 +31329,555 @@
           </a:p>
         </p:txBody>
       </p:sp>
+      <p:sp>
+        <p:nvSpPr>
+          <p:cNvPr id="10" name="CasellaDiTesto 9">
+            <a:extLst>
+              <a:ext uri="{FF2B5EF4-FFF2-40B4-BE49-F238E27FC236}">
+                <a16:creationId xmlns:a16="http://schemas.microsoft.com/office/drawing/2014/main" id="{1EA453C9-EB37-83F2-D7AC-5A24A96A908E}"/>
+              </a:ext>
+            </a:extLst>
+          </p:cNvPr>
+          <p:cNvSpPr txBox="1"/>
+          <p:nvPr/>
+        </p:nvSpPr>
+        <p:spPr>
+          <a:xfrm>
+            <a:off x="6918947" y="2173461"/>
+            <a:ext cx="1912929" cy="954107"/>
+          </a:xfrm>
+          <a:prstGeom prst="rect">
+            <a:avLst/>
+          </a:prstGeom>
+          <a:noFill/>
+        </p:spPr>
+        <p:txBody>
+          <a:bodyPr wrap="square" rtlCol="0">
+            <a:spAutoFit/>
+          </a:bodyPr>
+          <a:lstStyle/>
+          <a:p>
+            <a:r>
+              <a:rPr lang="it-IT" sz="1400" b="1" dirty="0">
+                <a:solidFill>
+                  <a:srgbClr val="FF0000"/>
+                </a:solidFill>
+              </a:rPr>
+              <a:t>Figure 2</a:t>
+            </a:r>
+            <a:r>
+              <a:rPr lang="it-IT" sz="1400" dirty="0"/>
+              <a:t>: </a:t>
+            </a:r>
+            <a:br>
+              <a:rPr lang="it-IT" sz="1400" dirty="0"/>
+            </a:br>
+            <a:r>
+              <a:rPr lang="it-IT" sz="1400" dirty="0"/>
+              <a:t>MSE and </a:t>
+            </a:r>
+            <a:r>
+              <a:rPr lang="it-IT" sz="1400" dirty="0" err="1"/>
+              <a:t>accuracy</a:t>
+            </a:r>
+            <a:r>
+              <a:rPr lang="it-IT" sz="1400" dirty="0"/>
+              <a:t>  plots for the model in </a:t>
+            </a:r>
+            <a:r>
+              <a:rPr lang="it-IT" sz="1400" dirty="0" err="1"/>
+              <a:t>Table</a:t>
+            </a:r>
+            <a:r>
+              <a:rPr lang="it-IT" sz="1400" dirty="0"/>
+              <a:t> 2, Monk2 task </a:t>
+            </a:r>
+            <a:endParaRPr lang="it-IT" dirty="0"/>
+          </a:p>
+        </p:txBody>
+      </p:sp>
+      <p:graphicFrame>
+        <p:nvGraphicFramePr>
+          <p:cNvPr id="2" name="Tabella 1">
+            <a:extLst>
+              <a:ext uri="{FF2B5EF4-FFF2-40B4-BE49-F238E27FC236}">
+                <a16:creationId xmlns:a16="http://schemas.microsoft.com/office/drawing/2014/main" id="{99CE4E31-652E-F310-8D3D-C7E291A139A0}"/>
+              </a:ext>
+            </a:extLst>
+          </p:cNvPr>
+          <p:cNvGraphicFramePr>
+            <a:graphicFrameLocks noGrp="1"/>
+          </p:cNvGraphicFramePr>
+          <p:nvPr>
+            <p:extLst>
+              <p:ext uri="{D42A27DB-BD31-4B8C-83A1-F6EECF244321}">
+                <p14:modId xmlns:p14="http://schemas.microsoft.com/office/powerpoint/2010/main" val="2820201356"/>
+              </p:ext>
+            </p:extLst>
+          </p:nvPr>
+        </p:nvGraphicFramePr>
+        <p:xfrm>
+          <a:off x="311760" y="853393"/>
+          <a:ext cx="8520116" cy="883920"/>
+        </p:xfrm>
+        <a:graphic>
+          <a:graphicData uri="http://schemas.openxmlformats.org/drawingml/2006/table">
+            <a:tbl>
+              <a:tblPr firstRow="1" bandRow="1">
+                <a:tableStyleId>{0E3FDE45-AF77-4B5C-9715-49D594BDF05E}</a:tableStyleId>
+              </a:tblPr>
+              <a:tblGrid>
+                <a:gridCol w="770730">
+                  <a:extLst>
+                    <a:ext uri="{9D8B030D-6E8A-4147-A177-3AD203B41FA5}">
+                      <a16:colId xmlns:a16="http://schemas.microsoft.com/office/drawing/2014/main" val="935040320"/>
+                    </a:ext>
+                  </a:extLst>
+                </a:gridCol>
+                <a:gridCol w="3946712">
+                  <a:extLst>
+                    <a:ext uri="{9D8B030D-6E8A-4147-A177-3AD203B41FA5}">
+                      <a16:colId xmlns:a16="http://schemas.microsoft.com/office/drawing/2014/main" val="1166905258"/>
+                    </a:ext>
+                  </a:extLst>
+                </a:gridCol>
+                <a:gridCol w="1267558">
+                  <a:extLst>
+                    <a:ext uri="{9D8B030D-6E8A-4147-A177-3AD203B41FA5}">
+                      <a16:colId xmlns:a16="http://schemas.microsoft.com/office/drawing/2014/main" val="50107376"/>
+                    </a:ext>
+                  </a:extLst>
+                </a:gridCol>
+                <a:gridCol w="1267558">
+                  <a:extLst>
+                    <a:ext uri="{9D8B030D-6E8A-4147-A177-3AD203B41FA5}">
+                      <a16:colId xmlns:a16="http://schemas.microsoft.com/office/drawing/2014/main" val="34889993"/>
+                    </a:ext>
+                  </a:extLst>
+                </a:gridCol>
+                <a:gridCol w="1267558">
+                  <a:extLst>
+                    <a:ext uri="{9D8B030D-6E8A-4147-A177-3AD203B41FA5}">
+                      <a16:colId xmlns:a16="http://schemas.microsoft.com/office/drawing/2014/main" val="2221366948"/>
+                    </a:ext>
+                  </a:extLst>
+                </a:gridCol>
+              </a:tblGrid>
+              <a:tr h="570475">
+                <a:tc>
+                  <a:txBody>
+                    <a:bodyPr/>
+                    <a:lstStyle/>
+                    <a:p>
+                      <a:pPr algn="ctr"/>
+                      <a:r>
+                        <a:rPr lang="it-IT" sz="1400" dirty="0"/>
+                        <a:t>Task</a:t>
+                      </a:r>
+                      <a:endParaRPr lang="it-IT" sz="1600" dirty="0"/>
+                    </a:p>
+                  </a:txBody>
+                  <a:tcPr anchor="ctr"/>
+                </a:tc>
+                <a:tc>
+                  <a:txBody>
+                    <a:bodyPr/>
+                    <a:lstStyle/>
+                    <a:p>
+                      <a:pPr algn="ctr"/>
+                      <a:r>
+                        <a:rPr lang="it-IT" sz="1400" i="1" dirty="0"/>
+                        <a:t>Architecture</a:t>
+                      </a:r>
+                      <a:r>
+                        <a:rPr lang="it-IT" sz="1600" i="1" dirty="0"/>
+                        <a:t> </a:t>
+                      </a:r>
+                      <a:r>
+                        <a:rPr lang="it-IT" sz="1600" i="0" dirty="0"/>
+                        <a:t>/ </a:t>
+                      </a:r>
+                      <a:r>
+                        <a:rPr lang="it-IT" sz="1400" i="1" dirty="0"/>
+                        <a:t>learning </a:t>
+                      </a:r>
+                      <a:r>
+                        <a:rPr lang="it-IT" sz="1400" i="1" dirty="0" err="1"/>
+                        <a:t>alg</a:t>
+                      </a:r>
+                      <a:r>
+                        <a:rPr lang="it-IT" sz="1400" i="1" dirty="0"/>
+                        <a:t> </a:t>
+                      </a:r>
+                      <a:r>
+                        <a:rPr lang="it-IT" sz="1400" i="0" dirty="0"/>
+                        <a:t>/</a:t>
+                      </a:r>
+                      <a:r>
+                        <a:rPr lang="it-IT" sz="1400" i="1" dirty="0"/>
+                        <a:t> act. f</a:t>
+                      </a:r>
+                      <a:r>
+                        <a:rPr lang="it-IT" sz="1600" i="1" dirty="0"/>
+                        <a:t> </a:t>
+                      </a:r>
+                      <a:r>
+                        <a:rPr lang="it-IT" sz="1600" i="0" dirty="0"/>
+                        <a:t>/ </a:t>
+                      </a:r>
+                      <a:r>
+                        <a:rPr lang="it-IT" sz="1400" i="1" dirty="0"/>
+                        <a:t>η</a:t>
+                      </a:r>
+                      <a:r>
+                        <a:rPr lang="it-IT" sz="1600" i="0" dirty="0"/>
+                        <a:t> / </a:t>
+                      </a:r>
+                      <a:r>
+                        <a:rPr lang="it-IT" sz="1400" i="1" dirty="0"/>
+                        <a:t>α</a:t>
+                      </a:r>
+                      <a:r>
+                        <a:rPr lang="it-IT" sz="1600" i="0" dirty="0"/>
+                        <a:t> / </a:t>
+                      </a:r>
+                      <a:r>
+                        <a:rPr lang="it-IT" sz="1400" i="1" dirty="0"/>
+                        <a:t>λ</a:t>
+                      </a:r>
+                      <a:r>
+                        <a:rPr lang="it-IT" sz="1600" i="0" dirty="0"/>
+                        <a:t> / </a:t>
+                      </a:r>
+                      <a:r>
+                        <a:rPr lang="it-IT" sz="1400" i="1" dirty="0" err="1"/>
+                        <a:t>epochs</a:t>
+                      </a:r>
+                      <a:r>
+                        <a:rPr lang="it-IT" sz="1600" i="0" dirty="0"/>
+                        <a:t> / </a:t>
+                      </a:r>
+                      <a:r>
+                        <a:rPr lang="it-IT" sz="1400" i="1" dirty="0" err="1"/>
+                        <a:t>batch_size</a:t>
+                      </a:r>
+                      <a:r>
+                        <a:rPr lang="it-IT" sz="1400" i="1" dirty="0"/>
+                        <a:t> </a:t>
+                      </a:r>
+                      <a:r>
+                        <a:rPr lang="it-IT" sz="1400" i="0" dirty="0">
+                          <a:solidFill>
+                            <a:schemeClr val="tx1"/>
+                          </a:solidFill>
+                        </a:rPr>
+                        <a:t>/ </a:t>
+                      </a:r>
+                      <a:r>
+                        <a:rPr lang="it-IT" sz="1400" i="1" dirty="0" err="1">
+                          <a:solidFill>
+                            <a:schemeClr val="tx1"/>
+                          </a:solidFill>
+                        </a:rPr>
+                        <a:t>patience</a:t>
+                      </a:r>
+                      <a:endParaRPr lang="it-IT" sz="1600" i="1" dirty="0">
+                        <a:solidFill>
+                          <a:schemeClr val="tx1"/>
+                        </a:solidFill>
+                      </a:endParaRPr>
+                    </a:p>
+                  </a:txBody>
+                  <a:tcPr anchor="ctr"/>
+                </a:tc>
+                <a:tc>
+                  <a:txBody>
+                    <a:bodyPr/>
+                    <a:lstStyle/>
+                    <a:p>
+                      <a:pPr algn="ctr"/>
+                      <a:r>
+                        <a:rPr lang="it-IT" sz="1400" dirty="0"/>
+                        <a:t>MSE</a:t>
+                      </a:r>
+                      <a:r>
+                        <a:rPr lang="it-IT" sz="1600" dirty="0"/>
+                        <a:t> </a:t>
+                      </a:r>
+                      <a:r>
+                        <a:rPr lang="it-IT" sz="1400" dirty="0"/>
+                        <a:t>(TR/VL)</a:t>
+                      </a:r>
+                    </a:p>
+                  </a:txBody>
+                  <a:tcPr anchor="ctr"/>
+                </a:tc>
+                <a:tc>
+                  <a:txBody>
+                    <a:bodyPr/>
+                    <a:lstStyle/>
+                    <a:p>
+                      <a:pPr algn="ctr"/>
+                      <a:r>
+                        <a:rPr lang="it-IT" sz="1400" dirty="0" err="1"/>
+                        <a:t>Accuracy</a:t>
+                      </a:r>
+                      <a:r>
+                        <a:rPr lang="it-IT" sz="1600" dirty="0"/>
+                        <a:t> </a:t>
+                      </a:r>
+                      <a:r>
+                        <a:rPr lang="it-IT" sz="1400" dirty="0"/>
+                        <a:t>(TR/VL)</a:t>
+                      </a:r>
+                    </a:p>
+                  </a:txBody>
+                  <a:tcPr anchor="ctr"/>
+                </a:tc>
+                <a:tc>
+                  <a:txBody>
+                    <a:bodyPr/>
+                    <a:lstStyle/>
+                    <a:p>
+                      <a:pPr algn="ctr"/>
+                      <a:r>
+                        <a:rPr lang="it-IT" sz="1400" dirty="0" err="1"/>
+                        <a:t>Accuracy</a:t>
+                      </a:r>
+                      <a:r>
+                        <a:rPr lang="it-IT" sz="1400" dirty="0"/>
+                        <a:t> (TS)</a:t>
+                      </a:r>
+                    </a:p>
+                  </a:txBody>
+                  <a:tcPr anchor="ctr"/>
+                </a:tc>
+                <a:extLst>
+                  <a:ext uri="{0D108BD9-81ED-4DB2-BD59-A6C34878D82A}">
+                    <a16:rowId xmlns:a16="http://schemas.microsoft.com/office/drawing/2014/main" val="3654603585"/>
+                  </a:ext>
+                </a:extLst>
+              </a:tr>
+              <a:tr h="300250">
+                <a:tc>
+                  <a:txBody>
+                    <a:bodyPr/>
+                    <a:lstStyle/>
+                    <a:p>
+                      <a:pPr algn="ctr"/>
+                      <a:r>
+                        <a:rPr lang="it-IT" sz="1400" dirty="0"/>
+                        <a:t>Monk 2</a:t>
+                      </a:r>
+                    </a:p>
+                  </a:txBody>
+                  <a:tcPr anchor="ctr"/>
+                </a:tc>
+                <a:tc>
+                  <a:txBody>
+                    <a:bodyPr/>
+                    <a:lstStyle/>
+                    <a:p>
+                      <a:r>
+                        <a:rPr lang="it-IT" sz="1400" i="0" dirty="0"/>
+                        <a:t>(</a:t>
+                      </a:r>
+                      <a:r>
+                        <a:rPr lang="it-IT" sz="1400" i="1" dirty="0"/>
+                        <a:t>8,8</a:t>
+                      </a:r>
+                      <a:r>
+                        <a:rPr lang="it-IT" sz="1400" i="0" dirty="0"/>
+                        <a:t>)</a:t>
+                      </a:r>
+                      <a:r>
+                        <a:rPr lang="it-IT" sz="1400" i="1" dirty="0"/>
+                        <a:t> </a:t>
+                      </a:r>
+                      <a:r>
+                        <a:rPr lang="it-IT" sz="1400" i="0" dirty="0"/>
+                        <a:t>/</a:t>
+                      </a:r>
+                      <a:r>
+                        <a:rPr lang="it-IT" sz="1400" i="1" dirty="0"/>
+                        <a:t> SGD </a:t>
+                      </a:r>
+                      <a:r>
+                        <a:rPr lang="it-IT" sz="1400" i="0" dirty="0"/>
+                        <a:t>/</a:t>
+                      </a:r>
+                      <a:r>
+                        <a:rPr lang="it-IT" sz="1400" i="1" dirty="0"/>
+                        <a:t> </a:t>
+                      </a:r>
+                      <a:r>
+                        <a:rPr lang="it-IT" sz="1400" i="1" dirty="0" err="1"/>
+                        <a:t>ReLU</a:t>
+                      </a:r>
+                      <a:r>
+                        <a:rPr lang="it-IT" sz="1400" i="1" dirty="0"/>
+                        <a:t> </a:t>
+                      </a:r>
+                      <a:r>
+                        <a:rPr lang="it-IT" sz="1400" i="0" dirty="0"/>
+                        <a:t>/</a:t>
+                      </a:r>
+                      <a:r>
+                        <a:rPr lang="it-IT" sz="1400" i="1" dirty="0"/>
+                        <a:t> 0.1 </a:t>
+                      </a:r>
+                      <a:r>
+                        <a:rPr lang="it-IT" sz="1400" i="0" dirty="0"/>
+                        <a:t>/</a:t>
+                      </a:r>
+                      <a:r>
+                        <a:rPr lang="it-IT" sz="1400" i="1" dirty="0"/>
+                        <a:t> 0.6 </a:t>
+                      </a:r>
+                      <a:r>
+                        <a:rPr lang="it-IT" sz="1400" i="0" dirty="0"/>
+                        <a:t>/</a:t>
+                      </a:r>
+                      <a:r>
+                        <a:rPr lang="it-IT" sz="1400" i="1" dirty="0"/>
+                        <a:t> 0.01 </a:t>
+                      </a:r>
+                      <a:r>
+                        <a:rPr lang="it-IT" sz="1400" i="0" dirty="0"/>
+                        <a:t>/</a:t>
+                      </a:r>
+                      <a:r>
+                        <a:rPr lang="it-IT" sz="1400" i="1" dirty="0"/>
+                        <a:t> 200 </a:t>
+                      </a:r>
+                      <a:r>
+                        <a:rPr lang="it-IT" sz="1400" i="0" dirty="0"/>
+                        <a:t>/</a:t>
+                      </a:r>
+                      <a:r>
+                        <a:rPr lang="it-IT" sz="1400" i="1" dirty="0"/>
+                        <a:t> 8 </a:t>
+                      </a:r>
+                      <a:r>
+                        <a:rPr lang="it-IT" sz="1400" i="0" dirty="0"/>
+                        <a:t>/ </a:t>
+                      </a:r>
+                      <a:r>
+                        <a:rPr lang="it-IT" sz="1400" i="1" dirty="0"/>
+                        <a:t>6</a:t>
+                      </a:r>
+                    </a:p>
+                  </a:txBody>
+                  <a:tcPr anchor="ctr"/>
+                </a:tc>
+                <a:tc>
+                  <a:txBody>
+                    <a:bodyPr/>
+                    <a:lstStyle/>
+                    <a:p>
+                      <a:pPr algn="ctr"/>
+                      <a:r>
+                        <a:rPr lang="it-IT" sz="1400" i="1" dirty="0"/>
+                        <a:t>0.06 </a:t>
+                      </a:r>
+                      <a:r>
+                        <a:rPr lang="it-IT" sz="1400" i="0" dirty="0"/>
+                        <a:t>/</a:t>
+                      </a:r>
+                      <a:r>
+                        <a:rPr lang="it-IT" sz="1400" i="1" dirty="0"/>
+                        <a:t>  0.06</a:t>
+                      </a:r>
+                    </a:p>
+                  </a:txBody>
+                  <a:tcPr anchor="ctr"/>
+                </a:tc>
+                <a:tc>
+                  <a:txBody>
+                    <a:bodyPr/>
+                    <a:lstStyle/>
+                    <a:p>
+                      <a:pPr algn="ctr"/>
+                      <a:r>
+                        <a:rPr lang="it-IT" sz="1400" i="1" dirty="0"/>
+                        <a:t>100% </a:t>
+                      </a:r>
+                      <a:r>
+                        <a:rPr lang="it-IT" sz="1400" i="0" dirty="0"/>
+                        <a:t>/</a:t>
+                      </a:r>
+                      <a:r>
+                        <a:rPr lang="it-IT" sz="1400" i="1" dirty="0"/>
+                        <a:t> 100% </a:t>
+                      </a:r>
+                    </a:p>
+                  </a:txBody>
+                  <a:tcPr anchor="ctr"/>
+                </a:tc>
+                <a:tc>
+                  <a:txBody>
+                    <a:bodyPr/>
+                    <a:lstStyle/>
+                    <a:p>
+                      <a:pPr algn="ctr"/>
+                      <a:r>
+                        <a:rPr lang="it-IT" sz="1400" i="1" dirty="0"/>
+                        <a:t>100%</a:t>
+                      </a:r>
+                    </a:p>
+                  </a:txBody>
+                  <a:tcPr anchor="ctr"/>
+                </a:tc>
+                <a:extLst>
+                  <a:ext uri="{0D108BD9-81ED-4DB2-BD59-A6C34878D82A}">
+                    <a16:rowId xmlns:a16="http://schemas.microsoft.com/office/drawing/2014/main" val="1051854847"/>
+                  </a:ext>
+                </a:extLst>
+              </a:tr>
+            </a:tbl>
+          </a:graphicData>
+        </a:graphic>
+      </p:graphicFrame>
+      <p:pic>
+        <p:nvPicPr>
+          <p:cNvPr id="8" name="Immagine 7" descr="Immagine che contiene testo, Diagramma, diagramma, linea&#10;&#10;Descrizione generata automaticamente">
+            <a:extLst>
+              <a:ext uri="{FF2B5EF4-FFF2-40B4-BE49-F238E27FC236}">
+                <a16:creationId xmlns:a16="http://schemas.microsoft.com/office/drawing/2014/main" id="{EB5723A5-AB49-FF22-DED0-8523E1872E45}"/>
+              </a:ext>
+            </a:extLst>
+          </p:cNvPr>
+          <p:cNvPicPr>
+            <a:picLocks noChangeAspect="1"/>
+          </p:cNvPicPr>
+          <p:nvPr/>
+        </p:nvPicPr>
+        <p:blipFill>
+          <a:blip r:embed="rId2">
+            <a:extLst>
+              <a:ext uri="{28A0092B-C50C-407E-A947-70E740481C1C}">
+                <a14:useLocalDpi xmlns:a14="http://schemas.microsoft.com/office/drawing/2010/main" val="0"/>
+              </a:ext>
+            </a:extLst>
+          </a:blip>
+          <a:stretch>
+            <a:fillRect/>
+          </a:stretch>
+        </p:blipFill>
+        <p:spPr>
+          <a:xfrm>
+            <a:off x="311758" y="2054590"/>
+            <a:ext cx="6607189" cy="2703195"/>
+          </a:xfrm>
+          <a:prstGeom prst="rect">
+            <a:avLst/>
+          </a:prstGeom>
+        </p:spPr>
+      </p:pic>
     </p:spTree>
     <p:extLst>
       <p:ext uri="{BB962C8B-B14F-4D97-AF65-F5344CB8AC3E}">
-        <p14:creationId xmlns:p14="http://schemas.microsoft.com/office/powerpoint/2010/main" val="2836654962"/>
+        <p14:creationId xmlns:p14="http://schemas.microsoft.com/office/powerpoint/2010/main" val="3917856642"/>
       </p:ext>
     </p:extLst>
   </p:cSld>
@@ -30172,32 +31945,12 @@
             <a:r>
               <a:rPr lang="it" sz="2700" b="0" strike="noStrike" spc="-1" dirty="0">
                 <a:solidFill>
-                  <a:srgbClr val="000000"/>
+                  <a:srgbClr val="FF0000"/>
                 </a:solidFill>
                 <a:latin typeface="Arial"/>
                 <a:ea typeface="Arial"/>
               </a:rPr>
-              <a:t>Monk Results:</a:t>
-            </a:r>
-            <a:r>
-              <a:rPr lang="it" sz="2700" spc="-1" dirty="0">
-                <a:solidFill>
-                  <a:srgbClr val="000000"/>
-                </a:solidFill>
-                <a:latin typeface="Arial"/>
-                <a:ea typeface="Arial"/>
-              </a:rPr>
-              <a:t> Plots – 1 </a:t>
-            </a:r>
-            <a:r>
-              <a:rPr lang="it" sz="2700" spc="-1" dirty="0">
-                <a:solidFill>
-                  <a:srgbClr val="FF0000"/>
-                </a:solidFill>
-                <a:latin typeface="Arial"/>
-                <a:ea typeface="Arial"/>
-              </a:rPr>
-              <a:t>DA FARE</a:t>
+              <a:t>Monk 3 Results</a:t>
             </a:r>
             <a:endParaRPr lang="it-IT" sz="2800" b="0" strike="noStrike" spc="-1" dirty="0">
               <a:solidFill>
@@ -30281,20 +32034,22 @@
       </p:sp>
       <p:sp>
         <p:nvSpPr>
-          <p:cNvPr id="2" name="CasellaDiTesto 1">
+          <p:cNvPr id="7" name="CasellaDiTesto 6">
             <a:extLst>
               <a:ext uri="{FF2B5EF4-FFF2-40B4-BE49-F238E27FC236}">
-                <a16:creationId xmlns:a16="http://schemas.microsoft.com/office/drawing/2014/main" id="{514DA6D7-39AB-9E4A-2149-602BE3613606}"/>
+                <a16:creationId xmlns:a16="http://schemas.microsoft.com/office/drawing/2014/main" id="{2ABFE1FE-5461-7581-CC8F-0B544FA8D725}"/>
               </a:ext>
             </a:extLst>
           </p:cNvPr>
-          <p:cNvSpPr txBox="1"/>
+          <p:cNvSpPr txBox="1">
+            <a:spLocks/>
+          </p:cNvSpPr>
           <p:nvPr/>
         </p:nvSpPr>
         <p:spPr>
           <a:xfrm>
-            <a:off x="311760" y="921124"/>
-            <a:ext cx="8160840" cy="738664"/>
+            <a:off x="311757" y="514839"/>
+            <a:ext cx="8520119" cy="338554"/>
           </a:xfrm>
           <a:prstGeom prst="rect">
             <a:avLst/>
@@ -30307,43 +32062,77 @@
           </a:bodyPr>
           <a:lstStyle/>
           <a:p>
-            <a:r>
-              <a:rPr lang="it-IT" sz="1400" dirty="0"/>
-              <a:t>Per i tre task del </a:t>
-            </a:r>
-            <a:r>
-              <a:rPr lang="it-IT" sz="1400" dirty="0" err="1"/>
-              <a:t>monk</a:t>
-            </a:r>
-            <a:r>
-              <a:rPr lang="it-IT" sz="1400" dirty="0"/>
-              <a:t>, vuole la learning curve (su TR set e TS set) (MSE per epoca, nel caso di </a:t>
-            </a:r>
-            <a:r>
-              <a:rPr lang="it-IT" sz="1400" dirty="0" err="1"/>
-              <a:t>sgd</a:t>
-            </a:r>
-            <a:r>
-              <a:rPr lang="it-IT" sz="1400" dirty="0"/>
-              <a:t>/</a:t>
-            </a:r>
-            <a:r>
-              <a:rPr lang="it-IT" sz="1400" dirty="0" err="1"/>
-              <a:t>minibatch</a:t>
-            </a:r>
-            <a:r>
-              <a:rPr lang="it-IT" sz="1400" dirty="0"/>
-              <a:t> vuole che ogni punto corrisponda alla media sull’epoca a cui tale punto si riferisce. Mi sa che le librerie calcolano ciò da sole?)</a:t>
-            </a:r>
+            <a:pPr algn="ctr"/>
+            <a:r>
+              <a:rPr lang="it-IT" sz="1400" b="1" dirty="0" err="1"/>
+              <a:t>Table</a:t>
+            </a:r>
+            <a:r>
+              <a:rPr lang="it-IT" sz="1400" b="1" dirty="0"/>
+              <a:t> 3</a:t>
+            </a:r>
+            <a:r>
+              <a:rPr lang="it-IT" sz="1600" dirty="0"/>
+              <a:t>: </a:t>
+            </a:r>
+            <a:r>
+              <a:rPr lang="it-IT" sz="1400" dirty="0" err="1"/>
+              <a:t>Average</a:t>
+            </a:r>
+            <a:r>
+              <a:rPr lang="it-IT" sz="1400" dirty="0"/>
+              <a:t> </a:t>
+            </a:r>
+            <a:r>
+              <a:rPr lang="it-IT" sz="1400" dirty="0" err="1"/>
+              <a:t>prediction</a:t>
+            </a:r>
+            <a:r>
+              <a:rPr lang="it-IT" sz="1400" dirty="0"/>
+              <a:t> </a:t>
+            </a:r>
+            <a:r>
+              <a:rPr lang="it-IT" sz="1400" dirty="0" err="1"/>
+              <a:t>results</a:t>
+            </a:r>
+            <a:r>
+              <a:rPr lang="it-IT" sz="1400" dirty="0"/>
+              <a:t> </a:t>
+            </a:r>
+            <a:r>
+              <a:rPr lang="it-IT" sz="1400" dirty="0" err="1"/>
+              <a:t>obtained</a:t>
+            </a:r>
+            <a:r>
+              <a:rPr lang="it-IT" sz="1400" dirty="0"/>
+              <a:t> for the </a:t>
+            </a:r>
+            <a:r>
+              <a:rPr lang="it-IT" sz="1400" dirty="0" err="1"/>
+              <a:t>Monk’s</a:t>
+            </a:r>
+            <a:r>
+              <a:rPr lang="it-IT" sz="1400" dirty="0"/>
+              <a:t> task, with a </a:t>
+            </a:r>
+            <a:r>
+              <a:rPr lang="it-IT" sz="1400" dirty="0" err="1"/>
+              <a:t>Neural</a:t>
+            </a:r>
+            <a:r>
+              <a:rPr lang="it-IT" sz="1400" dirty="0"/>
+              <a:t> Network</a:t>
+            </a:r>
+            <a:endParaRPr lang="it-IT" sz="1600" dirty="0"/>
           </a:p>
         </p:txBody>
       </p:sp>
       <p:sp>
         <p:nvSpPr>
-          <p:cNvPr id="3" name="CasellaDiTesto 2">
+          <p:cNvPr id="10" name="CasellaDiTesto 9">
             <a:extLst>
               <a:ext uri="{FF2B5EF4-FFF2-40B4-BE49-F238E27FC236}">
-                <a16:creationId xmlns:a16="http://schemas.microsoft.com/office/drawing/2014/main" id="{80658CF0-E730-C2EB-9FE8-FEF7B463973B}"/>
+                <a16:creationId xmlns:a16="http://schemas.microsoft.com/office/drawing/2014/main" id="{1EA453C9-EB37-83F2-D7AC-5A24A96A908E}"/>
               </a:ext>
             </a:extLst>
           </p:cNvPr>
@@ -30352,8 +32141,8 @@
         </p:nvSpPr>
         <p:spPr>
           <a:xfrm>
-            <a:off x="311760" y="2128922"/>
-            <a:ext cx="8160840" cy="646331"/>
+            <a:off x="6918947" y="2173461"/>
+            <a:ext cx="1912929" cy="954107"/>
           </a:xfrm>
           <a:prstGeom prst="rect">
             <a:avLst/>
@@ -30367,29 +32156,568 @@
           <a:lstStyle/>
           <a:p>
             <a:r>
-              <a:rPr lang="it-IT" dirty="0"/>
-              <a:t>Per i tre task del </a:t>
-            </a:r>
-            <a:r>
-              <a:rPr lang="it-IT" dirty="0" err="1"/>
-              <a:t>monk</a:t>
-            </a:r>
-            <a:r>
-              <a:rPr lang="it-IT" dirty="0"/>
-              <a:t>, bisogna anche plottare l’</a:t>
-            </a:r>
-            <a:r>
-              <a:rPr lang="it-IT" dirty="0" err="1"/>
+              <a:rPr lang="it-IT" sz="1400" b="1" dirty="0">
+                <a:solidFill>
+                  <a:srgbClr val="FF0000"/>
+                </a:solidFill>
+              </a:rPr>
+              <a:t>Figure 3</a:t>
+            </a:r>
+            <a:r>
+              <a:rPr lang="it-IT" sz="1400" dirty="0">
+                <a:solidFill>
+                  <a:srgbClr val="FF0000"/>
+                </a:solidFill>
+              </a:rPr>
+              <a:t>: </a:t>
+            </a:r>
+            <a:br>
+              <a:rPr lang="it-IT" sz="1400" dirty="0">
+                <a:solidFill>
+                  <a:srgbClr val="FF0000"/>
+                </a:solidFill>
+              </a:rPr>
+            </a:br>
+            <a:r>
+              <a:rPr lang="it-IT" sz="1400" dirty="0">
+                <a:solidFill>
+                  <a:srgbClr val="FF0000"/>
+                </a:solidFill>
+              </a:rPr>
+              <a:t>MSE and </a:t>
+            </a:r>
+            <a:r>
+              <a:rPr lang="it-IT" sz="1400" dirty="0" err="1">
+                <a:solidFill>
+                  <a:srgbClr val="FF0000"/>
+                </a:solidFill>
+              </a:rPr>
               <a:t>accuracy</a:t>
             </a:r>
             <a:r>
-              <a:rPr lang="it-IT" dirty="0"/>
-              <a:t> (su TR set e TS set) ma su un grafico diverso.</a:t>
-            </a:r>
+              <a:rPr lang="it-IT" sz="1400" dirty="0">
+                <a:solidFill>
+                  <a:srgbClr val="FF0000"/>
+                </a:solidFill>
+              </a:rPr>
+              <a:t>  plots for the model in </a:t>
+            </a:r>
+            <a:r>
+              <a:rPr lang="it-IT" sz="1400" dirty="0" err="1">
+                <a:solidFill>
+                  <a:srgbClr val="FF0000"/>
+                </a:solidFill>
+              </a:rPr>
+              <a:t>Table</a:t>
+            </a:r>
+            <a:r>
+              <a:rPr lang="it-IT" sz="1400" dirty="0">
+                <a:solidFill>
+                  <a:srgbClr val="FF0000"/>
+                </a:solidFill>
+              </a:rPr>
+              <a:t> 3, Monk3 task </a:t>
+            </a:r>
+            <a:endParaRPr lang="it-IT" dirty="0">
+              <a:solidFill>
+                <a:srgbClr val="FF0000"/>
+              </a:solidFill>
+            </a:endParaRPr>
           </a:p>
         </p:txBody>
       </p:sp>
+      <p:graphicFrame>
+        <p:nvGraphicFramePr>
+          <p:cNvPr id="2" name="Tabella 1">
+            <a:extLst>
+              <a:ext uri="{FF2B5EF4-FFF2-40B4-BE49-F238E27FC236}">
+                <a16:creationId xmlns:a16="http://schemas.microsoft.com/office/drawing/2014/main" id="{99CE4E31-652E-F310-8D3D-C7E291A139A0}"/>
+              </a:ext>
+            </a:extLst>
+          </p:cNvPr>
+          <p:cNvGraphicFramePr>
+            <a:graphicFrameLocks noGrp="1"/>
+          </p:cNvGraphicFramePr>
+          <p:nvPr>
+            <p:extLst>
+              <p:ext uri="{D42A27DB-BD31-4B8C-83A1-F6EECF244321}">
+                <p14:modId xmlns:p14="http://schemas.microsoft.com/office/powerpoint/2010/main" val="1083268482"/>
+              </p:ext>
+            </p:extLst>
+          </p:nvPr>
+        </p:nvGraphicFramePr>
+        <p:xfrm>
+          <a:off x="311760" y="853393"/>
+          <a:ext cx="8520116" cy="883920"/>
+        </p:xfrm>
+        <a:graphic>
+          <a:graphicData uri="http://schemas.openxmlformats.org/drawingml/2006/table">
+            <a:tbl>
+              <a:tblPr firstRow="1" bandRow="1">
+                <a:tableStyleId>{0E3FDE45-AF77-4B5C-9715-49D594BDF05E}</a:tableStyleId>
+              </a:tblPr>
+              <a:tblGrid>
+                <a:gridCol w="770730">
+                  <a:extLst>
+                    <a:ext uri="{9D8B030D-6E8A-4147-A177-3AD203B41FA5}">
+                      <a16:colId xmlns:a16="http://schemas.microsoft.com/office/drawing/2014/main" val="935040320"/>
+                    </a:ext>
+                  </a:extLst>
+                </a:gridCol>
+                <a:gridCol w="3946712">
+                  <a:extLst>
+                    <a:ext uri="{9D8B030D-6E8A-4147-A177-3AD203B41FA5}">
+                      <a16:colId xmlns:a16="http://schemas.microsoft.com/office/drawing/2014/main" val="1166905258"/>
+                    </a:ext>
+                  </a:extLst>
+                </a:gridCol>
+                <a:gridCol w="1264022">
+                  <a:extLst>
+                    <a:ext uri="{9D8B030D-6E8A-4147-A177-3AD203B41FA5}">
+                      <a16:colId xmlns:a16="http://schemas.microsoft.com/office/drawing/2014/main" val="50107376"/>
+                    </a:ext>
+                  </a:extLst>
+                </a:gridCol>
+                <a:gridCol w="1411941">
+                  <a:extLst>
+                    <a:ext uri="{9D8B030D-6E8A-4147-A177-3AD203B41FA5}">
+                      <a16:colId xmlns:a16="http://schemas.microsoft.com/office/drawing/2014/main" val="34889993"/>
+                    </a:ext>
+                  </a:extLst>
+                </a:gridCol>
+                <a:gridCol w="1126711">
+                  <a:extLst>
+                    <a:ext uri="{9D8B030D-6E8A-4147-A177-3AD203B41FA5}">
+                      <a16:colId xmlns:a16="http://schemas.microsoft.com/office/drawing/2014/main" val="2221366948"/>
+                    </a:ext>
+                  </a:extLst>
+                </a:gridCol>
+              </a:tblGrid>
+              <a:tr h="570475">
+                <a:tc>
+                  <a:txBody>
+                    <a:bodyPr/>
+                    <a:lstStyle/>
+                    <a:p>
+                      <a:pPr algn="ctr"/>
+                      <a:r>
+                        <a:rPr lang="it-IT" sz="1400" dirty="0"/>
+                        <a:t>Task</a:t>
+                      </a:r>
+                      <a:endParaRPr lang="it-IT" sz="1600" dirty="0"/>
+                    </a:p>
+                  </a:txBody>
+                  <a:tcPr anchor="ctr"/>
+                </a:tc>
+                <a:tc>
+                  <a:txBody>
+                    <a:bodyPr/>
+                    <a:lstStyle/>
+                    <a:p>
+                      <a:pPr algn="ctr"/>
+                      <a:r>
+                        <a:rPr lang="it-IT" sz="1400" i="1" dirty="0"/>
+                        <a:t>Architecture</a:t>
+                      </a:r>
+                      <a:r>
+                        <a:rPr lang="it-IT" sz="1600" i="1" dirty="0"/>
+                        <a:t> </a:t>
+                      </a:r>
+                      <a:r>
+                        <a:rPr lang="it-IT" sz="1600" i="0" dirty="0"/>
+                        <a:t>/ </a:t>
+                      </a:r>
+                      <a:r>
+                        <a:rPr lang="it-IT" sz="1400" i="1" dirty="0"/>
+                        <a:t>learning </a:t>
+                      </a:r>
+                      <a:r>
+                        <a:rPr lang="it-IT" sz="1400" i="1" dirty="0" err="1"/>
+                        <a:t>alg</a:t>
+                      </a:r>
+                      <a:r>
+                        <a:rPr lang="it-IT" sz="1400" i="1" dirty="0"/>
+                        <a:t> </a:t>
+                      </a:r>
+                      <a:r>
+                        <a:rPr lang="it-IT" sz="1400" i="0" dirty="0"/>
+                        <a:t>/</a:t>
+                      </a:r>
+                      <a:r>
+                        <a:rPr lang="it-IT" sz="1400" i="1" dirty="0"/>
+                        <a:t> act. f</a:t>
+                      </a:r>
+                      <a:r>
+                        <a:rPr lang="it-IT" sz="1600" i="1" dirty="0"/>
+                        <a:t> </a:t>
+                      </a:r>
+                      <a:r>
+                        <a:rPr lang="it-IT" sz="1600" i="0" dirty="0"/>
+                        <a:t>/ </a:t>
+                      </a:r>
+                      <a:r>
+                        <a:rPr lang="it-IT" sz="1400" i="1" dirty="0"/>
+                        <a:t>η</a:t>
+                      </a:r>
+                      <a:r>
+                        <a:rPr lang="it-IT" sz="1600" i="0" dirty="0"/>
+                        <a:t> / </a:t>
+                      </a:r>
+                      <a:r>
+                        <a:rPr lang="it-IT" sz="1400" i="1" dirty="0"/>
+                        <a:t>α</a:t>
+                      </a:r>
+                      <a:r>
+                        <a:rPr lang="it-IT" sz="1600" i="0" dirty="0"/>
+                        <a:t> / </a:t>
+                      </a:r>
+                      <a:r>
+                        <a:rPr lang="it-IT" sz="1400" i="1" dirty="0"/>
+                        <a:t>λ</a:t>
+                      </a:r>
+                      <a:r>
+                        <a:rPr lang="it-IT" sz="1600" i="0" dirty="0"/>
+                        <a:t> / </a:t>
+                      </a:r>
+                      <a:r>
+                        <a:rPr lang="it-IT" sz="1400" i="1" dirty="0" err="1"/>
+                        <a:t>epochs</a:t>
+                      </a:r>
+                      <a:r>
+                        <a:rPr lang="it-IT" sz="1600" i="0" dirty="0"/>
+                        <a:t> / </a:t>
+                      </a:r>
+                      <a:r>
+                        <a:rPr lang="it-IT" sz="1400" i="1" dirty="0" err="1"/>
+                        <a:t>batch_size</a:t>
+                      </a:r>
+                      <a:r>
+                        <a:rPr lang="it-IT" sz="1400" i="1" dirty="0"/>
+                        <a:t> </a:t>
+                      </a:r>
+                      <a:r>
+                        <a:rPr lang="it-IT" sz="1400" i="0" dirty="0">
+                          <a:solidFill>
+                            <a:schemeClr val="tx1"/>
+                          </a:solidFill>
+                        </a:rPr>
+                        <a:t>/ </a:t>
+                      </a:r>
+                      <a:r>
+                        <a:rPr lang="it-IT" sz="1400" i="1" dirty="0" err="1">
+                          <a:solidFill>
+                            <a:schemeClr val="tx1"/>
+                          </a:solidFill>
+                        </a:rPr>
+                        <a:t>patience</a:t>
+                      </a:r>
+                      <a:endParaRPr lang="it-IT" sz="1600" i="1" dirty="0">
+                        <a:solidFill>
+                          <a:schemeClr val="tx1"/>
+                        </a:solidFill>
+                      </a:endParaRPr>
+                    </a:p>
+                  </a:txBody>
+                  <a:tcPr anchor="ctr"/>
+                </a:tc>
+                <a:tc>
+                  <a:txBody>
+                    <a:bodyPr/>
+                    <a:lstStyle/>
+                    <a:p>
+                      <a:pPr algn="ctr"/>
+                      <a:r>
+                        <a:rPr lang="it-IT" sz="1400" dirty="0"/>
+                        <a:t>MSE</a:t>
+                      </a:r>
+                      <a:r>
+                        <a:rPr lang="it-IT" sz="1600" dirty="0"/>
+                        <a:t> </a:t>
+                      </a:r>
+                      <a:r>
+                        <a:rPr lang="it-IT" sz="1400" dirty="0"/>
+                        <a:t>(DS)</a:t>
+                      </a:r>
+                    </a:p>
+                  </a:txBody>
+                  <a:tcPr anchor="ctr"/>
+                </a:tc>
+                <a:tc>
+                  <a:txBody>
+                    <a:bodyPr/>
+                    <a:lstStyle/>
+                    <a:p>
+                      <a:pPr algn="ctr"/>
+                      <a:r>
+                        <a:rPr lang="it-IT" sz="1400" dirty="0" err="1"/>
+                        <a:t>Accuracy</a:t>
+                      </a:r>
+                      <a:r>
+                        <a:rPr lang="it-IT" sz="1600" dirty="0"/>
+                        <a:t> </a:t>
+                      </a:r>
+                      <a:r>
+                        <a:rPr lang="it-IT" sz="1400" dirty="0"/>
+                        <a:t>(DS)</a:t>
+                      </a:r>
+                    </a:p>
+                  </a:txBody>
+                  <a:tcPr anchor="ctr"/>
+                </a:tc>
+                <a:tc>
+                  <a:txBody>
+                    <a:bodyPr/>
+                    <a:lstStyle/>
+                    <a:p>
+                      <a:pPr algn="ctr"/>
+                      <a:r>
+                        <a:rPr lang="it-IT" sz="1400" dirty="0" err="1"/>
+                        <a:t>Accuracy</a:t>
+                      </a:r>
+                      <a:r>
+                        <a:rPr lang="it-IT" sz="1400" dirty="0"/>
+                        <a:t> (TS)</a:t>
+                      </a:r>
+                    </a:p>
+                  </a:txBody>
+                  <a:tcPr anchor="ctr"/>
+                </a:tc>
+                <a:extLst>
+                  <a:ext uri="{0D108BD9-81ED-4DB2-BD59-A6C34878D82A}">
+                    <a16:rowId xmlns:a16="http://schemas.microsoft.com/office/drawing/2014/main" val="3654603585"/>
+                  </a:ext>
+                </a:extLst>
+              </a:tr>
+              <a:tr h="300250">
+                <a:tc>
+                  <a:txBody>
+                    <a:bodyPr/>
+                    <a:lstStyle/>
+                    <a:p>
+                      <a:pPr algn="ctr"/>
+                      <a:r>
+                        <a:rPr lang="it-IT" sz="1400" dirty="0"/>
+                        <a:t>Monk 3</a:t>
+                      </a:r>
+                    </a:p>
+                  </a:txBody>
+                  <a:tcPr anchor="ctr"/>
+                </a:tc>
+                <a:tc>
+                  <a:txBody>
+                    <a:bodyPr/>
+                    <a:lstStyle/>
+                    <a:p>
+                      <a:r>
+                        <a:rPr lang="it-IT" sz="1400" i="0" dirty="0"/>
+                        <a:t>(</a:t>
+                      </a:r>
+                      <a:r>
+                        <a:rPr lang="it-IT" sz="1400" i="1" dirty="0"/>
+                        <a:t>8,8</a:t>
+                      </a:r>
+                      <a:r>
+                        <a:rPr lang="it-IT" sz="1400" i="0" dirty="0"/>
+                        <a:t>)</a:t>
+                      </a:r>
+                      <a:r>
+                        <a:rPr lang="it-IT" sz="1400" i="1" dirty="0"/>
+                        <a:t> </a:t>
+                      </a:r>
+                      <a:r>
+                        <a:rPr lang="it-IT" sz="1400" i="0" dirty="0"/>
+                        <a:t>/</a:t>
+                      </a:r>
+                      <a:r>
+                        <a:rPr lang="it-IT" sz="1400" i="1" dirty="0"/>
+                        <a:t> SGD </a:t>
+                      </a:r>
+                      <a:r>
+                        <a:rPr lang="it-IT" sz="1400" i="0" dirty="0"/>
+                        <a:t>/</a:t>
+                      </a:r>
+                      <a:r>
+                        <a:rPr lang="it-IT" sz="1400" i="1" dirty="0"/>
+                        <a:t> </a:t>
+                      </a:r>
+                      <a:r>
+                        <a:rPr lang="it-IT" sz="1400" i="1" dirty="0" err="1"/>
+                        <a:t>ReLU</a:t>
+                      </a:r>
+                      <a:r>
+                        <a:rPr lang="it-IT" sz="1400" i="1" dirty="0"/>
+                        <a:t> </a:t>
+                      </a:r>
+                      <a:r>
+                        <a:rPr lang="it-IT" sz="1400" i="0" dirty="0"/>
+                        <a:t>/</a:t>
+                      </a:r>
+                      <a:r>
+                        <a:rPr lang="it-IT" sz="1400" i="1" dirty="0"/>
+                        <a:t> 0.1 </a:t>
+                      </a:r>
+                      <a:r>
+                        <a:rPr lang="it-IT" sz="1400" i="0" dirty="0"/>
+                        <a:t>/</a:t>
+                      </a:r>
+                      <a:r>
+                        <a:rPr lang="it-IT" sz="1400" i="1" dirty="0"/>
+                        <a:t> 0.6 </a:t>
+                      </a:r>
+                      <a:r>
+                        <a:rPr lang="it-IT" sz="1400" i="0" dirty="0"/>
+                        <a:t>/</a:t>
+                      </a:r>
+                      <a:r>
+                        <a:rPr lang="it-IT" sz="1400" i="1" dirty="0"/>
+                        <a:t> 0.01 </a:t>
+                      </a:r>
+                      <a:r>
+                        <a:rPr lang="it-IT" sz="1400" i="0" dirty="0"/>
+                        <a:t>/</a:t>
+                      </a:r>
+                      <a:r>
+                        <a:rPr lang="it-IT" sz="1400" i="1" dirty="0"/>
+                        <a:t> 200 </a:t>
+                      </a:r>
+                      <a:r>
+                        <a:rPr lang="it-IT" sz="1400" i="0" dirty="0"/>
+                        <a:t>/</a:t>
+                      </a:r>
+                      <a:r>
+                        <a:rPr lang="it-IT" sz="1400" i="1" dirty="0"/>
+                        <a:t> 8 </a:t>
+                      </a:r>
+                      <a:r>
+                        <a:rPr lang="it-IT" sz="1400" i="0" dirty="0"/>
+                        <a:t>/ </a:t>
+                      </a:r>
+                      <a:r>
+                        <a:rPr lang="it-IT" sz="1400" i="1" dirty="0"/>
+                        <a:t>6</a:t>
+                      </a:r>
+                    </a:p>
+                  </a:txBody>
+                  <a:tcPr anchor="ctr"/>
+                </a:tc>
+                <a:tc>
+                  <a:txBody>
+                    <a:bodyPr/>
+                    <a:lstStyle/>
+                    <a:p>
+                      <a:pPr algn="ctr"/>
+                      <a:r>
+                        <a:rPr lang="it-IT" sz="1400" i="1" dirty="0">
+                          <a:solidFill>
+                            <a:srgbClr val="FF0000"/>
+                          </a:solidFill>
+                        </a:rPr>
+                        <a:t>0.06 </a:t>
+                      </a:r>
+                      <a:r>
+                        <a:rPr lang="it-IT" sz="1400" i="0" dirty="0">
+                          <a:solidFill>
+                            <a:srgbClr val="FF0000"/>
+                          </a:solidFill>
+                        </a:rPr>
+                        <a:t>/</a:t>
+                      </a:r>
+                      <a:r>
+                        <a:rPr lang="it-IT" sz="1400" i="1" dirty="0">
+                          <a:solidFill>
+                            <a:srgbClr val="FF0000"/>
+                          </a:solidFill>
+                        </a:rPr>
+                        <a:t>  0.06</a:t>
+                      </a:r>
+                    </a:p>
+                  </a:txBody>
+                  <a:tcPr anchor="ctr"/>
+                </a:tc>
+                <a:tc>
+                  <a:txBody>
+                    <a:bodyPr/>
+                    <a:lstStyle/>
+                    <a:p>
+                      <a:pPr algn="ctr"/>
+                      <a:r>
+                        <a:rPr lang="it-IT" sz="1400" i="1" dirty="0">
+                          <a:solidFill>
+                            <a:schemeClr val="tx1"/>
+                          </a:solidFill>
+                        </a:rPr>
+                        <a:t>93,40% </a:t>
+                      </a:r>
+                    </a:p>
+                  </a:txBody>
+                  <a:tcPr anchor="ctr"/>
+                </a:tc>
+                <a:tc>
+                  <a:txBody>
+                    <a:bodyPr/>
+                    <a:lstStyle/>
+                    <a:p>
+                      <a:pPr algn="ctr"/>
+                      <a:r>
+                        <a:rPr lang="it-IT" sz="1400" i="1" dirty="0"/>
+                        <a:t>97,22%</a:t>
+                      </a:r>
+                    </a:p>
+                  </a:txBody>
+                  <a:tcPr anchor="ctr"/>
+                </a:tc>
+                <a:extLst>
+                  <a:ext uri="{0D108BD9-81ED-4DB2-BD59-A6C34878D82A}">
+                    <a16:rowId xmlns:a16="http://schemas.microsoft.com/office/drawing/2014/main" val="1051854847"/>
+                  </a:ext>
+                </a:extLst>
+              </a:tr>
+            </a:tbl>
+          </a:graphicData>
+        </a:graphic>
+      </p:graphicFrame>
+      <p:pic>
+        <p:nvPicPr>
+          <p:cNvPr id="8" name="Immagine 7" descr="Immagine che contiene testo, Diagramma, diagramma, linea&#10;&#10;Descrizione generata automaticamente">
+            <a:extLst>
+              <a:ext uri="{FF2B5EF4-FFF2-40B4-BE49-F238E27FC236}">
+                <a16:creationId xmlns:a16="http://schemas.microsoft.com/office/drawing/2014/main" id="{EB5723A5-AB49-FF22-DED0-8523E1872E45}"/>
+              </a:ext>
+            </a:extLst>
+          </p:cNvPr>
+          <p:cNvPicPr>
+            <a:picLocks noChangeAspect="1"/>
+          </p:cNvPicPr>
+          <p:nvPr/>
+        </p:nvPicPr>
+        <p:blipFill>
+          <a:blip r:embed="rId2">
+            <a:extLst>
+              <a:ext uri="{28A0092B-C50C-407E-A947-70E740481C1C}">
+                <a14:useLocalDpi xmlns:a14="http://schemas.microsoft.com/office/drawing/2010/main" val="0"/>
+              </a:ext>
+            </a:extLst>
+          </a:blip>
+          <a:stretch>
+            <a:fillRect/>
+          </a:stretch>
+        </p:blipFill>
+        <p:spPr>
+          <a:xfrm>
+            <a:off x="311758" y="2054590"/>
+            <a:ext cx="6607189" cy="2703195"/>
+          </a:xfrm>
+          <a:prstGeom prst="rect">
+            <a:avLst/>
+          </a:prstGeom>
+        </p:spPr>
+      </p:pic>
     </p:spTree>
+    <p:extLst>
+      <p:ext uri="{BB962C8B-B14F-4D97-AF65-F5344CB8AC3E}">
+        <p14:creationId xmlns:p14="http://schemas.microsoft.com/office/powerpoint/2010/main" val="3256688552"/>
+      </p:ext>
+    </p:extLst>
   </p:cSld>
   <p:clrMapOvr>
     <a:masterClrMapping/>

--- a/relazione/ML-2023-PRJ-Slides-Demo.pptx
+++ b/relazione/ML-2023-PRJ-Slides-Demo.pptx
@@ -6,7 +6,7 @@
     <p:sldMasterId id="2147483661" r:id="rId2"/>
   </p:sldMasterIdLst>
   <p:notesMasterIdLst>
-    <p:notesMasterId r:id="rId35"/>
+    <p:notesMasterId r:id="rId34"/>
   </p:notesMasterIdLst>
   <p:sldIdLst>
     <p:sldId id="256" r:id="rId3"/>
@@ -18,29 +18,28 @@
     <p:sldId id="261" r:id="rId9"/>
     <p:sldId id="289" r:id="rId10"/>
     <p:sldId id="290" r:id="rId11"/>
-    <p:sldId id="276" r:id="rId12"/>
-    <p:sldId id="262" r:id="rId13"/>
-    <p:sldId id="287" r:id="rId14"/>
-    <p:sldId id="263" r:id="rId15"/>
-    <p:sldId id="269" r:id="rId16"/>
-    <p:sldId id="278" r:id="rId17"/>
-    <p:sldId id="270" r:id="rId18"/>
-    <p:sldId id="264" r:id="rId19"/>
-    <p:sldId id="274" r:id="rId20"/>
-    <p:sldId id="272" r:id="rId21"/>
-    <p:sldId id="275" r:id="rId22"/>
-    <p:sldId id="265" r:id="rId23"/>
-    <p:sldId id="266" r:id="rId24"/>
-    <p:sldId id="273" r:id="rId25"/>
-    <p:sldId id="277" r:id="rId26"/>
-    <p:sldId id="268" r:id="rId27"/>
-    <p:sldId id="282" r:id="rId28"/>
-    <p:sldId id="283" r:id="rId29"/>
-    <p:sldId id="288" r:id="rId30"/>
-    <p:sldId id="291" r:id="rId31"/>
-    <p:sldId id="281" r:id="rId32"/>
-    <p:sldId id="284" r:id="rId33"/>
-    <p:sldId id="286" r:id="rId34"/>
+    <p:sldId id="262" r:id="rId12"/>
+    <p:sldId id="287" r:id="rId13"/>
+    <p:sldId id="263" r:id="rId14"/>
+    <p:sldId id="269" r:id="rId15"/>
+    <p:sldId id="278" r:id="rId16"/>
+    <p:sldId id="270" r:id="rId17"/>
+    <p:sldId id="264" r:id="rId18"/>
+    <p:sldId id="274" r:id="rId19"/>
+    <p:sldId id="272" r:id="rId20"/>
+    <p:sldId id="275" r:id="rId21"/>
+    <p:sldId id="265" r:id="rId22"/>
+    <p:sldId id="266" r:id="rId23"/>
+    <p:sldId id="273" r:id="rId24"/>
+    <p:sldId id="277" r:id="rId25"/>
+    <p:sldId id="268" r:id="rId26"/>
+    <p:sldId id="282" r:id="rId27"/>
+    <p:sldId id="283" r:id="rId28"/>
+    <p:sldId id="288" r:id="rId29"/>
+    <p:sldId id="291" r:id="rId30"/>
+    <p:sldId id="281" r:id="rId31"/>
+    <p:sldId id="284" r:id="rId32"/>
+    <p:sldId id="286" r:id="rId33"/>
   </p:sldIdLst>
   <p:sldSz cx="9144000" cy="5143500" type="screen16x9"/>
   <p:notesSz cx="6858000" cy="9144000"/>
@@ -6097,289 +6096,6 @@
       </p:grpSpPr>
       <p:sp>
         <p:nvSpPr>
-          <p:cNvPr id="97" name="PlaceHolder 1"/>
-          <p:cNvSpPr>
-            <a:spLocks noGrp="1"/>
-          </p:cNvSpPr>
-          <p:nvPr>
-            <p:ph type="title"/>
-          </p:nvPr>
-        </p:nvSpPr>
-        <p:spPr>
-          <a:xfrm>
-            <a:off x="311760" y="2700"/>
-            <a:ext cx="8520120" cy="576000"/>
-          </a:xfrm>
-          <a:prstGeom prst="rect">
-            <a:avLst/>
-          </a:prstGeom>
-          <a:noFill/>
-          <a:ln w="0">
-            <a:noFill/>
-          </a:ln>
-        </p:spPr>
-        <p:txBody>
-          <a:bodyPr tIns="91440" bIns="91440" anchor="t">
-            <a:normAutofit fontScale="90000"/>
-          </a:bodyPr>
-          <a:lstStyle/>
-          <a:p>
-            <a:pPr>
-              <a:lnSpc>
-                <a:spcPct val="100000"/>
-              </a:lnSpc>
-              <a:buNone/>
-              <a:tabLst>
-                <a:tab pos="0" algn="l"/>
-              </a:tabLst>
-            </a:pPr>
-            <a:r>
-              <a:rPr lang="it" sz="2700" b="0" strike="noStrike" spc="-1" dirty="0">
-                <a:solidFill>
-                  <a:srgbClr val="000000"/>
-                </a:solidFill>
-                <a:latin typeface="Arial"/>
-                <a:ea typeface="Arial"/>
-              </a:rPr>
-              <a:t>Monk Results:</a:t>
-            </a:r>
-            <a:r>
-              <a:rPr lang="it" sz="2700" spc="-1" dirty="0">
-                <a:solidFill>
-                  <a:srgbClr val="000000"/>
-                </a:solidFill>
-                <a:latin typeface="Arial"/>
-                <a:ea typeface="Arial"/>
-              </a:rPr>
-              <a:t> Plots – 2 </a:t>
-            </a:r>
-            <a:r>
-              <a:rPr lang="it" sz="2700" spc="-1" dirty="0">
-                <a:solidFill>
-                  <a:srgbClr val="FF0000"/>
-                </a:solidFill>
-                <a:latin typeface="Arial"/>
-                <a:ea typeface="Arial"/>
-              </a:rPr>
-              <a:t>DA FARE</a:t>
-            </a:r>
-            <a:endParaRPr lang="it-IT" sz="2800" b="0" strike="noStrike" spc="-1" dirty="0">
-              <a:solidFill>
-                <a:srgbClr val="FF0000"/>
-              </a:solidFill>
-              <a:latin typeface="Arial"/>
-            </a:endParaRPr>
-          </a:p>
-        </p:txBody>
-      </p:sp>
-      <p:sp>
-        <p:nvSpPr>
-          <p:cNvPr id="100" name="PlaceHolder 3"/>
-          <p:cNvSpPr>
-            <a:spLocks noGrp="1"/>
-          </p:cNvSpPr>
-          <p:nvPr>
-            <p:ph type="sldNum" idx="7"/>
-          </p:nvPr>
-        </p:nvSpPr>
-        <p:spPr>
-          <a:xfrm>
-            <a:off x="8472600" y="4663080"/>
-            <a:ext cx="548280" cy="393120"/>
-          </a:xfrm>
-          <a:prstGeom prst="rect">
-            <a:avLst/>
-          </a:prstGeom>
-          <a:noFill/>
-          <a:ln w="0">
-            <a:noFill/>
-          </a:ln>
-        </p:spPr>
-        <p:txBody>
-          <a:bodyPr tIns="91440" bIns="91440" anchor="ctr">
-            <a:normAutofit/>
-          </a:bodyPr>
-          <a:lstStyle>
-            <a:lvl1pPr algn="r">
-              <a:lnSpc>
-                <a:spcPct val="100000"/>
-              </a:lnSpc>
-              <a:buNone/>
-              <a:tabLst>
-                <a:tab pos="0" algn="l"/>
-              </a:tabLst>
-              <a:defRPr lang="it" sz="1000" b="0" strike="noStrike" spc="-1">
-                <a:solidFill>
-                  <a:srgbClr val="595959"/>
-                </a:solidFill>
-                <a:latin typeface="Arial"/>
-                <a:ea typeface="Arial"/>
-              </a:defRPr>
-            </a:lvl1pPr>
-          </a:lstStyle>
-          <a:p>
-            <a:pPr algn="r">
-              <a:lnSpc>
-                <a:spcPct val="100000"/>
-              </a:lnSpc>
-              <a:buNone/>
-              <a:tabLst>
-                <a:tab pos="0" algn="l"/>
-              </a:tabLst>
-            </a:pPr>
-            <a:fld id="{75C65507-15BA-480B-A2F8-91DEDD4DCA22}" type="slidenum">
-              <a:rPr lang="it" sz="1000" b="0" strike="noStrike" spc="-1">
-                <a:solidFill>
-                  <a:srgbClr val="595959"/>
-                </a:solidFill>
-                <a:latin typeface="Arial"/>
-                <a:ea typeface="Arial"/>
-              </a:rPr>
-              <a:t>10</a:t>
-            </a:fld>
-            <a:endParaRPr lang="it-IT" sz="1000" b="0" strike="noStrike" spc="-1">
-              <a:latin typeface="Times New Roman"/>
-            </a:endParaRPr>
-          </a:p>
-        </p:txBody>
-      </p:sp>
-      <p:sp>
-        <p:nvSpPr>
-          <p:cNvPr id="4" name="CasellaDiTesto 3">
-            <a:extLst>
-              <a:ext uri="{FF2B5EF4-FFF2-40B4-BE49-F238E27FC236}">
-                <a16:creationId xmlns:a16="http://schemas.microsoft.com/office/drawing/2014/main" id="{CBEB1373-635A-F144-9DC0-DA7A311F4F84}"/>
-              </a:ext>
-            </a:extLst>
-          </p:cNvPr>
-          <p:cNvSpPr txBox="1"/>
-          <p:nvPr/>
-        </p:nvSpPr>
-        <p:spPr>
-          <a:xfrm>
-            <a:off x="311760" y="3109813"/>
-            <a:ext cx="8160840" cy="369332"/>
-          </a:xfrm>
-          <a:prstGeom prst="rect">
-            <a:avLst/>
-          </a:prstGeom>
-          <a:noFill/>
-        </p:spPr>
-        <p:txBody>
-          <a:bodyPr wrap="square" rtlCol="0">
-            <a:spAutoFit/>
-          </a:bodyPr>
-          <a:lstStyle/>
-          <a:p>
-            <a:r>
-              <a:rPr lang="it-IT" dirty="0"/>
-              <a:t>Per modelli che non sono reti neurali, ci sarà qualcosa di analogo?</a:t>
-            </a:r>
-          </a:p>
-        </p:txBody>
-      </p:sp>
-      <p:sp>
-        <p:nvSpPr>
-          <p:cNvPr id="5" name="CasellaDiTesto 4">
-            <a:extLst>
-              <a:ext uri="{FF2B5EF4-FFF2-40B4-BE49-F238E27FC236}">
-                <a16:creationId xmlns:a16="http://schemas.microsoft.com/office/drawing/2014/main" id="{7E886A82-81A5-CFE8-5826-05F45E22A7C8}"/>
-              </a:ext>
-            </a:extLst>
-          </p:cNvPr>
-          <p:cNvSpPr txBox="1"/>
-          <p:nvPr/>
-        </p:nvSpPr>
-        <p:spPr>
-          <a:xfrm>
-            <a:off x="311760" y="3774522"/>
-            <a:ext cx="8160840" cy="369332"/>
-          </a:xfrm>
-          <a:prstGeom prst="rect">
-            <a:avLst/>
-          </a:prstGeom>
-          <a:noFill/>
-        </p:spPr>
-        <p:txBody>
-          <a:bodyPr wrap="square" rtlCol="0">
-            <a:spAutoFit/>
-          </a:bodyPr>
-          <a:lstStyle/>
-          <a:p>
-            <a:r>
-              <a:rPr lang="it-IT" dirty="0"/>
-              <a:t>Ovviamente, si può andare su più slides, senza esagerare</a:t>
-            </a:r>
-          </a:p>
-        </p:txBody>
-      </p:sp>
-      <p:sp>
-        <p:nvSpPr>
-          <p:cNvPr id="6" name="CasellaDiTesto 5">
-            <a:extLst>
-              <a:ext uri="{FF2B5EF4-FFF2-40B4-BE49-F238E27FC236}">
-                <a16:creationId xmlns:a16="http://schemas.microsoft.com/office/drawing/2014/main" id="{580C6A85-8DA2-EEEE-89E8-A327E42290EF}"/>
-              </a:ext>
-            </a:extLst>
-          </p:cNvPr>
-          <p:cNvSpPr txBox="1"/>
-          <p:nvPr/>
-        </p:nvSpPr>
-        <p:spPr>
-          <a:xfrm>
-            <a:off x="423582" y="1694329"/>
-            <a:ext cx="7658100" cy="646331"/>
-          </a:xfrm>
-          <a:prstGeom prst="rect">
-            <a:avLst/>
-          </a:prstGeom>
-          <a:noFill/>
-        </p:spPr>
-        <p:txBody>
-          <a:bodyPr wrap="square" rtlCol="0">
-            <a:spAutoFit/>
-          </a:bodyPr>
-          <a:lstStyle/>
-          <a:p>
-            <a:r>
-              <a:rPr lang="it-IT" dirty="0"/>
-              <a:t>Siccome servono i plots anche per gli altri modelli, e non solo per le reti neurali, un’altra slide sarà senz’altro necessaria</a:t>
-            </a:r>
-          </a:p>
-        </p:txBody>
-      </p:sp>
-    </p:spTree>
-    <p:extLst>
-      <p:ext uri="{BB962C8B-B14F-4D97-AF65-F5344CB8AC3E}">
-        <p14:creationId xmlns:p14="http://schemas.microsoft.com/office/powerpoint/2010/main" val="2130425178"/>
-      </p:ext>
-    </p:extLst>
-  </p:cSld>
-  <p:clrMapOvr>
-    <a:masterClrMapping/>
-  </p:clrMapOvr>
-</p:sld>
-</file>
-
-<file path=ppt/slides/slide11.xml><?xml version="1.0" encoding="utf-8"?>
-<p:sld xmlns:a="http://schemas.openxmlformats.org/drawingml/2006/main" xmlns:r="http://schemas.openxmlformats.org/officeDocument/2006/relationships" xmlns:p="http://schemas.openxmlformats.org/presentationml/2006/main">
-  <p:cSld>
-    <p:spTree>
-      <p:nvGrpSpPr>
-        <p:cNvPr id="1" name=""/>
-        <p:cNvGrpSpPr/>
-        <p:nvPr/>
-      </p:nvGrpSpPr>
-      <p:grpSpPr>
-        <a:xfrm>
-          <a:off x="0" y="0"/>
-          <a:ext cx="0" cy="0"/>
-          <a:chOff x="0" y="0"/>
-          <a:chExt cx="0" cy="0"/>
-        </a:xfrm>
-      </p:grpSpPr>
-      <p:sp>
-        <p:nvSpPr>
           <p:cNvPr id="101" name="PlaceHolder 1"/>
           <p:cNvSpPr>
             <a:spLocks noGrp="1"/>
@@ -6464,497 +6180,6 @@
             <a:endParaRPr lang="it-IT" sz="2400" b="0" strike="noStrike" spc="-1" dirty="0">
               <a:solidFill>
                 <a:srgbClr val="FF0000"/>
-              </a:solidFill>
-              <a:latin typeface="Arial"/>
-            </a:endParaRPr>
-          </a:p>
-        </p:txBody>
-      </p:sp>
-      <p:sp>
-        <p:nvSpPr>
-          <p:cNvPr id="102" name="PlaceHolder 2"/>
-          <p:cNvSpPr>
-            <a:spLocks noGrp="1"/>
-          </p:cNvSpPr>
-          <p:nvPr>
-            <p:ph/>
-          </p:nvPr>
-        </p:nvSpPr>
-        <p:spPr>
-          <a:xfrm>
-            <a:off x="311760" y="1152360"/>
-            <a:ext cx="8520120" cy="3416040"/>
-          </a:xfrm>
-          <a:prstGeom prst="rect">
-            <a:avLst/>
-          </a:prstGeom>
-          <a:noFill/>
-          <a:ln w="0">
-            <a:noFill/>
-          </a:ln>
-        </p:spPr>
-        <p:txBody>
-          <a:bodyPr tIns="91440" bIns="91440" anchor="t">
-            <a:normAutofit/>
-          </a:bodyPr>
-          <a:lstStyle/>
-          <a:p>
-            <a:pPr>
-              <a:lnSpc>
-                <a:spcPct val="115000"/>
-              </a:lnSpc>
-              <a:buNone/>
-              <a:tabLst>
-                <a:tab pos="0" algn="l"/>
-              </a:tabLst>
-            </a:pPr>
-            <a:r>
-              <a:rPr lang="it-IT" sz="1400" b="0" strike="noStrike" spc="-1" dirty="0" err="1">
-                <a:solidFill>
-                  <a:srgbClr val="000000"/>
-                </a:solidFill>
-                <a:latin typeface="Arial"/>
-              </a:rPr>
-              <a:t>We</a:t>
-            </a:r>
-            <a:r>
-              <a:rPr lang="it-IT" sz="1400" b="0" strike="noStrike" spc="-1" dirty="0">
-                <a:solidFill>
-                  <a:srgbClr val="000000"/>
-                </a:solidFill>
-                <a:latin typeface="Arial"/>
-              </a:rPr>
-              <a:t> </a:t>
-            </a:r>
-            <a:r>
-              <a:rPr lang="it-IT" sz="1400" b="0" strike="noStrike" spc="-1" dirty="0" err="1">
-                <a:solidFill>
-                  <a:srgbClr val="000000"/>
-                </a:solidFill>
-                <a:latin typeface="Arial"/>
-              </a:rPr>
-              <a:t>held</a:t>
-            </a:r>
-            <a:r>
-              <a:rPr lang="it-IT" sz="1400" b="0" strike="noStrike" spc="-1" dirty="0">
-                <a:solidFill>
-                  <a:srgbClr val="000000"/>
-                </a:solidFill>
-                <a:latin typeface="Arial"/>
-              </a:rPr>
-              <a:t> out 20% of the data (</a:t>
-            </a:r>
-            <a:r>
-              <a:rPr lang="it-IT" sz="1400" b="0" strike="noStrike" spc="-1" dirty="0" err="1">
-                <a:solidFill>
-                  <a:srgbClr val="000000"/>
-                </a:solidFill>
-                <a:latin typeface="Arial"/>
-              </a:rPr>
-              <a:t>randomly</a:t>
-            </a:r>
-            <a:r>
-              <a:rPr lang="it-IT" sz="1400" b="0" strike="noStrike" spc="-1" dirty="0">
-                <a:solidFill>
-                  <a:srgbClr val="000000"/>
-                </a:solidFill>
-                <a:latin typeface="Arial"/>
-              </a:rPr>
-              <a:t> </a:t>
-            </a:r>
-            <a:r>
-              <a:rPr lang="it-IT" sz="1400" b="0" strike="noStrike" spc="-1" dirty="0" err="1">
-                <a:solidFill>
-                  <a:srgbClr val="000000"/>
-                </a:solidFill>
-                <a:latin typeface="Arial"/>
-              </a:rPr>
-              <a:t>sampled</a:t>
-            </a:r>
-            <a:r>
-              <a:rPr lang="it-IT" sz="1400" b="0" strike="noStrike" spc="-1" dirty="0">
-                <a:solidFill>
-                  <a:srgbClr val="000000"/>
-                </a:solidFill>
-                <a:latin typeface="Arial"/>
-              </a:rPr>
-              <a:t> by fixing the </a:t>
-            </a:r>
-            <a:r>
-              <a:rPr lang="it-IT" sz="1400" b="0" strike="noStrike" spc="-1" dirty="0" err="1">
-                <a:solidFill>
-                  <a:srgbClr val="000000"/>
-                </a:solidFill>
-                <a:latin typeface="Arial"/>
-              </a:rPr>
-              <a:t>seed</a:t>
-            </a:r>
-            <a:r>
-              <a:rPr lang="it-IT" sz="1400" b="0" strike="noStrike" spc="-1" dirty="0">
-                <a:solidFill>
-                  <a:srgbClr val="000000"/>
-                </a:solidFill>
-                <a:latin typeface="Arial"/>
-              </a:rPr>
-              <a:t> for </a:t>
-            </a:r>
-            <a:r>
-              <a:rPr lang="it-IT" sz="1400" b="0" strike="noStrike" spc="-1" dirty="0" err="1">
-                <a:solidFill>
-                  <a:srgbClr val="000000"/>
-                </a:solidFill>
-                <a:latin typeface="Arial"/>
-              </a:rPr>
-              <a:t>reproducibility</a:t>
-            </a:r>
-            <a:r>
-              <a:rPr lang="it-IT" sz="1400" b="0" strike="noStrike" spc="-1" dirty="0">
-                <a:solidFill>
-                  <a:srgbClr val="000000"/>
-                </a:solidFill>
-                <a:latin typeface="Arial"/>
-              </a:rPr>
-              <a:t>) to use </a:t>
-            </a:r>
-            <a:r>
-              <a:rPr lang="it-IT" sz="1400" b="0" strike="noStrike" spc="-1" dirty="0" err="1">
-                <a:solidFill>
-                  <a:srgbClr val="000000"/>
-                </a:solidFill>
-                <a:latin typeface="Arial"/>
-              </a:rPr>
-              <a:t>it</a:t>
-            </a:r>
-            <a:r>
-              <a:rPr lang="it-IT" sz="1400" b="0" strike="noStrike" spc="-1" dirty="0">
-                <a:solidFill>
-                  <a:srgbClr val="000000"/>
-                </a:solidFill>
-                <a:latin typeface="Arial"/>
-              </a:rPr>
-              <a:t> </a:t>
-            </a:r>
-            <a:r>
-              <a:rPr lang="it-IT" sz="1400" b="0" strike="noStrike" spc="-1" dirty="0" err="1">
-                <a:solidFill>
-                  <a:srgbClr val="000000"/>
-                </a:solidFill>
-                <a:latin typeface="Arial"/>
-              </a:rPr>
-              <a:t>as</a:t>
-            </a:r>
-            <a:r>
-              <a:rPr lang="it-IT" sz="1400" b="0" strike="noStrike" spc="-1" dirty="0">
-                <a:solidFill>
-                  <a:srgbClr val="000000"/>
-                </a:solidFill>
-                <a:latin typeface="Arial"/>
-              </a:rPr>
-              <a:t> an </a:t>
-            </a:r>
-            <a:r>
-              <a:rPr lang="it-IT" sz="1400" b="0" strike="noStrike" spc="-1" dirty="0" err="1">
-                <a:solidFill>
-                  <a:srgbClr val="000000"/>
-                </a:solidFill>
-                <a:latin typeface="Arial"/>
-              </a:rPr>
-              <a:t>internal</a:t>
-            </a:r>
-            <a:r>
-              <a:rPr lang="it-IT" sz="1400" b="0" strike="noStrike" spc="-1" dirty="0">
-                <a:solidFill>
-                  <a:srgbClr val="000000"/>
-                </a:solidFill>
-                <a:latin typeface="Arial"/>
-              </a:rPr>
-              <a:t> test set.</a:t>
-            </a:r>
-          </a:p>
-          <a:p>
-            <a:pPr>
-              <a:lnSpc>
-                <a:spcPct val="115000"/>
-              </a:lnSpc>
-              <a:buNone/>
-              <a:tabLst>
-                <a:tab pos="0" algn="l"/>
-              </a:tabLst>
-            </a:pPr>
-            <a:r>
-              <a:rPr lang="it-IT" sz="1400" spc="-1" dirty="0">
-                <a:solidFill>
-                  <a:srgbClr val="000000"/>
-                </a:solidFill>
-                <a:latin typeface="Arial"/>
-              </a:rPr>
-              <a:t>On t</a:t>
-            </a:r>
-            <a:r>
-              <a:rPr lang="it-IT" sz="1400" b="0" strike="noStrike" spc="-1" dirty="0">
-                <a:solidFill>
-                  <a:srgbClr val="000000"/>
-                </a:solidFill>
-                <a:latin typeface="Arial"/>
-              </a:rPr>
-              <a:t>he </a:t>
-            </a:r>
-            <a:r>
-              <a:rPr lang="it-IT" sz="1400" b="0" strike="noStrike" spc="-1" dirty="0" err="1">
-                <a:solidFill>
-                  <a:srgbClr val="000000"/>
-                </a:solidFill>
-                <a:latin typeface="Arial"/>
-              </a:rPr>
-              <a:t>remaining</a:t>
-            </a:r>
-            <a:r>
-              <a:rPr lang="it-IT" sz="1400" b="0" strike="noStrike" spc="-1" dirty="0">
-                <a:solidFill>
-                  <a:srgbClr val="000000"/>
-                </a:solidFill>
-                <a:latin typeface="Arial"/>
-              </a:rPr>
-              <a:t> part of the data </a:t>
-            </a:r>
-            <a:r>
-              <a:rPr lang="it-IT" sz="1400" spc="-1" dirty="0" err="1">
-                <a:solidFill>
-                  <a:srgbClr val="000000"/>
-                </a:solidFill>
-                <a:latin typeface="Arial"/>
-              </a:rPr>
-              <a:t>we</a:t>
-            </a:r>
-            <a:r>
-              <a:rPr lang="it-IT" sz="1400" spc="-1" dirty="0">
-                <a:solidFill>
-                  <a:srgbClr val="000000"/>
-                </a:solidFill>
-                <a:latin typeface="Arial"/>
-              </a:rPr>
-              <a:t> do training and </a:t>
-            </a:r>
-            <a:r>
-              <a:rPr lang="it-IT" sz="1400" spc="-1" dirty="0" err="1">
-                <a:solidFill>
-                  <a:srgbClr val="000000"/>
-                </a:solidFill>
-                <a:latin typeface="Arial"/>
-              </a:rPr>
-              <a:t>validation</a:t>
-            </a:r>
-            <a:r>
-              <a:rPr lang="it-IT" sz="1400" spc="-1" dirty="0">
-                <a:solidFill>
-                  <a:srgbClr val="000000"/>
-                </a:solidFill>
-                <a:latin typeface="Arial"/>
-              </a:rPr>
-              <a:t> following a 5-fold Cross </a:t>
-            </a:r>
-            <a:r>
-              <a:rPr lang="it-IT" sz="1400" spc="-1" dirty="0" err="1">
-                <a:solidFill>
-                  <a:srgbClr val="000000"/>
-                </a:solidFill>
-                <a:latin typeface="Arial"/>
-              </a:rPr>
-              <a:t>Validation</a:t>
-            </a:r>
-            <a:r>
-              <a:rPr lang="it-IT" sz="1400" spc="-1" dirty="0">
-                <a:solidFill>
-                  <a:srgbClr val="000000"/>
-                </a:solidFill>
-                <a:latin typeface="Arial"/>
-              </a:rPr>
-              <a:t> schema. </a:t>
-            </a:r>
-            <a:r>
-              <a:rPr lang="it-IT" sz="1400" spc="-1" dirty="0" err="1">
-                <a:solidFill>
-                  <a:srgbClr val="000000"/>
-                </a:solidFill>
-                <a:latin typeface="Arial"/>
-              </a:rPr>
-              <a:t>This</a:t>
-            </a:r>
-            <a:r>
-              <a:rPr lang="it-IT" sz="1400" spc="-1" dirty="0">
-                <a:solidFill>
-                  <a:srgbClr val="000000"/>
-                </a:solidFill>
-                <a:latin typeface="Arial"/>
-              </a:rPr>
-              <a:t> </a:t>
-            </a:r>
-            <a:r>
-              <a:rPr lang="it-IT" sz="1400" spc="-1" dirty="0" err="1">
-                <a:solidFill>
-                  <a:srgbClr val="000000"/>
-                </a:solidFill>
-                <a:latin typeface="Arial"/>
-              </a:rPr>
-              <a:t>is</a:t>
-            </a:r>
-            <a:r>
-              <a:rPr lang="it-IT" sz="1400" spc="-1" dirty="0">
-                <a:solidFill>
-                  <a:srgbClr val="000000"/>
-                </a:solidFill>
-                <a:latin typeface="Arial"/>
-              </a:rPr>
-              <a:t> </a:t>
-            </a:r>
-            <a:r>
-              <a:rPr lang="it-IT" sz="1400" spc="-1" dirty="0" err="1">
-                <a:solidFill>
-                  <a:srgbClr val="000000"/>
-                </a:solidFill>
-                <a:latin typeface="Arial"/>
-              </a:rPr>
-              <a:t>done</a:t>
-            </a:r>
-            <a:r>
-              <a:rPr lang="it-IT" sz="1400" spc="-1" dirty="0">
-                <a:solidFill>
-                  <a:srgbClr val="000000"/>
-                </a:solidFill>
-                <a:latin typeface="Arial"/>
-              </a:rPr>
-              <a:t> by </a:t>
-            </a:r>
-            <a:r>
-              <a:rPr lang="it-IT" sz="1400" spc="-1" dirty="0" err="1">
-                <a:solidFill>
-                  <a:srgbClr val="000000"/>
-                </a:solidFill>
-                <a:latin typeface="Arial"/>
-              </a:rPr>
-              <a:t>Scikit-Learn’s</a:t>
-            </a:r>
-            <a:r>
-              <a:rPr lang="it-IT" sz="1400" spc="-1" dirty="0">
-                <a:solidFill>
-                  <a:srgbClr val="000000"/>
-                </a:solidFill>
-                <a:latin typeface="Arial"/>
-              </a:rPr>
-              <a:t> </a:t>
-            </a:r>
-            <a:r>
-              <a:rPr lang="it-IT" sz="1400" spc="-1" dirty="0" err="1">
-                <a:solidFill>
-                  <a:srgbClr val="000000"/>
-                </a:solidFill>
-                <a:latin typeface="Consolas" panose="020B0609020204030204" pitchFamily="49" charset="0"/>
-                <a:ea typeface="Verdana" panose="020B0604030504040204" pitchFamily="34" charset="0"/>
-              </a:rPr>
-              <a:t>GridSearchCV</a:t>
-            </a:r>
-            <a:r>
-              <a:rPr lang="it-IT" sz="1400" spc="-1" dirty="0">
-                <a:solidFill>
-                  <a:srgbClr val="000000"/>
-                </a:solidFill>
-                <a:latin typeface="Arial"/>
-              </a:rPr>
-              <a:t>, </a:t>
-            </a:r>
-            <a:r>
-              <a:rPr lang="it-IT" sz="1400" spc="-1" dirty="0" err="1">
-                <a:solidFill>
-                  <a:srgbClr val="000000"/>
-                </a:solidFill>
-                <a:latin typeface="Arial"/>
-              </a:rPr>
-              <a:t>when</a:t>
-            </a:r>
-            <a:r>
-              <a:rPr lang="it-IT" sz="1400" spc="-1" dirty="0">
-                <a:solidFill>
-                  <a:srgbClr val="000000"/>
-                </a:solidFill>
-                <a:latin typeface="Arial"/>
-              </a:rPr>
-              <a:t> the </a:t>
-            </a:r>
-            <a:r>
-              <a:rPr lang="it-IT" sz="1400" spc="-1" dirty="0" err="1">
-                <a:solidFill>
-                  <a:srgbClr val="000000"/>
-                </a:solidFill>
-                <a:latin typeface="Arial"/>
-              </a:rPr>
-              <a:t>grid</a:t>
-            </a:r>
-            <a:r>
-              <a:rPr lang="it-IT" sz="1400" spc="-1" dirty="0">
-                <a:solidFill>
-                  <a:srgbClr val="000000"/>
-                </a:solidFill>
-                <a:latin typeface="Arial"/>
-              </a:rPr>
-              <a:t> </a:t>
-            </a:r>
-            <a:r>
-              <a:rPr lang="it-IT" sz="1400" spc="-1" dirty="0" err="1">
-                <a:solidFill>
-                  <a:srgbClr val="000000"/>
-                </a:solidFill>
-                <a:latin typeface="Arial"/>
-              </a:rPr>
-              <a:t>search</a:t>
-            </a:r>
-            <a:r>
-              <a:rPr lang="it-IT" sz="1400" spc="-1" dirty="0">
-                <a:solidFill>
-                  <a:srgbClr val="000000"/>
-                </a:solidFill>
-                <a:latin typeface="Arial"/>
-              </a:rPr>
-              <a:t> </a:t>
-            </a:r>
-            <a:r>
-              <a:rPr lang="it-IT" sz="1400" spc="-1" dirty="0" err="1">
-                <a:solidFill>
-                  <a:srgbClr val="000000"/>
-                </a:solidFill>
-                <a:latin typeface="Arial"/>
-              </a:rPr>
-              <a:t>is</a:t>
-            </a:r>
-            <a:r>
-              <a:rPr lang="it-IT" sz="1400" spc="-1" dirty="0">
-                <a:solidFill>
-                  <a:srgbClr val="000000"/>
-                </a:solidFill>
-                <a:latin typeface="Arial"/>
-              </a:rPr>
-              <a:t> </a:t>
-            </a:r>
-            <a:r>
-              <a:rPr lang="it-IT" sz="1400" spc="-1" dirty="0" err="1">
-                <a:solidFill>
-                  <a:srgbClr val="000000"/>
-                </a:solidFill>
-                <a:latin typeface="Arial"/>
-              </a:rPr>
-              <a:t>performed</a:t>
-            </a:r>
-            <a:r>
-              <a:rPr lang="it-IT" sz="1400" spc="-1" dirty="0">
-                <a:solidFill>
-                  <a:srgbClr val="000000"/>
-                </a:solidFill>
-                <a:latin typeface="Arial"/>
-              </a:rPr>
-              <a:t>. </a:t>
-            </a:r>
-            <a:endParaRPr lang="it-IT" sz="1800" b="0" strike="noStrike" spc="-1" dirty="0">
-              <a:solidFill>
-                <a:srgbClr val="000000"/>
               </a:solidFill>
               <a:latin typeface="Arial"/>
             </a:endParaRPr>
@@ -7024,7 +6249,7 @@
                 <a:latin typeface="Arial"/>
                 <a:ea typeface="Arial"/>
               </a:rPr>
-              <a:t>11</a:t>
+              <a:t>10</a:t>
             </a:fld>
             <a:endParaRPr lang="it-IT" sz="1000" b="0" strike="noStrike" spc="-1">
               <a:latin typeface="Times New Roman"/>
@@ -7070,7 +6295,7 @@
         <p:spPr>
           <a:xfrm>
             <a:off x="311760" y="3433257"/>
-            <a:ext cx="8520120" cy="307777"/>
+            <a:ext cx="8520120" cy="523220"/>
           </a:xfrm>
           <a:prstGeom prst="rect">
             <a:avLst/>
@@ -7084,12 +6309,20 @@
           <a:lstStyle/>
           <a:p>
             <a:r>
+              <a:rPr lang="it-IT" sz="1400" dirty="0">
+                <a:solidFill>
+                  <a:srgbClr val="FF0000"/>
+                </a:solidFill>
+              </a:rPr>
+              <a:t>The best model </a:t>
+            </a:r>
+            <a:r>
               <a:rPr lang="it-IT" sz="1400" dirty="0" err="1">
                 <a:solidFill>
                   <a:srgbClr val="FF0000"/>
                 </a:solidFill>
               </a:rPr>
-              <a:t>Retrainings</a:t>
+              <a:t>returned</a:t>
             </a:r>
             <a:r>
               <a:rPr lang="it-IT" sz="1400" dirty="0">
@@ -7097,12 +6330,1197 @@
                   <a:srgbClr val="FF0000"/>
                 </a:solidFill>
               </a:rPr>
-              <a:t>?</a:t>
-            </a:r>
+              <a:t> by the </a:t>
+            </a:r>
+            <a:r>
+              <a:rPr lang="it-IT" sz="1400" dirty="0" err="1">
+                <a:solidFill>
+                  <a:srgbClr val="FF0000"/>
+                </a:solidFill>
+              </a:rPr>
+              <a:t>grid</a:t>
+            </a:r>
+            <a:r>
+              <a:rPr lang="it-IT" sz="1400" dirty="0">
+                <a:solidFill>
+                  <a:srgbClr val="FF0000"/>
+                </a:solidFill>
+              </a:rPr>
+              <a:t> </a:t>
+            </a:r>
+            <a:r>
+              <a:rPr lang="it-IT" sz="1400" dirty="0" err="1">
+                <a:solidFill>
+                  <a:srgbClr val="FF0000"/>
+                </a:solidFill>
+              </a:rPr>
+              <a:t>search</a:t>
+            </a:r>
+            <a:r>
+              <a:rPr lang="it-IT" sz="1400" dirty="0">
+                <a:solidFill>
+                  <a:srgbClr val="FF0000"/>
+                </a:solidFill>
+              </a:rPr>
+              <a:t> </a:t>
+            </a:r>
+            <a:r>
+              <a:rPr lang="it-IT" sz="1400" dirty="0" err="1">
+                <a:solidFill>
+                  <a:srgbClr val="FF0000"/>
+                </a:solidFill>
+              </a:rPr>
+              <a:t>is</a:t>
+            </a:r>
+            <a:r>
+              <a:rPr lang="it-IT" sz="1400" dirty="0">
+                <a:solidFill>
+                  <a:srgbClr val="FF0000"/>
+                </a:solidFill>
+              </a:rPr>
+              <a:t> </a:t>
+            </a:r>
+            <a:r>
+              <a:rPr lang="it-IT" sz="1400" dirty="0" err="1">
+                <a:solidFill>
+                  <a:srgbClr val="FF0000"/>
+                </a:solidFill>
+              </a:rPr>
+              <a:t>then</a:t>
+            </a:r>
+            <a:r>
+              <a:rPr lang="it-IT" sz="1400" dirty="0">
+                <a:solidFill>
+                  <a:srgbClr val="FF0000"/>
+                </a:solidFill>
+              </a:rPr>
+              <a:t> </a:t>
+            </a:r>
+            <a:r>
+              <a:rPr lang="it-IT" sz="1400" dirty="0" err="1">
+                <a:solidFill>
+                  <a:srgbClr val="FF0000"/>
+                </a:solidFill>
+              </a:rPr>
+              <a:t>retrained</a:t>
+            </a:r>
+            <a:r>
+              <a:rPr lang="it-IT" sz="1400" dirty="0">
+                <a:solidFill>
+                  <a:srgbClr val="FF0000"/>
+                </a:solidFill>
+              </a:rPr>
+              <a:t> by </a:t>
+            </a:r>
+            <a:r>
+              <a:rPr lang="it-IT" sz="1400" dirty="0" err="1">
+                <a:solidFill>
+                  <a:srgbClr val="FF0000"/>
+                </a:solidFill>
+              </a:rPr>
+              <a:t>using</a:t>
+            </a:r>
+            <a:r>
+              <a:rPr lang="it-IT" sz="1400" dirty="0">
+                <a:solidFill>
+                  <a:srgbClr val="FF0000"/>
+                </a:solidFill>
+              </a:rPr>
+              <a:t> </a:t>
+            </a:r>
+            <a:r>
+              <a:rPr lang="it-IT" sz="1400" dirty="0" err="1">
+                <a:solidFill>
+                  <a:srgbClr val="FF0000"/>
+                </a:solidFill>
+              </a:rPr>
+              <a:t>hold</a:t>
+            </a:r>
+            <a:r>
+              <a:rPr lang="it-IT" sz="1400" dirty="0">
+                <a:solidFill>
+                  <a:srgbClr val="FF0000"/>
+                </a:solidFill>
+              </a:rPr>
+              <a:t> out </a:t>
+            </a:r>
+            <a:r>
+              <a:rPr lang="it-IT" sz="1400" dirty="0" err="1">
+                <a:solidFill>
+                  <a:srgbClr val="FF0000"/>
+                </a:solidFill>
+              </a:rPr>
+              <a:t>as</a:t>
+            </a:r>
+            <a:r>
+              <a:rPr lang="it-IT" sz="1400" dirty="0">
+                <a:solidFill>
+                  <a:srgbClr val="FF0000"/>
+                </a:solidFill>
+              </a:rPr>
+              <a:t> </a:t>
+            </a:r>
+            <a:r>
+              <a:rPr lang="it-IT" sz="1400" dirty="0" err="1">
+                <a:solidFill>
+                  <a:srgbClr val="FF0000"/>
+                </a:solidFill>
+              </a:rPr>
+              <a:t>stopping</a:t>
+            </a:r>
+            <a:r>
+              <a:rPr lang="it-IT" sz="1400" dirty="0">
+                <a:solidFill>
+                  <a:srgbClr val="FF0000"/>
+                </a:solidFill>
+              </a:rPr>
+              <a:t> </a:t>
+            </a:r>
+            <a:r>
+              <a:rPr lang="it-IT" sz="1400" dirty="0" err="1">
+                <a:solidFill>
+                  <a:srgbClr val="FF0000"/>
+                </a:solidFill>
+              </a:rPr>
+              <a:t>criterion</a:t>
+            </a:r>
+            <a:r>
+              <a:rPr lang="it-IT" sz="1400" dirty="0">
+                <a:solidFill>
+                  <a:srgbClr val="FF0000"/>
+                </a:solidFill>
+              </a:rPr>
+              <a:t>. The design set </a:t>
+            </a:r>
+            <a:r>
+              <a:rPr lang="it-IT" sz="1400" dirty="0" err="1">
+                <a:solidFill>
+                  <a:srgbClr val="FF0000"/>
+                </a:solidFill>
+              </a:rPr>
+              <a:t>is</a:t>
+            </a:r>
+            <a:r>
+              <a:rPr lang="it-IT" sz="1400" dirty="0">
+                <a:solidFill>
+                  <a:srgbClr val="FF0000"/>
+                </a:solidFill>
+              </a:rPr>
+              <a:t> split in 5 </a:t>
+            </a:r>
+            <a:r>
+              <a:rPr lang="it-IT" sz="1400" dirty="0" err="1">
+                <a:solidFill>
+                  <a:srgbClr val="FF0000"/>
+                </a:solidFill>
+              </a:rPr>
+              <a:t>folds</a:t>
+            </a:r>
+            <a:r>
+              <a:rPr lang="it-IT" sz="1400" dirty="0">
+                <a:solidFill>
+                  <a:srgbClr val="FF0000"/>
+                </a:solidFill>
+              </a:rPr>
+              <a:t>, </a:t>
+            </a:r>
+            <a:r>
+              <a:rPr lang="it-IT" sz="1400" dirty="0" err="1">
+                <a:solidFill>
+                  <a:srgbClr val="FF0000"/>
+                </a:solidFill>
+              </a:rPr>
+              <a:t>each</a:t>
+            </a:r>
+            <a:r>
+              <a:rPr lang="it-IT" sz="1400" dirty="0">
+                <a:solidFill>
+                  <a:srgbClr val="FF0000"/>
+                </a:solidFill>
+              </a:rPr>
+              <a:t> one </a:t>
+            </a:r>
+            <a:r>
+              <a:rPr lang="it-IT" sz="1400" dirty="0" err="1">
+                <a:solidFill>
+                  <a:srgbClr val="FF0000"/>
+                </a:solidFill>
+              </a:rPr>
+              <a:t>is</a:t>
+            </a:r>
+            <a:r>
+              <a:rPr lang="it-IT" sz="1400" dirty="0">
+                <a:solidFill>
+                  <a:srgbClr val="FF0000"/>
+                </a:solidFill>
+              </a:rPr>
+              <a:t> </a:t>
+            </a:r>
+            <a:r>
+              <a:rPr lang="it-IT" sz="1400" dirty="0" err="1">
+                <a:solidFill>
+                  <a:srgbClr val="FF0000"/>
+                </a:solidFill>
+              </a:rPr>
+              <a:t>used</a:t>
+            </a:r>
+            <a:r>
+              <a:rPr lang="it-IT" sz="1400" dirty="0">
+                <a:solidFill>
+                  <a:srgbClr val="FF0000"/>
+                </a:solidFill>
+              </a:rPr>
+              <a:t>  </a:t>
+            </a:r>
+          </a:p>
+        </p:txBody>
+      </p:sp>
+      <p:sp>
+        <p:nvSpPr>
+          <p:cNvPr id="3" name="CasellaDiTesto 2">
+            <a:extLst>
+              <a:ext uri="{FF2B5EF4-FFF2-40B4-BE49-F238E27FC236}">
+                <a16:creationId xmlns:a16="http://schemas.microsoft.com/office/drawing/2014/main" id="{C387ABBB-277D-A75F-836E-645748071C9F}"/>
+              </a:ext>
+            </a:extLst>
+          </p:cNvPr>
+          <p:cNvSpPr txBox="1"/>
+          <p:nvPr/>
+        </p:nvSpPr>
+        <p:spPr>
+          <a:xfrm>
+            <a:off x="311760" y="859329"/>
+            <a:ext cx="8520120" cy="1066510"/>
+          </a:xfrm>
+          <a:prstGeom prst="rect">
+            <a:avLst/>
+          </a:prstGeom>
+          <a:noFill/>
+        </p:spPr>
+        <p:txBody>
+          <a:bodyPr wrap="square" rtlCol="0">
+            <a:spAutoFit/>
+          </a:bodyPr>
+          <a:lstStyle/>
+          <a:p>
+            <a:pPr>
+              <a:lnSpc>
+                <a:spcPct val="115000"/>
+              </a:lnSpc>
+              <a:buNone/>
+              <a:tabLst>
+                <a:tab pos="0" algn="l"/>
+              </a:tabLst>
+            </a:pPr>
+            <a:r>
+              <a:rPr lang="it-IT" sz="1400" b="0" strike="noStrike" spc="-1" dirty="0" err="1">
+                <a:solidFill>
+                  <a:srgbClr val="000000"/>
+                </a:solidFill>
+                <a:latin typeface="Arial"/>
+              </a:rPr>
+              <a:t>We</a:t>
+            </a:r>
+            <a:r>
+              <a:rPr lang="it-IT" sz="1400" b="0" strike="noStrike" spc="-1" dirty="0">
+                <a:solidFill>
+                  <a:srgbClr val="000000"/>
+                </a:solidFill>
+                <a:latin typeface="Arial"/>
+              </a:rPr>
+              <a:t> </a:t>
+            </a:r>
+            <a:r>
+              <a:rPr lang="it-IT" sz="1400" b="0" strike="noStrike" spc="-1" dirty="0" err="1">
+                <a:solidFill>
+                  <a:srgbClr val="000000"/>
+                </a:solidFill>
+                <a:latin typeface="Arial"/>
+              </a:rPr>
+              <a:t>held</a:t>
+            </a:r>
+            <a:r>
+              <a:rPr lang="it-IT" sz="1400" b="0" strike="noStrike" spc="-1" dirty="0">
+                <a:solidFill>
+                  <a:srgbClr val="000000"/>
+                </a:solidFill>
+                <a:latin typeface="Arial"/>
+              </a:rPr>
+              <a:t> out 20% of the data (</a:t>
+            </a:r>
+            <a:r>
+              <a:rPr lang="it-IT" sz="1400" b="0" strike="noStrike" spc="-1" dirty="0" err="1">
+                <a:solidFill>
+                  <a:srgbClr val="000000"/>
+                </a:solidFill>
+                <a:latin typeface="Arial"/>
+              </a:rPr>
+              <a:t>randomly</a:t>
+            </a:r>
+            <a:r>
+              <a:rPr lang="it-IT" sz="1400" b="0" strike="noStrike" spc="-1" dirty="0">
+                <a:solidFill>
+                  <a:srgbClr val="000000"/>
+                </a:solidFill>
+                <a:latin typeface="Arial"/>
+              </a:rPr>
+              <a:t> </a:t>
+            </a:r>
+            <a:r>
+              <a:rPr lang="it-IT" sz="1400" b="0" strike="noStrike" spc="-1" dirty="0" err="1">
+                <a:solidFill>
+                  <a:srgbClr val="000000"/>
+                </a:solidFill>
+                <a:latin typeface="Arial"/>
+              </a:rPr>
+              <a:t>sampled</a:t>
+            </a:r>
+            <a:r>
+              <a:rPr lang="it-IT" sz="1400" b="0" strike="noStrike" spc="-1" dirty="0">
+                <a:solidFill>
+                  <a:srgbClr val="000000"/>
+                </a:solidFill>
+                <a:latin typeface="Arial"/>
+              </a:rPr>
+              <a:t> by fixing the </a:t>
+            </a:r>
+            <a:r>
+              <a:rPr lang="it-IT" sz="1400" b="0" strike="noStrike" spc="-1" dirty="0" err="1">
+                <a:solidFill>
+                  <a:srgbClr val="000000"/>
+                </a:solidFill>
+                <a:latin typeface="Arial"/>
+              </a:rPr>
+              <a:t>seed</a:t>
+            </a:r>
+            <a:r>
+              <a:rPr lang="it-IT" sz="1400" b="0" strike="noStrike" spc="-1" dirty="0">
+                <a:solidFill>
+                  <a:srgbClr val="000000"/>
+                </a:solidFill>
+                <a:latin typeface="Arial"/>
+              </a:rPr>
+              <a:t> for </a:t>
+            </a:r>
+            <a:r>
+              <a:rPr lang="it-IT" sz="1400" b="0" strike="noStrike" spc="-1" dirty="0" err="1">
+                <a:solidFill>
+                  <a:srgbClr val="000000"/>
+                </a:solidFill>
+                <a:latin typeface="Arial"/>
+              </a:rPr>
+              <a:t>reproducibility</a:t>
+            </a:r>
+            <a:r>
+              <a:rPr lang="it-IT" sz="1400" b="0" strike="noStrike" spc="-1" dirty="0">
+                <a:solidFill>
+                  <a:srgbClr val="000000"/>
+                </a:solidFill>
+                <a:latin typeface="Arial"/>
+              </a:rPr>
+              <a:t>) to use </a:t>
+            </a:r>
+            <a:r>
+              <a:rPr lang="it-IT" sz="1400" b="0" strike="noStrike" spc="-1" dirty="0" err="1">
+                <a:solidFill>
+                  <a:srgbClr val="000000"/>
+                </a:solidFill>
+                <a:latin typeface="Arial"/>
+              </a:rPr>
+              <a:t>it</a:t>
+            </a:r>
+            <a:r>
+              <a:rPr lang="it-IT" sz="1400" b="0" strike="noStrike" spc="-1" dirty="0">
+                <a:solidFill>
+                  <a:srgbClr val="000000"/>
+                </a:solidFill>
+                <a:latin typeface="Arial"/>
+              </a:rPr>
+              <a:t> </a:t>
+            </a:r>
+            <a:r>
+              <a:rPr lang="it-IT" sz="1400" b="0" strike="noStrike" spc="-1" dirty="0" err="1">
+                <a:solidFill>
+                  <a:srgbClr val="000000"/>
+                </a:solidFill>
+                <a:latin typeface="Arial"/>
+              </a:rPr>
+              <a:t>as</a:t>
+            </a:r>
+            <a:r>
+              <a:rPr lang="it-IT" sz="1400" b="0" strike="noStrike" spc="-1" dirty="0">
+                <a:solidFill>
+                  <a:srgbClr val="000000"/>
+                </a:solidFill>
+                <a:latin typeface="Arial"/>
+              </a:rPr>
+              <a:t> an </a:t>
+            </a:r>
+            <a:r>
+              <a:rPr lang="it-IT" sz="1400" b="0" strike="noStrike" spc="-1" dirty="0" err="1">
+                <a:solidFill>
+                  <a:srgbClr val="000000"/>
+                </a:solidFill>
+                <a:latin typeface="Arial"/>
+              </a:rPr>
+              <a:t>internal</a:t>
+            </a:r>
+            <a:r>
+              <a:rPr lang="it-IT" sz="1400" b="0" strike="noStrike" spc="-1" dirty="0">
+                <a:solidFill>
+                  <a:srgbClr val="000000"/>
+                </a:solidFill>
+                <a:latin typeface="Arial"/>
+              </a:rPr>
+              <a:t> test set.</a:t>
+            </a:r>
+          </a:p>
+          <a:p>
+            <a:pPr>
+              <a:lnSpc>
+                <a:spcPct val="115000"/>
+              </a:lnSpc>
+              <a:buNone/>
+              <a:tabLst>
+                <a:tab pos="0" algn="l"/>
+              </a:tabLst>
+            </a:pPr>
+            <a:r>
+              <a:rPr lang="it-IT" sz="1400" spc="-1" dirty="0">
+                <a:solidFill>
+                  <a:srgbClr val="000000"/>
+                </a:solidFill>
+                <a:latin typeface="Arial"/>
+              </a:rPr>
+              <a:t>On t</a:t>
+            </a:r>
+            <a:r>
+              <a:rPr lang="it-IT" sz="1400" b="0" strike="noStrike" spc="-1" dirty="0">
+                <a:solidFill>
+                  <a:srgbClr val="000000"/>
+                </a:solidFill>
+                <a:latin typeface="Arial"/>
+              </a:rPr>
+              <a:t>he </a:t>
+            </a:r>
+            <a:r>
+              <a:rPr lang="it-IT" sz="1400" b="0" strike="noStrike" spc="-1" dirty="0" err="1">
+                <a:solidFill>
+                  <a:srgbClr val="000000"/>
+                </a:solidFill>
+                <a:latin typeface="Arial"/>
+              </a:rPr>
+              <a:t>remaining</a:t>
+            </a:r>
+            <a:r>
+              <a:rPr lang="it-IT" sz="1400" b="0" strike="noStrike" spc="-1" dirty="0">
+                <a:solidFill>
+                  <a:srgbClr val="000000"/>
+                </a:solidFill>
+                <a:latin typeface="Arial"/>
+              </a:rPr>
+              <a:t> part of the data </a:t>
+            </a:r>
+            <a:r>
+              <a:rPr lang="it-IT" sz="1400" spc="-1" dirty="0">
+                <a:solidFill>
+                  <a:srgbClr val="000000"/>
+                </a:solidFill>
+                <a:latin typeface="Arial"/>
+              </a:rPr>
+              <a:t>the model </a:t>
+            </a:r>
+            <a:r>
+              <a:rPr lang="it-IT" sz="1400" spc="-1" dirty="0" err="1">
+                <a:solidFill>
+                  <a:srgbClr val="000000"/>
+                </a:solidFill>
+                <a:latin typeface="Arial"/>
+              </a:rPr>
+              <a:t>is</a:t>
+            </a:r>
+            <a:r>
+              <a:rPr lang="it-IT" sz="1400" spc="-1" dirty="0">
+                <a:solidFill>
+                  <a:srgbClr val="000000"/>
+                </a:solidFill>
+                <a:latin typeface="Arial"/>
+              </a:rPr>
+              <a:t> </a:t>
+            </a:r>
+            <a:r>
+              <a:rPr lang="it-IT" sz="1400" spc="-1" dirty="0" err="1">
+                <a:solidFill>
+                  <a:srgbClr val="000000"/>
+                </a:solidFill>
+                <a:latin typeface="Arial"/>
+              </a:rPr>
+              <a:t>trained</a:t>
+            </a:r>
+            <a:r>
+              <a:rPr lang="it-IT" sz="1400" spc="-1" dirty="0">
+                <a:solidFill>
+                  <a:srgbClr val="000000"/>
+                </a:solidFill>
+                <a:latin typeface="Arial"/>
+              </a:rPr>
+              <a:t> and </a:t>
+            </a:r>
+            <a:r>
+              <a:rPr lang="it-IT" sz="1400" spc="-1" dirty="0" err="1">
+                <a:solidFill>
+                  <a:srgbClr val="000000"/>
+                </a:solidFill>
+                <a:latin typeface="Arial"/>
+              </a:rPr>
+              <a:t>validated</a:t>
+            </a:r>
+            <a:r>
+              <a:rPr lang="it-IT" sz="1400" spc="-1" dirty="0">
+                <a:solidFill>
+                  <a:srgbClr val="000000"/>
+                </a:solidFill>
+                <a:latin typeface="Arial"/>
+              </a:rPr>
+              <a:t> following a 5-fold Cross </a:t>
+            </a:r>
+            <a:r>
+              <a:rPr lang="it-IT" sz="1400" spc="-1" dirty="0" err="1">
+                <a:solidFill>
+                  <a:srgbClr val="000000"/>
+                </a:solidFill>
+                <a:latin typeface="Arial"/>
+              </a:rPr>
+              <a:t>Validation</a:t>
+            </a:r>
+            <a:r>
+              <a:rPr lang="it-IT" sz="1400" spc="-1" dirty="0">
+                <a:solidFill>
+                  <a:srgbClr val="000000"/>
+                </a:solidFill>
+                <a:latin typeface="Arial"/>
+              </a:rPr>
+              <a:t> schema. </a:t>
+            </a:r>
+            <a:r>
+              <a:rPr lang="it-IT" sz="1400" spc="-1" dirty="0" err="1">
+                <a:solidFill>
+                  <a:srgbClr val="000000"/>
+                </a:solidFill>
+                <a:latin typeface="Arial"/>
+              </a:rPr>
+              <a:t>This</a:t>
+            </a:r>
+            <a:r>
+              <a:rPr lang="it-IT" sz="1400" spc="-1" dirty="0">
+                <a:solidFill>
+                  <a:srgbClr val="000000"/>
+                </a:solidFill>
+                <a:latin typeface="Arial"/>
+              </a:rPr>
+              <a:t> </a:t>
+            </a:r>
+            <a:r>
+              <a:rPr lang="it-IT" sz="1400" spc="-1" dirty="0" err="1">
+                <a:solidFill>
+                  <a:srgbClr val="000000"/>
+                </a:solidFill>
+                <a:latin typeface="Arial"/>
+              </a:rPr>
+              <a:t>is</a:t>
+            </a:r>
+            <a:r>
+              <a:rPr lang="it-IT" sz="1400" spc="-1" dirty="0">
+                <a:solidFill>
+                  <a:srgbClr val="000000"/>
+                </a:solidFill>
+                <a:latin typeface="Arial"/>
+              </a:rPr>
+              <a:t> </a:t>
+            </a:r>
+            <a:r>
+              <a:rPr lang="it-IT" sz="1400" spc="-1" dirty="0" err="1">
+                <a:solidFill>
+                  <a:srgbClr val="000000"/>
+                </a:solidFill>
+                <a:latin typeface="Arial"/>
+              </a:rPr>
+              <a:t>done</a:t>
+            </a:r>
+            <a:r>
+              <a:rPr lang="it-IT" sz="1400" spc="-1" dirty="0">
+                <a:solidFill>
+                  <a:srgbClr val="000000"/>
+                </a:solidFill>
+                <a:latin typeface="Arial"/>
+              </a:rPr>
+              <a:t> by </a:t>
+            </a:r>
+            <a:r>
+              <a:rPr lang="it-IT" sz="1400" spc="-1" dirty="0" err="1">
+                <a:solidFill>
+                  <a:srgbClr val="000000"/>
+                </a:solidFill>
+                <a:latin typeface="Arial"/>
+              </a:rPr>
+              <a:t>Scikit-Learn’s</a:t>
+            </a:r>
+            <a:r>
+              <a:rPr lang="it-IT" sz="1400" spc="-1" dirty="0">
+                <a:solidFill>
+                  <a:srgbClr val="000000"/>
+                </a:solidFill>
+                <a:latin typeface="Arial"/>
+              </a:rPr>
+              <a:t> </a:t>
+            </a:r>
+            <a:r>
+              <a:rPr lang="it-IT" sz="1400" spc="-1" dirty="0" err="1">
+                <a:solidFill>
+                  <a:srgbClr val="000000"/>
+                </a:solidFill>
+                <a:latin typeface="Consolas" panose="020B0609020204030204" pitchFamily="49" charset="0"/>
+                <a:ea typeface="Verdana" panose="020B0604030504040204" pitchFamily="34" charset="0"/>
+              </a:rPr>
+              <a:t>GridSearchCV</a:t>
+            </a:r>
+            <a:r>
+              <a:rPr lang="it-IT" sz="1400" spc="-1" dirty="0">
+                <a:solidFill>
+                  <a:srgbClr val="000000"/>
+                </a:solidFill>
+                <a:latin typeface="Arial"/>
+              </a:rPr>
+              <a:t>, </a:t>
+            </a:r>
+            <a:r>
+              <a:rPr lang="it-IT" sz="1400" spc="-1" dirty="0" err="1">
+                <a:solidFill>
+                  <a:srgbClr val="000000"/>
+                </a:solidFill>
+                <a:latin typeface="Arial"/>
+              </a:rPr>
+              <a:t>when</a:t>
+            </a:r>
+            <a:r>
+              <a:rPr lang="it-IT" sz="1400" spc="-1" dirty="0">
+                <a:solidFill>
+                  <a:srgbClr val="000000"/>
+                </a:solidFill>
+                <a:latin typeface="Arial"/>
+              </a:rPr>
+              <a:t> the </a:t>
+            </a:r>
+            <a:r>
+              <a:rPr lang="it-IT" sz="1400" spc="-1" dirty="0" err="1">
+                <a:solidFill>
+                  <a:srgbClr val="000000"/>
+                </a:solidFill>
+                <a:latin typeface="Arial"/>
+              </a:rPr>
+              <a:t>grid</a:t>
+            </a:r>
+            <a:r>
+              <a:rPr lang="it-IT" sz="1400" spc="-1" dirty="0">
+                <a:solidFill>
+                  <a:srgbClr val="000000"/>
+                </a:solidFill>
+                <a:latin typeface="Arial"/>
+              </a:rPr>
+              <a:t> </a:t>
+            </a:r>
+            <a:r>
+              <a:rPr lang="it-IT" sz="1400" spc="-1" dirty="0" err="1">
+                <a:solidFill>
+                  <a:srgbClr val="000000"/>
+                </a:solidFill>
+                <a:latin typeface="Arial"/>
+              </a:rPr>
+              <a:t>search</a:t>
+            </a:r>
+            <a:r>
+              <a:rPr lang="it-IT" sz="1400" spc="-1" dirty="0">
+                <a:solidFill>
+                  <a:srgbClr val="000000"/>
+                </a:solidFill>
+                <a:latin typeface="Arial"/>
+              </a:rPr>
+              <a:t> </a:t>
+            </a:r>
+            <a:r>
+              <a:rPr lang="it-IT" sz="1400" spc="-1" dirty="0" err="1">
+                <a:solidFill>
+                  <a:srgbClr val="000000"/>
+                </a:solidFill>
+                <a:latin typeface="Arial"/>
+              </a:rPr>
+              <a:t>is</a:t>
+            </a:r>
+            <a:r>
+              <a:rPr lang="it-IT" sz="1400" spc="-1" dirty="0">
+                <a:solidFill>
+                  <a:srgbClr val="000000"/>
+                </a:solidFill>
+                <a:latin typeface="Arial"/>
+              </a:rPr>
+              <a:t> </a:t>
+            </a:r>
+            <a:r>
+              <a:rPr lang="it-IT" sz="1400" spc="-1" dirty="0" err="1">
+                <a:solidFill>
+                  <a:srgbClr val="000000"/>
+                </a:solidFill>
+                <a:latin typeface="Arial"/>
+              </a:rPr>
+              <a:t>performed</a:t>
+            </a:r>
+            <a:r>
+              <a:rPr lang="it-IT" sz="1400" spc="-1" dirty="0">
+                <a:solidFill>
+                  <a:srgbClr val="000000"/>
+                </a:solidFill>
+                <a:latin typeface="Arial"/>
+              </a:rPr>
+              <a:t>. </a:t>
+            </a:r>
+            <a:endParaRPr lang="it-IT" sz="1400" b="0" strike="noStrike" spc="-1" dirty="0">
+              <a:solidFill>
+                <a:srgbClr val="000000"/>
+              </a:solidFill>
+              <a:latin typeface="Arial"/>
+            </a:endParaRPr>
           </a:p>
         </p:txBody>
       </p:sp>
     </p:spTree>
+  </p:cSld>
+  <p:clrMapOvr>
+    <a:masterClrMapping/>
+  </p:clrMapOvr>
+</p:sld>
+</file>
+
+<file path=ppt/slides/slide11.xml><?xml version="1.0" encoding="utf-8"?>
+<p:sld xmlns:a="http://schemas.openxmlformats.org/drawingml/2006/main" xmlns:r="http://schemas.openxmlformats.org/officeDocument/2006/relationships" xmlns:p="http://schemas.openxmlformats.org/presentationml/2006/main">
+  <p:cSld>
+    <p:spTree>
+      <p:nvGrpSpPr>
+        <p:cNvPr id="1" name=""/>
+        <p:cNvGrpSpPr/>
+        <p:nvPr/>
+      </p:nvGrpSpPr>
+      <p:grpSpPr>
+        <a:xfrm>
+          <a:off x="0" y="0"/>
+          <a:ext cx="0" cy="0"/>
+          <a:chOff x="0" y="0"/>
+          <a:chExt cx="0" cy="0"/>
+        </a:xfrm>
+      </p:grpSpPr>
+      <p:sp>
+        <p:nvSpPr>
+          <p:cNvPr id="105" name="PlaceHolder 1"/>
+          <p:cNvSpPr>
+            <a:spLocks noGrp="1"/>
+          </p:cNvSpPr>
+          <p:nvPr>
+            <p:ph type="title"/>
+          </p:nvPr>
+        </p:nvSpPr>
+        <p:spPr>
+          <a:xfrm>
+            <a:off x="358825" y="2700"/>
+            <a:ext cx="8520120" cy="576000"/>
+          </a:xfrm>
+          <a:prstGeom prst="rect">
+            <a:avLst/>
+          </a:prstGeom>
+          <a:noFill/>
+          <a:ln w="0">
+            <a:noFill/>
+          </a:ln>
+        </p:spPr>
+        <p:txBody>
+          <a:bodyPr tIns="91440" bIns="91440" anchor="t">
+            <a:normAutofit fontScale="91000"/>
+          </a:bodyPr>
+          <a:lstStyle/>
+          <a:p>
+            <a:pPr>
+              <a:lnSpc>
+                <a:spcPct val="100000"/>
+              </a:lnSpc>
+              <a:buNone/>
+              <a:tabLst>
+                <a:tab pos="0" algn="l"/>
+              </a:tabLst>
+            </a:pPr>
+            <a:r>
+              <a:rPr lang="it" sz="2600" b="0" strike="noStrike" spc="-1" dirty="0">
+                <a:solidFill>
+                  <a:srgbClr val="000000"/>
+                </a:solidFill>
+                <a:latin typeface="Arial"/>
+                <a:ea typeface="Arial"/>
+              </a:rPr>
+              <a:t>CUP</a:t>
+            </a:r>
+            <a:r>
+              <a:rPr lang="it" sz="2400" b="0" strike="noStrike" spc="-1" dirty="0">
+                <a:solidFill>
+                  <a:srgbClr val="000000"/>
+                </a:solidFill>
+                <a:latin typeface="Arial"/>
+                <a:ea typeface="Arial"/>
+              </a:rPr>
+              <a:t> </a:t>
+            </a:r>
+            <a:r>
+              <a:rPr lang="it" sz="2600" b="0" strike="noStrike" spc="-1" dirty="0">
+                <a:solidFill>
+                  <a:srgbClr val="000000"/>
+                </a:solidFill>
+                <a:latin typeface="Arial"/>
+                <a:ea typeface="Arial"/>
+              </a:rPr>
+              <a:t>Validation schema: model selection [</a:t>
+            </a:r>
+            <a:r>
+              <a:rPr lang="it" sz="2600" b="0" strike="noStrike" spc="-1" dirty="0">
+                <a:solidFill>
+                  <a:srgbClr val="FF0000"/>
+                </a:solidFill>
+                <a:latin typeface="Arial"/>
+                <a:ea typeface="Arial"/>
+              </a:rPr>
+              <a:t>da riempire</a:t>
+            </a:r>
+            <a:r>
+              <a:rPr lang="it" sz="2600" b="0" strike="noStrike" spc="-1" dirty="0">
+                <a:solidFill>
+                  <a:srgbClr val="000000"/>
+                </a:solidFill>
+                <a:latin typeface="Arial"/>
+                <a:ea typeface="Arial"/>
+              </a:rPr>
+              <a:t>]</a:t>
+            </a:r>
+            <a:endParaRPr lang="it-IT" sz="2400" b="0" strike="noStrike" spc="-1" dirty="0">
+              <a:solidFill>
+                <a:srgbClr val="000000"/>
+              </a:solidFill>
+              <a:latin typeface="Arial"/>
+            </a:endParaRPr>
+          </a:p>
+        </p:txBody>
+      </p:sp>
+      <p:sp>
+        <p:nvSpPr>
+          <p:cNvPr id="107" name="PlaceHolder 3"/>
+          <p:cNvSpPr>
+            <a:spLocks noGrp="1"/>
+          </p:cNvSpPr>
+          <p:nvPr>
+            <p:ph type="sldNum" idx="9"/>
+          </p:nvPr>
+        </p:nvSpPr>
+        <p:spPr>
+          <a:xfrm>
+            <a:off x="8472600" y="4663080"/>
+            <a:ext cx="548280" cy="393120"/>
+          </a:xfrm>
+          <a:prstGeom prst="rect">
+            <a:avLst/>
+          </a:prstGeom>
+          <a:noFill/>
+          <a:ln w="0">
+            <a:noFill/>
+          </a:ln>
+        </p:spPr>
+        <p:txBody>
+          <a:bodyPr tIns="91440" bIns="91440" anchor="ctr">
+            <a:normAutofit/>
+          </a:bodyPr>
+          <a:lstStyle>
+            <a:lvl1pPr algn="r">
+              <a:lnSpc>
+                <a:spcPct val="100000"/>
+              </a:lnSpc>
+              <a:buNone/>
+              <a:tabLst>
+                <a:tab pos="0" algn="l"/>
+              </a:tabLst>
+              <a:defRPr lang="it" sz="1000" b="0" strike="noStrike" spc="-1">
+                <a:solidFill>
+                  <a:srgbClr val="595959"/>
+                </a:solidFill>
+                <a:latin typeface="Arial"/>
+                <a:ea typeface="Arial"/>
+              </a:defRPr>
+            </a:lvl1pPr>
+          </a:lstStyle>
+          <a:p>
+            <a:pPr algn="r">
+              <a:lnSpc>
+                <a:spcPct val="100000"/>
+              </a:lnSpc>
+              <a:buNone/>
+              <a:tabLst>
+                <a:tab pos="0" algn="l"/>
+              </a:tabLst>
+            </a:pPr>
+            <a:fld id="{A33BCEE6-A49C-4B73-BD56-E47521C0CF2F}" type="slidenum">
+              <a:rPr lang="it" sz="1000" b="0" strike="noStrike" spc="-1">
+                <a:solidFill>
+                  <a:srgbClr val="595959"/>
+                </a:solidFill>
+                <a:latin typeface="Arial"/>
+                <a:ea typeface="Arial"/>
+              </a:rPr>
+              <a:t>11</a:t>
+            </a:fld>
+            <a:endParaRPr lang="it-IT" sz="1000" b="0" strike="noStrike" spc="-1">
+              <a:latin typeface="Times New Roman"/>
+            </a:endParaRPr>
+          </a:p>
+        </p:txBody>
+      </p:sp>
+      <p:sp>
+        <p:nvSpPr>
+          <p:cNvPr id="7" name="CasellaDiTesto 6">
+            <a:extLst>
+              <a:ext uri="{FF2B5EF4-FFF2-40B4-BE49-F238E27FC236}">
+                <a16:creationId xmlns:a16="http://schemas.microsoft.com/office/drawing/2014/main" id="{BFA89A81-409B-0BEB-0241-08DF33268AD8}"/>
+              </a:ext>
+            </a:extLst>
+          </p:cNvPr>
+          <p:cNvSpPr txBox="1"/>
+          <p:nvPr/>
+        </p:nvSpPr>
+        <p:spPr>
+          <a:xfrm>
+            <a:off x="311368" y="873875"/>
+            <a:ext cx="8520120" cy="738664"/>
+          </a:xfrm>
+          <a:prstGeom prst="rect">
+            <a:avLst/>
+          </a:prstGeom>
+          <a:noFill/>
+        </p:spPr>
+        <p:txBody>
+          <a:bodyPr wrap="square" rtlCol="0">
+            <a:spAutoFit/>
+          </a:bodyPr>
+          <a:lstStyle/>
+          <a:p>
+            <a:r>
+              <a:rPr lang="it-IT" sz="1400" dirty="0" err="1"/>
+              <a:t>We</a:t>
+            </a:r>
+            <a:r>
+              <a:rPr lang="it-IT" sz="1400" dirty="0"/>
+              <a:t> </a:t>
+            </a:r>
+            <a:r>
+              <a:rPr lang="it-IT" sz="1400" dirty="0" err="1"/>
+              <a:t>ran</a:t>
+            </a:r>
+            <a:r>
+              <a:rPr lang="it-IT" sz="1400" dirty="0"/>
+              <a:t> a full </a:t>
+            </a:r>
+            <a:r>
+              <a:rPr lang="it-IT" sz="1400" dirty="0" err="1"/>
+              <a:t>grid</a:t>
+            </a:r>
+            <a:r>
+              <a:rPr lang="it-IT" sz="1400" dirty="0"/>
+              <a:t> </a:t>
+            </a:r>
+            <a:r>
+              <a:rPr lang="it-IT" sz="1400" dirty="0" err="1"/>
+              <a:t>search</a:t>
+            </a:r>
+            <a:r>
+              <a:rPr lang="it-IT" sz="1400" dirty="0"/>
+              <a:t> for </a:t>
+            </a:r>
+            <a:r>
+              <a:rPr lang="it-IT" sz="1400" dirty="0" err="1"/>
+              <a:t>all</a:t>
+            </a:r>
+            <a:r>
+              <a:rPr lang="it-IT" sz="1400" dirty="0"/>
+              <a:t> the </a:t>
+            </a:r>
+            <a:r>
+              <a:rPr lang="it-IT" sz="1400" dirty="0" err="1"/>
+              <a:t>three</a:t>
+            </a:r>
+            <a:r>
+              <a:rPr lang="it-IT" sz="1400" dirty="0"/>
+              <a:t> models </a:t>
+            </a:r>
+            <a:r>
+              <a:rPr lang="it-IT" sz="1400" dirty="0" err="1"/>
+              <a:t>that</a:t>
+            </a:r>
+            <a:r>
+              <a:rPr lang="it-IT" sz="1400" dirty="0"/>
+              <a:t> </a:t>
+            </a:r>
+            <a:r>
+              <a:rPr lang="it-IT" sz="1400" dirty="0" err="1"/>
+              <a:t>we</a:t>
+            </a:r>
+            <a:r>
+              <a:rPr lang="it-IT" sz="1400" dirty="0"/>
+              <a:t> </a:t>
+            </a:r>
+            <a:r>
+              <a:rPr lang="it-IT" sz="1400" dirty="0" err="1"/>
+              <a:t>considered</a:t>
+            </a:r>
+            <a:r>
+              <a:rPr lang="it-IT" sz="1400" dirty="0"/>
+              <a:t>. </a:t>
+            </a:r>
+          </a:p>
+          <a:p>
+            <a:r>
+              <a:rPr lang="it-IT" sz="1400" dirty="0"/>
+              <a:t>In </a:t>
+            </a:r>
+            <a:r>
+              <a:rPr lang="it-IT" sz="1400" dirty="0" err="1"/>
+              <a:t>addition</a:t>
+            </a:r>
+            <a:r>
+              <a:rPr lang="it-IT" sz="1400" dirty="0"/>
+              <a:t> to </a:t>
+            </a:r>
+            <a:r>
+              <a:rPr lang="it-IT" sz="1400" dirty="0" err="1"/>
+              <a:t>that</a:t>
+            </a:r>
+            <a:r>
+              <a:rPr lang="it-IT" sz="1400" dirty="0"/>
+              <a:t>, </a:t>
+            </a:r>
+            <a:r>
+              <a:rPr lang="it-IT" sz="1400" dirty="0" err="1"/>
+              <a:t>we</a:t>
+            </a:r>
+            <a:r>
+              <a:rPr lang="it-IT" sz="1400" dirty="0"/>
+              <a:t> </a:t>
+            </a:r>
+            <a:r>
+              <a:rPr lang="it-IT" sz="1400" dirty="0" err="1"/>
+              <a:t>used</a:t>
+            </a:r>
+            <a:r>
+              <a:rPr lang="it-IT" sz="1400" dirty="0"/>
+              <a:t> </a:t>
+            </a:r>
+            <a:r>
+              <a:rPr lang="it-IT" sz="1400" dirty="0" err="1"/>
+              <a:t>Optuna</a:t>
+            </a:r>
+            <a:r>
+              <a:rPr lang="it-IT" sz="1400" dirty="0"/>
+              <a:t> (a </a:t>
+            </a:r>
+            <a:r>
+              <a:rPr lang="it-IT" sz="1400" dirty="0" err="1"/>
+              <a:t>hyperparameter</a:t>
+            </a:r>
+            <a:r>
+              <a:rPr lang="it-IT" sz="1400" dirty="0"/>
+              <a:t> </a:t>
+            </a:r>
+            <a:r>
+              <a:rPr lang="it-IT" sz="1400" dirty="0" err="1"/>
+              <a:t>optimization</a:t>
+            </a:r>
+            <a:r>
+              <a:rPr lang="it-IT" sz="1400" dirty="0"/>
+              <a:t> software. See [</a:t>
+            </a:r>
+            <a:r>
+              <a:rPr lang="it-IT" sz="1400" dirty="0">
+                <a:hlinkClick r:id="rId2" action="ppaction://hlinksldjump"/>
+              </a:rPr>
+              <a:t>4</a:t>
+            </a:r>
+            <a:r>
+              <a:rPr lang="it-IT" sz="1400" dirty="0"/>
+              <a:t>] and </a:t>
+            </a:r>
+            <a:r>
+              <a:rPr lang="it-IT" sz="1400" dirty="0" err="1">
+                <a:hlinkClick r:id="rId3" action="ppaction://hlinksldjump"/>
+              </a:rPr>
+              <a:t>Appendix</a:t>
+            </a:r>
+            <a:r>
+              <a:rPr lang="it-IT" sz="1400" dirty="0"/>
+              <a:t>) for the </a:t>
+            </a:r>
+            <a:r>
+              <a:rPr lang="it-IT" sz="1400" dirty="0" err="1"/>
+              <a:t>exploration</a:t>
+            </a:r>
+            <a:r>
+              <a:rPr lang="it-IT" sz="1400" dirty="0"/>
+              <a:t> of the </a:t>
+            </a:r>
+            <a:r>
+              <a:rPr lang="it-IT" sz="1400" dirty="0" err="1"/>
+              <a:t>Neural</a:t>
+            </a:r>
+            <a:r>
+              <a:rPr lang="it-IT" sz="1400" dirty="0"/>
+              <a:t> </a:t>
+            </a:r>
+            <a:r>
+              <a:rPr lang="it-IT" sz="1400" dirty="0" err="1"/>
+              <a:t>Network’s</a:t>
+            </a:r>
+            <a:r>
+              <a:rPr lang="it-IT" sz="1400" dirty="0"/>
+              <a:t> </a:t>
+            </a:r>
+            <a:r>
+              <a:rPr lang="it-IT" sz="1400" dirty="0" err="1"/>
+              <a:t>space</a:t>
+            </a:r>
+            <a:r>
+              <a:rPr lang="it-IT" sz="1400" dirty="0"/>
+              <a:t> of </a:t>
+            </a:r>
+            <a:r>
+              <a:rPr lang="it-IT" sz="1400" dirty="0" err="1"/>
+              <a:t>hyperparameters</a:t>
+            </a:r>
+            <a:r>
+              <a:rPr lang="it-IT" sz="1400" dirty="0"/>
+              <a:t>.</a:t>
+            </a:r>
+            <a:endParaRPr lang="it-IT" sz="1400" dirty="0">
+              <a:solidFill>
+                <a:srgbClr val="FF0000"/>
+              </a:solidFill>
+            </a:endParaRPr>
+          </a:p>
+        </p:txBody>
+      </p:sp>
+    </p:spTree>
+    <p:extLst>
+      <p:ext uri="{BB962C8B-B14F-4D97-AF65-F5344CB8AC3E}">
+        <p14:creationId xmlns:p14="http://schemas.microsoft.com/office/powerpoint/2010/main" val="1020626091"/>
+      </p:ext>
+    </p:extLst>
   </p:cSld>
   <p:clrMapOvr>
     <a:masterClrMapping/>
@@ -7203,434 +7621,6 @@
                 <a:latin typeface="Arial"/>
                 <a:ea typeface="Arial"/>
               </a:rPr>
-              <a:t>da riempire</a:t>
-            </a:r>
-            <a:r>
-              <a:rPr lang="it" sz="2600" b="0" strike="noStrike" spc="-1" dirty="0">
-                <a:solidFill>
-                  <a:srgbClr val="000000"/>
-                </a:solidFill>
-                <a:latin typeface="Arial"/>
-                <a:ea typeface="Arial"/>
-              </a:rPr>
-              <a:t>]</a:t>
-            </a:r>
-            <a:endParaRPr lang="it-IT" sz="2400" b="0" strike="noStrike" spc="-1" dirty="0">
-              <a:solidFill>
-                <a:srgbClr val="000000"/>
-              </a:solidFill>
-              <a:latin typeface="Arial"/>
-            </a:endParaRPr>
-          </a:p>
-        </p:txBody>
-      </p:sp>
-      <p:sp>
-        <p:nvSpPr>
-          <p:cNvPr id="107" name="PlaceHolder 3"/>
-          <p:cNvSpPr>
-            <a:spLocks noGrp="1"/>
-          </p:cNvSpPr>
-          <p:nvPr>
-            <p:ph type="sldNum" idx="9"/>
-          </p:nvPr>
-        </p:nvSpPr>
-        <p:spPr>
-          <a:xfrm>
-            <a:off x="8472600" y="4663080"/>
-            <a:ext cx="548280" cy="393120"/>
-          </a:xfrm>
-          <a:prstGeom prst="rect">
-            <a:avLst/>
-          </a:prstGeom>
-          <a:noFill/>
-          <a:ln w="0">
-            <a:noFill/>
-          </a:ln>
-        </p:spPr>
-        <p:txBody>
-          <a:bodyPr tIns="91440" bIns="91440" anchor="ctr">
-            <a:normAutofit/>
-          </a:bodyPr>
-          <a:lstStyle>
-            <a:lvl1pPr algn="r">
-              <a:lnSpc>
-                <a:spcPct val="100000"/>
-              </a:lnSpc>
-              <a:buNone/>
-              <a:tabLst>
-                <a:tab pos="0" algn="l"/>
-              </a:tabLst>
-              <a:defRPr lang="it" sz="1000" b="0" strike="noStrike" spc="-1">
-                <a:solidFill>
-                  <a:srgbClr val="595959"/>
-                </a:solidFill>
-                <a:latin typeface="Arial"/>
-                <a:ea typeface="Arial"/>
-              </a:defRPr>
-            </a:lvl1pPr>
-          </a:lstStyle>
-          <a:p>
-            <a:pPr algn="r">
-              <a:lnSpc>
-                <a:spcPct val="100000"/>
-              </a:lnSpc>
-              <a:buNone/>
-              <a:tabLst>
-                <a:tab pos="0" algn="l"/>
-              </a:tabLst>
-            </a:pPr>
-            <a:fld id="{A33BCEE6-A49C-4B73-BD56-E47521C0CF2F}" type="slidenum">
-              <a:rPr lang="it" sz="1000" b="0" strike="noStrike" spc="-1">
-                <a:solidFill>
-                  <a:srgbClr val="595959"/>
-                </a:solidFill>
-                <a:latin typeface="Arial"/>
-                <a:ea typeface="Arial"/>
-              </a:rPr>
-              <a:t>12</a:t>
-            </a:fld>
-            <a:endParaRPr lang="it-IT" sz="1000" b="0" strike="noStrike" spc="-1">
-              <a:latin typeface="Times New Roman"/>
-            </a:endParaRPr>
-          </a:p>
-        </p:txBody>
-      </p:sp>
-      <p:sp>
-        <p:nvSpPr>
-          <p:cNvPr id="7" name="CasellaDiTesto 6">
-            <a:extLst>
-              <a:ext uri="{FF2B5EF4-FFF2-40B4-BE49-F238E27FC236}">
-                <a16:creationId xmlns:a16="http://schemas.microsoft.com/office/drawing/2014/main" id="{BFA89A81-409B-0BEB-0241-08DF33268AD8}"/>
-              </a:ext>
-            </a:extLst>
-          </p:cNvPr>
-          <p:cNvSpPr txBox="1"/>
-          <p:nvPr/>
-        </p:nvSpPr>
-        <p:spPr>
-          <a:xfrm>
-            <a:off x="311368" y="873875"/>
-            <a:ext cx="8520120" cy="738664"/>
-          </a:xfrm>
-          <a:prstGeom prst="rect">
-            <a:avLst/>
-          </a:prstGeom>
-          <a:noFill/>
-        </p:spPr>
-        <p:txBody>
-          <a:bodyPr wrap="square" rtlCol="0">
-            <a:spAutoFit/>
-          </a:bodyPr>
-          <a:lstStyle/>
-          <a:p>
-            <a:r>
-              <a:rPr lang="it-IT" sz="1400" dirty="0" err="1"/>
-              <a:t>We</a:t>
-            </a:r>
-            <a:r>
-              <a:rPr lang="it-IT" sz="1400" dirty="0"/>
-              <a:t> </a:t>
-            </a:r>
-            <a:r>
-              <a:rPr lang="it-IT" sz="1400" dirty="0" err="1"/>
-              <a:t>ran</a:t>
-            </a:r>
-            <a:r>
-              <a:rPr lang="it-IT" sz="1400" dirty="0"/>
-              <a:t> a full </a:t>
-            </a:r>
-            <a:r>
-              <a:rPr lang="it-IT" sz="1400" dirty="0" err="1"/>
-              <a:t>grid</a:t>
-            </a:r>
-            <a:r>
-              <a:rPr lang="it-IT" sz="1400" dirty="0"/>
-              <a:t> </a:t>
-            </a:r>
-            <a:r>
-              <a:rPr lang="it-IT" sz="1400" dirty="0" err="1"/>
-              <a:t>search</a:t>
-            </a:r>
-            <a:r>
-              <a:rPr lang="it-IT" sz="1400" dirty="0"/>
-              <a:t> for </a:t>
-            </a:r>
-            <a:r>
-              <a:rPr lang="it-IT" sz="1400" dirty="0" err="1"/>
-              <a:t>all</a:t>
-            </a:r>
-            <a:r>
-              <a:rPr lang="it-IT" sz="1400" dirty="0"/>
-              <a:t> the </a:t>
-            </a:r>
-            <a:r>
-              <a:rPr lang="it-IT" sz="1400" dirty="0" err="1"/>
-              <a:t>three</a:t>
-            </a:r>
-            <a:r>
-              <a:rPr lang="it-IT" sz="1400" dirty="0"/>
-              <a:t> models </a:t>
-            </a:r>
-            <a:r>
-              <a:rPr lang="it-IT" sz="1400" dirty="0" err="1"/>
-              <a:t>that</a:t>
-            </a:r>
-            <a:r>
-              <a:rPr lang="it-IT" sz="1400" dirty="0"/>
-              <a:t> </a:t>
-            </a:r>
-            <a:r>
-              <a:rPr lang="it-IT" sz="1400" dirty="0" err="1"/>
-              <a:t>we</a:t>
-            </a:r>
-            <a:r>
-              <a:rPr lang="it-IT" sz="1400" dirty="0"/>
-              <a:t> </a:t>
-            </a:r>
-            <a:r>
-              <a:rPr lang="it-IT" sz="1400" dirty="0" err="1"/>
-              <a:t>considered</a:t>
-            </a:r>
-            <a:r>
-              <a:rPr lang="it-IT" sz="1400" dirty="0"/>
-              <a:t>. </a:t>
-            </a:r>
-          </a:p>
-          <a:p>
-            <a:r>
-              <a:rPr lang="it-IT" sz="1400" dirty="0"/>
-              <a:t>In </a:t>
-            </a:r>
-            <a:r>
-              <a:rPr lang="it-IT" sz="1400" dirty="0" err="1"/>
-              <a:t>addition</a:t>
-            </a:r>
-            <a:r>
-              <a:rPr lang="it-IT" sz="1400" dirty="0"/>
-              <a:t> to </a:t>
-            </a:r>
-            <a:r>
-              <a:rPr lang="it-IT" sz="1400" dirty="0" err="1"/>
-              <a:t>that</a:t>
-            </a:r>
-            <a:r>
-              <a:rPr lang="it-IT" sz="1400" dirty="0"/>
-              <a:t>, </a:t>
-            </a:r>
-            <a:r>
-              <a:rPr lang="it-IT" sz="1400" dirty="0" err="1"/>
-              <a:t>we</a:t>
-            </a:r>
-            <a:r>
-              <a:rPr lang="it-IT" sz="1400" dirty="0"/>
-              <a:t> </a:t>
-            </a:r>
-            <a:r>
-              <a:rPr lang="it-IT" sz="1400" dirty="0" err="1"/>
-              <a:t>used</a:t>
-            </a:r>
-            <a:r>
-              <a:rPr lang="it-IT" sz="1400" dirty="0"/>
-              <a:t> </a:t>
-            </a:r>
-            <a:r>
-              <a:rPr lang="it-IT" sz="1400" dirty="0" err="1"/>
-              <a:t>Optuna</a:t>
-            </a:r>
-            <a:r>
-              <a:rPr lang="it-IT" sz="1400" dirty="0"/>
-              <a:t> (a </a:t>
-            </a:r>
-            <a:r>
-              <a:rPr lang="it-IT" sz="1400" dirty="0" err="1"/>
-              <a:t>hyperparameter</a:t>
-            </a:r>
-            <a:r>
-              <a:rPr lang="it-IT" sz="1400" dirty="0"/>
-              <a:t> </a:t>
-            </a:r>
-            <a:r>
-              <a:rPr lang="it-IT" sz="1400" dirty="0" err="1"/>
-              <a:t>optimization</a:t>
-            </a:r>
-            <a:r>
-              <a:rPr lang="it-IT" sz="1400" dirty="0"/>
-              <a:t> software. See [</a:t>
-            </a:r>
-            <a:r>
-              <a:rPr lang="it-IT" sz="1400" dirty="0">
-                <a:hlinkClick r:id="rId2" action="ppaction://hlinksldjump"/>
-              </a:rPr>
-              <a:t>4</a:t>
-            </a:r>
-            <a:r>
-              <a:rPr lang="it-IT" sz="1400" dirty="0"/>
-              <a:t>] and </a:t>
-            </a:r>
-            <a:r>
-              <a:rPr lang="it-IT" sz="1400" dirty="0" err="1">
-                <a:hlinkClick r:id="rId3" action="ppaction://hlinksldjump"/>
-              </a:rPr>
-              <a:t>Appendix</a:t>
-            </a:r>
-            <a:r>
-              <a:rPr lang="it-IT" sz="1400" dirty="0"/>
-              <a:t>) for the </a:t>
-            </a:r>
-            <a:r>
-              <a:rPr lang="it-IT" sz="1400" dirty="0" err="1"/>
-              <a:t>exploration</a:t>
-            </a:r>
-            <a:r>
-              <a:rPr lang="it-IT" sz="1400" dirty="0"/>
-              <a:t> of the </a:t>
-            </a:r>
-            <a:r>
-              <a:rPr lang="it-IT" sz="1400" dirty="0" err="1"/>
-              <a:t>Neural</a:t>
-            </a:r>
-            <a:r>
-              <a:rPr lang="it-IT" sz="1400" dirty="0"/>
-              <a:t> </a:t>
-            </a:r>
-            <a:r>
-              <a:rPr lang="it-IT" sz="1400" dirty="0" err="1"/>
-              <a:t>Network’s</a:t>
-            </a:r>
-            <a:r>
-              <a:rPr lang="it-IT" sz="1400" dirty="0"/>
-              <a:t> </a:t>
-            </a:r>
-            <a:r>
-              <a:rPr lang="it-IT" sz="1400" dirty="0" err="1"/>
-              <a:t>space</a:t>
-            </a:r>
-            <a:r>
-              <a:rPr lang="it-IT" sz="1400" dirty="0"/>
-              <a:t> of </a:t>
-            </a:r>
-            <a:r>
-              <a:rPr lang="it-IT" sz="1400" dirty="0" err="1"/>
-              <a:t>hyperparameters</a:t>
-            </a:r>
-            <a:r>
-              <a:rPr lang="it-IT" sz="1400" dirty="0"/>
-              <a:t>.</a:t>
-            </a:r>
-            <a:endParaRPr lang="it-IT" sz="1400" dirty="0">
-              <a:solidFill>
-                <a:srgbClr val="FF0000"/>
-              </a:solidFill>
-            </a:endParaRPr>
-          </a:p>
-        </p:txBody>
-      </p:sp>
-    </p:spTree>
-    <p:extLst>
-      <p:ext uri="{BB962C8B-B14F-4D97-AF65-F5344CB8AC3E}">
-        <p14:creationId xmlns:p14="http://schemas.microsoft.com/office/powerpoint/2010/main" val="1020626091"/>
-      </p:ext>
-    </p:extLst>
-  </p:cSld>
-  <p:clrMapOvr>
-    <a:masterClrMapping/>
-  </p:clrMapOvr>
-</p:sld>
-</file>
-
-<file path=ppt/slides/slide13.xml><?xml version="1.0" encoding="utf-8"?>
-<p:sld xmlns:a="http://schemas.openxmlformats.org/drawingml/2006/main" xmlns:r="http://schemas.openxmlformats.org/officeDocument/2006/relationships" xmlns:p="http://schemas.openxmlformats.org/presentationml/2006/main">
-  <p:cSld>
-    <p:spTree>
-      <p:nvGrpSpPr>
-        <p:cNvPr id="1" name=""/>
-        <p:cNvGrpSpPr/>
-        <p:nvPr/>
-      </p:nvGrpSpPr>
-      <p:grpSpPr>
-        <a:xfrm>
-          <a:off x="0" y="0"/>
-          <a:ext cx="0" cy="0"/>
-          <a:chOff x="0" y="0"/>
-          <a:chExt cx="0" cy="0"/>
-        </a:xfrm>
-      </p:grpSpPr>
-      <p:sp>
-        <p:nvSpPr>
-          <p:cNvPr id="105" name="PlaceHolder 1"/>
-          <p:cNvSpPr>
-            <a:spLocks noGrp="1"/>
-          </p:cNvSpPr>
-          <p:nvPr>
-            <p:ph type="title"/>
-          </p:nvPr>
-        </p:nvSpPr>
-        <p:spPr>
-          <a:xfrm>
-            <a:off x="358825" y="2700"/>
-            <a:ext cx="8520120" cy="576000"/>
-          </a:xfrm>
-          <a:prstGeom prst="rect">
-            <a:avLst/>
-          </a:prstGeom>
-          <a:noFill/>
-          <a:ln w="0">
-            <a:noFill/>
-          </a:ln>
-        </p:spPr>
-        <p:txBody>
-          <a:bodyPr tIns="91440" bIns="91440" anchor="t">
-            <a:normAutofit fontScale="91000"/>
-          </a:bodyPr>
-          <a:lstStyle/>
-          <a:p>
-            <a:pPr>
-              <a:lnSpc>
-                <a:spcPct val="100000"/>
-              </a:lnSpc>
-              <a:buNone/>
-              <a:tabLst>
-                <a:tab pos="0" algn="l"/>
-              </a:tabLst>
-            </a:pPr>
-            <a:r>
-              <a:rPr lang="it" sz="2600" b="0" strike="noStrike" spc="-1" dirty="0">
-                <a:solidFill>
-                  <a:srgbClr val="000000"/>
-                </a:solidFill>
-                <a:latin typeface="Arial"/>
-                <a:ea typeface="Arial"/>
-              </a:rPr>
-              <a:t>CUP</a:t>
-            </a:r>
-            <a:r>
-              <a:rPr lang="it" sz="2400" b="0" strike="noStrike" spc="-1" dirty="0">
-                <a:solidFill>
-                  <a:srgbClr val="000000"/>
-                </a:solidFill>
-                <a:latin typeface="Arial"/>
-                <a:ea typeface="Arial"/>
-              </a:rPr>
-              <a:t> </a:t>
-            </a:r>
-            <a:r>
-              <a:rPr lang="it" sz="2600" b="0" strike="noStrike" spc="-1" dirty="0">
-                <a:solidFill>
-                  <a:srgbClr val="000000"/>
-                </a:solidFill>
-                <a:latin typeface="Arial"/>
-                <a:ea typeface="Arial"/>
-              </a:rPr>
-              <a:t>Validation schema: model selection [</a:t>
-            </a:r>
-            <a:r>
-              <a:rPr lang="it" sz="2600" b="0" strike="noStrike" spc="-1" dirty="0">
-                <a:solidFill>
-                  <a:srgbClr val="FF0000"/>
-                </a:solidFill>
-                <a:latin typeface="Arial"/>
-                <a:ea typeface="Arial"/>
-              </a:rPr>
               <a:t>copia</a:t>
             </a:r>
             <a:r>
@@ -7841,7 +7831,7 @@
                 <a:latin typeface="Arial"/>
                 <a:ea typeface="Arial"/>
               </a:rPr>
-              <a:t>13</a:t>
+              <a:t>12</a:t>
             </a:fld>
             <a:endParaRPr lang="it-IT" sz="1000" b="0" strike="noStrike" spc="-1">
               <a:latin typeface="Times New Roman"/>
@@ -7901,7 +7891,7 @@
 </p:sld>
 </file>
 
-<file path=ppt/slides/slide14.xml><?xml version="1.0" encoding="utf-8"?>
+<file path=ppt/slides/slide13.xml><?xml version="1.0" encoding="utf-8"?>
 <p:sld xmlns:a="http://schemas.openxmlformats.org/drawingml/2006/main" xmlns:r="http://schemas.openxmlformats.org/officeDocument/2006/relationships" xmlns:p="http://schemas.openxmlformats.org/presentationml/2006/main">
   <p:cSld>
     <p:spTree>
@@ -8048,7 +8038,7 @@
                 <a:latin typeface="Arial"/>
                 <a:ea typeface="Arial"/>
               </a:rPr>
-              <a:t>14</a:t>
+              <a:t>13</a:t>
             </a:fld>
             <a:endParaRPr lang="it-IT" sz="1000" b="0" strike="noStrike" spc="-1">
               <a:latin typeface="Times New Roman"/>
@@ -8761,7 +8751,7 @@
 </p:sld>
 </file>
 
-<file path=ppt/slides/slide15.xml><?xml version="1.0" encoding="utf-8"?>
+<file path=ppt/slides/slide14.xml><?xml version="1.0" encoding="utf-8"?>
 <p:sld xmlns:a="http://schemas.openxmlformats.org/drawingml/2006/main" xmlns:r="http://schemas.openxmlformats.org/officeDocument/2006/relationships" xmlns:p="http://schemas.openxmlformats.org/presentationml/2006/main">
   <p:cSld>
     <p:spTree>
@@ -8908,7 +8898,7 @@
                 <a:latin typeface="Arial"/>
                 <a:ea typeface="Arial"/>
               </a:rPr>
-              <a:t>15</a:t>
+              <a:t>14</a:t>
             </a:fld>
             <a:endParaRPr lang="it-IT" sz="1000" b="0" strike="noStrike" spc="-1">
               <a:latin typeface="Times New Roman"/>
@@ -10804,7 +10794,7 @@
 </p:sld>
 </file>
 
-<file path=ppt/slides/slide16.xml><?xml version="1.0" encoding="utf-8"?>
+<file path=ppt/slides/slide15.xml><?xml version="1.0" encoding="utf-8"?>
 <p:sld xmlns:a="http://schemas.openxmlformats.org/drawingml/2006/main" xmlns:r="http://schemas.openxmlformats.org/officeDocument/2006/relationships" xmlns:p="http://schemas.openxmlformats.org/presentationml/2006/main">
   <p:cSld>
     <p:spTree>
@@ -10951,7 +10941,7 @@
                 <a:latin typeface="Arial"/>
                 <a:ea typeface="Arial"/>
               </a:rPr>
-              <a:t>16</a:t>
+              <a:t>15</a:t>
             </a:fld>
             <a:endParaRPr lang="it-IT" sz="1000" b="0" strike="noStrike" spc="-1">
               <a:latin typeface="Times New Roman"/>
@@ -12490,6 +12480,253 @@
 </p:sld>
 </file>
 
+<file path=ppt/slides/slide16.xml><?xml version="1.0" encoding="utf-8"?>
+<p:sld xmlns:a="http://schemas.openxmlformats.org/drawingml/2006/main" xmlns:r="http://schemas.openxmlformats.org/officeDocument/2006/relationships" xmlns:p="http://schemas.openxmlformats.org/presentationml/2006/main">
+  <p:cSld>
+    <p:spTree>
+      <p:nvGrpSpPr>
+        <p:cNvPr id="1" name=""/>
+        <p:cNvGrpSpPr/>
+        <p:nvPr/>
+      </p:nvGrpSpPr>
+      <p:grpSpPr>
+        <a:xfrm>
+          <a:off x="0" y="0"/>
+          <a:ext cx="0" cy="0"/>
+          <a:chOff x="0" y="0"/>
+          <a:chExt cx="0" cy="0"/>
+        </a:xfrm>
+      </p:grpSpPr>
+      <p:sp>
+        <p:nvSpPr>
+          <p:cNvPr id="108" name="PlaceHolder 1"/>
+          <p:cNvSpPr>
+            <a:spLocks noGrp="1"/>
+          </p:cNvSpPr>
+          <p:nvPr>
+            <p:ph type="title"/>
+          </p:nvPr>
+        </p:nvSpPr>
+        <p:spPr>
+          <a:xfrm>
+            <a:off x="311760" y="0"/>
+            <a:ext cx="8520120" cy="576000"/>
+          </a:xfrm>
+          <a:prstGeom prst="rect">
+            <a:avLst/>
+          </a:prstGeom>
+          <a:noFill/>
+          <a:ln w="0">
+            <a:noFill/>
+          </a:ln>
+        </p:spPr>
+        <p:txBody>
+          <a:bodyPr tIns="91440" bIns="91440" anchor="t">
+            <a:normAutofit fontScale="91000"/>
+          </a:bodyPr>
+          <a:lstStyle/>
+          <a:p>
+            <a:pPr>
+              <a:lnSpc>
+                <a:spcPct val="100000"/>
+              </a:lnSpc>
+              <a:buNone/>
+              <a:tabLst>
+                <a:tab pos="0" algn="l"/>
+              </a:tabLst>
+            </a:pPr>
+            <a:r>
+              <a:rPr lang="it" sz="2600" b="0" strike="noStrike" spc="-1" dirty="0">
+                <a:solidFill>
+                  <a:srgbClr val="000000"/>
+                </a:solidFill>
+                <a:latin typeface="Arial"/>
+                <a:ea typeface="Arial"/>
+              </a:rPr>
+              <a:t>CUP</a:t>
+            </a:r>
+            <a:r>
+              <a:rPr lang="it" sz="2400" b="0" strike="noStrike" spc="-1" dirty="0">
+                <a:solidFill>
+                  <a:srgbClr val="000000"/>
+                </a:solidFill>
+                <a:latin typeface="Arial"/>
+                <a:ea typeface="Arial"/>
+              </a:rPr>
+              <a:t> </a:t>
+            </a:r>
+            <a:r>
+              <a:rPr lang="it" sz="2600" b="0" strike="noStrike" spc="-1" dirty="0">
+                <a:solidFill>
+                  <a:srgbClr val="000000"/>
+                </a:solidFill>
+                <a:latin typeface="Arial"/>
+                <a:ea typeface="Arial"/>
+              </a:rPr>
+              <a:t>Results: selected grid search results</a:t>
+            </a:r>
+            <a:endParaRPr lang="it-IT" sz="2400" b="0" strike="noStrike" spc="-1" dirty="0">
+              <a:solidFill>
+                <a:srgbClr val="000000"/>
+              </a:solidFill>
+              <a:latin typeface="Arial"/>
+            </a:endParaRPr>
+          </a:p>
+        </p:txBody>
+      </p:sp>
+      <p:sp>
+        <p:nvSpPr>
+          <p:cNvPr id="109" name="PlaceHolder 2"/>
+          <p:cNvSpPr>
+            <a:spLocks noGrp="1"/>
+          </p:cNvSpPr>
+          <p:nvPr>
+            <p:ph/>
+          </p:nvPr>
+        </p:nvSpPr>
+        <p:spPr>
+          <a:xfrm>
+            <a:off x="311760" y="1152360"/>
+            <a:ext cx="8520120" cy="3416040"/>
+          </a:xfrm>
+          <a:prstGeom prst="rect">
+            <a:avLst/>
+          </a:prstGeom>
+          <a:noFill/>
+          <a:ln w="0">
+            <a:noFill/>
+          </a:ln>
+        </p:spPr>
+        <p:txBody>
+          <a:bodyPr tIns="91440" bIns="91440" anchor="t">
+            <a:normAutofit/>
+          </a:bodyPr>
+          <a:lstStyle/>
+          <a:p>
+            <a:pPr>
+              <a:lnSpc>
+                <a:spcPct val="115000"/>
+              </a:lnSpc>
+              <a:buNone/>
+              <a:tabLst>
+                <a:tab pos="0" algn="l"/>
+              </a:tabLst>
+            </a:pPr>
+            <a:r>
+              <a:rPr lang="it-IT" sz="1500" b="0" u="sng" strike="noStrike" spc="-1" dirty="0">
+                <a:solidFill>
+                  <a:srgbClr val="FF0000"/>
+                </a:solidFill>
+                <a:latin typeface="Arial"/>
+              </a:rPr>
+              <a:t>OSS</a:t>
+            </a:r>
+            <a:r>
+              <a:rPr lang="it-IT" sz="1500" b="0" strike="noStrike" spc="-1" dirty="0">
+                <a:solidFill>
+                  <a:srgbClr val="000000"/>
+                </a:solidFill>
+                <a:latin typeface="Arial"/>
+              </a:rPr>
+              <a:t>: Possiamo/dobbiamo mostrare dei confronti «scelti» tra diverse combinazioni di </a:t>
+            </a:r>
+            <a:r>
+              <a:rPr lang="it-IT" sz="1500" b="0" strike="noStrike" spc="-1" dirty="0" err="1">
+                <a:solidFill>
+                  <a:srgbClr val="000000"/>
+                </a:solidFill>
+                <a:latin typeface="Arial"/>
+              </a:rPr>
+              <a:t>iperparametri</a:t>
+            </a:r>
+            <a:endParaRPr lang="it-IT" sz="1500" b="0" strike="noStrike" spc="-1" dirty="0">
+              <a:solidFill>
+                <a:srgbClr val="000000"/>
+              </a:solidFill>
+              <a:latin typeface="Arial"/>
+            </a:endParaRPr>
+          </a:p>
+        </p:txBody>
+      </p:sp>
+      <p:sp>
+        <p:nvSpPr>
+          <p:cNvPr id="110" name="PlaceHolder 3"/>
+          <p:cNvSpPr>
+            <a:spLocks noGrp="1"/>
+          </p:cNvSpPr>
+          <p:nvPr>
+            <p:ph type="sldNum" idx="10"/>
+          </p:nvPr>
+        </p:nvSpPr>
+        <p:spPr>
+          <a:xfrm>
+            <a:off x="8472600" y="4663080"/>
+            <a:ext cx="548280" cy="393120"/>
+          </a:xfrm>
+          <a:prstGeom prst="rect">
+            <a:avLst/>
+          </a:prstGeom>
+          <a:noFill/>
+          <a:ln w="0">
+            <a:noFill/>
+          </a:ln>
+        </p:spPr>
+        <p:txBody>
+          <a:bodyPr tIns="91440" bIns="91440" anchor="ctr">
+            <a:normAutofit/>
+          </a:bodyPr>
+          <a:lstStyle>
+            <a:lvl1pPr algn="r">
+              <a:lnSpc>
+                <a:spcPct val="100000"/>
+              </a:lnSpc>
+              <a:buNone/>
+              <a:tabLst>
+                <a:tab pos="0" algn="l"/>
+              </a:tabLst>
+              <a:defRPr lang="it" sz="1000" b="0" strike="noStrike" spc="-1">
+                <a:solidFill>
+                  <a:srgbClr val="595959"/>
+                </a:solidFill>
+                <a:latin typeface="Arial"/>
+                <a:ea typeface="Arial"/>
+              </a:defRPr>
+            </a:lvl1pPr>
+          </a:lstStyle>
+          <a:p>
+            <a:pPr algn="r">
+              <a:lnSpc>
+                <a:spcPct val="100000"/>
+              </a:lnSpc>
+              <a:buNone/>
+              <a:tabLst>
+                <a:tab pos="0" algn="l"/>
+              </a:tabLst>
+            </a:pPr>
+            <a:fld id="{70083C99-8290-44C9-AB12-6D72EC62BA1C}" type="slidenum">
+              <a:rPr lang="it" sz="1000" b="0" strike="noStrike" spc="-1">
+                <a:solidFill>
+                  <a:srgbClr val="595959"/>
+                </a:solidFill>
+                <a:latin typeface="Arial"/>
+                <a:ea typeface="Arial"/>
+              </a:rPr>
+              <a:t>16</a:t>
+            </a:fld>
+            <a:endParaRPr lang="it-IT" sz="1000" b="0" strike="noStrike" spc="-1">
+              <a:latin typeface="Times New Roman"/>
+            </a:endParaRPr>
+          </a:p>
+        </p:txBody>
+      </p:sp>
+    </p:spTree>
+  </p:cSld>
+  <p:clrMapOvr>
+    <a:masterClrMapping/>
+  </p:clrMapOvr>
+</p:sld>
+</file>
+
 <file path=ppt/slides/slide17.xml><?xml version="1.0" encoding="utf-8"?>
 <p:sld xmlns:a="http://schemas.openxmlformats.org/drawingml/2006/main" xmlns:r="http://schemas.openxmlformats.org/officeDocument/2006/relationships" xmlns:p="http://schemas.openxmlformats.org/presentationml/2006/main">
   <p:cSld>
@@ -12573,7 +12810,7 @@
                 <a:latin typeface="Arial"/>
                 <a:ea typeface="Arial"/>
               </a:rPr>
-              <a:t>Results: selected grid search results</a:t>
+              <a:t>Results: comparisons between models</a:t>
             </a:r>
             <a:endParaRPr lang="it-IT" sz="2400" b="0" strike="noStrike" spc="-1" dirty="0">
               <a:solidFill>
@@ -12638,23 +12875,8 @@
                 </a:solidFill>
                 <a:latin typeface="Arial"/>
               </a:rPr>
-              <a:t>: Possiamo/dobbiamo mostrare dei confronti «scelti» tra diverse combinazioni di </a:t>
-            </a:r>
-            <a:r>
-              <a:rPr lang="it-IT" sz="1500" b="0" strike="noStrike" spc="-1" dirty="0" err="1">
-                <a:solidFill>
-                  <a:srgbClr val="000000"/>
-                </a:solidFill>
-                <a:latin typeface="Arial"/>
-              </a:rPr>
-              <a:t>iperparametri</a:t>
-            </a:r>
-            <a:endParaRPr lang="it-IT" sz="1500" b="0" strike="noStrike" spc="-1" dirty="0">
-              <a:solidFill>
-                <a:srgbClr val="000000"/>
-              </a:solidFill>
-              <a:latin typeface="Arial"/>
-            </a:endParaRPr>
+              <a:t>: Possiamo/dobbiamo mettere a confronto anche i modelli. Questa forse è una tra le cose più critiche da fare.</a:t>
+            </a:r>
           </a:p>
         </p:txBody>
       </p:sp>
@@ -12730,6 +12952,11 @@
         </p:txBody>
       </p:sp>
     </p:spTree>
+    <p:extLst>
+      <p:ext uri="{BB962C8B-B14F-4D97-AF65-F5344CB8AC3E}">
+        <p14:creationId xmlns:p14="http://schemas.microsoft.com/office/powerpoint/2010/main" val="3854778879"/>
+      </p:ext>
+    </p:extLst>
   </p:cSld>
   <p:clrMapOvr>
     <a:masterClrMapping/>
@@ -12820,7 +13047,7 @@
                 <a:latin typeface="Arial"/>
                 <a:ea typeface="Arial"/>
               </a:rPr>
-              <a:t>Results: comparisons between models</a:t>
+              <a:t>Results: final model – 1 </a:t>
             </a:r>
             <a:endParaRPr lang="it-IT" sz="2400" b="0" strike="noStrike" spc="-1" dirty="0">
               <a:solidFill>
@@ -12828,65 +13055,6 @@
               </a:solidFill>
               <a:latin typeface="Arial"/>
             </a:endParaRPr>
-          </a:p>
-        </p:txBody>
-      </p:sp>
-      <p:sp>
-        <p:nvSpPr>
-          <p:cNvPr id="109" name="PlaceHolder 2"/>
-          <p:cNvSpPr>
-            <a:spLocks noGrp="1"/>
-          </p:cNvSpPr>
-          <p:nvPr>
-            <p:ph/>
-          </p:nvPr>
-        </p:nvSpPr>
-        <p:spPr>
-          <a:xfrm>
-            <a:off x="311760" y="1152360"/>
-            <a:ext cx="8520120" cy="3416040"/>
-          </a:xfrm>
-          <a:prstGeom prst="rect">
-            <a:avLst/>
-          </a:prstGeom>
-          <a:noFill/>
-          <a:ln w="0">
-            <a:noFill/>
-          </a:ln>
-        </p:spPr>
-        <p:txBody>
-          <a:bodyPr tIns="91440" bIns="91440" anchor="t">
-            <a:normAutofit/>
-          </a:bodyPr>
-          <a:lstStyle/>
-          <a:p>
-            <a:pPr>
-              <a:lnSpc>
-                <a:spcPct val="115000"/>
-              </a:lnSpc>
-              <a:buNone/>
-              <a:tabLst>
-                <a:tab pos="0" algn="l"/>
-              </a:tabLst>
-            </a:pPr>
-            <a:r>
-              <a:rPr lang="it-IT" sz="1500" b="0" u="sng" strike="noStrike" spc="-1" dirty="0">
-                <a:solidFill>
-                  <a:srgbClr val="FF0000"/>
-                </a:solidFill>
-                <a:latin typeface="Arial"/>
-              </a:rPr>
-              <a:t>OSS</a:t>
-            </a:r>
-            <a:r>
-              <a:rPr lang="it-IT" sz="1500" b="0" strike="noStrike" spc="-1" dirty="0">
-                <a:solidFill>
-                  <a:srgbClr val="000000"/>
-                </a:solidFill>
-                <a:latin typeface="Arial"/>
-              </a:rPr>
-              <a:t>: Possiamo/dobbiamo mettere a confronto anche i modelli. Questa forse è una tra le cose più critiche da fare.</a:t>
-            </a:r>
           </a:p>
         </p:txBody>
       </p:sp>
@@ -12961,10 +13129,251 @@
           </a:p>
         </p:txBody>
       </p:sp>
+      <p:sp>
+        <p:nvSpPr>
+          <p:cNvPr id="2" name="Rettangolo 1">
+            <a:extLst>
+              <a:ext uri="{FF2B5EF4-FFF2-40B4-BE49-F238E27FC236}">
+                <a16:creationId xmlns:a16="http://schemas.microsoft.com/office/drawing/2014/main" id="{A84D9135-3616-EE45-ECF4-129488406C5F}"/>
+              </a:ext>
+            </a:extLst>
+          </p:cNvPr>
+          <p:cNvSpPr/>
+          <p:nvPr/>
+        </p:nvSpPr>
+        <p:spPr>
+          <a:xfrm>
+            <a:off x="311760" y="1748230"/>
+            <a:ext cx="3836658" cy="2566564"/>
+          </a:xfrm>
+          <a:prstGeom prst="rect">
+            <a:avLst/>
+          </a:prstGeom>
+        </p:spPr>
+        <p:style>
+          <a:lnRef idx="2">
+            <a:schemeClr val="accent3">
+              <a:shade val="15000"/>
+            </a:schemeClr>
+          </a:lnRef>
+          <a:fillRef idx="1">
+            <a:schemeClr val="accent3"/>
+          </a:fillRef>
+          <a:effectRef idx="0">
+            <a:schemeClr val="accent3"/>
+          </a:effectRef>
+          <a:fontRef idx="minor">
+            <a:schemeClr val="lt1"/>
+          </a:fontRef>
+        </p:style>
+        <p:txBody>
+          <a:bodyPr rtlCol="0" anchor="ctr"/>
+          <a:lstStyle/>
+          <a:p>
+            <a:pPr algn="ctr"/>
+            <a:r>
+              <a:rPr lang="it-IT" dirty="0"/>
+              <a:t>Learning curve plot for the </a:t>
+            </a:r>
+            <a:r>
+              <a:rPr lang="it-IT" dirty="0" err="1"/>
+              <a:t>final</a:t>
+            </a:r>
+            <a:r>
+              <a:rPr lang="it-IT" dirty="0"/>
+              <a:t> model</a:t>
+            </a:r>
+          </a:p>
+        </p:txBody>
+      </p:sp>
+      <p:sp>
+        <p:nvSpPr>
+          <p:cNvPr id="4" name="CasellaDiTesto 3">
+            <a:extLst>
+              <a:ext uri="{FF2B5EF4-FFF2-40B4-BE49-F238E27FC236}">
+                <a16:creationId xmlns:a16="http://schemas.microsoft.com/office/drawing/2014/main" id="{A2C03CD9-5D4B-7181-8758-3C5F98479B49}"/>
+              </a:ext>
+            </a:extLst>
+          </p:cNvPr>
+          <p:cNvSpPr txBox="1"/>
+          <p:nvPr/>
+        </p:nvSpPr>
+        <p:spPr>
+          <a:xfrm>
+            <a:off x="311760" y="920686"/>
+            <a:ext cx="8832240" cy="307777"/>
+          </a:xfrm>
+          <a:prstGeom prst="rect">
+            <a:avLst/>
+          </a:prstGeom>
+          <a:noFill/>
+        </p:spPr>
+        <p:txBody>
+          <a:bodyPr wrap="square" rtlCol="0">
+            <a:spAutoFit/>
+          </a:bodyPr>
+          <a:lstStyle/>
+          <a:p>
+            <a:r>
+              <a:rPr lang="it-IT" sz="1400" dirty="0" err="1"/>
+              <a:t>We</a:t>
+            </a:r>
+            <a:r>
+              <a:rPr lang="it-IT" sz="1400" dirty="0"/>
+              <a:t> </a:t>
+            </a:r>
+            <a:r>
+              <a:rPr lang="it-IT" sz="1400" dirty="0" err="1"/>
+              <a:t>chose</a:t>
+            </a:r>
+            <a:r>
+              <a:rPr lang="it-IT" sz="1400" dirty="0"/>
+              <a:t> XYZ </a:t>
+            </a:r>
+            <a:r>
+              <a:rPr lang="it-IT" sz="1400" dirty="0" err="1"/>
+              <a:t>as</a:t>
+            </a:r>
+            <a:r>
+              <a:rPr lang="it-IT" sz="1400" dirty="0"/>
+              <a:t> the </a:t>
+            </a:r>
+            <a:r>
+              <a:rPr lang="it-IT" sz="1400" dirty="0" err="1"/>
+              <a:t>final</a:t>
+            </a:r>
+            <a:r>
+              <a:rPr lang="it-IT" sz="1400" dirty="0"/>
+              <a:t> model. </a:t>
+            </a:r>
+            <a:r>
+              <a:rPr lang="it-IT" sz="1400" dirty="0" err="1">
+                <a:solidFill>
+                  <a:srgbClr val="FF0000"/>
+                </a:solidFill>
+              </a:rPr>
+              <a:t>We</a:t>
+            </a:r>
+            <a:r>
+              <a:rPr lang="it-IT" sz="1400" dirty="0">
+                <a:solidFill>
+                  <a:srgbClr val="FF0000"/>
+                </a:solidFill>
+              </a:rPr>
+              <a:t> </a:t>
+            </a:r>
+            <a:r>
+              <a:rPr lang="it-IT" sz="1400" dirty="0" err="1">
+                <a:solidFill>
+                  <a:srgbClr val="FF0000"/>
+                </a:solidFill>
+              </a:rPr>
+              <a:t>chose</a:t>
+            </a:r>
+            <a:r>
+              <a:rPr lang="it-IT" sz="1400" dirty="0">
+                <a:solidFill>
+                  <a:srgbClr val="FF0000"/>
+                </a:solidFill>
+              </a:rPr>
+              <a:t> </a:t>
+            </a:r>
+            <a:r>
+              <a:rPr lang="it-IT" sz="1400" dirty="0" err="1">
+                <a:solidFill>
+                  <a:srgbClr val="FF0000"/>
+                </a:solidFill>
+              </a:rPr>
+              <a:t>this</a:t>
+            </a:r>
+            <a:r>
+              <a:rPr lang="it-IT" sz="1400" dirty="0">
+                <a:solidFill>
+                  <a:srgbClr val="FF0000"/>
+                </a:solidFill>
+              </a:rPr>
+              <a:t> model </a:t>
+            </a:r>
+            <a:r>
+              <a:rPr lang="it-IT" sz="1400" dirty="0" err="1">
+                <a:solidFill>
+                  <a:srgbClr val="FF0000"/>
+                </a:solidFill>
+              </a:rPr>
+              <a:t>because</a:t>
+            </a:r>
+            <a:r>
+              <a:rPr lang="it-IT" sz="1400" dirty="0"/>
+              <a:t>… </a:t>
+            </a:r>
+          </a:p>
+        </p:txBody>
+      </p:sp>
+      <p:sp>
+        <p:nvSpPr>
+          <p:cNvPr id="3" name="Rettangolo 2">
+            <a:extLst>
+              <a:ext uri="{FF2B5EF4-FFF2-40B4-BE49-F238E27FC236}">
+                <a16:creationId xmlns:a16="http://schemas.microsoft.com/office/drawing/2014/main" id="{C6A2D120-85CC-4BB3-0D21-B25E88A6BDC8}"/>
+              </a:ext>
+            </a:extLst>
+          </p:cNvPr>
+          <p:cNvSpPr/>
+          <p:nvPr/>
+        </p:nvSpPr>
+        <p:spPr>
+          <a:xfrm>
+            <a:off x="4910082" y="1748230"/>
+            <a:ext cx="3836658" cy="2566564"/>
+          </a:xfrm>
+          <a:prstGeom prst="rect">
+            <a:avLst/>
+          </a:prstGeom>
+        </p:spPr>
+        <p:style>
+          <a:lnRef idx="2">
+            <a:schemeClr val="accent3">
+              <a:shade val="15000"/>
+            </a:schemeClr>
+          </a:lnRef>
+          <a:fillRef idx="1">
+            <a:schemeClr val="accent3"/>
+          </a:fillRef>
+          <a:effectRef idx="0">
+            <a:schemeClr val="accent3"/>
+          </a:effectRef>
+          <a:fontRef idx="minor">
+            <a:schemeClr val="lt1"/>
+          </a:fontRef>
+        </p:style>
+        <p:txBody>
+          <a:bodyPr rtlCol="0" anchor="ctr"/>
+          <a:lstStyle/>
+          <a:p>
+            <a:pPr algn="ctr"/>
+            <a:r>
+              <a:rPr lang="it-IT" dirty="0" err="1"/>
+              <a:t>Other</a:t>
+            </a:r>
+            <a:r>
+              <a:rPr lang="it-IT" dirty="0"/>
+              <a:t> cool plot for the </a:t>
+            </a:r>
+            <a:r>
+              <a:rPr lang="it-IT" dirty="0" err="1"/>
+              <a:t>final</a:t>
+            </a:r>
+            <a:r>
+              <a:rPr lang="it-IT" dirty="0"/>
+              <a:t> model</a:t>
+            </a:r>
+          </a:p>
+        </p:txBody>
+      </p:sp>
     </p:spTree>
     <p:extLst>
       <p:ext uri="{BB962C8B-B14F-4D97-AF65-F5344CB8AC3E}">
-        <p14:creationId xmlns:p14="http://schemas.microsoft.com/office/powerpoint/2010/main" val="3854778879"/>
+        <p14:creationId xmlns:p14="http://schemas.microsoft.com/office/powerpoint/2010/main" val="479709121"/>
       </p:ext>
     </p:extLst>
   </p:cSld>
@@ -13057,7 +13466,17 @@
                 <a:latin typeface="Arial"/>
                 <a:ea typeface="Arial"/>
               </a:rPr>
-              <a:t>Results: final model – 1 </a:t>
+              <a:t>Results: final model</a:t>
+            </a:r>
+            <a:r>
+              <a:rPr lang="it" sz="2600" spc="-1" dirty="0">
+                <a:solidFill>
+                  <a:srgbClr val="000000"/>
+                </a:solidFill>
+                <a:latin typeface="Arial"/>
+                <a:ea typeface="Arial"/>
+              </a:rPr>
+              <a:t> – 2</a:t>
             </a:r>
             <a:endParaRPr lang="it-IT" sz="2400" b="0" strike="noStrike" spc="-1" dirty="0">
               <a:solidFill>
@@ -13132,1016 +13551,6 @@
                 <a:ea typeface="Arial"/>
               </a:rPr>
               <a:t>19</a:t>
-            </a:fld>
-            <a:endParaRPr lang="it-IT" sz="1000" b="0" strike="noStrike" spc="-1">
-              <a:latin typeface="Times New Roman"/>
-            </a:endParaRPr>
-          </a:p>
-        </p:txBody>
-      </p:sp>
-      <p:sp>
-        <p:nvSpPr>
-          <p:cNvPr id="2" name="Rettangolo 1">
-            <a:extLst>
-              <a:ext uri="{FF2B5EF4-FFF2-40B4-BE49-F238E27FC236}">
-                <a16:creationId xmlns:a16="http://schemas.microsoft.com/office/drawing/2014/main" id="{A84D9135-3616-EE45-ECF4-129488406C5F}"/>
-              </a:ext>
-            </a:extLst>
-          </p:cNvPr>
-          <p:cNvSpPr/>
-          <p:nvPr/>
-        </p:nvSpPr>
-        <p:spPr>
-          <a:xfrm>
-            <a:off x="311760" y="1748230"/>
-            <a:ext cx="3836658" cy="2566564"/>
-          </a:xfrm>
-          <a:prstGeom prst="rect">
-            <a:avLst/>
-          </a:prstGeom>
-        </p:spPr>
-        <p:style>
-          <a:lnRef idx="2">
-            <a:schemeClr val="accent3">
-              <a:shade val="15000"/>
-            </a:schemeClr>
-          </a:lnRef>
-          <a:fillRef idx="1">
-            <a:schemeClr val="accent3"/>
-          </a:fillRef>
-          <a:effectRef idx="0">
-            <a:schemeClr val="accent3"/>
-          </a:effectRef>
-          <a:fontRef idx="minor">
-            <a:schemeClr val="lt1"/>
-          </a:fontRef>
-        </p:style>
-        <p:txBody>
-          <a:bodyPr rtlCol="0" anchor="ctr"/>
-          <a:lstStyle/>
-          <a:p>
-            <a:pPr algn="ctr"/>
-            <a:r>
-              <a:rPr lang="it-IT" dirty="0"/>
-              <a:t>Learning curve plot for the </a:t>
-            </a:r>
-            <a:r>
-              <a:rPr lang="it-IT" dirty="0" err="1"/>
-              <a:t>final</a:t>
-            </a:r>
-            <a:r>
-              <a:rPr lang="it-IT" dirty="0"/>
-              <a:t> model</a:t>
-            </a:r>
-          </a:p>
-        </p:txBody>
-      </p:sp>
-      <p:sp>
-        <p:nvSpPr>
-          <p:cNvPr id="4" name="CasellaDiTesto 3">
-            <a:extLst>
-              <a:ext uri="{FF2B5EF4-FFF2-40B4-BE49-F238E27FC236}">
-                <a16:creationId xmlns:a16="http://schemas.microsoft.com/office/drawing/2014/main" id="{A2C03CD9-5D4B-7181-8758-3C5F98479B49}"/>
-              </a:ext>
-            </a:extLst>
-          </p:cNvPr>
-          <p:cNvSpPr txBox="1"/>
-          <p:nvPr/>
-        </p:nvSpPr>
-        <p:spPr>
-          <a:xfrm>
-            <a:off x="311760" y="920686"/>
-            <a:ext cx="8832240" cy="307777"/>
-          </a:xfrm>
-          <a:prstGeom prst="rect">
-            <a:avLst/>
-          </a:prstGeom>
-          <a:noFill/>
-        </p:spPr>
-        <p:txBody>
-          <a:bodyPr wrap="square" rtlCol="0">
-            <a:spAutoFit/>
-          </a:bodyPr>
-          <a:lstStyle/>
-          <a:p>
-            <a:r>
-              <a:rPr lang="it-IT" sz="1400" dirty="0" err="1"/>
-              <a:t>We</a:t>
-            </a:r>
-            <a:r>
-              <a:rPr lang="it-IT" sz="1400" dirty="0"/>
-              <a:t> </a:t>
-            </a:r>
-            <a:r>
-              <a:rPr lang="it-IT" sz="1400" dirty="0" err="1"/>
-              <a:t>chose</a:t>
-            </a:r>
-            <a:r>
-              <a:rPr lang="it-IT" sz="1400" dirty="0"/>
-              <a:t> XYZ </a:t>
-            </a:r>
-            <a:r>
-              <a:rPr lang="it-IT" sz="1400" dirty="0" err="1"/>
-              <a:t>as</a:t>
-            </a:r>
-            <a:r>
-              <a:rPr lang="it-IT" sz="1400" dirty="0"/>
-              <a:t> the </a:t>
-            </a:r>
-            <a:r>
-              <a:rPr lang="it-IT" sz="1400" dirty="0" err="1"/>
-              <a:t>final</a:t>
-            </a:r>
-            <a:r>
-              <a:rPr lang="it-IT" sz="1400" dirty="0"/>
-              <a:t> model. </a:t>
-            </a:r>
-            <a:r>
-              <a:rPr lang="it-IT" sz="1400" dirty="0" err="1">
-                <a:solidFill>
-                  <a:srgbClr val="FF0000"/>
-                </a:solidFill>
-              </a:rPr>
-              <a:t>We</a:t>
-            </a:r>
-            <a:r>
-              <a:rPr lang="it-IT" sz="1400" dirty="0">
-                <a:solidFill>
-                  <a:srgbClr val="FF0000"/>
-                </a:solidFill>
-              </a:rPr>
-              <a:t> </a:t>
-            </a:r>
-            <a:r>
-              <a:rPr lang="it-IT" sz="1400" dirty="0" err="1">
-                <a:solidFill>
-                  <a:srgbClr val="FF0000"/>
-                </a:solidFill>
-              </a:rPr>
-              <a:t>chose</a:t>
-            </a:r>
-            <a:r>
-              <a:rPr lang="it-IT" sz="1400" dirty="0">
-                <a:solidFill>
-                  <a:srgbClr val="FF0000"/>
-                </a:solidFill>
-              </a:rPr>
-              <a:t> </a:t>
-            </a:r>
-            <a:r>
-              <a:rPr lang="it-IT" sz="1400" dirty="0" err="1">
-                <a:solidFill>
-                  <a:srgbClr val="FF0000"/>
-                </a:solidFill>
-              </a:rPr>
-              <a:t>this</a:t>
-            </a:r>
-            <a:r>
-              <a:rPr lang="it-IT" sz="1400" dirty="0">
-                <a:solidFill>
-                  <a:srgbClr val="FF0000"/>
-                </a:solidFill>
-              </a:rPr>
-              <a:t> model </a:t>
-            </a:r>
-            <a:r>
-              <a:rPr lang="it-IT" sz="1400" dirty="0" err="1">
-                <a:solidFill>
-                  <a:srgbClr val="FF0000"/>
-                </a:solidFill>
-              </a:rPr>
-              <a:t>because</a:t>
-            </a:r>
-            <a:r>
-              <a:rPr lang="it-IT" sz="1400" dirty="0"/>
-              <a:t>… </a:t>
-            </a:r>
-          </a:p>
-        </p:txBody>
-      </p:sp>
-      <p:sp>
-        <p:nvSpPr>
-          <p:cNvPr id="3" name="Rettangolo 2">
-            <a:extLst>
-              <a:ext uri="{FF2B5EF4-FFF2-40B4-BE49-F238E27FC236}">
-                <a16:creationId xmlns:a16="http://schemas.microsoft.com/office/drawing/2014/main" id="{C6A2D120-85CC-4BB3-0D21-B25E88A6BDC8}"/>
-              </a:ext>
-            </a:extLst>
-          </p:cNvPr>
-          <p:cNvSpPr/>
-          <p:nvPr/>
-        </p:nvSpPr>
-        <p:spPr>
-          <a:xfrm>
-            <a:off x="4910082" y="1748230"/>
-            <a:ext cx="3836658" cy="2566564"/>
-          </a:xfrm>
-          <a:prstGeom prst="rect">
-            <a:avLst/>
-          </a:prstGeom>
-        </p:spPr>
-        <p:style>
-          <a:lnRef idx="2">
-            <a:schemeClr val="accent3">
-              <a:shade val="15000"/>
-            </a:schemeClr>
-          </a:lnRef>
-          <a:fillRef idx="1">
-            <a:schemeClr val="accent3"/>
-          </a:fillRef>
-          <a:effectRef idx="0">
-            <a:schemeClr val="accent3"/>
-          </a:effectRef>
-          <a:fontRef idx="minor">
-            <a:schemeClr val="lt1"/>
-          </a:fontRef>
-        </p:style>
-        <p:txBody>
-          <a:bodyPr rtlCol="0" anchor="ctr"/>
-          <a:lstStyle/>
-          <a:p>
-            <a:pPr algn="ctr"/>
-            <a:r>
-              <a:rPr lang="it-IT" dirty="0" err="1"/>
-              <a:t>Other</a:t>
-            </a:r>
-            <a:r>
-              <a:rPr lang="it-IT" dirty="0"/>
-              <a:t> cool plot for the </a:t>
-            </a:r>
-            <a:r>
-              <a:rPr lang="it-IT" dirty="0" err="1"/>
-              <a:t>final</a:t>
-            </a:r>
-            <a:r>
-              <a:rPr lang="it-IT" dirty="0"/>
-              <a:t> model</a:t>
-            </a:r>
-          </a:p>
-        </p:txBody>
-      </p:sp>
-    </p:spTree>
-    <p:extLst>
-      <p:ext uri="{BB962C8B-B14F-4D97-AF65-F5344CB8AC3E}">
-        <p14:creationId xmlns:p14="http://schemas.microsoft.com/office/powerpoint/2010/main" val="479709121"/>
-      </p:ext>
-    </p:extLst>
-  </p:cSld>
-  <p:clrMapOvr>
-    <a:masterClrMapping/>
-  </p:clrMapOvr>
-</p:sld>
-</file>
-
-<file path=ppt/slides/slide2.xml><?xml version="1.0" encoding="utf-8"?>
-<p:sld xmlns:a="http://schemas.openxmlformats.org/drawingml/2006/main" xmlns:r="http://schemas.openxmlformats.org/officeDocument/2006/relationships" xmlns:p="http://schemas.openxmlformats.org/presentationml/2006/main">
-  <p:cSld>
-    <p:spTree>
-      <p:nvGrpSpPr>
-        <p:cNvPr id="1" name=""/>
-        <p:cNvGrpSpPr/>
-        <p:nvPr/>
-      </p:nvGrpSpPr>
-      <p:grpSpPr>
-        <a:xfrm>
-          <a:off x="0" y="0"/>
-          <a:ext cx="0" cy="0"/>
-          <a:chOff x="0" y="0"/>
-          <a:chExt cx="0" cy="0"/>
-        </a:xfrm>
-      </p:grpSpPr>
-      <p:sp>
-        <p:nvSpPr>
-          <p:cNvPr id="83" name="PlaceHolder 3"/>
-          <p:cNvSpPr>
-            <a:spLocks noGrp="1"/>
-          </p:cNvSpPr>
-          <p:nvPr>
-            <p:ph type="sldNum" idx="3"/>
-          </p:nvPr>
-        </p:nvSpPr>
-        <p:spPr>
-          <a:xfrm>
-            <a:off x="8472600" y="4663080"/>
-            <a:ext cx="548280" cy="393120"/>
-          </a:xfrm>
-          <a:prstGeom prst="rect">
-            <a:avLst/>
-          </a:prstGeom>
-          <a:noFill/>
-          <a:ln w="0">
-            <a:noFill/>
-          </a:ln>
-        </p:spPr>
-        <p:txBody>
-          <a:bodyPr tIns="91440" bIns="91440" anchor="ctr">
-            <a:normAutofit/>
-          </a:bodyPr>
-          <a:lstStyle>
-            <a:lvl1pPr algn="r">
-              <a:lnSpc>
-                <a:spcPct val="100000"/>
-              </a:lnSpc>
-              <a:buNone/>
-              <a:tabLst>
-                <a:tab pos="0" algn="l"/>
-              </a:tabLst>
-              <a:defRPr lang="it" sz="1000" b="0" strike="noStrike" spc="-1">
-                <a:solidFill>
-                  <a:srgbClr val="595959"/>
-                </a:solidFill>
-                <a:latin typeface="Arial"/>
-                <a:ea typeface="Arial"/>
-              </a:defRPr>
-            </a:lvl1pPr>
-          </a:lstStyle>
-          <a:p>
-            <a:pPr algn="r">
-              <a:lnSpc>
-                <a:spcPct val="100000"/>
-              </a:lnSpc>
-              <a:buNone/>
-              <a:tabLst>
-                <a:tab pos="0" algn="l"/>
-              </a:tabLst>
-            </a:pPr>
-            <a:fld id="{CDE5831E-EF50-4AF8-82C3-EBDE88F03D8C}" type="slidenum">
-              <a:rPr lang="it" sz="1000" b="0" strike="noStrike" spc="-1">
-                <a:solidFill>
-                  <a:srgbClr val="595959"/>
-                </a:solidFill>
-                <a:latin typeface="Arial"/>
-                <a:ea typeface="Arial"/>
-              </a:rPr>
-              <a:t>2</a:t>
-            </a:fld>
-            <a:endParaRPr lang="it-IT" sz="1000" b="0" strike="noStrike" spc="-1" dirty="0">
-              <a:latin typeface="Times New Roman"/>
-            </a:endParaRPr>
-          </a:p>
-        </p:txBody>
-      </p:sp>
-      <p:sp>
-        <p:nvSpPr>
-          <p:cNvPr id="4" name="PlaceHolder 1">
-            <a:extLst>
-              <a:ext uri="{FF2B5EF4-FFF2-40B4-BE49-F238E27FC236}">
-                <a16:creationId xmlns:a16="http://schemas.microsoft.com/office/drawing/2014/main" id="{80C918E8-6CF7-0E0B-D3EF-88419C82AA81}"/>
-              </a:ext>
-            </a:extLst>
-          </p:cNvPr>
-          <p:cNvSpPr txBox="1">
-            <a:spLocks/>
-          </p:cNvSpPr>
-          <p:nvPr/>
-        </p:nvSpPr>
-        <p:spPr>
-          <a:xfrm>
-            <a:off x="311760" y="0"/>
-            <a:ext cx="8520120" cy="576000"/>
-          </a:xfrm>
-          <a:prstGeom prst="rect">
-            <a:avLst/>
-          </a:prstGeom>
-          <a:noFill/>
-          <a:ln w="0">
-            <a:noFill/>
-          </a:ln>
-        </p:spPr>
-        <p:txBody>
-          <a:bodyPr lIns="0" tIns="91440" rIns="0" bIns="91440" anchor="t">
-            <a:normAutofit fontScale="97500"/>
-          </a:bodyPr>
-          <a:lstStyle>
-            <a:lvl1pPr algn="l" defTabSz="914400" rtl="0" eaLnBrk="1" latinLnBrk="0" hangingPunct="1">
-              <a:lnSpc>
-                <a:spcPct val="90000"/>
-              </a:lnSpc>
-              <a:spcBef>
-                <a:spcPct val="0"/>
-              </a:spcBef>
-              <a:buNone/>
-              <a:defRPr sz="4400" kern="1200">
-                <a:solidFill>
-                  <a:schemeClr val="tx1"/>
-                </a:solidFill>
-                <a:latin typeface="+mj-lt"/>
-                <a:ea typeface="+mj-ea"/>
-                <a:cs typeface="+mj-cs"/>
-              </a:defRPr>
-            </a:lvl1pPr>
-          </a:lstStyle>
-          <a:p>
-            <a:pPr>
-              <a:lnSpc>
-                <a:spcPct val="100000"/>
-              </a:lnSpc>
-              <a:tabLst>
-                <a:tab pos="0" algn="l"/>
-              </a:tabLst>
-            </a:pPr>
-            <a:r>
-              <a:rPr lang="it" sz="2500" spc="-1" dirty="0">
-                <a:solidFill>
-                  <a:srgbClr val="000000"/>
-                </a:solidFill>
-                <a:latin typeface="Arial"/>
-                <a:ea typeface="Arial"/>
-              </a:rPr>
-              <a:t>Objectives</a:t>
-            </a:r>
-            <a:endParaRPr lang="it-IT" sz="2400" spc="-1" dirty="0">
-              <a:solidFill>
-                <a:srgbClr val="000000"/>
-              </a:solidFill>
-              <a:latin typeface="Arial"/>
-            </a:endParaRPr>
-          </a:p>
-        </p:txBody>
-      </p:sp>
-      <p:sp>
-        <p:nvSpPr>
-          <p:cNvPr id="8" name="CasellaDiTesto 7">
-            <a:extLst>
-              <a:ext uri="{FF2B5EF4-FFF2-40B4-BE49-F238E27FC236}">
-                <a16:creationId xmlns:a16="http://schemas.microsoft.com/office/drawing/2014/main" id="{FB22EB19-DDEA-4A7A-811B-6D3A1B5AF3ED}"/>
-              </a:ext>
-            </a:extLst>
-          </p:cNvPr>
-          <p:cNvSpPr txBox="1"/>
-          <p:nvPr/>
-        </p:nvSpPr>
-        <p:spPr>
-          <a:xfrm>
-            <a:off x="311760" y="3795622"/>
-            <a:ext cx="8520119" cy="523220"/>
-          </a:xfrm>
-          <a:prstGeom prst="rect">
-            <a:avLst/>
-          </a:prstGeom>
-          <a:noFill/>
-        </p:spPr>
-        <p:txBody>
-          <a:bodyPr wrap="square" rtlCol="0">
-            <a:spAutoFit/>
-          </a:bodyPr>
-          <a:lstStyle/>
-          <a:p>
-            <a:r>
-              <a:rPr lang="it-IT" sz="1400" dirty="0" err="1"/>
-              <a:t>We</a:t>
-            </a:r>
-            <a:r>
-              <a:rPr lang="it-IT" sz="1400" dirty="0"/>
-              <a:t> </a:t>
-            </a:r>
-            <a:r>
-              <a:rPr lang="it-IT" sz="1400" dirty="0" err="1"/>
-              <a:t>implemented</a:t>
-            </a:r>
-            <a:r>
-              <a:rPr lang="it-IT" sz="1400" dirty="0"/>
-              <a:t> </a:t>
-            </a:r>
-            <a:r>
-              <a:rPr lang="it-IT" sz="1400" dirty="0" err="1"/>
-              <a:t>three</a:t>
-            </a:r>
-            <a:r>
-              <a:rPr lang="it-IT" sz="1400" dirty="0"/>
-              <a:t> classes of models: SVR, </a:t>
-            </a:r>
-            <a:r>
-              <a:rPr lang="it-IT" sz="1400" dirty="0" err="1"/>
-              <a:t>Neural</a:t>
-            </a:r>
-            <a:r>
-              <a:rPr lang="it-IT" sz="1400" dirty="0"/>
-              <a:t> Network, Random </a:t>
-            </a:r>
-            <a:r>
-              <a:rPr lang="it-IT" sz="1400" dirty="0" err="1"/>
-              <a:t>Forest</a:t>
-            </a:r>
-            <a:r>
-              <a:rPr lang="it-IT" sz="1400" dirty="0"/>
-              <a:t>. The </a:t>
-            </a:r>
-            <a:r>
-              <a:rPr lang="it-IT" sz="1400" dirty="0" err="1"/>
-              <a:t>latter</a:t>
-            </a:r>
-            <a:r>
-              <a:rPr lang="it-IT" sz="1400" dirty="0"/>
-              <a:t> </a:t>
-            </a:r>
-            <a:r>
-              <a:rPr lang="it-IT" sz="1400" dirty="0" err="1"/>
-              <a:t>was</a:t>
-            </a:r>
-            <a:r>
-              <a:rPr lang="it-IT" sz="1400" dirty="0"/>
-              <a:t> </a:t>
-            </a:r>
-            <a:r>
-              <a:rPr lang="it-IT" sz="1400" dirty="0" err="1"/>
-              <a:t>not</a:t>
-            </a:r>
-            <a:r>
-              <a:rPr lang="it-IT" sz="1400" dirty="0"/>
-              <a:t> part of the </a:t>
-            </a:r>
-            <a:r>
-              <a:rPr lang="it-IT" sz="1400" dirty="0" err="1"/>
-              <a:t>program</a:t>
-            </a:r>
-            <a:r>
-              <a:rPr lang="it-IT" sz="1400" dirty="0"/>
-              <a:t> for the ML </a:t>
-            </a:r>
-            <a:r>
-              <a:rPr lang="it-IT" sz="1400" dirty="0" err="1"/>
-              <a:t>exam</a:t>
-            </a:r>
-            <a:r>
-              <a:rPr lang="it-IT" sz="1400" dirty="0"/>
-              <a:t>.</a:t>
-            </a:r>
-          </a:p>
-        </p:txBody>
-      </p:sp>
-      <p:sp>
-        <p:nvSpPr>
-          <p:cNvPr id="5" name="CasellaDiTesto 4">
-            <a:extLst>
-              <a:ext uri="{FF2B5EF4-FFF2-40B4-BE49-F238E27FC236}">
-                <a16:creationId xmlns:a16="http://schemas.microsoft.com/office/drawing/2014/main" id="{624CC786-9C95-956C-19E6-8F32E13A6A18}"/>
-              </a:ext>
-            </a:extLst>
-          </p:cNvPr>
-          <p:cNvSpPr txBox="1"/>
-          <p:nvPr/>
-        </p:nvSpPr>
-        <p:spPr>
-          <a:xfrm>
-            <a:off x="311758" y="1108862"/>
-            <a:ext cx="8520119" cy="475655"/>
-          </a:xfrm>
-          <a:prstGeom prst="rect">
-            <a:avLst/>
-          </a:prstGeom>
-          <a:noFill/>
-        </p:spPr>
-        <p:txBody>
-          <a:bodyPr wrap="square" rtlCol="0">
-            <a:spAutoFit/>
-          </a:bodyPr>
-          <a:lstStyle/>
-          <a:p>
-            <a:r>
-              <a:rPr lang="it-IT" sz="1400" dirty="0" err="1"/>
-              <a:t>Our</a:t>
-            </a:r>
-            <a:r>
-              <a:rPr lang="it-IT" sz="1400" dirty="0"/>
-              <a:t> </a:t>
-            </a:r>
-            <a:r>
-              <a:rPr lang="it-IT" sz="1400" dirty="0" err="1"/>
-              <a:t>aim</a:t>
-            </a:r>
-            <a:r>
-              <a:rPr lang="it-IT" sz="1400" dirty="0"/>
-              <a:t> for </a:t>
-            </a:r>
-            <a:r>
-              <a:rPr lang="it-IT" sz="1400" dirty="0" err="1"/>
-              <a:t>this</a:t>
-            </a:r>
-            <a:r>
-              <a:rPr lang="it-IT" sz="1400" dirty="0"/>
-              <a:t> project </a:t>
-            </a:r>
-            <a:r>
-              <a:rPr lang="it-IT" sz="1400" dirty="0" err="1"/>
-              <a:t>was</a:t>
-            </a:r>
-            <a:r>
-              <a:rPr lang="it-IT" sz="1400" dirty="0"/>
-              <a:t> to test </a:t>
-            </a:r>
-            <a:r>
-              <a:rPr lang="it-IT" sz="1400" dirty="0" err="1"/>
-              <a:t>various</a:t>
-            </a:r>
-            <a:r>
-              <a:rPr lang="it-IT" sz="1400" dirty="0"/>
-              <a:t> models, </a:t>
-            </a:r>
-            <a:r>
-              <a:rPr lang="it-IT" sz="1400" dirty="0" err="1"/>
-              <a:t>built</a:t>
-            </a:r>
-            <a:r>
-              <a:rPr lang="it-IT" sz="1400" dirty="0"/>
-              <a:t> with the help of some libraries (</a:t>
-            </a:r>
-            <a:r>
-              <a:rPr lang="it" sz="1400" spc="-1" dirty="0">
-                <a:solidFill>
-                  <a:srgbClr val="000000"/>
-                </a:solidFill>
-                <a:latin typeface="+mn-lt"/>
-                <a:ea typeface="Tahoma" panose="020B0604030504040204" pitchFamily="34" charset="0"/>
-                <a:cs typeface="Tahoma" panose="020B0604030504040204" pitchFamily="34" charset="0"/>
-              </a:rPr>
-              <a:t>see </a:t>
-            </a:r>
-            <a:r>
-              <a:rPr lang="it" sz="1400" spc="-1" dirty="0">
-                <a:solidFill>
-                  <a:srgbClr val="000000"/>
-                </a:solidFill>
-                <a:latin typeface="+mn-lt"/>
-                <a:ea typeface="Tahoma" panose="020B0604030504040204" pitchFamily="34" charset="0"/>
-                <a:cs typeface="Tahoma" panose="020B0604030504040204" pitchFamily="34" charset="0"/>
-                <a:hlinkClick r:id="rId2" action="ppaction://hlinksldjump"/>
-              </a:rPr>
-              <a:t>bibliography</a:t>
-            </a:r>
-            <a:r>
-              <a:rPr lang="it" sz="1400" spc="-1" dirty="0">
-                <a:solidFill>
-                  <a:srgbClr val="000000"/>
-                </a:solidFill>
-                <a:latin typeface="+mn-lt"/>
-                <a:ea typeface="Tahoma" panose="020B0604030504040204" pitchFamily="34" charset="0"/>
-                <a:cs typeface="Tahoma" panose="020B0604030504040204" pitchFamily="34" charset="0"/>
-              </a:rPr>
-              <a:t>), on the Monk and ML23 CUP tasks.</a:t>
-            </a:r>
-          </a:p>
-        </p:txBody>
-      </p:sp>
-      <p:sp>
-        <p:nvSpPr>
-          <p:cNvPr id="6" name="CasellaDiTesto 5">
-            <a:extLst>
-              <a:ext uri="{FF2B5EF4-FFF2-40B4-BE49-F238E27FC236}">
-                <a16:creationId xmlns:a16="http://schemas.microsoft.com/office/drawing/2014/main" id="{D28C2F6E-07DF-B0D2-6063-35A5B0991D94}"/>
-              </a:ext>
-            </a:extLst>
-          </p:cNvPr>
-          <p:cNvSpPr txBox="1"/>
-          <p:nvPr/>
-        </p:nvSpPr>
-        <p:spPr>
-          <a:xfrm>
-            <a:off x="311759" y="1828538"/>
-            <a:ext cx="8520119" cy="523220"/>
-          </a:xfrm>
-          <a:prstGeom prst="rect">
-            <a:avLst/>
-          </a:prstGeom>
-          <a:noFill/>
-        </p:spPr>
-        <p:txBody>
-          <a:bodyPr wrap="square" rtlCol="0">
-            <a:spAutoFit/>
-          </a:bodyPr>
-          <a:lstStyle/>
-          <a:p>
-            <a:r>
-              <a:rPr lang="it-IT" sz="1400" dirty="0"/>
-              <a:t>In </a:t>
-            </a:r>
-            <a:r>
-              <a:rPr lang="it-IT" sz="1400" dirty="0" err="1"/>
-              <a:t>particular</a:t>
-            </a:r>
-            <a:r>
-              <a:rPr lang="it-IT" sz="1400" dirty="0"/>
-              <a:t>, </a:t>
-            </a:r>
-            <a:r>
-              <a:rPr lang="it-IT" sz="1400" dirty="0" err="1"/>
-              <a:t>we</a:t>
-            </a:r>
-            <a:r>
-              <a:rPr lang="it-IT" sz="1400" dirty="0"/>
-              <a:t> </a:t>
-            </a:r>
-            <a:r>
-              <a:rPr lang="it-IT" sz="1400" dirty="0" err="1"/>
-              <a:t>were</a:t>
-            </a:r>
-            <a:r>
-              <a:rPr lang="it-IT" sz="1400" dirty="0"/>
-              <a:t> </a:t>
-            </a:r>
-            <a:r>
-              <a:rPr lang="it-IT" sz="1400" dirty="0" err="1"/>
-              <a:t>interested</a:t>
-            </a:r>
-            <a:r>
-              <a:rPr lang="it-IT" sz="1400" dirty="0"/>
-              <a:t> in seeing </a:t>
-            </a:r>
-            <a:r>
-              <a:rPr lang="it-IT" sz="1400" dirty="0" err="1"/>
-              <a:t>how</a:t>
-            </a:r>
-            <a:r>
-              <a:rPr lang="it-IT" sz="1400" dirty="0"/>
-              <a:t> </a:t>
-            </a:r>
-            <a:r>
-              <a:rPr lang="it-IT" sz="1400" dirty="0" err="1"/>
-              <a:t>various</a:t>
-            </a:r>
-            <a:r>
-              <a:rPr lang="it-IT" sz="1400" dirty="0"/>
-              <a:t> </a:t>
-            </a:r>
-            <a:r>
-              <a:rPr lang="it-IT" sz="1400" dirty="0" err="1"/>
-              <a:t>combinations</a:t>
-            </a:r>
-            <a:r>
-              <a:rPr lang="it-IT" sz="1400" dirty="0"/>
-              <a:t> of </a:t>
-            </a:r>
-            <a:r>
-              <a:rPr lang="it-IT" sz="1400" dirty="0" err="1"/>
-              <a:t>both</a:t>
-            </a:r>
-            <a:r>
-              <a:rPr lang="it-IT" sz="1400" dirty="0"/>
-              <a:t> standard and </a:t>
-            </a:r>
-            <a:r>
-              <a:rPr lang="it-IT" sz="1400" dirty="0" err="1"/>
-              <a:t>nonstandard</a:t>
-            </a:r>
-            <a:r>
-              <a:rPr lang="it-IT" sz="1400" dirty="0"/>
-              <a:t> techniques </a:t>
-            </a:r>
-            <a:r>
-              <a:rPr lang="it-IT" sz="1400" dirty="0" err="1"/>
-              <a:t>would</a:t>
-            </a:r>
-            <a:r>
-              <a:rPr lang="it-IT" sz="1400" dirty="0"/>
-              <a:t> </a:t>
-            </a:r>
-            <a:r>
-              <a:rPr lang="it-IT" sz="1400" dirty="0" err="1"/>
-              <a:t>perform</a:t>
-            </a:r>
-            <a:r>
-              <a:rPr lang="it-IT" sz="1400" dirty="0"/>
-              <a:t> in the tasks </a:t>
-            </a:r>
-            <a:r>
-              <a:rPr lang="it-IT" sz="1400" dirty="0" err="1"/>
-              <a:t>at</a:t>
-            </a:r>
-            <a:r>
-              <a:rPr lang="it-IT" sz="1400" dirty="0"/>
-              <a:t> hand (</a:t>
-            </a:r>
-            <a:r>
-              <a:rPr lang="it-IT" sz="1400" dirty="0" err="1"/>
-              <a:t>expecially</a:t>
-            </a:r>
-            <a:r>
-              <a:rPr lang="it-IT" sz="1400" dirty="0"/>
-              <a:t> in the ML23 CUP). </a:t>
-            </a:r>
-          </a:p>
-        </p:txBody>
-      </p:sp>
-      <p:sp>
-        <p:nvSpPr>
-          <p:cNvPr id="7" name="CasellaDiTesto 6">
-            <a:extLst>
-              <a:ext uri="{FF2B5EF4-FFF2-40B4-BE49-F238E27FC236}">
-                <a16:creationId xmlns:a16="http://schemas.microsoft.com/office/drawing/2014/main" id="{3B8196D9-C4A4-66B2-3D6E-2443E7024140}"/>
-              </a:ext>
-            </a:extLst>
-          </p:cNvPr>
-          <p:cNvSpPr txBox="1"/>
-          <p:nvPr/>
-        </p:nvSpPr>
-        <p:spPr>
-          <a:xfrm>
-            <a:off x="311758" y="2596636"/>
-            <a:ext cx="8520119" cy="954107"/>
-          </a:xfrm>
-          <a:prstGeom prst="rect">
-            <a:avLst/>
-          </a:prstGeom>
-          <a:noFill/>
-        </p:spPr>
-        <p:txBody>
-          <a:bodyPr wrap="square" rtlCol="0">
-            <a:spAutoFit/>
-          </a:bodyPr>
-          <a:lstStyle/>
-          <a:p>
-            <a:r>
-              <a:rPr lang="en-US" sz="1400" dirty="0"/>
-              <a:t>Ultimately, we aimed at achieving the best possible result for the blind competition, while also learning more about the impact that our choices have on such results. Therefore, a broad exploration of the performance of various models and </a:t>
-            </a:r>
-            <a:r>
-              <a:rPr lang="en-US" sz="1400" dirty="0" err="1"/>
-              <a:t>hyperparamenters</a:t>
-            </a:r>
-            <a:r>
-              <a:rPr lang="en-US" sz="1400" dirty="0"/>
-              <a:t>' configurations was performed, as this is necessary to achieve such goals.</a:t>
-            </a:r>
-            <a:endParaRPr lang="it-IT" sz="1400" dirty="0"/>
-          </a:p>
-        </p:txBody>
-      </p:sp>
-    </p:spTree>
-  </p:cSld>
-  <p:clrMapOvr>
-    <a:masterClrMapping/>
-  </p:clrMapOvr>
-</p:sld>
-</file>
-
-<file path=ppt/slides/slide20.xml><?xml version="1.0" encoding="utf-8"?>
-<p:sld xmlns:a="http://schemas.openxmlformats.org/drawingml/2006/main" xmlns:r="http://schemas.openxmlformats.org/officeDocument/2006/relationships" xmlns:p="http://schemas.openxmlformats.org/presentationml/2006/main">
-  <p:cSld>
-    <p:spTree>
-      <p:nvGrpSpPr>
-        <p:cNvPr id="1" name=""/>
-        <p:cNvGrpSpPr/>
-        <p:nvPr/>
-      </p:nvGrpSpPr>
-      <p:grpSpPr>
-        <a:xfrm>
-          <a:off x="0" y="0"/>
-          <a:ext cx="0" cy="0"/>
-          <a:chOff x="0" y="0"/>
-          <a:chExt cx="0" cy="0"/>
-        </a:xfrm>
-      </p:grpSpPr>
-      <p:sp>
-        <p:nvSpPr>
-          <p:cNvPr id="108" name="PlaceHolder 1"/>
-          <p:cNvSpPr>
-            <a:spLocks noGrp="1"/>
-          </p:cNvSpPr>
-          <p:nvPr>
-            <p:ph type="title"/>
-          </p:nvPr>
-        </p:nvSpPr>
-        <p:spPr>
-          <a:xfrm>
-            <a:off x="311760" y="0"/>
-            <a:ext cx="8520120" cy="576000"/>
-          </a:xfrm>
-          <a:prstGeom prst="rect">
-            <a:avLst/>
-          </a:prstGeom>
-          <a:noFill/>
-          <a:ln w="0">
-            <a:noFill/>
-          </a:ln>
-        </p:spPr>
-        <p:txBody>
-          <a:bodyPr tIns="91440" bIns="91440" anchor="t">
-            <a:normAutofit fontScale="91000"/>
-          </a:bodyPr>
-          <a:lstStyle/>
-          <a:p>
-            <a:pPr>
-              <a:lnSpc>
-                <a:spcPct val="100000"/>
-              </a:lnSpc>
-              <a:buNone/>
-              <a:tabLst>
-                <a:tab pos="0" algn="l"/>
-              </a:tabLst>
-            </a:pPr>
-            <a:r>
-              <a:rPr lang="it" sz="2600" b="0" strike="noStrike" spc="-1" dirty="0">
-                <a:solidFill>
-                  <a:srgbClr val="000000"/>
-                </a:solidFill>
-                <a:latin typeface="Arial"/>
-                <a:ea typeface="Arial"/>
-              </a:rPr>
-              <a:t>CUP</a:t>
-            </a:r>
-            <a:r>
-              <a:rPr lang="it" sz="2400" b="0" strike="noStrike" spc="-1" dirty="0">
-                <a:solidFill>
-                  <a:srgbClr val="000000"/>
-                </a:solidFill>
-                <a:latin typeface="Arial"/>
-                <a:ea typeface="Arial"/>
-              </a:rPr>
-              <a:t> </a:t>
-            </a:r>
-            <a:r>
-              <a:rPr lang="it" sz="2600" b="0" strike="noStrike" spc="-1" dirty="0">
-                <a:solidFill>
-                  <a:srgbClr val="000000"/>
-                </a:solidFill>
-                <a:latin typeface="Arial"/>
-                <a:ea typeface="Arial"/>
-              </a:rPr>
-              <a:t>Results: final model</a:t>
-            </a:r>
-            <a:r>
-              <a:rPr lang="it" sz="2600" spc="-1" dirty="0">
-                <a:solidFill>
-                  <a:srgbClr val="000000"/>
-                </a:solidFill>
-                <a:latin typeface="Arial"/>
-                <a:ea typeface="Arial"/>
-              </a:rPr>
-              <a:t> – 2</a:t>
-            </a:r>
-            <a:endParaRPr lang="it-IT" sz="2400" b="0" strike="noStrike" spc="-1" dirty="0">
-              <a:solidFill>
-                <a:srgbClr val="000000"/>
-              </a:solidFill>
-              <a:latin typeface="Arial"/>
-            </a:endParaRPr>
-          </a:p>
-        </p:txBody>
-      </p:sp>
-      <p:sp>
-        <p:nvSpPr>
-          <p:cNvPr id="110" name="PlaceHolder 3"/>
-          <p:cNvSpPr>
-            <a:spLocks noGrp="1"/>
-          </p:cNvSpPr>
-          <p:nvPr>
-            <p:ph type="sldNum" idx="10"/>
-          </p:nvPr>
-        </p:nvSpPr>
-        <p:spPr>
-          <a:xfrm>
-            <a:off x="8472600" y="4663080"/>
-            <a:ext cx="548280" cy="393120"/>
-          </a:xfrm>
-          <a:prstGeom prst="rect">
-            <a:avLst/>
-          </a:prstGeom>
-          <a:noFill/>
-          <a:ln w="0">
-            <a:noFill/>
-          </a:ln>
-        </p:spPr>
-        <p:txBody>
-          <a:bodyPr tIns="91440" bIns="91440" anchor="ctr">
-            <a:normAutofit/>
-          </a:bodyPr>
-          <a:lstStyle>
-            <a:lvl1pPr algn="r">
-              <a:lnSpc>
-                <a:spcPct val="100000"/>
-              </a:lnSpc>
-              <a:buNone/>
-              <a:tabLst>
-                <a:tab pos="0" algn="l"/>
-              </a:tabLst>
-              <a:defRPr lang="it" sz="1000" b="0" strike="noStrike" spc="-1">
-                <a:solidFill>
-                  <a:srgbClr val="595959"/>
-                </a:solidFill>
-                <a:latin typeface="Arial"/>
-                <a:ea typeface="Arial"/>
-              </a:defRPr>
-            </a:lvl1pPr>
-          </a:lstStyle>
-          <a:p>
-            <a:pPr algn="r">
-              <a:lnSpc>
-                <a:spcPct val="100000"/>
-              </a:lnSpc>
-              <a:buNone/>
-              <a:tabLst>
-                <a:tab pos="0" algn="l"/>
-              </a:tabLst>
-            </a:pPr>
-            <a:fld id="{70083C99-8290-44C9-AB12-6D72EC62BA1C}" type="slidenum">
-              <a:rPr lang="it" sz="1000" b="0" strike="noStrike" spc="-1">
-                <a:solidFill>
-                  <a:srgbClr val="595959"/>
-                </a:solidFill>
-                <a:latin typeface="Arial"/>
-                <a:ea typeface="Arial"/>
-              </a:rPr>
-              <a:t>20</a:t>
             </a:fld>
             <a:endParaRPr lang="it-IT" sz="1000" b="0" strike="noStrike" spc="-1">
               <a:latin typeface="Times New Roman"/>
@@ -15056,7 +14465,588 @@
 </p:sld>
 </file>
 
-<file path=ppt/slides/slide21.xml><?xml version="1.0" encoding="utf-8"?>
+<file path=ppt/slides/slide2.xml><?xml version="1.0" encoding="utf-8"?>
+<p:sld xmlns:a="http://schemas.openxmlformats.org/drawingml/2006/main" xmlns:r="http://schemas.openxmlformats.org/officeDocument/2006/relationships" xmlns:p="http://schemas.openxmlformats.org/presentationml/2006/main">
+  <p:cSld>
+    <p:spTree>
+      <p:nvGrpSpPr>
+        <p:cNvPr id="1" name=""/>
+        <p:cNvGrpSpPr/>
+        <p:nvPr/>
+      </p:nvGrpSpPr>
+      <p:grpSpPr>
+        <a:xfrm>
+          <a:off x="0" y="0"/>
+          <a:ext cx="0" cy="0"/>
+          <a:chOff x="0" y="0"/>
+          <a:chExt cx="0" cy="0"/>
+        </a:xfrm>
+      </p:grpSpPr>
+      <p:sp>
+        <p:nvSpPr>
+          <p:cNvPr id="83" name="PlaceHolder 3"/>
+          <p:cNvSpPr>
+            <a:spLocks noGrp="1"/>
+          </p:cNvSpPr>
+          <p:nvPr>
+            <p:ph type="sldNum" idx="3"/>
+          </p:nvPr>
+        </p:nvSpPr>
+        <p:spPr>
+          <a:xfrm>
+            <a:off x="8472600" y="4663080"/>
+            <a:ext cx="548280" cy="393120"/>
+          </a:xfrm>
+          <a:prstGeom prst="rect">
+            <a:avLst/>
+          </a:prstGeom>
+          <a:noFill/>
+          <a:ln w="0">
+            <a:noFill/>
+          </a:ln>
+        </p:spPr>
+        <p:txBody>
+          <a:bodyPr tIns="91440" bIns="91440" anchor="ctr">
+            <a:normAutofit/>
+          </a:bodyPr>
+          <a:lstStyle>
+            <a:lvl1pPr algn="r">
+              <a:lnSpc>
+                <a:spcPct val="100000"/>
+              </a:lnSpc>
+              <a:buNone/>
+              <a:tabLst>
+                <a:tab pos="0" algn="l"/>
+              </a:tabLst>
+              <a:defRPr lang="it" sz="1000" b="0" strike="noStrike" spc="-1">
+                <a:solidFill>
+                  <a:srgbClr val="595959"/>
+                </a:solidFill>
+                <a:latin typeface="Arial"/>
+                <a:ea typeface="Arial"/>
+              </a:defRPr>
+            </a:lvl1pPr>
+          </a:lstStyle>
+          <a:p>
+            <a:pPr algn="r">
+              <a:lnSpc>
+                <a:spcPct val="100000"/>
+              </a:lnSpc>
+              <a:buNone/>
+              <a:tabLst>
+                <a:tab pos="0" algn="l"/>
+              </a:tabLst>
+            </a:pPr>
+            <a:fld id="{CDE5831E-EF50-4AF8-82C3-EBDE88F03D8C}" type="slidenum">
+              <a:rPr lang="it" sz="1000" b="0" strike="noStrike" spc="-1">
+                <a:solidFill>
+                  <a:srgbClr val="595959"/>
+                </a:solidFill>
+                <a:latin typeface="Arial"/>
+                <a:ea typeface="Arial"/>
+              </a:rPr>
+              <a:t>2</a:t>
+            </a:fld>
+            <a:endParaRPr lang="it-IT" sz="1000" b="0" strike="noStrike" spc="-1" dirty="0">
+              <a:latin typeface="Times New Roman"/>
+            </a:endParaRPr>
+          </a:p>
+        </p:txBody>
+      </p:sp>
+      <p:sp>
+        <p:nvSpPr>
+          <p:cNvPr id="4" name="PlaceHolder 1">
+            <a:extLst>
+              <a:ext uri="{FF2B5EF4-FFF2-40B4-BE49-F238E27FC236}">
+                <a16:creationId xmlns:a16="http://schemas.microsoft.com/office/drawing/2014/main" id="{80C918E8-6CF7-0E0B-D3EF-88419C82AA81}"/>
+              </a:ext>
+            </a:extLst>
+          </p:cNvPr>
+          <p:cNvSpPr txBox="1">
+            <a:spLocks/>
+          </p:cNvSpPr>
+          <p:nvPr/>
+        </p:nvSpPr>
+        <p:spPr>
+          <a:xfrm>
+            <a:off x="311760" y="0"/>
+            <a:ext cx="8520120" cy="576000"/>
+          </a:xfrm>
+          <a:prstGeom prst="rect">
+            <a:avLst/>
+          </a:prstGeom>
+          <a:noFill/>
+          <a:ln w="0">
+            <a:noFill/>
+          </a:ln>
+        </p:spPr>
+        <p:txBody>
+          <a:bodyPr lIns="0" tIns="91440" rIns="0" bIns="91440" anchor="t">
+            <a:normAutofit fontScale="97500"/>
+          </a:bodyPr>
+          <a:lstStyle>
+            <a:lvl1pPr algn="l" defTabSz="914400" rtl="0" eaLnBrk="1" latinLnBrk="0" hangingPunct="1">
+              <a:lnSpc>
+                <a:spcPct val="90000"/>
+              </a:lnSpc>
+              <a:spcBef>
+                <a:spcPct val="0"/>
+              </a:spcBef>
+              <a:buNone/>
+              <a:defRPr sz="4400" kern="1200">
+                <a:solidFill>
+                  <a:schemeClr val="tx1"/>
+                </a:solidFill>
+                <a:latin typeface="+mj-lt"/>
+                <a:ea typeface="+mj-ea"/>
+                <a:cs typeface="+mj-cs"/>
+              </a:defRPr>
+            </a:lvl1pPr>
+          </a:lstStyle>
+          <a:p>
+            <a:pPr>
+              <a:lnSpc>
+                <a:spcPct val="100000"/>
+              </a:lnSpc>
+              <a:tabLst>
+                <a:tab pos="0" algn="l"/>
+              </a:tabLst>
+            </a:pPr>
+            <a:r>
+              <a:rPr lang="it" sz="2500" spc="-1" dirty="0">
+                <a:solidFill>
+                  <a:srgbClr val="000000"/>
+                </a:solidFill>
+                <a:latin typeface="Arial"/>
+                <a:ea typeface="Arial"/>
+              </a:rPr>
+              <a:t>Objectives</a:t>
+            </a:r>
+            <a:endParaRPr lang="it-IT" sz="2400" spc="-1" dirty="0">
+              <a:solidFill>
+                <a:srgbClr val="000000"/>
+              </a:solidFill>
+              <a:latin typeface="Arial"/>
+            </a:endParaRPr>
+          </a:p>
+        </p:txBody>
+      </p:sp>
+      <p:sp>
+        <p:nvSpPr>
+          <p:cNvPr id="8" name="CasellaDiTesto 7">
+            <a:extLst>
+              <a:ext uri="{FF2B5EF4-FFF2-40B4-BE49-F238E27FC236}">
+                <a16:creationId xmlns:a16="http://schemas.microsoft.com/office/drawing/2014/main" id="{FB22EB19-DDEA-4A7A-811B-6D3A1B5AF3ED}"/>
+              </a:ext>
+            </a:extLst>
+          </p:cNvPr>
+          <p:cNvSpPr txBox="1"/>
+          <p:nvPr/>
+        </p:nvSpPr>
+        <p:spPr>
+          <a:xfrm>
+            <a:off x="311760" y="3795622"/>
+            <a:ext cx="8520119" cy="523220"/>
+          </a:xfrm>
+          <a:prstGeom prst="rect">
+            <a:avLst/>
+          </a:prstGeom>
+          <a:noFill/>
+        </p:spPr>
+        <p:txBody>
+          <a:bodyPr wrap="square" rtlCol="0">
+            <a:spAutoFit/>
+          </a:bodyPr>
+          <a:lstStyle/>
+          <a:p>
+            <a:r>
+              <a:rPr lang="it-IT" sz="1400" dirty="0" err="1"/>
+              <a:t>We</a:t>
+            </a:r>
+            <a:r>
+              <a:rPr lang="it-IT" sz="1400" dirty="0"/>
+              <a:t> </a:t>
+            </a:r>
+            <a:r>
+              <a:rPr lang="it-IT" sz="1400" dirty="0" err="1"/>
+              <a:t>implemented</a:t>
+            </a:r>
+            <a:r>
+              <a:rPr lang="it-IT" sz="1400" dirty="0"/>
+              <a:t> </a:t>
+            </a:r>
+            <a:r>
+              <a:rPr lang="it-IT" sz="1400" dirty="0" err="1"/>
+              <a:t>three</a:t>
+            </a:r>
+            <a:r>
+              <a:rPr lang="it-IT" sz="1400" dirty="0"/>
+              <a:t> classes of models: SVR, </a:t>
+            </a:r>
+            <a:r>
+              <a:rPr lang="it-IT" sz="1400" dirty="0" err="1"/>
+              <a:t>Neural</a:t>
+            </a:r>
+            <a:r>
+              <a:rPr lang="it-IT" sz="1400" dirty="0"/>
+              <a:t> Network, Random </a:t>
+            </a:r>
+            <a:r>
+              <a:rPr lang="it-IT" sz="1400" dirty="0" err="1"/>
+              <a:t>Forest</a:t>
+            </a:r>
+            <a:r>
+              <a:rPr lang="it-IT" sz="1400" dirty="0"/>
+              <a:t>. The </a:t>
+            </a:r>
+            <a:r>
+              <a:rPr lang="it-IT" sz="1400" dirty="0" err="1"/>
+              <a:t>latter</a:t>
+            </a:r>
+            <a:r>
+              <a:rPr lang="it-IT" sz="1400" dirty="0"/>
+              <a:t> </a:t>
+            </a:r>
+            <a:r>
+              <a:rPr lang="it-IT" sz="1400" dirty="0" err="1"/>
+              <a:t>was</a:t>
+            </a:r>
+            <a:r>
+              <a:rPr lang="it-IT" sz="1400" dirty="0"/>
+              <a:t> </a:t>
+            </a:r>
+            <a:r>
+              <a:rPr lang="it-IT" sz="1400" dirty="0" err="1"/>
+              <a:t>not</a:t>
+            </a:r>
+            <a:r>
+              <a:rPr lang="it-IT" sz="1400" dirty="0"/>
+              <a:t> part of the </a:t>
+            </a:r>
+            <a:r>
+              <a:rPr lang="it-IT" sz="1400" dirty="0" err="1"/>
+              <a:t>program</a:t>
+            </a:r>
+            <a:r>
+              <a:rPr lang="it-IT" sz="1400" dirty="0"/>
+              <a:t> for the ML </a:t>
+            </a:r>
+            <a:r>
+              <a:rPr lang="it-IT" sz="1400" dirty="0" err="1"/>
+              <a:t>exam</a:t>
+            </a:r>
+            <a:r>
+              <a:rPr lang="it-IT" sz="1400" dirty="0"/>
+              <a:t>.</a:t>
+            </a:r>
+          </a:p>
+        </p:txBody>
+      </p:sp>
+      <p:sp>
+        <p:nvSpPr>
+          <p:cNvPr id="5" name="CasellaDiTesto 4">
+            <a:extLst>
+              <a:ext uri="{FF2B5EF4-FFF2-40B4-BE49-F238E27FC236}">
+                <a16:creationId xmlns:a16="http://schemas.microsoft.com/office/drawing/2014/main" id="{624CC786-9C95-956C-19E6-8F32E13A6A18}"/>
+              </a:ext>
+            </a:extLst>
+          </p:cNvPr>
+          <p:cNvSpPr txBox="1"/>
+          <p:nvPr/>
+        </p:nvSpPr>
+        <p:spPr>
+          <a:xfrm>
+            <a:off x="311758" y="1108862"/>
+            <a:ext cx="8520119" cy="475655"/>
+          </a:xfrm>
+          <a:prstGeom prst="rect">
+            <a:avLst/>
+          </a:prstGeom>
+          <a:noFill/>
+        </p:spPr>
+        <p:txBody>
+          <a:bodyPr wrap="square" rtlCol="0">
+            <a:spAutoFit/>
+          </a:bodyPr>
+          <a:lstStyle/>
+          <a:p>
+            <a:r>
+              <a:rPr lang="it-IT" sz="1400" dirty="0" err="1"/>
+              <a:t>Our</a:t>
+            </a:r>
+            <a:r>
+              <a:rPr lang="it-IT" sz="1400" dirty="0"/>
+              <a:t> </a:t>
+            </a:r>
+            <a:r>
+              <a:rPr lang="it-IT" sz="1400" dirty="0" err="1"/>
+              <a:t>aim</a:t>
+            </a:r>
+            <a:r>
+              <a:rPr lang="it-IT" sz="1400" dirty="0"/>
+              <a:t> for </a:t>
+            </a:r>
+            <a:r>
+              <a:rPr lang="it-IT" sz="1400" dirty="0" err="1"/>
+              <a:t>this</a:t>
+            </a:r>
+            <a:r>
+              <a:rPr lang="it-IT" sz="1400" dirty="0"/>
+              <a:t> project </a:t>
+            </a:r>
+            <a:r>
+              <a:rPr lang="it-IT" sz="1400" dirty="0" err="1"/>
+              <a:t>was</a:t>
+            </a:r>
+            <a:r>
+              <a:rPr lang="it-IT" sz="1400" dirty="0"/>
+              <a:t> to test </a:t>
+            </a:r>
+            <a:r>
+              <a:rPr lang="it-IT" sz="1400" dirty="0" err="1"/>
+              <a:t>various</a:t>
+            </a:r>
+            <a:r>
+              <a:rPr lang="it-IT" sz="1400" dirty="0"/>
+              <a:t> models, </a:t>
+            </a:r>
+            <a:r>
+              <a:rPr lang="it-IT" sz="1400" dirty="0" err="1"/>
+              <a:t>built</a:t>
+            </a:r>
+            <a:r>
+              <a:rPr lang="it-IT" sz="1400" dirty="0"/>
+              <a:t> with the help of some libraries (</a:t>
+            </a:r>
+            <a:r>
+              <a:rPr lang="it" sz="1400" spc="-1" dirty="0">
+                <a:solidFill>
+                  <a:srgbClr val="000000"/>
+                </a:solidFill>
+                <a:latin typeface="+mn-lt"/>
+                <a:ea typeface="Tahoma" panose="020B0604030504040204" pitchFamily="34" charset="0"/>
+                <a:cs typeface="Tahoma" panose="020B0604030504040204" pitchFamily="34" charset="0"/>
+              </a:rPr>
+              <a:t>see </a:t>
+            </a:r>
+            <a:r>
+              <a:rPr lang="it" sz="1400" spc="-1" dirty="0">
+                <a:solidFill>
+                  <a:srgbClr val="000000"/>
+                </a:solidFill>
+                <a:latin typeface="+mn-lt"/>
+                <a:ea typeface="Tahoma" panose="020B0604030504040204" pitchFamily="34" charset="0"/>
+                <a:cs typeface="Tahoma" panose="020B0604030504040204" pitchFamily="34" charset="0"/>
+                <a:hlinkClick r:id="rId2" action="ppaction://hlinksldjump"/>
+              </a:rPr>
+              <a:t>bibliography</a:t>
+            </a:r>
+            <a:r>
+              <a:rPr lang="it" sz="1400" spc="-1" dirty="0">
+                <a:solidFill>
+                  <a:srgbClr val="000000"/>
+                </a:solidFill>
+                <a:latin typeface="+mn-lt"/>
+                <a:ea typeface="Tahoma" panose="020B0604030504040204" pitchFamily="34" charset="0"/>
+                <a:cs typeface="Tahoma" panose="020B0604030504040204" pitchFamily="34" charset="0"/>
+              </a:rPr>
+              <a:t>), on the Monk and ML23 CUP tasks.</a:t>
+            </a:r>
+          </a:p>
+        </p:txBody>
+      </p:sp>
+      <p:sp>
+        <p:nvSpPr>
+          <p:cNvPr id="6" name="CasellaDiTesto 5">
+            <a:extLst>
+              <a:ext uri="{FF2B5EF4-FFF2-40B4-BE49-F238E27FC236}">
+                <a16:creationId xmlns:a16="http://schemas.microsoft.com/office/drawing/2014/main" id="{D28C2F6E-07DF-B0D2-6063-35A5B0991D94}"/>
+              </a:ext>
+            </a:extLst>
+          </p:cNvPr>
+          <p:cNvSpPr txBox="1"/>
+          <p:nvPr/>
+        </p:nvSpPr>
+        <p:spPr>
+          <a:xfrm>
+            <a:off x="311759" y="1828538"/>
+            <a:ext cx="8520119" cy="523220"/>
+          </a:xfrm>
+          <a:prstGeom prst="rect">
+            <a:avLst/>
+          </a:prstGeom>
+          <a:noFill/>
+        </p:spPr>
+        <p:txBody>
+          <a:bodyPr wrap="square" rtlCol="0">
+            <a:spAutoFit/>
+          </a:bodyPr>
+          <a:lstStyle/>
+          <a:p>
+            <a:r>
+              <a:rPr lang="it-IT" sz="1400" dirty="0"/>
+              <a:t>In </a:t>
+            </a:r>
+            <a:r>
+              <a:rPr lang="it-IT" sz="1400" dirty="0" err="1"/>
+              <a:t>particular</a:t>
+            </a:r>
+            <a:r>
+              <a:rPr lang="it-IT" sz="1400" dirty="0"/>
+              <a:t>, </a:t>
+            </a:r>
+            <a:r>
+              <a:rPr lang="it-IT" sz="1400" dirty="0" err="1"/>
+              <a:t>we</a:t>
+            </a:r>
+            <a:r>
+              <a:rPr lang="it-IT" sz="1400" dirty="0"/>
+              <a:t> </a:t>
+            </a:r>
+            <a:r>
+              <a:rPr lang="it-IT" sz="1400" dirty="0" err="1"/>
+              <a:t>were</a:t>
+            </a:r>
+            <a:r>
+              <a:rPr lang="it-IT" sz="1400" dirty="0"/>
+              <a:t> </a:t>
+            </a:r>
+            <a:r>
+              <a:rPr lang="it-IT" sz="1400" dirty="0" err="1"/>
+              <a:t>interested</a:t>
+            </a:r>
+            <a:r>
+              <a:rPr lang="it-IT" sz="1400" dirty="0"/>
+              <a:t> in seeing </a:t>
+            </a:r>
+            <a:r>
+              <a:rPr lang="it-IT" sz="1400" dirty="0" err="1"/>
+              <a:t>how</a:t>
+            </a:r>
+            <a:r>
+              <a:rPr lang="it-IT" sz="1400" dirty="0"/>
+              <a:t> </a:t>
+            </a:r>
+            <a:r>
+              <a:rPr lang="it-IT" sz="1400" dirty="0" err="1"/>
+              <a:t>various</a:t>
+            </a:r>
+            <a:r>
+              <a:rPr lang="it-IT" sz="1400" dirty="0"/>
+              <a:t> </a:t>
+            </a:r>
+            <a:r>
+              <a:rPr lang="it-IT" sz="1400" dirty="0" err="1"/>
+              <a:t>combinations</a:t>
+            </a:r>
+            <a:r>
+              <a:rPr lang="it-IT" sz="1400" dirty="0"/>
+              <a:t> of </a:t>
+            </a:r>
+            <a:r>
+              <a:rPr lang="it-IT" sz="1400" dirty="0" err="1"/>
+              <a:t>both</a:t>
+            </a:r>
+            <a:r>
+              <a:rPr lang="it-IT" sz="1400" dirty="0"/>
+              <a:t> standard and </a:t>
+            </a:r>
+            <a:r>
+              <a:rPr lang="it-IT" sz="1400" dirty="0" err="1"/>
+              <a:t>nonstandard</a:t>
+            </a:r>
+            <a:r>
+              <a:rPr lang="it-IT" sz="1400" dirty="0"/>
+              <a:t> techniques </a:t>
+            </a:r>
+            <a:r>
+              <a:rPr lang="it-IT" sz="1400" dirty="0" err="1"/>
+              <a:t>would</a:t>
+            </a:r>
+            <a:r>
+              <a:rPr lang="it-IT" sz="1400" dirty="0"/>
+              <a:t> </a:t>
+            </a:r>
+            <a:r>
+              <a:rPr lang="it-IT" sz="1400" dirty="0" err="1"/>
+              <a:t>perform</a:t>
+            </a:r>
+            <a:r>
+              <a:rPr lang="it-IT" sz="1400" dirty="0"/>
+              <a:t> in the tasks </a:t>
+            </a:r>
+            <a:r>
+              <a:rPr lang="it-IT" sz="1400" dirty="0" err="1"/>
+              <a:t>at</a:t>
+            </a:r>
+            <a:r>
+              <a:rPr lang="it-IT" sz="1400" dirty="0"/>
+              <a:t> hand (</a:t>
+            </a:r>
+            <a:r>
+              <a:rPr lang="it-IT" sz="1400" dirty="0" err="1"/>
+              <a:t>expecially</a:t>
+            </a:r>
+            <a:r>
+              <a:rPr lang="it-IT" sz="1400" dirty="0"/>
+              <a:t> in the ML23 CUP). </a:t>
+            </a:r>
+          </a:p>
+        </p:txBody>
+      </p:sp>
+      <p:sp>
+        <p:nvSpPr>
+          <p:cNvPr id="7" name="CasellaDiTesto 6">
+            <a:extLst>
+              <a:ext uri="{FF2B5EF4-FFF2-40B4-BE49-F238E27FC236}">
+                <a16:creationId xmlns:a16="http://schemas.microsoft.com/office/drawing/2014/main" id="{3B8196D9-C4A4-66B2-3D6E-2443E7024140}"/>
+              </a:ext>
+            </a:extLst>
+          </p:cNvPr>
+          <p:cNvSpPr txBox="1"/>
+          <p:nvPr/>
+        </p:nvSpPr>
+        <p:spPr>
+          <a:xfrm>
+            <a:off x="311758" y="2596636"/>
+            <a:ext cx="8520119" cy="954107"/>
+          </a:xfrm>
+          <a:prstGeom prst="rect">
+            <a:avLst/>
+          </a:prstGeom>
+          <a:noFill/>
+        </p:spPr>
+        <p:txBody>
+          <a:bodyPr wrap="square" rtlCol="0">
+            <a:spAutoFit/>
+          </a:bodyPr>
+          <a:lstStyle/>
+          <a:p>
+            <a:r>
+              <a:rPr lang="en-US" sz="1400" dirty="0"/>
+              <a:t>Ultimately, we aimed at achieving the best possible result for the blind competition, while also learning more about the impact that our choices have on such results. Therefore, a broad exploration of the performance of various models and </a:t>
+            </a:r>
+            <a:r>
+              <a:rPr lang="en-US" sz="1400" dirty="0" err="1"/>
+              <a:t>hyperparamenters</a:t>
+            </a:r>
+            <a:r>
+              <a:rPr lang="en-US" sz="1400" dirty="0"/>
+              <a:t>' configurations was performed, as this is necessary to achieve such goals.</a:t>
+            </a:r>
+            <a:endParaRPr lang="it-IT" sz="1400" dirty="0"/>
+          </a:p>
+        </p:txBody>
+      </p:sp>
+    </p:spTree>
+  </p:cSld>
+  <p:clrMapOvr>
+    <a:masterClrMapping/>
+  </p:clrMapOvr>
+</p:sld>
+</file>
+
+<file path=ppt/slides/slide20.xml><?xml version="1.0" encoding="utf-8"?>
 <p:sld xmlns:a="http://schemas.openxmlformats.org/drawingml/2006/main" xmlns:r="http://schemas.openxmlformats.org/officeDocument/2006/relationships" xmlns:p="http://schemas.openxmlformats.org/presentationml/2006/main">
   <p:cSld>
     <p:spTree>
@@ -15335,7 +15325,7 @@
                 <a:latin typeface="Arial"/>
                 <a:ea typeface="Arial"/>
               </a:rPr>
-              <a:t>21</a:t>
+              <a:t>20</a:t>
             </a:fld>
             <a:endParaRPr lang="it-IT" sz="1000" b="0" strike="noStrike" spc="-1">
               <a:latin typeface="Times New Roman"/>
@@ -15351,7 +15341,7 @@
 </p:sld>
 </file>
 
-<file path=ppt/slides/slide22.xml><?xml version="1.0" encoding="utf-8"?>
+<file path=ppt/slides/slide21.xml><?xml version="1.0" encoding="utf-8"?>
 <p:sld xmlns:a="http://schemas.openxmlformats.org/drawingml/2006/main" xmlns:r="http://schemas.openxmlformats.org/officeDocument/2006/relationships" xmlns:p="http://schemas.openxmlformats.org/presentationml/2006/main">
   <p:cSld>
     <p:spTree>
@@ -15621,6 +15611,159 @@
                 <a:latin typeface="Arial"/>
                 <a:ea typeface="Arial"/>
               </a:rPr>
+              <a:t>21</a:t>
+            </a:fld>
+            <a:endParaRPr lang="it-IT" sz="1000" b="0" strike="noStrike" spc="-1">
+              <a:latin typeface="Times New Roman"/>
+            </a:endParaRPr>
+          </a:p>
+        </p:txBody>
+      </p:sp>
+    </p:spTree>
+  </p:cSld>
+  <p:clrMapOvr>
+    <a:masterClrMapping/>
+  </p:clrMapOvr>
+</p:sld>
+</file>
+
+<file path=ppt/slides/slide22.xml><?xml version="1.0" encoding="utf-8"?>
+<p:sld xmlns:a="http://schemas.openxmlformats.org/drawingml/2006/main" xmlns:r="http://schemas.openxmlformats.org/officeDocument/2006/relationships" xmlns:p="http://schemas.openxmlformats.org/presentationml/2006/main">
+  <p:cSld>
+    <p:spTree>
+      <p:nvGrpSpPr>
+        <p:cNvPr id="1" name=""/>
+        <p:cNvGrpSpPr/>
+        <p:nvPr/>
+      </p:nvGrpSpPr>
+      <p:grpSpPr>
+        <a:xfrm>
+          <a:off x="0" y="0"/>
+          <a:ext cx="0" cy="0"/>
+          <a:chOff x="0" y="0"/>
+          <a:chExt cx="0" cy="0"/>
+        </a:xfrm>
+      </p:grpSpPr>
+      <p:sp>
+        <p:nvSpPr>
+          <p:cNvPr id="117" name="PlaceHolder 1"/>
+          <p:cNvSpPr>
+            <a:spLocks noGrp="1"/>
+          </p:cNvSpPr>
+          <p:nvPr>
+            <p:ph type="title"/>
+          </p:nvPr>
+        </p:nvSpPr>
+        <p:spPr>
+          <a:xfrm>
+            <a:off x="311760" y="2700"/>
+            <a:ext cx="8520120" cy="576000"/>
+          </a:xfrm>
+          <a:prstGeom prst="rect">
+            <a:avLst/>
+          </a:prstGeom>
+          <a:noFill/>
+          <a:ln w="0">
+            <a:noFill/>
+          </a:ln>
+        </p:spPr>
+        <p:txBody>
+          <a:bodyPr tIns="91440" bIns="91440" anchor="t">
+            <a:normAutofit fontScale="91000"/>
+          </a:bodyPr>
+          <a:lstStyle/>
+          <a:p>
+            <a:pPr>
+              <a:lnSpc>
+                <a:spcPct val="100000"/>
+              </a:lnSpc>
+              <a:buNone/>
+              <a:tabLst>
+                <a:tab pos="0" algn="l"/>
+              </a:tabLst>
+            </a:pPr>
+            <a:r>
+              <a:rPr lang="it" sz="2600" b="0" strike="noStrike" spc="-1" dirty="0">
+                <a:solidFill>
+                  <a:srgbClr val="000000"/>
+                </a:solidFill>
+                <a:latin typeface="Arial"/>
+                <a:ea typeface="Arial"/>
+              </a:rPr>
+              <a:t>Bibliography – 1</a:t>
+            </a:r>
+            <a:endParaRPr lang="it-IT" sz="2800" b="0" strike="noStrike" spc="-1" dirty="0">
+              <a:solidFill>
+                <a:srgbClr val="000000"/>
+              </a:solidFill>
+              <a:latin typeface="Arial"/>
+            </a:endParaRPr>
+          </a:p>
+        </p:txBody>
+      </p:sp>
+      <p:sp>
+        <p:nvSpPr>
+          <p:cNvPr id="119" name="PlaceHolder 3"/>
+          <p:cNvSpPr>
+            <a:spLocks noGrp="1"/>
+          </p:cNvSpPr>
+          <p:nvPr>
+            <p:ph type="sldNum" idx="13"/>
+          </p:nvPr>
+        </p:nvSpPr>
+        <p:spPr>
+          <a:xfrm>
+            <a:off x="8472600" y="4663080"/>
+            <a:ext cx="548280" cy="393120"/>
+          </a:xfrm>
+          <a:prstGeom prst="rect">
+            <a:avLst/>
+          </a:prstGeom>
+          <a:noFill/>
+          <a:ln w="0">
+            <a:noFill/>
+          </a:ln>
+        </p:spPr>
+        <p:txBody>
+          <a:bodyPr tIns="91440" bIns="91440" anchor="ctr">
+            <a:normAutofit/>
+          </a:bodyPr>
+          <a:lstStyle>
+            <a:lvl1pPr algn="r">
+              <a:lnSpc>
+                <a:spcPct val="100000"/>
+              </a:lnSpc>
+              <a:buNone/>
+              <a:tabLst>
+                <a:tab pos="0" algn="l"/>
+              </a:tabLst>
+              <a:defRPr lang="it" sz="1000" b="0" strike="noStrike" spc="-1">
+                <a:solidFill>
+                  <a:srgbClr val="595959"/>
+                </a:solidFill>
+                <a:latin typeface="Arial"/>
+                <a:ea typeface="Arial"/>
+              </a:defRPr>
+            </a:lvl1pPr>
+          </a:lstStyle>
+          <a:p>
+            <a:pPr algn="r">
+              <a:lnSpc>
+                <a:spcPct val="100000"/>
+              </a:lnSpc>
+              <a:buNone/>
+              <a:tabLst>
+                <a:tab pos="0" algn="l"/>
+              </a:tabLst>
+            </a:pPr>
+            <a:fld id="{F1974EC4-68EB-45C8-A197-A860EB4D25E8}" type="slidenum">
+              <a:rPr lang="it" sz="1000" b="0" strike="noStrike" spc="-1">
+                <a:solidFill>
+                  <a:srgbClr val="595959"/>
+                </a:solidFill>
+                <a:latin typeface="Arial"/>
+                <a:ea typeface="Arial"/>
+              </a:rPr>
               <a:t>22</a:t>
             </a:fld>
             <a:endParaRPr lang="it-IT" sz="1000" b="0" strike="noStrike" spc="-1">
@@ -15629,7 +15772,632 @@
           </a:p>
         </p:txBody>
       </p:sp>
+      <p:sp>
+        <p:nvSpPr>
+          <p:cNvPr id="5" name="CasellaDiTesto 4">
+            <a:extLst>
+              <a:ext uri="{FF2B5EF4-FFF2-40B4-BE49-F238E27FC236}">
+                <a16:creationId xmlns:a16="http://schemas.microsoft.com/office/drawing/2014/main" id="{654DC5D3-954B-DA47-8F5D-D2825032294C}"/>
+              </a:ext>
+            </a:extLst>
+          </p:cNvPr>
+          <p:cNvSpPr txBox="1"/>
+          <p:nvPr/>
+        </p:nvSpPr>
+        <p:spPr>
+          <a:xfrm>
+            <a:off x="702427" y="944432"/>
+            <a:ext cx="7738783" cy="1600438"/>
+          </a:xfrm>
+          <a:prstGeom prst="rect">
+            <a:avLst/>
+          </a:prstGeom>
+          <a:noFill/>
+        </p:spPr>
+        <p:txBody>
+          <a:bodyPr wrap="square" rtlCol="0">
+            <a:spAutoFit/>
+          </a:bodyPr>
+          <a:lstStyle/>
+          <a:p>
+            <a:pPr marL="342900" indent="-342900">
+              <a:buFont typeface="+mj-lt"/>
+              <a:buAutoNum type="arabicPeriod"/>
+            </a:pPr>
+            <a:r>
+              <a:rPr lang="it-IT" sz="1400" dirty="0"/>
+              <a:t>F. </a:t>
+            </a:r>
+            <a:r>
+              <a:rPr lang="it-IT" sz="1400" dirty="0" err="1"/>
+              <a:t>Chollet</a:t>
+            </a:r>
+            <a:r>
+              <a:rPr lang="it-IT" sz="1400" dirty="0"/>
+              <a:t>, </a:t>
+            </a:r>
+            <a:r>
+              <a:rPr lang="it-IT" sz="1400" i="1" dirty="0" err="1"/>
+              <a:t>Keras</a:t>
+            </a:r>
+            <a:r>
+              <a:rPr lang="it-IT" sz="1400" dirty="0"/>
+              <a:t>, GitHub,</a:t>
+            </a:r>
+            <a:r>
+              <a:rPr lang="it-IT" sz="1400" spc="-1" dirty="0">
+                <a:solidFill>
+                  <a:srgbClr val="000000"/>
+                </a:solidFill>
+                <a:latin typeface="Arial"/>
+              </a:rPr>
+              <a:t> </a:t>
+            </a:r>
+            <a:r>
+              <a:rPr lang="it-IT" sz="1400" spc="-1" dirty="0">
+                <a:solidFill>
+                  <a:srgbClr val="000000"/>
+                </a:solidFill>
+                <a:latin typeface="Arial"/>
+                <a:hlinkClick r:id="rId2"/>
+              </a:rPr>
+              <a:t>GitHub Repository</a:t>
+            </a:r>
+            <a:r>
+              <a:rPr lang="it-IT" sz="1400" dirty="0"/>
+              <a:t>, (2015) </a:t>
+            </a:r>
+            <a:r>
+              <a:rPr lang="it-IT" sz="1400" dirty="0" err="1"/>
+              <a:t>version</a:t>
+            </a:r>
+            <a:r>
+              <a:rPr lang="it-IT" sz="1400" dirty="0"/>
+              <a:t> </a:t>
+            </a:r>
+            <a:r>
+              <a:rPr lang="it-IT" sz="1400" dirty="0">
+                <a:hlinkClick r:id="rId3"/>
+              </a:rPr>
+              <a:t>3.0.2</a:t>
+            </a:r>
+            <a:endParaRPr lang="it-IT" sz="1400" dirty="0"/>
+          </a:p>
+          <a:p>
+            <a:pPr marL="342900" indent="-342900">
+              <a:buFont typeface="+mj-lt"/>
+              <a:buAutoNum type="arabicPeriod"/>
+            </a:pPr>
+            <a:r>
+              <a:rPr lang="it-IT" sz="1400" spc="-1" dirty="0">
+                <a:solidFill>
+                  <a:srgbClr val="000000"/>
+                </a:solidFill>
+                <a:latin typeface="Arial"/>
+              </a:rPr>
+              <a:t>M. Abadi, A. </a:t>
+            </a:r>
+            <a:r>
+              <a:rPr lang="it-IT" sz="1400" spc="-1" dirty="0" err="1">
+                <a:solidFill>
+                  <a:srgbClr val="000000"/>
+                </a:solidFill>
+                <a:latin typeface="Arial"/>
+              </a:rPr>
+              <a:t>Agarwal</a:t>
+            </a:r>
+            <a:r>
+              <a:rPr lang="it-IT" sz="1400" spc="-1" dirty="0">
+                <a:solidFill>
+                  <a:srgbClr val="000000"/>
+                </a:solidFill>
+                <a:latin typeface="Arial"/>
+              </a:rPr>
+              <a:t> et al., 2015, </a:t>
+            </a:r>
+            <a:r>
+              <a:rPr lang="it-IT" sz="1400" i="1" spc="-1" dirty="0" err="1">
+                <a:solidFill>
+                  <a:srgbClr val="000000"/>
+                </a:solidFill>
+                <a:latin typeface="Arial"/>
+              </a:rPr>
+              <a:t>Ten</a:t>
+            </a:r>
+            <a:r>
+              <a:rPr kumimoji="0" lang="it-IT" altLang="it-IT" sz="1400" b="0" i="1" u="none" strike="noStrike" cap="none" normalizeH="0" baseline="0" dirty="0" err="1">
+                <a:ln>
+                  <a:noFill/>
+                </a:ln>
+                <a:solidFill>
+                  <a:schemeClr val="tx1"/>
+                </a:solidFill>
+                <a:effectLst/>
+                <a:latin typeface="Arial Unicode MS"/>
+              </a:rPr>
+              <a:t>sorFlow</a:t>
+            </a:r>
+            <a:r>
+              <a:rPr kumimoji="0" lang="it-IT" altLang="it-IT" sz="1400" b="0" i="1" u="none" strike="noStrike" cap="none" normalizeH="0" baseline="0" dirty="0">
+                <a:ln>
+                  <a:noFill/>
+                </a:ln>
+                <a:solidFill>
+                  <a:schemeClr val="tx1"/>
+                </a:solidFill>
+                <a:effectLst/>
+                <a:latin typeface="Arial Unicode MS"/>
+              </a:rPr>
+              <a:t>: Large-scale machine learning on </a:t>
+            </a:r>
+            <a:r>
+              <a:rPr kumimoji="0" lang="it-IT" altLang="it-IT" sz="1400" b="0" i="1" u="none" strike="noStrike" cap="none" normalizeH="0" baseline="0" dirty="0" err="1">
+                <a:ln>
+                  <a:noFill/>
+                </a:ln>
+                <a:solidFill>
+                  <a:schemeClr val="tx1"/>
+                </a:solidFill>
+                <a:effectLst/>
+                <a:latin typeface="Arial Unicode MS"/>
+              </a:rPr>
+              <a:t>heterogeneous</a:t>
+            </a:r>
+            <a:r>
+              <a:rPr kumimoji="0" lang="it-IT" altLang="it-IT" sz="1400" b="0" i="1" u="none" strike="noStrike" cap="none" normalizeH="0" baseline="0" dirty="0">
+                <a:ln>
+                  <a:noFill/>
+                </a:ln>
+                <a:solidFill>
+                  <a:schemeClr val="tx1"/>
+                </a:solidFill>
+                <a:effectLst/>
+                <a:latin typeface="Arial Unicode MS"/>
+              </a:rPr>
+              <a:t> systems</a:t>
+            </a:r>
+            <a:r>
+              <a:rPr kumimoji="0" lang="it-IT" altLang="it-IT" sz="1400" b="0" i="0" u="none" strike="noStrike" cap="none" normalizeH="0" baseline="0" dirty="0">
+                <a:ln>
+                  <a:noFill/>
+                </a:ln>
+                <a:solidFill>
+                  <a:schemeClr val="tx1"/>
+                </a:solidFill>
+                <a:effectLst/>
+                <a:latin typeface="Arial Unicode MS"/>
+              </a:rPr>
+              <a:t>. </a:t>
+            </a:r>
+            <a:r>
+              <a:rPr kumimoji="0" lang="it-IT" altLang="it-IT" sz="1400" b="0" i="0" u="none" strike="noStrike" cap="none" normalizeH="0" baseline="0" dirty="0">
+                <a:ln>
+                  <a:noFill/>
+                </a:ln>
+                <a:solidFill>
+                  <a:schemeClr val="tx1"/>
+                </a:solidFill>
+                <a:effectLst/>
+                <a:latin typeface="Arial Unicode MS"/>
+                <a:hlinkClick r:id="rId4"/>
+              </a:rPr>
+              <a:t>www.tensorflow.org</a:t>
+            </a:r>
+            <a:endParaRPr kumimoji="0" lang="it-IT" altLang="it-IT" sz="1400" b="0" i="0" u="none" strike="noStrike" cap="none" spc="-1" normalizeH="0" baseline="0" dirty="0">
+              <a:ln>
+                <a:noFill/>
+              </a:ln>
+              <a:solidFill>
+                <a:srgbClr val="000000"/>
+              </a:solidFill>
+              <a:effectLst/>
+              <a:latin typeface="Arial"/>
+            </a:endParaRPr>
+          </a:p>
+          <a:p>
+            <a:pPr marL="342900" indent="-342900">
+              <a:buFont typeface="+mj-lt"/>
+              <a:buAutoNum type="arabicPeriod"/>
+            </a:pPr>
+            <a:r>
+              <a:rPr lang="it-IT" sz="1400" spc="-1" dirty="0">
+                <a:solidFill>
+                  <a:srgbClr val="000000"/>
+                </a:solidFill>
+                <a:latin typeface="Arial"/>
+              </a:rPr>
+              <a:t>F. </a:t>
+            </a:r>
+            <a:r>
+              <a:rPr lang="it-IT" sz="1400" spc="-1" dirty="0" err="1">
+                <a:solidFill>
+                  <a:srgbClr val="000000"/>
+                </a:solidFill>
+                <a:latin typeface="Arial"/>
+              </a:rPr>
+              <a:t>Pedergosa</a:t>
+            </a:r>
+            <a:r>
+              <a:rPr lang="it-IT" sz="1400" spc="-1" dirty="0">
+                <a:solidFill>
+                  <a:srgbClr val="000000"/>
+                </a:solidFill>
+                <a:latin typeface="Arial"/>
+              </a:rPr>
+              <a:t>, G. </a:t>
+            </a:r>
+            <a:r>
+              <a:rPr lang="it-IT" sz="1400" spc="-1" dirty="0" err="1">
+                <a:solidFill>
+                  <a:srgbClr val="000000"/>
+                </a:solidFill>
+                <a:latin typeface="Arial"/>
+              </a:rPr>
+              <a:t>Varoquaux</a:t>
+            </a:r>
+            <a:r>
+              <a:rPr lang="it-IT" sz="1400" spc="-1" dirty="0">
+                <a:solidFill>
+                  <a:srgbClr val="000000"/>
+                </a:solidFill>
+                <a:latin typeface="Arial"/>
+              </a:rPr>
+              <a:t> et al, </a:t>
+            </a:r>
+            <a:r>
+              <a:rPr lang="it-IT" sz="1400" i="1" spc="-1" dirty="0" err="1">
+                <a:solidFill>
+                  <a:srgbClr val="000000"/>
+                </a:solidFill>
+                <a:latin typeface="Arial"/>
+              </a:rPr>
+              <a:t>Scikit-learn</a:t>
+            </a:r>
+            <a:r>
+              <a:rPr lang="it-IT" sz="1400" i="1" spc="-1" dirty="0">
+                <a:solidFill>
+                  <a:srgbClr val="000000"/>
+                </a:solidFill>
+                <a:latin typeface="Arial"/>
+              </a:rPr>
+              <a:t>: Machine Learning in Python</a:t>
+            </a:r>
+            <a:r>
+              <a:rPr lang="it-IT" sz="1400" spc="-1" dirty="0">
+                <a:solidFill>
+                  <a:srgbClr val="000000"/>
+                </a:solidFill>
+                <a:latin typeface="Arial"/>
+              </a:rPr>
+              <a:t>, JMLR, 12(</a:t>
+            </a:r>
+            <a:r>
+              <a:rPr lang="it-IT" sz="1400" spc="-1" dirty="0" err="1">
+                <a:solidFill>
+                  <a:srgbClr val="000000"/>
+                </a:solidFill>
+                <a:latin typeface="Arial"/>
+              </a:rPr>
+              <a:t>Oct</a:t>
+            </a:r>
+            <a:r>
+              <a:rPr lang="it-IT" sz="1400" spc="-1" dirty="0">
+                <a:solidFill>
+                  <a:srgbClr val="000000"/>
+                </a:solidFill>
+                <a:latin typeface="Arial"/>
+              </a:rPr>
+              <a:t>), (2011), pp.2825-2830 </a:t>
+            </a:r>
+          </a:p>
+          <a:p>
+            <a:pPr marL="342900" indent="-342900">
+              <a:buFont typeface="+mj-lt"/>
+              <a:buAutoNum type="arabicPeriod"/>
+            </a:pPr>
+            <a:r>
+              <a:rPr lang="it-IT" sz="1400" dirty="0"/>
+              <a:t>T. </a:t>
+            </a:r>
+            <a:r>
+              <a:rPr lang="it-IT" sz="1400" dirty="0" err="1"/>
+              <a:t>Akiba</a:t>
+            </a:r>
+            <a:r>
+              <a:rPr lang="it-IT" sz="1400" dirty="0"/>
+              <a:t>, S. Sano, T. </a:t>
+            </a:r>
+            <a:r>
+              <a:rPr lang="it-IT" sz="1400" dirty="0" err="1"/>
+              <a:t>Yanase</a:t>
+            </a:r>
+            <a:r>
+              <a:rPr lang="it-IT" sz="1400" dirty="0"/>
+              <a:t>, T. </a:t>
+            </a:r>
+            <a:r>
+              <a:rPr lang="it-IT" sz="1400" dirty="0" err="1"/>
+              <a:t>Ohta</a:t>
+            </a:r>
+            <a:r>
+              <a:rPr lang="it-IT" sz="1400" dirty="0"/>
+              <a:t>, M. </a:t>
+            </a:r>
+            <a:r>
+              <a:rPr lang="it-IT" sz="1400" dirty="0" err="1"/>
+              <a:t>Koyama</a:t>
+            </a:r>
+            <a:r>
+              <a:rPr lang="it-IT" sz="1400" dirty="0"/>
+              <a:t>, </a:t>
+            </a:r>
+            <a:r>
+              <a:rPr lang="it-IT" sz="1400" i="1" dirty="0" err="1"/>
+              <a:t>Optuna</a:t>
+            </a:r>
+            <a:r>
+              <a:rPr lang="it-IT" sz="1400" i="1" dirty="0"/>
+              <a:t>: A Next-generation </a:t>
+            </a:r>
+            <a:r>
+              <a:rPr lang="it-IT" sz="1400" i="1" dirty="0" err="1"/>
+              <a:t>Hyperparameter</a:t>
+            </a:r>
+            <a:r>
+              <a:rPr lang="it-IT" sz="1400" i="1" dirty="0"/>
+              <a:t> </a:t>
+            </a:r>
+            <a:r>
+              <a:rPr lang="it-IT" sz="1400" i="1" dirty="0" err="1"/>
+              <a:t>Optimization</a:t>
+            </a:r>
+            <a:r>
+              <a:rPr lang="it-IT" sz="1400" i="1" dirty="0"/>
+              <a:t> Framework</a:t>
+            </a:r>
+            <a:r>
+              <a:rPr lang="it-IT" sz="1400" dirty="0"/>
+              <a:t>, KDD, (2019), pp.2623-2631</a:t>
+            </a:r>
+          </a:p>
+        </p:txBody>
+      </p:sp>
+      <p:sp>
+        <p:nvSpPr>
+          <p:cNvPr id="6" name="CasellaDiTesto 5">
+            <a:extLst>
+              <a:ext uri="{FF2B5EF4-FFF2-40B4-BE49-F238E27FC236}">
+                <a16:creationId xmlns:a16="http://schemas.microsoft.com/office/drawing/2014/main" id="{304B3224-8AD6-EBFB-578E-76DA67AAD1D4}"/>
+              </a:ext>
+            </a:extLst>
+          </p:cNvPr>
+          <p:cNvSpPr txBox="1"/>
+          <p:nvPr/>
+        </p:nvSpPr>
+        <p:spPr>
+          <a:xfrm>
+            <a:off x="702427" y="575100"/>
+            <a:ext cx="7738783" cy="369332"/>
+          </a:xfrm>
+          <a:prstGeom prst="rect">
+            <a:avLst/>
+          </a:prstGeom>
+          <a:noFill/>
+        </p:spPr>
+        <p:txBody>
+          <a:bodyPr wrap="square" rtlCol="0">
+            <a:spAutoFit/>
+          </a:bodyPr>
+          <a:lstStyle/>
+          <a:p>
+            <a:r>
+              <a:rPr lang="it-IT" dirty="0" err="1"/>
+              <a:t>Main</a:t>
+            </a:r>
+            <a:r>
+              <a:rPr lang="it-IT" dirty="0"/>
+              <a:t> libraries and software tools </a:t>
+            </a:r>
+            <a:r>
+              <a:rPr lang="it-IT" dirty="0" err="1"/>
+              <a:t>used</a:t>
+            </a:r>
+            <a:r>
+              <a:rPr lang="it-IT" dirty="0"/>
+              <a:t> for </a:t>
+            </a:r>
+            <a:r>
+              <a:rPr lang="it-IT" dirty="0" err="1"/>
+              <a:t>this</a:t>
+            </a:r>
+            <a:r>
+              <a:rPr lang="it-IT" dirty="0"/>
+              <a:t> project:</a:t>
+            </a:r>
+          </a:p>
+        </p:txBody>
+      </p:sp>
+      <p:sp>
+        <p:nvSpPr>
+          <p:cNvPr id="2" name="CasellaDiTesto 1">
+            <a:extLst>
+              <a:ext uri="{FF2B5EF4-FFF2-40B4-BE49-F238E27FC236}">
+                <a16:creationId xmlns:a16="http://schemas.microsoft.com/office/drawing/2014/main" id="{F04819BF-A96F-A9B0-EADB-B6E080EAD083}"/>
+              </a:ext>
+            </a:extLst>
+          </p:cNvPr>
+          <p:cNvSpPr txBox="1"/>
+          <p:nvPr/>
+        </p:nvSpPr>
+        <p:spPr>
+          <a:xfrm>
+            <a:off x="702426" y="3244638"/>
+            <a:ext cx="7738783" cy="369332"/>
+          </a:xfrm>
+          <a:prstGeom prst="rect">
+            <a:avLst/>
+          </a:prstGeom>
+          <a:noFill/>
+        </p:spPr>
+        <p:txBody>
+          <a:bodyPr wrap="square" rtlCol="0">
+            <a:spAutoFit/>
+          </a:bodyPr>
+          <a:lstStyle/>
+          <a:p>
+            <a:r>
+              <a:rPr lang="it-IT" dirty="0" err="1"/>
+              <a:t>Documentation</a:t>
+            </a:r>
+            <a:r>
+              <a:rPr lang="it-IT" dirty="0"/>
+              <a:t> of </a:t>
+            </a:r>
+            <a:r>
+              <a:rPr lang="it-IT" dirty="0" err="1"/>
+              <a:t>main</a:t>
+            </a:r>
+            <a:r>
+              <a:rPr lang="it-IT" dirty="0"/>
+              <a:t> libraries and software tools </a:t>
+            </a:r>
+            <a:r>
+              <a:rPr lang="it-IT" dirty="0" err="1"/>
+              <a:t>used</a:t>
+            </a:r>
+            <a:r>
+              <a:rPr lang="it-IT" dirty="0"/>
+              <a:t> for </a:t>
+            </a:r>
+            <a:r>
+              <a:rPr lang="it-IT" dirty="0" err="1"/>
+              <a:t>this</a:t>
+            </a:r>
+            <a:r>
+              <a:rPr lang="it-IT" dirty="0"/>
+              <a:t> project:</a:t>
+            </a:r>
+          </a:p>
+        </p:txBody>
+      </p:sp>
+      <p:sp>
+        <p:nvSpPr>
+          <p:cNvPr id="3" name="CasellaDiTesto 2">
+            <a:extLst>
+              <a:ext uri="{FF2B5EF4-FFF2-40B4-BE49-F238E27FC236}">
+                <a16:creationId xmlns:a16="http://schemas.microsoft.com/office/drawing/2014/main" id="{C6FDCFC4-2D63-71BA-90AE-2B88AEF84FF3}"/>
+              </a:ext>
+            </a:extLst>
+          </p:cNvPr>
+          <p:cNvSpPr txBox="1"/>
+          <p:nvPr/>
+        </p:nvSpPr>
+        <p:spPr>
+          <a:xfrm>
+            <a:off x="702425" y="3613970"/>
+            <a:ext cx="7738783" cy="738664"/>
+          </a:xfrm>
+          <a:prstGeom prst="rect">
+            <a:avLst/>
+          </a:prstGeom>
+          <a:noFill/>
+        </p:spPr>
+        <p:txBody>
+          <a:bodyPr wrap="square" numCol="2" rtlCol="0">
+            <a:spAutoFit/>
+          </a:bodyPr>
+          <a:lstStyle/>
+          <a:p>
+            <a:pPr marL="342900" indent="-342900">
+              <a:buFont typeface="+mj-lt"/>
+              <a:buAutoNum type="arabicPeriod" startAt="5"/>
+            </a:pPr>
+            <a:r>
+              <a:rPr lang="it-IT" sz="1400" dirty="0" err="1"/>
+              <a:t>Keras</a:t>
+            </a:r>
+            <a:r>
+              <a:rPr lang="it-IT" sz="1400" dirty="0"/>
+              <a:t> 3 </a:t>
+            </a:r>
+            <a:r>
+              <a:rPr lang="it-IT" sz="1400" dirty="0" err="1">
+                <a:hlinkClick r:id="rId5"/>
+              </a:rPr>
+              <a:t>documentation</a:t>
+            </a:r>
+            <a:endParaRPr lang="it-IT" sz="1400" dirty="0"/>
+          </a:p>
+          <a:p>
+            <a:pPr marL="342900" indent="-342900">
+              <a:buFont typeface="+mj-lt"/>
+              <a:buAutoNum type="arabicPeriod" startAt="5"/>
+            </a:pPr>
+            <a:r>
+              <a:rPr lang="it-IT" sz="1400" dirty="0" err="1"/>
+              <a:t>Scikit-learn</a:t>
+            </a:r>
+            <a:r>
+              <a:rPr lang="it-IT" sz="1400" dirty="0"/>
+              <a:t> </a:t>
+            </a:r>
+            <a:r>
+              <a:rPr lang="it-IT" sz="1400" dirty="0">
+                <a:hlinkClick r:id="rId6"/>
+              </a:rPr>
+              <a:t>API </a:t>
+            </a:r>
+            <a:r>
+              <a:rPr lang="it-IT" sz="1400" dirty="0" err="1">
+                <a:hlinkClick r:id="rId6"/>
+              </a:rPr>
+              <a:t>reference</a:t>
+            </a:r>
+            <a:endParaRPr lang="it-IT" sz="1400" dirty="0"/>
+          </a:p>
+          <a:p>
+            <a:pPr marL="342900" indent="-342900">
+              <a:buFont typeface="+mj-lt"/>
+              <a:buAutoNum type="arabicPeriod" startAt="5"/>
+            </a:pPr>
+            <a:r>
+              <a:rPr lang="it-IT" sz="1400" dirty="0" err="1"/>
+              <a:t>SciKeras</a:t>
+            </a:r>
+            <a:r>
+              <a:rPr lang="it-IT" sz="1400" dirty="0"/>
+              <a:t> 0.12 </a:t>
+            </a:r>
+            <a:r>
+              <a:rPr lang="it-IT" sz="1400" dirty="0" err="1">
+                <a:hlinkClick r:id="rId7"/>
+              </a:rPr>
+              <a:t>documentation</a:t>
+            </a:r>
+            <a:endParaRPr lang="it-IT" sz="1400" dirty="0"/>
+          </a:p>
+          <a:p>
+            <a:pPr marL="342900" indent="-342900">
+              <a:buFont typeface="+mj-lt"/>
+              <a:buAutoNum type="arabicPeriod" startAt="5"/>
+            </a:pPr>
+            <a:endParaRPr lang="it-IT" sz="1400" dirty="0"/>
+          </a:p>
+          <a:p>
+            <a:pPr marL="342900" indent="-342900">
+              <a:buFont typeface="+mj-lt"/>
+              <a:buAutoNum type="arabicPeriod" startAt="5"/>
+            </a:pPr>
+            <a:endParaRPr lang="it-IT" sz="1400" dirty="0"/>
+          </a:p>
+        </p:txBody>
+      </p:sp>
     </p:spTree>
+    <p:extLst>
+      <p:ext uri="{BB962C8B-B14F-4D97-AF65-F5344CB8AC3E}">
+        <p14:creationId xmlns:p14="http://schemas.microsoft.com/office/powerpoint/2010/main" val="3814474243"/>
+      </p:ext>
+    </p:extLst>
   </p:cSld>
   <p:clrMapOvr>
     <a:masterClrMapping/>
@@ -15700,7 +16468,17 @@
                 <a:latin typeface="Arial"/>
                 <a:ea typeface="Arial"/>
               </a:rPr>
-              <a:t>Bibliography – 1</a:t>
+              <a:t>Bibliography</a:t>
+            </a:r>
+            <a:r>
+              <a:rPr lang="it" sz="2600" spc="-1" dirty="0">
+                <a:solidFill>
+                  <a:srgbClr val="000000"/>
+                </a:solidFill>
+                <a:latin typeface="Arial"/>
+                <a:ea typeface="Arial"/>
+              </a:rPr>
+              <a:t> – 2 </a:t>
             </a:r>
             <a:endParaRPr lang="it-IT" sz="2800" b="0" strike="noStrike" spc="-1" dirty="0">
               <a:solidFill>
@@ -15796,794 +16574,6 @@
         </p:nvSpPr>
         <p:spPr>
           <a:xfrm>
-            <a:off x="702427" y="944432"/>
-            <a:ext cx="7738783" cy="1600438"/>
-          </a:xfrm>
-          <a:prstGeom prst="rect">
-            <a:avLst/>
-          </a:prstGeom>
-          <a:noFill/>
-        </p:spPr>
-        <p:txBody>
-          <a:bodyPr wrap="square" rtlCol="0">
-            <a:spAutoFit/>
-          </a:bodyPr>
-          <a:lstStyle/>
-          <a:p>
-            <a:pPr marL="342900" indent="-342900">
-              <a:buFont typeface="+mj-lt"/>
-              <a:buAutoNum type="arabicPeriod"/>
-            </a:pPr>
-            <a:r>
-              <a:rPr lang="it-IT" sz="1400" dirty="0"/>
-              <a:t>F. </a:t>
-            </a:r>
-            <a:r>
-              <a:rPr lang="it-IT" sz="1400" dirty="0" err="1"/>
-              <a:t>Chollet</a:t>
-            </a:r>
-            <a:r>
-              <a:rPr lang="it-IT" sz="1400" dirty="0"/>
-              <a:t>, </a:t>
-            </a:r>
-            <a:r>
-              <a:rPr lang="it-IT" sz="1400" i="1" dirty="0" err="1"/>
-              <a:t>Keras</a:t>
-            </a:r>
-            <a:r>
-              <a:rPr lang="it-IT" sz="1400" dirty="0"/>
-              <a:t>, GitHub,</a:t>
-            </a:r>
-            <a:r>
-              <a:rPr lang="it-IT" sz="1400" spc="-1" dirty="0">
-                <a:solidFill>
-                  <a:srgbClr val="000000"/>
-                </a:solidFill>
-                <a:latin typeface="Arial"/>
-              </a:rPr>
-              <a:t> </a:t>
-            </a:r>
-            <a:r>
-              <a:rPr lang="it-IT" sz="1400" spc="-1" dirty="0">
-                <a:solidFill>
-                  <a:srgbClr val="000000"/>
-                </a:solidFill>
-                <a:latin typeface="Arial"/>
-                <a:hlinkClick r:id="rId2"/>
-              </a:rPr>
-              <a:t>GitHub Repository</a:t>
-            </a:r>
-            <a:r>
-              <a:rPr lang="it-IT" sz="1400" dirty="0"/>
-              <a:t>, (2015) </a:t>
-            </a:r>
-            <a:r>
-              <a:rPr lang="it-IT" sz="1400" dirty="0" err="1"/>
-              <a:t>version</a:t>
-            </a:r>
-            <a:r>
-              <a:rPr lang="it-IT" sz="1400" dirty="0"/>
-              <a:t> </a:t>
-            </a:r>
-            <a:r>
-              <a:rPr lang="it-IT" sz="1400" dirty="0">
-                <a:hlinkClick r:id="rId3"/>
-              </a:rPr>
-              <a:t>3.0.2</a:t>
-            </a:r>
-            <a:endParaRPr lang="it-IT" sz="1400" dirty="0"/>
-          </a:p>
-          <a:p>
-            <a:pPr marL="342900" indent="-342900">
-              <a:buFont typeface="+mj-lt"/>
-              <a:buAutoNum type="arabicPeriod"/>
-            </a:pPr>
-            <a:r>
-              <a:rPr lang="it-IT" sz="1400" spc="-1" dirty="0">
-                <a:solidFill>
-                  <a:srgbClr val="000000"/>
-                </a:solidFill>
-                <a:latin typeface="Arial"/>
-              </a:rPr>
-              <a:t>M. Abadi, A. </a:t>
-            </a:r>
-            <a:r>
-              <a:rPr lang="it-IT" sz="1400" spc="-1" dirty="0" err="1">
-                <a:solidFill>
-                  <a:srgbClr val="000000"/>
-                </a:solidFill>
-                <a:latin typeface="Arial"/>
-              </a:rPr>
-              <a:t>Agarwal</a:t>
-            </a:r>
-            <a:r>
-              <a:rPr lang="it-IT" sz="1400" spc="-1" dirty="0">
-                <a:solidFill>
-                  <a:srgbClr val="000000"/>
-                </a:solidFill>
-                <a:latin typeface="Arial"/>
-              </a:rPr>
-              <a:t> et al., 2015, </a:t>
-            </a:r>
-            <a:r>
-              <a:rPr lang="it-IT" sz="1400" i="1" spc="-1" dirty="0" err="1">
-                <a:solidFill>
-                  <a:srgbClr val="000000"/>
-                </a:solidFill>
-                <a:latin typeface="Arial"/>
-              </a:rPr>
-              <a:t>Ten</a:t>
-            </a:r>
-            <a:r>
-              <a:rPr kumimoji="0" lang="it-IT" altLang="it-IT" sz="1400" b="0" i="1" u="none" strike="noStrike" cap="none" normalizeH="0" baseline="0" dirty="0" err="1">
-                <a:ln>
-                  <a:noFill/>
-                </a:ln>
-                <a:solidFill>
-                  <a:schemeClr val="tx1"/>
-                </a:solidFill>
-                <a:effectLst/>
-                <a:latin typeface="Arial Unicode MS"/>
-              </a:rPr>
-              <a:t>sorFlow</a:t>
-            </a:r>
-            <a:r>
-              <a:rPr kumimoji="0" lang="it-IT" altLang="it-IT" sz="1400" b="0" i="1" u="none" strike="noStrike" cap="none" normalizeH="0" baseline="0" dirty="0">
-                <a:ln>
-                  <a:noFill/>
-                </a:ln>
-                <a:solidFill>
-                  <a:schemeClr val="tx1"/>
-                </a:solidFill>
-                <a:effectLst/>
-                <a:latin typeface="Arial Unicode MS"/>
-              </a:rPr>
-              <a:t>: Large-scale machine learning on </a:t>
-            </a:r>
-            <a:r>
-              <a:rPr kumimoji="0" lang="it-IT" altLang="it-IT" sz="1400" b="0" i="1" u="none" strike="noStrike" cap="none" normalizeH="0" baseline="0" dirty="0" err="1">
-                <a:ln>
-                  <a:noFill/>
-                </a:ln>
-                <a:solidFill>
-                  <a:schemeClr val="tx1"/>
-                </a:solidFill>
-                <a:effectLst/>
-                <a:latin typeface="Arial Unicode MS"/>
-              </a:rPr>
-              <a:t>heterogeneous</a:t>
-            </a:r>
-            <a:r>
-              <a:rPr kumimoji="0" lang="it-IT" altLang="it-IT" sz="1400" b="0" i="1" u="none" strike="noStrike" cap="none" normalizeH="0" baseline="0" dirty="0">
-                <a:ln>
-                  <a:noFill/>
-                </a:ln>
-                <a:solidFill>
-                  <a:schemeClr val="tx1"/>
-                </a:solidFill>
-                <a:effectLst/>
-                <a:latin typeface="Arial Unicode MS"/>
-              </a:rPr>
-              <a:t> systems</a:t>
-            </a:r>
-            <a:r>
-              <a:rPr kumimoji="0" lang="it-IT" altLang="it-IT" sz="1400" b="0" i="0" u="none" strike="noStrike" cap="none" normalizeH="0" baseline="0" dirty="0">
-                <a:ln>
-                  <a:noFill/>
-                </a:ln>
-                <a:solidFill>
-                  <a:schemeClr val="tx1"/>
-                </a:solidFill>
-                <a:effectLst/>
-                <a:latin typeface="Arial Unicode MS"/>
-              </a:rPr>
-              <a:t>. </a:t>
-            </a:r>
-            <a:r>
-              <a:rPr kumimoji="0" lang="it-IT" altLang="it-IT" sz="1400" b="0" i="0" u="none" strike="noStrike" cap="none" normalizeH="0" baseline="0" dirty="0">
-                <a:ln>
-                  <a:noFill/>
-                </a:ln>
-                <a:solidFill>
-                  <a:schemeClr val="tx1"/>
-                </a:solidFill>
-                <a:effectLst/>
-                <a:latin typeface="Arial Unicode MS"/>
-                <a:hlinkClick r:id="rId4"/>
-              </a:rPr>
-              <a:t>www.tensorflow.org</a:t>
-            </a:r>
-            <a:endParaRPr kumimoji="0" lang="it-IT" altLang="it-IT" sz="1400" b="0" i="0" u="none" strike="noStrike" cap="none" spc="-1" normalizeH="0" baseline="0" dirty="0">
-              <a:ln>
-                <a:noFill/>
-              </a:ln>
-              <a:solidFill>
-                <a:srgbClr val="000000"/>
-              </a:solidFill>
-              <a:effectLst/>
-              <a:latin typeface="Arial"/>
-            </a:endParaRPr>
-          </a:p>
-          <a:p>
-            <a:pPr marL="342900" indent="-342900">
-              <a:buFont typeface="+mj-lt"/>
-              <a:buAutoNum type="arabicPeriod"/>
-            </a:pPr>
-            <a:r>
-              <a:rPr lang="it-IT" sz="1400" spc="-1" dirty="0">
-                <a:solidFill>
-                  <a:srgbClr val="000000"/>
-                </a:solidFill>
-                <a:latin typeface="Arial"/>
-              </a:rPr>
-              <a:t>F. </a:t>
-            </a:r>
-            <a:r>
-              <a:rPr lang="it-IT" sz="1400" spc="-1" dirty="0" err="1">
-                <a:solidFill>
-                  <a:srgbClr val="000000"/>
-                </a:solidFill>
-                <a:latin typeface="Arial"/>
-              </a:rPr>
-              <a:t>Pedergosa</a:t>
-            </a:r>
-            <a:r>
-              <a:rPr lang="it-IT" sz="1400" spc="-1" dirty="0">
-                <a:solidFill>
-                  <a:srgbClr val="000000"/>
-                </a:solidFill>
-                <a:latin typeface="Arial"/>
-              </a:rPr>
-              <a:t>, G. </a:t>
-            </a:r>
-            <a:r>
-              <a:rPr lang="it-IT" sz="1400" spc="-1" dirty="0" err="1">
-                <a:solidFill>
-                  <a:srgbClr val="000000"/>
-                </a:solidFill>
-                <a:latin typeface="Arial"/>
-              </a:rPr>
-              <a:t>Varoquaux</a:t>
-            </a:r>
-            <a:r>
-              <a:rPr lang="it-IT" sz="1400" spc="-1" dirty="0">
-                <a:solidFill>
-                  <a:srgbClr val="000000"/>
-                </a:solidFill>
-                <a:latin typeface="Arial"/>
-              </a:rPr>
-              <a:t> et al, </a:t>
-            </a:r>
-            <a:r>
-              <a:rPr lang="it-IT" sz="1400" i="1" spc="-1" dirty="0" err="1">
-                <a:solidFill>
-                  <a:srgbClr val="000000"/>
-                </a:solidFill>
-                <a:latin typeface="Arial"/>
-              </a:rPr>
-              <a:t>Scikit-learn</a:t>
-            </a:r>
-            <a:r>
-              <a:rPr lang="it-IT" sz="1400" i="1" spc="-1" dirty="0">
-                <a:solidFill>
-                  <a:srgbClr val="000000"/>
-                </a:solidFill>
-                <a:latin typeface="Arial"/>
-              </a:rPr>
-              <a:t>: Machine Learning in Python</a:t>
-            </a:r>
-            <a:r>
-              <a:rPr lang="it-IT" sz="1400" spc="-1" dirty="0">
-                <a:solidFill>
-                  <a:srgbClr val="000000"/>
-                </a:solidFill>
-                <a:latin typeface="Arial"/>
-              </a:rPr>
-              <a:t>, JMLR, 12(</a:t>
-            </a:r>
-            <a:r>
-              <a:rPr lang="it-IT" sz="1400" spc="-1" dirty="0" err="1">
-                <a:solidFill>
-                  <a:srgbClr val="000000"/>
-                </a:solidFill>
-                <a:latin typeface="Arial"/>
-              </a:rPr>
-              <a:t>Oct</a:t>
-            </a:r>
-            <a:r>
-              <a:rPr lang="it-IT" sz="1400" spc="-1" dirty="0">
-                <a:solidFill>
-                  <a:srgbClr val="000000"/>
-                </a:solidFill>
-                <a:latin typeface="Arial"/>
-              </a:rPr>
-              <a:t>), (2011), pp.2825-2830 </a:t>
-            </a:r>
-          </a:p>
-          <a:p>
-            <a:pPr marL="342900" indent="-342900">
-              <a:buFont typeface="+mj-lt"/>
-              <a:buAutoNum type="arabicPeriod"/>
-            </a:pPr>
-            <a:r>
-              <a:rPr lang="it-IT" sz="1400" dirty="0"/>
-              <a:t>T. </a:t>
-            </a:r>
-            <a:r>
-              <a:rPr lang="it-IT" sz="1400" dirty="0" err="1"/>
-              <a:t>Akiba</a:t>
-            </a:r>
-            <a:r>
-              <a:rPr lang="it-IT" sz="1400" dirty="0"/>
-              <a:t>, S. Sano, T. </a:t>
-            </a:r>
-            <a:r>
-              <a:rPr lang="it-IT" sz="1400" dirty="0" err="1"/>
-              <a:t>Yanase</a:t>
-            </a:r>
-            <a:r>
-              <a:rPr lang="it-IT" sz="1400" dirty="0"/>
-              <a:t>, T. </a:t>
-            </a:r>
-            <a:r>
-              <a:rPr lang="it-IT" sz="1400" dirty="0" err="1"/>
-              <a:t>Ohta</a:t>
-            </a:r>
-            <a:r>
-              <a:rPr lang="it-IT" sz="1400" dirty="0"/>
-              <a:t>, M. </a:t>
-            </a:r>
-            <a:r>
-              <a:rPr lang="it-IT" sz="1400" dirty="0" err="1"/>
-              <a:t>Koyama</a:t>
-            </a:r>
-            <a:r>
-              <a:rPr lang="it-IT" sz="1400" dirty="0"/>
-              <a:t>, </a:t>
-            </a:r>
-            <a:r>
-              <a:rPr lang="it-IT" sz="1400" i="1" dirty="0" err="1"/>
-              <a:t>Optuna</a:t>
-            </a:r>
-            <a:r>
-              <a:rPr lang="it-IT" sz="1400" i="1" dirty="0"/>
-              <a:t>: A Next-generation </a:t>
-            </a:r>
-            <a:r>
-              <a:rPr lang="it-IT" sz="1400" i="1" dirty="0" err="1"/>
-              <a:t>Hyperparameter</a:t>
-            </a:r>
-            <a:r>
-              <a:rPr lang="it-IT" sz="1400" i="1" dirty="0"/>
-              <a:t> </a:t>
-            </a:r>
-            <a:r>
-              <a:rPr lang="it-IT" sz="1400" i="1" dirty="0" err="1"/>
-              <a:t>Optimization</a:t>
-            </a:r>
-            <a:r>
-              <a:rPr lang="it-IT" sz="1400" i="1" dirty="0"/>
-              <a:t> Framework</a:t>
-            </a:r>
-            <a:r>
-              <a:rPr lang="it-IT" sz="1400" dirty="0"/>
-              <a:t>, KDD, (2019), pp.2623-2631</a:t>
-            </a:r>
-          </a:p>
-        </p:txBody>
-      </p:sp>
-      <p:sp>
-        <p:nvSpPr>
-          <p:cNvPr id="6" name="CasellaDiTesto 5">
-            <a:extLst>
-              <a:ext uri="{FF2B5EF4-FFF2-40B4-BE49-F238E27FC236}">
-                <a16:creationId xmlns:a16="http://schemas.microsoft.com/office/drawing/2014/main" id="{304B3224-8AD6-EBFB-578E-76DA67AAD1D4}"/>
-              </a:ext>
-            </a:extLst>
-          </p:cNvPr>
-          <p:cNvSpPr txBox="1"/>
-          <p:nvPr/>
-        </p:nvSpPr>
-        <p:spPr>
-          <a:xfrm>
-            <a:off x="702427" y="575100"/>
-            <a:ext cx="7738783" cy="369332"/>
-          </a:xfrm>
-          <a:prstGeom prst="rect">
-            <a:avLst/>
-          </a:prstGeom>
-          <a:noFill/>
-        </p:spPr>
-        <p:txBody>
-          <a:bodyPr wrap="square" rtlCol="0">
-            <a:spAutoFit/>
-          </a:bodyPr>
-          <a:lstStyle/>
-          <a:p>
-            <a:r>
-              <a:rPr lang="it-IT" dirty="0" err="1"/>
-              <a:t>Main</a:t>
-            </a:r>
-            <a:r>
-              <a:rPr lang="it-IT" dirty="0"/>
-              <a:t> libraries and software tools </a:t>
-            </a:r>
-            <a:r>
-              <a:rPr lang="it-IT" dirty="0" err="1"/>
-              <a:t>used</a:t>
-            </a:r>
-            <a:r>
-              <a:rPr lang="it-IT" dirty="0"/>
-              <a:t> for </a:t>
-            </a:r>
-            <a:r>
-              <a:rPr lang="it-IT" dirty="0" err="1"/>
-              <a:t>this</a:t>
-            </a:r>
-            <a:r>
-              <a:rPr lang="it-IT" dirty="0"/>
-              <a:t> project:</a:t>
-            </a:r>
-          </a:p>
-        </p:txBody>
-      </p:sp>
-      <p:sp>
-        <p:nvSpPr>
-          <p:cNvPr id="2" name="CasellaDiTesto 1">
-            <a:extLst>
-              <a:ext uri="{FF2B5EF4-FFF2-40B4-BE49-F238E27FC236}">
-                <a16:creationId xmlns:a16="http://schemas.microsoft.com/office/drawing/2014/main" id="{F04819BF-A96F-A9B0-EADB-B6E080EAD083}"/>
-              </a:ext>
-            </a:extLst>
-          </p:cNvPr>
-          <p:cNvSpPr txBox="1"/>
-          <p:nvPr/>
-        </p:nvSpPr>
-        <p:spPr>
-          <a:xfrm>
-            <a:off x="702426" y="3244638"/>
-            <a:ext cx="7738783" cy="369332"/>
-          </a:xfrm>
-          <a:prstGeom prst="rect">
-            <a:avLst/>
-          </a:prstGeom>
-          <a:noFill/>
-        </p:spPr>
-        <p:txBody>
-          <a:bodyPr wrap="square" rtlCol="0">
-            <a:spAutoFit/>
-          </a:bodyPr>
-          <a:lstStyle/>
-          <a:p>
-            <a:r>
-              <a:rPr lang="it-IT" dirty="0" err="1"/>
-              <a:t>Documentation</a:t>
-            </a:r>
-            <a:r>
-              <a:rPr lang="it-IT" dirty="0"/>
-              <a:t> of </a:t>
-            </a:r>
-            <a:r>
-              <a:rPr lang="it-IT" dirty="0" err="1"/>
-              <a:t>main</a:t>
-            </a:r>
-            <a:r>
-              <a:rPr lang="it-IT" dirty="0"/>
-              <a:t> libraries and software tools </a:t>
-            </a:r>
-            <a:r>
-              <a:rPr lang="it-IT" dirty="0" err="1"/>
-              <a:t>used</a:t>
-            </a:r>
-            <a:r>
-              <a:rPr lang="it-IT" dirty="0"/>
-              <a:t> for </a:t>
-            </a:r>
-            <a:r>
-              <a:rPr lang="it-IT" dirty="0" err="1"/>
-              <a:t>this</a:t>
-            </a:r>
-            <a:r>
-              <a:rPr lang="it-IT" dirty="0"/>
-              <a:t> project:</a:t>
-            </a:r>
-          </a:p>
-        </p:txBody>
-      </p:sp>
-      <p:sp>
-        <p:nvSpPr>
-          <p:cNvPr id="3" name="CasellaDiTesto 2">
-            <a:extLst>
-              <a:ext uri="{FF2B5EF4-FFF2-40B4-BE49-F238E27FC236}">
-                <a16:creationId xmlns:a16="http://schemas.microsoft.com/office/drawing/2014/main" id="{C6FDCFC4-2D63-71BA-90AE-2B88AEF84FF3}"/>
-              </a:ext>
-            </a:extLst>
-          </p:cNvPr>
-          <p:cNvSpPr txBox="1"/>
-          <p:nvPr/>
-        </p:nvSpPr>
-        <p:spPr>
-          <a:xfrm>
-            <a:off x="702425" y="3613970"/>
-            <a:ext cx="7738783" cy="738664"/>
-          </a:xfrm>
-          <a:prstGeom prst="rect">
-            <a:avLst/>
-          </a:prstGeom>
-          <a:noFill/>
-        </p:spPr>
-        <p:txBody>
-          <a:bodyPr wrap="square" numCol="2" rtlCol="0">
-            <a:spAutoFit/>
-          </a:bodyPr>
-          <a:lstStyle/>
-          <a:p>
-            <a:pPr marL="342900" indent="-342900">
-              <a:buFont typeface="+mj-lt"/>
-              <a:buAutoNum type="arabicPeriod" startAt="5"/>
-            </a:pPr>
-            <a:r>
-              <a:rPr lang="it-IT" sz="1400" dirty="0" err="1"/>
-              <a:t>Keras</a:t>
-            </a:r>
-            <a:r>
-              <a:rPr lang="it-IT" sz="1400" dirty="0"/>
-              <a:t> 3 </a:t>
-            </a:r>
-            <a:r>
-              <a:rPr lang="it-IT" sz="1400" dirty="0" err="1">
-                <a:hlinkClick r:id="rId5"/>
-              </a:rPr>
-              <a:t>documentation</a:t>
-            </a:r>
-            <a:endParaRPr lang="it-IT" sz="1400" dirty="0"/>
-          </a:p>
-          <a:p>
-            <a:pPr marL="342900" indent="-342900">
-              <a:buFont typeface="+mj-lt"/>
-              <a:buAutoNum type="arabicPeriod" startAt="5"/>
-            </a:pPr>
-            <a:r>
-              <a:rPr lang="it-IT" sz="1400" dirty="0" err="1"/>
-              <a:t>Scikit-learn</a:t>
-            </a:r>
-            <a:r>
-              <a:rPr lang="it-IT" sz="1400" dirty="0"/>
-              <a:t> </a:t>
-            </a:r>
-            <a:r>
-              <a:rPr lang="it-IT" sz="1400" dirty="0">
-                <a:hlinkClick r:id="rId6"/>
-              </a:rPr>
-              <a:t>API </a:t>
-            </a:r>
-            <a:r>
-              <a:rPr lang="it-IT" sz="1400" dirty="0" err="1">
-                <a:hlinkClick r:id="rId6"/>
-              </a:rPr>
-              <a:t>reference</a:t>
-            </a:r>
-            <a:endParaRPr lang="it-IT" sz="1400" dirty="0"/>
-          </a:p>
-          <a:p>
-            <a:pPr marL="342900" indent="-342900">
-              <a:buFont typeface="+mj-lt"/>
-              <a:buAutoNum type="arabicPeriod" startAt="5"/>
-            </a:pPr>
-            <a:r>
-              <a:rPr lang="it-IT" sz="1400" dirty="0" err="1"/>
-              <a:t>SciKeras</a:t>
-            </a:r>
-            <a:r>
-              <a:rPr lang="it-IT" sz="1400" dirty="0"/>
-              <a:t> 0.12 </a:t>
-            </a:r>
-            <a:r>
-              <a:rPr lang="it-IT" sz="1400" dirty="0" err="1">
-                <a:hlinkClick r:id="rId7"/>
-              </a:rPr>
-              <a:t>documentation</a:t>
-            </a:r>
-            <a:endParaRPr lang="it-IT" sz="1400" dirty="0"/>
-          </a:p>
-          <a:p>
-            <a:pPr marL="342900" indent="-342900">
-              <a:buFont typeface="+mj-lt"/>
-              <a:buAutoNum type="arabicPeriod" startAt="5"/>
-            </a:pPr>
-            <a:endParaRPr lang="it-IT" sz="1400" dirty="0"/>
-          </a:p>
-          <a:p>
-            <a:pPr marL="342900" indent="-342900">
-              <a:buFont typeface="+mj-lt"/>
-              <a:buAutoNum type="arabicPeriod" startAt="5"/>
-            </a:pPr>
-            <a:endParaRPr lang="it-IT" sz="1400" dirty="0"/>
-          </a:p>
-        </p:txBody>
-      </p:sp>
-    </p:spTree>
-    <p:extLst>
-      <p:ext uri="{BB962C8B-B14F-4D97-AF65-F5344CB8AC3E}">
-        <p14:creationId xmlns:p14="http://schemas.microsoft.com/office/powerpoint/2010/main" val="3814474243"/>
-      </p:ext>
-    </p:extLst>
-  </p:cSld>
-  <p:clrMapOvr>
-    <a:masterClrMapping/>
-  </p:clrMapOvr>
-</p:sld>
-</file>
-
-<file path=ppt/slides/slide24.xml><?xml version="1.0" encoding="utf-8"?>
-<p:sld xmlns:a="http://schemas.openxmlformats.org/drawingml/2006/main" xmlns:r="http://schemas.openxmlformats.org/officeDocument/2006/relationships" xmlns:p="http://schemas.openxmlformats.org/presentationml/2006/main">
-  <p:cSld>
-    <p:spTree>
-      <p:nvGrpSpPr>
-        <p:cNvPr id="1" name=""/>
-        <p:cNvGrpSpPr/>
-        <p:nvPr/>
-      </p:nvGrpSpPr>
-      <p:grpSpPr>
-        <a:xfrm>
-          <a:off x="0" y="0"/>
-          <a:ext cx="0" cy="0"/>
-          <a:chOff x="0" y="0"/>
-          <a:chExt cx="0" cy="0"/>
-        </a:xfrm>
-      </p:grpSpPr>
-      <p:sp>
-        <p:nvSpPr>
-          <p:cNvPr id="117" name="PlaceHolder 1"/>
-          <p:cNvSpPr>
-            <a:spLocks noGrp="1"/>
-          </p:cNvSpPr>
-          <p:nvPr>
-            <p:ph type="title"/>
-          </p:nvPr>
-        </p:nvSpPr>
-        <p:spPr>
-          <a:xfrm>
-            <a:off x="311760" y="2700"/>
-            <a:ext cx="8520120" cy="576000"/>
-          </a:xfrm>
-          <a:prstGeom prst="rect">
-            <a:avLst/>
-          </a:prstGeom>
-          <a:noFill/>
-          <a:ln w="0">
-            <a:noFill/>
-          </a:ln>
-        </p:spPr>
-        <p:txBody>
-          <a:bodyPr tIns="91440" bIns="91440" anchor="t">
-            <a:normAutofit fontScale="91000"/>
-          </a:bodyPr>
-          <a:lstStyle/>
-          <a:p>
-            <a:pPr>
-              <a:lnSpc>
-                <a:spcPct val="100000"/>
-              </a:lnSpc>
-              <a:buNone/>
-              <a:tabLst>
-                <a:tab pos="0" algn="l"/>
-              </a:tabLst>
-            </a:pPr>
-            <a:r>
-              <a:rPr lang="it" sz="2600" b="0" strike="noStrike" spc="-1" dirty="0">
-                <a:solidFill>
-                  <a:srgbClr val="000000"/>
-                </a:solidFill>
-                <a:latin typeface="Arial"/>
-                <a:ea typeface="Arial"/>
-              </a:rPr>
-              <a:t>Bibliography</a:t>
-            </a:r>
-            <a:r>
-              <a:rPr lang="it" sz="2600" spc="-1" dirty="0">
-                <a:solidFill>
-                  <a:srgbClr val="000000"/>
-                </a:solidFill>
-                <a:latin typeface="Arial"/>
-                <a:ea typeface="Arial"/>
-              </a:rPr>
-              <a:t> – 2 </a:t>
-            </a:r>
-            <a:endParaRPr lang="it-IT" sz="2800" b="0" strike="noStrike" spc="-1" dirty="0">
-              <a:solidFill>
-                <a:srgbClr val="000000"/>
-              </a:solidFill>
-              <a:latin typeface="Arial"/>
-            </a:endParaRPr>
-          </a:p>
-        </p:txBody>
-      </p:sp>
-      <p:sp>
-        <p:nvSpPr>
-          <p:cNvPr id="119" name="PlaceHolder 3"/>
-          <p:cNvSpPr>
-            <a:spLocks noGrp="1"/>
-          </p:cNvSpPr>
-          <p:nvPr>
-            <p:ph type="sldNum" idx="13"/>
-          </p:nvPr>
-        </p:nvSpPr>
-        <p:spPr>
-          <a:xfrm>
-            <a:off x="8472600" y="4663080"/>
-            <a:ext cx="548280" cy="393120"/>
-          </a:xfrm>
-          <a:prstGeom prst="rect">
-            <a:avLst/>
-          </a:prstGeom>
-          <a:noFill/>
-          <a:ln w="0">
-            <a:noFill/>
-          </a:ln>
-        </p:spPr>
-        <p:txBody>
-          <a:bodyPr tIns="91440" bIns="91440" anchor="ctr">
-            <a:normAutofit/>
-          </a:bodyPr>
-          <a:lstStyle>
-            <a:lvl1pPr algn="r">
-              <a:lnSpc>
-                <a:spcPct val="100000"/>
-              </a:lnSpc>
-              <a:buNone/>
-              <a:tabLst>
-                <a:tab pos="0" algn="l"/>
-              </a:tabLst>
-              <a:defRPr lang="it" sz="1000" b="0" strike="noStrike" spc="-1">
-                <a:solidFill>
-                  <a:srgbClr val="595959"/>
-                </a:solidFill>
-                <a:latin typeface="Arial"/>
-                <a:ea typeface="Arial"/>
-              </a:defRPr>
-            </a:lvl1pPr>
-          </a:lstStyle>
-          <a:p>
-            <a:pPr algn="r">
-              <a:lnSpc>
-                <a:spcPct val="100000"/>
-              </a:lnSpc>
-              <a:buNone/>
-              <a:tabLst>
-                <a:tab pos="0" algn="l"/>
-              </a:tabLst>
-            </a:pPr>
-            <a:fld id="{F1974EC4-68EB-45C8-A197-A860EB4D25E8}" type="slidenum">
-              <a:rPr lang="it" sz="1000" b="0" strike="noStrike" spc="-1">
-                <a:solidFill>
-                  <a:srgbClr val="595959"/>
-                </a:solidFill>
-                <a:latin typeface="Arial"/>
-                <a:ea typeface="Arial"/>
-              </a:rPr>
-              <a:t>24</a:t>
-            </a:fld>
-            <a:endParaRPr lang="it-IT" sz="1000" b="0" strike="noStrike" spc="-1">
-              <a:latin typeface="Times New Roman"/>
-            </a:endParaRPr>
-          </a:p>
-        </p:txBody>
-      </p:sp>
-      <p:sp>
-        <p:nvSpPr>
-          <p:cNvPr id="5" name="CasellaDiTesto 4">
-            <a:extLst>
-              <a:ext uri="{FF2B5EF4-FFF2-40B4-BE49-F238E27FC236}">
-                <a16:creationId xmlns:a16="http://schemas.microsoft.com/office/drawing/2014/main" id="{654DC5D3-954B-DA47-8F5D-D2825032294C}"/>
-              </a:ext>
-            </a:extLst>
-          </p:cNvPr>
-          <p:cNvSpPr txBox="1"/>
-          <p:nvPr/>
-        </p:nvSpPr>
-        <p:spPr>
-          <a:xfrm>
             <a:off x="490817" y="1452282"/>
             <a:ext cx="7738783" cy="1384995"/>
           </a:xfrm>
@@ -16753,7 +16743,7 @@
 </p:sld>
 </file>
 
-<file path=ppt/slides/slide25.xml><?xml version="1.0" encoding="utf-8"?>
+<file path=ppt/slides/slide24.xml><?xml version="1.0" encoding="utf-8"?>
 <p:sld xmlns:a="http://schemas.openxmlformats.org/drawingml/2006/main" xmlns:r="http://schemas.openxmlformats.org/officeDocument/2006/relationships" xmlns:p="http://schemas.openxmlformats.org/presentationml/2006/main">
   <p:cSld>
     <p:spTree>
@@ -16921,7 +16911,7 @@
                 <a:latin typeface="Arial"/>
                 <a:ea typeface="Arial"/>
               </a:rPr>
-              <a:t>25</a:t>
+              <a:t>24</a:t>
             </a:fld>
             <a:endParaRPr lang="it-IT" sz="1000" b="0" strike="noStrike" spc="-1">
               <a:latin typeface="Times New Roman"/>
@@ -18785,15 +18775,7 @@
             </a:r>
             <a:r>
               <a:rPr lang="it-IT" sz="1400" b="1" dirty="0"/>
-              <a:t> </a:t>
-            </a:r>
-            <a:r>
-              <a:rPr lang="it-IT" sz="1400" b="1" dirty="0">
-                <a:solidFill>
-                  <a:srgbClr val="FF0000"/>
-                </a:solidFill>
-              </a:rPr>
-              <a:t>n</a:t>
+              <a:t> 7</a:t>
             </a:r>
             <a:r>
               <a:rPr lang="it-IT" sz="1400" dirty="0"/>
@@ -18850,7 +18832,7 @@
 </p:sld>
 </file>
 
-<file path=ppt/slides/slide26.xml><?xml version="1.0" encoding="utf-8"?>
+<file path=ppt/slides/slide25.xml><?xml version="1.0" encoding="utf-8"?>
 <p:sld xmlns:a="http://schemas.openxmlformats.org/drawingml/2006/main" xmlns:r="http://schemas.openxmlformats.org/officeDocument/2006/relationships" xmlns:p="http://schemas.openxmlformats.org/presentationml/2006/main">
   <p:cSld>
     <p:spTree>
@@ -19016,7 +18998,7 @@
                 <a:latin typeface="Arial"/>
                 <a:ea typeface="Arial"/>
               </a:rPr>
-              <a:t>26</a:t>
+              <a:t>25</a:t>
             </a:fld>
             <a:endParaRPr lang="it-IT" sz="1000" b="0" strike="noStrike" spc="-1">
               <a:latin typeface="Times New Roman"/>
@@ -19059,15 +19041,7 @@
             </a:r>
             <a:r>
               <a:rPr lang="it-IT" sz="1400" b="1" dirty="0"/>
-              <a:t> </a:t>
-            </a:r>
-            <a:r>
-              <a:rPr lang="it-IT" sz="1400" b="1" dirty="0">
-                <a:solidFill>
-                  <a:srgbClr val="FF0000"/>
-                </a:solidFill>
-              </a:rPr>
-              <a:t>n+1</a:t>
+              <a:t> 8</a:t>
             </a:r>
             <a:r>
               <a:rPr lang="it-IT" sz="1400" dirty="0"/>
@@ -19959,7 +19933,7 @@
 </p:sld>
 </file>
 
-<file path=ppt/slides/slide27.xml><?xml version="1.0" encoding="utf-8"?>
+<file path=ppt/slides/slide26.xml><?xml version="1.0" encoding="utf-8"?>
 <p:sld xmlns:a="http://schemas.openxmlformats.org/drawingml/2006/main" xmlns:r="http://schemas.openxmlformats.org/officeDocument/2006/relationships" xmlns:p="http://schemas.openxmlformats.org/presentationml/2006/main">
   <p:cSld>
     <p:spTree>
@@ -20125,7 +20099,7 @@
                 <a:latin typeface="Arial"/>
                 <a:ea typeface="Arial"/>
               </a:rPr>
-              <a:t>27</a:t>
+              <a:t>26</a:t>
             </a:fld>
             <a:endParaRPr lang="it-IT" sz="1000" b="0" strike="noStrike" spc="-1">
               <a:latin typeface="Times New Roman"/>
@@ -21164,15 +21138,7 @@
             </a:r>
             <a:r>
               <a:rPr lang="it-IT" sz="1400" b="1" dirty="0"/>
-              <a:t> </a:t>
-            </a:r>
-            <a:r>
-              <a:rPr lang="it-IT" sz="1400" b="1" dirty="0">
-                <a:solidFill>
-                  <a:srgbClr val="FF0000"/>
-                </a:solidFill>
-              </a:rPr>
-              <a:t>n+1</a:t>
+              <a:t> 9</a:t>
             </a:r>
             <a:r>
               <a:rPr lang="it-IT" sz="1400" dirty="0"/>
@@ -21234,7 +21200,7 @@
 </p:sld>
 </file>
 
-<file path=ppt/slides/slide28.xml><?xml version="1.0" encoding="utf-8"?>
+<file path=ppt/slides/slide27.xml><?xml version="1.0" encoding="utf-8"?>
 <p:sld xmlns:a="http://schemas.openxmlformats.org/drawingml/2006/main" xmlns:r="http://schemas.openxmlformats.org/officeDocument/2006/relationships" xmlns:p="http://schemas.openxmlformats.org/presentationml/2006/main">
   <p:cSld>
     <p:spTree>
@@ -21400,7 +21366,7 @@
                 <a:latin typeface="Arial"/>
                 <a:ea typeface="Arial"/>
               </a:rPr>
-              <a:t>28</a:t>
+              <a:t>27</a:t>
             </a:fld>
             <a:endParaRPr lang="it-IT" sz="1000" b="0" strike="noStrike" spc="-1">
               <a:latin typeface="Times New Roman"/>
@@ -22032,15 +21998,7 @@
             </a:r>
             <a:r>
               <a:rPr lang="it-IT" sz="1600" b="1" dirty="0"/>
-              <a:t> </a:t>
-            </a:r>
-            <a:r>
-              <a:rPr lang="it-IT" sz="1600" b="1" dirty="0">
-                <a:solidFill>
-                  <a:srgbClr val="FF0000"/>
-                </a:solidFill>
-              </a:rPr>
-              <a:t>n+3</a:t>
+              <a:t> 10</a:t>
             </a:r>
             <a:r>
               <a:rPr lang="it-IT" sz="1600" dirty="0"/>
@@ -22893,15 +22851,7 @@
             </a:r>
             <a:r>
               <a:rPr lang="it-IT" sz="1600" b="1" dirty="0"/>
-              <a:t> </a:t>
-            </a:r>
-            <a:r>
-              <a:rPr lang="it-IT" sz="1600" b="1" dirty="0">
-                <a:solidFill>
-                  <a:srgbClr val="FF0000"/>
-                </a:solidFill>
-              </a:rPr>
-              <a:t>n+4</a:t>
+              <a:t> 11</a:t>
             </a:r>
             <a:r>
               <a:rPr lang="it-IT" sz="1600" dirty="0"/>
@@ -22968,7 +22918,7 @@
 </p:sld>
 </file>
 
-<file path=ppt/slides/slide29.xml><?xml version="1.0" encoding="utf-8"?>
+<file path=ppt/slides/slide28.xml><?xml version="1.0" encoding="utf-8"?>
 <p:sld xmlns:a="http://schemas.openxmlformats.org/drawingml/2006/main" xmlns:r="http://schemas.openxmlformats.org/officeDocument/2006/relationships" xmlns:p="http://schemas.openxmlformats.org/presentationml/2006/main">
   <p:cSld>
     <p:spTree>
@@ -23144,7 +23094,7 @@
                 <a:latin typeface="Arial"/>
                 <a:ea typeface="Arial"/>
               </a:rPr>
-              <a:t>29</a:t>
+              <a:t>28</a:t>
             </a:fld>
             <a:endParaRPr lang="it-IT" sz="1000" b="0" strike="noStrike" spc="-1">
               <a:latin typeface="Times New Roman"/>
@@ -23578,850 +23528,7 @@
 </p:sld>
 </file>
 
-<file path=ppt/slides/slide3.xml><?xml version="1.0" encoding="utf-8"?>
-<p:sld xmlns:a="http://schemas.openxmlformats.org/drawingml/2006/main" xmlns:r="http://schemas.openxmlformats.org/officeDocument/2006/relationships" xmlns:p="http://schemas.openxmlformats.org/presentationml/2006/main">
-  <p:cSld>
-    <p:spTree>
-      <p:nvGrpSpPr>
-        <p:cNvPr id="1" name=""/>
-        <p:cNvGrpSpPr/>
-        <p:nvPr/>
-      </p:nvGrpSpPr>
-      <p:grpSpPr>
-        <a:xfrm>
-          <a:off x="0" y="0"/>
-          <a:ext cx="0" cy="0"/>
-          <a:chOff x="0" y="0"/>
-          <a:chExt cx="0" cy="0"/>
-        </a:xfrm>
-      </p:grpSpPr>
-      <p:sp>
-        <p:nvSpPr>
-          <p:cNvPr id="83" name="PlaceHolder 3"/>
-          <p:cNvSpPr>
-            <a:spLocks noGrp="1"/>
-          </p:cNvSpPr>
-          <p:nvPr>
-            <p:ph type="sldNum" idx="3"/>
-          </p:nvPr>
-        </p:nvSpPr>
-        <p:spPr>
-          <a:xfrm>
-            <a:off x="8472600" y="4663080"/>
-            <a:ext cx="548280" cy="393120"/>
-          </a:xfrm>
-          <a:prstGeom prst="rect">
-            <a:avLst/>
-          </a:prstGeom>
-          <a:noFill/>
-          <a:ln w="0">
-            <a:noFill/>
-          </a:ln>
-        </p:spPr>
-        <p:txBody>
-          <a:bodyPr tIns="91440" bIns="91440" anchor="ctr">
-            <a:normAutofit/>
-          </a:bodyPr>
-          <a:lstStyle>
-            <a:lvl1pPr algn="r">
-              <a:lnSpc>
-                <a:spcPct val="100000"/>
-              </a:lnSpc>
-              <a:buNone/>
-              <a:tabLst>
-                <a:tab pos="0" algn="l"/>
-              </a:tabLst>
-              <a:defRPr lang="it" sz="1000" b="0" strike="noStrike" spc="-1">
-                <a:solidFill>
-                  <a:srgbClr val="595959"/>
-                </a:solidFill>
-                <a:latin typeface="Arial"/>
-                <a:ea typeface="Arial"/>
-              </a:defRPr>
-            </a:lvl1pPr>
-          </a:lstStyle>
-          <a:p>
-            <a:pPr algn="r">
-              <a:lnSpc>
-                <a:spcPct val="100000"/>
-              </a:lnSpc>
-              <a:buNone/>
-              <a:tabLst>
-                <a:tab pos="0" algn="l"/>
-              </a:tabLst>
-            </a:pPr>
-            <a:fld id="{CDE5831E-EF50-4AF8-82C3-EBDE88F03D8C}" type="slidenum">
-              <a:rPr lang="it" sz="1000" b="0" strike="noStrike" spc="-1">
-                <a:solidFill>
-                  <a:srgbClr val="595959"/>
-                </a:solidFill>
-                <a:latin typeface="Arial"/>
-                <a:ea typeface="Arial"/>
-              </a:rPr>
-              <a:t>3</a:t>
-            </a:fld>
-            <a:endParaRPr lang="it-IT" sz="1000" b="0" strike="noStrike" spc="-1" dirty="0">
-              <a:latin typeface="Times New Roman"/>
-            </a:endParaRPr>
-          </a:p>
-        </p:txBody>
-      </p:sp>
-      <p:sp>
-        <p:nvSpPr>
-          <p:cNvPr id="4" name="PlaceHolder 1">
-            <a:extLst>
-              <a:ext uri="{FF2B5EF4-FFF2-40B4-BE49-F238E27FC236}">
-                <a16:creationId xmlns:a16="http://schemas.microsoft.com/office/drawing/2014/main" id="{80C918E8-6CF7-0E0B-D3EF-88419C82AA81}"/>
-              </a:ext>
-            </a:extLst>
-          </p:cNvPr>
-          <p:cNvSpPr txBox="1">
-            <a:spLocks/>
-          </p:cNvSpPr>
-          <p:nvPr/>
-        </p:nvSpPr>
-        <p:spPr>
-          <a:xfrm>
-            <a:off x="311760" y="0"/>
-            <a:ext cx="8520120" cy="576000"/>
-          </a:xfrm>
-          <a:prstGeom prst="rect">
-            <a:avLst/>
-          </a:prstGeom>
-          <a:noFill/>
-          <a:ln w="0">
-            <a:noFill/>
-          </a:ln>
-        </p:spPr>
-        <p:txBody>
-          <a:bodyPr lIns="0" tIns="91440" rIns="0" bIns="91440" anchor="t">
-            <a:normAutofit fontScale="97500"/>
-          </a:bodyPr>
-          <a:lstStyle>
-            <a:lvl1pPr algn="l" defTabSz="914400" rtl="0" eaLnBrk="1" latinLnBrk="0" hangingPunct="1">
-              <a:lnSpc>
-                <a:spcPct val="90000"/>
-              </a:lnSpc>
-              <a:spcBef>
-                <a:spcPct val="0"/>
-              </a:spcBef>
-              <a:buNone/>
-              <a:defRPr sz="4400" kern="1200">
-                <a:solidFill>
-                  <a:schemeClr val="tx1"/>
-                </a:solidFill>
-                <a:latin typeface="+mj-lt"/>
-                <a:ea typeface="+mj-ea"/>
-                <a:cs typeface="+mj-cs"/>
-              </a:defRPr>
-            </a:lvl1pPr>
-          </a:lstStyle>
-          <a:p>
-            <a:pPr>
-              <a:lnSpc>
-                <a:spcPct val="100000"/>
-              </a:lnSpc>
-              <a:tabLst>
-                <a:tab pos="0" algn="l"/>
-              </a:tabLst>
-            </a:pPr>
-            <a:r>
-              <a:rPr lang="it" sz="2500" spc="-1" dirty="0">
-                <a:solidFill>
-                  <a:srgbClr val="000000"/>
-                </a:solidFill>
-                <a:latin typeface="Arial"/>
-                <a:ea typeface="Arial"/>
-              </a:rPr>
-              <a:t>Code structure, models overview </a:t>
-            </a:r>
-            <a:r>
-              <a:rPr lang="it" sz="2500" spc="-1" dirty="0">
-                <a:solidFill>
-                  <a:srgbClr val="FF0000"/>
-                </a:solidFill>
-                <a:latin typeface="Arial"/>
-                <a:ea typeface="Arial"/>
-              </a:rPr>
-              <a:t>da rivedere</a:t>
-            </a:r>
-            <a:endParaRPr lang="it-IT" sz="2400" spc="-1" dirty="0">
-              <a:solidFill>
-                <a:srgbClr val="FF0000"/>
-              </a:solidFill>
-              <a:latin typeface="Arial"/>
-            </a:endParaRPr>
-          </a:p>
-        </p:txBody>
-      </p:sp>
-      <p:sp>
-        <p:nvSpPr>
-          <p:cNvPr id="3" name="CasellaDiTesto 2">
-            <a:extLst>
-              <a:ext uri="{FF2B5EF4-FFF2-40B4-BE49-F238E27FC236}">
-                <a16:creationId xmlns:a16="http://schemas.microsoft.com/office/drawing/2014/main" id="{21F77B32-FB82-2079-F53B-1131754C4D18}"/>
-              </a:ext>
-            </a:extLst>
-          </p:cNvPr>
-          <p:cNvSpPr txBox="1"/>
-          <p:nvPr/>
-        </p:nvSpPr>
-        <p:spPr>
-          <a:xfrm>
-            <a:off x="311761" y="693013"/>
-            <a:ext cx="8520119" cy="1600438"/>
-          </a:xfrm>
-          <a:prstGeom prst="rect">
-            <a:avLst/>
-          </a:prstGeom>
-          <a:noFill/>
-        </p:spPr>
-        <p:txBody>
-          <a:bodyPr wrap="square" rtlCol="0">
-            <a:spAutoFit/>
-          </a:bodyPr>
-          <a:lstStyle/>
-          <a:p>
-            <a:r>
-              <a:rPr lang="it-IT" sz="1400" dirty="0"/>
-              <a:t>Basic </a:t>
-            </a:r>
-            <a:r>
-              <a:rPr lang="it-IT" sz="1400" dirty="0" err="1"/>
-              <a:t>structure</a:t>
-            </a:r>
-            <a:r>
-              <a:rPr lang="it-IT" sz="1400" dirty="0"/>
-              <a:t> of the code: </a:t>
-            </a:r>
-          </a:p>
-          <a:p>
-            <a:pPr marL="285750" indent="-285750">
-              <a:buFont typeface="Arial" panose="020B0604020202020204" pitchFamily="34" charset="0"/>
-              <a:buChar char="•"/>
-            </a:pPr>
-            <a:r>
-              <a:rPr lang="it-IT" sz="1400" dirty="0">
-                <a:hlinkClick r:id="rId2"/>
-              </a:rPr>
-              <a:t>GitHub repo</a:t>
-            </a:r>
-            <a:r>
-              <a:rPr lang="it-IT" sz="1400" dirty="0"/>
-              <a:t> in </a:t>
-            </a:r>
-            <a:r>
-              <a:rPr lang="it-IT" sz="1400" dirty="0" err="1"/>
-              <a:t>which</a:t>
-            </a:r>
-            <a:r>
-              <a:rPr lang="it-IT" sz="1400" dirty="0"/>
-              <a:t> </a:t>
-            </a:r>
-            <a:r>
-              <a:rPr lang="it-IT" sz="1400" dirty="0" err="1"/>
-              <a:t>we</a:t>
-            </a:r>
-            <a:r>
-              <a:rPr lang="it-IT" sz="1400" dirty="0"/>
-              <a:t> </a:t>
-            </a:r>
-            <a:r>
-              <a:rPr lang="it-IT" sz="1400" dirty="0" err="1"/>
-              <a:t>stored</a:t>
-            </a:r>
-            <a:r>
-              <a:rPr lang="it-IT" sz="1400" dirty="0"/>
-              <a:t> the datasets, images, notebooks and </a:t>
-            </a:r>
-            <a:r>
-              <a:rPr lang="it-IT" sz="1400" dirty="0" err="1"/>
-              <a:t>saved</a:t>
-            </a:r>
-            <a:r>
-              <a:rPr lang="it-IT" sz="1400" dirty="0"/>
-              <a:t> models. </a:t>
-            </a:r>
-          </a:p>
-          <a:p>
-            <a:pPr marL="285750" indent="-285750">
-              <a:buFont typeface="Arial" panose="020B0604020202020204" pitchFamily="34" charset="0"/>
-              <a:buChar char="•"/>
-            </a:pPr>
-            <a:r>
-              <a:rPr lang="it-IT" sz="1400" dirty="0"/>
-              <a:t>A notebook for </a:t>
-            </a:r>
-            <a:r>
-              <a:rPr lang="it-IT" sz="1400" dirty="0" err="1"/>
-              <a:t>each</a:t>
-            </a:r>
-            <a:r>
-              <a:rPr lang="it-IT" sz="1400" dirty="0"/>
-              <a:t> of the </a:t>
-            </a:r>
-            <a:r>
-              <a:rPr lang="it-IT" sz="1400" dirty="0" err="1"/>
-              <a:t>three</a:t>
-            </a:r>
-            <a:r>
-              <a:rPr lang="it-IT" sz="1400" dirty="0"/>
-              <a:t> classes of models, for </a:t>
-            </a:r>
-            <a:r>
-              <a:rPr lang="it-IT" sz="1400" dirty="0" err="1"/>
-              <a:t>each</a:t>
-            </a:r>
-            <a:r>
-              <a:rPr lang="it-IT" sz="1400" dirty="0"/>
-              <a:t> of the </a:t>
-            </a:r>
-            <a:r>
-              <a:rPr lang="it-IT" sz="1400" dirty="0" err="1"/>
-              <a:t>two</a:t>
-            </a:r>
-            <a:r>
-              <a:rPr lang="it-IT" sz="1400" dirty="0"/>
-              <a:t> tasks.</a:t>
-            </a:r>
-          </a:p>
-          <a:p>
-            <a:pPr marL="285750" indent="-285750">
-              <a:buFont typeface="Arial" panose="020B0604020202020204" pitchFamily="34" charset="0"/>
-              <a:buChar char="•"/>
-            </a:pPr>
-            <a:r>
-              <a:rPr lang="it-IT" sz="1400" dirty="0"/>
-              <a:t>In </a:t>
-            </a:r>
-            <a:r>
-              <a:rPr lang="it-IT" sz="1400" dirty="0" err="1"/>
-              <a:t>each</a:t>
-            </a:r>
-            <a:r>
-              <a:rPr lang="it-IT" sz="1400" dirty="0"/>
-              <a:t> notebook: import and </a:t>
-            </a:r>
-            <a:r>
-              <a:rPr lang="it-IT" sz="1400" dirty="0" err="1"/>
-              <a:t>process</a:t>
-            </a:r>
-            <a:r>
-              <a:rPr lang="it-IT" sz="1400" dirty="0"/>
-              <a:t> the data, create the model (</a:t>
-            </a:r>
-            <a:r>
-              <a:rPr lang="it-IT" sz="1400" dirty="0" err="1"/>
-              <a:t>often</a:t>
-            </a:r>
-            <a:r>
-              <a:rPr lang="it-IT" sz="1400" dirty="0"/>
-              <a:t> by </a:t>
-            </a:r>
-            <a:r>
-              <a:rPr lang="it-IT" sz="1400" dirty="0" err="1"/>
-              <a:t>calling</a:t>
-            </a:r>
-            <a:r>
-              <a:rPr lang="it-IT" sz="1400" dirty="0"/>
-              <a:t> a </a:t>
-            </a:r>
-            <a:r>
-              <a:rPr lang="it-IT" sz="1400" dirty="0" err="1"/>
-              <a:t>function</a:t>
-            </a:r>
-            <a:r>
-              <a:rPr lang="it-IT" sz="1400" dirty="0"/>
-              <a:t> </a:t>
-            </a:r>
-            <a:r>
-              <a:rPr lang="it-IT" sz="1400" dirty="0" err="1"/>
-              <a:t>provided</a:t>
-            </a:r>
-            <a:r>
-              <a:rPr lang="it-IT" sz="1400" dirty="0"/>
-              <a:t> by the library), set up the </a:t>
-            </a:r>
-            <a:r>
-              <a:rPr lang="it-IT" sz="1400" dirty="0" err="1"/>
-              <a:t>grid</a:t>
-            </a:r>
-            <a:r>
-              <a:rPr lang="it-IT" sz="1400" dirty="0"/>
-              <a:t> </a:t>
-            </a:r>
-            <a:r>
-              <a:rPr lang="it-IT" sz="1400" dirty="0" err="1"/>
-              <a:t>search</a:t>
-            </a:r>
-            <a:r>
-              <a:rPr lang="it-IT" sz="1400" dirty="0"/>
-              <a:t> and training </a:t>
-            </a:r>
-            <a:r>
-              <a:rPr lang="it-IT" sz="1400" dirty="0" err="1"/>
-              <a:t>process</a:t>
-            </a:r>
-            <a:r>
-              <a:rPr lang="it-IT" sz="1400" dirty="0"/>
-              <a:t>, </a:t>
-            </a:r>
-            <a:r>
-              <a:rPr lang="it-IT" sz="1400" dirty="0" err="1"/>
-              <a:t>select</a:t>
-            </a:r>
-            <a:r>
-              <a:rPr lang="it-IT" sz="1400" dirty="0"/>
-              <a:t> best </a:t>
-            </a:r>
-            <a:r>
-              <a:rPr lang="it-IT" sz="1400" dirty="0" err="1"/>
-              <a:t>hyperparameters</a:t>
-            </a:r>
-            <a:r>
-              <a:rPr lang="it-IT" sz="1400" dirty="0"/>
-              <a:t> and plot the learning curve, </a:t>
-            </a:r>
-            <a:r>
-              <a:rPr lang="it-IT" sz="1400" dirty="0" err="1"/>
-              <a:t>save</a:t>
-            </a:r>
-            <a:r>
-              <a:rPr lang="it-IT" sz="1400" dirty="0"/>
-              <a:t> the model</a:t>
-            </a:r>
-          </a:p>
-          <a:p>
-            <a:pPr marL="285750" indent="-285750">
-              <a:buFont typeface="Arial" panose="020B0604020202020204" pitchFamily="34" charset="0"/>
-              <a:buChar char="•"/>
-            </a:pPr>
-            <a:r>
-              <a:rPr lang="it-IT" sz="1400" dirty="0"/>
-              <a:t>Extra notebooks for data </a:t>
-            </a:r>
-            <a:r>
-              <a:rPr lang="it-IT" sz="1400" dirty="0" err="1"/>
-              <a:t>exploration</a:t>
-            </a:r>
-            <a:r>
-              <a:rPr lang="it-IT" sz="1400" dirty="0"/>
-              <a:t> and models </a:t>
-            </a:r>
-            <a:r>
-              <a:rPr lang="it-IT" sz="1400" dirty="0" err="1"/>
-              <a:t>comparison</a:t>
-            </a:r>
-            <a:endParaRPr lang="it-IT" sz="1400" dirty="0"/>
-          </a:p>
-        </p:txBody>
-      </p:sp>
-      <p:sp>
-        <p:nvSpPr>
-          <p:cNvPr id="11" name="CasellaDiTesto 10">
-            <a:extLst>
-              <a:ext uri="{FF2B5EF4-FFF2-40B4-BE49-F238E27FC236}">
-                <a16:creationId xmlns:a16="http://schemas.microsoft.com/office/drawing/2014/main" id="{003EBDB9-88F0-E455-63E2-1D1CE308D764}"/>
-              </a:ext>
-            </a:extLst>
-          </p:cNvPr>
-          <p:cNvSpPr txBox="1"/>
-          <p:nvPr/>
-        </p:nvSpPr>
-        <p:spPr>
-          <a:xfrm>
-            <a:off x="311760" y="3996932"/>
-            <a:ext cx="8520120" cy="523220"/>
-          </a:xfrm>
-          <a:prstGeom prst="rect">
-            <a:avLst/>
-          </a:prstGeom>
-          <a:noFill/>
-        </p:spPr>
-        <p:txBody>
-          <a:bodyPr wrap="square" rtlCol="0">
-            <a:spAutoFit/>
-          </a:bodyPr>
-          <a:lstStyle/>
-          <a:p>
-            <a:r>
-              <a:rPr lang="it-IT" sz="1400" dirty="0"/>
-              <a:t>For </a:t>
-            </a:r>
-            <a:r>
-              <a:rPr lang="it-IT" sz="1400" dirty="0" err="1"/>
-              <a:t>all</a:t>
-            </a:r>
-            <a:r>
-              <a:rPr lang="it-IT" sz="1400" dirty="0"/>
-              <a:t> </a:t>
-            </a:r>
-            <a:r>
-              <a:rPr lang="it-IT" sz="1400" dirty="0" err="1"/>
-              <a:t>these</a:t>
-            </a:r>
-            <a:r>
-              <a:rPr lang="it-IT" sz="1400" dirty="0"/>
-              <a:t> models </a:t>
-            </a:r>
-            <a:r>
-              <a:rPr lang="it-IT" sz="1400" dirty="0" err="1"/>
-              <a:t>we</a:t>
-            </a:r>
-            <a:r>
-              <a:rPr lang="it-IT" sz="1400" dirty="0"/>
-              <a:t> </a:t>
-            </a:r>
-            <a:r>
-              <a:rPr lang="it-IT" sz="1400" dirty="0" err="1"/>
-              <a:t>tried</a:t>
-            </a:r>
-            <a:r>
-              <a:rPr lang="it-IT" sz="1400" dirty="0"/>
-              <a:t> out </a:t>
-            </a:r>
-            <a:r>
-              <a:rPr lang="it-IT" sz="1400" dirty="0" err="1"/>
-              <a:t>many</a:t>
-            </a:r>
-            <a:r>
-              <a:rPr lang="it-IT" sz="1400" dirty="0"/>
-              <a:t> </a:t>
-            </a:r>
-            <a:r>
-              <a:rPr lang="it-IT" sz="1400" dirty="0" err="1"/>
-              <a:t>configurations</a:t>
-            </a:r>
-            <a:r>
-              <a:rPr lang="it-IT" sz="1400" dirty="0"/>
-              <a:t> of </a:t>
-            </a:r>
-            <a:r>
-              <a:rPr lang="it-IT" sz="1400" dirty="0" err="1"/>
-              <a:t>hyperparameters</a:t>
-            </a:r>
-            <a:r>
-              <a:rPr lang="it-IT" sz="1400" dirty="0"/>
-              <a:t>. </a:t>
-            </a:r>
-            <a:r>
-              <a:rPr lang="it-IT" sz="1400" dirty="0">
-                <a:solidFill>
-                  <a:srgbClr val="FF0000"/>
-                </a:solidFill>
-              </a:rPr>
-              <a:t>Precise </a:t>
-            </a:r>
-            <a:r>
-              <a:rPr lang="it-IT" sz="1400" dirty="0" err="1">
-                <a:solidFill>
-                  <a:srgbClr val="FF0000"/>
-                </a:solidFill>
-              </a:rPr>
-              <a:t>details</a:t>
-            </a:r>
-            <a:r>
-              <a:rPr lang="it-IT" sz="1400" dirty="0">
-                <a:solidFill>
-                  <a:srgbClr val="FF0000"/>
-                </a:solidFill>
-              </a:rPr>
-              <a:t> </a:t>
-            </a:r>
-            <a:r>
-              <a:rPr lang="it-IT" sz="1400" dirty="0" err="1">
-                <a:solidFill>
-                  <a:srgbClr val="FF0000"/>
-                </a:solidFill>
-              </a:rPr>
-              <a:t>will</a:t>
-            </a:r>
-            <a:r>
-              <a:rPr lang="it-IT" sz="1400" dirty="0">
-                <a:solidFill>
-                  <a:srgbClr val="FF0000"/>
-                </a:solidFill>
-              </a:rPr>
-              <a:t> be </a:t>
-            </a:r>
-            <a:r>
-              <a:rPr lang="it-IT" sz="1400" dirty="0" err="1">
-                <a:solidFill>
-                  <a:srgbClr val="FF0000"/>
-                </a:solidFill>
-              </a:rPr>
-              <a:t>given</a:t>
-            </a:r>
-            <a:r>
-              <a:rPr lang="it-IT" sz="1400" dirty="0">
-                <a:solidFill>
-                  <a:srgbClr val="FF0000"/>
-                </a:solidFill>
-              </a:rPr>
-              <a:t> </a:t>
-            </a:r>
-            <a:r>
-              <a:rPr lang="it-IT" sz="1400" dirty="0" err="1">
-                <a:solidFill>
-                  <a:srgbClr val="FF0000"/>
-                </a:solidFill>
-              </a:rPr>
-              <a:t>later</a:t>
-            </a:r>
-            <a:r>
-              <a:rPr lang="it-IT" sz="1400" dirty="0">
-                <a:solidFill>
-                  <a:srgbClr val="FF0000"/>
-                </a:solidFill>
-              </a:rPr>
-              <a:t>. </a:t>
-            </a:r>
-          </a:p>
-        </p:txBody>
-      </p:sp>
-      <p:sp>
-        <p:nvSpPr>
-          <p:cNvPr id="5" name="CasellaDiTesto 4">
-            <a:extLst>
-              <a:ext uri="{FF2B5EF4-FFF2-40B4-BE49-F238E27FC236}">
-                <a16:creationId xmlns:a16="http://schemas.microsoft.com/office/drawing/2014/main" id="{A25770F8-1FA1-1D5E-D768-E47CF7ED482A}"/>
-              </a:ext>
-            </a:extLst>
-          </p:cNvPr>
-          <p:cNvSpPr txBox="1"/>
-          <p:nvPr/>
-        </p:nvSpPr>
-        <p:spPr>
-          <a:xfrm>
-            <a:off x="311760" y="2802701"/>
-            <a:ext cx="8520120" cy="738664"/>
-          </a:xfrm>
-          <a:prstGeom prst="rect">
-            <a:avLst/>
-          </a:prstGeom>
-          <a:noFill/>
-        </p:spPr>
-        <p:txBody>
-          <a:bodyPr wrap="square" rtlCol="0">
-            <a:spAutoFit/>
-          </a:bodyPr>
-          <a:lstStyle/>
-          <a:p>
-            <a:r>
-              <a:rPr lang="it-IT" sz="1400" dirty="0" err="1"/>
-              <a:t>We</a:t>
-            </a:r>
-            <a:r>
-              <a:rPr lang="it-IT" sz="1400" dirty="0"/>
-              <a:t> </a:t>
-            </a:r>
-            <a:r>
-              <a:rPr lang="it-IT" sz="1400" dirty="0" err="1"/>
-              <a:t>used</a:t>
-            </a:r>
-            <a:r>
-              <a:rPr lang="it-IT" sz="1400" dirty="0"/>
-              <a:t> the </a:t>
-            </a:r>
-            <a:r>
-              <a:rPr lang="it-IT" sz="1400" b="1" dirty="0"/>
-              <a:t>Random </a:t>
-            </a:r>
-            <a:r>
-              <a:rPr lang="it-IT" sz="1400" b="1" dirty="0" err="1"/>
-              <a:t>Forests</a:t>
-            </a:r>
-            <a:r>
-              <a:rPr lang="it-IT" sz="1400" dirty="0"/>
-              <a:t> and </a:t>
-            </a:r>
-            <a:r>
-              <a:rPr lang="it-IT" sz="1400" b="1" dirty="0" err="1"/>
-              <a:t>SVM</a:t>
-            </a:r>
-            <a:r>
-              <a:rPr lang="it-IT" sz="1400" dirty="0" err="1"/>
-              <a:t>s</a:t>
-            </a:r>
-            <a:r>
-              <a:rPr lang="it-IT" sz="1400" dirty="0"/>
-              <a:t> from </a:t>
-            </a:r>
-            <a:r>
-              <a:rPr lang="it-IT" sz="1400" dirty="0" err="1"/>
-              <a:t>Scikit-Learn</a:t>
-            </a:r>
-            <a:r>
-              <a:rPr lang="it-IT" sz="1400" dirty="0"/>
-              <a:t>, and </a:t>
-            </a:r>
-            <a:r>
-              <a:rPr lang="it-IT" sz="1400" dirty="0" err="1"/>
-              <a:t>implemented</a:t>
-            </a:r>
-            <a:r>
-              <a:rPr lang="it-IT" sz="1400" dirty="0"/>
-              <a:t> a </a:t>
-            </a:r>
-            <a:r>
-              <a:rPr lang="it-IT" sz="1400" dirty="0" err="1"/>
-              <a:t>multilayer</a:t>
-            </a:r>
-            <a:r>
-              <a:rPr lang="it-IT" sz="1400" dirty="0"/>
-              <a:t> </a:t>
-            </a:r>
-            <a:r>
-              <a:rPr lang="it-IT" sz="1400" dirty="0" err="1"/>
-              <a:t>feedforward</a:t>
-            </a:r>
-            <a:r>
-              <a:rPr lang="it-IT" sz="1400" dirty="0"/>
-              <a:t> </a:t>
-            </a:r>
-            <a:r>
-              <a:rPr lang="it-IT" sz="1400" b="1" dirty="0" err="1"/>
-              <a:t>Neural</a:t>
-            </a:r>
-            <a:r>
-              <a:rPr lang="it-IT" sz="1400" b="1" dirty="0"/>
-              <a:t> Network</a:t>
-            </a:r>
-            <a:r>
-              <a:rPr lang="it-IT" sz="1400" dirty="0"/>
-              <a:t> </a:t>
-            </a:r>
-            <a:r>
-              <a:rPr lang="it-IT" sz="1400" dirty="0" err="1"/>
-              <a:t>using</a:t>
-            </a:r>
-            <a:r>
-              <a:rPr lang="it-IT" sz="1400" dirty="0"/>
-              <a:t> </a:t>
-            </a:r>
-            <a:r>
-              <a:rPr lang="it-IT" sz="1400" dirty="0" err="1"/>
-              <a:t>Keras</a:t>
-            </a:r>
-            <a:r>
-              <a:rPr lang="it-IT" sz="1400" dirty="0"/>
-              <a:t>. The </a:t>
-            </a:r>
-            <a:r>
-              <a:rPr lang="it-IT" sz="1400" dirty="0" err="1">
-                <a:latin typeface="Consolas" panose="020B0609020204030204" pitchFamily="49" charset="0"/>
-              </a:rPr>
-              <a:t>NeuralNetwork</a:t>
-            </a:r>
-            <a:r>
-              <a:rPr lang="it-IT" sz="1400" dirty="0"/>
-              <a:t> classes in </a:t>
-            </a:r>
-            <a:r>
-              <a:rPr lang="it-IT" sz="1400" dirty="0" err="1"/>
-              <a:t>our</a:t>
-            </a:r>
-            <a:r>
-              <a:rPr lang="it-IT" sz="1400" dirty="0"/>
-              <a:t> code </a:t>
-            </a:r>
-            <a:r>
-              <a:rPr lang="it-IT" sz="1400" dirty="0" err="1"/>
-              <a:t>is</a:t>
-            </a:r>
-            <a:r>
-              <a:rPr lang="it-IT" sz="1400" dirty="0"/>
-              <a:t> </a:t>
-            </a:r>
-            <a:r>
-              <a:rPr lang="it-IT" sz="1400" dirty="0" err="1"/>
-              <a:t>designed</a:t>
-            </a:r>
-            <a:r>
-              <a:rPr lang="it-IT" sz="1400" dirty="0"/>
-              <a:t> to be </a:t>
-            </a:r>
-            <a:r>
-              <a:rPr lang="it-IT" sz="1400" dirty="0" err="1"/>
-              <a:t>seamless</a:t>
-            </a:r>
-            <a:r>
-              <a:rPr lang="it-IT" sz="1400" dirty="0"/>
-              <a:t> </a:t>
-            </a:r>
-            <a:r>
-              <a:rPr lang="it-IT" sz="1400" dirty="0" err="1"/>
-              <a:t>integrated</a:t>
-            </a:r>
-            <a:r>
-              <a:rPr lang="it-IT" sz="1400" dirty="0"/>
-              <a:t> with </a:t>
-            </a:r>
-            <a:r>
-              <a:rPr lang="it-IT" sz="1400" dirty="0" err="1"/>
-              <a:t>Scikit-Learn</a:t>
-            </a:r>
-            <a:r>
-              <a:rPr lang="it-IT" sz="1400" dirty="0"/>
-              <a:t> </a:t>
-            </a:r>
-            <a:r>
-              <a:rPr lang="it-IT" sz="1400" dirty="0" err="1"/>
-              <a:t>while</a:t>
-            </a:r>
-            <a:r>
-              <a:rPr lang="it-IT" sz="1400" dirty="0"/>
-              <a:t> </a:t>
-            </a:r>
-            <a:r>
-              <a:rPr lang="it-IT" sz="1400" dirty="0" err="1"/>
-              <a:t>also</a:t>
-            </a:r>
-            <a:r>
-              <a:rPr lang="it-IT" sz="1400" dirty="0"/>
-              <a:t> be </a:t>
-            </a:r>
-            <a:r>
-              <a:rPr lang="it-IT" sz="1400" dirty="0" err="1"/>
-              <a:t>usable</a:t>
-            </a:r>
-            <a:r>
-              <a:rPr lang="it-IT" sz="1400" dirty="0"/>
-              <a:t> </a:t>
-            </a:r>
-            <a:r>
-              <a:rPr lang="it-IT" sz="1400" dirty="0" err="1"/>
-              <a:t>without</a:t>
-            </a:r>
-            <a:r>
-              <a:rPr lang="it-IT" sz="1400" dirty="0"/>
-              <a:t> </a:t>
-            </a:r>
-            <a:r>
-              <a:rPr lang="it-IT" sz="1400" dirty="0" err="1"/>
-              <a:t>it</a:t>
-            </a:r>
-            <a:r>
-              <a:rPr lang="it-IT" sz="1400" dirty="0"/>
-              <a:t>. </a:t>
-            </a:r>
-          </a:p>
-        </p:txBody>
-      </p:sp>
-    </p:spTree>
-    <p:extLst>
-      <p:ext uri="{BB962C8B-B14F-4D97-AF65-F5344CB8AC3E}">
-        <p14:creationId xmlns:p14="http://schemas.microsoft.com/office/powerpoint/2010/main" val="2850000877"/>
-      </p:ext>
-    </p:extLst>
-  </p:cSld>
-  <p:clrMapOvr>
-    <a:masterClrMapping/>
-  </p:clrMapOvr>
-</p:sld>
-</file>
-
-<file path=ppt/slides/slide30.xml><?xml version="1.0" encoding="utf-8"?>
+<file path=ppt/slides/slide29.xml><?xml version="1.0" encoding="utf-8"?>
 <p:sld xmlns:a="http://schemas.openxmlformats.org/drawingml/2006/main" xmlns:r="http://schemas.openxmlformats.org/officeDocument/2006/relationships" xmlns:p="http://schemas.openxmlformats.org/presentationml/2006/main">
   <p:cSld>
     <p:spTree>
@@ -24577,7 +23684,7 @@
                 <a:latin typeface="Arial"/>
                 <a:ea typeface="Arial"/>
               </a:rPr>
-              <a:t>30</a:t>
+              <a:t>29</a:t>
             </a:fld>
             <a:endParaRPr lang="it-IT" sz="1000" b="0" strike="noStrike" spc="-1">
               <a:latin typeface="Times New Roman"/>
@@ -25498,7 +24605,850 @@
 </p:sld>
 </file>
 
-<file path=ppt/slides/slide31.xml><?xml version="1.0" encoding="utf-8"?>
+<file path=ppt/slides/slide3.xml><?xml version="1.0" encoding="utf-8"?>
+<p:sld xmlns:a="http://schemas.openxmlformats.org/drawingml/2006/main" xmlns:r="http://schemas.openxmlformats.org/officeDocument/2006/relationships" xmlns:p="http://schemas.openxmlformats.org/presentationml/2006/main">
+  <p:cSld>
+    <p:spTree>
+      <p:nvGrpSpPr>
+        <p:cNvPr id="1" name=""/>
+        <p:cNvGrpSpPr/>
+        <p:nvPr/>
+      </p:nvGrpSpPr>
+      <p:grpSpPr>
+        <a:xfrm>
+          <a:off x="0" y="0"/>
+          <a:ext cx="0" cy="0"/>
+          <a:chOff x="0" y="0"/>
+          <a:chExt cx="0" cy="0"/>
+        </a:xfrm>
+      </p:grpSpPr>
+      <p:sp>
+        <p:nvSpPr>
+          <p:cNvPr id="83" name="PlaceHolder 3"/>
+          <p:cNvSpPr>
+            <a:spLocks noGrp="1"/>
+          </p:cNvSpPr>
+          <p:nvPr>
+            <p:ph type="sldNum" idx="3"/>
+          </p:nvPr>
+        </p:nvSpPr>
+        <p:spPr>
+          <a:xfrm>
+            <a:off x="8472600" y="4663080"/>
+            <a:ext cx="548280" cy="393120"/>
+          </a:xfrm>
+          <a:prstGeom prst="rect">
+            <a:avLst/>
+          </a:prstGeom>
+          <a:noFill/>
+          <a:ln w="0">
+            <a:noFill/>
+          </a:ln>
+        </p:spPr>
+        <p:txBody>
+          <a:bodyPr tIns="91440" bIns="91440" anchor="ctr">
+            <a:normAutofit/>
+          </a:bodyPr>
+          <a:lstStyle>
+            <a:lvl1pPr algn="r">
+              <a:lnSpc>
+                <a:spcPct val="100000"/>
+              </a:lnSpc>
+              <a:buNone/>
+              <a:tabLst>
+                <a:tab pos="0" algn="l"/>
+              </a:tabLst>
+              <a:defRPr lang="it" sz="1000" b="0" strike="noStrike" spc="-1">
+                <a:solidFill>
+                  <a:srgbClr val="595959"/>
+                </a:solidFill>
+                <a:latin typeface="Arial"/>
+                <a:ea typeface="Arial"/>
+              </a:defRPr>
+            </a:lvl1pPr>
+          </a:lstStyle>
+          <a:p>
+            <a:pPr algn="r">
+              <a:lnSpc>
+                <a:spcPct val="100000"/>
+              </a:lnSpc>
+              <a:buNone/>
+              <a:tabLst>
+                <a:tab pos="0" algn="l"/>
+              </a:tabLst>
+            </a:pPr>
+            <a:fld id="{CDE5831E-EF50-4AF8-82C3-EBDE88F03D8C}" type="slidenum">
+              <a:rPr lang="it" sz="1000" b="0" strike="noStrike" spc="-1">
+                <a:solidFill>
+                  <a:srgbClr val="595959"/>
+                </a:solidFill>
+                <a:latin typeface="Arial"/>
+                <a:ea typeface="Arial"/>
+              </a:rPr>
+              <a:t>3</a:t>
+            </a:fld>
+            <a:endParaRPr lang="it-IT" sz="1000" b="0" strike="noStrike" spc="-1" dirty="0">
+              <a:latin typeface="Times New Roman"/>
+            </a:endParaRPr>
+          </a:p>
+        </p:txBody>
+      </p:sp>
+      <p:sp>
+        <p:nvSpPr>
+          <p:cNvPr id="4" name="PlaceHolder 1">
+            <a:extLst>
+              <a:ext uri="{FF2B5EF4-FFF2-40B4-BE49-F238E27FC236}">
+                <a16:creationId xmlns:a16="http://schemas.microsoft.com/office/drawing/2014/main" id="{80C918E8-6CF7-0E0B-D3EF-88419C82AA81}"/>
+              </a:ext>
+            </a:extLst>
+          </p:cNvPr>
+          <p:cNvSpPr txBox="1">
+            <a:spLocks/>
+          </p:cNvSpPr>
+          <p:nvPr/>
+        </p:nvSpPr>
+        <p:spPr>
+          <a:xfrm>
+            <a:off x="311760" y="0"/>
+            <a:ext cx="8520120" cy="576000"/>
+          </a:xfrm>
+          <a:prstGeom prst="rect">
+            <a:avLst/>
+          </a:prstGeom>
+          <a:noFill/>
+          <a:ln w="0">
+            <a:noFill/>
+          </a:ln>
+        </p:spPr>
+        <p:txBody>
+          <a:bodyPr lIns="0" tIns="91440" rIns="0" bIns="91440" anchor="t">
+            <a:normAutofit fontScale="97500"/>
+          </a:bodyPr>
+          <a:lstStyle>
+            <a:lvl1pPr algn="l" defTabSz="914400" rtl="0" eaLnBrk="1" latinLnBrk="0" hangingPunct="1">
+              <a:lnSpc>
+                <a:spcPct val="90000"/>
+              </a:lnSpc>
+              <a:spcBef>
+                <a:spcPct val="0"/>
+              </a:spcBef>
+              <a:buNone/>
+              <a:defRPr sz="4400" kern="1200">
+                <a:solidFill>
+                  <a:schemeClr val="tx1"/>
+                </a:solidFill>
+                <a:latin typeface="+mj-lt"/>
+                <a:ea typeface="+mj-ea"/>
+                <a:cs typeface="+mj-cs"/>
+              </a:defRPr>
+            </a:lvl1pPr>
+          </a:lstStyle>
+          <a:p>
+            <a:pPr>
+              <a:lnSpc>
+                <a:spcPct val="100000"/>
+              </a:lnSpc>
+              <a:tabLst>
+                <a:tab pos="0" algn="l"/>
+              </a:tabLst>
+            </a:pPr>
+            <a:r>
+              <a:rPr lang="it" sz="2500" spc="-1" dirty="0">
+                <a:solidFill>
+                  <a:srgbClr val="000000"/>
+                </a:solidFill>
+                <a:latin typeface="Arial"/>
+                <a:ea typeface="Arial"/>
+              </a:rPr>
+              <a:t>Code structure, models overview </a:t>
+            </a:r>
+            <a:r>
+              <a:rPr lang="it" sz="2500" spc="-1" dirty="0">
+                <a:solidFill>
+                  <a:srgbClr val="FF0000"/>
+                </a:solidFill>
+                <a:latin typeface="Arial"/>
+                <a:ea typeface="Arial"/>
+              </a:rPr>
+              <a:t>da rivedere</a:t>
+            </a:r>
+            <a:endParaRPr lang="it-IT" sz="2400" spc="-1" dirty="0">
+              <a:solidFill>
+                <a:srgbClr val="FF0000"/>
+              </a:solidFill>
+              <a:latin typeface="Arial"/>
+            </a:endParaRPr>
+          </a:p>
+        </p:txBody>
+      </p:sp>
+      <p:sp>
+        <p:nvSpPr>
+          <p:cNvPr id="3" name="CasellaDiTesto 2">
+            <a:extLst>
+              <a:ext uri="{FF2B5EF4-FFF2-40B4-BE49-F238E27FC236}">
+                <a16:creationId xmlns:a16="http://schemas.microsoft.com/office/drawing/2014/main" id="{21F77B32-FB82-2079-F53B-1131754C4D18}"/>
+              </a:ext>
+            </a:extLst>
+          </p:cNvPr>
+          <p:cNvSpPr txBox="1"/>
+          <p:nvPr/>
+        </p:nvSpPr>
+        <p:spPr>
+          <a:xfrm>
+            <a:off x="311761" y="693013"/>
+            <a:ext cx="8520119" cy="1600438"/>
+          </a:xfrm>
+          <a:prstGeom prst="rect">
+            <a:avLst/>
+          </a:prstGeom>
+          <a:noFill/>
+        </p:spPr>
+        <p:txBody>
+          <a:bodyPr wrap="square" rtlCol="0">
+            <a:spAutoFit/>
+          </a:bodyPr>
+          <a:lstStyle/>
+          <a:p>
+            <a:r>
+              <a:rPr lang="it-IT" sz="1400" dirty="0"/>
+              <a:t>Basic </a:t>
+            </a:r>
+            <a:r>
+              <a:rPr lang="it-IT" sz="1400" dirty="0" err="1"/>
+              <a:t>structure</a:t>
+            </a:r>
+            <a:r>
+              <a:rPr lang="it-IT" sz="1400" dirty="0"/>
+              <a:t> of the code: </a:t>
+            </a:r>
+          </a:p>
+          <a:p>
+            <a:pPr marL="285750" indent="-285750">
+              <a:buFont typeface="Arial" panose="020B0604020202020204" pitchFamily="34" charset="0"/>
+              <a:buChar char="•"/>
+            </a:pPr>
+            <a:r>
+              <a:rPr lang="it-IT" sz="1400" dirty="0">
+                <a:hlinkClick r:id="rId2"/>
+              </a:rPr>
+              <a:t>GitHub repo</a:t>
+            </a:r>
+            <a:r>
+              <a:rPr lang="it-IT" sz="1400" dirty="0"/>
+              <a:t> in </a:t>
+            </a:r>
+            <a:r>
+              <a:rPr lang="it-IT" sz="1400" dirty="0" err="1"/>
+              <a:t>which</a:t>
+            </a:r>
+            <a:r>
+              <a:rPr lang="it-IT" sz="1400" dirty="0"/>
+              <a:t> </a:t>
+            </a:r>
+            <a:r>
+              <a:rPr lang="it-IT" sz="1400" dirty="0" err="1"/>
+              <a:t>we</a:t>
+            </a:r>
+            <a:r>
+              <a:rPr lang="it-IT" sz="1400" dirty="0"/>
+              <a:t> </a:t>
+            </a:r>
+            <a:r>
+              <a:rPr lang="it-IT" sz="1400" dirty="0" err="1"/>
+              <a:t>stored</a:t>
+            </a:r>
+            <a:r>
+              <a:rPr lang="it-IT" sz="1400" dirty="0"/>
+              <a:t> the datasets, images, notebooks and </a:t>
+            </a:r>
+            <a:r>
+              <a:rPr lang="it-IT" sz="1400" dirty="0" err="1"/>
+              <a:t>saved</a:t>
+            </a:r>
+            <a:r>
+              <a:rPr lang="it-IT" sz="1400" dirty="0"/>
+              <a:t> models. </a:t>
+            </a:r>
+          </a:p>
+          <a:p>
+            <a:pPr marL="285750" indent="-285750">
+              <a:buFont typeface="Arial" panose="020B0604020202020204" pitchFamily="34" charset="0"/>
+              <a:buChar char="•"/>
+            </a:pPr>
+            <a:r>
+              <a:rPr lang="it-IT" sz="1400" dirty="0"/>
+              <a:t>A notebook for </a:t>
+            </a:r>
+            <a:r>
+              <a:rPr lang="it-IT" sz="1400" dirty="0" err="1"/>
+              <a:t>each</a:t>
+            </a:r>
+            <a:r>
+              <a:rPr lang="it-IT" sz="1400" dirty="0"/>
+              <a:t> of the </a:t>
+            </a:r>
+            <a:r>
+              <a:rPr lang="it-IT" sz="1400" dirty="0" err="1"/>
+              <a:t>three</a:t>
+            </a:r>
+            <a:r>
+              <a:rPr lang="it-IT" sz="1400" dirty="0"/>
+              <a:t> classes of models, for </a:t>
+            </a:r>
+            <a:r>
+              <a:rPr lang="it-IT" sz="1400" dirty="0" err="1"/>
+              <a:t>each</a:t>
+            </a:r>
+            <a:r>
+              <a:rPr lang="it-IT" sz="1400" dirty="0"/>
+              <a:t> of the </a:t>
+            </a:r>
+            <a:r>
+              <a:rPr lang="it-IT" sz="1400" dirty="0" err="1"/>
+              <a:t>two</a:t>
+            </a:r>
+            <a:r>
+              <a:rPr lang="it-IT" sz="1400" dirty="0"/>
+              <a:t> tasks.</a:t>
+            </a:r>
+          </a:p>
+          <a:p>
+            <a:pPr marL="285750" indent="-285750">
+              <a:buFont typeface="Arial" panose="020B0604020202020204" pitchFamily="34" charset="0"/>
+              <a:buChar char="•"/>
+            </a:pPr>
+            <a:r>
+              <a:rPr lang="it-IT" sz="1400" dirty="0"/>
+              <a:t>In </a:t>
+            </a:r>
+            <a:r>
+              <a:rPr lang="it-IT" sz="1400" dirty="0" err="1"/>
+              <a:t>each</a:t>
+            </a:r>
+            <a:r>
+              <a:rPr lang="it-IT" sz="1400" dirty="0"/>
+              <a:t> notebook: import and </a:t>
+            </a:r>
+            <a:r>
+              <a:rPr lang="it-IT" sz="1400" dirty="0" err="1"/>
+              <a:t>process</a:t>
+            </a:r>
+            <a:r>
+              <a:rPr lang="it-IT" sz="1400" dirty="0"/>
+              <a:t> the data, create the model (</a:t>
+            </a:r>
+            <a:r>
+              <a:rPr lang="it-IT" sz="1400" dirty="0" err="1"/>
+              <a:t>often</a:t>
+            </a:r>
+            <a:r>
+              <a:rPr lang="it-IT" sz="1400" dirty="0"/>
+              <a:t> by </a:t>
+            </a:r>
+            <a:r>
+              <a:rPr lang="it-IT" sz="1400" dirty="0" err="1"/>
+              <a:t>calling</a:t>
+            </a:r>
+            <a:r>
+              <a:rPr lang="it-IT" sz="1400" dirty="0"/>
+              <a:t> a </a:t>
+            </a:r>
+            <a:r>
+              <a:rPr lang="it-IT" sz="1400" dirty="0" err="1"/>
+              <a:t>function</a:t>
+            </a:r>
+            <a:r>
+              <a:rPr lang="it-IT" sz="1400" dirty="0"/>
+              <a:t> </a:t>
+            </a:r>
+            <a:r>
+              <a:rPr lang="it-IT" sz="1400" dirty="0" err="1"/>
+              <a:t>provided</a:t>
+            </a:r>
+            <a:r>
+              <a:rPr lang="it-IT" sz="1400" dirty="0"/>
+              <a:t> by the library), set up the </a:t>
+            </a:r>
+            <a:r>
+              <a:rPr lang="it-IT" sz="1400" dirty="0" err="1"/>
+              <a:t>grid</a:t>
+            </a:r>
+            <a:r>
+              <a:rPr lang="it-IT" sz="1400" dirty="0"/>
+              <a:t> </a:t>
+            </a:r>
+            <a:r>
+              <a:rPr lang="it-IT" sz="1400" dirty="0" err="1"/>
+              <a:t>search</a:t>
+            </a:r>
+            <a:r>
+              <a:rPr lang="it-IT" sz="1400" dirty="0"/>
+              <a:t> and training </a:t>
+            </a:r>
+            <a:r>
+              <a:rPr lang="it-IT" sz="1400" dirty="0" err="1"/>
+              <a:t>process</a:t>
+            </a:r>
+            <a:r>
+              <a:rPr lang="it-IT" sz="1400" dirty="0"/>
+              <a:t>, </a:t>
+            </a:r>
+            <a:r>
+              <a:rPr lang="it-IT" sz="1400" dirty="0" err="1"/>
+              <a:t>select</a:t>
+            </a:r>
+            <a:r>
+              <a:rPr lang="it-IT" sz="1400" dirty="0"/>
+              <a:t> best </a:t>
+            </a:r>
+            <a:r>
+              <a:rPr lang="it-IT" sz="1400" dirty="0" err="1"/>
+              <a:t>hyperparameters</a:t>
+            </a:r>
+            <a:r>
+              <a:rPr lang="it-IT" sz="1400" dirty="0"/>
+              <a:t> and plot the learning curve, </a:t>
+            </a:r>
+            <a:r>
+              <a:rPr lang="it-IT" sz="1400" dirty="0" err="1"/>
+              <a:t>save</a:t>
+            </a:r>
+            <a:r>
+              <a:rPr lang="it-IT" sz="1400" dirty="0"/>
+              <a:t> the model</a:t>
+            </a:r>
+          </a:p>
+          <a:p>
+            <a:pPr marL="285750" indent="-285750">
+              <a:buFont typeface="Arial" panose="020B0604020202020204" pitchFamily="34" charset="0"/>
+              <a:buChar char="•"/>
+            </a:pPr>
+            <a:r>
+              <a:rPr lang="it-IT" sz="1400" dirty="0"/>
+              <a:t>Extra notebooks for data </a:t>
+            </a:r>
+            <a:r>
+              <a:rPr lang="it-IT" sz="1400" dirty="0" err="1"/>
+              <a:t>exploration</a:t>
+            </a:r>
+            <a:r>
+              <a:rPr lang="it-IT" sz="1400" dirty="0"/>
+              <a:t> and models </a:t>
+            </a:r>
+            <a:r>
+              <a:rPr lang="it-IT" sz="1400" dirty="0" err="1"/>
+              <a:t>comparison</a:t>
+            </a:r>
+            <a:endParaRPr lang="it-IT" sz="1400" dirty="0"/>
+          </a:p>
+        </p:txBody>
+      </p:sp>
+      <p:sp>
+        <p:nvSpPr>
+          <p:cNvPr id="11" name="CasellaDiTesto 10">
+            <a:extLst>
+              <a:ext uri="{FF2B5EF4-FFF2-40B4-BE49-F238E27FC236}">
+                <a16:creationId xmlns:a16="http://schemas.microsoft.com/office/drawing/2014/main" id="{003EBDB9-88F0-E455-63E2-1D1CE308D764}"/>
+              </a:ext>
+            </a:extLst>
+          </p:cNvPr>
+          <p:cNvSpPr txBox="1"/>
+          <p:nvPr/>
+        </p:nvSpPr>
+        <p:spPr>
+          <a:xfrm>
+            <a:off x="311760" y="3996932"/>
+            <a:ext cx="8520120" cy="523220"/>
+          </a:xfrm>
+          <a:prstGeom prst="rect">
+            <a:avLst/>
+          </a:prstGeom>
+          <a:noFill/>
+        </p:spPr>
+        <p:txBody>
+          <a:bodyPr wrap="square" rtlCol="0">
+            <a:spAutoFit/>
+          </a:bodyPr>
+          <a:lstStyle/>
+          <a:p>
+            <a:r>
+              <a:rPr lang="it-IT" sz="1400" dirty="0"/>
+              <a:t>For </a:t>
+            </a:r>
+            <a:r>
+              <a:rPr lang="it-IT" sz="1400" dirty="0" err="1"/>
+              <a:t>all</a:t>
+            </a:r>
+            <a:r>
+              <a:rPr lang="it-IT" sz="1400" dirty="0"/>
+              <a:t> </a:t>
+            </a:r>
+            <a:r>
+              <a:rPr lang="it-IT" sz="1400" dirty="0" err="1"/>
+              <a:t>these</a:t>
+            </a:r>
+            <a:r>
+              <a:rPr lang="it-IT" sz="1400" dirty="0"/>
+              <a:t> models </a:t>
+            </a:r>
+            <a:r>
+              <a:rPr lang="it-IT" sz="1400" dirty="0" err="1"/>
+              <a:t>we</a:t>
+            </a:r>
+            <a:r>
+              <a:rPr lang="it-IT" sz="1400" dirty="0"/>
+              <a:t> </a:t>
+            </a:r>
+            <a:r>
+              <a:rPr lang="it-IT" sz="1400" dirty="0" err="1"/>
+              <a:t>tried</a:t>
+            </a:r>
+            <a:r>
+              <a:rPr lang="it-IT" sz="1400" dirty="0"/>
+              <a:t> out </a:t>
+            </a:r>
+            <a:r>
+              <a:rPr lang="it-IT" sz="1400" dirty="0" err="1"/>
+              <a:t>many</a:t>
+            </a:r>
+            <a:r>
+              <a:rPr lang="it-IT" sz="1400" dirty="0"/>
+              <a:t> </a:t>
+            </a:r>
+            <a:r>
+              <a:rPr lang="it-IT" sz="1400" dirty="0" err="1"/>
+              <a:t>configurations</a:t>
+            </a:r>
+            <a:r>
+              <a:rPr lang="it-IT" sz="1400" dirty="0"/>
+              <a:t> of </a:t>
+            </a:r>
+            <a:r>
+              <a:rPr lang="it-IT" sz="1400" dirty="0" err="1"/>
+              <a:t>hyperparameters</a:t>
+            </a:r>
+            <a:r>
+              <a:rPr lang="it-IT" sz="1400" dirty="0"/>
+              <a:t>. </a:t>
+            </a:r>
+            <a:r>
+              <a:rPr lang="it-IT" sz="1400" dirty="0">
+                <a:solidFill>
+                  <a:srgbClr val="FF0000"/>
+                </a:solidFill>
+              </a:rPr>
+              <a:t>Precise </a:t>
+            </a:r>
+            <a:r>
+              <a:rPr lang="it-IT" sz="1400" dirty="0" err="1">
+                <a:solidFill>
+                  <a:srgbClr val="FF0000"/>
+                </a:solidFill>
+              </a:rPr>
+              <a:t>details</a:t>
+            </a:r>
+            <a:r>
+              <a:rPr lang="it-IT" sz="1400" dirty="0">
+                <a:solidFill>
+                  <a:srgbClr val="FF0000"/>
+                </a:solidFill>
+              </a:rPr>
+              <a:t> </a:t>
+            </a:r>
+            <a:r>
+              <a:rPr lang="it-IT" sz="1400" dirty="0" err="1">
+                <a:solidFill>
+                  <a:srgbClr val="FF0000"/>
+                </a:solidFill>
+              </a:rPr>
+              <a:t>will</a:t>
+            </a:r>
+            <a:r>
+              <a:rPr lang="it-IT" sz="1400" dirty="0">
+                <a:solidFill>
+                  <a:srgbClr val="FF0000"/>
+                </a:solidFill>
+              </a:rPr>
+              <a:t> be </a:t>
+            </a:r>
+            <a:r>
+              <a:rPr lang="it-IT" sz="1400" dirty="0" err="1">
+                <a:solidFill>
+                  <a:srgbClr val="FF0000"/>
+                </a:solidFill>
+              </a:rPr>
+              <a:t>given</a:t>
+            </a:r>
+            <a:r>
+              <a:rPr lang="it-IT" sz="1400" dirty="0">
+                <a:solidFill>
+                  <a:srgbClr val="FF0000"/>
+                </a:solidFill>
+              </a:rPr>
+              <a:t> </a:t>
+            </a:r>
+            <a:r>
+              <a:rPr lang="it-IT" sz="1400" dirty="0" err="1">
+                <a:solidFill>
+                  <a:srgbClr val="FF0000"/>
+                </a:solidFill>
+              </a:rPr>
+              <a:t>later</a:t>
+            </a:r>
+            <a:r>
+              <a:rPr lang="it-IT" sz="1400" dirty="0">
+                <a:solidFill>
+                  <a:srgbClr val="FF0000"/>
+                </a:solidFill>
+              </a:rPr>
+              <a:t>. </a:t>
+            </a:r>
+          </a:p>
+        </p:txBody>
+      </p:sp>
+      <p:sp>
+        <p:nvSpPr>
+          <p:cNvPr id="5" name="CasellaDiTesto 4">
+            <a:extLst>
+              <a:ext uri="{FF2B5EF4-FFF2-40B4-BE49-F238E27FC236}">
+                <a16:creationId xmlns:a16="http://schemas.microsoft.com/office/drawing/2014/main" id="{A25770F8-1FA1-1D5E-D768-E47CF7ED482A}"/>
+              </a:ext>
+            </a:extLst>
+          </p:cNvPr>
+          <p:cNvSpPr txBox="1"/>
+          <p:nvPr/>
+        </p:nvSpPr>
+        <p:spPr>
+          <a:xfrm>
+            <a:off x="311760" y="2802701"/>
+            <a:ext cx="8520120" cy="738664"/>
+          </a:xfrm>
+          <a:prstGeom prst="rect">
+            <a:avLst/>
+          </a:prstGeom>
+          <a:noFill/>
+        </p:spPr>
+        <p:txBody>
+          <a:bodyPr wrap="square" rtlCol="0">
+            <a:spAutoFit/>
+          </a:bodyPr>
+          <a:lstStyle/>
+          <a:p>
+            <a:r>
+              <a:rPr lang="it-IT" sz="1400" dirty="0" err="1"/>
+              <a:t>We</a:t>
+            </a:r>
+            <a:r>
+              <a:rPr lang="it-IT" sz="1400" dirty="0"/>
+              <a:t> </a:t>
+            </a:r>
+            <a:r>
+              <a:rPr lang="it-IT" sz="1400" dirty="0" err="1"/>
+              <a:t>used</a:t>
+            </a:r>
+            <a:r>
+              <a:rPr lang="it-IT" sz="1400" dirty="0"/>
+              <a:t> the </a:t>
+            </a:r>
+            <a:r>
+              <a:rPr lang="it-IT" sz="1400" b="1" dirty="0"/>
+              <a:t>Random </a:t>
+            </a:r>
+            <a:r>
+              <a:rPr lang="it-IT" sz="1400" b="1" dirty="0" err="1"/>
+              <a:t>Forests</a:t>
+            </a:r>
+            <a:r>
+              <a:rPr lang="it-IT" sz="1400" dirty="0"/>
+              <a:t> and </a:t>
+            </a:r>
+            <a:r>
+              <a:rPr lang="it-IT" sz="1400" b="1" dirty="0" err="1"/>
+              <a:t>SVM</a:t>
+            </a:r>
+            <a:r>
+              <a:rPr lang="it-IT" sz="1400" dirty="0" err="1"/>
+              <a:t>s</a:t>
+            </a:r>
+            <a:r>
+              <a:rPr lang="it-IT" sz="1400" dirty="0"/>
+              <a:t> from </a:t>
+            </a:r>
+            <a:r>
+              <a:rPr lang="it-IT" sz="1400" dirty="0" err="1"/>
+              <a:t>Scikit-Learn</a:t>
+            </a:r>
+            <a:r>
+              <a:rPr lang="it-IT" sz="1400" dirty="0"/>
+              <a:t>, and </a:t>
+            </a:r>
+            <a:r>
+              <a:rPr lang="it-IT" sz="1400" dirty="0" err="1"/>
+              <a:t>implemented</a:t>
+            </a:r>
+            <a:r>
+              <a:rPr lang="it-IT" sz="1400" dirty="0"/>
+              <a:t> a </a:t>
+            </a:r>
+            <a:r>
+              <a:rPr lang="it-IT" sz="1400" dirty="0" err="1"/>
+              <a:t>multilayer</a:t>
+            </a:r>
+            <a:r>
+              <a:rPr lang="it-IT" sz="1400" dirty="0"/>
+              <a:t> </a:t>
+            </a:r>
+            <a:r>
+              <a:rPr lang="it-IT" sz="1400" dirty="0" err="1"/>
+              <a:t>feedforward</a:t>
+            </a:r>
+            <a:r>
+              <a:rPr lang="it-IT" sz="1400" dirty="0"/>
+              <a:t> </a:t>
+            </a:r>
+            <a:r>
+              <a:rPr lang="it-IT" sz="1400" b="1" dirty="0" err="1"/>
+              <a:t>Neural</a:t>
+            </a:r>
+            <a:r>
+              <a:rPr lang="it-IT" sz="1400" b="1" dirty="0"/>
+              <a:t> Network</a:t>
+            </a:r>
+            <a:r>
+              <a:rPr lang="it-IT" sz="1400" dirty="0"/>
+              <a:t> </a:t>
+            </a:r>
+            <a:r>
+              <a:rPr lang="it-IT" sz="1400" dirty="0" err="1"/>
+              <a:t>using</a:t>
+            </a:r>
+            <a:r>
+              <a:rPr lang="it-IT" sz="1400" dirty="0"/>
+              <a:t> </a:t>
+            </a:r>
+            <a:r>
+              <a:rPr lang="it-IT" sz="1400" dirty="0" err="1"/>
+              <a:t>Keras</a:t>
+            </a:r>
+            <a:r>
+              <a:rPr lang="it-IT" sz="1400" dirty="0"/>
+              <a:t>. The </a:t>
+            </a:r>
+            <a:r>
+              <a:rPr lang="it-IT" sz="1400" dirty="0" err="1">
+                <a:latin typeface="Consolas" panose="020B0609020204030204" pitchFamily="49" charset="0"/>
+              </a:rPr>
+              <a:t>NeuralNetwork</a:t>
+            </a:r>
+            <a:r>
+              <a:rPr lang="it-IT" sz="1400" dirty="0"/>
+              <a:t> classes in </a:t>
+            </a:r>
+            <a:r>
+              <a:rPr lang="it-IT" sz="1400" dirty="0" err="1"/>
+              <a:t>our</a:t>
+            </a:r>
+            <a:r>
+              <a:rPr lang="it-IT" sz="1400" dirty="0"/>
+              <a:t> code </a:t>
+            </a:r>
+            <a:r>
+              <a:rPr lang="it-IT" sz="1400" dirty="0" err="1"/>
+              <a:t>is</a:t>
+            </a:r>
+            <a:r>
+              <a:rPr lang="it-IT" sz="1400" dirty="0"/>
+              <a:t> </a:t>
+            </a:r>
+            <a:r>
+              <a:rPr lang="it-IT" sz="1400" dirty="0" err="1"/>
+              <a:t>designed</a:t>
+            </a:r>
+            <a:r>
+              <a:rPr lang="it-IT" sz="1400" dirty="0"/>
+              <a:t> to be </a:t>
+            </a:r>
+            <a:r>
+              <a:rPr lang="it-IT" sz="1400" dirty="0" err="1"/>
+              <a:t>seamless</a:t>
+            </a:r>
+            <a:r>
+              <a:rPr lang="it-IT" sz="1400" dirty="0"/>
+              <a:t> </a:t>
+            </a:r>
+            <a:r>
+              <a:rPr lang="it-IT" sz="1400" dirty="0" err="1"/>
+              <a:t>integrated</a:t>
+            </a:r>
+            <a:r>
+              <a:rPr lang="it-IT" sz="1400" dirty="0"/>
+              <a:t> with </a:t>
+            </a:r>
+            <a:r>
+              <a:rPr lang="it-IT" sz="1400" dirty="0" err="1"/>
+              <a:t>Scikit-Learn</a:t>
+            </a:r>
+            <a:r>
+              <a:rPr lang="it-IT" sz="1400" dirty="0"/>
+              <a:t> </a:t>
+            </a:r>
+            <a:r>
+              <a:rPr lang="it-IT" sz="1400" dirty="0" err="1"/>
+              <a:t>while</a:t>
+            </a:r>
+            <a:r>
+              <a:rPr lang="it-IT" sz="1400" dirty="0"/>
+              <a:t> </a:t>
+            </a:r>
+            <a:r>
+              <a:rPr lang="it-IT" sz="1400" dirty="0" err="1"/>
+              <a:t>also</a:t>
+            </a:r>
+            <a:r>
+              <a:rPr lang="it-IT" sz="1400" dirty="0"/>
+              <a:t> be </a:t>
+            </a:r>
+            <a:r>
+              <a:rPr lang="it-IT" sz="1400" dirty="0" err="1"/>
+              <a:t>usable</a:t>
+            </a:r>
+            <a:r>
+              <a:rPr lang="it-IT" sz="1400" dirty="0"/>
+              <a:t> </a:t>
+            </a:r>
+            <a:r>
+              <a:rPr lang="it-IT" sz="1400" dirty="0" err="1"/>
+              <a:t>without</a:t>
+            </a:r>
+            <a:r>
+              <a:rPr lang="it-IT" sz="1400" dirty="0"/>
+              <a:t> </a:t>
+            </a:r>
+            <a:r>
+              <a:rPr lang="it-IT" sz="1400" dirty="0" err="1"/>
+              <a:t>it</a:t>
+            </a:r>
+            <a:r>
+              <a:rPr lang="it-IT" sz="1400" dirty="0"/>
+              <a:t>. </a:t>
+            </a:r>
+          </a:p>
+        </p:txBody>
+      </p:sp>
+    </p:spTree>
+    <p:extLst>
+      <p:ext uri="{BB962C8B-B14F-4D97-AF65-F5344CB8AC3E}">
+        <p14:creationId xmlns:p14="http://schemas.microsoft.com/office/powerpoint/2010/main" val="2850000877"/>
+      </p:ext>
+    </p:extLst>
+  </p:cSld>
+  <p:clrMapOvr>
+    <a:masterClrMapping/>
+  </p:clrMapOvr>
+</p:sld>
+</file>
+
+<file path=ppt/slides/slide30.xml><?xml version="1.0" encoding="utf-8"?>
 <p:sld xmlns:a="http://schemas.openxmlformats.org/drawingml/2006/main" xmlns:r="http://schemas.openxmlformats.org/officeDocument/2006/relationships" xmlns:p="http://schemas.openxmlformats.org/presentationml/2006/main">
   <p:cSld>
     <p:spTree>
@@ -25654,7 +25604,7 @@
                 <a:latin typeface="Arial"/>
                 <a:ea typeface="Arial"/>
               </a:rPr>
-              <a:t>31</a:t>
+              <a:t>30</a:t>
             </a:fld>
             <a:endParaRPr lang="it-IT" sz="1000" b="0" strike="noStrike" spc="-1">
               <a:latin typeface="Times New Roman"/>
@@ -26972,7 +26922,7 @@
 </p:sld>
 </file>
 
-<file path=ppt/slides/slide32.xml><?xml version="1.0" encoding="utf-8"?>
+<file path=ppt/slides/slide31.xml><?xml version="1.0" encoding="utf-8"?>
 <p:sld xmlns:a="http://schemas.openxmlformats.org/drawingml/2006/main" xmlns:r="http://schemas.openxmlformats.org/officeDocument/2006/relationships" xmlns:p="http://schemas.openxmlformats.org/presentationml/2006/main">
   <p:cSld>
     <p:spTree>
@@ -27128,7 +27078,7 @@
                 <a:latin typeface="Arial"/>
                 <a:ea typeface="Arial"/>
               </a:rPr>
-              <a:t>32</a:t>
+              <a:t>31</a:t>
             </a:fld>
             <a:endParaRPr lang="it-IT" sz="1000" b="0" strike="noStrike" spc="-1">
               <a:latin typeface="Times New Roman"/>
@@ -28504,15 +28454,15 @@
             </a:r>
             <a:r>
               <a:rPr lang="it-IT" sz="1400" dirty="0"/>
-              <a:t> on </a:t>
-            </a:r>
-            <a:r>
-              <a:rPr lang="it-IT" sz="1400" dirty="0" err="1"/>
-              <a:t>which</a:t>
-            </a:r>
-            <a:r>
-              <a:rPr lang="it-IT" sz="1400" dirty="0"/>
-              <a:t> a </a:t>
+              <a:t> </a:t>
+            </a:r>
+            <a:r>
+              <a:rPr lang="it-IT" sz="1400" dirty="0" err="1"/>
+              <a:t>selected</a:t>
+            </a:r>
+            <a:r>
+              <a:rPr lang="it-IT" sz="1400" dirty="0"/>
+              <a:t> by </a:t>
             </a:r>
             <a:r>
               <a:rPr lang="it-IT" sz="1400" dirty="0" err="1"/>
@@ -28525,22 +28475,6 @@
             <a:r>
               <a:rPr lang="it-IT" sz="1400" dirty="0" err="1"/>
               <a:t>search</a:t>
-            </a:r>
-            <a:r>
-              <a:rPr lang="it-IT" sz="1400" dirty="0"/>
-              <a:t> </a:t>
-            </a:r>
-            <a:r>
-              <a:rPr lang="it-IT" sz="1400" dirty="0" err="1"/>
-              <a:t>is</a:t>
-            </a:r>
-            <a:r>
-              <a:rPr lang="it-IT" sz="1400" dirty="0"/>
-              <a:t> </a:t>
-            </a:r>
-            <a:r>
-              <a:rPr lang="it-IT" sz="1400" dirty="0" err="1"/>
-              <a:t>performed</a:t>
             </a:r>
             <a:endParaRPr lang="it-IT" sz="1400" dirty="0"/>
           </a:p>
@@ -28936,7 +28870,7 @@
         </p:nvSpPr>
         <p:spPr>
           <a:xfrm>
-            <a:off x="311760" y="947200"/>
+            <a:off x="311760" y="1530747"/>
             <a:ext cx="8520120" cy="954107"/>
           </a:xfrm>
           <a:prstGeom prst="rect">
@@ -29237,7 +29171,7 @@
         </p:nvSpPr>
         <p:spPr>
           <a:xfrm>
-            <a:off x="311760" y="2096320"/>
+            <a:off x="311760" y="642971"/>
             <a:ext cx="8520120" cy="523220"/>
           </a:xfrm>
           <a:prstGeom prst="rect">
@@ -29497,8 +29431,8 @@
         </p:nvSpPr>
         <p:spPr>
           <a:xfrm>
-            <a:off x="311761" y="3022959"/>
-            <a:ext cx="8520119" cy="1384995"/>
+            <a:off x="311761" y="3493529"/>
+            <a:ext cx="8520119" cy="1169551"/>
           </a:xfrm>
           <a:prstGeom prst="rect">
             <a:avLst/>
@@ -29810,13 +29744,6 @@
               <a:rPr lang="it-IT" sz="1400" dirty="0"/>
               <a:t> the batch size</a:t>
             </a:r>
-          </a:p>
-          <a:p>
-            <a:pPr marL="285750" indent="-285750">
-              <a:buFont typeface="Arial" panose="020B0604020202020204" pitchFamily="34" charset="0"/>
-              <a:buChar char="•"/>
-            </a:pPr>
-            <a:endParaRPr lang="it-IT" sz="1400" dirty="0"/>
           </a:p>
         </p:txBody>
       </p:sp>

--- a/relazione/ML-2023-PRJ-Slides-Demo.pptx
+++ b/relazione/ML-2023-PRJ-Slides-Demo.pptx
@@ -6,7 +6,7 @@
     <p:sldMasterId id="2147483661" r:id="rId2"/>
   </p:sldMasterIdLst>
   <p:notesMasterIdLst>
-    <p:notesMasterId r:id="rId34"/>
+    <p:notesMasterId r:id="rId36"/>
   </p:notesMasterIdLst>
   <p:sldIdLst>
     <p:sldId id="256" r:id="rId3"/>
@@ -37,9 +37,11 @@
     <p:sldId id="283" r:id="rId28"/>
     <p:sldId id="288" r:id="rId29"/>
     <p:sldId id="291" r:id="rId30"/>
-    <p:sldId id="281" r:id="rId31"/>
-    <p:sldId id="284" r:id="rId32"/>
-    <p:sldId id="286" r:id="rId33"/>
+    <p:sldId id="292" r:id="rId31"/>
+    <p:sldId id="293" r:id="rId32"/>
+    <p:sldId id="281" r:id="rId33"/>
+    <p:sldId id="284" r:id="rId34"/>
+    <p:sldId id="286" r:id="rId35"/>
   </p:sldIdLst>
   <p:sldSz cx="9144000" cy="5143500" type="screen16x9"/>
   <p:notesSz cx="6858000" cy="9144000"/>
@@ -228,7 +230,7 @@
           <a:p>
             <a:fld id="{6A71CC8E-465E-46C0-91CA-2080D1264305}" type="datetimeFigureOut">
               <a:rPr lang="it-IT" smtClean="0"/>
-              <a:t>23/01/2024</a:t>
+              <a:t>24/01/2024</a:t>
             </a:fld>
             <a:endParaRPr lang="it-IT"/>
           </a:p>
@@ -15690,11 +15692,21 @@
                 <a:latin typeface="Arial"/>
                 <a:ea typeface="Arial"/>
               </a:rPr>
-              <a:t>Bibliography – 1</a:t>
+              <a:t>Bibliography – 1 </a:t>
+            </a:r>
+            <a:r>
+              <a:rPr lang="it" sz="2600" b="0" strike="noStrike" spc="-1" dirty="0">
+                <a:solidFill>
+                  <a:srgbClr val="FF0000"/>
+                </a:solidFill>
+                <a:latin typeface="Arial"/>
+                <a:ea typeface="Arial"/>
+              </a:rPr>
+              <a:t>Aggiustare?</a:t>
             </a:r>
             <a:endParaRPr lang="it-IT" sz="2800" b="0" strike="noStrike" spc="-1" dirty="0">
               <a:solidFill>
-                <a:srgbClr val="000000"/>
+                <a:srgbClr val="FF0000"/>
               </a:solidFill>
               <a:latin typeface="Arial"/>
             </a:endParaRPr>
@@ -16575,7 +16587,7 @@
         <p:spPr>
           <a:xfrm>
             <a:off x="490817" y="1452282"/>
-            <a:ext cx="7738783" cy="1384995"/>
+            <a:ext cx="7738783" cy="1815882"/>
           </a:xfrm>
           <a:prstGeom prst="rect">
             <a:avLst/>
@@ -16674,6 +16686,89 @@
               </a:rPr>
               <a:t>Articolo 2</a:t>
             </a:r>
+          </a:p>
+          <a:p>
+            <a:pPr marL="342900" indent="-342900">
+              <a:buFont typeface="+mj-lt"/>
+              <a:buAutoNum type="arabicPeriod" startAt="8"/>
+            </a:pPr>
+            <a:r>
+              <a:rPr lang="it-IT" sz="1400" dirty="0"/>
+              <a:t>S. </a:t>
+            </a:r>
+            <a:r>
+              <a:rPr lang="it-IT" sz="1400" dirty="0" err="1"/>
+              <a:t>Thrun</a:t>
+            </a:r>
+            <a:r>
+              <a:rPr lang="it-IT" sz="1400" dirty="0"/>
+              <a:t>, J. Bala, E. </a:t>
+            </a:r>
+            <a:r>
+              <a:rPr lang="it-IT" sz="1400" dirty="0" err="1"/>
+              <a:t>Bloedorn</a:t>
+            </a:r>
+            <a:r>
+              <a:rPr lang="it-IT" sz="1400" dirty="0"/>
+              <a:t>, I. </a:t>
+            </a:r>
+            <a:r>
+              <a:rPr lang="it-IT" sz="1400" dirty="0" err="1"/>
+              <a:t>Bratko</a:t>
+            </a:r>
+            <a:r>
+              <a:rPr lang="it-IT" sz="1400" dirty="0"/>
+              <a:t> et al. (1992). </a:t>
+            </a:r>
+            <a:r>
+              <a:rPr lang="it-IT" sz="1400" i="1" dirty="0"/>
+              <a:t>The </a:t>
+            </a:r>
+            <a:r>
+              <a:rPr lang="it-IT" sz="1400" i="1" dirty="0" err="1"/>
+              <a:t>MONK's</a:t>
+            </a:r>
+            <a:r>
+              <a:rPr lang="it-IT" sz="1400" i="1" dirty="0"/>
+              <a:t> </a:t>
+            </a:r>
+            <a:r>
+              <a:rPr lang="it-IT" sz="1400" i="1" dirty="0" err="1"/>
+              <a:t>Problems</a:t>
+            </a:r>
+            <a:r>
+              <a:rPr lang="it-IT" sz="1400" i="1" dirty="0"/>
+              <a:t>: A Performance </a:t>
+            </a:r>
+            <a:r>
+              <a:rPr lang="it-IT" sz="1400" i="1" dirty="0" err="1"/>
+              <a:t>Comparison</a:t>
+            </a:r>
+            <a:r>
+              <a:rPr lang="it-IT" sz="1400" i="1" dirty="0"/>
+              <a:t> of </a:t>
+            </a:r>
+            <a:r>
+              <a:rPr lang="it-IT" sz="1400" i="1" dirty="0" err="1"/>
+              <a:t>Different</a:t>
+            </a:r>
+            <a:r>
+              <a:rPr lang="it-IT" sz="1400" i="1" dirty="0"/>
+              <a:t> Learning </a:t>
+            </a:r>
+            <a:r>
+              <a:rPr lang="it-IT" sz="1400" i="1" dirty="0" err="1"/>
+              <a:t>Algorithms</a:t>
+            </a:r>
+            <a:r>
+              <a:rPr lang="it-IT" sz="1400" dirty="0"/>
+              <a:t>.</a:t>
+            </a:r>
+            <a:endParaRPr lang="it-IT" sz="1400" dirty="0">
+              <a:solidFill>
+                <a:srgbClr val="FF0000"/>
+              </a:solidFill>
+            </a:endParaRPr>
           </a:p>
           <a:p>
             <a:pPr marL="342900" indent="-342900">
@@ -21389,7 +21484,7 @@
           <p:nvPr>
             <p:extLst>
               <p:ext uri="{D42A27DB-BD31-4B8C-83A1-F6EECF244321}">
-                <p14:modId xmlns:p14="http://schemas.microsoft.com/office/powerpoint/2010/main" val="2280530603"/>
+                <p14:modId xmlns:p14="http://schemas.microsoft.com/office/powerpoint/2010/main" val="1776026863"/>
               </p:ext>
             </p:extLst>
           </p:nvPr>
@@ -21761,7 +21856,7 @@
                             <a:schemeClr val="tx1"/>
                           </a:solidFill>
                         </a:rPr>
-                        <a:t>71.71% </a:t>
+                        <a:t>71,71% </a:t>
                       </a:r>
                       <a:r>
                         <a:rPr lang="it-IT" sz="1400" i="0" dirty="0">
@@ -21895,15 +21990,15 @@
                       <a:r>
                         <a:rPr lang="it-IT" sz="1400" i="1" dirty="0">
                           <a:solidFill>
-                            <a:srgbClr val="FF0000"/>
+                            <a:schemeClr val="tx1"/>
                           </a:solidFill>
                         </a:rPr>
-                        <a:t>93.40% </a:t>
+                        <a:t>93,40% </a:t>
                       </a:r>
                       <a:r>
                         <a:rPr lang="it-IT" sz="1400" i="0" dirty="0">
                           <a:solidFill>
-                            <a:srgbClr val="FF0000"/>
+                            <a:schemeClr val="tx1"/>
                           </a:solidFill>
                         </a:rPr>
                         <a:t>/</a:t>
@@ -21911,10 +22006,10 @@
                       <a:r>
                         <a:rPr lang="it-IT" sz="1400" i="1" dirty="0">
                           <a:solidFill>
-                            <a:srgbClr val="FF0000"/>
+                            <a:schemeClr val="tx1"/>
                           </a:solidFill>
                         </a:rPr>
-                        <a:t> 97.22%</a:t>
+                        <a:t> 93,40%</a:t>
                       </a:r>
                     </a:p>
                   </a:txBody>
@@ -21942,11 +22037,14 @@
                         <a:tabLst/>
                         <a:defRPr/>
                       </a:pPr>
-                      <a:endParaRPr lang="it-IT" sz="1400" i="1" dirty="0">
-                        <a:solidFill>
-                          <a:srgbClr val="FF0000"/>
-                        </a:solidFill>
-                      </a:endParaRPr>
+                      <a:r>
+                        <a:rPr lang="it-IT" sz="1400" i="1" dirty="0">
+                          <a:solidFill>
+                            <a:schemeClr val="tx1"/>
+                          </a:solidFill>
+                        </a:rPr>
+                        <a:t>97,22%</a:t>
+                      </a:r>
                     </a:p>
                   </a:txBody>
                   <a:tcPr anchor="ctr"/>
@@ -22055,7 +22153,7 @@
           <p:nvPr>
             <p:extLst>
               <p:ext uri="{D42A27DB-BD31-4B8C-83A1-F6EECF244321}">
-                <p14:modId xmlns:p14="http://schemas.microsoft.com/office/powerpoint/2010/main" val="1849409378"/>
+                <p14:modId xmlns:p14="http://schemas.microsoft.com/office/powerpoint/2010/main" val="403741590"/>
               </p:ext>
             </p:extLst>
           </p:nvPr>
@@ -22483,7 +22581,7 @@
                       <a:pPr algn="ctr"/>
                       <a:r>
                         <a:rPr lang="it-IT" sz="1400" i="1" dirty="0"/>
-                        <a:t>95.37%</a:t>
+                        <a:t>95,37%</a:t>
                       </a:r>
                     </a:p>
                   </a:txBody>
@@ -22748,15 +22846,15 @@
                       <a:r>
                         <a:rPr lang="it-IT" sz="1400" i="1" dirty="0">
                           <a:solidFill>
-                            <a:srgbClr val="FF0000"/>
+                            <a:schemeClr val="tx1"/>
                           </a:solidFill>
                         </a:rPr>
-                        <a:t>93.40% </a:t>
+                        <a:t>95,88% </a:t>
                       </a:r>
                       <a:r>
                         <a:rPr lang="it-IT" sz="1400" i="0" dirty="0">
                           <a:solidFill>
-                            <a:srgbClr val="FF0000"/>
+                            <a:schemeClr val="tx1"/>
                           </a:solidFill>
                         </a:rPr>
                         <a:t>/</a:t>
@@ -22764,10 +22862,10 @@
                       <a:r>
                         <a:rPr lang="it-IT" sz="1400" i="1" dirty="0">
                           <a:solidFill>
-                            <a:srgbClr val="FF0000"/>
+                            <a:schemeClr val="tx1"/>
                           </a:solidFill>
                         </a:rPr>
-                        <a:t> 96.99%</a:t>
+                        <a:t> 92,57%</a:t>
                       </a:r>
                     </a:p>
                   </a:txBody>
@@ -22795,11 +22893,14 @@
                         <a:tabLst/>
                         <a:defRPr/>
                       </a:pPr>
-                      <a:endParaRPr lang="it-IT" sz="1400" i="1" dirty="0">
-                        <a:solidFill>
-                          <a:srgbClr val="FF0000"/>
-                        </a:solidFill>
-                      </a:endParaRPr>
+                      <a:r>
+                        <a:rPr lang="it-IT" sz="1400" i="1" dirty="0">
+                          <a:solidFill>
+                            <a:schemeClr val="tx1"/>
+                          </a:solidFill>
+                        </a:rPr>
+                        <a:t>96,99%</a:t>
+                      </a:r>
                     </a:p>
                   </a:txBody>
                   <a:tcPr anchor="ctr"/>
@@ -22981,17 +23082,17 @@
                 <a:latin typeface="Arial"/>
                 <a:ea typeface="Arial"/>
               </a:rPr>
-              <a:t>Appendix – 5 </a:t>
-            </a:r>
-            <a:r>
-              <a:rPr lang="it" sz="2400" b="0" strike="noStrike" spc="-1" dirty="0">
-                <a:solidFill>
-                  <a:srgbClr val="FF0000"/>
+              <a:t>Appendix – </a:t>
+            </a:r>
+            <a:r>
+              <a:rPr lang="it" sz="2400" spc="-1" dirty="0">
+                <a:solidFill>
+                  <a:srgbClr val="000000"/>
                 </a:solidFill>
                 <a:latin typeface="Arial"/>
                 <a:ea typeface="Arial"/>
               </a:rPr>
-              <a:t>DA FINIRE </a:t>
+              <a:t>5</a:t>
             </a:r>
             <a:br>
               <a:rPr lang="it" sz="2400" b="0" strike="noStrike" spc="-1" dirty="0">
@@ -23304,7 +23405,7 @@
         <p:spPr>
           <a:xfrm>
             <a:off x="308534" y="4061012"/>
-            <a:ext cx="8164066" cy="523220"/>
+            <a:ext cx="8403174" cy="523220"/>
           </a:xfrm>
           <a:prstGeom prst="rect">
             <a:avLst/>
@@ -23318,199 +23419,112 @@
           <a:lstStyle/>
           <a:p>
             <a:r>
-              <a:rPr lang="it-IT" sz="1400" dirty="0" err="1">
-                <a:solidFill>
-                  <a:srgbClr val="FF0000"/>
-                </a:solidFill>
-              </a:rPr>
+              <a:rPr lang="it-IT" sz="1400" dirty="0" err="1"/>
               <a:t>Interestingly</a:t>
             </a:r>
             <a:r>
-              <a:rPr lang="it-IT" sz="1400" dirty="0">
-                <a:solidFill>
-                  <a:srgbClr val="FF0000"/>
-                </a:solidFill>
-              </a:rPr>
+              <a:rPr lang="it-IT" sz="1400" dirty="0"/>
               <a:t>, </a:t>
             </a:r>
             <a:r>
-              <a:rPr lang="it-IT" sz="1400" dirty="0" err="1">
-                <a:solidFill>
-                  <a:srgbClr val="FF0000"/>
-                </a:solidFill>
-              </a:rPr>
+              <a:rPr lang="it-IT" sz="1400" dirty="0" err="1"/>
               <a:t>all</a:t>
             </a:r>
             <a:r>
-              <a:rPr lang="it-IT" sz="1400" dirty="0">
-                <a:solidFill>
-                  <a:srgbClr val="FF0000"/>
-                </a:solidFill>
-              </a:rPr>
+              <a:rPr lang="it-IT" sz="1400" dirty="0"/>
               <a:t> models </a:t>
             </a:r>
             <a:r>
-              <a:rPr lang="it-IT" sz="1400" dirty="0" err="1">
-                <a:solidFill>
-                  <a:srgbClr val="FF0000"/>
-                </a:solidFill>
-              </a:rPr>
+              <a:rPr lang="it-IT" sz="1400" dirty="0" err="1"/>
               <a:t>but</a:t>
             </a:r>
             <a:r>
-              <a:rPr lang="it-IT" sz="1400" dirty="0">
-                <a:solidFill>
-                  <a:srgbClr val="FF0000"/>
-                </a:solidFill>
-              </a:rPr>
+              <a:rPr lang="it-IT" sz="1400" dirty="0"/>
               <a:t> the Random </a:t>
             </a:r>
             <a:r>
-              <a:rPr lang="it-IT" sz="1400" dirty="0" err="1">
-                <a:solidFill>
-                  <a:srgbClr val="FF0000"/>
-                </a:solidFill>
-              </a:rPr>
+              <a:rPr lang="it-IT" sz="1400" dirty="0" err="1"/>
               <a:t>Forests</a:t>
             </a:r>
             <a:r>
-              <a:rPr lang="it-IT" sz="1400" dirty="0">
-                <a:solidFill>
-                  <a:srgbClr val="FF0000"/>
-                </a:solidFill>
-              </a:rPr>
-              <a:t> are </a:t>
-            </a:r>
-            <a:r>
-              <a:rPr lang="it-IT" sz="1400" dirty="0" err="1">
-                <a:solidFill>
-                  <a:srgbClr val="FF0000"/>
-                </a:solidFill>
-              </a:rPr>
-              <a:t>performant</a:t>
-            </a:r>
-            <a:r>
-              <a:rPr lang="it-IT" sz="1400" dirty="0">
-                <a:solidFill>
-                  <a:srgbClr val="FF0000"/>
-                </a:solidFill>
-              </a:rPr>
+              <a:rPr lang="it-IT" sz="1400" dirty="0"/>
+              <a:t> </a:t>
+            </a:r>
+            <a:r>
+              <a:rPr lang="it-IT" sz="1400" dirty="0" err="1"/>
+              <a:t>perform</a:t>
+            </a:r>
+            <a:r>
+              <a:rPr lang="it-IT" sz="1400" dirty="0"/>
+              <a:t> </a:t>
+            </a:r>
+            <a:r>
+              <a:rPr lang="it-IT" sz="1400" dirty="0" err="1"/>
+              <a:t>well</a:t>
+            </a:r>
+            <a:r>
+              <a:rPr lang="it-IT" sz="1400" dirty="0"/>
               <a:t> in the Monk 1 task.</a:t>
             </a:r>
           </a:p>
           <a:p>
             <a:r>
+              <a:rPr lang="it-IT" sz="1400" dirty="0" err="1"/>
+              <a:t>We</a:t>
+            </a:r>
+            <a:r>
+              <a:rPr lang="it-IT" sz="1400" dirty="0"/>
+              <a:t> </a:t>
+            </a:r>
+            <a:r>
+              <a:rPr lang="it-IT" sz="1400" dirty="0" err="1"/>
+              <a:t>ran</a:t>
+            </a:r>
+            <a:r>
+              <a:rPr lang="it-IT" sz="1400" dirty="0"/>
+              <a:t> </a:t>
+            </a:r>
+            <a:r>
+              <a:rPr lang="it-IT" sz="1400" dirty="0" err="1"/>
+              <a:t>similar</a:t>
+            </a:r>
+            <a:r>
+              <a:rPr lang="it-IT" sz="1400" dirty="0"/>
+              <a:t> </a:t>
+            </a:r>
+            <a:r>
+              <a:rPr lang="it-IT" sz="1400" dirty="0" err="1"/>
+              <a:t>comparisons</a:t>
+            </a:r>
+            <a:r>
+              <a:rPr lang="it-IT" sz="1400" dirty="0"/>
+              <a:t> in </a:t>
+            </a:r>
+            <a:r>
+              <a:rPr lang="it-IT" sz="1400" dirty="0" err="1"/>
+              <a:t>our</a:t>
+            </a:r>
+            <a:r>
+              <a:rPr lang="it-IT" sz="1400" dirty="0"/>
+              <a:t> </a:t>
+            </a:r>
+            <a:r>
               <a:rPr lang="it-IT" sz="1400" dirty="0" err="1">
-                <a:solidFill>
-                  <a:srgbClr val="FF0000"/>
-                </a:solidFill>
-              </a:rPr>
-              <a:t>We</a:t>
-            </a:r>
-            <a:r>
-              <a:rPr lang="it-IT" sz="1400" dirty="0">
-                <a:solidFill>
-                  <a:srgbClr val="FF0000"/>
-                </a:solidFill>
-              </a:rPr>
-              <a:t> </a:t>
-            </a:r>
-            <a:r>
-              <a:rPr lang="it-IT" sz="1400" dirty="0" err="1">
-                <a:solidFill>
-                  <a:srgbClr val="FF0000"/>
-                </a:solidFill>
-              </a:rPr>
-              <a:t>ran</a:t>
-            </a:r>
-            <a:r>
-              <a:rPr lang="it-IT" sz="1400" dirty="0">
-                <a:solidFill>
-                  <a:srgbClr val="FF0000"/>
-                </a:solidFill>
-              </a:rPr>
-              <a:t> </a:t>
-            </a:r>
-            <a:r>
-              <a:rPr lang="it-IT" sz="1400" dirty="0" err="1">
-                <a:solidFill>
-                  <a:srgbClr val="FF0000"/>
-                </a:solidFill>
-              </a:rPr>
-              <a:t>similar</a:t>
-            </a:r>
-            <a:r>
-              <a:rPr lang="it-IT" sz="1400" dirty="0">
-                <a:solidFill>
-                  <a:srgbClr val="FF0000"/>
-                </a:solidFill>
-              </a:rPr>
-              <a:t> </a:t>
-            </a:r>
-            <a:r>
-              <a:rPr lang="it-IT" sz="1400" dirty="0" err="1">
-                <a:solidFill>
-                  <a:srgbClr val="FF0000"/>
-                </a:solidFill>
-              </a:rPr>
-              <a:t>comparisons</a:t>
-            </a:r>
-            <a:r>
-              <a:rPr lang="it-IT" sz="1400" dirty="0">
-                <a:solidFill>
-                  <a:srgbClr val="FF0000"/>
-                </a:solidFill>
-              </a:rPr>
-              <a:t> in </a:t>
-            </a:r>
-            <a:r>
-              <a:rPr lang="it-IT" sz="1400" dirty="0" err="1">
-                <a:solidFill>
-                  <a:srgbClr val="FF0000"/>
-                </a:solidFill>
-              </a:rPr>
-              <a:t>our</a:t>
-            </a:r>
-            <a:r>
-              <a:rPr lang="it-IT" sz="1400" dirty="0">
-                <a:solidFill>
-                  <a:srgbClr val="FF0000"/>
-                </a:solidFill>
-              </a:rPr>
-              <a:t> </a:t>
-            </a:r>
-            <a:r>
-              <a:rPr lang="it-IT" sz="1400" dirty="0" err="1">
-                <a:solidFill>
-                  <a:srgbClr val="FF0000"/>
-                </a:solidFill>
                 <a:latin typeface="Consolas" panose="020B0609020204030204" pitchFamily="49" charset="0"/>
               </a:rPr>
               <a:t>comparison</a:t>
             </a:r>
             <a:r>
-              <a:rPr lang="it-IT" sz="1400" dirty="0">
-                <a:solidFill>
-                  <a:srgbClr val="FF0000"/>
-                </a:solidFill>
-              </a:rPr>
-              <a:t> notebooks for the </a:t>
-            </a:r>
-            <a:r>
-              <a:rPr lang="it-IT" sz="1400" dirty="0" err="1">
-                <a:solidFill>
-                  <a:srgbClr val="FF0000"/>
-                </a:solidFill>
-              </a:rPr>
+              <a:rPr lang="it-IT" sz="1400" dirty="0"/>
+              <a:t> notebook for the </a:t>
+            </a:r>
+            <a:r>
+              <a:rPr lang="it-IT" sz="1400" dirty="0" err="1"/>
               <a:t>other</a:t>
             </a:r>
             <a:r>
-              <a:rPr lang="it-IT" sz="1400" dirty="0">
-                <a:solidFill>
-                  <a:srgbClr val="FF0000"/>
-                </a:solidFill>
-              </a:rPr>
-              <a:t> Monk tasks.</a:t>
+              <a:rPr lang="it-IT" sz="1400" dirty="0"/>
+              <a:t> models.</a:t>
             </a:r>
           </a:p>
         </p:txBody>
@@ -23591,7 +23605,1910 @@
                 <a:latin typeface="Arial"/>
                 <a:ea typeface="Arial"/>
               </a:rPr>
-              <a:t>Appendix – 5</a:t>
+              <a:t>Appendix – 6</a:t>
+            </a:r>
+            <a:br>
+              <a:rPr lang="it" sz="2400" b="0" strike="noStrike" spc="-1" dirty="0">
+                <a:solidFill>
+                  <a:srgbClr val="000000"/>
+                </a:solidFill>
+                <a:latin typeface="Arial"/>
+                <a:ea typeface="Arial"/>
+              </a:rPr>
+            </a:br>
+            <a:r>
+              <a:rPr lang="it" sz="2000" spc="-1" dirty="0">
+                <a:solidFill>
+                  <a:srgbClr val="3F3F3F"/>
+                </a:solidFill>
+                <a:latin typeface="Arial"/>
+                <a:ea typeface="Arial"/>
+              </a:rPr>
+              <a:t>In-depth analysis of SVM’s performance on M</a:t>
+            </a:r>
+            <a:r>
+              <a:rPr lang="it" sz="2000" b="0" strike="noStrike" spc="-1" dirty="0">
+                <a:solidFill>
+                  <a:srgbClr val="3F3F3F"/>
+                </a:solidFill>
+                <a:latin typeface="Arial"/>
+                <a:ea typeface="Arial"/>
+              </a:rPr>
+              <a:t>onk 2 task</a:t>
+            </a:r>
+            <a:endParaRPr lang="it-IT" sz="2400" b="0" strike="noStrike" spc="-1" dirty="0">
+              <a:solidFill>
+                <a:srgbClr val="FF0000"/>
+              </a:solidFill>
+              <a:latin typeface="Arial"/>
+            </a:endParaRPr>
+          </a:p>
+        </p:txBody>
+      </p:sp>
+      <p:sp>
+        <p:nvSpPr>
+          <p:cNvPr id="122" name="PlaceHolder 3"/>
+          <p:cNvSpPr>
+            <a:spLocks noGrp="1"/>
+          </p:cNvSpPr>
+          <p:nvPr>
+            <p:ph type="sldNum" idx="14"/>
+          </p:nvPr>
+        </p:nvSpPr>
+        <p:spPr>
+          <a:xfrm>
+            <a:off x="8472600" y="4663080"/>
+            <a:ext cx="548280" cy="393120"/>
+          </a:xfrm>
+          <a:prstGeom prst="rect">
+            <a:avLst/>
+          </a:prstGeom>
+          <a:noFill/>
+          <a:ln w="0">
+            <a:noFill/>
+          </a:ln>
+        </p:spPr>
+        <p:txBody>
+          <a:bodyPr tIns="91440" bIns="91440" anchor="ctr">
+            <a:normAutofit/>
+          </a:bodyPr>
+          <a:lstStyle>
+            <a:lvl1pPr algn="r">
+              <a:lnSpc>
+                <a:spcPct val="100000"/>
+              </a:lnSpc>
+              <a:buNone/>
+              <a:tabLst>
+                <a:tab pos="0" algn="l"/>
+              </a:tabLst>
+              <a:defRPr lang="it" sz="1000" b="0" strike="noStrike" spc="-1">
+                <a:solidFill>
+                  <a:srgbClr val="595959"/>
+                </a:solidFill>
+                <a:latin typeface="Arial"/>
+                <a:ea typeface="Arial"/>
+              </a:defRPr>
+            </a:lvl1pPr>
+          </a:lstStyle>
+          <a:p>
+            <a:pPr algn="r">
+              <a:lnSpc>
+                <a:spcPct val="100000"/>
+              </a:lnSpc>
+              <a:buNone/>
+              <a:tabLst>
+                <a:tab pos="0" algn="l"/>
+              </a:tabLst>
+            </a:pPr>
+            <a:fld id="{25B94CD5-D627-49BE-818E-4A00F2BB16DF}" type="slidenum">
+              <a:rPr lang="it" sz="1000" b="0" strike="noStrike" spc="-1">
+                <a:solidFill>
+                  <a:srgbClr val="595959"/>
+                </a:solidFill>
+                <a:latin typeface="Arial"/>
+                <a:ea typeface="Arial"/>
+              </a:rPr>
+              <a:t>29</a:t>
+            </a:fld>
+            <a:endParaRPr lang="it-IT" sz="1000" b="0" strike="noStrike" spc="-1">
+              <a:latin typeface="Times New Roman"/>
+            </a:endParaRPr>
+          </a:p>
+        </p:txBody>
+      </p:sp>
+      <p:sp>
+        <p:nvSpPr>
+          <p:cNvPr id="16" name="CasellaDiTesto 15">
+            <a:extLst>
+              <a:ext uri="{FF2B5EF4-FFF2-40B4-BE49-F238E27FC236}">
+                <a16:creationId xmlns:a16="http://schemas.microsoft.com/office/drawing/2014/main" id="{34EA9030-D49A-946A-EE82-303EA4064980}"/>
+              </a:ext>
+            </a:extLst>
+          </p:cNvPr>
+          <p:cNvSpPr txBox="1"/>
+          <p:nvPr/>
+        </p:nvSpPr>
+        <p:spPr>
+          <a:xfrm>
+            <a:off x="308535" y="1057413"/>
+            <a:ext cx="8403175" cy="307777"/>
+          </a:xfrm>
+          <a:prstGeom prst="rect">
+            <a:avLst/>
+          </a:prstGeom>
+          <a:noFill/>
+        </p:spPr>
+        <p:txBody>
+          <a:bodyPr wrap="square" rtlCol="0">
+            <a:spAutoFit/>
+          </a:bodyPr>
+          <a:lstStyle/>
+          <a:p>
+            <a:r>
+              <a:rPr lang="it-IT" sz="1400" b="1" dirty="0"/>
+              <a:t>Figure</a:t>
+            </a:r>
+            <a:r>
+              <a:rPr lang="it-IT" sz="1400" b="1" dirty="0">
+                <a:solidFill>
+                  <a:srgbClr val="FF0000"/>
+                </a:solidFill>
+              </a:rPr>
+              <a:t> k+1</a:t>
+            </a:r>
+            <a:r>
+              <a:rPr lang="it-IT" sz="1400" dirty="0"/>
+              <a:t>: </a:t>
+            </a:r>
+            <a:r>
+              <a:rPr lang="it-IT" sz="1400" dirty="0" err="1"/>
+              <a:t>Confusion</a:t>
+            </a:r>
+            <a:r>
+              <a:rPr lang="it-IT" sz="1400" dirty="0"/>
+              <a:t> </a:t>
+            </a:r>
+            <a:r>
+              <a:rPr lang="it-IT" sz="1400" dirty="0" err="1"/>
+              <a:t>matrix</a:t>
+            </a:r>
+            <a:r>
+              <a:rPr lang="it-IT" sz="1400" dirty="0"/>
+              <a:t>, learning curve and ROC curve for the SVM, Monk 2 task</a:t>
+            </a:r>
+          </a:p>
+        </p:txBody>
+      </p:sp>
+      <p:sp>
+        <p:nvSpPr>
+          <p:cNvPr id="17" name="CasellaDiTesto 16">
+            <a:extLst>
+              <a:ext uri="{FF2B5EF4-FFF2-40B4-BE49-F238E27FC236}">
+                <a16:creationId xmlns:a16="http://schemas.microsoft.com/office/drawing/2014/main" id="{331140F4-4D7F-79F3-B32B-4E794EAB9ADE}"/>
+              </a:ext>
+            </a:extLst>
+          </p:cNvPr>
+          <p:cNvSpPr txBox="1"/>
+          <p:nvPr/>
+        </p:nvSpPr>
+        <p:spPr>
+          <a:xfrm>
+            <a:off x="308533" y="3943170"/>
+            <a:ext cx="8403175" cy="738664"/>
+          </a:xfrm>
+          <a:prstGeom prst="rect">
+            <a:avLst/>
+          </a:prstGeom>
+          <a:noFill/>
+        </p:spPr>
+        <p:txBody>
+          <a:bodyPr wrap="square" rtlCol="0">
+            <a:spAutoFit/>
+          </a:bodyPr>
+          <a:lstStyle/>
+          <a:p>
+            <a:r>
+              <a:rPr lang="it-IT" sz="1400" dirty="0"/>
+              <a:t>The TR set </a:t>
+            </a:r>
+            <a:r>
+              <a:rPr lang="it-IT" sz="1400" dirty="0" err="1"/>
+              <a:t>is</a:t>
+            </a:r>
+            <a:r>
+              <a:rPr lang="it-IT" sz="1400" dirty="0"/>
+              <a:t> </a:t>
+            </a:r>
+            <a:r>
+              <a:rPr lang="it-IT" sz="1400" dirty="0" err="1"/>
+              <a:t>included</a:t>
+            </a:r>
+            <a:r>
+              <a:rPr lang="it-IT" sz="1400" dirty="0"/>
+              <a:t> in TS (</a:t>
+            </a:r>
+            <a:r>
+              <a:rPr lang="it-IT" sz="1400" dirty="0" err="1"/>
+              <a:t>already</a:t>
+            </a:r>
+            <a:r>
+              <a:rPr lang="it-IT" sz="1400" dirty="0"/>
+              <a:t> </a:t>
+            </a:r>
+            <a:r>
+              <a:rPr lang="it-IT" sz="1400" dirty="0" err="1"/>
+              <a:t>noticed</a:t>
+            </a:r>
+            <a:r>
+              <a:rPr lang="it-IT" sz="1400" dirty="0"/>
+              <a:t> in class). </a:t>
+            </a:r>
+            <a:r>
+              <a:rPr lang="it-IT" sz="1400" dirty="0" err="1"/>
+              <a:t>Furthermore</a:t>
+            </a:r>
+            <a:r>
+              <a:rPr lang="it-IT" sz="1400" dirty="0"/>
+              <a:t>, the </a:t>
+            </a:r>
+            <a:r>
+              <a:rPr lang="it-IT" sz="1400" dirty="0" err="1"/>
+              <a:t>latter</a:t>
+            </a:r>
+            <a:r>
+              <a:rPr lang="it-IT" sz="1400" dirty="0"/>
+              <a:t> </a:t>
+            </a:r>
+            <a:r>
+              <a:rPr lang="it-IT" sz="1400" dirty="0" err="1"/>
+              <a:t>is</a:t>
+            </a:r>
+            <a:r>
+              <a:rPr lang="it-IT" sz="1400" dirty="0"/>
+              <a:t> </a:t>
+            </a:r>
+            <a:r>
+              <a:rPr lang="it-IT" sz="1400" dirty="0" err="1"/>
+              <a:t>really</a:t>
+            </a:r>
+            <a:r>
+              <a:rPr lang="it-IT" sz="1400" dirty="0"/>
+              <a:t> </a:t>
+            </a:r>
+            <a:r>
+              <a:rPr lang="it-IT" sz="1400" dirty="0" err="1"/>
+              <a:t>unbalanced</a:t>
+            </a:r>
+            <a:r>
+              <a:rPr lang="it-IT" sz="1400" dirty="0"/>
+              <a:t>.</a:t>
+            </a:r>
+          </a:p>
+          <a:p>
+            <a:r>
+              <a:rPr lang="it-IT" sz="1400" dirty="0"/>
+              <a:t>The SVM </a:t>
+            </a:r>
+            <a:r>
+              <a:rPr lang="it-IT" sz="1400" dirty="0" err="1"/>
+              <a:t>reaches</a:t>
+            </a:r>
+            <a:r>
+              <a:rPr lang="it-IT" sz="1400" dirty="0"/>
+              <a:t> 100% </a:t>
+            </a:r>
+            <a:r>
+              <a:rPr lang="it-IT" sz="1400" dirty="0" err="1"/>
+              <a:t>accuracy</a:t>
+            </a:r>
+            <a:r>
+              <a:rPr lang="it-IT" sz="1400" dirty="0"/>
+              <a:t> in test. In case </a:t>
+            </a:r>
+            <a:r>
+              <a:rPr lang="it-IT" sz="1400" dirty="0" err="1"/>
+              <a:t>it</a:t>
+            </a:r>
+            <a:r>
+              <a:rPr lang="it-IT" sz="1400" dirty="0"/>
+              <a:t> </a:t>
+            </a:r>
+            <a:r>
+              <a:rPr lang="it-IT" sz="1400" dirty="0" err="1"/>
+              <a:t>didn’t</a:t>
+            </a:r>
+            <a:r>
+              <a:rPr lang="it-IT" sz="1400" dirty="0"/>
+              <a:t> </a:t>
+            </a:r>
+            <a:r>
+              <a:rPr lang="it-IT" sz="1400" dirty="0" err="1"/>
+              <a:t>we</a:t>
+            </a:r>
+            <a:r>
+              <a:rPr lang="it-IT" sz="1400" dirty="0"/>
+              <a:t> </a:t>
+            </a:r>
+            <a:r>
+              <a:rPr lang="it-IT" sz="1400" dirty="0" err="1"/>
+              <a:t>thought</a:t>
+            </a:r>
+            <a:r>
+              <a:rPr lang="it-IT" sz="1400" dirty="0"/>
+              <a:t> </a:t>
+            </a:r>
+            <a:r>
+              <a:rPr lang="it-IT" sz="1400" dirty="0" err="1"/>
+              <a:t>about</a:t>
+            </a:r>
+            <a:r>
+              <a:rPr lang="it-IT" sz="1400" dirty="0"/>
+              <a:t> </a:t>
+            </a:r>
+            <a:r>
+              <a:rPr lang="it-IT" sz="1400" dirty="0" err="1"/>
+              <a:t>using</a:t>
+            </a:r>
+            <a:r>
+              <a:rPr lang="it-IT" sz="1400" dirty="0"/>
+              <a:t> </a:t>
+            </a:r>
+            <a:r>
+              <a:rPr lang="it-IT" sz="1400" dirty="0" err="1"/>
+              <a:t>undersampling</a:t>
+            </a:r>
+            <a:r>
+              <a:rPr lang="it-IT" sz="1400" dirty="0"/>
+              <a:t> (</a:t>
+            </a:r>
+            <a:r>
+              <a:rPr lang="it-IT" sz="1400" dirty="0" err="1"/>
+              <a:t>Condensed</a:t>
+            </a:r>
+            <a:r>
+              <a:rPr lang="it-IT" sz="1400" dirty="0"/>
+              <a:t> </a:t>
+            </a:r>
+            <a:r>
+              <a:rPr lang="it-IT" sz="1400" dirty="0" err="1"/>
+              <a:t>Nearest</a:t>
+            </a:r>
+            <a:r>
+              <a:rPr lang="it-IT" sz="1400" dirty="0"/>
+              <a:t> </a:t>
+            </a:r>
+            <a:r>
+              <a:rPr lang="it-IT" sz="1400" dirty="0" err="1"/>
+              <a:t>Neighbour</a:t>
+            </a:r>
+            <a:r>
+              <a:rPr lang="it-IT" sz="1400" dirty="0"/>
+              <a:t>) or </a:t>
+            </a:r>
+            <a:r>
+              <a:rPr lang="it-IT" sz="1400" dirty="0" err="1"/>
+              <a:t>oversampling</a:t>
+            </a:r>
+            <a:r>
+              <a:rPr lang="it-IT" sz="1400" dirty="0"/>
+              <a:t> (SMOTE) techniques.</a:t>
+            </a:r>
+          </a:p>
+        </p:txBody>
+      </p:sp>
+      <p:pic>
+        <p:nvPicPr>
+          <p:cNvPr id="8" name="Immagine 7">
+            <a:extLst>
+              <a:ext uri="{FF2B5EF4-FFF2-40B4-BE49-F238E27FC236}">
+                <a16:creationId xmlns:a16="http://schemas.microsoft.com/office/drawing/2014/main" id="{18E2E518-FACD-5BAE-DEC1-273EE1512F50}"/>
+              </a:ext>
+            </a:extLst>
+          </p:cNvPr>
+          <p:cNvPicPr>
+            <a:picLocks noChangeAspect="1"/>
+          </p:cNvPicPr>
+          <p:nvPr/>
+        </p:nvPicPr>
+        <p:blipFill>
+          <a:blip r:embed="rId2"/>
+          <a:stretch>
+            <a:fillRect/>
+          </a:stretch>
+        </p:blipFill>
+        <p:spPr>
+          <a:xfrm>
+            <a:off x="308534" y="1365190"/>
+            <a:ext cx="1918860" cy="2051413"/>
+          </a:xfrm>
+          <a:prstGeom prst="rect">
+            <a:avLst/>
+          </a:prstGeom>
+          <a:ln>
+            <a:noFill/>
+          </a:ln>
+        </p:spPr>
+      </p:pic>
+      <p:pic>
+        <p:nvPicPr>
+          <p:cNvPr id="13" name="Immagine 12">
+            <a:extLst>
+              <a:ext uri="{FF2B5EF4-FFF2-40B4-BE49-F238E27FC236}">
+                <a16:creationId xmlns:a16="http://schemas.microsoft.com/office/drawing/2014/main" id="{A2A46729-D064-757E-E308-474EE4DD38B2}"/>
+              </a:ext>
+            </a:extLst>
+          </p:cNvPr>
+          <p:cNvPicPr>
+            <a:picLocks noChangeAspect="1"/>
+          </p:cNvPicPr>
+          <p:nvPr/>
+        </p:nvPicPr>
+        <p:blipFill>
+          <a:blip r:embed="rId3"/>
+          <a:stretch>
+            <a:fillRect/>
+          </a:stretch>
+        </p:blipFill>
+        <p:spPr>
+          <a:xfrm>
+            <a:off x="2227394" y="1365190"/>
+            <a:ext cx="3117813" cy="2265298"/>
+          </a:xfrm>
+          <a:prstGeom prst="rect">
+            <a:avLst/>
+          </a:prstGeom>
+          <a:ln>
+            <a:noFill/>
+          </a:ln>
+        </p:spPr>
+      </p:pic>
+      <p:pic>
+        <p:nvPicPr>
+          <p:cNvPr id="18" name="Immagine 17">
+            <a:extLst>
+              <a:ext uri="{FF2B5EF4-FFF2-40B4-BE49-F238E27FC236}">
+                <a16:creationId xmlns:a16="http://schemas.microsoft.com/office/drawing/2014/main" id="{A2FEA0AA-A93F-0820-35C8-B0929945CCAB}"/>
+              </a:ext>
+            </a:extLst>
+          </p:cNvPr>
+          <p:cNvPicPr>
+            <a:picLocks noChangeAspect="1"/>
+          </p:cNvPicPr>
+          <p:nvPr/>
+        </p:nvPicPr>
+        <p:blipFill>
+          <a:blip r:embed="rId4"/>
+          <a:stretch>
+            <a:fillRect/>
+          </a:stretch>
+        </p:blipFill>
+        <p:spPr>
+          <a:xfrm>
+            <a:off x="5345207" y="1365190"/>
+            <a:ext cx="3127394" cy="2265298"/>
+          </a:xfrm>
+          <a:prstGeom prst="rect">
+            <a:avLst/>
+          </a:prstGeom>
+          <a:ln>
+            <a:noFill/>
+          </a:ln>
+        </p:spPr>
+      </p:pic>
+    </p:spTree>
+    <p:extLst>
+      <p:ext uri="{BB962C8B-B14F-4D97-AF65-F5344CB8AC3E}">
+        <p14:creationId xmlns:p14="http://schemas.microsoft.com/office/powerpoint/2010/main" val="2928979116"/>
+      </p:ext>
+    </p:extLst>
+  </p:cSld>
+  <p:clrMapOvr>
+    <a:masterClrMapping/>
+  </p:clrMapOvr>
+</p:sld>
+</file>
+
+<file path=ppt/slides/slide3.xml><?xml version="1.0" encoding="utf-8"?>
+<p:sld xmlns:a="http://schemas.openxmlformats.org/drawingml/2006/main" xmlns:r="http://schemas.openxmlformats.org/officeDocument/2006/relationships" xmlns:p="http://schemas.openxmlformats.org/presentationml/2006/main">
+  <p:cSld>
+    <p:spTree>
+      <p:nvGrpSpPr>
+        <p:cNvPr id="1" name=""/>
+        <p:cNvGrpSpPr/>
+        <p:nvPr/>
+      </p:nvGrpSpPr>
+      <p:grpSpPr>
+        <a:xfrm>
+          <a:off x="0" y="0"/>
+          <a:ext cx="0" cy="0"/>
+          <a:chOff x="0" y="0"/>
+          <a:chExt cx="0" cy="0"/>
+        </a:xfrm>
+      </p:grpSpPr>
+      <p:sp>
+        <p:nvSpPr>
+          <p:cNvPr id="83" name="PlaceHolder 3"/>
+          <p:cNvSpPr>
+            <a:spLocks noGrp="1"/>
+          </p:cNvSpPr>
+          <p:nvPr>
+            <p:ph type="sldNum" idx="3"/>
+          </p:nvPr>
+        </p:nvSpPr>
+        <p:spPr>
+          <a:xfrm>
+            <a:off x="8472600" y="4663080"/>
+            <a:ext cx="548280" cy="393120"/>
+          </a:xfrm>
+          <a:prstGeom prst="rect">
+            <a:avLst/>
+          </a:prstGeom>
+          <a:noFill/>
+          <a:ln w="0">
+            <a:noFill/>
+          </a:ln>
+        </p:spPr>
+        <p:txBody>
+          <a:bodyPr tIns="91440" bIns="91440" anchor="ctr">
+            <a:normAutofit/>
+          </a:bodyPr>
+          <a:lstStyle>
+            <a:lvl1pPr algn="r">
+              <a:lnSpc>
+                <a:spcPct val="100000"/>
+              </a:lnSpc>
+              <a:buNone/>
+              <a:tabLst>
+                <a:tab pos="0" algn="l"/>
+              </a:tabLst>
+              <a:defRPr lang="it" sz="1000" b="0" strike="noStrike" spc="-1">
+                <a:solidFill>
+                  <a:srgbClr val="595959"/>
+                </a:solidFill>
+                <a:latin typeface="Arial"/>
+                <a:ea typeface="Arial"/>
+              </a:defRPr>
+            </a:lvl1pPr>
+          </a:lstStyle>
+          <a:p>
+            <a:pPr algn="r">
+              <a:lnSpc>
+                <a:spcPct val="100000"/>
+              </a:lnSpc>
+              <a:buNone/>
+              <a:tabLst>
+                <a:tab pos="0" algn="l"/>
+              </a:tabLst>
+            </a:pPr>
+            <a:fld id="{CDE5831E-EF50-4AF8-82C3-EBDE88F03D8C}" type="slidenum">
+              <a:rPr lang="it" sz="1000" b="0" strike="noStrike" spc="-1">
+                <a:solidFill>
+                  <a:srgbClr val="595959"/>
+                </a:solidFill>
+                <a:latin typeface="Arial"/>
+                <a:ea typeface="Arial"/>
+              </a:rPr>
+              <a:t>3</a:t>
+            </a:fld>
+            <a:endParaRPr lang="it-IT" sz="1000" b="0" strike="noStrike" spc="-1" dirty="0">
+              <a:latin typeface="Times New Roman"/>
+            </a:endParaRPr>
+          </a:p>
+        </p:txBody>
+      </p:sp>
+      <p:sp>
+        <p:nvSpPr>
+          <p:cNvPr id="4" name="PlaceHolder 1">
+            <a:extLst>
+              <a:ext uri="{FF2B5EF4-FFF2-40B4-BE49-F238E27FC236}">
+                <a16:creationId xmlns:a16="http://schemas.microsoft.com/office/drawing/2014/main" id="{80C918E8-6CF7-0E0B-D3EF-88419C82AA81}"/>
+              </a:ext>
+            </a:extLst>
+          </p:cNvPr>
+          <p:cNvSpPr txBox="1">
+            <a:spLocks/>
+          </p:cNvSpPr>
+          <p:nvPr/>
+        </p:nvSpPr>
+        <p:spPr>
+          <a:xfrm>
+            <a:off x="311760" y="0"/>
+            <a:ext cx="8520120" cy="576000"/>
+          </a:xfrm>
+          <a:prstGeom prst="rect">
+            <a:avLst/>
+          </a:prstGeom>
+          <a:noFill/>
+          <a:ln w="0">
+            <a:noFill/>
+          </a:ln>
+        </p:spPr>
+        <p:txBody>
+          <a:bodyPr lIns="0" tIns="91440" rIns="0" bIns="91440" anchor="t">
+            <a:normAutofit fontScale="97500"/>
+          </a:bodyPr>
+          <a:lstStyle>
+            <a:lvl1pPr algn="l" defTabSz="914400" rtl="0" eaLnBrk="1" latinLnBrk="0" hangingPunct="1">
+              <a:lnSpc>
+                <a:spcPct val="90000"/>
+              </a:lnSpc>
+              <a:spcBef>
+                <a:spcPct val="0"/>
+              </a:spcBef>
+              <a:buNone/>
+              <a:defRPr sz="4400" kern="1200">
+                <a:solidFill>
+                  <a:schemeClr val="tx1"/>
+                </a:solidFill>
+                <a:latin typeface="+mj-lt"/>
+                <a:ea typeface="+mj-ea"/>
+                <a:cs typeface="+mj-cs"/>
+              </a:defRPr>
+            </a:lvl1pPr>
+          </a:lstStyle>
+          <a:p>
+            <a:pPr>
+              <a:lnSpc>
+                <a:spcPct val="100000"/>
+              </a:lnSpc>
+              <a:tabLst>
+                <a:tab pos="0" algn="l"/>
+              </a:tabLst>
+            </a:pPr>
+            <a:r>
+              <a:rPr lang="it" sz="2500" spc="-1" dirty="0">
+                <a:solidFill>
+                  <a:srgbClr val="000000"/>
+                </a:solidFill>
+                <a:latin typeface="Arial"/>
+                <a:ea typeface="Arial"/>
+              </a:rPr>
+              <a:t>Code structure, models overview </a:t>
+            </a:r>
+            <a:r>
+              <a:rPr lang="it" sz="2500" spc="-1" dirty="0">
+                <a:solidFill>
+                  <a:srgbClr val="FF0000"/>
+                </a:solidFill>
+                <a:latin typeface="Arial"/>
+                <a:ea typeface="Arial"/>
+              </a:rPr>
+              <a:t>da rivedere</a:t>
+            </a:r>
+            <a:endParaRPr lang="it-IT" sz="2400" spc="-1" dirty="0">
+              <a:solidFill>
+                <a:srgbClr val="FF0000"/>
+              </a:solidFill>
+              <a:latin typeface="Arial"/>
+            </a:endParaRPr>
+          </a:p>
+        </p:txBody>
+      </p:sp>
+      <p:sp>
+        <p:nvSpPr>
+          <p:cNvPr id="3" name="CasellaDiTesto 2">
+            <a:extLst>
+              <a:ext uri="{FF2B5EF4-FFF2-40B4-BE49-F238E27FC236}">
+                <a16:creationId xmlns:a16="http://schemas.microsoft.com/office/drawing/2014/main" id="{21F77B32-FB82-2079-F53B-1131754C4D18}"/>
+              </a:ext>
+            </a:extLst>
+          </p:cNvPr>
+          <p:cNvSpPr txBox="1"/>
+          <p:nvPr/>
+        </p:nvSpPr>
+        <p:spPr>
+          <a:xfrm>
+            <a:off x="311761" y="693013"/>
+            <a:ext cx="8520119" cy="1600438"/>
+          </a:xfrm>
+          <a:prstGeom prst="rect">
+            <a:avLst/>
+          </a:prstGeom>
+          <a:noFill/>
+        </p:spPr>
+        <p:txBody>
+          <a:bodyPr wrap="square" rtlCol="0">
+            <a:spAutoFit/>
+          </a:bodyPr>
+          <a:lstStyle/>
+          <a:p>
+            <a:r>
+              <a:rPr lang="it-IT" sz="1400" dirty="0"/>
+              <a:t>Basic </a:t>
+            </a:r>
+            <a:r>
+              <a:rPr lang="it-IT" sz="1400" dirty="0" err="1"/>
+              <a:t>structure</a:t>
+            </a:r>
+            <a:r>
+              <a:rPr lang="it-IT" sz="1400" dirty="0"/>
+              <a:t> of the code: </a:t>
+            </a:r>
+          </a:p>
+          <a:p>
+            <a:pPr marL="285750" indent="-285750">
+              <a:buFont typeface="Arial" panose="020B0604020202020204" pitchFamily="34" charset="0"/>
+              <a:buChar char="•"/>
+            </a:pPr>
+            <a:r>
+              <a:rPr lang="it-IT" sz="1400" dirty="0">
+                <a:hlinkClick r:id="rId2"/>
+              </a:rPr>
+              <a:t>GitHub repo</a:t>
+            </a:r>
+            <a:r>
+              <a:rPr lang="it-IT" sz="1400" dirty="0"/>
+              <a:t> in </a:t>
+            </a:r>
+            <a:r>
+              <a:rPr lang="it-IT" sz="1400" dirty="0" err="1"/>
+              <a:t>which</a:t>
+            </a:r>
+            <a:r>
+              <a:rPr lang="it-IT" sz="1400" dirty="0"/>
+              <a:t> </a:t>
+            </a:r>
+            <a:r>
+              <a:rPr lang="it-IT" sz="1400" dirty="0" err="1"/>
+              <a:t>we</a:t>
+            </a:r>
+            <a:r>
+              <a:rPr lang="it-IT" sz="1400" dirty="0"/>
+              <a:t> </a:t>
+            </a:r>
+            <a:r>
+              <a:rPr lang="it-IT" sz="1400" dirty="0" err="1"/>
+              <a:t>stored</a:t>
+            </a:r>
+            <a:r>
+              <a:rPr lang="it-IT" sz="1400" dirty="0"/>
+              <a:t> the datasets, images, notebooks and </a:t>
+            </a:r>
+            <a:r>
+              <a:rPr lang="it-IT" sz="1400" dirty="0" err="1"/>
+              <a:t>saved</a:t>
+            </a:r>
+            <a:r>
+              <a:rPr lang="it-IT" sz="1400" dirty="0"/>
+              <a:t> models. </a:t>
+            </a:r>
+          </a:p>
+          <a:p>
+            <a:pPr marL="285750" indent="-285750">
+              <a:buFont typeface="Arial" panose="020B0604020202020204" pitchFamily="34" charset="0"/>
+              <a:buChar char="•"/>
+            </a:pPr>
+            <a:r>
+              <a:rPr lang="it-IT" sz="1400" dirty="0"/>
+              <a:t>A notebook for </a:t>
+            </a:r>
+            <a:r>
+              <a:rPr lang="it-IT" sz="1400" dirty="0" err="1"/>
+              <a:t>each</a:t>
+            </a:r>
+            <a:r>
+              <a:rPr lang="it-IT" sz="1400" dirty="0"/>
+              <a:t> of the </a:t>
+            </a:r>
+            <a:r>
+              <a:rPr lang="it-IT" sz="1400" dirty="0" err="1"/>
+              <a:t>three</a:t>
+            </a:r>
+            <a:r>
+              <a:rPr lang="it-IT" sz="1400" dirty="0"/>
+              <a:t> classes of models, for </a:t>
+            </a:r>
+            <a:r>
+              <a:rPr lang="it-IT" sz="1400" dirty="0" err="1"/>
+              <a:t>each</a:t>
+            </a:r>
+            <a:r>
+              <a:rPr lang="it-IT" sz="1400" dirty="0"/>
+              <a:t> of the </a:t>
+            </a:r>
+            <a:r>
+              <a:rPr lang="it-IT" sz="1400" dirty="0" err="1"/>
+              <a:t>two</a:t>
+            </a:r>
+            <a:r>
+              <a:rPr lang="it-IT" sz="1400" dirty="0"/>
+              <a:t> tasks.</a:t>
+            </a:r>
+          </a:p>
+          <a:p>
+            <a:pPr marL="285750" indent="-285750">
+              <a:buFont typeface="Arial" panose="020B0604020202020204" pitchFamily="34" charset="0"/>
+              <a:buChar char="•"/>
+            </a:pPr>
+            <a:r>
+              <a:rPr lang="it-IT" sz="1400" dirty="0"/>
+              <a:t>In </a:t>
+            </a:r>
+            <a:r>
+              <a:rPr lang="it-IT" sz="1400" dirty="0" err="1"/>
+              <a:t>each</a:t>
+            </a:r>
+            <a:r>
+              <a:rPr lang="it-IT" sz="1400" dirty="0"/>
+              <a:t> notebook: import and </a:t>
+            </a:r>
+            <a:r>
+              <a:rPr lang="it-IT" sz="1400" dirty="0" err="1"/>
+              <a:t>process</a:t>
+            </a:r>
+            <a:r>
+              <a:rPr lang="it-IT" sz="1400" dirty="0"/>
+              <a:t> the data, create the model (</a:t>
+            </a:r>
+            <a:r>
+              <a:rPr lang="it-IT" sz="1400" dirty="0" err="1"/>
+              <a:t>often</a:t>
+            </a:r>
+            <a:r>
+              <a:rPr lang="it-IT" sz="1400" dirty="0"/>
+              <a:t> by </a:t>
+            </a:r>
+            <a:r>
+              <a:rPr lang="it-IT" sz="1400" dirty="0" err="1"/>
+              <a:t>calling</a:t>
+            </a:r>
+            <a:r>
+              <a:rPr lang="it-IT" sz="1400" dirty="0"/>
+              <a:t> a </a:t>
+            </a:r>
+            <a:r>
+              <a:rPr lang="it-IT" sz="1400" dirty="0" err="1"/>
+              <a:t>function</a:t>
+            </a:r>
+            <a:r>
+              <a:rPr lang="it-IT" sz="1400" dirty="0"/>
+              <a:t> </a:t>
+            </a:r>
+            <a:r>
+              <a:rPr lang="it-IT" sz="1400" dirty="0" err="1"/>
+              <a:t>provided</a:t>
+            </a:r>
+            <a:r>
+              <a:rPr lang="it-IT" sz="1400" dirty="0"/>
+              <a:t> by the library), set up the </a:t>
+            </a:r>
+            <a:r>
+              <a:rPr lang="it-IT" sz="1400" dirty="0" err="1"/>
+              <a:t>grid</a:t>
+            </a:r>
+            <a:r>
+              <a:rPr lang="it-IT" sz="1400" dirty="0"/>
+              <a:t> </a:t>
+            </a:r>
+            <a:r>
+              <a:rPr lang="it-IT" sz="1400" dirty="0" err="1"/>
+              <a:t>search</a:t>
+            </a:r>
+            <a:r>
+              <a:rPr lang="it-IT" sz="1400" dirty="0"/>
+              <a:t> and training </a:t>
+            </a:r>
+            <a:r>
+              <a:rPr lang="it-IT" sz="1400" dirty="0" err="1"/>
+              <a:t>process</a:t>
+            </a:r>
+            <a:r>
+              <a:rPr lang="it-IT" sz="1400" dirty="0"/>
+              <a:t>, </a:t>
+            </a:r>
+            <a:r>
+              <a:rPr lang="it-IT" sz="1400" dirty="0" err="1"/>
+              <a:t>select</a:t>
+            </a:r>
+            <a:r>
+              <a:rPr lang="it-IT" sz="1400" dirty="0"/>
+              <a:t> best </a:t>
+            </a:r>
+            <a:r>
+              <a:rPr lang="it-IT" sz="1400" dirty="0" err="1"/>
+              <a:t>hyperparameters</a:t>
+            </a:r>
+            <a:r>
+              <a:rPr lang="it-IT" sz="1400" dirty="0"/>
+              <a:t> and plot the learning curve, </a:t>
+            </a:r>
+            <a:r>
+              <a:rPr lang="it-IT" sz="1400" dirty="0" err="1"/>
+              <a:t>save</a:t>
+            </a:r>
+            <a:r>
+              <a:rPr lang="it-IT" sz="1400" dirty="0"/>
+              <a:t> the model</a:t>
+            </a:r>
+          </a:p>
+          <a:p>
+            <a:pPr marL="285750" indent="-285750">
+              <a:buFont typeface="Arial" panose="020B0604020202020204" pitchFamily="34" charset="0"/>
+              <a:buChar char="•"/>
+            </a:pPr>
+            <a:r>
+              <a:rPr lang="it-IT" sz="1400" dirty="0"/>
+              <a:t>Extra notebooks for data </a:t>
+            </a:r>
+            <a:r>
+              <a:rPr lang="it-IT" sz="1400" dirty="0" err="1"/>
+              <a:t>exploration</a:t>
+            </a:r>
+            <a:r>
+              <a:rPr lang="it-IT" sz="1400" dirty="0"/>
+              <a:t> and models </a:t>
+            </a:r>
+            <a:r>
+              <a:rPr lang="it-IT" sz="1400" dirty="0" err="1"/>
+              <a:t>comparison</a:t>
+            </a:r>
+            <a:endParaRPr lang="it-IT" sz="1400" dirty="0"/>
+          </a:p>
+        </p:txBody>
+      </p:sp>
+      <p:sp>
+        <p:nvSpPr>
+          <p:cNvPr id="11" name="CasellaDiTesto 10">
+            <a:extLst>
+              <a:ext uri="{FF2B5EF4-FFF2-40B4-BE49-F238E27FC236}">
+                <a16:creationId xmlns:a16="http://schemas.microsoft.com/office/drawing/2014/main" id="{003EBDB9-88F0-E455-63E2-1D1CE308D764}"/>
+              </a:ext>
+            </a:extLst>
+          </p:cNvPr>
+          <p:cNvSpPr txBox="1"/>
+          <p:nvPr/>
+        </p:nvSpPr>
+        <p:spPr>
+          <a:xfrm>
+            <a:off x="311760" y="3996932"/>
+            <a:ext cx="8520120" cy="523220"/>
+          </a:xfrm>
+          <a:prstGeom prst="rect">
+            <a:avLst/>
+          </a:prstGeom>
+          <a:noFill/>
+        </p:spPr>
+        <p:txBody>
+          <a:bodyPr wrap="square" rtlCol="0">
+            <a:spAutoFit/>
+          </a:bodyPr>
+          <a:lstStyle/>
+          <a:p>
+            <a:r>
+              <a:rPr lang="it-IT" sz="1400" dirty="0"/>
+              <a:t>For </a:t>
+            </a:r>
+            <a:r>
+              <a:rPr lang="it-IT" sz="1400" dirty="0" err="1"/>
+              <a:t>all</a:t>
+            </a:r>
+            <a:r>
+              <a:rPr lang="it-IT" sz="1400" dirty="0"/>
+              <a:t> </a:t>
+            </a:r>
+            <a:r>
+              <a:rPr lang="it-IT" sz="1400" dirty="0" err="1"/>
+              <a:t>these</a:t>
+            </a:r>
+            <a:r>
+              <a:rPr lang="it-IT" sz="1400" dirty="0"/>
+              <a:t> models </a:t>
+            </a:r>
+            <a:r>
+              <a:rPr lang="it-IT" sz="1400" dirty="0" err="1"/>
+              <a:t>we</a:t>
+            </a:r>
+            <a:r>
+              <a:rPr lang="it-IT" sz="1400" dirty="0"/>
+              <a:t> </a:t>
+            </a:r>
+            <a:r>
+              <a:rPr lang="it-IT" sz="1400" dirty="0" err="1"/>
+              <a:t>tried</a:t>
+            </a:r>
+            <a:r>
+              <a:rPr lang="it-IT" sz="1400" dirty="0"/>
+              <a:t> out </a:t>
+            </a:r>
+            <a:r>
+              <a:rPr lang="it-IT" sz="1400" dirty="0" err="1"/>
+              <a:t>many</a:t>
+            </a:r>
+            <a:r>
+              <a:rPr lang="it-IT" sz="1400" dirty="0"/>
+              <a:t> </a:t>
+            </a:r>
+            <a:r>
+              <a:rPr lang="it-IT" sz="1400" dirty="0" err="1"/>
+              <a:t>configurations</a:t>
+            </a:r>
+            <a:r>
+              <a:rPr lang="it-IT" sz="1400" dirty="0"/>
+              <a:t> of </a:t>
+            </a:r>
+            <a:r>
+              <a:rPr lang="it-IT" sz="1400" dirty="0" err="1"/>
+              <a:t>hyperparameters</a:t>
+            </a:r>
+            <a:r>
+              <a:rPr lang="it-IT" sz="1400" dirty="0"/>
+              <a:t>. </a:t>
+            </a:r>
+            <a:r>
+              <a:rPr lang="it-IT" sz="1400" dirty="0">
+                <a:solidFill>
+                  <a:srgbClr val="FF0000"/>
+                </a:solidFill>
+              </a:rPr>
+              <a:t>Precise </a:t>
+            </a:r>
+            <a:r>
+              <a:rPr lang="it-IT" sz="1400" dirty="0" err="1">
+                <a:solidFill>
+                  <a:srgbClr val="FF0000"/>
+                </a:solidFill>
+              </a:rPr>
+              <a:t>details</a:t>
+            </a:r>
+            <a:r>
+              <a:rPr lang="it-IT" sz="1400" dirty="0">
+                <a:solidFill>
+                  <a:srgbClr val="FF0000"/>
+                </a:solidFill>
+              </a:rPr>
+              <a:t> </a:t>
+            </a:r>
+            <a:r>
+              <a:rPr lang="it-IT" sz="1400" dirty="0" err="1">
+                <a:solidFill>
+                  <a:srgbClr val="FF0000"/>
+                </a:solidFill>
+              </a:rPr>
+              <a:t>will</a:t>
+            </a:r>
+            <a:r>
+              <a:rPr lang="it-IT" sz="1400" dirty="0">
+                <a:solidFill>
+                  <a:srgbClr val="FF0000"/>
+                </a:solidFill>
+              </a:rPr>
+              <a:t> be </a:t>
+            </a:r>
+            <a:r>
+              <a:rPr lang="it-IT" sz="1400" dirty="0" err="1">
+                <a:solidFill>
+                  <a:srgbClr val="FF0000"/>
+                </a:solidFill>
+              </a:rPr>
+              <a:t>given</a:t>
+            </a:r>
+            <a:r>
+              <a:rPr lang="it-IT" sz="1400" dirty="0">
+                <a:solidFill>
+                  <a:srgbClr val="FF0000"/>
+                </a:solidFill>
+              </a:rPr>
+              <a:t> </a:t>
+            </a:r>
+            <a:r>
+              <a:rPr lang="it-IT" sz="1400" dirty="0" err="1">
+                <a:solidFill>
+                  <a:srgbClr val="FF0000"/>
+                </a:solidFill>
+              </a:rPr>
+              <a:t>later</a:t>
+            </a:r>
+            <a:r>
+              <a:rPr lang="it-IT" sz="1400" dirty="0">
+                <a:solidFill>
+                  <a:srgbClr val="FF0000"/>
+                </a:solidFill>
+              </a:rPr>
+              <a:t>. </a:t>
+            </a:r>
+          </a:p>
+        </p:txBody>
+      </p:sp>
+      <p:sp>
+        <p:nvSpPr>
+          <p:cNvPr id="5" name="CasellaDiTesto 4">
+            <a:extLst>
+              <a:ext uri="{FF2B5EF4-FFF2-40B4-BE49-F238E27FC236}">
+                <a16:creationId xmlns:a16="http://schemas.microsoft.com/office/drawing/2014/main" id="{A25770F8-1FA1-1D5E-D768-E47CF7ED482A}"/>
+              </a:ext>
+            </a:extLst>
+          </p:cNvPr>
+          <p:cNvSpPr txBox="1"/>
+          <p:nvPr/>
+        </p:nvSpPr>
+        <p:spPr>
+          <a:xfrm>
+            <a:off x="311760" y="2802701"/>
+            <a:ext cx="8520120" cy="738664"/>
+          </a:xfrm>
+          <a:prstGeom prst="rect">
+            <a:avLst/>
+          </a:prstGeom>
+          <a:noFill/>
+        </p:spPr>
+        <p:txBody>
+          <a:bodyPr wrap="square" rtlCol="0">
+            <a:spAutoFit/>
+          </a:bodyPr>
+          <a:lstStyle/>
+          <a:p>
+            <a:r>
+              <a:rPr lang="it-IT" sz="1400" dirty="0" err="1"/>
+              <a:t>We</a:t>
+            </a:r>
+            <a:r>
+              <a:rPr lang="it-IT" sz="1400" dirty="0"/>
+              <a:t> </a:t>
+            </a:r>
+            <a:r>
+              <a:rPr lang="it-IT" sz="1400" dirty="0" err="1"/>
+              <a:t>used</a:t>
+            </a:r>
+            <a:r>
+              <a:rPr lang="it-IT" sz="1400" dirty="0"/>
+              <a:t> the </a:t>
+            </a:r>
+            <a:r>
+              <a:rPr lang="it-IT" sz="1400" b="1" dirty="0"/>
+              <a:t>Random </a:t>
+            </a:r>
+            <a:r>
+              <a:rPr lang="it-IT" sz="1400" b="1" dirty="0" err="1"/>
+              <a:t>Forests</a:t>
+            </a:r>
+            <a:r>
+              <a:rPr lang="it-IT" sz="1400" dirty="0"/>
+              <a:t> and </a:t>
+            </a:r>
+            <a:r>
+              <a:rPr lang="it-IT" sz="1400" b="1" dirty="0" err="1"/>
+              <a:t>SVM</a:t>
+            </a:r>
+            <a:r>
+              <a:rPr lang="it-IT" sz="1400" dirty="0" err="1"/>
+              <a:t>s</a:t>
+            </a:r>
+            <a:r>
+              <a:rPr lang="it-IT" sz="1400" dirty="0"/>
+              <a:t> from </a:t>
+            </a:r>
+            <a:r>
+              <a:rPr lang="it-IT" sz="1400" dirty="0" err="1"/>
+              <a:t>Scikit-Learn</a:t>
+            </a:r>
+            <a:r>
+              <a:rPr lang="it-IT" sz="1400" dirty="0"/>
+              <a:t>, and </a:t>
+            </a:r>
+            <a:r>
+              <a:rPr lang="it-IT" sz="1400" dirty="0" err="1"/>
+              <a:t>implemented</a:t>
+            </a:r>
+            <a:r>
+              <a:rPr lang="it-IT" sz="1400" dirty="0"/>
+              <a:t> a </a:t>
+            </a:r>
+            <a:r>
+              <a:rPr lang="it-IT" sz="1400" dirty="0" err="1"/>
+              <a:t>multilayer</a:t>
+            </a:r>
+            <a:r>
+              <a:rPr lang="it-IT" sz="1400" dirty="0"/>
+              <a:t> </a:t>
+            </a:r>
+            <a:r>
+              <a:rPr lang="it-IT" sz="1400" dirty="0" err="1"/>
+              <a:t>feedforward</a:t>
+            </a:r>
+            <a:r>
+              <a:rPr lang="it-IT" sz="1400" dirty="0"/>
+              <a:t> </a:t>
+            </a:r>
+            <a:r>
+              <a:rPr lang="it-IT" sz="1400" b="1" dirty="0" err="1"/>
+              <a:t>Neural</a:t>
+            </a:r>
+            <a:r>
+              <a:rPr lang="it-IT" sz="1400" b="1" dirty="0"/>
+              <a:t> Network</a:t>
+            </a:r>
+            <a:r>
+              <a:rPr lang="it-IT" sz="1400" dirty="0"/>
+              <a:t> </a:t>
+            </a:r>
+            <a:r>
+              <a:rPr lang="it-IT" sz="1400" dirty="0" err="1"/>
+              <a:t>using</a:t>
+            </a:r>
+            <a:r>
+              <a:rPr lang="it-IT" sz="1400" dirty="0"/>
+              <a:t> </a:t>
+            </a:r>
+            <a:r>
+              <a:rPr lang="it-IT" sz="1400" dirty="0" err="1"/>
+              <a:t>Keras</a:t>
+            </a:r>
+            <a:r>
+              <a:rPr lang="it-IT" sz="1400" dirty="0"/>
+              <a:t>. The </a:t>
+            </a:r>
+            <a:r>
+              <a:rPr lang="it-IT" sz="1400" dirty="0" err="1">
+                <a:latin typeface="Consolas" panose="020B0609020204030204" pitchFamily="49" charset="0"/>
+              </a:rPr>
+              <a:t>NeuralNetwork</a:t>
+            </a:r>
+            <a:r>
+              <a:rPr lang="it-IT" sz="1400" dirty="0"/>
+              <a:t> classes in </a:t>
+            </a:r>
+            <a:r>
+              <a:rPr lang="it-IT" sz="1400" dirty="0" err="1"/>
+              <a:t>our</a:t>
+            </a:r>
+            <a:r>
+              <a:rPr lang="it-IT" sz="1400" dirty="0"/>
+              <a:t> code </a:t>
+            </a:r>
+            <a:r>
+              <a:rPr lang="it-IT" sz="1400" dirty="0" err="1"/>
+              <a:t>is</a:t>
+            </a:r>
+            <a:r>
+              <a:rPr lang="it-IT" sz="1400" dirty="0"/>
+              <a:t> </a:t>
+            </a:r>
+            <a:r>
+              <a:rPr lang="it-IT" sz="1400" dirty="0" err="1"/>
+              <a:t>designed</a:t>
+            </a:r>
+            <a:r>
+              <a:rPr lang="it-IT" sz="1400" dirty="0"/>
+              <a:t> to be </a:t>
+            </a:r>
+            <a:r>
+              <a:rPr lang="it-IT" sz="1400" dirty="0" err="1"/>
+              <a:t>seamless</a:t>
+            </a:r>
+            <a:r>
+              <a:rPr lang="it-IT" sz="1400" dirty="0"/>
+              <a:t> </a:t>
+            </a:r>
+            <a:r>
+              <a:rPr lang="it-IT" sz="1400" dirty="0" err="1"/>
+              <a:t>integrated</a:t>
+            </a:r>
+            <a:r>
+              <a:rPr lang="it-IT" sz="1400" dirty="0"/>
+              <a:t> with </a:t>
+            </a:r>
+            <a:r>
+              <a:rPr lang="it-IT" sz="1400" dirty="0" err="1"/>
+              <a:t>Scikit-Learn</a:t>
+            </a:r>
+            <a:r>
+              <a:rPr lang="it-IT" sz="1400" dirty="0"/>
+              <a:t> </a:t>
+            </a:r>
+            <a:r>
+              <a:rPr lang="it-IT" sz="1400" dirty="0" err="1"/>
+              <a:t>while</a:t>
+            </a:r>
+            <a:r>
+              <a:rPr lang="it-IT" sz="1400" dirty="0"/>
+              <a:t> </a:t>
+            </a:r>
+            <a:r>
+              <a:rPr lang="it-IT" sz="1400" dirty="0" err="1"/>
+              <a:t>also</a:t>
+            </a:r>
+            <a:r>
+              <a:rPr lang="it-IT" sz="1400" dirty="0"/>
+              <a:t> be </a:t>
+            </a:r>
+            <a:r>
+              <a:rPr lang="it-IT" sz="1400" dirty="0" err="1"/>
+              <a:t>usable</a:t>
+            </a:r>
+            <a:r>
+              <a:rPr lang="it-IT" sz="1400" dirty="0"/>
+              <a:t> </a:t>
+            </a:r>
+            <a:r>
+              <a:rPr lang="it-IT" sz="1400" dirty="0" err="1"/>
+              <a:t>without</a:t>
+            </a:r>
+            <a:r>
+              <a:rPr lang="it-IT" sz="1400" dirty="0"/>
+              <a:t> </a:t>
+            </a:r>
+            <a:r>
+              <a:rPr lang="it-IT" sz="1400" dirty="0" err="1"/>
+              <a:t>it</a:t>
+            </a:r>
+            <a:r>
+              <a:rPr lang="it-IT" sz="1400" dirty="0"/>
+              <a:t>. </a:t>
+            </a:r>
+          </a:p>
+        </p:txBody>
+      </p:sp>
+    </p:spTree>
+    <p:extLst>
+      <p:ext uri="{BB962C8B-B14F-4D97-AF65-F5344CB8AC3E}">
+        <p14:creationId xmlns:p14="http://schemas.microsoft.com/office/powerpoint/2010/main" val="2850000877"/>
+      </p:ext>
+    </p:extLst>
+  </p:cSld>
+  <p:clrMapOvr>
+    <a:masterClrMapping/>
+  </p:clrMapOvr>
+</p:sld>
+</file>
+
+<file path=ppt/slides/slide30.xml><?xml version="1.0" encoding="utf-8"?>
+<p:sld xmlns:a="http://schemas.openxmlformats.org/drawingml/2006/main" xmlns:r="http://schemas.openxmlformats.org/officeDocument/2006/relationships" xmlns:p="http://schemas.openxmlformats.org/presentationml/2006/main">
+  <p:cSld>
+    <p:spTree>
+      <p:nvGrpSpPr>
+        <p:cNvPr id="1" name=""/>
+        <p:cNvGrpSpPr/>
+        <p:nvPr/>
+      </p:nvGrpSpPr>
+      <p:grpSpPr>
+        <a:xfrm>
+          <a:off x="0" y="0"/>
+          <a:ext cx="0" cy="0"/>
+          <a:chOff x="0" y="0"/>
+          <a:chExt cx="0" cy="0"/>
+        </a:xfrm>
+      </p:grpSpPr>
+      <p:sp>
+        <p:nvSpPr>
+          <p:cNvPr id="120" name="PlaceHolder 1"/>
+          <p:cNvSpPr>
+            <a:spLocks noGrp="1"/>
+          </p:cNvSpPr>
+          <p:nvPr>
+            <p:ph type="title"/>
+          </p:nvPr>
+        </p:nvSpPr>
+        <p:spPr>
+          <a:xfrm>
+            <a:off x="311760" y="0"/>
+            <a:ext cx="8520120" cy="792000"/>
+          </a:xfrm>
+          <a:prstGeom prst="rect">
+            <a:avLst/>
+          </a:prstGeom>
+          <a:noFill/>
+          <a:ln w="0">
+            <a:noFill/>
+          </a:ln>
+        </p:spPr>
+        <p:txBody>
+          <a:bodyPr tIns="91440" bIns="91440" anchor="t">
+            <a:normAutofit fontScale="90000"/>
+          </a:bodyPr>
+          <a:lstStyle/>
+          <a:p>
+            <a:pPr>
+              <a:lnSpc>
+                <a:spcPct val="100000"/>
+              </a:lnSpc>
+              <a:buNone/>
+              <a:tabLst>
+                <a:tab pos="0" algn="l"/>
+              </a:tabLst>
+            </a:pPr>
+            <a:r>
+              <a:rPr lang="it" sz="2400" b="0" strike="noStrike" spc="-1" dirty="0">
+                <a:solidFill>
+                  <a:srgbClr val="000000"/>
+                </a:solidFill>
+                <a:latin typeface="Arial"/>
+                <a:ea typeface="Arial"/>
+              </a:rPr>
+              <a:t>Appendix – 7</a:t>
+            </a:r>
+            <a:br>
+              <a:rPr lang="it" sz="2400" b="0" strike="noStrike" spc="-1" dirty="0">
+                <a:solidFill>
+                  <a:srgbClr val="000000"/>
+                </a:solidFill>
+                <a:latin typeface="Arial"/>
+                <a:ea typeface="Arial"/>
+              </a:rPr>
+            </a:br>
+            <a:r>
+              <a:rPr lang="it" sz="2000" spc="-1" dirty="0">
+                <a:solidFill>
+                  <a:srgbClr val="3F3F3F"/>
+                </a:solidFill>
+                <a:latin typeface="Arial"/>
+                <a:ea typeface="Arial"/>
+              </a:rPr>
+              <a:t>In-depth analysis of SVM’s performance on M</a:t>
+            </a:r>
+            <a:r>
+              <a:rPr lang="it" sz="2000" b="0" strike="noStrike" spc="-1" dirty="0">
+                <a:solidFill>
+                  <a:srgbClr val="3F3F3F"/>
+                </a:solidFill>
+                <a:latin typeface="Arial"/>
+                <a:ea typeface="Arial"/>
+              </a:rPr>
+              <a:t>onk 3 task</a:t>
+            </a:r>
+            <a:endParaRPr lang="it-IT" sz="2400" b="0" strike="noStrike" spc="-1" dirty="0">
+              <a:solidFill>
+                <a:srgbClr val="FF0000"/>
+              </a:solidFill>
+              <a:latin typeface="Arial"/>
+            </a:endParaRPr>
+          </a:p>
+        </p:txBody>
+      </p:sp>
+      <p:sp>
+        <p:nvSpPr>
+          <p:cNvPr id="122" name="PlaceHolder 3"/>
+          <p:cNvSpPr>
+            <a:spLocks noGrp="1"/>
+          </p:cNvSpPr>
+          <p:nvPr>
+            <p:ph type="sldNum" idx="14"/>
+          </p:nvPr>
+        </p:nvSpPr>
+        <p:spPr>
+          <a:xfrm>
+            <a:off x="8472600" y="4663080"/>
+            <a:ext cx="548280" cy="393120"/>
+          </a:xfrm>
+          <a:prstGeom prst="rect">
+            <a:avLst/>
+          </a:prstGeom>
+          <a:noFill/>
+          <a:ln w="0">
+            <a:noFill/>
+          </a:ln>
+        </p:spPr>
+        <p:txBody>
+          <a:bodyPr tIns="91440" bIns="91440" anchor="ctr">
+            <a:normAutofit/>
+          </a:bodyPr>
+          <a:lstStyle>
+            <a:lvl1pPr algn="r">
+              <a:lnSpc>
+                <a:spcPct val="100000"/>
+              </a:lnSpc>
+              <a:buNone/>
+              <a:tabLst>
+                <a:tab pos="0" algn="l"/>
+              </a:tabLst>
+              <a:defRPr lang="it" sz="1000" b="0" strike="noStrike" spc="-1">
+                <a:solidFill>
+                  <a:srgbClr val="595959"/>
+                </a:solidFill>
+                <a:latin typeface="Arial"/>
+                <a:ea typeface="Arial"/>
+              </a:defRPr>
+            </a:lvl1pPr>
+          </a:lstStyle>
+          <a:p>
+            <a:pPr algn="r">
+              <a:lnSpc>
+                <a:spcPct val="100000"/>
+              </a:lnSpc>
+              <a:buNone/>
+              <a:tabLst>
+                <a:tab pos="0" algn="l"/>
+              </a:tabLst>
+            </a:pPr>
+            <a:fld id="{25B94CD5-D627-49BE-818E-4A00F2BB16DF}" type="slidenum">
+              <a:rPr lang="it" sz="1000" b="0" strike="noStrike" spc="-1">
+                <a:solidFill>
+                  <a:srgbClr val="595959"/>
+                </a:solidFill>
+                <a:latin typeface="Arial"/>
+                <a:ea typeface="Arial"/>
+              </a:rPr>
+              <a:t>30</a:t>
+            </a:fld>
+            <a:endParaRPr lang="it-IT" sz="1000" b="0" strike="noStrike" spc="-1">
+              <a:latin typeface="Times New Roman"/>
+            </a:endParaRPr>
+          </a:p>
+        </p:txBody>
+      </p:sp>
+      <p:sp>
+        <p:nvSpPr>
+          <p:cNvPr id="16" name="CasellaDiTesto 15">
+            <a:extLst>
+              <a:ext uri="{FF2B5EF4-FFF2-40B4-BE49-F238E27FC236}">
+                <a16:creationId xmlns:a16="http://schemas.microsoft.com/office/drawing/2014/main" id="{34EA9030-D49A-946A-EE82-303EA4064980}"/>
+              </a:ext>
+            </a:extLst>
+          </p:cNvPr>
+          <p:cNvSpPr txBox="1"/>
+          <p:nvPr/>
+        </p:nvSpPr>
+        <p:spPr>
+          <a:xfrm>
+            <a:off x="308535" y="1057413"/>
+            <a:ext cx="8403175" cy="307777"/>
+          </a:xfrm>
+          <a:prstGeom prst="rect">
+            <a:avLst/>
+          </a:prstGeom>
+          <a:noFill/>
+        </p:spPr>
+        <p:txBody>
+          <a:bodyPr wrap="square" rtlCol="0">
+            <a:spAutoFit/>
+          </a:bodyPr>
+          <a:lstStyle/>
+          <a:p>
+            <a:r>
+              <a:rPr lang="it-IT" sz="1400" b="1" dirty="0"/>
+              <a:t>Figure</a:t>
+            </a:r>
+            <a:r>
+              <a:rPr lang="it-IT" sz="1400" b="1" dirty="0">
+                <a:solidFill>
+                  <a:srgbClr val="FF0000"/>
+                </a:solidFill>
+              </a:rPr>
+              <a:t> k+2</a:t>
+            </a:r>
+            <a:r>
+              <a:rPr lang="it-IT" sz="1400" dirty="0"/>
+              <a:t>: </a:t>
+            </a:r>
+            <a:r>
+              <a:rPr lang="it-IT" sz="1400" dirty="0" err="1"/>
+              <a:t>Confusion</a:t>
+            </a:r>
+            <a:r>
+              <a:rPr lang="it-IT" sz="1400" dirty="0"/>
+              <a:t> </a:t>
+            </a:r>
+            <a:r>
+              <a:rPr lang="it-IT" sz="1400" dirty="0" err="1"/>
+              <a:t>matrix</a:t>
+            </a:r>
+            <a:r>
+              <a:rPr lang="it-IT" sz="1400" dirty="0"/>
+              <a:t>, learning curve and ROC curve for the SVM, Monk 3 task</a:t>
+            </a:r>
+          </a:p>
+        </p:txBody>
+      </p:sp>
+      <p:sp>
+        <p:nvSpPr>
+          <p:cNvPr id="17" name="CasellaDiTesto 16">
+            <a:extLst>
+              <a:ext uri="{FF2B5EF4-FFF2-40B4-BE49-F238E27FC236}">
+                <a16:creationId xmlns:a16="http://schemas.microsoft.com/office/drawing/2014/main" id="{331140F4-4D7F-79F3-B32B-4E794EAB9ADE}"/>
+              </a:ext>
+            </a:extLst>
+          </p:cNvPr>
+          <p:cNvSpPr txBox="1"/>
+          <p:nvPr/>
+        </p:nvSpPr>
+        <p:spPr>
+          <a:xfrm>
+            <a:off x="308533" y="3943170"/>
+            <a:ext cx="8403175" cy="523220"/>
+          </a:xfrm>
+          <a:prstGeom prst="rect">
+            <a:avLst/>
+          </a:prstGeom>
+          <a:noFill/>
+        </p:spPr>
+        <p:txBody>
+          <a:bodyPr wrap="square" rtlCol="0">
+            <a:spAutoFit/>
+          </a:bodyPr>
+          <a:lstStyle/>
+          <a:p>
+            <a:r>
+              <a:rPr lang="it-IT" sz="1400" dirty="0" err="1"/>
+              <a:t>Neither</a:t>
+            </a:r>
+            <a:r>
+              <a:rPr lang="it-IT" sz="1400" dirty="0"/>
+              <a:t> model can </a:t>
+            </a:r>
+            <a:r>
+              <a:rPr lang="it-IT" sz="1400" dirty="0" err="1"/>
+              <a:t>reach</a:t>
+            </a:r>
+            <a:r>
+              <a:rPr lang="it-IT" sz="1400" dirty="0"/>
+              <a:t> 100% </a:t>
+            </a:r>
+            <a:r>
+              <a:rPr lang="it-IT" sz="1400" dirty="0" err="1"/>
+              <a:t>accuracy</a:t>
+            </a:r>
+            <a:r>
+              <a:rPr lang="it-IT" sz="1400" dirty="0"/>
+              <a:t> on </a:t>
+            </a:r>
+            <a:r>
+              <a:rPr lang="it-IT" sz="1400" dirty="0" err="1"/>
+              <a:t>this</a:t>
+            </a:r>
+            <a:r>
+              <a:rPr lang="it-IT" sz="1400" dirty="0"/>
+              <a:t> task. </a:t>
+            </a:r>
+            <a:r>
+              <a:rPr lang="it-IT" sz="1400" dirty="0" err="1"/>
+              <a:t>This</a:t>
+            </a:r>
+            <a:r>
+              <a:rPr lang="it-IT" sz="1400" dirty="0"/>
+              <a:t> </a:t>
+            </a:r>
+            <a:r>
+              <a:rPr lang="it-IT" sz="1400" dirty="0" err="1"/>
+              <a:t>is</a:t>
+            </a:r>
+            <a:r>
+              <a:rPr lang="it-IT" sz="1400" dirty="0"/>
+              <a:t> to be </a:t>
+            </a:r>
+            <a:r>
+              <a:rPr lang="it-IT" sz="1400" dirty="0" err="1"/>
+              <a:t>expected</a:t>
+            </a:r>
+            <a:r>
+              <a:rPr lang="it-IT" sz="1400" dirty="0"/>
+              <a:t>, </a:t>
+            </a:r>
+            <a:r>
+              <a:rPr lang="it-IT" sz="1400" dirty="0" err="1"/>
+              <a:t>as</a:t>
+            </a:r>
+            <a:r>
+              <a:rPr lang="it-IT" sz="1400" dirty="0"/>
+              <a:t> the in Monk 3 </a:t>
+            </a:r>
+            <a:r>
+              <a:rPr lang="it-IT" sz="1400" dirty="0" err="1"/>
+              <a:t>there</a:t>
+            </a:r>
+            <a:r>
+              <a:rPr lang="it-IT" sz="1400" dirty="0"/>
+              <a:t> </a:t>
+            </a:r>
+            <a:r>
+              <a:rPr lang="it-IT" sz="1400" dirty="0" err="1"/>
+              <a:t>is</a:t>
+            </a:r>
+            <a:r>
+              <a:rPr lang="it-IT" sz="1400" dirty="0"/>
+              <a:t> a 5% </a:t>
+            </a:r>
+            <a:r>
+              <a:rPr lang="it-IT" sz="1400" dirty="0" err="1"/>
+              <a:t>noise</a:t>
+            </a:r>
+            <a:r>
+              <a:rPr lang="it-IT" sz="1400" dirty="0"/>
+              <a:t> in TR set (</a:t>
+            </a:r>
+            <a:r>
+              <a:rPr lang="it-IT" sz="1400" dirty="0" err="1"/>
+              <a:t>aka</a:t>
+            </a:r>
+            <a:r>
+              <a:rPr lang="it-IT" sz="1400" dirty="0"/>
+              <a:t> 5% of patterns are </a:t>
+            </a:r>
+            <a:r>
+              <a:rPr lang="it-IT" sz="1400" dirty="0" err="1"/>
+              <a:t>misclassified</a:t>
+            </a:r>
+            <a:r>
+              <a:rPr lang="it-IT" sz="1400" dirty="0"/>
+              <a:t>) [</a:t>
+            </a:r>
+            <a:r>
+              <a:rPr lang="it-IT" sz="1400" dirty="0">
+                <a:hlinkClick r:id="rId2" action="ppaction://hlinksldjump"/>
+              </a:rPr>
+              <a:t>10</a:t>
+            </a:r>
+            <a:r>
+              <a:rPr lang="it-IT" sz="1400" dirty="0"/>
+              <a:t>].</a:t>
+            </a:r>
+          </a:p>
+        </p:txBody>
+      </p:sp>
+      <p:pic>
+        <p:nvPicPr>
+          <p:cNvPr id="3" name="Immagine 2">
+            <a:extLst>
+              <a:ext uri="{FF2B5EF4-FFF2-40B4-BE49-F238E27FC236}">
+                <a16:creationId xmlns:a16="http://schemas.microsoft.com/office/drawing/2014/main" id="{403A6694-F1C9-FBDA-0B6C-3AC3745FA3BF}"/>
+              </a:ext>
+            </a:extLst>
+          </p:cNvPr>
+          <p:cNvPicPr>
+            <a:picLocks noChangeAspect="1"/>
+          </p:cNvPicPr>
+          <p:nvPr/>
+        </p:nvPicPr>
+        <p:blipFill>
+          <a:blip r:embed="rId3"/>
+          <a:stretch>
+            <a:fillRect/>
+          </a:stretch>
+        </p:blipFill>
+        <p:spPr>
+          <a:xfrm>
+            <a:off x="308533" y="1365190"/>
+            <a:ext cx="1918861" cy="2051414"/>
+          </a:xfrm>
+          <a:prstGeom prst="rect">
+            <a:avLst/>
+          </a:prstGeom>
+          <a:ln>
+            <a:noFill/>
+          </a:ln>
+        </p:spPr>
+      </p:pic>
+      <p:pic>
+        <p:nvPicPr>
+          <p:cNvPr id="7" name="Immagine 6">
+            <a:extLst>
+              <a:ext uri="{FF2B5EF4-FFF2-40B4-BE49-F238E27FC236}">
+                <a16:creationId xmlns:a16="http://schemas.microsoft.com/office/drawing/2014/main" id="{BB2CF34C-D335-7583-FB07-420C10B95BF9}"/>
+              </a:ext>
+            </a:extLst>
+          </p:cNvPr>
+          <p:cNvPicPr>
+            <a:picLocks noChangeAspect="1"/>
+          </p:cNvPicPr>
+          <p:nvPr/>
+        </p:nvPicPr>
+        <p:blipFill>
+          <a:blip r:embed="rId4"/>
+          <a:stretch>
+            <a:fillRect/>
+          </a:stretch>
+        </p:blipFill>
+        <p:spPr>
+          <a:xfrm>
+            <a:off x="2227393" y="1365190"/>
+            <a:ext cx="3117814" cy="2265298"/>
+          </a:xfrm>
+          <a:prstGeom prst="rect">
+            <a:avLst/>
+          </a:prstGeom>
+          <a:ln>
+            <a:noFill/>
+          </a:ln>
+        </p:spPr>
+      </p:pic>
+      <p:pic>
+        <p:nvPicPr>
+          <p:cNvPr id="10" name="Immagine 9">
+            <a:extLst>
+              <a:ext uri="{FF2B5EF4-FFF2-40B4-BE49-F238E27FC236}">
+                <a16:creationId xmlns:a16="http://schemas.microsoft.com/office/drawing/2014/main" id="{1031203E-8148-B4C4-91F5-8CB5719D4E8E}"/>
+              </a:ext>
+            </a:extLst>
+          </p:cNvPr>
+          <p:cNvPicPr>
+            <a:picLocks noChangeAspect="1"/>
+          </p:cNvPicPr>
+          <p:nvPr/>
+        </p:nvPicPr>
+        <p:blipFill>
+          <a:blip r:embed="rId5"/>
+          <a:stretch>
+            <a:fillRect/>
+          </a:stretch>
+        </p:blipFill>
+        <p:spPr>
+          <a:xfrm>
+            <a:off x="5345207" y="1365190"/>
+            <a:ext cx="3127393" cy="2265298"/>
+          </a:xfrm>
+          <a:prstGeom prst="rect">
+            <a:avLst/>
+          </a:prstGeom>
+          <a:ln>
+            <a:noFill/>
+          </a:ln>
+        </p:spPr>
+      </p:pic>
+    </p:spTree>
+    <p:extLst>
+      <p:ext uri="{BB962C8B-B14F-4D97-AF65-F5344CB8AC3E}">
+        <p14:creationId xmlns:p14="http://schemas.microsoft.com/office/powerpoint/2010/main" val="2148261782"/>
+      </p:ext>
+    </p:extLst>
+  </p:cSld>
+  <p:clrMapOvr>
+    <a:masterClrMapping/>
+  </p:clrMapOvr>
+</p:sld>
+</file>
+
+<file path=ppt/slides/slide31.xml><?xml version="1.0" encoding="utf-8"?>
+<p:sld xmlns:a="http://schemas.openxmlformats.org/drawingml/2006/main" xmlns:r="http://schemas.openxmlformats.org/officeDocument/2006/relationships" xmlns:p="http://schemas.openxmlformats.org/presentationml/2006/main">
+  <p:cSld>
+    <p:spTree>
+      <p:nvGrpSpPr>
+        <p:cNvPr id="1" name=""/>
+        <p:cNvGrpSpPr/>
+        <p:nvPr/>
+      </p:nvGrpSpPr>
+      <p:grpSpPr>
+        <a:xfrm>
+          <a:off x="0" y="0"/>
+          <a:ext cx="0" cy="0"/>
+          <a:chOff x="0" y="0"/>
+          <a:chExt cx="0" cy="0"/>
+        </a:xfrm>
+      </p:grpSpPr>
+      <p:sp>
+        <p:nvSpPr>
+          <p:cNvPr id="120" name="PlaceHolder 1"/>
+          <p:cNvSpPr>
+            <a:spLocks noGrp="1"/>
+          </p:cNvSpPr>
+          <p:nvPr>
+            <p:ph type="title"/>
+          </p:nvPr>
+        </p:nvSpPr>
+        <p:spPr>
+          <a:xfrm>
+            <a:off x="311760" y="0"/>
+            <a:ext cx="8520120" cy="792000"/>
+          </a:xfrm>
+          <a:prstGeom prst="rect">
+            <a:avLst/>
+          </a:prstGeom>
+          <a:noFill/>
+          <a:ln w="0">
+            <a:noFill/>
+          </a:ln>
+        </p:spPr>
+        <p:txBody>
+          <a:bodyPr tIns="91440" bIns="91440" anchor="t">
+            <a:normAutofit fontScale="90000"/>
+          </a:bodyPr>
+          <a:lstStyle/>
+          <a:p>
+            <a:pPr>
+              <a:lnSpc>
+                <a:spcPct val="100000"/>
+              </a:lnSpc>
+              <a:buNone/>
+              <a:tabLst>
+                <a:tab pos="0" algn="l"/>
+              </a:tabLst>
+            </a:pPr>
+            <a:r>
+              <a:rPr lang="it" sz="2400" b="0" strike="noStrike" spc="-1" dirty="0">
+                <a:solidFill>
+                  <a:srgbClr val="000000"/>
+                </a:solidFill>
+                <a:latin typeface="Arial"/>
+                <a:ea typeface="Arial"/>
+              </a:rPr>
+              <a:t>Appendix – 8</a:t>
             </a:r>
             <a:br>
               <a:rPr lang="it" sz="2400" b="0" strike="noStrike" spc="-1" dirty="0">
@@ -23684,7 +25601,7 @@
                 <a:latin typeface="Arial"/>
                 <a:ea typeface="Arial"/>
               </a:rPr>
-              <a:t>29</a:t>
+              <a:t>31</a:t>
             </a:fld>
             <a:endParaRPr lang="it-IT" sz="1000" b="0" strike="noStrike" spc="-1">
               <a:latin typeface="Times New Roman"/>
@@ -24605,850 +26522,7 @@
 </p:sld>
 </file>
 
-<file path=ppt/slides/slide3.xml><?xml version="1.0" encoding="utf-8"?>
-<p:sld xmlns:a="http://schemas.openxmlformats.org/drawingml/2006/main" xmlns:r="http://schemas.openxmlformats.org/officeDocument/2006/relationships" xmlns:p="http://schemas.openxmlformats.org/presentationml/2006/main">
-  <p:cSld>
-    <p:spTree>
-      <p:nvGrpSpPr>
-        <p:cNvPr id="1" name=""/>
-        <p:cNvGrpSpPr/>
-        <p:nvPr/>
-      </p:nvGrpSpPr>
-      <p:grpSpPr>
-        <a:xfrm>
-          <a:off x="0" y="0"/>
-          <a:ext cx="0" cy="0"/>
-          <a:chOff x="0" y="0"/>
-          <a:chExt cx="0" cy="0"/>
-        </a:xfrm>
-      </p:grpSpPr>
-      <p:sp>
-        <p:nvSpPr>
-          <p:cNvPr id="83" name="PlaceHolder 3"/>
-          <p:cNvSpPr>
-            <a:spLocks noGrp="1"/>
-          </p:cNvSpPr>
-          <p:nvPr>
-            <p:ph type="sldNum" idx="3"/>
-          </p:nvPr>
-        </p:nvSpPr>
-        <p:spPr>
-          <a:xfrm>
-            <a:off x="8472600" y="4663080"/>
-            <a:ext cx="548280" cy="393120"/>
-          </a:xfrm>
-          <a:prstGeom prst="rect">
-            <a:avLst/>
-          </a:prstGeom>
-          <a:noFill/>
-          <a:ln w="0">
-            <a:noFill/>
-          </a:ln>
-        </p:spPr>
-        <p:txBody>
-          <a:bodyPr tIns="91440" bIns="91440" anchor="ctr">
-            <a:normAutofit/>
-          </a:bodyPr>
-          <a:lstStyle>
-            <a:lvl1pPr algn="r">
-              <a:lnSpc>
-                <a:spcPct val="100000"/>
-              </a:lnSpc>
-              <a:buNone/>
-              <a:tabLst>
-                <a:tab pos="0" algn="l"/>
-              </a:tabLst>
-              <a:defRPr lang="it" sz="1000" b="0" strike="noStrike" spc="-1">
-                <a:solidFill>
-                  <a:srgbClr val="595959"/>
-                </a:solidFill>
-                <a:latin typeface="Arial"/>
-                <a:ea typeface="Arial"/>
-              </a:defRPr>
-            </a:lvl1pPr>
-          </a:lstStyle>
-          <a:p>
-            <a:pPr algn="r">
-              <a:lnSpc>
-                <a:spcPct val="100000"/>
-              </a:lnSpc>
-              <a:buNone/>
-              <a:tabLst>
-                <a:tab pos="0" algn="l"/>
-              </a:tabLst>
-            </a:pPr>
-            <a:fld id="{CDE5831E-EF50-4AF8-82C3-EBDE88F03D8C}" type="slidenum">
-              <a:rPr lang="it" sz="1000" b="0" strike="noStrike" spc="-1">
-                <a:solidFill>
-                  <a:srgbClr val="595959"/>
-                </a:solidFill>
-                <a:latin typeface="Arial"/>
-                <a:ea typeface="Arial"/>
-              </a:rPr>
-              <a:t>3</a:t>
-            </a:fld>
-            <a:endParaRPr lang="it-IT" sz="1000" b="0" strike="noStrike" spc="-1" dirty="0">
-              <a:latin typeface="Times New Roman"/>
-            </a:endParaRPr>
-          </a:p>
-        </p:txBody>
-      </p:sp>
-      <p:sp>
-        <p:nvSpPr>
-          <p:cNvPr id="4" name="PlaceHolder 1">
-            <a:extLst>
-              <a:ext uri="{FF2B5EF4-FFF2-40B4-BE49-F238E27FC236}">
-                <a16:creationId xmlns:a16="http://schemas.microsoft.com/office/drawing/2014/main" id="{80C918E8-6CF7-0E0B-D3EF-88419C82AA81}"/>
-              </a:ext>
-            </a:extLst>
-          </p:cNvPr>
-          <p:cNvSpPr txBox="1">
-            <a:spLocks/>
-          </p:cNvSpPr>
-          <p:nvPr/>
-        </p:nvSpPr>
-        <p:spPr>
-          <a:xfrm>
-            <a:off x="311760" y="0"/>
-            <a:ext cx="8520120" cy="576000"/>
-          </a:xfrm>
-          <a:prstGeom prst="rect">
-            <a:avLst/>
-          </a:prstGeom>
-          <a:noFill/>
-          <a:ln w="0">
-            <a:noFill/>
-          </a:ln>
-        </p:spPr>
-        <p:txBody>
-          <a:bodyPr lIns="0" tIns="91440" rIns="0" bIns="91440" anchor="t">
-            <a:normAutofit fontScale="97500"/>
-          </a:bodyPr>
-          <a:lstStyle>
-            <a:lvl1pPr algn="l" defTabSz="914400" rtl="0" eaLnBrk="1" latinLnBrk="0" hangingPunct="1">
-              <a:lnSpc>
-                <a:spcPct val="90000"/>
-              </a:lnSpc>
-              <a:spcBef>
-                <a:spcPct val="0"/>
-              </a:spcBef>
-              <a:buNone/>
-              <a:defRPr sz="4400" kern="1200">
-                <a:solidFill>
-                  <a:schemeClr val="tx1"/>
-                </a:solidFill>
-                <a:latin typeface="+mj-lt"/>
-                <a:ea typeface="+mj-ea"/>
-                <a:cs typeface="+mj-cs"/>
-              </a:defRPr>
-            </a:lvl1pPr>
-          </a:lstStyle>
-          <a:p>
-            <a:pPr>
-              <a:lnSpc>
-                <a:spcPct val="100000"/>
-              </a:lnSpc>
-              <a:tabLst>
-                <a:tab pos="0" algn="l"/>
-              </a:tabLst>
-            </a:pPr>
-            <a:r>
-              <a:rPr lang="it" sz="2500" spc="-1" dirty="0">
-                <a:solidFill>
-                  <a:srgbClr val="000000"/>
-                </a:solidFill>
-                <a:latin typeface="Arial"/>
-                <a:ea typeface="Arial"/>
-              </a:rPr>
-              <a:t>Code structure, models overview </a:t>
-            </a:r>
-            <a:r>
-              <a:rPr lang="it" sz="2500" spc="-1" dirty="0">
-                <a:solidFill>
-                  <a:srgbClr val="FF0000"/>
-                </a:solidFill>
-                <a:latin typeface="Arial"/>
-                <a:ea typeface="Arial"/>
-              </a:rPr>
-              <a:t>da rivedere</a:t>
-            </a:r>
-            <a:endParaRPr lang="it-IT" sz="2400" spc="-1" dirty="0">
-              <a:solidFill>
-                <a:srgbClr val="FF0000"/>
-              </a:solidFill>
-              <a:latin typeface="Arial"/>
-            </a:endParaRPr>
-          </a:p>
-        </p:txBody>
-      </p:sp>
-      <p:sp>
-        <p:nvSpPr>
-          <p:cNvPr id="3" name="CasellaDiTesto 2">
-            <a:extLst>
-              <a:ext uri="{FF2B5EF4-FFF2-40B4-BE49-F238E27FC236}">
-                <a16:creationId xmlns:a16="http://schemas.microsoft.com/office/drawing/2014/main" id="{21F77B32-FB82-2079-F53B-1131754C4D18}"/>
-              </a:ext>
-            </a:extLst>
-          </p:cNvPr>
-          <p:cNvSpPr txBox="1"/>
-          <p:nvPr/>
-        </p:nvSpPr>
-        <p:spPr>
-          <a:xfrm>
-            <a:off x="311761" y="693013"/>
-            <a:ext cx="8520119" cy="1600438"/>
-          </a:xfrm>
-          <a:prstGeom prst="rect">
-            <a:avLst/>
-          </a:prstGeom>
-          <a:noFill/>
-        </p:spPr>
-        <p:txBody>
-          <a:bodyPr wrap="square" rtlCol="0">
-            <a:spAutoFit/>
-          </a:bodyPr>
-          <a:lstStyle/>
-          <a:p>
-            <a:r>
-              <a:rPr lang="it-IT" sz="1400" dirty="0"/>
-              <a:t>Basic </a:t>
-            </a:r>
-            <a:r>
-              <a:rPr lang="it-IT" sz="1400" dirty="0" err="1"/>
-              <a:t>structure</a:t>
-            </a:r>
-            <a:r>
-              <a:rPr lang="it-IT" sz="1400" dirty="0"/>
-              <a:t> of the code: </a:t>
-            </a:r>
-          </a:p>
-          <a:p>
-            <a:pPr marL="285750" indent="-285750">
-              <a:buFont typeface="Arial" panose="020B0604020202020204" pitchFamily="34" charset="0"/>
-              <a:buChar char="•"/>
-            </a:pPr>
-            <a:r>
-              <a:rPr lang="it-IT" sz="1400" dirty="0">
-                <a:hlinkClick r:id="rId2"/>
-              </a:rPr>
-              <a:t>GitHub repo</a:t>
-            </a:r>
-            <a:r>
-              <a:rPr lang="it-IT" sz="1400" dirty="0"/>
-              <a:t> in </a:t>
-            </a:r>
-            <a:r>
-              <a:rPr lang="it-IT" sz="1400" dirty="0" err="1"/>
-              <a:t>which</a:t>
-            </a:r>
-            <a:r>
-              <a:rPr lang="it-IT" sz="1400" dirty="0"/>
-              <a:t> </a:t>
-            </a:r>
-            <a:r>
-              <a:rPr lang="it-IT" sz="1400" dirty="0" err="1"/>
-              <a:t>we</a:t>
-            </a:r>
-            <a:r>
-              <a:rPr lang="it-IT" sz="1400" dirty="0"/>
-              <a:t> </a:t>
-            </a:r>
-            <a:r>
-              <a:rPr lang="it-IT" sz="1400" dirty="0" err="1"/>
-              <a:t>stored</a:t>
-            </a:r>
-            <a:r>
-              <a:rPr lang="it-IT" sz="1400" dirty="0"/>
-              <a:t> the datasets, images, notebooks and </a:t>
-            </a:r>
-            <a:r>
-              <a:rPr lang="it-IT" sz="1400" dirty="0" err="1"/>
-              <a:t>saved</a:t>
-            </a:r>
-            <a:r>
-              <a:rPr lang="it-IT" sz="1400" dirty="0"/>
-              <a:t> models. </a:t>
-            </a:r>
-          </a:p>
-          <a:p>
-            <a:pPr marL="285750" indent="-285750">
-              <a:buFont typeface="Arial" panose="020B0604020202020204" pitchFamily="34" charset="0"/>
-              <a:buChar char="•"/>
-            </a:pPr>
-            <a:r>
-              <a:rPr lang="it-IT" sz="1400" dirty="0"/>
-              <a:t>A notebook for </a:t>
-            </a:r>
-            <a:r>
-              <a:rPr lang="it-IT" sz="1400" dirty="0" err="1"/>
-              <a:t>each</a:t>
-            </a:r>
-            <a:r>
-              <a:rPr lang="it-IT" sz="1400" dirty="0"/>
-              <a:t> of the </a:t>
-            </a:r>
-            <a:r>
-              <a:rPr lang="it-IT" sz="1400" dirty="0" err="1"/>
-              <a:t>three</a:t>
-            </a:r>
-            <a:r>
-              <a:rPr lang="it-IT" sz="1400" dirty="0"/>
-              <a:t> classes of models, for </a:t>
-            </a:r>
-            <a:r>
-              <a:rPr lang="it-IT" sz="1400" dirty="0" err="1"/>
-              <a:t>each</a:t>
-            </a:r>
-            <a:r>
-              <a:rPr lang="it-IT" sz="1400" dirty="0"/>
-              <a:t> of the </a:t>
-            </a:r>
-            <a:r>
-              <a:rPr lang="it-IT" sz="1400" dirty="0" err="1"/>
-              <a:t>two</a:t>
-            </a:r>
-            <a:r>
-              <a:rPr lang="it-IT" sz="1400" dirty="0"/>
-              <a:t> tasks.</a:t>
-            </a:r>
-          </a:p>
-          <a:p>
-            <a:pPr marL="285750" indent="-285750">
-              <a:buFont typeface="Arial" panose="020B0604020202020204" pitchFamily="34" charset="0"/>
-              <a:buChar char="•"/>
-            </a:pPr>
-            <a:r>
-              <a:rPr lang="it-IT" sz="1400" dirty="0"/>
-              <a:t>In </a:t>
-            </a:r>
-            <a:r>
-              <a:rPr lang="it-IT" sz="1400" dirty="0" err="1"/>
-              <a:t>each</a:t>
-            </a:r>
-            <a:r>
-              <a:rPr lang="it-IT" sz="1400" dirty="0"/>
-              <a:t> notebook: import and </a:t>
-            </a:r>
-            <a:r>
-              <a:rPr lang="it-IT" sz="1400" dirty="0" err="1"/>
-              <a:t>process</a:t>
-            </a:r>
-            <a:r>
-              <a:rPr lang="it-IT" sz="1400" dirty="0"/>
-              <a:t> the data, create the model (</a:t>
-            </a:r>
-            <a:r>
-              <a:rPr lang="it-IT" sz="1400" dirty="0" err="1"/>
-              <a:t>often</a:t>
-            </a:r>
-            <a:r>
-              <a:rPr lang="it-IT" sz="1400" dirty="0"/>
-              <a:t> by </a:t>
-            </a:r>
-            <a:r>
-              <a:rPr lang="it-IT" sz="1400" dirty="0" err="1"/>
-              <a:t>calling</a:t>
-            </a:r>
-            <a:r>
-              <a:rPr lang="it-IT" sz="1400" dirty="0"/>
-              <a:t> a </a:t>
-            </a:r>
-            <a:r>
-              <a:rPr lang="it-IT" sz="1400" dirty="0" err="1"/>
-              <a:t>function</a:t>
-            </a:r>
-            <a:r>
-              <a:rPr lang="it-IT" sz="1400" dirty="0"/>
-              <a:t> </a:t>
-            </a:r>
-            <a:r>
-              <a:rPr lang="it-IT" sz="1400" dirty="0" err="1"/>
-              <a:t>provided</a:t>
-            </a:r>
-            <a:r>
-              <a:rPr lang="it-IT" sz="1400" dirty="0"/>
-              <a:t> by the library), set up the </a:t>
-            </a:r>
-            <a:r>
-              <a:rPr lang="it-IT" sz="1400" dirty="0" err="1"/>
-              <a:t>grid</a:t>
-            </a:r>
-            <a:r>
-              <a:rPr lang="it-IT" sz="1400" dirty="0"/>
-              <a:t> </a:t>
-            </a:r>
-            <a:r>
-              <a:rPr lang="it-IT" sz="1400" dirty="0" err="1"/>
-              <a:t>search</a:t>
-            </a:r>
-            <a:r>
-              <a:rPr lang="it-IT" sz="1400" dirty="0"/>
-              <a:t> and training </a:t>
-            </a:r>
-            <a:r>
-              <a:rPr lang="it-IT" sz="1400" dirty="0" err="1"/>
-              <a:t>process</a:t>
-            </a:r>
-            <a:r>
-              <a:rPr lang="it-IT" sz="1400" dirty="0"/>
-              <a:t>, </a:t>
-            </a:r>
-            <a:r>
-              <a:rPr lang="it-IT" sz="1400" dirty="0" err="1"/>
-              <a:t>select</a:t>
-            </a:r>
-            <a:r>
-              <a:rPr lang="it-IT" sz="1400" dirty="0"/>
-              <a:t> best </a:t>
-            </a:r>
-            <a:r>
-              <a:rPr lang="it-IT" sz="1400" dirty="0" err="1"/>
-              <a:t>hyperparameters</a:t>
-            </a:r>
-            <a:r>
-              <a:rPr lang="it-IT" sz="1400" dirty="0"/>
-              <a:t> and plot the learning curve, </a:t>
-            </a:r>
-            <a:r>
-              <a:rPr lang="it-IT" sz="1400" dirty="0" err="1"/>
-              <a:t>save</a:t>
-            </a:r>
-            <a:r>
-              <a:rPr lang="it-IT" sz="1400" dirty="0"/>
-              <a:t> the model</a:t>
-            </a:r>
-          </a:p>
-          <a:p>
-            <a:pPr marL="285750" indent="-285750">
-              <a:buFont typeface="Arial" panose="020B0604020202020204" pitchFamily="34" charset="0"/>
-              <a:buChar char="•"/>
-            </a:pPr>
-            <a:r>
-              <a:rPr lang="it-IT" sz="1400" dirty="0"/>
-              <a:t>Extra notebooks for data </a:t>
-            </a:r>
-            <a:r>
-              <a:rPr lang="it-IT" sz="1400" dirty="0" err="1"/>
-              <a:t>exploration</a:t>
-            </a:r>
-            <a:r>
-              <a:rPr lang="it-IT" sz="1400" dirty="0"/>
-              <a:t> and models </a:t>
-            </a:r>
-            <a:r>
-              <a:rPr lang="it-IT" sz="1400" dirty="0" err="1"/>
-              <a:t>comparison</a:t>
-            </a:r>
-            <a:endParaRPr lang="it-IT" sz="1400" dirty="0"/>
-          </a:p>
-        </p:txBody>
-      </p:sp>
-      <p:sp>
-        <p:nvSpPr>
-          <p:cNvPr id="11" name="CasellaDiTesto 10">
-            <a:extLst>
-              <a:ext uri="{FF2B5EF4-FFF2-40B4-BE49-F238E27FC236}">
-                <a16:creationId xmlns:a16="http://schemas.microsoft.com/office/drawing/2014/main" id="{003EBDB9-88F0-E455-63E2-1D1CE308D764}"/>
-              </a:ext>
-            </a:extLst>
-          </p:cNvPr>
-          <p:cNvSpPr txBox="1"/>
-          <p:nvPr/>
-        </p:nvSpPr>
-        <p:spPr>
-          <a:xfrm>
-            <a:off x="311760" y="3996932"/>
-            <a:ext cx="8520120" cy="523220"/>
-          </a:xfrm>
-          <a:prstGeom prst="rect">
-            <a:avLst/>
-          </a:prstGeom>
-          <a:noFill/>
-        </p:spPr>
-        <p:txBody>
-          <a:bodyPr wrap="square" rtlCol="0">
-            <a:spAutoFit/>
-          </a:bodyPr>
-          <a:lstStyle/>
-          <a:p>
-            <a:r>
-              <a:rPr lang="it-IT" sz="1400" dirty="0"/>
-              <a:t>For </a:t>
-            </a:r>
-            <a:r>
-              <a:rPr lang="it-IT" sz="1400" dirty="0" err="1"/>
-              <a:t>all</a:t>
-            </a:r>
-            <a:r>
-              <a:rPr lang="it-IT" sz="1400" dirty="0"/>
-              <a:t> </a:t>
-            </a:r>
-            <a:r>
-              <a:rPr lang="it-IT" sz="1400" dirty="0" err="1"/>
-              <a:t>these</a:t>
-            </a:r>
-            <a:r>
-              <a:rPr lang="it-IT" sz="1400" dirty="0"/>
-              <a:t> models </a:t>
-            </a:r>
-            <a:r>
-              <a:rPr lang="it-IT" sz="1400" dirty="0" err="1"/>
-              <a:t>we</a:t>
-            </a:r>
-            <a:r>
-              <a:rPr lang="it-IT" sz="1400" dirty="0"/>
-              <a:t> </a:t>
-            </a:r>
-            <a:r>
-              <a:rPr lang="it-IT" sz="1400" dirty="0" err="1"/>
-              <a:t>tried</a:t>
-            </a:r>
-            <a:r>
-              <a:rPr lang="it-IT" sz="1400" dirty="0"/>
-              <a:t> out </a:t>
-            </a:r>
-            <a:r>
-              <a:rPr lang="it-IT" sz="1400" dirty="0" err="1"/>
-              <a:t>many</a:t>
-            </a:r>
-            <a:r>
-              <a:rPr lang="it-IT" sz="1400" dirty="0"/>
-              <a:t> </a:t>
-            </a:r>
-            <a:r>
-              <a:rPr lang="it-IT" sz="1400" dirty="0" err="1"/>
-              <a:t>configurations</a:t>
-            </a:r>
-            <a:r>
-              <a:rPr lang="it-IT" sz="1400" dirty="0"/>
-              <a:t> of </a:t>
-            </a:r>
-            <a:r>
-              <a:rPr lang="it-IT" sz="1400" dirty="0" err="1"/>
-              <a:t>hyperparameters</a:t>
-            </a:r>
-            <a:r>
-              <a:rPr lang="it-IT" sz="1400" dirty="0"/>
-              <a:t>. </a:t>
-            </a:r>
-            <a:r>
-              <a:rPr lang="it-IT" sz="1400" dirty="0">
-                <a:solidFill>
-                  <a:srgbClr val="FF0000"/>
-                </a:solidFill>
-              </a:rPr>
-              <a:t>Precise </a:t>
-            </a:r>
-            <a:r>
-              <a:rPr lang="it-IT" sz="1400" dirty="0" err="1">
-                <a:solidFill>
-                  <a:srgbClr val="FF0000"/>
-                </a:solidFill>
-              </a:rPr>
-              <a:t>details</a:t>
-            </a:r>
-            <a:r>
-              <a:rPr lang="it-IT" sz="1400" dirty="0">
-                <a:solidFill>
-                  <a:srgbClr val="FF0000"/>
-                </a:solidFill>
-              </a:rPr>
-              <a:t> </a:t>
-            </a:r>
-            <a:r>
-              <a:rPr lang="it-IT" sz="1400" dirty="0" err="1">
-                <a:solidFill>
-                  <a:srgbClr val="FF0000"/>
-                </a:solidFill>
-              </a:rPr>
-              <a:t>will</a:t>
-            </a:r>
-            <a:r>
-              <a:rPr lang="it-IT" sz="1400" dirty="0">
-                <a:solidFill>
-                  <a:srgbClr val="FF0000"/>
-                </a:solidFill>
-              </a:rPr>
-              <a:t> be </a:t>
-            </a:r>
-            <a:r>
-              <a:rPr lang="it-IT" sz="1400" dirty="0" err="1">
-                <a:solidFill>
-                  <a:srgbClr val="FF0000"/>
-                </a:solidFill>
-              </a:rPr>
-              <a:t>given</a:t>
-            </a:r>
-            <a:r>
-              <a:rPr lang="it-IT" sz="1400" dirty="0">
-                <a:solidFill>
-                  <a:srgbClr val="FF0000"/>
-                </a:solidFill>
-              </a:rPr>
-              <a:t> </a:t>
-            </a:r>
-            <a:r>
-              <a:rPr lang="it-IT" sz="1400" dirty="0" err="1">
-                <a:solidFill>
-                  <a:srgbClr val="FF0000"/>
-                </a:solidFill>
-              </a:rPr>
-              <a:t>later</a:t>
-            </a:r>
-            <a:r>
-              <a:rPr lang="it-IT" sz="1400" dirty="0">
-                <a:solidFill>
-                  <a:srgbClr val="FF0000"/>
-                </a:solidFill>
-              </a:rPr>
-              <a:t>. </a:t>
-            </a:r>
-          </a:p>
-        </p:txBody>
-      </p:sp>
-      <p:sp>
-        <p:nvSpPr>
-          <p:cNvPr id="5" name="CasellaDiTesto 4">
-            <a:extLst>
-              <a:ext uri="{FF2B5EF4-FFF2-40B4-BE49-F238E27FC236}">
-                <a16:creationId xmlns:a16="http://schemas.microsoft.com/office/drawing/2014/main" id="{A25770F8-1FA1-1D5E-D768-E47CF7ED482A}"/>
-              </a:ext>
-            </a:extLst>
-          </p:cNvPr>
-          <p:cNvSpPr txBox="1"/>
-          <p:nvPr/>
-        </p:nvSpPr>
-        <p:spPr>
-          <a:xfrm>
-            <a:off x="311760" y="2802701"/>
-            <a:ext cx="8520120" cy="738664"/>
-          </a:xfrm>
-          <a:prstGeom prst="rect">
-            <a:avLst/>
-          </a:prstGeom>
-          <a:noFill/>
-        </p:spPr>
-        <p:txBody>
-          <a:bodyPr wrap="square" rtlCol="0">
-            <a:spAutoFit/>
-          </a:bodyPr>
-          <a:lstStyle/>
-          <a:p>
-            <a:r>
-              <a:rPr lang="it-IT" sz="1400" dirty="0" err="1"/>
-              <a:t>We</a:t>
-            </a:r>
-            <a:r>
-              <a:rPr lang="it-IT" sz="1400" dirty="0"/>
-              <a:t> </a:t>
-            </a:r>
-            <a:r>
-              <a:rPr lang="it-IT" sz="1400" dirty="0" err="1"/>
-              <a:t>used</a:t>
-            </a:r>
-            <a:r>
-              <a:rPr lang="it-IT" sz="1400" dirty="0"/>
-              <a:t> the </a:t>
-            </a:r>
-            <a:r>
-              <a:rPr lang="it-IT" sz="1400" b="1" dirty="0"/>
-              <a:t>Random </a:t>
-            </a:r>
-            <a:r>
-              <a:rPr lang="it-IT" sz="1400" b="1" dirty="0" err="1"/>
-              <a:t>Forests</a:t>
-            </a:r>
-            <a:r>
-              <a:rPr lang="it-IT" sz="1400" dirty="0"/>
-              <a:t> and </a:t>
-            </a:r>
-            <a:r>
-              <a:rPr lang="it-IT" sz="1400" b="1" dirty="0" err="1"/>
-              <a:t>SVM</a:t>
-            </a:r>
-            <a:r>
-              <a:rPr lang="it-IT" sz="1400" dirty="0" err="1"/>
-              <a:t>s</a:t>
-            </a:r>
-            <a:r>
-              <a:rPr lang="it-IT" sz="1400" dirty="0"/>
-              <a:t> from </a:t>
-            </a:r>
-            <a:r>
-              <a:rPr lang="it-IT" sz="1400" dirty="0" err="1"/>
-              <a:t>Scikit-Learn</a:t>
-            </a:r>
-            <a:r>
-              <a:rPr lang="it-IT" sz="1400" dirty="0"/>
-              <a:t>, and </a:t>
-            </a:r>
-            <a:r>
-              <a:rPr lang="it-IT" sz="1400" dirty="0" err="1"/>
-              <a:t>implemented</a:t>
-            </a:r>
-            <a:r>
-              <a:rPr lang="it-IT" sz="1400" dirty="0"/>
-              <a:t> a </a:t>
-            </a:r>
-            <a:r>
-              <a:rPr lang="it-IT" sz="1400" dirty="0" err="1"/>
-              <a:t>multilayer</a:t>
-            </a:r>
-            <a:r>
-              <a:rPr lang="it-IT" sz="1400" dirty="0"/>
-              <a:t> </a:t>
-            </a:r>
-            <a:r>
-              <a:rPr lang="it-IT" sz="1400" dirty="0" err="1"/>
-              <a:t>feedforward</a:t>
-            </a:r>
-            <a:r>
-              <a:rPr lang="it-IT" sz="1400" dirty="0"/>
-              <a:t> </a:t>
-            </a:r>
-            <a:r>
-              <a:rPr lang="it-IT" sz="1400" b="1" dirty="0" err="1"/>
-              <a:t>Neural</a:t>
-            </a:r>
-            <a:r>
-              <a:rPr lang="it-IT" sz="1400" b="1" dirty="0"/>
-              <a:t> Network</a:t>
-            </a:r>
-            <a:r>
-              <a:rPr lang="it-IT" sz="1400" dirty="0"/>
-              <a:t> </a:t>
-            </a:r>
-            <a:r>
-              <a:rPr lang="it-IT" sz="1400" dirty="0" err="1"/>
-              <a:t>using</a:t>
-            </a:r>
-            <a:r>
-              <a:rPr lang="it-IT" sz="1400" dirty="0"/>
-              <a:t> </a:t>
-            </a:r>
-            <a:r>
-              <a:rPr lang="it-IT" sz="1400" dirty="0" err="1"/>
-              <a:t>Keras</a:t>
-            </a:r>
-            <a:r>
-              <a:rPr lang="it-IT" sz="1400" dirty="0"/>
-              <a:t>. The </a:t>
-            </a:r>
-            <a:r>
-              <a:rPr lang="it-IT" sz="1400" dirty="0" err="1">
-                <a:latin typeface="Consolas" panose="020B0609020204030204" pitchFamily="49" charset="0"/>
-              </a:rPr>
-              <a:t>NeuralNetwork</a:t>
-            </a:r>
-            <a:r>
-              <a:rPr lang="it-IT" sz="1400" dirty="0"/>
-              <a:t> classes in </a:t>
-            </a:r>
-            <a:r>
-              <a:rPr lang="it-IT" sz="1400" dirty="0" err="1"/>
-              <a:t>our</a:t>
-            </a:r>
-            <a:r>
-              <a:rPr lang="it-IT" sz="1400" dirty="0"/>
-              <a:t> code </a:t>
-            </a:r>
-            <a:r>
-              <a:rPr lang="it-IT" sz="1400" dirty="0" err="1"/>
-              <a:t>is</a:t>
-            </a:r>
-            <a:r>
-              <a:rPr lang="it-IT" sz="1400" dirty="0"/>
-              <a:t> </a:t>
-            </a:r>
-            <a:r>
-              <a:rPr lang="it-IT" sz="1400" dirty="0" err="1"/>
-              <a:t>designed</a:t>
-            </a:r>
-            <a:r>
-              <a:rPr lang="it-IT" sz="1400" dirty="0"/>
-              <a:t> to be </a:t>
-            </a:r>
-            <a:r>
-              <a:rPr lang="it-IT" sz="1400" dirty="0" err="1"/>
-              <a:t>seamless</a:t>
-            </a:r>
-            <a:r>
-              <a:rPr lang="it-IT" sz="1400" dirty="0"/>
-              <a:t> </a:t>
-            </a:r>
-            <a:r>
-              <a:rPr lang="it-IT" sz="1400" dirty="0" err="1"/>
-              <a:t>integrated</a:t>
-            </a:r>
-            <a:r>
-              <a:rPr lang="it-IT" sz="1400" dirty="0"/>
-              <a:t> with </a:t>
-            </a:r>
-            <a:r>
-              <a:rPr lang="it-IT" sz="1400" dirty="0" err="1"/>
-              <a:t>Scikit-Learn</a:t>
-            </a:r>
-            <a:r>
-              <a:rPr lang="it-IT" sz="1400" dirty="0"/>
-              <a:t> </a:t>
-            </a:r>
-            <a:r>
-              <a:rPr lang="it-IT" sz="1400" dirty="0" err="1"/>
-              <a:t>while</a:t>
-            </a:r>
-            <a:r>
-              <a:rPr lang="it-IT" sz="1400" dirty="0"/>
-              <a:t> </a:t>
-            </a:r>
-            <a:r>
-              <a:rPr lang="it-IT" sz="1400" dirty="0" err="1"/>
-              <a:t>also</a:t>
-            </a:r>
-            <a:r>
-              <a:rPr lang="it-IT" sz="1400" dirty="0"/>
-              <a:t> be </a:t>
-            </a:r>
-            <a:r>
-              <a:rPr lang="it-IT" sz="1400" dirty="0" err="1"/>
-              <a:t>usable</a:t>
-            </a:r>
-            <a:r>
-              <a:rPr lang="it-IT" sz="1400" dirty="0"/>
-              <a:t> </a:t>
-            </a:r>
-            <a:r>
-              <a:rPr lang="it-IT" sz="1400" dirty="0" err="1"/>
-              <a:t>without</a:t>
-            </a:r>
-            <a:r>
-              <a:rPr lang="it-IT" sz="1400" dirty="0"/>
-              <a:t> </a:t>
-            </a:r>
-            <a:r>
-              <a:rPr lang="it-IT" sz="1400" dirty="0" err="1"/>
-              <a:t>it</a:t>
-            </a:r>
-            <a:r>
-              <a:rPr lang="it-IT" sz="1400" dirty="0"/>
-              <a:t>. </a:t>
-            </a:r>
-          </a:p>
-        </p:txBody>
-      </p:sp>
-    </p:spTree>
-    <p:extLst>
-      <p:ext uri="{BB962C8B-B14F-4D97-AF65-F5344CB8AC3E}">
-        <p14:creationId xmlns:p14="http://schemas.microsoft.com/office/powerpoint/2010/main" val="2850000877"/>
-      </p:ext>
-    </p:extLst>
-  </p:cSld>
-  <p:clrMapOvr>
-    <a:masterClrMapping/>
-  </p:clrMapOvr>
-</p:sld>
-</file>
-
-<file path=ppt/slides/slide30.xml><?xml version="1.0" encoding="utf-8"?>
+<file path=ppt/slides/slide32.xml><?xml version="1.0" encoding="utf-8"?>
 <p:sld xmlns:a="http://schemas.openxmlformats.org/drawingml/2006/main" xmlns:r="http://schemas.openxmlformats.org/officeDocument/2006/relationships" xmlns:p="http://schemas.openxmlformats.org/presentationml/2006/main">
   <p:cSld>
     <p:spTree>
@@ -25511,7 +26585,7 @@
                 <a:latin typeface="Arial"/>
                 <a:ea typeface="Arial"/>
               </a:rPr>
-              <a:t>Appendix – 6</a:t>
+              <a:t>Appendix – 9</a:t>
             </a:r>
             <a:br>
               <a:rPr lang="it" sz="2400" b="0" strike="noStrike" spc="-1" dirty="0">
@@ -25604,7 +26678,7 @@
                 <a:latin typeface="Arial"/>
                 <a:ea typeface="Arial"/>
               </a:rPr>
-              <a:t>30</a:t>
+              <a:t>32</a:t>
             </a:fld>
             <a:endParaRPr lang="it-IT" sz="1000" b="0" strike="noStrike" spc="-1">
               <a:latin typeface="Times New Roman"/>
@@ -26922,7 +27996,7 @@
 </p:sld>
 </file>
 
-<file path=ppt/slides/slide31.xml><?xml version="1.0" encoding="utf-8"?>
+<file path=ppt/slides/slide33.xml><?xml version="1.0" encoding="utf-8"?>
 <p:sld xmlns:a="http://schemas.openxmlformats.org/drawingml/2006/main" xmlns:r="http://schemas.openxmlformats.org/officeDocument/2006/relationships" xmlns:p="http://schemas.openxmlformats.org/presentationml/2006/main">
   <p:cSld>
     <p:spTree>
@@ -26985,7 +28059,17 @@
                 <a:latin typeface="Arial"/>
                 <a:ea typeface="Arial"/>
               </a:rPr>
-              <a:t>Appendix – 7</a:t>
+              <a:t>Appendix – </a:t>
+            </a:r>
+            <a:r>
+              <a:rPr lang="it" sz="2400" spc="-1" dirty="0">
+                <a:solidFill>
+                  <a:srgbClr val="000000"/>
+                </a:solidFill>
+                <a:latin typeface="Arial"/>
+                <a:ea typeface="Arial"/>
+              </a:rPr>
+              <a:t>10</a:t>
             </a:r>
             <a:br>
               <a:rPr lang="it" sz="2400" b="0" strike="noStrike" spc="-1" dirty="0">
@@ -27078,7 +28162,7 @@
                 <a:latin typeface="Arial"/>
                 <a:ea typeface="Arial"/>
               </a:rPr>
-              <a:t>31</a:t>
+              <a:t>33</a:t>
             </a:fld>
             <a:endParaRPr lang="it-IT" sz="1000" b="0" strike="noStrike" spc="-1">
               <a:latin typeface="Times New Roman"/>
@@ -30383,7 +31467,7 @@
           <p:nvPr>
             <p:extLst>
               <p:ext uri="{D42A27DB-BD31-4B8C-83A1-F6EECF244321}">
-                <p14:modId xmlns:p14="http://schemas.microsoft.com/office/powerpoint/2010/main" val="409618651"/>
+                <p14:modId xmlns:p14="http://schemas.microsoft.com/office/powerpoint/2010/main" val="1289451719"/>
               </p:ext>
             </p:extLst>
           </p:nvPr>
@@ -30750,7 +31834,7 @@
                       <a:pPr algn="ctr"/>
                       <a:r>
                         <a:rPr lang="it-IT" sz="1400" i="1" dirty="0"/>
-                        <a:t>0.066 </a:t>
+                        <a:t>0.060 </a:t>
                       </a:r>
                       <a:r>
                         <a:rPr lang="it-IT" sz="1400" i="0" dirty="0"/>
@@ -30758,7 +31842,7 @@
                       </a:r>
                       <a:r>
                         <a:rPr lang="it-IT" sz="1400" i="1" dirty="0"/>
-                        <a:t>  0.068</a:t>
+                        <a:t>  0.059</a:t>
                       </a:r>
                     </a:p>
                   </a:txBody>
@@ -30934,12 +32018,20 @@
           <a:lstStyle/>
           <a:p>
             <a:r>
+              <a:rPr lang="it-IT" sz="1400" b="1" dirty="0"/>
+              <a:t>Figure</a:t>
+            </a:r>
+            <a:r>
               <a:rPr lang="it-IT" sz="1400" b="1" dirty="0">
                 <a:solidFill>
                   <a:srgbClr val="FF0000"/>
                 </a:solidFill>
               </a:rPr>
-              <a:t>Figure 1</a:t>
+              <a:t> </a:t>
+            </a:r>
+            <a:r>
+              <a:rPr lang="it-IT" sz="1400" b="1" dirty="0"/>
+              <a:t>1</a:t>
             </a:r>
             <a:r>
               <a:rPr lang="it-IT" sz="1400" dirty="0"/>
@@ -30974,10 +32066,10 @@
       </p:sp>
       <p:pic>
         <p:nvPicPr>
-          <p:cNvPr id="12" name="Immagine 11" descr="Immagine che contiene testo, Diagramma, diagramma, linea&#10;&#10;Descrizione generata automaticamente">
+          <p:cNvPr id="3" name="Immagine 2" descr="Immagine che contiene testo, Diagramma, linea, diagramma&#10;&#10;Descrizione generata automaticamente">
             <a:extLst>
               <a:ext uri="{FF2B5EF4-FFF2-40B4-BE49-F238E27FC236}">
-                <a16:creationId xmlns:a16="http://schemas.microsoft.com/office/drawing/2014/main" id="{F15100DF-191E-2842-04EB-BADF6A272AB4}"/>
+                <a16:creationId xmlns:a16="http://schemas.microsoft.com/office/drawing/2014/main" id="{C38D1309-0DE1-9907-63EF-D7BF81EEE501}"/>
               </a:ext>
             </a:extLst>
           </p:cNvPr>
@@ -31001,7 +32093,7 @@
         <p:spPr>
           <a:xfrm>
             <a:off x="311757" y="2054586"/>
-            <a:ext cx="6607190" cy="2703195"/>
+            <a:ext cx="6596020" cy="2703195"/>
           </a:xfrm>
           <a:prstGeom prst="rect">
             <a:avLst/>
@@ -31285,11 +32377,7 @@
           <a:lstStyle/>
           <a:p>
             <a:r>
-              <a:rPr lang="it-IT" sz="1400" b="1" dirty="0">
-                <a:solidFill>
-                  <a:srgbClr val="FF0000"/>
-                </a:solidFill>
-              </a:rPr>
+              <a:rPr lang="it-IT" sz="1400" b="1" dirty="0"/>
               <a:t>Figure 2</a:t>
             </a:r>
             <a:r>
@@ -31338,7 +32426,7 @@
           <p:nvPr>
             <p:extLst>
               <p:ext uri="{D42A27DB-BD31-4B8C-83A1-F6EECF244321}">
-                <p14:modId xmlns:p14="http://schemas.microsoft.com/office/powerpoint/2010/main" val="2820201356"/>
+                <p14:modId xmlns:p14="http://schemas.microsoft.com/office/powerpoint/2010/main" val="198893623"/>
               </p:ext>
             </p:extLst>
           </p:nvPr>
@@ -31705,7 +32793,7 @@
                       <a:pPr algn="ctr"/>
                       <a:r>
                         <a:rPr lang="it-IT" sz="1400" i="1" dirty="0"/>
-                        <a:t>0.06 </a:t>
+                        <a:t>0.056 </a:t>
                       </a:r>
                       <a:r>
                         <a:rPr lang="it-IT" sz="1400" i="0" dirty="0"/>
@@ -31713,7 +32801,7 @@
                       </a:r>
                       <a:r>
                         <a:rPr lang="it-IT" sz="1400" i="1" dirty="0"/>
-                        <a:t>  0.06</a:t>
+                        <a:t>  0.054</a:t>
                       </a:r>
                     </a:p>
                   </a:txBody>
@@ -31767,10 +32855,10 @@
       </p:graphicFrame>
       <p:pic>
         <p:nvPicPr>
-          <p:cNvPr id="8" name="Immagine 7" descr="Immagine che contiene testo, Diagramma, diagramma, linea&#10;&#10;Descrizione generata automaticamente">
+          <p:cNvPr id="4" name="Immagine 3">
             <a:extLst>
               <a:ext uri="{FF2B5EF4-FFF2-40B4-BE49-F238E27FC236}">
-                <a16:creationId xmlns:a16="http://schemas.microsoft.com/office/drawing/2014/main" id="{EB5723A5-AB49-FF22-DED0-8523E1872E45}"/>
+                <a16:creationId xmlns:a16="http://schemas.microsoft.com/office/drawing/2014/main" id="{AB88A280-DCF5-47AA-1C86-CF7DBEC0E38A}"/>
               </a:ext>
             </a:extLst>
           </p:cNvPr>
@@ -31780,25 +32868,22 @@
           <p:nvPr/>
         </p:nvPicPr>
         <p:blipFill>
-          <a:blip r:embed="rId2">
-            <a:extLst>
-              <a:ext uri="{28A0092B-C50C-407E-A947-70E740481C1C}">
-                <a14:useLocalDpi xmlns:a14="http://schemas.microsoft.com/office/drawing/2010/main" val="0"/>
-              </a:ext>
-            </a:extLst>
-          </a:blip>
+          <a:blip r:embed="rId2"/>
           <a:stretch>
             <a:fillRect/>
           </a:stretch>
         </p:blipFill>
         <p:spPr>
           <a:xfrm>
-            <a:off x="311758" y="2054590"/>
-            <a:ext cx="6607189" cy="2703195"/>
+            <a:off x="311757" y="2059357"/>
+            <a:ext cx="6607190" cy="2693661"/>
           </a:xfrm>
           <a:prstGeom prst="rect">
             <a:avLst/>
           </a:prstGeom>
+          <a:ln>
+            <a:noFill/>
+          </a:ln>
         </p:spPr>
       </p:pic>
     </p:spTree>
@@ -31871,18 +32956,12 @@
             </a:pPr>
             <a:r>
               <a:rPr lang="it" sz="2700" b="0" strike="noStrike" spc="-1" dirty="0">
-                <a:solidFill>
-                  <a:srgbClr val="FF0000"/>
-                </a:solidFill>
                 <a:latin typeface="Arial"/>
                 <a:ea typeface="Arial"/>
               </a:rPr>
               <a:t>Monk 3 Results</a:t>
             </a:r>
             <a:endParaRPr lang="it-IT" sz="2800" b="0" strike="noStrike" spc="-1" dirty="0">
-              <a:solidFill>
-                <a:srgbClr val="FF0000"/>
-              </a:solidFill>
               <a:latin typeface="Arial"/>
             </a:endParaRPr>
           </a:p>
@@ -32083,73 +33162,37 @@
           <a:lstStyle/>
           <a:p>
             <a:r>
-              <a:rPr lang="it-IT" sz="1400" b="1" dirty="0">
-                <a:solidFill>
-                  <a:srgbClr val="FF0000"/>
-                </a:solidFill>
-              </a:rPr>
+              <a:rPr lang="it-IT" sz="1400" b="1" dirty="0"/>
               <a:t>Figure 3</a:t>
             </a:r>
             <a:r>
-              <a:rPr lang="it-IT" sz="1400" dirty="0">
-                <a:solidFill>
-                  <a:srgbClr val="FF0000"/>
-                </a:solidFill>
-              </a:rPr>
+              <a:rPr lang="it-IT" sz="1400" dirty="0"/>
               <a:t>: </a:t>
             </a:r>
             <a:br>
-              <a:rPr lang="it-IT" sz="1400" dirty="0">
-                <a:solidFill>
-                  <a:srgbClr val="FF0000"/>
-                </a:solidFill>
-              </a:rPr>
+              <a:rPr lang="it-IT" sz="1400" dirty="0"/>
             </a:br>
             <a:r>
-              <a:rPr lang="it-IT" sz="1400" dirty="0">
-                <a:solidFill>
-                  <a:srgbClr val="FF0000"/>
-                </a:solidFill>
-              </a:rPr>
+              <a:rPr lang="it-IT" sz="1400" dirty="0"/>
               <a:t>MSE and </a:t>
             </a:r>
             <a:r>
-              <a:rPr lang="it-IT" sz="1400" dirty="0" err="1">
-                <a:solidFill>
-                  <a:srgbClr val="FF0000"/>
-                </a:solidFill>
-              </a:rPr>
+              <a:rPr lang="it-IT" sz="1400" dirty="0" err="1"/>
               <a:t>accuracy</a:t>
             </a:r>
             <a:r>
-              <a:rPr lang="it-IT" sz="1400" dirty="0">
-                <a:solidFill>
-                  <a:srgbClr val="FF0000"/>
-                </a:solidFill>
-              </a:rPr>
+              <a:rPr lang="it-IT" sz="1400" dirty="0"/>
               <a:t>  plots for the model in </a:t>
             </a:r>
             <a:r>
-              <a:rPr lang="it-IT" sz="1400" dirty="0" err="1">
-                <a:solidFill>
-                  <a:srgbClr val="FF0000"/>
-                </a:solidFill>
-              </a:rPr>
+              <a:rPr lang="it-IT" sz="1400" dirty="0" err="1"/>
               <a:t>Table</a:t>
             </a:r>
             <a:r>
-              <a:rPr lang="it-IT" sz="1400" dirty="0">
-                <a:solidFill>
-                  <a:srgbClr val="FF0000"/>
-                </a:solidFill>
-              </a:rPr>
+              <a:rPr lang="it-IT" sz="1400" dirty="0"/>
               <a:t> 3, Monk3 task </a:t>
             </a:r>
-            <a:endParaRPr lang="it-IT" dirty="0">
-              <a:solidFill>
-                <a:srgbClr val="FF0000"/>
-              </a:solidFill>
-            </a:endParaRPr>
+            <a:endParaRPr lang="it-IT" dirty="0"/>
           </a:p>
         </p:txBody>
       </p:sp>
@@ -32168,14 +33211,14 @@
           <p:nvPr>
             <p:extLst>
               <p:ext uri="{D42A27DB-BD31-4B8C-83A1-F6EECF244321}">
-                <p14:modId xmlns:p14="http://schemas.microsoft.com/office/powerpoint/2010/main" val="1083268482"/>
+                <p14:modId xmlns:p14="http://schemas.microsoft.com/office/powerpoint/2010/main" val="4201206226"/>
               </p:ext>
             </p:extLst>
           </p:nvPr>
         </p:nvGraphicFramePr>
         <p:xfrm>
-          <a:off x="311760" y="853393"/>
-          <a:ext cx="8520116" cy="883920"/>
+          <a:off x="311752" y="853393"/>
+          <a:ext cx="8576753" cy="883920"/>
         </p:xfrm>
         <a:graphic>
           <a:graphicData uri="http://schemas.openxmlformats.org/drawingml/2006/table">
@@ -32184,35 +33227,35 @@
                 <a:tableStyleId>{0E3FDE45-AF77-4B5C-9715-49D594BDF05E}</a:tableStyleId>
               </a:tblPr>
               <a:tblGrid>
-                <a:gridCol w="770730">
+                <a:gridCol w="782620">
                   <a:extLst>
                     <a:ext uri="{9D8B030D-6E8A-4147-A177-3AD203B41FA5}">
                       <a16:colId xmlns:a16="http://schemas.microsoft.com/office/drawing/2014/main" val="935040320"/>
                     </a:ext>
                   </a:extLst>
                 </a:gridCol>
-                <a:gridCol w="3946712">
+                <a:gridCol w="3925570">
                   <a:extLst>
                     <a:ext uri="{9D8B030D-6E8A-4147-A177-3AD203B41FA5}">
                       <a16:colId xmlns:a16="http://schemas.microsoft.com/office/drawing/2014/main" val="1166905258"/>
                     </a:ext>
                   </a:extLst>
                 </a:gridCol>
-                <a:gridCol w="1264022">
+                <a:gridCol w="1313036">
                   <a:extLst>
                     <a:ext uri="{9D8B030D-6E8A-4147-A177-3AD203B41FA5}">
                       <a16:colId xmlns:a16="http://schemas.microsoft.com/office/drawing/2014/main" val="50107376"/>
                     </a:ext>
                   </a:extLst>
                 </a:gridCol>
-                <a:gridCol w="1411941">
+                <a:gridCol w="1570234">
                   <a:extLst>
                     <a:ext uri="{9D8B030D-6E8A-4147-A177-3AD203B41FA5}">
                       <a16:colId xmlns:a16="http://schemas.microsoft.com/office/drawing/2014/main" val="34889993"/>
                     </a:ext>
                   </a:extLst>
                 </a:gridCol>
-                <a:gridCol w="1126711">
+                <a:gridCol w="985293">
                   <a:extLst>
                     <a:ext uri="{9D8B030D-6E8A-4147-A177-3AD203B41FA5}">
                       <a16:colId xmlns:a16="http://schemas.microsoft.com/office/drawing/2014/main" val="2221366948"/>
@@ -32385,7 +33428,7 @@
                       </a:r>
                       <a:r>
                         <a:rPr lang="it-IT" sz="1400" dirty="0"/>
-                        <a:t>(DS)</a:t>
+                        <a:t>(TR/VL)</a:t>
                       </a:r>
                     </a:p>
                   </a:txBody>
@@ -32536,15 +33579,15 @@
                       <a:r>
                         <a:rPr lang="it-IT" sz="1400" i="1" dirty="0">
                           <a:solidFill>
-                            <a:srgbClr val="FF0000"/>
+                            <a:schemeClr val="tx1"/>
                           </a:solidFill>
                         </a:rPr>
-                        <a:t>0.06 </a:t>
+                        <a:t>0.093 </a:t>
                       </a:r>
                       <a:r>
                         <a:rPr lang="it-IT" sz="1400" i="0" dirty="0">
                           <a:solidFill>
-                            <a:srgbClr val="FF0000"/>
+                            <a:schemeClr val="tx1"/>
                           </a:solidFill>
                         </a:rPr>
                         <a:t>/</a:t>
@@ -32552,10 +33595,10 @@
                       <a:r>
                         <a:rPr lang="it-IT" sz="1400" i="1" dirty="0">
                           <a:solidFill>
-                            <a:srgbClr val="FF0000"/>
+                            <a:schemeClr val="tx1"/>
                           </a:solidFill>
                         </a:rPr>
-                        <a:t>  0.06</a:t>
+                        <a:t>  0.106</a:t>
                       </a:r>
                     </a:p>
                   </a:txBody>
@@ -32573,7 +33616,7 @@
                             <a:schemeClr val="tx1"/>
                           </a:solidFill>
                         </a:rPr>
-                        <a:t>93,40% </a:t>
+                        <a:t>93,32% / 91,83%</a:t>
                       </a:r>
                     </a:p>
                   </a:txBody>
@@ -32605,10 +33648,10 @@
       </p:graphicFrame>
       <p:pic>
         <p:nvPicPr>
-          <p:cNvPr id="8" name="Immagine 7" descr="Immagine che contiene testo, Diagramma, diagramma, linea&#10;&#10;Descrizione generata automaticamente">
+          <p:cNvPr id="4" name="Immagine 3">
             <a:extLst>
               <a:ext uri="{FF2B5EF4-FFF2-40B4-BE49-F238E27FC236}">
-                <a16:creationId xmlns:a16="http://schemas.microsoft.com/office/drawing/2014/main" id="{EB5723A5-AB49-FF22-DED0-8523E1872E45}"/>
+                <a16:creationId xmlns:a16="http://schemas.microsoft.com/office/drawing/2014/main" id="{0E9BFE46-65FD-590B-C7E5-2CC5440CE212}"/>
               </a:ext>
             </a:extLst>
           </p:cNvPr>
@@ -32618,25 +33661,22 @@
           <p:nvPr/>
         </p:nvPicPr>
         <p:blipFill>
-          <a:blip r:embed="rId2">
-            <a:extLst>
-              <a:ext uri="{28A0092B-C50C-407E-A947-70E740481C1C}">
-                <a14:useLocalDpi xmlns:a14="http://schemas.microsoft.com/office/drawing/2010/main" val="0"/>
-              </a:ext>
-            </a:extLst>
-          </a:blip>
+          <a:blip r:embed="rId2"/>
           <a:stretch>
             <a:fillRect/>
           </a:stretch>
         </p:blipFill>
         <p:spPr>
           <a:xfrm>
-            <a:off x="311758" y="2054590"/>
-            <a:ext cx="6607189" cy="2703195"/>
+            <a:off x="311752" y="2075868"/>
+            <a:ext cx="6555184" cy="2681918"/>
           </a:xfrm>
           <a:prstGeom prst="rect">
             <a:avLst/>
           </a:prstGeom>
+          <a:ln>
+            <a:noFill/>
+          </a:ln>
         </p:spPr>
       </p:pic>
     </p:spTree>

--- a/relazione/ML-2023-PRJ-Slides-Demo.pptx
+++ b/relazione/ML-2023-PRJ-Slides-Demo.pptx
@@ -6,7 +6,7 @@
     <p:sldMasterId id="2147483661" r:id="rId2"/>
   </p:sldMasterIdLst>
   <p:notesMasterIdLst>
-    <p:notesMasterId r:id="rId38"/>
+    <p:notesMasterId r:id="rId39"/>
   </p:notesMasterIdLst>
   <p:sldIdLst>
     <p:sldId id="256" r:id="rId3"/>
@@ -44,6 +44,7 @@
     <p:sldId id="284" r:id="rId35"/>
     <p:sldId id="286" r:id="rId36"/>
     <p:sldId id="295" r:id="rId37"/>
+    <p:sldId id="296" r:id="rId38"/>
   </p:sldIdLst>
   <p:sldSz cx="9144000" cy="5143500" type="screen16x9"/>
   <p:notesSz cx="6858000" cy="9144000"/>
@@ -6141,9 +6142,22 @@
                 <a:latin typeface="Arial"/>
                 <a:ea typeface="Arial"/>
               </a:rPr>
-              <a:t>MONK 3 Results</a:t>
+              <a:t>MONK 3 Results </a:t>
+            </a:r>
+            <a:r>
+              <a:rPr lang="it" sz="2700" b="0" strike="noStrike" spc="-1" dirty="0">
+                <a:solidFill>
+                  <a:srgbClr val="FF0000"/>
+                </a:solidFill>
+                <a:latin typeface="Arial"/>
+                <a:ea typeface="Arial"/>
+              </a:rPr>
+              <a:t>STDEVS</a:t>
             </a:r>
             <a:endParaRPr lang="it-IT" sz="2800" b="0" strike="noStrike" spc="-1" dirty="0">
+              <a:solidFill>
+                <a:srgbClr val="FF0000"/>
+              </a:solidFill>
               <a:latin typeface="Arial"/>
             </a:endParaRPr>
           </a:p>
@@ -8898,17 +8912,7 @@
                 <a:latin typeface="Arial"/>
                 <a:ea typeface="Arial"/>
               </a:rPr>
-              <a:t>Random Forest </a:t>
-            </a:r>
-            <a:r>
-              <a:rPr lang="it" sz="2400" spc="-1" dirty="0">
-                <a:solidFill>
-                  <a:srgbClr val="FF0000"/>
-                </a:solidFill>
-                <a:latin typeface="Arial"/>
-                <a:ea typeface="Arial"/>
-              </a:rPr>
-              <a:t>hyperparameters’ values</a:t>
+              <a:t>Random Forest</a:t>
             </a:r>
             <a:endParaRPr lang="it-IT" sz="2400" b="0" strike="noStrike" spc="-1" dirty="0">
               <a:solidFill>
@@ -9005,7 +9009,7 @@
           <p:nvPr>
             <p:extLst>
               <p:ext uri="{D42A27DB-BD31-4B8C-83A1-F6EECF244321}">
-                <p14:modId xmlns:p14="http://schemas.microsoft.com/office/powerpoint/2010/main" val="950689823"/>
+                <p14:modId xmlns:p14="http://schemas.microsoft.com/office/powerpoint/2010/main" val="3769832544"/>
               </p:ext>
             </p:extLst>
           </p:nvPr>
@@ -9202,7 +9206,7 @@
                         <a:t>100, </a:t>
                       </a:r>
                       <a:r>
-                        <a:rPr lang="it-IT" sz="1400" u="sng" dirty="0"/>
+                        <a:rPr lang="it-IT" sz="1400" b="1" u="none" dirty="0"/>
                         <a:t>150</a:t>
                       </a:r>
                     </a:p>
@@ -9266,7 +9270,7 @@
                         <a:t>8, </a:t>
                       </a:r>
                       <a:r>
-                        <a:rPr lang="it-IT" sz="1400" u="sng" dirty="0"/>
+                        <a:rPr lang="it-IT" sz="1400" b="1" u="none" dirty="0"/>
                         <a:t>10</a:t>
                       </a:r>
                     </a:p>
@@ -9323,7 +9327,7 @@
                     <a:p>
                       <a:pPr algn="ctr"/>
                       <a:r>
-                        <a:rPr lang="it-IT" sz="1400" u="sng" dirty="0"/>
+                        <a:rPr lang="it-IT" sz="1400" b="1" u="none" dirty="0"/>
                         <a:t>2</a:t>
                       </a:r>
                       <a:r>
@@ -9413,7 +9417,7 @@
                     <a:p>
                       <a:pPr algn="ctr"/>
                       <a:r>
-                        <a:rPr lang="it-IT" sz="1400" u="sng" dirty="0"/>
+                        <a:rPr lang="it-IT" sz="1400" b="1" u="none" dirty="0"/>
                         <a:t>1</a:t>
                       </a:r>
                       <a:r>
@@ -9569,13 +9573,13 @@
                     <a:p>
                       <a:pPr algn="ctr"/>
                       <a:r>
-                        <a:rPr lang="it-IT" sz="1400" i="0" u="sng" dirty="0" err="1">
+                        <a:rPr lang="it-IT" sz="1400" b="1" i="0" u="none" dirty="0" err="1">
                           <a:latin typeface="Consolas" panose="020B0609020204030204" pitchFamily="49" charset="0"/>
                         </a:rPr>
                         <a:t>sqrt</a:t>
                       </a:r>
                       <a:r>
-                        <a:rPr lang="it-IT" sz="1400" i="0" u="sng" dirty="0">
+                        <a:rPr lang="it-IT" sz="1400" b="1" i="0" u="none" dirty="0">
                           <a:latin typeface="Consolas" panose="020B0609020204030204" pitchFamily="49" charset="0"/>
                         </a:rPr>
                         <a:t>()</a:t>
@@ -9712,8 +9716,8 @@
         </p:nvSpPr>
         <p:spPr>
           <a:xfrm>
-            <a:off x="396688" y="3280937"/>
-            <a:ext cx="3691218" cy="738664"/>
+            <a:off x="396687" y="3280937"/>
+            <a:ext cx="3960159" cy="1169551"/>
           </a:xfrm>
           <a:prstGeom prst="rect">
             <a:avLst/>
@@ -9727,140 +9731,104 @@
           <a:lstStyle/>
           <a:p>
             <a:r>
-              <a:rPr lang="it-IT" sz="1400" dirty="0">
-                <a:solidFill>
-                  <a:srgbClr val="FF0000"/>
-                </a:solidFill>
-              </a:rPr>
+              <a:rPr lang="it-IT" sz="1400" dirty="0"/>
               <a:t>The best </a:t>
             </a:r>
             <a:r>
+              <a:rPr lang="it-IT" sz="1400" dirty="0" err="1"/>
+              <a:t>hyperparameters</a:t>
+            </a:r>
+            <a:r>
+              <a:rPr lang="it-IT" sz="1400" dirty="0"/>
+              <a:t> </a:t>
+            </a:r>
+            <a:r>
+              <a:rPr lang="it-IT" sz="1400" dirty="0" err="1"/>
+              <a:t>found</a:t>
+            </a:r>
+            <a:r>
+              <a:rPr lang="it-IT" sz="1400" dirty="0"/>
+              <a:t> in the </a:t>
+            </a:r>
+            <a:r>
+              <a:rPr lang="it-IT" sz="1400" dirty="0" err="1"/>
+              <a:t>grid</a:t>
+            </a:r>
+            <a:r>
+              <a:rPr lang="it-IT" sz="1400" dirty="0"/>
+              <a:t> </a:t>
+            </a:r>
+            <a:r>
+              <a:rPr lang="it-IT" sz="1400" dirty="0" err="1"/>
+              <a:t>search</a:t>
+            </a:r>
+            <a:r>
+              <a:rPr lang="it-IT" sz="1400" dirty="0"/>
+              <a:t> are in </a:t>
+            </a:r>
+            <a:r>
+              <a:rPr lang="it-IT" sz="1400" dirty="0" err="1"/>
+              <a:t>bold</a:t>
+            </a:r>
+            <a:r>
+              <a:rPr lang="it-IT" sz="1400" dirty="0"/>
+              <a:t>. </a:t>
+            </a:r>
+            <a:r>
+              <a:rPr lang="it-IT" sz="1400" dirty="0" err="1"/>
+              <a:t>Table</a:t>
+            </a:r>
+            <a:r>
+              <a:rPr lang="it-IT" sz="1400" dirty="0"/>
+              <a:t> m shows the </a:t>
+            </a:r>
+            <a:r>
+              <a:rPr lang="it-IT" sz="1400" dirty="0" err="1"/>
+              <a:t>error</a:t>
+            </a:r>
+            <a:r>
+              <a:rPr lang="it-IT" sz="1400" dirty="0"/>
+              <a:t> of </a:t>
+            </a:r>
+            <a:r>
+              <a:rPr lang="it-IT" sz="1400" dirty="0" err="1"/>
+              <a:t>this</a:t>
+            </a:r>
+            <a:r>
+              <a:rPr lang="it-IT" sz="1400" dirty="0"/>
+              <a:t> model.</a:t>
+            </a:r>
+          </a:p>
+          <a:p>
+            <a:r>
+              <a:rPr lang="it-IT" sz="1400" dirty="0"/>
+              <a:t>The learning curve of the best Random </a:t>
+            </a:r>
+            <a:r>
+              <a:rPr lang="it-IT" sz="1400" dirty="0" err="1"/>
+              <a:t>Forest</a:t>
+            </a:r>
+            <a:r>
+              <a:rPr lang="it-IT" sz="1400" dirty="0"/>
+              <a:t> can be </a:t>
+            </a:r>
+            <a:r>
+              <a:rPr lang="it-IT" sz="1400" dirty="0" err="1"/>
+              <a:t>found</a:t>
+            </a:r>
+            <a:r>
+              <a:rPr lang="it-IT" sz="1400" dirty="0"/>
+              <a:t> in the </a:t>
+            </a:r>
+            <a:r>
               <a:rPr lang="it-IT" sz="1400" dirty="0" err="1">
-                <a:solidFill>
-                  <a:srgbClr val="FF0000"/>
-                </a:solidFill>
-              </a:rPr>
-              <a:t>hyperparameters</a:t>
-            </a:r>
-            <a:r>
-              <a:rPr lang="it-IT" sz="1400" dirty="0">
-                <a:solidFill>
-                  <a:srgbClr val="FF0000"/>
-                </a:solidFill>
-              </a:rPr>
-              <a:t> </a:t>
-            </a:r>
-            <a:r>
-              <a:rPr lang="it-IT" sz="1400" dirty="0" err="1">
-                <a:solidFill>
-                  <a:srgbClr val="FF0000"/>
-                </a:solidFill>
-              </a:rPr>
-              <a:t>found</a:t>
-            </a:r>
-            <a:r>
-              <a:rPr lang="it-IT" sz="1400" dirty="0">
-                <a:solidFill>
-                  <a:srgbClr val="FF0000"/>
-                </a:solidFill>
-              </a:rPr>
-              <a:t> in the </a:t>
-            </a:r>
-            <a:r>
-              <a:rPr lang="it-IT" sz="1400" dirty="0" err="1">
-                <a:solidFill>
-                  <a:srgbClr val="FF0000"/>
-                </a:solidFill>
-              </a:rPr>
-              <a:t>grid</a:t>
-            </a:r>
-            <a:r>
-              <a:rPr lang="it-IT" sz="1400" dirty="0">
-                <a:solidFill>
-                  <a:srgbClr val="FF0000"/>
-                </a:solidFill>
-              </a:rPr>
-              <a:t> </a:t>
-            </a:r>
-            <a:r>
-              <a:rPr lang="it-IT" sz="1400" dirty="0" err="1">
-                <a:solidFill>
-                  <a:srgbClr val="FF0000"/>
-                </a:solidFill>
-              </a:rPr>
-              <a:t>search</a:t>
-            </a:r>
-            <a:r>
-              <a:rPr lang="it-IT" sz="1400" dirty="0">
-                <a:solidFill>
-                  <a:srgbClr val="FF0000"/>
-                </a:solidFill>
-              </a:rPr>
-              <a:t> are </a:t>
-            </a:r>
-            <a:r>
-              <a:rPr lang="it-IT" sz="1400" dirty="0" err="1">
-                <a:solidFill>
-                  <a:srgbClr val="FF0000"/>
-                </a:solidFill>
-              </a:rPr>
-              <a:t>underlined</a:t>
-            </a:r>
-            <a:r>
-              <a:rPr lang="it-IT" sz="1400" dirty="0">
-                <a:solidFill>
-                  <a:srgbClr val="FF0000"/>
-                </a:solidFill>
-              </a:rPr>
-              <a:t>. </a:t>
-            </a:r>
-            <a:r>
-              <a:rPr lang="it-IT" sz="1400" dirty="0" err="1">
-                <a:solidFill>
-                  <a:srgbClr val="FF0000"/>
-                </a:solidFill>
-              </a:rPr>
-              <a:t>Table</a:t>
-            </a:r>
-            <a:r>
-              <a:rPr lang="it-IT" sz="1400" dirty="0">
-                <a:solidFill>
-                  <a:srgbClr val="FF0000"/>
-                </a:solidFill>
-              </a:rPr>
-              <a:t> m shows the </a:t>
-            </a:r>
-            <a:r>
-              <a:rPr lang="it-IT" sz="1400" dirty="0" err="1">
-                <a:solidFill>
-                  <a:srgbClr val="FF0000"/>
-                </a:solidFill>
-              </a:rPr>
-              <a:t>error</a:t>
-            </a:r>
-            <a:r>
-              <a:rPr lang="it-IT" sz="1400" dirty="0">
-                <a:solidFill>
-                  <a:srgbClr val="FF0000"/>
-                </a:solidFill>
-              </a:rPr>
-              <a:t> of </a:t>
-            </a:r>
-            <a:r>
-              <a:rPr lang="it-IT" sz="1400" dirty="0" err="1">
-                <a:solidFill>
-                  <a:srgbClr val="FF0000"/>
-                </a:solidFill>
-              </a:rPr>
-              <a:t>this</a:t>
-            </a:r>
-            <a:r>
-              <a:rPr lang="it-IT" sz="1400" dirty="0">
-                <a:solidFill>
-                  <a:srgbClr val="FF0000"/>
-                </a:solidFill>
-              </a:rPr>
-              <a:t> model.</a:t>
+                <a:hlinkClick r:id="rId2" action="ppaction://hlinksldjump"/>
+              </a:rPr>
+              <a:t>Appendix</a:t>
+            </a:r>
+            <a:r>
+              <a:rPr lang="it-IT" sz="1400" dirty="0"/>
+              <a:t>.</a:t>
             </a:r>
           </a:p>
         </p:txBody>
@@ -9880,14 +9848,14 @@
           <p:nvPr>
             <p:extLst>
               <p:ext uri="{D42A27DB-BD31-4B8C-83A1-F6EECF244321}">
-                <p14:modId xmlns:p14="http://schemas.microsoft.com/office/powerpoint/2010/main" val="3385198528"/>
+                <p14:modId xmlns:p14="http://schemas.microsoft.com/office/powerpoint/2010/main" val="1413645152"/>
               </p:ext>
             </p:extLst>
           </p:nvPr>
         </p:nvGraphicFramePr>
         <p:xfrm>
-          <a:off x="4911224" y="4053480"/>
-          <a:ext cx="3836660" cy="609600"/>
+          <a:off x="4911223" y="3807403"/>
+          <a:ext cx="3836660" cy="914400"/>
         </p:xfrm>
         <a:graphic>
           <a:graphicData uri="http://schemas.openxmlformats.org/drawingml/2006/table">
@@ -10039,7 +10007,10 @@
                     <a:lstStyle/>
                     <a:p>
                       <a:pPr algn="ctr"/>
-                      <a:endParaRPr lang="it-IT" sz="1400" dirty="0"/>
+                      <a:r>
+                        <a:rPr lang="it-IT" sz="1400" dirty="0"/>
+                        <a:t>1.266</a:t>
+                      </a:r>
                     </a:p>
                   </a:txBody>
                   <a:tcPr>
@@ -10060,7 +10031,10 @@
                     <a:lstStyle/>
                     <a:p>
                       <a:pPr algn="ctr"/>
-                      <a:endParaRPr lang="it-IT" sz="1400" dirty="0"/>
+                      <a:r>
+                        <a:rPr lang="it-IT" sz="1400" dirty="0"/>
+                        <a:t>2.885</a:t>
+                      </a:r>
                     </a:p>
                   </a:txBody>
                   <a:tcPr/>
@@ -10082,6 +10056,91 @@
                 <a:extLst>
                   <a:ext uri="{0D108BD9-81ED-4DB2-BD59-A6C34878D82A}">
                     <a16:rowId xmlns:a16="http://schemas.microsoft.com/office/drawing/2014/main" val="3685263719"/>
+                  </a:ext>
+                </a:extLst>
+              </a:tr>
+              <a:tr h="294067">
+                <a:tc>
+                  <a:txBody>
+                    <a:bodyPr/>
+                    <a:lstStyle/>
+                    <a:p>
+                      <a:pPr algn="ctr"/>
+                      <a:r>
+                        <a:rPr lang="it-IT" sz="1400" b="1" dirty="0" err="1"/>
+                        <a:t>stdev</a:t>
+                      </a:r>
+                      <a:endParaRPr lang="it-IT" sz="1400" b="1" dirty="0"/>
+                    </a:p>
+                  </a:txBody>
+                  <a:tcPr anchor="ctr">
+                    <a:lnR w="12700" cap="flat" cmpd="sng" algn="ctr">
+                      <a:solidFill>
+                        <a:srgbClr val="7B7B7B"/>
+                      </a:solidFill>
+                      <a:prstDash val="dash"/>
+                      <a:round/>
+                      <a:headEnd type="none" w="med" len="med"/>
+                      <a:tailEnd type="none" w="med" len="med"/>
+                    </a:lnR>
+                  </a:tcPr>
+                </a:tc>
+                <a:tc>
+                  <a:txBody>
+                    <a:bodyPr/>
+                    <a:lstStyle/>
+                    <a:p>
+                      <a:pPr algn="ctr"/>
+                      <a:r>
+                        <a:rPr lang="it-IT" sz="1400" dirty="0"/>
+                        <a:t>0.014</a:t>
+                      </a:r>
+                    </a:p>
+                  </a:txBody>
+                  <a:tcPr>
+                    <a:lnL w="12700" cap="flat" cmpd="sng" algn="ctr">
+                      <a:solidFill>
+                        <a:srgbClr val="7B7B7B"/>
+                      </a:solidFill>
+                      <a:prstDash val="dash"/>
+                      <a:round/>
+                      <a:headEnd type="none" w="med" len="med"/>
+                      <a:tailEnd type="none" w="med" len="med"/>
+                    </a:lnL>
+                  </a:tcPr>
+                </a:tc>
+                <a:tc>
+                  <a:txBody>
+                    <a:bodyPr/>
+                    <a:lstStyle/>
+                    <a:p>
+                      <a:pPr algn="ctr"/>
+                      <a:r>
+                        <a:rPr lang="it-IT" sz="1400" dirty="0"/>
+                        <a:t>0.104</a:t>
+                      </a:r>
+                    </a:p>
+                  </a:txBody>
+                  <a:tcPr/>
+                </a:tc>
+                <a:tc>
+                  <a:txBody>
+                    <a:bodyPr/>
+                    <a:lstStyle/>
+                    <a:p>
+                      <a:pPr algn="ctr"/>
+                      <a:r>
+                        <a:rPr lang="it-IT" sz="1400" dirty="0" err="1"/>
+                        <a:t>n.d.</a:t>
+                      </a:r>
+                      <a:endParaRPr lang="it-IT" sz="1400" dirty="0"/>
+                    </a:p>
+                  </a:txBody>
+                  <a:tcPr/>
+                </a:tc>
+                <a:extLst>
+                  <a:ext uri="{0D108BD9-81ED-4DB2-BD59-A6C34878D82A}">
+                    <a16:rowId xmlns:a16="http://schemas.microsoft.com/office/drawing/2014/main" val="2333860038"/>
                   </a:ext>
                 </a:extLst>
               </a:tr>
@@ -10103,8 +10162,8 @@
         </p:nvSpPr>
         <p:spPr>
           <a:xfrm>
-            <a:off x="4910655" y="3527014"/>
-            <a:ext cx="3836657" cy="523220"/>
+            <a:off x="4910652" y="3280937"/>
+            <a:ext cx="3836660" cy="523220"/>
           </a:xfrm>
           <a:prstGeom prst="rect">
             <a:avLst/>
@@ -10351,17 +10410,7 @@
                 <a:latin typeface="Arial"/>
                 <a:ea typeface="Arial"/>
               </a:rPr>
-              <a:t>Support Vector Regressors </a:t>
-            </a:r>
-            <a:r>
-              <a:rPr lang="it" sz="2400" spc="-1" dirty="0">
-                <a:solidFill>
-                  <a:srgbClr val="FF0000"/>
-                </a:solidFill>
-                <a:latin typeface="Arial"/>
-                <a:ea typeface="Arial"/>
-              </a:rPr>
-              <a:t>hyperparameters’ values</a:t>
+              <a:t>Support Vector Regressors</a:t>
             </a:r>
             <a:endParaRPr lang="it-IT" sz="2400" b="0" strike="noStrike" spc="-1" dirty="0">
               <a:solidFill>
@@ -10457,7 +10506,7 @@
         </p:nvSpPr>
         <p:spPr>
           <a:xfrm>
-            <a:off x="396686" y="798665"/>
+            <a:off x="396685" y="549035"/>
             <a:ext cx="8350628" cy="307777"/>
           </a:xfrm>
           <a:prstGeom prst="rect">
@@ -10536,13 +10585,13 @@
               <p:nvPr>
                 <p:extLst>
                   <p:ext uri="{D42A27DB-BD31-4B8C-83A1-F6EECF244321}">
-                    <p14:modId xmlns:p14="http://schemas.microsoft.com/office/powerpoint/2010/main" val="1873685383"/>
+                    <p14:modId xmlns:p14="http://schemas.microsoft.com/office/powerpoint/2010/main" val="349117455"/>
                   </p:ext>
                 </p:extLst>
               </p:nvPr>
             </p:nvGraphicFramePr>
             <p:xfrm>
-              <a:off x="396687" y="1106442"/>
+              <a:off x="396686" y="856812"/>
               <a:ext cx="8350627" cy="2814320"/>
             </p:xfrm>
             <a:graphic>
@@ -10566,14 +10615,14 @@
                         </a:ext>
                       </a:extLst>
                     </a:gridCol>
-                    <a:gridCol w="2981138">
+                    <a:gridCol w="3173506">
                       <a:extLst>
                         <a:ext uri="{9D8B030D-6E8A-4147-A177-3AD203B41FA5}">
                           <a16:colId xmlns:a16="http://schemas.microsoft.com/office/drawing/2014/main" val="476101989"/>
                         </a:ext>
                       </a:extLst>
                     </a:gridCol>
-                    <a:gridCol w="1194175">
+                    <a:gridCol w="1001807">
                       <a:extLst>
                         <a:ext uri="{9D8B030D-6E8A-4147-A177-3AD203B41FA5}">
                           <a16:colId xmlns:a16="http://schemas.microsoft.com/office/drawing/2014/main" val="1098860902"/>
@@ -10709,12 +10758,16 @@
                             <a:t>RBF, </a:t>
                           </a:r>
                           <a:r>
-                            <a:rPr lang="it-IT" sz="1400" dirty="0" err="1"/>
+                            <a:rPr lang="it-IT" sz="1400" b="1" dirty="0" err="1"/>
                             <a:t>poly</a:t>
                           </a:r>
                           <a:r>
+                            <a:rPr lang="it-IT" sz="1400" b="1" dirty="0"/>
+                            <a:t>.</a:t>
+                          </a:r>
+                          <a:r>
                             <a:rPr lang="it-IT" sz="1400" dirty="0"/>
-                            <a:t>., </a:t>
+                            <a:t>, </a:t>
                           </a:r>
                           <a:r>
                             <a:rPr lang="it-IT" sz="1400" dirty="0" err="1"/>
@@ -10906,7 +10959,11 @@
                           <a:pPr algn="ctr"/>
                           <a:r>
                             <a:rPr lang="it-IT" sz="1400" dirty="0"/>
-                            <a:t>0.1, 1, 10, 100</a:t>
+                            <a:t>0.1, 1, 10, </a:t>
+                          </a:r>
+                          <a:r>
+                            <a:rPr lang="it-IT" sz="1400" b="1" dirty="0"/>
+                            <a:t>100</a:t>
                           </a:r>
                         </a:p>
                       </a:txBody>
@@ -11113,7 +11170,11 @@
                           <a:pPr algn="ctr"/>
                           <a:r>
                             <a:rPr lang="it-IT" sz="1400" dirty="0"/>
-                            <a:t>0, 1, 2</a:t>
+                            <a:t>0, 1, </a:t>
+                          </a:r>
+                          <a:r>
+                            <a:rPr lang="it-IT" sz="1400" b="1" dirty="0"/>
+                            <a:t>2</a:t>
                           </a:r>
                         </a:p>
                       </a:txBody>
@@ -11165,7 +11226,15 @@
                           <a:pPr algn="ctr"/>
                           <a:r>
                             <a:rPr lang="it-IT" sz="1400" dirty="0"/>
-                            <a:t>0.01, 0.1, 1</a:t>
+                            <a:t>0.01, </a:t>
+                          </a:r>
+                          <a:r>
+                            <a:rPr lang="it-IT" sz="1400" b="1" dirty="0"/>
+                            <a:t>0.1</a:t>
+                          </a:r>
+                          <a:r>
+                            <a:rPr lang="it-IT" sz="1400" dirty="0"/>
+                            <a:t>, 1</a:t>
                           </a:r>
                         </a:p>
                       </a:txBody>
@@ -11260,7 +11329,11 @@
                           <a:pPr algn="ctr"/>
                           <a:r>
                             <a:rPr lang="it-IT" sz="1400" dirty="0"/>
-                            <a:t>2, 3, 4</a:t>
+                            <a:t>2, 3, </a:t>
+                          </a:r>
+                          <a:r>
+                            <a:rPr lang="it-IT" sz="1400" b="1" dirty="0"/>
+                            <a:t>4</a:t>
                           </a:r>
                         </a:p>
                       </a:txBody>
@@ -11587,8 +11660,12 @@
                         <a:p>
                           <a:pPr algn="ctr"/>
                           <a:r>
+                            <a:rPr lang="it-IT" sz="1400" b="1" i="0" dirty="0"/>
+                            <a:t>0.1</a:t>
+                          </a:r>
+                          <a:r>
                             <a:rPr lang="it-IT" sz="1400" i="0" dirty="0"/>
-                            <a:t>0.1, 0.01, 0.001</a:t>
+                            <a:t>, 0.01, 0.001</a:t>
                           </a:r>
                         </a:p>
                       </a:txBody>
@@ -11631,13 +11708,13 @@
               <p:nvPr>
                 <p:extLst>
                   <p:ext uri="{D42A27DB-BD31-4B8C-83A1-F6EECF244321}">
-                    <p14:modId xmlns:p14="http://schemas.microsoft.com/office/powerpoint/2010/main" val="1873685383"/>
+                    <p14:modId xmlns:p14="http://schemas.microsoft.com/office/powerpoint/2010/main" val="349117455"/>
                   </p:ext>
                 </p:extLst>
               </p:nvPr>
             </p:nvGraphicFramePr>
             <p:xfrm>
-              <a:off x="396687" y="1106442"/>
+              <a:off x="396686" y="856812"/>
               <a:ext cx="8350627" cy="2814320"/>
             </p:xfrm>
             <a:graphic>
@@ -11661,14 +11738,14 @@
                         </a:ext>
                       </a:extLst>
                     </a:gridCol>
-                    <a:gridCol w="2981138">
+                    <a:gridCol w="3173506">
                       <a:extLst>
                         <a:ext uri="{9D8B030D-6E8A-4147-A177-3AD203B41FA5}">
                           <a16:colId xmlns:a16="http://schemas.microsoft.com/office/drawing/2014/main" val="476101989"/>
                         </a:ext>
                       </a:extLst>
                     </a:gridCol>
-                    <a:gridCol w="1194175">
+                    <a:gridCol w="1001807">
                       <a:extLst>
                         <a:ext uri="{9D8B030D-6E8A-4147-A177-3AD203B41FA5}">
                           <a16:colId xmlns:a16="http://schemas.microsoft.com/office/drawing/2014/main" val="1098860902"/>
@@ -11804,12 +11881,16 @@
                             <a:t>RBF, </a:t>
                           </a:r>
                           <a:r>
-                            <a:rPr lang="it-IT" sz="1400" dirty="0" err="1"/>
+                            <a:rPr lang="it-IT" sz="1400" b="1" dirty="0" err="1"/>
                             <a:t>poly</a:t>
                           </a:r>
                           <a:r>
+                            <a:rPr lang="it-IT" sz="1400" b="1" dirty="0"/>
+                            <a:t>.</a:t>
+                          </a:r>
+                          <a:r>
                             <a:rPr lang="it-IT" sz="1400" dirty="0"/>
-                            <a:t>., </a:t>
+                            <a:t>, </a:t>
                           </a:r>
                           <a:r>
                             <a:rPr lang="it-IT" sz="1400" dirty="0" err="1"/>
@@ -11878,7 +11959,7 @@
                         <a:blipFill>
                           <a:blip r:embed="rId2"/>
                           <a:stretch>
-                            <a:fillRect l="-140082" t="-72941" r="-40286" b="-384706"/>
+                            <a:fillRect l="-131478" t="-72941" r="-31670" b="-384706"/>
                           </a:stretch>
                         </a:blipFill>
                       </a:tcPr>
@@ -11938,7 +12019,11 @@
                           <a:pPr algn="ctr"/>
                           <a:r>
                             <a:rPr lang="it-IT" sz="1400" dirty="0"/>
-                            <a:t>0.1, 1, 10, 100</a:t>
+                            <a:t>0.1, 1, 10, </a:t>
+                          </a:r>
+                          <a:r>
+                            <a:rPr lang="it-IT" sz="1400" b="1" dirty="0"/>
+                            <a:t>100</a:t>
                           </a:r>
                         </a:p>
                       </a:txBody>
@@ -11975,7 +12060,7 @@
                         <a:blipFill>
                           <a:blip r:embed="rId2"/>
                           <a:stretch>
-                            <a:fillRect l="-140082" t="-170930" r="-40286" b="-280233"/>
+                            <a:fillRect l="-131478" t="-170930" r="-31670" b="-280233"/>
                           </a:stretch>
                         </a:blipFill>
                       </a:tcPr>
@@ -11988,7 +12073,11 @@
                           <a:pPr algn="ctr"/>
                           <a:r>
                             <a:rPr lang="it-IT" sz="1400" dirty="0"/>
-                            <a:t>0, 1, 2</a:t>
+                            <a:t>0, 1, </a:t>
+                          </a:r>
+                          <a:r>
+                            <a:rPr lang="it-IT" sz="1400" b="1" dirty="0"/>
+                            <a:t>2</a:t>
                           </a:r>
                         </a:p>
                       </a:txBody>
@@ -12040,7 +12129,15 @@
                           <a:pPr algn="ctr"/>
                           <a:r>
                             <a:rPr lang="it-IT" sz="1400" dirty="0"/>
-                            <a:t>0.01, 0.1, 1</a:t>
+                            <a:t>0.01, </a:t>
+                          </a:r>
+                          <a:r>
+                            <a:rPr lang="it-IT" sz="1400" b="1" dirty="0"/>
+                            <a:t>0.1</a:t>
+                          </a:r>
+                          <a:r>
+                            <a:rPr lang="it-IT" sz="1400" dirty="0"/>
+                            <a:t>, 1</a:t>
                           </a:r>
                         </a:p>
                       </a:txBody>
@@ -12135,7 +12232,11 @@
                           <a:pPr algn="ctr"/>
                           <a:r>
                             <a:rPr lang="it-IT" sz="1400" dirty="0"/>
-                            <a:t>2, 3, 4</a:t>
+                            <a:t>2, 3, </a:t>
+                          </a:r>
+                          <a:r>
+                            <a:rPr lang="it-IT" sz="1400" b="1" dirty="0"/>
+                            <a:t>4</a:t>
                           </a:r>
                         </a:p>
                       </a:txBody>
@@ -12289,8 +12390,12 @@
                         <a:p>
                           <a:pPr algn="ctr"/>
                           <a:r>
+                            <a:rPr lang="it-IT" sz="1400" b="1" i="0" dirty="0"/>
+                            <a:t>0.1</a:t>
+                          </a:r>
+                          <a:r>
                             <a:rPr lang="it-IT" sz="1400" i="0" dirty="0"/>
-                            <a:t>0.1, 0.01, 0.001</a:t>
+                            <a:t>, 0.01, 0.001</a:t>
                           </a:r>
                         </a:p>
                       </a:txBody>
@@ -12318,6 +12423,534 @@
           </p:graphicFrame>
         </mc:Fallback>
       </mc:AlternateContent>
+      <p:graphicFrame>
+        <p:nvGraphicFramePr>
+          <p:cNvPr id="2" name="Tabella 1">
+            <a:extLst>
+              <a:ext uri="{FF2B5EF4-FFF2-40B4-BE49-F238E27FC236}">
+                <a16:creationId xmlns:a16="http://schemas.microsoft.com/office/drawing/2014/main" id="{74CB9270-40E1-6852-9B9E-F02A5B6F5E04}"/>
+              </a:ext>
+            </a:extLst>
+          </p:cNvPr>
+          <p:cNvGraphicFramePr>
+            <a:graphicFrameLocks noGrp="1"/>
+          </p:cNvGraphicFramePr>
+          <p:nvPr>
+            <p:extLst>
+              <p:ext uri="{D42A27DB-BD31-4B8C-83A1-F6EECF244321}">
+                <p14:modId xmlns:p14="http://schemas.microsoft.com/office/powerpoint/2010/main" val="595302077"/>
+              </p:ext>
+            </p:extLst>
+          </p:nvPr>
+        </p:nvGraphicFramePr>
+        <p:xfrm>
+          <a:off x="4910653" y="3984690"/>
+          <a:ext cx="3836660" cy="914400"/>
+        </p:xfrm>
+        <a:graphic>
+          <a:graphicData uri="http://schemas.openxmlformats.org/drawingml/2006/table">
+            <a:tbl>
+              <a:tblPr bandRow="1">
+                <a:tableStyleId>{0E3FDE45-AF77-4B5C-9715-49D594BDF05E}</a:tableStyleId>
+              </a:tblPr>
+              <a:tblGrid>
+                <a:gridCol w="959165">
+                  <a:extLst>
+                    <a:ext uri="{9D8B030D-6E8A-4147-A177-3AD203B41FA5}">
+                      <a16:colId xmlns:a16="http://schemas.microsoft.com/office/drawing/2014/main" val="1649054938"/>
+                    </a:ext>
+                  </a:extLst>
+                </a:gridCol>
+                <a:gridCol w="959165">
+                  <a:extLst>
+                    <a:ext uri="{9D8B030D-6E8A-4147-A177-3AD203B41FA5}">
+                      <a16:colId xmlns:a16="http://schemas.microsoft.com/office/drawing/2014/main" val="4019716620"/>
+                    </a:ext>
+                  </a:extLst>
+                </a:gridCol>
+                <a:gridCol w="959165">
+                  <a:extLst>
+                    <a:ext uri="{9D8B030D-6E8A-4147-A177-3AD203B41FA5}">
+                      <a16:colId xmlns:a16="http://schemas.microsoft.com/office/drawing/2014/main" val="1120584406"/>
+                    </a:ext>
+                  </a:extLst>
+                </a:gridCol>
+                <a:gridCol w="959165">
+                  <a:extLst>
+                    <a:ext uri="{9D8B030D-6E8A-4147-A177-3AD203B41FA5}">
+                      <a16:colId xmlns:a16="http://schemas.microsoft.com/office/drawing/2014/main" val="3881263521"/>
+                    </a:ext>
+                  </a:extLst>
+                </a:gridCol>
+              </a:tblGrid>
+              <a:tr h="294067">
+                <a:tc>
+                  <a:txBody>
+                    <a:bodyPr/>
+                    <a:lstStyle/>
+                    <a:p>
+                      <a:pPr algn="ctr"/>
+                      <a:r>
+                        <a:rPr lang="it-IT" sz="1400" b="1" dirty="0"/>
+                        <a:t>Dataset</a:t>
+                      </a:r>
+                    </a:p>
+                  </a:txBody>
+                  <a:tcPr anchor="ctr">
+                    <a:lnR w="12700" cap="flat" cmpd="sng" algn="ctr">
+                      <a:solidFill>
+                        <a:srgbClr val="7B7B7B"/>
+                      </a:solidFill>
+                      <a:prstDash val="dash"/>
+                      <a:round/>
+                      <a:headEnd type="none" w="med" len="med"/>
+                      <a:tailEnd type="none" w="med" len="med"/>
+                    </a:lnR>
+                  </a:tcPr>
+                </a:tc>
+                <a:tc>
+                  <a:txBody>
+                    <a:bodyPr/>
+                    <a:lstStyle/>
+                    <a:p>
+                      <a:pPr algn="ctr"/>
+                      <a:r>
+                        <a:rPr lang="it-IT" sz="1400" dirty="0"/>
+                        <a:t>TR</a:t>
+                      </a:r>
+                    </a:p>
+                  </a:txBody>
+                  <a:tcPr anchor="ctr">
+                    <a:lnL w="12700" cap="flat" cmpd="sng" algn="ctr">
+                      <a:solidFill>
+                        <a:srgbClr val="7B7B7B"/>
+                      </a:solidFill>
+                      <a:prstDash val="dash"/>
+                      <a:round/>
+                      <a:headEnd type="none" w="med" len="med"/>
+                      <a:tailEnd type="none" w="med" len="med"/>
+                    </a:lnL>
+                  </a:tcPr>
+                </a:tc>
+                <a:tc>
+                  <a:txBody>
+                    <a:bodyPr/>
+                    <a:lstStyle/>
+                    <a:p>
+                      <a:pPr algn="ctr"/>
+                      <a:r>
+                        <a:rPr lang="it-IT" sz="1400" dirty="0"/>
+                        <a:t>VL</a:t>
+                      </a:r>
+                    </a:p>
+                  </a:txBody>
+                  <a:tcPr anchor="ctr"/>
+                </a:tc>
+                <a:tc>
+                  <a:txBody>
+                    <a:bodyPr/>
+                    <a:lstStyle/>
+                    <a:p>
+                      <a:pPr algn="ctr"/>
+                      <a:r>
+                        <a:rPr lang="it-IT" sz="1400" dirty="0"/>
+                        <a:t>TS</a:t>
+                      </a:r>
+                    </a:p>
+                  </a:txBody>
+                  <a:tcPr anchor="ctr"/>
+                </a:tc>
+                <a:extLst>
+                  <a:ext uri="{0D108BD9-81ED-4DB2-BD59-A6C34878D82A}">
+                    <a16:rowId xmlns:a16="http://schemas.microsoft.com/office/drawing/2014/main" val="1134138711"/>
+                  </a:ext>
+                </a:extLst>
+              </a:tr>
+              <a:tr h="294067">
+                <a:tc>
+                  <a:txBody>
+                    <a:bodyPr/>
+                    <a:lstStyle/>
+                    <a:p>
+                      <a:pPr algn="ctr"/>
+                      <a:r>
+                        <a:rPr lang="it-IT" sz="1400" b="1" dirty="0"/>
+                        <a:t>MEE</a:t>
+                      </a:r>
+                    </a:p>
+                  </a:txBody>
+                  <a:tcPr anchor="ctr">
+                    <a:lnR w="12700" cap="flat" cmpd="sng" algn="ctr">
+                      <a:solidFill>
+                        <a:srgbClr val="7B7B7B"/>
+                      </a:solidFill>
+                      <a:prstDash val="dash"/>
+                      <a:round/>
+                      <a:headEnd type="none" w="med" len="med"/>
+                      <a:tailEnd type="none" w="med" len="med"/>
+                    </a:lnR>
+                  </a:tcPr>
+                </a:tc>
+                <a:tc>
+                  <a:txBody>
+                    <a:bodyPr/>
+                    <a:lstStyle/>
+                    <a:p>
+                      <a:pPr algn="ctr"/>
+                      <a:r>
+                        <a:rPr lang="it-IT" sz="1400" dirty="0"/>
+                        <a:t>0.472</a:t>
+                      </a:r>
+                    </a:p>
+                  </a:txBody>
+                  <a:tcPr>
+                    <a:lnL w="12700" cap="flat" cmpd="sng" algn="ctr">
+                      <a:solidFill>
+                        <a:srgbClr val="7B7B7B"/>
+                      </a:solidFill>
+                      <a:prstDash val="dash"/>
+                      <a:round/>
+                      <a:headEnd type="none" w="med" len="med"/>
+                      <a:tailEnd type="none" w="med" len="med"/>
+                    </a:lnL>
+                  </a:tcPr>
+                </a:tc>
+                <a:tc>
+                  <a:txBody>
+                    <a:bodyPr/>
+                    <a:lstStyle/>
+                    <a:p>
+                      <a:pPr algn="ctr"/>
+                      <a:r>
+                        <a:rPr lang="it-IT" sz="1400" dirty="0"/>
+                        <a:t>0.804</a:t>
+                      </a:r>
+                    </a:p>
+                  </a:txBody>
+                  <a:tcPr/>
+                </a:tc>
+                <a:tc>
+                  <a:txBody>
+                    <a:bodyPr/>
+                    <a:lstStyle/>
+                    <a:p>
+                      <a:pPr algn="ctr"/>
+                      <a:r>
+                        <a:rPr lang="it-IT" sz="1400" dirty="0"/>
+                        <a:t>0.832</a:t>
+                      </a:r>
+                    </a:p>
+                  </a:txBody>
+                  <a:tcPr/>
+                </a:tc>
+                <a:extLst>
+                  <a:ext uri="{0D108BD9-81ED-4DB2-BD59-A6C34878D82A}">
+                    <a16:rowId xmlns:a16="http://schemas.microsoft.com/office/drawing/2014/main" val="3685263719"/>
+                  </a:ext>
+                </a:extLst>
+              </a:tr>
+              <a:tr h="294067">
+                <a:tc>
+                  <a:txBody>
+                    <a:bodyPr/>
+                    <a:lstStyle/>
+                    <a:p>
+                      <a:pPr algn="ctr"/>
+                      <a:r>
+                        <a:rPr lang="it-IT" sz="1400" b="1" dirty="0" err="1"/>
+                        <a:t>stdev</a:t>
+                      </a:r>
+                      <a:endParaRPr lang="it-IT" sz="1400" b="1" dirty="0"/>
+                    </a:p>
+                  </a:txBody>
+                  <a:tcPr anchor="ctr">
+                    <a:lnR w="12700" cap="flat" cmpd="sng" algn="ctr">
+                      <a:solidFill>
+                        <a:srgbClr val="7B7B7B"/>
+                      </a:solidFill>
+                      <a:prstDash val="dash"/>
+                      <a:round/>
+                      <a:headEnd type="none" w="med" len="med"/>
+                      <a:tailEnd type="none" w="med" len="med"/>
+                    </a:lnR>
+                  </a:tcPr>
+                </a:tc>
+                <a:tc>
+                  <a:txBody>
+                    <a:bodyPr/>
+                    <a:lstStyle/>
+                    <a:p>
+                      <a:pPr algn="ctr"/>
+                      <a:r>
+                        <a:rPr lang="it-IT" sz="1400" dirty="0"/>
+                        <a:t>0.006</a:t>
+                      </a:r>
+                    </a:p>
+                  </a:txBody>
+                  <a:tcPr>
+                    <a:lnL w="12700" cap="flat" cmpd="sng" algn="ctr">
+                      <a:solidFill>
+                        <a:srgbClr val="7B7B7B"/>
+                      </a:solidFill>
+                      <a:prstDash val="dash"/>
+                      <a:round/>
+                      <a:headEnd type="none" w="med" len="med"/>
+                      <a:tailEnd type="none" w="med" len="med"/>
+                    </a:lnL>
+                  </a:tcPr>
+                </a:tc>
+                <a:tc>
+                  <a:txBody>
+                    <a:bodyPr/>
+                    <a:lstStyle/>
+                    <a:p>
+                      <a:pPr algn="ctr"/>
+                      <a:r>
+                        <a:rPr lang="it-IT" sz="1400" dirty="0"/>
+                        <a:t>0.031</a:t>
+                      </a:r>
+                    </a:p>
+                  </a:txBody>
+                  <a:tcPr/>
+                </a:tc>
+                <a:tc>
+                  <a:txBody>
+                    <a:bodyPr/>
+                    <a:lstStyle/>
+                    <a:p>
+                      <a:pPr algn="ctr"/>
+                      <a:r>
+                        <a:rPr lang="it-IT" sz="1400" dirty="0" err="1"/>
+                        <a:t>n.d.</a:t>
+                      </a:r>
+                      <a:endParaRPr lang="it-IT" sz="1400" dirty="0"/>
+                    </a:p>
+                  </a:txBody>
+                  <a:tcPr/>
+                </a:tc>
+                <a:extLst>
+                  <a:ext uri="{0D108BD9-81ED-4DB2-BD59-A6C34878D82A}">
+                    <a16:rowId xmlns:a16="http://schemas.microsoft.com/office/drawing/2014/main" val="2799838635"/>
+                  </a:ext>
+                </a:extLst>
+              </a:tr>
+            </a:tbl>
+          </a:graphicData>
+        </a:graphic>
+      </p:graphicFrame>
+      <p:sp>
+        <p:nvSpPr>
+          <p:cNvPr id="4" name="CasellaDiTesto 3">
+            <a:extLst>
+              <a:ext uri="{FF2B5EF4-FFF2-40B4-BE49-F238E27FC236}">
+                <a16:creationId xmlns:a16="http://schemas.microsoft.com/office/drawing/2014/main" id="{DD5CB74F-1E5A-0951-0F2A-FFFB1DFCC51D}"/>
+              </a:ext>
+            </a:extLst>
+          </p:cNvPr>
+          <p:cNvSpPr txBox="1"/>
+          <p:nvPr/>
+        </p:nvSpPr>
+        <p:spPr>
+          <a:xfrm>
+            <a:off x="4910653" y="3676913"/>
+            <a:ext cx="3836660" cy="307777"/>
+          </a:xfrm>
+          <a:prstGeom prst="rect">
+            <a:avLst/>
+          </a:prstGeom>
+          <a:noFill/>
+        </p:spPr>
+        <p:txBody>
+          <a:bodyPr wrap="square" rtlCol="0">
+            <a:spAutoFit/>
+          </a:bodyPr>
+          <a:lstStyle/>
+          <a:p>
+            <a:pPr marL="0" marR="0" indent="0" algn="ctr" rtl="0" eaLnBrk="1" fontAlgn="auto" latinLnBrk="0" hangingPunct="1">
+              <a:spcBef>
+                <a:spcPts val="0"/>
+              </a:spcBef>
+              <a:spcAft>
+                <a:spcPts val="0"/>
+              </a:spcAft>
+            </a:pPr>
+            <a:r>
+              <a:rPr lang="it-IT" sz="1400" b="1" kern="1200" dirty="0" err="1">
+                <a:solidFill>
+                  <a:srgbClr val="000000"/>
+                </a:solidFill>
+                <a:effectLst/>
+                <a:latin typeface="Arial" panose="020B0604020202020204" pitchFamily="34" charset="0"/>
+                <a:ea typeface="DejaVu Sans" panose="020B0603030804020204" pitchFamily="34" charset="0"/>
+                <a:cs typeface="DejaVu Sans" panose="020B0603030804020204" pitchFamily="34" charset="0"/>
+              </a:rPr>
+              <a:t>Table</a:t>
+            </a:r>
+            <a:r>
+              <a:rPr lang="it-IT" sz="1400" b="1" kern="1200" dirty="0">
+                <a:solidFill>
+                  <a:srgbClr val="000000"/>
+                </a:solidFill>
+                <a:effectLst/>
+                <a:latin typeface="Arial" panose="020B0604020202020204" pitchFamily="34" charset="0"/>
+                <a:ea typeface="DejaVu Sans" panose="020B0603030804020204" pitchFamily="34" charset="0"/>
+                <a:cs typeface="DejaVu Sans" panose="020B0603030804020204" pitchFamily="34" charset="0"/>
+              </a:rPr>
+              <a:t> </a:t>
+            </a:r>
+            <a:r>
+              <a:rPr lang="it-IT" sz="1400" b="1" kern="1200" dirty="0">
+                <a:solidFill>
+                  <a:srgbClr val="FF0000"/>
+                </a:solidFill>
+                <a:effectLst/>
+                <a:latin typeface="Arial" panose="020B0604020202020204" pitchFamily="34" charset="0"/>
+                <a:ea typeface="DejaVu Sans" panose="020B0603030804020204" pitchFamily="34" charset="0"/>
+                <a:cs typeface="DejaVu Sans" panose="020B0603030804020204" pitchFamily="34" charset="0"/>
+              </a:rPr>
+              <a:t>m</a:t>
+            </a:r>
+            <a:r>
+              <a:rPr lang="it-IT" sz="1400" kern="1200" dirty="0">
+                <a:solidFill>
+                  <a:srgbClr val="000000"/>
+                </a:solidFill>
+                <a:effectLst/>
+                <a:latin typeface="Arial" panose="020B0604020202020204" pitchFamily="34" charset="0"/>
+                <a:ea typeface="DejaVu Sans" panose="020B0603030804020204" pitchFamily="34" charset="0"/>
+                <a:cs typeface="DejaVu Sans" panose="020B0603030804020204" pitchFamily="34" charset="0"/>
+              </a:rPr>
+              <a:t>: MEE of the best SVM</a:t>
+            </a:r>
+            <a:endParaRPr lang="it-IT" sz="1100" dirty="0">
+              <a:effectLst/>
+            </a:endParaRPr>
+          </a:p>
+        </p:txBody>
+      </p:sp>
+      <p:sp>
+        <p:nvSpPr>
+          <p:cNvPr id="5" name="CasellaDiTesto 4">
+            <a:extLst>
+              <a:ext uri="{FF2B5EF4-FFF2-40B4-BE49-F238E27FC236}">
+                <a16:creationId xmlns:a16="http://schemas.microsoft.com/office/drawing/2014/main" id="{71A56CF6-D8A5-5F82-9CF5-EEA011AA670B}"/>
+              </a:ext>
+            </a:extLst>
+          </p:cNvPr>
+          <p:cNvSpPr txBox="1"/>
+          <p:nvPr/>
+        </p:nvSpPr>
+        <p:spPr>
+          <a:xfrm>
+            <a:off x="396685" y="3950461"/>
+            <a:ext cx="4356850" cy="954107"/>
+          </a:xfrm>
+          <a:prstGeom prst="rect">
+            <a:avLst/>
+          </a:prstGeom>
+          <a:noFill/>
+        </p:spPr>
+        <p:txBody>
+          <a:bodyPr wrap="square" rtlCol="0">
+            <a:spAutoFit/>
+          </a:bodyPr>
+          <a:lstStyle/>
+          <a:p>
+            <a:r>
+              <a:rPr lang="it-IT" sz="1400" dirty="0"/>
+              <a:t>The best </a:t>
+            </a:r>
+            <a:r>
+              <a:rPr lang="it-IT" sz="1400" dirty="0" err="1"/>
+              <a:t>hyperparameters</a:t>
+            </a:r>
+            <a:r>
+              <a:rPr lang="it-IT" sz="1400" dirty="0"/>
+              <a:t> </a:t>
+            </a:r>
+            <a:r>
+              <a:rPr lang="it-IT" sz="1400" dirty="0" err="1"/>
+              <a:t>found</a:t>
+            </a:r>
+            <a:r>
+              <a:rPr lang="it-IT" sz="1400" dirty="0"/>
+              <a:t> in the </a:t>
+            </a:r>
+            <a:r>
+              <a:rPr lang="it-IT" sz="1400" dirty="0" err="1"/>
+              <a:t>grid</a:t>
+            </a:r>
+            <a:r>
+              <a:rPr lang="it-IT" sz="1400" dirty="0"/>
+              <a:t> </a:t>
+            </a:r>
+            <a:r>
+              <a:rPr lang="it-IT" sz="1400" dirty="0" err="1"/>
+              <a:t>search</a:t>
+            </a:r>
+            <a:r>
+              <a:rPr lang="it-IT" sz="1400" dirty="0"/>
+              <a:t> are in </a:t>
+            </a:r>
+            <a:r>
+              <a:rPr lang="it-IT" sz="1400" dirty="0" err="1"/>
+              <a:t>bold</a:t>
+            </a:r>
+            <a:r>
+              <a:rPr lang="it-IT" sz="1400" dirty="0"/>
+              <a:t>. </a:t>
+            </a:r>
+            <a:r>
+              <a:rPr lang="it-IT" sz="1400" dirty="0" err="1"/>
+              <a:t>Table</a:t>
+            </a:r>
+            <a:r>
+              <a:rPr lang="it-IT" sz="1400" dirty="0"/>
+              <a:t> m shows the </a:t>
+            </a:r>
+            <a:r>
+              <a:rPr lang="it-IT" sz="1400" dirty="0" err="1"/>
+              <a:t>error</a:t>
+            </a:r>
+            <a:r>
+              <a:rPr lang="it-IT" sz="1400" dirty="0"/>
+              <a:t> of </a:t>
+            </a:r>
+            <a:r>
+              <a:rPr lang="it-IT" sz="1400" dirty="0" err="1"/>
+              <a:t>this</a:t>
+            </a:r>
+            <a:r>
+              <a:rPr lang="it-IT" sz="1400" dirty="0"/>
+              <a:t> model.</a:t>
+            </a:r>
+          </a:p>
+          <a:p>
+            <a:r>
+              <a:rPr lang="it-IT" sz="1400" dirty="0"/>
+              <a:t>The learning curve of the best SVM can be </a:t>
+            </a:r>
+            <a:r>
+              <a:rPr lang="it-IT" sz="1400" dirty="0" err="1"/>
+              <a:t>found</a:t>
+            </a:r>
+            <a:r>
+              <a:rPr lang="it-IT" sz="1400" dirty="0"/>
+              <a:t> in the </a:t>
+            </a:r>
+            <a:r>
+              <a:rPr lang="it-IT" sz="1400" dirty="0" err="1">
+                <a:hlinkClick r:id="rId3" action="ppaction://hlinksldjump"/>
+              </a:rPr>
+              <a:t>Appendix</a:t>
+            </a:r>
+            <a:r>
+              <a:rPr lang="it-IT" sz="1400" dirty="0"/>
+              <a:t>.</a:t>
+            </a:r>
+          </a:p>
+        </p:txBody>
+      </p:sp>
     </p:spTree>
     <p:extLst>
       <p:ext uri="{BB962C8B-B14F-4D97-AF65-F5344CB8AC3E}">
@@ -12394,17 +13027,7 @@
                 <a:latin typeface="Arial"/>
                 <a:ea typeface="Arial"/>
               </a:rPr>
-              <a:t>Neural Network </a:t>
-            </a:r>
-            <a:r>
-              <a:rPr lang="it" sz="2400" spc="-1" dirty="0">
-                <a:solidFill>
-                  <a:srgbClr val="FF0000"/>
-                </a:solidFill>
-                <a:latin typeface="Arial"/>
-                <a:ea typeface="Arial"/>
-              </a:rPr>
-              <a:t>hyperparameters’ values</a:t>
+              <a:t>Neural Network</a:t>
             </a:r>
             <a:endParaRPr lang="it-IT" sz="2400" b="0" strike="noStrike" spc="-1" dirty="0">
               <a:solidFill>
@@ -16241,14 +16864,14 @@
           <p:nvPr>
             <p:extLst>
               <p:ext uri="{D42A27DB-BD31-4B8C-83A1-F6EECF244321}">
-                <p14:modId xmlns:p14="http://schemas.microsoft.com/office/powerpoint/2010/main" val="1291602323"/>
+                <p14:modId xmlns:p14="http://schemas.microsoft.com/office/powerpoint/2010/main" val="4254632872"/>
               </p:ext>
             </p:extLst>
           </p:nvPr>
         </p:nvGraphicFramePr>
         <p:xfrm>
           <a:off x="4729118" y="1979043"/>
-          <a:ext cx="3836660" cy="609600"/>
+          <a:ext cx="3836660" cy="914400"/>
         </p:xfrm>
         <a:graphic>
           <a:graphicData uri="http://schemas.openxmlformats.org/drawingml/2006/table">
@@ -16437,6 +17060,78 @@
                 <a:extLst>
                   <a:ext uri="{0D108BD9-81ED-4DB2-BD59-A6C34878D82A}">
                     <a16:rowId xmlns:a16="http://schemas.microsoft.com/office/drawing/2014/main" val="3685263719"/>
+                  </a:ext>
+                </a:extLst>
+              </a:tr>
+              <a:tr h="294067">
+                <a:tc>
+                  <a:txBody>
+                    <a:bodyPr/>
+                    <a:lstStyle/>
+                    <a:p>
+                      <a:pPr algn="ctr"/>
+                      <a:r>
+                        <a:rPr lang="it-IT" sz="1400" b="1" dirty="0" err="1"/>
+                        <a:t>stdev</a:t>
+                      </a:r>
+                      <a:endParaRPr lang="it-IT" sz="1400" b="1" dirty="0"/>
+                    </a:p>
+                  </a:txBody>
+                  <a:tcPr anchor="ctr">
+                    <a:lnR w="12700" cap="flat" cmpd="sng" algn="ctr">
+                      <a:solidFill>
+                        <a:srgbClr val="7B7B7B"/>
+                      </a:solidFill>
+                      <a:prstDash val="dash"/>
+                      <a:round/>
+                      <a:headEnd type="none" w="med" len="med"/>
+                      <a:tailEnd type="none" w="med" len="med"/>
+                    </a:lnR>
+                  </a:tcPr>
+                </a:tc>
+                <a:tc>
+                  <a:txBody>
+                    <a:bodyPr/>
+                    <a:lstStyle/>
+                    <a:p>
+                      <a:endParaRPr lang="it-IT" sz="1400" dirty="0"/>
+                    </a:p>
+                  </a:txBody>
+                  <a:tcPr>
+                    <a:lnL w="12700" cap="flat" cmpd="sng" algn="ctr">
+                      <a:solidFill>
+                        <a:srgbClr val="7B7B7B"/>
+                      </a:solidFill>
+                      <a:prstDash val="dash"/>
+                      <a:round/>
+                      <a:headEnd type="none" w="med" len="med"/>
+                      <a:tailEnd type="none" w="med" len="med"/>
+                    </a:lnL>
+                  </a:tcPr>
+                </a:tc>
+                <a:tc>
+                  <a:txBody>
+                    <a:bodyPr/>
+                    <a:lstStyle/>
+                    <a:p>
+                      <a:endParaRPr lang="it-IT" sz="1400" dirty="0"/>
+                    </a:p>
+                  </a:txBody>
+                  <a:tcPr/>
+                </a:tc>
+                <a:tc>
+                  <a:txBody>
+                    <a:bodyPr/>
+                    <a:lstStyle/>
+                    <a:p>
+                      <a:endParaRPr lang="it-IT" sz="1400" dirty="0"/>
+                    </a:p>
+                  </a:txBody>
+                  <a:tcPr/>
+                </a:tc>
+                <a:extLst>
+                  <a:ext uri="{0D108BD9-81ED-4DB2-BD59-A6C34878D82A}">
+                    <a16:rowId xmlns:a16="http://schemas.microsoft.com/office/drawing/2014/main" val="783983544"/>
                   </a:ext>
                 </a:extLst>
               </a:tr>
@@ -23115,13 +23810,13 @@
           <p:nvPr>
             <p:extLst>
               <p:ext uri="{D42A27DB-BD31-4B8C-83A1-F6EECF244321}">
-                <p14:modId xmlns:p14="http://schemas.microsoft.com/office/powerpoint/2010/main" val="1776026863"/>
+                <p14:modId xmlns:p14="http://schemas.microsoft.com/office/powerpoint/2010/main" val="2379285593"/>
               </p:ext>
             </p:extLst>
           </p:nvPr>
         </p:nvGraphicFramePr>
         <p:xfrm>
-          <a:off x="311758" y="1374456"/>
+          <a:off x="311756" y="1130556"/>
           <a:ext cx="8160843" cy="1249680"/>
         </p:xfrm>
         <a:graphic>
@@ -23138,14 +23833,14 @@
                     </a:ext>
                   </a:extLst>
                 </a:gridCol>
-                <a:gridCol w="3657600">
+                <a:gridCol w="2756647">
                   <a:extLst>
                     <a:ext uri="{9D8B030D-6E8A-4147-A177-3AD203B41FA5}">
                       <a16:colId xmlns:a16="http://schemas.microsoft.com/office/drawing/2014/main" val="1166905258"/>
                     </a:ext>
                   </a:extLst>
                 </a:gridCol>
-                <a:gridCol w="1815830">
+                <a:gridCol w="2716783">
                   <a:extLst>
                     <a:ext uri="{9D8B030D-6E8A-4147-A177-3AD203B41FA5}">
                       <a16:colId xmlns:a16="http://schemas.microsoft.com/office/drawing/2014/main" val="34889993"/>
@@ -23272,7 +23967,7 @@
                       <a:pPr algn="ctr"/>
                       <a:r>
                         <a:rPr lang="it-IT" sz="1400" dirty="0"/>
-                        <a:t>Monk 1</a:t>
+                        <a:t>MONK 1</a:t>
                       </a:r>
                     </a:p>
                   </a:txBody>
@@ -23360,14 +24055,30 @@
                     <a:bodyPr/>
                     <a:lstStyle/>
                     <a:p>
-                      <a:pPr algn="ctr"/>
+                      <a:pPr marL="0" marR="0" lvl="0" indent="0" algn="ctr" defTabSz="914400" rtl="0" eaLnBrk="1" fontAlgn="auto" latinLnBrk="0" hangingPunct="1">
+                        <a:lnSpc>
+                          <a:spcPct val="100000"/>
+                        </a:lnSpc>
+                        <a:spcBef>
+                          <a:spcPts val="0"/>
+                        </a:spcBef>
+                        <a:spcAft>
+                          <a:spcPts val="0"/>
+                        </a:spcAft>
+                        <a:buClrTx/>
+                        <a:buSzTx/>
+                        <a:buFontTx/>
+                        <a:buNone/>
+                        <a:tabLst/>
+                        <a:defRPr/>
+                      </a:pPr>
                       <a:r>
                         <a:rPr lang="it-IT" sz="1400" i="1" dirty="0">
                           <a:solidFill>
                             <a:schemeClr val="tx1"/>
                           </a:solidFill>
                         </a:rPr>
-                        <a:t>100% </a:t>
+                        <a:t>100%±0% </a:t>
                       </a:r>
                       <a:r>
                         <a:rPr lang="it-IT" sz="1400" i="0" dirty="0">
@@ -23383,7 +24094,7 @@
                             <a:schemeClr val="tx1"/>
                           </a:solidFill>
                         </a:rPr>
-                        <a:t> 80,43%</a:t>
+                        <a:t> 80,43%±17,95%</a:t>
                       </a:r>
                     </a:p>
                   </a:txBody>
@@ -23422,7 +24133,7 @@
                       <a:pPr algn="ctr"/>
                       <a:r>
                         <a:rPr lang="it-IT" sz="1400" dirty="0"/>
-                        <a:t>Monk 2</a:t>
+                        <a:t>MONK 2</a:t>
                       </a:r>
                     </a:p>
                   </a:txBody>
@@ -23487,7 +24198,7 @@
                             <a:schemeClr val="tx1"/>
                           </a:solidFill>
                         </a:rPr>
-                        <a:t>71,71% </a:t>
+                        <a:t>100%±0% </a:t>
                       </a:r>
                       <a:r>
                         <a:rPr lang="it-IT" sz="1400" i="0" dirty="0">
@@ -23503,7 +24214,7 @@
                             <a:schemeClr val="tx1"/>
                           </a:solidFill>
                         </a:rPr>
-                        <a:t>100%</a:t>
+                        <a:t>71,71%±10,20%</a:t>
                       </a:r>
                     </a:p>
                   </a:txBody>
@@ -23542,7 +24253,7 @@
                       <a:pPr algn="ctr"/>
                       <a:r>
                         <a:rPr lang="it-IT" sz="1400" dirty="0"/>
-                        <a:t>Monk 3</a:t>
+                        <a:t>MONK 3</a:t>
                       </a:r>
                     </a:p>
                   </a:txBody>
@@ -23706,7 +24417,7 @@
         </p:nvSpPr>
         <p:spPr>
           <a:xfrm>
-            <a:off x="311757" y="1035900"/>
+            <a:off x="311755" y="792000"/>
             <a:ext cx="8160842" cy="338554"/>
           </a:xfrm>
           <a:prstGeom prst="rect">
@@ -23784,14 +24495,14 @@
           <p:nvPr>
             <p:extLst>
               <p:ext uri="{D42A27DB-BD31-4B8C-83A1-F6EECF244321}">
-                <p14:modId xmlns:p14="http://schemas.microsoft.com/office/powerpoint/2010/main" val="403741590"/>
+                <p14:modId xmlns:p14="http://schemas.microsoft.com/office/powerpoint/2010/main" val="4190525031"/>
               </p:ext>
             </p:extLst>
           </p:nvPr>
         </p:nvGraphicFramePr>
         <p:xfrm>
-          <a:off x="311758" y="3230520"/>
-          <a:ext cx="8160844" cy="1645920"/>
+          <a:off x="311753" y="2910306"/>
+          <a:ext cx="8160844" cy="1859280"/>
         </p:xfrm>
         <a:graphic>
           <a:graphicData uri="http://schemas.openxmlformats.org/drawingml/2006/table">
@@ -23800,28 +24511,28 @@
                 <a:tableStyleId>{0E3FDE45-AF77-4B5C-9715-49D594BDF05E}</a:tableStyleId>
               </a:tblPr>
               <a:tblGrid>
-                <a:gridCol w="911924">
+                <a:gridCol w="871588">
                   <a:extLst>
                     <a:ext uri="{9D8B030D-6E8A-4147-A177-3AD203B41FA5}">
                       <a16:colId xmlns:a16="http://schemas.microsoft.com/office/drawing/2014/main" val="935040320"/>
                     </a:ext>
                   </a:extLst>
                 </a:gridCol>
-                <a:gridCol w="4061012">
+                <a:gridCol w="3489512">
                   <a:extLst>
                     <a:ext uri="{9D8B030D-6E8A-4147-A177-3AD203B41FA5}">
                       <a16:colId xmlns:a16="http://schemas.microsoft.com/office/drawing/2014/main" val="1166905258"/>
                     </a:ext>
                   </a:extLst>
                 </a:gridCol>
-                <a:gridCol w="1593954">
+                <a:gridCol w="2723029">
                   <a:extLst>
                     <a:ext uri="{9D8B030D-6E8A-4147-A177-3AD203B41FA5}">
                       <a16:colId xmlns:a16="http://schemas.microsoft.com/office/drawing/2014/main" val="34889993"/>
                     </a:ext>
                   </a:extLst>
                 </a:gridCol>
-                <a:gridCol w="1593954">
+                <a:gridCol w="1076715">
                   <a:extLst>
                     <a:ext uri="{9D8B030D-6E8A-4147-A177-3AD203B41FA5}">
                       <a16:colId xmlns:a16="http://schemas.microsoft.com/office/drawing/2014/main" val="3320172478"/>
@@ -24106,7 +24817,7 @@
                       <a:pPr algn="ctr"/>
                       <a:r>
                         <a:rPr lang="it-IT" sz="1400" dirty="0"/>
-                        <a:t>Monk 1</a:t>
+                        <a:t>MONK 1</a:t>
                       </a:r>
                     </a:p>
                   </a:txBody>
@@ -24190,7 +24901,15 @@
                       <a:pPr algn="ctr"/>
                       <a:r>
                         <a:rPr lang="it-IT" sz="1400" i="1" dirty="0"/>
-                        <a:t>100% </a:t>
+                        <a:t>100%</a:t>
+                      </a:r>
+                      <a:r>
+                        <a:rPr lang="it-IT" sz="1400" i="1" dirty="0">
+                          <a:solidFill>
+                            <a:schemeClr val="tx1"/>
+                          </a:solidFill>
+                        </a:rPr>
+                        <a:t>±0% </a:t>
                       </a:r>
                       <a:r>
                         <a:rPr lang="it-IT" sz="1400" i="0" dirty="0"/>
@@ -24200,6 +24919,15 @@
                         <a:rPr lang="it-IT" sz="1400" i="1" dirty="0"/>
                         <a:t> 78,03%</a:t>
                       </a:r>
+                      <a:r>
+                        <a:rPr lang="it-IT" sz="1400" i="1" dirty="0">
+                          <a:solidFill>
+                            <a:schemeClr val="tx1"/>
+                          </a:solidFill>
+                        </a:rPr>
+                        <a:t>±15,44%</a:t>
+                      </a:r>
+                      <a:endParaRPr lang="it-IT" sz="1400" i="1" dirty="0"/>
                     </a:p>
                   </a:txBody>
                   <a:tcPr anchor="ctr"/>
@@ -24233,7 +24961,7 @@
                       <a:pPr algn="ctr"/>
                       <a:r>
                         <a:rPr lang="it-IT" sz="1400" dirty="0"/>
-                        <a:t>Monk 2</a:t>
+                        <a:t>MONK 2</a:t>
                       </a:r>
                     </a:p>
                   </a:txBody>
@@ -24317,7 +25045,7 @@
                             <a:schemeClr val="tx1"/>
                           </a:solidFill>
                         </a:rPr>
-                        <a:t>100% </a:t>
+                        <a:t>100%±0% </a:t>
                       </a:r>
                       <a:r>
                         <a:rPr lang="it-IT" sz="1400" i="0" dirty="0">
@@ -24333,7 +25061,7 @@
                             <a:schemeClr val="tx1"/>
                           </a:solidFill>
                         </a:rPr>
-                        <a:t> 65,17%</a:t>
+                        <a:t> 65,17%±9,91%</a:t>
                       </a:r>
                     </a:p>
                   </a:txBody>
@@ -24372,7 +25100,7 @@
                       <a:pPr algn="ctr"/>
                       <a:r>
                         <a:rPr lang="it-IT" sz="1400" dirty="0"/>
-                        <a:t>Monk 3</a:t>
+                        <a:t>MONK 3</a:t>
                       </a:r>
                     </a:p>
                   </a:txBody>
@@ -24480,7 +25208,7 @@
                             <a:schemeClr val="tx1"/>
                           </a:solidFill>
                         </a:rPr>
-                        <a:t>95,88% </a:t>
+                        <a:t>95,88%±1,13% </a:t>
                       </a:r>
                       <a:r>
                         <a:rPr lang="it-IT" sz="1400" i="0" dirty="0">
@@ -24496,7 +25224,7 @@
                             <a:schemeClr val="tx1"/>
                           </a:solidFill>
                         </a:rPr>
-                        <a:t> 92,57%</a:t>
+                        <a:t> 92,57%±4,07%</a:t>
                       </a:r>
                     </a:p>
                   </a:txBody>
@@ -24562,7 +25290,7 @@
         </p:nvSpPr>
         <p:spPr>
           <a:xfrm>
-            <a:off x="311757" y="2891964"/>
+            <a:off x="311752" y="2571750"/>
             <a:ext cx="8160842" cy="338554"/>
           </a:xfrm>
           <a:prstGeom prst="rect">
@@ -24861,8 +25589,8 @@
         </p:blipFill>
         <p:spPr>
           <a:xfrm>
-            <a:off x="2227394" y="1439101"/>
-            <a:ext cx="3242158" cy="2265298"/>
+            <a:off x="2476082" y="1366177"/>
+            <a:ext cx="3117812" cy="2265298"/>
           </a:xfrm>
           <a:prstGeom prst="rect">
             <a:avLst/>
@@ -24900,8 +25628,8 @@
         </p:blipFill>
         <p:spPr>
           <a:xfrm>
-            <a:off x="311760" y="1439101"/>
-            <a:ext cx="1915634" cy="1825751"/>
+            <a:off x="308533" y="1366177"/>
+            <a:ext cx="2164322" cy="2062770"/>
           </a:xfrm>
           <a:prstGeom prst="rect">
             <a:avLst/>
@@ -24939,8 +25667,8 @@
         </p:blipFill>
         <p:spPr>
           <a:xfrm>
-            <a:off x="5469552" y="1439101"/>
-            <a:ext cx="3242158" cy="2265298"/>
+            <a:off x="5593894" y="1366177"/>
+            <a:ext cx="3117812" cy="2265298"/>
           </a:xfrm>
           <a:prstGeom prst="rect">
             <a:avLst/>
@@ -24964,7 +25692,7 @@
         </p:nvSpPr>
         <p:spPr>
           <a:xfrm>
-            <a:off x="308534" y="1131324"/>
+            <a:off x="308533" y="1058400"/>
             <a:ext cx="8403175" cy="307777"/>
           </a:xfrm>
           <a:prstGeom prst="rect">
@@ -29700,7 +30428,17 @@
                 <a:latin typeface="Arial"/>
                 <a:ea typeface="Arial"/>
               </a:rPr>
-              <a:t>10</a:t>
+              <a:t>10 </a:t>
+            </a:r>
+            <a:r>
+              <a:rPr lang="it" sz="2400" spc="-1" dirty="0">
+                <a:solidFill>
+                  <a:srgbClr val="FF0000"/>
+                </a:solidFill>
+                <a:latin typeface="Arial"/>
+                <a:ea typeface="Arial"/>
+              </a:rPr>
+              <a:t>To assess</a:t>
             </a:r>
             <a:br>
               <a:rPr lang="it" sz="2400" b="0" strike="noStrike" spc="-1" dirty="0">
@@ -31500,6 +32238,564 @@
     <p:extLst>
       <p:ext uri="{BB962C8B-B14F-4D97-AF65-F5344CB8AC3E}">
         <p14:creationId xmlns:p14="http://schemas.microsoft.com/office/powerpoint/2010/main" val="3039551750"/>
+      </p:ext>
+    </p:extLst>
+  </p:cSld>
+  <p:clrMapOvr>
+    <a:masterClrMapping/>
+  </p:clrMapOvr>
+</p:sld>
+</file>
+
+<file path=ppt/slides/slide36.xml><?xml version="1.0" encoding="utf-8"?>
+<p:sld xmlns:a="http://schemas.openxmlformats.org/drawingml/2006/main" xmlns:r="http://schemas.openxmlformats.org/officeDocument/2006/relationships" xmlns:p="http://schemas.openxmlformats.org/presentationml/2006/main">
+  <p:cSld>
+    <p:spTree>
+      <p:nvGrpSpPr>
+        <p:cNvPr id="1" name=""/>
+        <p:cNvGrpSpPr/>
+        <p:nvPr/>
+      </p:nvGrpSpPr>
+      <p:grpSpPr>
+        <a:xfrm>
+          <a:off x="0" y="0"/>
+          <a:ext cx="0" cy="0"/>
+          <a:chOff x="0" y="0"/>
+          <a:chExt cx="0" cy="0"/>
+        </a:xfrm>
+      </p:grpSpPr>
+      <p:sp>
+        <p:nvSpPr>
+          <p:cNvPr id="120" name="PlaceHolder 1"/>
+          <p:cNvSpPr>
+            <a:spLocks noGrp="1"/>
+          </p:cNvSpPr>
+          <p:nvPr>
+            <p:ph type="title"/>
+          </p:nvPr>
+        </p:nvSpPr>
+        <p:spPr>
+          <a:xfrm>
+            <a:off x="311760" y="0"/>
+            <a:ext cx="8520120" cy="792000"/>
+          </a:xfrm>
+          <a:prstGeom prst="rect">
+            <a:avLst/>
+          </a:prstGeom>
+          <a:noFill/>
+          <a:ln w="0">
+            <a:noFill/>
+          </a:ln>
+        </p:spPr>
+        <p:txBody>
+          <a:bodyPr tIns="91440" bIns="91440" anchor="t">
+            <a:normAutofit fontScale="90000"/>
+          </a:bodyPr>
+          <a:lstStyle/>
+          <a:p>
+            <a:pPr>
+              <a:lnSpc>
+                <a:spcPct val="100000"/>
+              </a:lnSpc>
+              <a:buNone/>
+              <a:tabLst>
+                <a:tab pos="0" algn="l"/>
+              </a:tabLst>
+            </a:pPr>
+            <a:r>
+              <a:rPr lang="it" sz="2400" b="0" strike="noStrike" spc="-1" dirty="0">
+                <a:solidFill>
+                  <a:srgbClr val="000000"/>
+                </a:solidFill>
+                <a:latin typeface="Arial"/>
+                <a:ea typeface="Arial"/>
+              </a:rPr>
+              <a:t>Appendix – </a:t>
+            </a:r>
+            <a:r>
+              <a:rPr lang="it" sz="2400" spc="-1" dirty="0">
+                <a:solidFill>
+                  <a:srgbClr val="000000"/>
+                </a:solidFill>
+                <a:latin typeface="Arial"/>
+                <a:ea typeface="Arial"/>
+              </a:rPr>
+              <a:t>12</a:t>
+            </a:r>
+            <a:br>
+              <a:rPr lang="it" sz="2400" b="0" strike="noStrike" spc="-1" dirty="0">
+                <a:solidFill>
+                  <a:srgbClr val="000000"/>
+                </a:solidFill>
+                <a:latin typeface="Arial"/>
+                <a:ea typeface="Arial"/>
+              </a:rPr>
+            </a:br>
+            <a:r>
+              <a:rPr lang="it" sz="2000" b="0" strike="noStrike" spc="-1" dirty="0">
+                <a:solidFill>
+                  <a:srgbClr val="3F3F3F"/>
+                </a:solidFill>
+                <a:latin typeface="Arial"/>
+                <a:ea typeface="Arial"/>
+              </a:rPr>
+              <a:t>Learning curves for best SVM and best Random Forest</a:t>
+            </a:r>
+            <a:endParaRPr lang="it-IT" sz="2400" b="0" strike="noStrike" spc="-1" dirty="0">
+              <a:solidFill>
+                <a:srgbClr val="3F3F3F"/>
+              </a:solidFill>
+              <a:latin typeface="Arial"/>
+            </a:endParaRPr>
+          </a:p>
+        </p:txBody>
+      </p:sp>
+      <p:sp>
+        <p:nvSpPr>
+          <p:cNvPr id="122" name="PlaceHolder 3"/>
+          <p:cNvSpPr>
+            <a:spLocks noGrp="1"/>
+          </p:cNvSpPr>
+          <p:nvPr>
+            <p:ph type="sldNum" idx="14"/>
+          </p:nvPr>
+        </p:nvSpPr>
+        <p:spPr>
+          <a:xfrm>
+            <a:off x="8472600" y="4663080"/>
+            <a:ext cx="548280" cy="393120"/>
+          </a:xfrm>
+          <a:prstGeom prst="rect">
+            <a:avLst/>
+          </a:prstGeom>
+          <a:noFill/>
+          <a:ln w="0">
+            <a:noFill/>
+          </a:ln>
+        </p:spPr>
+        <p:txBody>
+          <a:bodyPr tIns="91440" bIns="91440" anchor="ctr">
+            <a:normAutofit/>
+          </a:bodyPr>
+          <a:lstStyle>
+            <a:lvl1pPr algn="r">
+              <a:lnSpc>
+                <a:spcPct val="100000"/>
+              </a:lnSpc>
+              <a:buNone/>
+              <a:tabLst>
+                <a:tab pos="0" algn="l"/>
+              </a:tabLst>
+              <a:defRPr lang="it" sz="1000" b="0" strike="noStrike" spc="-1">
+                <a:solidFill>
+                  <a:srgbClr val="595959"/>
+                </a:solidFill>
+                <a:latin typeface="Arial"/>
+                <a:ea typeface="Arial"/>
+              </a:defRPr>
+            </a:lvl1pPr>
+          </a:lstStyle>
+          <a:p>
+            <a:pPr algn="r">
+              <a:lnSpc>
+                <a:spcPct val="100000"/>
+              </a:lnSpc>
+              <a:buNone/>
+              <a:tabLst>
+                <a:tab pos="0" algn="l"/>
+              </a:tabLst>
+            </a:pPr>
+            <a:fld id="{25B94CD5-D627-49BE-818E-4A00F2BB16DF}" type="slidenum">
+              <a:rPr lang="it" sz="1000" b="0" strike="noStrike" spc="-1">
+                <a:solidFill>
+                  <a:srgbClr val="595959"/>
+                </a:solidFill>
+                <a:latin typeface="Arial"/>
+                <a:ea typeface="Arial"/>
+              </a:rPr>
+              <a:t>36</a:t>
+            </a:fld>
+            <a:endParaRPr lang="it-IT" sz="1000" b="0" strike="noStrike" spc="-1">
+              <a:latin typeface="Times New Roman"/>
+            </a:endParaRPr>
+          </a:p>
+        </p:txBody>
+      </p:sp>
+      <p:sp>
+        <p:nvSpPr>
+          <p:cNvPr id="7" name="CasellaDiTesto 6">
+            <a:extLst>
+              <a:ext uri="{FF2B5EF4-FFF2-40B4-BE49-F238E27FC236}">
+                <a16:creationId xmlns:a16="http://schemas.microsoft.com/office/drawing/2014/main" id="{3AB702D8-9198-F185-BAA8-23304A23522E}"/>
+              </a:ext>
+            </a:extLst>
+          </p:cNvPr>
+          <p:cNvSpPr txBox="1"/>
+          <p:nvPr/>
+        </p:nvSpPr>
+        <p:spPr>
+          <a:xfrm>
+            <a:off x="1063027" y="844449"/>
+            <a:ext cx="7017946" cy="523220"/>
+          </a:xfrm>
+          <a:prstGeom prst="rect">
+            <a:avLst/>
+          </a:prstGeom>
+          <a:noFill/>
+        </p:spPr>
+        <p:txBody>
+          <a:bodyPr wrap="square" rtlCol="0">
+            <a:spAutoFit/>
+          </a:bodyPr>
+          <a:lstStyle/>
+          <a:p>
+            <a:pPr algn="ctr"/>
+            <a:r>
+              <a:rPr lang="it-IT" sz="1400" b="1" dirty="0"/>
+              <a:t>Figure</a:t>
+            </a:r>
+            <a:r>
+              <a:rPr lang="it-IT" sz="1400" b="1" dirty="0">
+                <a:solidFill>
+                  <a:srgbClr val="FF0000"/>
+                </a:solidFill>
+              </a:rPr>
+              <a:t> h</a:t>
+            </a:r>
+            <a:r>
+              <a:rPr lang="it-IT" sz="1400" b="1" dirty="0"/>
+              <a:t>: </a:t>
+            </a:r>
+            <a:r>
+              <a:rPr lang="it-IT" sz="1400" dirty="0"/>
+              <a:t>learning </a:t>
+            </a:r>
+            <a:r>
+              <a:rPr lang="it-IT" sz="1400" dirty="0" err="1"/>
+              <a:t>curves</a:t>
+            </a:r>
+            <a:r>
+              <a:rPr lang="it-IT" sz="1400" dirty="0"/>
+              <a:t> for the SVM (</a:t>
+            </a:r>
+            <a:r>
+              <a:rPr lang="it-IT" sz="1400" dirty="0" err="1"/>
+              <a:t>right</a:t>
+            </a:r>
+            <a:r>
+              <a:rPr lang="it-IT" sz="1400" dirty="0"/>
+              <a:t>) and RF (</a:t>
+            </a:r>
+            <a:r>
+              <a:rPr lang="it-IT" sz="1400" dirty="0" err="1"/>
+              <a:t>left</a:t>
+            </a:r>
+            <a:r>
+              <a:rPr lang="it-IT" sz="1400" dirty="0"/>
+              <a:t>) with the best </a:t>
+            </a:r>
+            <a:r>
+              <a:rPr lang="it-IT" sz="1400" dirty="0" err="1"/>
+              <a:t>hyperparameters</a:t>
+            </a:r>
+            <a:r>
+              <a:rPr lang="it-IT" sz="1400" dirty="0"/>
+              <a:t> </a:t>
+            </a:r>
+            <a:r>
+              <a:rPr lang="it-IT" sz="1400" dirty="0" err="1"/>
+              <a:t>found</a:t>
+            </a:r>
+            <a:r>
+              <a:rPr lang="it-IT" sz="1400" dirty="0"/>
+              <a:t> in </a:t>
+            </a:r>
+            <a:r>
+              <a:rPr lang="it-IT" sz="1400" dirty="0" err="1"/>
+              <a:t>their</a:t>
+            </a:r>
+            <a:r>
+              <a:rPr lang="it-IT" sz="1400" dirty="0"/>
+              <a:t> </a:t>
+            </a:r>
+            <a:r>
+              <a:rPr lang="it-IT" sz="1400" dirty="0" err="1"/>
+              <a:t>respective</a:t>
+            </a:r>
+            <a:r>
+              <a:rPr lang="it-IT" sz="1400" dirty="0"/>
+              <a:t> </a:t>
+            </a:r>
+            <a:r>
+              <a:rPr lang="it-IT" sz="1400" dirty="0" err="1"/>
+              <a:t>grid</a:t>
+            </a:r>
+            <a:r>
+              <a:rPr lang="it-IT" sz="1400" dirty="0"/>
+              <a:t> </a:t>
+            </a:r>
+            <a:r>
+              <a:rPr lang="it-IT" sz="1400" dirty="0" err="1"/>
+              <a:t>searches</a:t>
+            </a:r>
+            <a:r>
+              <a:rPr lang="it-IT" sz="1400" dirty="0"/>
+              <a:t>.</a:t>
+            </a:r>
+          </a:p>
+        </p:txBody>
+      </p:sp>
+      <p:sp>
+        <p:nvSpPr>
+          <p:cNvPr id="8" name="CasellaDiTesto 7">
+            <a:extLst>
+              <a:ext uri="{FF2B5EF4-FFF2-40B4-BE49-F238E27FC236}">
+                <a16:creationId xmlns:a16="http://schemas.microsoft.com/office/drawing/2014/main" id="{228AE065-2317-BB0F-4DA3-99B9C7F859AF}"/>
+              </a:ext>
+            </a:extLst>
+          </p:cNvPr>
+          <p:cNvSpPr txBox="1"/>
+          <p:nvPr/>
+        </p:nvSpPr>
+        <p:spPr>
+          <a:xfrm>
+            <a:off x="357406" y="3805518"/>
+            <a:ext cx="8428828" cy="738664"/>
+          </a:xfrm>
+          <a:prstGeom prst="rect">
+            <a:avLst/>
+          </a:prstGeom>
+          <a:noFill/>
+        </p:spPr>
+        <p:txBody>
+          <a:bodyPr wrap="square" rtlCol="0">
+            <a:spAutoFit/>
+          </a:bodyPr>
+          <a:lstStyle/>
+          <a:p>
+            <a:r>
+              <a:rPr lang="it-IT" sz="1400" dirty="0"/>
+              <a:t>The learning </a:t>
+            </a:r>
+            <a:r>
+              <a:rPr lang="it-IT" sz="1400" dirty="0" err="1"/>
+              <a:t>curves</a:t>
+            </a:r>
+            <a:r>
+              <a:rPr lang="it-IT" sz="1400" dirty="0"/>
+              <a:t> are </a:t>
+            </a:r>
+            <a:r>
+              <a:rPr lang="it-IT" sz="1400" dirty="0" err="1"/>
+              <a:t>obtained</a:t>
+            </a:r>
+            <a:r>
+              <a:rPr lang="it-IT" sz="1400" dirty="0"/>
+              <a:t> </a:t>
+            </a:r>
+            <a:r>
+              <a:rPr lang="it-IT" sz="1400" dirty="0" err="1"/>
+              <a:t>through</a:t>
+            </a:r>
+            <a:r>
+              <a:rPr lang="it-IT" sz="1400" dirty="0"/>
+              <a:t> </a:t>
+            </a:r>
+            <a:r>
+              <a:rPr lang="it-IT" sz="1400" dirty="0" err="1"/>
+              <a:t>Scikit-Learn’s</a:t>
+            </a:r>
+            <a:r>
+              <a:rPr lang="it-IT" sz="1400" dirty="0"/>
+              <a:t> </a:t>
+            </a:r>
+            <a:r>
+              <a:rPr lang="it-IT" sz="1400" dirty="0" err="1">
+                <a:latin typeface="Consolas" panose="020B0609020204030204" pitchFamily="49" charset="0"/>
+              </a:rPr>
+              <a:t>learning_curve</a:t>
+            </a:r>
+            <a:r>
+              <a:rPr lang="it-IT" sz="1400" dirty="0"/>
+              <a:t> </a:t>
+            </a:r>
+            <a:r>
+              <a:rPr lang="it-IT" sz="1400" dirty="0" err="1"/>
+              <a:t>function</a:t>
+            </a:r>
+            <a:r>
+              <a:rPr lang="en-US" sz="1400" dirty="0"/>
+              <a:t>. The function performs 5-fold CV on increasingly big portions of the design set, to determine cross-validated training and validation scores. The curve tells how well the model scales as the amount of data increases.</a:t>
+            </a:r>
+            <a:endParaRPr lang="it-IT" sz="1400" dirty="0"/>
+          </a:p>
+        </p:txBody>
+      </p:sp>
+      <p:pic>
+        <p:nvPicPr>
+          <p:cNvPr id="10" name="Immagine 9" descr="Immagine che contiene testo, schermata, linea, Diagramma&#10;&#10;Descrizione generata automaticamente">
+            <a:extLst>
+              <a:ext uri="{FF2B5EF4-FFF2-40B4-BE49-F238E27FC236}">
+                <a16:creationId xmlns:a16="http://schemas.microsoft.com/office/drawing/2014/main" id="{1B1134FF-7FDA-0381-70C1-E91BCC6DFBF9}"/>
+              </a:ext>
+            </a:extLst>
+          </p:cNvPr>
+          <p:cNvPicPr>
+            <a:picLocks noChangeAspect="1"/>
+          </p:cNvPicPr>
+          <p:nvPr/>
+        </p:nvPicPr>
+        <p:blipFill>
+          <a:blip r:embed="rId2">
+            <a:extLst>
+              <a:ext uri="{28A0092B-C50C-407E-A947-70E740481C1C}">
+                <a14:useLocalDpi xmlns:a14="http://schemas.microsoft.com/office/drawing/2010/main" val="0"/>
+              </a:ext>
+            </a:extLst>
+          </a:blip>
+          <a:stretch>
+            <a:fillRect/>
+          </a:stretch>
+        </p:blipFill>
+        <p:spPr>
+          <a:xfrm>
+            <a:off x="4800786" y="1363116"/>
+            <a:ext cx="3091932" cy="2318950"/>
+          </a:xfrm>
+          <a:prstGeom prst="rect">
+            <a:avLst/>
+          </a:prstGeom>
+          <a:ln>
+            <a:noFill/>
+          </a:ln>
+        </p:spPr>
+      </p:pic>
+      <p:pic>
+        <p:nvPicPr>
+          <p:cNvPr id="12" name="Immagine 11" descr="Immagine che contiene testo, linea, Diagramma, schermata&#10;&#10;Descrizione generata automaticamente">
+            <a:extLst>
+              <a:ext uri="{FF2B5EF4-FFF2-40B4-BE49-F238E27FC236}">
+                <a16:creationId xmlns:a16="http://schemas.microsoft.com/office/drawing/2014/main" id="{ED04E057-F57F-7FCD-2324-CA66AC089C84}"/>
+              </a:ext>
+            </a:extLst>
+          </p:cNvPr>
+          <p:cNvPicPr>
+            <a:picLocks noChangeAspect="1"/>
+          </p:cNvPicPr>
+          <p:nvPr/>
+        </p:nvPicPr>
+        <p:blipFill>
+          <a:blip r:embed="rId3">
+            <a:extLst>
+              <a:ext uri="{28A0092B-C50C-407E-A947-70E740481C1C}">
+                <a14:useLocalDpi xmlns:a14="http://schemas.microsoft.com/office/drawing/2010/main" val="0"/>
+              </a:ext>
+            </a:extLst>
+          </a:blip>
+          <a:stretch>
+            <a:fillRect/>
+          </a:stretch>
+        </p:blipFill>
+        <p:spPr>
+          <a:xfrm>
+            <a:off x="1251286" y="1363116"/>
+            <a:ext cx="3091930" cy="2318948"/>
+          </a:xfrm>
+          <a:prstGeom prst="rect">
+            <a:avLst/>
+          </a:prstGeom>
+          <a:ln>
+            <a:noFill/>
+          </a:ln>
+        </p:spPr>
+      </p:pic>
+      <p:sp>
+        <p:nvSpPr>
+          <p:cNvPr id="13" name="CasellaDiTesto 12">
+            <a:extLst>
+              <a:ext uri="{FF2B5EF4-FFF2-40B4-BE49-F238E27FC236}">
+                <a16:creationId xmlns:a16="http://schemas.microsoft.com/office/drawing/2014/main" id="{1ADA2139-9605-20F2-7D00-C7CECABC50B7}"/>
+              </a:ext>
+            </a:extLst>
+          </p:cNvPr>
+          <p:cNvSpPr txBox="1"/>
+          <p:nvPr/>
+        </p:nvSpPr>
+        <p:spPr>
+          <a:xfrm>
+            <a:off x="357406" y="4544182"/>
+            <a:ext cx="6851277" cy="307777"/>
+          </a:xfrm>
+          <a:prstGeom prst="rect">
+            <a:avLst/>
+          </a:prstGeom>
+          <a:noFill/>
+        </p:spPr>
+        <p:txBody>
+          <a:bodyPr wrap="square" rtlCol="0">
+            <a:spAutoFit/>
+          </a:bodyPr>
+          <a:lstStyle/>
+          <a:p>
+            <a:r>
+              <a:rPr lang="it-IT" sz="1400" dirty="0"/>
+              <a:t>In </a:t>
+            </a:r>
+            <a:r>
+              <a:rPr lang="it-IT" sz="1400" dirty="0" err="1"/>
+              <a:t>our</a:t>
+            </a:r>
+            <a:r>
+              <a:rPr lang="it-IT" sz="1400" dirty="0"/>
+              <a:t> notebooks, </a:t>
+            </a:r>
+            <a:r>
+              <a:rPr lang="it-IT" sz="1400" dirty="0" err="1"/>
+              <a:t>alsoother</a:t>
+            </a:r>
+            <a:r>
+              <a:rPr lang="it-IT" sz="1400" dirty="0"/>
+              <a:t> </a:t>
+            </a:r>
+            <a:r>
+              <a:rPr lang="it-IT" sz="1400" dirty="0" err="1"/>
+              <a:t>metrics</a:t>
+            </a:r>
+            <a:r>
+              <a:rPr lang="it-IT" sz="1400" dirty="0"/>
+              <a:t> to </a:t>
+            </a:r>
+            <a:r>
+              <a:rPr lang="it-IT" sz="1400" dirty="0" err="1"/>
+              <a:t>measure</a:t>
+            </a:r>
+            <a:r>
+              <a:rPr lang="it-IT" sz="1400" dirty="0"/>
+              <a:t> the </a:t>
+            </a:r>
+            <a:r>
+              <a:rPr lang="it-IT" sz="1400" dirty="0" err="1"/>
+              <a:t>error</a:t>
+            </a:r>
+            <a:r>
+              <a:rPr lang="it-IT" sz="1400" dirty="0"/>
+              <a:t> are </a:t>
+            </a:r>
+            <a:r>
+              <a:rPr lang="it-IT" sz="1400" dirty="0" err="1"/>
+              <a:t>used</a:t>
+            </a:r>
+            <a:r>
+              <a:rPr lang="it-IT" sz="1400" dirty="0"/>
+              <a:t>.</a:t>
+            </a:r>
+          </a:p>
+        </p:txBody>
+      </p:sp>
+    </p:spTree>
+    <p:extLst>
+      <p:ext uri="{BB962C8B-B14F-4D97-AF65-F5344CB8AC3E}">
+        <p14:creationId xmlns:p14="http://schemas.microsoft.com/office/powerpoint/2010/main" val="1867238118"/>
       </p:ext>
     </p:extLst>
   </p:cSld>
@@ -34247,7 +35543,17 @@
                 <a:latin typeface="Arial"/>
                 <a:ea typeface="Arial"/>
               </a:rPr>
-              <a:t>MONK 1 Results</a:t>
+              <a:t>MONK 1 Results </a:t>
+            </a:r>
+            <a:r>
+              <a:rPr lang="it" sz="2700" b="0" strike="noStrike" spc="-1" dirty="0">
+                <a:solidFill>
+                  <a:srgbClr val="FF0000"/>
+                </a:solidFill>
+                <a:latin typeface="Arial"/>
+                <a:ea typeface="Arial"/>
+              </a:rPr>
+              <a:t>STDEVS</a:t>
             </a:r>
             <a:endParaRPr lang="it-IT" sz="2800" b="0" strike="noStrike" spc="-1" dirty="0">
               <a:solidFill>
@@ -34344,14 +35650,14 @@
           <p:nvPr>
             <p:extLst>
               <p:ext uri="{D42A27DB-BD31-4B8C-83A1-F6EECF244321}">
-                <p14:modId xmlns:p14="http://schemas.microsoft.com/office/powerpoint/2010/main" val="1289451719"/>
+                <p14:modId xmlns:p14="http://schemas.microsoft.com/office/powerpoint/2010/main" val="1181397262"/>
               </p:ext>
             </p:extLst>
           </p:nvPr>
         </p:nvGraphicFramePr>
         <p:xfrm>
           <a:off x="311758" y="853397"/>
-          <a:ext cx="8520116" cy="883920"/>
+          <a:ext cx="8520116" cy="1097280"/>
         </p:xfrm>
         <a:graphic>
           <a:graphicData uri="http://schemas.openxmlformats.org/drawingml/2006/table">
@@ -34711,7 +36017,7 @@
                       <a:pPr algn="ctr"/>
                       <a:r>
                         <a:rPr lang="it-IT" sz="1400" i="1" dirty="0"/>
-                        <a:t>0.060 </a:t>
+                        <a:t>0.060± </a:t>
                       </a:r>
                       <a:r>
                         <a:rPr lang="it-IT" sz="1400" i="0" dirty="0"/>
@@ -34719,7 +36025,7 @@
                       </a:r>
                       <a:r>
                         <a:rPr lang="it-IT" sz="1400" i="1" dirty="0"/>
-                        <a:t>  0.059</a:t>
+                        <a:t>  0.059±</a:t>
                       </a:r>
                     </a:p>
                   </a:txBody>
@@ -34733,7 +36039,7 @@
                       <a:pPr algn="ctr"/>
                       <a:r>
                         <a:rPr lang="it-IT" sz="1400" i="1" dirty="0"/>
-                        <a:t>100% </a:t>
+                        <a:t>100%±0% </a:t>
                       </a:r>
                       <a:r>
                         <a:rPr lang="it-IT" sz="1400" i="0" dirty="0"/>
@@ -34741,7 +36047,7 @@
                       </a:r>
                       <a:r>
                         <a:rPr lang="it-IT" sz="1400" i="1" dirty="0"/>
-                        <a:t> 100% </a:t>
+                        <a:t> 100%±0%</a:t>
                       </a:r>
                     </a:p>
                   </a:txBody>
@@ -35048,7 +36354,17 @@
                 <a:latin typeface="Arial"/>
                 <a:ea typeface="Arial"/>
               </a:rPr>
-              <a:t>MONK 2 Results</a:t>
+              <a:t>MONK 2 Results </a:t>
+            </a:r>
+            <a:r>
+              <a:rPr lang="it" sz="2700" b="0" strike="noStrike" spc="-1" dirty="0">
+                <a:solidFill>
+                  <a:srgbClr val="FF0000"/>
+                </a:solidFill>
+                <a:latin typeface="Arial"/>
+                <a:ea typeface="Arial"/>
+              </a:rPr>
+              <a:t>STDEVS</a:t>
             </a:r>
             <a:endParaRPr lang="it-IT" sz="2800" b="0" strike="noStrike" spc="-1" dirty="0">
               <a:solidFill>

--- a/relazione/ML-2023-PRJ-Slides-Demo.pptx
+++ b/relazione/ML-2023-PRJ-Slides-Demo.pptx
@@ -6,7 +6,7 @@
     <p:sldMasterId id="2147483661" r:id="rId2"/>
   </p:sldMasterIdLst>
   <p:notesMasterIdLst>
-    <p:notesMasterId r:id="rId39"/>
+    <p:notesMasterId r:id="rId40"/>
   </p:notesMasterIdLst>
   <p:sldIdLst>
     <p:sldId id="256" r:id="rId3"/>
@@ -19,32 +19,33 @@
     <p:sldId id="261" r:id="rId10"/>
     <p:sldId id="289" r:id="rId11"/>
     <p:sldId id="290" r:id="rId12"/>
-    <p:sldId id="262" r:id="rId13"/>
-    <p:sldId id="287" r:id="rId14"/>
-    <p:sldId id="263" r:id="rId15"/>
-    <p:sldId id="269" r:id="rId16"/>
-    <p:sldId id="278" r:id="rId17"/>
-    <p:sldId id="270" r:id="rId18"/>
-    <p:sldId id="264" r:id="rId19"/>
-    <p:sldId id="274" r:id="rId20"/>
-    <p:sldId id="272" r:id="rId21"/>
-    <p:sldId id="275" r:id="rId22"/>
-    <p:sldId id="265" r:id="rId23"/>
-    <p:sldId id="266" r:id="rId24"/>
-    <p:sldId id="273" r:id="rId25"/>
-    <p:sldId id="277" r:id="rId26"/>
-    <p:sldId id="268" r:id="rId27"/>
-    <p:sldId id="282" r:id="rId28"/>
-    <p:sldId id="283" r:id="rId29"/>
-    <p:sldId id="288" r:id="rId30"/>
-    <p:sldId id="291" r:id="rId31"/>
-    <p:sldId id="292" r:id="rId32"/>
-    <p:sldId id="293" r:id="rId33"/>
-    <p:sldId id="281" r:id="rId34"/>
-    <p:sldId id="284" r:id="rId35"/>
-    <p:sldId id="286" r:id="rId36"/>
-    <p:sldId id="295" r:id="rId37"/>
-    <p:sldId id="296" r:id="rId38"/>
+    <p:sldId id="297" r:id="rId13"/>
+    <p:sldId id="262" r:id="rId14"/>
+    <p:sldId id="287" r:id="rId15"/>
+    <p:sldId id="263" r:id="rId16"/>
+    <p:sldId id="269" r:id="rId17"/>
+    <p:sldId id="278" r:id="rId18"/>
+    <p:sldId id="270" r:id="rId19"/>
+    <p:sldId id="264" r:id="rId20"/>
+    <p:sldId id="274" r:id="rId21"/>
+    <p:sldId id="272" r:id="rId22"/>
+    <p:sldId id="275" r:id="rId23"/>
+    <p:sldId id="265" r:id="rId24"/>
+    <p:sldId id="266" r:id="rId25"/>
+    <p:sldId id="273" r:id="rId26"/>
+    <p:sldId id="277" r:id="rId27"/>
+    <p:sldId id="268" r:id="rId28"/>
+    <p:sldId id="282" r:id="rId29"/>
+    <p:sldId id="283" r:id="rId30"/>
+    <p:sldId id="288" r:id="rId31"/>
+    <p:sldId id="291" r:id="rId32"/>
+    <p:sldId id="292" r:id="rId33"/>
+    <p:sldId id="293" r:id="rId34"/>
+    <p:sldId id="281" r:id="rId35"/>
+    <p:sldId id="284" r:id="rId36"/>
+    <p:sldId id="286" r:id="rId37"/>
+    <p:sldId id="295" r:id="rId38"/>
+    <p:sldId id="296" r:id="rId39"/>
   </p:sldIdLst>
   <p:sldSz cx="9144000" cy="5143500" type="screen16x9"/>
   <p:notesSz cx="6858000" cy="9144000"/>
@@ -233,7 +234,7 @@
           <a:p>
             <a:fld id="{6A71CC8E-465E-46C0-91CA-2080D1264305}" type="datetimeFigureOut">
               <a:rPr lang="it-IT" smtClean="0"/>
-              <a:t>24/01/2024</a:t>
+              <a:t>25/01/2024</a:t>
             </a:fld>
             <a:endParaRPr lang="it-IT"/>
           </a:p>
@@ -6142,17 +6143,7 @@
                 <a:latin typeface="Arial"/>
                 <a:ea typeface="Arial"/>
               </a:rPr>
-              <a:t>MONK 3 Results </a:t>
-            </a:r>
-            <a:r>
-              <a:rPr lang="it" sz="2700" b="0" strike="noStrike" spc="-1" dirty="0">
-                <a:solidFill>
-                  <a:srgbClr val="FF0000"/>
-                </a:solidFill>
-                <a:latin typeface="Arial"/>
-                <a:ea typeface="Arial"/>
-              </a:rPr>
-              <a:t>STDEVS</a:t>
+              <a:t>MONK 3 Results</a:t>
             </a:r>
             <a:endParaRPr lang="it-IT" sz="2800" b="0" strike="noStrike" spc="-1" dirty="0">
               <a:solidFill>
@@ -6946,47 +6937,20 @@
             <a:r>
               <a:rPr lang="it-IT" sz="2600" b="0" strike="noStrike" spc="-1" dirty="0">
                 <a:solidFill>
-                  <a:srgbClr val="000000"/>
+                  <a:srgbClr val="FF0000"/>
                 </a:solidFill>
                 <a:latin typeface="Arial"/>
               </a:rPr>
-              <a:t>CUP </a:t>
-            </a:r>
-            <a:r>
-              <a:rPr lang="it-IT" sz="2600" spc="-1" dirty="0" err="1">
-                <a:solidFill>
-                  <a:srgbClr val="000000"/>
-                </a:solidFill>
-                <a:latin typeface="Arial"/>
-              </a:rPr>
-              <a:t>V</a:t>
+              <a:t>CUP Dataset </a:t>
             </a:r>
             <a:r>
               <a:rPr lang="it-IT" sz="2600" b="0" strike="noStrike" spc="-1" dirty="0" err="1">
-                <a:solidFill>
-                  <a:srgbClr val="000000"/>
-                </a:solidFill>
-                <a:latin typeface="Arial"/>
-              </a:rPr>
-              <a:t>alidation</a:t>
-            </a:r>
-            <a:r>
-              <a:rPr lang="it-IT" sz="2600" b="0" strike="noStrike" spc="-1" dirty="0">
-                <a:solidFill>
-                  <a:srgbClr val="000000"/>
-                </a:solidFill>
-                <a:latin typeface="Arial"/>
-              </a:rPr>
-              <a:t> schema: data splitting </a:t>
-            </a:r>
-            <a:r>
-              <a:rPr lang="it-IT" sz="2600" b="0" strike="noStrike" spc="-1" dirty="0">
                 <a:solidFill>
                   <a:srgbClr val="FF0000"/>
                 </a:solidFill>
                 <a:latin typeface="Arial"/>
               </a:rPr>
-              <a:t>Aggiungere?</a:t>
+              <a:t>exploration</a:t>
             </a:r>
             <a:endParaRPr lang="it-IT" sz="2400" b="0" strike="noStrike" spc="-1" dirty="0">
               <a:solidFill>
@@ -7068,6 +7032,199 @@
           </a:p>
         </p:txBody>
       </p:sp>
+    </p:spTree>
+    <p:extLst>
+      <p:ext uri="{BB962C8B-B14F-4D97-AF65-F5344CB8AC3E}">
+        <p14:creationId xmlns:p14="http://schemas.microsoft.com/office/powerpoint/2010/main" val="1840563696"/>
+      </p:ext>
+    </p:extLst>
+  </p:cSld>
+  <p:clrMapOvr>
+    <a:masterClrMapping/>
+  </p:clrMapOvr>
+</p:sld>
+</file>
+
+<file path=ppt/slides/slide12.xml><?xml version="1.0" encoding="utf-8"?>
+<p:sld xmlns:a="http://schemas.openxmlformats.org/drawingml/2006/main" xmlns:r="http://schemas.openxmlformats.org/officeDocument/2006/relationships" xmlns:p="http://schemas.openxmlformats.org/presentationml/2006/main">
+  <p:cSld>
+    <p:spTree>
+      <p:nvGrpSpPr>
+        <p:cNvPr id="1" name=""/>
+        <p:cNvGrpSpPr/>
+        <p:nvPr/>
+      </p:nvGrpSpPr>
+      <p:grpSpPr>
+        <a:xfrm>
+          <a:off x="0" y="0"/>
+          <a:ext cx="0" cy="0"/>
+          <a:chOff x="0" y="0"/>
+          <a:chExt cx="0" cy="0"/>
+        </a:xfrm>
+      </p:grpSpPr>
+      <p:sp>
+        <p:nvSpPr>
+          <p:cNvPr id="101" name="PlaceHolder 1"/>
+          <p:cNvSpPr>
+            <a:spLocks noGrp="1"/>
+          </p:cNvSpPr>
+          <p:nvPr>
+            <p:ph type="title"/>
+          </p:nvPr>
+        </p:nvSpPr>
+        <p:spPr>
+          <a:xfrm>
+            <a:off x="311760" y="2700"/>
+            <a:ext cx="8520120" cy="576000"/>
+          </a:xfrm>
+          <a:prstGeom prst="rect">
+            <a:avLst/>
+          </a:prstGeom>
+          <a:noFill/>
+          <a:ln w="0">
+            <a:noFill/>
+          </a:ln>
+        </p:spPr>
+        <p:txBody>
+          <a:bodyPr tIns="91440" bIns="91440" anchor="t">
+            <a:normAutofit fontScale="91000"/>
+          </a:bodyPr>
+          <a:lstStyle/>
+          <a:p>
+            <a:pPr>
+              <a:lnSpc>
+                <a:spcPct val="100000"/>
+              </a:lnSpc>
+              <a:buNone/>
+              <a:tabLst>
+                <a:tab pos="0" algn="l"/>
+              </a:tabLst>
+            </a:pPr>
+            <a:r>
+              <a:rPr lang="it-IT" sz="2600" b="0" strike="noStrike" spc="-1" dirty="0">
+                <a:solidFill>
+                  <a:srgbClr val="000000"/>
+                </a:solidFill>
+                <a:latin typeface="Arial"/>
+              </a:rPr>
+              <a:t>CUP </a:t>
+            </a:r>
+            <a:r>
+              <a:rPr lang="it-IT" sz="2600" spc="-1" dirty="0" err="1">
+                <a:solidFill>
+                  <a:srgbClr val="000000"/>
+                </a:solidFill>
+                <a:latin typeface="Arial"/>
+              </a:rPr>
+              <a:t>V</a:t>
+            </a:r>
+            <a:r>
+              <a:rPr lang="it-IT" sz="2600" b="0" strike="noStrike" spc="-1" dirty="0" err="1">
+                <a:solidFill>
+                  <a:srgbClr val="000000"/>
+                </a:solidFill>
+                <a:latin typeface="Arial"/>
+              </a:rPr>
+              <a:t>alidation</a:t>
+            </a:r>
+            <a:r>
+              <a:rPr lang="it-IT" sz="2600" b="0" strike="noStrike" spc="-1" dirty="0">
+                <a:solidFill>
+                  <a:srgbClr val="000000"/>
+                </a:solidFill>
+                <a:latin typeface="Arial"/>
+              </a:rPr>
+              <a:t> schema: data splitting </a:t>
+            </a:r>
+            <a:r>
+              <a:rPr lang="it-IT" sz="2600" b="0" strike="noStrike" spc="-1" dirty="0">
+                <a:solidFill>
+                  <a:srgbClr val="FF0000"/>
+                </a:solidFill>
+                <a:latin typeface="Arial"/>
+              </a:rPr>
+              <a:t>Aggiungere?</a:t>
+            </a:r>
+            <a:endParaRPr lang="it-IT" sz="2400" b="0" strike="noStrike" spc="-1" dirty="0">
+              <a:solidFill>
+                <a:srgbClr val="FF0000"/>
+              </a:solidFill>
+              <a:latin typeface="Arial"/>
+            </a:endParaRPr>
+          </a:p>
+        </p:txBody>
+      </p:sp>
+      <p:sp>
+        <p:nvSpPr>
+          <p:cNvPr id="103" name="PlaceHolder 3"/>
+          <p:cNvSpPr>
+            <a:spLocks noGrp="1"/>
+          </p:cNvSpPr>
+          <p:nvPr>
+            <p:ph type="sldNum" idx="8"/>
+          </p:nvPr>
+        </p:nvSpPr>
+        <p:spPr>
+          <a:xfrm>
+            <a:off x="8472600" y="4663080"/>
+            <a:ext cx="548280" cy="393120"/>
+          </a:xfrm>
+          <a:prstGeom prst="rect">
+            <a:avLst/>
+          </a:prstGeom>
+          <a:noFill/>
+          <a:ln w="0">
+            <a:noFill/>
+          </a:ln>
+        </p:spPr>
+        <p:txBody>
+          <a:bodyPr tIns="91440" bIns="91440" anchor="ctr">
+            <a:normAutofit/>
+          </a:bodyPr>
+          <a:lstStyle>
+            <a:lvl1pPr algn="r">
+              <a:lnSpc>
+                <a:spcPct val="100000"/>
+              </a:lnSpc>
+              <a:buNone/>
+              <a:tabLst>
+                <a:tab pos="0" algn="l"/>
+              </a:tabLst>
+              <a:defRPr lang="it" sz="1000" b="0" strike="noStrike" spc="-1">
+                <a:solidFill>
+                  <a:srgbClr val="595959"/>
+                </a:solidFill>
+                <a:latin typeface="Arial"/>
+                <a:ea typeface="Arial"/>
+              </a:defRPr>
+            </a:lvl1pPr>
+          </a:lstStyle>
+          <a:p>
+            <a:pPr algn="r">
+              <a:lnSpc>
+                <a:spcPct val="100000"/>
+              </a:lnSpc>
+              <a:buNone/>
+              <a:tabLst>
+                <a:tab pos="0" algn="l"/>
+              </a:tabLst>
+            </a:pPr>
+            <a:fld id="{416877BF-F9E2-4ECD-9A90-F9C6C26FFA2A}" type="slidenum">
+              <a:rPr lang="it" sz="1000" b="0" strike="noStrike" spc="-1">
+                <a:solidFill>
+                  <a:srgbClr val="595959"/>
+                </a:solidFill>
+                <a:latin typeface="Arial"/>
+                <a:ea typeface="Arial"/>
+              </a:rPr>
+              <a:t>12</a:t>
+            </a:fld>
+            <a:endParaRPr lang="it-IT" sz="1000" b="0" strike="noStrike" spc="-1">
+              <a:latin typeface="Times New Roman"/>
+            </a:endParaRPr>
+          </a:p>
+        </p:txBody>
+      </p:sp>
       <p:pic>
         <p:nvPicPr>
           <p:cNvPr id="104" name="Google Shape;104;p19"/>
@@ -7080,7 +7237,7 @@
         </p:blipFill>
         <p:spPr>
           <a:xfrm>
-            <a:off x="2359620" y="2387086"/>
+            <a:off x="2359620" y="2206468"/>
             <a:ext cx="4424400" cy="626400"/>
           </a:xfrm>
           <a:prstGeom prst="rect">
@@ -7105,8 +7262,8 @@
         </p:nvSpPr>
         <p:spPr>
           <a:xfrm>
-            <a:off x="311760" y="3433257"/>
-            <a:ext cx="8520120" cy="738664"/>
+            <a:off x="311760" y="3113497"/>
+            <a:ext cx="8520120" cy="1600438"/>
           </a:xfrm>
           <a:prstGeom prst="rect">
             <a:avLst/>
@@ -7120,12 +7277,328 @@
           <a:lstStyle/>
           <a:p>
             <a:r>
+              <a:rPr lang="it-IT" sz="1400" dirty="0"/>
+              <a:t>The best model </a:t>
+            </a:r>
+            <a:r>
+              <a:rPr lang="it-IT" sz="1400" dirty="0" err="1"/>
+              <a:t>returned</a:t>
+            </a:r>
+            <a:r>
+              <a:rPr lang="it-IT" sz="1400" dirty="0"/>
+              <a:t> by the </a:t>
+            </a:r>
+            <a:r>
+              <a:rPr lang="it-IT" sz="1400" dirty="0" err="1"/>
+              <a:t>grid</a:t>
+            </a:r>
+            <a:r>
+              <a:rPr lang="it-IT" sz="1400" dirty="0"/>
+              <a:t> </a:t>
+            </a:r>
+            <a:r>
+              <a:rPr lang="it-IT" sz="1400" dirty="0" err="1"/>
+              <a:t>search</a:t>
+            </a:r>
+            <a:r>
+              <a:rPr lang="it-IT" sz="1400" dirty="0"/>
+              <a:t> </a:t>
+            </a:r>
+            <a:r>
+              <a:rPr lang="it-IT" sz="1400" dirty="0" err="1"/>
+              <a:t>is</a:t>
+            </a:r>
+            <a:r>
+              <a:rPr lang="it-IT" sz="1400" dirty="0"/>
+              <a:t> </a:t>
+            </a:r>
+            <a:r>
+              <a:rPr lang="it-IT" sz="1400" dirty="0" err="1"/>
+              <a:t>then</a:t>
+            </a:r>
+            <a:r>
+              <a:rPr lang="it-IT" sz="1400" dirty="0"/>
+              <a:t> </a:t>
+            </a:r>
+            <a:r>
+              <a:rPr lang="it-IT" sz="1400" dirty="0" err="1"/>
+              <a:t>retrained</a:t>
+            </a:r>
+            <a:r>
+              <a:rPr lang="it-IT" sz="1400" dirty="0"/>
+              <a:t>. In </a:t>
+            </a:r>
+            <a:r>
+              <a:rPr lang="it-IT" sz="1400" dirty="0" err="1"/>
+              <a:t>all</a:t>
+            </a:r>
+            <a:r>
+              <a:rPr lang="it-IT" sz="1400" dirty="0"/>
+              <a:t> </a:t>
+            </a:r>
+            <a:r>
+              <a:rPr lang="it-IT" sz="1400" dirty="0" err="1"/>
+              <a:t>cases</a:t>
+            </a:r>
+            <a:r>
+              <a:rPr lang="it-IT" sz="1400" dirty="0"/>
+              <a:t> (</a:t>
+            </a:r>
+            <a:r>
+              <a:rPr lang="it-IT" sz="1400" b="1" dirty="0"/>
+              <a:t>SVM</a:t>
+            </a:r>
+            <a:r>
+              <a:rPr lang="it-IT" sz="1400" dirty="0"/>
+              <a:t>, </a:t>
+            </a:r>
+            <a:r>
+              <a:rPr lang="it-IT" sz="1400" b="1" dirty="0"/>
+              <a:t>RF</a:t>
+            </a:r>
+            <a:r>
+              <a:rPr lang="it-IT" sz="1400" dirty="0"/>
+              <a:t> and </a:t>
+            </a:r>
+            <a:r>
+              <a:rPr lang="it-IT" sz="1400" b="1" dirty="0"/>
+              <a:t>NN</a:t>
+            </a:r>
+            <a:r>
+              <a:rPr lang="it-IT" sz="1400" dirty="0"/>
+              <a:t>) a 5-fold Cross-</a:t>
+            </a:r>
+            <a:r>
+              <a:rPr lang="it-IT" sz="1400" dirty="0" err="1"/>
+              <a:t>Validation</a:t>
+            </a:r>
+            <a:r>
+              <a:rPr lang="it-IT" sz="1400" dirty="0"/>
+              <a:t> </a:t>
+            </a:r>
+            <a:r>
+              <a:rPr lang="it-IT" sz="1400" dirty="0" err="1"/>
+              <a:t>is</a:t>
+            </a:r>
+            <a:r>
+              <a:rPr lang="it-IT" sz="1400" dirty="0"/>
+              <a:t> </a:t>
+            </a:r>
+            <a:r>
+              <a:rPr lang="it-IT" sz="1400" dirty="0" err="1"/>
+              <a:t>performed</a:t>
+            </a:r>
+            <a:r>
+              <a:rPr lang="it-IT" sz="1400" dirty="0"/>
+              <a:t>, to </a:t>
+            </a:r>
+            <a:r>
+              <a:rPr lang="it-IT" sz="1400" dirty="0" err="1"/>
+              <a:t>get</a:t>
+            </a:r>
+            <a:r>
+              <a:rPr lang="it-IT" sz="1400" dirty="0"/>
+              <a:t> accurate learning </a:t>
+            </a:r>
+            <a:r>
+              <a:rPr lang="it-IT" sz="1400" dirty="0" err="1"/>
+              <a:t>curves</a:t>
+            </a:r>
+            <a:r>
+              <a:rPr lang="it-IT" sz="1400" dirty="0"/>
+              <a:t> (</a:t>
+            </a:r>
+            <a:r>
+              <a:rPr lang="it-IT" sz="1400" dirty="0" err="1"/>
+              <a:t>details</a:t>
+            </a:r>
+            <a:r>
+              <a:rPr lang="it-IT" sz="1400" dirty="0"/>
+              <a:t> for SVM and RF are in the </a:t>
+            </a:r>
+            <a:r>
+              <a:rPr lang="it-IT" sz="1400" dirty="0" err="1">
+                <a:hlinkClick r:id="rId3" action="ppaction://hlinksldjump"/>
+              </a:rPr>
+              <a:t>Appendix</a:t>
+            </a:r>
+            <a:r>
+              <a:rPr lang="it-IT" sz="1400" dirty="0"/>
+              <a:t>). </a:t>
+            </a:r>
+          </a:p>
+          <a:p>
+            <a:r>
+              <a:rPr lang="it-IT" sz="1400" dirty="0"/>
+              <a:t>For the NN, a </a:t>
+            </a:r>
+            <a:r>
+              <a:rPr lang="it-IT" sz="1400" dirty="0" err="1"/>
+              <a:t>further</a:t>
+            </a:r>
+            <a:r>
+              <a:rPr lang="it-IT" sz="1400" dirty="0"/>
+              <a:t> </a:t>
+            </a:r>
+            <a:r>
+              <a:rPr lang="it-IT" sz="1400" dirty="0" err="1"/>
+              <a:t>consideration</a:t>
+            </a:r>
+            <a:r>
+              <a:rPr lang="it-IT" sz="1400" dirty="0"/>
+              <a:t> can be made: </a:t>
+            </a:r>
+            <a:r>
+              <a:rPr lang="it-IT" sz="1400" dirty="0" err="1"/>
+              <a:t>retraining</a:t>
+            </a:r>
+            <a:r>
+              <a:rPr lang="it-IT" sz="1400" dirty="0"/>
+              <a:t> </a:t>
+            </a:r>
+            <a:r>
+              <a:rPr lang="it-IT" sz="1400" dirty="0" err="1"/>
+              <a:t>uses</a:t>
+            </a:r>
+            <a:r>
+              <a:rPr lang="it-IT" sz="1400" dirty="0"/>
+              <a:t> </a:t>
+            </a:r>
+            <a:r>
+              <a:rPr lang="it-IT" sz="1400" dirty="0" err="1"/>
+              <a:t>early</a:t>
+            </a:r>
+            <a:r>
+              <a:rPr lang="it-IT" sz="1400" dirty="0"/>
+              <a:t> </a:t>
+            </a:r>
+            <a:r>
+              <a:rPr lang="it-IT" sz="1400" dirty="0" err="1"/>
+              <a:t>stopping</a:t>
+            </a:r>
+            <a:r>
+              <a:rPr lang="it-IT" sz="1400" dirty="0"/>
+              <a:t>, so a </a:t>
+            </a:r>
+            <a:r>
+              <a:rPr lang="it-IT" sz="1400" dirty="0" err="1"/>
+              <a:t>validation</a:t>
+            </a:r>
+            <a:r>
+              <a:rPr lang="it-IT" sz="1400" dirty="0"/>
+              <a:t> set </a:t>
+            </a:r>
+            <a:r>
+              <a:rPr lang="it-IT" sz="1400" dirty="0" err="1"/>
+              <a:t>was</a:t>
+            </a:r>
+            <a:r>
+              <a:rPr lang="it-IT" sz="1400" dirty="0"/>
+              <a:t> </a:t>
+            </a:r>
+            <a:r>
+              <a:rPr lang="it-IT" sz="1400" dirty="0" err="1"/>
+              <a:t>needed</a:t>
+            </a:r>
+            <a:r>
+              <a:rPr lang="it-IT" sz="1400" dirty="0"/>
+              <a:t>. </a:t>
+            </a:r>
+            <a:r>
+              <a:rPr lang="it-IT" sz="1400" dirty="0" err="1"/>
+              <a:t>We</a:t>
+            </a:r>
+            <a:r>
+              <a:rPr lang="it-IT" sz="1400" dirty="0"/>
+              <a:t> </a:t>
+            </a:r>
+            <a:r>
+              <a:rPr lang="it-IT" sz="1400" dirty="0" err="1"/>
+              <a:t>decided</a:t>
+            </a:r>
+            <a:r>
+              <a:rPr lang="it-IT" sz="1400" dirty="0"/>
+              <a:t> </a:t>
+            </a:r>
+            <a:r>
+              <a:rPr lang="it-IT" sz="1400" dirty="0" err="1"/>
+              <a:t>not</a:t>
+            </a:r>
+            <a:r>
+              <a:rPr lang="it-IT" sz="1400" dirty="0"/>
+              <a:t> to </a:t>
+            </a:r>
+            <a:r>
+              <a:rPr lang="it-IT" sz="1400" dirty="0" err="1"/>
+              <a:t>hold</a:t>
+            </a:r>
+            <a:r>
+              <a:rPr lang="it-IT" sz="1400" dirty="0"/>
+              <a:t> out a </a:t>
+            </a:r>
+            <a:r>
+              <a:rPr lang="it-IT" sz="1400" dirty="0" err="1"/>
+              <a:t>validation</a:t>
+            </a:r>
+            <a:r>
+              <a:rPr lang="it-IT" sz="1400" dirty="0"/>
+              <a:t> set for </a:t>
+            </a:r>
+            <a:r>
+              <a:rPr lang="it-IT" sz="1400" dirty="0" err="1"/>
+              <a:t>this</a:t>
+            </a:r>
+            <a:r>
+              <a:rPr lang="it-IT" sz="1400" dirty="0"/>
+              <a:t> </a:t>
+            </a:r>
+            <a:r>
+              <a:rPr lang="it-IT" sz="1400" dirty="0" err="1"/>
+              <a:t>purpose</a:t>
+            </a:r>
+            <a:r>
+              <a:rPr lang="it-IT" sz="1400" dirty="0"/>
+              <a:t>, </a:t>
+            </a:r>
+            <a:r>
+              <a:rPr lang="it-IT" sz="1400" dirty="0" err="1"/>
+              <a:t>as</a:t>
+            </a:r>
+            <a:r>
+              <a:rPr lang="it-IT" sz="1400" dirty="0"/>
+              <a:t> the training data </a:t>
+            </a:r>
+            <a:r>
+              <a:rPr lang="it-IT" sz="1400" dirty="0" err="1"/>
+              <a:t>well</a:t>
+            </a:r>
+            <a:r>
+              <a:rPr lang="it-IT" sz="1400" dirty="0"/>
+              <a:t> </a:t>
+            </a:r>
+            <a:r>
+              <a:rPr lang="it-IT" sz="1400" dirty="0" err="1"/>
+              <a:t>represents</a:t>
+            </a:r>
+            <a:r>
+              <a:rPr lang="it-IT" sz="1400" dirty="0"/>
+              <a:t> the test set (</a:t>
+            </a:r>
+            <a:r>
+              <a:rPr lang="it-IT" sz="1400" dirty="0" err="1">
+                <a:solidFill>
+                  <a:srgbClr val="FF0000"/>
+                </a:solidFill>
+              </a:rPr>
+              <a:t>as</a:t>
+            </a:r>
+            <a:r>
               <a:rPr lang="it-IT" sz="1400" dirty="0">
                 <a:solidFill>
                   <a:srgbClr val="FF0000"/>
                 </a:solidFill>
               </a:rPr>
-              <a:t>The best model </a:t>
+              <a:t> </a:t>
             </a:r>
             <a:r>
               <a:rPr lang="it-IT" sz="1400" dirty="0" err="1">
@@ -7133,7 +7606,7 @@
                   <a:srgbClr val="FF0000"/>
                 </a:solidFill>
               </a:rPr>
-              <a:t>returned</a:t>
+              <a:t>also</a:t>
             </a:r>
             <a:r>
               <a:rPr lang="it-IT" sz="1400" dirty="0">
@@ -7141,7 +7614,7 @@
                   <a:srgbClr val="FF0000"/>
                 </a:solidFill>
               </a:rPr>
-              <a:t> by the </a:t>
+              <a:t> </a:t>
             </a:r>
             <a:r>
               <a:rPr lang="it-IT" sz="1400" dirty="0" err="1">
@@ -7149,7 +7622,7 @@
                   <a:srgbClr val="FF0000"/>
                 </a:solidFill>
               </a:rPr>
-              <a:t>grid</a:t>
+              <a:t>noticed</a:t>
             </a:r>
             <a:r>
               <a:rPr lang="it-IT" sz="1400" dirty="0">
@@ -7157,7 +7630,7 @@
                   <a:srgbClr val="FF0000"/>
                 </a:solidFill>
               </a:rPr>
-              <a:t> </a:t>
+              <a:t> in </a:t>
             </a:r>
             <a:r>
               <a:rPr lang="it-IT" sz="1400" dirty="0" err="1">
@@ -7165,7 +7638,7 @@
                   <a:srgbClr val="FF0000"/>
                 </a:solidFill>
               </a:rPr>
-              <a:t>search</a:t>
+              <a:t>our</a:t>
             </a:r>
             <a:r>
               <a:rPr lang="it-IT" sz="1400" dirty="0">
@@ -7173,7 +7646,7 @@
                   <a:srgbClr val="FF0000"/>
                 </a:solidFill>
               </a:rPr>
-              <a:t> </a:t>
+              <a:t> data </a:t>
             </a:r>
             <a:r>
               <a:rPr lang="it-IT" sz="1400" dirty="0" err="1">
@@ -7181,266 +7654,84 @@
                   <a:srgbClr val="FF0000"/>
                 </a:solidFill>
               </a:rPr>
+              <a:t>exploration</a:t>
+            </a:r>
+            <a:r>
+              <a:rPr lang="it-IT" sz="1400" dirty="0"/>
+              <a:t>). </a:t>
+            </a:r>
+            <a:r>
+              <a:rPr lang="it-IT" sz="1400" dirty="0" err="1"/>
+              <a:t>As</a:t>
+            </a:r>
+            <a:r>
+              <a:rPr lang="it-IT" sz="1400" dirty="0"/>
+              <a:t> a </a:t>
+            </a:r>
+            <a:r>
+              <a:rPr lang="it-IT" sz="1400" dirty="0" err="1"/>
+              <a:t>consequence</a:t>
+            </a:r>
+            <a:r>
+              <a:rPr lang="it-IT" sz="1400" dirty="0"/>
+              <a:t> of </a:t>
+            </a:r>
+            <a:r>
+              <a:rPr lang="it-IT" sz="1400" dirty="0" err="1"/>
+              <a:t>this</a:t>
+            </a:r>
+            <a:r>
+              <a:rPr lang="it-IT" sz="1400" dirty="0"/>
+              <a:t> </a:t>
+            </a:r>
+            <a:r>
+              <a:rPr lang="it-IT" sz="1400" dirty="0" err="1"/>
+              <a:t>choice</a:t>
+            </a:r>
+            <a:r>
+              <a:rPr lang="it-IT" sz="1400" dirty="0"/>
+              <a:t>, an ensemble </a:t>
+            </a:r>
+            <a:r>
+              <a:rPr lang="it-IT" sz="1400" dirty="0" err="1"/>
               <a:t>is</a:t>
             </a:r>
             <a:r>
-              <a:rPr lang="it-IT" sz="1400" dirty="0">
-                <a:solidFill>
-                  <a:srgbClr val="FF0000"/>
-                </a:solidFill>
-              </a:rPr>
+              <a:rPr lang="it-IT" sz="1400" dirty="0"/>
               <a:t> </a:t>
             </a:r>
             <a:r>
+              <a:rPr lang="it-IT" sz="1400" dirty="0" err="1"/>
+              <a:t>created</a:t>
+            </a:r>
+            <a:r>
+              <a:rPr lang="it-IT" sz="1400" dirty="0"/>
+              <a:t>. </a:t>
+            </a:r>
+            <a:r>
+              <a:rPr lang="it-IT" sz="1400" dirty="0" err="1"/>
+              <a:t>Further</a:t>
+            </a:r>
+            <a:r>
+              <a:rPr lang="it-IT" sz="1400" dirty="0"/>
+              <a:t> </a:t>
+            </a:r>
+            <a:r>
+              <a:rPr lang="it-IT" sz="1400" dirty="0" err="1"/>
+              <a:t>details</a:t>
+            </a:r>
+            <a:r>
+              <a:rPr lang="it-IT" sz="1400" dirty="0"/>
+              <a:t> are in the </a:t>
+            </a:r>
+            <a:r>
               <a:rPr lang="it-IT" sz="1400" dirty="0" err="1">
-                <a:solidFill>
-                  <a:srgbClr val="FF0000"/>
-                </a:solidFill>
-              </a:rPr>
-              <a:t>then</a:t>
-            </a:r>
-            <a:r>
-              <a:rPr lang="it-IT" sz="1400" dirty="0">
-                <a:solidFill>
-                  <a:srgbClr val="FF0000"/>
-                </a:solidFill>
-              </a:rPr>
-              <a:t> </a:t>
-            </a:r>
-            <a:r>
-              <a:rPr lang="it-IT" sz="1400" dirty="0" err="1">
-                <a:solidFill>
-                  <a:srgbClr val="FF0000"/>
-                </a:solidFill>
-              </a:rPr>
-              <a:t>retrained</a:t>
-            </a:r>
-            <a:r>
-              <a:rPr lang="it-IT" sz="1400" dirty="0">
-                <a:solidFill>
-                  <a:srgbClr val="FF0000"/>
-                </a:solidFill>
-              </a:rPr>
-              <a:t>:</a:t>
-            </a:r>
-          </a:p>
-          <a:p>
-            <a:pPr marL="285750" indent="-285750">
-              <a:buFont typeface="Arial" panose="020B0604020202020204" pitchFamily="34" charset="0"/>
-              <a:buChar char="•"/>
-            </a:pPr>
-            <a:r>
-              <a:rPr lang="it-IT" sz="1400" dirty="0">
-                <a:solidFill>
-                  <a:srgbClr val="FF0000"/>
-                </a:solidFill>
-              </a:rPr>
-              <a:t>SVM and RF: 5-fold Cross-</a:t>
-            </a:r>
-            <a:r>
-              <a:rPr lang="it-IT" sz="1400" dirty="0" err="1">
-                <a:solidFill>
-                  <a:srgbClr val="FF0000"/>
-                </a:solidFill>
-              </a:rPr>
-              <a:t>Validation</a:t>
-            </a:r>
-            <a:r>
-              <a:rPr lang="it-IT" sz="1400" dirty="0">
-                <a:solidFill>
-                  <a:srgbClr val="FF0000"/>
-                </a:solidFill>
-              </a:rPr>
-              <a:t>, to </a:t>
-            </a:r>
-            <a:r>
-              <a:rPr lang="it-IT" sz="1400" dirty="0" err="1">
-                <a:solidFill>
-                  <a:srgbClr val="FF0000"/>
-                </a:solidFill>
-              </a:rPr>
-              <a:t>get</a:t>
-            </a:r>
-            <a:r>
-              <a:rPr lang="it-IT" sz="1400" dirty="0">
-                <a:solidFill>
-                  <a:srgbClr val="FF0000"/>
-                </a:solidFill>
-              </a:rPr>
-              <a:t> accurate learning </a:t>
-            </a:r>
-            <a:r>
-              <a:rPr lang="it-IT" sz="1400" dirty="0" err="1">
-                <a:solidFill>
-                  <a:srgbClr val="FF0000"/>
-                </a:solidFill>
-              </a:rPr>
-              <a:t>curves</a:t>
-            </a:r>
-            <a:r>
-              <a:rPr lang="it-IT" sz="1400" dirty="0">
-                <a:solidFill>
-                  <a:srgbClr val="FF0000"/>
-                </a:solidFill>
-              </a:rPr>
-              <a:t>.</a:t>
-            </a:r>
-          </a:p>
-          <a:p>
-            <a:pPr marL="285750" indent="-285750">
-              <a:buFont typeface="Arial" panose="020B0604020202020204" pitchFamily="34" charset="0"/>
-              <a:buChar char="•"/>
-            </a:pPr>
-            <a:r>
-              <a:rPr lang="it-IT" sz="1400" dirty="0">
-                <a:solidFill>
-                  <a:srgbClr val="FF0000"/>
-                </a:solidFill>
-              </a:rPr>
-              <a:t>NN: </a:t>
-            </a:r>
-            <a:r>
-              <a:rPr lang="it-IT" sz="1400" dirty="0" err="1">
-                <a:solidFill>
-                  <a:srgbClr val="FF0000"/>
-                </a:solidFill>
-              </a:rPr>
-              <a:t>early</a:t>
-            </a:r>
-            <a:r>
-              <a:rPr lang="it-IT" sz="1400" dirty="0">
-                <a:solidFill>
-                  <a:srgbClr val="FF0000"/>
-                </a:solidFill>
-              </a:rPr>
-              <a:t> </a:t>
-            </a:r>
-            <a:r>
-              <a:rPr lang="it-IT" sz="1400" dirty="0" err="1">
-                <a:solidFill>
-                  <a:srgbClr val="FF0000"/>
-                </a:solidFill>
-              </a:rPr>
-              <a:t>stopping</a:t>
-            </a:r>
-            <a:r>
-              <a:rPr lang="it-IT" sz="1400" dirty="0">
-                <a:solidFill>
-                  <a:srgbClr val="FF0000"/>
-                </a:solidFill>
-              </a:rPr>
-              <a:t> </a:t>
-            </a:r>
-            <a:r>
-              <a:rPr lang="it-IT" sz="1400" dirty="0" err="1">
-                <a:solidFill>
-                  <a:srgbClr val="FF0000"/>
-                </a:solidFill>
-              </a:rPr>
-              <a:t>is</a:t>
-            </a:r>
-            <a:r>
-              <a:rPr lang="it-IT" sz="1400" dirty="0">
-                <a:solidFill>
-                  <a:srgbClr val="FF0000"/>
-                </a:solidFill>
-              </a:rPr>
-              <a:t> </a:t>
-            </a:r>
-            <a:r>
-              <a:rPr lang="it-IT" sz="1400" dirty="0" err="1">
-                <a:solidFill>
-                  <a:srgbClr val="FF0000"/>
-                </a:solidFill>
-              </a:rPr>
-              <a:t>used</a:t>
-            </a:r>
-            <a:r>
-              <a:rPr lang="it-IT" sz="1400" dirty="0">
-                <a:solidFill>
-                  <a:srgbClr val="FF0000"/>
-                </a:solidFill>
-              </a:rPr>
-              <a:t> and an ensemble </a:t>
-            </a:r>
-            <a:r>
-              <a:rPr lang="it-IT" sz="1400" dirty="0" err="1">
-                <a:solidFill>
-                  <a:srgbClr val="FF0000"/>
-                </a:solidFill>
-              </a:rPr>
-              <a:t>is</a:t>
-            </a:r>
-            <a:r>
-              <a:rPr lang="it-IT" sz="1400" dirty="0">
-                <a:solidFill>
-                  <a:srgbClr val="FF0000"/>
-                </a:solidFill>
-              </a:rPr>
-              <a:t> </a:t>
-            </a:r>
-            <a:r>
-              <a:rPr lang="it-IT" sz="1400" dirty="0" err="1">
-                <a:solidFill>
-                  <a:srgbClr val="FF0000"/>
-                </a:solidFill>
-              </a:rPr>
-              <a:t>created</a:t>
-            </a:r>
-            <a:r>
-              <a:rPr lang="it-IT" sz="1400" dirty="0">
-                <a:solidFill>
-                  <a:srgbClr val="FF0000"/>
-                </a:solidFill>
-              </a:rPr>
-              <a:t>. Full </a:t>
-            </a:r>
-            <a:r>
-              <a:rPr lang="it-IT" sz="1400" dirty="0" err="1">
-                <a:solidFill>
-                  <a:srgbClr val="FF0000"/>
-                </a:solidFill>
-              </a:rPr>
-              <a:t>details</a:t>
-            </a:r>
-            <a:r>
-              <a:rPr lang="it-IT" sz="1400" dirty="0">
-                <a:solidFill>
-                  <a:srgbClr val="FF0000"/>
-                </a:solidFill>
-              </a:rPr>
-              <a:t> are </a:t>
-            </a:r>
-            <a:r>
-              <a:rPr lang="it-IT" sz="1400" dirty="0" err="1">
-                <a:solidFill>
-                  <a:srgbClr val="FF0000"/>
-                </a:solidFill>
-              </a:rPr>
-              <a:t>covered</a:t>
-            </a:r>
-            <a:r>
-              <a:rPr lang="it-IT" sz="1400" dirty="0">
-                <a:solidFill>
-                  <a:srgbClr val="FF0000"/>
-                </a:solidFill>
-              </a:rPr>
-              <a:t> in the </a:t>
-            </a:r>
-            <a:r>
-              <a:rPr lang="it-IT" sz="1400" dirty="0" err="1">
-                <a:solidFill>
-                  <a:srgbClr val="FF0000"/>
-                </a:solidFill>
-              </a:rPr>
-              <a:t>appendix</a:t>
-            </a:r>
-            <a:r>
-              <a:rPr lang="it-IT" sz="1400" dirty="0">
-                <a:solidFill>
-                  <a:srgbClr val="FF0000"/>
-                </a:solidFill>
-              </a:rPr>
+                <a:hlinkClick r:id="rId4" action="ppaction://hlinksldjump"/>
+              </a:rPr>
+              <a:t>Appendix</a:t>
+            </a:r>
+            <a:r>
+              <a:rPr lang="it-IT" sz="1400" dirty="0"/>
               <a:t>.</a:t>
             </a:r>
           </a:p>
@@ -7971,7 +8262,7 @@
 </p:sld>
 </file>
 
-<file path=ppt/slides/slide12.xml><?xml version="1.0" encoding="utf-8"?>
+<file path=ppt/slides/slide13.xml><?xml version="1.0" encoding="utf-8"?>
 <p:sld xmlns:a="http://schemas.openxmlformats.org/drawingml/2006/main" xmlns:r="http://schemas.openxmlformats.org/officeDocument/2006/relationships" xmlns:p="http://schemas.openxmlformats.org/presentationml/2006/main">
   <p:cSld>
     <p:spTree>
@@ -8148,7 +8439,7 @@
                 <a:latin typeface="Arial"/>
                 <a:ea typeface="Arial"/>
               </a:rPr>
-              <a:t>12</a:t>
+              <a:t>13</a:t>
             </a:fld>
             <a:endParaRPr lang="it-IT" sz="1000" b="0" strike="noStrike" spc="-1">
               <a:latin typeface="Times New Roman"/>
@@ -8486,7 +8777,7 @@
 </p:sld>
 </file>
 
-<file path=ppt/slides/slide13.xml><?xml version="1.0" encoding="utf-8"?>
+<file path=ppt/slides/slide14.xml><?xml version="1.0" encoding="utf-8"?>
 <p:sld xmlns:a="http://schemas.openxmlformats.org/drawingml/2006/main" xmlns:r="http://schemas.openxmlformats.org/officeDocument/2006/relationships" xmlns:p="http://schemas.openxmlformats.org/presentationml/2006/main">
   <p:cSld>
     <p:spTree>
@@ -8789,7 +9080,7 @@
                 <a:latin typeface="Arial"/>
                 <a:ea typeface="Arial"/>
               </a:rPr>
-              <a:t>13</a:t>
+              <a:t>14</a:t>
             </a:fld>
             <a:endParaRPr lang="it-IT" sz="1000" b="0" strike="noStrike" spc="-1">
               <a:latin typeface="Times New Roman"/>
@@ -8849,7 +9140,7 @@
 </p:sld>
 </file>
 
-<file path=ppt/slides/slide14.xml><?xml version="1.0" encoding="utf-8"?>
+<file path=ppt/slides/slide15.xml><?xml version="1.0" encoding="utf-8"?>
 <p:sld xmlns:a="http://schemas.openxmlformats.org/drawingml/2006/main" xmlns:r="http://schemas.openxmlformats.org/officeDocument/2006/relationships" xmlns:p="http://schemas.openxmlformats.org/presentationml/2006/main">
   <p:cSld>
     <p:spTree>
@@ -8986,7 +9277,7 @@
                 <a:latin typeface="Arial"/>
                 <a:ea typeface="Arial"/>
               </a:rPr>
-              <a:t>14</a:t>
+              <a:t>15</a:t>
             </a:fld>
             <a:endParaRPr lang="it-IT" sz="1000" b="0" strike="noStrike" spc="-1">
               <a:latin typeface="Times New Roman"/>
@@ -10347,7 +10638,7 @@
 </p:sld>
 </file>
 
-<file path=ppt/slides/slide15.xml><?xml version="1.0" encoding="utf-8"?>
+<file path=ppt/slides/slide16.xml><?xml version="1.0" encoding="utf-8"?>
 <p:sld xmlns:a="http://schemas.openxmlformats.org/drawingml/2006/main" xmlns:r="http://schemas.openxmlformats.org/officeDocument/2006/relationships" xmlns:p="http://schemas.openxmlformats.org/presentationml/2006/main">
   <p:cSld>
     <p:spTree>
@@ -10484,7 +10775,7 @@
                 <a:latin typeface="Arial"/>
                 <a:ea typeface="Arial"/>
               </a:rPr>
-              <a:t>15</a:t>
+              <a:t>16</a:t>
             </a:fld>
             <a:endParaRPr lang="it-IT" sz="1000" b="0" strike="noStrike" spc="-1">
               <a:latin typeface="Times New Roman"/>
@@ -12964,7 +13255,7 @@
 </p:sld>
 </file>
 
-<file path=ppt/slides/slide16.xml><?xml version="1.0" encoding="utf-8"?>
+<file path=ppt/slides/slide17.xml><?xml version="1.0" encoding="utf-8"?>
 <p:sld xmlns:a="http://schemas.openxmlformats.org/drawingml/2006/main" xmlns:r="http://schemas.openxmlformats.org/officeDocument/2006/relationships" xmlns:p="http://schemas.openxmlformats.org/presentationml/2006/main">
   <p:cSld>
     <p:spTree>
@@ -13101,7 +13392,7 @@
                 <a:latin typeface="Arial"/>
                 <a:ea typeface="Arial"/>
               </a:rPr>
-              <a:t>16</a:t>
+              <a:t>17</a:t>
             </a:fld>
             <a:endParaRPr lang="it-IT" sz="1000" b="0" strike="noStrike" spc="-1">
               <a:latin typeface="Times New Roman"/>
@@ -14640,7 +14931,7 @@
 </p:sld>
 </file>
 
-<file path=ppt/slides/slide17.xml><?xml version="1.0" encoding="utf-8"?>
+<file path=ppt/slides/slide18.xml><?xml version="1.0" encoding="utf-8"?>
 <p:sld xmlns:a="http://schemas.openxmlformats.org/drawingml/2006/main" xmlns:r="http://schemas.openxmlformats.org/officeDocument/2006/relationships" xmlns:p="http://schemas.openxmlformats.org/presentationml/2006/main">
   <p:cSld>
     <p:spTree>
@@ -14871,7 +15162,7 @@
                 <a:latin typeface="Arial"/>
                 <a:ea typeface="Arial"/>
               </a:rPr>
-              <a:t>17</a:t>
+              <a:t>18</a:t>
             </a:fld>
             <a:endParaRPr lang="it-IT" sz="1000" b="0" strike="noStrike" spc="-1">
               <a:latin typeface="Times New Roman"/>
@@ -14887,7 +15178,7 @@
 </p:sld>
 </file>
 
-<file path=ppt/slides/slide18.xml><?xml version="1.0" encoding="utf-8"?>
+<file path=ppt/slides/slide19.xml><?xml version="1.0" encoding="utf-8"?>
 <p:sld xmlns:a="http://schemas.openxmlformats.org/drawingml/2006/main" xmlns:r="http://schemas.openxmlformats.org/officeDocument/2006/relationships" xmlns:p="http://schemas.openxmlformats.org/presentationml/2006/main">
   <p:cSld>
     <p:spTree>
@@ -15103,7 +15394,7 @@
                 <a:latin typeface="Arial"/>
                 <a:ea typeface="Arial"/>
               </a:rPr>
-              <a:t>18</a:t>
+              <a:t>19</a:t>
             </a:fld>
             <a:endParaRPr lang="it-IT" sz="1000" b="0" strike="noStrike" spc="-1">
               <a:latin typeface="Times New Roman"/>
@@ -15115,425 +15406,6 @@
     <p:extLst>
       <p:ext uri="{BB962C8B-B14F-4D97-AF65-F5344CB8AC3E}">
         <p14:creationId xmlns:p14="http://schemas.microsoft.com/office/powerpoint/2010/main" val="3854778879"/>
-      </p:ext>
-    </p:extLst>
-  </p:cSld>
-  <p:clrMapOvr>
-    <a:masterClrMapping/>
-  </p:clrMapOvr>
-</p:sld>
-</file>
-
-<file path=ppt/slides/slide19.xml><?xml version="1.0" encoding="utf-8"?>
-<p:sld xmlns:a="http://schemas.openxmlformats.org/drawingml/2006/main" xmlns:r="http://schemas.openxmlformats.org/officeDocument/2006/relationships" xmlns:p="http://schemas.openxmlformats.org/presentationml/2006/main">
-  <p:cSld>
-    <p:spTree>
-      <p:nvGrpSpPr>
-        <p:cNvPr id="1" name=""/>
-        <p:cNvGrpSpPr/>
-        <p:nvPr/>
-      </p:nvGrpSpPr>
-      <p:grpSpPr>
-        <a:xfrm>
-          <a:off x="0" y="0"/>
-          <a:ext cx="0" cy="0"/>
-          <a:chOff x="0" y="0"/>
-          <a:chExt cx="0" cy="0"/>
-        </a:xfrm>
-      </p:grpSpPr>
-      <p:sp>
-        <p:nvSpPr>
-          <p:cNvPr id="108" name="PlaceHolder 1"/>
-          <p:cNvSpPr>
-            <a:spLocks noGrp="1"/>
-          </p:cNvSpPr>
-          <p:nvPr>
-            <p:ph type="title"/>
-          </p:nvPr>
-        </p:nvSpPr>
-        <p:spPr>
-          <a:xfrm>
-            <a:off x="311760" y="0"/>
-            <a:ext cx="8520120" cy="576000"/>
-          </a:xfrm>
-          <a:prstGeom prst="rect">
-            <a:avLst/>
-          </a:prstGeom>
-          <a:noFill/>
-          <a:ln w="0">
-            <a:noFill/>
-          </a:ln>
-        </p:spPr>
-        <p:txBody>
-          <a:bodyPr tIns="91440" bIns="91440" anchor="t">
-            <a:normAutofit fontScale="91000"/>
-          </a:bodyPr>
-          <a:lstStyle/>
-          <a:p>
-            <a:pPr>
-              <a:lnSpc>
-                <a:spcPct val="100000"/>
-              </a:lnSpc>
-              <a:buNone/>
-              <a:tabLst>
-                <a:tab pos="0" algn="l"/>
-              </a:tabLst>
-            </a:pPr>
-            <a:r>
-              <a:rPr lang="it" sz="2600" b="0" strike="noStrike" spc="-1" dirty="0">
-                <a:solidFill>
-                  <a:srgbClr val="000000"/>
-                </a:solidFill>
-                <a:latin typeface="Arial"/>
-                <a:ea typeface="Arial"/>
-              </a:rPr>
-              <a:t>CUP</a:t>
-            </a:r>
-            <a:r>
-              <a:rPr lang="it" sz="2400" b="0" strike="noStrike" spc="-1" dirty="0">
-                <a:solidFill>
-                  <a:srgbClr val="000000"/>
-                </a:solidFill>
-                <a:latin typeface="Arial"/>
-                <a:ea typeface="Arial"/>
-              </a:rPr>
-              <a:t> </a:t>
-            </a:r>
-            <a:r>
-              <a:rPr lang="it" sz="2600" b="0" strike="noStrike" spc="-1" dirty="0">
-                <a:solidFill>
-                  <a:srgbClr val="000000"/>
-                </a:solidFill>
-                <a:latin typeface="Arial"/>
-                <a:ea typeface="Arial"/>
-              </a:rPr>
-              <a:t>Results: final model – 1 </a:t>
-            </a:r>
-            <a:endParaRPr lang="it-IT" sz="2400" b="0" strike="noStrike" spc="-1" dirty="0">
-              <a:solidFill>
-                <a:srgbClr val="000000"/>
-              </a:solidFill>
-              <a:latin typeface="Arial"/>
-            </a:endParaRPr>
-          </a:p>
-        </p:txBody>
-      </p:sp>
-      <p:sp>
-        <p:nvSpPr>
-          <p:cNvPr id="110" name="PlaceHolder 3"/>
-          <p:cNvSpPr>
-            <a:spLocks noGrp="1"/>
-          </p:cNvSpPr>
-          <p:nvPr>
-            <p:ph type="sldNum" idx="10"/>
-          </p:nvPr>
-        </p:nvSpPr>
-        <p:spPr>
-          <a:xfrm>
-            <a:off x="8472600" y="4663080"/>
-            <a:ext cx="548280" cy="393120"/>
-          </a:xfrm>
-          <a:prstGeom prst="rect">
-            <a:avLst/>
-          </a:prstGeom>
-          <a:noFill/>
-          <a:ln w="0">
-            <a:noFill/>
-          </a:ln>
-        </p:spPr>
-        <p:txBody>
-          <a:bodyPr tIns="91440" bIns="91440" anchor="ctr">
-            <a:normAutofit/>
-          </a:bodyPr>
-          <a:lstStyle>
-            <a:lvl1pPr algn="r">
-              <a:lnSpc>
-                <a:spcPct val="100000"/>
-              </a:lnSpc>
-              <a:buNone/>
-              <a:tabLst>
-                <a:tab pos="0" algn="l"/>
-              </a:tabLst>
-              <a:defRPr lang="it" sz="1000" b="0" strike="noStrike" spc="-1">
-                <a:solidFill>
-                  <a:srgbClr val="595959"/>
-                </a:solidFill>
-                <a:latin typeface="Arial"/>
-                <a:ea typeface="Arial"/>
-              </a:defRPr>
-            </a:lvl1pPr>
-          </a:lstStyle>
-          <a:p>
-            <a:pPr algn="r">
-              <a:lnSpc>
-                <a:spcPct val="100000"/>
-              </a:lnSpc>
-              <a:buNone/>
-              <a:tabLst>
-                <a:tab pos="0" algn="l"/>
-              </a:tabLst>
-            </a:pPr>
-            <a:fld id="{70083C99-8290-44C9-AB12-6D72EC62BA1C}" type="slidenum">
-              <a:rPr lang="it" sz="1000" b="0" strike="noStrike" spc="-1">
-                <a:solidFill>
-                  <a:srgbClr val="595959"/>
-                </a:solidFill>
-                <a:latin typeface="Arial"/>
-                <a:ea typeface="Arial"/>
-              </a:rPr>
-              <a:t>19</a:t>
-            </a:fld>
-            <a:endParaRPr lang="it-IT" sz="1000" b="0" strike="noStrike" spc="-1">
-              <a:latin typeface="Times New Roman"/>
-            </a:endParaRPr>
-          </a:p>
-        </p:txBody>
-      </p:sp>
-      <p:sp>
-        <p:nvSpPr>
-          <p:cNvPr id="2" name="Rettangolo 1">
-            <a:extLst>
-              <a:ext uri="{FF2B5EF4-FFF2-40B4-BE49-F238E27FC236}">
-                <a16:creationId xmlns:a16="http://schemas.microsoft.com/office/drawing/2014/main" id="{A84D9135-3616-EE45-ECF4-129488406C5F}"/>
-              </a:ext>
-            </a:extLst>
-          </p:cNvPr>
-          <p:cNvSpPr/>
-          <p:nvPr/>
-        </p:nvSpPr>
-        <p:spPr>
-          <a:xfrm>
-            <a:off x="311760" y="1748230"/>
-            <a:ext cx="3836658" cy="2566564"/>
-          </a:xfrm>
-          <a:prstGeom prst="rect">
-            <a:avLst/>
-          </a:prstGeom>
-        </p:spPr>
-        <p:style>
-          <a:lnRef idx="2">
-            <a:schemeClr val="accent3">
-              <a:shade val="15000"/>
-            </a:schemeClr>
-          </a:lnRef>
-          <a:fillRef idx="1">
-            <a:schemeClr val="accent3"/>
-          </a:fillRef>
-          <a:effectRef idx="0">
-            <a:schemeClr val="accent3"/>
-          </a:effectRef>
-          <a:fontRef idx="minor">
-            <a:schemeClr val="lt1"/>
-          </a:fontRef>
-        </p:style>
-        <p:txBody>
-          <a:bodyPr rtlCol="0" anchor="ctr"/>
-          <a:lstStyle/>
-          <a:p>
-            <a:pPr algn="ctr"/>
-            <a:r>
-              <a:rPr lang="it-IT" dirty="0"/>
-              <a:t>Learning curve plot for the </a:t>
-            </a:r>
-            <a:r>
-              <a:rPr lang="it-IT" dirty="0" err="1"/>
-              <a:t>final</a:t>
-            </a:r>
-            <a:r>
-              <a:rPr lang="it-IT" dirty="0"/>
-              <a:t> model</a:t>
-            </a:r>
-          </a:p>
-        </p:txBody>
-      </p:sp>
-      <p:sp>
-        <p:nvSpPr>
-          <p:cNvPr id="4" name="CasellaDiTesto 3">
-            <a:extLst>
-              <a:ext uri="{FF2B5EF4-FFF2-40B4-BE49-F238E27FC236}">
-                <a16:creationId xmlns:a16="http://schemas.microsoft.com/office/drawing/2014/main" id="{A2C03CD9-5D4B-7181-8758-3C5F98479B49}"/>
-              </a:ext>
-            </a:extLst>
-          </p:cNvPr>
-          <p:cNvSpPr txBox="1"/>
-          <p:nvPr/>
-        </p:nvSpPr>
-        <p:spPr>
-          <a:xfrm>
-            <a:off x="311760" y="920686"/>
-            <a:ext cx="8832240" cy="307777"/>
-          </a:xfrm>
-          <a:prstGeom prst="rect">
-            <a:avLst/>
-          </a:prstGeom>
-          <a:noFill/>
-        </p:spPr>
-        <p:txBody>
-          <a:bodyPr wrap="square" rtlCol="0">
-            <a:spAutoFit/>
-          </a:bodyPr>
-          <a:lstStyle/>
-          <a:p>
-            <a:r>
-              <a:rPr lang="it-IT" sz="1400" dirty="0" err="1"/>
-              <a:t>We</a:t>
-            </a:r>
-            <a:r>
-              <a:rPr lang="it-IT" sz="1400" dirty="0"/>
-              <a:t> </a:t>
-            </a:r>
-            <a:r>
-              <a:rPr lang="it-IT" sz="1400" dirty="0" err="1"/>
-              <a:t>chose</a:t>
-            </a:r>
-            <a:r>
-              <a:rPr lang="it-IT" sz="1400" dirty="0"/>
-              <a:t> XYZ </a:t>
-            </a:r>
-            <a:r>
-              <a:rPr lang="it-IT" sz="1400" dirty="0" err="1"/>
-              <a:t>as</a:t>
-            </a:r>
-            <a:r>
-              <a:rPr lang="it-IT" sz="1400" dirty="0"/>
-              <a:t> the </a:t>
-            </a:r>
-            <a:r>
-              <a:rPr lang="it-IT" sz="1400" dirty="0" err="1"/>
-              <a:t>final</a:t>
-            </a:r>
-            <a:r>
-              <a:rPr lang="it-IT" sz="1400" dirty="0"/>
-              <a:t> model. </a:t>
-            </a:r>
-            <a:r>
-              <a:rPr lang="it-IT" sz="1400" dirty="0" err="1">
-                <a:solidFill>
-                  <a:srgbClr val="FF0000"/>
-                </a:solidFill>
-              </a:rPr>
-              <a:t>We</a:t>
-            </a:r>
-            <a:r>
-              <a:rPr lang="it-IT" sz="1400" dirty="0">
-                <a:solidFill>
-                  <a:srgbClr val="FF0000"/>
-                </a:solidFill>
-              </a:rPr>
-              <a:t> </a:t>
-            </a:r>
-            <a:r>
-              <a:rPr lang="it-IT" sz="1400" dirty="0" err="1">
-                <a:solidFill>
-                  <a:srgbClr val="FF0000"/>
-                </a:solidFill>
-              </a:rPr>
-              <a:t>chose</a:t>
-            </a:r>
-            <a:r>
-              <a:rPr lang="it-IT" sz="1400" dirty="0">
-                <a:solidFill>
-                  <a:srgbClr val="FF0000"/>
-                </a:solidFill>
-              </a:rPr>
-              <a:t> </a:t>
-            </a:r>
-            <a:r>
-              <a:rPr lang="it-IT" sz="1400" dirty="0" err="1">
-                <a:solidFill>
-                  <a:srgbClr val="FF0000"/>
-                </a:solidFill>
-              </a:rPr>
-              <a:t>this</a:t>
-            </a:r>
-            <a:r>
-              <a:rPr lang="it-IT" sz="1400" dirty="0">
-                <a:solidFill>
-                  <a:srgbClr val="FF0000"/>
-                </a:solidFill>
-              </a:rPr>
-              <a:t> model </a:t>
-            </a:r>
-            <a:r>
-              <a:rPr lang="it-IT" sz="1400" dirty="0" err="1">
-                <a:solidFill>
-                  <a:srgbClr val="FF0000"/>
-                </a:solidFill>
-              </a:rPr>
-              <a:t>because</a:t>
-            </a:r>
-            <a:r>
-              <a:rPr lang="it-IT" sz="1400" dirty="0"/>
-              <a:t>… </a:t>
-            </a:r>
-          </a:p>
-        </p:txBody>
-      </p:sp>
-      <p:sp>
-        <p:nvSpPr>
-          <p:cNvPr id="3" name="Rettangolo 2">
-            <a:extLst>
-              <a:ext uri="{FF2B5EF4-FFF2-40B4-BE49-F238E27FC236}">
-                <a16:creationId xmlns:a16="http://schemas.microsoft.com/office/drawing/2014/main" id="{C6A2D120-85CC-4BB3-0D21-B25E88A6BDC8}"/>
-              </a:ext>
-            </a:extLst>
-          </p:cNvPr>
-          <p:cNvSpPr/>
-          <p:nvPr/>
-        </p:nvSpPr>
-        <p:spPr>
-          <a:xfrm>
-            <a:off x="4910082" y="1748230"/>
-            <a:ext cx="3836658" cy="2566564"/>
-          </a:xfrm>
-          <a:prstGeom prst="rect">
-            <a:avLst/>
-          </a:prstGeom>
-        </p:spPr>
-        <p:style>
-          <a:lnRef idx="2">
-            <a:schemeClr val="accent3">
-              <a:shade val="15000"/>
-            </a:schemeClr>
-          </a:lnRef>
-          <a:fillRef idx="1">
-            <a:schemeClr val="accent3"/>
-          </a:fillRef>
-          <a:effectRef idx="0">
-            <a:schemeClr val="accent3"/>
-          </a:effectRef>
-          <a:fontRef idx="minor">
-            <a:schemeClr val="lt1"/>
-          </a:fontRef>
-        </p:style>
-        <p:txBody>
-          <a:bodyPr rtlCol="0" anchor="ctr"/>
-          <a:lstStyle/>
-          <a:p>
-            <a:pPr algn="ctr"/>
-            <a:r>
-              <a:rPr lang="it-IT" dirty="0" err="1"/>
-              <a:t>Other</a:t>
-            </a:r>
-            <a:r>
-              <a:rPr lang="it-IT" dirty="0"/>
-              <a:t> cool plot for the </a:t>
-            </a:r>
-            <a:r>
-              <a:rPr lang="it-IT" dirty="0" err="1"/>
-              <a:t>final</a:t>
-            </a:r>
-            <a:r>
-              <a:rPr lang="it-IT" dirty="0"/>
-              <a:t> model</a:t>
-            </a:r>
-          </a:p>
-        </p:txBody>
-      </p:sp>
-    </p:spTree>
-    <p:extLst>
-      <p:ext uri="{BB962C8B-B14F-4D97-AF65-F5344CB8AC3E}">
-        <p14:creationId xmlns:p14="http://schemas.microsoft.com/office/powerpoint/2010/main" val="479709121"/>
       </p:ext>
     </p:extLst>
   </p:cSld>
@@ -16207,17 +16079,7 @@
                 <a:latin typeface="Arial"/>
                 <a:ea typeface="Arial"/>
               </a:rPr>
-              <a:t>Results: final model</a:t>
-            </a:r>
-            <a:r>
-              <a:rPr lang="it" sz="2600" spc="-1" dirty="0">
-                <a:solidFill>
-                  <a:srgbClr val="000000"/>
-                </a:solidFill>
-                <a:latin typeface="Arial"/>
-                <a:ea typeface="Arial"/>
-              </a:rPr>
-              <a:t> – 2</a:t>
+              <a:t>Results: final model – 1 </a:t>
             </a:r>
             <a:endParaRPr lang="it-IT" sz="2400" b="0" strike="noStrike" spc="-1" dirty="0">
               <a:solidFill>
@@ -16292,6 +16154,435 @@
                 <a:ea typeface="Arial"/>
               </a:rPr>
               <a:t>20</a:t>
+            </a:fld>
+            <a:endParaRPr lang="it-IT" sz="1000" b="0" strike="noStrike" spc="-1">
+              <a:latin typeface="Times New Roman"/>
+            </a:endParaRPr>
+          </a:p>
+        </p:txBody>
+      </p:sp>
+      <p:sp>
+        <p:nvSpPr>
+          <p:cNvPr id="2" name="Rettangolo 1">
+            <a:extLst>
+              <a:ext uri="{FF2B5EF4-FFF2-40B4-BE49-F238E27FC236}">
+                <a16:creationId xmlns:a16="http://schemas.microsoft.com/office/drawing/2014/main" id="{A84D9135-3616-EE45-ECF4-129488406C5F}"/>
+              </a:ext>
+            </a:extLst>
+          </p:cNvPr>
+          <p:cNvSpPr/>
+          <p:nvPr/>
+        </p:nvSpPr>
+        <p:spPr>
+          <a:xfrm>
+            <a:off x="311760" y="1748230"/>
+            <a:ext cx="3836658" cy="2566564"/>
+          </a:xfrm>
+          <a:prstGeom prst="rect">
+            <a:avLst/>
+          </a:prstGeom>
+        </p:spPr>
+        <p:style>
+          <a:lnRef idx="2">
+            <a:schemeClr val="accent3">
+              <a:shade val="15000"/>
+            </a:schemeClr>
+          </a:lnRef>
+          <a:fillRef idx="1">
+            <a:schemeClr val="accent3"/>
+          </a:fillRef>
+          <a:effectRef idx="0">
+            <a:schemeClr val="accent3"/>
+          </a:effectRef>
+          <a:fontRef idx="minor">
+            <a:schemeClr val="lt1"/>
+          </a:fontRef>
+        </p:style>
+        <p:txBody>
+          <a:bodyPr rtlCol="0" anchor="ctr"/>
+          <a:lstStyle/>
+          <a:p>
+            <a:pPr algn="ctr"/>
+            <a:r>
+              <a:rPr lang="it-IT" dirty="0"/>
+              <a:t>Learning curve plot for the </a:t>
+            </a:r>
+            <a:r>
+              <a:rPr lang="it-IT" dirty="0" err="1"/>
+              <a:t>final</a:t>
+            </a:r>
+            <a:r>
+              <a:rPr lang="it-IT" dirty="0"/>
+              <a:t> model</a:t>
+            </a:r>
+          </a:p>
+        </p:txBody>
+      </p:sp>
+      <p:sp>
+        <p:nvSpPr>
+          <p:cNvPr id="4" name="CasellaDiTesto 3">
+            <a:extLst>
+              <a:ext uri="{FF2B5EF4-FFF2-40B4-BE49-F238E27FC236}">
+                <a16:creationId xmlns:a16="http://schemas.microsoft.com/office/drawing/2014/main" id="{A2C03CD9-5D4B-7181-8758-3C5F98479B49}"/>
+              </a:ext>
+            </a:extLst>
+          </p:cNvPr>
+          <p:cNvSpPr txBox="1"/>
+          <p:nvPr/>
+        </p:nvSpPr>
+        <p:spPr>
+          <a:xfrm>
+            <a:off x="311760" y="920686"/>
+            <a:ext cx="8832240" cy="307777"/>
+          </a:xfrm>
+          <a:prstGeom prst="rect">
+            <a:avLst/>
+          </a:prstGeom>
+          <a:noFill/>
+        </p:spPr>
+        <p:txBody>
+          <a:bodyPr wrap="square" rtlCol="0">
+            <a:spAutoFit/>
+          </a:bodyPr>
+          <a:lstStyle/>
+          <a:p>
+            <a:r>
+              <a:rPr lang="it-IT" sz="1400" dirty="0" err="1"/>
+              <a:t>We</a:t>
+            </a:r>
+            <a:r>
+              <a:rPr lang="it-IT" sz="1400" dirty="0"/>
+              <a:t> </a:t>
+            </a:r>
+            <a:r>
+              <a:rPr lang="it-IT" sz="1400" dirty="0" err="1"/>
+              <a:t>chose</a:t>
+            </a:r>
+            <a:r>
+              <a:rPr lang="it-IT" sz="1400" dirty="0"/>
+              <a:t> XYZ </a:t>
+            </a:r>
+            <a:r>
+              <a:rPr lang="it-IT" sz="1400" dirty="0" err="1"/>
+              <a:t>as</a:t>
+            </a:r>
+            <a:r>
+              <a:rPr lang="it-IT" sz="1400" dirty="0"/>
+              <a:t> the </a:t>
+            </a:r>
+            <a:r>
+              <a:rPr lang="it-IT" sz="1400" dirty="0" err="1"/>
+              <a:t>final</a:t>
+            </a:r>
+            <a:r>
+              <a:rPr lang="it-IT" sz="1400" dirty="0"/>
+              <a:t> model. </a:t>
+            </a:r>
+            <a:r>
+              <a:rPr lang="it-IT" sz="1400" dirty="0" err="1">
+                <a:solidFill>
+                  <a:srgbClr val="FF0000"/>
+                </a:solidFill>
+              </a:rPr>
+              <a:t>We</a:t>
+            </a:r>
+            <a:r>
+              <a:rPr lang="it-IT" sz="1400" dirty="0">
+                <a:solidFill>
+                  <a:srgbClr val="FF0000"/>
+                </a:solidFill>
+              </a:rPr>
+              <a:t> </a:t>
+            </a:r>
+            <a:r>
+              <a:rPr lang="it-IT" sz="1400" dirty="0" err="1">
+                <a:solidFill>
+                  <a:srgbClr val="FF0000"/>
+                </a:solidFill>
+              </a:rPr>
+              <a:t>chose</a:t>
+            </a:r>
+            <a:r>
+              <a:rPr lang="it-IT" sz="1400" dirty="0">
+                <a:solidFill>
+                  <a:srgbClr val="FF0000"/>
+                </a:solidFill>
+              </a:rPr>
+              <a:t> </a:t>
+            </a:r>
+            <a:r>
+              <a:rPr lang="it-IT" sz="1400" dirty="0" err="1">
+                <a:solidFill>
+                  <a:srgbClr val="FF0000"/>
+                </a:solidFill>
+              </a:rPr>
+              <a:t>this</a:t>
+            </a:r>
+            <a:r>
+              <a:rPr lang="it-IT" sz="1400" dirty="0">
+                <a:solidFill>
+                  <a:srgbClr val="FF0000"/>
+                </a:solidFill>
+              </a:rPr>
+              <a:t> model </a:t>
+            </a:r>
+            <a:r>
+              <a:rPr lang="it-IT" sz="1400" dirty="0" err="1">
+                <a:solidFill>
+                  <a:srgbClr val="FF0000"/>
+                </a:solidFill>
+              </a:rPr>
+              <a:t>because</a:t>
+            </a:r>
+            <a:r>
+              <a:rPr lang="it-IT" sz="1400" dirty="0"/>
+              <a:t>… </a:t>
+            </a:r>
+          </a:p>
+        </p:txBody>
+      </p:sp>
+      <p:sp>
+        <p:nvSpPr>
+          <p:cNvPr id="3" name="Rettangolo 2">
+            <a:extLst>
+              <a:ext uri="{FF2B5EF4-FFF2-40B4-BE49-F238E27FC236}">
+                <a16:creationId xmlns:a16="http://schemas.microsoft.com/office/drawing/2014/main" id="{C6A2D120-85CC-4BB3-0D21-B25E88A6BDC8}"/>
+              </a:ext>
+            </a:extLst>
+          </p:cNvPr>
+          <p:cNvSpPr/>
+          <p:nvPr/>
+        </p:nvSpPr>
+        <p:spPr>
+          <a:xfrm>
+            <a:off x="4910082" y="1748230"/>
+            <a:ext cx="3836658" cy="2566564"/>
+          </a:xfrm>
+          <a:prstGeom prst="rect">
+            <a:avLst/>
+          </a:prstGeom>
+        </p:spPr>
+        <p:style>
+          <a:lnRef idx="2">
+            <a:schemeClr val="accent3">
+              <a:shade val="15000"/>
+            </a:schemeClr>
+          </a:lnRef>
+          <a:fillRef idx="1">
+            <a:schemeClr val="accent3"/>
+          </a:fillRef>
+          <a:effectRef idx="0">
+            <a:schemeClr val="accent3"/>
+          </a:effectRef>
+          <a:fontRef idx="minor">
+            <a:schemeClr val="lt1"/>
+          </a:fontRef>
+        </p:style>
+        <p:txBody>
+          <a:bodyPr rtlCol="0" anchor="ctr"/>
+          <a:lstStyle/>
+          <a:p>
+            <a:pPr algn="ctr"/>
+            <a:r>
+              <a:rPr lang="it-IT" dirty="0" err="1"/>
+              <a:t>Other</a:t>
+            </a:r>
+            <a:r>
+              <a:rPr lang="it-IT" dirty="0"/>
+              <a:t> cool plot for the </a:t>
+            </a:r>
+            <a:r>
+              <a:rPr lang="it-IT" dirty="0" err="1"/>
+              <a:t>final</a:t>
+            </a:r>
+            <a:r>
+              <a:rPr lang="it-IT" dirty="0"/>
+              <a:t> model</a:t>
+            </a:r>
+          </a:p>
+        </p:txBody>
+      </p:sp>
+    </p:spTree>
+    <p:extLst>
+      <p:ext uri="{BB962C8B-B14F-4D97-AF65-F5344CB8AC3E}">
+        <p14:creationId xmlns:p14="http://schemas.microsoft.com/office/powerpoint/2010/main" val="479709121"/>
+      </p:ext>
+    </p:extLst>
+  </p:cSld>
+  <p:clrMapOvr>
+    <a:masterClrMapping/>
+  </p:clrMapOvr>
+</p:sld>
+</file>
+
+<file path=ppt/slides/slide21.xml><?xml version="1.0" encoding="utf-8"?>
+<p:sld xmlns:a="http://schemas.openxmlformats.org/drawingml/2006/main" xmlns:r="http://schemas.openxmlformats.org/officeDocument/2006/relationships" xmlns:p="http://schemas.openxmlformats.org/presentationml/2006/main">
+  <p:cSld>
+    <p:spTree>
+      <p:nvGrpSpPr>
+        <p:cNvPr id="1" name=""/>
+        <p:cNvGrpSpPr/>
+        <p:nvPr/>
+      </p:nvGrpSpPr>
+      <p:grpSpPr>
+        <a:xfrm>
+          <a:off x="0" y="0"/>
+          <a:ext cx="0" cy="0"/>
+          <a:chOff x="0" y="0"/>
+          <a:chExt cx="0" cy="0"/>
+        </a:xfrm>
+      </p:grpSpPr>
+      <p:sp>
+        <p:nvSpPr>
+          <p:cNvPr id="108" name="PlaceHolder 1"/>
+          <p:cNvSpPr>
+            <a:spLocks noGrp="1"/>
+          </p:cNvSpPr>
+          <p:nvPr>
+            <p:ph type="title"/>
+          </p:nvPr>
+        </p:nvSpPr>
+        <p:spPr>
+          <a:xfrm>
+            <a:off x="311760" y="0"/>
+            <a:ext cx="8520120" cy="576000"/>
+          </a:xfrm>
+          <a:prstGeom prst="rect">
+            <a:avLst/>
+          </a:prstGeom>
+          <a:noFill/>
+          <a:ln w="0">
+            <a:noFill/>
+          </a:ln>
+        </p:spPr>
+        <p:txBody>
+          <a:bodyPr tIns="91440" bIns="91440" anchor="t">
+            <a:normAutofit fontScale="91000"/>
+          </a:bodyPr>
+          <a:lstStyle/>
+          <a:p>
+            <a:pPr>
+              <a:lnSpc>
+                <a:spcPct val="100000"/>
+              </a:lnSpc>
+              <a:buNone/>
+              <a:tabLst>
+                <a:tab pos="0" algn="l"/>
+              </a:tabLst>
+            </a:pPr>
+            <a:r>
+              <a:rPr lang="it" sz="2600" b="0" strike="noStrike" spc="-1" dirty="0">
+                <a:solidFill>
+                  <a:srgbClr val="000000"/>
+                </a:solidFill>
+                <a:latin typeface="Arial"/>
+                <a:ea typeface="Arial"/>
+              </a:rPr>
+              <a:t>CUP</a:t>
+            </a:r>
+            <a:r>
+              <a:rPr lang="it" sz="2400" b="0" strike="noStrike" spc="-1" dirty="0">
+                <a:solidFill>
+                  <a:srgbClr val="000000"/>
+                </a:solidFill>
+                <a:latin typeface="Arial"/>
+                <a:ea typeface="Arial"/>
+              </a:rPr>
+              <a:t> </a:t>
+            </a:r>
+            <a:r>
+              <a:rPr lang="it" sz="2600" b="0" strike="noStrike" spc="-1" dirty="0">
+                <a:solidFill>
+                  <a:srgbClr val="000000"/>
+                </a:solidFill>
+                <a:latin typeface="Arial"/>
+                <a:ea typeface="Arial"/>
+              </a:rPr>
+              <a:t>Results: final model</a:t>
+            </a:r>
+            <a:r>
+              <a:rPr lang="it" sz="2600" spc="-1" dirty="0">
+                <a:solidFill>
+                  <a:srgbClr val="000000"/>
+                </a:solidFill>
+                <a:latin typeface="Arial"/>
+                <a:ea typeface="Arial"/>
+              </a:rPr>
+              <a:t> – 2</a:t>
+            </a:r>
+            <a:endParaRPr lang="it-IT" sz="2400" b="0" strike="noStrike" spc="-1" dirty="0">
+              <a:solidFill>
+                <a:srgbClr val="000000"/>
+              </a:solidFill>
+              <a:latin typeface="Arial"/>
+            </a:endParaRPr>
+          </a:p>
+        </p:txBody>
+      </p:sp>
+      <p:sp>
+        <p:nvSpPr>
+          <p:cNvPr id="110" name="PlaceHolder 3"/>
+          <p:cNvSpPr>
+            <a:spLocks noGrp="1"/>
+          </p:cNvSpPr>
+          <p:nvPr>
+            <p:ph type="sldNum" idx="10"/>
+          </p:nvPr>
+        </p:nvSpPr>
+        <p:spPr>
+          <a:xfrm>
+            <a:off x="8472600" y="4663080"/>
+            <a:ext cx="548280" cy="393120"/>
+          </a:xfrm>
+          <a:prstGeom prst="rect">
+            <a:avLst/>
+          </a:prstGeom>
+          <a:noFill/>
+          <a:ln w="0">
+            <a:noFill/>
+          </a:ln>
+        </p:spPr>
+        <p:txBody>
+          <a:bodyPr tIns="91440" bIns="91440" anchor="ctr">
+            <a:normAutofit/>
+          </a:bodyPr>
+          <a:lstStyle>
+            <a:lvl1pPr algn="r">
+              <a:lnSpc>
+                <a:spcPct val="100000"/>
+              </a:lnSpc>
+              <a:buNone/>
+              <a:tabLst>
+                <a:tab pos="0" algn="l"/>
+              </a:tabLst>
+              <a:defRPr lang="it" sz="1000" b="0" strike="noStrike" spc="-1">
+                <a:solidFill>
+                  <a:srgbClr val="595959"/>
+                </a:solidFill>
+                <a:latin typeface="Arial"/>
+                <a:ea typeface="Arial"/>
+              </a:defRPr>
+            </a:lvl1pPr>
+          </a:lstStyle>
+          <a:p>
+            <a:pPr algn="r">
+              <a:lnSpc>
+                <a:spcPct val="100000"/>
+              </a:lnSpc>
+              <a:buNone/>
+              <a:tabLst>
+                <a:tab pos="0" algn="l"/>
+              </a:tabLst>
+            </a:pPr>
+            <a:fld id="{70083C99-8290-44C9-AB12-6D72EC62BA1C}" type="slidenum">
+              <a:rPr lang="it" sz="1000" b="0" strike="noStrike" spc="-1">
+                <a:solidFill>
+                  <a:srgbClr val="595959"/>
+                </a:solidFill>
+                <a:latin typeface="Arial"/>
+                <a:ea typeface="Arial"/>
+              </a:rPr>
+              <a:t>21</a:t>
             </a:fld>
             <a:endParaRPr lang="it-IT" sz="1000" b="0" strike="noStrike" spc="-1">
               <a:latin typeface="Times New Roman"/>
@@ -17278,7 +17569,7 @@
 </p:sld>
 </file>
 
-<file path=ppt/slides/slide21.xml><?xml version="1.0" encoding="utf-8"?>
+<file path=ppt/slides/slide22.xml><?xml version="1.0" encoding="utf-8"?>
 <p:sld xmlns:a="http://schemas.openxmlformats.org/drawingml/2006/main" xmlns:r="http://schemas.openxmlformats.org/officeDocument/2006/relationships" xmlns:p="http://schemas.openxmlformats.org/presentationml/2006/main">
   <p:cSld>
     <p:spTree>
@@ -17557,7 +17848,7 @@
                 <a:latin typeface="Arial"/>
                 <a:ea typeface="Arial"/>
               </a:rPr>
-              <a:t>21</a:t>
+              <a:t>22</a:t>
             </a:fld>
             <a:endParaRPr lang="it-IT" sz="1000" b="0" strike="noStrike" spc="-1">
               <a:latin typeface="Times New Roman"/>
@@ -17573,7 +17864,7 @@
 </p:sld>
 </file>
 
-<file path=ppt/slides/slide22.xml><?xml version="1.0" encoding="utf-8"?>
+<file path=ppt/slides/slide23.xml><?xml version="1.0" encoding="utf-8"?>
 <p:sld xmlns:a="http://schemas.openxmlformats.org/drawingml/2006/main" xmlns:r="http://schemas.openxmlformats.org/officeDocument/2006/relationships" xmlns:p="http://schemas.openxmlformats.org/presentationml/2006/main">
   <p:cSld>
     <p:spTree>
@@ -17843,7 +18134,7 @@
                 <a:latin typeface="Arial"/>
                 <a:ea typeface="Arial"/>
               </a:rPr>
-              <a:t>22</a:t>
+              <a:t>23</a:t>
             </a:fld>
             <a:endParaRPr lang="it-IT" sz="1000" b="0" strike="noStrike" spc="-1">
               <a:latin typeface="Times New Roman"/>
@@ -17859,7 +18150,7 @@
 </p:sld>
 </file>
 
-<file path=ppt/slides/slide23.xml><?xml version="1.0" encoding="utf-8"?>
+<file path=ppt/slides/slide24.xml><?xml version="1.0" encoding="utf-8"?>
 <p:sld xmlns:a="http://schemas.openxmlformats.org/drawingml/2006/main" xmlns:r="http://schemas.openxmlformats.org/officeDocument/2006/relationships" xmlns:p="http://schemas.openxmlformats.org/presentationml/2006/main">
   <p:cSld>
     <p:spTree>
@@ -18006,7 +18297,7 @@
                 <a:latin typeface="Arial"/>
                 <a:ea typeface="Arial"/>
               </a:rPr>
-              <a:t>23</a:t>
+              <a:t>24</a:t>
             </a:fld>
             <a:endParaRPr lang="it-IT" sz="1000" b="0" strike="noStrike" spc="-1">
               <a:latin typeface="Times New Roman"/>
@@ -18647,7 +18938,7 @@
 </p:sld>
 </file>
 
-<file path=ppt/slides/slide24.xml><?xml version="1.0" encoding="utf-8"?>
+<file path=ppt/slides/slide25.xml><?xml version="1.0" encoding="utf-8"?>
 <p:sld xmlns:a="http://schemas.openxmlformats.org/drawingml/2006/main" xmlns:r="http://schemas.openxmlformats.org/officeDocument/2006/relationships" xmlns:p="http://schemas.openxmlformats.org/presentationml/2006/main">
   <p:cSld>
     <p:spTree>
@@ -18794,7 +19085,7 @@
                 <a:latin typeface="Arial"/>
                 <a:ea typeface="Arial"/>
               </a:rPr>
-              <a:t>24</a:t>
+              <a:t>25</a:t>
             </a:fld>
             <a:endParaRPr lang="it-IT" sz="1000" b="0" strike="noStrike" spc="-1">
               <a:latin typeface="Times New Roman"/>
@@ -19164,7 +19455,7 @@
 </p:sld>
 </file>
 
-<file path=ppt/slides/slide25.xml><?xml version="1.0" encoding="utf-8"?>
+<file path=ppt/slides/slide26.xml><?xml version="1.0" encoding="utf-8"?>
 <p:sld xmlns:a="http://schemas.openxmlformats.org/drawingml/2006/main" xmlns:r="http://schemas.openxmlformats.org/officeDocument/2006/relationships" xmlns:p="http://schemas.openxmlformats.org/presentationml/2006/main">
   <p:cSld>
     <p:spTree>
@@ -19332,7 +19623,7 @@
                 <a:latin typeface="Arial"/>
                 <a:ea typeface="Arial"/>
               </a:rPr>
-              <a:t>25</a:t>
+              <a:t>26</a:t>
             </a:fld>
             <a:endParaRPr lang="it-IT" sz="1000" b="0" strike="noStrike" spc="-1">
               <a:latin typeface="Times New Roman"/>
@@ -21253,7 +21544,7 @@
 </p:sld>
 </file>
 
-<file path=ppt/slides/slide26.xml><?xml version="1.0" encoding="utf-8"?>
+<file path=ppt/slides/slide27.xml><?xml version="1.0" encoding="utf-8"?>
 <p:sld xmlns:a="http://schemas.openxmlformats.org/drawingml/2006/main" xmlns:r="http://schemas.openxmlformats.org/officeDocument/2006/relationships" xmlns:p="http://schemas.openxmlformats.org/presentationml/2006/main">
   <p:cSld>
     <p:spTree>
@@ -21419,7 +21710,7 @@
                 <a:latin typeface="Arial"/>
                 <a:ea typeface="Arial"/>
               </a:rPr>
-              <a:t>26</a:t>
+              <a:t>27</a:t>
             </a:fld>
             <a:endParaRPr lang="it-IT" sz="1000" b="0" strike="noStrike" spc="-1">
               <a:latin typeface="Times New Roman"/>
@@ -22354,7 +22645,7 @@
 </p:sld>
 </file>
 
-<file path=ppt/slides/slide27.xml><?xml version="1.0" encoding="utf-8"?>
+<file path=ppt/slides/slide28.xml><?xml version="1.0" encoding="utf-8"?>
 <p:sld xmlns:a="http://schemas.openxmlformats.org/drawingml/2006/main" xmlns:r="http://schemas.openxmlformats.org/officeDocument/2006/relationships" xmlns:p="http://schemas.openxmlformats.org/presentationml/2006/main">
   <p:cSld>
     <p:spTree>
@@ -22520,7 +22811,7 @@
                 <a:latin typeface="Arial"/>
                 <a:ea typeface="Arial"/>
               </a:rPr>
-              <a:t>27</a:t>
+              <a:t>28</a:t>
             </a:fld>
             <a:endParaRPr lang="it-IT" sz="1000" b="0" strike="noStrike" spc="-1">
               <a:latin typeface="Times New Roman"/>
@@ -23621,7 +23912,7 @@
 </p:sld>
 </file>
 
-<file path=ppt/slides/slide28.xml><?xml version="1.0" encoding="utf-8"?>
+<file path=ppt/slides/slide29.xml><?xml version="1.0" encoding="utf-8"?>
 <p:sld xmlns:a="http://schemas.openxmlformats.org/drawingml/2006/main" xmlns:r="http://schemas.openxmlformats.org/officeDocument/2006/relationships" xmlns:p="http://schemas.openxmlformats.org/presentationml/2006/main">
   <p:cSld>
     <p:spTree>
@@ -23787,7 +24078,7 @@
                 <a:latin typeface="Arial"/>
                 <a:ea typeface="Arial"/>
               </a:rPr>
-              <a:t>28</a:t>
+              <a:t>29</a:t>
             </a:fld>
             <a:endParaRPr lang="it-IT" sz="1000" b="0" strike="noStrike" spc="-1">
               <a:latin typeface="Times New Roman"/>
@@ -23810,7 +24101,7 @@
           <p:nvPr>
             <p:extLst>
               <p:ext uri="{D42A27DB-BD31-4B8C-83A1-F6EECF244321}">
-                <p14:modId xmlns:p14="http://schemas.microsoft.com/office/powerpoint/2010/main" val="2379285593"/>
+                <p14:modId xmlns:p14="http://schemas.microsoft.com/office/powerpoint/2010/main" val="3886922439"/>
               </p:ext>
             </p:extLst>
           </p:nvPr>
@@ -23833,14 +24124,14 @@
                     </a:ext>
                   </a:extLst>
                 </a:gridCol>
-                <a:gridCol w="2756647">
+                <a:gridCol w="2514602">
                   <a:extLst>
                     <a:ext uri="{9D8B030D-6E8A-4147-A177-3AD203B41FA5}">
                       <a16:colId xmlns:a16="http://schemas.microsoft.com/office/drawing/2014/main" val="1166905258"/>
                     </a:ext>
                   </a:extLst>
                 </a:gridCol>
-                <a:gridCol w="2716783">
+                <a:gridCol w="2958828">
                   <a:extLst>
                     <a:ext uri="{9D8B030D-6E8A-4147-A177-3AD203B41FA5}">
                       <a16:colId xmlns:a16="http://schemas.microsoft.com/office/drawing/2014/main" val="34889993"/>
@@ -24335,7 +24626,7 @@
                             <a:schemeClr val="tx1"/>
                           </a:solidFill>
                         </a:rPr>
-                        <a:t>93,40% </a:t>
+                        <a:t>93,40%±1,05% </a:t>
                       </a:r>
                       <a:r>
                         <a:rPr lang="it-IT" sz="1400" i="0" dirty="0">
@@ -24351,7 +24642,7 @@
                             <a:schemeClr val="tx1"/>
                           </a:solidFill>
                         </a:rPr>
-                        <a:t> 93,40%</a:t>
+                        <a:t> 93,40%±4,23%</a:t>
                       </a:r>
                     </a:p>
                   </a:txBody>
@@ -25378,7 +25669,1019 @@
 </p:sld>
 </file>
 
-<file path=ppt/slides/slide29.xml><?xml version="1.0" encoding="utf-8"?>
+<file path=ppt/slides/slide3.xml><?xml version="1.0" encoding="utf-8"?>
+<p:sld xmlns:a="http://schemas.openxmlformats.org/drawingml/2006/main" xmlns:r="http://schemas.openxmlformats.org/officeDocument/2006/relationships" xmlns:p="http://schemas.openxmlformats.org/presentationml/2006/main">
+  <p:cSld>
+    <p:spTree>
+      <p:nvGrpSpPr>
+        <p:cNvPr id="1" name=""/>
+        <p:cNvGrpSpPr/>
+        <p:nvPr/>
+      </p:nvGrpSpPr>
+      <p:grpSpPr>
+        <a:xfrm>
+          <a:off x="0" y="0"/>
+          <a:ext cx="0" cy="0"/>
+          <a:chOff x="0" y="0"/>
+          <a:chExt cx="0" cy="0"/>
+        </a:xfrm>
+      </p:grpSpPr>
+      <p:sp>
+        <p:nvSpPr>
+          <p:cNvPr id="83" name="PlaceHolder 3"/>
+          <p:cNvSpPr>
+            <a:spLocks noGrp="1"/>
+          </p:cNvSpPr>
+          <p:nvPr>
+            <p:ph type="sldNum" idx="3"/>
+          </p:nvPr>
+        </p:nvSpPr>
+        <p:spPr>
+          <a:xfrm>
+            <a:off x="8472600" y="4663080"/>
+            <a:ext cx="548280" cy="393120"/>
+          </a:xfrm>
+          <a:prstGeom prst="rect">
+            <a:avLst/>
+          </a:prstGeom>
+          <a:noFill/>
+          <a:ln w="0">
+            <a:noFill/>
+          </a:ln>
+        </p:spPr>
+        <p:txBody>
+          <a:bodyPr tIns="91440" bIns="91440" anchor="ctr">
+            <a:normAutofit/>
+          </a:bodyPr>
+          <a:lstStyle>
+            <a:lvl1pPr algn="r">
+              <a:lnSpc>
+                <a:spcPct val="100000"/>
+              </a:lnSpc>
+              <a:buNone/>
+              <a:tabLst>
+                <a:tab pos="0" algn="l"/>
+              </a:tabLst>
+              <a:defRPr lang="it" sz="1000" b="0" strike="noStrike" spc="-1">
+                <a:solidFill>
+                  <a:srgbClr val="595959"/>
+                </a:solidFill>
+                <a:latin typeface="Arial"/>
+                <a:ea typeface="Arial"/>
+              </a:defRPr>
+            </a:lvl1pPr>
+          </a:lstStyle>
+          <a:p>
+            <a:pPr algn="r">
+              <a:lnSpc>
+                <a:spcPct val="100000"/>
+              </a:lnSpc>
+              <a:buNone/>
+              <a:tabLst>
+                <a:tab pos="0" algn="l"/>
+              </a:tabLst>
+            </a:pPr>
+            <a:fld id="{CDE5831E-EF50-4AF8-82C3-EBDE88F03D8C}" type="slidenum">
+              <a:rPr lang="it" sz="1000" b="0" strike="noStrike" spc="-1">
+                <a:solidFill>
+                  <a:srgbClr val="595959"/>
+                </a:solidFill>
+                <a:latin typeface="Arial"/>
+                <a:ea typeface="Arial"/>
+              </a:rPr>
+              <a:t>3</a:t>
+            </a:fld>
+            <a:endParaRPr lang="it-IT" sz="1000" b="0" strike="noStrike" spc="-1" dirty="0">
+              <a:latin typeface="Times New Roman"/>
+            </a:endParaRPr>
+          </a:p>
+        </p:txBody>
+      </p:sp>
+      <p:sp>
+        <p:nvSpPr>
+          <p:cNvPr id="4" name="PlaceHolder 1">
+            <a:extLst>
+              <a:ext uri="{FF2B5EF4-FFF2-40B4-BE49-F238E27FC236}">
+                <a16:creationId xmlns:a16="http://schemas.microsoft.com/office/drawing/2014/main" id="{80C918E8-6CF7-0E0B-D3EF-88419C82AA81}"/>
+              </a:ext>
+            </a:extLst>
+          </p:cNvPr>
+          <p:cNvSpPr txBox="1">
+            <a:spLocks/>
+          </p:cNvSpPr>
+          <p:nvPr/>
+        </p:nvSpPr>
+        <p:spPr>
+          <a:xfrm>
+            <a:off x="311760" y="0"/>
+            <a:ext cx="8520120" cy="576000"/>
+          </a:xfrm>
+          <a:prstGeom prst="rect">
+            <a:avLst/>
+          </a:prstGeom>
+          <a:noFill/>
+          <a:ln w="0">
+            <a:noFill/>
+          </a:ln>
+        </p:spPr>
+        <p:txBody>
+          <a:bodyPr lIns="0" tIns="91440" rIns="0" bIns="91440" anchor="t">
+            <a:normAutofit fontScale="97500"/>
+          </a:bodyPr>
+          <a:lstStyle>
+            <a:lvl1pPr algn="l" defTabSz="914400" rtl="0" eaLnBrk="1" latinLnBrk="0" hangingPunct="1">
+              <a:lnSpc>
+                <a:spcPct val="90000"/>
+              </a:lnSpc>
+              <a:spcBef>
+                <a:spcPct val="0"/>
+              </a:spcBef>
+              <a:buNone/>
+              <a:defRPr sz="4400" kern="1200">
+                <a:solidFill>
+                  <a:schemeClr val="tx1"/>
+                </a:solidFill>
+                <a:latin typeface="+mj-lt"/>
+                <a:ea typeface="+mj-ea"/>
+                <a:cs typeface="+mj-cs"/>
+              </a:defRPr>
+            </a:lvl1pPr>
+          </a:lstStyle>
+          <a:p>
+            <a:pPr>
+              <a:lnSpc>
+                <a:spcPct val="100000"/>
+              </a:lnSpc>
+              <a:tabLst>
+                <a:tab pos="0" algn="l"/>
+              </a:tabLst>
+            </a:pPr>
+            <a:r>
+              <a:rPr lang="it" sz="2500" spc="-1" dirty="0">
+                <a:solidFill>
+                  <a:srgbClr val="000000"/>
+                </a:solidFill>
+                <a:latin typeface="Arial"/>
+                <a:ea typeface="Arial"/>
+              </a:rPr>
+              <a:t>Code structure, models overview </a:t>
+            </a:r>
+            <a:r>
+              <a:rPr lang="it" sz="2500" spc="-1" dirty="0">
+                <a:solidFill>
+                  <a:srgbClr val="FF0000"/>
+                </a:solidFill>
+                <a:latin typeface="Arial"/>
+                <a:ea typeface="Arial"/>
+              </a:rPr>
+              <a:t>da rivedere</a:t>
+            </a:r>
+            <a:endParaRPr lang="it-IT" sz="2400" spc="-1" dirty="0">
+              <a:solidFill>
+                <a:srgbClr val="FF0000"/>
+              </a:solidFill>
+              <a:latin typeface="Arial"/>
+            </a:endParaRPr>
+          </a:p>
+        </p:txBody>
+      </p:sp>
+      <p:sp>
+        <p:nvSpPr>
+          <p:cNvPr id="3" name="CasellaDiTesto 2">
+            <a:extLst>
+              <a:ext uri="{FF2B5EF4-FFF2-40B4-BE49-F238E27FC236}">
+                <a16:creationId xmlns:a16="http://schemas.microsoft.com/office/drawing/2014/main" id="{21F77B32-FB82-2079-F53B-1131754C4D18}"/>
+              </a:ext>
+            </a:extLst>
+          </p:cNvPr>
+          <p:cNvSpPr txBox="1"/>
+          <p:nvPr/>
+        </p:nvSpPr>
+        <p:spPr>
+          <a:xfrm>
+            <a:off x="311761" y="693013"/>
+            <a:ext cx="8520119" cy="1600438"/>
+          </a:xfrm>
+          <a:prstGeom prst="rect">
+            <a:avLst/>
+          </a:prstGeom>
+          <a:noFill/>
+        </p:spPr>
+        <p:txBody>
+          <a:bodyPr wrap="square" rtlCol="0">
+            <a:spAutoFit/>
+          </a:bodyPr>
+          <a:lstStyle/>
+          <a:p>
+            <a:r>
+              <a:rPr lang="it-IT" sz="1400" dirty="0"/>
+              <a:t>Basic </a:t>
+            </a:r>
+            <a:r>
+              <a:rPr lang="it-IT" sz="1400" dirty="0" err="1"/>
+              <a:t>structure</a:t>
+            </a:r>
+            <a:r>
+              <a:rPr lang="it-IT" sz="1400" dirty="0"/>
+              <a:t> of the code: </a:t>
+            </a:r>
+          </a:p>
+          <a:p>
+            <a:pPr marL="285750" indent="-285750">
+              <a:buFont typeface="Arial" panose="020B0604020202020204" pitchFamily="34" charset="0"/>
+              <a:buChar char="•"/>
+            </a:pPr>
+            <a:r>
+              <a:rPr lang="it-IT" sz="1400" dirty="0">
+                <a:hlinkClick r:id="rId2"/>
+              </a:rPr>
+              <a:t>GitHub repo</a:t>
+            </a:r>
+            <a:r>
+              <a:rPr lang="it-IT" sz="1400" dirty="0"/>
+              <a:t> in </a:t>
+            </a:r>
+            <a:r>
+              <a:rPr lang="it-IT" sz="1400" dirty="0" err="1"/>
+              <a:t>which</a:t>
+            </a:r>
+            <a:r>
+              <a:rPr lang="it-IT" sz="1400" dirty="0"/>
+              <a:t> </a:t>
+            </a:r>
+            <a:r>
+              <a:rPr lang="it-IT" sz="1400" dirty="0" err="1"/>
+              <a:t>we</a:t>
+            </a:r>
+            <a:r>
+              <a:rPr lang="it-IT" sz="1400" dirty="0"/>
+              <a:t> </a:t>
+            </a:r>
+            <a:r>
+              <a:rPr lang="it-IT" sz="1400" dirty="0" err="1"/>
+              <a:t>stored</a:t>
+            </a:r>
+            <a:r>
+              <a:rPr lang="it-IT" sz="1400" dirty="0"/>
+              <a:t> the datasets, images, notebooks and </a:t>
+            </a:r>
+            <a:r>
+              <a:rPr lang="it-IT" sz="1400" dirty="0" err="1"/>
+              <a:t>saved</a:t>
+            </a:r>
+            <a:r>
+              <a:rPr lang="it-IT" sz="1400" dirty="0"/>
+              <a:t> models. </a:t>
+            </a:r>
+          </a:p>
+          <a:p>
+            <a:pPr marL="285750" indent="-285750">
+              <a:buFont typeface="Arial" panose="020B0604020202020204" pitchFamily="34" charset="0"/>
+              <a:buChar char="•"/>
+            </a:pPr>
+            <a:r>
+              <a:rPr lang="it-IT" sz="1400" dirty="0"/>
+              <a:t>A notebook for </a:t>
+            </a:r>
+            <a:r>
+              <a:rPr lang="it-IT" sz="1400" dirty="0" err="1"/>
+              <a:t>each</a:t>
+            </a:r>
+            <a:r>
+              <a:rPr lang="it-IT" sz="1400" dirty="0"/>
+              <a:t> of the </a:t>
+            </a:r>
+            <a:r>
+              <a:rPr lang="it-IT" sz="1400" dirty="0" err="1"/>
+              <a:t>three</a:t>
+            </a:r>
+            <a:r>
+              <a:rPr lang="it-IT" sz="1400" dirty="0"/>
+              <a:t> classes of models, for </a:t>
+            </a:r>
+            <a:r>
+              <a:rPr lang="it-IT" sz="1400" dirty="0" err="1"/>
+              <a:t>each</a:t>
+            </a:r>
+            <a:r>
+              <a:rPr lang="it-IT" sz="1400" dirty="0"/>
+              <a:t> of the </a:t>
+            </a:r>
+            <a:r>
+              <a:rPr lang="it-IT" sz="1400" dirty="0" err="1"/>
+              <a:t>two</a:t>
+            </a:r>
+            <a:r>
+              <a:rPr lang="it-IT" sz="1400" dirty="0"/>
+              <a:t> tasks.</a:t>
+            </a:r>
+          </a:p>
+          <a:p>
+            <a:pPr marL="285750" indent="-285750">
+              <a:buFont typeface="Arial" panose="020B0604020202020204" pitchFamily="34" charset="0"/>
+              <a:buChar char="•"/>
+            </a:pPr>
+            <a:r>
+              <a:rPr lang="it-IT" sz="1400" dirty="0"/>
+              <a:t>In </a:t>
+            </a:r>
+            <a:r>
+              <a:rPr lang="it-IT" sz="1400" dirty="0" err="1"/>
+              <a:t>each</a:t>
+            </a:r>
+            <a:r>
+              <a:rPr lang="it-IT" sz="1400" dirty="0"/>
+              <a:t> notebook: import and </a:t>
+            </a:r>
+            <a:r>
+              <a:rPr lang="it-IT" sz="1400" dirty="0" err="1"/>
+              <a:t>process</a:t>
+            </a:r>
+            <a:r>
+              <a:rPr lang="it-IT" sz="1400" dirty="0"/>
+              <a:t> the data, create the model (</a:t>
+            </a:r>
+            <a:r>
+              <a:rPr lang="it-IT" sz="1400" dirty="0" err="1"/>
+              <a:t>often</a:t>
+            </a:r>
+            <a:r>
+              <a:rPr lang="it-IT" sz="1400" dirty="0"/>
+              <a:t> by </a:t>
+            </a:r>
+            <a:r>
+              <a:rPr lang="it-IT" sz="1400" dirty="0" err="1"/>
+              <a:t>calling</a:t>
+            </a:r>
+            <a:r>
+              <a:rPr lang="it-IT" sz="1400" dirty="0"/>
+              <a:t> a </a:t>
+            </a:r>
+            <a:r>
+              <a:rPr lang="it-IT" sz="1400" dirty="0" err="1"/>
+              <a:t>function</a:t>
+            </a:r>
+            <a:r>
+              <a:rPr lang="it-IT" sz="1400" dirty="0"/>
+              <a:t> </a:t>
+            </a:r>
+            <a:r>
+              <a:rPr lang="it-IT" sz="1400" dirty="0" err="1"/>
+              <a:t>provided</a:t>
+            </a:r>
+            <a:r>
+              <a:rPr lang="it-IT" sz="1400" dirty="0"/>
+              <a:t> by the library), set up the </a:t>
+            </a:r>
+            <a:r>
+              <a:rPr lang="it-IT" sz="1400" dirty="0" err="1"/>
+              <a:t>grid</a:t>
+            </a:r>
+            <a:r>
+              <a:rPr lang="it-IT" sz="1400" dirty="0"/>
+              <a:t> </a:t>
+            </a:r>
+            <a:r>
+              <a:rPr lang="it-IT" sz="1400" dirty="0" err="1"/>
+              <a:t>search</a:t>
+            </a:r>
+            <a:r>
+              <a:rPr lang="it-IT" sz="1400" dirty="0"/>
+              <a:t> and training </a:t>
+            </a:r>
+            <a:r>
+              <a:rPr lang="it-IT" sz="1400" dirty="0" err="1"/>
+              <a:t>process</a:t>
+            </a:r>
+            <a:r>
+              <a:rPr lang="it-IT" sz="1400" dirty="0"/>
+              <a:t>, </a:t>
+            </a:r>
+            <a:r>
+              <a:rPr lang="it-IT" sz="1400" dirty="0" err="1"/>
+              <a:t>select</a:t>
+            </a:r>
+            <a:r>
+              <a:rPr lang="it-IT" sz="1400" dirty="0"/>
+              <a:t> best </a:t>
+            </a:r>
+            <a:r>
+              <a:rPr lang="it-IT" sz="1400" dirty="0" err="1"/>
+              <a:t>hyperparameters</a:t>
+            </a:r>
+            <a:r>
+              <a:rPr lang="it-IT" sz="1400" dirty="0"/>
+              <a:t> and plot the learning curve, </a:t>
+            </a:r>
+            <a:r>
+              <a:rPr lang="it-IT" sz="1400" dirty="0" err="1"/>
+              <a:t>save</a:t>
+            </a:r>
+            <a:r>
+              <a:rPr lang="it-IT" sz="1400" dirty="0"/>
+              <a:t> the model</a:t>
+            </a:r>
+          </a:p>
+          <a:p>
+            <a:pPr marL="285750" indent="-285750">
+              <a:buFont typeface="Arial" panose="020B0604020202020204" pitchFamily="34" charset="0"/>
+              <a:buChar char="•"/>
+            </a:pPr>
+            <a:r>
+              <a:rPr lang="it-IT" sz="1400" dirty="0"/>
+              <a:t>Extra notebooks for data </a:t>
+            </a:r>
+            <a:r>
+              <a:rPr lang="it-IT" sz="1400" dirty="0" err="1"/>
+              <a:t>exploration</a:t>
+            </a:r>
+            <a:r>
+              <a:rPr lang="it-IT" sz="1400" dirty="0"/>
+              <a:t> and models </a:t>
+            </a:r>
+            <a:r>
+              <a:rPr lang="it-IT" sz="1400" dirty="0" err="1"/>
+              <a:t>comparison</a:t>
+            </a:r>
+            <a:endParaRPr lang="it-IT" sz="1400" dirty="0"/>
+          </a:p>
+        </p:txBody>
+      </p:sp>
+      <p:sp>
+        <p:nvSpPr>
+          <p:cNvPr id="11" name="CasellaDiTesto 10">
+            <a:extLst>
+              <a:ext uri="{FF2B5EF4-FFF2-40B4-BE49-F238E27FC236}">
+                <a16:creationId xmlns:a16="http://schemas.microsoft.com/office/drawing/2014/main" id="{003EBDB9-88F0-E455-63E2-1D1CE308D764}"/>
+              </a:ext>
+            </a:extLst>
+          </p:cNvPr>
+          <p:cNvSpPr txBox="1"/>
+          <p:nvPr/>
+        </p:nvSpPr>
+        <p:spPr>
+          <a:xfrm>
+            <a:off x="311760" y="4139860"/>
+            <a:ext cx="8520120" cy="523220"/>
+          </a:xfrm>
+          <a:prstGeom prst="rect">
+            <a:avLst/>
+          </a:prstGeom>
+          <a:noFill/>
+        </p:spPr>
+        <p:txBody>
+          <a:bodyPr wrap="square" rtlCol="0">
+            <a:spAutoFit/>
+          </a:bodyPr>
+          <a:lstStyle/>
+          <a:p>
+            <a:r>
+              <a:rPr lang="it-IT" sz="1400" dirty="0"/>
+              <a:t>For </a:t>
+            </a:r>
+            <a:r>
+              <a:rPr lang="it-IT" sz="1400" dirty="0" err="1"/>
+              <a:t>all</a:t>
+            </a:r>
+            <a:r>
+              <a:rPr lang="it-IT" sz="1400" dirty="0"/>
+              <a:t> </a:t>
+            </a:r>
+            <a:r>
+              <a:rPr lang="it-IT" sz="1400" dirty="0" err="1"/>
+              <a:t>these</a:t>
+            </a:r>
+            <a:r>
+              <a:rPr lang="it-IT" sz="1400" dirty="0"/>
+              <a:t> models </a:t>
+            </a:r>
+            <a:r>
+              <a:rPr lang="it-IT" sz="1400" dirty="0" err="1"/>
+              <a:t>we</a:t>
+            </a:r>
+            <a:r>
+              <a:rPr lang="it-IT" sz="1400" dirty="0"/>
+              <a:t> </a:t>
+            </a:r>
+            <a:r>
+              <a:rPr lang="it-IT" sz="1400" dirty="0" err="1"/>
+              <a:t>tried</a:t>
+            </a:r>
+            <a:r>
+              <a:rPr lang="it-IT" sz="1400" dirty="0"/>
+              <a:t> out </a:t>
+            </a:r>
+            <a:r>
+              <a:rPr lang="it-IT" sz="1400" dirty="0" err="1"/>
+              <a:t>many</a:t>
+            </a:r>
+            <a:r>
+              <a:rPr lang="it-IT" sz="1400" dirty="0"/>
+              <a:t> </a:t>
+            </a:r>
+            <a:r>
+              <a:rPr lang="it-IT" sz="1400" dirty="0" err="1"/>
+              <a:t>configurations</a:t>
+            </a:r>
+            <a:r>
+              <a:rPr lang="it-IT" sz="1400" dirty="0"/>
+              <a:t> of </a:t>
+            </a:r>
+            <a:r>
+              <a:rPr lang="it-IT" sz="1400" dirty="0" err="1"/>
+              <a:t>hyperparameters</a:t>
+            </a:r>
+            <a:r>
+              <a:rPr lang="it-IT" sz="1400" dirty="0"/>
+              <a:t>. </a:t>
+            </a:r>
+            <a:r>
+              <a:rPr lang="it-IT" sz="1400" dirty="0">
+                <a:solidFill>
+                  <a:srgbClr val="FF0000"/>
+                </a:solidFill>
+              </a:rPr>
+              <a:t>Precise </a:t>
+            </a:r>
+            <a:r>
+              <a:rPr lang="it-IT" sz="1400" dirty="0" err="1">
+                <a:solidFill>
+                  <a:srgbClr val="FF0000"/>
+                </a:solidFill>
+              </a:rPr>
+              <a:t>details</a:t>
+            </a:r>
+            <a:r>
+              <a:rPr lang="it-IT" sz="1400" dirty="0">
+                <a:solidFill>
+                  <a:srgbClr val="FF0000"/>
+                </a:solidFill>
+              </a:rPr>
+              <a:t> </a:t>
+            </a:r>
+            <a:r>
+              <a:rPr lang="it-IT" sz="1400" dirty="0" err="1">
+                <a:solidFill>
+                  <a:srgbClr val="FF0000"/>
+                </a:solidFill>
+              </a:rPr>
+              <a:t>will</a:t>
+            </a:r>
+            <a:r>
+              <a:rPr lang="it-IT" sz="1400" dirty="0">
+                <a:solidFill>
+                  <a:srgbClr val="FF0000"/>
+                </a:solidFill>
+              </a:rPr>
+              <a:t> be </a:t>
+            </a:r>
+            <a:r>
+              <a:rPr lang="it-IT" sz="1400" dirty="0" err="1">
+                <a:solidFill>
+                  <a:srgbClr val="FF0000"/>
+                </a:solidFill>
+              </a:rPr>
+              <a:t>given</a:t>
+            </a:r>
+            <a:r>
+              <a:rPr lang="it-IT" sz="1400" dirty="0">
+                <a:solidFill>
+                  <a:srgbClr val="FF0000"/>
+                </a:solidFill>
+              </a:rPr>
+              <a:t> </a:t>
+            </a:r>
+            <a:r>
+              <a:rPr lang="it-IT" sz="1400" dirty="0" err="1">
+                <a:solidFill>
+                  <a:srgbClr val="FF0000"/>
+                </a:solidFill>
+              </a:rPr>
+              <a:t>later</a:t>
+            </a:r>
+            <a:r>
+              <a:rPr lang="it-IT" sz="1400" dirty="0">
+                <a:solidFill>
+                  <a:srgbClr val="FF0000"/>
+                </a:solidFill>
+              </a:rPr>
+              <a:t>. </a:t>
+            </a:r>
+          </a:p>
+        </p:txBody>
+      </p:sp>
+      <p:sp>
+        <p:nvSpPr>
+          <p:cNvPr id="5" name="CasellaDiTesto 4">
+            <a:extLst>
+              <a:ext uri="{FF2B5EF4-FFF2-40B4-BE49-F238E27FC236}">
+                <a16:creationId xmlns:a16="http://schemas.microsoft.com/office/drawing/2014/main" id="{A25770F8-1FA1-1D5E-D768-E47CF7ED482A}"/>
+              </a:ext>
+            </a:extLst>
+          </p:cNvPr>
+          <p:cNvSpPr txBox="1"/>
+          <p:nvPr/>
+        </p:nvSpPr>
+        <p:spPr>
+          <a:xfrm>
+            <a:off x="311760" y="2571750"/>
+            <a:ext cx="8520120" cy="738664"/>
+          </a:xfrm>
+          <a:prstGeom prst="rect">
+            <a:avLst/>
+          </a:prstGeom>
+          <a:noFill/>
+        </p:spPr>
+        <p:txBody>
+          <a:bodyPr wrap="square" rtlCol="0">
+            <a:spAutoFit/>
+          </a:bodyPr>
+          <a:lstStyle/>
+          <a:p>
+            <a:r>
+              <a:rPr lang="it-IT" sz="1400" dirty="0" err="1"/>
+              <a:t>We</a:t>
+            </a:r>
+            <a:r>
+              <a:rPr lang="it-IT" sz="1400" dirty="0"/>
+              <a:t> </a:t>
+            </a:r>
+            <a:r>
+              <a:rPr lang="it-IT" sz="1400" dirty="0" err="1"/>
+              <a:t>used</a:t>
+            </a:r>
+            <a:r>
+              <a:rPr lang="it-IT" sz="1400" dirty="0"/>
+              <a:t> the </a:t>
+            </a:r>
+            <a:r>
+              <a:rPr lang="it-IT" sz="1400" b="1" dirty="0"/>
+              <a:t>Random </a:t>
+            </a:r>
+            <a:r>
+              <a:rPr lang="it-IT" sz="1400" b="1" dirty="0" err="1"/>
+              <a:t>Forests</a:t>
+            </a:r>
+            <a:r>
+              <a:rPr lang="it-IT" sz="1400" dirty="0"/>
+              <a:t> and </a:t>
+            </a:r>
+            <a:r>
+              <a:rPr lang="it-IT" sz="1400" b="1" dirty="0" err="1"/>
+              <a:t>SVM</a:t>
+            </a:r>
+            <a:r>
+              <a:rPr lang="it-IT" sz="1400" dirty="0" err="1"/>
+              <a:t>s</a:t>
+            </a:r>
+            <a:r>
+              <a:rPr lang="it-IT" sz="1400" dirty="0"/>
+              <a:t> from </a:t>
+            </a:r>
+            <a:r>
+              <a:rPr lang="it-IT" sz="1400" dirty="0" err="1"/>
+              <a:t>Scikit-Learn</a:t>
+            </a:r>
+            <a:r>
+              <a:rPr lang="it-IT" sz="1400" dirty="0"/>
+              <a:t>, and </a:t>
+            </a:r>
+            <a:r>
+              <a:rPr lang="it-IT" sz="1400" dirty="0" err="1"/>
+              <a:t>implemented</a:t>
+            </a:r>
+            <a:r>
+              <a:rPr lang="it-IT" sz="1400" dirty="0"/>
+              <a:t> a </a:t>
+            </a:r>
+            <a:r>
+              <a:rPr lang="it-IT" sz="1400" dirty="0" err="1"/>
+              <a:t>multilayer</a:t>
+            </a:r>
+            <a:r>
+              <a:rPr lang="it-IT" sz="1400" dirty="0"/>
+              <a:t> </a:t>
+            </a:r>
+            <a:r>
+              <a:rPr lang="it-IT" sz="1400" dirty="0" err="1"/>
+              <a:t>feedforward</a:t>
+            </a:r>
+            <a:r>
+              <a:rPr lang="it-IT" sz="1400" dirty="0"/>
+              <a:t> </a:t>
+            </a:r>
+            <a:r>
+              <a:rPr lang="it-IT" sz="1400" b="1" dirty="0" err="1"/>
+              <a:t>Neural</a:t>
+            </a:r>
+            <a:r>
+              <a:rPr lang="it-IT" sz="1400" b="1" dirty="0"/>
+              <a:t> Network</a:t>
+            </a:r>
+            <a:r>
+              <a:rPr lang="it-IT" sz="1400" dirty="0"/>
+              <a:t> </a:t>
+            </a:r>
+            <a:r>
+              <a:rPr lang="it-IT" sz="1400" dirty="0" err="1"/>
+              <a:t>using</a:t>
+            </a:r>
+            <a:r>
+              <a:rPr lang="it-IT" sz="1400" dirty="0"/>
+              <a:t> </a:t>
+            </a:r>
+            <a:r>
+              <a:rPr lang="it-IT" sz="1400" dirty="0" err="1"/>
+              <a:t>Keras</a:t>
+            </a:r>
+            <a:r>
+              <a:rPr lang="it-IT" sz="1400" dirty="0"/>
+              <a:t>. The </a:t>
+            </a:r>
+            <a:r>
+              <a:rPr lang="it-IT" sz="1400" dirty="0" err="1">
+                <a:latin typeface="Consolas" panose="020B0609020204030204" pitchFamily="49" charset="0"/>
+              </a:rPr>
+              <a:t>NeuralNetwork</a:t>
+            </a:r>
+            <a:r>
+              <a:rPr lang="it-IT" sz="1400" dirty="0"/>
+              <a:t> classes in </a:t>
+            </a:r>
+            <a:r>
+              <a:rPr lang="it-IT" sz="1400" dirty="0" err="1"/>
+              <a:t>our</a:t>
+            </a:r>
+            <a:r>
+              <a:rPr lang="it-IT" sz="1400" dirty="0"/>
+              <a:t> code </a:t>
+            </a:r>
+            <a:r>
+              <a:rPr lang="it-IT" sz="1400" dirty="0" err="1"/>
+              <a:t>is</a:t>
+            </a:r>
+            <a:r>
+              <a:rPr lang="it-IT" sz="1400" dirty="0"/>
+              <a:t> </a:t>
+            </a:r>
+            <a:r>
+              <a:rPr lang="it-IT" sz="1400" dirty="0" err="1"/>
+              <a:t>designed</a:t>
+            </a:r>
+            <a:r>
+              <a:rPr lang="it-IT" sz="1400" dirty="0"/>
+              <a:t> to be </a:t>
+            </a:r>
+            <a:r>
+              <a:rPr lang="it-IT" sz="1400" dirty="0" err="1"/>
+              <a:t>seamless</a:t>
+            </a:r>
+            <a:r>
+              <a:rPr lang="it-IT" sz="1400" dirty="0"/>
+              <a:t> </a:t>
+            </a:r>
+            <a:r>
+              <a:rPr lang="it-IT" sz="1400" dirty="0" err="1"/>
+              <a:t>integrated</a:t>
+            </a:r>
+            <a:r>
+              <a:rPr lang="it-IT" sz="1400" dirty="0"/>
+              <a:t> with </a:t>
+            </a:r>
+            <a:r>
+              <a:rPr lang="it-IT" sz="1400" dirty="0" err="1"/>
+              <a:t>Scikit-Learn</a:t>
+            </a:r>
+            <a:r>
+              <a:rPr lang="it-IT" sz="1400" dirty="0"/>
+              <a:t> </a:t>
+            </a:r>
+            <a:r>
+              <a:rPr lang="it-IT" sz="1400" dirty="0" err="1"/>
+              <a:t>while</a:t>
+            </a:r>
+            <a:r>
+              <a:rPr lang="it-IT" sz="1400" dirty="0"/>
+              <a:t> </a:t>
+            </a:r>
+            <a:r>
+              <a:rPr lang="it-IT" sz="1400" dirty="0" err="1"/>
+              <a:t>also</a:t>
+            </a:r>
+            <a:r>
+              <a:rPr lang="it-IT" sz="1400" dirty="0"/>
+              <a:t> be </a:t>
+            </a:r>
+            <a:r>
+              <a:rPr lang="it-IT" sz="1400" dirty="0" err="1"/>
+              <a:t>usable</a:t>
+            </a:r>
+            <a:r>
+              <a:rPr lang="it-IT" sz="1400" dirty="0"/>
+              <a:t> </a:t>
+            </a:r>
+            <a:r>
+              <a:rPr lang="it-IT" sz="1400" dirty="0" err="1"/>
+              <a:t>without</a:t>
+            </a:r>
+            <a:r>
+              <a:rPr lang="it-IT" sz="1400" dirty="0"/>
+              <a:t> </a:t>
+            </a:r>
+            <a:r>
+              <a:rPr lang="it-IT" sz="1400" dirty="0" err="1"/>
+              <a:t>it</a:t>
+            </a:r>
+            <a:r>
+              <a:rPr lang="it-IT" sz="1400" dirty="0"/>
+              <a:t>.</a:t>
+            </a:r>
+          </a:p>
+        </p:txBody>
+      </p:sp>
+      <p:sp>
+        <p:nvSpPr>
+          <p:cNvPr id="2" name="CasellaDiTesto 1">
+            <a:extLst>
+              <a:ext uri="{FF2B5EF4-FFF2-40B4-BE49-F238E27FC236}">
+                <a16:creationId xmlns:a16="http://schemas.microsoft.com/office/drawing/2014/main" id="{9E8E789C-82F5-CC8C-8B8A-CDC995A7C697}"/>
+              </a:ext>
+            </a:extLst>
+          </p:cNvPr>
+          <p:cNvSpPr txBox="1"/>
+          <p:nvPr/>
+        </p:nvSpPr>
+        <p:spPr>
+          <a:xfrm>
+            <a:off x="311760" y="3310414"/>
+            <a:ext cx="8520120" cy="738664"/>
+          </a:xfrm>
+          <a:prstGeom prst="rect">
+            <a:avLst/>
+          </a:prstGeom>
+          <a:noFill/>
+        </p:spPr>
+        <p:txBody>
+          <a:bodyPr wrap="square" rtlCol="0">
+            <a:spAutoFit/>
+          </a:bodyPr>
+          <a:lstStyle/>
+          <a:p>
+            <a:r>
+              <a:rPr lang="it-IT" sz="1400" dirty="0"/>
+              <a:t>For the </a:t>
+            </a:r>
+            <a:r>
+              <a:rPr lang="it-IT" sz="1400" dirty="0" err="1"/>
+              <a:t>Neural</a:t>
+            </a:r>
+            <a:r>
+              <a:rPr lang="it-IT" sz="1400" dirty="0"/>
+              <a:t> Networks, </a:t>
+            </a:r>
+            <a:r>
+              <a:rPr lang="it-IT" sz="1400" dirty="0" err="1"/>
+              <a:t>we</a:t>
+            </a:r>
+            <a:r>
+              <a:rPr lang="it-IT" sz="1400" dirty="0"/>
+              <a:t> </a:t>
+            </a:r>
+            <a:r>
+              <a:rPr lang="it-IT" sz="1400" dirty="0" err="1"/>
+              <a:t>have</a:t>
+            </a:r>
+            <a:r>
+              <a:rPr lang="it-IT" sz="1400" dirty="0"/>
+              <a:t> 4 models, </a:t>
+            </a:r>
+            <a:r>
+              <a:rPr lang="it-IT" sz="1400" dirty="0" err="1"/>
+              <a:t>given</a:t>
+            </a:r>
+            <a:r>
+              <a:rPr lang="it-IT" sz="1400" dirty="0"/>
+              <a:t> by the </a:t>
+            </a:r>
+            <a:r>
+              <a:rPr lang="it-IT" sz="1400" dirty="0" err="1"/>
+              <a:t>choices</a:t>
+            </a:r>
+            <a:r>
+              <a:rPr lang="it-IT" sz="1400" dirty="0"/>
+              <a:t> of </a:t>
+            </a:r>
+            <a:r>
+              <a:rPr lang="it-IT" sz="1400" dirty="0" err="1"/>
+              <a:t>internal</a:t>
+            </a:r>
+            <a:r>
+              <a:rPr lang="it-IT" sz="1400" dirty="0"/>
+              <a:t> </a:t>
+            </a:r>
+            <a:r>
+              <a:rPr lang="it-IT" sz="1400" dirty="0" err="1"/>
+              <a:t>loss</a:t>
+            </a:r>
+            <a:r>
+              <a:rPr lang="it-IT" sz="1400" dirty="0"/>
+              <a:t> </a:t>
+            </a:r>
+            <a:r>
+              <a:rPr lang="it-IT" sz="1400" dirty="0" err="1"/>
+              <a:t>function</a:t>
+            </a:r>
+            <a:r>
+              <a:rPr lang="it-IT" sz="1400" dirty="0"/>
+              <a:t> for training (MSE/MEE) and the </a:t>
+            </a:r>
+            <a:r>
+              <a:rPr lang="it-IT" sz="1400" dirty="0" err="1"/>
+              <a:t>hyperparameters</a:t>
+            </a:r>
+            <a:r>
+              <a:rPr lang="it-IT" sz="1400" dirty="0"/>
+              <a:t> </a:t>
+            </a:r>
+            <a:r>
+              <a:rPr lang="it-IT" sz="1400" dirty="0" err="1"/>
+              <a:t>exploration</a:t>
+            </a:r>
+            <a:r>
+              <a:rPr lang="it-IT" sz="1400" dirty="0"/>
+              <a:t> strategy (full </a:t>
+            </a:r>
+            <a:r>
+              <a:rPr lang="it-IT" sz="1400" dirty="0" err="1"/>
+              <a:t>grid</a:t>
+            </a:r>
+            <a:r>
+              <a:rPr lang="it-IT" sz="1400" dirty="0"/>
+              <a:t> </a:t>
+            </a:r>
+            <a:r>
+              <a:rPr lang="it-IT" sz="1400" dirty="0" err="1"/>
+              <a:t>search</a:t>
+            </a:r>
+            <a:r>
+              <a:rPr lang="it-IT" sz="1400" dirty="0"/>
+              <a:t>/</a:t>
+            </a:r>
+            <a:r>
+              <a:rPr lang="it-IT" sz="1400" dirty="0" err="1"/>
+              <a:t>Optuna</a:t>
+            </a:r>
+            <a:r>
+              <a:rPr lang="it-IT" sz="1400" dirty="0"/>
+              <a:t>). </a:t>
+            </a:r>
+          </a:p>
+          <a:p>
+            <a:r>
+              <a:rPr lang="it-IT" sz="1400" dirty="0"/>
+              <a:t>So </a:t>
+            </a:r>
+            <a:r>
+              <a:rPr lang="it-IT" sz="1400" dirty="0" err="1"/>
+              <a:t>we</a:t>
+            </a:r>
+            <a:r>
+              <a:rPr lang="it-IT" sz="1400" dirty="0"/>
+              <a:t> </a:t>
+            </a:r>
+            <a:r>
+              <a:rPr lang="it-IT" sz="1400" dirty="0" err="1"/>
+              <a:t>compared</a:t>
+            </a:r>
+            <a:r>
+              <a:rPr lang="it-IT" sz="1400" dirty="0"/>
+              <a:t> 6 models in </a:t>
+            </a:r>
+            <a:r>
+              <a:rPr lang="it-IT" sz="1400" dirty="0" err="1"/>
+              <a:t>total</a:t>
+            </a:r>
+            <a:r>
+              <a:rPr lang="it-IT" sz="1400" dirty="0"/>
+              <a:t>. </a:t>
+            </a:r>
+          </a:p>
+        </p:txBody>
+      </p:sp>
+    </p:spTree>
+    <p:extLst>
+      <p:ext uri="{BB962C8B-B14F-4D97-AF65-F5344CB8AC3E}">
+        <p14:creationId xmlns:p14="http://schemas.microsoft.com/office/powerpoint/2010/main" val="2850000877"/>
+      </p:ext>
+    </p:extLst>
+  </p:cSld>
+  <p:clrMapOvr>
+    <a:masterClrMapping/>
+  </p:clrMapOvr>
+</p:sld>
+</file>
+
+<file path=ppt/slides/slide30.xml><?xml version="1.0" encoding="utf-8"?>
 <p:sld xmlns:a="http://schemas.openxmlformats.org/drawingml/2006/main" xmlns:r="http://schemas.openxmlformats.org/officeDocument/2006/relationships" xmlns:p="http://schemas.openxmlformats.org/presentationml/2006/main">
   <p:cSld>
     <p:spTree>
@@ -25554,7 +26857,7 @@
                 <a:latin typeface="Arial"/>
                 <a:ea typeface="Arial"/>
               </a:rPr>
-              <a:t>29</a:t>
+              <a:t>30</a:t>
             </a:fld>
             <a:endParaRPr lang="it-IT" sz="1000" b="0" strike="noStrike" spc="-1">
               <a:latin typeface="Times New Roman"/>
@@ -25901,850 +27204,7 @@
 </p:sld>
 </file>
 
-<file path=ppt/slides/slide3.xml><?xml version="1.0" encoding="utf-8"?>
-<p:sld xmlns:a="http://schemas.openxmlformats.org/drawingml/2006/main" xmlns:r="http://schemas.openxmlformats.org/officeDocument/2006/relationships" xmlns:p="http://schemas.openxmlformats.org/presentationml/2006/main">
-  <p:cSld>
-    <p:spTree>
-      <p:nvGrpSpPr>
-        <p:cNvPr id="1" name=""/>
-        <p:cNvGrpSpPr/>
-        <p:nvPr/>
-      </p:nvGrpSpPr>
-      <p:grpSpPr>
-        <a:xfrm>
-          <a:off x="0" y="0"/>
-          <a:ext cx="0" cy="0"/>
-          <a:chOff x="0" y="0"/>
-          <a:chExt cx="0" cy="0"/>
-        </a:xfrm>
-      </p:grpSpPr>
-      <p:sp>
-        <p:nvSpPr>
-          <p:cNvPr id="83" name="PlaceHolder 3"/>
-          <p:cNvSpPr>
-            <a:spLocks noGrp="1"/>
-          </p:cNvSpPr>
-          <p:nvPr>
-            <p:ph type="sldNum" idx="3"/>
-          </p:nvPr>
-        </p:nvSpPr>
-        <p:spPr>
-          <a:xfrm>
-            <a:off x="8472600" y="4663080"/>
-            <a:ext cx="548280" cy="393120"/>
-          </a:xfrm>
-          <a:prstGeom prst="rect">
-            <a:avLst/>
-          </a:prstGeom>
-          <a:noFill/>
-          <a:ln w="0">
-            <a:noFill/>
-          </a:ln>
-        </p:spPr>
-        <p:txBody>
-          <a:bodyPr tIns="91440" bIns="91440" anchor="ctr">
-            <a:normAutofit/>
-          </a:bodyPr>
-          <a:lstStyle>
-            <a:lvl1pPr algn="r">
-              <a:lnSpc>
-                <a:spcPct val="100000"/>
-              </a:lnSpc>
-              <a:buNone/>
-              <a:tabLst>
-                <a:tab pos="0" algn="l"/>
-              </a:tabLst>
-              <a:defRPr lang="it" sz="1000" b="0" strike="noStrike" spc="-1">
-                <a:solidFill>
-                  <a:srgbClr val="595959"/>
-                </a:solidFill>
-                <a:latin typeface="Arial"/>
-                <a:ea typeface="Arial"/>
-              </a:defRPr>
-            </a:lvl1pPr>
-          </a:lstStyle>
-          <a:p>
-            <a:pPr algn="r">
-              <a:lnSpc>
-                <a:spcPct val="100000"/>
-              </a:lnSpc>
-              <a:buNone/>
-              <a:tabLst>
-                <a:tab pos="0" algn="l"/>
-              </a:tabLst>
-            </a:pPr>
-            <a:fld id="{CDE5831E-EF50-4AF8-82C3-EBDE88F03D8C}" type="slidenum">
-              <a:rPr lang="it" sz="1000" b="0" strike="noStrike" spc="-1">
-                <a:solidFill>
-                  <a:srgbClr val="595959"/>
-                </a:solidFill>
-                <a:latin typeface="Arial"/>
-                <a:ea typeface="Arial"/>
-              </a:rPr>
-              <a:t>3</a:t>
-            </a:fld>
-            <a:endParaRPr lang="it-IT" sz="1000" b="0" strike="noStrike" spc="-1" dirty="0">
-              <a:latin typeface="Times New Roman"/>
-            </a:endParaRPr>
-          </a:p>
-        </p:txBody>
-      </p:sp>
-      <p:sp>
-        <p:nvSpPr>
-          <p:cNvPr id="4" name="PlaceHolder 1">
-            <a:extLst>
-              <a:ext uri="{FF2B5EF4-FFF2-40B4-BE49-F238E27FC236}">
-                <a16:creationId xmlns:a16="http://schemas.microsoft.com/office/drawing/2014/main" id="{80C918E8-6CF7-0E0B-D3EF-88419C82AA81}"/>
-              </a:ext>
-            </a:extLst>
-          </p:cNvPr>
-          <p:cNvSpPr txBox="1">
-            <a:spLocks/>
-          </p:cNvSpPr>
-          <p:nvPr/>
-        </p:nvSpPr>
-        <p:spPr>
-          <a:xfrm>
-            <a:off x="311760" y="0"/>
-            <a:ext cx="8520120" cy="576000"/>
-          </a:xfrm>
-          <a:prstGeom prst="rect">
-            <a:avLst/>
-          </a:prstGeom>
-          <a:noFill/>
-          <a:ln w="0">
-            <a:noFill/>
-          </a:ln>
-        </p:spPr>
-        <p:txBody>
-          <a:bodyPr lIns="0" tIns="91440" rIns="0" bIns="91440" anchor="t">
-            <a:normAutofit fontScale="97500"/>
-          </a:bodyPr>
-          <a:lstStyle>
-            <a:lvl1pPr algn="l" defTabSz="914400" rtl="0" eaLnBrk="1" latinLnBrk="0" hangingPunct="1">
-              <a:lnSpc>
-                <a:spcPct val="90000"/>
-              </a:lnSpc>
-              <a:spcBef>
-                <a:spcPct val="0"/>
-              </a:spcBef>
-              <a:buNone/>
-              <a:defRPr sz="4400" kern="1200">
-                <a:solidFill>
-                  <a:schemeClr val="tx1"/>
-                </a:solidFill>
-                <a:latin typeface="+mj-lt"/>
-                <a:ea typeface="+mj-ea"/>
-                <a:cs typeface="+mj-cs"/>
-              </a:defRPr>
-            </a:lvl1pPr>
-          </a:lstStyle>
-          <a:p>
-            <a:pPr>
-              <a:lnSpc>
-                <a:spcPct val="100000"/>
-              </a:lnSpc>
-              <a:tabLst>
-                <a:tab pos="0" algn="l"/>
-              </a:tabLst>
-            </a:pPr>
-            <a:r>
-              <a:rPr lang="it" sz="2500" spc="-1" dirty="0">
-                <a:solidFill>
-                  <a:srgbClr val="000000"/>
-                </a:solidFill>
-                <a:latin typeface="Arial"/>
-                <a:ea typeface="Arial"/>
-              </a:rPr>
-              <a:t>Code structure, models overview </a:t>
-            </a:r>
-            <a:r>
-              <a:rPr lang="it" sz="2500" spc="-1" dirty="0">
-                <a:solidFill>
-                  <a:srgbClr val="FF0000"/>
-                </a:solidFill>
-                <a:latin typeface="Arial"/>
-                <a:ea typeface="Arial"/>
-              </a:rPr>
-              <a:t>da rivedere</a:t>
-            </a:r>
-            <a:endParaRPr lang="it-IT" sz="2400" spc="-1" dirty="0">
-              <a:solidFill>
-                <a:srgbClr val="FF0000"/>
-              </a:solidFill>
-              <a:latin typeface="Arial"/>
-            </a:endParaRPr>
-          </a:p>
-        </p:txBody>
-      </p:sp>
-      <p:sp>
-        <p:nvSpPr>
-          <p:cNvPr id="3" name="CasellaDiTesto 2">
-            <a:extLst>
-              <a:ext uri="{FF2B5EF4-FFF2-40B4-BE49-F238E27FC236}">
-                <a16:creationId xmlns:a16="http://schemas.microsoft.com/office/drawing/2014/main" id="{21F77B32-FB82-2079-F53B-1131754C4D18}"/>
-              </a:ext>
-            </a:extLst>
-          </p:cNvPr>
-          <p:cNvSpPr txBox="1"/>
-          <p:nvPr/>
-        </p:nvSpPr>
-        <p:spPr>
-          <a:xfrm>
-            <a:off x="311761" y="693013"/>
-            <a:ext cx="8520119" cy="1600438"/>
-          </a:xfrm>
-          <a:prstGeom prst="rect">
-            <a:avLst/>
-          </a:prstGeom>
-          <a:noFill/>
-        </p:spPr>
-        <p:txBody>
-          <a:bodyPr wrap="square" rtlCol="0">
-            <a:spAutoFit/>
-          </a:bodyPr>
-          <a:lstStyle/>
-          <a:p>
-            <a:r>
-              <a:rPr lang="it-IT" sz="1400" dirty="0"/>
-              <a:t>Basic </a:t>
-            </a:r>
-            <a:r>
-              <a:rPr lang="it-IT" sz="1400" dirty="0" err="1"/>
-              <a:t>structure</a:t>
-            </a:r>
-            <a:r>
-              <a:rPr lang="it-IT" sz="1400" dirty="0"/>
-              <a:t> of the code: </a:t>
-            </a:r>
-          </a:p>
-          <a:p>
-            <a:pPr marL="285750" indent="-285750">
-              <a:buFont typeface="Arial" panose="020B0604020202020204" pitchFamily="34" charset="0"/>
-              <a:buChar char="•"/>
-            </a:pPr>
-            <a:r>
-              <a:rPr lang="it-IT" sz="1400" dirty="0">
-                <a:hlinkClick r:id="rId2"/>
-              </a:rPr>
-              <a:t>GitHub repo</a:t>
-            </a:r>
-            <a:r>
-              <a:rPr lang="it-IT" sz="1400" dirty="0"/>
-              <a:t> in </a:t>
-            </a:r>
-            <a:r>
-              <a:rPr lang="it-IT" sz="1400" dirty="0" err="1"/>
-              <a:t>which</a:t>
-            </a:r>
-            <a:r>
-              <a:rPr lang="it-IT" sz="1400" dirty="0"/>
-              <a:t> </a:t>
-            </a:r>
-            <a:r>
-              <a:rPr lang="it-IT" sz="1400" dirty="0" err="1"/>
-              <a:t>we</a:t>
-            </a:r>
-            <a:r>
-              <a:rPr lang="it-IT" sz="1400" dirty="0"/>
-              <a:t> </a:t>
-            </a:r>
-            <a:r>
-              <a:rPr lang="it-IT" sz="1400" dirty="0" err="1"/>
-              <a:t>stored</a:t>
-            </a:r>
-            <a:r>
-              <a:rPr lang="it-IT" sz="1400" dirty="0"/>
-              <a:t> the datasets, images, notebooks and </a:t>
-            </a:r>
-            <a:r>
-              <a:rPr lang="it-IT" sz="1400" dirty="0" err="1"/>
-              <a:t>saved</a:t>
-            </a:r>
-            <a:r>
-              <a:rPr lang="it-IT" sz="1400" dirty="0"/>
-              <a:t> models. </a:t>
-            </a:r>
-          </a:p>
-          <a:p>
-            <a:pPr marL="285750" indent="-285750">
-              <a:buFont typeface="Arial" panose="020B0604020202020204" pitchFamily="34" charset="0"/>
-              <a:buChar char="•"/>
-            </a:pPr>
-            <a:r>
-              <a:rPr lang="it-IT" sz="1400" dirty="0"/>
-              <a:t>A notebook for </a:t>
-            </a:r>
-            <a:r>
-              <a:rPr lang="it-IT" sz="1400" dirty="0" err="1"/>
-              <a:t>each</a:t>
-            </a:r>
-            <a:r>
-              <a:rPr lang="it-IT" sz="1400" dirty="0"/>
-              <a:t> of the </a:t>
-            </a:r>
-            <a:r>
-              <a:rPr lang="it-IT" sz="1400" dirty="0" err="1"/>
-              <a:t>three</a:t>
-            </a:r>
-            <a:r>
-              <a:rPr lang="it-IT" sz="1400" dirty="0"/>
-              <a:t> classes of models, for </a:t>
-            </a:r>
-            <a:r>
-              <a:rPr lang="it-IT" sz="1400" dirty="0" err="1"/>
-              <a:t>each</a:t>
-            </a:r>
-            <a:r>
-              <a:rPr lang="it-IT" sz="1400" dirty="0"/>
-              <a:t> of the </a:t>
-            </a:r>
-            <a:r>
-              <a:rPr lang="it-IT" sz="1400" dirty="0" err="1"/>
-              <a:t>two</a:t>
-            </a:r>
-            <a:r>
-              <a:rPr lang="it-IT" sz="1400" dirty="0"/>
-              <a:t> tasks.</a:t>
-            </a:r>
-          </a:p>
-          <a:p>
-            <a:pPr marL="285750" indent="-285750">
-              <a:buFont typeface="Arial" panose="020B0604020202020204" pitchFamily="34" charset="0"/>
-              <a:buChar char="•"/>
-            </a:pPr>
-            <a:r>
-              <a:rPr lang="it-IT" sz="1400" dirty="0"/>
-              <a:t>In </a:t>
-            </a:r>
-            <a:r>
-              <a:rPr lang="it-IT" sz="1400" dirty="0" err="1"/>
-              <a:t>each</a:t>
-            </a:r>
-            <a:r>
-              <a:rPr lang="it-IT" sz="1400" dirty="0"/>
-              <a:t> notebook: import and </a:t>
-            </a:r>
-            <a:r>
-              <a:rPr lang="it-IT" sz="1400" dirty="0" err="1"/>
-              <a:t>process</a:t>
-            </a:r>
-            <a:r>
-              <a:rPr lang="it-IT" sz="1400" dirty="0"/>
-              <a:t> the data, create the model (</a:t>
-            </a:r>
-            <a:r>
-              <a:rPr lang="it-IT" sz="1400" dirty="0" err="1"/>
-              <a:t>often</a:t>
-            </a:r>
-            <a:r>
-              <a:rPr lang="it-IT" sz="1400" dirty="0"/>
-              <a:t> by </a:t>
-            </a:r>
-            <a:r>
-              <a:rPr lang="it-IT" sz="1400" dirty="0" err="1"/>
-              <a:t>calling</a:t>
-            </a:r>
-            <a:r>
-              <a:rPr lang="it-IT" sz="1400" dirty="0"/>
-              <a:t> a </a:t>
-            </a:r>
-            <a:r>
-              <a:rPr lang="it-IT" sz="1400" dirty="0" err="1"/>
-              <a:t>function</a:t>
-            </a:r>
-            <a:r>
-              <a:rPr lang="it-IT" sz="1400" dirty="0"/>
-              <a:t> </a:t>
-            </a:r>
-            <a:r>
-              <a:rPr lang="it-IT" sz="1400" dirty="0" err="1"/>
-              <a:t>provided</a:t>
-            </a:r>
-            <a:r>
-              <a:rPr lang="it-IT" sz="1400" dirty="0"/>
-              <a:t> by the library), set up the </a:t>
-            </a:r>
-            <a:r>
-              <a:rPr lang="it-IT" sz="1400" dirty="0" err="1"/>
-              <a:t>grid</a:t>
-            </a:r>
-            <a:r>
-              <a:rPr lang="it-IT" sz="1400" dirty="0"/>
-              <a:t> </a:t>
-            </a:r>
-            <a:r>
-              <a:rPr lang="it-IT" sz="1400" dirty="0" err="1"/>
-              <a:t>search</a:t>
-            </a:r>
-            <a:r>
-              <a:rPr lang="it-IT" sz="1400" dirty="0"/>
-              <a:t> and training </a:t>
-            </a:r>
-            <a:r>
-              <a:rPr lang="it-IT" sz="1400" dirty="0" err="1"/>
-              <a:t>process</a:t>
-            </a:r>
-            <a:r>
-              <a:rPr lang="it-IT" sz="1400" dirty="0"/>
-              <a:t>, </a:t>
-            </a:r>
-            <a:r>
-              <a:rPr lang="it-IT" sz="1400" dirty="0" err="1"/>
-              <a:t>select</a:t>
-            </a:r>
-            <a:r>
-              <a:rPr lang="it-IT" sz="1400" dirty="0"/>
-              <a:t> best </a:t>
-            </a:r>
-            <a:r>
-              <a:rPr lang="it-IT" sz="1400" dirty="0" err="1"/>
-              <a:t>hyperparameters</a:t>
-            </a:r>
-            <a:r>
-              <a:rPr lang="it-IT" sz="1400" dirty="0"/>
-              <a:t> and plot the learning curve, </a:t>
-            </a:r>
-            <a:r>
-              <a:rPr lang="it-IT" sz="1400" dirty="0" err="1"/>
-              <a:t>save</a:t>
-            </a:r>
-            <a:r>
-              <a:rPr lang="it-IT" sz="1400" dirty="0"/>
-              <a:t> the model</a:t>
-            </a:r>
-          </a:p>
-          <a:p>
-            <a:pPr marL="285750" indent="-285750">
-              <a:buFont typeface="Arial" panose="020B0604020202020204" pitchFamily="34" charset="0"/>
-              <a:buChar char="•"/>
-            </a:pPr>
-            <a:r>
-              <a:rPr lang="it-IT" sz="1400" dirty="0"/>
-              <a:t>Extra notebooks for data </a:t>
-            </a:r>
-            <a:r>
-              <a:rPr lang="it-IT" sz="1400" dirty="0" err="1"/>
-              <a:t>exploration</a:t>
-            </a:r>
-            <a:r>
-              <a:rPr lang="it-IT" sz="1400" dirty="0"/>
-              <a:t> and models </a:t>
-            </a:r>
-            <a:r>
-              <a:rPr lang="it-IT" sz="1400" dirty="0" err="1"/>
-              <a:t>comparison</a:t>
-            </a:r>
-            <a:endParaRPr lang="it-IT" sz="1400" dirty="0"/>
-          </a:p>
-        </p:txBody>
-      </p:sp>
-      <p:sp>
-        <p:nvSpPr>
-          <p:cNvPr id="11" name="CasellaDiTesto 10">
-            <a:extLst>
-              <a:ext uri="{FF2B5EF4-FFF2-40B4-BE49-F238E27FC236}">
-                <a16:creationId xmlns:a16="http://schemas.microsoft.com/office/drawing/2014/main" id="{003EBDB9-88F0-E455-63E2-1D1CE308D764}"/>
-              </a:ext>
-            </a:extLst>
-          </p:cNvPr>
-          <p:cNvSpPr txBox="1"/>
-          <p:nvPr/>
-        </p:nvSpPr>
-        <p:spPr>
-          <a:xfrm>
-            <a:off x="311760" y="3996932"/>
-            <a:ext cx="8520120" cy="523220"/>
-          </a:xfrm>
-          <a:prstGeom prst="rect">
-            <a:avLst/>
-          </a:prstGeom>
-          <a:noFill/>
-        </p:spPr>
-        <p:txBody>
-          <a:bodyPr wrap="square" rtlCol="0">
-            <a:spAutoFit/>
-          </a:bodyPr>
-          <a:lstStyle/>
-          <a:p>
-            <a:r>
-              <a:rPr lang="it-IT" sz="1400" dirty="0"/>
-              <a:t>For </a:t>
-            </a:r>
-            <a:r>
-              <a:rPr lang="it-IT" sz="1400" dirty="0" err="1"/>
-              <a:t>all</a:t>
-            </a:r>
-            <a:r>
-              <a:rPr lang="it-IT" sz="1400" dirty="0"/>
-              <a:t> </a:t>
-            </a:r>
-            <a:r>
-              <a:rPr lang="it-IT" sz="1400" dirty="0" err="1"/>
-              <a:t>these</a:t>
-            </a:r>
-            <a:r>
-              <a:rPr lang="it-IT" sz="1400" dirty="0"/>
-              <a:t> models </a:t>
-            </a:r>
-            <a:r>
-              <a:rPr lang="it-IT" sz="1400" dirty="0" err="1"/>
-              <a:t>we</a:t>
-            </a:r>
-            <a:r>
-              <a:rPr lang="it-IT" sz="1400" dirty="0"/>
-              <a:t> </a:t>
-            </a:r>
-            <a:r>
-              <a:rPr lang="it-IT" sz="1400" dirty="0" err="1"/>
-              <a:t>tried</a:t>
-            </a:r>
-            <a:r>
-              <a:rPr lang="it-IT" sz="1400" dirty="0"/>
-              <a:t> out </a:t>
-            </a:r>
-            <a:r>
-              <a:rPr lang="it-IT" sz="1400" dirty="0" err="1"/>
-              <a:t>many</a:t>
-            </a:r>
-            <a:r>
-              <a:rPr lang="it-IT" sz="1400" dirty="0"/>
-              <a:t> </a:t>
-            </a:r>
-            <a:r>
-              <a:rPr lang="it-IT" sz="1400" dirty="0" err="1"/>
-              <a:t>configurations</a:t>
-            </a:r>
-            <a:r>
-              <a:rPr lang="it-IT" sz="1400" dirty="0"/>
-              <a:t> of </a:t>
-            </a:r>
-            <a:r>
-              <a:rPr lang="it-IT" sz="1400" dirty="0" err="1"/>
-              <a:t>hyperparameters</a:t>
-            </a:r>
-            <a:r>
-              <a:rPr lang="it-IT" sz="1400" dirty="0"/>
-              <a:t>. </a:t>
-            </a:r>
-            <a:r>
-              <a:rPr lang="it-IT" sz="1400" dirty="0">
-                <a:solidFill>
-                  <a:srgbClr val="FF0000"/>
-                </a:solidFill>
-              </a:rPr>
-              <a:t>Precise </a:t>
-            </a:r>
-            <a:r>
-              <a:rPr lang="it-IT" sz="1400" dirty="0" err="1">
-                <a:solidFill>
-                  <a:srgbClr val="FF0000"/>
-                </a:solidFill>
-              </a:rPr>
-              <a:t>details</a:t>
-            </a:r>
-            <a:r>
-              <a:rPr lang="it-IT" sz="1400" dirty="0">
-                <a:solidFill>
-                  <a:srgbClr val="FF0000"/>
-                </a:solidFill>
-              </a:rPr>
-              <a:t> </a:t>
-            </a:r>
-            <a:r>
-              <a:rPr lang="it-IT" sz="1400" dirty="0" err="1">
-                <a:solidFill>
-                  <a:srgbClr val="FF0000"/>
-                </a:solidFill>
-              </a:rPr>
-              <a:t>will</a:t>
-            </a:r>
-            <a:r>
-              <a:rPr lang="it-IT" sz="1400" dirty="0">
-                <a:solidFill>
-                  <a:srgbClr val="FF0000"/>
-                </a:solidFill>
-              </a:rPr>
-              <a:t> be </a:t>
-            </a:r>
-            <a:r>
-              <a:rPr lang="it-IT" sz="1400" dirty="0" err="1">
-                <a:solidFill>
-                  <a:srgbClr val="FF0000"/>
-                </a:solidFill>
-              </a:rPr>
-              <a:t>given</a:t>
-            </a:r>
-            <a:r>
-              <a:rPr lang="it-IT" sz="1400" dirty="0">
-                <a:solidFill>
-                  <a:srgbClr val="FF0000"/>
-                </a:solidFill>
-              </a:rPr>
-              <a:t> </a:t>
-            </a:r>
-            <a:r>
-              <a:rPr lang="it-IT" sz="1400" dirty="0" err="1">
-                <a:solidFill>
-                  <a:srgbClr val="FF0000"/>
-                </a:solidFill>
-              </a:rPr>
-              <a:t>later</a:t>
-            </a:r>
-            <a:r>
-              <a:rPr lang="it-IT" sz="1400" dirty="0">
-                <a:solidFill>
-                  <a:srgbClr val="FF0000"/>
-                </a:solidFill>
-              </a:rPr>
-              <a:t>. </a:t>
-            </a:r>
-          </a:p>
-        </p:txBody>
-      </p:sp>
-      <p:sp>
-        <p:nvSpPr>
-          <p:cNvPr id="5" name="CasellaDiTesto 4">
-            <a:extLst>
-              <a:ext uri="{FF2B5EF4-FFF2-40B4-BE49-F238E27FC236}">
-                <a16:creationId xmlns:a16="http://schemas.microsoft.com/office/drawing/2014/main" id="{A25770F8-1FA1-1D5E-D768-E47CF7ED482A}"/>
-              </a:ext>
-            </a:extLst>
-          </p:cNvPr>
-          <p:cNvSpPr txBox="1"/>
-          <p:nvPr/>
-        </p:nvSpPr>
-        <p:spPr>
-          <a:xfrm>
-            <a:off x="311760" y="2802701"/>
-            <a:ext cx="8520120" cy="738664"/>
-          </a:xfrm>
-          <a:prstGeom prst="rect">
-            <a:avLst/>
-          </a:prstGeom>
-          <a:noFill/>
-        </p:spPr>
-        <p:txBody>
-          <a:bodyPr wrap="square" rtlCol="0">
-            <a:spAutoFit/>
-          </a:bodyPr>
-          <a:lstStyle/>
-          <a:p>
-            <a:r>
-              <a:rPr lang="it-IT" sz="1400" dirty="0" err="1"/>
-              <a:t>We</a:t>
-            </a:r>
-            <a:r>
-              <a:rPr lang="it-IT" sz="1400" dirty="0"/>
-              <a:t> </a:t>
-            </a:r>
-            <a:r>
-              <a:rPr lang="it-IT" sz="1400" dirty="0" err="1"/>
-              <a:t>used</a:t>
-            </a:r>
-            <a:r>
-              <a:rPr lang="it-IT" sz="1400" dirty="0"/>
-              <a:t> the </a:t>
-            </a:r>
-            <a:r>
-              <a:rPr lang="it-IT" sz="1400" b="1" dirty="0"/>
-              <a:t>Random </a:t>
-            </a:r>
-            <a:r>
-              <a:rPr lang="it-IT" sz="1400" b="1" dirty="0" err="1"/>
-              <a:t>Forests</a:t>
-            </a:r>
-            <a:r>
-              <a:rPr lang="it-IT" sz="1400" dirty="0"/>
-              <a:t> and </a:t>
-            </a:r>
-            <a:r>
-              <a:rPr lang="it-IT" sz="1400" b="1" dirty="0" err="1"/>
-              <a:t>SVM</a:t>
-            </a:r>
-            <a:r>
-              <a:rPr lang="it-IT" sz="1400" dirty="0" err="1"/>
-              <a:t>s</a:t>
-            </a:r>
-            <a:r>
-              <a:rPr lang="it-IT" sz="1400" dirty="0"/>
-              <a:t> from </a:t>
-            </a:r>
-            <a:r>
-              <a:rPr lang="it-IT" sz="1400" dirty="0" err="1"/>
-              <a:t>Scikit-Learn</a:t>
-            </a:r>
-            <a:r>
-              <a:rPr lang="it-IT" sz="1400" dirty="0"/>
-              <a:t>, and </a:t>
-            </a:r>
-            <a:r>
-              <a:rPr lang="it-IT" sz="1400" dirty="0" err="1"/>
-              <a:t>implemented</a:t>
-            </a:r>
-            <a:r>
-              <a:rPr lang="it-IT" sz="1400" dirty="0"/>
-              <a:t> a </a:t>
-            </a:r>
-            <a:r>
-              <a:rPr lang="it-IT" sz="1400" dirty="0" err="1"/>
-              <a:t>multilayer</a:t>
-            </a:r>
-            <a:r>
-              <a:rPr lang="it-IT" sz="1400" dirty="0"/>
-              <a:t> </a:t>
-            </a:r>
-            <a:r>
-              <a:rPr lang="it-IT" sz="1400" dirty="0" err="1"/>
-              <a:t>feedforward</a:t>
-            </a:r>
-            <a:r>
-              <a:rPr lang="it-IT" sz="1400" dirty="0"/>
-              <a:t> </a:t>
-            </a:r>
-            <a:r>
-              <a:rPr lang="it-IT" sz="1400" b="1" dirty="0" err="1"/>
-              <a:t>Neural</a:t>
-            </a:r>
-            <a:r>
-              <a:rPr lang="it-IT" sz="1400" b="1" dirty="0"/>
-              <a:t> Network</a:t>
-            </a:r>
-            <a:r>
-              <a:rPr lang="it-IT" sz="1400" dirty="0"/>
-              <a:t> </a:t>
-            </a:r>
-            <a:r>
-              <a:rPr lang="it-IT" sz="1400" dirty="0" err="1"/>
-              <a:t>using</a:t>
-            </a:r>
-            <a:r>
-              <a:rPr lang="it-IT" sz="1400" dirty="0"/>
-              <a:t> </a:t>
-            </a:r>
-            <a:r>
-              <a:rPr lang="it-IT" sz="1400" dirty="0" err="1"/>
-              <a:t>Keras</a:t>
-            </a:r>
-            <a:r>
-              <a:rPr lang="it-IT" sz="1400" dirty="0"/>
-              <a:t>. The </a:t>
-            </a:r>
-            <a:r>
-              <a:rPr lang="it-IT" sz="1400" dirty="0" err="1">
-                <a:latin typeface="Consolas" panose="020B0609020204030204" pitchFamily="49" charset="0"/>
-              </a:rPr>
-              <a:t>NeuralNetwork</a:t>
-            </a:r>
-            <a:r>
-              <a:rPr lang="it-IT" sz="1400" dirty="0"/>
-              <a:t> classes in </a:t>
-            </a:r>
-            <a:r>
-              <a:rPr lang="it-IT" sz="1400" dirty="0" err="1"/>
-              <a:t>our</a:t>
-            </a:r>
-            <a:r>
-              <a:rPr lang="it-IT" sz="1400" dirty="0"/>
-              <a:t> code </a:t>
-            </a:r>
-            <a:r>
-              <a:rPr lang="it-IT" sz="1400" dirty="0" err="1"/>
-              <a:t>is</a:t>
-            </a:r>
-            <a:r>
-              <a:rPr lang="it-IT" sz="1400" dirty="0"/>
-              <a:t> </a:t>
-            </a:r>
-            <a:r>
-              <a:rPr lang="it-IT" sz="1400" dirty="0" err="1"/>
-              <a:t>designed</a:t>
-          